--- a/model_file_template_primary.pptx
+++ b/model_file_template_primary.pptx
@@ -14,9 +14,9 @@
   <p:sldIdLst>
     <p:sldId id="272" r:id="rId3"/>
     <p:sldId id="259" r:id="rId4"/>
-    <p:sldId id="260" r:id="rId5"/>
-    <p:sldId id="261" r:id="rId6"/>
-    <p:sldId id="262" r:id="rId7"/>
+    <p:sldId id="273" r:id="rId5"/>
+    <p:sldId id="274" r:id="rId6"/>
+    <p:sldId id="275" r:id="rId7"/>
   </p:sldIdLst>
   <p:sldSz cx="12801600" cy="9601200" type="A3"/>
   <p:notesSz cx="14597063" cy="21107400"/>
@@ -156,9 +156,9 @@
         <p14:section name="モデル図ページ（プライマリークラス）" id="{8B2B3982-7BAC-4EE5-974E-E0EE0719EC85}">
           <p14:sldIdLst>
             <p14:sldId id="259"/>
-            <p14:sldId id="260"/>
-            <p14:sldId id="261"/>
-            <p14:sldId id="262"/>
+            <p14:sldId id="273"/>
+            <p14:sldId id="274"/>
+            <p14:sldId id="275"/>
           </p14:sldIdLst>
         </p14:section>
       </p14:sectionLst>
@@ -4153,57 +4153,252 @@
       </p:grpSpPr>
       <p:sp>
         <p:nvSpPr>
-          <p:cNvPr id="5" name="タイトル 4">
+          <p:cNvPr id="15" name="四角形: 角を丸くする 14">
             <a:extLst>
               <a:ext uri="{FF2B5EF4-FFF2-40B4-BE49-F238E27FC236}">
-                <a16:creationId xmlns:a16="http://schemas.microsoft.com/office/drawing/2014/main" id="{99E97F26-ED30-4870-B29B-88DD2A395D18}"/>
+                <a16:creationId xmlns:a16="http://schemas.microsoft.com/office/drawing/2014/main" id="{A9B96D26-795E-44A3-9A17-D2913FF49DAB}"/>
               </a:ext>
             </a:extLst>
           </p:cNvPr>
-          <p:cNvSpPr>
-            <a:spLocks noGrp="1"/>
-          </p:cNvSpPr>
-          <p:nvPr>
-            <p:ph type="title"/>
-          </p:nvPr>
+          <p:cNvSpPr/>
+          <p:nvPr/>
         </p:nvSpPr>
-        <p:spPr/>
+        <p:spPr>
+          <a:xfrm>
+            <a:off x="7552648" y="479950"/>
+            <a:ext cx="2520000" cy="864263"/>
+          </a:xfrm>
+          <a:prstGeom prst="roundRect">
+            <a:avLst/>
+          </a:prstGeom>
+          <a:ln w="28575">
+            <a:solidFill>
+              <a:schemeClr val="accent6">
+                <a:lumMod val="60000"/>
+                <a:lumOff val="40000"/>
+              </a:schemeClr>
+            </a:solidFill>
+          </a:ln>
+        </p:spPr>
+        <p:style>
+          <a:lnRef idx="2">
+            <a:schemeClr val="accent6"/>
+          </a:lnRef>
+          <a:fillRef idx="1">
+            <a:schemeClr val="lt1"/>
+          </a:fillRef>
+          <a:effectRef idx="0">
+            <a:schemeClr val="accent6"/>
+          </a:effectRef>
+          <a:fontRef idx="minor">
+            <a:schemeClr val="dk1"/>
+          </a:fontRef>
+        </p:style>
         <p:txBody>
-          <a:bodyPr/>
+          <a:bodyPr rtlCol="0" anchor="ctr"/>
           <a:lstStyle/>
           <a:p>
-            <a:r>
-              <a:rPr kumimoji="1" lang="ja-JP" altLang="en-US" dirty="0"/>
-              <a:t>機能モデル</a:t>
-            </a:r>
+            <a:pPr algn="ctr"/>
+            <a:endParaRPr kumimoji="1" lang="ja-JP" altLang="en-US"/>
           </a:p>
         </p:txBody>
       </p:sp>
       <p:sp>
         <p:nvSpPr>
-          <p:cNvPr id="7" name="コンテンツ プレースホルダー 6">
+          <p:cNvPr id="14" name="四角形: 角を丸くする 13">
             <a:extLst>
               <a:ext uri="{FF2B5EF4-FFF2-40B4-BE49-F238E27FC236}">
-                <a16:creationId xmlns:a16="http://schemas.microsoft.com/office/drawing/2014/main" id="{43A1BEA2-AA1D-441C-972E-6D458196DA19}"/>
+                <a16:creationId xmlns:a16="http://schemas.microsoft.com/office/drawing/2014/main" id="{5DFFF80D-32F6-4641-A456-86DEF48B839E}"/>
               </a:ext>
             </a:extLst>
           </p:cNvPr>
-          <p:cNvSpPr>
-            <a:spLocks noGrp="1"/>
-          </p:cNvSpPr>
-          <p:nvPr>
-            <p:ph idx="1"/>
-          </p:nvPr>
+          <p:cNvSpPr/>
+          <p:nvPr/>
         </p:nvSpPr>
-        <p:spPr/>
+        <p:spPr>
+          <a:xfrm>
+            <a:off x="5032648" y="479872"/>
+            <a:ext cx="2520000" cy="864342"/>
+          </a:xfrm>
+          <a:prstGeom prst="roundRect">
+            <a:avLst/>
+          </a:prstGeom>
+          <a:ln w="28575">
+            <a:solidFill>
+              <a:schemeClr val="accent6">
+                <a:lumMod val="60000"/>
+                <a:lumOff val="40000"/>
+              </a:schemeClr>
+            </a:solidFill>
+          </a:ln>
+        </p:spPr>
+        <p:style>
+          <a:lnRef idx="2">
+            <a:schemeClr val="accent6"/>
+          </a:lnRef>
+          <a:fillRef idx="1">
+            <a:schemeClr val="lt1"/>
+          </a:fillRef>
+          <a:effectRef idx="0">
+            <a:schemeClr val="accent6"/>
+          </a:effectRef>
+          <a:fontRef idx="minor">
+            <a:schemeClr val="dk1"/>
+          </a:fontRef>
+        </p:style>
         <p:txBody>
-          <a:bodyPr/>
+          <a:bodyPr rtlCol="0" anchor="ctr"/>
           <a:lstStyle/>
           <a:p>
-            <a:r>
-              <a:rPr kumimoji="1" lang="ja-JP" altLang="en-US" dirty="0"/>
-              <a:t>ここに機能のモデルを書く</a:t>
-            </a:r>
+            <a:pPr algn="ctr"/>
+            <a:endParaRPr kumimoji="1" lang="ja-JP" altLang="en-US"/>
+          </a:p>
+        </p:txBody>
+      </p:sp>
+      <p:sp>
+        <p:nvSpPr>
+          <p:cNvPr id="13" name="四角形: 角を丸くする 12">
+            <a:extLst>
+              <a:ext uri="{FF2B5EF4-FFF2-40B4-BE49-F238E27FC236}">
+                <a16:creationId xmlns:a16="http://schemas.microsoft.com/office/drawing/2014/main" id="{84934B8C-C644-49A7-8C50-B417AAAD4BD4}"/>
+              </a:ext>
+            </a:extLst>
+          </p:cNvPr>
+          <p:cNvSpPr/>
+          <p:nvPr/>
+        </p:nvSpPr>
+        <p:spPr>
+          <a:xfrm>
+            <a:off x="2555324" y="479872"/>
+            <a:ext cx="2477324" cy="864343"/>
+          </a:xfrm>
+          <a:prstGeom prst="roundRect">
+            <a:avLst/>
+          </a:prstGeom>
+          <a:ln w="28575">
+            <a:solidFill>
+              <a:schemeClr val="accent6">
+                <a:lumMod val="60000"/>
+                <a:lumOff val="40000"/>
+              </a:schemeClr>
+            </a:solidFill>
+          </a:ln>
+        </p:spPr>
+        <p:style>
+          <a:lnRef idx="2">
+            <a:schemeClr val="accent6"/>
+          </a:lnRef>
+          <a:fillRef idx="1">
+            <a:schemeClr val="lt1"/>
+          </a:fillRef>
+          <a:effectRef idx="0">
+            <a:schemeClr val="accent6"/>
+          </a:effectRef>
+          <a:fontRef idx="minor">
+            <a:schemeClr val="dk1"/>
+          </a:fontRef>
+        </p:style>
+        <p:txBody>
+          <a:bodyPr rtlCol="0" anchor="ctr"/>
+          <a:lstStyle/>
+          <a:p>
+            <a:pPr algn="ctr"/>
+            <a:endParaRPr kumimoji="1" lang="ja-JP" altLang="en-US"/>
+          </a:p>
+        </p:txBody>
+      </p:sp>
+      <p:sp>
+        <p:nvSpPr>
+          <p:cNvPr id="12" name="四角形: 角を丸くする 11">
+            <a:extLst>
+              <a:ext uri="{FF2B5EF4-FFF2-40B4-BE49-F238E27FC236}">
+                <a16:creationId xmlns:a16="http://schemas.microsoft.com/office/drawing/2014/main" id="{AFFC4548-7F1A-4F38-96A5-7A693D93CF9B}"/>
+              </a:ext>
+            </a:extLst>
+          </p:cNvPr>
+          <p:cNvSpPr/>
+          <p:nvPr/>
+        </p:nvSpPr>
+        <p:spPr>
+          <a:xfrm>
+            <a:off x="42212" y="480120"/>
+            <a:ext cx="2520000" cy="1224384"/>
+          </a:xfrm>
+          <a:prstGeom prst="roundRect">
+            <a:avLst>
+              <a:gd name="adj" fmla="val 13842"/>
+            </a:avLst>
+          </a:prstGeom>
+          <a:ln w="57150"/>
+        </p:spPr>
+        <p:style>
+          <a:lnRef idx="2">
+            <a:schemeClr val="accent6"/>
+          </a:lnRef>
+          <a:fillRef idx="1">
+            <a:schemeClr val="lt1"/>
+          </a:fillRef>
+          <a:effectRef idx="0">
+            <a:schemeClr val="accent6"/>
+          </a:effectRef>
+          <a:fontRef idx="minor">
+            <a:schemeClr val="dk1"/>
+          </a:fontRef>
+        </p:style>
+        <p:txBody>
+          <a:bodyPr rtlCol="0" anchor="ctr"/>
+          <a:lstStyle/>
+          <a:p>
+            <a:pPr algn="ctr"/>
+            <a:endParaRPr kumimoji="1" lang="ja-JP" altLang="en-US" dirty="0"/>
+          </a:p>
+        </p:txBody>
+      </p:sp>
+      <p:sp>
+        <p:nvSpPr>
+          <p:cNvPr id="11" name="正方形/長方形 10">
+            <a:extLst>
+              <a:ext uri="{FF2B5EF4-FFF2-40B4-BE49-F238E27FC236}">
+                <a16:creationId xmlns:a16="http://schemas.microsoft.com/office/drawing/2014/main" id="{4CF528F6-0D59-4A16-899E-E9075561CAD3}"/>
+              </a:ext>
+            </a:extLst>
+          </p:cNvPr>
+          <p:cNvSpPr/>
+          <p:nvPr/>
+        </p:nvSpPr>
+        <p:spPr>
+          <a:xfrm>
+            <a:off x="28800" y="1201128"/>
+            <a:ext cx="12744000" cy="8352000"/>
+          </a:xfrm>
+          <a:prstGeom prst="rect">
+            <a:avLst/>
+          </a:prstGeom>
+          <a:ln w="28575">
+            <a:headEnd type="none" w="med" len="med"/>
+            <a:tailEnd type="none" w="med" len="med"/>
+          </a:ln>
+        </p:spPr>
+        <p:style>
+          <a:lnRef idx="2">
+            <a:schemeClr val="accent6"/>
+          </a:lnRef>
+          <a:fillRef idx="1">
+            <a:schemeClr val="lt1"/>
+          </a:fillRef>
+          <a:effectRef idx="0">
+            <a:schemeClr val="accent6"/>
+          </a:effectRef>
+          <a:fontRef idx="minor">
+            <a:schemeClr val="dk1"/>
+          </a:fontRef>
+        </p:style>
+        <p:txBody>
+          <a:bodyPr rtlCol="0" anchor="ctr"/>
+          <a:lstStyle/>
+          <a:p>
+            <a:pPr algn="ctr"/>
+            <a:endParaRPr kumimoji="1" lang="ja-JP" altLang="en-US" dirty="0"/>
           </a:p>
         </p:txBody>
       </p:sp>
@@ -4239,64 +4434,259 @@
       </p:grpSpPr>
       <p:sp>
         <p:nvSpPr>
-          <p:cNvPr id="2" name="タイトル 1">
+          <p:cNvPr id="15" name="四角形: 角を丸くする 14">
             <a:extLst>
               <a:ext uri="{FF2B5EF4-FFF2-40B4-BE49-F238E27FC236}">
-                <a16:creationId xmlns:a16="http://schemas.microsoft.com/office/drawing/2014/main" id="{E6440250-F656-44C9-902A-E623DA03BB80}"/>
+                <a16:creationId xmlns:a16="http://schemas.microsoft.com/office/drawing/2014/main" id="{A9B96D26-795E-44A3-9A17-D2913FF49DAB}"/>
               </a:ext>
             </a:extLst>
           </p:cNvPr>
-          <p:cNvSpPr>
-            <a:spLocks noGrp="1"/>
-          </p:cNvSpPr>
-          <p:nvPr>
-            <p:ph type="title"/>
-          </p:nvPr>
+          <p:cNvSpPr/>
+          <p:nvPr/>
         </p:nvSpPr>
-        <p:spPr/>
+        <p:spPr>
+          <a:xfrm>
+            <a:off x="7552648" y="479950"/>
+            <a:ext cx="2520000" cy="864263"/>
+          </a:xfrm>
+          <a:prstGeom prst="roundRect">
+            <a:avLst/>
+          </a:prstGeom>
+          <a:ln w="28575">
+            <a:solidFill>
+              <a:schemeClr val="accent6">
+                <a:lumMod val="60000"/>
+                <a:lumOff val="40000"/>
+              </a:schemeClr>
+            </a:solidFill>
+          </a:ln>
+        </p:spPr>
+        <p:style>
+          <a:lnRef idx="2">
+            <a:schemeClr val="accent6"/>
+          </a:lnRef>
+          <a:fillRef idx="1">
+            <a:schemeClr val="lt1"/>
+          </a:fillRef>
+          <a:effectRef idx="0">
+            <a:schemeClr val="accent6"/>
+          </a:effectRef>
+          <a:fontRef idx="minor">
+            <a:schemeClr val="dk1"/>
+          </a:fontRef>
+        </p:style>
         <p:txBody>
-          <a:bodyPr/>
+          <a:bodyPr rtlCol="0" anchor="ctr"/>
           <a:lstStyle/>
           <a:p>
-            <a:r>
-              <a:rPr kumimoji="1" lang="ja-JP" altLang="en-US" dirty="0"/>
-              <a:t>構造モデル</a:t>
-            </a:r>
+            <a:pPr algn="ctr"/>
+            <a:endParaRPr kumimoji="1" lang="ja-JP" altLang="en-US"/>
           </a:p>
         </p:txBody>
       </p:sp>
       <p:sp>
         <p:nvSpPr>
-          <p:cNvPr id="6" name="コンテンツ プレースホルダー 5">
+          <p:cNvPr id="14" name="四角形: 角を丸くする 13">
             <a:extLst>
               <a:ext uri="{FF2B5EF4-FFF2-40B4-BE49-F238E27FC236}">
-                <a16:creationId xmlns:a16="http://schemas.microsoft.com/office/drawing/2014/main" id="{26FAAD07-F302-42C1-85D9-C09DAB46A420}"/>
+                <a16:creationId xmlns:a16="http://schemas.microsoft.com/office/drawing/2014/main" id="{5DFFF80D-32F6-4641-A456-86DEF48B839E}"/>
               </a:ext>
             </a:extLst>
           </p:cNvPr>
-          <p:cNvSpPr>
-            <a:spLocks noGrp="1"/>
-          </p:cNvSpPr>
-          <p:nvPr>
-            <p:ph idx="1"/>
-          </p:nvPr>
+          <p:cNvSpPr/>
+          <p:nvPr/>
         </p:nvSpPr>
-        <p:spPr/>
+        <p:spPr>
+          <a:xfrm>
+            <a:off x="5032648" y="479872"/>
+            <a:ext cx="2520000" cy="864342"/>
+          </a:xfrm>
+          <a:prstGeom prst="roundRect">
+            <a:avLst/>
+          </a:prstGeom>
+          <a:ln w="28575">
+            <a:solidFill>
+              <a:schemeClr val="accent6">
+                <a:lumMod val="60000"/>
+                <a:lumOff val="40000"/>
+              </a:schemeClr>
+            </a:solidFill>
+          </a:ln>
+        </p:spPr>
+        <p:style>
+          <a:lnRef idx="2">
+            <a:schemeClr val="accent6"/>
+          </a:lnRef>
+          <a:fillRef idx="1">
+            <a:schemeClr val="lt1"/>
+          </a:fillRef>
+          <a:effectRef idx="0">
+            <a:schemeClr val="accent6"/>
+          </a:effectRef>
+          <a:fontRef idx="minor">
+            <a:schemeClr val="dk1"/>
+          </a:fontRef>
+        </p:style>
         <p:txBody>
-          <a:bodyPr/>
+          <a:bodyPr rtlCol="0" anchor="ctr"/>
           <a:lstStyle/>
           <a:p>
-            <a:r>
-              <a:rPr kumimoji="1" lang="ja-JP" altLang="en-US" dirty="0"/>
-              <a:t>ここに構造のモデルを書く</a:t>
-            </a:r>
+            <a:pPr algn="ctr"/>
+            <a:endParaRPr kumimoji="1" lang="ja-JP" altLang="en-US"/>
+          </a:p>
+        </p:txBody>
+      </p:sp>
+      <p:sp>
+        <p:nvSpPr>
+          <p:cNvPr id="13" name="四角形: 角を丸くする 12">
+            <a:extLst>
+              <a:ext uri="{FF2B5EF4-FFF2-40B4-BE49-F238E27FC236}">
+                <a16:creationId xmlns:a16="http://schemas.microsoft.com/office/drawing/2014/main" id="{84934B8C-C644-49A7-8C50-B417AAAD4BD4}"/>
+              </a:ext>
+            </a:extLst>
+          </p:cNvPr>
+          <p:cNvSpPr/>
+          <p:nvPr/>
+        </p:nvSpPr>
+        <p:spPr>
+          <a:xfrm>
+            <a:off x="28800" y="479870"/>
+            <a:ext cx="2477324" cy="864343"/>
+          </a:xfrm>
+          <a:prstGeom prst="roundRect">
+            <a:avLst/>
+          </a:prstGeom>
+          <a:ln w="28575">
+            <a:solidFill>
+              <a:schemeClr val="accent6">
+                <a:lumMod val="60000"/>
+                <a:lumOff val="40000"/>
+              </a:schemeClr>
+            </a:solidFill>
+          </a:ln>
+        </p:spPr>
+        <p:style>
+          <a:lnRef idx="2">
+            <a:schemeClr val="accent6"/>
+          </a:lnRef>
+          <a:fillRef idx="1">
+            <a:schemeClr val="lt1"/>
+          </a:fillRef>
+          <a:effectRef idx="0">
+            <a:schemeClr val="accent6"/>
+          </a:effectRef>
+          <a:fontRef idx="minor">
+            <a:schemeClr val="dk1"/>
+          </a:fontRef>
+        </p:style>
+        <p:txBody>
+          <a:bodyPr rtlCol="0" anchor="ctr"/>
+          <a:lstStyle/>
+          <a:p>
+            <a:pPr algn="ctr"/>
+            <a:endParaRPr kumimoji="1" lang="ja-JP" altLang="en-US"/>
+          </a:p>
+        </p:txBody>
+      </p:sp>
+      <p:sp>
+        <p:nvSpPr>
+          <p:cNvPr id="12" name="四角形: 角を丸くする 11">
+            <a:extLst>
+              <a:ext uri="{FF2B5EF4-FFF2-40B4-BE49-F238E27FC236}">
+                <a16:creationId xmlns:a16="http://schemas.microsoft.com/office/drawing/2014/main" id="{AFFC4548-7F1A-4F38-96A5-7A693D93CF9B}"/>
+              </a:ext>
+            </a:extLst>
+          </p:cNvPr>
+          <p:cNvSpPr/>
+          <p:nvPr/>
+        </p:nvSpPr>
+        <p:spPr>
+          <a:xfrm>
+            <a:off x="2512648" y="479870"/>
+            <a:ext cx="2520000" cy="1224384"/>
+          </a:xfrm>
+          <a:prstGeom prst="roundRect">
+            <a:avLst>
+              <a:gd name="adj" fmla="val 13842"/>
+            </a:avLst>
+          </a:prstGeom>
+          <a:ln w="57150"/>
+        </p:spPr>
+        <p:style>
+          <a:lnRef idx="2">
+            <a:schemeClr val="accent6"/>
+          </a:lnRef>
+          <a:fillRef idx="1">
+            <a:schemeClr val="lt1"/>
+          </a:fillRef>
+          <a:effectRef idx="0">
+            <a:schemeClr val="accent6"/>
+          </a:effectRef>
+          <a:fontRef idx="minor">
+            <a:schemeClr val="dk1"/>
+          </a:fontRef>
+        </p:style>
+        <p:txBody>
+          <a:bodyPr rtlCol="0" anchor="ctr"/>
+          <a:lstStyle/>
+          <a:p>
+            <a:pPr algn="ctr"/>
+            <a:endParaRPr kumimoji="1" lang="ja-JP" altLang="en-US" dirty="0"/>
+          </a:p>
+        </p:txBody>
+      </p:sp>
+      <p:sp>
+        <p:nvSpPr>
+          <p:cNvPr id="11" name="正方形/長方形 10">
+            <a:extLst>
+              <a:ext uri="{FF2B5EF4-FFF2-40B4-BE49-F238E27FC236}">
+                <a16:creationId xmlns:a16="http://schemas.microsoft.com/office/drawing/2014/main" id="{4CF528F6-0D59-4A16-899E-E9075561CAD3}"/>
+              </a:ext>
+            </a:extLst>
+          </p:cNvPr>
+          <p:cNvSpPr/>
+          <p:nvPr/>
+        </p:nvSpPr>
+        <p:spPr>
+          <a:xfrm>
+            <a:off x="28800" y="1201128"/>
+            <a:ext cx="12744000" cy="8352000"/>
+          </a:xfrm>
+          <a:prstGeom prst="rect">
+            <a:avLst/>
+          </a:prstGeom>
+          <a:ln w="28575">
+            <a:headEnd type="none" w="med" len="med"/>
+            <a:tailEnd type="none" w="med" len="med"/>
+          </a:ln>
+        </p:spPr>
+        <p:style>
+          <a:lnRef idx="2">
+            <a:schemeClr val="accent6"/>
+          </a:lnRef>
+          <a:fillRef idx="1">
+            <a:schemeClr val="lt1"/>
+          </a:fillRef>
+          <a:effectRef idx="0">
+            <a:schemeClr val="accent6"/>
+          </a:effectRef>
+          <a:fontRef idx="minor">
+            <a:schemeClr val="dk1"/>
+          </a:fontRef>
+        </p:style>
+        <p:txBody>
+          <a:bodyPr rtlCol="0" anchor="ctr"/>
+          <a:lstStyle/>
+          <a:p>
+            <a:pPr algn="ctr"/>
+            <a:endParaRPr kumimoji="1" lang="ja-JP" altLang="en-US" dirty="0"/>
           </a:p>
         </p:txBody>
       </p:sp>
     </p:spTree>
     <p:extLst>
       <p:ext uri="{BB962C8B-B14F-4D97-AF65-F5344CB8AC3E}">
-        <p14:creationId xmlns:p14="http://schemas.microsoft.com/office/powerpoint/2010/main" val="3609020167"/>
+        <p14:creationId xmlns:p14="http://schemas.microsoft.com/office/powerpoint/2010/main" val="3466439057"/>
       </p:ext>
     </p:extLst>
   </p:cSld>
@@ -4325,65 +4715,259 @@
       </p:grpSpPr>
       <p:sp>
         <p:nvSpPr>
-          <p:cNvPr id="2" name="タイトル 1">
+          <p:cNvPr id="15" name="四角形: 角を丸くする 14">
             <a:extLst>
               <a:ext uri="{FF2B5EF4-FFF2-40B4-BE49-F238E27FC236}">
-                <a16:creationId xmlns:a16="http://schemas.microsoft.com/office/drawing/2014/main" id="{5AD8C0B5-06BB-41B2-8E22-3BCAD69EBEF4}"/>
+                <a16:creationId xmlns:a16="http://schemas.microsoft.com/office/drawing/2014/main" id="{A9B96D26-795E-44A3-9A17-D2913FF49DAB}"/>
               </a:ext>
             </a:extLst>
           </p:cNvPr>
-          <p:cNvSpPr>
-            <a:spLocks noGrp="1"/>
-          </p:cNvSpPr>
-          <p:nvPr>
-            <p:ph type="title"/>
-          </p:nvPr>
+          <p:cNvSpPr/>
+          <p:nvPr/>
         </p:nvSpPr>
-        <p:spPr/>
+        <p:spPr>
+          <a:xfrm>
+            <a:off x="7546124" y="479869"/>
+            <a:ext cx="2520000" cy="864263"/>
+          </a:xfrm>
+          <a:prstGeom prst="roundRect">
+            <a:avLst/>
+          </a:prstGeom>
+          <a:ln w="28575">
+            <a:solidFill>
+              <a:schemeClr val="accent6">
+                <a:lumMod val="60000"/>
+                <a:lumOff val="40000"/>
+              </a:schemeClr>
+            </a:solidFill>
+          </a:ln>
+        </p:spPr>
+        <p:style>
+          <a:lnRef idx="2">
+            <a:schemeClr val="accent6"/>
+          </a:lnRef>
+          <a:fillRef idx="1">
+            <a:schemeClr val="lt1"/>
+          </a:fillRef>
+          <a:effectRef idx="0">
+            <a:schemeClr val="accent6"/>
+          </a:effectRef>
+          <a:fontRef idx="minor">
+            <a:schemeClr val="dk1"/>
+          </a:fontRef>
+        </p:style>
         <p:txBody>
-          <a:bodyPr/>
+          <a:bodyPr rtlCol="0" anchor="ctr"/>
           <a:lstStyle/>
           <a:p>
-            <a:r>
-              <a:rPr lang="ja-JP" altLang="en-US" dirty="0"/>
-              <a:t>振舞いモデル</a:t>
-            </a:r>
-            <a:endParaRPr kumimoji="1" lang="ja-JP" altLang="en-US" dirty="0"/>
+            <a:pPr algn="ctr"/>
+            <a:endParaRPr kumimoji="1" lang="ja-JP" altLang="en-US"/>
           </a:p>
         </p:txBody>
       </p:sp>
       <p:sp>
         <p:nvSpPr>
-          <p:cNvPr id="5" name="コンテンツ プレースホルダー 4">
+          <p:cNvPr id="14" name="四角形: 角を丸くする 13">
             <a:extLst>
               <a:ext uri="{FF2B5EF4-FFF2-40B4-BE49-F238E27FC236}">
-                <a16:creationId xmlns:a16="http://schemas.microsoft.com/office/drawing/2014/main" id="{21492ACA-CEBB-4A08-A6B6-1B760833EEA5}"/>
+                <a16:creationId xmlns:a16="http://schemas.microsoft.com/office/drawing/2014/main" id="{5DFFF80D-32F6-4641-A456-86DEF48B839E}"/>
               </a:ext>
             </a:extLst>
           </p:cNvPr>
-          <p:cNvSpPr>
-            <a:spLocks noGrp="1"/>
-          </p:cNvSpPr>
-          <p:nvPr>
-            <p:ph idx="1"/>
-          </p:nvPr>
+          <p:cNvSpPr/>
+          <p:nvPr/>
         </p:nvSpPr>
-        <p:spPr/>
+        <p:spPr>
+          <a:xfrm>
+            <a:off x="2506124" y="479871"/>
+            <a:ext cx="2520000" cy="864342"/>
+          </a:xfrm>
+          <a:prstGeom prst="roundRect">
+            <a:avLst/>
+          </a:prstGeom>
+          <a:ln w="28575">
+            <a:solidFill>
+              <a:schemeClr val="accent6">
+                <a:lumMod val="60000"/>
+                <a:lumOff val="40000"/>
+              </a:schemeClr>
+            </a:solidFill>
+          </a:ln>
+        </p:spPr>
+        <p:style>
+          <a:lnRef idx="2">
+            <a:schemeClr val="accent6"/>
+          </a:lnRef>
+          <a:fillRef idx="1">
+            <a:schemeClr val="lt1"/>
+          </a:fillRef>
+          <a:effectRef idx="0">
+            <a:schemeClr val="accent6"/>
+          </a:effectRef>
+          <a:fontRef idx="minor">
+            <a:schemeClr val="dk1"/>
+          </a:fontRef>
+        </p:style>
         <p:txBody>
-          <a:bodyPr/>
+          <a:bodyPr rtlCol="0" anchor="ctr"/>
           <a:lstStyle/>
           <a:p>
-            <a:r>
-              <a:rPr kumimoji="1" lang="ja-JP" altLang="en-US" dirty="0"/>
-              <a:t>ここに振舞いのモデルを書く</a:t>
-            </a:r>
+            <a:pPr algn="ctr"/>
+            <a:endParaRPr kumimoji="1" lang="ja-JP" altLang="en-US"/>
+          </a:p>
+        </p:txBody>
+      </p:sp>
+      <p:sp>
+        <p:nvSpPr>
+          <p:cNvPr id="13" name="四角形: 角を丸くする 12">
+            <a:extLst>
+              <a:ext uri="{FF2B5EF4-FFF2-40B4-BE49-F238E27FC236}">
+                <a16:creationId xmlns:a16="http://schemas.microsoft.com/office/drawing/2014/main" id="{84934B8C-C644-49A7-8C50-B417AAAD4BD4}"/>
+              </a:ext>
+            </a:extLst>
+          </p:cNvPr>
+          <p:cNvSpPr/>
+          <p:nvPr/>
+        </p:nvSpPr>
+        <p:spPr>
+          <a:xfrm>
+            <a:off x="28800" y="479870"/>
+            <a:ext cx="2477324" cy="864343"/>
+          </a:xfrm>
+          <a:prstGeom prst="roundRect">
+            <a:avLst/>
+          </a:prstGeom>
+          <a:ln w="28575">
+            <a:solidFill>
+              <a:schemeClr val="accent6">
+                <a:lumMod val="60000"/>
+                <a:lumOff val="40000"/>
+              </a:schemeClr>
+            </a:solidFill>
+          </a:ln>
+        </p:spPr>
+        <p:style>
+          <a:lnRef idx="2">
+            <a:schemeClr val="accent6"/>
+          </a:lnRef>
+          <a:fillRef idx="1">
+            <a:schemeClr val="lt1"/>
+          </a:fillRef>
+          <a:effectRef idx="0">
+            <a:schemeClr val="accent6"/>
+          </a:effectRef>
+          <a:fontRef idx="minor">
+            <a:schemeClr val="dk1"/>
+          </a:fontRef>
+        </p:style>
+        <p:txBody>
+          <a:bodyPr rtlCol="0" anchor="ctr"/>
+          <a:lstStyle/>
+          <a:p>
+            <a:pPr algn="ctr"/>
+            <a:endParaRPr kumimoji="1" lang="ja-JP" altLang="en-US"/>
+          </a:p>
+        </p:txBody>
+      </p:sp>
+      <p:sp>
+        <p:nvSpPr>
+          <p:cNvPr id="12" name="四角形: 角を丸くする 11">
+            <a:extLst>
+              <a:ext uri="{FF2B5EF4-FFF2-40B4-BE49-F238E27FC236}">
+                <a16:creationId xmlns:a16="http://schemas.microsoft.com/office/drawing/2014/main" id="{AFFC4548-7F1A-4F38-96A5-7A693D93CF9B}"/>
+              </a:ext>
+            </a:extLst>
+          </p:cNvPr>
+          <p:cNvSpPr/>
+          <p:nvPr/>
+        </p:nvSpPr>
+        <p:spPr>
+          <a:xfrm>
+            <a:off x="5026124" y="479870"/>
+            <a:ext cx="2520000" cy="1224384"/>
+          </a:xfrm>
+          <a:prstGeom prst="roundRect">
+            <a:avLst>
+              <a:gd name="adj" fmla="val 13842"/>
+            </a:avLst>
+          </a:prstGeom>
+          <a:ln w="57150"/>
+        </p:spPr>
+        <p:style>
+          <a:lnRef idx="2">
+            <a:schemeClr val="accent6"/>
+          </a:lnRef>
+          <a:fillRef idx="1">
+            <a:schemeClr val="lt1"/>
+          </a:fillRef>
+          <a:effectRef idx="0">
+            <a:schemeClr val="accent6"/>
+          </a:effectRef>
+          <a:fontRef idx="minor">
+            <a:schemeClr val="dk1"/>
+          </a:fontRef>
+        </p:style>
+        <p:txBody>
+          <a:bodyPr rtlCol="0" anchor="ctr"/>
+          <a:lstStyle/>
+          <a:p>
+            <a:pPr algn="ctr"/>
+            <a:endParaRPr kumimoji="1" lang="ja-JP" altLang="en-US" dirty="0"/>
+          </a:p>
+        </p:txBody>
+      </p:sp>
+      <p:sp>
+        <p:nvSpPr>
+          <p:cNvPr id="11" name="正方形/長方形 10">
+            <a:extLst>
+              <a:ext uri="{FF2B5EF4-FFF2-40B4-BE49-F238E27FC236}">
+                <a16:creationId xmlns:a16="http://schemas.microsoft.com/office/drawing/2014/main" id="{4CF528F6-0D59-4A16-899E-E9075561CAD3}"/>
+              </a:ext>
+            </a:extLst>
+          </p:cNvPr>
+          <p:cNvSpPr/>
+          <p:nvPr/>
+        </p:nvSpPr>
+        <p:spPr>
+          <a:xfrm>
+            <a:off x="28800" y="1201128"/>
+            <a:ext cx="12744000" cy="8352000"/>
+          </a:xfrm>
+          <a:prstGeom prst="rect">
+            <a:avLst/>
+          </a:prstGeom>
+          <a:ln w="28575">
+            <a:headEnd type="none" w="med" len="med"/>
+            <a:tailEnd type="none" w="med" len="med"/>
+          </a:ln>
+        </p:spPr>
+        <p:style>
+          <a:lnRef idx="2">
+            <a:schemeClr val="accent6"/>
+          </a:lnRef>
+          <a:fillRef idx="1">
+            <a:schemeClr val="lt1"/>
+          </a:fillRef>
+          <a:effectRef idx="0">
+            <a:schemeClr val="accent6"/>
+          </a:effectRef>
+          <a:fontRef idx="minor">
+            <a:schemeClr val="dk1"/>
+          </a:fontRef>
+        </p:style>
+        <p:txBody>
+          <a:bodyPr rtlCol="0" anchor="ctr"/>
+          <a:lstStyle/>
+          <a:p>
+            <a:pPr algn="ctr"/>
+            <a:endParaRPr kumimoji="1" lang="ja-JP" altLang="en-US" dirty="0"/>
           </a:p>
         </p:txBody>
       </p:sp>
     </p:spTree>
     <p:extLst>
       <p:ext uri="{BB962C8B-B14F-4D97-AF65-F5344CB8AC3E}">
-        <p14:creationId xmlns:p14="http://schemas.microsoft.com/office/powerpoint/2010/main" val="1167203408"/>
+        <p14:creationId xmlns:p14="http://schemas.microsoft.com/office/powerpoint/2010/main" val="3425227731"/>
       </p:ext>
     </p:extLst>
   </p:cSld>
@@ -4412,83 +4996,251 @@
       </p:grpSpPr>
       <p:sp>
         <p:nvSpPr>
-          <p:cNvPr id="2" name="タイトル 1">
+          <p:cNvPr id="15" name="四角形: 角を丸くする 14">
             <a:extLst>
               <a:ext uri="{FF2B5EF4-FFF2-40B4-BE49-F238E27FC236}">
-                <a16:creationId xmlns:a16="http://schemas.microsoft.com/office/drawing/2014/main" id="{0A5C9B4A-2DC2-489D-8E52-893A4ED8479E}"/>
+                <a16:creationId xmlns:a16="http://schemas.microsoft.com/office/drawing/2014/main" id="{A9B96D26-795E-44A3-9A17-D2913FF49DAB}"/>
               </a:ext>
             </a:extLst>
           </p:cNvPr>
-          <p:cNvSpPr>
-            <a:spLocks noGrp="1"/>
-          </p:cNvSpPr>
-          <p:nvPr>
-            <p:ph type="title"/>
-          </p:nvPr>
+          <p:cNvSpPr/>
+          <p:nvPr/>
         </p:nvSpPr>
-        <p:spPr/>
+        <p:spPr>
+          <a:xfrm>
+            <a:off x="5026124" y="479870"/>
+            <a:ext cx="2520000" cy="864263"/>
+          </a:xfrm>
+          <a:prstGeom prst="roundRect">
+            <a:avLst/>
+          </a:prstGeom>
+          <a:ln w="28575">
+            <a:solidFill>
+              <a:schemeClr val="accent6">
+                <a:lumMod val="60000"/>
+                <a:lumOff val="40000"/>
+              </a:schemeClr>
+            </a:solidFill>
+          </a:ln>
+        </p:spPr>
+        <p:style>
+          <a:lnRef idx="2">
+            <a:schemeClr val="accent6"/>
+          </a:lnRef>
+          <a:fillRef idx="1">
+            <a:schemeClr val="lt1"/>
+          </a:fillRef>
+          <a:effectRef idx="0">
+            <a:schemeClr val="accent6"/>
+          </a:effectRef>
+          <a:fontRef idx="minor">
+            <a:schemeClr val="dk1"/>
+          </a:fontRef>
+        </p:style>
         <p:txBody>
-          <a:bodyPr/>
+          <a:bodyPr rtlCol="0" anchor="ctr"/>
           <a:lstStyle/>
           <a:p>
-            <a:r>
-              <a:rPr lang="ja-JP" altLang="en-US" dirty="0"/>
-              <a:t>工夫点（最終頁とする）</a:t>
-            </a:r>
-            <a:endParaRPr kumimoji="1" lang="ja-JP" altLang="en-US" dirty="0"/>
+            <a:pPr algn="ctr"/>
+            <a:endParaRPr kumimoji="1" lang="ja-JP" altLang="en-US"/>
           </a:p>
         </p:txBody>
       </p:sp>
       <p:sp>
         <p:nvSpPr>
-          <p:cNvPr id="3" name="コンテンツ プレースホルダー 2">
+          <p:cNvPr id="14" name="四角形: 角を丸くする 13">
             <a:extLst>
               <a:ext uri="{FF2B5EF4-FFF2-40B4-BE49-F238E27FC236}">
-                <a16:creationId xmlns:a16="http://schemas.microsoft.com/office/drawing/2014/main" id="{D4651C66-4CA5-44C5-9C2F-0F0EC6F6B6FA}"/>
+                <a16:creationId xmlns:a16="http://schemas.microsoft.com/office/drawing/2014/main" id="{5DFFF80D-32F6-4641-A456-86DEF48B839E}"/>
               </a:ext>
             </a:extLst>
           </p:cNvPr>
-          <p:cNvSpPr>
-            <a:spLocks noGrp="1"/>
-          </p:cNvSpPr>
-          <p:nvPr>
-            <p:ph idx="1"/>
-          </p:nvPr>
+          <p:cNvSpPr/>
+          <p:nvPr/>
         </p:nvSpPr>
-        <p:spPr/>
+        <p:spPr>
+          <a:xfrm>
+            <a:off x="2506124" y="479871"/>
+            <a:ext cx="2520000" cy="864342"/>
+          </a:xfrm>
+          <a:prstGeom prst="roundRect">
+            <a:avLst/>
+          </a:prstGeom>
+          <a:ln w="28575">
+            <a:solidFill>
+              <a:schemeClr val="accent6">
+                <a:lumMod val="60000"/>
+                <a:lumOff val="40000"/>
+              </a:schemeClr>
+            </a:solidFill>
+          </a:ln>
+        </p:spPr>
+        <p:style>
+          <a:lnRef idx="2">
+            <a:schemeClr val="accent6"/>
+          </a:lnRef>
+          <a:fillRef idx="1">
+            <a:schemeClr val="lt1"/>
+          </a:fillRef>
+          <a:effectRef idx="0">
+            <a:schemeClr val="accent6"/>
+          </a:effectRef>
+          <a:fontRef idx="minor">
+            <a:schemeClr val="dk1"/>
+          </a:fontRef>
+        </p:style>
         <p:txBody>
-          <a:bodyPr/>
+          <a:bodyPr rtlCol="0" anchor="ctr"/>
           <a:lstStyle/>
           <a:p>
-            <a:r>
-              <a:rPr kumimoji="1" lang="ja-JP" altLang="en-US" dirty="0"/>
-              <a:t>ここに選択した機能を実現するための工夫点を書く</a:t>
-            </a:r>
-            <a:endParaRPr kumimoji="1" lang="en-US" altLang="ja-JP" dirty="0"/>
-          </a:p>
-          <a:p>
-            <a:r>
-              <a:rPr lang="ja-JP" altLang="en-US" dirty="0"/>
-              <a:t>課題（問題）、対策、効果が分かる形で書く</a:t>
-            </a:r>
-            <a:r>
-              <a:rPr lang="en-US" altLang="ja-JP" dirty="0"/>
-              <a:t>…</a:t>
-            </a:r>
-            <a:r>
-              <a:rPr lang="ja-JP" altLang="en-US" dirty="0"/>
-              <a:t>などなど</a:t>
-            </a:r>
-            <a:endParaRPr lang="en-US" altLang="ja-JP" dirty="0"/>
-          </a:p>
-          <a:p>
-            <a:endParaRPr kumimoji="1" lang="en-US" altLang="ja-JP" dirty="0"/>
-          </a:p>
-          <a:p>
-            <a:r>
-              <a:rPr lang="ja-JP" altLang="en-US"/>
-              <a:t>工夫点を記載する場合でも、最大ページ数は変わらない。</a:t>
-            </a:r>
+            <a:pPr algn="ctr"/>
+            <a:endParaRPr kumimoji="1" lang="ja-JP" altLang="en-US"/>
+          </a:p>
+        </p:txBody>
+      </p:sp>
+      <p:sp>
+        <p:nvSpPr>
+          <p:cNvPr id="13" name="四角形: 角を丸くする 12">
+            <a:extLst>
+              <a:ext uri="{FF2B5EF4-FFF2-40B4-BE49-F238E27FC236}">
+                <a16:creationId xmlns:a16="http://schemas.microsoft.com/office/drawing/2014/main" id="{84934B8C-C644-49A7-8C50-B417AAAD4BD4}"/>
+              </a:ext>
+            </a:extLst>
+          </p:cNvPr>
+          <p:cNvSpPr/>
+          <p:nvPr/>
+        </p:nvSpPr>
+        <p:spPr>
+          <a:xfrm>
+            <a:off x="28800" y="479870"/>
+            <a:ext cx="2477324" cy="864343"/>
+          </a:xfrm>
+          <a:prstGeom prst="roundRect">
+            <a:avLst/>
+          </a:prstGeom>
+          <a:ln w="28575">
+            <a:solidFill>
+              <a:schemeClr val="accent6">
+                <a:lumMod val="60000"/>
+                <a:lumOff val="40000"/>
+              </a:schemeClr>
+            </a:solidFill>
+          </a:ln>
+        </p:spPr>
+        <p:style>
+          <a:lnRef idx="2">
+            <a:schemeClr val="accent6"/>
+          </a:lnRef>
+          <a:fillRef idx="1">
+            <a:schemeClr val="lt1"/>
+          </a:fillRef>
+          <a:effectRef idx="0">
+            <a:schemeClr val="accent6"/>
+          </a:effectRef>
+          <a:fontRef idx="minor">
+            <a:schemeClr val="dk1"/>
+          </a:fontRef>
+        </p:style>
+        <p:txBody>
+          <a:bodyPr rtlCol="0" anchor="ctr"/>
+          <a:lstStyle/>
+          <a:p>
+            <a:pPr algn="ctr"/>
+            <a:endParaRPr kumimoji="1" lang="ja-JP" altLang="en-US"/>
+          </a:p>
+        </p:txBody>
+      </p:sp>
+      <p:sp>
+        <p:nvSpPr>
+          <p:cNvPr id="12" name="四角形: 角を丸くする 11">
+            <a:extLst>
+              <a:ext uri="{FF2B5EF4-FFF2-40B4-BE49-F238E27FC236}">
+                <a16:creationId xmlns:a16="http://schemas.microsoft.com/office/drawing/2014/main" id="{AFFC4548-7F1A-4F38-96A5-7A693D93CF9B}"/>
+              </a:ext>
+            </a:extLst>
+          </p:cNvPr>
+          <p:cNvSpPr/>
+          <p:nvPr/>
+        </p:nvSpPr>
+        <p:spPr>
+          <a:xfrm>
+            <a:off x="7546124" y="479870"/>
+            <a:ext cx="2520000" cy="1224384"/>
+          </a:xfrm>
+          <a:prstGeom prst="roundRect">
+            <a:avLst>
+              <a:gd name="adj" fmla="val 13842"/>
+            </a:avLst>
+          </a:prstGeom>
+          <a:ln w="57150"/>
+        </p:spPr>
+        <p:style>
+          <a:lnRef idx="2">
+            <a:schemeClr val="accent6"/>
+          </a:lnRef>
+          <a:fillRef idx="1">
+            <a:schemeClr val="lt1"/>
+          </a:fillRef>
+          <a:effectRef idx="0">
+            <a:schemeClr val="accent6"/>
+          </a:effectRef>
+          <a:fontRef idx="minor">
+            <a:schemeClr val="dk1"/>
+          </a:fontRef>
+        </p:style>
+        <p:txBody>
+          <a:bodyPr rtlCol="0" anchor="ctr"/>
+          <a:lstStyle/>
+          <a:p>
+            <a:pPr algn="ctr"/>
+            <a:endParaRPr kumimoji="1" lang="ja-JP" altLang="en-US" dirty="0"/>
+          </a:p>
+        </p:txBody>
+      </p:sp>
+      <p:sp>
+        <p:nvSpPr>
+          <p:cNvPr id="11" name="正方形/長方形 10">
+            <a:extLst>
+              <a:ext uri="{FF2B5EF4-FFF2-40B4-BE49-F238E27FC236}">
+                <a16:creationId xmlns:a16="http://schemas.microsoft.com/office/drawing/2014/main" id="{4CF528F6-0D59-4A16-899E-E9075561CAD3}"/>
+              </a:ext>
+            </a:extLst>
+          </p:cNvPr>
+          <p:cNvSpPr/>
+          <p:nvPr/>
+        </p:nvSpPr>
+        <p:spPr>
+          <a:xfrm>
+            <a:off x="28800" y="1201128"/>
+            <a:ext cx="12744000" cy="8352000"/>
+          </a:xfrm>
+          <a:prstGeom prst="rect">
+            <a:avLst/>
+          </a:prstGeom>
+          <a:ln w="28575">
+            <a:headEnd type="none" w="med" len="med"/>
+            <a:tailEnd type="none" w="med" len="med"/>
+          </a:ln>
+        </p:spPr>
+        <p:style>
+          <a:lnRef idx="2">
+            <a:schemeClr val="accent6"/>
+          </a:lnRef>
+          <a:fillRef idx="1">
+            <a:schemeClr val="lt1"/>
+          </a:fillRef>
+          <a:effectRef idx="0">
+            <a:schemeClr val="accent6"/>
+          </a:effectRef>
+          <a:fontRef idx="minor">
+            <a:schemeClr val="dk1"/>
+          </a:fontRef>
+        </p:style>
+        <p:txBody>
+          <a:bodyPr rtlCol="0" anchor="ctr"/>
+          <a:lstStyle/>
+          <a:p>
+            <a:pPr algn="ctr"/>
             <a:endParaRPr kumimoji="1" lang="ja-JP" altLang="en-US" dirty="0"/>
           </a:p>
         </p:txBody>
@@ -4496,7 +5248,7 @@
     </p:spTree>
     <p:extLst>
       <p:ext uri="{BB962C8B-B14F-4D97-AF65-F5344CB8AC3E}">
-        <p14:creationId xmlns:p14="http://schemas.microsoft.com/office/powerpoint/2010/main" val="3238716692"/>
+        <p14:creationId xmlns:p14="http://schemas.microsoft.com/office/powerpoint/2010/main" val="3921922268"/>
       </p:ext>
     </p:extLst>
   </p:cSld>

--- a/model_file_template_primary.pptx
+++ b/model_file_template_primary.pptx
@@ -4165,8 +4165,8 @@
         </p:nvSpPr>
         <p:spPr>
           <a:xfrm>
-            <a:off x="7552648" y="479950"/>
-            <a:ext cx="2520000" cy="864263"/>
+            <a:off x="7573020" y="479951"/>
+            <a:ext cx="2520000" cy="1152297"/>
           </a:xfrm>
           <a:prstGeom prst="roundRect">
             <a:avLst/>
@@ -4217,8 +4217,8 @@
         </p:nvSpPr>
         <p:spPr>
           <a:xfrm>
-            <a:off x="5032648" y="479872"/>
-            <a:ext cx="2520000" cy="864342"/>
+            <a:off x="5042834" y="485566"/>
+            <a:ext cx="2520000" cy="1080368"/>
           </a:xfrm>
           <a:prstGeom prst="roundRect">
             <a:avLst/>
@@ -4270,7 +4270,7 @@
         <p:spPr>
           <a:xfrm>
             <a:off x="2555324" y="479872"/>
-            <a:ext cx="2477324" cy="864343"/>
+            <a:ext cx="2477324" cy="1368400"/>
           </a:xfrm>
           <a:prstGeom prst="roundRect">
             <a:avLst/>
@@ -4368,7 +4368,7 @@
         </p:nvSpPr>
         <p:spPr>
           <a:xfrm>
-            <a:off x="28800" y="1201128"/>
+            <a:off x="30356" y="1182880"/>
             <a:ext cx="12744000" cy="8352000"/>
           </a:xfrm>
           <a:prstGeom prst="rect">
@@ -4399,6 +4399,498 @@
           <a:p>
             <a:pPr algn="ctr"/>
             <a:endParaRPr kumimoji="1" lang="ja-JP" altLang="en-US" dirty="0"/>
+          </a:p>
+        </p:txBody>
+      </p:sp>
+      <p:sp>
+        <p:nvSpPr>
+          <p:cNvPr id="3" name="テキスト ボックス 2">
+            <a:extLst>
+              <a:ext uri="{FF2B5EF4-FFF2-40B4-BE49-F238E27FC236}">
+                <a16:creationId xmlns:a16="http://schemas.microsoft.com/office/drawing/2014/main" id="{4A839BC4-54BA-4246-90D0-1001B466FC18}"/>
+              </a:ext>
+            </a:extLst>
+          </p:cNvPr>
+          <p:cNvSpPr txBox="1"/>
+          <p:nvPr/>
+        </p:nvSpPr>
+        <p:spPr>
+          <a:xfrm>
+            <a:off x="224058" y="615933"/>
+            <a:ext cx="2122161" cy="430887"/>
+          </a:xfrm>
+          <a:prstGeom prst="rect">
+            <a:avLst/>
+          </a:prstGeom>
+          <a:noFill/>
+          <a:ln>
+            <a:noFill/>
+          </a:ln>
+        </p:spPr>
+        <p:style>
+          <a:lnRef idx="0">
+            <a:scrgbClr r="0" g="0" b="0"/>
+          </a:lnRef>
+          <a:fillRef idx="0">
+            <a:scrgbClr r="0" g="0" b="0"/>
+          </a:fillRef>
+          <a:effectRef idx="0">
+            <a:scrgbClr r="0" g="0" b="0"/>
+          </a:effectRef>
+          <a:fontRef idx="minor">
+            <a:schemeClr val="dk1"/>
+          </a:fontRef>
+        </p:style>
+        <p:txBody>
+          <a:bodyPr wrap="square" rtlCol="0">
+            <a:spAutoFit/>
+          </a:bodyPr>
+          <a:lstStyle/>
+          <a:p>
+            <a:r>
+              <a:rPr lang="ja-JP" altLang="en-US" sz="2200" dirty="0">
+                <a:solidFill>
+                  <a:schemeClr val="accent6">
+                    <a:lumMod val="75000"/>
+                  </a:schemeClr>
+                </a:solidFill>
+                <a:latin typeface="HG創英角ｺﾞｼｯｸUB" panose="020B0909000000000000" pitchFamily="49" charset="-128"/>
+                <a:ea typeface="HG創英角ｺﾞｼｯｸUB" panose="020B0909000000000000" pitchFamily="49" charset="-128"/>
+              </a:rPr>
+              <a:t>１</a:t>
+            </a:r>
+            <a:r>
+              <a:rPr lang="en-US" altLang="ja-JP" sz="2200" b="1" dirty="0">
+                <a:solidFill>
+                  <a:schemeClr val="accent6">
+                    <a:lumMod val="75000"/>
+                  </a:schemeClr>
+                </a:solidFill>
+                <a:latin typeface="HG創英角ｺﾞｼｯｸUB" panose="020B0909000000000000" pitchFamily="49" charset="-128"/>
+                <a:ea typeface="HG創英角ｺﾞｼｯｸUB" panose="020B0909000000000000" pitchFamily="49" charset="-128"/>
+              </a:rPr>
+              <a:t>.</a:t>
+            </a:r>
+            <a:r>
+              <a:rPr lang="ja-JP" altLang="en-US" sz="2200" dirty="0">
+                <a:solidFill>
+                  <a:schemeClr val="accent6">
+                    <a:lumMod val="75000"/>
+                  </a:schemeClr>
+                </a:solidFill>
+                <a:latin typeface="HG創英角ｺﾞｼｯｸUB" panose="020B0909000000000000" pitchFamily="49" charset="-128"/>
+                <a:ea typeface="HG創英角ｺﾞｼｯｸUB" panose="020B0909000000000000" pitchFamily="49" charset="-128"/>
+              </a:rPr>
+              <a:t>機能モデル</a:t>
+            </a:r>
+            <a:endParaRPr lang="en-US" altLang="ja-JP" sz="2200" dirty="0">
+              <a:solidFill>
+                <a:schemeClr val="accent6">
+                  <a:lumMod val="75000"/>
+                </a:schemeClr>
+              </a:solidFill>
+              <a:latin typeface="HG創英角ｺﾞｼｯｸUB" panose="020B0909000000000000" pitchFamily="49" charset="-128"/>
+              <a:ea typeface="HG創英角ｺﾞｼｯｸUB" panose="020B0909000000000000" pitchFamily="49" charset="-128"/>
+            </a:endParaRPr>
+          </a:p>
+        </p:txBody>
+      </p:sp>
+      <p:sp>
+        <p:nvSpPr>
+          <p:cNvPr id="9" name="テキスト ボックス 8">
+            <a:extLst>
+              <a:ext uri="{FF2B5EF4-FFF2-40B4-BE49-F238E27FC236}">
+                <a16:creationId xmlns:a16="http://schemas.microsoft.com/office/drawing/2014/main" id="{27FC2256-755B-4562-8E23-88557EE81276}"/>
+              </a:ext>
+            </a:extLst>
+          </p:cNvPr>
+          <p:cNvSpPr txBox="1"/>
+          <p:nvPr/>
+        </p:nvSpPr>
+        <p:spPr>
+          <a:xfrm>
+            <a:off x="2791847" y="657854"/>
+            <a:ext cx="2361792" cy="430887"/>
+          </a:xfrm>
+          <a:prstGeom prst="rect">
+            <a:avLst/>
+          </a:prstGeom>
+          <a:noFill/>
+          <a:ln>
+            <a:noFill/>
+          </a:ln>
+        </p:spPr>
+        <p:style>
+          <a:lnRef idx="0">
+            <a:scrgbClr r="0" g="0" b="0"/>
+          </a:lnRef>
+          <a:fillRef idx="0">
+            <a:scrgbClr r="0" g="0" b="0"/>
+          </a:fillRef>
+          <a:effectRef idx="0">
+            <a:scrgbClr r="0" g="0" b="0"/>
+          </a:effectRef>
+          <a:fontRef idx="minor">
+            <a:schemeClr val="dk1"/>
+          </a:fontRef>
+        </p:style>
+        <p:txBody>
+          <a:bodyPr wrap="square" rtlCol="0">
+            <a:spAutoFit/>
+          </a:bodyPr>
+          <a:lstStyle/>
+          <a:p>
+            <a:r>
+              <a:rPr lang="ja-JP" altLang="en-US" sz="2200" dirty="0">
+                <a:solidFill>
+                  <a:schemeClr val="accent6">
+                    <a:lumMod val="60000"/>
+                    <a:lumOff val="40000"/>
+                  </a:schemeClr>
+                </a:solidFill>
+                <a:latin typeface="HG創英角ｺﾞｼｯｸUB" panose="020B0909000000000000" pitchFamily="49" charset="-128"/>
+                <a:ea typeface="HG創英角ｺﾞｼｯｸUB" panose="020B0909000000000000" pitchFamily="49" charset="-128"/>
+              </a:rPr>
+              <a:t>２</a:t>
+            </a:r>
+            <a:r>
+              <a:rPr lang="en-US" altLang="ja-JP" sz="2200" b="1" dirty="0">
+                <a:solidFill>
+                  <a:schemeClr val="accent6">
+                    <a:lumMod val="60000"/>
+                    <a:lumOff val="40000"/>
+                  </a:schemeClr>
+                </a:solidFill>
+                <a:latin typeface="HG創英角ｺﾞｼｯｸUB" panose="020B0909000000000000" pitchFamily="49" charset="-128"/>
+                <a:ea typeface="HG創英角ｺﾞｼｯｸUB" panose="020B0909000000000000" pitchFamily="49" charset="-128"/>
+              </a:rPr>
+              <a:t>.</a:t>
+            </a:r>
+            <a:r>
+              <a:rPr lang="ja-JP" altLang="en-US" sz="2200" dirty="0">
+                <a:solidFill>
+                  <a:schemeClr val="accent6">
+                    <a:lumMod val="60000"/>
+                    <a:lumOff val="40000"/>
+                  </a:schemeClr>
+                </a:solidFill>
+                <a:latin typeface="HG創英角ｺﾞｼｯｸUB" panose="020B0909000000000000" pitchFamily="49" charset="-128"/>
+                <a:ea typeface="HG創英角ｺﾞｼｯｸUB" panose="020B0909000000000000" pitchFamily="49" charset="-128"/>
+              </a:rPr>
+              <a:t>構造モデル</a:t>
+            </a:r>
+            <a:endParaRPr lang="en-US" altLang="ja-JP" sz="2200" dirty="0">
+              <a:solidFill>
+                <a:schemeClr val="accent6">
+                  <a:lumMod val="60000"/>
+                  <a:lumOff val="40000"/>
+                </a:schemeClr>
+              </a:solidFill>
+              <a:latin typeface="HG創英角ｺﾞｼｯｸUB" panose="020B0909000000000000" pitchFamily="49" charset="-128"/>
+              <a:ea typeface="HG創英角ｺﾞｼｯｸUB" panose="020B0909000000000000" pitchFamily="49" charset="-128"/>
+            </a:endParaRPr>
+          </a:p>
+        </p:txBody>
+      </p:sp>
+      <p:sp>
+        <p:nvSpPr>
+          <p:cNvPr id="10" name="テキスト ボックス 9">
+            <a:extLst>
+              <a:ext uri="{FF2B5EF4-FFF2-40B4-BE49-F238E27FC236}">
+                <a16:creationId xmlns:a16="http://schemas.microsoft.com/office/drawing/2014/main" id="{6B6DE600-02D5-4297-AB70-824D28CEE6FA}"/>
+              </a:ext>
+            </a:extLst>
+          </p:cNvPr>
+          <p:cNvSpPr txBox="1"/>
+          <p:nvPr/>
+        </p:nvSpPr>
+        <p:spPr>
+          <a:xfrm>
+            <a:off x="5013578" y="642465"/>
+            <a:ext cx="2801424" cy="446276"/>
+          </a:xfrm>
+          <a:prstGeom prst="rect">
+            <a:avLst/>
+          </a:prstGeom>
+          <a:noFill/>
+          <a:ln>
+            <a:noFill/>
+          </a:ln>
+        </p:spPr>
+        <p:style>
+          <a:lnRef idx="0">
+            <a:scrgbClr r="0" g="0" b="0"/>
+          </a:lnRef>
+          <a:fillRef idx="0">
+            <a:scrgbClr r="0" g="0" b="0"/>
+          </a:fillRef>
+          <a:effectRef idx="0">
+            <a:scrgbClr r="0" g="0" b="0"/>
+          </a:effectRef>
+          <a:fontRef idx="minor">
+            <a:schemeClr val="dk1"/>
+          </a:fontRef>
+        </p:style>
+        <p:txBody>
+          <a:bodyPr wrap="square" rtlCol="0">
+            <a:spAutoFit/>
+          </a:bodyPr>
+          <a:lstStyle/>
+          <a:p>
+            <a:r>
+              <a:rPr lang="ja-JP" altLang="en-US" sz="2200" dirty="0">
+                <a:solidFill>
+                  <a:schemeClr val="accent6">
+                    <a:lumMod val="60000"/>
+                    <a:lumOff val="40000"/>
+                  </a:schemeClr>
+                </a:solidFill>
+                <a:latin typeface="HG創英角ｺﾞｼｯｸUB" panose="020B0909000000000000" pitchFamily="49" charset="-128"/>
+                <a:ea typeface="HG創英角ｺﾞｼｯｸUB" panose="020B0909000000000000" pitchFamily="49" charset="-128"/>
+              </a:rPr>
+              <a:t>３</a:t>
+            </a:r>
+            <a:r>
+              <a:rPr lang="en-US" altLang="ja-JP" sz="2200" b="1" dirty="0">
+                <a:solidFill>
+                  <a:schemeClr val="accent6">
+                    <a:lumMod val="60000"/>
+                    <a:lumOff val="40000"/>
+                  </a:schemeClr>
+                </a:solidFill>
+                <a:latin typeface="HG創英角ｺﾞｼｯｸUB" panose="020B0909000000000000" pitchFamily="49" charset="-128"/>
+                <a:ea typeface="HG創英角ｺﾞｼｯｸUB" panose="020B0909000000000000" pitchFamily="49" charset="-128"/>
+              </a:rPr>
+              <a:t>.</a:t>
+            </a:r>
+            <a:r>
+              <a:rPr lang="ja-JP" altLang="en-US" sz="2200" dirty="0">
+                <a:solidFill>
+                  <a:schemeClr val="accent6">
+                    <a:lumMod val="60000"/>
+                    <a:lumOff val="40000"/>
+                  </a:schemeClr>
+                </a:solidFill>
+                <a:latin typeface="HG創英角ｺﾞｼｯｸUB" panose="020B0909000000000000" pitchFamily="49" charset="-128"/>
+                <a:ea typeface="HG創英角ｺﾞｼｯｸUB" panose="020B0909000000000000" pitchFamily="49" charset="-128"/>
+              </a:rPr>
+              <a:t>振る舞いモデル</a:t>
+            </a:r>
+            <a:endParaRPr lang="en-US" altLang="ja-JP" sz="2200" dirty="0">
+              <a:solidFill>
+                <a:schemeClr val="accent6">
+                  <a:lumMod val="60000"/>
+                  <a:lumOff val="40000"/>
+                </a:schemeClr>
+              </a:solidFill>
+              <a:latin typeface="HG創英角ｺﾞｼｯｸUB" panose="020B0909000000000000" pitchFamily="49" charset="-128"/>
+              <a:ea typeface="HG創英角ｺﾞｼｯｸUB" panose="020B0909000000000000" pitchFamily="49" charset="-128"/>
+            </a:endParaRPr>
+          </a:p>
+        </p:txBody>
+      </p:sp>
+      <p:sp>
+        <p:nvSpPr>
+          <p:cNvPr id="16" name="テキスト ボックス 15">
+            <a:extLst>
+              <a:ext uri="{FF2B5EF4-FFF2-40B4-BE49-F238E27FC236}">
+                <a16:creationId xmlns:a16="http://schemas.microsoft.com/office/drawing/2014/main" id="{B2857B95-E44E-4693-9BF6-518968E8AB21}"/>
+              </a:ext>
+            </a:extLst>
+          </p:cNvPr>
+          <p:cNvSpPr txBox="1"/>
+          <p:nvPr/>
+        </p:nvSpPr>
+        <p:spPr>
+          <a:xfrm>
+            <a:off x="8056984" y="642465"/>
+            <a:ext cx="2376544" cy="430887"/>
+          </a:xfrm>
+          <a:prstGeom prst="rect">
+            <a:avLst/>
+          </a:prstGeom>
+          <a:noFill/>
+          <a:ln>
+            <a:noFill/>
+          </a:ln>
+        </p:spPr>
+        <p:style>
+          <a:lnRef idx="0">
+            <a:scrgbClr r="0" g="0" b="0"/>
+          </a:lnRef>
+          <a:fillRef idx="0">
+            <a:scrgbClr r="0" g="0" b="0"/>
+          </a:fillRef>
+          <a:effectRef idx="0">
+            <a:scrgbClr r="0" g="0" b="0"/>
+          </a:effectRef>
+          <a:fontRef idx="minor">
+            <a:schemeClr val="dk1"/>
+          </a:fontRef>
+        </p:style>
+        <p:txBody>
+          <a:bodyPr wrap="square" rtlCol="0">
+            <a:spAutoFit/>
+          </a:bodyPr>
+          <a:lstStyle/>
+          <a:p>
+            <a:r>
+              <a:rPr lang="ja-JP" altLang="en-US" sz="2200" dirty="0">
+                <a:solidFill>
+                  <a:schemeClr val="accent6">
+                    <a:lumMod val="60000"/>
+                    <a:lumOff val="40000"/>
+                  </a:schemeClr>
+                </a:solidFill>
+                <a:latin typeface="HG創英角ｺﾞｼｯｸUB" panose="020B0909000000000000" pitchFamily="49" charset="-128"/>
+                <a:ea typeface="HG創英角ｺﾞｼｯｸUB" panose="020B0909000000000000" pitchFamily="49" charset="-128"/>
+              </a:rPr>
+              <a:t>４</a:t>
+            </a:r>
+            <a:r>
+              <a:rPr lang="en-US" altLang="ja-JP" sz="2200" b="1" dirty="0">
+                <a:solidFill>
+                  <a:schemeClr val="accent6">
+                    <a:lumMod val="60000"/>
+                    <a:lumOff val="40000"/>
+                  </a:schemeClr>
+                </a:solidFill>
+                <a:latin typeface="HG創英角ｺﾞｼｯｸUB" panose="020B0909000000000000" pitchFamily="49" charset="-128"/>
+                <a:ea typeface="HG創英角ｺﾞｼｯｸUB" panose="020B0909000000000000" pitchFamily="49" charset="-128"/>
+              </a:rPr>
+              <a:t>.</a:t>
+            </a:r>
+            <a:r>
+              <a:rPr lang="ja-JP" altLang="en-US" sz="2200" dirty="0">
+                <a:solidFill>
+                  <a:schemeClr val="accent6">
+                    <a:lumMod val="60000"/>
+                    <a:lumOff val="40000"/>
+                  </a:schemeClr>
+                </a:solidFill>
+                <a:latin typeface="HG創英角ｺﾞｼｯｸUB" panose="020B0909000000000000" pitchFamily="49" charset="-128"/>
+                <a:ea typeface="HG創英角ｺﾞｼｯｸUB" panose="020B0909000000000000" pitchFamily="49" charset="-128"/>
+              </a:rPr>
+              <a:t>工夫点</a:t>
+            </a:r>
+            <a:endParaRPr lang="en-US" altLang="ja-JP" sz="2200" dirty="0">
+              <a:solidFill>
+                <a:schemeClr val="accent6">
+                  <a:lumMod val="60000"/>
+                  <a:lumOff val="40000"/>
+                </a:schemeClr>
+              </a:solidFill>
+              <a:latin typeface="HG創英角ｺﾞｼｯｸUB" panose="020B0909000000000000" pitchFamily="49" charset="-128"/>
+              <a:ea typeface="HG創英角ｺﾞｼｯｸUB" panose="020B0909000000000000" pitchFamily="49" charset="-128"/>
+            </a:endParaRPr>
+          </a:p>
+        </p:txBody>
+      </p:sp>
+      <p:sp>
+        <p:nvSpPr>
+          <p:cNvPr id="4" name="正方形/長方形 3">
+            <a:extLst>
+              <a:ext uri="{FF2B5EF4-FFF2-40B4-BE49-F238E27FC236}">
+                <a16:creationId xmlns:a16="http://schemas.microsoft.com/office/drawing/2014/main" id="{3680C864-60B8-4F14-9653-302A07051B92}"/>
+              </a:ext>
+            </a:extLst>
+          </p:cNvPr>
+          <p:cNvSpPr/>
+          <p:nvPr/>
+        </p:nvSpPr>
+        <p:spPr>
+          <a:xfrm>
+            <a:off x="42212" y="1166652"/>
+            <a:ext cx="2340000" cy="720000"/>
+          </a:xfrm>
+          <a:prstGeom prst="rect">
+            <a:avLst/>
+          </a:prstGeom>
+          <a:ln>
+            <a:noFill/>
+          </a:ln>
+        </p:spPr>
+        <p:style>
+          <a:lnRef idx="3">
+            <a:schemeClr val="lt1"/>
+          </a:lnRef>
+          <a:fillRef idx="1">
+            <a:schemeClr val="accent6"/>
+          </a:fillRef>
+          <a:effectRef idx="1">
+            <a:schemeClr val="accent6"/>
+          </a:effectRef>
+          <a:fontRef idx="minor">
+            <a:schemeClr val="lt1"/>
+          </a:fontRef>
+        </p:style>
+        <p:txBody>
+          <a:bodyPr rtlCol="0" anchor="ctr"/>
+          <a:lstStyle/>
+          <a:p>
+            <a:pPr algn="ctr"/>
+            <a:endParaRPr kumimoji="1" lang="ja-JP" altLang="en-US"/>
+          </a:p>
+        </p:txBody>
+      </p:sp>
+      <p:sp>
+        <p:nvSpPr>
+          <p:cNvPr id="6" name="テキスト ボックス 5">
+            <a:extLst>
+              <a:ext uri="{FF2B5EF4-FFF2-40B4-BE49-F238E27FC236}">
+                <a16:creationId xmlns:a16="http://schemas.microsoft.com/office/drawing/2014/main" id="{86E542D6-2597-4479-8069-7E76879CA3E5}"/>
+              </a:ext>
+            </a:extLst>
+          </p:cNvPr>
+          <p:cNvSpPr txBox="1"/>
+          <p:nvPr/>
+        </p:nvSpPr>
+        <p:spPr>
+          <a:xfrm>
+            <a:off x="224058" y="1320622"/>
+            <a:ext cx="1935588" cy="400110"/>
+          </a:xfrm>
+          <a:prstGeom prst="rect">
+            <a:avLst/>
+          </a:prstGeom>
+          <a:noFill/>
+        </p:spPr>
+        <p:txBody>
+          <a:bodyPr wrap="square" rtlCol="0">
+            <a:spAutoFit/>
+          </a:bodyPr>
+          <a:lstStyle/>
+          <a:p>
+            <a:r>
+              <a:rPr kumimoji="1" lang="ja-JP" altLang="en-US" sz="2000" dirty="0">
+                <a:solidFill>
+                  <a:schemeClr val="bg1"/>
+                </a:solidFill>
+                <a:latin typeface="HG創英角ｺﾞｼｯｸUB" panose="020B0909000000000000" pitchFamily="49" charset="-128"/>
+                <a:ea typeface="HG創英角ｺﾞｼｯｸUB" panose="020B0909000000000000" pitchFamily="49" charset="-128"/>
+              </a:rPr>
+              <a:t>１</a:t>
+            </a:r>
+            <a:r>
+              <a:rPr kumimoji="1" lang="en-US" altLang="ja-JP" sz="2000" dirty="0">
+                <a:solidFill>
+                  <a:schemeClr val="bg1"/>
+                </a:solidFill>
+                <a:latin typeface="HG創英角ｺﾞｼｯｸUB" panose="020B0909000000000000" pitchFamily="49" charset="-128"/>
+                <a:ea typeface="HG創英角ｺﾞｼｯｸUB" panose="020B0909000000000000" pitchFamily="49" charset="-128"/>
+              </a:rPr>
+              <a:t>.</a:t>
+            </a:r>
+            <a:r>
+              <a:rPr kumimoji="1" lang="ja-JP" altLang="en-US" sz="2000" dirty="0">
+                <a:solidFill>
+                  <a:schemeClr val="bg1"/>
+                </a:solidFill>
+                <a:latin typeface="HG創英角ｺﾞｼｯｸUB" panose="020B0909000000000000" pitchFamily="49" charset="-128"/>
+                <a:ea typeface="HG創英角ｺﾞｼｯｸUB" panose="020B0909000000000000" pitchFamily="49" charset="-128"/>
+              </a:rPr>
+              <a:t>機能モデル</a:t>
+            </a:r>
           </a:p>
         </p:txBody>
       </p:sp>
@@ -4550,7 +5042,7 @@
         </p:nvSpPr>
         <p:spPr>
           <a:xfrm>
-            <a:off x="28800" y="479870"/>
+            <a:off x="35324" y="479870"/>
             <a:ext cx="2477324" cy="864343"/>
           </a:xfrm>
           <a:prstGeom prst="roundRect">
@@ -4649,7 +5141,7 @@
         </p:nvSpPr>
         <p:spPr>
           <a:xfrm>
-            <a:off x="28800" y="1201128"/>
+            <a:off x="42230" y="1215512"/>
             <a:ext cx="12744000" cy="8352000"/>
           </a:xfrm>
           <a:prstGeom prst="rect">
@@ -4680,6 +5172,290 @@
           <a:p>
             <a:pPr algn="ctr"/>
             <a:endParaRPr kumimoji="1" lang="ja-JP" altLang="en-US" dirty="0"/>
+          </a:p>
+        </p:txBody>
+      </p:sp>
+      <p:pic>
+        <p:nvPicPr>
+          <p:cNvPr id="2" name="図 1">
+            <a:extLst>
+              <a:ext uri="{FF2B5EF4-FFF2-40B4-BE49-F238E27FC236}">
+                <a16:creationId xmlns:a16="http://schemas.microsoft.com/office/drawing/2014/main" id="{4C334034-45FE-45AC-9E58-8767281E2525}"/>
+              </a:ext>
+            </a:extLst>
+          </p:cNvPr>
+          <p:cNvPicPr>
+            <a:picLocks noChangeAspect="1"/>
+          </p:cNvPicPr>
+          <p:nvPr/>
+        </p:nvPicPr>
+        <p:blipFill>
+          <a:blip r:embed="rId2"/>
+          <a:stretch>
+            <a:fillRect/>
+          </a:stretch>
+        </p:blipFill>
+        <p:spPr>
+          <a:xfrm>
+            <a:off x="136104" y="606885"/>
+            <a:ext cx="2889754" cy="591363"/>
+          </a:xfrm>
+          <a:prstGeom prst="rect">
+            <a:avLst/>
+          </a:prstGeom>
+        </p:spPr>
+      </p:pic>
+      <p:pic>
+        <p:nvPicPr>
+          <p:cNvPr id="3" name="図 2">
+            <a:extLst>
+              <a:ext uri="{FF2B5EF4-FFF2-40B4-BE49-F238E27FC236}">
+                <a16:creationId xmlns:a16="http://schemas.microsoft.com/office/drawing/2014/main" id="{C88DE9E1-D0B5-4738-8ED7-7B937BAE304E}"/>
+              </a:ext>
+            </a:extLst>
+          </p:cNvPr>
+          <p:cNvPicPr>
+            <a:picLocks noChangeAspect="1"/>
+          </p:cNvPicPr>
+          <p:nvPr/>
+        </p:nvPicPr>
+        <p:blipFill>
+          <a:blip r:embed="rId3"/>
+          <a:stretch>
+            <a:fillRect/>
+          </a:stretch>
+        </p:blipFill>
+        <p:spPr>
+          <a:xfrm>
+            <a:off x="4989972" y="606884"/>
+            <a:ext cx="2883658" cy="591363"/>
+          </a:xfrm>
+          <a:prstGeom prst="rect">
+            <a:avLst/>
+          </a:prstGeom>
+        </p:spPr>
+      </p:pic>
+      <p:pic>
+        <p:nvPicPr>
+          <p:cNvPr id="4" name="図 3">
+            <a:extLst>
+              <a:ext uri="{FF2B5EF4-FFF2-40B4-BE49-F238E27FC236}">
+                <a16:creationId xmlns:a16="http://schemas.microsoft.com/office/drawing/2014/main" id="{739A8DFC-0EA6-4059-A927-A7100D7020D6}"/>
+              </a:ext>
+            </a:extLst>
+          </p:cNvPr>
+          <p:cNvPicPr>
+            <a:picLocks noChangeAspect="1"/>
+          </p:cNvPicPr>
+          <p:nvPr/>
+        </p:nvPicPr>
+        <p:blipFill>
+          <a:blip r:embed="rId4"/>
+          <a:stretch>
+            <a:fillRect/>
+          </a:stretch>
+        </p:blipFill>
+        <p:spPr>
+          <a:xfrm>
+            <a:off x="7887148" y="544818"/>
+            <a:ext cx="2456901" cy="591363"/>
+          </a:xfrm>
+          <a:prstGeom prst="rect">
+            <a:avLst/>
+          </a:prstGeom>
+        </p:spPr>
+      </p:pic>
+      <p:sp>
+        <p:nvSpPr>
+          <p:cNvPr id="16" name="テキスト ボックス 15">
+            <a:extLst>
+              <a:ext uri="{FF2B5EF4-FFF2-40B4-BE49-F238E27FC236}">
+                <a16:creationId xmlns:a16="http://schemas.microsoft.com/office/drawing/2014/main" id="{9F7755E9-1B98-4F0D-922D-86D06268E173}"/>
+              </a:ext>
+            </a:extLst>
+          </p:cNvPr>
+          <p:cNvSpPr txBox="1"/>
+          <p:nvPr/>
+        </p:nvSpPr>
+        <p:spPr>
+          <a:xfrm>
+            <a:off x="2791847" y="657854"/>
+            <a:ext cx="2361792" cy="430887"/>
+          </a:xfrm>
+          <a:prstGeom prst="rect">
+            <a:avLst/>
+          </a:prstGeom>
+          <a:noFill/>
+          <a:ln>
+            <a:noFill/>
+          </a:ln>
+        </p:spPr>
+        <p:style>
+          <a:lnRef idx="0">
+            <a:scrgbClr r="0" g="0" b="0"/>
+          </a:lnRef>
+          <a:fillRef idx="0">
+            <a:scrgbClr r="0" g="0" b="0"/>
+          </a:fillRef>
+          <a:effectRef idx="0">
+            <a:scrgbClr r="0" g="0" b="0"/>
+          </a:effectRef>
+          <a:fontRef idx="minor">
+            <a:schemeClr val="dk1"/>
+          </a:fontRef>
+        </p:style>
+        <p:txBody>
+          <a:bodyPr wrap="square" rtlCol="0">
+            <a:spAutoFit/>
+          </a:bodyPr>
+          <a:lstStyle/>
+          <a:p>
+            <a:r>
+              <a:rPr lang="ja-JP" altLang="en-US" sz="2200" dirty="0">
+                <a:solidFill>
+                  <a:schemeClr val="accent6">
+                    <a:lumMod val="75000"/>
+                  </a:schemeClr>
+                </a:solidFill>
+                <a:latin typeface="HG創英角ｺﾞｼｯｸUB" panose="020B0909000000000000" pitchFamily="49" charset="-128"/>
+                <a:ea typeface="HG創英角ｺﾞｼｯｸUB" panose="020B0909000000000000" pitchFamily="49" charset="-128"/>
+              </a:rPr>
+              <a:t>２</a:t>
+            </a:r>
+            <a:r>
+              <a:rPr lang="en-US" altLang="ja-JP" sz="2200" b="1" dirty="0">
+                <a:solidFill>
+                  <a:schemeClr val="accent6">
+                    <a:lumMod val="75000"/>
+                  </a:schemeClr>
+                </a:solidFill>
+                <a:latin typeface="HG創英角ｺﾞｼｯｸUB" panose="020B0909000000000000" pitchFamily="49" charset="-128"/>
+                <a:ea typeface="HG創英角ｺﾞｼｯｸUB" panose="020B0909000000000000" pitchFamily="49" charset="-128"/>
+              </a:rPr>
+              <a:t>.</a:t>
+            </a:r>
+            <a:r>
+              <a:rPr lang="ja-JP" altLang="en-US" sz="2200" dirty="0">
+                <a:solidFill>
+                  <a:schemeClr val="accent6">
+                    <a:lumMod val="75000"/>
+                  </a:schemeClr>
+                </a:solidFill>
+                <a:latin typeface="HG創英角ｺﾞｼｯｸUB" panose="020B0909000000000000" pitchFamily="49" charset="-128"/>
+                <a:ea typeface="HG創英角ｺﾞｼｯｸUB" panose="020B0909000000000000" pitchFamily="49" charset="-128"/>
+              </a:rPr>
+              <a:t>構造モデル</a:t>
+            </a:r>
+            <a:endParaRPr lang="en-US" altLang="ja-JP" sz="2200" dirty="0">
+              <a:solidFill>
+                <a:schemeClr val="accent6">
+                  <a:lumMod val="75000"/>
+                </a:schemeClr>
+              </a:solidFill>
+              <a:latin typeface="HG創英角ｺﾞｼｯｸUB" panose="020B0909000000000000" pitchFamily="49" charset="-128"/>
+              <a:ea typeface="HG創英角ｺﾞｼｯｸUB" panose="020B0909000000000000" pitchFamily="49" charset="-128"/>
+            </a:endParaRPr>
+          </a:p>
+        </p:txBody>
+      </p:sp>
+      <p:pic>
+        <p:nvPicPr>
+          <p:cNvPr id="5" name="図 4">
+            <a:extLst>
+              <a:ext uri="{FF2B5EF4-FFF2-40B4-BE49-F238E27FC236}">
+                <a16:creationId xmlns:a16="http://schemas.microsoft.com/office/drawing/2014/main" id="{FC5E6DD6-E95C-410D-8CEC-D6703412E7BC}"/>
+              </a:ext>
+            </a:extLst>
+          </p:cNvPr>
+          <p:cNvPicPr>
+            <a:picLocks noChangeAspect="1"/>
+          </p:cNvPicPr>
+          <p:nvPr/>
+        </p:nvPicPr>
+        <p:blipFill>
+          <a:blip r:embed="rId5"/>
+          <a:stretch>
+            <a:fillRect/>
+          </a:stretch>
+        </p:blipFill>
+        <p:spPr>
+          <a:xfrm>
+            <a:off x="35324" y="1213951"/>
+            <a:ext cx="2341067" cy="719390"/>
+          </a:xfrm>
+          <a:prstGeom prst="rect">
+            <a:avLst/>
+          </a:prstGeom>
+        </p:spPr>
+      </p:pic>
+      <p:sp>
+        <p:nvSpPr>
+          <p:cNvPr id="17" name="テキスト ボックス 16">
+            <a:extLst>
+              <a:ext uri="{FF2B5EF4-FFF2-40B4-BE49-F238E27FC236}">
+                <a16:creationId xmlns:a16="http://schemas.microsoft.com/office/drawing/2014/main" id="{61C72F02-49BC-4A14-82D9-E7728CD3CBCF}"/>
+              </a:ext>
+            </a:extLst>
+          </p:cNvPr>
+          <p:cNvSpPr txBox="1"/>
+          <p:nvPr/>
+        </p:nvSpPr>
+        <p:spPr>
+          <a:xfrm>
+            <a:off x="238063" y="1373591"/>
+            <a:ext cx="1935588" cy="400110"/>
+          </a:xfrm>
+          <a:prstGeom prst="rect">
+            <a:avLst/>
+          </a:prstGeom>
+          <a:noFill/>
+        </p:spPr>
+        <p:txBody>
+          <a:bodyPr wrap="square" rtlCol="0">
+            <a:spAutoFit/>
+          </a:bodyPr>
+          <a:lstStyle/>
+          <a:p>
+            <a:r>
+              <a:rPr lang="ja-JP" altLang="en-US" sz="2000" dirty="0">
+                <a:solidFill>
+                  <a:schemeClr val="bg1"/>
+                </a:solidFill>
+                <a:latin typeface="HG創英角ｺﾞｼｯｸUB" panose="020B0909000000000000" pitchFamily="49" charset="-128"/>
+                <a:ea typeface="HG創英角ｺﾞｼｯｸUB" panose="020B0909000000000000" pitchFamily="49" charset="-128"/>
+              </a:rPr>
+              <a:t>２</a:t>
+            </a:r>
+            <a:r>
+              <a:rPr kumimoji="1" lang="en-US" altLang="ja-JP" sz="2000" dirty="0">
+                <a:solidFill>
+                  <a:schemeClr val="bg1"/>
+                </a:solidFill>
+                <a:latin typeface="HG創英角ｺﾞｼｯｸUB" panose="020B0909000000000000" pitchFamily="49" charset="-128"/>
+                <a:ea typeface="HG創英角ｺﾞｼｯｸUB" panose="020B0909000000000000" pitchFamily="49" charset="-128"/>
+              </a:rPr>
+              <a:t>.</a:t>
+            </a:r>
+            <a:r>
+              <a:rPr lang="ja-JP" altLang="en-US" sz="2000" dirty="0">
+                <a:solidFill>
+                  <a:schemeClr val="bg1"/>
+                </a:solidFill>
+                <a:latin typeface="HG創英角ｺﾞｼｯｸUB" panose="020B0909000000000000" pitchFamily="49" charset="-128"/>
+                <a:ea typeface="HG創英角ｺﾞｼｯｸUB" panose="020B0909000000000000" pitchFamily="49" charset="-128"/>
+              </a:rPr>
+              <a:t>構造</a:t>
+            </a:r>
+            <a:r>
+              <a:rPr kumimoji="1" lang="ja-JP" altLang="en-US" sz="2000" dirty="0">
+                <a:solidFill>
+                  <a:schemeClr val="bg1"/>
+                </a:solidFill>
+                <a:latin typeface="HG創英角ｺﾞｼｯｸUB" panose="020B0909000000000000" pitchFamily="49" charset="-128"/>
+                <a:ea typeface="HG創英角ｺﾞｼｯｸUB" panose="020B0909000000000000" pitchFamily="49" charset="-128"/>
+              </a:rPr>
+              <a:t>モデル</a:t>
+            </a:r>
           </a:p>
         </p:txBody>
       </p:sp>
@@ -4930,7 +5706,7 @@
         </p:nvSpPr>
         <p:spPr>
           <a:xfrm>
-            <a:off x="28800" y="1201128"/>
+            <a:off x="28800" y="1212914"/>
             <a:ext cx="12744000" cy="8352000"/>
           </a:xfrm>
           <a:prstGeom prst="rect">
@@ -4961,6 +5737,290 @@
           <a:p>
             <a:pPr algn="ctr"/>
             <a:endParaRPr kumimoji="1" lang="ja-JP" altLang="en-US" dirty="0"/>
+          </a:p>
+        </p:txBody>
+      </p:sp>
+      <p:pic>
+        <p:nvPicPr>
+          <p:cNvPr id="2" name="図 1">
+            <a:extLst>
+              <a:ext uri="{FF2B5EF4-FFF2-40B4-BE49-F238E27FC236}">
+                <a16:creationId xmlns:a16="http://schemas.microsoft.com/office/drawing/2014/main" id="{2F69475D-2111-4AE0-9747-B7C83907DE3B}"/>
+              </a:ext>
+            </a:extLst>
+          </p:cNvPr>
+          <p:cNvPicPr>
+            <a:picLocks noChangeAspect="1"/>
+          </p:cNvPicPr>
+          <p:nvPr/>
+        </p:nvPicPr>
+        <p:blipFill>
+          <a:blip r:embed="rId2"/>
+          <a:stretch>
+            <a:fillRect/>
+          </a:stretch>
+        </p:blipFill>
+        <p:spPr>
+          <a:xfrm>
+            <a:off x="136104" y="599825"/>
+            <a:ext cx="2889754" cy="591363"/>
+          </a:xfrm>
+          <a:prstGeom prst="rect">
+            <a:avLst/>
+          </a:prstGeom>
+        </p:spPr>
+      </p:pic>
+      <p:pic>
+        <p:nvPicPr>
+          <p:cNvPr id="3" name="図 2">
+            <a:extLst>
+              <a:ext uri="{FF2B5EF4-FFF2-40B4-BE49-F238E27FC236}">
+                <a16:creationId xmlns:a16="http://schemas.microsoft.com/office/drawing/2014/main" id="{545D19C6-5CC5-4D09-90A3-88F63756126B}"/>
+              </a:ext>
+            </a:extLst>
+          </p:cNvPr>
+          <p:cNvPicPr>
+            <a:picLocks noChangeAspect="1"/>
+          </p:cNvPicPr>
+          <p:nvPr/>
+        </p:nvPicPr>
+        <p:blipFill>
+          <a:blip r:embed="rId3"/>
+          <a:stretch>
+            <a:fillRect/>
+          </a:stretch>
+        </p:blipFill>
+        <p:spPr>
+          <a:xfrm>
+            <a:off x="2658227" y="569664"/>
+            <a:ext cx="2438611" cy="591363"/>
+          </a:xfrm>
+          <a:prstGeom prst="rect">
+            <a:avLst/>
+          </a:prstGeom>
+        </p:spPr>
+      </p:pic>
+      <p:pic>
+        <p:nvPicPr>
+          <p:cNvPr id="5" name="図 4">
+            <a:extLst>
+              <a:ext uri="{FF2B5EF4-FFF2-40B4-BE49-F238E27FC236}">
+                <a16:creationId xmlns:a16="http://schemas.microsoft.com/office/drawing/2014/main" id="{E12E1B35-94ED-4771-8E59-59D74E3E8503}"/>
+              </a:ext>
+            </a:extLst>
+          </p:cNvPr>
+          <p:cNvPicPr>
+            <a:picLocks noChangeAspect="1"/>
+          </p:cNvPicPr>
+          <p:nvPr/>
+        </p:nvPicPr>
+        <p:blipFill>
+          <a:blip r:embed="rId4"/>
+          <a:stretch>
+            <a:fillRect/>
+          </a:stretch>
+        </p:blipFill>
+        <p:spPr>
+          <a:xfrm>
+            <a:off x="7912968" y="550629"/>
+            <a:ext cx="2456901" cy="591363"/>
+          </a:xfrm>
+          <a:prstGeom prst="rect">
+            <a:avLst/>
+          </a:prstGeom>
+        </p:spPr>
+      </p:pic>
+      <p:sp>
+        <p:nvSpPr>
+          <p:cNvPr id="18" name="テキスト ボックス 17">
+            <a:extLst>
+              <a:ext uri="{FF2B5EF4-FFF2-40B4-BE49-F238E27FC236}">
+                <a16:creationId xmlns:a16="http://schemas.microsoft.com/office/drawing/2014/main" id="{6C2F628A-2471-46A4-985E-8D71A48D31B9}"/>
+              </a:ext>
+            </a:extLst>
+          </p:cNvPr>
+          <p:cNvSpPr txBox="1"/>
+          <p:nvPr/>
+        </p:nvSpPr>
+        <p:spPr>
+          <a:xfrm>
+            <a:off x="5013578" y="642465"/>
+            <a:ext cx="2801424" cy="446276"/>
+          </a:xfrm>
+          <a:prstGeom prst="rect">
+            <a:avLst/>
+          </a:prstGeom>
+          <a:noFill/>
+          <a:ln>
+            <a:noFill/>
+          </a:ln>
+        </p:spPr>
+        <p:style>
+          <a:lnRef idx="0">
+            <a:scrgbClr r="0" g="0" b="0"/>
+          </a:lnRef>
+          <a:fillRef idx="0">
+            <a:scrgbClr r="0" g="0" b="0"/>
+          </a:fillRef>
+          <a:effectRef idx="0">
+            <a:scrgbClr r="0" g="0" b="0"/>
+          </a:effectRef>
+          <a:fontRef idx="minor">
+            <a:schemeClr val="dk1"/>
+          </a:fontRef>
+        </p:style>
+        <p:txBody>
+          <a:bodyPr wrap="square" rtlCol="0">
+            <a:spAutoFit/>
+          </a:bodyPr>
+          <a:lstStyle/>
+          <a:p>
+            <a:r>
+              <a:rPr lang="ja-JP" altLang="en-US" sz="2200" dirty="0">
+                <a:solidFill>
+                  <a:schemeClr val="accent6">
+                    <a:lumMod val="75000"/>
+                  </a:schemeClr>
+                </a:solidFill>
+                <a:latin typeface="HG創英角ｺﾞｼｯｸUB" panose="020B0909000000000000" pitchFamily="49" charset="-128"/>
+                <a:ea typeface="HG創英角ｺﾞｼｯｸUB" panose="020B0909000000000000" pitchFamily="49" charset="-128"/>
+              </a:rPr>
+              <a:t>３</a:t>
+            </a:r>
+            <a:r>
+              <a:rPr lang="en-US" altLang="ja-JP" sz="2200" b="1" dirty="0">
+                <a:solidFill>
+                  <a:schemeClr val="accent6">
+                    <a:lumMod val="75000"/>
+                  </a:schemeClr>
+                </a:solidFill>
+                <a:latin typeface="HG創英角ｺﾞｼｯｸUB" panose="020B0909000000000000" pitchFamily="49" charset="-128"/>
+                <a:ea typeface="HG創英角ｺﾞｼｯｸUB" panose="020B0909000000000000" pitchFamily="49" charset="-128"/>
+              </a:rPr>
+              <a:t>.</a:t>
+            </a:r>
+            <a:r>
+              <a:rPr lang="ja-JP" altLang="en-US" sz="2200" dirty="0">
+                <a:solidFill>
+                  <a:schemeClr val="accent6">
+                    <a:lumMod val="75000"/>
+                  </a:schemeClr>
+                </a:solidFill>
+                <a:latin typeface="HG創英角ｺﾞｼｯｸUB" panose="020B0909000000000000" pitchFamily="49" charset="-128"/>
+                <a:ea typeface="HG創英角ｺﾞｼｯｸUB" panose="020B0909000000000000" pitchFamily="49" charset="-128"/>
+              </a:rPr>
+              <a:t>振る舞いモデル</a:t>
+            </a:r>
+            <a:endParaRPr lang="en-US" altLang="ja-JP" sz="2200" dirty="0">
+              <a:solidFill>
+                <a:schemeClr val="accent6">
+                  <a:lumMod val="75000"/>
+                </a:schemeClr>
+              </a:solidFill>
+              <a:latin typeface="HG創英角ｺﾞｼｯｸUB" panose="020B0909000000000000" pitchFamily="49" charset="-128"/>
+              <a:ea typeface="HG創英角ｺﾞｼｯｸUB" panose="020B0909000000000000" pitchFamily="49" charset="-128"/>
+            </a:endParaRPr>
+          </a:p>
+        </p:txBody>
+      </p:sp>
+      <p:pic>
+        <p:nvPicPr>
+          <p:cNvPr id="6" name="図 5">
+            <a:extLst>
+              <a:ext uri="{FF2B5EF4-FFF2-40B4-BE49-F238E27FC236}">
+                <a16:creationId xmlns:a16="http://schemas.microsoft.com/office/drawing/2014/main" id="{2AEDB2C4-DFCA-4716-8E25-385817B3325A}"/>
+              </a:ext>
+            </a:extLst>
+          </p:cNvPr>
+          <p:cNvPicPr>
+            <a:picLocks noChangeAspect="1"/>
+          </p:cNvPicPr>
+          <p:nvPr/>
+        </p:nvPicPr>
+        <p:blipFill>
+          <a:blip r:embed="rId5"/>
+          <a:stretch>
+            <a:fillRect/>
+          </a:stretch>
+        </p:blipFill>
+        <p:spPr>
+          <a:xfrm>
+            <a:off x="28800" y="1221349"/>
+            <a:ext cx="2341067" cy="719390"/>
+          </a:xfrm>
+          <a:prstGeom prst="rect">
+            <a:avLst/>
+          </a:prstGeom>
+        </p:spPr>
+      </p:pic>
+      <p:sp>
+        <p:nvSpPr>
+          <p:cNvPr id="19" name="テキスト ボックス 18">
+            <a:extLst>
+              <a:ext uri="{FF2B5EF4-FFF2-40B4-BE49-F238E27FC236}">
+                <a16:creationId xmlns:a16="http://schemas.microsoft.com/office/drawing/2014/main" id="{3B6159A1-F343-4748-8F34-3E3DBE64EB8B}"/>
+              </a:ext>
+            </a:extLst>
+          </p:cNvPr>
+          <p:cNvSpPr txBox="1"/>
+          <p:nvPr/>
+        </p:nvSpPr>
+        <p:spPr>
+          <a:xfrm>
+            <a:off x="64020" y="1396378"/>
+            <a:ext cx="2255352" cy="369332"/>
+          </a:xfrm>
+          <a:prstGeom prst="rect">
+            <a:avLst/>
+          </a:prstGeom>
+          <a:noFill/>
+        </p:spPr>
+        <p:txBody>
+          <a:bodyPr wrap="square" rtlCol="0">
+            <a:spAutoFit/>
+          </a:bodyPr>
+          <a:lstStyle/>
+          <a:p>
+            <a:r>
+              <a:rPr lang="ja-JP" altLang="en-US" sz="1800" dirty="0">
+                <a:solidFill>
+                  <a:schemeClr val="bg1"/>
+                </a:solidFill>
+                <a:latin typeface="HG創英角ｺﾞｼｯｸUB" panose="020B0909000000000000" pitchFamily="49" charset="-128"/>
+                <a:ea typeface="HG創英角ｺﾞｼｯｸUB" panose="020B0909000000000000" pitchFamily="49" charset="-128"/>
+              </a:rPr>
+              <a:t>３</a:t>
+            </a:r>
+            <a:r>
+              <a:rPr kumimoji="1" lang="en-US" altLang="ja-JP" sz="1800" dirty="0">
+                <a:solidFill>
+                  <a:schemeClr val="bg1"/>
+                </a:solidFill>
+                <a:latin typeface="HG創英角ｺﾞｼｯｸUB" panose="020B0909000000000000" pitchFamily="49" charset="-128"/>
+                <a:ea typeface="HG創英角ｺﾞｼｯｸUB" panose="020B0909000000000000" pitchFamily="49" charset="-128"/>
+              </a:rPr>
+              <a:t>.</a:t>
+            </a:r>
+            <a:r>
+              <a:rPr lang="ja-JP" altLang="en-US" sz="1800" dirty="0">
+                <a:solidFill>
+                  <a:schemeClr val="bg1"/>
+                </a:solidFill>
+                <a:latin typeface="HG創英角ｺﾞｼｯｸUB" panose="020B0909000000000000" pitchFamily="49" charset="-128"/>
+                <a:ea typeface="HG創英角ｺﾞｼｯｸUB" panose="020B0909000000000000" pitchFamily="49" charset="-128"/>
+              </a:rPr>
+              <a:t>振る舞い</a:t>
+            </a:r>
+            <a:r>
+              <a:rPr kumimoji="1" lang="ja-JP" altLang="en-US" sz="1800" dirty="0">
+                <a:solidFill>
+                  <a:schemeClr val="bg1"/>
+                </a:solidFill>
+                <a:latin typeface="HG創英角ｺﾞｼｯｸUB" panose="020B0909000000000000" pitchFamily="49" charset="-128"/>
+                <a:ea typeface="HG創英角ｺﾞｼｯｸUB" panose="020B0909000000000000" pitchFamily="49" charset="-128"/>
+              </a:rPr>
+              <a:t>モデル</a:t>
+            </a:r>
           </a:p>
         </p:txBody>
       </p:sp>
@@ -5211,7 +6271,7 @@
         </p:nvSpPr>
         <p:spPr>
           <a:xfrm>
-            <a:off x="28800" y="1201128"/>
+            <a:off x="28800" y="1182673"/>
             <a:ext cx="12744000" cy="8352000"/>
           </a:xfrm>
           <a:prstGeom prst="rect">
@@ -5242,6 +6302,354 @@
           <a:p>
             <a:pPr algn="ctr"/>
             <a:endParaRPr kumimoji="1" lang="ja-JP" altLang="en-US" dirty="0"/>
+          </a:p>
+        </p:txBody>
+      </p:sp>
+      <p:sp>
+        <p:nvSpPr>
+          <p:cNvPr id="7" name="テキスト ボックス 6">
+            <a:extLst>
+              <a:ext uri="{FF2B5EF4-FFF2-40B4-BE49-F238E27FC236}">
+                <a16:creationId xmlns:a16="http://schemas.microsoft.com/office/drawing/2014/main" id="{738BD554-3591-448A-8FA5-908603F1A97E}"/>
+              </a:ext>
+            </a:extLst>
+          </p:cNvPr>
+          <p:cNvSpPr txBox="1"/>
+          <p:nvPr/>
+        </p:nvSpPr>
+        <p:spPr>
+          <a:xfrm>
+            <a:off x="208112" y="608308"/>
+            <a:ext cx="2808312" cy="430887"/>
+          </a:xfrm>
+          <a:prstGeom prst="rect">
+            <a:avLst/>
+          </a:prstGeom>
+          <a:noFill/>
+          <a:ln>
+            <a:noFill/>
+          </a:ln>
+        </p:spPr>
+        <p:style>
+          <a:lnRef idx="0">
+            <a:scrgbClr r="0" g="0" b="0"/>
+          </a:lnRef>
+          <a:fillRef idx="0">
+            <a:scrgbClr r="0" g="0" b="0"/>
+          </a:fillRef>
+          <a:effectRef idx="0">
+            <a:scrgbClr r="0" g="0" b="0"/>
+          </a:effectRef>
+          <a:fontRef idx="minor">
+            <a:schemeClr val="dk1"/>
+          </a:fontRef>
+        </p:style>
+        <p:txBody>
+          <a:bodyPr wrap="square" rtlCol="0">
+            <a:spAutoFit/>
+          </a:bodyPr>
+          <a:lstStyle/>
+          <a:p>
+            <a:r>
+              <a:rPr lang="ja-JP" altLang="en-US" sz="2200" dirty="0">
+                <a:solidFill>
+                  <a:schemeClr val="accent6">
+                    <a:lumMod val="40000"/>
+                    <a:lumOff val="60000"/>
+                  </a:schemeClr>
+                </a:solidFill>
+                <a:latin typeface="HG創英角ｺﾞｼｯｸUB" panose="020B0909000000000000" pitchFamily="49" charset="-128"/>
+                <a:ea typeface="HG創英角ｺﾞｼｯｸUB" panose="020B0909000000000000" pitchFamily="49" charset="-128"/>
+              </a:rPr>
+              <a:t>１</a:t>
+            </a:r>
+            <a:r>
+              <a:rPr lang="en-US" altLang="ja-JP" sz="2200" b="1" dirty="0">
+                <a:solidFill>
+                  <a:schemeClr val="accent6">
+                    <a:lumMod val="40000"/>
+                    <a:lumOff val="60000"/>
+                  </a:schemeClr>
+                </a:solidFill>
+                <a:latin typeface="HG創英角ｺﾞｼｯｸUB" panose="020B0909000000000000" pitchFamily="49" charset="-128"/>
+                <a:ea typeface="HG創英角ｺﾞｼｯｸUB" panose="020B0909000000000000" pitchFamily="49" charset="-128"/>
+              </a:rPr>
+              <a:t>.</a:t>
+            </a:r>
+            <a:r>
+              <a:rPr lang="ja-JP" altLang="en-US" sz="2200" dirty="0">
+                <a:solidFill>
+                  <a:schemeClr val="accent6">
+                    <a:lumMod val="40000"/>
+                    <a:lumOff val="60000"/>
+                  </a:schemeClr>
+                </a:solidFill>
+                <a:latin typeface="HG創英角ｺﾞｼｯｸUB" panose="020B0909000000000000" pitchFamily="49" charset="-128"/>
+                <a:ea typeface="HG創英角ｺﾞｼｯｸUB" panose="020B0909000000000000" pitchFamily="49" charset="-128"/>
+              </a:rPr>
+              <a:t>機能モデル</a:t>
+            </a:r>
+            <a:endParaRPr lang="en-US" altLang="ja-JP" sz="2200" dirty="0">
+              <a:solidFill>
+                <a:schemeClr val="accent6">
+                  <a:lumMod val="40000"/>
+                  <a:lumOff val="60000"/>
+                </a:schemeClr>
+              </a:solidFill>
+              <a:latin typeface="HG創英角ｺﾞｼｯｸUB" panose="020B0909000000000000" pitchFamily="49" charset="-128"/>
+              <a:ea typeface="HG創英角ｺﾞｼｯｸUB" panose="020B0909000000000000" pitchFamily="49" charset="-128"/>
+            </a:endParaRPr>
+          </a:p>
+        </p:txBody>
+      </p:sp>
+      <p:pic>
+        <p:nvPicPr>
+          <p:cNvPr id="2" name="図 1">
+            <a:extLst>
+              <a:ext uri="{FF2B5EF4-FFF2-40B4-BE49-F238E27FC236}">
+                <a16:creationId xmlns:a16="http://schemas.microsoft.com/office/drawing/2014/main" id="{9BA4EDEA-D1FE-4FB6-BCD0-DCD4AD46D7CD}"/>
+              </a:ext>
+            </a:extLst>
+          </p:cNvPr>
+          <p:cNvPicPr>
+            <a:picLocks noChangeAspect="1"/>
+          </p:cNvPicPr>
+          <p:nvPr/>
+        </p:nvPicPr>
+        <p:blipFill>
+          <a:blip r:embed="rId2"/>
+          <a:stretch>
+            <a:fillRect/>
+          </a:stretch>
+        </p:blipFill>
+        <p:spPr>
+          <a:xfrm>
+            <a:off x="2640156" y="544397"/>
+            <a:ext cx="2438611" cy="591363"/>
+          </a:xfrm>
+          <a:prstGeom prst="rect">
+            <a:avLst/>
+          </a:prstGeom>
+        </p:spPr>
+      </p:pic>
+      <p:pic>
+        <p:nvPicPr>
+          <p:cNvPr id="9" name="図 8">
+            <a:extLst>
+              <a:ext uri="{FF2B5EF4-FFF2-40B4-BE49-F238E27FC236}">
+                <a16:creationId xmlns:a16="http://schemas.microsoft.com/office/drawing/2014/main" id="{899F338E-8D01-467C-9929-692BF549777D}"/>
+              </a:ext>
+            </a:extLst>
+          </p:cNvPr>
+          <p:cNvPicPr>
+            <a:picLocks noChangeAspect="1"/>
+          </p:cNvPicPr>
+          <p:nvPr/>
+        </p:nvPicPr>
+        <p:blipFill>
+          <a:blip r:embed="rId3"/>
+          <a:stretch>
+            <a:fillRect/>
+          </a:stretch>
+        </p:blipFill>
+        <p:spPr>
+          <a:xfrm>
+            <a:off x="4928343" y="597033"/>
+            <a:ext cx="2883658" cy="591363"/>
+          </a:xfrm>
+          <a:prstGeom prst="rect">
+            <a:avLst/>
+          </a:prstGeom>
+        </p:spPr>
+      </p:pic>
+      <p:sp>
+        <p:nvSpPr>
+          <p:cNvPr id="10" name="テキスト ボックス 9">
+            <a:extLst>
+              <a:ext uri="{FF2B5EF4-FFF2-40B4-BE49-F238E27FC236}">
+                <a16:creationId xmlns:a16="http://schemas.microsoft.com/office/drawing/2014/main" id="{7B288429-499A-45A3-AB73-3A8568D0AB59}"/>
+              </a:ext>
+            </a:extLst>
+          </p:cNvPr>
+          <p:cNvSpPr txBox="1"/>
+          <p:nvPr/>
+        </p:nvSpPr>
+        <p:spPr>
+          <a:xfrm>
+            <a:off x="8056984" y="642465"/>
+            <a:ext cx="2376544" cy="430887"/>
+          </a:xfrm>
+          <a:prstGeom prst="rect">
+            <a:avLst/>
+          </a:prstGeom>
+          <a:noFill/>
+          <a:ln>
+            <a:noFill/>
+          </a:ln>
+        </p:spPr>
+        <p:style>
+          <a:lnRef idx="0">
+            <a:scrgbClr r="0" g="0" b="0"/>
+          </a:lnRef>
+          <a:fillRef idx="0">
+            <a:scrgbClr r="0" g="0" b="0"/>
+          </a:fillRef>
+          <a:effectRef idx="0">
+            <a:scrgbClr r="0" g="0" b="0"/>
+          </a:effectRef>
+          <a:fontRef idx="minor">
+            <a:schemeClr val="dk1"/>
+          </a:fontRef>
+        </p:style>
+        <p:txBody>
+          <a:bodyPr wrap="square" rtlCol="0">
+            <a:spAutoFit/>
+          </a:bodyPr>
+          <a:lstStyle/>
+          <a:p>
+            <a:r>
+              <a:rPr lang="ja-JP" altLang="en-US" sz="2200" dirty="0">
+                <a:solidFill>
+                  <a:schemeClr val="accent6">
+                    <a:lumMod val="75000"/>
+                  </a:schemeClr>
+                </a:solidFill>
+                <a:latin typeface="HG創英角ｺﾞｼｯｸUB" panose="020B0909000000000000" pitchFamily="49" charset="-128"/>
+                <a:ea typeface="HG創英角ｺﾞｼｯｸUB" panose="020B0909000000000000" pitchFamily="49" charset="-128"/>
+              </a:rPr>
+              <a:t>４</a:t>
+            </a:r>
+            <a:r>
+              <a:rPr lang="en-US" altLang="ja-JP" sz="2200" b="1" dirty="0">
+                <a:solidFill>
+                  <a:schemeClr val="accent6">
+                    <a:lumMod val="75000"/>
+                  </a:schemeClr>
+                </a:solidFill>
+                <a:latin typeface="HG創英角ｺﾞｼｯｸUB" panose="020B0909000000000000" pitchFamily="49" charset="-128"/>
+                <a:ea typeface="HG創英角ｺﾞｼｯｸUB" panose="020B0909000000000000" pitchFamily="49" charset="-128"/>
+              </a:rPr>
+              <a:t>.</a:t>
+            </a:r>
+            <a:r>
+              <a:rPr lang="ja-JP" altLang="en-US" sz="2200" dirty="0">
+                <a:solidFill>
+                  <a:schemeClr val="accent6">
+                    <a:lumMod val="75000"/>
+                  </a:schemeClr>
+                </a:solidFill>
+                <a:latin typeface="HG創英角ｺﾞｼｯｸUB" panose="020B0909000000000000" pitchFamily="49" charset="-128"/>
+                <a:ea typeface="HG創英角ｺﾞｼｯｸUB" panose="020B0909000000000000" pitchFamily="49" charset="-128"/>
+              </a:rPr>
+              <a:t>工夫点</a:t>
+            </a:r>
+            <a:endParaRPr lang="en-US" altLang="ja-JP" sz="2200" dirty="0">
+              <a:solidFill>
+                <a:schemeClr val="accent6">
+                  <a:lumMod val="75000"/>
+                </a:schemeClr>
+              </a:solidFill>
+              <a:latin typeface="HG創英角ｺﾞｼｯｸUB" panose="020B0909000000000000" pitchFamily="49" charset="-128"/>
+              <a:ea typeface="HG創英角ｺﾞｼｯｸUB" panose="020B0909000000000000" pitchFamily="49" charset="-128"/>
+            </a:endParaRPr>
+          </a:p>
+        </p:txBody>
+      </p:sp>
+      <p:pic>
+        <p:nvPicPr>
+          <p:cNvPr id="3" name="図 2">
+            <a:extLst>
+              <a:ext uri="{FF2B5EF4-FFF2-40B4-BE49-F238E27FC236}">
+                <a16:creationId xmlns:a16="http://schemas.microsoft.com/office/drawing/2014/main" id="{1D5801F3-BB12-4C11-B284-19AE55B19229}"/>
+              </a:ext>
+            </a:extLst>
+          </p:cNvPr>
+          <p:cNvPicPr>
+            <a:picLocks noChangeAspect="1"/>
+          </p:cNvPicPr>
+          <p:nvPr/>
+        </p:nvPicPr>
+        <p:blipFill>
+          <a:blip r:embed="rId4"/>
+          <a:stretch>
+            <a:fillRect/>
+          </a:stretch>
+        </p:blipFill>
+        <p:spPr>
+          <a:xfrm>
+            <a:off x="31025" y="1167632"/>
+            <a:ext cx="2341067" cy="719390"/>
+          </a:xfrm>
+          <a:prstGeom prst="rect">
+            <a:avLst/>
+          </a:prstGeom>
+        </p:spPr>
+      </p:pic>
+      <p:sp>
+        <p:nvSpPr>
+          <p:cNvPr id="16" name="テキスト ボックス 15">
+            <a:extLst>
+              <a:ext uri="{FF2B5EF4-FFF2-40B4-BE49-F238E27FC236}">
+                <a16:creationId xmlns:a16="http://schemas.microsoft.com/office/drawing/2014/main" id="{16EA8BB1-28DE-4405-8063-834232184D89}"/>
+              </a:ext>
+            </a:extLst>
+          </p:cNvPr>
+          <p:cNvSpPr txBox="1"/>
+          <p:nvPr/>
+        </p:nvSpPr>
+        <p:spPr>
+          <a:xfrm>
+            <a:off x="423689" y="1304144"/>
+            <a:ext cx="1343613" cy="400110"/>
+          </a:xfrm>
+          <a:prstGeom prst="rect">
+            <a:avLst/>
+          </a:prstGeom>
+          <a:noFill/>
+        </p:spPr>
+        <p:txBody>
+          <a:bodyPr wrap="square" rtlCol="0">
+            <a:spAutoFit/>
+          </a:bodyPr>
+          <a:lstStyle/>
+          <a:p>
+            <a:r>
+              <a:rPr lang="ja-JP" altLang="en-US" sz="2000" dirty="0">
+                <a:solidFill>
+                  <a:schemeClr val="bg1"/>
+                </a:solidFill>
+                <a:latin typeface="HG創英角ｺﾞｼｯｸUB" panose="020B0909000000000000" pitchFamily="49" charset="-128"/>
+                <a:ea typeface="HG創英角ｺﾞｼｯｸUB" panose="020B0909000000000000" pitchFamily="49" charset="-128"/>
+              </a:rPr>
+              <a:t>４</a:t>
+            </a:r>
+            <a:r>
+              <a:rPr kumimoji="1" lang="en-US" altLang="ja-JP" sz="2000" dirty="0">
+                <a:solidFill>
+                  <a:schemeClr val="bg1"/>
+                </a:solidFill>
+                <a:latin typeface="HG創英角ｺﾞｼｯｸUB" panose="020B0909000000000000" pitchFamily="49" charset="-128"/>
+                <a:ea typeface="HG創英角ｺﾞｼｯｸUB" panose="020B0909000000000000" pitchFamily="49" charset="-128"/>
+              </a:rPr>
+              <a:t>.</a:t>
+            </a:r>
+            <a:r>
+              <a:rPr lang="ja-JP" altLang="en-US" sz="2000" dirty="0">
+                <a:solidFill>
+                  <a:schemeClr val="bg1"/>
+                </a:solidFill>
+                <a:latin typeface="HG創英角ｺﾞｼｯｸUB" panose="020B0909000000000000" pitchFamily="49" charset="-128"/>
+                <a:ea typeface="HG創英角ｺﾞｼｯｸUB" panose="020B0909000000000000" pitchFamily="49" charset="-128"/>
+              </a:rPr>
+              <a:t>工夫点</a:t>
+            </a:r>
+            <a:endParaRPr kumimoji="1" lang="ja-JP" altLang="en-US" sz="2000" dirty="0">
+              <a:solidFill>
+                <a:schemeClr val="bg1"/>
+              </a:solidFill>
+              <a:latin typeface="HG創英角ｺﾞｼｯｸUB" panose="020B0909000000000000" pitchFamily="49" charset="-128"/>
+              <a:ea typeface="HG創英角ｺﾞｼｯｸUB" panose="020B0909000000000000" pitchFamily="49" charset="-128"/>
+            </a:endParaRPr>
           </a:p>
         </p:txBody>
       </p:sp>

--- a/model_file_template_primary.pptx
+++ b/model_file_template_primary.pptx
@@ -14,9 +14,9 @@
   <p:sldIdLst>
     <p:sldId id="272" r:id="rId3"/>
     <p:sldId id="259" r:id="rId4"/>
-    <p:sldId id="273" r:id="rId5"/>
-    <p:sldId id="274" r:id="rId6"/>
-    <p:sldId id="275" r:id="rId7"/>
+    <p:sldId id="277" r:id="rId5"/>
+    <p:sldId id="278" r:id="rId6"/>
+    <p:sldId id="279" r:id="rId7"/>
   </p:sldIdLst>
   <p:sldSz cx="12801600" cy="9601200" type="A3"/>
   <p:notesSz cx="14597063" cy="21107400"/>
@@ -156,9 +156,9 @@
         <p14:section name="モデル図ページ（プライマリークラス）" id="{8B2B3982-7BAC-4EE5-974E-E0EE0719EC85}">
           <p14:sldIdLst>
             <p14:sldId id="259"/>
-            <p14:sldId id="273"/>
-            <p14:sldId id="274"/>
-            <p14:sldId id="275"/>
+            <p14:sldId id="277"/>
+            <p14:sldId id="278"/>
+            <p14:sldId id="279"/>
           </p14:sldIdLst>
         </p14:section>
       </p14:sectionLst>
@@ -4165,7 +4165,7 @@
         </p:nvSpPr>
         <p:spPr>
           <a:xfrm>
-            <a:off x="7573020" y="479951"/>
+            <a:off x="7670181" y="695896"/>
             <a:ext cx="2520000" cy="1152297"/>
           </a:xfrm>
           <a:prstGeom prst="roundRect">
@@ -4217,7 +4217,7 @@
         </p:nvSpPr>
         <p:spPr>
           <a:xfrm>
-            <a:off x="5042834" y="485566"/>
+            <a:off x="5150181" y="695896"/>
             <a:ext cx="2520000" cy="1080368"/>
           </a:xfrm>
           <a:prstGeom prst="roundRect">
@@ -4269,11 +4269,13 @@
         </p:nvSpPr>
         <p:spPr>
           <a:xfrm>
-            <a:off x="2555324" y="479872"/>
-            <a:ext cx="2477324" cy="1368400"/>
+            <a:off x="2626849" y="695896"/>
+            <a:ext cx="2520000" cy="1368400"/>
           </a:xfrm>
           <a:prstGeom prst="roundRect">
-            <a:avLst/>
+            <a:avLst>
+              <a:gd name="adj" fmla="val 13495"/>
+            </a:avLst>
           </a:prstGeom>
           <a:ln w="28575">
             <a:solidFill>
@@ -4321,7 +4323,7 @@
         </p:nvSpPr>
         <p:spPr>
           <a:xfrm>
-            <a:off x="42212" y="480120"/>
+            <a:off x="100800" y="480120"/>
             <a:ext cx="2520000" cy="1224384"/>
           </a:xfrm>
           <a:prstGeom prst="roundRect">
@@ -4329,7 +4331,7 @@
               <a:gd name="adj" fmla="val 13842"/>
             </a:avLst>
           </a:prstGeom>
-          <a:ln w="57150"/>
+          <a:ln w="38100"/>
         </p:spPr>
         <p:style>
           <a:lnRef idx="2">
@@ -4368,13 +4370,13 @@
         </p:nvSpPr>
         <p:spPr>
           <a:xfrm>
-            <a:off x="30356" y="1182880"/>
-            <a:ext cx="12744000" cy="8352000"/>
+            <a:off x="100800" y="1204804"/>
+            <a:ext cx="12600000" cy="8352000"/>
           </a:xfrm>
           <a:prstGeom prst="rect">
             <a:avLst/>
           </a:prstGeom>
-          <a:ln w="28575">
+          <a:ln w="38100">
             <a:headEnd type="none" w="med" len="med"/>
             <a:tailEnd type="none" w="med" len="med"/>
           </a:ln>
@@ -4416,7 +4418,7 @@
         </p:nvSpPr>
         <p:spPr>
           <a:xfrm>
-            <a:off x="224058" y="615933"/>
+            <a:off x="284707" y="604595"/>
             <a:ext cx="2122161" cy="430887"/>
           </a:xfrm>
           <a:prstGeom prst="rect">
@@ -4509,8 +4511,8 @@
         </p:nvSpPr>
         <p:spPr>
           <a:xfrm>
-            <a:off x="2791847" y="657854"/>
-            <a:ext cx="2361792" cy="430887"/>
+            <a:off x="2831006" y="728719"/>
+            <a:ext cx="2002046" cy="430887"/>
           </a:xfrm>
           <a:prstGeom prst="rect">
             <a:avLst/>
@@ -4606,7 +4608,7 @@
         </p:nvSpPr>
         <p:spPr>
           <a:xfrm>
-            <a:off x="5013578" y="642465"/>
+            <a:off x="5119461" y="713087"/>
             <a:ext cx="2801424" cy="446276"/>
           </a:xfrm>
           <a:prstGeom prst="rect">
@@ -4703,8 +4705,8 @@
         </p:nvSpPr>
         <p:spPr>
           <a:xfrm>
-            <a:off x="8056984" y="642465"/>
-            <a:ext cx="2376544" cy="430887"/>
+            <a:off x="8056984" y="713087"/>
+            <a:ext cx="1445666" cy="430887"/>
           </a:xfrm>
           <a:prstGeom prst="rect">
             <a:avLst/>
@@ -4800,7 +4802,7 @@
         </p:nvSpPr>
         <p:spPr>
           <a:xfrm>
-            <a:off x="42212" y="1166652"/>
+            <a:off x="116230" y="1204744"/>
             <a:ext cx="2340000" cy="720000"/>
           </a:xfrm>
           <a:prstGeom prst="rect">
@@ -4847,7 +4849,7 @@
         </p:nvSpPr>
         <p:spPr>
           <a:xfrm>
-            <a:off x="224058" y="1320622"/>
+            <a:off x="208112" y="1378547"/>
             <a:ext cx="1935588" cy="400110"/>
           </a:xfrm>
           <a:prstGeom prst="rect">
@@ -4938,8 +4940,8 @@
         </p:nvSpPr>
         <p:spPr>
           <a:xfrm>
-            <a:off x="7552648" y="479950"/>
-            <a:ext cx="2520000" cy="864263"/>
+            <a:off x="7670181" y="695896"/>
+            <a:ext cx="2520000" cy="1152297"/>
           </a:xfrm>
           <a:prstGeom prst="roundRect">
             <a:avLst/>
@@ -4990,8 +4992,8 @@
         </p:nvSpPr>
         <p:spPr>
           <a:xfrm>
-            <a:off x="5032648" y="479872"/>
-            <a:ext cx="2520000" cy="864342"/>
+            <a:off x="5150181" y="695896"/>
+            <a:ext cx="2520000" cy="1080368"/>
           </a:xfrm>
           <a:prstGeom prst="roundRect">
             <a:avLst/>
@@ -5042,11 +5044,13 @@
         </p:nvSpPr>
         <p:spPr>
           <a:xfrm>
-            <a:off x="35324" y="479870"/>
-            <a:ext cx="2477324" cy="864343"/>
+            <a:off x="95655" y="698856"/>
+            <a:ext cx="2520000" cy="1368400"/>
           </a:xfrm>
           <a:prstGeom prst="roundRect">
-            <a:avLst/>
+            <a:avLst>
+              <a:gd name="adj" fmla="val 13495"/>
+            </a:avLst>
           </a:prstGeom>
           <a:ln w="28575">
             <a:solidFill>
@@ -5094,7 +5098,7 @@
         </p:nvSpPr>
         <p:spPr>
           <a:xfrm>
-            <a:off x="2512648" y="479870"/>
+            <a:off x="2622918" y="480120"/>
             <a:ext cx="2520000" cy="1224384"/>
           </a:xfrm>
           <a:prstGeom prst="roundRect">
@@ -5102,7 +5106,7 @@
               <a:gd name="adj" fmla="val 13842"/>
             </a:avLst>
           </a:prstGeom>
-          <a:ln w="57150"/>
+          <a:ln w="38100"/>
         </p:spPr>
         <p:style>
           <a:lnRef idx="2">
@@ -5141,13 +5145,13 @@
         </p:nvSpPr>
         <p:spPr>
           <a:xfrm>
-            <a:off x="42230" y="1215512"/>
-            <a:ext cx="12744000" cy="8352000"/>
+            <a:off x="100800" y="1195550"/>
+            <a:ext cx="12600000" cy="8352000"/>
           </a:xfrm>
           <a:prstGeom prst="rect">
             <a:avLst/>
           </a:prstGeom>
-          <a:ln w="28575">
+          <a:ln w="38100">
             <a:headEnd type="none" w="med" len="med"/>
             <a:tailEnd type="none" w="med" len="med"/>
           </a:ln>
@@ -5175,102 +5179,12 @@
           </a:p>
         </p:txBody>
       </p:sp>
-      <p:pic>
-        <p:nvPicPr>
-          <p:cNvPr id="2" name="図 1">
+      <p:sp>
+        <p:nvSpPr>
+          <p:cNvPr id="3" name="テキスト ボックス 2">
             <a:extLst>
               <a:ext uri="{FF2B5EF4-FFF2-40B4-BE49-F238E27FC236}">
-                <a16:creationId xmlns:a16="http://schemas.microsoft.com/office/drawing/2014/main" id="{4C334034-45FE-45AC-9E58-8767281E2525}"/>
-              </a:ext>
-            </a:extLst>
-          </p:cNvPr>
-          <p:cNvPicPr>
-            <a:picLocks noChangeAspect="1"/>
-          </p:cNvPicPr>
-          <p:nvPr/>
-        </p:nvPicPr>
-        <p:blipFill>
-          <a:blip r:embed="rId2"/>
-          <a:stretch>
-            <a:fillRect/>
-          </a:stretch>
-        </p:blipFill>
-        <p:spPr>
-          <a:xfrm>
-            <a:off x="136104" y="606885"/>
-            <a:ext cx="2889754" cy="591363"/>
-          </a:xfrm>
-          <a:prstGeom prst="rect">
-            <a:avLst/>
-          </a:prstGeom>
-        </p:spPr>
-      </p:pic>
-      <p:pic>
-        <p:nvPicPr>
-          <p:cNvPr id="3" name="図 2">
-            <a:extLst>
-              <a:ext uri="{FF2B5EF4-FFF2-40B4-BE49-F238E27FC236}">
-                <a16:creationId xmlns:a16="http://schemas.microsoft.com/office/drawing/2014/main" id="{C88DE9E1-D0B5-4738-8ED7-7B937BAE304E}"/>
-              </a:ext>
-            </a:extLst>
-          </p:cNvPr>
-          <p:cNvPicPr>
-            <a:picLocks noChangeAspect="1"/>
-          </p:cNvPicPr>
-          <p:nvPr/>
-        </p:nvPicPr>
-        <p:blipFill>
-          <a:blip r:embed="rId3"/>
-          <a:stretch>
-            <a:fillRect/>
-          </a:stretch>
-        </p:blipFill>
-        <p:spPr>
-          <a:xfrm>
-            <a:off x="4989972" y="606884"/>
-            <a:ext cx="2883658" cy="591363"/>
-          </a:xfrm>
-          <a:prstGeom prst="rect">
-            <a:avLst/>
-          </a:prstGeom>
-        </p:spPr>
-      </p:pic>
-      <p:pic>
-        <p:nvPicPr>
-          <p:cNvPr id="4" name="図 3">
-            <a:extLst>
-              <a:ext uri="{FF2B5EF4-FFF2-40B4-BE49-F238E27FC236}">
-                <a16:creationId xmlns:a16="http://schemas.microsoft.com/office/drawing/2014/main" id="{739A8DFC-0EA6-4059-A927-A7100D7020D6}"/>
-              </a:ext>
-            </a:extLst>
-          </p:cNvPr>
-          <p:cNvPicPr>
-            <a:picLocks noChangeAspect="1"/>
-          </p:cNvPicPr>
-          <p:nvPr/>
-        </p:nvPicPr>
-        <p:blipFill>
-          <a:blip r:embed="rId4"/>
-          <a:stretch>
-            <a:fillRect/>
-          </a:stretch>
-        </p:blipFill>
-        <p:spPr>
-          <a:xfrm>
-            <a:off x="7887148" y="544818"/>
-            <a:ext cx="2456901" cy="591363"/>
-          </a:xfrm>
-          <a:prstGeom prst="rect">
-            <a:avLst/>
-          </a:prstGeom>
-        </p:spPr>
-      </p:pic>
-      <p:sp>
-        <p:nvSpPr>
-          <p:cNvPr id="16" name="テキスト ボックス 15">
-            <a:extLst>
-              <a:ext uri="{FF2B5EF4-FFF2-40B4-BE49-F238E27FC236}">
-                <a16:creationId xmlns:a16="http://schemas.microsoft.com/office/drawing/2014/main" id="{9F7755E9-1B98-4F0D-922D-86D06268E173}"/>
+                <a16:creationId xmlns:a16="http://schemas.microsoft.com/office/drawing/2014/main" id="{4A839BC4-54BA-4246-90D0-1001B466FC18}"/>
               </a:ext>
             </a:extLst>
           </p:cNvPr>
@@ -5279,8 +5193,8 @@
         </p:nvSpPr>
         <p:spPr>
           <a:xfrm>
-            <a:off x="2791847" y="657854"/>
-            <a:ext cx="2361792" cy="430887"/>
+            <a:off x="320252" y="713087"/>
+            <a:ext cx="2122161" cy="430887"/>
           </a:xfrm>
           <a:prstGeom prst="rect">
             <a:avLst/>
@@ -5314,6 +5228,103 @@
               <a:rPr lang="ja-JP" altLang="en-US" sz="2200" dirty="0">
                 <a:solidFill>
                   <a:schemeClr val="accent6">
+                    <a:lumMod val="60000"/>
+                    <a:lumOff val="40000"/>
+                  </a:schemeClr>
+                </a:solidFill>
+                <a:latin typeface="HG創英角ｺﾞｼｯｸUB" panose="020B0909000000000000" pitchFamily="49" charset="-128"/>
+                <a:ea typeface="HG創英角ｺﾞｼｯｸUB" panose="020B0909000000000000" pitchFamily="49" charset="-128"/>
+              </a:rPr>
+              <a:t>１</a:t>
+            </a:r>
+            <a:r>
+              <a:rPr lang="en-US" altLang="ja-JP" sz="2200" b="1" dirty="0">
+                <a:solidFill>
+                  <a:schemeClr val="accent6">
+                    <a:lumMod val="60000"/>
+                    <a:lumOff val="40000"/>
+                  </a:schemeClr>
+                </a:solidFill>
+                <a:latin typeface="HG創英角ｺﾞｼｯｸUB" panose="020B0909000000000000" pitchFamily="49" charset="-128"/>
+                <a:ea typeface="HG創英角ｺﾞｼｯｸUB" panose="020B0909000000000000" pitchFamily="49" charset="-128"/>
+              </a:rPr>
+              <a:t>.</a:t>
+            </a:r>
+            <a:r>
+              <a:rPr lang="ja-JP" altLang="en-US" sz="2200" dirty="0">
+                <a:solidFill>
+                  <a:schemeClr val="accent6">
+                    <a:lumMod val="60000"/>
+                    <a:lumOff val="40000"/>
+                  </a:schemeClr>
+                </a:solidFill>
+                <a:latin typeface="HG創英角ｺﾞｼｯｸUB" panose="020B0909000000000000" pitchFamily="49" charset="-128"/>
+                <a:ea typeface="HG創英角ｺﾞｼｯｸUB" panose="020B0909000000000000" pitchFamily="49" charset="-128"/>
+              </a:rPr>
+              <a:t>機能モデル</a:t>
+            </a:r>
+            <a:endParaRPr lang="en-US" altLang="ja-JP" sz="2200" dirty="0">
+              <a:solidFill>
+                <a:schemeClr val="accent6">
+                  <a:lumMod val="60000"/>
+                  <a:lumOff val="40000"/>
+                </a:schemeClr>
+              </a:solidFill>
+              <a:latin typeface="HG創英角ｺﾞｼｯｸUB" panose="020B0909000000000000" pitchFamily="49" charset="-128"/>
+              <a:ea typeface="HG創英角ｺﾞｼｯｸUB" panose="020B0909000000000000" pitchFamily="49" charset="-128"/>
+            </a:endParaRPr>
+          </a:p>
+        </p:txBody>
+      </p:sp>
+      <p:sp>
+        <p:nvSpPr>
+          <p:cNvPr id="9" name="テキスト ボックス 8">
+            <a:extLst>
+              <a:ext uri="{FF2B5EF4-FFF2-40B4-BE49-F238E27FC236}">
+                <a16:creationId xmlns:a16="http://schemas.microsoft.com/office/drawing/2014/main" id="{27FC2256-755B-4562-8E23-88557EE81276}"/>
+              </a:ext>
+            </a:extLst>
+          </p:cNvPr>
+          <p:cNvSpPr txBox="1"/>
+          <p:nvPr/>
+        </p:nvSpPr>
+        <p:spPr>
+          <a:xfrm>
+            <a:off x="2840252" y="640606"/>
+            <a:ext cx="2002046" cy="430887"/>
+          </a:xfrm>
+          <a:prstGeom prst="rect">
+            <a:avLst/>
+          </a:prstGeom>
+          <a:noFill/>
+          <a:ln>
+            <a:noFill/>
+          </a:ln>
+        </p:spPr>
+        <p:style>
+          <a:lnRef idx="0">
+            <a:scrgbClr r="0" g="0" b="0"/>
+          </a:lnRef>
+          <a:fillRef idx="0">
+            <a:scrgbClr r="0" g="0" b="0"/>
+          </a:fillRef>
+          <a:effectRef idx="0">
+            <a:scrgbClr r="0" g="0" b="0"/>
+          </a:effectRef>
+          <a:fontRef idx="minor">
+            <a:schemeClr val="dk1"/>
+          </a:fontRef>
+        </p:style>
+        <p:txBody>
+          <a:bodyPr wrap="square" rtlCol="0">
+            <a:spAutoFit/>
+          </a:bodyPr>
+          <a:lstStyle/>
+          <a:p>
+            <a:r>
+              <a:rPr lang="ja-JP" altLang="en-US" sz="2200" dirty="0">
+                <a:solidFill>
+                  <a:schemeClr val="accent6">
                     <a:lumMod val="75000"/>
                   </a:schemeClr>
                 </a:solidFill>
@@ -5358,42 +5369,12 @@
           </a:p>
         </p:txBody>
       </p:sp>
-      <p:pic>
-        <p:nvPicPr>
-          <p:cNvPr id="5" name="図 4">
+      <p:sp>
+        <p:nvSpPr>
+          <p:cNvPr id="10" name="テキスト ボックス 9">
             <a:extLst>
               <a:ext uri="{FF2B5EF4-FFF2-40B4-BE49-F238E27FC236}">
-                <a16:creationId xmlns:a16="http://schemas.microsoft.com/office/drawing/2014/main" id="{FC5E6DD6-E95C-410D-8CEC-D6703412E7BC}"/>
-              </a:ext>
-            </a:extLst>
-          </p:cNvPr>
-          <p:cNvPicPr>
-            <a:picLocks noChangeAspect="1"/>
-          </p:cNvPicPr>
-          <p:nvPr/>
-        </p:nvPicPr>
-        <p:blipFill>
-          <a:blip r:embed="rId5"/>
-          <a:stretch>
-            <a:fillRect/>
-          </a:stretch>
-        </p:blipFill>
-        <p:spPr>
-          <a:xfrm>
-            <a:off x="35324" y="1213951"/>
-            <a:ext cx="2341067" cy="719390"/>
-          </a:xfrm>
-          <a:prstGeom prst="rect">
-            <a:avLst/>
-          </a:prstGeom>
-        </p:spPr>
-      </p:pic>
-      <p:sp>
-        <p:nvSpPr>
-          <p:cNvPr id="17" name="テキスト ボックス 16">
-            <a:extLst>
-              <a:ext uri="{FF2B5EF4-FFF2-40B4-BE49-F238E27FC236}">
-                <a16:creationId xmlns:a16="http://schemas.microsoft.com/office/drawing/2014/main" id="{61C72F02-49BC-4A14-82D9-E7728CD3CBCF}"/>
+                <a16:creationId xmlns:a16="http://schemas.microsoft.com/office/drawing/2014/main" id="{6B6DE600-02D5-4297-AB70-824D28CEE6FA}"/>
               </a:ext>
             </a:extLst>
           </p:cNvPr>
@@ -5402,7 +5383,248 @@
         </p:nvSpPr>
         <p:spPr>
           <a:xfrm>
-            <a:off x="238063" y="1373591"/>
+            <a:off x="5119461" y="713087"/>
+            <a:ext cx="2801424" cy="446276"/>
+          </a:xfrm>
+          <a:prstGeom prst="rect">
+            <a:avLst/>
+          </a:prstGeom>
+          <a:noFill/>
+          <a:ln>
+            <a:noFill/>
+          </a:ln>
+        </p:spPr>
+        <p:style>
+          <a:lnRef idx="0">
+            <a:scrgbClr r="0" g="0" b="0"/>
+          </a:lnRef>
+          <a:fillRef idx="0">
+            <a:scrgbClr r="0" g="0" b="0"/>
+          </a:fillRef>
+          <a:effectRef idx="0">
+            <a:scrgbClr r="0" g="0" b="0"/>
+          </a:effectRef>
+          <a:fontRef idx="minor">
+            <a:schemeClr val="dk1"/>
+          </a:fontRef>
+        </p:style>
+        <p:txBody>
+          <a:bodyPr wrap="square" rtlCol="0">
+            <a:spAutoFit/>
+          </a:bodyPr>
+          <a:lstStyle/>
+          <a:p>
+            <a:r>
+              <a:rPr lang="ja-JP" altLang="en-US" sz="2200" dirty="0">
+                <a:solidFill>
+                  <a:schemeClr val="accent6">
+                    <a:lumMod val="60000"/>
+                    <a:lumOff val="40000"/>
+                  </a:schemeClr>
+                </a:solidFill>
+                <a:latin typeface="HG創英角ｺﾞｼｯｸUB" panose="020B0909000000000000" pitchFamily="49" charset="-128"/>
+                <a:ea typeface="HG創英角ｺﾞｼｯｸUB" panose="020B0909000000000000" pitchFamily="49" charset="-128"/>
+              </a:rPr>
+              <a:t>３</a:t>
+            </a:r>
+            <a:r>
+              <a:rPr lang="en-US" altLang="ja-JP" sz="2200" b="1" dirty="0">
+                <a:solidFill>
+                  <a:schemeClr val="accent6">
+                    <a:lumMod val="60000"/>
+                    <a:lumOff val="40000"/>
+                  </a:schemeClr>
+                </a:solidFill>
+                <a:latin typeface="HG創英角ｺﾞｼｯｸUB" panose="020B0909000000000000" pitchFamily="49" charset="-128"/>
+                <a:ea typeface="HG創英角ｺﾞｼｯｸUB" panose="020B0909000000000000" pitchFamily="49" charset="-128"/>
+              </a:rPr>
+              <a:t>.</a:t>
+            </a:r>
+            <a:r>
+              <a:rPr lang="ja-JP" altLang="en-US" sz="2200" dirty="0">
+                <a:solidFill>
+                  <a:schemeClr val="accent6">
+                    <a:lumMod val="60000"/>
+                    <a:lumOff val="40000"/>
+                  </a:schemeClr>
+                </a:solidFill>
+                <a:latin typeface="HG創英角ｺﾞｼｯｸUB" panose="020B0909000000000000" pitchFamily="49" charset="-128"/>
+                <a:ea typeface="HG創英角ｺﾞｼｯｸUB" panose="020B0909000000000000" pitchFamily="49" charset="-128"/>
+              </a:rPr>
+              <a:t>振る舞いモデル</a:t>
+            </a:r>
+            <a:endParaRPr lang="en-US" altLang="ja-JP" sz="2200" dirty="0">
+              <a:solidFill>
+                <a:schemeClr val="accent6">
+                  <a:lumMod val="60000"/>
+                  <a:lumOff val="40000"/>
+                </a:schemeClr>
+              </a:solidFill>
+              <a:latin typeface="HG創英角ｺﾞｼｯｸUB" panose="020B0909000000000000" pitchFamily="49" charset="-128"/>
+              <a:ea typeface="HG創英角ｺﾞｼｯｸUB" panose="020B0909000000000000" pitchFamily="49" charset="-128"/>
+            </a:endParaRPr>
+          </a:p>
+        </p:txBody>
+      </p:sp>
+      <p:sp>
+        <p:nvSpPr>
+          <p:cNvPr id="16" name="テキスト ボックス 15">
+            <a:extLst>
+              <a:ext uri="{FF2B5EF4-FFF2-40B4-BE49-F238E27FC236}">
+                <a16:creationId xmlns:a16="http://schemas.microsoft.com/office/drawing/2014/main" id="{B2857B95-E44E-4693-9BF6-518968E8AB21}"/>
+              </a:ext>
+            </a:extLst>
+          </p:cNvPr>
+          <p:cNvSpPr txBox="1"/>
+          <p:nvPr/>
+        </p:nvSpPr>
+        <p:spPr>
+          <a:xfrm>
+            <a:off x="8056984" y="713087"/>
+            <a:ext cx="1445666" cy="430887"/>
+          </a:xfrm>
+          <a:prstGeom prst="rect">
+            <a:avLst/>
+          </a:prstGeom>
+          <a:noFill/>
+          <a:ln>
+            <a:noFill/>
+          </a:ln>
+        </p:spPr>
+        <p:style>
+          <a:lnRef idx="0">
+            <a:scrgbClr r="0" g="0" b="0"/>
+          </a:lnRef>
+          <a:fillRef idx="0">
+            <a:scrgbClr r="0" g="0" b="0"/>
+          </a:fillRef>
+          <a:effectRef idx="0">
+            <a:scrgbClr r="0" g="0" b="0"/>
+          </a:effectRef>
+          <a:fontRef idx="minor">
+            <a:schemeClr val="dk1"/>
+          </a:fontRef>
+        </p:style>
+        <p:txBody>
+          <a:bodyPr wrap="square" rtlCol="0">
+            <a:spAutoFit/>
+          </a:bodyPr>
+          <a:lstStyle/>
+          <a:p>
+            <a:r>
+              <a:rPr lang="ja-JP" altLang="en-US" sz="2200" dirty="0">
+                <a:solidFill>
+                  <a:schemeClr val="accent6">
+                    <a:lumMod val="60000"/>
+                    <a:lumOff val="40000"/>
+                  </a:schemeClr>
+                </a:solidFill>
+                <a:latin typeface="HG創英角ｺﾞｼｯｸUB" panose="020B0909000000000000" pitchFamily="49" charset="-128"/>
+                <a:ea typeface="HG創英角ｺﾞｼｯｸUB" panose="020B0909000000000000" pitchFamily="49" charset="-128"/>
+              </a:rPr>
+              <a:t>４</a:t>
+            </a:r>
+            <a:r>
+              <a:rPr lang="en-US" altLang="ja-JP" sz="2200" b="1" dirty="0">
+                <a:solidFill>
+                  <a:schemeClr val="accent6">
+                    <a:lumMod val="60000"/>
+                    <a:lumOff val="40000"/>
+                  </a:schemeClr>
+                </a:solidFill>
+                <a:latin typeface="HG創英角ｺﾞｼｯｸUB" panose="020B0909000000000000" pitchFamily="49" charset="-128"/>
+                <a:ea typeface="HG創英角ｺﾞｼｯｸUB" panose="020B0909000000000000" pitchFamily="49" charset="-128"/>
+              </a:rPr>
+              <a:t>.</a:t>
+            </a:r>
+            <a:r>
+              <a:rPr lang="ja-JP" altLang="en-US" sz="2200" dirty="0">
+                <a:solidFill>
+                  <a:schemeClr val="accent6">
+                    <a:lumMod val="60000"/>
+                    <a:lumOff val="40000"/>
+                  </a:schemeClr>
+                </a:solidFill>
+                <a:latin typeface="HG創英角ｺﾞｼｯｸUB" panose="020B0909000000000000" pitchFamily="49" charset="-128"/>
+                <a:ea typeface="HG創英角ｺﾞｼｯｸUB" panose="020B0909000000000000" pitchFamily="49" charset="-128"/>
+              </a:rPr>
+              <a:t>工夫点</a:t>
+            </a:r>
+            <a:endParaRPr lang="en-US" altLang="ja-JP" sz="2200" dirty="0">
+              <a:solidFill>
+                <a:schemeClr val="accent6">
+                  <a:lumMod val="60000"/>
+                  <a:lumOff val="40000"/>
+                </a:schemeClr>
+              </a:solidFill>
+              <a:latin typeface="HG創英角ｺﾞｼｯｸUB" panose="020B0909000000000000" pitchFamily="49" charset="-128"/>
+              <a:ea typeface="HG創英角ｺﾞｼｯｸUB" panose="020B0909000000000000" pitchFamily="49" charset="-128"/>
+            </a:endParaRPr>
+          </a:p>
+        </p:txBody>
+      </p:sp>
+      <p:sp>
+        <p:nvSpPr>
+          <p:cNvPr id="4" name="正方形/長方形 3">
+            <a:extLst>
+              <a:ext uri="{FF2B5EF4-FFF2-40B4-BE49-F238E27FC236}">
+                <a16:creationId xmlns:a16="http://schemas.microsoft.com/office/drawing/2014/main" id="{3680C864-60B8-4F14-9653-302A07051B92}"/>
+              </a:ext>
+            </a:extLst>
+          </p:cNvPr>
+          <p:cNvSpPr/>
+          <p:nvPr/>
+        </p:nvSpPr>
+        <p:spPr>
+          <a:xfrm>
+            <a:off x="116230" y="1204744"/>
+            <a:ext cx="2340000" cy="720000"/>
+          </a:xfrm>
+          <a:prstGeom prst="rect">
+            <a:avLst/>
+          </a:prstGeom>
+          <a:ln>
+            <a:noFill/>
+          </a:ln>
+        </p:spPr>
+        <p:style>
+          <a:lnRef idx="3">
+            <a:schemeClr val="lt1"/>
+          </a:lnRef>
+          <a:fillRef idx="1">
+            <a:schemeClr val="accent6"/>
+          </a:fillRef>
+          <a:effectRef idx="1">
+            <a:schemeClr val="accent6"/>
+          </a:effectRef>
+          <a:fontRef idx="minor">
+            <a:schemeClr val="lt1"/>
+          </a:fontRef>
+        </p:style>
+        <p:txBody>
+          <a:bodyPr rtlCol="0" anchor="ctr"/>
+          <a:lstStyle/>
+          <a:p>
+            <a:pPr algn="ctr"/>
+            <a:endParaRPr kumimoji="1" lang="ja-JP" altLang="en-US"/>
+          </a:p>
+        </p:txBody>
+      </p:sp>
+      <p:sp>
+        <p:nvSpPr>
+          <p:cNvPr id="6" name="テキスト ボックス 5">
+            <a:extLst>
+              <a:ext uri="{FF2B5EF4-FFF2-40B4-BE49-F238E27FC236}">
+                <a16:creationId xmlns:a16="http://schemas.microsoft.com/office/drawing/2014/main" id="{86E542D6-2597-4479-8069-7E76879CA3E5}"/>
+              </a:ext>
+            </a:extLst>
+          </p:cNvPr>
+          <p:cNvSpPr txBox="1"/>
+          <p:nvPr/>
+        </p:nvSpPr>
+        <p:spPr>
+          <a:xfrm>
+            <a:off x="208112" y="1378547"/>
             <a:ext cx="1935588" cy="400110"/>
           </a:xfrm>
           <a:prstGeom prst="rect">
@@ -5462,7 +5684,7 @@
     </p:spTree>
     <p:extLst>
       <p:ext uri="{BB962C8B-B14F-4D97-AF65-F5344CB8AC3E}">
-        <p14:creationId xmlns:p14="http://schemas.microsoft.com/office/powerpoint/2010/main" val="3466439057"/>
+        <p14:creationId xmlns:p14="http://schemas.microsoft.com/office/powerpoint/2010/main" val="3377835343"/>
       </p:ext>
     </p:extLst>
   </p:cSld>
@@ -5503,8 +5725,8 @@
         </p:nvSpPr>
         <p:spPr>
           <a:xfrm>
-            <a:off x="7546124" y="479869"/>
-            <a:ext cx="2520000" cy="864263"/>
+            <a:off x="7670181" y="695896"/>
+            <a:ext cx="2520000" cy="1152297"/>
           </a:xfrm>
           <a:prstGeom prst="roundRect">
             <a:avLst/>
@@ -5555,8 +5777,8 @@
         </p:nvSpPr>
         <p:spPr>
           <a:xfrm>
-            <a:off x="2506124" y="479871"/>
-            <a:ext cx="2520000" cy="864342"/>
+            <a:off x="94668" y="691615"/>
+            <a:ext cx="2520000" cy="1080368"/>
           </a:xfrm>
           <a:prstGeom prst="roundRect">
             <a:avLst/>
@@ -5607,11 +5829,13 @@
         </p:nvSpPr>
         <p:spPr>
           <a:xfrm>
-            <a:off x="28800" y="479870"/>
-            <a:ext cx="2477324" cy="864343"/>
+            <a:off x="2616334" y="694505"/>
+            <a:ext cx="2520000" cy="1368400"/>
           </a:xfrm>
           <a:prstGeom prst="roundRect">
-            <a:avLst/>
+            <a:avLst>
+              <a:gd name="adj" fmla="val 13495"/>
+            </a:avLst>
           </a:prstGeom>
           <a:ln w="28575">
             <a:solidFill>
@@ -5659,7 +5883,7 @@
         </p:nvSpPr>
         <p:spPr>
           <a:xfrm>
-            <a:off x="5026124" y="479870"/>
+            <a:off x="5140800" y="480120"/>
             <a:ext cx="2520000" cy="1224384"/>
           </a:xfrm>
           <a:prstGeom prst="roundRect">
@@ -5667,7 +5891,7 @@
               <a:gd name="adj" fmla="val 13842"/>
             </a:avLst>
           </a:prstGeom>
-          <a:ln w="57150"/>
+          <a:ln w="38100"/>
         </p:spPr>
         <p:style>
           <a:lnRef idx="2">
@@ -5706,13 +5930,13 @@
         </p:nvSpPr>
         <p:spPr>
           <a:xfrm>
-            <a:off x="28800" y="1212914"/>
-            <a:ext cx="12744000" cy="8352000"/>
+            <a:off x="100800" y="1204804"/>
+            <a:ext cx="12600000" cy="8352000"/>
           </a:xfrm>
           <a:prstGeom prst="rect">
             <a:avLst/>
           </a:prstGeom>
-          <a:ln w="28575">
+          <a:ln w="38100">
             <a:headEnd type="none" w="med" len="med"/>
             <a:tailEnd type="none" w="med" len="med"/>
           </a:ln>
@@ -5740,102 +5964,12 @@
           </a:p>
         </p:txBody>
       </p:sp>
-      <p:pic>
-        <p:nvPicPr>
-          <p:cNvPr id="2" name="図 1">
+      <p:sp>
+        <p:nvSpPr>
+          <p:cNvPr id="3" name="テキスト ボックス 2">
             <a:extLst>
               <a:ext uri="{FF2B5EF4-FFF2-40B4-BE49-F238E27FC236}">
-                <a16:creationId xmlns:a16="http://schemas.microsoft.com/office/drawing/2014/main" id="{2F69475D-2111-4AE0-9747-B7C83907DE3B}"/>
-              </a:ext>
-            </a:extLst>
-          </p:cNvPr>
-          <p:cNvPicPr>
-            <a:picLocks noChangeAspect="1"/>
-          </p:cNvPicPr>
-          <p:nvPr/>
-        </p:nvPicPr>
-        <p:blipFill>
-          <a:blip r:embed="rId2"/>
-          <a:stretch>
-            <a:fillRect/>
-          </a:stretch>
-        </p:blipFill>
-        <p:spPr>
-          <a:xfrm>
-            <a:off x="136104" y="599825"/>
-            <a:ext cx="2889754" cy="591363"/>
-          </a:xfrm>
-          <a:prstGeom prst="rect">
-            <a:avLst/>
-          </a:prstGeom>
-        </p:spPr>
-      </p:pic>
-      <p:pic>
-        <p:nvPicPr>
-          <p:cNvPr id="3" name="図 2">
-            <a:extLst>
-              <a:ext uri="{FF2B5EF4-FFF2-40B4-BE49-F238E27FC236}">
-                <a16:creationId xmlns:a16="http://schemas.microsoft.com/office/drawing/2014/main" id="{545D19C6-5CC5-4D09-90A3-88F63756126B}"/>
-              </a:ext>
-            </a:extLst>
-          </p:cNvPr>
-          <p:cNvPicPr>
-            <a:picLocks noChangeAspect="1"/>
-          </p:cNvPicPr>
-          <p:nvPr/>
-        </p:nvPicPr>
-        <p:blipFill>
-          <a:blip r:embed="rId3"/>
-          <a:stretch>
-            <a:fillRect/>
-          </a:stretch>
-        </p:blipFill>
-        <p:spPr>
-          <a:xfrm>
-            <a:off x="2658227" y="569664"/>
-            <a:ext cx="2438611" cy="591363"/>
-          </a:xfrm>
-          <a:prstGeom prst="rect">
-            <a:avLst/>
-          </a:prstGeom>
-        </p:spPr>
-      </p:pic>
-      <p:pic>
-        <p:nvPicPr>
-          <p:cNvPr id="5" name="図 4">
-            <a:extLst>
-              <a:ext uri="{FF2B5EF4-FFF2-40B4-BE49-F238E27FC236}">
-                <a16:creationId xmlns:a16="http://schemas.microsoft.com/office/drawing/2014/main" id="{E12E1B35-94ED-4771-8E59-59D74E3E8503}"/>
-              </a:ext>
-            </a:extLst>
-          </p:cNvPr>
-          <p:cNvPicPr>
-            <a:picLocks noChangeAspect="1"/>
-          </p:cNvPicPr>
-          <p:nvPr/>
-        </p:nvPicPr>
-        <p:blipFill>
-          <a:blip r:embed="rId4"/>
-          <a:stretch>
-            <a:fillRect/>
-          </a:stretch>
-        </p:blipFill>
-        <p:spPr>
-          <a:xfrm>
-            <a:off x="7912968" y="550629"/>
-            <a:ext cx="2456901" cy="591363"/>
-          </a:xfrm>
-          <a:prstGeom prst="rect">
-            <a:avLst/>
-          </a:prstGeom>
-        </p:spPr>
-      </p:pic>
-      <p:sp>
-        <p:nvSpPr>
-          <p:cNvPr id="18" name="テキスト ボックス 17">
-            <a:extLst>
-              <a:ext uri="{FF2B5EF4-FFF2-40B4-BE49-F238E27FC236}">
-                <a16:creationId xmlns:a16="http://schemas.microsoft.com/office/drawing/2014/main" id="{6C2F628A-2471-46A4-985E-8D71A48D31B9}"/>
+                <a16:creationId xmlns:a16="http://schemas.microsoft.com/office/drawing/2014/main" id="{4A839BC4-54BA-4246-90D0-1001B466FC18}"/>
               </a:ext>
             </a:extLst>
           </p:cNvPr>
@@ -5844,7 +5978,201 @@
         </p:nvSpPr>
         <p:spPr>
           <a:xfrm>
-            <a:off x="5013578" y="642465"/>
+            <a:off x="314264" y="713087"/>
+            <a:ext cx="2122161" cy="430887"/>
+          </a:xfrm>
+          <a:prstGeom prst="rect">
+            <a:avLst/>
+          </a:prstGeom>
+          <a:noFill/>
+          <a:ln>
+            <a:noFill/>
+          </a:ln>
+        </p:spPr>
+        <p:style>
+          <a:lnRef idx="0">
+            <a:scrgbClr r="0" g="0" b="0"/>
+          </a:lnRef>
+          <a:fillRef idx="0">
+            <a:scrgbClr r="0" g="0" b="0"/>
+          </a:fillRef>
+          <a:effectRef idx="0">
+            <a:scrgbClr r="0" g="0" b="0"/>
+          </a:effectRef>
+          <a:fontRef idx="minor">
+            <a:schemeClr val="dk1"/>
+          </a:fontRef>
+        </p:style>
+        <p:txBody>
+          <a:bodyPr wrap="square" rtlCol="0">
+            <a:spAutoFit/>
+          </a:bodyPr>
+          <a:lstStyle/>
+          <a:p>
+            <a:r>
+              <a:rPr lang="ja-JP" altLang="en-US" sz="2200" dirty="0">
+                <a:solidFill>
+                  <a:schemeClr val="accent6">
+                    <a:lumMod val="60000"/>
+                    <a:lumOff val="40000"/>
+                  </a:schemeClr>
+                </a:solidFill>
+                <a:latin typeface="HG創英角ｺﾞｼｯｸUB" panose="020B0909000000000000" pitchFamily="49" charset="-128"/>
+                <a:ea typeface="HG創英角ｺﾞｼｯｸUB" panose="020B0909000000000000" pitchFamily="49" charset="-128"/>
+              </a:rPr>
+              <a:t>１</a:t>
+            </a:r>
+            <a:r>
+              <a:rPr lang="en-US" altLang="ja-JP" sz="2200" b="1" dirty="0">
+                <a:solidFill>
+                  <a:schemeClr val="accent6">
+                    <a:lumMod val="60000"/>
+                    <a:lumOff val="40000"/>
+                  </a:schemeClr>
+                </a:solidFill>
+                <a:latin typeface="HG創英角ｺﾞｼｯｸUB" panose="020B0909000000000000" pitchFamily="49" charset="-128"/>
+                <a:ea typeface="HG創英角ｺﾞｼｯｸUB" panose="020B0909000000000000" pitchFamily="49" charset="-128"/>
+              </a:rPr>
+              <a:t>.</a:t>
+            </a:r>
+            <a:r>
+              <a:rPr lang="ja-JP" altLang="en-US" sz="2200" dirty="0">
+                <a:solidFill>
+                  <a:schemeClr val="accent6">
+                    <a:lumMod val="60000"/>
+                    <a:lumOff val="40000"/>
+                  </a:schemeClr>
+                </a:solidFill>
+                <a:latin typeface="HG創英角ｺﾞｼｯｸUB" panose="020B0909000000000000" pitchFamily="49" charset="-128"/>
+                <a:ea typeface="HG創英角ｺﾞｼｯｸUB" panose="020B0909000000000000" pitchFamily="49" charset="-128"/>
+              </a:rPr>
+              <a:t>機能モデル</a:t>
+            </a:r>
+            <a:endParaRPr lang="en-US" altLang="ja-JP" sz="2200" dirty="0">
+              <a:solidFill>
+                <a:schemeClr val="accent6">
+                  <a:lumMod val="60000"/>
+                  <a:lumOff val="40000"/>
+                </a:schemeClr>
+              </a:solidFill>
+              <a:latin typeface="HG創英角ｺﾞｼｯｸUB" panose="020B0909000000000000" pitchFamily="49" charset="-128"/>
+              <a:ea typeface="HG創英角ｺﾞｼｯｸUB" panose="020B0909000000000000" pitchFamily="49" charset="-128"/>
+            </a:endParaRPr>
+          </a:p>
+        </p:txBody>
+      </p:sp>
+      <p:sp>
+        <p:nvSpPr>
+          <p:cNvPr id="9" name="テキスト ボックス 8">
+            <a:extLst>
+              <a:ext uri="{FF2B5EF4-FFF2-40B4-BE49-F238E27FC236}">
+                <a16:creationId xmlns:a16="http://schemas.microsoft.com/office/drawing/2014/main" id="{27FC2256-755B-4562-8E23-88557EE81276}"/>
+              </a:ext>
+            </a:extLst>
+          </p:cNvPr>
+          <p:cNvSpPr txBox="1"/>
+          <p:nvPr/>
+        </p:nvSpPr>
+        <p:spPr>
+          <a:xfrm>
+            <a:off x="2831006" y="728719"/>
+            <a:ext cx="2002046" cy="430887"/>
+          </a:xfrm>
+          <a:prstGeom prst="rect">
+            <a:avLst/>
+          </a:prstGeom>
+          <a:noFill/>
+          <a:ln>
+            <a:noFill/>
+          </a:ln>
+        </p:spPr>
+        <p:style>
+          <a:lnRef idx="0">
+            <a:scrgbClr r="0" g="0" b="0"/>
+          </a:lnRef>
+          <a:fillRef idx="0">
+            <a:scrgbClr r="0" g="0" b="0"/>
+          </a:fillRef>
+          <a:effectRef idx="0">
+            <a:scrgbClr r="0" g="0" b="0"/>
+          </a:effectRef>
+          <a:fontRef idx="minor">
+            <a:schemeClr val="dk1"/>
+          </a:fontRef>
+        </p:style>
+        <p:txBody>
+          <a:bodyPr wrap="square" rtlCol="0">
+            <a:spAutoFit/>
+          </a:bodyPr>
+          <a:lstStyle/>
+          <a:p>
+            <a:r>
+              <a:rPr lang="ja-JP" altLang="en-US" sz="2200" dirty="0">
+                <a:solidFill>
+                  <a:schemeClr val="accent6">
+                    <a:lumMod val="60000"/>
+                    <a:lumOff val="40000"/>
+                  </a:schemeClr>
+                </a:solidFill>
+                <a:latin typeface="HG創英角ｺﾞｼｯｸUB" panose="020B0909000000000000" pitchFamily="49" charset="-128"/>
+                <a:ea typeface="HG創英角ｺﾞｼｯｸUB" panose="020B0909000000000000" pitchFamily="49" charset="-128"/>
+              </a:rPr>
+              <a:t>２</a:t>
+            </a:r>
+            <a:r>
+              <a:rPr lang="en-US" altLang="ja-JP" sz="2200" b="1" dirty="0">
+                <a:solidFill>
+                  <a:schemeClr val="accent6">
+                    <a:lumMod val="60000"/>
+                    <a:lumOff val="40000"/>
+                  </a:schemeClr>
+                </a:solidFill>
+                <a:latin typeface="HG創英角ｺﾞｼｯｸUB" panose="020B0909000000000000" pitchFamily="49" charset="-128"/>
+                <a:ea typeface="HG創英角ｺﾞｼｯｸUB" panose="020B0909000000000000" pitchFamily="49" charset="-128"/>
+              </a:rPr>
+              <a:t>.</a:t>
+            </a:r>
+            <a:r>
+              <a:rPr lang="ja-JP" altLang="en-US" sz="2200" dirty="0">
+                <a:solidFill>
+                  <a:schemeClr val="accent6">
+                    <a:lumMod val="60000"/>
+                    <a:lumOff val="40000"/>
+                  </a:schemeClr>
+                </a:solidFill>
+                <a:latin typeface="HG創英角ｺﾞｼｯｸUB" panose="020B0909000000000000" pitchFamily="49" charset="-128"/>
+                <a:ea typeface="HG創英角ｺﾞｼｯｸUB" panose="020B0909000000000000" pitchFamily="49" charset="-128"/>
+              </a:rPr>
+              <a:t>構造モデル</a:t>
+            </a:r>
+            <a:endParaRPr lang="en-US" altLang="ja-JP" sz="2200" dirty="0">
+              <a:solidFill>
+                <a:schemeClr val="accent6">
+                  <a:lumMod val="60000"/>
+                  <a:lumOff val="40000"/>
+                </a:schemeClr>
+              </a:solidFill>
+              <a:latin typeface="HG創英角ｺﾞｼｯｸUB" panose="020B0909000000000000" pitchFamily="49" charset="-128"/>
+              <a:ea typeface="HG創英角ｺﾞｼｯｸUB" panose="020B0909000000000000" pitchFamily="49" charset="-128"/>
+            </a:endParaRPr>
+          </a:p>
+        </p:txBody>
+      </p:sp>
+      <p:sp>
+        <p:nvSpPr>
+          <p:cNvPr id="10" name="テキスト ボックス 9">
+            <a:extLst>
+              <a:ext uri="{FF2B5EF4-FFF2-40B4-BE49-F238E27FC236}">
+                <a16:creationId xmlns:a16="http://schemas.microsoft.com/office/drawing/2014/main" id="{6B6DE600-02D5-4297-AB70-824D28CEE6FA}"/>
+              </a:ext>
+            </a:extLst>
+          </p:cNvPr>
+          <p:cNvSpPr txBox="1"/>
+          <p:nvPr/>
+        </p:nvSpPr>
+        <p:spPr>
+          <a:xfrm>
+            <a:off x="5138000" y="624136"/>
             <a:ext cx="2801424" cy="446276"/>
           </a:xfrm>
           <a:prstGeom prst="rect">
@@ -5923,42 +6251,12 @@
           </a:p>
         </p:txBody>
       </p:sp>
-      <p:pic>
-        <p:nvPicPr>
-          <p:cNvPr id="6" name="図 5">
+      <p:sp>
+        <p:nvSpPr>
+          <p:cNvPr id="16" name="テキスト ボックス 15">
             <a:extLst>
               <a:ext uri="{FF2B5EF4-FFF2-40B4-BE49-F238E27FC236}">
-                <a16:creationId xmlns:a16="http://schemas.microsoft.com/office/drawing/2014/main" id="{2AEDB2C4-DFCA-4716-8E25-385817B3325A}"/>
-              </a:ext>
-            </a:extLst>
-          </p:cNvPr>
-          <p:cNvPicPr>
-            <a:picLocks noChangeAspect="1"/>
-          </p:cNvPicPr>
-          <p:nvPr/>
-        </p:nvPicPr>
-        <p:blipFill>
-          <a:blip r:embed="rId5"/>
-          <a:stretch>
-            <a:fillRect/>
-          </a:stretch>
-        </p:blipFill>
-        <p:spPr>
-          <a:xfrm>
-            <a:off x="28800" y="1221349"/>
-            <a:ext cx="2341067" cy="719390"/>
-          </a:xfrm>
-          <a:prstGeom prst="rect">
-            <a:avLst/>
-          </a:prstGeom>
-        </p:spPr>
-      </p:pic>
-      <p:sp>
-        <p:nvSpPr>
-          <p:cNvPr id="19" name="テキスト ボックス 18">
-            <a:extLst>
-              <a:ext uri="{FF2B5EF4-FFF2-40B4-BE49-F238E27FC236}">
-                <a16:creationId xmlns:a16="http://schemas.microsoft.com/office/drawing/2014/main" id="{3B6159A1-F343-4748-8F34-3E3DBE64EB8B}"/>
+                <a16:creationId xmlns:a16="http://schemas.microsoft.com/office/drawing/2014/main" id="{B2857B95-E44E-4693-9BF6-518968E8AB21}"/>
               </a:ext>
             </a:extLst>
           </p:cNvPr>
@@ -5967,8 +6265,152 @@
         </p:nvSpPr>
         <p:spPr>
           <a:xfrm>
-            <a:off x="64020" y="1396378"/>
-            <a:ext cx="2255352" cy="369332"/>
+            <a:off x="8056984" y="713087"/>
+            <a:ext cx="1445666" cy="430887"/>
+          </a:xfrm>
+          <a:prstGeom prst="rect">
+            <a:avLst/>
+          </a:prstGeom>
+          <a:noFill/>
+          <a:ln>
+            <a:noFill/>
+          </a:ln>
+        </p:spPr>
+        <p:style>
+          <a:lnRef idx="0">
+            <a:scrgbClr r="0" g="0" b="0"/>
+          </a:lnRef>
+          <a:fillRef idx="0">
+            <a:scrgbClr r="0" g="0" b="0"/>
+          </a:fillRef>
+          <a:effectRef idx="0">
+            <a:scrgbClr r="0" g="0" b="0"/>
+          </a:effectRef>
+          <a:fontRef idx="minor">
+            <a:schemeClr val="dk1"/>
+          </a:fontRef>
+        </p:style>
+        <p:txBody>
+          <a:bodyPr wrap="square" rtlCol="0">
+            <a:spAutoFit/>
+          </a:bodyPr>
+          <a:lstStyle/>
+          <a:p>
+            <a:r>
+              <a:rPr lang="ja-JP" altLang="en-US" sz="2200" dirty="0">
+                <a:solidFill>
+                  <a:schemeClr val="accent6">
+                    <a:lumMod val="60000"/>
+                    <a:lumOff val="40000"/>
+                  </a:schemeClr>
+                </a:solidFill>
+                <a:latin typeface="HG創英角ｺﾞｼｯｸUB" panose="020B0909000000000000" pitchFamily="49" charset="-128"/>
+                <a:ea typeface="HG創英角ｺﾞｼｯｸUB" panose="020B0909000000000000" pitchFamily="49" charset="-128"/>
+              </a:rPr>
+              <a:t>４</a:t>
+            </a:r>
+            <a:r>
+              <a:rPr lang="en-US" altLang="ja-JP" sz="2200" b="1" dirty="0">
+                <a:solidFill>
+                  <a:schemeClr val="accent6">
+                    <a:lumMod val="60000"/>
+                    <a:lumOff val="40000"/>
+                  </a:schemeClr>
+                </a:solidFill>
+                <a:latin typeface="HG創英角ｺﾞｼｯｸUB" panose="020B0909000000000000" pitchFamily="49" charset="-128"/>
+                <a:ea typeface="HG創英角ｺﾞｼｯｸUB" panose="020B0909000000000000" pitchFamily="49" charset="-128"/>
+              </a:rPr>
+              <a:t>.</a:t>
+            </a:r>
+            <a:r>
+              <a:rPr lang="ja-JP" altLang="en-US" sz="2200" dirty="0">
+                <a:solidFill>
+                  <a:schemeClr val="accent6">
+                    <a:lumMod val="60000"/>
+                    <a:lumOff val="40000"/>
+                  </a:schemeClr>
+                </a:solidFill>
+                <a:latin typeface="HG創英角ｺﾞｼｯｸUB" panose="020B0909000000000000" pitchFamily="49" charset="-128"/>
+                <a:ea typeface="HG創英角ｺﾞｼｯｸUB" panose="020B0909000000000000" pitchFamily="49" charset="-128"/>
+              </a:rPr>
+              <a:t>工夫点</a:t>
+            </a:r>
+            <a:endParaRPr lang="en-US" altLang="ja-JP" sz="2200" dirty="0">
+              <a:solidFill>
+                <a:schemeClr val="accent6">
+                  <a:lumMod val="60000"/>
+                  <a:lumOff val="40000"/>
+                </a:schemeClr>
+              </a:solidFill>
+              <a:latin typeface="HG創英角ｺﾞｼｯｸUB" panose="020B0909000000000000" pitchFamily="49" charset="-128"/>
+              <a:ea typeface="HG創英角ｺﾞｼｯｸUB" panose="020B0909000000000000" pitchFamily="49" charset="-128"/>
+            </a:endParaRPr>
+          </a:p>
+        </p:txBody>
+      </p:sp>
+      <p:sp>
+        <p:nvSpPr>
+          <p:cNvPr id="4" name="正方形/長方形 3">
+            <a:extLst>
+              <a:ext uri="{FF2B5EF4-FFF2-40B4-BE49-F238E27FC236}">
+                <a16:creationId xmlns:a16="http://schemas.microsoft.com/office/drawing/2014/main" id="{3680C864-60B8-4F14-9653-302A07051B92}"/>
+              </a:ext>
+            </a:extLst>
+          </p:cNvPr>
+          <p:cNvSpPr/>
+          <p:nvPr/>
+        </p:nvSpPr>
+        <p:spPr>
+          <a:xfrm>
+            <a:off x="116230" y="1204744"/>
+            <a:ext cx="2340000" cy="720000"/>
+          </a:xfrm>
+          <a:prstGeom prst="rect">
+            <a:avLst/>
+          </a:prstGeom>
+          <a:ln>
+            <a:noFill/>
+          </a:ln>
+        </p:spPr>
+        <p:style>
+          <a:lnRef idx="3">
+            <a:schemeClr val="lt1"/>
+          </a:lnRef>
+          <a:fillRef idx="1">
+            <a:schemeClr val="accent6"/>
+          </a:fillRef>
+          <a:effectRef idx="1">
+            <a:schemeClr val="accent6"/>
+          </a:effectRef>
+          <a:fontRef idx="minor">
+            <a:schemeClr val="lt1"/>
+          </a:fontRef>
+        </p:style>
+        <p:txBody>
+          <a:bodyPr rtlCol="0" anchor="ctr"/>
+          <a:lstStyle/>
+          <a:p>
+            <a:pPr algn="ctr"/>
+            <a:endParaRPr kumimoji="1" lang="ja-JP" altLang="en-US"/>
+          </a:p>
+        </p:txBody>
+      </p:sp>
+      <p:sp>
+        <p:nvSpPr>
+          <p:cNvPr id="6" name="テキスト ボックス 5">
+            <a:extLst>
+              <a:ext uri="{FF2B5EF4-FFF2-40B4-BE49-F238E27FC236}">
+                <a16:creationId xmlns:a16="http://schemas.microsoft.com/office/drawing/2014/main" id="{86E542D6-2597-4479-8069-7E76879CA3E5}"/>
+              </a:ext>
+            </a:extLst>
+          </p:cNvPr>
+          <p:cNvSpPr txBox="1"/>
+          <p:nvPr/>
+        </p:nvSpPr>
+        <p:spPr>
+          <a:xfrm>
+            <a:off x="100800" y="1364689"/>
+            <a:ext cx="2428118" cy="400110"/>
           </a:xfrm>
           <a:prstGeom prst="rect">
             <a:avLst/>
@@ -5982,7 +6424,7 @@
           <a:lstStyle/>
           <a:p>
             <a:r>
-              <a:rPr lang="ja-JP" altLang="en-US" sz="1800" dirty="0">
+              <a:rPr lang="ja-JP" altLang="en-US" sz="2000" dirty="0">
                 <a:solidFill>
                   <a:schemeClr val="bg1"/>
                 </a:solidFill>
@@ -5992,7 +6434,7 @@
               <a:t>３</a:t>
             </a:r>
             <a:r>
-              <a:rPr kumimoji="1" lang="en-US" altLang="ja-JP" sz="1800" dirty="0">
+              <a:rPr kumimoji="1" lang="en-US" altLang="ja-JP" sz="2000" dirty="0">
                 <a:solidFill>
                   <a:schemeClr val="bg1"/>
                 </a:solidFill>
@@ -6002,24 +6444,14 @@
               <a:t>.</a:t>
             </a:r>
             <a:r>
-              <a:rPr lang="ja-JP" altLang="en-US" sz="1800" dirty="0">
+              <a:rPr kumimoji="1" lang="ja-JP" altLang="en-US" sz="2000" dirty="0">
                 <a:solidFill>
                   <a:schemeClr val="bg1"/>
                 </a:solidFill>
                 <a:latin typeface="HG創英角ｺﾞｼｯｸUB" panose="020B0909000000000000" pitchFamily="49" charset="-128"/>
                 <a:ea typeface="HG創英角ｺﾞｼｯｸUB" panose="020B0909000000000000" pitchFamily="49" charset="-128"/>
               </a:rPr>
-              <a:t>振る舞い</a:t>
-            </a:r>
-            <a:r>
-              <a:rPr kumimoji="1" lang="ja-JP" altLang="en-US" sz="1800" dirty="0">
-                <a:solidFill>
-                  <a:schemeClr val="bg1"/>
-                </a:solidFill>
-                <a:latin typeface="HG創英角ｺﾞｼｯｸUB" panose="020B0909000000000000" pitchFamily="49" charset="-128"/>
-                <a:ea typeface="HG創英角ｺﾞｼｯｸUB" panose="020B0909000000000000" pitchFamily="49" charset="-128"/>
-              </a:rPr>
-              <a:t>モデル</a:t>
+              <a:t>振る舞いモデル</a:t>
             </a:r>
           </a:p>
         </p:txBody>
@@ -6027,7 +6459,7 @@
     </p:spTree>
     <p:extLst>
       <p:ext uri="{BB962C8B-B14F-4D97-AF65-F5344CB8AC3E}">
-        <p14:creationId xmlns:p14="http://schemas.microsoft.com/office/powerpoint/2010/main" val="3425227731"/>
+        <p14:creationId xmlns:p14="http://schemas.microsoft.com/office/powerpoint/2010/main" val="2695025840"/>
       </p:ext>
     </p:extLst>
   </p:cSld>
@@ -6068,8 +6500,8 @@
         </p:nvSpPr>
         <p:spPr>
           <a:xfrm>
-            <a:off x="5026124" y="479870"/>
-            <a:ext cx="2520000" cy="864263"/>
+            <a:off x="93925" y="695896"/>
+            <a:ext cx="2520000" cy="1152297"/>
           </a:xfrm>
           <a:prstGeom prst="roundRect">
             <a:avLst/>
@@ -6120,8 +6552,8 @@
         </p:nvSpPr>
         <p:spPr>
           <a:xfrm>
-            <a:off x="2506124" y="479871"/>
-            <a:ext cx="2520000" cy="864342"/>
+            <a:off x="5140800" y="695896"/>
+            <a:ext cx="2520000" cy="1080368"/>
           </a:xfrm>
           <a:prstGeom prst="roundRect">
             <a:avLst/>
@@ -6172,11 +6604,13 @@
         </p:nvSpPr>
         <p:spPr>
           <a:xfrm>
-            <a:off x="28800" y="479870"/>
-            <a:ext cx="2477324" cy="864343"/>
+            <a:off x="2619201" y="695896"/>
+            <a:ext cx="2520000" cy="1368400"/>
           </a:xfrm>
           <a:prstGeom prst="roundRect">
-            <a:avLst/>
+            <a:avLst>
+              <a:gd name="adj" fmla="val 13495"/>
+            </a:avLst>
           </a:prstGeom>
           <a:ln w="28575">
             <a:solidFill>
@@ -6224,7 +6658,7 @@
         </p:nvSpPr>
         <p:spPr>
           <a:xfrm>
-            <a:off x="7546124" y="479870"/>
+            <a:off x="7667675" y="480120"/>
             <a:ext cx="2520000" cy="1224384"/>
           </a:xfrm>
           <a:prstGeom prst="roundRect">
@@ -6232,7 +6666,7 @@
               <a:gd name="adj" fmla="val 13842"/>
             </a:avLst>
           </a:prstGeom>
-          <a:ln w="57150"/>
+          <a:ln w="38100"/>
         </p:spPr>
         <p:style>
           <a:lnRef idx="2">
@@ -6271,13 +6705,13 @@
         </p:nvSpPr>
         <p:spPr>
           <a:xfrm>
-            <a:off x="28800" y="1182673"/>
-            <a:ext cx="12744000" cy="8352000"/>
+            <a:off x="100800" y="1204804"/>
+            <a:ext cx="12600000" cy="8352000"/>
           </a:xfrm>
           <a:prstGeom prst="rect">
             <a:avLst/>
           </a:prstGeom>
-          <a:ln w="28575">
+          <a:ln w="38100">
             <a:headEnd type="none" w="med" len="med"/>
             <a:tailEnd type="none" w="med" len="med"/>
           </a:ln>
@@ -6307,10 +6741,10 @@
       </p:sp>
       <p:sp>
         <p:nvSpPr>
-          <p:cNvPr id="7" name="テキスト ボックス 6">
+          <p:cNvPr id="3" name="テキスト ボックス 2">
             <a:extLst>
               <a:ext uri="{FF2B5EF4-FFF2-40B4-BE49-F238E27FC236}">
-                <a16:creationId xmlns:a16="http://schemas.microsoft.com/office/drawing/2014/main" id="{738BD554-3591-448A-8FA5-908603F1A97E}"/>
+                <a16:creationId xmlns:a16="http://schemas.microsoft.com/office/drawing/2014/main" id="{4A839BC4-54BA-4246-90D0-1001B466FC18}"/>
               </a:ext>
             </a:extLst>
           </p:cNvPr>
@@ -6319,8 +6753,8 @@
         </p:nvSpPr>
         <p:spPr>
           <a:xfrm>
-            <a:off x="208112" y="608308"/>
-            <a:ext cx="2808312" cy="430887"/>
+            <a:off x="252660" y="728476"/>
+            <a:ext cx="2122161" cy="430887"/>
           </a:xfrm>
           <a:prstGeom prst="rect">
             <a:avLst/>
@@ -6354,8 +6788,8 @@
               <a:rPr lang="ja-JP" altLang="en-US" sz="2200" dirty="0">
                 <a:solidFill>
                   <a:schemeClr val="accent6">
-                    <a:lumMod val="40000"/>
-                    <a:lumOff val="60000"/>
+                    <a:lumMod val="60000"/>
+                    <a:lumOff val="40000"/>
                   </a:schemeClr>
                 </a:solidFill>
                 <a:latin typeface="HG創英角ｺﾞｼｯｸUB" panose="020B0909000000000000" pitchFamily="49" charset="-128"/>
@@ -6367,8 +6801,8 @@
               <a:rPr lang="en-US" altLang="ja-JP" sz="2200" b="1" dirty="0">
                 <a:solidFill>
                   <a:schemeClr val="accent6">
-                    <a:lumMod val="40000"/>
-                    <a:lumOff val="60000"/>
+                    <a:lumMod val="60000"/>
+                    <a:lumOff val="40000"/>
                   </a:schemeClr>
                 </a:solidFill>
                 <a:latin typeface="HG創英角ｺﾞｼｯｸUB" panose="020B0909000000000000" pitchFamily="49" charset="-128"/>
@@ -6380,8 +6814,8 @@
               <a:rPr lang="ja-JP" altLang="en-US" sz="2200" dirty="0">
                 <a:solidFill>
                   <a:schemeClr val="accent6">
-                    <a:lumMod val="40000"/>
-                    <a:lumOff val="60000"/>
+                    <a:lumMod val="60000"/>
+                    <a:lumOff val="40000"/>
                   </a:schemeClr>
                 </a:solidFill>
                 <a:latin typeface="HG創英角ｺﾞｼｯｸUB" panose="020B0909000000000000" pitchFamily="49" charset="-128"/>
@@ -6392,8 +6826,8 @@
             <a:endParaRPr lang="en-US" altLang="ja-JP" sz="2200" dirty="0">
               <a:solidFill>
                 <a:schemeClr val="accent6">
-                  <a:lumMod val="40000"/>
-                  <a:lumOff val="60000"/>
+                  <a:lumMod val="60000"/>
+                  <a:lumOff val="40000"/>
                 </a:schemeClr>
               </a:solidFill>
               <a:latin typeface="HG創英角ｺﾞｼｯｸUB" panose="020B0909000000000000" pitchFamily="49" charset="-128"/>
@@ -6402,72 +6836,12 @@
           </a:p>
         </p:txBody>
       </p:sp>
-      <p:pic>
-        <p:nvPicPr>
-          <p:cNvPr id="2" name="図 1">
+      <p:sp>
+        <p:nvSpPr>
+          <p:cNvPr id="9" name="テキスト ボックス 8">
             <a:extLst>
               <a:ext uri="{FF2B5EF4-FFF2-40B4-BE49-F238E27FC236}">
-                <a16:creationId xmlns:a16="http://schemas.microsoft.com/office/drawing/2014/main" id="{9BA4EDEA-D1FE-4FB6-BCD0-DCD4AD46D7CD}"/>
-              </a:ext>
-            </a:extLst>
-          </p:cNvPr>
-          <p:cNvPicPr>
-            <a:picLocks noChangeAspect="1"/>
-          </p:cNvPicPr>
-          <p:nvPr/>
-        </p:nvPicPr>
-        <p:blipFill>
-          <a:blip r:embed="rId2"/>
-          <a:stretch>
-            <a:fillRect/>
-          </a:stretch>
-        </p:blipFill>
-        <p:spPr>
-          <a:xfrm>
-            <a:off x="2640156" y="544397"/>
-            <a:ext cx="2438611" cy="591363"/>
-          </a:xfrm>
-          <a:prstGeom prst="rect">
-            <a:avLst/>
-          </a:prstGeom>
-        </p:spPr>
-      </p:pic>
-      <p:pic>
-        <p:nvPicPr>
-          <p:cNvPr id="9" name="図 8">
-            <a:extLst>
-              <a:ext uri="{FF2B5EF4-FFF2-40B4-BE49-F238E27FC236}">
-                <a16:creationId xmlns:a16="http://schemas.microsoft.com/office/drawing/2014/main" id="{899F338E-8D01-467C-9929-692BF549777D}"/>
-              </a:ext>
-            </a:extLst>
-          </p:cNvPr>
-          <p:cNvPicPr>
-            <a:picLocks noChangeAspect="1"/>
-          </p:cNvPicPr>
-          <p:nvPr/>
-        </p:nvPicPr>
-        <p:blipFill>
-          <a:blip r:embed="rId3"/>
-          <a:stretch>
-            <a:fillRect/>
-          </a:stretch>
-        </p:blipFill>
-        <p:spPr>
-          <a:xfrm>
-            <a:off x="4928343" y="597033"/>
-            <a:ext cx="2883658" cy="591363"/>
-          </a:xfrm>
-          <a:prstGeom prst="rect">
-            <a:avLst/>
-          </a:prstGeom>
-        </p:spPr>
-      </p:pic>
-      <p:sp>
-        <p:nvSpPr>
-          <p:cNvPr id="10" name="テキスト ボックス 9">
-            <a:extLst>
-              <a:ext uri="{FF2B5EF4-FFF2-40B4-BE49-F238E27FC236}">
-                <a16:creationId xmlns:a16="http://schemas.microsoft.com/office/drawing/2014/main" id="{7B288429-499A-45A3-AB73-3A8568D0AB59}"/>
+                <a16:creationId xmlns:a16="http://schemas.microsoft.com/office/drawing/2014/main" id="{27FC2256-755B-4562-8E23-88557EE81276}"/>
               </a:ext>
             </a:extLst>
           </p:cNvPr>
@@ -6476,8 +6850,8 @@
         </p:nvSpPr>
         <p:spPr>
           <a:xfrm>
-            <a:off x="8056984" y="642465"/>
-            <a:ext cx="2376544" cy="430887"/>
+            <a:off x="2831006" y="728719"/>
+            <a:ext cx="2002046" cy="430887"/>
           </a:xfrm>
           <a:prstGeom prst="rect">
             <a:avLst/>
@@ -6511,6 +6885,200 @@
               <a:rPr lang="ja-JP" altLang="en-US" sz="2200" dirty="0">
                 <a:solidFill>
                   <a:schemeClr val="accent6">
+                    <a:lumMod val="60000"/>
+                    <a:lumOff val="40000"/>
+                  </a:schemeClr>
+                </a:solidFill>
+                <a:latin typeface="HG創英角ｺﾞｼｯｸUB" panose="020B0909000000000000" pitchFamily="49" charset="-128"/>
+                <a:ea typeface="HG創英角ｺﾞｼｯｸUB" panose="020B0909000000000000" pitchFamily="49" charset="-128"/>
+              </a:rPr>
+              <a:t>２</a:t>
+            </a:r>
+            <a:r>
+              <a:rPr lang="en-US" altLang="ja-JP" sz="2200" b="1" dirty="0">
+                <a:solidFill>
+                  <a:schemeClr val="accent6">
+                    <a:lumMod val="60000"/>
+                    <a:lumOff val="40000"/>
+                  </a:schemeClr>
+                </a:solidFill>
+                <a:latin typeface="HG創英角ｺﾞｼｯｸUB" panose="020B0909000000000000" pitchFamily="49" charset="-128"/>
+                <a:ea typeface="HG創英角ｺﾞｼｯｸUB" panose="020B0909000000000000" pitchFamily="49" charset="-128"/>
+              </a:rPr>
+              <a:t>.</a:t>
+            </a:r>
+            <a:r>
+              <a:rPr lang="ja-JP" altLang="en-US" sz="2200" dirty="0">
+                <a:solidFill>
+                  <a:schemeClr val="accent6">
+                    <a:lumMod val="60000"/>
+                    <a:lumOff val="40000"/>
+                  </a:schemeClr>
+                </a:solidFill>
+                <a:latin typeface="HG創英角ｺﾞｼｯｸUB" panose="020B0909000000000000" pitchFamily="49" charset="-128"/>
+                <a:ea typeface="HG創英角ｺﾞｼｯｸUB" panose="020B0909000000000000" pitchFamily="49" charset="-128"/>
+              </a:rPr>
+              <a:t>構造モデル</a:t>
+            </a:r>
+            <a:endParaRPr lang="en-US" altLang="ja-JP" sz="2200" dirty="0">
+              <a:solidFill>
+                <a:schemeClr val="accent6">
+                  <a:lumMod val="60000"/>
+                  <a:lumOff val="40000"/>
+                </a:schemeClr>
+              </a:solidFill>
+              <a:latin typeface="HG創英角ｺﾞｼｯｸUB" panose="020B0909000000000000" pitchFamily="49" charset="-128"/>
+              <a:ea typeface="HG創英角ｺﾞｼｯｸUB" panose="020B0909000000000000" pitchFamily="49" charset="-128"/>
+            </a:endParaRPr>
+          </a:p>
+        </p:txBody>
+      </p:sp>
+      <p:sp>
+        <p:nvSpPr>
+          <p:cNvPr id="10" name="テキスト ボックス 9">
+            <a:extLst>
+              <a:ext uri="{FF2B5EF4-FFF2-40B4-BE49-F238E27FC236}">
+                <a16:creationId xmlns:a16="http://schemas.microsoft.com/office/drawing/2014/main" id="{6B6DE600-02D5-4297-AB70-824D28CEE6FA}"/>
+              </a:ext>
+            </a:extLst>
+          </p:cNvPr>
+          <p:cNvSpPr txBox="1"/>
+          <p:nvPr/>
+        </p:nvSpPr>
+        <p:spPr>
+          <a:xfrm>
+            <a:off x="5119461" y="713087"/>
+            <a:ext cx="2801424" cy="446276"/>
+          </a:xfrm>
+          <a:prstGeom prst="rect">
+            <a:avLst/>
+          </a:prstGeom>
+          <a:noFill/>
+          <a:ln>
+            <a:noFill/>
+          </a:ln>
+        </p:spPr>
+        <p:style>
+          <a:lnRef idx="0">
+            <a:scrgbClr r="0" g="0" b="0"/>
+          </a:lnRef>
+          <a:fillRef idx="0">
+            <a:scrgbClr r="0" g="0" b="0"/>
+          </a:fillRef>
+          <a:effectRef idx="0">
+            <a:scrgbClr r="0" g="0" b="0"/>
+          </a:effectRef>
+          <a:fontRef idx="minor">
+            <a:schemeClr val="dk1"/>
+          </a:fontRef>
+        </p:style>
+        <p:txBody>
+          <a:bodyPr wrap="square" rtlCol="0">
+            <a:spAutoFit/>
+          </a:bodyPr>
+          <a:lstStyle/>
+          <a:p>
+            <a:r>
+              <a:rPr lang="ja-JP" altLang="en-US" sz="2200" dirty="0">
+                <a:solidFill>
+                  <a:schemeClr val="accent6">
+                    <a:lumMod val="60000"/>
+                    <a:lumOff val="40000"/>
+                  </a:schemeClr>
+                </a:solidFill>
+                <a:latin typeface="HG創英角ｺﾞｼｯｸUB" panose="020B0909000000000000" pitchFamily="49" charset="-128"/>
+                <a:ea typeface="HG創英角ｺﾞｼｯｸUB" panose="020B0909000000000000" pitchFamily="49" charset="-128"/>
+              </a:rPr>
+              <a:t>３</a:t>
+            </a:r>
+            <a:r>
+              <a:rPr lang="en-US" altLang="ja-JP" sz="2200" b="1" dirty="0">
+                <a:solidFill>
+                  <a:schemeClr val="accent6">
+                    <a:lumMod val="60000"/>
+                    <a:lumOff val="40000"/>
+                  </a:schemeClr>
+                </a:solidFill>
+                <a:latin typeface="HG創英角ｺﾞｼｯｸUB" panose="020B0909000000000000" pitchFamily="49" charset="-128"/>
+                <a:ea typeface="HG創英角ｺﾞｼｯｸUB" panose="020B0909000000000000" pitchFamily="49" charset="-128"/>
+              </a:rPr>
+              <a:t>.</a:t>
+            </a:r>
+            <a:r>
+              <a:rPr lang="ja-JP" altLang="en-US" sz="2200" dirty="0">
+                <a:solidFill>
+                  <a:schemeClr val="accent6">
+                    <a:lumMod val="60000"/>
+                    <a:lumOff val="40000"/>
+                  </a:schemeClr>
+                </a:solidFill>
+                <a:latin typeface="HG創英角ｺﾞｼｯｸUB" panose="020B0909000000000000" pitchFamily="49" charset="-128"/>
+                <a:ea typeface="HG創英角ｺﾞｼｯｸUB" panose="020B0909000000000000" pitchFamily="49" charset="-128"/>
+              </a:rPr>
+              <a:t>振る舞いモデル</a:t>
+            </a:r>
+            <a:endParaRPr lang="en-US" altLang="ja-JP" sz="2200" dirty="0">
+              <a:solidFill>
+                <a:schemeClr val="accent6">
+                  <a:lumMod val="60000"/>
+                  <a:lumOff val="40000"/>
+                </a:schemeClr>
+              </a:solidFill>
+              <a:latin typeface="HG創英角ｺﾞｼｯｸUB" panose="020B0909000000000000" pitchFamily="49" charset="-128"/>
+              <a:ea typeface="HG創英角ｺﾞｼｯｸUB" panose="020B0909000000000000" pitchFamily="49" charset="-128"/>
+            </a:endParaRPr>
+          </a:p>
+        </p:txBody>
+      </p:sp>
+      <p:sp>
+        <p:nvSpPr>
+          <p:cNvPr id="16" name="テキスト ボックス 15">
+            <a:extLst>
+              <a:ext uri="{FF2B5EF4-FFF2-40B4-BE49-F238E27FC236}">
+                <a16:creationId xmlns:a16="http://schemas.microsoft.com/office/drawing/2014/main" id="{B2857B95-E44E-4693-9BF6-518968E8AB21}"/>
+              </a:ext>
+            </a:extLst>
+          </p:cNvPr>
+          <p:cNvSpPr txBox="1"/>
+          <p:nvPr/>
+        </p:nvSpPr>
+        <p:spPr>
+          <a:xfrm>
+            <a:off x="8128992" y="661979"/>
+            <a:ext cx="1445666" cy="430887"/>
+          </a:xfrm>
+          <a:prstGeom prst="rect">
+            <a:avLst/>
+          </a:prstGeom>
+          <a:noFill/>
+          <a:ln>
+            <a:noFill/>
+          </a:ln>
+        </p:spPr>
+        <p:style>
+          <a:lnRef idx="0">
+            <a:scrgbClr r="0" g="0" b="0"/>
+          </a:lnRef>
+          <a:fillRef idx="0">
+            <a:scrgbClr r="0" g="0" b="0"/>
+          </a:fillRef>
+          <a:effectRef idx="0">
+            <a:scrgbClr r="0" g="0" b="0"/>
+          </a:effectRef>
+          <a:fontRef idx="minor">
+            <a:schemeClr val="dk1"/>
+          </a:fontRef>
+        </p:style>
+        <p:txBody>
+          <a:bodyPr wrap="square" rtlCol="0">
+            <a:spAutoFit/>
+          </a:bodyPr>
+          <a:lstStyle/>
+          <a:p>
+            <a:r>
+              <a:rPr lang="ja-JP" altLang="en-US" sz="2200" dirty="0">
+                <a:solidFill>
+                  <a:schemeClr val="accent6">
                     <a:lumMod val="75000"/>
                   </a:schemeClr>
                 </a:solidFill>
@@ -6555,42 +7123,59 @@
           </a:p>
         </p:txBody>
       </p:sp>
-      <p:pic>
-        <p:nvPicPr>
-          <p:cNvPr id="3" name="図 2">
+      <p:sp>
+        <p:nvSpPr>
+          <p:cNvPr id="4" name="正方形/長方形 3">
             <a:extLst>
               <a:ext uri="{FF2B5EF4-FFF2-40B4-BE49-F238E27FC236}">
-                <a16:creationId xmlns:a16="http://schemas.microsoft.com/office/drawing/2014/main" id="{1D5801F3-BB12-4C11-B284-19AE55B19229}"/>
+                <a16:creationId xmlns:a16="http://schemas.microsoft.com/office/drawing/2014/main" id="{3680C864-60B8-4F14-9653-302A07051B92}"/>
               </a:ext>
             </a:extLst>
           </p:cNvPr>
-          <p:cNvPicPr>
-            <a:picLocks noChangeAspect="1"/>
-          </p:cNvPicPr>
+          <p:cNvSpPr/>
           <p:nvPr/>
-        </p:nvPicPr>
-        <p:blipFill>
-          <a:blip r:embed="rId4"/>
-          <a:stretch>
-            <a:fillRect/>
-          </a:stretch>
-        </p:blipFill>
+        </p:nvSpPr>
         <p:spPr>
           <a:xfrm>
-            <a:off x="31025" y="1167632"/>
-            <a:ext cx="2341067" cy="719390"/>
+            <a:off x="116230" y="1204744"/>
+            <a:ext cx="2340000" cy="720000"/>
           </a:xfrm>
           <a:prstGeom prst="rect">
             <a:avLst/>
           </a:prstGeom>
+          <a:ln>
+            <a:noFill/>
+          </a:ln>
         </p:spPr>
-      </p:pic>
+        <p:style>
+          <a:lnRef idx="3">
+            <a:schemeClr val="lt1"/>
+          </a:lnRef>
+          <a:fillRef idx="1">
+            <a:schemeClr val="accent6"/>
+          </a:fillRef>
+          <a:effectRef idx="1">
+            <a:schemeClr val="accent6"/>
+          </a:effectRef>
+          <a:fontRef idx="minor">
+            <a:schemeClr val="lt1"/>
+          </a:fontRef>
+        </p:style>
+        <p:txBody>
+          <a:bodyPr rtlCol="0" anchor="ctr"/>
+          <a:lstStyle/>
+          <a:p>
+            <a:pPr algn="ctr"/>
+            <a:endParaRPr kumimoji="1" lang="ja-JP" altLang="en-US"/>
+          </a:p>
+        </p:txBody>
+      </p:sp>
       <p:sp>
         <p:nvSpPr>
-          <p:cNvPr id="16" name="テキスト ボックス 15">
+          <p:cNvPr id="6" name="テキスト ボックス 5">
             <a:extLst>
               <a:ext uri="{FF2B5EF4-FFF2-40B4-BE49-F238E27FC236}">
-                <a16:creationId xmlns:a16="http://schemas.microsoft.com/office/drawing/2014/main" id="{16EA8BB1-28DE-4405-8063-834232184D89}"/>
+                <a16:creationId xmlns:a16="http://schemas.microsoft.com/office/drawing/2014/main" id="{86E542D6-2597-4479-8069-7E76879CA3E5}"/>
               </a:ext>
             </a:extLst>
           </p:cNvPr>
@@ -6599,8 +7184,8 @@
         </p:nvSpPr>
         <p:spPr>
           <a:xfrm>
-            <a:off x="423689" y="1304144"/>
-            <a:ext cx="1343613" cy="400110"/>
+            <a:off x="208112" y="1378547"/>
+            <a:ext cx="1935588" cy="400110"/>
           </a:xfrm>
           <a:prstGeom prst="rect">
             <a:avLst/>
@@ -6634,29 +7219,22 @@
               <a:t>.</a:t>
             </a:r>
             <a:r>
-              <a:rPr lang="ja-JP" altLang="en-US" sz="2000" dirty="0">
+              <a:rPr kumimoji="1" lang="ja-JP" altLang="en-US" sz="2000" dirty="0">
                 <a:solidFill>
                   <a:schemeClr val="bg1"/>
                 </a:solidFill>
                 <a:latin typeface="HG創英角ｺﾞｼｯｸUB" panose="020B0909000000000000" pitchFamily="49" charset="-128"/>
                 <a:ea typeface="HG創英角ｺﾞｼｯｸUB" panose="020B0909000000000000" pitchFamily="49" charset="-128"/>
               </a:rPr>
-              <a:t>工夫点</a:t>
-            </a:r>
-            <a:endParaRPr kumimoji="1" lang="ja-JP" altLang="en-US" sz="2000" dirty="0">
-              <a:solidFill>
-                <a:schemeClr val="bg1"/>
-              </a:solidFill>
-              <a:latin typeface="HG創英角ｺﾞｼｯｸUB" panose="020B0909000000000000" pitchFamily="49" charset="-128"/>
-              <a:ea typeface="HG創英角ｺﾞｼｯｸUB" panose="020B0909000000000000" pitchFamily="49" charset="-128"/>
-            </a:endParaRPr>
+              <a:t>機能モデル</a:t>
+            </a:r>
           </a:p>
         </p:txBody>
       </p:sp>
     </p:spTree>
     <p:extLst>
       <p:ext uri="{BB962C8B-B14F-4D97-AF65-F5344CB8AC3E}">
-        <p14:creationId xmlns:p14="http://schemas.microsoft.com/office/powerpoint/2010/main" val="3921922268"/>
+        <p14:creationId xmlns:p14="http://schemas.microsoft.com/office/powerpoint/2010/main" val="3429835045"/>
       </p:ext>
     </p:extLst>
   </p:cSld>

--- a/model_file_template_primary.pptx
+++ b/model_file_template_primary.pptx
@@ -4511,7 +4511,7 @@
         </p:nvSpPr>
         <p:spPr>
           <a:xfrm>
-            <a:off x="2831006" y="728719"/>
+            <a:off x="2887906" y="734907"/>
             <a:ext cx="2002046" cy="430887"/>
           </a:xfrm>
           <a:prstGeom prst="rect">
@@ -4608,8 +4608,8 @@
         </p:nvSpPr>
         <p:spPr>
           <a:xfrm>
-            <a:off x="5119461" y="713087"/>
-            <a:ext cx="2801424" cy="446276"/>
+            <a:off x="5159562" y="739023"/>
+            <a:ext cx="2577483" cy="446276"/>
           </a:xfrm>
           <a:prstGeom prst="rect">
             <a:avLst/>
@@ -4705,7 +4705,7 @@
         </p:nvSpPr>
         <p:spPr>
           <a:xfrm>
-            <a:off x="8056984" y="713087"/>
+            <a:off x="8207348" y="729467"/>
             <a:ext cx="1445666" cy="430887"/>
           </a:xfrm>
           <a:prstGeom prst="rect">
@@ -5193,7 +5193,7 @@
         </p:nvSpPr>
         <p:spPr>
           <a:xfrm>
-            <a:off x="320252" y="713087"/>
+            <a:off x="320252" y="730280"/>
             <a:ext cx="2122161" cy="430887"/>
           </a:xfrm>
           <a:prstGeom prst="rect">
@@ -5383,7 +5383,7 @@
         </p:nvSpPr>
         <p:spPr>
           <a:xfrm>
-            <a:off x="5119461" y="713087"/>
+            <a:off x="5142918" y="730280"/>
             <a:ext cx="2801424" cy="446276"/>
           </a:xfrm>
           <a:prstGeom prst="rect">
@@ -5480,7 +5480,7 @@
         </p:nvSpPr>
         <p:spPr>
           <a:xfrm>
-            <a:off x="8056984" y="713087"/>
+            <a:off x="8244962" y="730279"/>
             <a:ext cx="1445666" cy="430887"/>
           </a:xfrm>
           <a:prstGeom prst="rect">
@@ -5624,7 +5624,7 @@
         </p:nvSpPr>
         <p:spPr>
           <a:xfrm>
-            <a:off x="208112" y="1378547"/>
+            <a:off x="320252" y="1362087"/>
             <a:ext cx="1935588" cy="400110"/>
           </a:xfrm>
           <a:prstGeom prst="rect">
@@ -5930,7 +5930,7 @@
         </p:nvSpPr>
         <p:spPr>
           <a:xfrm>
-            <a:off x="100800" y="1204804"/>
+            <a:off x="116230" y="1203617"/>
             <a:ext cx="12600000" cy="8352000"/>
           </a:xfrm>
           <a:prstGeom prst="rect">
@@ -5978,7 +5978,7 @@
         </p:nvSpPr>
         <p:spPr>
           <a:xfrm>
-            <a:off x="314264" y="713087"/>
+            <a:off x="297487" y="751258"/>
             <a:ext cx="2122161" cy="430887"/>
           </a:xfrm>
           <a:prstGeom prst="rect">
@@ -6075,7 +6075,7 @@
         </p:nvSpPr>
         <p:spPr>
           <a:xfrm>
-            <a:off x="2831006" y="728719"/>
+            <a:off x="2870054" y="751257"/>
             <a:ext cx="2002046" cy="430887"/>
           </a:xfrm>
           <a:prstGeom prst="rect">
@@ -6172,8 +6172,8 @@
         </p:nvSpPr>
         <p:spPr>
           <a:xfrm>
-            <a:off x="5138000" y="624136"/>
-            <a:ext cx="2801424" cy="446276"/>
+            <a:off x="5136334" y="618731"/>
+            <a:ext cx="2596536" cy="446276"/>
           </a:xfrm>
           <a:prstGeom prst="rect">
             <a:avLst/>
@@ -6265,7 +6265,7 @@
         </p:nvSpPr>
         <p:spPr>
           <a:xfrm>
-            <a:off x="8056984" y="713087"/>
+            <a:off x="8207348" y="737706"/>
             <a:ext cx="1445666" cy="430887"/>
           </a:xfrm>
           <a:prstGeom prst="rect">
@@ -6753,7 +6753,7 @@
         </p:nvSpPr>
         <p:spPr>
           <a:xfrm>
-            <a:off x="252660" y="728476"/>
+            <a:off x="292844" y="736170"/>
             <a:ext cx="2122161" cy="430887"/>
           </a:xfrm>
           <a:prstGeom prst="rect">
@@ -6850,7 +6850,7 @@
         </p:nvSpPr>
         <p:spPr>
           <a:xfrm>
-            <a:off x="2831006" y="728719"/>
+            <a:off x="2874741" y="728475"/>
             <a:ext cx="2002046" cy="430887"/>
           </a:xfrm>
           <a:prstGeom prst="rect">
@@ -6947,8 +6947,8 @@
         </p:nvSpPr>
         <p:spPr>
           <a:xfrm>
-            <a:off x="5119461" y="713087"/>
-            <a:ext cx="2801424" cy="446276"/>
+            <a:off x="5085125" y="720781"/>
+            <a:ext cx="2636626" cy="446276"/>
           </a:xfrm>
           <a:prstGeom prst="rect">
             <a:avLst/>
@@ -7044,7 +7044,7 @@
         </p:nvSpPr>
         <p:spPr>
           <a:xfrm>
-            <a:off x="8128992" y="661979"/>
+            <a:off x="8204842" y="627019"/>
             <a:ext cx="1445666" cy="430887"/>
           </a:xfrm>
           <a:prstGeom prst="rect">
@@ -7184,8 +7184,8 @@
         </p:nvSpPr>
         <p:spPr>
           <a:xfrm>
-            <a:off x="208112" y="1378547"/>
-            <a:ext cx="1935588" cy="400110"/>
+            <a:off x="585529" y="1362855"/>
+            <a:ext cx="1395612" cy="400110"/>
           </a:xfrm>
           <a:prstGeom prst="rect">
             <a:avLst/>
@@ -7219,15 +7219,22 @@
               <a:t>.</a:t>
             </a:r>
             <a:r>
-              <a:rPr kumimoji="1" lang="ja-JP" altLang="en-US" sz="2000" dirty="0">
+              <a:rPr lang="ja-JP" altLang="en-US" sz="2000" dirty="0">
                 <a:solidFill>
                   <a:schemeClr val="bg1"/>
                 </a:solidFill>
                 <a:latin typeface="HG創英角ｺﾞｼｯｸUB" panose="020B0909000000000000" pitchFamily="49" charset="-128"/>
                 <a:ea typeface="HG創英角ｺﾞｼｯｸUB" panose="020B0909000000000000" pitchFamily="49" charset="-128"/>
               </a:rPr>
-              <a:t>機能モデル</a:t>
-            </a:r>
+              <a:t>工夫点</a:t>
+            </a:r>
+            <a:endParaRPr kumimoji="1" lang="ja-JP" altLang="en-US" sz="2000" dirty="0">
+              <a:solidFill>
+                <a:schemeClr val="bg1"/>
+              </a:solidFill>
+              <a:latin typeface="HG創英角ｺﾞｼｯｸUB" panose="020B0909000000000000" pitchFamily="49" charset="-128"/>
+              <a:ea typeface="HG創英角ｺﾞｼｯｸUB" panose="020B0909000000000000" pitchFamily="49" charset="-128"/>
+            </a:endParaRPr>
           </a:p>
         </p:txBody>
       </p:sp>

--- a/model_file_template_primary.pptx
+++ b/model_file_template_primary.pptx
@@ -6,17 +6,18 @@
     <p:sldMasterId id="2147483653" r:id="rId2"/>
   </p:sldMasterIdLst>
   <p:notesMasterIdLst>
-    <p:notesMasterId r:id="rId8"/>
+    <p:notesMasterId r:id="rId9"/>
   </p:notesMasterIdLst>
   <p:handoutMasterIdLst>
-    <p:handoutMasterId r:id="rId9"/>
+    <p:handoutMasterId r:id="rId10"/>
   </p:handoutMasterIdLst>
   <p:sldIdLst>
     <p:sldId id="272" r:id="rId3"/>
     <p:sldId id="259" r:id="rId4"/>
     <p:sldId id="277" r:id="rId5"/>
     <p:sldId id="278" r:id="rId6"/>
-    <p:sldId id="279" r:id="rId7"/>
+    <p:sldId id="280" r:id="rId7"/>
+    <p:sldId id="279" r:id="rId8"/>
   </p:sldIdLst>
   <p:sldSz cx="12801600" cy="9601200" type="A3"/>
   <p:notesSz cx="14597063" cy="21107400"/>
@@ -158,6 +159,7 @@
             <p14:sldId id="259"/>
             <p14:sldId id="277"/>
             <p14:sldId id="278"/>
+            <p14:sldId id="280"/>
             <p14:sldId id="279"/>
           </p14:sldIdLst>
         </p14:section>
@@ -2444,11 +2446,8 @@
               <a:rPr lang="en-US" altLang="ja-JP" sz="2400" dirty="0">
                 <a:latin typeface="ＭＳ Ｐゴシック" panose="020B0600070205080204" pitchFamily="34" charset="-128"/>
               </a:rPr>
-              <a:t>XXX</a:t>
-            </a:r>
-            <a:endParaRPr lang="ja-JP" altLang="en-US" sz="2400" dirty="0">
-              <a:latin typeface="ＭＳ Ｐゴシック" panose="020B0600070205080204" pitchFamily="34" charset="-128"/>
-            </a:endParaRPr>
+              <a:t>113</a:t>
+            </a:r>
           </a:p>
         </p:txBody>
       </p:sp>
@@ -3110,7 +3109,7 @@
           <a:p>
             <a:pPr eaLnBrk="1" hangingPunct="1"/>
             <a:r>
-              <a:rPr lang="en-US" altLang="ja-JP" sz="2400" dirty="0" err="1">
+              <a:rPr lang="en-US" altLang="ja-JP" sz="2800" b="1" dirty="0" err="1">
                 <a:solidFill>
                   <a:prstClr val="black"/>
                 </a:solidFill>
@@ -3119,7 +3118,7 @@
               </a:rPr>
               <a:t>teamNITIC</a:t>
             </a:r>
-            <a:endParaRPr lang="en-US" altLang="ja-JP" sz="3600" dirty="0"/>
+            <a:endParaRPr lang="en-US" altLang="ja-JP" sz="4000" b="1" dirty="0"/>
           </a:p>
         </p:txBody>
       </p:sp>
@@ -3285,18 +3284,10 @@
               </a:spcBef>
             </a:pPr>
             <a:r>
-              <a:rPr lang="ja-JP" altLang="en-US" sz="1947" b="1" dirty="0">
-                <a:solidFill>
-                  <a:srgbClr val="FF0000"/>
-                </a:solidFill>
-              </a:rPr>
+              <a:rPr lang="ja-JP" altLang="en-US" sz="2000" b="1" dirty="0"/>
               <a:t>モデルの構成</a:t>
             </a:r>
-            <a:endParaRPr lang="en-US" altLang="ja-JP" sz="1947" b="1" dirty="0">
-              <a:solidFill>
-                <a:srgbClr val="FF0000"/>
-              </a:solidFill>
-            </a:endParaRPr>
+            <a:endParaRPr lang="en-US" altLang="ja-JP" sz="2000" b="1" dirty="0"/>
           </a:p>
           <a:p>
             <a:pPr marL="0" lvl="0" indent="0" defTabSz="914400" eaLnBrk="1" hangingPunct="1">
@@ -3616,10 +3607,10 @@
               </a:spcBef>
             </a:pPr>
             <a:r>
-              <a:rPr lang="ja-JP" altLang="en-US" sz="1947" b="1" dirty="0"/>
+              <a:rPr lang="ja-JP" altLang="en-US" sz="2000" b="1" dirty="0"/>
               <a:t>チーム紹介、目標、意気込み</a:t>
             </a:r>
-            <a:endParaRPr lang="ja-JP" altLang="en-US" dirty="0"/>
+            <a:endParaRPr lang="ja-JP" altLang="en-US" sz="2000" dirty="0"/>
           </a:p>
           <a:p>
             <a:pPr marL="0" indent="0"/>
@@ -3836,18 +3827,10 @@
               </a:spcBef>
             </a:pPr>
             <a:r>
-              <a:rPr lang="ja-JP" altLang="en-US" sz="1947" b="1" dirty="0">
-                <a:solidFill>
-                  <a:srgbClr val="FF0000"/>
-                </a:solidFill>
-              </a:rPr>
+              <a:rPr lang="ja-JP" altLang="en-US" sz="2000" b="1" dirty="0"/>
               <a:t>モデルの概要</a:t>
             </a:r>
-            <a:endParaRPr lang="en-US" altLang="ja-JP" sz="1947" b="1" dirty="0">
-              <a:solidFill>
-                <a:srgbClr val="FF0000"/>
-              </a:solidFill>
-            </a:endParaRPr>
+            <a:endParaRPr lang="en-US" altLang="ja-JP" sz="2000" b="1" dirty="0"/>
           </a:p>
           <a:p>
             <a:pPr marL="0" indent="0" defTabSz="774222" eaLnBrk="1" hangingPunct="1">
@@ -4118,6 +4101,153 @@
               <a:latin typeface="HG丸ｺﾞｼｯｸM-PRO" panose="020F0600000000000000" pitchFamily="50" charset="-128"/>
               <a:ea typeface="HG丸ｺﾞｼｯｸM-PRO" panose="020F0600000000000000" pitchFamily="50" charset="-128"/>
             </a:endParaRPr>
+          </a:p>
+        </p:txBody>
+      </p:sp>
+      <p:sp>
+        <p:nvSpPr>
+          <p:cNvPr id="13" name="正方形/長方形 12">
+            <a:extLst>
+              <a:ext uri="{FF2B5EF4-FFF2-40B4-BE49-F238E27FC236}">
+                <a16:creationId xmlns:a16="http://schemas.microsoft.com/office/drawing/2014/main" id="{EC828B48-58A1-4C4F-B98A-A4EC1AF68793}"/>
+              </a:ext>
+            </a:extLst>
+          </p:cNvPr>
+          <p:cNvSpPr/>
+          <p:nvPr/>
+        </p:nvSpPr>
+        <p:spPr>
+          <a:xfrm>
+            <a:off x="208112" y="1839142"/>
+            <a:ext cx="5973038" cy="3420000"/>
+          </a:xfrm>
+          <a:prstGeom prst="rect">
+            <a:avLst/>
+          </a:prstGeom>
+          <a:noFill/>
+          <a:ln w="38100">
+            <a:headEnd type="none" w="med" len="med"/>
+            <a:tailEnd type="none" w="med" len="med"/>
+          </a:ln>
+        </p:spPr>
+        <p:style>
+          <a:lnRef idx="2">
+            <a:schemeClr val="accent6"/>
+          </a:lnRef>
+          <a:fillRef idx="1">
+            <a:schemeClr val="lt1"/>
+          </a:fillRef>
+          <a:effectRef idx="0">
+            <a:schemeClr val="accent6"/>
+          </a:effectRef>
+          <a:fontRef idx="minor">
+            <a:schemeClr val="dk1"/>
+          </a:fontRef>
+        </p:style>
+        <p:txBody>
+          <a:bodyPr rtlCol="0" anchor="ctr"/>
+          <a:lstStyle/>
+          <a:p>
+            <a:pPr algn="ctr"/>
+            <a:endParaRPr kumimoji="1" lang="ja-JP" altLang="en-US" dirty="0"/>
+          </a:p>
+        </p:txBody>
+      </p:sp>
+      <p:sp>
+        <p:nvSpPr>
+          <p:cNvPr id="14" name="正方形/長方形 13">
+            <a:extLst>
+              <a:ext uri="{FF2B5EF4-FFF2-40B4-BE49-F238E27FC236}">
+                <a16:creationId xmlns:a16="http://schemas.microsoft.com/office/drawing/2014/main" id="{6088756F-4A8A-44A9-9D87-C7BAA54221B5}"/>
+              </a:ext>
+            </a:extLst>
+          </p:cNvPr>
+          <p:cNvSpPr/>
+          <p:nvPr/>
+        </p:nvSpPr>
+        <p:spPr>
+          <a:xfrm>
+            <a:off x="208112" y="5436692"/>
+            <a:ext cx="5973038" cy="3900412"/>
+          </a:xfrm>
+          <a:prstGeom prst="rect">
+            <a:avLst/>
+          </a:prstGeom>
+          <a:noFill/>
+          <a:ln w="38100">
+            <a:headEnd type="none" w="med" len="med"/>
+            <a:tailEnd type="none" w="med" len="med"/>
+          </a:ln>
+        </p:spPr>
+        <p:style>
+          <a:lnRef idx="2">
+            <a:schemeClr val="accent6"/>
+          </a:lnRef>
+          <a:fillRef idx="1">
+            <a:schemeClr val="lt1"/>
+          </a:fillRef>
+          <a:effectRef idx="0">
+            <a:schemeClr val="accent6"/>
+          </a:effectRef>
+          <a:fontRef idx="minor">
+            <a:schemeClr val="dk1"/>
+          </a:fontRef>
+        </p:style>
+        <p:txBody>
+          <a:bodyPr rtlCol="0" anchor="ctr"/>
+          <a:lstStyle/>
+          <a:p>
+            <a:pPr algn="ctr"/>
+            <a:endParaRPr kumimoji="1" lang="ja-JP" altLang="en-US" dirty="0"/>
+          </a:p>
+        </p:txBody>
+      </p:sp>
+      <p:sp>
+        <p:nvSpPr>
+          <p:cNvPr id="15" name="正方形/長方形 14">
+            <a:extLst>
+              <a:ext uri="{FF2B5EF4-FFF2-40B4-BE49-F238E27FC236}">
+                <a16:creationId xmlns:a16="http://schemas.microsoft.com/office/drawing/2014/main" id="{74B1B5A3-3FF1-4094-B4EF-920002D0C743}"/>
+              </a:ext>
+            </a:extLst>
+          </p:cNvPr>
+          <p:cNvSpPr/>
+          <p:nvPr/>
+        </p:nvSpPr>
+        <p:spPr>
+          <a:xfrm>
+            <a:off x="6404426" y="1861206"/>
+            <a:ext cx="6185436" cy="7475897"/>
+          </a:xfrm>
+          <a:prstGeom prst="rect">
+            <a:avLst/>
+          </a:prstGeom>
+          <a:noFill/>
+          <a:ln w="38100">
+            <a:headEnd type="none" w="med" len="med"/>
+            <a:tailEnd type="none" w="med" len="med"/>
+          </a:ln>
+        </p:spPr>
+        <p:style>
+          <a:lnRef idx="2">
+            <a:schemeClr val="accent6"/>
+          </a:lnRef>
+          <a:fillRef idx="1">
+            <a:schemeClr val="lt1"/>
+          </a:fillRef>
+          <a:effectRef idx="0">
+            <a:schemeClr val="accent6"/>
+          </a:effectRef>
+          <a:fontRef idx="minor">
+            <a:schemeClr val="dk1"/>
+          </a:fontRef>
+        </p:style>
+        <p:txBody>
+          <a:bodyPr rtlCol="0" anchor="ctr"/>
+          <a:lstStyle/>
+          <a:p>
+            <a:pPr algn="ctr"/>
+            <a:endParaRPr kumimoji="1" lang="ja-JP" altLang="en-US" dirty="0"/>
           </a:p>
         </p:txBody>
       </p:sp>
@@ -4896,6 +5026,931 @@
           </a:p>
         </p:txBody>
       </p:sp>
+      <p:sp>
+        <p:nvSpPr>
+          <p:cNvPr id="2" name="テキスト ボックス 1">
+            <a:extLst>
+              <a:ext uri="{FF2B5EF4-FFF2-40B4-BE49-F238E27FC236}">
+                <a16:creationId xmlns:a16="http://schemas.microsoft.com/office/drawing/2014/main" id="{EC410CCE-6466-4DD2-B5D6-BA237A4B025B}"/>
+              </a:ext>
+            </a:extLst>
+          </p:cNvPr>
+          <p:cNvSpPr txBox="1"/>
+          <p:nvPr/>
+        </p:nvSpPr>
+        <p:spPr>
+          <a:xfrm>
+            <a:off x="284707" y="2278376"/>
+            <a:ext cx="4104456" cy="584775"/>
+          </a:xfrm>
+          <a:prstGeom prst="rect">
+            <a:avLst/>
+          </a:prstGeom>
+          <a:noFill/>
+        </p:spPr>
+        <p:txBody>
+          <a:bodyPr wrap="square" rtlCol="0">
+            <a:spAutoFit/>
+          </a:bodyPr>
+          <a:lstStyle/>
+          <a:p>
+            <a:r>
+              <a:rPr kumimoji="1" lang="ja-JP" altLang="en-US" dirty="0">
+                <a:latin typeface="HG丸ｺﾞｼｯｸM-PRO" panose="020F0600000000000000" pitchFamily="50" charset="-128"/>
+                <a:ea typeface="HG丸ｺﾞｼｯｸM-PRO" panose="020F0600000000000000" pitchFamily="50" charset="-128"/>
+              </a:rPr>
+              <a:t>スターターにコースを完走する機能を提供</a:t>
+            </a:r>
+            <a:br>
+              <a:rPr kumimoji="1" lang="en-US" altLang="ja-JP" dirty="0">
+                <a:latin typeface="HG丸ｺﾞｼｯｸM-PRO" panose="020F0600000000000000" pitchFamily="50" charset="-128"/>
+                <a:ea typeface="HG丸ｺﾞｼｯｸM-PRO" panose="020F0600000000000000" pitchFamily="50" charset="-128"/>
+              </a:rPr>
+            </a:br>
+            <a:r>
+              <a:rPr kumimoji="1" lang="ja-JP" altLang="en-US" dirty="0">
+                <a:latin typeface="HG丸ｺﾞｼｯｸM-PRO" panose="020F0600000000000000" pitchFamily="50" charset="-128"/>
+                <a:ea typeface="HG丸ｺﾞｼｯｸM-PRO" panose="020F0600000000000000" pitchFamily="50" charset="-128"/>
+              </a:rPr>
+              <a:t>図</a:t>
+            </a:r>
+            <a:r>
+              <a:rPr kumimoji="1" lang="en-US" altLang="ja-JP" dirty="0">
+                <a:latin typeface="HG丸ｺﾞｼｯｸM-PRO" panose="020F0600000000000000" pitchFamily="50" charset="-128"/>
+                <a:ea typeface="HG丸ｺﾞｼｯｸM-PRO" panose="020F0600000000000000" pitchFamily="50" charset="-128"/>
+              </a:rPr>
+              <a:t>1</a:t>
+            </a:r>
+            <a:r>
+              <a:rPr kumimoji="1" lang="ja-JP" altLang="en-US" dirty="0">
+                <a:latin typeface="HG丸ｺﾞｼｯｸM-PRO" panose="020F0600000000000000" pitchFamily="50" charset="-128"/>
+                <a:ea typeface="HG丸ｺﾞｼｯｸM-PRO" panose="020F0600000000000000" pitchFamily="50" charset="-128"/>
+              </a:rPr>
+              <a:t> ユースケース図で示す</a:t>
+            </a:r>
+          </a:p>
+        </p:txBody>
+      </p:sp>
+      <p:sp>
+        <p:nvSpPr>
+          <p:cNvPr id="5" name="テキスト ボックス 4">
+            <a:extLst>
+              <a:ext uri="{FF2B5EF4-FFF2-40B4-BE49-F238E27FC236}">
+                <a16:creationId xmlns:a16="http://schemas.microsoft.com/office/drawing/2014/main" id="{39B023B9-74EB-485E-B7A9-2E7916E6C963}"/>
+              </a:ext>
+            </a:extLst>
+          </p:cNvPr>
+          <p:cNvSpPr txBox="1"/>
+          <p:nvPr/>
+        </p:nvSpPr>
+        <p:spPr>
+          <a:xfrm>
+            <a:off x="195927" y="5018753"/>
+            <a:ext cx="4938737" cy="584775"/>
+          </a:xfrm>
+          <a:prstGeom prst="rect">
+            <a:avLst/>
+          </a:prstGeom>
+          <a:noFill/>
+        </p:spPr>
+        <p:txBody>
+          <a:bodyPr wrap="square" rtlCol="0">
+            <a:spAutoFit/>
+          </a:bodyPr>
+          <a:lstStyle/>
+          <a:p>
+            <a:r>
+              <a:rPr kumimoji="1" lang="ja-JP" altLang="en-US" dirty="0">
+                <a:latin typeface="HG丸ｺﾞｼｯｸM-PRO" panose="020F0600000000000000" pitchFamily="50" charset="-128"/>
+                <a:ea typeface="HG丸ｺﾞｼｯｸM-PRO" panose="020F0600000000000000" pitchFamily="50" charset="-128"/>
+              </a:rPr>
+              <a:t>機能を実現するための方法を図２ ユースケース記述、</a:t>
+            </a:r>
+            <a:br>
+              <a:rPr kumimoji="1" lang="en-US" altLang="ja-JP" dirty="0">
+                <a:latin typeface="HG丸ｺﾞｼｯｸM-PRO" panose="020F0600000000000000" pitchFamily="50" charset="-128"/>
+                <a:ea typeface="HG丸ｺﾞｼｯｸM-PRO" panose="020F0600000000000000" pitchFamily="50" charset="-128"/>
+              </a:rPr>
+            </a:br>
+            <a:r>
+              <a:rPr kumimoji="1" lang="ja-JP" altLang="en-US" dirty="0">
+                <a:latin typeface="HG丸ｺﾞｼｯｸM-PRO" panose="020F0600000000000000" pitchFamily="50" charset="-128"/>
+                <a:ea typeface="HG丸ｺﾞｼｯｸM-PRO" panose="020F0600000000000000" pitchFamily="50" charset="-128"/>
+              </a:rPr>
+              <a:t>処理順序を図</a:t>
+            </a:r>
+            <a:r>
+              <a:rPr kumimoji="1" lang="en-US" altLang="ja-JP" dirty="0">
+                <a:latin typeface="HG丸ｺﾞｼｯｸM-PRO" panose="020F0600000000000000" pitchFamily="50" charset="-128"/>
+                <a:ea typeface="HG丸ｺﾞｼｯｸM-PRO" panose="020F0600000000000000" pitchFamily="50" charset="-128"/>
+              </a:rPr>
+              <a:t>2</a:t>
+            </a:r>
+            <a:r>
+              <a:rPr kumimoji="1" lang="ja-JP" altLang="en-US" dirty="0">
+                <a:latin typeface="HG丸ｺﾞｼｯｸM-PRO" panose="020F0600000000000000" pitchFamily="50" charset="-128"/>
+                <a:ea typeface="HG丸ｺﾞｼｯｸM-PRO" panose="020F0600000000000000" pitchFamily="50" charset="-128"/>
+              </a:rPr>
+              <a:t> アクティビティ図で示す</a:t>
+            </a:r>
+          </a:p>
+        </p:txBody>
+      </p:sp>
+      <p:sp>
+        <p:nvSpPr>
+          <p:cNvPr id="7" name="正方形/長方形 6">
+            <a:extLst>
+              <a:ext uri="{FF2B5EF4-FFF2-40B4-BE49-F238E27FC236}">
+                <a16:creationId xmlns:a16="http://schemas.microsoft.com/office/drawing/2014/main" id="{A83EE4B0-769A-422D-B79B-55D23A8EC780}"/>
+              </a:ext>
+            </a:extLst>
+          </p:cNvPr>
+          <p:cNvSpPr/>
+          <p:nvPr/>
+        </p:nvSpPr>
+        <p:spPr>
+          <a:xfrm>
+            <a:off x="284707" y="2863181"/>
+            <a:ext cx="4862141" cy="1513489"/>
+          </a:xfrm>
+          <a:prstGeom prst="rect">
+            <a:avLst/>
+          </a:prstGeom>
+        </p:spPr>
+        <p:style>
+          <a:lnRef idx="2">
+            <a:schemeClr val="accent1">
+              <a:shade val="50000"/>
+            </a:schemeClr>
+          </a:lnRef>
+          <a:fillRef idx="1">
+            <a:schemeClr val="accent1"/>
+          </a:fillRef>
+          <a:effectRef idx="0">
+            <a:schemeClr val="accent1"/>
+          </a:effectRef>
+          <a:fontRef idx="minor">
+            <a:schemeClr val="lt1"/>
+          </a:fontRef>
+        </p:style>
+        <p:txBody>
+          <a:bodyPr rtlCol="0" anchor="ctr"/>
+          <a:lstStyle/>
+          <a:p>
+            <a:pPr algn="ctr"/>
+            <a:r>
+              <a:rPr kumimoji="1" lang="ja-JP" altLang="en-US" dirty="0"/>
+              <a:t>ユースケース図</a:t>
+            </a:r>
+          </a:p>
+        </p:txBody>
+      </p:sp>
+      <p:sp>
+        <p:nvSpPr>
+          <p:cNvPr id="8" name="正方形/長方形 7">
+            <a:extLst>
+              <a:ext uri="{FF2B5EF4-FFF2-40B4-BE49-F238E27FC236}">
+                <a16:creationId xmlns:a16="http://schemas.microsoft.com/office/drawing/2014/main" id="{A0DB92A4-E649-4CF8-970B-35C19E77DDF0}"/>
+              </a:ext>
+            </a:extLst>
+          </p:cNvPr>
+          <p:cNvSpPr/>
+          <p:nvPr/>
+        </p:nvSpPr>
+        <p:spPr>
+          <a:xfrm>
+            <a:off x="284707" y="5606469"/>
+            <a:ext cx="4862141" cy="3514611"/>
+          </a:xfrm>
+          <a:prstGeom prst="rect">
+            <a:avLst/>
+          </a:prstGeom>
+        </p:spPr>
+        <p:style>
+          <a:lnRef idx="2">
+            <a:schemeClr val="accent1">
+              <a:shade val="50000"/>
+            </a:schemeClr>
+          </a:lnRef>
+          <a:fillRef idx="1">
+            <a:schemeClr val="accent1"/>
+          </a:fillRef>
+          <a:effectRef idx="0">
+            <a:schemeClr val="accent1"/>
+          </a:effectRef>
+          <a:fontRef idx="minor">
+            <a:schemeClr val="lt1"/>
+          </a:fontRef>
+        </p:style>
+        <p:txBody>
+          <a:bodyPr rtlCol="0" anchor="ctr"/>
+          <a:lstStyle/>
+          <a:p>
+            <a:pPr algn="ctr"/>
+            <a:r>
+              <a:rPr kumimoji="1" lang="ja-JP" altLang="en-US" dirty="0"/>
+              <a:t>ユースケース記述</a:t>
+            </a:r>
+          </a:p>
+        </p:txBody>
+      </p:sp>
+      <p:sp>
+        <p:nvSpPr>
+          <p:cNvPr id="17" name="テキスト ボックス 16">
+            <a:extLst>
+              <a:ext uri="{FF2B5EF4-FFF2-40B4-BE49-F238E27FC236}">
+                <a16:creationId xmlns:a16="http://schemas.microsoft.com/office/drawing/2014/main" id="{C0304104-78D1-484D-8E65-0FFA84D366D4}"/>
+              </a:ext>
+            </a:extLst>
+          </p:cNvPr>
+          <p:cNvSpPr txBox="1"/>
+          <p:nvPr/>
+        </p:nvSpPr>
+        <p:spPr>
+          <a:xfrm>
+            <a:off x="5608712" y="2327621"/>
+            <a:ext cx="5740605" cy="584775"/>
+          </a:xfrm>
+          <a:prstGeom prst="rect">
+            <a:avLst/>
+          </a:prstGeom>
+          <a:noFill/>
+        </p:spPr>
+        <p:txBody>
+          <a:bodyPr wrap="square" rtlCol="0">
+            <a:spAutoFit/>
+          </a:bodyPr>
+          <a:lstStyle/>
+          <a:p>
+            <a:r>
+              <a:rPr kumimoji="1" lang="ja-JP" altLang="en-US" dirty="0">
+                <a:latin typeface="HG丸ｺﾞｼｯｸM-PRO" panose="020F0600000000000000" pitchFamily="50" charset="-128"/>
+                <a:ea typeface="HG丸ｺﾞｼｯｸM-PRO" panose="020F0600000000000000" pitchFamily="50" charset="-128"/>
+              </a:rPr>
+              <a:t>機能実現のため必要となる部品を表</a:t>
+            </a:r>
+            <a:r>
+              <a:rPr kumimoji="1" lang="en-US" altLang="ja-JP" dirty="0">
+                <a:latin typeface="HG丸ｺﾞｼｯｸM-PRO" panose="020F0600000000000000" pitchFamily="50" charset="-128"/>
+                <a:ea typeface="HG丸ｺﾞｼｯｸM-PRO" panose="020F0600000000000000" pitchFamily="50" charset="-128"/>
+              </a:rPr>
+              <a:t>1</a:t>
+            </a:r>
+            <a:r>
+              <a:rPr kumimoji="1" lang="ja-JP" altLang="en-US" dirty="0">
+                <a:latin typeface="HG丸ｺﾞｼｯｸM-PRO" panose="020F0600000000000000" pitchFamily="50" charset="-128"/>
+                <a:ea typeface="HG丸ｺﾞｼｯｸM-PRO" panose="020F0600000000000000" pitchFamily="50" charset="-128"/>
+              </a:rPr>
+              <a:t> 部品候補リスト、</a:t>
+            </a:r>
+            <a:br>
+              <a:rPr kumimoji="1" lang="en-US" altLang="ja-JP" dirty="0">
+                <a:latin typeface="HG丸ｺﾞｼｯｸM-PRO" panose="020F0600000000000000" pitchFamily="50" charset="-128"/>
+                <a:ea typeface="HG丸ｺﾞｼｯｸM-PRO" panose="020F0600000000000000" pitchFamily="50" charset="-128"/>
+              </a:rPr>
+            </a:br>
+            <a:r>
+              <a:rPr kumimoji="1" lang="ja-JP" altLang="en-US" dirty="0">
+                <a:latin typeface="HG丸ｺﾞｼｯｸM-PRO" panose="020F0600000000000000" pitchFamily="50" charset="-128"/>
+                <a:ea typeface="HG丸ｺﾞｼｯｸM-PRO" panose="020F0600000000000000" pitchFamily="50" charset="-128"/>
+              </a:rPr>
+              <a:t>各部品の関係を図</a:t>
+            </a:r>
+            <a:r>
+              <a:rPr kumimoji="1" lang="en-US" altLang="ja-JP" dirty="0">
+                <a:latin typeface="HG丸ｺﾞｼｯｸM-PRO" panose="020F0600000000000000" pitchFamily="50" charset="-128"/>
+                <a:ea typeface="HG丸ｺﾞｼｯｸM-PRO" panose="020F0600000000000000" pitchFamily="50" charset="-128"/>
+              </a:rPr>
+              <a:t>3 </a:t>
+            </a:r>
+            <a:r>
+              <a:rPr kumimoji="1" lang="ja-JP" altLang="en-US" dirty="0">
+                <a:latin typeface="HG丸ｺﾞｼｯｸM-PRO" panose="020F0600000000000000" pitchFamily="50" charset="-128"/>
+                <a:ea typeface="HG丸ｺﾞｼｯｸM-PRO" panose="020F0600000000000000" pitchFamily="50" charset="-128"/>
+              </a:rPr>
+              <a:t>オブジェクト図で示す</a:t>
+            </a:r>
+          </a:p>
+        </p:txBody>
+      </p:sp>
+      <p:sp>
+        <p:nvSpPr>
+          <p:cNvPr id="18" name="正方形/長方形 17">
+            <a:extLst>
+              <a:ext uri="{FF2B5EF4-FFF2-40B4-BE49-F238E27FC236}">
+                <a16:creationId xmlns:a16="http://schemas.microsoft.com/office/drawing/2014/main" id="{094B2122-4BA2-4ACA-80B4-057B7BC73801}"/>
+              </a:ext>
+            </a:extLst>
+          </p:cNvPr>
+          <p:cNvSpPr/>
+          <p:nvPr/>
+        </p:nvSpPr>
+        <p:spPr>
+          <a:xfrm>
+            <a:off x="5608712" y="3218325"/>
+            <a:ext cx="6264696" cy="3886531"/>
+          </a:xfrm>
+          <a:prstGeom prst="rect">
+            <a:avLst/>
+          </a:prstGeom>
+        </p:spPr>
+        <p:style>
+          <a:lnRef idx="2">
+            <a:schemeClr val="accent1">
+              <a:shade val="50000"/>
+            </a:schemeClr>
+          </a:lnRef>
+          <a:fillRef idx="1">
+            <a:schemeClr val="accent1"/>
+          </a:fillRef>
+          <a:effectRef idx="0">
+            <a:schemeClr val="accent1"/>
+          </a:effectRef>
+          <a:fontRef idx="minor">
+            <a:schemeClr val="lt1"/>
+          </a:fontRef>
+        </p:style>
+        <p:txBody>
+          <a:bodyPr rtlCol="0" anchor="ctr"/>
+          <a:lstStyle/>
+          <a:p>
+            <a:pPr algn="ctr"/>
+            <a:r>
+              <a:rPr kumimoji="1" lang="ja-JP" altLang="en-US" dirty="0"/>
+              <a:t>部品候補リスト</a:t>
+            </a:r>
+          </a:p>
+        </p:txBody>
+      </p:sp>
+      <p:sp>
+        <p:nvSpPr>
+          <p:cNvPr id="19" name="正方形/長方形 18">
+            <a:extLst>
+              <a:ext uri="{FF2B5EF4-FFF2-40B4-BE49-F238E27FC236}">
+                <a16:creationId xmlns:a16="http://schemas.microsoft.com/office/drawing/2014/main" id="{25767FBD-AEB1-43FC-B95B-18A7A69C919D}"/>
+              </a:ext>
+            </a:extLst>
+          </p:cNvPr>
+          <p:cNvSpPr/>
+          <p:nvPr/>
+        </p:nvSpPr>
+        <p:spPr>
+          <a:xfrm>
+            <a:off x="5608712" y="7176864"/>
+            <a:ext cx="6264696" cy="1944216"/>
+          </a:xfrm>
+          <a:prstGeom prst="rect">
+            <a:avLst/>
+          </a:prstGeom>
+        </p:spPr>
+        <p:style>
+          <a:lnRef idx="2">
+            <a:schemeClr val="accent1">
+              <a:shade val="50000"/>
+            </a:schemeClr>
+          </a:lnRef>
+          <a:fillRef idx="1">
+            <a:schemeClr val="accent1"/>
+          </a:fillRef>
+          <a:effectRef idx="0">
+            <a:schemeClr val="accent1"/>
+          </a:effectRef>
+          <a:fontRef idx="minor">
+            <a:schemeClr val="lt1"/>
+          </a:fontRef>
+        </p:style>
+        <p:txBody>
+          <a:bodyPr rtlCol="0" anchor="ctr"/>
+          <a:lstStyle/>
+          <a:p>
+            <a:pPr algn="ctr"/>
+            <a:r>
+              <a:rPr kumimoji="1" lang="ja-JP" altLang="en-US" dirty="0"/>
+              <a:t>オブジェクト図</a:t>
+            </a:r>
+          </a:p>
+        </p:txBody>
+      </p:sp>
+      <p:sp>
+        <p:nvSpPr>
+          <p:cNvPr id="20" name="テキスト ボックス 19">
+            <a:extLst>
+              <a:ext uri="{FF2B5EF4-FFF2-40B4-BE49-F238E27FC236}">
+                <a16:creationId xmlns:a16="http://schemas.microsoft.com/office/drawing/2014/main" id="{E041338E-FEE7-4A28-B566-D22B2CCA4CC2}"/>
+              </a:ext>
+            </a:extLst>
+          </p:cNvPr>
+          <p:cNvSpPr txBox="1"/>
+          <p:nvPr/>
+        </p:nvSpPr>
+        <p:spPr>
+          <a:xfrm>
+            <a:off x="284707" y="4376670"/>
+            <a:ext cx="4862141" cy="338554"/>
+          </a:xfrm>
+          <a:prstGeom prst="rect">
+            <a:avLst/>
+          </a:prstGeom>
+          <a:noFill/>
+        </p:spPr>
+        <p:txBody>
+          <a:bodyPr wrap="square" rtlCol="0">
+            <a:spAutoFit/>
+          </a:bodyPr>
+          <a:lstStyle/>
+          <a:p>
+            <a:pPr algn="ctr"/>
+            <a:r>
+              <a:rPr kumimoji="1" lang="ja-JP" altLang="en-US" dirty="0">
+                <a:latin typeface="HG丸ｺﾞｼｯｸM-PRO" panose="020F0600000000000000" pitchFamily="50" charset="-128"/>
+                <a:ea typeface="HG丸ｺﾞｼｯｸM-PRO" panose="020F0600000000000000" pitchFamily="50" charset="-128"/>
+              </a:rPr>
+              <a:t>図</a:t>
+            </a:r>
+            <a:r>
+              <a:rPr kumimoji="1" lang="en-US" altLang="ja-JP" dirty="0">
+                <a:latin typeface="HG丸ｺﾞｼｯｸM-PRO" panose="020F0600000000000000" pitchFamily="50" charset="-128"/>
+                <a:ea typeface="HG丸ｺﾞｼｯｸM-PRO" panose="020F0600000000000000" pitchFamily="50" charset="-128"/>
+              </a:rPr>
+              <a:t>1 </a:t>
+            </a:r>
+            <a:r>
+              <a:rPr kumimoji="1" lang="ja-JP" altLang="en-US" dirty="0">
+                <a:latin typeface="HG丸ｺﾞｼｯｸM-PRO" panose="020F0600000000000000" pitchFamily="50" charset="-128"/>
+                <a:ea typeface="HG丸ｺﾞｼｯｸM-PRO" panose="020F0600000000000000" pitchFamily="50" charset="-128"/>
+              </a:rPr>
+              <a:t>ユースケース図</a:t>
+            </a:r>
+          </a:p>
+        </p:txBody>
+      </p:sp>
+      <p:sp>
+        <p:nvSpPr>
+          <p:cNvPr id="21" name="テキスト ボックス 20">
+            <a:extLst>
+              <a:ext uri="{FF2B5EF4-FFF2-40B4-BE49-F238E27FC236}">
+                <a16:creationId xmlns:a16="http://schemas.microsoft.com/office/drawing/2014/main" id="{20C8F207-6E49-4BF0-874F-9E2251FDBE27}"/>
+              </a:ext>
+            </a:extLst>
+          </p:cNvPr>
+          <p:cNvSpPr txBox="1"/>
+          <p:nvPr/>
+        </p:nvSpPr>
+        <p:spPr>
+          <a:xfrm>
+            <a:off x="297421" y="9117318"/>
+            <a:ext cx="4862141" cy="338554"/>
+          </a:xfrm>
+          <a:prstGeom prst="rect">
+            <a:avLst/>
+          </a:prstGeom>
+          <a:noFill/>
+        </p:spPr>
+        <p:txBody>
+          <a:bodyPr wrap="square" rtlCol="0">
+            <a:spAutoFit/>
+          </a:bodyPr>
+          <a:lstStyle/>
+          <a:p>
+            <a:pPr algn="ctr"/>
+            <a:r>
+              <a:rPr kumimoji="1" lang="ja-JP" altLang="en-US" dirty="0">
+                <a:latin typeface="HG丸ｺﾞｼｯｸM-PRO" panose="020F0600000000000000" pitchFamily="50" charset="-128"/>
+                <a:ea typeface="HG丸ｺﾞｼｯｸM-PRO" panose="020F0600000000000000" pitchFamily="50" charset="-128"/>
+              </a:rPr>
+              <a:t>図</a:t>
+            </a:r>
+            <a:r>
+              <a:rPr lang="en-US" altLang="ja-JP" dirty="0">
+                <a:latin typeface="HG丸ｺﾞｼｯｸM-PRO" panose="020F0600000000000000" pitchFamily="50" charset="-128"/>
+                <a:ea typeface="HG丸ｺﾞｼｯｸM-PRO" panose="020F0600000000000000" pitchFamily="50" charset="-128"/>
+              </a:rPr>
+              <a:t>2</a:t>
+            </a:r>
+            <a:r>
+              <a:rPr kumimoji="1" lang="en-US" altLang="ja-JP" dirty="0">
+                <a:latin typeface="HG丸ｺﾞｼｯｸM-PRO" panose="020F0600000000000000" pitchFamily="50" charset="-128"/>
+                <a:ea typeface="HG丸ｺﾞｼｯｸM-PRO" panose="020F0600000000000000" pitchFamily="50" charset="-128"/>
+              </a:rPr>
+              <a:t> </a:t>
+            </a:r>
+            <a:r>
+              <a:rPr kumimoji="1" lang="ja-JP" altLang="en-US" dirty="0">
+                <a:latin typeface="HG丸ｺﾞｼｯｸM-PRO" panose="020F0600000000000000" pitchFamily="50" charset="-128"/>
+                <a:ea typeface="HG丸ｺﾞｼｯｸM-PRO" panose="020F0600000000000000" pitchFamily="50" charset="-128"/>
+              </a:rPr>
+              <a:t>ユースケース記述</a:t>
+            </a:r>
+          </a:p>
+        </p:txBody>
+      </p:sp>
+      <p:sp>
+        <p:nvSpPr>
+          <p:cNvPr id="22" name="テキスト ボックス 21">
+            <a:extLst>
+              <a:ext uri="{FF2B5EF4-FFF2-40B4-BE49-F238E27FC236}">
+                <a16:creationId xmlns:a16="http://schemas.microsoft.com/office/drawing/2014/main" id="{15BCD708-CC0C-4996-BB39-540863CEE0D7}"/>
+              </a:ext>
+            </a:extLst>
+          </p:cNvPr>
+          <p:cNvSpPr txBox="1"/>
+          <p:nvPr/>
+        </p:nvSpPr>
+        <p:spPr>
+          <a:xfrm>
+            <a:off x="6309989" y="9117318"/>
+            <a:ext cx="4862141" cy="338554"/>
+          </a:xfrm>
+          <a:prstGeom prst="rect">
+            <a:avLst/>
+          </a:prstGeom>
+          <a:noFill/>
+        </p:spPr>
+        <p:txBody>
+          <a:bodyPr wrap="square" rtlCol="0">
+            <a:spAutoFit/>
+          </a:bodyPr>
+          <a:lstStyle/>
+          <a:p>
+            <a:pPr algn="ctr"/>
+            <a:r>
+              <a:rPr kumimoji="1" lang="ja-JP" altLang="en-US" dirty="0">
+                <a:latin typeface="HG丸ｺﾞｼｯｸM-PRO" panose="020F0600000000000000" pitchFamily="50" charset="-128"/>
+                <a:ea typeface="HG丸ｺﾞｼｯｸM-PRO" panose="020F0600000000000000" pitchFamily="50" charset="-128"/>
+              </a:rPr>
+              <a:t>図</a:t>
+            </a:r>
+            <a:r>
+              <a:rPr lang="en-US" altLang="ja-JP" dirty="0">
+                <a:latin typeface="HG丸ｺﾞｼｯｸM-PRO" panose="020F0600000000000000" pitchFamily="50" charset="-128"/>
+                <a:ea typeface="HG丸ｺﾞｼｯｸM-PRO" panose="020F0600000000000000" pitchFamily="50" charset="-128"/>
+              </a:rPr>
+              <a:t>3</a:t>
+            </a:r>
+            <a:r>
+              <a:rPr kumimoji="1" lang="en-US" altLang="ja-JP" dirty="0">
+                <a:latin typeface="HG丸ｺﾞｼｯｸM-PRO" panose="020F0600000000000000" pitchFamily="50" charset="-128"/>
+                <a:ea typeface="HG丸ｺﾞｼｯｸM-PRO" panose="020F0600000000000000" pitchFamily="50" charset="-128"/>
+              </a:rPr>
+              <a:t> </a:t>
+            </a:r>
+            <a:r>
+              <a:rPr lang="ja-JP" altLang="en-US" dirty="0">
+                <a:latin typeface="HG丸ｺﾞｼｯｸM-PRO" panose="020F0600000000000000" pitchFamily="50" charset="-128"/>
+                <a:ea typeface="HG丸ｺﾞｼｯｸM-PRO" panose="020F0600000000000000" pitchFamily="50" charset="-128"/>
+              </a:rPr>
+              <a:t>オブジェクト図</a:t>
+            </a:r>
+            <a:endParaRPr kumimoji="1" lang="ja-JP" altLang="en-US" dirty="0">
+              <a:latin typeface="HG丸ｺﾞｼｯｸM-PRO" panose="020F0600000000000000" pitchFamily="50" charset="-128"/>
+              <a:ea typeface="HG丸ｺﾞｼｯｸM-PRO" panose="020F0600000000000000" pitchFamily="50" charset="-128"/>
+            </a:endParaRPr>
+          </a:p>
+        </p:txBody>
+      </p:sp>
+      <p:sp>
+        <p:nvSpPr>
+          <p:cNvPr id="23" name="テキスト ボックス 22">
+            <a:extLst>
+              <a:ext uri="{FF2B5EF4-FFF2-40B4-BE49-F238E27FC236}">
+                <a16:creationId xmlns:a16="http://schemas.microsoft.com/office/drawing/2014/main" id="{80ABBAC6-88B6-4E85-B241-659E218E2F59}"/>
+              </a:ext>
+            </a:extLst>
+          </p:cNvPr>
+          <p:cNvSpPr txBox="1"/>
+          <p:nvPr/>
+        </p:nvSpPr>
+        <p:spPr>
+          <a:xfrm>
+            <a:off x="6255443" y="2857546"/>
+            <a:ext cx="4862141" cy="338554"/>
+          </a:xfrm>
+          <a:prstGeom prst="rect">
+            <a:avLst/>
+          </a:prstGeom>
+          <a:noFill/>
+        </p:spPr>
+        <p:txBody>
+          <a:bodyPr wrap="square" rtlCol="0">
+            <a:spAutoFit/>
+          </a:bodyPr>
+          <a:lstStyle/>
+          <a:p>
+            <a:pPr algn="ctr"/>
+            <a:r>
+              <a:rPr lang="ja-JP" altLang="en-US" dirty="0">
+                <a:latin typeface="HG丸ｺﾞｼｯｸM-PRO" panose="020F0600000000000000" pitchFamily="50" charset="-128"/>
+                <a:ea typeface="HG丸ｺﾞｼｯｸM-PRO" panose="020F0600000000000000" pitchFamily="50" charset="-128"/>
+              </a:rPr>
+              <a:t>表</a:t>
+            </a:r>
+            <a:r>
+              <a:rPr lang="en-US" altLang="ja-JP" dirty="0">
+                <a:latin typeface="HG丸ｺﾞｼｯｸM-PRO" panose="020F0600000000000000" pitchFamily="50" charset="-128"/>
+                <a:ea typeface="HG丸ｺﾞｼｯｸM-PRO" panose="020F0600000000000000" pitchFamily="50" charset="-128"/>
+              </a:rPr>
+              <a:t>1</a:t>
+            </a:r>
+            <a:r>
+              <a:rPr kumimoji="1" lang="en-US" altLang="ja-JP" dirty="0">
+                <a:latin typeface="HG丸ｺﾞｼｯｸM-PRO" panose="020F0600000000000000" pitchFamily="50" charset="-128"/>
+                <a:ea typeface="HG丸ｺﾞｼｯｸM-PRO" panose="020F0600000000000000" pitchFamily="50" charset="-128"/>
+              </a:rPr>
+              <a:t> </a:t>
+            </a:r>
+            <a:r>
+              <a:rPr kumimoji="1" lang="ja-JP" altLang="en-US" dirty="0">
+                <a:latin typeface="HG丸ｺﾞｼｯｸM-PRO" panose="020F0600000000000000" pitchFamily="50" charset="-128"/>
+                <a:ea typeface="HG丸ｺﾞｼｯｸM-PRO" panose="020F0600000000000000" pitchFamily="50" charset="-128"/>
+              </a:rPr>
+              <a:t>部品候補リスト</a:t>
+            </a:r>
+          </a:p>
+        </p:txBody>
+      </p:sp>
+      <p:cxnSp>
+        <p:nvCxnSpPr>
+          <p:cNvPr id="25" name="直線コネクタ 24">
+            <a:extLst>
+              <a:ext uri="{FF2B5EF4-FFF2-40B4-BE49-F238E27FC236}">
+                <a16:creationId xmlns:a16="http://schemas.microsoft.com/office/drawing/2014/main" id="{AF2DCC8C-2365-43AB-9E17-176AA07FFDED}"/>
+              </a:ext>
+            </a:extLst>
+          </p:cNvPr>
+          <p:cNvCxnSpPr/>
+          <p:nvPr/>
+        </p:nvCxnSpPr>
+        <p:spPr>
+          <a:xfrm>
+            <a:off x="283248" y="2278376"/>
+            <a:ext cx="4863600" cy="0"/>
+          </a:xfrm>
+          <a:prstGeom prst="line">
+            <a:avLst/>
+          </a:prstGeom>
+          <a:ln w="38100">
+            <a:solidFill>
+              <a:schemeClr val="accent6"/>
+            </a:solidFill>
+          </a:ln>
+        </p:spPr>
+        <p:style>
+          <a:lnRef idx="1">
+            <a:schemeClr val="accent1"/>
+          </a:lnRef>
+          <a:fillRef idx="0">
+            <a:schemeClr val="accent1"/>
+          </a:fillRef>
+          <a:effectRef idx="0">
+            <a:schemeClr val="accent1"/>
+          </a:effectRef>
+          <a:fontRef idx="minor">
+            <a:schemeClr val="tx1"/>
+          </a:fontRef>
+        </p:style>
+      </p:cxnSp>
+      <p:sp>
+        <p:nvSpPr>
+          <p:cNvPr id="27" name="テキスト ボックス 26">
+            <a:extLst>
+              <a:ext uri="{FF2B5EF4-FFF2-40B4-BE49-F238E27FC236}">
+                <a16:creationId xmlns:a16="http://schemas.microsoft.com/office/drawing/2014/main" id="{85955608-DD65-46B1-83AA-2FE595727633}"/>
+              </a:ext>
+            </a:extLst>
+          </p:cNvPr>
+          <p:cNvSpPr txBox="1"/>
+          <p:nvPr/>
+        </p:nvSpPr>
+        <p:spPr>
+          <a:xfrm>
+            <a:off x="174883" y="1942592"/>
+            <a:ext cx="2002046" cy="338554"/>
+          </a:xfrm>
+          <a:prstGeom prst="rect">
+            <a:avLst/>
+          </a:prstGeom>
+          <a:noFill/>
+        </p:spPr>
+        <p:txBody>
+          <a:bodyPr wrap="square" rtlCol="0">
+            <a:spAutoFit/>
+          </a:bodyPr>
+          <a:lstStyle/>
+          <a:p>
+            <a:r>
+              <a:rPr lang="ja-JP" altLang="en-US" b="1" dirty="0">
+                <a:latin typeface="HG丸ｺﾞｼｯｸM-PRO" panose="020F0600000000000000" pitchFamily="50" charset="-128"/>
+                <a:ea typeface="HG丸ｺﾞｼｯｸM-PRO" panose="020F0600000000000000" pitchFamily="50" charset="-128"/>
+              </a:rPr>
+              <a:t>１．提供する機能</a:t>
+            </a:r>
+            <a:endParaRPr kumimoji="1" lang="ja-JP" altLang="en-US" dirty="0"/>
+          </a:p>
+        </p:txBody>
+      </p:sp>
+      <p:sp>
+        <p:nvSpPr>
+          <p:cNvPr id="28" name="テキスト ボックス 27">
+            <a:extLst>
+              <a:ext uri="{FF2B5EF4-FFF2-40B4-BE49-F238E27FC236}">
+                <a16:creationId xmlns:a16="http://schemas.microsoft.com/office/drawing/2014/main" id="{BC656E32-26A4-4666-809A-9F95C9E4C140}"/>
+              </a:ext>
+            </a:extLst>
+          </p:cNvPr>
+          <p:cNvSpPr txBox="1"/>
+          <p:nvPr/>
+        </p:nvSpPr>
+        <p:spPr>
+          <a:xfrm>
+            <a:off x="195927" y="4670447"/>
+            <a:ext cx="2033121" cy="338554"/>
+          </a:xfrm>
+          <a:prstGeom prst="rect">
+            <a:avLst/>
+          </a:prstGeom>
+          <a:noFill/>
+        </p:spPr>
+        <p:txBody>
+          <a:bodyPr wrap="square" rtlCol="0">
+            <a:spAutoFit/>
+          </a:bodyPr>
+          <a:lstStyle/>
+          <a:p>
+            <a:r>
+              <a:rPr lang="ja-JP" altLang="en-US" b="1" dirty="0">
+                <a:latin typeface="HG丸ｺﾞｼｯｸM-PRO" panose="020F0600000000000000" pitchFamily="50" charset="-128"/>
+                <a:ea typeface="HG丸ｺﾞｼｯｸM-PRO" panose="020F0600000000000000" pitchFamily="50" charset="-128"/>
+              </a:rPr>
+              <a:t>２．機能要件</a:t>
+            </a:r>
+            <a:endParaRPr kumimoji="1" lang="ja-JP" altLang="en-US" dirty="0"/>
+          </a:p>
+        </p:txBody>
+      </p:sp>
+      <p:cxnSp>
+        <p:nvCxnSpPr>
+          <p:cNvPr id="29" name="直線コネクタ 28">
+            <a:extLst>
+              <a:ext uri="{FF2B5EF4-FFF2-40B4-BE49-F238E27FC236}">
+                <a16:creationId xmlns:a16="http://schemas.microsoft.com/office/drawing/2014/main" id="{5912503A-9432-4EF7-8DAE-A3C6B8B3A324}"/>
+              </a:ext>
+            </a:extLst>
+          </p:cNvPr>
+          <p:cNvCxnSpPr/>
+          <p:nvPr/>
+        </p:nvCxnSpPr>
+        <p:spPr>
+          <a:xfrm>
+            <a:off x="283248" y="5001377"/>
+            <a:ext cx="4863600" cy="0"/>
+          </a:xfrm>
+          <a:prstGeom prst="line">
+            <a:avLst/>
+          </a:prstGeom>
+          <a:ln w="38100">
+            <a:solidFill>
+              <a:schemeClr val="accent6"/>
+            </a:solidFill>
+          </a:ln>
+        </p:spPr>
+        <p:style>
+          <a:lnRef idx="1">
+            <a:schemeClr val="accent1"/>
+          </a:lnRef>
+          <a:fillRef idx="0">
+            <a:schemeClr val="accent1"/>
+          </a:fillRef>
+          <a:effectRef idx="0">
+            <a:schemeClr val="accent1"/>
+          </a:effectRef>
+          <a:fontRef idx="minor">
+            <a:schemeClr val="tx1"/>
+          </a:fontRef>
+        </p:style>
+      </p:cxnSp>
+      <p:cxnSp>
+        <p:nvCxnSpPr>
+          <p:cNvPr id="30" name="直線コネクタ 29">
+            <a:extLst>
+              <a:ext uri="{FF2B5EF4-FFF2-40B4-BE49-F238E27FC236}">
+                <a16:creationId xmlns:a16="http://schemas.microsoft.com/office/drawing/2014/main" id="{6F0DF58E-7BF2-470C-8F5F-52A604310605}"/>
+              </a:ext>
+            </a:extLst>
+          </p:cNvPr>
+          <p:cNvCxnSpPr/>
+          <p:nvPr/>
+        </p:nvCxnSpPr>
+        <p:spPr>
+          <a:xfrm>
+            <a:off x="5573748" y="2278376"/>
+            <a:ext cx="4863600" cy="0"/>
+          </a:xfrm>
+          <a:prstGeom prst="line">
+            <a:avLst/>
+          </a:prstGeom>
+          <a:ln w="38100">
+            <a:solidFill>
+              <a:schemeClr val="accent6"/>
+            </a:solidFill>
+          </a:ln>
+        </p:spPr>
+        <p:style>
+          <a:lnRef idx="1">
+            <a:schemeClr val="accent1"/>
+          </a:lnRef>
+          <a:fillRef idx="0">
+            <a:schemeClr val="accent1"/>
+          </a:fillRef>
+          <a:effectRef idx="0">
+            <a:schemeClr val="accent1"/>
+          </a:effectRef>
+          <a:fontRef idx="minor">
+            <a:schemeClr val="tx1"/>
+          </a:fontRef>
+        </p:style>
+      </p:cxnSp>
+      <p:sp>
+        <p:nvSpPr>
+          <p:cNvPr id="31" name="テキスト ボックス 30">
+            <a:extLst>
+              <a:ext uri="{FF2B5EF4-FFF2-40B4-BE49-F238E27FC236}">
+                <a16:creationId xmlns:a16="http://schemas.microsoft.com/office/drawing/2014/main" id="{0D9BDA0E-9BBC-4C90-8633-6FABC6B3DDBC}"/>
+              </a:ext>
+            </a:extLst>
+          </p:cNvPr>
+          <p:cNvSpPr txBox="1"/>
+          <p:nvPr/>
+        </p:nvSpPr>
+        <p:spPr>
+          <a:xfrm>
+            <a:off x="5573748" y="1928710"/>
+            <a:ext cx="1512168" cy="338554"/>
+          </a:xfrm>
+          <a:prstGeom prst="rect">
+            <a:avLst/>
+          </a:prstGeom>
+          <a:noFill/>
+        </p:spPr>
+        <p:txBody>
+          <a:bodyPr wrap="square" rtlCol="0">
+            <a:spAutoFit/>
+          </a:bodyPr>
+          <a:lstStyle/>
+          <a:p>
+            <a:r>
+              <a:rPr lang="ja-JP" altLang="en-US" b="1" dirty="0">
+                <a:latin typeface="HG丸ｺﾞｼｯｸM-PRO" panose="020F0600000000000000" pitchFamily="50" charset="-128"/>
+                <a:ea typeface="HG丸ｺﾞｼｯｸM-PRO" panose="020F0600000000000000" pitchFamily="50" charset="-128"/>
+              </a:rPr>
+              <a:t>３．部品定義</a:t>
+            </a:r>
+            <a:endParaRPr kumimoji="1" lang="ja-JP" altLang="en-US" dirty="0"/>
+          </a:p>
+        </p:txBody>
+      </p:sp>
+      <p:cxnSp>
+        <p:nvCxnSpPr>
+          <p:cNvPr id="33" name="直線コネクタ 32">
+            <a:extLst>
+              <a:ext uri="{FF2B5EF4-FFF2-40B4-BE49-F238E27FC236}">
+                <a16:creationId xmlns:a16="http://schemas.microsoft.com/office/drawing/2014/main" id="{92360BFF-2588-4E81-B66C-FF63D724B698}"/>
+              </a:ext>
+            </a:extLst>
+          </p:cNvPr>
+          <p:cNvCxnSpPr>
+            <a:cxnSpLocks/>
+          </p:cNvCxnSpPr>
+          <p:nvPr/>
+        </p:nvCxnSpPr>
+        <p:spPr>
+          <a:xfrm>
+            <a:off x="5392688" y="1924744"/>
+            <a:ext cx="0" cy="7361851"/>
+          </a:xfrm>
+          <a:prstGeom prst="line">
+            <a:avLst/>
+          </a:prstGeom>
+          <a:ln w="12700">
+            <a:solidFill>
+              <a:schemeClr val="accent6"/>
+            </a:solidFill>
+          </a:ln>
+        </p:spPr>
+        <p:style>
+          <a:lnRef idx="1">
+            <a:schemeClr val="accent1"/>
+          </a:lnRef>
+          <a:fillRef idx="0">
+            <a:schemeClr val="accent1"/>
+          </a:fillRef>
+          <a:effectRef idx="0">
+            <a:schemeClr val="accent1"/>
+          </a:effectRef>
+          <a:fontRef idx="minor">
+            <a:schemeClr val="tx1"/>
+          </a:fontRef>
+        </p:style>
+      </p:cxnSp>
     </p:spTree>
     <p:extLst>
       <p:ext uri="{BB962C8B-B14F-4D97-AF65-F5344CB8AC3E}">
@@ -5681,6 +6736,821 @@
           </a:p>
         </p:txBody>
       </p:sp>
+      <p:sp>
+        <p:nvSpPr>
+          <p:cNvPr id="17" name="テキスト ボックス 16">
+            <a:extLst>
+              <a:ext uri="{FF2B5EF4-FFF2-40B4-BE49-F238E27FC236}">
+                <a16:creationId xmlns:a16="http://schemas.microsoft.com/office/drawing/2014/main" id="{C1B82EFB-D319-47AB-8DCF-A0E113236827}"/>
+              </a:ext>
+            </a:extLst>
+          </p:cNvPr>
+          <p:cNvSpPr txBox="1"/>
+          <p:nvPr/>
+        </p:nvSpPr>
+        <p:spPr>
+          <a:xfrm>
+            <a:off x="208112" y="2022036"/>
+            <a:ext cx="1473389" cy="338554"/>
+          </a:xfrm>
+          <a:prstGeom prst="rect">
+            <a:avLst/>
+          </a:prstGeom>
+          <a:noFill/>
+        </p:spPr>
+        <p:txBody>
+          <a:bodyPr wrap="square" rtlCol="0">
+            <a:spAutoFit/>
+          </a:bodyPr>
+          <a:lstStyle/>
+          <a:p>
+            <a:r>
+              <a:rPr lang="ja-JP" altLang="en-US" b="1" dirty="0">
+                <a:latin typeface="HG丸ｺﾞｼｯｸM-PRO" panose="020F0600000000000000" pitchFamily="50" charset="-128"/>
+                <a:ea typeface="HG丸ｺﾞｼｯｸM-PRO" panose="020F0600000000000000" pitchFamily="50" charset="-128"/>
+              </a:rPr>
+              <a:t>１．機能構造</a:t>
+            </a:r>
+            <a:endParaRPr kumimoji="1" lang="ja-JP" altLang="en-US" dirty="0"/>
+          </a:p>
+        </p:txBody>
+      </p:sp>
+      <p:cxnSp>
+        <p:nvCxnSpPr>
+          <p:cNvPr id="18" name="直線コネクタ 17">
+            <a:extLst>
+              <a:ext uri="{FF2B5EF4-FFF2-40B4-BE49-F238E27FC236}">
+                <a16:creationId xmlns:a16="http://schemas.microsoft.com/office/drawing/2014/main" id="{3B06A1CD-1B86-48E1-82FF-723A318A519A}"/>
+              </a:ext>
+            </a:extLst>
+          </p:cNvPr>
+          <p:cNvCxnSpPr>
+            <a:cxnSpLocks/>
+          </p:cNvCxnSpPr>
+          <p:nvPr/>
+        </p:nvCxnSpPr>
+        <p:spPr>
+          <a:xfrm>
+            <a:off x="320252" y="2360590"/>
+            <a:ext cx="12161097" cy="0"/>
+          </a:xfrm>
+          <a:prstGeom prst="line">
+            <a:avLst/>
+          </a:prstGeom>
+          <a:ln w="38100">
+            <a:solidFill>
+              <a:schemeClr val="accent6"/>
+            </a:solidFill>
+          </a:ln>
+        </p:spPr>
+        <p:style>
+          <a:lnRef idx="1">
+            <a:schemeClr val="accent1"/>
+          </a:lnRef>
+          <a:fillRef idx="0">
+            <a:schemeClr val="accent1"/>
+          </a:fillRef>
+          <a:effectRef idx="0">
+            <a:schemeClr val="accent1"/>
+          </a:effectRef>
+          <a:fontRef idx="minor">
+            <a:schemeClr val="tx1"/>
+          </a:fontRef>
+        </p:style>
+      </p:cxnSp>
+      <p:sp>
+        <p:nvSpPr>
+          <p:cNvPr id="19" name="テキスト ボックス 18">
+            <a:extLst>
+              <a:ext uri="{FF2B5EF4-FFF2-40B4-BE49-F238E27FC236}">
+                <a16:creationId xmlns:a16="http://schemas.microsoft.com/office/drawing/2014/main" id="{DE6FC135-3FE7-4E74-98AE-6D85C2E3B6D2}"/>
+              </a:ext>
+            </a:extLst>
+          </p:cNvPr>
+          <p:cNvSpPr txBox="1"/>
+          <p:nvPr/>
+        </p:nvSpPr>
+        <p:spPr>
+          <a:xfrm>
+            <a:off x="214497" y="2372150"/>
+            <a:ext cx="4928421" cy="830997"/>
+          </a:xfrm>
+          <a:prstGeom prst="rect">
+            <a:avLst/>
+          </a:prstGeom>
+          <a:noFill/>
+        </p:spPr>
+        <p:txBody>
+          <a:bodyPr wrap="square" rtlCol="0">
+            <a:spAutoFit/>
+          </a:bodyPr>
+          <a:lstStyle/>
+          <a:p>
+            <a:r>
+              <a:rPr kumimoji="1" lang="ja-JP" altLang="en-US" dirty="0">
+                <a:latin typeface="HG丸ｺﾞｼｯｸM-PRO" panose="020F0600000000000000" pitchFamily="50" charset="-128"/>
+                <a:ea typeface="HG丸ｺﾞｼｯｸM-PRO" panose="020F0600000000000000" pitchFamily="50" charset="-128"/>
+              </a:rPr>
+              <a:t>機能を構造によって階層化したものを図</a:t>
+            </a:r>
+            <a:r>
+              <a:rPr kumimoji="1" lang="en-US" altLang="ja-JP" dirty="0">
+                <a:latin typeface="HG丸ｺﾞｼｯｸM-PRO" panose="020F0600000000000000" pitchFamily="50" charset="-128"/>
+                <a:ea typeface="HG丸ｺﾞｼｯｸM-PRO" panose="020F0600000000000000" pitchFamily="50" charset="-128"/>
+              </a:rPr>
+              <a:t>4 </a:t>
+            </a:r>
+            <a:r>
+              <a:rPr kumimoji="1" lang="ja-JP" altLang="en-US" dirty="0">
+                <a:latin typeface="HG丸ｺﾞｼｯｸM-PRO" panose="020F0600000000000000" pitchFamily="50" charset="-128"/>
+                <a:ea typeface="HG丸ｺﾞｼｯｸM-PRO" panose="020F0600000000000000" pitchFamily="50" charset="-128"/>
+              </a:rPr>
+              <a:t>パッケージ構造、各階層を説明したものを表</a:t>
+            </a:r>
+            <a:r>
+              <a:rPr kumimoji="1" lang="en-US" altLang="ja-JP" dirty="0">
+                <a:latin typeface="HG丸ｺﾞｼｯｸM-PRO" panose="020F0600000000000000" pitchFamily="50" charset="-128"/>
+                <a:ea typeface="HG丸ｺﾞｼｯｸM-PRO" panose="020F0600000000000000" pitchFamily="50" charset="-128"/>
+              </a:rPr>
+              <a:t>2 </a:t>
+            </a:r>
+            <a:r>
+              <a:rPr kumimoji="1" lang="ja-JP" altLang="en-US" dirty="0">
+                <a:latin typeface="HG丸ｺﾞｼｯｸM-PRO" panose="020F0600000000000000" pitchFamily="50" charset="-128"/>
+                <a:ea typeface="HG丸ｺﾞｼｯｸM-PRO" panose="020F0600000000000000" pitchFamily="50" charset="-128"/>
+              </a:rPr>
+              <a:t>パッケージごとの役割に示す</a:t>
+            </a:r>
+          </a:p>
+        </p:txBody>
+      </p:sp>
+      <p:sp>
+        <p:nvSpPr>
+          <p:cNvPr id="2" name="正方形/長方形 1">
+            <a:extLst>
+              <a:ext uri="{FF2B5EF4-FFF2-40B4-BE49-F238E27FC236}">
+                <a16:creationId xmlns:a16="http://schemas.microsoft.com/office/drawing/2014/main" id="{98E94B8B-DAAE-4839-A55E-94B42F577E88}"/>
+              </a:ext>
+            </a:extLst>
+          </p:cNvPr>
+          <p:cNvSpPr/>
+          <p:nvPr/>
+        </p:nvSpPr>
+        <p:spPr>
+          <a:xfrm>
+            <a:off x="298849" y="3212969"/>
+            <a:ext cx="4759716" cy="1695336"/>
+          </a:xfrm>
+          <a:prstGeom prst="rect">
+            <a:avLst/>
+          </a:prstGeom>
+        </p:spPr>
+        <p:style>
+          <a:lnRef idx="2">
+            <a:schemeClr val="accent1">
+              <a:shade val="50000"/>
+            </a:schemeClr>
+          </a:lnRef>
+          <a:fillRef idx="1">
+            <a:schemeClr val="accent1"/>
+          </a:fillRef>
+          <a:effectRef idx="0">
+            <a:schemeClr val="accent1"/>
+          </a:effectRef>
+          <a:fontRef idx="minor">
+            <a:schemeClr val="lt1"/>
+          </a:fontRef>
+        </p:style>
+        <p:txBody>
+          <a:bodyPr rtlCol="0" anchor="ctr"/>
+          <a:lstStyle/>
+          <a:p>
+            <a:pPr algn="ctr"/>
+            <a:r>
+              <a:rPr kumimoji="1" lang="ja-JP" altLang="en-US" dirty="0"/>
+              <a:t>パッケージ構造</a:t>
+            </a:r>
+          </a:p>
+        </p:txBody>
+      </p:sp>
+      <p:sp>
+        <p:nvSpPr>
+          <p:cNvPr id="20" name="テキスト ボックス 19">
+            <a:extLst>
+              <a:ext uri="{FF2B5EF4-FFF2-40B4-BE49-F238E27FC236}">
+                <a16:creationId xmlns:a16="http://schemas.microsoft.com/office/drawing/2014/main" id="{69156195-ABD2-4067-89E0-A5491878C095}"/>
+              </a:ext>
+            </a:extLst>
+          </p:cNvPr>
+          <p:cNvSpPr txBox="1"/>
+          <p:nvPr/>
+        </p:nvSpPr>
+        <p:spPr>
+          <a:xfrm>
+            <a:off x="247636" y="4908305"/>
+            <a:ext cx="4862141" cy="338554"/>
+          </a:xfrm>
+          <a:prstGeom prst="rect">
+            <a:avLst/>
+          </a:prstGeom>
+          <a:noFill/>
+        </p:spPr>
+        <p:txBody>
+          <a:bodyPr wrap="square" rtlCol="0">
+            <a:spAutoFit/>
+          </a:bodyPr>
+          <a:lstStyle/>
+          <a:p>
+            <a:pPr algn="ctr"/>
+            <a:r>
+              <a:rPr kumimoji="1" lang="ja-JP" altLang="en-US" dirty="0">
+                <a:latin typeface="HG丸ｺﾞｼｯｸM-PRO" panose="020F0600000000000000" pitchFamily="50" charset="-128"/>
+                <a:ea typeface="HG丸ｺﾞｼｯｸM-PRO" panose="020F0600000000000000" pitchFamily="50" charset="-128"/>
+              </a:rPr>
+              <a:t>図</a:t>
+            </a:r>
+            <a:r>
+              <a:rPr kumimoji="1" lang="en-US" altLang="ja-JP" dirty="0">
+                <a:latin typeface="HG丸ｺﾞｼｯｸM-PRO" panose="020F0600000000000000" pitchFamily="50" charset="-128"/>
+                <a:ea typeface="HG丸ｺﾞｼｯｸM-PRO" panose="020F0600000000000000" pitchFamily="50" charset="-128"/>
+              </a:rPr>
+              <a:t>4 </a:t>
+            </a:r>
+            <a:r>
+              <a:rPr lang="ja-JP" altLang="en-US" dirty="0">
+                <a:latin typeface="HG丸ｺﾞｼｯｸM-PRO" panose="020F0600000000000000" pitchFamily="50" charset="-128"/>
+                <a:ea typeface="HG丸ｺﾞｼｯｸM-PRO" panose="020F0600000000000000" pitchFamily="50" charset="-128"/>
+              </a:rPr>
+              <a:t>パッケージ構造</a:t>
+            </a:r>
+            <a:endParaRPr kumimoji="1" lang="ja-JP" altLang="en-US" dirty="0">
+              <a:latin typeface="HG丸ｺﾞｼｯｸM-PRO" panose="020F0600000000000000" pitchFamily="50" charset="-128"/>
+              <a:ea typeface="HG丸ｺﾞｼｯｸM-PRO" panose="020F0600000000000000" pitchFamily="50" charset="-128"/>
+            </a:endParaRPr>
+          </a:p>
+        </p:txBody>
+      </p:sp>
+      <p:graphicFrame>
+        <p:nvGraphicFramePr>
+          <p:cNvPr id="5" name="表 4">
+            <a:extLst>
+              <a:ext uri="{FF2B5EF4-FFF2-40B4-BE49-F238E27FC236}">
+                <a16:creationId xmlns:a16="http://schemas.microsoft.com/office/drawing/2014/main" id="{08CF845F-A4EA-45A6-AABA-27A61ABF671B}"/>
+              </a:ext>
+            </a:extLst>
+          </p:cNvPr>
+          <p:cNvGraphicFramePr>
+            <a:graphicFrameLocks noGrp="1"/>
+          </p:cNvGraphicFramePr>
+          <p:nvPr>
+            <p:extLst>
+              <p:ext uri="{D42A27DB-BD31-4B8C-83A1-F6EECF244321}">
+                <p14:modId xmlns:p14="http://schemas.microsoft.com/office/powerpoint/2010/main" val="1529687588"/>
+              </p:ext>
+            </p:extLst>
+          </p:nvPr>
+        </p:nvGraphicFramePr>
+        <p:xfrm>
+          <a:off x="5718708" y="2707461"/>
+          <a:ext cx="6800629" cy="2560320"/>
+        </p:xfrm>
+        <a:graphic>
+          <a:graphicData uri="http://schemas.openxmlformats.org/drawingml/2006/table">
+            <a:tbl>
+              <a:tblPr firstRow="1" bandRow="1">
+                <a:tableStyleId>{5C22544A-7EE6-4342-B048-85BDC9FD1C3A}</a:tableStyleId>
+              </a:tblPr>
+              <a:tblGrid>
+                <a:gridCol w="1800200">
+                  <a:extLst>
+                    <a:ext uri="{9D8B030D-6E8A-4147-A177-3AD203B41FA5}">
+                      <a16:colId xmlns:a16="http://schemas.microsoft.com/office/drawing/2014/main" val="188478114"/>
+                    </a:ext>
+                  </a:extLst>
+                </a:gridCol>
+                <a:gridCol w="5000429">
+                  <a:extLst>
+                    <a:ext uri="{9D8B030D-6E8A-4147-A177-3AD203B41FA5}">
+                      <a16:colId xmlns:a16="http://schemas.microsoft.com/office/drawing/2014/main" val="543803565"/>
+                    </a:ext>
+                  </a:extLst>
+                </a:gridCol>
+              </a:tblGrid>
+              <a:tr h="340710">
+                <a:tc>
+                  <a:txBody>
+                    <a:bodyPr/>
+                    <a:lstStyle/>
+                    <a:p>
+                      <a:r>
+                        <a:rPr kumimoji="1" lang="ja-JP" altLang="en-US" dirty="0"/>
+                        <a:t>パッケージ名</a:t>
+                      </a:r>
+                    </a:p>
+                  </a:txBody>
+                  <a:tcPr/>
+                </a:tc>
+                <a:tc>
+                  <a:txBody>
+                    <a:bodyPr/>
+                    <a:lstStyle/>
+                    <a:p>
+                      <a:r>
+                        <a:rPr kumimoji="1" lang="ja-JP" altLang="en-US" dirty="0"/>
+                        <a:t>役割</a:t>
+                      </a:r>
+                    </a:p>
+                  </a:txBody>
+                  <a:tcPr/>
+                </a:tc>
+                <a:extLst>
+                  <a:ext uri="{0D108BD9-81ED-4DB2-BD59-A6C34878D82A}">
+                    <a16:rowId xmlns:a16="http://schemas.microsoft.com/office/drawing/2014/main" val="2118266379"/>
+                  </a:ext>
+                </a:extLst>
+              </a:tr>
+              <a:tr h="340710">
+                <a:tc>
+                  <a:txBody>
+                    <a:bodyPr/>
+                    <a:lstStyle/>
+                    <a:p>
+                      <a:r>
+                        <a:rPr kumimoji="1" lang="en-US" altLang="ja-JP" dirty="0"/>
+                        <a:t>Excel</a:t>
+                      </a:r>
+                      <a:r>
+                        <a:rPr kumimoji="1" lang="ja-JP" altLang="en-US" dirty="0"/>
+                        <a:t>とかで</a:t>
+                      </a:r>
+                    </a:p>
+                  </a:txBody>
+                  <a:tcPr/>
+                </a:tc>
+                <a:tc>
+                  <a:txBody>
+                    <a:bodyPr/>
+                    <a:lstStyle/>
+                    <a:p>
+                      <a:r>
+                        <a:rPr kumimoji="1" lang="ja-JP" altLang="en-US" dirty="0"/>
+                        <a:t>つくって貼り付けようかな？</a:t>
+                      </a:r>
+                    </a:p>
+                  </a:txBody>
+                  <a:tcPr/>
+                </a:tc>
+                <a:extLst>
+                  <a:ext uri="{0D108BD9-81ED-4DB2-BD59-A6C34878D82A}">
+                    <a16:rowId xmlns:a16="http://schemas.microsoft.com/office/drawing/2014/main" val="1408500701"/>
+                  </a:ext>
+                </a:extLst>
+              </a:tr>
+              <a:tr h="340710">
+                <a:tc>
+                  <a:txBody>
+                    <a:bodyPr/>
+                    <a:lstStyle/>
+                    <a:p>
+                      <a:r>
+                        <a:rPr kumimoji="1" lang="ja-JP" altLang="en-US" dirty="0"/>
+                        <a:t>色の調整はこっ</a:t>
+                      </a:r>
+                    </a:p>
+                  </a:txBody>
+                  <a:tcPr/>
+                </a:tc>
+                <a:tc>
+                  <a:txBody>
+                    <a:bodyPr/>
+                    <a:lstStyle/>
+                    <a:p>
+                      <a:r>
+                        <a:rPr kumimoji="1" lang="ja-JP" altLang="en-US" dirty="0"/>
+                        <a:t>ちの方がしやすいかな？</a:t>
+                      </a:r>
+                    </a:p>
+                  </a:txBody>
+                  <a:tcPr/>
+                </a:tc>
+                <a:extLst>
+                  <a:ext uri="{0D108BD9-81ED-4DB2-BD59-A6C34878D82A}">
+                    <a16:rowId xmlns:a16="http://schemas.microsoft.com/office/drawing/2014/main" val="816765208"/>
+                  </a:ext>
+                </a:extLst>
+              </a:tr>
+              <a:tr h="340710">
+                <a:tc>
+                  <a:txBody>
+                    <a:bodyPr/>
+                    <a:lstStyle/>
+                    <a:p>
+                      <a:endParaRPr kumimoji="1" lang="ja-JP" altLang="en-US"/>
+                    </a:p>
+                  </a:txBody>
+                  <a:tcPr/>
+                </a:tc>
+                <a:tc>
+                  <a:txBody>
+                    <a:bodyPr/>
+                    <a:lstStyle/>
+                    <a:p>
+                      <a:endParaRPr kumimoji="1" lang="ja-JP" altLang="en-US" dirty="0"/>
+                    </a:p>
+                  </a:txBody>
+                  <a:tcPr/>
+                </a:tc>
+                <a:extLst>
+                  <a:ext uri="{0D108BD9-81ED-4DB2-BD59-A6C34878D82A}">
+                    <a16:rowId xmlns:a16="http://schemas.microsoft.com/office/drawing/2014/main" val="4258313854"/>
+                  </a:ext>
+                </a:extLst>
+              </a:tr>
+              <a:tr h="340710">
+                <a:tc>
+                  <a:txBody>
+                    <a:bodyPr/>
+                    <a:lstStyle/>
+                    <a:p>
+                      <a:endParaRPr kumimoji="1" lang="ja-JP" altLang="en-US"/>
+                    </a:p>
+                  </a:txBody>
+                  <a:tcPr/>
+                </a:tc>
+                <a:tc>
+                  <a:txBody>
+                    <a:bodyPr/>
+                    <a:lstStyle/>
+                    <a:p>
+                      <a:endParaRPr kumimoji="1" lang="ja-JP" altLang="en-US"/>
+                    </a:p>
+                  </a:txBody>
+                  <a:tcPr/>
+                </a:tc>
+                <a:extLst>
+                  <a:ext uri="{0D108BD9-81ED-4DB2-BD59-A6C34878D82A}">
+                    <a16:rowId xmlns:a16="http://schemas.microsoft.com/office/drawing/2014/main" val="3358557439"/>
+                  </a:ext>
+                </a:extLst>
+              </a:tr>
+              <a:tr h="340710">
+                <a:tc>
+                  <a:txBody>
+                    <a:bodyPr/>
+                    <a:lstStyle/>
+                    <a:p>
+                      <a:endParaRPr kumimoji="1" lang="ja-JP" altLang="en-US"/>
+                    </a:p>
+                  </a:txBody>
+                  <a:tcPr/>
+                </a:tc>
+                <a:tc>
+                  <a:txBody>
+                    <a:bodyPr/>
+                    <a:lstStyle/>
+                    <a:p>
+                      <a:endParaRPr kumimoji="1" lang="ja-JP" altLang="en-US"/>
+                    </a:p>
+                  </a:txBody>
+                  <a:tcPr/>
+                </a:tc>
+                <a:extLst>
+                  <a:ext uri="{0D108BD9-81ED-4DB2-BD59-A6C34878D82A}">
+                    <a16:rowId xmlns:a16="http://schemas.microsoft.com/office/drawing/2014/main" val="276119806"/>
+                  </a:ext>
+                </a:extLst>
+              </a:tr>
+              <a:tr h="340710">
+                <a:tc>
+                  <a:txBody>
+                    <a:bodyPr/>
+                    <a:lstStyle/>
+                    <a:p>
+                      <a:endParaRPr kumimoji="1" lang="ja-JP" altLang="en-US"/>
+                    </a:p>
+                  </a:txBody>
+                  <a:tcPr/>
+                </a:tc>
+                <a:tc>
+                  <a:txBody>
+                    <a:bodyPr/>
+                    <a:lstStyle/>
+                    <a:p>
+                      <a:endParaRPr kumimoji="1" lang="ja-JP" altLang="en-US" dirty="0"/>
+                    </a:p>
+                  </a:txBody>
+                  <a:tcPr/>
+                </a:tc>
+                <a:extLst>
+                  <a:ext uri="{0D108BD9-81ED-4DB2-BD59-A6C34878D82A}">
+                    <a16:rowId xmlns:a16="http://schemas.microsoft.com/office/drawing/2014/main" val="1596238091"/>
+                  </a:ext>
+                </a:extLst>
+              </a:tr>
+            </a:tbl>
+          </a:graphicData>
+        </a:graphic>
+      </p:graphicFrame>
+      <p:sp>
+        <p:nvSpPr>
+          <p:cNvPr id="21" name="テキスト ボックス 20">
+            <a:extLst>
+              <a:ext uri="{FF2B5EF4-FFF2-40B4-BE49-F238E27FC236}">
+                <a16:creationId xmlns:a16="http://schemas.microsoft.com/office/drawing/2014/main" id="{D7088AC7-CC6B-4BD9-9EBD-D00201F86809}"/>
+              </a:ext>
+            </a:extLst>
+          </p:cNvPr>
+          <p:cNvSpPr txBox="1"/>
+          <p:nvPr/>
+        </p:nvSpPr>
+        <p:spPr>
+          <a:xfrm>
+            <a:off x="6490788" y="2344887"/>
+            <a:ext cx="4862141" cy="338554"/>
+          </a:xfrm>
+          <a:prstGeom prst="rect">
+            <a:avLst/>
+          </a:prstGeom>
+          <a:noFill/>
+        </p:spPr>
+        <p:txBody>
+          <a:bodyPr wrap="square" rtlCol="0">
+            <a:spAutoFit/>
+          </a:bodyPr>
+          <a:lstStyle/>
+          <a:p>
+            <a:pPr algn="ctr"/>
+            <a:r>
+              <a:rPr kumimoji="1" lang="ja-JP" altLang="en-US" dirty="0">
+                <a:latin typeface="HG丸ｺﾞｼｯｸM-PRO" panose="020F0600000000000000" pitchFamily="50" charset="-128"/>
+                <a:ea typeface="HG丸ｺﾞｼｯｸM-PRO" panose="020F0600000000000000" pitchFamily="50" charset="-128"/>
+              </a:rPr>
+              <a:t>表</a:t>
+            </a:r>
+            <a:r>
+              <a:rPr kumimoji="1" lang="en-US" altLang="ja-JP" dirty="0">
+                <a:latin typeface="HG丸ｺﾞｼｯｸM-PRO" panose="020F0600000000000000" pitchFamily="50" charset="-128"/>
+                <a:ea typeface="HG丸ｺﾞｼｯｸM-PRO" panose="020F0600000000000000" pitchFamily="50" charset="-128"/>
+              </a:rPr>
+              <a:t>2 </a:t>
+            </a:r>
+            <a:r>
+              <a:rPr lang="ja-JP" altLang="en-US" dirty="0">
+                <a:latin typeface="HG丸ｺﾞｼｯｸM-PRO" panose="020F0600000000000000" pitchFamily="50" charset="-128"/>
+                <a:ea typeface="HG丸ｺﾞｼｯｸM-PRO" panose="020F0600000000000000" pitchFamily="50" charset="-128"/>
+              </a:rPr>
+              <a:t>パッケージごとの役割</a:t>
+            </a:r>
+            <a:endParaRPr kumimoji="1" lang="ja-JP" altLang="en-US" dirty="0">
+              <a:latin typeface="HG丸ｺﾞｼｯｸM-PRO" panose="020F0600000000000000" pitchFamily="50" charset="-128"/>
+              <a:ea typeface="HG丸ｺﾞｼｯｸM-PRO" panose="020F0600000000000000" pitchFamily="50" charset="-128"/>
+            </a:endParaRPr>
+          </a:p>
+        </p:txBody>
+      </p:sp>
+      <p:sp>
+        <p:nvSpPr>
+          <p:cNvPr id="23" name="テキスト ボックス 22">
+            <a:extLst>
+              <a:ext uri="{FF2B5EF4-FFF2-40B4-BE49-F238E27FC236}">
+                <a16:creationId xmlns:a16="http://schemas.microsoft.com/office/drawing/2014/main" id="{AD9D6A3C-6D5E-4181-BE32-C48E0D4ACDC8}"/>
+              </a:ext>
+            </a:extLst>
+          </p:cNvPr>
+          <p:cNvSpPr txBox="1"/>
+          <p:nvPr/>
+        </p:nvSpPr>
+        <p:spPr>
+          <a:xfrm>
+            <a:off x="199975" y="5266529"/>
+            <a:ext cx="2234302" cy="338554"/>
+          </a:xfrm>
+          <a:prstGeom prst="rect">
+            <a:avLst/>
+          </a:prstGeom>
+          <a:noFill/>
+        </p:spPr>
+        <p:txBody>
+          <a:bodyPr wrap="square" rtlCol="0">
+            <a:spAutoFit/>
+          </a:bodyPr>
+          <a:lstStyle/>
+          <a:p>
+            <a:r>
+              <a:rPr lang="ja-JP" altLang="en-US" b="1" dirty="0">
+                <a:latin typeface="HG丸ｺﾞｼｯｸM-PRO" panose="020F0600000000000000" pitchFamily="50" charset="-128"/>
+                <a:ea typeface="HG丸ｺﾞｼｯｸM-PRO" panose="020F0600000000000000" pitchFamily="50" charset="-128"/>
+              </a:rPr>
+              <a:t>２．部品の仕様定義</a:t>
+            </a:r>
+            <a:endParaRPr kumimoji="1" lang="ja-JP" altLang="en-US" dirty="0"/>
+          </a:p>
+        </p:txBody>
+      </p:sp>
+      <p:cxnSp>
+        <p:nvCxnSpPr>
+          <p:cNvPr id="24" name="直線コネクタ 23">
+            <a:extLst>
+              <a:ext uri="{FF2B5EF4-FFF2-40B4-BE49-F238E27FC236}">
+                <a16:creationId xmlns:a16="http://schemas.microsoft.com/office/drawing/2014/main" id="{DA076511-29B4-4289-A5B1-40C3F5C3B6F5}"/>
+              </a:ext>
+            </a:extLst>
+          </p:cNvPr>
+          <p:cNvCxnSpPr>
+            <a:cxnSpLocks/>
+          </p:cNvCxnSpPr>
+          <p:nvPr/>
+        </p:nvCxnSpPr>
+        <p:spPr>
+          <a:xfrm>
+            <a:off x="298849" y="5595198"/>
+            <a:ext cx="12161097" cy="0"/>
+          </a:xfrm>
+          <a:prstGeom prst="line">
+            <a:avLst/>
+          </a:prstGeom>
+          <a:ln w="38100">
+            <a:solidFill>
+              <a:schemeClr val="accent6"/>
+            </a:solidFill>
+          </a:ln>
+        </p:spPr>
+        <p:style>
+          <a:lnRef idx="1">
+            <a:schemeClr val="accent1"/>
+          </a:lnRef>
+          <a:fillRef idx="0">
+            <a:schemeClr val="accent1"/>
+          </a:fillRef>
+          <a:effectRef idx="0">
+            <a:schemeClr val="accent1"/>
+          </a:effectRef>
+          <a:fontRef idx="minor">
+            <a:schemeClr val="tx1"/>
+          </a:fontRef>
+        </p:style>
+      </p:cxnSp>
+      <p:sp>
+        <p:nvSpPr>
+          <p:cNvPr id="25" name="テキスト ボックス 24">
+            <a:extLst>
+              <a:ext uri="{FF2B5EF4-FFF2-40B4-BE49-F238E27FC236}">
+                <a16:creationId xmlns:a16="http://schemas.microsoft.com/office/drawing/2014/main" id="{06AF3BF9-354D-4C84-B586-BEA4FCD83CDF}"/>
+              </a:ext>
+            </a:extLst>
+          </p:cNvPr>
+          <p:cNvSpPr txBox="1"/>
+          <p:nvPr/>
+        </p:nvSpPr>
+        <p:spPr>
+          <a:xfrm>
+            <a:off x="199975" y="5595198"/>
+            <a:ext cx="9729217" cy="338554"/>
+          </a:xfrm>
+          <a:prstGeom prst="rect">
+            <a:avLst/>
+          </a:prstGeom>
+          <a:noFill/>
+        </p:spPr>
+        <p:txBody>
+          <a:bodyPr wrap="square" rtlCol="0">
+            <a:spAutoFit/>
+          </a:bodyPr>
+          <a:lstStyle/>
+          <a:p>
+            <a:r>
+              <a:rPr kumimoji="1" lang="ja-JP" altLang="en-US" dirty="0">
+                <a:latin typeface="HG丸ｺﾞｼｯｸM-PRO" panose="020F0600000000000000" pitchFamily="50" charset="-128"/>
+                <a:ea typeface="HG丸ｺﾞｼｯｸM-PRO" panose="020F0600000000000000" pitchFamily="50" charset="-128"/>
+              </a:rPr>
+              <a:t>オブジェクト図、部品候補リストなどを元に定めたクラスの詳細を図</a:t>
+            </a:r>
+            <a:r>
+              <a:rPr kumimoji="1" lang="en-US" altLang="ja-JP" dirty="0">
+                <a:latin typeface="HG丸ｺﾞｼｯｸM-PRO" panose="020F0600000000000000" pitchFamily="50" charset="-128"/>
+                <a:ea typeface="HG丸ｺﾞｼｯｸM-PRO" panose="020F0600000000000000" pitchFamily="50" charset="-128"/>
+              </a:rPr>
+              <a:t>5 </a:t>
+            </a:r>
+            <a:r>
+              <a:rPr kumimoji="1" lang="ja-JP" altLang="en-US" dirty="0">
+                <a:latin typeface="HG丸ｺﾞｼｯｸM-PRO" panose="020F0600000000000000" pitchFamily="50" charset="-128"/>
+                <a:ea typeface="HG丸ｺﾞｼｯｸM-PRO" panose="020F0600000000000000" pitchFamily="50" charset="-128"/>
+              </a:rPr>
+              <a:t>クラス図に示す</a:t>
+            </a:r>
+          </a:p>
+        </p:txBody>
+      </p:sp>
+      <p:sp>
+        <p:nvSpPr>
+          <p:cNvPr id="8" name="正方形/長方形 7">
+            <a:extLst>
+              <a:ext uri="{FF2B5EF4-FFF2-40B4-BE49-F238E27FC236}">
+                <a16:creationId xmlns:a16="http://schemas.microsoft.com/office/drawing/2014/main" id="{3AA3F25E-F340-4D5C-8BD2-B6DE839B4EB6}"/>
+              </a:ext>
+            </a:extLst>
+          </p:cNvPr>
+          <p:cNvSpPr/>
+          <p:nvPr/>
+        </p:nvSpPr>
+        <p:spPr>
+          <a:xfrm>
+            <a:off x="341654" y="5895931"/>
+            <a:ext cx="12139695" cy="3297136"/>
+          </a:xfrm>
+          <a:prstGeom prst="rect">
+            <a:avLst/>
+          </a:prstGeom>
+        </p:spPr>
+        <p:style>
+          <a:lnRef idx="2">
+            <a:schemeClr val="accent1">
+              <a:shade val="50000"/>
+            </a:schemeClr>
+          </a:lnRef>
+          <a:fillRef idx="1">
+            <a:schemeClr val="accent1"/>
+          </a:fillRef>
+          <a:effectRef idx="0">
+            <a:schemeClr val="accent1"/>
+          </a:effectRef>
+          <a:fontRef idx="minor">
+            <a:schemeClr val="lt1"/>
+          </a:fontRef>
+        </p:style>
+        <p:txBody>
+          <a:bodyPr rtlCol="0" anchor="ctr"/>
+          <a:lstStyle/>
+          <a:p>
+            <a:pPr algn="ctr"/>
+            <a:r>
+              <a:rPr kumimoji="1" lang="ja-JP" altLang="en-US" dirty="0"/>
+              <a:t>クラス図</a:t>
+            </a:r>
+          </a:p>
+        </p:txBody>
+      </p:sp>
+      <p:sp>
+        <p:nvSpPr>
+          <p:cNvPr id="26" name="テキスト ボックス 25">
+            <a:extLst>
+              <a:ext uri="{FF2B5EF4-FFF2-40B4-BE49-F238E27FC236}">
+                <a16:creationId xmlns:a16="http://schemas.microsoft.com/office/drawing/2014/main" id="{E9309EC5-15B9-4F27-A3D8-EC9B63D9D395}"/>
+              </a:ext>
+            </a:extLst>
+          </p:cNvPr>
+          <p:cNvSpPr txBox="1"/>
+          <p:nvPr/>
+        </p:nvSpPr>
+        <p:spPr>
+          <a:xfrm>
+            <a:off x="3969729" y="9146242"/>
+            <a:ext cx="4862141" cy="338554"/>
+          </a:xfrm>
+          <a:prstGeom prst="rect">
+            <a:avLst/>
+          </a:prstGeom>
+          <a:noFill/>
+        </p:spPr>
+        <p:txBody>
+          <a:bodyPr wrap="square" rtlCol="0">
+            <a:spAutoFit/>
+          </a:bodyPr>
+          <a:lstStyle/>
+          <a:p>
+            <a:pPr algn="ctr"/>
+            <a:r>
+              <a:rPr kumimoji="1" lang="ja-JP" altLang="en-US" dirty="0">
+                <a:latin typeface="HG丸ｺﾞｼｯｸM-PRO" panose="020F0600000000000000" pitchFamily="50" charset="-128"/>
+                <a:ea typeface="HG丸ｺﾞｼｯｸM-PRO" panose="020F0600000000000000" pitchFamily="50" charset="-128"/>
+              </a:rPr>
+              <a:t>図</a:t>
+            </a:r>
+            <a:r>
+              <a:rPr lang="en-US" altLang="ja-JP" dirty="0">
+                <a:latin typeface="HG丸ｺﾞｼｯｸM-PRO" panose="020F0600000000000000" pitchFamily="50" charset="-128"/>
+                <a:ea typeface="HG丸ｺﾞｼｯｸM-PRO" panose="020F0600000000000000" pitchFamily="50" charset="-128"/>
+              </a:rPr>
+              <a:t>5</a:t>
+            </a:r>
+            <a:r>
+              <a:rPr kumimoji="1" lang="en-US" altLang="ja-JP" dirty="0">
+                <a:latin typeface="HG丸ｺﾞｼｯｸM-PRO" panose="020F0600000000000000" pitchFamily="50" charset="-128"/>
+                <a:ea typeface="HG丸ｺﾞｼｯｸM-PRO" panose="020F0600000000000000" pitchFamily="50" charset="-128"/>
+              </a:rPr>
+              <a:t> </a:t>
+            </a:r>
+            <a:r>
+              <a:rPr kumimoji="1" lang="ja-JP" altLang="en-US" dirty="0">
+                <a:latin typeface="HG丸ｺﾞｼｯｸM-PRO" panose="020F0600000000000000" pitchFamily="50" charset="-128"/>
+                <a:ea typeface="HG丸ｺﾞｼｯｸM-PRO" panose="020F0600000000000000" pitchFamily="50" charset="-128"/>
+              </a:rPr>
+              <a:t>クラス図</a:t>
+            </a:r>
+          </a:p>
+        </p:txBody>
+      </p:sp>
     </p:spTree>
     <p:extLst>
       <p:ext uri="{BB962C8B-B14F-4D97-AF65-F5344CB8AC3E}">
@@ -6470,6 +8340,781 @@
 </file>
 
 <file path=ppt/slides/slide5.xml><?xml version="1.0" encoding="utf-8"?>
+<p:sld xmlns:a="http://schemas.openxmlformats.org/drawingml/2006/main" xmlns:r="http://schemas.openxmlformats.org/officeDocument/2006/relationships" xmlns:p="http://schemas.openxmlformats.org/presentationml/2006/main">
+  <p:cSld>
+    <p:spTree>
+      <p:nvGrpSpPr>
+        <p:cNvPr id="1" name=""/>
+        <p:cNvGrpSpPr/>
+        <p:nvPr/>
+      </p:nvGrpSpPr>
+      <p:grpSpPr>
+        <a:xfrm>
+          <a:off x="0" y="0"/>
+          <a:ext cx="0" cy="0"/>
+          <a:chOff x="0" y="0"/>
+          <a:chExt cx="0" cy="0"/>
+        </a:xfrm>
+      </p:grpSpPr>
+      <p:sp>
+        <p:nvSpPr>
+          <p:cNvPr id="15" name="四角形: 角を丸くする 14">
+            <a:extLst>
+              <a:ext uri="{FF2B5EF4-FFF2-40B4-BE49-F238E27FC236}">
+                <a16:creationId xmlns:a16="http://schemas.microsoft.com/office/drawing/2014/main" id="{A9B96D26-795E-44A3-9A17-D2913FF49DAB}"/>
+              </a:ext>
+            </a:extLst>
+          </p:cNvPr>
+          <p:cNvSpPr/>
+          <p:nvPr/>
+        </p:nvSpPr>
+        <p:spPr>
+          <a:xfrm>
+            <a:off x="7670181" y="695896"/>
+            <a:ext cx="2520000" cy="1152297"/>
+          </a:xfrm>
+          <a:prstGeom prst="roundRect">
+            <a:avLst/>
+          </a:prstGeom>
+          <a:ln w="28575">
+            <a:solidFill>
+              <a:schemeClr val="accent6">
+                <a:lumMod val="60000"/>
+                <a:lumOff val="40000"/>
+              </a:schemeClr>
+            </a:solidFill>
+          </a:ln>
+        </p:spPr>
+        <p:style>
+          <a:lnRef idx="2">
+            <a:schemeClr val="accent6"/>
+          </a:lnRef>
+          <a:fillRef idx="1">
+            <a:schemeClr val="lt1"/>
+          </a:fillRef>
+          <a:effectRef idx="0">
+            <a:schemeClr val="accent6"/>
+          </a:effectRef>
+          <a:fontRef idx="minor">
+            <a:schemeClr val="dk1"/>
+          </a:fontRef>
+        </p:style>
+        <p:txBody>
+          <a:bodyPr rtlCol="0" anchor="ctr"/>
+          <a:lstStyle/>
+          <a:p>
+            <a:pPr algn="ctr"/>
+            <a:endParaRPr kumimoji="1" lang="ja-JP" altLang="en-US"/>
+          </a:p>
+        </p:txBody>
+      </p:sp>
+      <p:sp>
+        <p:nvSpPr>
+          <p:cNvPr id="14" name="四角形: 角を丸くする 13">
+            <a:extLst>
+              <a:ext uri="{FF2B5EF4-FFF2-40B4-BE49-F238E27FC236}">
+                <a16:creationId xmlns:a16="http://schemas.microsoft.com/office/drawing/2014/main" id="{5DFFF80D-32F6-4641-A456-86DEF48B839E}"/>
+              </a:ext>
+            </a:extLst>
+          </p:cNvPr>
+          <p:cNvSpPr/>
+          <p:nvPr/>
+        </p:nvSpPr>
+        <p:spPr>
+          <a:xfrm>
+            <a:off x="94668" y="691615"/>
+            <a:ext cx="2520000" cy="1080368"/>
+          </a:xfrm>
+          <a:prstGeom prst="roundRect">
+            <a:avLst/>
+          </a:prstGeom>
+          <a:ln w="28575">
+            <a:solidFill>
+              <a:schemeClr val="accent6">
+                <a:lumMod val="60000"/>
+                <a:lumOff val="40000"/>
+              </a:schemeClr>
+            </a:solidFill>
+          </a:ln>
+        </p:spPr>
+        <p:style>
+          <a:lnRef idx="2">
+            <a:schemeClr val="accent6"/>
+          </a:lnRef>
+          <a:fillRef idx="1">
+            <a:schemeClr val="lt1"/>
+          </a:fillRef>
+          <a:effectRef idx="0">
+            <a:schemeClr val="accent6"/>
+          </a:effectRef>
+          <a:fontRef idx="minor">
+            <a:schemeClr val="dk1"/>
+          </a:fontRef>
+        </p:style>
+        <p:txBody>
+          <a:bodyPr rtlCol="0" anchor="ctr"/>
+          <a:lstStyle/>
+          <a:p>
+            <a:pPr algn="ctr"/>
+            <a:endParaRPr kumimoji="1" lang="ja-JP" altLang="en-US"/>
+          </a:p>
+        </p:txBody>
+      </p:sp>
+      <p:sp>
+        <p:nvSpPr>
+          <p:cNvPr id="13" name="四角形: 角を丸くする 12">
+            <a:extLst>
+              <a:ext uri="{FF2B5EF4-FFF2-40B4-BE49-F238E27FC236}">
+                <a16:creationId xmlns:a16="http://schemas.microsoft.com/office/drawing/2014/main" id="{84934B8C-C644-49A7-8C50-B417AAAD4BD4}"/>
+              </a:ext>
+            </a:extLst>
+          </p:cNvPr>
+          <p:cNvSpPr/>
+          <p:nvPr/>
+        </p:nvSpPr>
+        <p:spPr>
+          <a:xfrm>
+            <a:off x="2616334" y="694505"/>
+            <a:ext cx="2520000" cy="1368400"/>
+          </a:xfrm>
+          <a:prstGeom prst="roundRect">
+            <a:avLst>
+              <a:gd name="adj" fmla="val 13495"/>
+            </a:avLst>
+          </a:prstGeom>
+          <a:ln w="28575">
+            <a:solidFill>
+              <a:schemeClr val="accent6">
+                <a:lumMod val="60000"/>
+                <a:lumOff val="40000"/>
+              </a:schemeClr>
+            </a:solidFill>
+          </a:ln>
+        </p:spPr>
+        <p:style>
+          <a:lnRef idx="2">
+            <a:schemeClr val="accent6"/>
+          </a:lnRef>
+          <a:fillRef idx="1">
+            <a:schemeClr val="lt1"/>
+          </a:fillRef>
+          <a:effectRef idx="0">
+            <a:schemeClr val="accent6"/>
+          </a:effectRef>
+          <a:fontRef idx="minor">
+            <a:schemeClr val="dk1"/>
+          </a:fontRef>
+        </p:style>
+        <p:txBody>
+          <a:bodyPr rtlCol="0" anchor="ctr"/>
+          <a:lstStyle/>
+          <a:p>
+            <a:pPr algn="ctr"/>
+            <a:endParaRPr kumimoji="1" lang="ja-JP" altLang="en-US"/>
+          </a:p>
+        </p:txBody>
+      </p:sp>
+      <p:sp>
+        <p:nvSpPr>
+          <p:cNvPr id="12" name="四角形: 角を丸くする 11">
+            <a:extLst>
+              <a:ext uri="{FF2B5EF4-FFF2-40B4-BE49-F238E27FC236}">
+                <a16:creationId xmlns:a16="http://schemas.microsoft.com/office/drawing/2014/main" id="{AFFC4548-7F1A-4F38-96A5-7A693D93CF9B}"/>
+              </a:ext>
+            </a:extLst>
+          </p:cNvPr>
+          <p:cNvSpPr/>
+          <p:nvPr/>
+        </p:nvSpPr>
+        <p:spPr>
+          <a:xfrm>
+            <a:off x="5140800" y="480120"/>
+            <a:ext cx="2520000" cy="1224384"/>
+          </a:xfrm>
+          <a:prstGeom prst="roundRect">
+            <a:avLst>
+              <a:gd name="adj" fmla="val 13842"/>
+            </a:avLst>
+          </a:prstGeom>
+          <a:ln w="38100"/>
+        </p:spPr>
+        <p:style>
+          <a:lnRef idx="2">
+            <a:schemeClr val="accent6"/>
+          </a:lnRef>
+          <a:fillRef idx="1">
+            <a:schemeClr val="lt1"/>
+          </a:fillRef>
+          <a:effectRef idx="0">
+            <a:schemeClr val="accent6"/>
+          </a:effectRef>
+          <a:fontRef idx="minor">
+            <a:schemeClr val="dk1"/>
+          </a:fontRef>
+        </p:style>
+        <p:txBody>
+          <a:bodyPr rtlCol="0" anchor="ctr"/>
+          <a:lstStyle/>
+          <a:p>
+            <a:pPr algn="ctr"/>
+            <a:endParaRPr kumimoji="1" lang="ja-JP" altLang="en-US" dirty="0"/>
+          </a:p>
+        </p:txBody>
+      </p:sp>
+      <p:sp>
+        <p:nvSpPr>
+          <p:cNvPr id="11" name="正方形/長方形 10">
+            <a:extLst>
+              <a:ext uri="{FF2B5EF4-FFF2-40B4-BE49-F238E27FC236}">
+                <a16:creationId xmlns:a16="http://schemas.microsoft.com/office/drawing/2014/main" id="{4CF528F6-0D59-4A16-899E-E9075561CAD3}"/>
+              </a:ext>
+            </a:extLst>
+          </p:cNvPr>
+          <p:cNvSpPr/>
+          <p:nvPr/>
+        </p:nvSpPr>
+        <p:spPr>
+          <a:xfrm>
+            <a:off x="116230" y="1203617"/>
+            <a:ext cx="12600000" cy="8352000"/>
+          </a:xfrm>
+          <a:prstGeom prst="rect">
+            <a:avLst/>
+          </a:prstGeom>
+          <a:ln w="38100">
+            <a:headEnd type="none" w="med" len="med"/>
+            <a:tailEnd type="none" w="med" len="med"/>
+          </a:ln>
+        </p:spPr>
+        <p:style>
+          <a:lnRef idx="2">
+            <a:schemeClr val="accent6"/>
+          </a:lnRef>
+          <a:fillRef idx="1">
+            <a:schemeClr val="lt1"/>
+          </a:fillRef>
+          <a:effectRef idx="0">
+            <a:schemeClr val="accent6"/>
+          </a:effectRef>
+          <a:fontRef idx="minor">
+            <a:schemeClr val="dk1"/>
+          </a:fontRef>
+        </p:style>
+        <p:txBody>
+          <a:bodyPr rtlCol="0" anchor="ctr"/>
+          <a:lstStyle/>
+          <a:p>
+            <a:pPr algn="ctr"/>
+            <a:endParaRPr kumimoji="1" lang="ja-JP" altLang="en-US" dirty="0"/>
+          </a:p>
+        </p:txBody>
+      </p:sp>
+      <p:sp>
+        <p:nvSpPr>
+          <p:cNvPr id="3" name="テキスト ボックス 2">
+            <a:extLst>
+              <a:ext uri="{FF2B5EF4-FFF2-40B4-BE49-F238E27FC236}">
+                <a16:creationId xmlns:a16="http://schemas.microsoft.com/office/drawing/2014/main" id="{4A839BC4-54BA-4246-90D0-1001B466FC18}"/>
+              </a:ext>
+            </a:extLst>
+          </p:cNvPr>
+          <p:cNvSpPr txBox="1"/>
+          <p:nvPr/>
+        </p:nvSpPr>
+        <p:spPr>
+          <a:xfrm>
+            <a:off x="297487" y="751258"/>
+            <a:ext cx="2122161" cy="430887"/>
+          </a:xfrm>
+          <a:prstGeom prst="rect">
+            <a:avLst/>
+          </a:prstGeom>
+          <a:noFill/>
+          <a:ln>
+            <a:noFill/>
+          </a:ln>
+        </p:spPr>
+        <p:style>
+          <a:lnRef idx="0">
+            <a:scrgbClr r="0" g="0" b="0"/>
+          </a:lnRef>
+          <a:fillRef idx="0">
+            <a:scrgbClr r="0" g="0" b="0"/>
+          </a:fillRef>
+          <a:effectRef idx="0">
+            <a:scrgbClr r="0" g="0" b="0"/>
+          </a:effectRef>
+          <a:fontRef idx="minor">
+            <a:schemeClr val="dk1"/>
+          </a:fontRef>
+        </p:style>
+        <p:txBody>
+          <a:bodyPr wrap="square" rtlCol="0">
+            <a:spAutoFit/>
+          </a:bodyPr>
+          <a:lstStyle/>
+          <a:p>
+            <a:r>
+              <a:rPr lang="ja-JP" altLang="en-US" sz="2200" dirty="0">
+                <a:solidFill>
+                  <a:schemeClr val="accent6">
+                    <a:lumMod val="60000"/>
+                    <a:lumOff val="40000"/>
+                  </a:schemeClr>
+                </a:solidFill>
+                <a:latin typeface="HG創英角ｺﾞｼｯｸUB" panose="020B0909000000000000" pitchFamily="49" charset="-128"/>
+                <a:ea typeface="HG創英角ｺﾞｼｯｸUB" panose="020B0909000000000000" pitchFamily="49" charset="-128"/>
+              </a:rPr>
+              <a:t>１</a:t>
+            </a:r>
+            <a:r>
+              <a:rPr lang="en-US" altLang="ja-JP" sz="2200" b="1" dirty="0">
+                <a:solidFill>
+                  <a:schemeClr val="accent6">
+                    <a:lumMod val="60000"/>
+                    <a:lumOff val="40000"/>
+                  </a:schemeClr>
+                </a:solidFill>
+                <a:latin typeface="HG創英角ｺﾞｼｯｸUB" panose="020B0909000000000000" pitchFamily="49" charset="-128"/>
+                <a:ea typeface="HG創英角ｺﾞｼｯｸUB" panose="020B0909000000000000" pitchFamily="49" charset="-128"/>
+              </a:rPr>
+              <a:t>.</a:t>
+            </a:r>
+            <a:r>
+              <a:rPr lang="ja-JP" altLang="en-US" sz="2200" dirty="0">
+                <a:solidFill>
+                  <a:schemeClr val="accent6">
+                    <a:lumMod val="60000"/>
+                    <a:lumOff val="40000"/>
+                  </a:schemeClr>
+                </a:solidFill>
+                <a:latin typeface="HG創英角ｺﾞｼｯｸUB" panose="020B0909000000000000" pitchFamily="49" charset="-128"/>
+                <a:ea typeface="HG創英角ｺﾞｼｯｸUB" panose="020B0909000000000000" pitchFamily="49" charset="-128"/>
+              </a:rPr>
+              <a:t>機能モデル</a:t>
+            </a:r>
+            <a:endParaRPr lang="en-US" altLang="ja-JP" sz="2200" dirty="0">
+              <a:solidFill>
+                <a:schemeClr val="accent6">
+                  <a:lumMod val="60000"/>
+                  <a:lumOff val="40000"/>
+                </a:schemeClr>
+              </a:solidFill>
+              <a:latin typeface="HG創英角ｺﾞｼｯｸUB" panose="020B0909000000000000" pitchFamily="49" charset="-128"/>
+              <a:ea typeface="HG創英角ｺﾞｼｯｸUB" panose="020B0909000000000000" pitchFamily="49" charset="-128"/>
+            </a:endParaRPr>
+          </a:p>
+        </p:txBody>
+      </p:sp>
+      <p:sp>
+        <p:nvSpPr>
+          <p:cNvPr id="9" name="テキスト ボックス 8">
+            <a:extLst>
+              <a:ext uri="{FF2B5EF4-FFF2-40B4-BE49-F238E27FC236}">
+                <a16:creationId xmlns:a16="http://schemas.microsoft.com/office/drawing/2014/main" id="{27FC2256-755B-4562-8E23-88557EE81276}"/>
+              </a:ext>
+            </a:extLst>
+          </p:cNvPr>
+          <p:cNvSpPr txBox="1"/>
+          <p:nvPr/>
+        </p:nvSpPr>
+        <p:spPr>
+          <a:xfrm>
+            <a:off x="2870054" y="751257"/>
+            <a:ext cx="2002046" cy="430887"/>
+          </a:xfrm>
+          <a:prstGeom prst="rect">
+            <a:avLst/>
+          </a:prstGeom>
+          <a:noFill/>
+          <a:ln>
+            <a:noFill/>
+          </a:ln>
+        </p:spPr>
+        <p:style>
+          <a:lnRef idx="0">
+            <a:scrgbClr r="0" g="0" b="0"/>
+          </a:lnRef>
+          <a:fillRef idx="0">
+            <a:scrgbClr r="0" g="0" b="0"/>
+          </a:fillRef>
+          <a:effectRef idx="0">
+            <a:scrgbClr r="0" g="0" b="0"/>
+          </a:effectRef>
+          <a:fontRef idx="minor">
+            <a:schemeClr val="dk1"/>
+          </a:fontRef>
+        </p:style>
+        <p:txBody>
+          <a:bodyPr wrap="square" rtlCol="0">
+            <a:spAutoFit/>
+          </a:bodyPr>
+          <a:lstStyle/>
+          <a:p>
+            <a:r>
+              <a:rPr lang="ja-JP" altLang="en-US" sz="2200" dirty="0">
+                <a:solidFill>
+                  <a:schemeClr val="accent6">
+                    <a:lumMod val="60000"/>
+                    <a:lumOff val="40000"/>
+                  </a:schemeClr>
+                </a:solidFill>
+                <a:latin typeface="HG創英角ｺﾞｼｯｸUB" panose="020B0909000000000000" pitchFamily="49" charset="-128"/>
+                <a:ea typeface="HG創英角ｺﾞｼｯｸUB" panose="020B0909000000000000" pitchFamily="49" charset="-128"/>
+              </a:rPr>
+              <a:t>２</a:t>
+            </a:r>
+            <a:r>
+              <a:rPr lang="en-US" altLang="ja-JP" sz="2200" b="1" dirty="0">
+                <a:solidFill>
+                  <a:schemeClr val="accent6">
+                    <a:lumMod val="60000"/>
+                    <a:lumOff val="40000"/>
+                  </a:schemeClr>
+                </a:solidFill>
+                <a:latin typeface="HG創英角ｺﾞｼｯｸUB" panose="020B0909000000000000" pitchFamily="49" charset="-128"/>
+                <a:ea typeface="HG創英角ｺﾞｼｯｸUB" panose="020B0909000000000000" pitchFamily="49" charset="-128"/>
+              </a:rPr>
+              <a:t>.</a:t>
+            </a:r>
+            <a:r>
+              <a:rPr lang="ja-JP" altLang="en-US" sz="2200" dirty="0">
+                <a:solidFill>
+                  <a:schemeClr val="accent6">
+                    <a:lumMod val="60000"/>
+                    <a:lumOff val="40000"/>
+                  </a:schemeClr>
+                </a:solidFill>
+                <a:latin typeface="HG創英角ｺﾞｼｯｸUB" panose="020B0909000000000000" pitchFamily="49" charset="-128"/>
+                <a:ea typeface="HG創英角ｺﾞｼｯｸUB" panose="020B0909000000000000" pitchFamily="49" charset="-128"/>
+              </a:rPr>
+              <a:t>構造モデル</a:t>
+            </a:r>
+            <a:endParaRPr lang="en-US" altLang="ja-JP" sz="2200" dirty="0">
+              <a:solidFill>
+                <a:schemeClr val="accent6">
+                  <a:lumMod val="60000"/>
+                  <a:lumOff val="40000"/>
+                </a:schemeClr>
+              </a:solidFill>
+              <a:latin typeface="HG創英角ｺﾞｼｯｸUB" panose="020B0909000000000000" pitchFamily="49" charset="-128"/>
+              <a:ea typeface="HG創英角ｺﾞｼｯｸUB" panose="020B0909000000000000" pitchFamily="49" charset="-128"/>
+            </a:endParaRPr>
+          </a:p>
+        </p:txBody>
+      </p:sp>
+      <p:sp>
+        <p:nvSpPr>
+          <p:cNvPr id="10" name="テキスト ボックス 9">
+            <a:extLst>
+              <a:ext uri="{FF2B5EF4-FFF2-40B4-BE49-F238E27FC236}">
+                <a16:creationId xmlns:a16="http://schemas.microsoft.com/office/drawing/2014/main" id="{6B6DE600-02D5-4297-AB70-824D28CEE6FA}"/>
+              </a:ext>
+            </a:extLst>
+          </p:cNvPr>
+          <p:cNvSpPr txBox="1"/>
+          <p:nvPr/>
+        </p:nvSpPr>
+        <p:spPr>
+          <a:xfrm>
+            <a:off x="5136334" y="618731"/>
+            <a:ext cx="2596536" cy="446276"/>
+          </a:xfrm>
+          <a:prstGeom prst="rect">
+            <a:avLst/>
+          </a:prstGeom>
+          <a:noFill/>
+          <a:ln>
+            <a:noFill/>
+          </a:ln>
+        </p:spPr>
+        <p:style>
+          <a:lnRef idx="0">
+            <a:scrgbClr r="0" g="0" b="0"/>
+          </a:lnRef>
+          <a:fillRef idx="0">
+            <a:scrgbClr r="0" g="0" b="0"/>
+          </a:fillRef>
+          <a:effectRef idx="0">
+            <a:scrgbClr r="0" g="0" b="0"/>
+          </a:effectRef>
+          <a:fontRef idx="minor">
+            <a:schemeClr val="dk1"/>
+          </a:fontRef>
+        </p:style>
+        <p:txBody>
+          <a:bodyPr wrap="square" rtlCol="0">
+            <a:spAutoFit/>
+          </a:bodyPr>
+          <a:lstStyle/>
+          <a:p>
+            <a:r>
+              <a:rPr lang="ja-JP" altLang="en-US" sz="2200" dirty="0">
+                <a:solidFill>
+                  <a:schemeClr val="accent6">
+                    <a:lumMod val="75000"/>
+                  </a:schemeClr>
+                </a:solidFill>
+                <a:latin typeface="HG創英角ｺﾞｼｯｸUB" panose="020B0909000000000000" pitchFamily="49" charset="-128"/>
+                <a:ea typeface="HG創英角ｺﾞｼｯｸUB" panose="020B0909000000000000" pitchFamily="49" charset="-128"/>
+              </a:rPr>
+              <a:t>３</a:t>
+            </a:r>
+            <a:r>
+              <a:rPr lang="en-US" altLang="ja-JP" sz="2200" b="1" dirty="0">
+                <a:solidFill>
+                  <a:schemeClr val="accent6">
+                    <a:lumMod val="75000"/>
+                  </a:schemeClr>
+                </a:solidFill>
+                <a:latin typeface="HG創英角ｺﾞｼｯｸUB" panose="020B0909000000000000" pitchFamily="49" charset="-128"/>
+                <a:ea typeface="HG創英角ｺﾞｼｯｸUB" panose="020B0909000000000000" pitchFamily="49" charset="-128"/>
+              </a:rPr>
+              <a:t>.</a:t>
+            </a:r>
+            <a:r>
+              <a:rPr lang="ja-JP" altLang="en-US" sz="2200" dirty="0">
+                <a:solidFill>
+                  <a:schemeClr val="accent6">
+                    <a:lumMod val="75000"/>
+                  </a:schemeClr>
+                </a:solidFill>
+                <a:latin typeface="HG創英角ｺﾞｼｯｸUB" panose="020B0909000000000000" pitchFamily="49" charset="-128"/>
+                <a:ea typeface="HG創英角ｺﾞｼｯｸUB" panose="020B0909000000000000" pitchFamily="49" charset="-128"/>
+              </a:rPr>
+              <a:t>振る舞いモデル</a:t>
+            </a:r>
+            <a:endParaRPr lang="en-US" altLang="ja-JP" sz="2200" dirty="0">
+              <a:solidFill>
+                <a:schemeClr val="accent6">
+                  <a:lumMod val="75000"/>
+                </a:schemeClr>
+              </a:solidFill>
+              <a:latin typeface="HG創英角ｺﾞｼｯｸUB" panose="020B0909000000000000" pitchFamily="49" charset="-128"/>
+              <a:ea typeface="HG創英角ｺﾞｼｯｸUB" panose="020B0909000000000000" pitchFamily="49" charset="-128"/>
+            </a:endParaRPr>
+          </a:p>
+        </p:txBody>
+      </p:sp>
+      <p:sp>
+        <p:nvSpPr>
+          <p:cNvPr id="16" name="テキスト ボックス 15">
+            <a:extLst>
+              <a:ext uri="{FF2B5EF4-FFF2-40B4-BE49-F238E27FC236}">
+                <a16:creationId xmlns:a16="http://schemas.microsoft.com/office/drawing/2014/main" id="{B2857B95-E44E-4693-9BF6-518968E8AB21}"/>
+              </a:ext>
+            </a:extLst>
+          </p:cNvPr>
+          <p:cNvSpPr txBox="1"/>
+          <p:nvPr/>
+        </p:nvSpPr>
+        <p:spPr>
+          <a:xfrm>
+            <a:off x="8207348" y="737706"/>
+            <a:ext cx="1445666" cy="430887"/>
+          </a:xfrm>
+          <a:prstGeom prst="rect">
+            <a:avLst/>
+          </a:prstGeom>
+          <a:noFill/>
+          <a:ln>
+            <a:noFill/>
+          </a:ln>
+        </p:spPr>
+        <p:style>
+          <a:lnRef idx="0">
+            <a:scrgbClr r="0" g="0" b="0"/>
+          </a:lnRef>
+          <a:fillRef idx="0">
+            <a:scrgbClr r="0" g="0" b="0"/>
+          </a:fillRef>
+          <a:effectRef idx="0">
+            <a:scrgbClr r="0" g="0" b="0"/>
+          </a:effectRef>
+          <a:fontRef idx="minor">
+            <a:schemeClr val="dk1"/>
+          </a:fontRef>
+        </p:style>
+        <p:txBody>
+          <a:bodyPr wrap="square" rtlCol="0">
+            <a:spAutoFit/>
+          </a:bodyPr>
+          <a:lstStyle/>
+          <a:p>
+            <a:r>
+              <a:rPr lang="ja-JP" altLang="en-US" sz="2200" dirty="0">
+                <a:solidFill>
+                  <a:schemeClr val="accent6">
+                    <a:lumMod val="60000"/>
+                    <a:lumOff val="40000"/>
+                  </a:schemeClr>
+                </a:solidFill>
+                <a:latin typeface="HG創英角ｺﾞｼｯｸUB" panose="020B0909000000000000" pitchFamily="49" charset="-128"/>
+                <a:ea typeface="HG創英角ｺﾞｼｯｸUB" panose="020B0909000000000000" pitchFamily="49" charset="-128"/>
+              </a:rPr>
+              <a:t>４</a:t>
+            </a:r>
+            <a:r>
+              <a:rPr lang="en-US" altLang="ja-JP" sz="2200" b="1" dirty="0">
+                <a:solidFill>
+                  <a:schemeClr val="accent6">
+                    <a:lumMod val="60000"/>
+                    <a:lumOff val="40000"/>
+                  </a:schemeClr>
+                </a:solidFill>
+                <a:latin typeface="HG創英角ｺﾞｼｯｸUB" panose="020B0909000000000000" pitchFamily="49" charset="-128"/>
+                <a:ea typeface="HG創英角ｺﾞｼｯｸUB" panose="020B0909000000000000" pitchFamily="49" charset="-128"/>
+              </a:rPr>
+              <a:t>.</a:t>
+            </a:r>
+            <a:r>
+              <a:rPr lang="ja-JP" altLang="en-US" sz="2200" dirty="0">
+                <a:solidFill>
+                  <a:schemeClr val="accent6">
+                    <a:lumMod val="60000"/>
+                    <a:lumOff val="40000"/>
+                  </a:schemeClr>
+                </a:solidFill>
+                <a:latin typeface="HG創英角ｺﾞｼｯｸUB" panose="020B0909000000000000" pitchFamily="49" charset="-128"/>
+                <a:ea typeface="HG創英角ｺﾞｼｯｸUB" panose="020B0909000000000000" pitchFamily="49" charset="-128"/>
+              </a:rPr>
+              <a:t>工夫点</a:t>
+            </a:r>
+            <a:endParaRPr lang="en-US" altLang="ja-JP" sz="2200" dirty="0">
+              <a:solidFill>
+                <a:schemeClr val="accent6">
+                  <a:lumMod val="60000"/>
+                  <a:lumOff val="40000"/>
+                </a:schemeClr>
+              </a:solidFill>
+              <a:latin typeface="HG創英角ｺﾞｼｯｸUB" panose="020B0909000000000000" pitchFamily="49" charset="-128"/>
+              <a:ea typeface="HG創英角ｺﾞｼｯｸUB" panose="020B0909000000000000" pitchFamily="49" charset="-128"/>
+            </a:endParaRPr>
+          </a:p>
+        </p:txBody>
+      </p:sp>
+      <p:sp>
+        <p:nvSpPr>
+          <p:cNvPr id="4" name="正方形/長方形 3">
+            <a:extLst>
+              <a:ext uri="{FF2B5EF4-FFF2-40B4-BE49-F238E27FC236}">
+                <a16:creationId xmlns:a16="http://schemas.microsoft.com/office/drawing/2014/main" id="{3680C864-60B8-4F14-9653-302A07051B92}"/>
+              </a:ext>
+            </a:extLst>
+          </p:cNvPr>
+          <p:cNvSpPr/>
+          <p:nvPr/>
+        </p:nvSpPr>
+        <p:spPr>
+          <a:xfrm>
+            <a:off x="116230" y="1204744"/>
+            <a:ext cx="2340000" cy="720000"/>
+          </a:xfrm>
+          <a:prstGeom prst="rect">
+            <a:avLst/>
+          </a:prstGeom>
+          <a:ln>
+            <a:noFill/>
+          </a:ln>
+        </p:spPr>
+        <p:style>
+          <a:lnRef idx="3">
+            <a:schemeClr val="lt1"/>
+          </a:lnRef>
+          <a:fillRef idx="1">
+            <a:schemeClr val="accent6"/>
+          </a:fillRef>
+          <a:effectRef idx="1">
+            <a:schemeClr val="accent6"/>
+          </a:effectRef>
+          <a:fontRef idx="minor">
+            <a:schemeClr val="lt1"/>
+          </a:fontRef>
+        </p:style>
+        <p:txBody>
+          <a:bodyPr rtlCol="0" anchor="ctr"/>
+          <a:lstStyle/>
+          <a:p>
+            <a:pPr algn="ctr"/>
+            <a:endParaRPr kumimoji="1" lang="ja-JP" altLang="en-US"/>
+          </a:p>
+        </p:txBody>
+      </p:sp>
+      <p:sp>
+        <p:nvSpPr>
+          <p:cNvPr id="6" name="テキスト ボックス 5">
+            <a:extLst>
+              <a:ext uri="{FF2B5EF4-FFF2-40B4-BE49-F238E27FC236}">
+                <a16:creationId xmlns:a16="http://schemas.microsoft.com/office/drawing/2014/main" id="{86E542D6-2597-4479-8069-7E76879CA3E5}"/>
+              </a:ext>
+            </a:extLst>
+          </p:cNvPr>
+          <p:cNvSpPr txBox="1"/>
+          <p:nvPr/>
+        </p:nvSpPr>
+        <p:spPr>
+          <a:xfrm>
+            <a:off x="100800" y="1364689"/>
+            <a:ext cx="2428118" cy="400110"/>
+          </a:xfrm>
+          <a:prstGeom prst="rect">
+            <a:avLst/>
+          </a:prstGeom>
+          <a:noFill/>
+        </p:spPr>
+        <p:txBody>
+          <a:bodyPr wrap="square" rtlCol="0">
+            <a:spAutoFit/>
+          </a:bodyPr>
+          <a:lstStyle/>
+          <a:p>
+            <a:r>
+              <a:rPr lang="ja-JP" altLang="en-US" sz="2000" dirty="0">
+                <a:solidFill>
+                  <a:schemeClr val="bg1"/>
+                </a:solidFill>
+                <a:latin typeface="HG創英角ｺﾞｼｯｸUB" panose="020B0909000000000000" pitchFamily="49" charset="-128"/>
+                <a:ea typeface="HG創英角ｺﾞｼｯｸUB" panose="020B0909000000000000" pitchFamily="49" charset="-128"/>
+              </a:rPr>
+              <a:t>３</a:t>
+            </a:r>
+            <a:r>
+              <a:rPr kumimoji="1" lang="en-US" altLang="ja-JP" sz="2000" dirty="0">
+                <a:solidFill>
+                  <a:schemeClr val="bg1"/>
+                </a:solidFill>
+                <a:latin typeface="HG創英角ｺﾞｼｯｸUB" panose="020B0909000000000000" pitchFamily="49" charset="-128"/>
+                <a:ea typeface="HG創英角ｺﾞｼｯｸUB" panose="020B0909000000000000" pitchFamily="49" charset="-128"/>
+              </a:rPr>
+              <a:t>.</a:t>
+            </a:r>
+            <a:r>
+              <a:rPr kumimoji="1" lang="ja-JP" altLang="en-US" sz="2000" dirty="0">
+                <a:solidFill>
+                  <a:schemeClr val="bg1"/>
+                </a:solidFill>
+                <a:latin typeface="HG創英角ｺﾞｼｯｸUB" panose="020B0909000000000000" pitchFamily="49" charset="-128"/>
+                <a:ea typeface="HG創英角ｺﾞｼｯｸUB" panose="020B0909000000000000" pitchFamily="49" charset="-128"/>
+              </a:rPr>
+              <a:t>振る舞いモデル</a:t>
+            </a:r>
+          </a:p>
+        </p:txBody>
+      </p:sp>
+    </p:spTree>
+    <p:extLst>
+      <p:ext uri="{BB962C8B-B14F-4D97-AF65-F5344CB8AC3E}">
+        <p14:creationId xmlns:p14="http://schemas.microsoft.com/office/powerpoint/2010/main" val="3004469087"/>
+      </p:ext>
+    </p:extLst>
+  </p:cSld>
+  <p:clrMapOvr>
+    <a:masterClrMapping/>
+  </p:clrMapOvr>
+</p:sld>
+</file>
+
+<file path=ppt/slides/slide6.xml><?xml version="1.0" encoding="utf-8"?>
 <p:sld xmlns:a="http://schemas.openxmlformats.org/drawingml/2006/main" xmlns:r="http://schemas.openxmlformats.org/officeDocument/2006/relationships" xmlns:p="http://schemas.openxmlformats.org/presentationml/2006/main">
   <p:cSld>
     <p:spTree>

--- a/model_file_template_primary.pptx
+++ b/model_file_template_primary.pptx
@@ -4500,7 +4500,7 @@
         </p:nvSpPr>
         <p:spPr>
           <a:xfrm>
-            <a:off x="100800" y="1204804"/>
+            <a:off x="100800" y="1228426"/>
             <a:ext cx="12600000" cy="8352000"/>
           </a:xfrm>
           <a:prstGeom prst="rect">
@@ -5158,55 +5158,6 @@
       </p:sp>
       <p:sp>
         <p:nvSpPr>
-          <p:cNvPr id="7" name="正方形/長方形 6">
-            <a:extLst>
-              <a:ext uri="{FF2B5EF4-FFF2-40B4-BE49-F238E27FC236}">
-                <a16:creationId xmlns:a16="http://schemas.microsoft.com/office/drawing/2014/main" id="{A83EE4B0-769A-422D-B79B-55D23A8EC780}"/>
-              </a:ext>
-            </a:extLst>
-          </p:cNvPr>
-          <p:cNvSpPr/>
-          <p:nvPr/>
-        </p:nvSpPr>
-        <p:spPr>
-          <a:xfrm>
-            <a:off x="284707" y="2863181"/>
-            <a:ext cx="4862141" cy="1513489"/>
-          </a:xfrm>
-          <a:prstGeom prst="rect">
-            <a:avLst/>
-          </a:prstGeom>
-        </p:spPr>
-        <p:style>
-          <a:lnRef idx="2">
-            <a:schemeClr val="accent1">
-              <a:shade val="50000"/>
-            </a:schemeClr>
-          </a:lnRef>
-          <a:fillRef idx="1">
-            <a:schemeClr val="accent1"/>
-          </a:fillRef>
-          <a:effectRef idx="0">
-            <a:schemeClr val="accent1"/>
-          </a:effectRef>
-          <a:fontRef idx="minor">
-            <a:schemeClr val="lt1"/>
-          </a:fontRef>
-        </p:style>
-        <p:txBody>
-          <a:bodyPr rtlCol="0" anchor="ctr"/>
-          <a:lstStyle/>
-          <a:p>
-            <a:pPr algn="ctr"/>
-            <a:r>
-              <a:rPr kumimoji="1" lang="ja-JP" altLang="en-US" dirty="0"/>
-              <a:t>ユースケース図</a:t>
-            </a:r>
-          </a:p>
-        </p:txBody>
-      </p:sp>
-      <p:sp>
-        <p:nvSpPr>
           <p:cNvPr id="8" name="正方形/長方形 7">
             <a:extLst>
               <a:ext uri="{FF2B5EF4-FFF2-40B4-BE49-F238E27FC236}">
@@ -5951,6 +5902,66 @@
           </a:fontRef>
         </p:style>
       </p:cxnSp>
+      <p:pic>
+        <p:nvPicPr>
+          <p:cNvPr id="24" name="図 23">
+            <a:extLst>
+              <a:ext uri="{FF2B5EF4-FFF2-40B4-BE49-F238E27FC236}">
+                <a16:creationId xmlns:a16="http://schemas.microsoft.com/office/drawing/2014/main" id="{C1A9FACB-7A24-494F-A4DA-383CC5F6041B}"/>
+              </a:ext>
+            </a:extLst>
+          </p:cNvPr>
+          <p:cNvPicPr>
+            <a:picLocks noChangeAspect="1"/>
+          </p:cNvPicPr>
+          <p:nvPr/>
+        </p:nvPicPr>
+        <p:blipFill>
+          <a:blip r:embed="rId2"/>
+          <a:stretch>
+            <a:fillRect/>
+          </a:stretch>
+        </p:blipFill>
+        <p:spPr>
+          <a:xfrm>
+            <a:off x="634297" y="2907409"/>
+            <a:ext cx="3973005" cy="1507577"/>
+          </a:xfrm>
+          <a:prstGeom prst="rect">
+            <a:avLst/>
+          </a:prstGeom>
+        </p:spPr>
+      </p:pic>
+      <p:pic>
+        <p:nvPicPr>
+          <p:cNvPr id="32" name="図 31">
+            <a:extLst>
+              <a:ext uri="{FF2B5EF4-FFF2-40B4-BE49-F238E27FC236}">
+                <a16:creationId xmlns:a16="http://schemas.microsoft.com/office/drawing/2014/main" id="{F63ADD04-970A-409E-A2E4-637EED385938}"/>
+              </a:ext>
+            </a:extLst>
+          </p:cNvPr>
+          <p:cNvPicPr>
+            <a:picLocks noChangeAspect="1"/>
+          </p:cNvPicPr>
+          <p:nvPr/>
+        </p:nvPicPr>
+        <p:blipFill>
+          <a:blip r:embed="rId3"/>
+          <a:stretch>
+            <a:fillRect/>
+          </a:stretch>
+        </p:blipFill>
+        <p:spPr>
+          <a:xfrm>
+            <a:off x="277480" y="5613280"/>
+            <a:ext cx="4948365" cy="2715707"/>
+          </a:xfrm>
+          <a:prstGeom prst="rect">
+            <a:avLst/>
+          </a:prstGeom>
+        </p:spPr>
+      </p:pic>
     </p:spTree>
     <p:extLst>
       <p:ext uri="{BB962C8B-B14F-4D97-AF65-F5344CB8AC3E}">

--- a/model_file_template_primary.pptx
+++ b/model_file_template_primary.pptx
@@ -4500,7 +4500,7 @@
         </p:nvSpPr>
         <p:spPr>
           <a:xfrm>
-            <a:off x="100800" y="1228426"/>
+            <a:off x="100800" y="1092312"/>
             <a:ext cx="12600000" cy="8352000"/>
           </a:xfrm>
           <a:prstGeom prst="rect">
@@ -5105,7 +5105,7 @@
         </p:nvSpPr>
         <p:spPr>
           <a:xfrm>
-            <a:off x="195927" y="5018753"/>
+            <a:off x="180711" y="5077073"/>
             <a:ext cx="4938737" cy="584775"/>
           </a:xfrm>
           <a:prstGeom prst="rect">
@@ -5124,7 +5124,28 @@
                 <a:latin typeface="HG丸ｺﾞｼｯｸM-PRO" panose="020F0600000000000000" pitchFamily="50" charset="-128"/>
                 <a:ea typeface="HG丸ｺﾞｼｯｸM-PRO" panose="020F0600000000000000" pitchFamily="50" charset="-128"/>
               </a:rPr>
-              <a:t>機能を実現するための方法を図２ ユースケース記述、</a:t>
+              <a:t>機能を実現するための方法を</a:t>
+            </a:r>
+            <a:r>
+              <a:rPr lang="ja-JP" altLang="en-US" dirty="0">
+                <a:latin typeface="HG丸ｺﾞｼｯｸM-PRO" panose="020F0600000000000000" pitchFamily="50" charset="-128"/>
+                <a:ea typeface="HG丸ｺﾞｼｯｸM-PRO" panose="020F0600000000000000" pitchFamily="50" charset="-128"/>
+              </a:rPr>
+              <a:t>表</a:t>
+            </a:r>
+            <a:r>
+              <a:rPr lang="en-US" altLang="ja-JP" dirty="0">
+                <a:latin typeface="HG丸ｺﾞｼｯｸM-PRO" panose="020F0600000000000000" pitchFamily="50" charset="-128"/>
+                <a:ea typeface="HG丸ｺﾞｼｯｸM-PRO" panose="020F0600000000000000" pitchFamily="50" charset="-128"/>
+              </a:rPr>
+              <a:t>1</a:t>
+            </a:r>
+            <a:r>
+              <a:rPr kumimoji="1" lang="ja-JP" altLang="en-US" dirty="0">
+                <a:latin typeface="HG丸ｺﾞｼｯｸM-PRO" panose="020F0600000000000000" pitchFamily="50" charset="-128"/>
+                <a:ea typeface="HG丸ｺﾞｼｯｸM-PRO" panose="020F0600000000000000" pitchFamily="50" charset="-128"/>
+              </a:rPr>
+              <a:t> ユースケース記述、</a:t>
             </a:r>
             <a:br>
               <a:rPr kumimoji="1" lang="en-US" altLang="ja-JP" dirty="0">
@@ -5152,232 +5173,6 @@
                 <a:ea typeface="HG丸ｺﾞｼｯｸM-PRO" panose="020F0600000000000000" pitchFamily="50" charset="-128"/>
               </a:rPr>
               <a:t> アクティビティ図で示す</a:t>
-            </a:r>
-          </a:p>
-        </p:txBody>
-      </p:sp>
-      <p:sp>
-        <p:nvSpPr>
-          <p:cNvPr id="8" name="正方形/長方形 7">
-            <a:extLst>
-              <a:ext uri="{FF2B5EF4-FFF2-40B4-BE49-F238E27FC236}">
-                <a16:creationId xmlns:a16="http://schemas.microsoft.com/office/drawing/2014/main" id="{A0DB92A4-E649-4CF8-970B-35C19E77DDF0}"/>
-              </a:ext>
-            </a:extLst>
-          </p:cNvPr>
-          <p:cNvSpPr/>
-          <p:nvPr/>
-        </p:nvSpPr>
-        <p:spPr>
-          <a:xfrm>
-            <a:off x="284707" y="5606469"/>
-            <a:ext cx="4862141" cy="3514611"/>
-          </a:xfrm>
-          <a:prstGeom prst="rect">
-            <a:avLst/>
-          </a:prstGeom>
-        </p:spPr>
-        <p:style>
-          <a:lnRef idx="2">
-            <a:schemeClr val="accent1">
-              <a:shade val="50000"/>
-            </a:schemeClr>
-          </a:lnRef>
-          <a:fillRef idx="1">
-            <a:schemeClr val="accent1"/>
-          </a:fillRef>
-          <a:effectRef idx="0">
-            <a:schemeClr val="accent1"/>
-          </a:effectRef>
-          <a:fontRef idx="minor">
-            <a:schemeClr val="lt1"/>
-          </a:fontRef>
-        </p:style>
-        <p:txBody>
-          <a:bodyPr rtlCol="0" anchor="ctr"/>
-          <a:lstStyle/>
-          <a:p>
-            <a:pPr algn="ctr"/>
-            <a:r>
-              <a:rPr kumimoji="1" lang="ja-JP" altLang="en-US" dirty="0"/>
-              <a:t>ユースケース記述</a:t>
-            </a:r>
-          </a:p>
-        </p:txBody>
-      </p:sp>
-      <p:sp>
-        <p:nvSpPr>
-          <p:cNvPr id="17" name="テキスト ボックス 16">
-            <a:extLst>
-              <a:ext uri="{FF2B5EF4-FFF2-40B4-BE49-F238E27FC236}">
-                <a16:creationId xmlns:a16="http://schemas.microsoft.com/office/drawing/2014/main" id="{C0304104-78D1-484D-8E65-0FFA84D366D4}"/>
-              </a:ext>
-            </a:extLst>
-          </p:cNvPr>
-          <p:cNvSpPr txBox="1"/>
-          <p:nvPr/>
-        </p:nvSpPr>
-        <p:spPr>
-          <a:xfrm>
-            <a:off x="5608712" y="2327621"/>
-            <a:ext cx="5740605" cy="584775"/>
-          </a:xfrm>
-          <a:prstGeom prst="rect">
-            <a:avLst/>
-          </a:prstGeom>
-          <a:noFill/>
-        </p:spPr>
-        <p:txBody>
-          <a:bodyPr wrap="square" rtlCol="0">
-            <a:spAutoFit/>
-          </a:bodyPr>
-          <a:lstStyle/>
-          <a:p>
-            <a:r>
-              <a:rPr kumimoji="1" lang="ja-JP" altLang="en-US" dirty="0">
-                <a:latin typeface="HG丸ｺﾞｼｯｸM-PRO" panose="020F0600000000000000" pitchFamily="50" charset="-128"/>
-                <a:ea typeface="HG丸ｺﾞｼｯｸM-PRO" panose="020F0600000000000000" pitchFamily="50" charset="-128"/>
-              </a:rPr>
-              <a:t>機能実現のため必要となる部品を表</a:t>
-            </a:r>
-            <a:r>
-              <a:rPr kumimoji="1" lang="en-US" altLang="ja-JP" dirty="0">
-                <a:latin typeface="HG丸ｺﾞｼｯｸM-PRO" panose="020F0600000000000000" pitchFamily="50" charset="-128"/>
-                <a:ea typeface="HG丸ｺﾞｼｯｸM-PRO" panose="020F0600000000000000" pitchFamily="50" charset="-128"/>
-              </a:rPr>
-              <a:t>1</a:t>
-            </a:r>
-            <a:r>
-              <a:rPr kumimoji="1" lang="ja-JP" altLang="en-US" dirty="0">
-                <a:latin typeface="HG丸ｺﾞｼｯｸM-PRO" panose="020F0600000000000000" pitchFamily="50" charset="-128"/>
-                <a:ea typeface="HG丸ｺﾞｼｯｸM-PRO" panose="020F0600000000000000" pitchFamily="50" charset="-128"/>
-              </a:rPr>
-              <a:t> 部品候補リスト、</a:t>
-            </a:r>
-            <a:br>
-              <a:rPr kumimoji="1" lang="en-US" altLang="ja-JP" dirty="0">
-                <a:latin typeface="HG丸ｺﾞｼｯｸM-PRO" panose="020F0600000000000000" pitchFamily="50" charset="-128"/>
-                <a:ea typeface="HG丸ｺﾞｼｯｸM-PRO" panose="020F0600000000000000" pitchFamily="50" charset="-128"/>
-              </a:rPr>
-            </a:br>
-            <a:r>
-              <a:rPr kumimoji="1" lang="ja-JP" altLang="en-US" dirty="0">
-                <a:latin typeface="HG丸ｺﾞｼｯｸM-PRO" panose="020F0600000000000000" pitchFamily="50" charset="-128"/>
-                <a:ea typeface="HG丸ｺﾞｼｯｸM-PRO" panose="020F0600000000000000" pitchFamily="50" charset="-128"/>
-              </a:rPr>
-              <a:t>各部品の関係を図</a:t>
-            </a:r>
-            <a:r>
-              <a:rPr kumimoji="1" lang="en-US" altLang="ja-JP" dirty="0">
-                <a:latin typeface="HG丸ｺﾞｼｯｸM-PRO" panose="020F0600000000000000" pitchFamily="50" charset="-128"/>
-                <a:ea typeface="HG丸ｺﾞｼｯｸM-PRO" panose="020F0600000000000000" pitchFamily="50" charset="-128"/>
-              </a:rPr>
-              <a:t>3 </a:t>
-            </a:r>
-            <a:r>
-              <a:rPr kumimoji="1" lang="ja-JP" altLang="en-US" dirty="0">
-                <a:latin typeface="HG丸ｺﾞｼｯｸM-PRO" panose="020F0600000000000000" pitchFamily="50" charset="-128"/>
-                <a:ea typeface="HG丸ｺﾞｼｯｸM-PRO" panose="020F0600000000000000" pitchFamily="50" charset="-128"/>
-              </a:rPr>
-              <a:t>オブジェクト図で示す</a:t>
-            </a:r>
-          </a:p>
-        </p:txBody>
-      </p:sp>
-      <p:sp>
-        <p:nvSpPr>
-          <p:cNvPr id="18" name="正方形/長方形 17">
-            <a:extLst>
-              <a:ext uri="{FF2B5EF4-FFF2-40B4-BE49-F238E27FC236}">
-                <a16:creationId xmlns:a16="http://schemas.microsoft.com/office/drawing/2014/main" id="{094B2122-4BA2-4ACA-80B4-057B7BC73801}"/>
-              </a:ext>
-            </a:extLst>
-          </p:cNvPr>
-          <p:cNvSpPr/>
-          <p:nvPr/>
-        </p:nvSpPr>
-        <p:spPr>
-          <a:xfrm>
-            <a:off x="5608712" y="3218325"/>
-            <a:ext cx="6264696" cy="3886531"/>
-          </a:xfrm>
-          <a:prstGeom prst="rect">
-            <a:avLst/>
-          </a:prstGeom>
-        </p:spPr>
-        <p:style>
-          <a:lnRef idx="2">
-            <a:schemeClr val="accent1">
-              <a:shade val="50000"/>
-            </a:schemeClr>
-          </a:lnRef>
-          <a:fillRef idx="1">
-            <a:schemeClr val="accent1"/>
-          </a:fillRef>
-          <a:effectRef idx="0">
-            <a:schemeClr val="accent1"/>
-          </a:effectRef>
-          <a:fontRef idx="minor">
-            <a:schemeClr val="lt1"/>
-          </a:fontRef>
-        </p:style>
-        <p:txBody>
-          <a:bodyPr rtlCol="0" anchor="ctr"/>
-          <a:lstStyle/>
-          <a:p>
-            <a:pPr algn="ctr"/>
-            <a:r>
-              <a:rPr kumimoji="1" lang="ja-JP" altLang="en-US" dirty="0"/>
-              <a:t>部品候補リスト</a:t>
-            </a:r>
-          </a:p>
-        </p:txBody>
-      </p:sp>
-      <p:sp>
-        <p:nvSpPr>
-          <p:cNvPr id="19" name="正方形/長方形 18">
-            <a:extLst>
-              <a:ext uri="{FF2B5EF4-FFF2-40B4-BE49-F238E27FC236}">
-                <a16:creationId xmlns:a16="http://schemas.microsoft.com/office/drawing/2014/main" id="{25767FBD-AEB1-43FC-B95B-18A7A69C919D}"/>
-              </a:ext>
-            </a:extLst>
-          </p:cNvPr>
-          <p:cNvSpPr/>
-          <p:nvPr/>
-        </p:nvSpPr>
-        <p:spPr>
-          <a:xfrm>
-            <a:off x="5608712" y="7176864"/>
-            <a:ext cx="6264696" cy="1944216"/>
-          </a:xfrm>
-          <a:prstGeom prst="rect">
-            <a:avLst/>
-          </a:prstGeom>
-        </p:spPr>
-        <p:style>
-          <a:lnRef idx="2">
-            <a:schemeClr val="accent1">
-              <a:shade val="50000"/>
-            </a:schemeClr>
-          </a:lnRef>
-          <a:fillRef idx="1">
-            <a:schemeClr val="accent1"/>
-          </a:fillRef>
-          <a:effectRef idx="0">
-            <a:schemeClr val="accent1"/>
-          </a:effectRef>
-          <a:fontRef idx="minor">
-            <a:schemeClr val="lt1"/>
-          </a:fontRef>
-        </p:style>
-        <p:txBody>
-          <a:bodyPr rtlCol="0" anchor="ctr"/>
-          <a:lstStyle/>
-          <a:p>
-            <a:pPr algn="ctr"/>
-            <a:r>
-              <a:rPr kumimoji="1" lang="ja-JP" altLang="en-US" dirty="0"/>
-              <a:t>オブジェクト図</a:t>
             </a:r>
           </a:p>
         </p:txBody>
@@ -5449,7 +5244,7 @@
         </p:nvSpPr>
         <p:spPr>
           <a:xfrm>
-            <a:off x="297421" y="9117318"/>
+            <a:off x="219008" y="5799845"/>
             <a:ext cx="4862141" cy="338554"/>
           </a:xfrm>
           <a:prstGeom prst="rect">
@@ -5469,21 +5264,14 @@
                 <a:latin typeface="HG丸ｺﾞｼｯｸM-PRO" panose="020F0600000000000000" pitchFamily="50" charset="-128"/>
                 <a:ea typeface="HG丸ｺﾞｼｯｸM-PRO" panose="020F0600000000000000" pitchFamily="50" charset="-128"/>
               </a:rPr>
-              <a:t>図</a:t>
-            </a:r>
-            <a:r>
-              <a:rPr lang="en-US" altLang="ja-JP" dirty="0">
-                <a:latin typeface="HG丸ｺﾞｼｯｸM-PRO" panose="020F0600000000000000" pitchFamily="50" charset="-128"/>
-                <a:ea typeface="HG丸ｺﾞｼｯｸM-PRO" panose="020F0600000000000000" pitchFamily="50" charset="-128"/>
-              </a:rPr>
-              <a:t>2</a:t>
+              <a:t>表</a:t>
             </a:r>
             <a:r>
               <a:rPr kumimoji="1" lang="en-US" altLang="ja-JP" dirty="0">
                 <a:latin typeface="HG丸ｺﾞｼｯｸM-PRO" panose="020F0600000000000000" pitchFamily="50" charset="-128"/>
                 <a:ea typeface="HG丸ｺﾞｼｯｸM-PRO" panose="020F0600000000000000" pitchFamily="50" charset="-128"/>
               </a:rPr>
-              <a:t> </a:t>
+              <a:t>1 </a:t>
             </a:r>
             <a:r>
               <a:rPr kumimoji="1" lang="ja-JP" altLang="en-US" dirty="0">
@@ -5491,130 +5279,6 @@
                 <a:ea typeface="HG丸ｺﾞｼｯｸM-PRO" panose="020F0600000000000000" pitchFamily="50" charset="-128"/>
               </a:rPr>
               <a:t>ユースケース記述</a:t>
-            </a:r>
-          </a:p>
-        </p:txBody>
-      </p:sp>
-      <p:sp>
-        <p:nvSpPr>
-          <p:cNvPr id="22" name="テキスト ボックス 21">
-            <a:extLst>
-              <a:ext uri="{FF2B5EF4-FFF2-40B4-BE49-F238E27FC236}">
-                <a16:creationId xmlns:a16="http://schemas.microsoft.com/office/drawing/2014/main" id="{15BCD708-CC0C-4996-BB39-540863CEE0D7}"/>
-              </a:ext>
-            </a:extLst>
-          </p:cNvPr>
-          <p:cNvSpPr txBox="1"/>
-          <p:nvPr/>
-        </p:nvSpPr>
-        <p:spPr>
-          <a:xfrm>
-            <a:off x="6309989" y="9117318"/>
-            <a:ext cx="4862141" cy="338554"/>
-          </a:xfrm>
-          <a:prstGeom prst="rect">
-            <a:avLst/>
-          </a:prstGeom>
-          <a:noFill/>
-        </p:spPr>
-        <p:txBody>
-          <a:bodyPr wrap="square" rtlCol="0">
-            <a:spAutoFit/>
-          </a:bodyPr>
-          <a:lstStyle/>
-          <a:p>
-            <a:pPr algn="ctr"/>
-            <a:r>
-              <a:rPr kumimoji="1" lang="ja-JP" altLang="en-US" dirty="0">
-                <a:latin typeface="HG丸ｺﾞｼｯｸM-PRO" panose="020F0600000000000000" pitchFamily="50" charset="-128"/>
-                <a:ea typeface="HG丸ｺﾞｼｯｸM-PRO" panose="020F0600000000000000" pitchFamily="50" charset="-128"/>
-              </a:rPr>
-              <a:t>図</a:t>
-            </a:r>
-            <a:r>
-              <a:rPr lang="en-US" altLang="ja-JP" dirty="0">
-                <a:latin typeface="HG丸ｺﾞｼｯｸM-PRO" panose="020F0600000000000000" pitchFamily="50" charset="-128"/>
-                <a:ea typeface="HG丸ｺﾞｼｯｸM-PRO" panose="020F0600000000000000" pitchFamily="50" charset="-128"/>
-              </a:rPr>
-              <a:t>3</a:t>
-            </a:r>
-            <a:r>
-              <a:rPr kumimoji="1" lang="en-US" altLang="ja-JP" dirty="0">
-                <a:latin typeface="HG丸ｺﾞｼｯｸM-PRO" panose="020F0600000000000000" pitchFamily="50" charset="-128"/>
-                <a:ea typeface="HG丸ｺﾞｼｯｸM-PRO" panose="020F0600000000000000" pitchFamily="50" charset="-128"/>
-              </a:rPr>
-              <a:t> </a:t>
-            </a:r>
-            <a:r>
-              <a:rPr lang="ja-JP" altLang="en-US" dirty="0">
-                <a:latin typeface="HG丸ｺﾞｼｯｸM-PRO" panose="020F0600000000000000" pitchFamily="50" charset="-128"/>
-                <a:ea typeface="HG丸ｺﾞｼｯｸM-PRO" panose="020F0600000000000000" pitchFamily="50" charset="-128"/>
-              </a:rPr>
-              <a:t>オブジェクト図</a:t>
-            </a:r>
-            <a:endParaRPr kumimoji="1" lang="ja-JP" altLang="en-US" dirty="0">
-              <a:latin typeface="HG丸ｺﾞｼｯｸM-PRO" panose="020F0600000000000000" pitchFamily="50" charset="-128"/>
-              <a:ea typeface="HG丸ｺﾞｼｯｸM-PRO" panose="020F0600000000000000" pitchFamily="50" charset="-128"/>
-            </a:endParaRPr>
-          </a:p>
-        </p:txBody>
-      </p:sp>
-      <p:sp>
-        <p:nvSpPr>
-          <p:cNvPr id="23" name="テキスト ボックス 22">
-            <a:extLst>
-              <a:ext uri="{FF2B5EF4-FFF2-40B4-BE49-F238E27FC236}">
-                <a16:creationId xmlns:a16="http://schemas.microsoft.com/office/drawing/2014/main" id="{80ABBAC6-88B6-4E85-B241-659E218E2F59}"/>
-              </a:ext>
-            </a:extLst>
-          </p:cNvPr>
-          <p:cNvSpPr txBox="1"/>
-          <p:nvPr/>
-        </p:nvSpPr>
-        <p:spPr>
-          <a:xfrm>
-            <a:off x="6255443" y="2857546"/>
-            <a:ext cx="4862141" cy="338554"/>
-          </a:xfrm>
-          <a:prstGeom prst="rect">
-            <a:avLst/>
-          </a:prstGeom>
-          <a:noFill/>
-        </p:spPr>
-        <p:txBody>
-          <a:bodyPr wrap="square" rtlCol="0">
-            <a:spAutoFit/>
-          </a:bodyPr>
-          <a:lstStyle/>
-          <a:p>
-            <a:pPr algn="ctr"/>
-            <a:r>
-              <a:rPr lang="ja-JP" altLang="en-US" dirty="0">
-                <a:latin typeface="HG丸ｺﾞｼｯｸM-PRO" panose="020F0600000000000000" pitchFamily="50" charset="-128"/>
-                <a:ea typeface="HG丸ｺﾞｼｯｸM-PRO" panose="020F0600000000000000" pitchFamily="50" charset="-128"/>
-              </a:rPr>
-              <a:t>表</a:t>
-            </a:r>
-            <a:r>
-              <a:rPr lang="en-US" altLang="ja-JP" dirty="0">
-                <a:latin typeface="HG丸ｺﾞｼｯｸM-PRO" panose="020F0600000000000000" pitchFamily="50" charset="-128"/>
-                <a:ea typeface="HG丸ｺﾞｼｯｸM-PRO" panose="020F0600000000000000" pitchFamily="50" charset="-128"/>
-              </a:rPr>
-              <a:t>1</a:t>
-            </a:r>
-            <a:r>
-              <a:rPr kumimoji="1" lang="en-US" altLang="ja-JP" dirty="0">
-                <a:latin typeface="HG丸ｺﾞｼｯｸM-PRO" panose="020F0600000000000000" pitchFamily="50" charset="-128"/>
-                <a:ea typeface="HG丸ｺﾞｼｯｸM-PRO" panose="020F0600000000000000" pitchFamily="50" charset="-128"/>
-              </a:rPr>
-              <a:t> </a:t>
-            </a:r>
-            <a:r>
-              <a:rPr kumimoji="1" lang="ja-JP" altLang="en-US" dirty="0">
-                <a:latin typeface="HG丸ｺﾞｼｯｸM-PRO" panose="020F0600000000000000" pitchFamily="50" charset="-128"/>
-                <a:ea typeface="HG丸ｺﾞｼｯｸM-PRO" panose="020F0600000000000000" pitchFamily="50" charset="-128"/>
-              </a:rPr>
-              <a:t>部品候補リスト</a:t>
             </a:r>
           </a:p>
         </p:txBody>
@@ -5779,86 +5443,6 @@
           </a:fontRef>
         </p:style>
       </p:cxnSp>
-      <p:cxnSp>
-        <p:nvCxnSpPr>
-          <p:cNvPr id="30" name="直線コネクタ 29">
-            <a:extLst>
-              <a:ext uri="{FF2B5EF4-FFF2-40B4-BE49-F238E27FC236}">
-                <a16:creationId xmlns:a16="http://schemas.microsoft.com/office/drawing/2014/main" id="{6F0DF58E-7BF2-470C-8F5F-52A604310605}"/>
-              </a:ext>
-            </a:extLst>
-          </p:cNvPr>
-          <p:cNvCxnSpPr/>
-          <p:nvPr/>
-        </p:nvCxnSpPr>
-        <p:spPr>
-          <a:xfrm>
-            <a:off x="5573748" y="2278376"/>
-            <a:ext cx="4863600" cy="0"/>
-          </a:xfrm>
-          <a:prstGeom prst="line">
-            <a:avLst/>
-          </a:prstGeom>
-          <a:ln w="38100">
-            <a:solidFill>
-              <a:schemeClr val="accent6"/>
-            </a:solidFill>
-          </a:ln>
-        </p:spPr>
-        <p:style>
-          <a:lnRef idx="1">
-            <a:schemeClr val="accent1"/>
-          </a:lnRef>
-          <a:fillRef idx="0">
-            <a:schemeClr val="accent1"/>
-          </a:fillRef>
-          <a:effectRef idx="0">
-            <a:schemeClr val="accent1"/>
-          </a:effectRef>
-          <a:fontRef idx="minor">
-            <a:schemeClr val="tx1"/>
-          </a:fontRef>
-        </p:style>
-      </p:cxnSp>
-      <p:sp>
-        <p:nvSpPr>
-          <p:cNvPr id="31" name="テキスト ボックス 30">
-            <a:extLst>
-              <a:ext uri="{FF2B5EF4-FFF2-40B4-BE49-F238E27FC236}">
-                <a16:creationId xmlns:a16="http://schemas.microsoft.com/office/drawing/2014/main" id="{0D9BDA0E-9BBC-4C90-8633-6FABC6B3DDBC}"/>
-              </a:ext>
-            </a:extLst>
-          </p:cNvPr>
-          <p:cNvSpPr txBox="1"/>
-          <p:nvPr/>
-        </p:nvSpPr>
-        <p:spPr>
-          <a:xfrm>
-            <a:off x="5573748" y="1928710"/>
-            <a:ext cx="1512168" cy="338554"/>
-          </a:xfrm>
-          <a:prstGeom prst="rect">
-            <a:avLst/>
-          </a:prstGeom>
-          <a:noFill/>
-        </p:spPr>
-        <p:txBody>
-          <a:bodyPr wrap="square" rtlCol="0">
-            <a:spAutoFit/>
-          </a:bodyPr>
-          <a:lstStyle/>
-          <a:p>
-            <a:r>
-              <a:rPr lang="ja-JP" altLang="en-US" b="1" dirty="0">
-                <a:latin typeface="HG丸ｺﾞｼｯｸM-PRO" panose="020F0600000000000000" pitchFamily="50" charset="-128"/>
-                <a:ea typeface="HG丸ｺﾞｼｯｸM-PRO" panose="020F0600000000000000" pitchFamily="50" charset="-128"/>
-              </a:rPr>
-              <a:t>３．部品定義</a:t>
-            </a:r>
-            <a:endParaRPr kumimoji="1" lang="ja-JP" altLang="en-US" dirty="0"/>
-          </a:p>
-        </p:txBody>
-      </p:sp>
       <p:cxnSp>
         <p:nvCxnSpPr>
           <p:cNvPr id="33" name="直線コネクタ 32">
@@ -5954,7 +5538,7 @@
         </p:blipFill>
         <p:spPr>
           <a:xfrm>
-            <a:off x="277480" y="5613280"/>
+            <a:off x="240865" y="6127511"/>
             <a:ext cx="4948365" cy="2715707"/>
           </a:xfrm>
           <a:prstGeom prst="rect">
@@ -5962,6 +5546,112 @@
           </a:prstGeom>
         </p:spPr>
       </p:pic>
+      <p:sp>
+        <p:nvSpPr>
+          <p:cNvPr id="26" name="正方形/長方形 25">
+            <a:extLst>
+              <a:ext uri="{FF2B5EF4-FFF2-40B4-BE49-F238E27FC236}">
+                <a16:creationId xmlns:a16="http://schemas.microsoft.com/office/drawing/2014/main" id="{6CDEC34F-F9C8-4157-BB03-DEA8317C6FCC}"/>
+              </a:ext>
+            </a:extLst>
+          </p:cNvPr>
+          <p:cNvSpPr/>
+          <p:nvPr/>
+        </p:nvSpPr>
+        <p:spPr>
+          <a:xfrm>
+            <a:off x="5536704" y="1942592"/>
+            <a:ext cx="7024030" cy="6900626"/>
+          </a:xfrm>
+          <a:prstGeom prst="rect">
+            <a:avLst/>
+          </a:prstGeom>
+        </p:spPr>
+        <p:style>
+          <a:lnRef idx="2">
+            <a:schemeClr val="accent1">
+              <a:shade val="50000"/>
+            </a:schemeClr>
+          </a:lnRef>
+          <a:fillRef idx="1">
+            <a:schemeClr val="accent1"/>
+          </a:fillRef>
+          <a:effectRef idx="0">
+            <a:schemeClr val="accent1"/>
+          </a:effectRef>
+          <a:fontRef idx="minor">
+            <a:schemeClr val="lt1"/>
+          </a:fontRef>
+        </p:style>
+        <p:txBody>
+          <a:bodyPr rtlCol="0" anchor="ctr"/>
+          <a:lstStyle/>
+          <a:p>
+            <a:pPr algn="ctr"/>
+            <a:r>
+              <a:rPr kumimoji="1" lang="ja-JP" altLang="en-US" dirty="0"/>
+              <a:t>アクティビティ図</a:t>
+            </a:r>
+          </a:p>
+        </p:txBody>
+      </p:sp>
+      <p:sp>
+        <p:nvSpPr>
+          <p:cNvPr id="34" name="テキスト ボックス 33">
+            <a:extLst>
+              <a:ext uri="{FF2B5EF4-FFF2-40B4-BE49-F238E27FC236}">
+                <a16:creationId xmlns:a16="http://schemas.microsoft.com/office/drawing/2014/main" id="{FFC225C8-9D29-4C84-9EB7-F9E4E88B728A}"/>
+              </a:ext>
+            </a:extLst>
+          </p:cNvPr>
+          <p:cNvSpPr txBox="1"/>
+          <p:nvPr/>
+        </p:nvSpPr>
+        <p:spPr>
+          <a:xfrm>
+            <a:off x="6499110" y="8944669"/>
+            <a:ext cx="4862141" cy="338554"/>
+          </a:xfrm>
+          <a:prstGeom prst="rect">
+            <a:avLst/>
+          </a:prstGeom>
+          <a:noFill/>
+        </p:spPr>
+        <p:txBody>
+          <a:bodyPr wrap="square" rtlCol="0">
+            <a:spAutoFit/>
+          </a:bodyPr>
+          <a:lstStyle/>
+          <a:p>
+            <a:pPr algn="ctr"/>
+            <a:r>
+              <a:rPr lang="ja-JP" altLang="en-US" dirty="0">
+                <a:latin typeface="HG丸ｺﾞｼｯｸM-PRO" panose="020F0600000000000000" pitchFamily="50" charset="-128"/>
+                <a:ea typeface="HG丸ｺﾞｼｯｸM-PRO" panose="020F0600000000000000" pitchFamily="50" charset="-128"/>
+              </a:rPr>
+              <a:t>図</a:t>
+            </a:r>
+            <a:r>
+              <a:rPr lang="en-US" altLang="ja-JP" dirty="0">
+                <a:latin typeface="HG丸ｺﾞｼｯｸM-PRO" panose="020F0600000000000000" pitchFamily="50" charset="-128"/>
+                <a:ea typeface="HG丸ｺﾞｼｯｸM-PRO" panose="020F0600000000000000" pitchFamily="50" charset="-128"/>
+              </a:rPr>
+              <a:t>2 </a:t>
+            </a:r>
+            <a:r>
+              <a:rPr lang="ja-JP" altLang="en-US" dirty="0">
+                <a:latin typeface="HG丸ｺﾞｼｯｸM-PRO" panose="020F0600000000000000" pitchFamily="50" charset="-128"/>
+                <a:ea typeface="HG丸ｺﾞｼｯｸM-PRO" panose="020F0600000000000000" pitchFamily="50" charset="-128"/>
+              </a:rPr>
+              <a:t>アクティビティ図</a:t>
+            </a:r>
+            <a:endParaRPr kumimoji="1" lang="ja-JP" altLang="en-US" dirty="0">
+              <a:latin typeface="HG丸ｺﾞｼｯｸM-PRO" panose="020F0600000000000000" pitchFamily="50" charset="-128"/>
+              <a:ea typeface="HG丸ｺﾞｼｯｸM-PRO" panose="020F0600000000000000" pitchFamily="50" charset="-128"/>
+            </a:endParaRPr>
+          </a:p>
+        </p:txBody>
+      </p:sp>
     </p:spTree>
     <p:extLst>
       <p:ext uri="{BB962C8B-B14F-4D97-AF65-F5344CB8AC3E}">
@@ -6786,49 +6476,6 @@
           </a:p>
         </p:txBody>
       </p:sp>
-      <p:cxnSp>
-        <p:nvCxnSpPr>
-          <p:cNvPr id="18" name="直線コネクタ 17">
-            <a:extLst>
-              <a:ext uri="{FF2B5EF4-FFF2-40B4-BE49-F238E27FC236}">
-                <a16:creationId xmlns:a16="http://schemas.microsoft.com/office/drawing/2014/main" id="{3B06A1CD-1B86-48E1-82FF-723A318A519A}"/>
-              </a:ext>
-            </a:extLst>
-          </p:cNvPr>
-          <p:cNvCxnSpPr>
-            <a:cxnSpLocks/>
-          </p:cNvCxnSpPr>
-          <p:nvPr/>
-        </p:nvCxnSpPr>
-        <p:spPr>
-          <a:xfrm>
-            <a:off x="320252" y="2360590"/>
-            <a:ext cx="12161097" cy="0"/>
-          </a:xfrm>
-          <a:prstGeom prst="line">
-            <a:avLst/>
-          </a:prstGeom>
-          <a:ln w="38100">
-            <a:solidFill>
-              <a:schemeClr val="accent6"/>
-            </a:solidFill>
-          </a:ln>
-        </p:spPr>
-        <p:style>
-          <a:lnRef idx="1">
-            <a:schemeClr val="accent1"/>
-          </a:lnRef>
-          <a:fillRef idx="0">
-            <a:schemeClr val="accent1"/>
-          </a:fillRef>
-          <a:effectRef idx="0">
-            <a:schemeClr val="accent1"/>
-          </a:effectRef>
-          <a:fontRef idx="minor">
-            <a:schemeClr val="tx1"/>
-          </a:fontRef>
-        </p:style>
-      </p:cxnSp>
       <p:sp>
         <p:nvSpPr>
           <p:cNvPr id="19" name="テキスト ボックス 18">
@@ -6843,8 +6490,8 @@
         </p:nvSpPr>
         <p:spPr>
           <a:xfrm>
-            <a:off x="214497" y="2372150"/>
-            <a:ext cx="4928421" cy="830997"/>
+            <a:off x="250596" y="2379583"/>
+            <a:ext cx="3938584" cy="830997"/>
           </a:xfrm>
           <a:prstGeom prst="rect">
             <a:avLst/>
@@ -6862,21 +6509,42 @@
                 <a:latin typeface="HG丸ｺﾞｼｯｸM-PRO" panose="020F0600000000000000" pitchFamily="50" charset="-128"/>
                 <a:ea typeface="HG丸ｺﾞｼｯｸM-PRO" panose="020F0600000000000000" pitchFamily="50" charset="-128"/>
               </a:rPr>
-              <a:t>機能を構造によって階層化したものを図</a:t>
+              <a:t>機能を構造によって階層化したものを</a:t>
+            </a:r>
+            <a:r>
+              <a:rPr lang="ja-JP" altLang="en-US" dirty="0">
+                <a:latin typeface="HG丸ｺﾞｼｯｸM-PRO" panose="020F0600000000000000" pitchFamily="50" charset="-128"/>
+                <a:ea typeface="HG丸ｺﾞｼｯｸM-PRO" panose="020F0600000000000000" pitchFamily="50" charset="-128"/>
+              </a:rPr>
+              <a:t>、</a:t>
+            </a:r>
+            <a:r>
+              <a:rPr kumimoji="1" lang="ja-JP" altLang="en-US" dirty="0">
+                <a:latin typeface="HG丸ｺﾞｼｯｸM-PRO" panose="020F0600000000000000" pitchFamily="50" charset="-128"/>
+                <a:ea typeface="HG丸ｺﾞｼｯｸM-PRO" panose="020F0600000000000000" pitchFamily="50" charset="-128"/>
+              </a:rPr>
+              <a:t>図</a:t>
+            </a:r>
+            <a:r>
+              <a:rPr lang="en-US" altLang="ja-JP" dirty="0">
+                <a:latin typeface="HG丸ｺﾞｼｯｸM-PRO" panose="020F0600000000000000" pitchFamily="50" charset="-128"/>
+                <a:ea typeface="HG丸ｺﾞｼｯｸM-PRO" panose="020F0600000000000000" pitchFamily="50" charset="-128"/>
+              </a:rPr>
+              <a:t>3</a:t>
             </a:r>
             <a:r>
               <a:rPr kumimoji="1" lang="en-US" altLang="ja-JP" dirty="0">
                 <a:latin typeface="HG丸ｺﾞｼｯｸM-PRO" panose="020F0600000000000000" pitchFamily="50" charset="-128"/>
                 <a:ea typeface="HG丸ｺﾞｼｯｸM-PRO" panose="020F0600000000000000" pitchFamily="50" charset="-128"/>
               </a:rPr>
-              <a:t>4 </a:t>
+              <a:t> </a:t>
             </a:r>
             <a:r>
               <a:rPr kumimoji="1" lang="ja-JP" altLang="en-US" dirty="0">
                 <a:latin typeface="HG丸ｺﾞｼｯｸM-PRO" panose="020F0600000000000000" pitchFamily="50" charset="-128"/>
                 <a:ea typeface="HG丸ｺﾞｼｯｸM-PRO" panose="020F0600000000000000" pitchFamily="50" charset="-128"/>
               </a:rPr>
-              <a:t>パッケージ構造、各階層を説明したものを表</a:t>
+              <a:t>パッケージ構造各階層を説明したものを表</a:t>
             </a:r>
             <a:r>
               <a:rPr kumimoji="1" lang="en-US" altLang="ja-JP" dirty="0">
@@ -6909,8 +6577,8 @@
         </p:nvSpPr>
         <p:spPr>
           <a:xfrm>
-            <a:off x="298849" y="3212969"/>
-            <a:ext cx="4759716" cy="1695336"/>
+            <a:off x="321623" y="3260138"/>
+            <a:ext cx="3649477" cy="2395201"/>
           </a:xfrm>
           <a:prstGeom prst="rect">
             <a:avLst/>
@@ -6958,8 +6626,8 @@
         </p:nvSpPr>
         <p:spPr>
           <a:xfrm>
-            <a:off x="247636" y="4908305"/>
-            <a:ext cx="4862141" cy="338554"/>
+            <a:off x="746165" y="5638126"/>
+            <a:ext cx="2800392" cy="338554"/>
           </a:xfrm>
           <a:prstGeom prst="rect">
             <a:avLst/>
@@ -6981,11 +6649,18 @@
               <a:t>図</a:t>
             </a:r>
             <a:r>
+              <a:rPr lang="en-US" altLang="ja-JP" dirty="0">
+                <a:latin typeface="HG丸ｺﾞｼｯｸM-PRO" panose="020F0600000000000000" pitchFamily="50" charset="-128"/>
+                <a:ea typeface="HG丸ｺﾞｼｯｸM-PRO" panose="020F0600000000000000" pitchFamily="50" charset="-128"/>
+              </a:rPr>
+              <a:t>3</a:t>
+            </a:r>
+            <a:r>
               <a:rPr kumimoji="1" lang="en-US" altLang="ja-JP" dirty="0">
                 <a:latin typeface="HG丸ｺﾞｼｯｸM-PRO" panose="020F0600000000000000" pitchFamily="50" charset="-128"/>
                 <a:ea typeface="HG丸ｺﾞｼｯｸM-PRO" panose="020F0600000000000000" pitchFamily="50" charset="-128"/>
               </a:rPr>
-              <a:t>4 </a:t>
+              <a:t> </a:t>
             </a:r>
             <a:r>
               <a:rPr lang="ja-JP" altLang="en-US" dirty="0">
@@ -7016,14 +6691,14 @@
           <p:nvPr>
             <p:extLst>
               <p:ext uri="{D42A27DB-BD31-4B8C-83A1-F6EECF244321}">
-                <p14:modId xmlns:p14="http://schemas.microsoft.com/office/powerpoint/2010/main" val="1529687588"/>
+                <p14:modId xmlns:p14="http://schemas.microsoft.com/office/powerpoint/2010/main" val="3960108853"/>
               </p:ext>
             </p:extLst>
           </p:nvPr>
         </p:nvGraphicFramePr>
         <p:xfrm>
-          <a:off x="5718708" y="2707461"/>
-          <a:ext cx="6800629" cy="2560320"/>
+          <a:off x="320252" y="6600579"/>
+          <a:ext cx="3649477" cy="2468880"/>
         </p:xfrm>
         <a:graphic>
           <a:graphicData uri="http://schemas.openxmlformats.org/drawingml/2006/table">
@@ -7032,14 +6707,14 @@
                 <a:tableStyleId>{5C22544A-7EE6-4342-B048-85BDC9FD1C3A}</a:tableStyleId>
               </a:tblPr>
               <a:tblGrid>
-                <a:gridCol w="1800200">
+                <a:gridCol w="1578999">
                   <a:extLst>
                     <a:ext uri="{9D8B030D-6E8A-4147-A177-3AD203B41FA5}">
                       <a16:colId xmlns:a16="http://schemas.microsoft.com/office/drawing/2014/main" val="188478114"/>
                     </a:ext>
                   </a:extLst>
                 </a:gridCol>
-                <a:gridCol w="5000429">
+                <a:gridCol w="2070478">
                   <a:extLst>
                     <a:ext uri="{9D8B030D-6E8A-4147-A177-3AD203B41FA5}">
                       <a16:colId xmlns:a16="http://schemas.microsoft.com/office/drawing/2014/main" val="543803565"/>
@@ -7047,16 +6722,40 @@
                   </a:extLst>
                 </a:gridCol>
               </a:tblGrid>
-              <a:tr h="340710">
+              <a:tr h="356578">
                 <a:tc>
                   <a:txBody>
                     <a:bodyPr/>
                     <a:lstStyle/>
                     <a:p>
-                      <a:r>
-                        <a:rPr kumimoji="1" lang="ja-JP" altLang="en-US" dirty="0"/>
-                        <a:t>パッケージ名</a:t>
-                      </a:r>
+                      <a:endParaRPr kumimoji="1" lang="ja-JP" altLang="en-US" dirty="0"/>
+                    </a:p>
+                  </a:txBody>
+                  <a:tcPr/>
+                </a:tc>
+                <a:tc>
+                  <a:txBody>
+                    <a:bodyPr/>
+                    <a:lstStyle/>
+                    <a:p>
+                      <a:endParaRPr kumimoji="1" lang="ja-JP" altLang="en-US" dirty="0"/>
+                    </a:p>
+                  </a:txBody>
+                  <a:tcPr/>
+                </a:tc>
+                <a:extLst>
+                  <a:ext uri="{0D108BD9-81ED-4DB2-BD59-A6C34878D82A}">
+                    <a16:rowId xmlns:a16="http://schemas.microsoft.com/office/drawing/2014/main" val="1408500701"/>
+                  </a:ext>
+                </a:extLst>
+              </a:tr>
+              <a:tr h="356578">
+                <a:tc>
+                  <a:txBody>
+                    <a:bodyPr/>
+                    <a:lstStyle/>
+                    <a:p>
+                      <a:endParaRPr kumimoji="1" lang="ja-JP" altLang="en-US" dirty="0"/>
                     </a:p>
                   </a:txBody>
                   <a:tcPr/>
@@ -7068,77 +6767,7 @@
                     <a:p>
                       <a:r>
                         <a:rPr kumimoji="1" lang="ja-JP" altLang="en-US" dirty="0"/>
-                        <a:t>役割</a:t>
-                      </a:r>
-                    </a:p>
-                  </a:txBody>
-                  <a:tcPr/>
-                </a:tc>
-                <a:extLst>
-                  <a:ext uri="{0D108BD9-81ED-4DB2-BD59-A6C34878D82A}">
-                    <a16:rowId xmlns:a16="http://schemas.microsoft.com/office/drawing/2014/main" val="2118266379"/>
-                  </a:ext>
-                </a:extLst>
-              </a:tr>
-              <a:tr h="340710">
-                <a:tc>
-                  <a:txBody>
-                    <a:bodyPr/>
-                    <a:lstStyle/>
-                    <a:p>
-                      <a:r>
-                        <a:rPr kumimoji="1" lang="en-US" altLang="ja-JP" dirty="0"/>
-                        <a:t>Excel</a:t>
-                      </a:r>
-                      <a:r>
-                        <a:rPr kumimoji="1" lang="ja-JP" altLang="en-US" dirty="0"/>
-                        <a:t>とかで</a:t>
-                      </a:r>
-                    </a:p>
-                  </a:txBody>
-                  <a:tcPr/>
-                </a:tc>
-                <a:tc>
-                  <a:txBody>
-                    <a:bodyPr/>
-                    <a:lstStyle/>
-                    <a:p>
-                      <a:r>
-                        <a:rPr kumimoji="1" lang="ja-JP" altLang="en-US" dirty="0"/>
-                        <a:t>つくって貼り付けようかな？</a:t>
-                      </a:r>
-                    </a:p>
-                  </a:txBody>
-                  <a:tcPr/>
-                </a:tc>
-                <a:extLst>
-                  <a:ext uri="{0D108BD9-81ED-4DB2-BD59-A6C34878D82A}">
-                    <a16:rowId xmlns:a16="http://schemas.microsoft.com/office/drawing/2014/main" val="1408500701"/>
-                  </a:ext>
-                </a:extLst>
-              </a:tr>
-              <a:tr h="340710">
-                <a:tc>
-                  <a:txBody>
-                    <a:bodyPr/>
-                    <a:lstStyle/>
-                    <a:p>
-                      <a:r>
-                        <a:rPr kumimoji="1" lang="ja-JP" altLang="en-US" dirty="0"/>
-                        <a:t>色の調整はこっ</a:t>
-                      </a:r>
-                    </a:p>
-                  </a:txBody>
-                  <a:tcPr/>
-                </a:tc>
-                <a:tc>
-                  <a:txBody>
-                    <a:bodyPr/>
-                    <a:lstStyle/>
-                    <a:p>
-                      <a:r>
-                        <a:rPr kumimoji="1" lang="ja-JP" altLang="en-US" dirty="0"/>
-                        <a:t>ちの方がしやすいかな？</a:t>
+                        <a:t>長くなりそうな説明は二行</a:t>
                       </a:r>
                     </a:p>
                   </a:txBody>
@@ -7150,7 +6779,7 @@
                   </a:ext>
                 </a:extLst>
               </a:tr>
-              <a:tr h="340710">
+              <a:tr h="356578">
                 <a:tc>
                   <a:txBody>
                     <a:bodyPr/>
@@ -7177,7 +6806,7 @@
                   </a:ext>
                 </a:extLst>
               </a:tr>
-              <a:tr h="340710">
+              <a:tr h="356578">
                 <a:tc>
                   <a:txBody>
                     <a:bodyPr/>
@@ -7193,7 +6822,7 @@
                     <a:bodyPr/>
                     <a:lstStyle/>
                     <a:p>
-                      <a:endParaRPr kumimoji="1" lang="ja-JP" altLang="en-US"/>
+                      <a:endParaRPr kumimoji="1" lang="ja-JP" altLang="en-US" dirty="0"/>
                     </a:p>
                   </a:txBody>
                   <a:tcPr/>
@@ -7204,7 +6833,7 @@
                   </a:ext>
                 </a:extLst>
               </a:tr>
-              <a:tr h="340710">
+              <a:tr h="356578">
                 <a:tc>
                   <a:txBody>
                     <a:bodyPr/>
@@ -7231,7 +6860,7 @@
                   </a:ext>
                 </a:extLst>
               </a:tr>
-              <a:tr h="340710">
+              <a:tr h="356578">
                 <a:tc>
                   <a:txBody>
                     <a:bodyPr/>
@@ -7276,8 +6905,8 @@
         </p:nvSpPr>
         <p:spPr>
           <a:xfrm>
-            <a:off x="6490788" y="2344887"/>
-            <a:ext cx="4862141" cy="338554"/>
+            <a:off x="679187" y="6202717"/>
+            <a:ext cx="2934348" cy="338554"/>
           </a:xfrm>
           <a:prstGeom prst="rect">
             <a:avLst/>
@@ -7333,7 +6962,7 @@
         </p:nvSpPr>
         <p:spPr>
           <a:xfrm>
-            <a:off x="199975" y="5266529"/>
+            <a:off x="4150470" y="2022036"/>
             <a:ext cx="2234302" cy="338554"/>
           </a:xfrm>
           <a:prstGeom prst="rect">
@@ -7374,8 +7003,8 @@
         </p:nvCxnSpPr>
         <p:spPr>
           <a:xfrm>
-            <a:off x="298849" y="5595198"/>
-            <a:ext cx="12161097" cy="0"/>
+            <a:off x="4189180" y="2360590"/>
+            <a:ext cx="8332300" cy="0"/>
           </a:xfrm>
           <a:prstGeom prst="line">
             <a:avLst/>
@@ -7415,7 +7044,7 @@
         </p:nvSpPr>
         <p:spPr>
           <a:xfrm>
-            <a:off x="199975" y="5595198"/>
+            <a:off x="4131314" y="2379751"/>
             <a:ext cx="9729217" cy="338554"/>
           </a:xfrm>
           <a:prstGeom prst="rect">
@@ -7434,14 +7063,14 @@
                 <a:latin typeface="HG丸ｺﾞｼｯｸM-PRO" panose="020F0600000000000000" pitchFamily="50" charset="-128"/>
                 <a:ea typeface="HG丸ｺﾞｼｯｸM-PRO" panose="020F0600000000000000" pitchFamily="50" charset="-128"/>
               </a:rPr>
-              <a:t>オブジェクト図、部品候補リストなどを元に定めたクラスの詳細を図</a:t>
+              <a:t>安定した倒立走行を行いコースを完走するためのクラスの構造を図</a:t>
             </a:r>
             <a:r>
               <a:rPr kumimoji="1" lang="en-US" altLang="ja-JP" dirty="0">
                 <a:latin typeface="HG丸ｺﾞｼｯｸM-PRO" panose="020F0600000000000000" pitchFamily="50" charset="-128"/>
                 <a:ea typeface="HG丸ｺﾞｼｯｸM-PRO" panose="020F0600000000000000" pitchFamily="50" charset="-128"/>
               </a:rPr>
-              <a:t>5 </a:t>
+              <a:t>4 </a:t>
             </a:r>
             <a:r>
               <a:rPr kumimoji="1" lang="ja-JP" altLang="en-US" dirty="0">
@@ -7467,8 +7096,8 @@
         </p:nvSpPr>
         <p:spPr>
           <a:xfrm>
-            <a:off x="341654" y="5895931"/>
-            <a:ext cx="12139695" cy="3297136"/>
+            <a:off x="4189181" y="2746212"/>
+            <a:ext cx="8332300" cy="6124707"/>
           </a:xfrm>
           <a:prstGeom prst="rect">
             <a:avLst/>
@@ -7516,7 +7145,7 @@
         </p:nvSpPr>
         <p:spPr>
           <a:xfrm>
-            <a:off x="3969729" y="9146242"/>
+            <a:off x="5924259" y="8905302"/>
             <a:ext cx="4862141" cy="338554"/>
           </a:xfrm>
           <a:prstGeom prst="rect">
@@ -7562,6 +7191,92 @@
           </a:p>
         </p:txBody>
       </p:sp>
+      <p:cxnSp>
+        <p:nvCxnSpPr>
+          <p:cNvPr id="30" name="直線コネクタ 29">
+            <a:extLst>
+              <a:ext uri="{FF2B5EF4-FFF2-40B4-BE49-F238E27FC236}">
+                <a16:creationId xmlns:a16="http://schemas.microsoft.com/office/drawing/2014/main" id="{42A1F393-1E5C-47EB-8F93-48B484E995FB}"/>
+              </a:ext>
+            </a:extLst>
+          </p:cNvPr>
+          <p:cNvCxnSpPr>
+            <a:cxnSpLocks/>
+          </p:cNvCxnSpPr>
+          <p:nvPr/>
+        </p:nvCxnSpPr>
+        <p:spPr>
+          <a:xfrm>
+            <a:off x="322995" y="2360590"/>
+            <a:ext cx="3646734" cy="0"/>
+          </a:xfrm>
+          <a:prstGeom prst="line">
+            <a:avLst/>
+          </a:prstGeom>
+          <a:ln w="38100">
+            <a:solidFill>
+              <a:schemeClr val="accent6"/>
+            </a:solidFill>
+          </a:ln>
+        </p:spPr>
+        <p:style>
+          <a:lnRef idx="1">
+            <a:schemeClr val="accent1"/>
+          </a:lnRef>
+          <a:fillRef idx="0">
+            <a:schemeClr val="accent1"/>
+          </a:fillRef>
+          <a:effectRef idx="0">
+            <a:schemeClr val="accent1"/>
+          </a:effectRef>
+          <a:fontRef idx="minor">
+            <a:schemeClr val="tx1"/>
+          </a:fontRef>
+        </p:style>
+      </p:cxnSp>
+      <p:cxnSp>
+        <p:nvCxnSpPr>
+          <p:cNvPr id="32" name="直線コネクタ 31">
+            <a:extLst>
+              <a:ext uri="{FF2B5EF4-FFF2-40B4-BE49-F238E27FC236}">
+                <a16:creationId xmlns:a16="http://schemas.microsoft.com/office/drawing/2014/main" id="{DEB78B98-FFB2-4055-B20D-F38B57463984}"/>
+              </a:ext>
+            </a:extLst>
+          </p:cNvPr>
+          <p:cNvCxnSpPr>
+            <a:cxnSpLocks/>
+          </p:cNvCxnSpPr>
+          <p:nvPr/>
+        </p:nvCxnSpPr>
+        <p:spPr>
+          <a:xfrm>
+            <a:off x="4096544" y="2022036"/>
+            <a:ext cx="0" cy="7361851"/>
+          </a:xfrm>
+          <a:prstGeom prst="line">
+            <a:avLst/>
+          </a:prstGeom>
+          <a:ln w="12700">
+            <a:solidFill>
+              <a:schemeClr val="accent6"/>
+            </a:solidFill>
+          </a:ln>
+        </p:spPr>
+        <p:style>
+          <a:lnRef idx="1">
+            <a:schemeClr val="accent1"/>
+          </a:lnRef>
+          <a:fillRef idx="0">
+            <a:schemeClr val="accent1"/>
+          </a:fillRef>
+          <a:effectRef idx="0">
+            <a:schemeClr val="accent1"/>
+          </a:effectRef>
+          <a:fontRef idx="minor">
+            <a:schemeClr val="tx1"/>
+          </a:fontRef>
+        </p:style>
+      </p:cxnSp>
     </p:spTree>
     <p:extLst>
       <p:ext uri="{BB962C8B-B14F-4D97-AF65-F5344CB8AC3E}">

--- a/model_file_template_primary.pptx
+++ b/model_file_template_primary.pptx
@@ -6691,7 +6691,7 @@
           <p:nvPr>
             <p:extLst>
               <p:ext uri="{D42A27DB-BD31-4B8C-83A1-F6EECF244321}">
-                <p14:modId xmlns:p14="http://schemas.microsoft.com/office/powerpoint/2010/main" val="3960108853"/>
+                <p14:modId xmlns:p14="http://schemas.microsoft.com/office/powerpoint/2010/main" val="2065564886"/>
               </p:ext>
             </p:extLst>
           </p:nvPr>
@@ -6707,14 +6707,14 @@
                 <a:tableStyleId>{5C22544A-7EE6-4342-B048-85BDC9FD1C3A}</a:tableStyleId>
               </a:tblPr>
               <a:tblGrid>
-                <a:gridCol w="1578999">
+                <a:gridCol w="1256012">
                   <a:extLst>
                     <a:ext uri="{9D8B030D-6E8A-4147-A177-3AD203B41FA5}">
                       <a16:colId xmlns:a16="http://schemas.microsoft.com/office/drawing/2014/main" val="188478114"/>
                     </a:ext>
                   </a:extLst>
                 </a:gridCol>
-                <a:gridCol w="2070478">
+                <a:gridCol w="2393465">
                   <a:extLst>
                     <a:ext uri="{9D8B030D-6E8A-4147-A177-3AD203B41FA5}">
                       <a16:colId xmlns:a16="http://schemas.microsoft.com/office/drawing/2014/main" val="543803565"/>
@@ -7168,18 +7168,11 @@
               <a:t>図</a:t>
             </a:r>
             <a:r>
-              <a:rPr lang="en-US" altLang="ja-JP" dirty="0">
-                <a:latin typeface="HG丸ｺﾞｼｯｸM-PRO" panose="020F0600000000000000" pitchFamily="50" charset="-128"/>
-                <a:ea typeface="HG丸ｺﾞｼｯｸM-PRO" panose="020F0600000000000000" pitchFamily="50" charset="-128"/>
-              </a:rPr>
-              <a:t>5</a:t>
-            </a:r>
-            <a:r>
               <a:rPr kumimoji="1" lang="en-US" altLang="ja-JP" dirty="0">
                 <a:latin typeface="HG丸ｺﾞｼｯｸM-PRO" panose="020F0600000000000000" pitchFamily="50" charset="-128"/>
                 <a:ea typeface="HG丸ｺﾞｼｯｸM-PRO" panose="020F0600000000000000" pitchFamily="50" charset="-128"/>
               </a:rPr>
-              <a:t> </a:t>
+              <a:t>4 </a:t>
             </a:r>
             <a:r>
               <a:rPr kumimoji="1" lang="ja-JP" altLang="en-US" dirty="0">
@@ -7526,7 +7519,7 @@
         </p:nvSpPr>
         <p:spPr>
           <a:xfrm>
-            <a:off x="116230" y="1203617"/>
+            <a:off x="94668" y="1182144"/>
             <a:ext cx="12600000" cy="8352000"/>
           </a:xfrm>
           <a:prstGeom prst="rect">
@@ -8049,6 +8042,592 @@
               </a:rPr>
               <a:t>振る舞いモデル</a:t>
             </a:r>
+          </a:p>
+        </p:txBody>
+      </p:sp>
+      <p:sp>
+        <p:nvSpPr>
+          <p:cNvPr id="17" name="テキスト ボックス 16">
+            <a:extLst>
+              <a:ext uri="{FF2B5EF4-FFF2-40B4-BE49-F238E27FC236}">
+                <a16:creationId xmlns:a16="http://schemas.microsoft.com/office/drawing/2014/main" id="{E555DF15-33D2-421A-9758-8A8F51862B61}"/>
+              </a:ext>
+            </a:extLst>
+          </p:cNvPr>
+          <p:cNvSpPr txBox="1"/>
+          <p:nvPr/>
+        </p:nvSpPr>
+        <p:spPr>
+          <a:xfrm>
+            <a:off x="115533" y="1994509"/>
+            <a:ext cx="1804402" cy="338554"/>
+          </a:xfrm>
+          <a:prstGeom prst="rect">
+            <a:avLst/>
+          </a:prstGeom>
+          <a:noFill/>
+        </p:spPr>
+        <p:txBody>
+          <a:bodyPr wrap="square" rtlCol="0">
+            <a:spAutoFit/>
+          </a:bodyPr>
+          <a:lstStyle/>
+          <a:p>
+            <a:r>
+              <a:rPr lang="ja-JP" altLang="en-US" b="1" dirty="0">
+                <a:latin typeface="HG丸ｺﾞｼｯｸM-PRO" panose="020F0600000000000000" pitchFamily="50" charset="-128"/>
+                <a:ea typeface="HG丸ｺﾞｼｯｸM-PRO" panose="020F0600000000000000" pitchFamily="50" charset="-128"/>
+              </a:rPr>
+              <a:t>１．状態の遷移</a:t>
+            </a:r>
+            <a:endParaRPr kumimoji="1" lang="ja-JP" altLang="en-US" dirty="0"/>
+          </a:p>
+        </p:txBody>
+      </p:sp>
+      <p:sp>
+        <p:nvSpPr>
+          <p:cNvPr id="19" name="テキスト ボックス 18">
+            <a:extLst>
+              <a:ext uri="{FF2B5EF4-FFF2-40B4-BE49-F238E27FC236}">
+                <a16:creationId xmlns:a16="http://schemas.microsoft.com/office/drawing/2014/main" id="{2960DEAA-1DF6-4EAE-B096-64E27D6C82AD}"/>
+              </a:ext>
+            </a:extLst>
+          </p:cNvPr>
+          <p:cNvSpPr txBox="1"/>
+          <p:nvPr/>
+        </p:nvSpPr>
+        <p:spPr>
+          <a:xfrm>
+            <a:off x="127719" y="2426777"/>
+            <a:ext cx="5408985" cy="584775"/>
+          </a:xfrm>
+          <a:prstGeom prst="rect">
+            <a:avLst/>
+          </a:prstGeom>
+          <a:noFill/>
+        </p:spPr>
+        <p:txBody>
+          <a:bodyPr wrap="square" rtlCol="0">
+            <a:spAutoFit/>
+          </a:bodyPr>
+          <a:lstStyle/>
+          <a:p>
+            <a:r>
+              <a:rPr kumimoji="1" lang="ja-JP" altLang="en-US" dirty="0">
+                <a:latin typeface="HG丸ｺﾞｼｯｸM-PRO" panose="020F0600000000000000" pitchFamily="50" charset="-128"/>
+                <a:ea typeface="HG丸ｺﾞｼｯｸM-PRO" panose="020F0600000000000000" pitchFamily="50" charset="-128"/>
+              </a:rPr>
+              <a:t>アクティビティ図と基に、走行事前処理と走行中の処理の変化を図</a:t>
+            </a:r>
+            <a:r>
+              <a:rPr kumimoji="1" lang="en-US" altLang="ja-JP" dirty="0">
+                <a:latin typeface="HG丸ｺﾞｼｯｸM-PRO" panose="020F0600000000000000" pitchFamily="50" charset="-128"/>
+                <a:ea typeface="HG丸ｺﾞｼｯｸM-PRO" panose="020F0600000000000000" pitchFamily="50" charset="-128"/>
+              </a:rPr>
+              <a:t>5 </a:t>
+            </a:r>
+            <a:r>
+              <a:rPr kumimoji="1" lang="ja-JP" altLang="en-US" dirty="0">
+                <a:latin typeface="HG丸ｺﾞｼｯｸM-PRO" panose="020F0600000000000000" pitchFamily="50" charset="-128"/>
+                <a:ea typeface="HG丸ｺﾞｼｯｸM-PRO" panose="020F0600000000000000" pitchFamily="50" charset="-128"/>
+              </a:rPr>
+              <a:t>ステートマシン図に示す</a:t>
+            </a:r>
+          </a:p>
+        </p:txBody>
+      </p:sp>
+      <p:cxnSp>
+        <p:nvCxnSpPr>
+          <p:cNvPr id="20" name="直線コネクタ 19">
+            <a:extLst>
+              <a:ext uri="{FF2B5EF4-FFF2-40B4-BE49-F238E27FC236}">
+                <a16:creationId xmlns:a16="http://schemas.microsoft.com/office/drawing/2014/main" id="{CA71F2BF-DAB3-4AED-A285-A1F69B5C8357}"/>
+              </a:ext>
+            </a:extLst>
+          </p:cNvPr>
+          <p:cNvCxnSpPr>
+            <a:cxnSpLocks/>
+          </p:cNvCxnSpPr>
+          <p:nvPr/>
+        </p:nvCxnSpPr>
+        <p:spPr>
+          <a:xfrm flipV="1">
+            <a:off x="131902" y="2321285"/>
+            <a:ext cx="5105410" cy="35039"/>
+          </a:xfrm>
+          <a:prstGeom prst="line">
+            <a:avLst/>
+          </a:prstGeom>
+          <a:ln w="38100">
+            <a:solidFill>
+              <a:schemeClr val="accent6"/>
+            </a:solidFill>
+          </a:ln>
+        </p:spPr>
+        <p:style>
+          <a:lnRef idx="1">
+            <a:schemeClr val="accent1"/>
+          </a:lnRef>
+          <a:fillRef idx="0">
+            <a:schemeClr val="accent1"/>
+          </a:fillRef>
+          <a:effectRef idx="0">
+            <a:schemeClr val="accent1"/>
+          </a:effectRef>
+          <a:fontRef idx="minor">
+            <a:schemeClr val="tx1"/>
+          </a:fontRef>
+        </p:style>
+      </p:cxnSp>
+      <p:sp>
+        <p:nvSpPr>
+          <p:cNvPr id="8" name="正方形/長方形 7">
+            <a:extLst>
+              <a:ext uri="{FF2B5EF4-FFF2-40B4-BE49-F238E27FC236}">
+                <a16:creationId xmlns:a16="http://schemas.microsoft.com/office/drawing/2014/main" id="{F455A3D9-86EC-48F2-9DFE-E329A68534D4}"/>
+              </a:ext>
+            </a:extLst>
+          </p:cNvPr>
+          <p:cNvSpPr/>
+          <p:nvPr/>
+        </p:nvSpPr>
+        <p:spPr>
+          <a:xfrm>
+            <a:off x="152851" y="3043367"/>
+            <a:ext cx="5084461" cy="5936764"/>
+          </a:xfrm>
+          <a:prstGeom prst="rect">
+            <a:avLst/>
+          </a:prstGeom>
+        </p:spPr>
+        <p:style>
+          <a:lnRef idx="2">
+            <a:schemeClr val="accent1">
+              <a:shade val="50000"/>
+            </a:schemeClr>
+          </a:lnRef>
+          <a:fillRef idx="1">
+            <a:schemeClr val="accent1"/>
+          </a:fillRef>
+          <a:effectRef idx="0">
+            <a:schemeClr val="accent1"/>
+          </a:effectRef>
+          <a:fontRef idx="minor">
+            <a:schemeClr val="lt1"/>
+          </a:fontRef>
+        </p:style>
+        <p:txBody>
+          <a:bodyPr rtlCol="0" anchor="ctr"/>
+          <a:lstStyle/>
+          <a:p>
+            <a:pPr algn="ctr"/>
+            <a:r>
+              <a:rPr kumimoji="1" lang="ja-JP" altLang="en-US" dirty="0"/>
+              <a:t>ステートマシン図</a:t>
+            </a:r>
+          </a:p>
+        </p:txBody>
+      </p:sp>
+      <p:sp>
+        <p:nvSpPr>
+          <p:cNvPr id="21" name="テキスト ボックス 20">
+            <a:extLst>
+              <a:ext uri="{FF2B5EF4-FFF2-40B4-BE49-F238E27FC236}">
+                <a16:creationId xmlns:a16="http://schemas.microsoft.com/office/drawing/2014/main" id="{A837F2FA-F11D-4DEE-AB5C-2C88A2903F27}"/>
+              </a:ext>
+            </a:extLst>
+          </p:cNvPr>
+          <p:cNvSpPr txBox="1"/>
+          <p:nvPr/>
+        </p:nvSpPr>
+        <p:spPr>
+          <a:xfrm>
+            <a:off x="183596" y="9011946"/>
+            <a:ext cx="4862141" cy="338554"/>
+          </a:xfrm>
+          <a:prstGeom prst="rect">
+            <a:avLst/>
+          </a:prstGeom>
+          <a:noFill/>
+        </p:spPr>
+        <p:txBody>
+          <a:bodyPr wrap="square" rtlCol="0">
+            <a:spAutoFit/>
+          </a:bodyPr>
+          <a:lstStyle/>
+          <a:p>
+            <a:pPr algn="ctr"/>
+            <a:r>
+              <a:rPr kumimoji="1" lang="ja-JP" altLang="en-US" dirty="0">
+                <a:latin typeface="HG丸ｺﾞｼｯｸM-PRO" panose="020F0600000000000000" pitchFamily="50" charset="-128"/>
+                <a:ea typeface="HG丸ｺﾞｼｯｸM-PRO" panose="020F0600000000000000" pitchFamily="50" charset="-128"/>
+              </a:rPr>
+              <a:t>図</a:t>
+            </a:r>
+            <a:r>
+              <a:rPr lang="en-US" altLang="ja-JP" dirty="0">
+                <a:latin typeface="HG丸ｺﾞｼｯｸM-PRO" panose="020F0600000000000000" pitchFamily="50" charset="-128"/>
+                <a:ea typeface="HG丸ｺﾞｼｯｸM-PRO" panose="020F0600000000000000" pitchFamily="50" charset="-128"/>
+              </a:rPr>
+              <a:t>5 </a:t>
+            </a:r>
+            <a:r>
+              <a:rPr lang="ja-JP" altLang="en-US" dirty="0">
+                <a:latin typeface="HG丸ｺﾞｼｯｸM-PRO" panose="020F0600000000000000" pitchFamily="50" charset="-128"/>
+                <a:ea typeface="HG丸ｺﾞｼｯｸM-PRO" panose="020F0600000000000000" pitchFamily="50" charset="-128"/>
+              </a:rPr>
+              <a:t>ステートマシン図</a:t>
+            </a:r>
+            <a:endParaRPr kumimoji="1" lang="ja-JP" altLang="en-US" dirty="0">
+              <a:latin typeface="HG丸ｺﾞｼｯｸM-PRO" panose="020F0600000000000000" pitchFamily="50" charset="-128"/>
+              <a:ea typeface="HG丸ｺﾞｼｯｸM-PRO" panose="020F0600000000000000" pitchFamily="50" charset="-128"/>
+            </a:endParaRPr>
+          </a:p>
+        </p:txBody>
+      </p:sp>
+      <p:cxnSp>
+        <p:nvCxnSpPr>
+          <p:cNvPr id="22" name="直線コネクタ 21">
+            <a:extLst>
+              <a:ext uri="{FF2B5EF4-FFF2-40B4-BE49-F238E27FC236}">
+                <a16:creationId xmlns:a16="http://schemas.microsoft.com/office/drawing/2014/main" id="{D6BA0D04-17B0-4FDD-9AA0-F77991CA8AA5}"/>
+              </a:ext>
+            </a:extLst>
+          </p:cNvPr>
+          <p:cNvCxnSpPr>
+            <a:cxnSpLocks/>
+          </p:cNvCxnSpPr>
+          <p:nvPr/>
+        </p:nvCxnSpPr>
+        <p:spPr>
+          <a:xfrm>
+            <a:off x="5323904" y="1994509"/>
+            <a:ext cx="0" cy="7361851"/>
+          </a:xfrm>
+          <a:prstGeom prst="line">
+            <a:avLst/>
+          </a:prstGeom>
+          <a:ln w="12700">
+            <a:solidFill>
+              <a:schemeClr val="accent6"/>
+            </a:solidFill>
+          </a:ln>
+        </p:spPr>
+        <p:style>
+          <a:lnRef idx="1">
+            <a:schemeClr val="accent1"/>
+          </a:lnRef>
+          <a:fillRef idx="0">
+            <a:schemeClr val="accent1"/>
+          </a:fillRef>
+          <a:effectRef idx="0">
+            <a:schemeClr val="accent1"/>
+          </a:effectRef>
+          <a:fontRef idx="minor">
+            <a:schemeClr val="tx1"/>
+          </a:fontRef>
+        </p:style>
+      </p:cxnSp>
+      <p:sp>
+        <p:nvSpPr>
+          <p:cNvPr id="23" name="テキスト ボックス 22">
+            <a:extLst>
+              <a:ext uri="{FF2B5EF4-FFF2-40B4-BE49-F238E27FC236}">
+                <a16:creationId xmlns:a16="http://schemas.microsoft.com/office/drawing/2014/main" id="{26B73A05-44F5-4291-9E63-0EED2C10B815}"/>
+              </a:ext>
+            </a:extLst>
+          </p:cNvPr>
+          <p:cNvSpPr txBox="1"/>
+          <p:nvPr/>
+        </p:nvSpPr>
+        <p:spPr>
+          <a:xfrm>
+            <a:off x="5354638" y="1982731"/>
+            <a:ext cx="2436432" cy="338554"/>
+          </a:xfrm>
+          <a:prstGeom prst="rect">
+            <a:avLst/>
+          </a:prstGeom>
+          <a:noFill/>
+        </p:spPr>
+        <p:txBody>
+          <a:bodyPr wrap="square" rtlCol="0">
+            <a:spAutoFit/>
+          </a:bodyPr>
+          <a:lstStyle/>
+          <a:p>
+            <a:r>
+              <a:rPr lang="ja-JP" altLang="en-US" b="1" dirty="0">
+                <a:latin typeface="HG丸ｺﾞｼｯｸM-PRO" panose="020F0600000000000000" pitchFamily="50" charset="-128"/>
+                <a:ea typeface="HG丸ｺﾞｼｯｸM-PRO" panose="020F0600000000000000" pitchFamily="50" charset="-128"/>
+              </a:rPr>
+              <a:t>１．状態の遷移</a:t>
+            </a:r>
+            <a:endParaRPr kumimoji="1" lang="ja-JP" altLang="en-US" dirty="0"/>
+          </a:p>
+        </p:txBody>
+      </p:sp>
+      <p:cxnSp>
+        <p:nvCxnSpPr>
+          <p:cNvPr id="24" name="直線コネクタ 23">
+            <a:extLst>
+              <a:ext uri="{FF2B5EF4-FFF2-40B4-BE49-F238E27FC236}">
+                <a16:creationId xmlns:a16="http://schemas.microsoft.com/office/drawing/2014/main" id="{D56DA056-69A8-4334-96DA-18789DD7990E}"/>
+              </a:ext>
+            </a:extLst>
+          </p:cNvPr>
+          <p:cNvCxnSpPr>
+            <a:cxnSpLocks/>
+          </p:cNvCxnSpPr>
+          <p:nvPr/>
+        </p:nvCxnSpPr>
+        <p:spPr>
+          <a:xfrm flipV="1">
+            <a:off x="5380425" y="2287830"/>
+            <a:ext cx="7040204" cy="37864"/>
+          </a:xfrm>
+          <a:prstGeom prst="line">
+            <a:avLst/>
+          </a:prstGeom>
+          <a:ln w="38100">
+            <a:solidFill>
+              <a:schemeClr val="accent6"/>
+            </a:solidFill>
+          </a:ln>
+        </p:spPr>
+        <p:style>
+          <a:lnRef idx="1">
+            <a:schemeClr val="accent1"/>
+          </a:lnRef>
+          <a:fillRef idx="0">
+            <a:schemeClr val="accent1"/>
+          </a:fillRef>
+          <a:effectRef idx="0">
+            <a:schemeClr val="accent1"/>
+          </a:effectRef>
+          <a:fontRef idx="minor">
+            <a:schemeClr val="tx1"/>
+          </a:fontRef>
+        </p:style>
+      </p:cxnSp>
+      <p:sp>
+        <p:nvSpPr>
+          <p:cNvPr id="26" name="テキスト ボックス 25">
+            <a:extLst>
+              <a:ext uri="{FF2B5EF4-FFF2-40B4-BE49-F238E27FC236}">
+                <a16:creationId xmlns:a16="http://schemas.microsoft.com/office/drawing/2014/main" id="{063C58CB-117D-4705-8F36-5EEA73BA0AFD}"/>
+              </a:ext>
+            </a:extLst>
+          </p:cNvPr>
+          <p:cNvSpPr txBox="1"/>
+          <p:nvPr/>
+        </p:nvSpPr>
+        <p:spPr>
+          <a:xfrm>
+            <a:off x="5410495" y="2379853"/>
+            <a:ext cx="6575224" cy="584775"/>
+          </a:xfrm>
+          <a:prstGeom prst="rect">
+            <a:avLst/>
+          </a:prstGeom>
+          <a:noFill/>
+        </p:spPr>
+        <p:txBody>
+          <a:bodyPr wrap="square" rtlCol="0">
+            <a:spAutoFit/>
+          </a:bodyPr>
+          <a:lstStyle/>
+          <a:p>
+            <a:r>
+              <a:rPr kumimoji="1" lang="ja-JP" altLang="en-US" dirty="0">
+                <a:latin typeface="HG丸ｺﾞｼｯｸM-PRO" panose="020F0600000000000000" pitchFamily="50" charset="-128"/>
+                <a:ea typeface="HG丸ｺﾞｼｯｸM-PRO" panose="020F0600000000000000" pitchFamily="50" charset="-128"/>
+              </a:rPr>
+              <a:t>図</a:t>
+            </a:r>
+            <a:r>
+              <a:rPr kumimoji="1" lang="en-US" altLang="ja-JP" dirty="0">
+                <a:latin typeface="HG丸ｺﾞｼｯｸM-PRO" panose="020F0600000000000000" pitchFamily="50" charset="-128"/>
+                <a:ea typeface="HG丸ｺﾞｼｯｸM-PRO" panose="020F0600000000000000" pitchFamily="50" charset="-128"/>
+              </a:rPr>
+              <a:t>5</a:t>
+            </a:r>
+            <a:r>
+              <a:rPr kumimoji="1" lang="ja-JP" altLang="en-US" dirty="0">
+                <a:latin typeface="HG丸ｺﾞｼｯｸM-PRO" panose="020F0600000000000000" pitchFamily="50" charset="-128"/>
+                <a:ea typeface="HG丸ｺﾞｼｯｸM-PRO" panose="020F0600000000000000" pitchFamily="50" charset="-128"/>
+              </a:rPr>
+              <a:t>を基に全体の動作を図</a:t>
+            </a:r>
+            <a:r>
+              <a:rPr kumimoji="1" lang="en-US" altLang="ja-JP" dirty="0">
+                <a:latin typeface="HG丸ｺﾞｼｯｸM-PRO" panose="020F0600000000000000" pitchFamily="50" charset="-128"/>
+                <a:ea typeface="HG丸ｺﾞｼｯｸM-PRO" panose="020F0600000000000000" pitchFamily="50" charset="-128"/>
+              </a:rPr>
+              <a:t>6 </a:t>
+            </a:r>
+            <a:r>
+              <a:rPr kumimoji="1" lang="ja-JP" altLang="en-US" dirty="0">
+                <a:latin typeface="HG丸ｺﾞｼｯｸM-PRO" panose="020F0600000000000000" pitchFamily="50" charset="-128"/>
+                <a:ea typeface="HG丸ｺﾞｼｯｸM-PRO" panose="020F0600000000000000" pitchFamily="50" charset="-128"/>
+              </a:rPr>
+              <a:t>シーケンス図で示す</a:t>
+            </a:r>
+            <a:br>
+              <a:rPr kumimoji="1" lang="en-US" altLang="ja-JP" dirty="0">
+                <a:latin typeface="HG丸ｺﾞｼｯｸM-PRO" panose="020F0600000000000000" pitchFamily="50" charset="-128"/>
+                <a:ea typeface="HG丸ｺﾞｼｯｸM-PRO" panose="020F0600000000000000" pitchFamily="50" charset="-128"/>
+              </a:rPr>
+            </a:br>
+            <a:r>
+              <a:rPr kumimoji="1" lang="en-US" altLang="ja-JP" dirty="0">
+                <a:latin typeface="HG丸ｺﾞｼｯｸM-PRO" panose="020F0600000000000000" pitchFamily="50" charset="-128"/>
+                <a:ea typeface="HG丸ｺﾞｼｯｸM-PRO" panose="020F0600000000000000" pitchFamily="50" charset="-128"/>
+              </a:rPr>
+              <a:t>ref.</a:t>
+            </a:r>
+            <a:r>
+              <a:rPr kumimoji="1" lang="ja-JP" altLang="en-US" dirty="0">
+                <a:latin typeface="HG丸ｺﾞｼｯｸM-PRO" panose="020F0600000000000000" pitchFamily="50" charset="-128"/>
+                <a:ea typeface="HG丸ｺﾞｼｯｸM-PRO" panose="020F0600000000000000" pitchFamily="50" charset="-128"/>
+              </a:rPr>
+              <a:t>で表した部分は図</a:t>
+            </a:r>
+            <a:r>
+              <a:rPr kumimoji="1" lang="en-US" altLang="ja-JP" dirty="0">
+                <a:latin typeface="HG丸ｺﾞｼｯｸM-PRO" panose="020F0600000000000000" pitchFamily="50" charset="-128"/>
+                <a:ea typeface="HG丸ｺﾞｼｯｸM-PRO" panose="020F0600000000000000" pitchFamily="50" charset="-128"/>
+              </a:rPr>
+              <a:t>7</a:t>
+            </a:r>
+            <a:r>
+              <a:rPr kumimoji="1" lang="ja-JP" altLang="en-US" dirty="0">
+                <a:latin typeface="HG丸ｺﾞｼｯｸM-PRO" panose="020F0600000000000000" pitchFamily="50" charset="-128"/>
+                <a:ea typeface="HG丸ｺﾞｼｯｸM-PRO" panose="020F0600000000000000" pitchFamily="50" charset="-128"/>
+              </a:rPr>
+              <a:t>から図</a:t>
+            </a:r>
+            <a:r>
+              <a:rPr kumimoji="1" lang="en-US" altLang="ja-JP" dirty="0">
+                <a:latin typeface="HG丸ｺﾞｼｯｸM-PRO" panose="020F0600000000000000" pitchFamily="50" charset="-128"/>
+                <a:ea typeface="HG丸ｺﾞｼｯｸM-PRO" panose="020F0600000000000000" pitchFamily="50" charset="-128"/>
+              </a:rPr>
+              <a:t>13</a:t>
+            </a:r>
+            <a:r>
+              <a:rPr kumimoji="1" lang="ja-JP" altLang="en-US" dirty="0">
+                <a:latin typeface="HG丸ｺﾞｼｯｸM-PRO" panose="020F0600000000000000" pitchFamily="50" charset="-128"/>
+                <a:ea typeface="HG丸ｺﾞｼｯｸM-PRO" panose="020F0600000000000000" pitchFamily="50" charset="-128"/>
+              </a:rPr>
+              <a:t>に詳細を示す</a:t>
+            </a:r>
+          </a:p>
+        </p:txBody>
+      </p:sp>
+      <p:sp>
+        <p:nvSpPr>
+          <p:cNvPr id="41" name="正方形/長方形 40">
+            <a:extLst>
+              <a:ext uri="{FF2B5EF4-FFF2-40B4-BE49-F238E27FC236}">
+                <a16:creationId xmlns:a16="http://schemas.microsoft.com/office/drawing/2014/main" id="{6270826E-8332-4535-8E62-FA1B23569675}"/>
+              </a:ext>
+            </a:extLst>
+          </p:cNvPr>
+          <p:cNvSpPr/>
+          <p:nvPr/>
+        </p:nvSpPr>
+        <p:spPr>
+          <a:xfrm>
+            <a:off x="5378795" y="3035081"/>
+            <a:ext cx="7214693" cy="4383665"/>
+          </a:xfrm>
+          <a:prstGeom prst="rect">
+            <a:avLst/>
+          </a:prstGeom>
+        </p:spPr>
+        <p:style>
+          <a:lnRef idx="2">
+            <a:schemeClr val="accent1">
+              <a:shade val="50000"/>
+            </a:schemeClr>
+          </a:lnRef>
+          <a:fillRef idx="1">
+            <a:schemeClr val="accent1"/>
+          </a:fillRef>
+          <a:effectRef idx="0">
+            <a:schemeClr val="accent1"/>
+          </a:effectRef>
+          <a:fontRef idx="minor">
+            <a:schemeClr val="lt1"/>
+          </a:fontRef>
+        </p:style>
+        <p:txBody>
+          <a:bodyPr rtlCol="0" anchor="ctr"/>
+          <a:lstStyle/>
+          <a:p>
+            <a:pPr algn="ctr"/>
+            <a:r>
+              <a:rPr lang="ja-JP" altLang="en-US" dirty="0"/>
+              <a:t>シーケンス図</a:t>
+            </a:r>
+            <a:endParaRPr kumimoji="1" lang="ja-JP" altLang="en-US" dirty="0"/>
+          </a:p>
+        </p:txBody>
+      </p:sp>
+      <p:sp>
+        <p:nvSpPr>
+          <p:cNvPr id="49" name="テキスト ボックス 48">
+            <a:extLst>
+              <a:ext uri="{FF2B5EF4-FFF2-40B4-BE49-F238E27FC236}">
+                <a16:creationId xmlns:a16="http://schemas.microsoft.com/office/drawing/2014/main" id="{A5BC404B-F330-4FBD-9E7F-0DBE4697FEC6}"/>
+              </a:ext>
+            </a:extLst>
+          </p:cNvPr>
+          <p:cNvSpPr txBox="1"/>
+          <p:nvPr/>
+        </p:nvSpPr>
+        <p:spPr>
+          <a:xfrm>
+            <a:off x="6599172" y="7418746"/>
+            <a:ext cx="4862141" cy="338554"/>
+          </a:xfrm>
+          <a:prstGeom prst="rect">
+            <a:avLst/>
+          </a:prstGeom>
+          <a:noFill/>
+        </p:spPr>
+        <p:txBody>
+          <a:bodyPr wrap="square" rtlCol="0">
+            <a:spAutoFit/>
+          </a:bodyPr>
+          <a:lstStyle/>
+          <a:p>
+            <a:pPr algn="ctr"/>
+            <a:r>
+              <a:rPr kumimoji="1" lang="ja-JP" altLang="en-US" dirty="0">
+                <a:latin typeface="HG丸ｺﾞｼｯｸM-PRO" panose="020F0600000000000000" pitchFamily="50" charset="-128"/>
+                <a:ea typeface="HG丸ｺﾞｼｯｸM-PRO" panose="020F0600000000000000" pitchFamily="50" charset="-128"/>
+              </a:rPr>
+              <a:t>図</a:t>
+            </a:r>
+            <a:r>
+              <a:rPr lang="en-US" altLang="ja-JP" dirty="0">
+                <a:latin typeface="HG丸ｺﾞｼｯｸM-PRO" panose="020F0600000000000000" pitchFamily="50" charset="-128"/>
+                <a:ea typeface="HG丸ｺﾞｼｯｸM-PRO" panose="020F0600000000000000" pitchFamily="50" charset="-128"/>
+              </a:rPr>
+              <a:t>6 </a:t>
+            </a:r>
+            <a:r>
+              <a:rPr lang="ja-JP" altLang="en-US" dirty="0">
+                <a:latin typeface="HG丸ｺﾞｼｯｸM-PRO" panose="020F0600000000000000" pitchFamily="50" charset="-128"/>
+                <a:ea typeface="HG丸ｺﾞｼｯｸM-PRO" panose="020F0600000000000000" pitchFamily="50" charset="-128"/>
+              </a:rPr>
+              <a:t>シーケンス図</a:t>
+            </a:r>
+            <a:endParaRPr kumimoji="1" lang="ja-JP" altLang="en-US" dirty="0">
+              <a:latin typeface="HG丸ｺﾞｼｯｸM-PRO" panose="020F0600000000000000" pitchFamily="50" charset="-128"/>
+              <a:ea typeface="HG丸ｺﾞｼｯｸM-PRO" panose="020F0600000000000000" pitchFamily="50" charset="-128"/>
+            </a:endParaRPr>
           </a:p>
         </p:txBody>
       </p:sp>

--- a/model_file_template_primary.pptx
+++ b/model_file_template_primary.pptx
@@ -4500,7 +4500,7 @@
         </p:nvSpPr>
         <p:spPr>
           <a:xfrm>
-            <a:off x="100800" y="1092312"/>
+            <a:off x="111192" y="1159152"/>
             <a:ext cx="12600000" cy="8352000"/>
           </a:xfrm>
           <a:prstGeom prst="rect">
@@ -4932,7 +4932,7 @@
         </p:nvSpPr>
         <p:spPr>
           <a:xfrm>
-            <a:off x="116230" y="1204744"/>
+            <a:off x="119018" y="1159152"/>
             <a:ext cx="2340000" cy="720000"/>
           </a:xfrm>
           <a:prstGeom prst="rect">
@@ -4979,7 +4979,7 @@
         </p:nvSpPr>
         <p:spPr>
           <a:xfrm>
-            <a:off x="208112" y="1378547"/>
+            <a:off x="163201" y="1320363"/>
             <a:ext cx="1935588" cy="400110"/>
           </a:xfrm>
           <a:prstGeom prst="rect">
@@ -6451,7 +6451,7 @@
         </p:nvSpPr>
         <p:spPr>
           <a:xfrm>
-            <a:off x="208112" y="2022036"/>
+            <a:off x="201004" y="2010420"/>
             <a:ext cx="1473389" cy="338554"/>
           </a:xfrm>
           <a:prstGeom prst="rect">
@@ -6490,8 +6490,8 @@
         </p:nvSpPr>
         <p:spPr>
           <a:xfrm>
-            <a:off x="250596" y="2379583"/>
-            <a:ext cx="3938584" cy="830997"/>
+            <a:off x="250595" y="2379584"/>
+            <a:ext cx="4224145" cy="830997"/>
           </a:xfrm>
           <a:prstGeom prst="rect">
             <a:avLst/>
@@ -6577,8 +6577,8 @@
         </p:nvSpPr>
         <p:spPr>
           <a:xfrm>
-            <a:off x="321623" y="3260138"/>
-            <a:ext cx="3649477" cy="2395201"/>
+            <a:off x="250595" y="3260138"/>
+            <a:ext cx="4134977" cy="2395201"/>
           </a:xfrm>
           <a:prstGeom prst="rect">
             <a:avLst/>
@@ -6691,14 +6691,14 @@
           <p:nvPr>
             <p:extLst>
               <p:ext uri="{D42A27DB-BD31-4B8C-83A1-F6EECF244321}">
-                <p14:modId xmlns:p14="http://schemas.microsoft.com/office/powerpoint/2010/main" val="2065564886"/>
+                <p14:modId xmlns:p14="http://schemas.microsoft.com/office/powerpoint/2010/main" val="1344833251"/>
               </p:ext>
             </p:extLst>
           </p:nvPr>
         </p:nvGraphicFramePr>
         <p:xfrm>
-          <a:off x="320252" y="6600579"/>
-          <a:ext cx="3649477" cy="2468880"/>
+          <a:off x="232435" y="6600579"/>
+          <a:ext cx="4224145" cy="2468880"/>
         </p:xfrm>
         <a:graphic>
           <a:graphicData uri="http://schemas.openxmlformats.org/drawingml/2006/table">
@@ -6707,14 +6707,14 @@
                 <a:tableStyleId>{5C22544A-7EE6-4342-B048-85BDC9FD1C3A}</a:tableStyleId>
               </a:tblPr>
               <a:tblGrid>
-                <a:gridCol w="1256012">
+                <a:gridCol w="1453791">
                   <a:extLst>
                     <a:ext uri="{9D8B030D-6E8A-4147-A177-3AD203B41FA5}">
                       <a16:colId xmlns:a16="http://schemas.microsoft.com/office/drawing/2014/main" val="188478114"/>
                     </a:ext>
                   </a:extLst>
                 </a:gridCol>
-                <a:gridCol w="2393465">
+                <a:gridCol w="2770354">
                   <a:extLst>
                     <a:ext uri="{9D8B030D-6E8A-4147-A177-3AD203B41FA5}">
                       <a16:colId xmlns:a16="http://schemas.microsoft.com/office/drawing/2014/main" val="543803565"/>
@@ -6785,7 +6785,7 @@
                     <a:bodyPr/>
                     <a:lstStyle/>
                     <a:p>
-                      <a:endParaRPr kumimoji="1" lang="ja-JP" altLang="en-US"/>
+                      <a:endParaRPr kumimoji="1" lang="ja-JP" altLang="en-US" dirty="0"/>
                     </a:p>
                   </a:txBody>
                   <a:tcPr/>
@@ -6962,7 +6962,7 @@
         </p:nvSpPr>
         <p:spPr>
           <a:xfrm>
-            <a:off x="4150470" y="2022036"/>
+            <a:off x="4579554" y="2008787"/>
             <a:ext cx="2234302" cy="338554"/>
           </a:xfrm>
           <a:prstGeom prst="rect">
@@ -7003,8 +7003,8 @@
         </p:nvCxnSpPr>
         <p:spPr>
           <a:xfrm>
-            <a:off x="4189180" y="2360590"/>
-            <a:ext cx="8332300" cy="0"/>
+            <a:off x="4579554" y="2355030"/>
+            <a:ext cx="7941926" cy="5560"/>
           </a:xfrm>
           <a:prstGeom prst="line">
             <a:avLst/>
@@ -7044,8 +7044,8 @@
         </p:nvSpPr>
         <p:spPr>
           <a:xfrm>
-            <a:off x="4131314" y="2379751"/>
-            <a:ext cx="9729217" cy="338554"/>
+            <a:off x="4579554" y="2355030"/>
+            <a:ext cx="8067397" cy="338554"/>
           </a:xfrm>
           <a:prstGeom prst="rect">
             <a:avLst/>
@@ -7084,55 +7084,6 @@
       </p:sp>
       <p:sp>
         <p:nvSpPr>
-          <p:cNvPr id="8" name="正方形/長方形 7">
-            <a:extLst>
-              <a:ext uri="{FF2B5EF4-FFF2-40B4-BE49-F238E27FC236}">
-                <a16:creationId xmlns:a16="http://schemas.microsoft.com/office/drawing/2014/main" id="{3AA3F25E-F340-4D5C-8BD2-B6DE839B4EB6}"/>
-              </a:ext>
-            </a:extLst>
-          </p:cNvPr>
-          <p:cNvSpPr/>
-          <p:nvPr/>
-        </p:nvSpPr>
-        <p:spPr>
-          <a:xfrm>
-            <a:off x="4189181" y="2746212"/>
-            <a:ext cx="8332300" cy="6124707"/>
-          </a:xfrm>
-          <a:prstGeom prst="rect">
-            <a:avLst/>
-          </a:prstGeom>
-        </p:spPr>
-        <p:style>
-          <a:lnRef idx="2">
-            <a:schemeClr val="accent1">
-              <a:shade val="50000"/>
-            </a:schemeClr>
-          </a:lnRef>
-          <a:fillRef idx="1">
-            <a:schemeClr val="accent1"/>
-          </a:fillRef>
-          <a:effectRef idx="0">
-            <a:schemeClr val="accent1"/>
-          </a:effectRef>
-          <a:fontRef idx="minor">
-            <a:schemeClr val="lt1"/>
-          </a:fontRef>
-        </p:style>
-        <p:txBody>
-          <a:bodyPr rtlCol="0" anchor="ctr"/>
-          <a:lstStyle/>
-          <a:p>
-            <a:pPr algn="ctr"/>
-            <a:r>
-              <a:rPr kumimoji="1" lang="ja-JP" altLang="en-US" dirty="0"/>
-              <a:t>クラス図</a:t>
-            </a:r>
-          </a:p>
-        </p:txBody>
-      </p:sp>
-      <p:sp>
-        <p:nvSpPr>
           <p:cNvPr id="26" name="テキスト ボックス 25">
             <a:extLst>
               <a:ext uri="{FF2B5EF4-FFF2-40B4-BE49-F238E27FC236}">
@@ -7145,7 +7096,7 @@
         </p:nvSpPr>
         <p:spPr>
           <a:xfrm>
-            <a:off x="5924259" y="8905302"/>
+            <a:off x="5841938" y="9059995"/>
             <a:ext cx="4862141" cy="338554"/>
           </a:xfrm>
           <a:prstGeom prst="rect">
@@ -7199,9 +7150,9 @@
           <p:nvPr/>
         </p:nvCxnSpPr>
         <p:spPr>
-          <a:xfrm>
-            <a:off x="322995" y="2360590"/>
-            <a:ext cx="3646734" cy="0"/>
+          <a:xfrm flipV="1">
+            <a:off x="232435" y="2360590"/>
+            <a:ext cx="4224149" cy="18994"/>
           </a:xfrm>
           <a:prstGeom prst="line">
             <a:avLst/>
@@ -7243,7 +7194,7 @@
         </p:nvCxnSpPr>
         <p:spPr>
           <a:xfrm>
-            <a:off x="4096544" y="2022036"/>
+            <a:off x="4528592" y="2022036"/>
             <a:ext cx="0" cy="7361851"/>
           </a:xfrm>
           <a:prstGeom prst="line">
@@ -7270,6 +7221,35 @@
           </a:fontRef>
         </p:style>
       </p:cxnSp>
+      <p:pic>
+        <p:nvPicPr>
+          <p:cNvPr id="7" name="図 6">
+            <a:extLst>
+              <a:ext uri="{FF2B5EF4-FFF2-40B4-BE49-F238E27FC236}">
+                <a16:creationId xmlns:a16="http://schemas.microsoft.com/office/drawing/2014/main" id="{BBE40644-49CB-4A01-9629-B052348070D5}"/>
+              </a:ext>
+            </a:extLst>
+          </p:cNvPr>
+          <p:cNvPicPr>
+            <a:picLocks noChangeAspect="1"/>
+          </p:cNvPicPr>
+          <p:nvPr/>
+        </p:nvPicPr>
+        <p:blipFill rotWithShape="1">
+          <a:blip r:embed="rId2"/>
+          <a:srcRect l="21156" t="8278" r="21313" b="1193"/>
+          <a:stretch/>
+        </p:blipFill>
+        <p:spPr>
+          <a:xfrm>
+            <a:off x="4833223" y="2782519"/>
+            <a:ext cx="7364915" cy="6277476"/>
+          </a:xfrm>
+          <a:prstGeom prst="rect">
+            <a:avLst/>
+          </a:prstGeom>
+        </p:spPr>
+      </p:pic>
     </p:spTree>
     <p:extLst>
       <p:ext uri="{BB962C8B-B14F-4D97-AF65-F5344CB8AC3E}">
@@ -7519,7 +7499,7 @@
         </p:nvSpPr>
         <p:spPr>
           <a:xfrm>
-            <a:off x="94668" y="1182144"/>
+            <a:off x="99902" y="1210403"/>
             <a:ext cx="12600000" cy="8352000"/>
           </a:xfrm>
           <a:prstGeom prst="rect">
@@ -8098,8 +8078,8 @@
         </p:nvSpPr>
         <p:spPr>
           <a:xfrm>
-            <a:off x="127719" y="2426777"/>
-            <a:ext cx="5408985" cy="584775"/>
+            <a:off x="127720" y="2426777"/>
+            <a:ext cx="4140024" cy="830997"/>
           </a:xfrm>
           <a:prstGeom prst="rect">
             <a:avLst/>
@@ -8152,8 +8132,8 @@
         </p:nvCxnSpPr>
         <p:spPr>
           <a:xfrm flipV="1">
-            <a:off x="131902" y="2321285"/>
-            <a:ext cx="5105410" cy="35039"/>
+            <a:off x="131902" y="2328862"/>
+            <a:ext cx="4001382" cy="27463"/>
           </a:xfrm>
           <a:prstGeom prst="line">
             <a:avLst/>
@@ -8193,8 +8173,8 @@
         </p:nvSpPr>
         <p:spPr>
           <a:xfrm>
-            <a:off x="152851" y="3043367"/>
-            <a:ext cx="5084461" cy="5936764"/>
+            <a:off x="152852" y="3328227"/>
+            <a:ext cx="3980432" cy="5651903"/>
           </a:xfrm>
           <a:prstGeom prst="rect">
             <a:avLst/>
@@ -8242,8 +8222,8 @@
         </p:nvSpPr>
         <p:spPr>
           <a:xfrm>
-            <a:off x="183596" y="9011946"/>
-            <a:ext cx="4862141" cy="338554"/>
+            <a:off x="327574" y="8993682"/>
+            <a:ext cx="3624916" cy="338554"/>
           </a:xfrm>
           <a:prstGeom prst="rect">
             <a:avLst/>
@@ -8301,7 +8281,7 @@
         </p:nvCxnSpPr>
         <p:spPr>
           <a:xfrm>
-            <a:off x="5323904" y="1994509"/>
+            <a:off x="4240560" y="1848193"/>
             <a:ext cx="0" cy="7361851"/>
           </a:xfrm>
           <a:prstGeom prst="line">
@@ -8342,7 +8322,7 @@
         </p:nvSpPr>
         <p:spPr>
           <a:xfrm>
-            <a:off x="5354638" y="1982731"/>
+            <a:off x="4293144" y="1957194"/>
             <a:ext cx="2436432" cy="338554"/>
           </a:xfrm>
           <a:prstGeom prst="rect">
@@ -8361,7 +8341,7 @@
                 <a:latin typeface="HG丸ｺﾞｼｯｸM-PRO" panose="020F0600000000000000" pitchFamily="50" charset="-128"/>
                 <a:ea typeface="HG丸ｺﾞｼｯｸM-PRO" panose="020F0600000000000000" pitchFamily="50" charset="-128"/>
               </a:rPr>
-              <a:t>１．状態の遷移</a:t>
+              <a:t>２．振る舞い①</a:t>
             </a:r>
             <a:endParaRPr kumimoji="1" lang="ja-JP" altLang="en-US" dirty="0"/>
           </a:p>
@@ -8383,8 +8363,8 @@
         </p:nvCxnSpPr>
         <p:spPr>
           <a:xfrm flipV="1">
-            <a:off x="5380425" y="2287830"/>
-            <a:ext cx="7040204" cy="37864"/>
+            <a:off x="4346083" y="2287830"/>
+            <a:ext cx="8074546" cy="43427"/>
           </a:xfrm>
           <a:prstGeom prst="line">
             <a:avLst/>
@@ -8424,7 +8404,7 @@
         </p:nvSpPr>
         <p:spPr>
           <a:xfrm>
-            <a:off x="5410495" y="2379853"/>
+            <a:off x="4346083" y="2393541"/>
             <a:ext cx="6575224" cy="584775"/>
           </a:xfrm>
           <a:prstGeom prst="rect">
@@ -8526,10 +8506,189 @@
       </p:sp>
       <p:sp>
         <p:nvSpPr>
-          <p:cNvPr id="41" name="正方形/長方形 40">
-            <a:extLst>
-              <a:ext uri="{FF2B5EF4-FFF2-40B4-BE49-F238E27FC236}">
-                <a16:creationId xmlns:a16="http://schemas.microsoft.com/office/drawing/2014/main" id="{6270826E-8332-4535-8E62-FA1B23569675}"/>
+          <p:cNvPr id="49" name="テキスト ボックス 48">
+            <a:extLst>
+              <a:ext uri="{FF2B5EF4-FFF2-40B4-BE49-F238E27FC236}">
+                <a16:creationId xmlns:a16="http://schemas.microsoft.com/office/drawing/2014/main" id="{A5BC404B-F330-4FBD-9E7F-0DBE4697FEC6}"/>
+              </a:ext>
+            </a:extLst>
+          </p:cNvPr>
+          <p:cNvSpPr txBox="1"/>
+          <p:nvPr/>
+        </p:nvSpPr>
+        <p:spPr>
+          <a:xfrm>
+            <a:off x="5962585" y="6340791"/>
+            <a:ext cx="4862141" cy="338554"/>
+          </a:xfrm>
+          <a:prstGeom prst="rect">
+            <a:avLst/>
+          </a:prstGeom>
+          <a:noFill/>
+        </p:spPr>
+        <p:txBody>
+          <a:bodyPr wrap="square" rtlCol="0">
+            <a:spAutoFit/>
+          </a:bodyPr>
+          <a:lstStyle/>
+          <a:p>
+            <a:pPr algn="ctr"/>
+            <a:r>
+              <a:rPr kumimoji="1" lang="ja-JP" altLang="en-US" dirty="0">
+                <a:latin typeface="HG丸ｺﾞｼｯｸM-PRO" panose="020F0600000000000000" pitchFamily="50" charset="-128"/>
+                <a:ea typeface="HG丸ｺﾞｼｯｸM-PRO" panose="020F0600000000000000" pitchFamily="50" charset="-128"/>
+              </a:rPr>
+              <a:t>図</a:t>
+            </a:r>
+            <a:r>
+              <a:rPr lang="en-US" altLang="ja-JP" dirty="0">
+                <a:latin typeface="HG丸ｺﾞｼｯｸM-PRO" panose="020F0600000000000000" pitchFamily="50" charset="-128"/>
+                <a:ea typeface="HG丸ｺﾞｼｯｸM-PRO" panose="020F0600000000000000" pitchFamily="50" charset="-128"/>
+              </a:rPr>
+              <a:t>6 </a:t>
+            </a:r>
+            <a:r>
+              <a:rPr lang="ja-JP" altLang="en-US" dirty="0">
+                <a:latin typeface="HG丸ｺﾞｼｯｸM-PRO" panose="020F0600000000000000" pitchFamily="50" charset="-128"/>
+                <a:ea typeface="HG丸ｺﾞｼｯｸM-PRO" panose="020F0600000000000000" pitchFamily="50" charset="-128"/>
+              </a:rPr>
+              <a:t>シーケンス図</a:t>
+            </a:r>
+            <a:endParaRPr kumimoji="1" lang="ja-JP" altLang="en-US" dirty="0">
+              <a:latin typeface="HG丸ｺﾞｼｯｸM-PRO" panose="020F0600000000000000" pitchFamily="50" charset="-128"/>
+              <a:ea typeface="HG丸ｺﾞｼｯｸM-PRO" panose="020F0600000000000000" pitchFamily="50" charset="-128"/>
+            </a:endParaRPr>
+          </a:p>
+        </p:txBody>
+      </p:sp>
+      <p:pic>
+        <p:nvPicPr>
+          <p:cNvPr id="27" name="図 26">
+            <a:extLst>
+              <a:ext uri="{FF2B5EF4-FFF2-40B4-BE49-F238E27FC236}">
+                <a16:creationId xmlns:a16="http://schemas.microsoft.com/office/drawing/2014/main" id="{8CE0A3ED-3AEE-4945-98C9-4874D8D62209}"/>
+              </a:ext>
+            </a:extLst>
+          </p:cNvPr>
+          <p:cNvPicPr>
+            <a:picLocks noChangeAspect="1"/>
+          </p:cNvPicPr>
+          <p:nvPr/>
+        </p:nvPicPr>
+        <p:blipFill rotWithShape="1">
+          <a:blip r:embed="rId2"/>
+          <a:srcRect l="3876" t="18224" r="6126" b="13762"/>
+          <a:stretch/>
+        </p:blipFill>
+        <p:spPr>
+          <a:xfrm>
+            <a:off x="4355970" y="3017762"/>
+            <a:ext cx="8295224" cy="3395593"/>
+          </a:xfrm>
+          <a:prstGeom prst="rect">
+            <a:avLst/>
+          </a:prstGeom>
+        </p:spPr>
+      </p:pic>
+      <p:pic>
+        <p:nvPicPr>
+          <p:cNvPr id="28" name="図 27">
+            <a:extLst>
+              <a:ext uri="{FF2B5EF4-FFF2-40B4-BE49-F238E27FC236}">
+                <a16:creationId xmlns:a16="http://schemas.microsoft.com/office/drawing/2014/main" id="{C29921D1-AA9E-402A-AA95-5D72367749ED}"/>
+              </a:ext>
+            </a:extLst>
+          </p:cNvPr>
+          <p:cNvPicPr>
+            <a:picLocks noChangeAspect="1"/>
+          </p:cNvPicPr>
+          <p:nvPr/>
+        </p:nvPicPr>
+        <p:blipFill rotWithShape="1">
+          <a:blip r:embed="rId3"/>
+          <a:srcRect l="17937" t="30277" r="24596" b="12616"/>
+          <a:stretch/>
+        </p:blipFill>
+        <p:spPr>
+          <a:xfrm>
+            <a:off x="7840960" y="6812590"/>
+            <a:ext cx="4211485" cy="2266982"/>
+          </a:xfrm>
+          <a:prstGeom prst="rect">
+            <a:avLst/>
+          </a:prstGeom>
+        </p:spPr>
+      </p:pic>
+      <p:sp>
+        <p:nvSpPr>
+          <p:cNvPr id="31" name="テキスト ボックス 30">
+            <a:extLst>
+              <a:ext uri="{FF2B5EF4-FFF2-40B4-BE49-F238E27FC236}">
+                <a16:creationId xmlns:a16="http://schemas.microsoft.com/office/drawing/2014/main" id="{E7568802-DFA4-40B6-84D6-CB2D1875C1BF}"/>
+              </a:ext>
+            </a:extLst>
+          </p:cNvPr>
+          <p:cNvSpPr txBox="1"/>
+          <p:nvPr/>
+        </p:nvSpPr>
+        <p:spPr>
+          <a:xfrm>
+            <a:off x="7624536" y="9028431"/>
+            <a:ext cx="4862141" cy="338554"/>
+          </a:xfrm>
+          <a:prstGeom prst="rect">
+            <a:avLst/>
+          </a:prstGeom>
+          <a:noFill/>
+        </p:spPr>
+        <p:txBody>
+          <a:bodyPr wrap="square" rtlCol="0">
+            <a:spAutoFit/>
+          </a:bodyPr>
+          <a:lstStyle/>
+          <a:p>
+            <a:pPr algn="ctr"/>
+            <a:r>
+              <a:rPr kumimoji="1" lang="ja-JP" altLang="en-US" dirty="0">
+                <a:latin typeface="HG丸ｺﾞｼｯｸM-PRO" panose="020F0600000000000000" pitchFamily="50" charset="-128"/>
+                <a:ea typeface="HG丸ｺﾞｼｯｸM-PRO" panose="020F0600000000000000" pitchFamily="50" charset="-128"/>
+              </a:rPr>
+              <a:t>図</a:t>
+            </a:r>
+            <a:r>
+              <a:rPr kumimoji="1" lang="en-US" altLang="ja-JP" dirty="0">
+                <a:latin typeface="HG丸ｺﾞｼｯｸM-PRO" panose="020F0600000000000000" pitchFamily="50" charset="-128"/>
+                <a:ea typeface="HG丸ｺﾞｼｯｸM-PRO" panose="020F0600000000000000" pitchFamily="50" charset="-128"/>
+              </a:rPr>
+              <a:t>7</a:t>
+            </a:r>
+            <a:r>
+              <a:rPr lang="en-US" altLang="ja-JP" dirty="0">
+                <a:latin typeface="HG丸ｺﾞｼｯｸM-PRO" panose="020F0600000000000000" pitchFamily="50" charset="-128"/>
+                <a:ea typeface="HG丸ｺﾞｼｯｸM-PRO" panose="020F0600000000000000" pitchFamily="50" charset="-128"/>
+              </a:rPr>
+              <a:t> Bluetooth</a:t>
+            </a:r>
+            <a:r>
+              <a:rPr lang="ja-JP" altLang="en-US" dirty="0">
+                <a:latin typeface="HG丸ｺﾞｼｯｸM-PRO" panose="020F0600000000000000" pitchFamily="50" charset="-128"/>
+                <a:ea typeface="HG丸ｺﾞｼｯｸM-PRO" panose="020F0600000000000000" pitchFamily="50" charset="-128"/>
+              </a:rPr>
+              <a:t>の振る舞い</a:t>
+            </a:r>
+            <a:endParaRPr kumimoji="1" lang="ja-JP" altLang="en-US" dirty="0">
+              <a:latin typeface="HG丸ｺﾞｼｯｸM-PRO" panose="020F0600000000000000" pitchFamily="50" charset="-128"/>
+              <a:ea typeface="HG丸ｺﾞｼｯｸM-PRO" panose="020F0600000000000000" pitchFamily="50" charset="-128"/>
+            </a:endParaRPr>
+          </a:p>
+        </p:txBody>
+      </p:sp>
+      <p:sp>
+        <p:nvSpPr>
+          <p:cNvPr id="29" name="正方形/長方形 28">
+            <a:extLst>
+              <a:ext uri="{FF2B5EF4-FFF2-40B4-BE49-F238E27FC236}">
+                <a16:creationId xmlns:a16="http://schemas.microsoft.com/office/drawing/2014/main" id="{A8F708CF-9991-455D-9DF2-796BE0CA0704}"/>
               </a:ext>
             </a:extLst>
           </p:cNvPr>
@@ -8538,12 +8697,18 @@
         </p:nvSpPr>
         <p:spPr>
           <a:xfrm>
-            <a:off x="5378795" y="3035081"/>
-            <a:ext cx="7214693" cy="4383665"/>
+            <a:off x="11922103" y="6030541"/>
+            <a:ext cx="599377" cy="282227"/>
           </a:xfrm>
           <a:prstGeom prst="rect">
             <a:avLst/>
           </a:prstGeom>
+          <a:noFill/>
+          <a:ln w="38100">
+            <a:solidFill>
+              <a:schemeClr val="tx1"/>
+            </a:solidFill>
+          </a:ln>
         </p:spPr>
         <p:style>
           <a:lnRef idx="2">
@@ -8566,20 +8731,320 @@
           <a:lstStyle/>
           <a:p>
             <a:pPr algn="ctr"/>
-            <a:r>
-              <a:rPr lang="ja-JP" altLang="en-US" dirty="0"/>
-              <a:t>シーケンス図</a:t>
-            </a:r>
-            <a:endParaRPr kumimoji="1" lang="ja-JP" altLang="en-US" dirty="0"/>
+            <a:endParaRPr kumimoji="1" lang="ja-JP" altLang="en-US"/>
           </a:p>
         </p:txBody>
       </p:sp>
       <p:sp>
         <p:nvSpPr>
-          <p:cNvPr id="49" name="テキスト ボックス 48">
-            <a:extLst>
-              <a:ext uri="{FF2B5EF4-FFF2-40B4-BE49-F238E27FC236}">
-                <a16:creationId xmlns:a16="http://schemas.microsoft.com/office/drawing/2014/main" id="{A5BC404B-F330-4FBD-9E7F-0DBE4697FEC6}"/>
+          <p:cNvPr id="34" name="正方形/長方形 33">
+            <a:extLst>
+              <a:ext uri="{FF2B5EF4-FFF2-40B4-BE49-F238E27FC236}">
+                <a16:creationId xmlns:a16="http://schemas.microsoft.com/office/drawing/2014/main" id="{CF3DBDAF-38FA-41B6-900A-4D714BD6D47F}"/>
+              </a:ext>
+            </a:extLst>
+          </p:cNvPr>
+          <p:cNvSpPr/>
+          <p:nvPr/>
+        </p:nvSpPr>
+        <p:spPr>
+          <a:xfrm>
+            <a:off x="11225337" y="5395312"/>
+            <a:ext cx="576064" cy="252000"/>
+          </a:xfrm>
+          <a:prstGeom prst="rect">
+            <a:avLst/>
+          </a:prstGeom>
+          <a:noFill/>
+          <a:ln w="38100">
+            <a:solidFill>
+              <a:srgbClr val="7030A0"/>
+            </a:solidFill>
+          </a:ln>
+        </p:spPr>
+        <p:style>
+          <a:lnRef idx="2">
+            <a:schemeClr val="accent1">
+              <a:shade val="50000"/>
+            </a:schemeClr>
+          </a:lnRef>
+          <a:fillRef idx="1">
+            <a:schemeClr val="accent1"/>
+          </a:fillRef>
+          <a:effectRef idx="0">
+            <a:schemeClr val="accent1"/>
+          </a:effectRef>
+          <a:fontRef idx="minor">
+            <a:schemeClr val="lt1"/>
+          </a:fontRef>
+        </p:style>
+        <p:txBody>
+          <a:bodyPr rtlCol="0" anchor="ctr"/>
+          <a:lstStyle/>
+          <a:p>
+            <a:pPr algn="ctr"/>
+            <a:endParaRPr kumimoji="1" lang="ja-JP" altLang="en-US"/>
+          </a:p>
+        </p:txBody>
+      </p:sp>
+      <p:sp>
+        <p:nvSpPr>
+          <p:cNvPr id="35" name="正方形/長方形 34">
+            <a:extLst>
+              <a:ext uri="{FF2B5EF4-FFF2-40B4-BE49-F238E27FC236}">
+                <a16:creationId xmlns:a16="http://schemas.microsoft.com/office/drawing/2014/main" id="{750FE3D6-152F-481A-8A17-D10B02405758}"/>
+              </a:ext>
+            </a:extLst>
+          </p:cNvPr>
+          <p:cNvSpPr/>
+          <p:nvPr/>
+        </p:nvSpPr>
+        <p:spPr>
+          <a:xfrm>
+            <a:off x="9713168" y="3864497"/>
+            <a:ext cx="684878" cy="334030"/>
+          </a:xfrm>
+          <a:prstGeom prst="rect">
+            <a:avLst/>
+          </a:prstGeom>
+          <a:noFill/>
+          <a:ln w="38100">
+            <a:solidFill>
+              <a:srgbClr val="FFFF00"/>
+            </a:solidFill>
+          </a:ln>
+        </p:spPr>
+        <p:style>
+          <a:lnRef idx="2">
+            <a:schemeClr val="accent1">
+              <a:shade val="50000"/>
+            </a:schemeClr>
+          </a:lnRef>
+          <a:fillRef idx="1">
+            <a:schemeClr val="accent1"/>
+          </a:fillRef>
+          <a:effectRef idx="0">
+            <a:schemeClr val="accent1"/>
+          </a:effectRef>
+          <a:fontRef idx="minor">
+            <a:schemeClr val="lt1"/>
+          </a:fontRef>
+        </p:style>
+        <p:txBody>
+          <a:bodyPr rtlCol="0" anchor="ctr"/>
+          <a:lstStyle/>
+          <a:p>
+            <a:pPr algn="ctr"/>
+            <a:endParaRPr kumimoji="1" lang="ja-JP" altLang="en-US"/>
+          </a:p>
+        </p:txBody>
+      </p:sp>
+      <p:sp>
+        <p:nvSpPr>
+          <p:cNvPr id="36" name="正方形/長方形 35">
+            <a:extLst>
+              <a:ext uri="{FF2B5EF4-FFF2-40B4-BE49-F238E27FC236}">
+                <a16:creationId xmlns:a16="http://schemas.microsoft.com/office/drawing/2014/main" id="{6282BCC7-7F87-426C-B26B-AC73A922B4FE}"/>
+              </a:ext>
+            </a:extLst>
+          </p:cNvPr>
+          <p:cNvSpPr/>
+          <p:nvPr/>
+        </p:nvSpPr>
+        <p:spPr>
+          <a:xfrm>
+            <a:off x="10420917" y="4690666"/>
+            <a:ext cx="732412" cy="288000"/>
+          </a:xfrm>
+          <a:prstGeom prst="rect">
+            <a:avLst/>
+          </a:prstGeom>
+          <a:noFill/>
+          <a:ln w="38100">
+            <a:solidFill>
+              <a:srgbClr val="00B050"/>
+            </a:solidFill>
+          </a:ln>
+        </p:spPr>
+        <p:style>
+          <a:lnRef idx="2">
+            <a:schemeClr val="accent1">
+              <a:shade val="50000"/>
+            </a:schemeClr>
+          </a:lnRef>
+          <a:fillRef idx="1">
+            <a:schemeClr val="accent1"/>
+          </a:fillRef>
+          <a:effectRef idx="0">
+            <a:schemeClr val="accent1"/>
+          </a:effectRef>
+          <a:fontRef idx="minor">
+            <a:schemeClr val="lt1"/>
+          </a:fontRef>
+        </p:style>
+        <p:txBody>
+          <a:bodyPr rtlCol="0" anchor="ctr"/>
+          <a:lstStyle/>
+          <a:p>
+            <a:pPr algn="ctr"/>
+            <a:endParaRPr kumimoji="1" lang="ja-JP" altLang="en-US"/>
+          </a:p>
+        </p:txBody>
+      </p:sp>
+      <p:sp>
+        <p:nvSpPr>
+          <p:cNvPr id="37" name="正方形/長方形 36">
+            <a:extLst>
+              <a:ext uri="{FF2B5EF4-FFF2-40B4-BE49-F238E27FC236}">
+                <a16:creationId xmlns:a16="http://schemas.microsoft.com/office/drawing/2014/main" id="{2FF47191-EB21-41F9-B811-9D26A30ECF54}"/>
+              </a:ext>
+            </a:extLst>
+          </p:cNvPr>
+          <p:cNvSpPr/>
+          <p:nvPr/>
+        </p:nvSpPr>
+        <p:spPr>
+          <a:xfrm>
+            <a:off x="8380219" y="3873367"/>
+            <a:ext cx="684878" cy="277625"/>
+          </a:xfrm>
+          <a:prstGeom prst="rect">
+            <a:avLst/>
+          </a:prstGeom>
+          <a:noFill/>
+          <a:ln w="38100">
+            <a:solidFill>
+              <a:srgbClr val="FF0000"/>
+            </a:solidFill>
+          </a:ln>
+        </p:spPr>
+        <p:style>
+          <a:lnRef idx="2">
+            <a:schemeClr val="accent1">
+              <a:shade val="50000"/>
+            </a:schemeClr>
+          </a:lnRef>
+          <a:fillRef idx="1">
+            <a:schemeClr val="accent1"/>
+          </a:fillRef>
+          <a:effectRef idx="0">
+            <a:schemeClr val="accent1"/>
+          </a:effectRef>
+          <a:fontRef idx="minor">
+            <a:schemeClr val="lt1"/>
+          </a:fontRef>
+        </p:style>
+        <p:txBody>
+          <a:bodyPr rtlCol="0" anchor="ctr"/>
+          <a:lstStyle/>
+          <a:p>
+            <a:pPr algn="ctr"/>
+            <a:endParaRPr kumimoji="1" lang="ja-JP" altLang="en-US"/>
+          </a:p>
+        </p:txBody>
+      </p:sp>
+      <p:sp>
+        <p:nvSpPr>
+          <p:cNvPr id="38" name="正方形/長方形 37">
+            <a:extLst>
+              <a:ext uri="{FF2B5EF4-FFF2-40B4-BE49-F238E27FC236}">
+                <a16:creationId xmlns:a16="http://schemas.microsoft.com/office/drawing/2014/main" id="{2E0F4EFE-CCC2-4956-B57D-3F12F3910AC8}"/>
+              </a:ext>
+            </a:extLst>
+          </p:cNvPr>
+          <p:cNvSpPr/>
+          <p:nvPr/>
+        </p:nvSpPr>
+        <p:spPr>
+          <a:xfrm>
+            <a:off x="6868775" y="3840556"/>
+            <a:ext cx="540137" cy="270000"/>
+          </a:xfrm>
+          <a:prstGeom prst="rect">
+            <a:avLst/>
+          </a:prstGeom>
+          <a:noFill/>
+          <a:ln w="38100"/>
+        </p:spPr>
+        <p:style>
+          <a:lnRef idx="2">
+            <a:schemeClr val="accent1">
+              <a:shade val="50000"/>
+            </a:schemeClr>
+          </a:lnRef>
+          <a:fillRef idx="1">
+            <a:schemeClr val="accent1"/>
+          </a:fillRef>
+          <a:effectRef idx="0">
+            <a:schemeClr val="accent1"/>
+          </a:effectRef>
+          <a:fontRef idx="minor">
+            <a:schemeClr val="lt1"/>
+          </a:fontRef>
+        </p:style>
+        <p:txBody>
+          <a:bodyPr rtlCol="0" anchor="ctr"/>
+          <a:lstStyle/>
+          <a:p>
+            <a:pPr algn="ctr"/>
+            <a:endParaRPr kumimoji="1" lang="ja-JP" altLang="en-US"/>
+          </a:p>
+        </p:txBody>
+      </p:sp>
+      <p:sp>
+        <p:nvSpPr>
+          <p:cNvPr id="40" name="正方形/長方形 39">
+            <a:extLst>
+              <a:ext uri="{FF2B5EF4-FFF2-40B4-BE49-F238E27FC236}">
+                <a16:creationId xmlns:a16="http://schemas.microsoft.com/office/drawing/2014/main" id="{7F1D994B-942C-4F18-8D98-122CC6C3292F}"/>
+              </a:ext>
+            </a:extLst>
+          </p:cNvPr>
+          <p:cNvSpPr/>
+          <p:nvPr/>
+        </p:nvSpPr>
+        <p:spPr>
+          <a:xfrm>
+            <a:off x="7792676" y="6770650"/>
+            <a:ext cx="4800810" cy="2638461"/>
+          </a:xfrm>
+          <a:prstGeom prst="rect">
+            <a:avLst/>
+          </a:prstGeom>
+          <a:noFill/>
+          <a:ln w="38100"/>
+        </p:spPr>
+        <p:style>
+          <a:lnRef idx="2">
+            <a:schemeClr val="accent1">
+              <a:shade val="50000"/>
+            </a:schemeClr>
+          </a:lnRef>
+          <a:fillRef idx="1">
+            <a:schemeClr val="accent1"/>
+          </a:fillRef>
+          <a:effectRef idx="0">
+            <a:schemeClr val="accent1"/>
+          </a:effectRef>
+          <a:fontRef idx="minor">
+            <a:schemeClr val="lt1"/>
+          </a:fontRef>
+        </p:style>
+        <p:txBody>
+          <a:bodyPr rtlCol="0" anchor="ctr"/>
+          <a:lstStyle/>
+          <a:p>
+            <a:pPr algn="ctr"/>
+            <a:endParaRPr kumimoji="1" lang="ja-JP" altLang="en-US"/>
+          </a:p>
+        </p:txBody>
+      </p:sp>
+      <p:sp>
+        <p:nvSpPr>
+          <p:cNvPr id="42" name="テキスト ボックス 41">
+            <a:extLst>
+              <a:ext uri="{FF2B5EF4-FFF2-40B4-BE49-F238E27FC236}">
+                <a16:creationId xmlns:a16="http://schemas.microsoft.com/office/drawing/2014/main" id="{2ED3112D-006D-4AB9-B730-CBEB06F64005}"/>
               </a:ext>
             </a:extLst>
           </p:cNvPr>
@@ -8588,8 +9053,8 @@
         </p:nvSpPr>
         <p:spPr>
           <a:xfrm>
-            <a:off x="6599172" y="7418746"/>
-            <a:ext cx="4862141" cy="338554"/>
+            <a:off x="4410329" y="6768793"/>
+            <a:ext cx="3298716" cy="1323439"/>
           </a:xfrm>
           <a:prstGeom prst="rect">
             <a:avLst/>
@@ -8602,7 +9067,6 @@
           </a:bodyPr>
           <a:lstStyle/>
           <a:p>
-            <a:pPr algn="ctr"/>
             <a:r>
               <a:rPr kumimoji="1" lang="ja-JP" altLang="en-US" dirty="0">
                 <a:latin typeface="HG丸ｺﾞｼｯｸM-PRO" panose="020F0600000000000000" pitchFamily="50" charset="-128"/>
@@ -8611,18 +9075,80 @@
               <a:t>図</a:t>
             </a:r>
             <a:r>
+              <a:rPr kumimoji="1" lang="en-US" altLang="ja-JP" dirty="0">
+                <a:latin typeface="HG丸ｺﾞｼｯｸM-PRO" panose="020F0600000000000000" pitchFamily="50" charset="-128"/>
+                <a:ea typeface="HG丸ｺﾞｼｯｸM-PRO" panose="020F0600000000000000" pitchFamily="50" charset="-128"/>
+              </a:rPr>
+              <a:t>7</a:t>
+            </a:r>
+            <a:r>
+              <a:rPr kumimoji="1" lang="ja-JP" altLang="en-US" dirty="0">
+                <a:latin typeface="HG丸ｺﾞｼｯｸM-PRO" panose="020F0600000000000000" pitchFamily="50" charset="-128"/>
+                <a:ea typeface="HG丸ｺﾞｼｯｸM-PRO" panose="020F0600000000000000" pitchFamily="50" charset="-128"/>
+              </a:rPr>
+              <a:t>の色枠で囲った部分をさらに詳しく図</a:t>
+            </a:r>
+            <a:r>
+              <a:rPr kumimoji="1" lang="en-US" altLang="ja-JP" dirty="0">
+                <a:latin typeface="HG丸ｺﾞｼｯｸM-PRO" panose="020F0600000000000000" pitchFamily="50" charset="-128"/>
+                <a:ea typeface="HG丸ｺﾞｼｯｸM-PRO" panose="020F0600000000000000" pitchFamily="50" charset="-128"/>
+              </a:rPr>
+              <a:t>7</a:t>
+            </a:r>
+            <a:r>
+              <a:rPr kumimoji="1" lang="ja-JP" altLang="en-US" dirty="0">
+                <a:latin typeface="HG丸ｺﾞｼｯｸM-PRO" panose="020F0600000000000000" pitchFamily="50" charset="-128"/>
+                <a:ea typeface="HG丸ｺﾞｼｯｸM-PRO" panose="020F0600000000000000" pitchFamily="50" charset="-128"/>
+              </a:rPr>
+              <a:t>～</a:t>
+            </a:r>
+            <a:r>
+              <a:rPr lang="ja-JP" altLang="en-US" dirty="0">
+                <a:latin typeface="HG丸ｺﾞｼｯｸM-PRO" panose="020F0600000000000000" pitchFamily="50" charset="-128"/>
+                <a:ea typeface="HG丸ｺﾞｼｯｸM-PRO" panose="020F0600000000000000" pitchFamily="50" charset="-128"/>
+              </a:rPr>
+              <a:t>図</a:t>
+            </a:r>
+            <a:r>
               <a:rPr lang="en-US" altLang="ja-JP" dirty="0">
                 <a:latin typeface="HG丸ｺﾞｼｯｸM-PRO" panose="020F0600000000000000" pitchFamily="50" charset="-128"/>
                 <a:ea typeface="HG丸ｺﾞｼｯｸM-PRO" panose="020F0600000000000000" pitchFamily="50" charset="-128"/>
               </a:rPr>
-              <a:t>6 </a:t>
+              <a:t>13</a:t>
             </a:r>
             <a:r>
               <a:rPr lang="ja-JP" altLang="en-US" dirty="0">
                 <a:latin typeface="HG丸ｺﾞｼｯｸM-PRO" panose="020F0600000000000000" pitchFamily="50" charset="-128"/>
                 <a:ea typeface="HG丸ｺﾞｼｯｸM-PRO" panose="020F0600000000000000" pitchFamily="50" charset="-128"/>
               </a:rPr>
-              <a:t>シーケンス図</a:t>
+              <a:t>で表す</a:t>
+            </a:r>
+            <a:br>
+              <a:rPr lang="en-US" altLang="ja-JP" dirty="0">
+                <a:latin typeface="HG丸ｺﾞｼｯｸM-PRO" panose="020F0600000000000000" pitchFamily="50" charset="-128"/>
+                <a:ea typeface="HG丸ｺﾞｼｯｸM-PRO" panose="020F0600000000000000" pitchFamily="50" charset="-128"/>
+              </a:rPr>
+            </a:br>
+            <a:r>
+              <a:rPr lang="ja-JP" altLang="en-US" dirty="0">
+                <a:latin typeface="HG丸ｺﾞｼｯｸM-PRO" panose="020F0600000000000000" pitchFamily="50" charset="-128"/>
+                <a:ea typeface="HG丸ｺﾞｼｯｸM-PRO" panose="020F0600000000000000" pitchFamily="50" charset="-128"/>
+              </a:rPr>
+              <a:t>図</a:t>
+            </a:r>
+            <a:r>
+              <a:rPr lang="en-US" altLang="ja-JP" dirty="0">
+                <a:latin typeface="HG丸ｺﾞｼｯｸM-PRO" panose="020F0600000000000000" pitchFamily="50" charset="-128"/>
+                <a:ea typeface="HG丸ｺﾞｼｯｸM-PRO" panose="020F0600000000000000" pitchFamily="50" charset="-128"/>
+              </a:rPr>
+              <a:t>7</a:t>
+            </a:r>
+            <a:r>
+              <a:rPr lang="ja-JP" altLang="en-US" dirty="0">
+                <a:latin typeface="HG丸ｺﾞｼｯｸM-PRO" panose="020F0600000000000000" pitchFamily="50" charset="-128"/>
+                <a:ea typeface="HG丸ｺﾞｼｯｸM-PRO" panose="020F0600000000000000" pitchFamily="50" charset="-128"/>
+              </a:rPr>
+              <a:t>で使用されている色枠と同色のもので囲われたものが対応する図となっている</a:t>
             </a:r>
             <a:endParaRPr kumimoji="1" lang="ja-JP" altLang="en-US" dirty="0">
               <a:latin typeface="HG丸ｺﾞｼｯｸM-PRO" panose="020F0600000000000000" pitchFamily="50" charset="-128"/>
@@ -8880,7 +9406,7 @@
         </p:nvSpPr>
         <p:spPr>
           <a:xfrm>
-            <a:off x="116230" y="1203617"/>
+            <a:off x="93002" y="1182144"/>
             <a:ext cx="12600000" cy="8352000"/>
           </a:xfrm>
           <a:prstGeom prst="rect">
@@ -9406,6 +9932,204 @@
           </a:p>
         </p:txBody>
       </p:sp>
+      <p:sp>
+        <p:nvSpPr>
+          <p:cNvPr id="17" name="テキスト ボックス 16">
+            <a:extLst>
+              <a:ext uri="{FF2B5EF4-FFF2-40B4-BE49-F238E27FC236}">
+                <a16:creationId xmlns:a16="http://schemas.microsoft.com/office/drawing/2014/main" id="{0DC06311-BA36-4C7C-B015-A5D92F655109}"/>
+              </a:ext>
+            </a:extLst>
+          </p:cNvPr>
+          <p:cNvSpPr txBox="1"/>
+          <p:nvPr/>
+        </p:nvSpPr>
+        <p:spPr>
+          <a:xfrm>
+            <a:off x="82487" y="1959768"/>
+            <a:ext cx="2436432" cy="338554"/>
+          </a:xfrm>
+          <a:prstGeom prst="rect">
+            <a:avLst/>
+          </a:prstGeom>
+          <a:noFill/>
+        </p:spPr>
+        <p:txBody>
+          <a:bodyPr wrap="square" rtlCol="0">
+            <a:spAutoFit/>
+          </a:bodyPr>
+          <a:lstStyle/>
+          <a:p>
+            <a:r>
+              <a:rPr lang="ja-JP" altLang="en-US" b="1" dirty="0">
+                <a:latin typeface="HG丸ｺﾞｼｯｸM-PRO" panose="020F0600000000000000" pitchFamily="50" charset="-128"/>
+                <a:ea typeface="HG丸ｺﾞｼｯｸM-PRO" panose="020F0600000000000000" pitchFamily="50" charset="-128"/>
+              </a:rPr>
+              <a:t>１．振る舞い②</a:t>
+            </a:r>
+            <a:endParaRPr kumimoji="1" lang="ja-JP" altLang="en-US" dirty="0"/>
+          </a:p>
+        </p:txBody>
+      </p:sp>
+      <p:cxnSp>
+        <p:nvCxnSpPr>
+          <p:cNvPr id="18" name="直線コネクタ 17">
+            <a:extLst>
+              <a:ext uri="{FF2B5EF4-FFF2-40B4-BE49-F238E27FC236}">
+                <a16:creationId xmlns:a16="http://schemas.microsoft.com/office/drawing/2014/main" id="{84CBF3E8-EDE8-4D9B-9683-B749FABE7F1F}"/>
+              </a:ext>
+            </a:extLst>
+          </p:cNvPr>
+          <p:cNvCxnSpPr>
+            <a:cxnSpLocks/>
+          </p:cNvCxnSpPr>
+          <p:nvPr/>
+        </p:nvCxnSpPr>
+        <p:spPr>
+          <a:xfrm flipV="1">
+            <a:off x="176472" y="2212922"/>
+            <a:ext cx="12417016" cy="66783"/>
+          </a:xfrm>
+          <a:prstGeom prst="line">
+            <a:avLst/>
+          </a:prstGeom>
+          <a:ln w="38100">
+            <a:solidFill>
+              <a:schemeClr val="accent6"/>
+            </a:solidFill>
+          </a:ln>
+        </p:spPr>
+        <p:style>
+          <a:lnRef idx="1">
+            <a:schemeClr val="accent1"/>
+          </a:lnRef>
+          <a:fillRef idx="0">
+            <a:schemeClr val="accent1"/>
+          </a:fillRef>
+          <a:effectRef idx="0">
+            <a:schemeClr val="accent1"/>
+          </a:effectRef>
+          <a:fontRef idx="minor">
+            <a:schemeClr val="tx1"/>
+          </a:fontRef>
+        </p:style>
+      </p:cxnSp>
+      <p:pic>
+        <p:nvPicPr>
+          <p:cNvPr id="7" name="図 6">
+            <a:extLst>
+              <a:ext uri="{FF2B5EF4-FFF2-40B4-BE49-F238E27FC236}">
+                <a16:creationId xmlns:a16="http://schemas.microsoft.com/office/drawing/2014/main" id="{C6B4D44D-8896-4C46-B042-7863E61D0ED2}"/>
+              </a:ext>
+            </a:extLst>
+          </p:cNvPr>
+          <p:cNvPicPr>
+            <a:picLocks noChangeAspect="1"/>
+          </p:cNvPicPr>
+          <p:nvPr/>
+        </p:nvPicPr>
+        <p:blipFill rotWithShape="1">
+          <a:blip r:embed="rId2"/>
+          <a:srcRect l="20578" t="22288" r="25250" b="16770"/>
+          <a:stretch/>
+        </p:blipFill>
+        <p:spPr>
+          <a:xfrm>
+            <a:off x="321398" y="2449091"/>
+            <a:ext cx="6151410" cy="3748501"/>
+          </a:xfrm>
+          <a:prstGeom prst="rect">
+            <a:avLst/>
+          </a:prstGeom>
+        </p:spPr>
+      </p:pic>
+      <p:pic>
+        <p:nvPicPr>
+          <p:cNvPr id="8" name="図 7">
+            <a:extLst>
+              <a:ext uri="{FF2B5EF4-FFF2-40B4-BE49-F238E27FC236}">
+                <a16:creationId xmlns:a16="http://schemas.microsoft.com/office/drawing/2014/main" id="{B352540B-EFA7-4CF4-ADA3-6F74F287F940}"/>
+              </a:ext>
+            </a:extLst>
+          </p:cNvPr>
+          <p:cNvPicPr>
+            <a:picLocks noChangeAspect="1"/>
+          </p:cNvPicPr>
+          <p:nvPr/>
+        </p:nvPicPr>
+        <p:blipFill rotWithShape="1">
+          <a:blip r:embed="rId3"/>
+          <a:srcRect l="14151" t="24666" r="32389" b="20882"/>
+          <a:stretch/>
+        </p:blipFill>
+        <p:spPr>
+          <a:xfrm>
+            <a:off x="6708395" y="2449091"/>
+            <a:ext cx="2532599" cy="2002320"/>
+          </a:xfrm>
+          <a:prstGeom prst="rect">
+            <a:avLst/>
+          </a:prstGeom>
+        </p:spPr>
+      </p:pic>
+      <p:pic>
+        <p:nvPicPr>
+          <p:cNvPr id="19" name="図 18">
+            <a:extLst>
+              <a:ext uri="{FF2B5EF4-FFF2-40B4-BE49-F238E27FC236}">
+                <a16:creationId xmlns:a16="http://schemas.microsoft.com/office/drawing/2014/main" id="{F9BB8A40-A3BD-45F3-B386-401C64D20575}"/>
+              </a:ext>
+            </a:extLst>
+          </p:cNvPr>
+          <p:cNvPicPr>
+            <a:picLocks noChangeAspect="1"/>
+          </p:cNvPicPr>
+          <p:nvPr/>
+        </p:nvPicPr>
+        <p:blipFill rotWithShape="1">
+          <a:blip r:embed="rId4"/>
+          <a:srcRect l="28625" t="14885" r="30313" b="19885"/>
+          <a:stretch/>
+        </p:blipFill>
+        <p:spPr>
+          <a:xfrm>
+            <a:off x="9384572" y="2449091"/>
+            <a:ext cx="3154336" cy="2714222"/>
+          </a:xfrm>
+          <a:prstGeom prst="rect">
+            <a:avLst/>
+          </a:prstGeom>
+        </p:spPr>
+      </p:pic>
+      <p:pic>
+        <p:nvPicPr>
+          <p:cNvPr id="20" name="図 19">
+            <a:extLst>
+              <a:ext uri="{FF2B5EF4-FFF2-40B4-BE49-F238E27FC236}">
+                <a16:creationId xmlns:a16="http://schemas.microsoft.com/office/drawing/2014/main" id="{299E4467-0069-4FF2-8179-DCB77A572EE9}"/>
+              </a:ext>
+            </a:extLst>
+          </p:cNvPr>
+          <p:cNvPicPr>
+            <a:picLocks noChangeAspect="1"/>
+          </p:cNvPicPr>
+          <p:nvPr/>
+        </p:nvPicPr>
+        <p:blipFill rotWithShape="1">
+          <a:blip r:embed="rId5"/>
+          <a:srcRect l="19186" t="27155" r="40159" b="31780"/>
+          <a:stretch/>
+        </p:blipFill>
+        <p:spPr>
+          <a:xfrm>
+            <a:off x="297487" y="6501295"/>
+            <a:ext cx="3171459" cy="1735216"/>
+          </a:xfrm>
+          <a:prstGeom prst="rect">
+            <a:avLst/>
+          </a:prstGeom>
+        </p:spPr>
+      </p:pic>
     </p:spTree>
     <p:extLst>
       <p:ext uri="{BB962C8B-B14F-4D97-AF65-F5344CB8AC3E}">

--- a/model_file_template_primary.pptx
+++ b/model_file_template_primary.pptx
@@ -13,8 +13,8 @@
   </p:handoutMasterIdLst>
   <p:sldIdLst>
     <p:sldId id="272" r:id="rId3"/>
-    <p:sldId id="259" r:id="rId4"/>
-    <p:sldId id="277" r:id="rId5"/>
+    <p:sldId id="281" r:id="rId4"/>
+    <p:sldId id="282" r:id="rId5"/>
     <p:sldId id="278" r:id="rId6"/>
     <p:sldId id="280" r:id="rId7"/>
     <p:sldId id="279" r:id="rId8"/>
@@ -156,8 +156,8 @@
         </p14:section>
         <p14:section name="モデル図ページ（プライマリークラス）" id="{8B2B3982-7BAC-4EE5-974E-E0EE0719EC85}">
           <p14:sldIdLst>
-            <p14:sldId id="259"/>
-            <p14:sldId id="277"/>
+            <p14:sldId id="281"/>
+            <p14:sldId id="282"/>
             <p14:sldId id="278"/>
             <p14:sldId id="280"/>
             <p14:sldId id="279"/>
@@ -4283,10 +4283,10 @@
       </p:grpSpPr>
       <p:sp>
         <p:nvSpPr>
-          <p:cNvPr id="15" name="四角形: 角を丸くする 14">
-            <a:extLst>
-              <a:ext uri="{FF2B5EF4-FFF2-40B4-BE49-F238E27FC236}">
-                <a16:creationId xmlns:a16="http://schemas.microsoft.com/office/drawing/2014/main" id="{A9B96D26-795E-44A3-9A17-D2913FF49DAB}"/>
+          <p:cNvPr id="13" name="四角形: 角を丸くする 12">
+            <a:extLst>
+              <a:ext uri="{FF2B5EF4-FFF2-40B4-BE49-F238E27FC236}">
+                <a16:creationId xmlns:a16="http://schemas.microsoft.com/office/drawing/2014/main" id="{84934B8C-C644-49A7-8C50-B417AAAD4BD4}"/>
               </a:ext>
             </a:extLst>
           </p:cNvPr>
@@ -4295,111 +4295,7 @@
         </p:nvSpPr>
         <p:spPr>
           <a:xfrm>
-            <a:off x="7670181" y="695896"/>
-            <a:ext cx="2520000" cy="1152297"/>
-          </a:xfrm>
-          <a:prstGeom prst="roundRect">
-            <a:avLst/>
-          </a:prstGeom>
-          <a:ln w="28575">
-            <a:solidFill>
-              <a:schemeClr val="accent6">
-                <a:lumMod val="60000"/>
-                <a:lumOff val="40000"/>
-              </a:schemeClr>
-            </a:solidFill>
-          </a:ln>
-        </p:spPr>
-        <p:style>
-          <a:lnRef idx="2">
-            <a:schemeClr val="accent6"/>
-          </a:lnRef>
-          <a:fillRef idx="1">
-            <a:schemeClr val="lt1"/>
-          </a:fillRef>
-          <a:effectRef idx="0">
-            <a:schemeClr val="accent6"/>
-          </a:effectRef>
-          <a:fontRef idx="minor">
-            <a:schemeClr val="dk1"/>
-          </a:fontRef>
-        </p:style>
-        <p:txBody>
-          <a:bodyPr rtlCol="0" anchor="ctr"/>
-          <a:lstStyle/>
-          <a:p>
-            <a:pPr algn="ctr"/>
-            <a:endParaRPr kumimoji="1" lang="ja-JP" altLang="en-US"/>
-          </a:p>
-        </p:txBody>
-      </p:sp>
-      <p:sp>
-        <p:nvSpPr>
-          <p:cNvPr id="14" name="四角形: 角を丸くする 13">
-            <a:extLst>
-              <a:ext uri="{FF2B5EF4-FFF2-40B4-BE49-F238E27FC236}">
-                <a16:creationId xmlns:a16="http://schemas.microsoft.com/office/drawing/2014/main" id="{5DFFF80D-32F6-4641-A456-86DEF48B839E}"/>
-              </a:ext>
-            </a:extLst>
-          </p:cNvPr>
-          <p:cNvSpPr/>
-          <p:nvPr/>
-        </p:nvSpPr>
-        <p:spPr>
-          <a:xfrm>
-            <a:off x="5150181" y="695896"/>
-            <a:ext cx="2520000" cy="1080368"/>
-          </a:xfrm>
-          <a:prstGeom prst="roundRect">
-            <a:avLst/>
-          </a:prstGeom>
-          <a:ln w="28575">
-            <a:solidFill>
-              <a:schemeClr val="accent6">
-                <a:lumMod val="60000"/>
-                <a:lumOff val="40000"/>
-              </a:schemeClr>
-            </a:solidFill>
-          </a:ln>
-        </p:spPr>
-        <p:style>
-          <a:lnRef idx="2">
-            <a:schemeClr val="accent6"/>
-          </a:lnRef>
-          <a:fillRef idx="1">
-            <a:schemeClr val="lt1"/>
-          </a:fillRef>
-          <a:effectRef idx="0">
-            <a:schemeClr val="accent6"/>
-          </a:effectRef>
-          <a:fontRef idx="minor">
-            <a:schemeClr val="dk1"/>
-          </a:fontRef>
-        </p:style>
-        <p:txBody>
-          <a:bodyPr rtlCol="0" anchor="ctr"/>
-          <a:lstStyle/>
-          <a:p>
-            <a:pPr algn="ctr"/>
-            <a:endParaRPr kumimoji="1" lang="ja-JP" altLang="en-US"/>
-          </a:p>
-        </p:txBody>
-      </p:sp>
-      <p:sp>
-        <p:nvSpPr>
-          <p:cNvPr id="13" name="四角形: 角を丸くする 12">
-            <a:extLst>
-              <a:ext uri="{FF2B5EF4-FFF2-40B4-BE49-F238E27FC236}">
-                <a16:creationId xmlns:a16="http://schemas.microsoft.com/office/drawing/2014/main" id="{84934B8C-C644-49A7-8C50-B417AAAD4BD4}"/>
-              </a:ext>
-            </a:extLst>
-          </p:cNvPr>
-          <p:cNvSpPr/>
-          <p:nvPr/>
-        </p:nvSpPr>
-        <p:spPr>
-          <a:xfrm>
-            <a:off x="2626849" y="695896"/>
+            <a:off x="2626849" y="408112"/>
             <a:ext cx="2520000" cy="1368400"/>
           </a:xfrm>
           <a:prstGeom prst="roundRect">
@@ -4434,8 +4330,37 @@
           <a:bodyPr rtlCol="0" anchor="ctr"/>
           <a:lstStyle/>
           <a:p>
-            <a:pPr algn="ctr"/>
-            <a:endParaRPr kumimoji="1" lang="ja-JP" altLang="en-US"/>
+            <a:pPr marL="0" marR="0" lvl="0" indent="0" algn="ctr" defTabSz="914400" rtl="0" eaLnBrk="1" fontAlgn="base" latinLnBrk="0" hangingPunct="1">
+              <a:lnSpc>
+                <a:spcPct val="100000"/>
+              </a:lnSpc>
+              <a:spcBef>
+                <a:spcPct val="0"/>
+              </a:spcBef>
+              <a:spcAft>
+                <a:spcPct val="0"/>
+              </a:spcAft>
+              <a:buClrTx/>
+              <a:buSzTx/>
+              <a:buFontTx/>
+              <a:buNone/>
+              <a:tabLst/>
+              <a:defRPr/>
+            </a:pPr>
+            <a:endParaRPr kumimoji="1" lang="ja-JP" altLang="en-US" sz="1600" b="0" i="0" u="none" strike="noStrike" kern="1200" cap="none" spc="0" normalizeH="0" baseline="0" noProof="0">
+              <a:ln>
+                <a:noFill/>
+              </a:ln>
+              <a:solidFill>
+                <a:prstClr val="black"/>
+              </a:solidFill>
+              <a:effectLst/>
+              <a:uLnTx/>
+              <a:uFillTx/>
+              <a:latin typeface="游ゴシック" panose="020F0502020204030204"/>
+              <a:ea typeface="游ゴシック" panose="020B0400000000000000" pitchFamily="50" charset="-128"/>
+              <a:cs typeface="+mn-cs"/>
+            </a:endParaRPr>
           </a:p>
         </p:txBody>
       </p:sp>
@@ -4453,7 +4378,7 @@
         </p:nvSpPr>
         <p:spPr>
           <a:xfrm>
-            <a:off x="100800" y="480120"/>
+            <a:off x="100800" y="192088"/>
             <a:ext cx="2520000" cy="1224384"/>
           </a:xfrm>
           <a:prstGeom prst="roundRect">
@@ -4461,6 +4386,9 @@
               <a:gd name="adj" fmla="val 13842"/>
             </a:avLst>
           </a:prstGeom>
+          <a:solidFill>
+            <a:schemeClr val="accent6"/>
+          </a:solidFill>
           <a:ln w="38100"/>
         </p:spPr>
         <p:style>
@@ -4481,17 +4409,46 @@
           <a:bodyPr rtlCol="0" anchor="ctr"/>
           <a:lstStyle/>
           <a:p>
-            <a:pPr algn="ctr"/>
-            <a:endParaRPr kumimoji="1" lang="ja-JP" altLang="en-US" dirty="0"/>
+            <a:pPr marL="0" marR="0" lvl="0" indent="0" algn="ctr" defTabSz="914400" rtl="0" eaLnBrk="1" fontAlgn="base" latinLnBrk="0" hangingPunct="1">
+              <a:lnSpc>
+                <a:spcPct val="100000"/>
+              </a:lnSpc>
+              <a:spcBef>
+                <a:spcPct val="0"/>
+              </a:spcBef>
+              <a:spcAft>
+                <a:spcPct val="0"/>
+              </a:spcAft>
+              <a:buClrTx/>
+              <a:buSzTx/>
+              <a:buFontTx/>
+              <a:buNone/>
+              <a:tabLst/>
+              <a:defRPr/>
+            </a:pPr>
+            <a:endParaRPr kumimoji="1" lang="ja-JP" altLang="en-US" sz="1600" b="0" i="0" u="none" strike="noStrike" kern="1200" cap="none" spc="0" normalizeH="0" baseline="0" noProof="0" dirty="0">
+              <a:ln>
+                <a:noFill/>
+              </a:ln>
+              <a:solidFill>
+                <a:prstClr val="black"/>
+              </a:solidFill>
+              <a:effectLst/>
+              <a:uLnTx/>
+              <a:uFillTx/>
+              <a:latin typeface="游ゴシック" panose="020F0502020204030204"/>
+              <a:ea typeface="游ゴシック" panose="020B0400000000000000" pitchFamily="50" charset="-128"/>
+              <a:cs typeface="+mn-cs"/>
+            </a:endParaRPr>
           </a:p>
         </p:txBody>
       </p:sp>
       <p:sp>
         <p:nvSpPr>
-          <p:cNvPr id="11" name="正方形/長方形 10">
-            <a:extLst>
-              <a:ext uri="{FF2B5EF4-FFF2-40B4-BE49-F238E27FC236}">
-                <a16:creationId xmlns:a16="http://schemas.microsoft.com/office/drawing/2014/main" id="{4CF528F6-0D59-4A16-899E-E9075561CAD3}"/>
+          <p:cNvPr id="15" name="四角形: 角を丸くする 14">
+            <a:extLst>
+              <a:ext uri="{FF2B5EF4-FFF2-40B4-BE49-F238E27FC236}">
+                <a16:creationId xmlns:a16="http://schemas.microsoft.com/office/drawing/2014/main" id="{A9B96D26-795E-44A3-9A17-D2913FF49DAB}"/>
               </a:ext>
             </a:extLst>
           </p:cNvPr>
@@ -4500,1203 +4457,7 @@
         </p:nvSpPr>
         <p:spPr>
           <a:xfrm>
-            <a:off x="111192" y="1159152"/>
-            <a:ext cx="12600000" cy="8352000"/>
-          </a:xfrm>
-          <a:prstGeom prst="rect">
-            <a:avLst/>
-          </a:prstGeom>
-          <a:ln w="38100">
-            <a:headEnd type="none" w="med" len="med"/>
-            <a:tailEnd type="none" w="med" len="med"/>
-          </a:ln>
-        </p:spPr>
-        <p:style>
-          <a:lnRef idx="2">
-            <a:schemeClr val="accent6"/>
-          </a:lnRef>
-          <a:fillRef idx="1">
-            <a:schemeClr val="lt1"/>
-          </a:fillRef>
-          <a:effectRef idx="0">
-            <a:schemeClr val="accent6"/>
-          </a:effectRef>
-          <a:fontRef idx="minor">
-            <a:schemeClr val="dk1"/>
-          </a:fontRef>
-        </p:style>
-        <p:txBody>
-          <a:bodyPr rtlCol="0" anchor="ctr"/>
-          <a:lstStyle/>
-          <a:p>
-            <a:pPr algn="ctr"/>
-            <a:endParaRPr kumimoji="1" lang="ja-JP" altLang="en-US" dirty="0"/>
-          </a:p>
-        </p:txBody>
-      </p:sp>
-      <p:sp>
-        <p:nvSpPr>
-          <p:cNvPr id="3" name="テキスト ボックス 2">
-            <a:extLst>
-              <a:ext uri="{FF2B5EF4-FFF2-40B4-BE49-F238E27FC236}">
-                <a16:creationId xmlns:a16="http://schemas.microsoft.com/office/drawing/2014/main" id="{4A839BC4-54BA-4246-90D0-1001B466FC18}"/>
-              </a:ext>
-            </a:extLst>
-          </p:cNvPr>
-          <p:cNvSpPr txBox="1"/>
-          <p:nvPr/>
-        </p:nvSpPr>
-        <p:spPr>
-          <a:xfrm>
-            <a:off x="284707" y="604595"/>
-            <a:ext cx="2122161" cy="430887"/>
-          </a:xfrm>
-          <a:prstGeom prst="rect">
-            <a:avLst/>
-          </a:prstGeom>
-          <a:noFill/>
-          <a:ln>
-            <a:noFill/>
-          </a:ln>
-        </p:spPr>
-        <p:style>
-          <a:lnRef idx="0">
-            <a:scrgbClr r="0" g="0" b="0"/>
-          </a:lnRef>
-          <a:fillRef idx="0">
-            <a:scrgbClr r="0" g="0" b="0"/>
-          </a:fillRef>
-          <a:effectRef idx="0">
-            <a:scrgbClr r="0" g="0" b="0"/>
-          </a:effectRef>
-          <a:fontRef idx="minor">
-            <a:schemeClr val="dk1"/>
-          </a:fontRef>
-        </p:style>
-        <p:txBody>
-          <a:bodyPr wrap="square" rtlCol="0">
-            <a:spAutoFit/>
-          </a:bodyPr>
-          <a:lstStyle/>
-          <a:p>
-            <a:r>
-              <a:rPr lang="ja-JP" altLang="en-US" sz="2200" dirty="0">
-                <a:solidFill>
-                  <a:schemeClr val="accent6">
-                    <a:lumMod val="75000"/>
-                  </a:schemeClr>
-                </a:solidFill>
-                <a:latin typeface="HG創英角ｺﾞｼｯｸUB" panose="020B0909000000000000" pitchFamily="49" charset="-128"/>
-                <a:ea typeface="HG創英角ｺﾞｼｯｸUB" panose="020B0909000000000000" pitchFamily="49" charset="-128"/>
-              </a:rPr>
-              <a:t>１</a:t>
-            </a:r>
-            <a:r>
-              <a:rPr lang="en-US" altLang="ja-JP" sz="2200" b="1" dirty="0">
-                <a:solidFill>
-                  <a:schemeClr val="accent6">
-                    <a:lumMod val="75000"/>
-                  </a:schemeClr>
-                </a:solidFill>
-                <a:latin typeface="HG創英角ｺﾞｼｯｸUB" panose="020B0909000000000000" pitchFamily="49" charset="-128"/>
-                <a:ea typeface="HG創英角ｺﾞｼｯｸUB" panose="020B0909000000000000" pitchFamily="49" charset="-128"/>
-              </a:rPr>
-              <a:t>.</a:t>
-            </a:r>
-            <a:r>
-              <a:rPr lang="ja-JP" altLang="en-US" sz="2200" dirty="0">
-                <a:solidFill>
-                  <a:schemeClr val="accent6">
-                    <a:lumMod val="75000"/>
-                  </a:schemeClr>
-                </a:solidFill>
-                <a:latin typeface="HG創英角ｺﾞｼｯｸUB" panose="020B0909000000000000" pitchFamily="49" charset="-128"/>
-                <a:ea typeface="HG創英角ｺﾞｼｯｸUB" panose="020B0909000000000000" pitchFamily="49" charset="-128"/>
-              </a:rPr>
-              <a:t>機能モデル</a:t>
-            </a:r>
-            <a:endParaRPr lang="en-US" altLang="ja-JP" sz="2200" dirty="0">
-              <a:solidFill>
-                <a:schemeClr val="accent6">
-                  <a:lumMod val="75000"/>
-                </a:schemeClr>
-              </a:solidFill>
-              <a:latin typeface="HG創英角ｺﾞｼｯｸUB" panose="020B0909000000000000" pitchFamily="49" charset="-128"/>
-              <a:ea typeface="HG創英角ｺﾞｼｯｸUB" panose="020B0909000000000000" pitchFamily="49" charset="-128"/>
-            </a:endParaRPr>
-          </a:p>
-        </p:txBody>
-      </p:sp>
-      <p:sp>
-        <p:nvSpPr>
-          <p:cNvPr id="9" name="テキスト ボックス 8">
-            <a:extLst>
-              <a:ext uri="{FF2B5EF4-FFF2-40B4-BE49-F238E27FC236}">
-                <a16:creationId xmlns:a16="http://schemas.microsoft.com/office/drawing/2014/main" id="{27FC2256-755B-4562-8E23-88557EE81276}"/>
-              </a:ext>
-            </a:extLst>
-          </p:cNvPr>
-          <p:cNvSpPr txBox="1"/>
-          <p:nvPr/>
-        </p:nvSpPr>
-        <p:spPr>
-          <a:xfrm>
-            <a:off x="2887906" y="734907"/>
-            <a:ext cx="2002046" cy="430887"/>
-          </a:xfrm>
-          <a:prstGeom prst="rect">
-            <a:avLst/>
-          </a:prstGeom>
-          <a:noFill/>
-          <a:ln>
-            <a:noFill/>
-          </a:ln>
-        </p:spPr>
-        <p:style>
-          <a:lnRef idx="0">
-            <a:scrgbClr r="0" g="0" b="0"/>
-          </a:lnRef>
-          <a:fillRef idx="0">
-            <a:scrgbClr r="0" g="0" b="0"/>
-          </a:fillRef>
-          <a:effectRef idx="0">
-            <a:scrgbClr r="0" g="0" b="0"/>
-          </a:effectRef>
-          <a:fontRef idx="minor">
-            <a:schemeClr val="dk1"/>
-          </a:fontRef>
-        </p:style>
-        <p:txBody>
-          <a:bodyPr wrap="square" rtlCol="0">
-            <a:spAutoFit/>
-          </a:bodyPr>
-          <a:lstStyle/>
-          <a:p>
-            <a:r>
-              <a:rPr lang="ja-JP" altLang="en-US" sz="2200" dirty="0">
-                <a:solidFill>
-                  <a:schemeClr val="accent6">
-                    <a:lumMod val="60000"/>
-                    <a:lumOff val="40000"/>
-                  </a:schemeClr>
-                </a:solidFill>
-                <a:latin typeface="HG創英角ｺﾞｼｯｸUB" panose="020B0909000000000000" pitchFamily="49" charset="-128"/>
-                <a:ea typeface="HG創英角ｺﾞｼｯｸUB" panose="020B0909000000000000" pitchFamily="49" charset="-128"/>
-              </a:rPr>
-              <a:t>２</a:t>
-            </a:r>
-            <a:r>
-              <a:rPr lang="en-US" altLang="ja-JP" sz="2200" b="1" dirty="0">
-                <a:solidFill>
-                  <a:schemeClr val="accent6">
-                    <a:lumMod val="60000"/>
-                    <a:lumOff val="40000"/>
-                  </a:schemeClr>
-                </a:solidFill>
-                <a:latin typeface="HG創英角ｺﾞｼｯｸUB" panose="020B0909000000000000" pitchFamily="49" charset="-128"/>
-                <a:ea typeface="HG創英角ｺﾞｼｯｸUB" panose="020B0909000000000000" pitchFamily="49" charset="-128"/>
-              </a:rPr>
-              <a:t>.</a:t>
-            </a:r>
-            <a:r>
-              <a:rPr lang="ja-JP" altLang="en-US" sz="2200" dirty="0">
-                <a:solidFill>
-                  <a:schemeClr val="accent6">
-                    <a:lumMod val="60000"/>
-                    <a:lumOff val="40000"/>
-                  </a:schemeClr>
-                </a:solidFill>
-                <a:latin typeface="HG創英角ｺﾞｼｯｸUB" panose="020B0909000000000000" pitchFamily="49" charset="-128"/>
-                <a:ea typeface="HG創英角ｺﾞｼｯｸUB" panose="020B0909000000000000" pitchFamily="49" charset="-128"/>
-              </a:rPr>
-              <a:t>構造モデル</a:t>
-            </a:r>
-            <a:endParaRPr lang="en-US" altLang="ja-JP" sz="2200" dirty="0">
-              <a:solidFill>
-                <a:schemeClr val="accent6">
-                  <a:lumMod val="60000"/>
-                  <a:lumOff val="40000"/>
-                </a:schemeClr>
-              </a:solidFill>
-              <a:latin typeface="HG創英角ｺﾞｼｯｸUB" panose="020B0909000000000000" pitchFamily="49" charset="-128"/>
-              <a:ea typeface="HG創英角ｺﾞｼｯｸUB" panose="020B0909000000000000" pitchFamily="49" charset="-128"/>
-            </a:endParaRPr>
-          </a:p>
-        </p:txBody>
-      </p:sp>
-      <p:sp>
-        <p:nvSpPr>
-          <p:cNvPr id="10" name="テキスト ボックス 9">
-            <a:extLst>
-              <a:ext uri="{FF2B5EF4-FFF2-40B4-BE49-F238E27FC236}">
-                <a16:creationId xmlns:a16="http://schemas.microsoft.com/office/drawing/2014/main" id="{6B6DE600-02D5-4297-AB70-824D28CEE6FA}"/>
-              </a:ext>
-            </a:extLst>
-          </p:cNvPr>
-          <p:cNvSpPr txBox="1"/>
-          <p:nvPr/>
-        </p:nvSpPr>
-        <p:spPr>
-          <a:xfrm>
-            <a:off x="5159562" y="739023"/>
-            <a:ext cx="2577483" cy="446276"/>
-          </a:xfrm>
-          <a:prstGeom prst="rect">
-            <a:avLst/>
-          </a:prstGeom>
-          <a:noFill/>
-          <a:ln>
-            <a:noFill/>
-          </a:ln>
-        </p:spPr>
-        <p:style>
-          <a:lnRef idx="0">
-            <a:scrgbClr r="0" g="0" b="0"/>
-          </a:lnRef>
-          <a:fillRef idx="0">
-            <a:scrgbClr r="0" g="0" b="0"/>
-          </a:fillRef>
-          <a:effectRef idx="0">
-            <a:scrgbClr r="0" g="0" b="0"/>
-          </a:effectRef>
-          <a:fontRef idx="minor">
-            <a:schemeClr val="dk1"/>
-          </a:fontRef>
-        </p:style>
-        <p:txBody>
-          <a:bodyPr wrap="square" rtlCol="0">
-            <a:spAutoFit/>
-          </a:bodyPr>
-          <a:lstStyle/>
-          <a:p>
-            <a:r>
-              <a:rPr lang="ja-JP" altLang="en-US" sz="2200" dirty="0">
-                <a:solidFill>
-                  <a:schemeClr val="accent6">
-                    <a:lumMod val="60000"/>
-                    <a:lumOff val="40000"/>
-                  </a:schemeClr>
-                </a:solidFill>
-                <a:latin typeface="HG創英角ｺﾞｼｯｸUB" panose="020B0909000000000000" pitchFamily="49" charset="-128"/>
-                <a:ea typeface="HG創英角ｺﾞｼｯｸUB" panose="020B0909000000000000" pitchFamily="49" charset="-128"/>
-              </a:rPr>
-              <a:t>３</a:t>
-            </a:r>
-            <a:r>
-              <a:rPr lang="en-US" altLang="ja-JP" sz="2200" b="1" dirty="0">
-                <a:solidFill>
-                  <a:schemeClr val="accent6">
-                    <a:lumMod val="60000"/>
-                    <a:lumOff val="40000"/>
-                  </a:schemeClr>
-                </a:solidFill>
-                <a:latin typeface="HG創英角ｺﾞｼｯｸUB" panose="020B0909000000000000" pitchFamily="49" charset="-128"/>
-                <a:ea typeface="HG創英角ｺﾞｼｯｸUB" panose="020B0909000000000000" pitchFamily="49" charset="-128"/>
-              </a:rPr>
-              <a:t>.</a:t>
-            </a:r>
-            <a:r>
-              <a:rPr lang="ja-JP" altLang="en-US" sz="2200" dirty="0">
-                <a:solidFill>
-                  <a:schemeClr val="accent6">
-                    <a:lumMod val="60000"/>
-                    <a:lumOff val="40000"/>
-                  </a:schemeClr>
-                </a:solidFill>
-                <a:latin typeface="HG創英角ｺﾞｼｯｸUB" panose="020B0909000000000000" pitchFamily="49" charset="-128"/>
-                <a:ea typeface="HG創英角ｺﾞｼｯｸUB" panose="020B0909000000000000" pitchFamily="49" charset="-128"/>
-              </a:rPr>
-              <a:t>振る舞いモデル</a:t>
-            </a:r>
-            <a:endParaRPr lang="en-US" altLang="ja-JP" sz="2200" dirty="0">
-              <a:solidFill>
-                <a:schemeClr val="accent6">
-                  <a:lumMod val="60000"/>
-                  <a:lumOff val="40000"/>
-                </a:schemeClr>
-              </a:solidFill>
-              <a:latin typeface="HG創英角ｺﾞｼｯｸUB" panose="020B0909000000000000" pitchFamily="49" charset="-128"/>
-              <a:ea typeface="HG創英角ｺﾞｼｯｸUB" panose="020B0909000000000000" pitchFamily="49" charset="-128"/>
-            </a:endParaRPr>
-          </a:p>
-        </p:txBody>
-      </p:sp>
-      <p:sp>
-        <p:nvSpPr>
-          <p:cNvPr id="16" name="テキスト ボックス 15">
-            <a:extLst>
-              <a:ext uri="{FF2B5EF4-FFF2-40B4-BE49-F238E27FC236}">
-                <a16:creationId xmlns:a16="http://schemas.microsoft.com/office/drawing/2014/main" id="{B2857B95-E44E-4693-9BF6-518968E8AB21}"/>
-              </a:ext>
-            </a:extLst>
-          </p:cNvPr>
-          <p:cNvSpPr txBox="1"/>
-          <p:nvPr/>
-        </p:nvSpPr>
-        <p:spPr>
-          <a:xfrm>
-            <a:off x="8207348" y="729467"/>
-            <a:ext cx="1445666" cy="430887"/>
-          </a:xfrm>
-          <a:prstGeom prst="rect">
-            <a:avLst/>
-          </a:prstGeom>
-          <a:noFill/>
-          <a:ln>
-            <a:noFill/>
-          </a:ln>
-        </p:spPr>
-        <p:style>
-          <a:lnRef idx="0">
-            <a:scrgbClr r="0" g="0" b="0"/>
-          </a:lnRef>
-          <a:fillRef idx="0">
-            <a:scrgbClr r="0" g="0" b="0"/>
-          </a:fillRef>
-          <a:effectRef idx="0">
-            <a:scrgbClr r="0" g="0" b="0"/>
-          </a:effectRef>
-          <a:fontRef idx="minor">
-            <a:schemeClr val="dk1"/>
-          </a:fontRef>
-        </p:style>
-        <p:txBody>
-          <a:bodyPr wrap="square" rtlCol="0">
-            <a:spAutoFit/>
-          </a:bodyPr>
-          <a:lstStyle/>
-          <a:p>
-            <a:r>
-              <a:rPr lang="ja-JP" altLang="en-US" sz="2200" dirty="0">
-                <a:solidFill>
-                  <a:schemeClr val="accent6">
-                    <a:lumMod val="60000"/>
-                    <a:lumOff val="40000"/>
-                  </a:schemeClr>
-                </a:solidFill>
-                <a:latin typeface="HG創英角ｺﾞｼｯｸUB" panose="020B0909000000000000" pitchFamily="49" charset="-128"/>
-                <a:ea typeface="HG創英角ｺﾞｼｯｸUB" panose="020B0909000000000000" pitchFamily="49" charset="-128"/>
-              </a:rPr>
-              <a:t>４</a:t>
-            </a:r>
-            <a:r>
-              <a:rPr lang="en-US" altLang="ja-JP" sz="2200" b="1" dirty="0">
-                <a:solidFill>
-                  <a:schemeClr val="accent6">
-                    <a:lumMod val="60000"/>
-                    <a:lumOff val="40000"/>
-                  </a:schemeClr>
-                </a:solidFill>
-                <a:latin typeface="HG創英角ｺﾞｼｯｸUB" panose="020B0909000000000000" pitchFamily="49" charset="-128"/>
-                <a:ea typeface="HG創英角ｺﾞｼｯｸUB" panose="020B0909000000000000" pitchFamily="49" charset="-128"/>
-              </a:rPr>
-              <a:t>.</a:t>
-            </a:r>
-            <a:r>
-              <a:rPr lang="ja-JP" altLang="en-US" sz="2200" dirty="0">
-                <a:solidFill>
-                  <a:schemeClr val="accent6">
-                    <a:lumMod val="60000"/>
-                    <a:lumOff val="40000"/>
-                  </a:schemeClr>
-                </a:solidFill>
-                <a:latin typeface="HG創英角ｺﾞｼｯｸUB" panose="020B0909000000000000" pitchFamily="49" charset="-128"/>
-                <a:ea typeface="HG創英角ｺﾞｼｯｸUB" panose="020B0909000000000000" pitchFamily="49" charset="-128"/>
-              </a:rPr>
-              <a:t>工夫点</a:t>
-            </a:r>
-            <a:endParaRPr lang="en-US" altLang="ja-JP" sz="2200" dirty="0">
-              <a:solidFill>
-                <a:schemeClr val="accent6">
-                  <a:lumMod val="60000"/>
-                  <a:lumOff val="40000"/>
-                </a:schemeClr>
-              </a:solidFill>
-              <a:latin typeface="HG創英角ｺﾞｼｯｸUB" panose="020B0909000000000000" pitchFamily="49" charset="-128"/>
-              <a:ea typeface="HG創英角ｺﾞｼｯｸUB" panose="020B0909000000000000" pitchFamily="49" charset="-128"/>
-            </a:endParaRPr>
-          </a:p>
-        </p:txBody>
-      </p:sp>
-      <p:sp>
-        <p:nvSpPr>
-          <p:cNvPr id="4" name="正方形/長方形 3">
-            <a:extLst>
-              <a:ext uri="{FF2B5EF4-FFF2-40B4-BE49-F238E27FC236}">
-                <a16:creationId xmlns:a16="http://schemas.microsoft.com/office/drawing/2014/main" id="{3680C864-60B8-4F14-9653-302A07051B92}"/>
-              </a:ext>
-            </a:extLst>
-          </p:cNvPr>
-          <p:cNvSpPr/>
-          <p:nvPr/>
-        </p:nvSpPr>
-        <p:spPr>
-          <a:xfrm>
-            <a:off x="119018" y="1159152"/>
-            <a:ext cx="2340000" cy="720000"/>
-          </a:xfrm>
-          <a:prstGeom prst="rect">
-            <a:avLst/>
-          </a:prstGeom>
-          <a:ln>
-            <a:noFill/>
-          </a:ln>
-        </p:spPr>
-        <p:style>
-          <a:lnRef idx="3">
-            <a:schemeClr val="lt1"/>
-          </a:lnRef>
-          <a:fillRef idx="1">
-            <a:schemeClr val="accent6"/>
-          </a:fillRef>
-          <a:effectRef idx="1">
-            <a:schemeClr val="accent6"/>
-          </a:effectRef>
-          <a:fontRef idx="minor">
-            <a:schemeClr val="lt1"/>
-          </a:fontRef>
-        </p:style>
-        <p:txBody>
-          <a:bodyPr rtlCol="0" anchor="ctr"/>
-          <a:lstStyle/>
-          <a:p>
-            <a:pPr algn="ctr"/>
-            <a:endParaRPr kumimoji="1" lang="ja-JP" altLang="en-US"/>
-          </a:p>
-        </p:txBody>
-      </p:sp>
-      <p:sp>
-        <p:nvSpPr>
-          <p:cNvPr id="6" name="テキスト ボックス 5">
-            <a:extLst>
-              <a:ext uri="{FF2B5EF4-FFF2-40B4-BE49-F238E27FC236}">
-                <a16:creationId xmlns:a16="http://schemas.microsoft.com/office/drawing/2014/main" id="{86E542D6-2597-4479-8069-7E76879CA3E5}"/>
-              </a:ext>
-            </a:extLst>
-          </p:cNvPr>
-          <p:cNvSpPr txBox="1"/>
-          <p:nvPr/>
-        </p:nvSpPr>
-        <p:spPr>
-          <a:xfrm>
-            <a:off x="163201" y="1320363"/>
-            <a:ext cx="1935588" cy="400110"/>
-          </a:xfrm>
-          <a:prstGeom prst="rect">
-            <a:avLst/>
-          </a:prstGeom>
-          <a:noFill/>
-        </p:spPr>
-        <p:txBody>
-          <a:bodyPr wrap="square" rtlCol="0">
-            <a:spAutoFit/>
-          </a:bodyPr>
-          <a:lstStyle/>
-          <a:p>
-            <a:r>
-              <a:rPr kumimoji="1" lang="ja-JP" altLang="en-US" sz="2000" dirty="0">
-                <a:solidFill>
-                  <a:schemeClr val="bg1"/>
-                </a:solidFill>
-                <a:latin typeface="HG創英角ｺﾞｼｯｸUB" panose="020B0909000000000000" pitchFamily="49" charset="-128"/>
-                <a:ea typeface="HG創英角ｺﾞｼｯｸUB" panose="020B0909000000000000" pitchFamily="49" charset="-128"/>
-              </a:rPr>
-              <a:t>１</a:t>
-            </a:r>
-            <a:r>
-              <a:rPr kumimoji="1" lang="en-US" altLang="ja-JP" sz="2000" dirty="0">
-                <a:solidFill>
-                  <a:schemeClr val="bg1"/>
-                </a:solidFill>
-                <a:latin typeface="HG創英角ｺﾞｼｯｸUB" panose="020B0909000000000000" pitchFamily="49" charset="-128"/>
-                <a:ea typeface="HG創英角ｺﾞｼｯｸUB" panose="020B0909000000000000" pitchFamily="49" charset="-128"/>
-              </a:rPr>
-              <a:t>.</a:t>
-            </a:r>
-            <a:r>
-              <a:rPr kumimoji="1" lang="ja-JP" altLang="en-US" sz="2000" dirty="0">
-                <a:solidFill>
-                  <a:schemeClr val="bg1"/>
-                </a:solidFill>
-                <a:latin typeface="HG創英角ｺﾞｼｯｸUB" panose="020B0909000000000000" pitchFamily="49" charset="-128"/>
-                <a:ea typeface="HG創英角ｺﾞｼｯｸUB" panose="020B0909000000000000" pitchFamily="49" charset="-128"/>
-              </a:rPr>
-              <a:t>機能モデル</a:t>
-            </a:r>
-          </a:p>
-        </p:txBody>
-      </p:sp>
-      <p:sp>
-        <p:nvSpPr>
-          <p:cNvPr id="2" name="テキスト ボックス 1">
-            <a:extLst>
-              <a:ext uri="{FF2B5EF4-FFF2-40B4-BE49-F238E27FC236}">
-                <a16:creationId xmlns:a16="http://schemas.microsoft.com/office/drawing/2014/main" id="{EC410CCE-6466-4DD2-B5D6-BA237A4B025B}"/>
-              </a:ext>
-            </a:extLst>
-          </p:cNvPr>
-          <p:cNvSpPr txBox="1"/>
-          <p:nvPr/>
-        </p:nvSpPr>
-        <p:spPr>
-          <a:xfrm>
-            <a:off x="284707" y="2278376"/>
-            <a:ext cx="4104456" cy="584775"/>
-          </a:xfrm>
-          <a:prstGeom prst="rect">
-            <a:avLst/>
-          </a:prstGeom>
-          <a:noFill/>
-        </p:spPr>
-        <p:txBody>
-          <a:bodyPr wrap="square" rtlCol="0">
-            <a:spAutoFit/>
-          </a:bodyPr>
-          <a:lstStyle/>
-          <a:p>
-            <a:r>
-              <a:rPr kumimoji="1" lang="ja-JP" altLang="en-US" dirty="0">
-                <a:latin typeface="HG丸ｺﾞｼｯｸM-PRO" panose="020F0600000000000000" pitchFamily="50" charset="-128"/>
-                <a:ea typeface="HG丸ｺﾞｼｯｸM-PRO" panose="020F0600000000000000" pitchFamily="50" charset="-128"/>
-              </a:rPr>
-              <a:t>スターターにコースを完走する機能を提供</a:t>
-            </a:r>
-            <a:br>
-              <a:rPr kumimoji="1" lang="en-US" altLang="ja-JP" dirty="0">
-                <a:latin typeface="HG丸ｺﾞｼｯｸM-PRO" panose="020F0600000000000000" pitchFamily="50" charset="-128"/>
-                <a:ea typeface="HG丸ｺﾞｼｯｸM-PRO" panose="020F0600000000000000" pitchFamily="50" charset="-128"/>
-              </a:rPr>
-            </a:br>
-            <a:r>
-              <a:rPr kumimoji="1" lang="ja-JP" altLang="en-US" dirty="0">
-                <a:latin typeface="HG丸ｺﾞｼｯｸM-PRO" panose="020F0600000000000000" pitchFamily="50" charset="-128"/>
-                <a:ea typeface="HG丸ｺﾞｼｯｸM-PRO" panose="020F0600000000000000" pitchFamily="50" charset="-128"/>
-              </a:rPr>
-              <a:t>図</a:t>
-            </a:r>
-            <a:r>
-              <a:rPr kumimoji="1" lang="en-US" altLang="ja-JP" dirty="0">
-                <a:latin typeface="HG丸ｺﾞｼｯｸM-PRO" panose="020F0600000000000000" pitchFamily="50" charset="-128"/>
-                <a:ea typeface="HG丸ｺﾞｼｯｸM-PRO" panose="020F0600000000000000" pitchFamily="50" charset="-128"/>
-              </a:rPr>
-              <a:t>1</a:t>
-            </a:r>
-            <a:r>
-              <a:rPr kumimoji="1" lang="ja-JP" altLang="en-US" dirty="0">
-                <a:latin typeface="HG丸ｺﾞｼｯｸM-PRO" panose="020F0600000000000000" pitchFamily="50" charset="-128"/>
-                <a:ea typeface="HG丸ｺﾞｼｯｸM-PRO" panose="020F0600000000000000" pitchFamily="50" charset="-128"/>
-              </a:rPr>
-              <a:t> ユースケース図で示す</a:t>
-            </a:r>
-          </a:p>
-        </p:txBody>
-      </p:sp>
-      <p:sp>
-        <p:nvSpPr>
-          <p:cNvPr id="5" name="テキスト ボックス 4">
-            <a:extLst>
-              <a:ext uri="{FF2B5EF4-FFF2-40B4-BE49-F238E27FC236}">
-                <a16:creationId xmlns:a16="http://schemas.microsoft.com/office/drawing/2014/main" id="{39B023B9-74EB-485E-B7A9-2E7916E6C963}"/>
-              </a:ext>
-            </a:extLst>
-          </p:cNvPr>
-          <p:cNvSpPr txBox="1"/>
-          <p:nvPr/>
-        </p:nvSpPr>
-        <p:spPr>
-          <a:xfrm>
-            <a:off x="180711" y="5077073"/>
-            <a:ext cx="4938737" cy="584775"/>
-          </a:xfrm>
-          <a:prstGeom prst="rect">
-            <a:avLst/>
-          </a:prstGeom>
-          <a:noFill/>
-        </p:spPr>
-        <p:txBody>
-          <a:bodyPr wrap="square" rtlCol="0">
-            <a:spAutoFit/>
-          </a:bodyPr>
-          <a:lstStyle/>
-          <a:p>
-            <a:r>
-              <a:rPr kumimoji="1" lang="ja-JP" altLang="en-US" dirty="0">
-                <a:latin typeface="HG丸ｺﾞｼｯｸM-PRO" panose="020F0600000000000000" pitchFamily="50" charset="-128"/>
-                <a:ea typeface="HG丸ｺﾞｼｯｸM-PRO" panose="020F0600000000000000" pitchFamily="50" charset="-128"/>
-              </a:rPr>
-              <a:t>機能を実現するための方法を</a:t>
-            </a:r>
-            <a:r>
-              <a:rPr lang="ja-JP" altLang="en-US" dirty="0">
-                <a:latin typeface="HG丸ｺﾞｼｯｸM-PRO" panose="020F0600000000000000" pitchFamily="50" charset="-128"/>
-                <a:ea typeface="HG丸ｺﾞｼｯｸM-PRO" panose="020F0600000000000000" pitchFamily="50" charset="-128"/>
-              </a:rPr>
-              <a:t>表</a:t>
-            </a:r>
-            <a:r>
-              <a:rPr lang="en-US" altLang="ja-JP" dirty="0">
-                <a:latin typeface="HG丸ｺﾞｼｯｸM-PRO" panose="020F0600000000000000" pitchFamily="50" charset="-128"/>
-                <a:ea typeface="HG丸ｺﾞｼｯｸM-PRO" panose="020F0600000000000000" pitchFamily="50" charset="-128"/>
-              </a:rPr>
-              <a:t>1</a:t>
-            </a:r>
-            <a:r>
-              <a:rPr kumimoji="1" lang="ja-JP" altLang="en-US" dirty="0">
-                <a:latin typeface="HG丸ｺﾞｼｯｸM-PRO" panose="020F0600000000000000" pitchFamily="50" charset="-128"/>
-                <a:ea typeface="HG丸ｺﾞｼｯｸM-PRO" panose="020F0600000000000000" pitchFamily="50" charset="-128"/>
-              </a:rPr>
-              <a:t> ユースケース記述、</a:t>
-            </a:r>
-            <a:br>
-              <a:rPr kumimoji="1" lang="en-US" altLang="ja-JP" dirty="0">
-                <a:latin typeface="HG丸ｺﾞｼｯｸM-PRO" panose="020F0600000000000000" pitchFamily="50" charset="-128"/>
-                <a:ea typeface="HG丸ｺﾞｼｯｸM-PRO" panose="020F0600000000000000" pitchFamily="50" charset="-128"/>
-              </a:rPr>
-            </a:br>
-            <a:r>
-              <a:rPr kumimoji="1" lang="ja-JP" altLang="en-US" dirty="0">
-                <a:latin typeface="HG丸ｺﾞｼｯｸM-PRO" panose="020F0600000000000000" pitchFamily="50" charset="-128"/>
-                <a:ea typeface="HG丸ｺﾞｼｯｸM-PRO" panose="020F0600000000000000" pitchFamily="50" charset="-128"/>
-              </a:rPr>
-              <a:t>処理順序を図</a:t>
-            </a:r>
-            <a:r>
-              <a:rPr kumimoji="1" lang="en-US" altLang="ja-JP" dirty="0">
-                <a:latin typeface="HG丸ｺﾞｼｯｸM-PRO" panose="020F0600000000000000" pitchFamily="50" charset="-128"/>
-                <a:ea typeface="HG丸ｺﾞｼｯｸM-PRO" panose="020F0600000000000000" pitchFamily="50" charset="-128"/>
-              </a:rPr>
-              <a:t>2</a:t>
-            </a:r>
-            <a:r>
-              <a:rPr kumimoji="1" lang="ja-JP" altLang="en-US" dirty="0">
-                <a:latin typeface="HG丸ｺﾞｼｯｸM-PRO" panose="020F0600000000000000" pitchFamily="50" charset="-128"/>
-                <a:ea typeface="HG丸ｺﾞｼｯｸM-PRO" panose="020F0600000000000000" pitchFamily="50" charset="-128"/>
-              </a:rPr>
-              <a:t> アクティビティ図で示す</a:t>
-            </a:r>
-          </a:p>
-        </p:txBody>
-      </p:sp>
-      <p:sp>
-        <p:nvSpPr>
-          <p:cNvPr id="20" name="テキスト ボックス 19">
-            <a:extLst>
-              <a:ext uri="{FF2B5EF4-FFF2-40B4-BE49-F238E27FC236}">
-                <a16:creationId xmlns:a16="http://schemas.microsoft.com/office/drawing/2014/main" id="{E041338E-FEE7-4A28-B566-D22B2CCA4CC2}"/>
-              </a:ext>
-            </a:extLst>
-          </p:cNvPr>
-          <p:cNvSpPr txBox="1"/>
-          <p:nvPr/>
-        </p:nvSpPr>
-        <p:spPr>
-          <a:xfrm>
-            <a:off x="284707" y="4376670"/>
-            <a:ext cx="4862141" cy="338554"/>
-          </a:xfrm>
-          <a:prstGeom prst="rect">
-            <a:avLst/>
-          </a:prstGeom>
-          <a:noFill/>
-        </p:spPr>
-        <p:txBody>
-          <a:bodyPr wrap="square" rtlCol="0">
-            <a:spAutoFit/>
-          </a:bodyPr>
-          <a:lstStyle/>
-          <a:p>
-            <a:pPr algn="ctr"/>
-            <a:r>
-              <a:rPr kumimoji="1" lang="ja-JP" altLang="en-US" dirty="0">
-                <a:latin typeface="HG丸ｺﾞｼｯｸM-PRO" panose="020F0600000000000000" pitchFamily="50" charset="-128"/>
-                <a:ea typeface="HG丸ｺﾞｼｯｸM-PRO" panose="020F0600000000000000" pitchFamily="50" charset="-128"/>
-              </a:rPr>
-              <a:t>図</a:t>
-            </a:r>
-            <a:r>
-              <a:rPr kumimoji="1" lang="en-US" altLang="ja-JP" dirty="0">
-                <a:latin typeface="HG丸ｺﾞｼｯｸM-PRO" panose="020F0600000000000000" pitchFamily="50" charset="-128"/>
-                <a:ea typeface="HG丸ｺﾞｼｯｸM-PRO" panose="020F0600000000000000" pitchFamily="50" charset="-128"/>
-              </a:rPr>
-              <a:t>1 </a:t>
-            </a:r>
-            <a:r>
-              <a:rPr kumimoji="1" lang="ja-JP" altLang="en-US" dirty="0">
-                <a:latin typeface="HG丸ｺﾞｼｯｸM-PRO" panose="020F0600000000000000" pitchFamily="50" charset="-128"/>
-                <a:ea typeface="HG丸ｺﾞｼｯｸM-PRO" panose="020F0600000000000000" pitchFamily="50" charset="-128"/>
-              </a:rPr>
-              <a:t>ユースケース図</a:t>
-            </a:r>
-          </a:p>
-        </p:txBody>
-      </p:sp>
-      <p:sp>
-        <p:nvSpPr>
-          <p:cNvPr id="21" name="テキスト ボックス 20">
-            <a:extLst>
-              <a:ext uri="{FF2B5EF4-FFF2-40B4-BE49-F238E27FC236}">
-                <a16:creationId xmlns:a16="http://schemas.microsoft.com/office/drawing/2014/main" id="{20C8F207-6E49-4BF0-874F-9E2251FDBE27}"/>
-              </a:ext>
-            </a:extLst>
-          </p:cNvPr>
-          <p:cNvSpPr txBox="1"/>
-          <p:nvPr/>
-        </p:nvSpPr>
-        <p:spPr>
-          <a:xfrm>
-            <a:off x="219008" y="5799845"/>
-            <a:ext cx="4862141" cy="338554"/>
-          </a:xfrm>
-          <a:prstGeom prst="rect">
-            <a:avLst/>
-          </a:prstGeom>
-          <a:noFill/>
-        </p:spPr>
-        <p:txBody>
-          <a:bodyPr wrap="square" rtlCol="0">
-            <a:spAutoFit/>
-          </a:bodyPr>
-          <a:lstStyle/>
-          <a:p>
-            <a:pPr algn="ctr"/>
-            <a:r>
-              <a:rPr kumimoji="1" lang="ja-JP" altLang="en-US" dirty="0">
-                <a:latin typeface="HG丸ｺﾞｼｯｸM-PRO" panose="020F0600000000000000" pitchFamily="50" charset="-128"/>
-                <a:ea typeface="HG丸ｺﾞｼｯｸM-PRO" panose="020F0600000000000000" pitchFamily="50" charset="-128"/>
-              </a:rPr>
-              <a:t>表</a:t>
-            </a:r>
-            <a:r>
-              <a:rPr kumimoji="1" lang="en-US" altLang="ja-JP" dirty="0">
-                <a:latin typeface="HG丸ｺﾞｼｯｸM-PRO" panose="020F0600000000000000" pitchFamily="50" charset="-128"/>
-                <a:ea typeface="HG丸ｺﾞｼｯｸM-PRO" panose="020F0600000000000000" pitchFamily="50" charset="-128"/>
-              </a:rPr>
-              <a:t>1 </a:t>
-            </a:r>
-            <a:r>
-              <a:rPr kumimoji="1" lang="ja-JP" altLang="en-US" dirty="0">
-                <a:latin typeface="HG丸ｺﾞｼｯｸM-PRO" panose="020F0600000000000000" pitchFamily="50" charset="-128"/>
-                <a:ea typeface="HG丸ｺﾞｼｯｸM-PRO" panose="020F0600000000000000" pitchFamily="50" charset="-128"/>
-              </a:rPr>
-              <a:t>ユースケース記述</a:t>
-            </a:r>
-          </a:p>
-        </p:txBody>
-      </p:sp>
-      <p:cxnSp>
-        <p:nvCxnSpPr>
-          <p:cNvPr id="25" name="直線コネクタ 24">
-            <a:extLst>
-              <a:ext uri="{FF2B5EF4-FFF2-40B4-BE49-F238E27FC236}">
-                <a16:creationId xmlns:a16="http://schemas.microsoft.com/office/drawing/2014/main" id="{AF2DCC8C-2365-43AB-9E17-176AA07FFDED}"/>
-              </a:ext>
-            </a:extLst>
-          </p:cNvPr>
-          <p:cNvCxnSpPr/>
-          <p:nvPr/>
-        </p:nvCxnSpPr>
-        <p:spPr>
-          <a:xfrm>
-            <a:off x="283248" y="2278376"/>
-            <a:ext cx="4863600" cy="0"/>
-          </a:xfrm>
-          <a:prstGeom prst="line">
-            <a:avLst/>
-          </a:prstGeom>
-          <a:ln w="38100">
-            <a:solidFill>
-              <a:schemeClr val="accent6"/>
-            </a:solidFill>
-          </a:ln>
-        </p:spPr>
-        <p:style>
-          <a:lnRef idx="1">
-            <a:schemeClr val="accent1"/>
-          </a:lnRef>
-          <a:fillRef idx="0">
-            <a:schemeClr val="accent1"/>
-          </a:fillRef>
-          <a:effectRef idx="0">
-            <a:schemeClr val="accent1"/>
-          </a:effectRef>
-          <a:fontRef idx="minor">
-            <a:schemeClr val="tx1"/>
-          </a:fontRef>
-        </p:style>
-      </p:cxnSp>
-      <p:sp>
-        <p:nvSpPr>
-          <p:cNvPr id="27" name="テキスト ボックス 26">
-            <a:extLst>
-              <a:ext uri="{FF2B5EF4-FFF2-40B4-BE49-F238E27FC236}">
-                <a16:creationId xmlns:a16="http://schemas.microsoft.com/office/drawing/2014/main" id="{85955608-DD65-46B1-83AA-2FE595727633}"/>
-              </a:ext>
-            </a:extLst>
-          </p:cNvPr>
-          <p:cNvSpPr txBox="1"/>
-          <p:nvPr/>
-        </p:nvSpPr>
-        <p:spPr>
-          <a:xfrm>
-            <a:off x="174883" y="1942592"/>
-            <a:ext cx="2002046" cy="338554"/>
-          </a:xfrm>
-          <a:prstGeom prst="rect">
-            <a:avLst/>
-          </a:prstGeom>
-          <a:noFill/>
-        </p:spPr>
-        <p:txBody>
-          <a:bodyPr wrap="square" rtlCol="0">
-            <a:spAutoFit/>
-          </a:bodyPr>
-          <a:lstStyle/>
-          <a:p>
-            <a:r>
-              <a:rPr lang="ja-JP" altLang="en-US" b="1" dirty="0">
-                <a:latin typeface="HG丸ｺﾞｼｯｸM-PRO" panose="020F0600000000000000" pitchFamily="50" charset="-128"/>
-                <a:ea typeface="HG丸ｺﾞｼｯｸM-PRO" panose="020F0600000000000000" pitchFamily="50" charset="-128"/>
-              </a:rPr>
-              <a:t>１．提供する機能</a:t>
-            </a:r>
-            <a:endParaRPr kumimoji="1" lang="ja-JP" altLang="en-US" dirty="0"/>
-          </a:p>
-        </p:txBody>
-      </p:sp>
-      <p:sp>
-        <p:nvSpPr>
-          <p:cNvPr id="28" name="テキスト ボックス 27">
-            <a:extLst>
-              <a:ext uri="{FF2B5EF4-FFF2-40B4-BE49-F238E27FC236}">
-                <a16:creationId xmlns:a16="http://schemas.microsoft.com/office/drawing/2014/main" id="{BC656E32-26A4-4666-809A-9F95C9E4C140}"/>
-              </a:ext>
-            </a:extLst>
-          </p:cNvPr>
-          <p:cNvSpPr txBox="1"/>
-          <p:nvPr/>
-        </p:nvSpPr>
-        <p:spPr>
-          <a:xfrm>
-            <a:off x="195927" y="4670447"/>
-            <a:ext cx="2033121" cy="338554"/>
-          </a:xfrm>
-          <a:prstGeom prst="rect">
-            <a:avLst/>
-          </a:prstGeom>
-          <a:noFill/>
-        </p:spPr>
-        <p:txBody>
-          <a:bodyPr wrap="square" rtlCol="0">
-            <a:spAutoFit/>
-          </a:bodyPr>
-          <a:lstStyle/>
-          <a:p>
-            <a:r>
-              <a:rPr lang="ja-JP" altLang="en-US" b="1" dirty="0">
-                <a:latin typeface="HG丸ｺﾞｼｯｸM-PRO" panose="020F0600000000000000" pitchFamily="50" charset="-128"/>
-                <a:ea typeface="HG丸ｺﾞｼｯｸM-PRO" panose="020F0600000000000000" pitchFamily="50" charset="-128"/>
-              </a:rPr>
-              <a:t>２．機能要件</a:t>
-            </a:r>
-            <a:endParaRPr kumimoji="1" lang="ja-JP" altLang="en-US" dirty="0"/>
-          </a:p>
-        </p:txBody>
-      </p:sp>
-      <p:cxnSp>
-        <p:nvCxnSpPr>
-          <p:cNvPr id="29" name="直線コネクタ 28">
-            <a:extLst>
-              <a:ext uri="{FF2B5EF4-FFF2-40B4-BE49-F238E27FC236}">
-                <a16:creationId xmlns:a16="http://schemas.microsoft.com/office/drawing/2014/main" id="{5912503A-9432-4EF7-8DAE-A3C6B8B3A324}"/>
-              </a:ext>
-            </a:extLst>
-          </p:cNvPr>
-          <p:cNvCxnSpPr/>
-          <p:nvPr/>
-        </p:nvCxnSpPr>
-        <p:spPr>
-          <a:xfrm>
-            <a:off x="283248" y="5001377"/>
-            <a:ext cx="4863600" cy="0"/>
-          </a:xfrm>
-          <a:prstGeom prst="line">
-            <a:avLst/>
-          </a:prstGeom>
-          <a:ln w="38100">
-            <a:solidFill>
-              <a:schemeClr val="accent6"/>
-            </a:solidFill>
-          </a:ln>
-        </p:spPr>
-        <p:style>
-          <a:lnRef idx="1">
-            <a:schemeClr val="accent1"/>
-          </a:lnRef>
-          <a:fillRef idx="0">
-            <a:schemeClr val="accent1"/>
-          </a:fillRef>
-          <a:effectRef idx="0">
-            <a:schemeClr val="accent1"/>
-          </a:effectRef>
-          <a:fontRef idx="minor">
-            <a:schemeClr val="tx1"/>
-          </a:fontRef>
-        </p:style>
-      </p:cxnSp>
-      <p:cxnSp>
-        <p:nvCxnSpPr>
-          <p:cNvPr id="33" name="直線コネクタ 32">
-            <a:extLst>
-              <a:ext uri="{FF2B5EF4-FFF2-40B4-BE49-F238E27FC236}">
-                <a16:creationId xmlns:a16="http://schemas.microsoft.com/office/drawing/2014/main" id="{92360BFF-2588-4E81-B66C-FF63D724B698}"/>
-              </a:ext>
-            </a:extLst>
-          </p:cNvPr>
-          <p:cNvCxnSpPr>
-            <a:cxnSpLocks/>
-          </p:cNvCxnSpPr>
-          <p:nvPr/>
-        </p:nvCxnSpPr>
-        <p:spPr>
-          <a:xfrm>
-            <a:off x="5392688" y="1924744"/>
-            <a:ext cx="0" cy="7361851"/>
-          </a:xfrm>
-          <a:prstGeom prst="line">
-            <a:avLst/>
-          </a:prstGeom>
-          <a:ln w="12700">
-            <a:solidFill>
-              <a:schemeClr val="accent6"/>
-            </a:solidFill>
-          </a:ln>
-        </p:spPr>
-        <p:style>
-          <a:lnRef idx="1">
-            <a:schemeClr val="accent1"/>
-          </a:lnRef>
-          <a:fillRef idx="0">
-            <a:schemeClr val="accent1"/>
-          </a:fillRef>
-          <a:effectRef idx="0">
-            <a:schemeClr val="accent1"/>
-          </a:effectRef>
-          <a:fontRef idx="minor">
-            <a:schemeClr val="tx1"/>
-          </a:fontRef>
-        </p:style>
-      </p:cxnSp>
-      <p:pic>
-        <p:nvPicPr>
-          <p:cNvPr id="24" name="図 23">
-            <a:extLst>
-              <a:ext uri="{FF2B5EF4-FFF2-40B4-BE49-F238E27FC236}">
-                <a16:creationId xmlns:a16="http://schemas.microsoft.com/office/drawing/2014/main" id="{C1A9FACB-7A24-494F-A4DA-383CC5F6041B}"/>
-              </a:ext>
-            </a:extLst>
-          </p:cNvPr>
-          <p:cNvPicPr>
-            <a:picLocks noChangeAspect="1"/>
-          </p:cNvPicPr>
-          <p:nvPr/>
-        </p:nvPicPr>
-        <p:blipFill>
-          <a:blip r:embed="rId2"/>
-          <a:stretch>
-            <a:fillRect/>
-          </a:stretch>
-        </p:blipFill>
-        <p:spPr>
-          <a:xfrm>
-            <a:off x="634297" y="2907409"/>
-            <a:ext cx="3973005" cy="1507577"/>
-          </a:xfrm>
-          <a:prstGeom prst="rect">
-            <a:avLst/>
-          </a:prstGeom>
-        </p:spPr>
-      </p:pic>
-      <p:pic>
-        <p:nvPicPr>
-          <p:cNvPr id="32" name="図 31">
-            <a:extLst>
-              <a:ext uri="{FF2B5EF4-FFF2-40B4-BE49-F238E27FC236}">
-                <a16:creationId xmlns:a16="http://schemas.microsoft.com/office/drawing/2014/main" id="{F63ADD04-970A-409E-A2E4-637EED385938}"/>
-              </a:ext>
-            </a:extLst>
-          </p:cNvPr>
-          <p:cNvPicPr>
-            <a:picLocks noChangeAspect="1"/>
-          </p:cNvPicPr>
-          <p:nvPr/>
-        </p:nvPicPr>
-        <p:blipFill>
-          <a:blip r:embed="rId3"/>
-          <a:stretch>
-            <a:fillRect/>
-          </a:stretch>
-        </p:blipFill>
-        <p:spPr>
-          <a:xfrm>
-            <a:off x="240865" y="6127511"/>
-            <a:ext cx="4948365" cy="2715707"/>
-          </a:xfrm>
-          <a:prstGeom prst="rect">
-            <a:avLst/>
-          </a:prstGeom>
-        </p:spPr>
-      </p:pic>
-      <p:sp>
-        <p:nvSpPr>
-          <p:cNvPr id="26" name="正方形/長方形 25">
-            <a:extLst>
-              <a:ext uri="{FF2B5EF4-FFF2-40B4-BE49-F238E27FC236}">
-                <a16:creationId xmlns:a16="http://schemas.microsoft.com/office/drawing/2014/main" id="{6CDEC34F-F9C8-4157-BB03-DEA8317C6FCC}"/>
-              </a:ext>
-            </a:extLst>
-          </p:cNvPr>
-          <p:cNvSpPr/>
-          <p:nvPr/>
-        </p:nvSpPr>
-        <p:spPr>
-          <a:xfrm>
-            <a:off x="5536704" y="1942592"/>
-            <a:ext cx="7024030" cy="6900626"/>
-          </a:xfrm>
-          <a:prstGeom prst="rect">
-            <a:avLst/>
-          </a:prstGeom>
-        </p:spPr>
-        <p:style>
-          <a:lnRef idx="2">
-            <a:schemeClr val="accent1">
-              <a:shade val="50000"/>
-            </a:schemeClr>
-          </a:lnRef>
-          <a:fillRef idx="1">
-            <a:schemeClr val="accent1"/>
-          </a:fillRef>
-          <a:effectRef idx="0">
-            <a:schemeClr val="accent1"/>
-          </a:effectRef>
-          <a:fontRef idx="minor">
-            <a:schemeClr val="lt1"/>
-          </a:fontRef>
-        </p:style>
-        <p:txBody>
-          <a:bodyPr rtlCol="0" anchor="ctr"/>
-          <a:lstStyle/>
-          <a:p>
-            <a:pPr algn="ctr"/>
-            <a:r>
-              <a:rPr kumimoji="1" lang="ja-JP" altLang="en-US" dirty="0"/>
-              <a:t>アクティビティ図</a:t>
-            </a:r>
-          </a:p>
-        </p:txBody>
-      </p:sp>
-      <p:sp>
-        <p:nvSpPr>
-          <p:cNvPr id="34" name="テキスト ボックス 33">
-            <a:extLst>
-              <a:ext uri="{FF2B5EF4-FFF2-40B4-BE49-F238E27FC236}">
-                <a16:creationId xmlns:a16="http://schemas.microsoft.com/office/drawing/2014/main" id="{FFC225C8-9D29-4C84-9EB7-F9E4E88B728A}"/>
-              </a:ext>
-            </a:extLst>
-          </p:cNvPr>
-          <p:cNvSpPr txBox="1"/>
-          <p:nvPr/>
-        </p:nvSpPr>
-        <p:spPr>
-          <a:xfrm>
-            <a:off x="6499110" y="8944669"/>
-            <a:ext cx="4862141" cy="338554"/>
-          </a:xfrm>
-          <a:prstGeom prst="rect">
-            <a:avLst/>
-          </a:prstGeom>
-          <a:noFill/>
-        </p:spPr>
-        <p:txBody>
-          <a:bodyPr wrap="square" rtlCol="0">
-            <a:spAutoFit/>
-          </a:bodyPr>
-          <a:lstStyle/>
-          <a:p>
-            <a:pPr algn="ctr"/>
-            <a:r>
-              <a:rPr lang="ja-JP" altLang="en-US" dirty="0">
-                <a:latin typeface="HG丸ｺﾞｼｯｸM-PRO" panose="020F0600000000000000" pitchFamily="50" charset="-128"/>
-                <a:ea typeface="HG丸ｺﾞｼｯｸM-PRO" panose="020F0600000000000000" pitchFamily="50" charset="-128"/>
-              </a:rPr>
-              <a:t>図</a:t>
-            </a:r>
-            <a:r>
-              <a:rPr lang="en-US" altLang="ja-JP" dirty="0">
-                <a:latin typeface="HG丸ｺﾞｼｯｸM-PRO" panose="020F0600000000000000" pitchFamily="50" charset="-128"/>
-                <a:ea typeface="HG丸ｺﾞｼｯｸM-PRO" panose="020F0600000000000000" pitchFamily="50" charset="-128"/>
-              </a:rPr>
-              <a:t>2 </a:t>
-            </a:r>
-            <a:r>
-              <a:rPr lang="ja-JP" altLang="en-US" dirty="0">
-                <a:latin typeface="HG丸ｺﾞｼｯｸM-PRO" panose="020F0600000000000000" pitchFamily="50" charset="-128"/>
-                <a:ea typeface="HG丸ｺﾞｼｯｸM-PRO" panose="020F0600000000000000" pitchFamily="50" charset="-128"/>
-              </a:rPr>
-              <a:t>アクティビティ図</a:t>
-            </a:r>
-            <a:endParaRPr kumimoji="1" lang="ja-JP" altLang="en-US" dirty="0">
-              <a:latin typeface="HG丸ｺﾞｼｯｸM-PRO" panose="020F0600000000000000" pitchFamily="50" charset="-128"/>
-              <a:ea typeface="HG丸ｺﾞｼｯｸM-PRO" panose="020F0600000000000000" pitchFamily="50" charset="-128"/>
-            </a:endParaRPr>
-          </a:p>
-        </p:txBody>
-      </p:sp>
-    </p:spTree>
-    <p:extLst>
-      <p:ext uri="{BB962C8B-B14F-4D97-AF65-F5344CB8AC3E}">
-        <p14:creationId xmlns:p14="http://schemas.microsoft.com/office/powerpoint/2010/main" val="482023647"/>
-      </p:ext>
-    </p:extLst>
-  </p:cSld>
-  <p:clrMapOvr>
-    <a:masterClrMapping/>
-  </p:clrMapOvr>
-</p:sld>
-</file>
-
-<file path=ppt/slides/slide3.xml><?xml version="1.0" encoding="utf-8"?>
-<p:sld xmlns:a="http://schemas.openxmlformats.org/drawingml/2006/main" xmlns:r="http://schemas.openxmlformats.org/officeDocument/2006/relationships" xmlns:p="http://schemas.openxmlformats.org/presentationml/2006/main">
-  <p:cSld>
-    <p:spTree>
-      <p:nvGrpSpPr>
-        <p:cNvPr id="1" name=""/>
-        <p:cNvGrpSpPr/>
-        <p:nvPr/>
-      </p:nvGrpSpPr>
-      <p:grpSpPr>
-        <a:xfrm>
-          <a:off x="0" y="0"/>
-          <a:ext cx="0" cy="0"/>
-          <a:chOff x="0" y="0"/>
-          <a:chExt cx="0" cy="0"/>
-        </a:xfrm>
-      </p:grpSpPr>
-      <p:sp>
-        <p:nvSpPr>
-          <p:cNvPr id="15" name="四角形: 角を丸くする 14">
-            <a:extLst>
-              <a:ext uri="{FF2B5EF4-FFF2-40B4-BE49-F238E27FC236}">
-                <a16:creationId xmlns:a16="http://schemas.microsoft.com/office/drawing/2014/main" id="{A9B96D26-795E-44A3-9A17-D2913FF49DAB}"/>
-              </a:ext>
-            </a:extLst>
-          </p:cNvPr>
-          <p:cNvSpPr/>
-          <p:nvPr/>
-        </p:nvSpPr>
-        <p:spPr>
-          <a:xfrm>
-            <a:off x="7670181" y="695896"/>
+            <a:off x="7670181" y="408112"/>
             <a:ext cx="2520000" cy="1152297"/>
           </a:xfrm>
           <a:prstGeom prst="roundRect">
@@ -5729,8 +4490,37 @@
           <a:bodyPr rtlCol="0" anchor="ctr"/>
           <a:lstStyle/>
           <a:p>
-            <a:pPr algn="ctr"/>
-            <a:endParaRPr kumimoji="1" lang="ja-JP" altLang="en-US"/>
+            <a:pPr marL="0" marR="0" lvl="0" indent="0" algn="ctr" defTabSz="914400" rtl="0" eaLnBrk="1" fontAlgn="base" latinLnBrk="0" hangingPunct="1">
+              <a:lnSpc>
+                <a:spcPct val="100000"/>
+              </a:lnSpc>
+              <a:spcBef>
+                <a:spcPct val="0"/>
+              </a:spcBef>
+              <a:spcAft>
+                <a:spcPct val="0"/>
+              </a:spcAft>
+              <a:buClrTx/>
+              <a:buSzTx/>
+              <a:buFontTx/>
+              <a:buNone/>
+              <a:tabLst/>
+              <a:defRPr/>
+            </a:pPr>
+            <a:endParaRPr kumimoji="1" lang="ja-JP" altLang="en-US" sz="1600" b="0" i="0" u="none" strike="noStrike" kern="1200" cap="none" spc="0" normalizeH="0" baseline="0" noProof="0">
+              <a:ln>
+                <a:noFill/>
+              </a:ln>
+              <a:solidFill>
+                <a:prstClr val="black"/>
+              </a:solidFill>
+              <a:effectLst/>
+              <a:uLnTx/>
+              <a:uFillTx/>
+              <a:latin typeface="游ゴシック" panose="020F0502020204030204"/>
+              <a:ea typeface="游ゴシック" panose="020B0400000000000000" pitchFamily="50" charset="-128"/>
+              <a:cs typeface="+mn-cs"/>
+            </a:endParaRPr>
           </a:p>
         </p:txBody>
       </p:sp>
@@ -5748,7 +4538,7 @@
         </p:nvSpPr>
         <p:spPr>
           <a:xfrm>
-            <a:off x="5150181" y="695896"/>
+            <a:off x="5150181" y="408112"/>
             <a:ext cx="2520000" cy="1080368"/>
           </a:xfrm>
           <a:prstGeom prst="roundRect">
@@ -5781,8 +4571,1660 @@
           <a:bodyPr rtlCol="0" anchor="ctr"/>
           <a:lstStyle/>
           <a:p>
-            <a:pPr algn="ctr"/>
-            <a:endParaRPr kumimoji="1" lang="ja-JP" altLang="en-US"/>
+            <a:pPr marL="0" marR="0" lvl="0" indent="0" algn="ctr" defTabSz="914400" rtl="0" eaLnBrk="1" fontAlgn="base" latinLnBrk="0" hangingPunct="1">
+              <a:lnSpc>
+                <a:spcPct val="100000"/>
+              </a:lnSpc>
+              <a:spcBef>
+                <a:spcPct val="0"/>
+              </a:spcBef>
+              <a:spcAft>
+                <a:spcPct val="0"/>
+              </a:spcAft>
+              <a:buClrTx/>
+              <a:buSzTx/>
+              <a:buFontTx/>
+              <a:buNone/>
+              <a:tabLst/>
+              <a:defRPr/>
+            </a:pPr>
+            <a:endParaRPr kumimoji="1" lang="ja-JP" altLang="en-US" sz="1600" b="0" i="0" u="none" strike="noStrike" kern="1200" cap="none" spc="0" normalizeH="0" baseline="0" noProof="0">
+              <a:ln>
+                <a:noFill/>
+              </a:ln>
+              <a:solidFill>
+                <a:prstClr val="black"/>
+              </a:solidFill>
+              <a:effectLst/>
+              <a:uLnTx/>
+              <a:uFillTx/>
+              <a:latin typeface="游ゴシック" panose="020F0502020204030204"/>
+              <a:ea typeface="游ゴシック" panose="020B0400000000000000" pitchFamily="50" charset="-128"/>
+              <a:cs typeface="+mn-cs"/>
+            </a:endParaRPr>
+          </a:p>
+        </p:txBody>
+      </p:sp>
+      <p:sp>
+        <p:nvSpPr>
+          <p:cNvPr id="11" name="正方形/長方形 10">
+            <a:extLst>
+              <a:ext uri="{FF2B5EF4-FFF2-40B4-BE49-F238E27FC236}">
+                <a16:creationId xmlns:a16="http://schemas.microsoft.com/office/drawing/2014/main" id="{4CF528F6-0D59-4A16-899E-E9075561CAD3}"/>
+              </a:ext>
+            </a:extLst>
+          </p:cNvPr>
+          <p:cNvSpPr/>
+          <p:nvPr/>
+        </p:nvSpPr>
+        <p:spPr>
+          <a:xfrm>
+            <a:off x="100800" y="912168"/>
+            <a:ext cx="12600000" cy="8640960"/>
+          </a:xfrm>
+          <a:prstGeom prst="rect">
+            <a:avLst/>
+          </a:prstGeom>
+          <a:ln w="38100">
+            <a:headEnd type="none" w="med" len="med"/>
+            <a:tailEnd type="none" w="med" len="med"/>
+          </a:ln>
+        </p:spPr>
+        <p:style>
+          <a:lnRef idx="2">
+            <a:schemeClr val="accent6"/>
+          </a:lnRef>
+          <a:fillRef idx="1">
+            <a:schemeClr val="lt1"/>
+          </a:fillRef>
+          <a:effectRef idx="0">
+            <a:schemeClr val="accent6"/>
+          </a:effectRef>
+          <a:fontRef idx="minor">
+            <a:schemeClr val="dk1"/>
+          </a:fontRef>
+        </p:style>
+        <p:txBody>
+          <a:bodyPr rtlCol="0" anchor="ctr"/>
+          <a:lstStyle/>
+          <a:p>
+            <a:pPr marL="0" marR="0" lvl="0" indent="0" algn="ctr" defTabSz="914400" rtl="0" eaLnBrk="1" fontAlgn="base" latinLnBrk="0" hangingPunct="1">
+              <a:lnSpc>
+                <a:spcPct val="100000"/>
+              </a:lnSpc>
+              <a:spcBef>
+                <a:spcPct val="0"/>
+              </a:spcBef>
+              <a:spcAft>
+                <a:spcPct val="0"/>
+              </a:spcAft>
+              <a:buClrTx/>
+              <a:buSzTx/>
+              <a:buFontTx/>
+              <a:buNone/>
+              <a:tabLst/>
+              <a:defRPr/>
+            </a:pPr>
+            <a:endParaRPr kumimoji="1" lang="ja-JP" altLang="en-US" sz="1600" b="0" i="0" u="none" strike="noStrike" kern="1200" cap="none" spc="0" normalizeH="0" baseline="0" noProof="0" dirty="0">
+              <a:ln>
+                <a:noFill/>
+              </a:ln>
+              <a:solidFill>
+                <a:prstClr val="black"/>
+              </a:solidFill>
+              <a:effectLst/>
+              <a:uLnTx/>
+              <a:uFillTx/>
+              <a:latin typeface="游ゴシック" panose="020F0502020204030204"/>
+              <a:ea typeface="游ゴシック" panose="020B0400000000000000" pitchFamily="50" charset="-128"/>
+              <a:cs typeface="+mn-cs"/>
+            </a:endParaRPr>
+          </a:p>
+        </p:txBody>
+      </p:sp>
+      <p:pic>
+        <p:nvPicPr>
+          <p:cNvPr id="17" name="図 16">
+            <a:extLst>
+              <a:ext uri="{FF2B5EF4-FFF2-40B4-BE49-F238E27FC236}">
+                <a16:creationId xmlns:a16="http://schemas.microsoft.com/office/drawing/2014/main" id="{6935A910-CCE3-4AE0-9015-8EE671AB6BCD}"/>
+              </a:ext>
+            </a:extLst>
+          </p:cNvPr>
+          <p:cNvPicPr>
+            <a:picLocks noChangeAspect="1"/>
+          </p:cNvPicPr>
+          <p:nvPr/>
+        </p:nvPicPr>
+        <p:blipFill>
+          <a:blip r:embed="rId2">
+            <a:extLst>
+              <a:ext uri="{28A0092B-C50C-407E-A947-70E740481C1C}">
+                <a14:useLocalDpi xmlns:a14="http://schemas.microsoft.com/office/drawing/2010/main" val="0"/>
+              </a:ext>
+            </a:extLst>
+          </a:blip>
+          <a:stretch>
+            <a:fillRect/>
+          </a:stretch>
+        </p:blipFill>
+        <p:spPr>
+          <a:xfrm>
+            <a:off x="537832" y="2322002"/>
+            <a:ext cx="3112908" cy="1596193"/>
+          </a:xfrm>
+          <a:prstGeom prst="rect">
+            <a:avLst/>
+          </a:prstGeom>
+        </p:spPr>
+      </p:pic>
+      <p:sp>
+        <p:nvSpPr>
+          <p:cNvPr id="3" name="テキスト ボックス 2">
+            <a:extLst>
+              <a:ext uri="{FF2B5EF4-FFF2-40B4-BE49-F238E27FC236}">
+                <a16:creationId xmlns:a16="http://schemas.microsoft.com/office/drawing/2014/main" id="{4A839BC4-54BA-4246-90D0-1001B466FC18}"/>
+              </a:ext>
+            </a:extLst>
+          </p:cNvPr>
+          <p:cNvSpPr txBox="1"/>
+          <p:nvPr/>
+        </p:nvSpPr>
+        <p:spPr>
+          <a:xfrm>
+            <a:off x="284707" y="336104"/>
+            <a:ext cx="2122161" cy="430887"/>
+          </a:xfrm>
+          <a:prstGeom prst="rect">
+            <a:avLst/>
+          </a:prstGeom>
+          <a:noFill/>
+          <a:ln>
+            <a:noFill/>
+          </a:ln>
+        </p:spPr>
+        <p:style>
+          <a:lnRef idx="0">
+            <a:scrgbClr r="0" g="0" b="0"/>
+          </a:lnRef>
+          <a:fillRef idx="0">
+            <a:scrgbClr r="0" g="0" b="0"/>
+          </a:fillRef>
+          <a:effectRef idx="0">
+            <a:scrgbClr r="0" g="0" b="0"/>
+          </a:effectRef>
+          <a:fontRef idx="minor">
+            <a:schemeClr val="dk1"/>
+          </a:fontRef>
+        </p:style>
+        <p:txBody>
+          <a:bodyPr wrap="square" rtlCol="0">
+            <a:spAutoFit/>
+          </a:bodyPr>
+          <a:lstStyle/>
+          <a:p>
+            <a:pPr marL="0" marR="0" lvl="0" indent="0" algn="l" defTabSz="914400" rtl="0" eaLnBrk="1" fontAlgn="base" latinLnBrk="0" hangingPunct="1">
+              <a:lnSpc>
+                <a:spcPct val="100000"/>
+              </a:lnSpc>
+              <a:spcBef>
+                <a:spcPct val="0"/>
+              </a:spcBef>
+              <a:spcAft>
+                <a:spcPct val="0"/>
+              </a:spcAft>
+              <a:buClrTx/>
+              <a:buSzTx/>
+              <a:buFontTx/>
+              <a:buNone/>
+              <a:tabLst/>
+              <a:defRPr/>
+            </a:pPr>
+            <a:r>
+              <a:rPr kumimoji="1" lang="ja-JP" altLang="en-US" sz="2200" b="0" i="0" u="none" strike="noStrike" kern="1200" cap="none" spc="0" normalizeH="0" baseline="0" noProof="0" dirty="0">
+                <a:ln>
+                  <a:noFill/>
+                </a:ln>
+                <a:solidFill>
+                  <a:schemeClr val="bg1"/>
+                </a:solidFill>
+                <a:effectLst/>
+                <a:uLnTx/>
+                <a:uFillTx/>
+                <a:latin typeface="HG創英角ｺﾞｼｯｸUB" panose="020B0909000000000000" pitchFamily="49" charset="-128"/>
+                <a:ea typeface="HG創英角ｺﾞｼｯｸUB" panose="020B0909000000000000" pitchFamily="49" charset="-128"/>
+                <a:cs typeface="+mn-cs"/>
+              </a:rPr>
+              <a:t>１</a:t>
+            </a:r>
+            <a:r>
+              <a:rPr kumimoji="1" lang="en-US" altLang="ja-JP" sz="2200" b="1" i="0" u="none" strike="noStrike" kern="1200" cap="none" spc="0" normalizeH="0" baseline="0" noProof="0" dirty="0">
+                <a:ln>
+                  <a:noFill/>
+                </a:ln>
+                <a:solidFill>
+                  <a:schemeClr val="bg1"/>
+                </a:solidFill>
+                <a:effectLst/>
+                <a:uLnTx/>
+                <a:uFillTx/>
+                <a:latin typeface="HG創英角ｺﾞｼｯｸUB" panose="020B0909000000000000" pitchFamily="49" charset="-128"/>
+                <a:ea typeface="HG創英角ｺﾞｼｯｸUB" panose="020B0909000000000000" pitchFamily="49" charset="-128"/>
+                <a:cs typeface="+mn-cs"/>
+              </a:rPr>
+              <a:t>.</a:t>
+            </a:r>
+            <a:r>
+              <a:rPr kumimoji="1" lang="ja-JP" altLang="en-US" sz="2200" b="0" i="0" u="none" strike="noStrike" kern="1200" cap="none" spc="0" normalizeH="0" baseline="0" noProof="0" dirty="0">
+                <a:ln>
+                  <a:noFill/>
+                </a:ln>
+                <a:solidFill>
+                  <a:schemeClr val="bg1"/>
+                </a:solidFill>
+                <a:effectLst/>
+                <a:uLnTx/>
+                <a:uFillTx/>
+                <a:latin typeface="HG創英角ｺﾞｼｯｸUB" panose="020B0909000000000000" pitchFamily="49" charset="-128"/>
+                <a:ea typeface="HG創英角ｺﾞｼｯｸUB" panose="020B0909000000000000" pitchFamily="49" charset="-128"/>
+                <a:cs typeface="+mn-cs"/>
+              </a:rPr>
+              <a:t>機能モデル</a:t>
+            </a:r>
+            <a:endParaRPr kumimoji="1" lang="en-US" altLang="ja-JP" sz="2200" b="0" i="0" u="none" strike="noStrike" kern="1200" cap="none" spc="0" normalizeH="0" baseline="0" noProof="0" dirty="0">
+              <a:ln>
+                <a:noFill/>
+              </a:ln>
+              <a:solidFill>
+                <a:schemeClr val="bg1"/>
+              </a:solidFill>
+              <a:effectLst/>
+              <a:uLnTx/>
+              <a:uFillTx/>
+              <a:latin typeface="HG創英角ｺﾞｼｯｸUB" panose="020B0909000000000000" pitchFamily="49" charset="-128"/>
+              <a:ea typeface="HG創英角ｺﾞｼｯｸUB" panose="020B0909000000000000" pitchFamily="49" charset="-128"/>
+              <a:cs typeface="+mn-cs"/>
+            </a:endParaRPr>
+          </a:p>
+        </p:txBody>
+      </p:sp>
+      <p:sp>
+        <p:nvSpPr>
+          <p:cNvPr id="9" name="テキスト ボックス 8">
+            <a:extLst>
+              <a:ext uri="{FF2B5EF4-FFF2-40B4-BE49-F238E27FC236}">
+                <a16:creationId xmlns:a16="http://schemas.microsoft.com/office/drawing/2014/main" id="{27FC2256-755B-4562-8E23-88557EE81276}"/>
+              </a:ext>
+            </a:extLst>
+          </p:cNvPr>
+          <p:cNvSpPr txBox="1"/>
+          <p:nvPr/>
+        </p:nvSpPr>
+        <p:spPr>
+          <a:xfrm>
+            <a:off x="2887906" y="480120"/>
+            <a:ext cx="2002046" cy="430887"/>
+          </a:xfrm>
+          <a:prstGeom prst="rect">
+            <a:avLst/>
+          </a:prstGeom>
+          <a:noFill/>
+          <a:ln>
+            <a:noFill/>
+          </a:ln>
+        </p:spPr>
+        <p:style>
+          <a:lnRef idx="0">
+            <a:scrgbClr r="0" g="0" b="0"/>
+          </a:lnRef>
+          <a:fillRef idx="0">
+            <a:scrgbClr r="0" g="0" b="0"/>
+          </a:fillRef>
+          <a:effectRef idx="0">
+            <a:scrgbClr r="0" g="0" b="0"/>
+          </a:effectRef>
+          <a:fontRef idx="minor">
+            <a:schemeClr val="dk1"/>
+          </a:fontRef>
+        </p:style>
+        <p:txBody>
+          <a:bodyPr wrap="square" rtlCol="0">
+            <a:spAutoFit/>
+          </a:bodyPr>
+          <a:lstStyle/>
+          <a:p>
+            <a:pPr marL="0" marR="0" lvl="0" indent="0" algn="l" defTabSz="914400" rtl="0" eaLnBrk="1" fontAlgn="base" latinLnBrk="0" hangingPunct="1">
+              <a:lnSpc>
+                <a:spcPct val="100000"/>
+              </a:lnSpc>
+              <a:spcBef>
+                <a:spcPct val="0"/>
+              </a:spcBef>
+              <a:spcAft>
+                <a:spcPct val="0"/>
+              </a:spcAft>
+              <a:buClrTx/>
+              <a:buSzTx/>
+              <a:buFontTx/>
+              <a:buNone/>
+              <a:tabLst/>
+              <a:defRPr/>
+            </a:pPr>
+            <a:r>
+              <a:rPr kumimoji="1" lang="ja-JP" altLang="en-US" sz="2200" b="0" i="0" u="none" strike="noStrike" kern="1200" cap="none" spc="0" normalizeH="0" baseline="0" noProof="0" dirty="0">
+                <a:ln>
+                  <a:noFill/>
+                </a:ln>
+                <a:solidFill>
+                  <a:srgbClr val="70AD47">
+                    <a:lumMod val="60000"/>
+                    <a:lumOff val="40000"/>
+                  </a:srgbClr>
+                </a:solidFill>
+                <a:effectLst/>
+                <a:uLnTx/>
+                <a:uFillTx/>
+                <a:latin typeface="HG創英角ｺﾞｼｯｸUB" panose="020B0909000000000000" pitchFamily="49" charset="-128"/>
+                <a:ea typeface="HG創英角ｺﾞｼｯｸUB" panose="020B0909000000000000" pitchFamily="49" charset="-128"/>
+                <a:cs typeface="+mn-cs"/>
+              </a:rPr>
+              <a:t>２</a:t>
+            </a:r>
+            <a:r>
+              <a:rPr kumimoji="1" lang="en-US" altLang="ja-JP" sz="2200" b="1" i="0" u="none" strike="noStrike" kern="1200" cap="none" spc="0" normalizeH="0" baseline="0" noProof="0" dirty="0">
+                <a:ln>
+                  <a:noFill/>
+                </a:ln>
+                <a:solidFill>
+                  <a:srgbClr val="70AD47">
+                    <a:lumMod val="60000"/>
+                    <a:lumOff val="40000"/>
+                  </a:srgbClr>
+                </a:solidFill>
+                <a:effectLst/>
+                <a:uLnTx/>
+                <a:uFillTx/>
+                <a:latin typeface="HG創英角ｺﾞｼｯｸUB" panose="020B0909000000000000" pitchFamily="49" charset="-128"/>
+                <a:ea typeface="HG創英角ｺﾞｼｯｸUB" panose="020B0909000000000000" pitchFamily="49" charset="-128"/>
+                <a:cs typeface="+mn-cs"/>
+              </a:rPr>
+              <a:t>.</a:t>
+            </a:r>
+            <a:r>
+              <a:rPr kumimoji="1" lang="ja-JP" altLang="en-US" sz="2200" b="0" i="0" u="none" strike="noStrike" kern="1200" cap="none" spc="0" normalizeH="0" baseline="0" noProof="0" dirty="0">
+                <a:ln>
+                  <a:noFill/>
+                </a:ln>
+                <a:solidFill>
+                  <a:srgbClr val="70AD47">
+                    <a:lumMod val="60000"/>
+                    <a:lumOff val="40000"/>
+                  </a:srgbClr>
+                </a:solidFill>
+                <a:effectLst/>
+                <a:uLnTx/>
+                <a:uFillTx/>
+                <a:latin typeface="HG創英角ｺﾞｼｯｸUB" panose="020B0909000000000000" pitchFamily="49" charset="-128"/>
+                <a:ea typeface="HG創英角ｺﾞｼｯｸUB" panose="020B0909000000000000" pitchFamily="49" charset="-128"/>
+                <a:cs typeface="+mn-cs"/>
+              </a:rPr>
+              <a:t>構造モデル</a:t>
+            </a:r>
+            <a:endParaRPr kumimoji="1" lang="en-US" altLang="ja-JP" sz="2200" b="0" i="0" u="none" strike="noStrike" kern="1200" cap="none" spc="0" normalizeH="0" baseline="0" noProof="0" dirty="0">
+              <a:ln>
+                <a:noFill/>
+              </a:ln>
+              <a:solidFill>
+                <a:srgbClr val="70AD47">
+                  <a:lumMod val="60000"/>
+                  <a:lumOff val="40000"/>
+                </a:srgbClr>
+              </a:solidFill>
+              <a:effectLst/>
+              <a:uLnTx/>
+              <a:uFillTx/>
+              <a:latin typeface="HG創英角ｺﾞｼｯｸUB" panose="020B0909000000000000" pitchFamily="49" charset="-128"/>
+              <a:ea typeface="HG創英角ｺﾞｼｯｸUB" panose="020B0909000000000000" pitchFamily="49" charset="-128"/>
+              <a:cs typeface="+mn-cs"/>
+            </a:endParaRPr>
+          </a:p>
+        </p:txBody>
+      </p:sp>
+      <p:sp>
+        <p:nvSpPr>
+          <p:cNvPr id="10" name="テキスト ボックス 9">
+            <a:extLst>
+              <a:ext uri="{FF2B5EF4-FFF2-40B4-BE49-F238E27FC236}">
+                <a16:creationId xmlns:a16="http://schemas.microsoft.com/office/drawing/2014/main" id="{6B6DE600-02D5-4297-AB70-824D28CEE6FA}"/>
+              </a:ext>
+            </a:extLst>
+          </p:cNvPr>
+          <p:cNvSpPr txBox="1"/>
+          <p:nvPr/>
+        </p:nvSpPr>
+        <p:spPr>
+          <a:xfrm>
+            <a:off x="5159562" y="480120"/>
+            <a:ext cx="2577483" cy="446276"/>
+          </a:xfrm>
+          <a:prstGeom prst="rect">
+            <a:avLst/>
+          </a:prstGeom>
+          <a:noFill/>
+          <a:ln>
+            <a:noFill/>
+          </a:ln>
+        </p:spPr>
+        <p:style>
+          <a:lnRef idx="0">
+            <a:scrgbClr r="0" g="0" b="0"/>
+          </a:lnRef>
+          <a:fillRef idx="0">
+            <a:scrgbClr r="0" g="0" b="0"/>
+          </a:fillRef>
+          <a:effectRef idx="0">
+            <a:scrgbClr r="0" g="0" b="0"/>
+          </a:effectRef>
+          <a:fontRef idx="minor">
+            <a:schemeClr val="dk1"/>
+          </a:fontRef>
+        </p:style>
+        <p:txBody>
+          <a:bodyPr wrap="square" rtlCol="0">
+            <a:spAutoFit/>
+          </a:bodyPr>
+          <a:lstStyle/>
+          <a:p>
+            <a:pPr marL="0" marR="0" lvl="0" indent="0" algn="l" defTabSz="914400" rtl="0" eaLnBrk="1" fontAlgn="base" latinLnBrk="0" hangingPunct="1">
+              <a:lnSpc>
+                <a:spcPct val="100000"/>
+              </a:lnSpc>
+              <a:spcBef>
+                <a:spcPct val="0"/>
+              </a:spcBef>
+              <a:spcAft>
+                <a:spcPct val="0"/>
+              </a:spcAft>
+              <a:buClrTx/>
+              <a:buSzTx/>
+              <a:buFontTx/>
+              <a:buNone/>
+              <a:tabLst/>
+              <a:defRPr/>
+            </a:pPr>
+            <a:r>
+              <a:rPr kumimoji="1" lang="ja-JP" altLang="en-US" sz="2200" b="0" i="0" u="none" strike="noStrike" kern="1200" cap="none" spc="0" normalizeH="0" baseline="0" noProof="0" dirty="0">
+                <a:ln>
+                  <a:noFill/>
+                </a:ln>
+                <a:solidFill>
+                  <a:srgbClr val="70AD47">
+                    <a:lumMod val="60000"/>
+                    <a:lumOff val="40000"/>
+                  </a:srgbClr>
+                </a:solidFill>
+                <a:effectLst/>
+                <a:uLnTx/>
+                <a:uFillTx/>
+                <a:latin typeface="HG創英角ｺﾞｼｯｸUB" panose="020B0909000000000000" pitchFamily="49" charset="-128"/>
+                <a:ea typeface="HG創英角ｺﾞｼｯｸUB" panose="020B0909000000000000" pitchFamily="49" charset="-128"/>
+                <a:cs typeface="+mn-cs"/>
+              </a:rPr>
+              <a:t>３</a:t>
+            </a:r>
+            <a:r>
+              <a:rPr kumimoji="1" lang="en-US" altLang="ja-JP" sz="2200" b="1" i="0" u="none" strike="noStrike" kern="1200" cap="none" spc="0" normalizeH="0" baseline="0" noProof="0" dirty="0">
+                <a:ln>
+                  <a:noFill/>
+                </a:ln>
+                <a:solidFill>
+                  <a:srgbClr val="70AD47">
+                    <a:lumMod val="60000"/>
+                    <a:lumOff val="40000"/>
+                  </a:srgbClr>
+                </a:solidFill>
+                <a:effectLst/>
+                <a:uLnTx/>
+                <a:uFillTx/>
+                <a:latin typeface="HG創英角ｺﾞｼｯｸUB" panose="020B0909000000000000" pitchFamily="49" charset="-128"/>
+                <a:ea typeface="HG創英角ｺﾞｼｯｸUB" panose="020B0909000000000000" pitchFamily="49" charset="-128"/>
+                <a:cs typeface="+mn-cs"/>
+              </a:rPr>
+              <a:t>.</a:t>
+            </a:r>
+            <a:r>
+              <a:rPr kumimoji="1" lang="ja-JP" altLang="en-US" sz="2200" b="0" i="0" u="none" strike="noStrike" kern="1200" cap="none" spc="0" normalizeH="0" baseline="0" noProof="0" dirty="0">
+                <a:ln>
+                  <a:noFill/>
+                </a:ln>
+                <a:solidFill>
+                  <a:srgbClr val="70AD47">
+                    <a:lumMod val="60000"/>
+                    <a:lumOff val="40000"/>
+                  </a:srgbClr>
+                </a:solidFill>
+                <a:effectLst/>
+                <a:uLnTx/>
+                <a:uFillTx/>
+                <a:latin typeface="HG創英角ｺﾞｼｯｸUB" panose="020B0909000000000000" pitchFamily="49" charset="-128"/>
+                <a:ea typeface="HG創英角ｺﾞｼｯｸUB" panose="020B0909000000000000" pitchFamily="49" charset="-128"/>
+                <a:cs typeface="+mn-cs"/>
+              </a:rPr>
+              <a:t>振る舞いモデル</a:t>
+            </a:r>
+            <a:endParaRPr kumimoji="1" lang="en-US" altLang="ja-JP" sz="2200" b="0" i="0" u="none" strike="noStrike" kern="1200" cap="none" spc="0" normalizeH="0" baseline="0" noProof="0" dirty="0">
+              <a:ln>
+                <a:noFill/>
+              </a:ln>
+              <a:solidFill>
+                <a:srgbClr val="70AD47">
+                  <a:lumMod val="60000"/>
+                  <a:lumOff val="40000"/>
+                </a:srgbClr>
+              </a:solidFill>
+              <a:effectLst/>
+              <a:uLnTx/>
+              <a:uFillTx/>
+              <a:latin typeface="HG創英角ｺﾞｼｯｸUB" panose="020B0909000000000000" pitchFamily="49" charset="-128"/>
+              <a:ea typeface="HG創英角ｺﾞｼｯｸUB" panose="020B0909000000000000" pitchFamily="49" charset="-128"/>
+              <a:cs typeface="+mn-cs"/>
+            </a:endParaRPr>
+          </a:p>
+        </p:txBody>
+      </p:sp>
+      <p:sp>
+        <p:nvSpPr>
+          <p:cNvPr id="16" name="テキスト ボックス 15">
+            <a:extLst>
+              <a:ext uri="{FF2B5EF4-FFF2-40B4-BE49-F238E27FC236}">
+                <a16:creationId xmlns:a16="http://schemas.microsoft.com/office/drawing/2014/main" id="{B2857B95-E44E-4693-9BF6-518968E8AB21}"/>
+              </a:ext>
+            </a:extLst>
+          </p:cNvPr>
+          <p:cNvSpPr txBox="1"/>
+          <p:nvPr/>
+        </p:nvSpPr>
+        <p:spPr>
+          <a:xfrm>
+            <a:off x="8207348" y="480120"/>
+            <a:ext cx="1445666" cy="430887"/>
+          </a:xfrm>
+          <a:prstGeom prst="rect">
+            <a:avLst/>
+          </a:prstGeom>
+          <a:noFill/>
+          <a:ln>
+            <a:noFill/>
+          </a:ln>
+        </p:spPr>
+        <p:style>
+          <a:lnRef idx="0">
+            <a:scrgbClr r="0" g="0" b="0"/>
+          </a:lnRef>
+          <a:fillRef idx="0">
+            <a:scrgbClr r="0" g="0" b="0"/>
+          </a:fillRef>
+          <a:effectRef idx="0">
+            <a:scrgbClr r="0" g="0" b="0"/>
+          </a:effectRef>
+          <a:fontRef idx="minor">
+            <a:schemeClr val="dk1"/>
+          </a:fontRef>
+        </p:style>
+        <p:txBody>
+          <a:bodyPr wrap="square" rtlCol="0">
+            <a:spAutoFit/>
+          </a:bodyPr>
+          <a:lstStyle/>
+          <a:p>
+            <a:pPr marL="0" marR="0" lvl="0" indent="0" algn="l" defTabSz="914400" rtl="0" eaLnBrk="1" fontAlgn="base" latinLnBrk="0" hangingPunct="1">
+              <a:lnSpc>
+                <a:spcPct val="100000"/>
+              </a:lnSpc>
+              <a:spcBef>
+                <a:spcPct val="0"/>
+              </a:spcBef>
+              <a:spcAft>
+                <a:spcPct val="0"/>
+              </a:spcAft>
+              <a:buClrTx/>
+              <a:buSzTx/>
+              <a:buFontTx/>
+              <a:buNone/>
+              <a:tabLst/>
+              <a:defRPr/>
+            </a:pPr>
+            <a:r>
+              <a:rPr kumimoji="1" lang="ja-JP" altLang="en-US" sz="2200" b="0" i="0" u="none" strike="noStrike" kern="1200" cap="none" spc="0" normalizeH="0" baseline="0" noProof="0" dirty="0">
+                <a:ln>
+                  <a:noFill/>
+                </a:ln>
+                <a:solidFill>
+                  <a:srgbClr val="70AD47">
+                    <a:lumMod val="60000"/>
+                    <a:lumOff val="40000"/>
+                  </a:srgbClr>
+                </a:solidFill>
+                <a:effectLst/>
+                <a:uLnTx/>
+                <a:uFillTx/>
+                <a:latin typeface="HG創英角ｺﾞｼｯｸUB" panose="020B0909000000000000" pitchFamily="49" charset="-128"/>
+                <a:ea typeface="HG創英角ｺﾞｼｯｸUB" panose="020B0909000000000000" pitchFamily="49" charset="-128"/>
+                <a:cs typeface="+mn-cs"/>
+              </a:rPr>
+              <a:t>４</a:t>
+            </a:r>
+            <a:r>
+              <a:rPr kumimoji="1" lang="en-US" altLang="ja-JP" sz="2200" b="1" i="0" u="none" strike="noStrike" kern="1200" cap="none" spc="0" normalizeH="0" baseline="0" noProof="0" dirty="0">
+                <a:ln>
+                  <a:noFill/>
+                </a:ln>
+                <a:solidFill>
+                  <a:srgbClr val="70AD47">
+                    <a:lumMod val="60000"/>
+                    <a:lumOff val="40000"/>
+                  </a:srgbClr>
+                </a:solidFill>
+                <a:effectLst/>
+                <a:uLnTx/>
+                <a:uFillTx/>
+                <a:latin typeface="HG創英角ｺﾞｼｯｸUB" panose="020B0909000000000000" pitchFamily="49" charset="-128"/>
+                <a:ea typeface="HG創英角ｺﾞｼｯｸUB" panose="020B0909000000000000" pitchFamily="49" charset="-128"/>
+                <a:cs typeface="+mn-cs"/>
+              </a:rPr>
+              <a:t>.</a:t>
+            </a:r>
+            <a:r>
+              <a:rPr kumimoji="1" lang="ja-JP" altLang="en-US" sz="2200" b="0" i="0" u="none" strike="noStrike" kern="1200" cap="none" spc="0" normalizeH="0" baseline="0" noProof="0" dirty="0">
+                <a:ln>
+                  <a:noFill/>
+                </a:ln>
+                <a:solidFill>
+                  <a:srgbClr val="70AD47">
+                    <a:lumMod val="60000"/>
+                    <a:lumOff val="40000"/>
+                  </a:srgbClr>
+                </a:solidFill>
+                <a:effectLst/>
+                <a:uLnTx/>
+                <a:uFillTx/>
+                <a:latin typeface="HG創英角ｺﾞｼｯｸUB" panose="020B0909000000000000" pitchFamily="49" charset="-128"/>
+                <a:ea typeface="HG創英角ｺﾞｼｯｸUB" panose="020B0909000000000000" pitchFamily="49" charset="-128"/>
+                <a:cs typeface="+mn-cs"/>
+              </a:rPr>
+              <a:t>工夫点</a:t>
+            </a:r>
+            <a:endParaRPr kumimoji="1" lang="en-US" altLang="ja-JP" sz="2200" b="0" i="0" u="none" strike="noStrike" kern="1200" cap="none" spc="0" normalizeH="0" baseline="0" noProof="0" dirty="0">
+              <a:ln>
+                <a:noFill/>
+              </a:ln>
+              <a:solidFill>
+                <a:srgbClr val="70AD47">
+                  <a:lumMod val="60000"/>
+                  <a:lumOff val="40000"/>
+                </a:srgbClr>
+              </a:solidFill>
+              <a:effectLst/>
+              <a:uLnTx/>
+              <a:uFillTx/>
+              <a:latin typeface="HG創英角ｺﾞｼｯｸUB" panose="020B0909000000000000" pitchFamily="49" charset="-128"/>
+              <a:ea typeface="HG創英角ｺﾞｼｯｸUB" panose="020B0909000000000000" pitchFamily="49" charset="-128"/>
+              <a:cs typeface="+mn-cs"/>
+            </a:endParaRPr>
+          </a:p>
+        </p:txBody>
+      </p:sp>
+      <p:sp>
+        <p:nvSpPr>
+          <p:cNvPr id="2" name="テキスト ボックス 1">
+            <a:extLst>
+              <a:ext uri="{FF2B5EF4-FFF2-40B4-BE49-F238E27FC236}">
+                <a16:creationId xmlns:a16="http://schemas.microsoft.com/office/drawing/2014/main" id="{EC410CCE-6466-4DD2-B5D6-BA237A4B025B}"/>
+              </a:ext>
+            </a:extLst>
+          </p:cNvPr>
+          <p:cNvSpPr txBox="1"/>
+          <p:nvPr/>
+        </p:nvSpPr>
+        <p:spPr>
+          <a:xfrm>
+            <a:off x="84649" y="2002205"/>
+            <a:ext cx="3786884" cy="523220"/>
+          </a:xfrm>
+          <a:prstGeom prst="rect">
+            <a:avLst/>
+          </a:prstGeom>
+          <a:noFill/>
+        </p:spPr>
+        <p:txBody>
+          <a:bodyPr wrap="square" rtlCol="0">
+            <a:spAutoFit/>
+          </a:bodyPr>
+          <a:lstStyle/>
+          <a:p>
+            <a:pPr marL="0" marR="0" lvl="0" indent="0" algn="l" defTabSz="914400" rtl="0" eaLnBrk="1" fontAlgn="base" latinLnBrk="0" hangingPunct="1">
+              <a:lnSpc>
+                <a:spcPct val="100000"/>
+              </a:lnSpc>
+              <a:spcBef>
+                <a:spcPct val="0"/>
+              </a:spcBef>
+              <a:spcAft>
+                <a:spcPct val="0"/>
+              </a:spcAft>
+              <a:buClrTx/>
+              <a:buSzTx/>
+              <a:buFontTx/>
+              <a:buNone/>
+              <a:tabLst/>
+              <a:defRPr/>
+            </a:pPr>
+            <a:r>
+              <a:rPr kumimoji="1" lang="ja-JP" altLang="en-US" sz="1400" b="0" i="0" u="none" strike="noStrike" kern="1200" cap="none" spc="0" normalizeH="0" baseline="0" noProof="0" dirty="0">
+                <a:ln>
+                  <a:noFill/>
+                </a:ln>
+                <a:solidFill>
+                  <a:prstClr val="black"/>
+                </a:solidFill>
+                <a:effectLst/>
+                <a:uLnTx/>
+                <a:uFillTx/>
+                <a:latin typeface="HG丸ｺﾞｼｯｸM-PRO" panose="020F0600000000000000" pitchFamily="50" charset="-128"/>
+                <a:ea typeface="HG丸ｺﾞｼｯｸM-PRO" panose="020F0600000000000000" pitchFamily="50" charset="-128"/>
+                <a:cs typeface="+mn-cs"/>
+              </a:rPr>
+              <a:t>スターターにコースを完走する機能をユースケース図で示す。</a:t>
+            </a:r>
+          </a:p>
+        </p:txBody>
+      </p:sp>
+      <p:sp>
+        <p:nvSpPr>
+          <p:cNvPr id="5" name="テキスト ボックス 4">
+            <a:extLst>
+              <a:ext uri="{FF2B5EF4-FFF2-40B4-BE49-F238E27FC236}">
+                <a16:creationId xmlns:a16="http://schemas.microsoft.com/office/drawing/2014/main" id="{39B023B9-74EB-485E-B7A9-2E7916E6C963}"/>
+              </a:ext>
+            </a:extLst>
+          </p:cNvPr>
+          <p:cNvSpPr txBox="1"/>
+          <p:nvPr/>
+        </p:nvSpPr>
+        <p:spPr>
+          <a:xfrm>
+            <a:off x="154111" y="4201356"/>
+            <a:ext cx="3880349" cy="523220"/>
+          </a:xfrm>
+          <a:prstGeom prst="rect">
+            <a:avLst/>
+          </a:prstGeom>
+          <a:noFill/>
+        </p:spPr>
+        <p:txBody>
+          <a:bodyPr wrap="square" rtlCol="0">
+            <a:spAutoFit/>
+          </a:bodyPr>
+          <a:lstStyle/>
+          <a:p>
+            <a:pPr marL="0" marR="0" lvl="0" indent="0" algn="l" defTabSz="914400" rtl="0" eaLnBrk="1" fontAlgn="base" latinLnBrk="0" hangingPunct="1">
+              <a:lnSpc>
+                <a:spcPct val="100000"/>
+              </a:lnSpc>
+              <a:spcBef>
+                <a:spcPct val="0"/>
+              </a:spcBef>
+              <a:spcAft>
+                <a:spcPct val="0"/>
+              </a:spcAft>
+              <a:buClrTx/>
+              <a:buSzTx/>
+              <a:buFontTx/>
+              <a:buNone/>
+              <a:tabLst/>
+              <a:defRPr/>
+            </a:pPr>
+            <a:r>
+              <a:rPr kumimoji="1" lang="ja-JP" altLang="en-US" sz="1400" b="0" i="0" u="none" strike="noStrike" kern="1200" cap="none" spc="0" normalizeH="0" baseline="0" noProof="0" dirty="0">
+                <a:ln>
+                  <a:noFill/>
+                </a:ln>
+                <a:solidFill>
+                  <a:prstClr val="black"/>
+                </a:solidFill>
+                <a:effectLst/>
+                <a:uLnTx/>
+                <a:uFillTx/>
+                <a:latin typeface="HG丸ｺﾞｼｯｸM-PRO" panose="020F0600000000000000" pitchFamily="50" charset="-128"/>
+                <a:ea typeface="HG丸ｺﾞｼｯｸM-PRO" panose="020F0600000000000000" pitchFamily="50" charset="-128"/>
+                <a:cs typeface="+mn-cs"/>
+              </a:rPr>
+              <a:t>機能を実現するための方法を表</a:t>
+            </a:r>
+            <a:r>
+              <a:rPr kumimoji="1" lang="en-US" altLang="ja-JP" sz="1400" b="0" i="0" u="none" strike="noStrike" kern="1200" cap="none" spc="0" normalizeH="0" baseline="0" noProof="0" dirty="0">
+                <a:ln>
+                  <a:noFill/>
+                </a:ln>
+                <a:solidFill>
+                  <a:prstClr val="black"/>
+                </a:solidFill>
+                <a:effectLst/>
+                <a:uLnTx/>
+                <a:uFillTx/>
+                <a:latin typeface="HG丸ｺﾞｼｯｸM-PRO" panose="020F0600000000000000" pitchFamily="50" charset="-128"/>
+                <a:ea typeface="HG丸ｺﾞｼｯｸM-PRO" panose="020F0600000000000000" pitchFamily="50" charset="-128"/>
+                <a:cs typeface="+mn-cs"/>
+              </a:rPr>
+              <a:t>1</a:t>
+            </a:r>
+            <a:r>
+              <a:rPr kumimoji="1" lang="ja-JP" altLang="en-US" sz="1400" b="0" i="0" u="none" strike="noStrike" kern="1200" cap="none" spc="0" normalizeH="0" baseline="0" noProof="0" dirty="0">
+                <a:ln>
+                  <a:noFill/>
+                </a:ln>
+                <a:solidFill>
+                  <a:prstClr val="black"/>
+                </a:solidFill>
+                <a:effectLst/>
+                <a:uLnTx/>
+                <a:uFillTx/>
+                <a:latin typeface="HG丸ｺﾞｼｯｸM-PRO" panose="020F0600000000000000" pitchFamily="50" charset="-128"/>
+                <a:ea typeface="HG丸ｺﾞｼｯｸM-PRO" panose="020F0600000000000000" pitchFamily="50" charset="-128"/>
+                <a:cs typeface="+mn-cs"/>
+              </a:rPr>
+              <a:t> ユースケース記述、処理順序をアクティビティ図で示す。</a:t>
+            </a:r>
+          </a:p>
+        </p:txBody>
+      </p:sp>
+      <p:cxnSp>
+        <p:nvCxnSpPr>
+          <p:cNvPr id="25" name="直線コネクタ 24">
+            <a:extLst>
+              <a:ext uri="{FF2B5EF4-FFF2-40B4-BE49-F238E27FC236}">
+                <a16:creationId xmlns:a16="http://schemas.microsoft.com/office/drawing/2014/main" id="{AF2DCC8C-2365-43AB-9E17-176AA07FFDED}"/>
+              </a:ext>
+            </a:extLst>
+          </p:cNvPr>
+          <p:cNvCxnSpPr>
+            <a:cxnSpLocks/>
+          </p:cNvCxnSpPr>
+          <p:nvPr/>
+        </p:nvCxnSpPr>
+        <p:spPr>
+          <a:xfrm>
+            <a:off x="157819" y="2002540"/>
+            <a:ext cx="3809776" cy="0"/>
+          </a:xfrm>
+          <a:prstGeom prst="line">
+            <a:avLst/>
+          </a:prstGeom>
+          <a:ln w="38100">
+            <a:solidFill>
+              <a:schemeClr val="accent6"/>
+            </a:solidFill>
+          </a:ln>
+        </p:spPr>
+        <p:style>
+          <a:lnRef idx="1">
+            <a:schemeClr val="accent1"/>
+          </a:lnRef>
+          <a:fillRef idx="0">
+            <a:schemeClr val="accent1"/>
+          </a:fillRef>
+          <a:effectRef idx="0">
+            <a:schemeClr val="accent1"/>
+          </a:effectRef>
+          <a:fontRef idx="minor">
+            <a:schemeClr val="tx1"/>
+          </a:fontRef>
+        </p:style>
+      </p:cxnSp>
+      <p:sp>
+        <p:nvSpPr>
+          <p:cNvPr id="27" name="テキスト ボックス 26">
+            <a:extLst>
+              <a:ext uri="{FF2B5EF4-FFF2-40B4-BE49-F238E27FC236}">
+                <a16:creationId xmlns:a16="http://schemas.microsoft.com/office/drawing/2014/main" id="{85955608-DD65-46B1-83AA-2FE595727633}"/>
+              </a:ext>
+            </a:extLst>
+          </p:cNvPr>
+          <p:cNvSpPr txBox="1"/>
+          <p:nvPr/>
+        </p:nvSpPr>
+        <p:spPr>
+          <a:xfrm>
+            <a:off x="72107" y="1649105"/>
+            <a:ext cx="2002046" cy="338554"/>
+          </a:xfrm>
+          <a:prstGeom prst="rect">
+            <a:avLst/>
+          </a:prstGeom>
+          <a:noFill/>
+        </p:spPr>
+        <p:txBody>
+          <a:bodyPr wrap="square" rtlCol="0">
+            <a:spAutoFit/>
+          </a:bodyPr>
+          <a:lstStyle/>
+          <a:p>
+            <a:pPr marL="0" marR="0" lvl="0" indent="0" algn="l" defTabSz="914400" rtl="0" eaLnBrk="1" fontAlgn="base" latinLnBrk="0" hangingPunct="1">
+              <a:lnSpc>
+                <a:spcPct val="100000"/>
+              </a:lnSpc>
+              <a:spcBef>
+                <a:spcPct val="0"/>
+              </a:spcBef>
+              <a:spcAft>
+                <a:spcPct val="0"/>
+              </a:spcAft>
+              <a:buClrTx/>
+              <a:buSzTx/>
+              <a:buFontTx/>
+              <a:buNone/>
+              <a:tabLst/>
+              <a:defRPr/>
+            </a:pPr>
+            <a:r>
+              <a:rPr kumimoji="1" lang="ja-JP" altLang="en-US" sz="1600" b="1" i="0" u="none" strike="noStrike" kern="1200" cap="none" spc="0" normalizeH="0" baseline="0" noProof="0" dirty="0">
+                <a:ln>
+                  <a:noFill/>
+                </a:ln>
+                <a:solidFill>
+                  <a:prstClr val="black"/>
+                </a:solidFill>
+                <a:effectLst/>
+                <a:uLnTx/>
+                <a:uFillTx/>
+                <a:latin typeface="HG丸ｺﾞｼｯｸM-PRO" panose="020F0600000000000000" pitchFamily="50" charset="-128"/>
+                <a:ea typeface="HG丸ｺﾞｼｯｸM-PRO" panose="020F0600000000000000" pitchFamily="50" charset="-128"/>
+                <a:cs typeface="+mn-cs"/>
+              </a:rPr>
+              <a:t>１．提供する機能</a:t>
+            </a:r>
+            <a:endParaRPr kumimoji="1" lang="ja-JP" altLang="en-US" sz="1600" b="0" i="0" u="none" strike="noStrike" kern="1200" cap="none" spc="0" normalizeH="0" baseline="0" noProof="0" dirty="0">
+              <a:ln>
+                <a:noFill/>
+              </a:ln>
+              <a:solidFill>
+                <a:prstClr val="black"/>
+              </a:solidFill>
+              <a:effectLst/>
+              <a:uLnTx/>
+              <a:uFillTx/>
+              <a:latin typeface="Times New Roman" panose="02020603050405020304" pitchFamily="18" charset="0"/>
+              <a:ea typeface="ＭＳ Ｐゴシック" panose="020B0600070205080204" pitchFamily="34" charset="-128"/>
+              <a:cs typeface="+mn-cs"/>
+            </a:endParaRPr>
+          </a:p>
+        </p:txBody>
+      </p:sp>
+      <p:sp>
+        <p:nvSpPr>
+          <p:cNvPr id="28" name="テキスト ボックス 27">
+            <a:extLst>
+              <a:ext uri="{FF2B5EF4-FFF2-40B4-BE49-F238E27FC236}">
+                <a16:creationId xmlns:a16="http://schemas.microsoft.com/office/drawing/2014/main" id="{BC656E32-26A4-4666-809A-9F95C9E4C140}"/>
+              </a:ext>
+            </a:extLst>
+          </p:cNvPr>
+          <p:cNvSpPr txBox="1"/>
+          <p:nvPr/>
+        </p:nvSpPr>
+        <p:spPr>
+          <a:xfrm>
+            <a:off x="183432" y="3840495"/>
+            <a:ext cx="2033121" cy="338554"/>
+          </a:xfrm>
+          <a:prstGeom prst="rect">
+            <a:avLst/>
+          </a:prstGeom>
+          <a:noFill/>
+        </p:spPr>
+        <p:txBody>
+          <a:bodyPr wrap="square" rtlCol="0">
+            <a:spAutoFit/>
+          </a:bodyPr>
+          <a:lstStyle/>
+          <a:p>
+            <a:pPr marL="0" marR="0" lvl="0" indent="0" algn="l" defTabSz="914400" rtl="0" eaLnBrk="1" fontAlgn="base" latinLnBrk="0" hangingPunct="1">
+              <a:lnSpc>
+                <a:spcPct val="100000"/>
+              </a:lnSpc>
+              <a:spcBef>
+                <a:spcPct val="0"/>
+              </a:spcBef>
+              <a:spcAft>
+                <a:spcPct val="0"/>
+              </a:spcAft>
+              <a:buClrTx/>
+              <a:buSzTx/>
+              <a:buFontTx/>
+              <a:buNone/>
+              <a:tabLst/>
+              <a:defRPr/>
+            </a:pPr>
+            <a:r>
+              <a:rPr kumimoji="1" lang="ja-JP" altLang="en-US" sz="1600" b="1" i="0" u="none" strike="noStrike" kern="1200" cap="none" spc="0" normalizeH="0" baseline="0" noProof="0" dirty="0">
+                <a:ln>
+                  <a:noFill/>
+                </a:ln>
+                <a:solidFill>
+                  <a:prstClr val="black"/>
+                </a:solidFill>
+                <a:effectLst/>
+                <a:uLnTx/>
+                <a:uFillTx/>
+                <a:latin typeface="HG丸ｺﾞｼｯｸM-PRO" panose="020F0600000000000000" pitchFamily="50" charset="-128"/>
+                <a:ea typeface="HG丸ｺﾞｼｯｸM-PRO" panose="020F0600000000000000" pitchFamily="50" charset="-128"/>
+                <a:cs typeface="+mn-cs"/>
+              </a:rPr>
+              <a:t>２．機能要件</a:t>
+            </a:r>
+            <a:endParaRPr kumimoji="1" lang="ja-JP" altLang="en-US" sz="1600" b="0" i="0" u="none" strike="noStrike" kern="1200" cap="none" spc="0" normalizeH="0" baseline="0" noProof="0" dirty="0">
+              <a:ln>
+                <a:noFill/>
+              </a:ln>
+              <a:solidFill>
+                <a:prstClr val="black"/>
+              </a:solidFill>
+              <a:effectLst/>
+              <a:uLnTx/>
+              <a:uFillTx/>
+              <a:latin typeface="Times New Roman" panose="02020603050405020304" pitchFamily="18" charset="0"/>
+              <a:ea typeface="ＭＳ Ｐゴシック" panose="020B0600070205080204" pitchFamily="34" charset="-128"/>
+              <a:cs typeface="+mn-cs"/>
+            </a:endParaRPr>
+          </a:p>
+        </p:txBody>
+      </p:sp>
+      <p:cxnSp>
+        <p:nvCxnSpPr>
+          <p:cNvPr id="29" name="直線コネクタ 28">
+            <a:extLst>
+              <a:ext uri="{FF2B5EF4-FFF2-40B4-BE49-F238E27FC236}">
+                <a16:creationId xmlns:a16="http://schemas.microsoft.com/office/drawing/2014/main" id="{5912503A-9432-4EF7-8DAE-A3C6B8B3A324}"/>
+              </a:ext>
+            </a:extLst>
+          </p:cNvPr>
+          <p:cNvCxnSpPr>
+            <a:cxnSpLocks/>
+          </p:cNvCxnSpPr>
+          <p:nvPr/>
+        </p:nvCxnSpPr>
+        <p:spPr>
+          <a:xfrm flipV="1">
+            <a:off x="154390" y="4156695"/>
+            <a:ext cx="3813205" cy="22364"/>
+          </a:xfrm>
+          <a:prstGeom prst="line">
+            <a:avLst/>
+          </a:prstGeom>
+          <a:ln w="38100">
+            <a:solidFill>
+              <a:schemeClr val="accent6"/>
+            </a:solidFill>
+          </a:ln>
+        </p:spPr>
+        <p:style>
+          <a:lnRef idx="1">
+            <a:schemeClr val="accent1"/>
+          </a:lnRef>
+          <a:fillRef idx="0">
+            <a:schemeClr val="accent1"/>
+          </a:fillRef>
+          <a:effectRef idx="0">
+            <a:schemeClr val="accent1"/>
+          </a:effectRef>
+          <a:fontRef idx="minor">
+            <a:schemeClr val="tx1"/>
+          </a:fontRef>
+        </p:style>
+      </p:cxnSp>
+      <p:cxnSp>
+        <p:nvCxnSpPr>
+          <p:cNvPr id="30" name="直線コネクタ 29">
+            <a:extLst>
+              <a:ext uri="{FF2B5EF4-FFF2-40B4-BE49-F238E27FC236}">
+                <a16:creationId xmlns:a16="http://schemas.microsoft.com/office/drawing/2014/main" id="{09A79F65-2C6D-4369-97B6-E1511ADE470A}"/>
+              </a:ext>
+            </a:extLst>
+          </p:cNvPr>
+          <p:cNvCxnSpPr>
+            <a:cxnSpLocks/>
+          </p:cNvCxnSpPr>
+          <p:nvPr/>
+        </p:nvCxnSpPr>
+        <p:spPr>
+          <a:xfrm>
+            <a:off x="7336904" y="984260"/>
+            <a:ext cx="0" cy="8496860"/>
+          </a:xfrm>
+          <a:prstGeom prst="line">
+            <a:avLst/>
+          </a:prstGeom>
+          <a:ln w="12700">
+            <a:solidFill>
+              <a:schemeClr val="accent6"/>
+            </a:solidFill>
+          </a:ln>
+        </p:spPr>
+        <p:style>
+          <a:lnRef idx="1">
+            <a:schemeClr val="accent1"/>
+          </a:lnRef>
+          <a:fillRef idx="0">
+            <a:schemeClr val="accent1"/>
+          </a:fillRef>
+          <a:effectRef idx="0">
+            <a:schemeClr val="accent1"/>
+          </a:effectRef>
+          <a:fontRef idx="minor">
+            <a:schemeClr val="tx1"/>
+          </a:fontRef>
+        </p:style>
+      </p:cxnSp>
+      <p:pic>
+        <p:nvPicPr>
+          <p:cNvPr id="183" name="図 182">
+            <a:extLst>
+              <a:ext uri="{FF2B5EF4-FFF2-40B4-BE49-F238E27FC236}">
+                <a16:creationId xmlns:a16="http://schemas.microsoft.com/office/drawing/2014/main" id="{0C4DBE78-E10B-4988-A138-F274610EA02A}"/>
+              </a:ext>
+            </a:extLst>
+          </p:cNvPr>
+          <p:cNvPicPr>
+            <a:picLocks noChangeAspect="1"/>
+          </p:cNvPicPr>
+          <p:nvPr/>
+        </p:nvPicPr>
+        <p:blipFill>
+          <a:blip r:embed="rId3">
+            <a:extLst>
+              <a:ext uri="{28A0092B-C50C-407E-A947-70E740481C1C}">
+                <a14:useLocalDpi xmlns:a14="http://schemas.microsoft.com/office/drawing/2010/main" val="0"/>
+              </a:ext>
+            </a:extLst>
+          </a:blip>
+          <a:stretch>
+            <a:fillRect/>
+          </a:stretch>
+        </p:blipFill>
+        <p:spPr>
+          <a:xfrm>
+            <a:off x="4133250" y="998405"/>
+            <a:ext cx="3051589" cy="2401896"/>
+          </a:xfrm>
+          <a:prstGeom prst="rect">
+            <a:avLst/>
+          </a:prstGeom>
+        </p:spPr>
+      </p:pic>
+      <p:pic>
+        <p:nvPicPr>
+          <p:cNvPr id="186" name="図 185">
+            <a:extLst>
+              <a:ext uri="{FF2B5EF4-FFF2-40B4-BE49-F238E27FC236}">
+                <a16:creationId xmlns:a16="http://schemas.microsoft.com/office/drawing/2014/main" id="{B1266377-3BA4-431C-8BE6-5BD94D1ADAAF}"/>
+              </a:ext>
+            </a:extLst>
+          </p:cNvPr>
+          <p:cNvPicPr>
+            <a:picLocks noChangeAspect="1"/>
+          </p:cNvPicPr>
+          <p:nvPr/>
+        </p:nvPicPr>
+        <p:blipFill>
+          <a:blip r:embed="rId4"/>
+          <a:stretch>
+            <a:fillRect/>
+          </a:stretch>
+        </p:blipFill>
+        <p:spPr>
+          <a:xfrm>
+            <a:off x="192237" y="4724240"/>
+            <a:ext cx="3663411" cy="2118721"/>
+          </a:xfrm>
+          <a:prstGeom prst="rect">
+            <a:avLst/>
+          </a:prstGeom>
+        </p:spPr>
+      </p:pic>
+      <p:pic>
+        <p:nvPicPr>
+          <p:cNvPr id="188" name="図 187">
+            <a:extLst>
+              <a:ext uri="{FF2B5EF4-FFF2-40B4-BE49-F238E27FC236}">
+                <a16:creationId xmlns:a16="http://schemas.microsoft.com/office/drawing/2014/main" id="{8BE8A082-73A3-4A3B-B0A5-5262952F587F}"/>
+              </a:ext>
+            </a:extLst>
+          </p:cNvPr>
+          <p:cNvPicPr>
+            <a:picLocks noChangeAspect="1"/>
+          </p:cNvPicPr>
+          <p:nvPr/>
+        </p:nvPicPr>
+        <p:blipFill>
+          <a:blip r:embed="rId5"/>
+          <a:stretch>
+            <a:fillRect/>
+          </a:stretch>
+        </p:blipFill>
+        <p:spPr>
+          <a:xfrm>
+            <a:off x="397095" y="6843664"/>
+            <a:ext cx="3663401" cy="2637456"/>
+          </a:xfrm>
+          <a:prstGeom prst="rect">
+            <a:avLst/>
+          </a:prstGeom>
+        </p:spPr>
+      </p:pic>
+      <p:cxnSp>
+        <p:nvCxnSpPr>
+          <p:cNvPr id="189" name="直線コネクタ 188">
+            <a:extLst>
+              <a:ext uri="{FF2B5EF4-FFF2-40B4-BE49-F238E27FC236}">
+                <a16:creationId xmlns:a16="http://schemas.microsoft.com/office/drawing/2014/main" id="{E6358B48-3216-49A4-A3FD-342E3FC66910}"/>
+              </a:ext>
+            </a:extLst>
+          </p:cNvPr>
+          <p:cNvCxnSpPr>
+            <a:cxnSpLocks/>
+          </p:cNvCxnSpPr>
+          <p:nvPr/>
+        </p:nvCxnSpPr>
+        <p:spPr>
+          <a:xfrm>
+            <a:off x="4034460" y="986718"/>
+            <a:ext cx="0" cy="8496860"/>
+          </a:xfrm>
+          <a:prstGeom prst="line">
+            <a:avLst/>
+          </a:prstGeom>
+          <a:ln w="12700">
+            <a:solidFill>
+              <a:schemeClr val="accent6"/>
+            </a:solidFill>
+          </a:ln>
+        </p:spPr>
+        <p:style>
+          <a:lnRef idx="1">
+            <a:schemeClr val="accent1"/>
+          </a:lnRef>
+          <a:fillRef idx="0">
+            <a:schemeClr val="accent1"/>
+          </a:fillRef>
+          <a:effectRef idx="0">
+            <a:schemeClr val="accent1"/>
+          </a:effectRef>
+          <a:fontRef idx="minor">
+            <a:schemeClr val="tx1"/>
+          </a:fontRef>
+        </p:style>
+      </p:cxnSp>
+      <p:pic>
+        <p:nvPicPr>
+          <p:cNvPr id="191" name="図 190">
+            <a:extLst>
+              <a:ext uri="{FF2B5EF4-FFF2-40B4-BE49-F238E27FC236}">
+                <a16:creationId xmlns:a16="http://schemas.microsoft.com/office/drawing/2014/main" id="{B96EBF48-13B0-4660-8273-919E0D5978EA}"/>
+              </a:ext>
+            </a:extLst>
+          </p:cNvPr>
+          <p:cNvPicPr>
+            <a:picLocks noChangeAspect="1"/>
+          </p:cNvPicPr>
+          <p:nvPr/>
+        </p:nvPicPr>
+        <p:blipFill>
+          <a:blip r:embed="rId6">
+            <a:extLst>
+              <a:ext uri="{28A0092B-C50C-407E-A947-70E740481C1C}">
+                <a14:useLocalDpi xmlns:a14="http://schemas.microsoft.com/office/drawing/2010/main" val="0"/>
+              </a:ext>
+            </a:extLst>
+          </a:blip>
+          <a:stretch>
+            <a:fillRect/>
+          </a:stretch>
+        </p:blipFill>
+        <p:spPr>
+          <a:xfrm>
+            <a:off x="4143681" y="3535774"/>
+            <a:ext cx="3017636" cy="5880720"/>
+          </a:xfrm>
+          <a:prstGeom prst="rect">
+            <a:avLst/>
+          </a:prstGeom>
+        </p:spPr>
+      </p:pic>
+      <p:pic>
+        <p:nvPicPr>
+          <p:cNvPr id="8" name="図 7">
+            <a:extLst>
+              <a:ext uri="{FF2B5EF4-FFF2-40B4-BE49-F238E27FC236}">
+                <a16:creationId xmlns:a16="http://schemas.microsoft.com/office/drawing/2014/main" id="{A1430FE9-1937-4E78-8008-0A4B945F76DB}"/>
+              </a:ext>
+            </a:extLst>
+          </p:cNvPr>
+          <p:cNvPicPr>
+            <a:picLocks noChangeAspect="1"/>
+          </p:cNvPicPr>
+          <p:nvPr/>
+        </p:nvPicPr>
+        <p:blipFill>
+          <a:blip r:embed="rId7"/>
+          <a:stretch>
+            <a:fillRect/>
+          </a:stretch>
+        </p:blipFill>
+        <p:spPr>
+          <a:xfrm>
+            <a:off x="7488970" y="4606982"/>
+            <a:ext cx="5140471" cy="4874138"/>
+          </a:xfrm>
+          <a:prstGeom prst="rect">
+            <a:avLst/>
+          </a:prstGeom>
+        </p:spPr>
+      </p:pic>
+      <p:sp>
+        <p:nvSpPr>
+          <p:cNvPr id="31" name="テキスト ボックス 30">
+            <a:extLst>
+              <a:ext uri="{FF2B5EF4-FFF2-40B4-BE49-F238E27FC236}">
+                <a16:creationId xmlns:a16="http://schemas.microsoft.com/office/drawing/2014/main" id="{6B40DD60-3B56-42E8-A561-2ABDE7CB3975}"/>
+              </a:ext>
+            </a:extLst>
+          </p:cNvPr>
+          <p:cNvSpPr txBox="1"/>
+          <p:nvPr/>
+        </p:nvSpPr>
+        <p:spPr>
+          <a:xfrm>
+            <a:off x="7479948" y="1066431"/>
+            <a:ext cx="2033121" cy="338554"/>
+          </a:xfrm>
+          <a:prstGeom prst="rect">
+            <a:avLst/>
+          </a:prstGeom>
+          <a:noFill/>
+        </p:spPr>
+        <p:txBody>
+          <a:bodyPr wrap="square" rtlCol="0">
+            <a:spAutoFit/>
+          </a:bodyPr>
+          <a:lstStyle/>
+          <a:p>
+            <a:pPr marL="0" marR="0" lvl="0" indent="0" algn="l" defTabSz="914400" rtl="0" eaLnBrk="1" fontAlgn="base" latinLnBrk="0" hangingPunct="1">
+              <a:lnSpc>
+                <a:spcPct val="100000"/>
+              </a:lnSpc>
+              <a:spcBef>
+                <a:spcPct val="0"/>
+              </a:spcBef>
+              <a:spcAft>
+                <a:spcPct val="0"/>
+              </a:spcAft>
+              <a:buClrTx/>
+              <a:buSzTx/>
+              <a:buFontTx/>
+              <a:buNone/>
+              <a:tabLst/>
+              <a:defRPr/>
+            </a:pPr>
+            <a:r>
+              <a:rPr kumimoji="1" lang="ja-JP" altLang="en-US" sz="1600" b="1" i="0" u="none" strike="noStrike" kern="1200" cap="none" spc="0" normalizeH="0" baseline="0" noProof="0" dirty="0">
+                <a:ln>
+                  <a:noFill/>
+                </a:ln>
+                <a:solidFill>
+                  <a:prstClr val="black"/>
+                </a:solidFill>
+                <a:effectLst/>
+                <a:uLnTx/>
+                <a:uFillTx/>
+                <a:latin typeface="HG丸ｺﾞｼｯｸM-PRO" panose="020F0600000000000000" pitchFamily="50" charset="-128"/>
+                <a:ea typeface="HG丸ｺﾞｼｯｸM-PRO" panose="020F0600000000000000" pitchFamily="50" charset="-128"/>
+                <a:cs typeface="+mn-cs"/>
+              </a:rPr>
+              <a:t>３．部品の定義</a:t>
+            </a:r>
+            <a:endParaRPr kumimoji="1" lang="en-US" altLang="ja-JP" sz="1600" b="1" i="0" u="none" strike="noStrike" kern="1200" cap="none" spc="0" normalizeH="0" baseline="0" noProof="0" dirty="0">
+              <a:ln>
+                <a:noFill/>
+              </a:ln>
+              <a:solidFill>
+                <a:prstClr val="black"/>
+              </a:solidFill>
+              <a:effectLst/>
+              <a:uLnTx/>
+              <a:uFillTx/>
+              <a:latin typeface="HG丸ｺﾞｼｯｸM-PRO" panose="020F0600000000000000" pitchFamily="50" charset="-128"/>
+              <a:ea typeface="HG丸ｺﾞｼｯｸM-PRO" panose="020F0600000000000000" pitchFamily="50" charset="-128"/>
+              <a:cs typeface="+mn-cs"/>
+            </a:endParaRPr>
+          </a:p>
+        </p:txBody>
+      </p:sp>
+      <p:cxnSp>
+        <p:nvCxnSpPr>
+          <p:cNvPr id="32" name="直線コネクタ 31">
+            <a:extLst>
+              <a:ext uri="{FF2B5EF4-FFF2-40B4-BE49-F238E27FC236}">
+                <a16:creationId xmlns:a16="http://schemas.microsoft.com/office/drawing/2014/main" id="{AB3BAA60-22E0-4DE9-95B6-563F487F0A6F}"/>
+              </a:ext>
+            </a:extLst>
+          </p:cNvPr>
+          <p:cNvCxnSpPr>
+            <a:cxnSpLocks/>
+          </p:cNvCxnSpPr>
+          <p:nvPr/>
+        </p:nvCxnSpPr>
+        <p:spPr>
+          <a:xfrm>
+            <a:off x="7479948" y="1454475"/>
+            <a:ext cx="4969524" cy="0"/>
+          </a:xfrm>
+          <a:prstGeom prst="line">
+            <a:avLst/>
+          </a:prstGeom>
+          <a:ln w="38100">
+            <a:solidFill>
+              <a:schemeClr val="accent6"/>
+            </a:solidFill>
+          </a:ln>
+        </p:spPr>
+        <p:style>
+          <a:lnRef idx="1">
+            <a:schemeClr val="accent1"/>
+          </a:lnRef>
+          <a:fillRef idx="0">
+            <a:schemeClr val="accent1"/>
+          </a:fillRef>
+          <a:effectRef idx="0">
+            <a:schemeClr val="accent1"/>
+          </a:effectRef>
+          <a:fontRef idx="minor">
+            <a:schemeClr val="tx1"/>
+          </a:fontRef>
+        </p:style>
+      </p:cxnSp>
+      <p:sp>
+        <p:nvSpPr>
+          <p:cNvPr id="18" name="テキスト ボックス 17">
+            <a:extLst>
+              <a:ext uri="{FF2B5EF4-FFF2-40B4-BE49-F238E27FC236}">
+                <a16:creationId xmlns:a16="http://schemas.microsoft.com/office/drawing/2014/main" id="{77E66A07-6580-4303-AB88-DEF042E624A0}"/>
+              </a:ext>
+            </a:extLst>
+          </p:cNvPr>
+          <p:cNvSpPr txBox="1"/>
+          <p:nvPr/>
+        </p:nvSpPr>
+        <p:spPr>
+          <a:xfrm>
+            <a:off x="7417014" y="1498604"/>
+            <a:ext cx="4312375" cy="307777"/>
+          </a:xfrm>
+          <a:prstGeom prst="rect">
+            <a:avLst/>
+          </a:prstGeom>
+          <a:noFill/>
+        </p:spPr>
+        <p:txBody>
+          <a:bodyPr wrap="square" rtlCol="0">
+            <a:spAutoFit/>
+          </a:bodyPr>
+          <a:lstStyle/>
+          <a:p>
+            <a:pPr marL="0" marR="0" lvl="0" indent="0" algn="l" defTabSz="914400" rtl="0" eaLnBrk="1" fontAlgn="base" latinLnBrk="0" hangingPunct="1">
+              <a:lnSpc>
+                <a:spcPct val="100000"/>
+              </a:lnSpc>
+              <a:spcBef>
+                <a:spcPct val="0"/>
+              </a:spcBef>
+              <a:spcAft>
+                <a:spcPct val="0"/>
+              </a:spcAft>
+              <a:buClrTx/>
+              <a:buSzTx/>
+              <a:buFontTx/>
+              <a:buNone/>
+              <a:tabLst/>
+              <a:defRPr/>
+            </a:pPr>
+            <a:r>
+              <a:rPr kumimoji="1" lang="ja-JP" altLang="en-US" sz="1400" b="0" i="0" u="none" strike="noStrike" kern="1200" cap="none" spc="0" normalizeH="0" baseline="0" noProof="0" dirty="0">
+                <a:ln>
+                  <a:noFill/>
+                </a:ln>
+                <a:solidFill>
+                  <a:prstClr val="black"/>
+                </a:solidFill>
+                <a:effectLst/>
+                <a:uLnTx/>
+                <a:uFillTx/>
+                <a:latin typeface="HG丸ｺﾞｼｯｸM-PRO" panose="020F0600000000000000" pitchFamily="50" charset="-128"/>
+                <a:ea typeface="HG丸ｺﾞｼｯｸM-PRO" panose="020F0600000000000000" pitchFamily="50" charset="-128"/>
+                <a:cs typeface="+mn-cs"/>
+              </a:rPr>
+              <a:t>機能を実現するために必要な部品を以下の表に示す。</a:t>
+            </a:r>
+          </a:p>
+        </p:txBody>
+      </p:sp>
+    </p:spTree>
+    <p:extLst>
+      <p:ext uri="{BB962C8B-B14F-4D97-AF65-F5344CB8AC3E}">
+        <p14:creationId xmlns:p14="http://schemas.microsoft.com/office/powerpoint/2010/main" val="1666720446"/>
+      </p:ext>
+    </p:extLst>
+  </p:cSld>
+  <p:clrMapOvr>
+    <a:masterClrMapping/>
+  </p:clrMapOvr>
+</p:sld>
+</file>
+
+<file path=ppt/slides/slide3.xml><?xml version="1.0" encoding="utf-8"?>
+<p:sld xmlns:a="http://schemas.openxmlformats.org/drawingml/2006/main" xmlns:r="http://schemas.openxmlformats.org/officeDocument/2006/relationships" xmlns:p="http://schemas.openxmlformats.org/presentationml/2006/main">
+  <p:cSld>
+    <p:spTree>
+      <p:nvGrpSpPr>
+        <p:cNvPr id="1" name=""/>
+        <p:cNvGrpSpPr/>
+        <p:nvPr/>
+      </p:nvGrpSpPr>
+      <p:grpSpPr>
+        <a:xfrm>
+          <a:off x="0" y="0"/>
+          <a:ext cx="0" cy="0"/>
+          <a:chOff x="0" y="0"/>
+          <a:chExt cx="0" cy="0"/>
+        </a:xfrm>
+      </p:grpSpPr>
+      <p:sp>
+        <p:nvSpPr>
+          <p:cNvPr id="14" name="四角形: 角を丸くする 13">
+            <a:extLst>
+              <a:ext uri="{FF2B5EF4-FFF2-40B4-BE49-F238E27FC236}">
+                <a16:creationId xmlns:a16="http://schemas.microsoft.com/office/drawing/2014/main" id="{5DFFF80D-32F6-4641-A456-86DEF48B839E}"/>
+              </a:ext>
+            </a:extLst>
+          </p:cNvPr>
+          <p:cNvSpPr/>
+          <p:nvPr/>
+        </p:nvSpPr>
+        <p:spPr>
+          <a:xfrm>
+            <a:off x="5150181" y="408112"/>
+            <a:ext cx="2520000" cy="1080368"/>
+          </a:xfrm>
+          <a:prstGeom prst="roundRect">
+            <a:avLst/>
+          </a:prstGeom>
+          <a:ln w="28575">
+            <a:solidFill>
+              <a:schemeClr val="accent6">
+                <a:lumMod val="60000"/>
+                <a:lumOff val="40000"/>
+              </a:schemeClr>
+            </a:solidFill>
+          </a:ln>
+        </p:spPr>
+        <p:style>
+          <a:lnRef idx="2">
+            <a:schemeClr val="accent6"/>
+          </a:lnRef>
+          <a:fillRef idx="1">
+            <a:schemeClr val="lt1"/>
+          </a:fillRef>
+          <a:effectRef idx="0">
+            <a:schemeClr val="accent6"/>
+          </a:effectRef>
+          <a:fontRef idx="minor">
+            <a:schemeClr val="dk1"/>
+          </a:fontRef>
+        </p:style>
+        <p:txBody>
+          <a:bodyPr rtlCol="0" anchor="ctr"/>
+          <a:lstStyle/>
+          <a:p>
+            <a:pPr marL="0" marR="0" lvl="0" indent="0" algn="ctr" defTabSz="914400" rtl="0" eaLnBrk="1" fontAlgn="base" latinLnBrk="0" hangingPunct="1">
+              <a:lnSpc>
+                <a:spcPct val="100000"/>
+              </a:lnSpc>
+              <a:spcBef>
+                <a:spcPct val="0"/>
+              </a:spcBef>
+              <a:spcAft>
+                <a:spcPct val="0"/>
+              </a:spcAft>
+              <a:buClrTx/>
+              <a:buSzTx/>
+              <a:buFontTx/>
+              <a:buNone/>
+              <a:tabLst/>
+              <a:defRPr/>
+            </a:pPr>
+            <a:endParaRPr kumimoji="1" lang="ja-JP" altLang="en-US" sz="1600" b="0" i="0" u="none" strike="noStrike" kern="1200" cap="none" spc="0" normalizeH="0" baseline="0" noProof="0">
+              <a:ln>
+                <a:noFill/>
+              </a:ln>
+              <a:solidFill>
+                <a:prstClr val="black"/>
+              </a:solidFill>
+              <a:effectLst/>
+              <a:uLnTx/>
+              <a:uFillTx/>
+              <a:latin typeface="游ゴシック" panose="020F0502020204030204"/>
+              <a:ea typeface="游ゴシック" panose="020B0400000000000000" pitchFamily="50" charset="-128"/>
+              <a:cs typeface="+mn-cs"/>
+            </a:endParaRPr>
           </a:p>
         </p:txBody>
       </p:sp>
@@ -5800,7 +6242,7 @@
         </p:nvSpPr>
         <p:spPr>
           <a:xfrm>
-            <a:off x="95655" y="698856"/>
+            <a:off x="95655" y="408112"/>
             <a:ext cx="2520000" cy="1368400"/>
           </a:xfrm>
           <a:prstGeom prst="roundRect">
@@ -5835,8 +6277,37 @@
           <a:bodyPr rtlCol="0" anchor="ctr"/>
           <a:lstStyle/>
           <a:p>
-            <a:pPr algn="ctr"/>
-            <a:endParaRPr kumimoji="1" lang="ja-JP" altLang="en-US"/>
+            <a:pPr marL="0" marR="0" lvl="0" indent="0" algn="ctr" defTabSz="914400" rtl="0" eaLnBrk="1" fontAlgn="base" latinLnBrk="0" hangingPunct="1">
+              <a:lnSpc>
+                <a:spcPct val="100000"/>
+              </a:lnSpc>
+              <a:spcBef>
+                <a:spcPct val="0"/>
+              </a:spcBef>
+              <a:spcAft>
+                <a:spcPct val="0"/>
+              </a:spcAft>
+              <a:buClrTx/>
+              <a:buSzTx/>
+              <a:buFontTx/>
+              <a:buNone/>
+              <a:tabLst/>
+              <a:defRPr/>
+            </a:pPr>
+            <a:endParaRPr kumimoji="1" lang="ja-JP" altLang="en-US" sz="1600" b="0" i="0" u="none" strike="noStrike" kern="1200" cap="none" spc="0" normalizeH="0" baseline="0" noProof="0">
+              <a:ln>
+                <a:noFill/>
+              </a:ln>
+              <a:solidFill>
+                <a:prstClr val="black"/>
+              </a:solidFill>
+              <a:effectLst/>
+              <a:uLnTx/>
+              <a:uFillTx/>
+              <a:latin typeface="游ゴシック" panose="020F0502020204030204"/>
+              <a:ea typeface="游ゴシック" panose="020B0400000000000000" pitchFamily="50" charset="-128"/>
+              <a:cs typeface="+mn-cs"/>
+            </a:endParaRPr>
           </a:p>
         </p:txBody>
       </p:sp>
@@ -5854,7 +6325,7 @@
         </p:nvSpPr>
         <p:spPr>
           <a:xfrm>
-            <a:off x="2622918" y="480120"/>
+            <a:off x="2622918" y="192088"/>
             <a:ext cx="2520000" cy="1224384"/>
           </a:xfrm>
           <a:prstGeom prst="roundRect">
@@ -5862,6 +6333,9 @@
               <a:gd name="adj" fmla="val 13842"/>
             </a:avLst>
           </a:prstGeom>
+          <a:solidFill>
+            <a:schemeClr val="accent6"/>
+          </a:solidFill>
           <a:ln w="38100"/>
         </p:spPr>
         <p:style>
@@ -5882,8 +6356,118 @@
           <a:bodyPr rtlCol="0" anchor="ctr"/>
           <a:lstStyle/>
           <a:p>
-            <a:pPr algn="ctr"/>
-            <a:endParaRPr kumimoji="1" lang="ja-JP" altLang="en-US" dirty="0"/>
+            <a:pPr marL="0" marR="0" lvl="0" indent="0" algn="ctr" defTabSz="914400" rtl="0" eaLnBrk="1" fontAlgn="base" latinLnBrk="0" hangingPunct="1">
+              <a:lnSpc>
+                <a:spcPct val="100000"/>
+              </a:lnSpc>
+              <a:spcBef>
+                <a:spcPct val="0"/>
+              </a:spcBef>
+              <a:spcAft>
+                <a:spcPct val="0"/>
+              </a:spcAft>
+              <a:buClrTx/>
+              <a:buSzTx/>
+              <a:buFontTx/>
+              <a:buNone/>
+              <a:tabLst/>
+              <a:defRPr/>
+            </a:pPr>
+            <a:endParaRPr kumimoji="1" lang="ja-JP" altLang="en-US" sz="1600" b="0" i="0" u="none" strike="noStrike" kern="1200" cap="none" spc="0" normalizeH="0" baseline="0" noProof="0" dirty="0">
+              <a:ln>
+                <a:noFill/>
+              </a:ln>
+              <a:solidFill>
+                <a:prstClr val="black"/>
+              </a:solidFill>
+              <a:effectLst/>
+              <a:uLnTx/>
+              <a:uFillTx/>
+              <a:latin typeface="游ゴシック" panose="020F0502020204030204"/>
+              <a:ea typeface="游ゴシック" panose="020B0400000000000000" pitchFamily="50" charset="-128"/>
+              <a:cs typeface="+mn-cs"/>
+            </a:endParaRPr>
+          </a:p>
+        </p:txBody>
+      </p:sp>
+      <p:sp>
+        <p:nvSpPr>
+          <p:cNvPr id="15" name="四角形: 角を丸くする 14">
+            <a:extLst>
+              <a:ext uri="{FF2B5EF4-FFF2-40B4-BE49-F238E27FC236}">
+                <a16:creationId xmlns:a16="http://schemas.microsoft.com/office/drawing/2014/main" id="{A9B96D26-795E-44A3-9A17-D2913FF49DAB}"/>
+              </a:ext>
+            </a:extLst>
+          </p:cNvPr>
+          <p:cNvSpPr/>
+          <p:nvPr/>
+        </p:nvSpPr>
+        <p:spPr>
+          <a:xfrm>
+            <a:off x="7670181" y="408112"/>
+            <a:ext cx="2520000" cy="1152297"/>
+          </a:xfrm>
+          <a:prstGeom prst="roundRect">
+            <a:avLst/>
+          </a:prstGeom>
+          <a:ln w="28575">
+            <a:solidFill>
+              <a:schemeClr val="accent6">
+                <a:lumMod val="60000"/>
+                <a:lumOff val="40000"/>
+              </a:schemeClr>
+            </a:solidFill>
+          </a:ln>
+        </p:spPr>
+        <p:style>
+          <a:lnRef idx="2">
+            <a:schemeClr val="accent6"/>
+          </a:lnRef>
+          <a:fillRef idx="1">
+            <a:schemeClr val="lt1"/>
+          </a:fillRef>
+          <a:effectRef idx="0">
+            <a:schemeClr val="accent6"/>
+          </a:effectRef>
+          <a:fontRef idx="minor">
+            <a:schemeClr val="dk1"/>
+          </a:fontRef>
+        </p:style>
+        <p:txBody>
+          <a:bodyPr rtlCol="0" anchor="ctr"/>
+          <a:lstStyle/>
+          <a:p>
+            <a:pPr marL="0" marR="0" lvl="0" indent="0" algn="ctr" defTabSz="914400" rtl="0" eaLnBrk="1" fontAlgn="base" latinLnBrk="0" hangingPunct="1">
+              <a:lnSpc>
+                <a:spcPct val="100000"/>
+              </a:lnSpc>
+              <a:spcBef>
+                <a:spcPct val="0"/>
+              </a:spcBef>
+              <a:spcAft>
+                <a:spcPct val="0"/>
+              </a:spcAft>
+              <a:buClrTx/>
+              <a:buSzTx/>
+              <a:buFontTx/>
+              <a:buNone/>
+              <a:tabLst/>
+              <a:defRPr/>
+            </a:pPr>
+            <a:endParaRPr kumimoji="1" lang="ja-JP" altLang="en-US" sz="1600" b="0" i="0" u="none" strike="noStrike" kern="1200" cap="none" spc="0" normalizeH="0" baseline="0" noProof="0">
+              <a:ln>
+                <a:noFill/>
+              </a:ln>
+              <a:solidFill>
+                <a:prstClr val="black"/>
+              </a:solidFill>
+              <a:effectLst/>
+              <a:uLnTx/>
+              <a:uFillTx/>
+              <a:latin typeface="游ゴシック" panose="020F0502020204030204"/>
+              <a:ea typeface="游ゴシック" panose="020B0400000000000000" pitchFamily="50" charset="-128"/>
+              <a:cs typeface="+mn-cs"/>
+            </a:endParaRPr>
           </a:p>
         </p:txBody>
       </p:sp>
@@ -5901,8 +6485,8 @@
         </p:nvSpPr>
         <p:spPr>
           <a:xfrm>
-            <a:off x="100800" y="1195550"/>
-            <a:ext cx="12600000" cy="8352000"/>
+            <a:off x="100800" y="926396"/>
+            <a:ext cx="12600000" cy="8626732"/>
           </a:xfrm>
           <a:prstGeom prst="rect">
             <a:avLst/>
@@ -5930,11 +6514,76 @@
           <a:bodyPr rtlCol="0" anchor="ctr"/>
           <a:lstStyle/>
           <a:p>
-            <a:pPr algn="ctr"/>
-            <a:endParaRPr kumimoji="1" lang="ja-JP" altLang="en-US" dirty="0"/>
+            <a:pPr marL="0" marR="0" lvl="0" indent="0" algn="ctr" defTabSz="914400" rtl="0" eaLnBrk="1" fontAlgn="base" latinLnBrk="0" hangingPunct="1">
+              <a:lnSpc>
+                <a:spcPct val="100000"/>
+              </a:lnSpc>
+              <a:spcBef>
+                <a:spcPct val="0"/>
+              </a:spcBef>
+              <a:spcAft>
+                <a:spcPct val="0"/>
+              </a:spcAft>
+              <a:buClrTx/>
+              <a:buSzTx/>
+              <a:buFontTx/>
+              <a:buNone/>
+              <a:tabLst/>
+              <a:defRPr/>
+            </a:pPr>
+            <a:endParaRPr kumimoji="1" lang="ja-JP" altLang="en-US" sz="1600" b="0" i="0" u="none" strike="noStrike" kern="1200" cap="none" spc="0" normalizeH="0" baseline="0" noProof="0" dirty="0">
+              <a:ln>
+                <a:noFill/>
+              </a:ln>
+              <a:solidFill>
+                <a:prstClr val="black"/>
+              </a:solidFill>
+              <a:effectLst/>
+              <a:uLnTx/>
+              <a:uFillTx/>
+              <a:latin typeface="游ゴシック" panose="020F0502020204030204"/>
+              <a:ea typeface="游ゴシック" panose="020B0400000000000000" pitchFamily="50" charset="-128"/>
+              <a:cs typeface="+mn-cs"/>
+            </a:endParaRPr>
           </a:p>
         </p:txBody>
       </p:sp>
+      <p:pic>
+        <p:nvPicPr>
+          <p:cNvPr id="7" name="図 6">
+            <a:extLst>
+              <a:ext uri="{FF2B5EF4-FFF2-40B4-BE49-F238E27FC236}">
+                <a16:creationId xmlns:a16="http://schemas.microsoft.com/office/drawing/2014/main" id="{C5E15713-2FAB-432C-9262-A2D5B4E269F6}"/>
+              </a:ext>
+            </a:extLst>
+          </p:cNvPr>
+          <p:cNvPicPr>
+            <a:picLocks noChangeAspect="1"/>
+          </p:cNvPicPr>
+          <p:nvPr/>
+        </p:nvPicPr>
+        <p:blipFill>
+          <a:blip r:embed="rId2">
+            <a:extLst>
+              <a:ext uri="{28A0092B-C50C-407E-A947-70E740481C1C}">
+                <a14:useLocalDpi xmlns:a14="http://schemas.microsoft.com/office/drawing/2010/main" val="0"/>
+              </a:ext>
+            </a:extLst>
+          </a:blip>
+          <a:stretch>
+            <a:fillRect/>
+          </a:stretch>
+        </p:blipFill>
+        <p:spPr>
+          <a:xfrm>
+            <a:off x="503187" y="2133510"/>
+            <a:ext cx="12054549" cy="7377847"/>
+          </a:xfrm>
+          <a:prstGeom prst="rect">
+            <a:avLst/>
+          </a:prstGeom>
+        </p:spPr>
+      </p:pic>
       <p:sp>
         <p:nvSpPr>
           <p:cNvPr id="3" name="テキスト ボックス 2">
@@ -5949,7 +6598,7 @@
         </p:nvSpPr>
         <p:spPr>
           <a:xfrm>
-            <a:off x="320252" y="730280"/>
+            <a:off x="320252" y="480120"/>
             <a:ext cx="2122161" cy="430887"/>
           </a:xfrm>
           <a:prstGeom prst="rect">
@@ -5980,54 +6629,99 @@
           </a:bodyPr>
           <a:lstStyle/>
           <a:p>
-            <a:r>
-              <a:rPr lang="ja-JP" altLang="en-US" sz="2200" dirty="0">
-                <a:solidFill>
-                  <a:schemeClr val="accent6">
+            <a:pPr marL="0" marR="0" lvl="0" indent="0" algn="l" defTabSz="914400" rtl="0" eaLnBrk="1" fontAlgn="base" latinLnBrk="0" hangingPunct="1">
+              <a:lnSpc>
+                <a:spcPct val="100000"/>
+              </a:lnSpc>
+              <a:spcBef>
+                <a:spcPct val="0"/>
+              </a:spcBef>
+              <a:spcAft>
+                <a:spcPct val="0"/>
+              </a:spcAft>
+              <a:buClrTx/>
+              <a:buSzTx/>
+              <a:buFontTx/>
+              <a:buNone/>
+              <a:tabLst/>
+              <a:defRPr/>
+            </a:pPr>
+            <a:r>
+              <a:rPr kumimoji="1" lang="ja-JP" altLang="en-US" sz="2200" b="0" i="0" u="none" strike="noStrike" kern="1200" cap="none" spc="0" normalizeH="0" baseline="0" noProof="0" dirty="0">
+                <a:ln>
+                  <a:noFill/>
+                </a:ln>
+                <a:solidFill>
+                  <a:srgbClr val="70AD47">
                     <a:lumMod val="60000"/>
                     <a:lumOff val="40000"/>
-                  </a:schemeClr>
-                </a:solidFill>
+                  </a:srgbClr>
+                </a:solidFill>
+                <a:effectLst/>
+                <a:uLnTx/>
+                <a:uFillTx/>
                 <a:latin typeface="HG創英角ｺﾞｼｯｸUB" panose="020B0909000000000000" pitchFamily="49" charset="-128"/>
                 <a:ea typeface="HG創英角ｺﾞｼｯｸUB" panose="020B0909000000000000" pitchFamily="49" charset="-128"/>
+                <a:cs typeface="+mn-cs"/>
               </a:rPr>
               <a:t>１</a:t>
             </a:r>
             <a:r>
-              <a:rPr lang="en-US" altLang="ja-JP" sz="2200" b="1" dirty="0">
-                <a:solidFill>
-                  <a:schemeClr val="accent6">
+              <a:rPr kumimoji="1" lang="en-US" altLang="ja-JP" sz="2200" b="1" i="0" u="none" strike="noStrike" kern="1200" cap="none" spc="0" normalizeH="0" baseline="0" noProof="0" dirty="0">
+                <a:ln>
+                  <a:noFill/>
+                </a:ln>
+                <a:solidFill>
+                  <a:srgbClr val="70AD47">
                     <a:lumMod val="60000"/>
                     <a:lumOff val="40000"/>
-                  </a:schemeClr>
-                </a:solidFill>
+                  </a:srgbClr>
+                </a:solidFill>
+                <a:effectLst/>
+                <a:uLnTx/>
+                <a:uFillTx/>
                 <a:latin typeface="HG創英角ｺﾞｼｯｸUB" panose="020B0909000000000000" pitchFamily="49" charset="-128"/>
                 <a:ea typeface="HG創英角ｺﾞｼｯｸUB" panose="020B0909000000000000" pitchFamily="49" charset="-128"/>
+                <a:cs typeface="+mn-cs"/>
               </a:rPr>
               <a:t>.</a:t>
             </a:r>
             <a:r>
-              <a:rPr lang="ja-JP" altLang="en-US" sz="2200" dirty="0">
-                <a:solidFill>
-                  <a:schemeClr val="accent6">
+              <a:rPr kumimoji="1" lang="ja-JP" altLang="en-US" sz="2200" b="0" i="0" u="none" strike="noStrike" kern="1200" cap="none" spc="0" normalizeH="0" baseline="0" noProof="0" dirty="0">
+                <a:ln>
+                  <a:noFill/>
+                </a:ln>
+                <a:solidFill>
+                  <a:srgbClr val="70AD47">
                     <a:lumMod val="60000"/>
                     <a:lumOff val="40000"/>
-                  </a:schemeClr>
-                </a:solidFill>
+                  </a:srgbClr>
+                </a:solidFill>
+                <a:effectLst/>
+                <a:uLnTx/>
+                <a:uFillTx/>
                 <a:latin typeface="HG創英角ｺﾞｼｯｸUB" panose="020B0909000000000000" pitchFamily="49" charset="-128"/>
                 <a:ea typeface="HG創英角ｺﾞｼｯｸUB" panose="020B0909000000000000" pitchFamily="49" charset="-128"/>
+                <a:cs typeface="+mn-cs"/>
               </a:rPr>
               <a:t>機能モデル</a:t>
             </a:r>
-            <a:endParaRPr lang="en-US" altLang="ja-JP" sz="2200" dirty="0">
+            <a:endParaRPr kumimoji="1" lang="en-US" altLang="ja-JP" sz="2200" b="0" i="0" u="none" strike="noStrike" kern="1200" cap="none" spc="0" normalizeH="0" baseline="0" noProof="0" dirty="0">
+              <a:ln>
+                <a:noFill/>
+              </a:ln>
               <a:solidFill>
-                <a:schemeClr val="accent6">
+                <a:srgbClr val="70AD47">
                   <a:lumMod val="60000"/>
                   <a:lumOff val="40000"/>
-                </a:schemeClr>
+                </a:srgbClr>
               </a:solidFill>
+              <a:effectLst/>
+              <a:uLnTx/>
+              <a:uFillTx/>
               <a:latin typeface="HG創英角ｺﾞｼｯｸUB" panose="020B0909000000000000" pitchFamily="49" charset="-128"/>
               <a:ea typeface="HG創英角ｺﾞｼｯｸUB" panose="020B0909000000000000" pitchFamily="49" charset="-128"/>
+              <a:cs typeface="+mn-cs"/>
             </a:endParaRPr>
           </a:p>
         </p:txBody>
@@ -6046,7 +6740,7 @@
         </p:nvSpPr>
         <p:spPr>
           <a:xfrm>
-            <a:off x="2840252" y="640606"/>
+            <a:off x="2840252" y="336104"/>
             <a:ext cx="2002046" cy="430887"/>
           </a:xfrm>
           <a:prstGeom prst="rect">
@@ -6077,50 +6771,87 @@
           </a:bodyPr>
           <a:lstStyle/>
           <a:p>
-            <a:r>
-              <a:rPr lang="ja-JP" altLang="en-US" sz="2200" dirty="0">
-                <a:solidFill>
-                  <a:schemeClr val="accent6">
-                    <a:lumMod val="75000"/>
-                  </a:schemeClr>
-                </a:solidFill>
+            <a:pPr marL="0" marR="0" lvl="0" indent="0" algn="l" defTabSz="914400" rtl="0" eaLnBrk="1" fontAlgn="base" latinLnBrk="0" hangingPunct="1">
+              <a:lnSpc>
+                <a:spcPct val="100000"/>
+              </a:lnSpc>
+              <a:spcBef>
+                <a:spcPct val="0"/>
+              </a:spcBef>
+              <a:spcAft>
+                <a:spcPct val="0"/>
+              </a:spcAft>
+              <a:buClrTx/>
+              <a:buSzTx/>
+              <a:buFontTx/>
+              <a:buNone/>
+              <a:tabLst/>
+              <a:defRPr/>
+            </a:pPr>
+            <a:r>
+              <a:rPr kumimoji="1" lang="ja-JP" altLang="en-US" sz="2200" b="0" i="0" u="none" strike="noStrike" kern="1200" cap="none" spc="0" normalizeH="0" baseline="0" noProof="0" dirty="0">
+                <a:ln>
+                  <a:noFill/>
+                </a:ln>
+                <a:solidFill>
+                  <a:schemeClr val="bg1"/>
+                </a:solidFill>
+                <a:effectLst/>
+                <a:uLnTx/>
+                <a:uFillTx/>
                 <a:latin typeface="HG創英角ｺﾞｼｯｸUB" panose="020B0909000000000000" pitchFamily="49" charset="-128"/>
                 <a:ea typeface="HG創英角ｺﾞｼｯｸUB" panose="020B0909000000000000" pitchFamily="49" charset="-128"/>
+                <a:cs typeface="+mn-cs"/>
               </a:rPr>
               <a:t>２</a:t>
             </a:r>
             <a:r>
-              <a:rPr lang="en-US" altLang="ja-JP" sz="2200" b="1" dirty="0">
-                <a:solidFill>
-                  <a:schemeClr val="accent6">
-                    <a:lumMod val="75000"/>
-                  </a:schemeClr>
-                </a:solidFill>
+              <a:rPr kumimoji="1" lang="en-US" altLang="ja-JP" sz="2200" b="1" i="0" u="none" strike="noStrike" kern="1200" cap="none" spc="0" normalizeH="0" baseline="0" noProof="0" dirty="0">
+                <a:ln>
+                  <a:noFill/>
+                </a:ln>
+                <a:solidFill>
+                  <a:schemeClr val="bg1"/>
+                </a:solidFill>
+                <a:effectLst/>
+                <a:uLnTx/>
+                <a:uFillTx/>
                 <a:latin typeface="HG創英角ｺﾞｼｯｸUB" panose="020B0909000000000000" pitchFamily="49" charset="-128"/>
                 <a:ea typeface="HG創英角ｺﾞｼｯｸUB" panose="020B0909000000000000" pitchFamily="49" charset="-128"/>
+                <a:cs typeface="+mn-cs"/>
               </a:rPr>
               <a:t>.</a:t>
             </a:r>
             <a:r>
-              <a:rPr lang="ja-JP" altLang="en-US" sz="2200" dirty="0">
-                <a:solidFill>
-                  <a:schemeClr val="accent6">
-                    <a:lumMod val="75000"/>
-                  </a:schemeClr>
-                </a:solidFill>
+              <a:rPr kumimoji="1" lang="ja-JP" altLang="en-US" sz="2200" b="0" i="0" u="none" strike="noStrike" kern="1200" cap="none" spc="0" normalizeH="0" baseline="0" noProof="0" dirty="0">
+                <a:ln>
+                  <a:noFill/>
+                </a:ln>
+                <a:solidFill>
+                  <a:schemeClr val="bg1"/>
+                </a:solidFill>
+                <a:effectLst/>
+                <a:uLnTx/>
+                <a:uFillTx/>
                 <a:latin typeface="HG創英角ｺﾞｼｯｸUB" panose="020B0909000000000000" pitchFamily="49" charset="-128"/>
                 <a:ea typeface="HG創英角ｺﾞｼｯｸUB" panose="020B0909000000000000" pitchFamily="49" charset="-128"/>
+                <a:cs typeface="+mn-cs"/>
               </a:rPr>
               <a:t>構造モデル</a:t>
             </a:r>
-            <a:endParaRPr lang="en-US" altLang="ja-JP" sz="2200" dirty="0">
+            <a:endParaRPr kumimoji="1" lang="en-US" altLang="ja-JP" sz="2200" b="0" i="0" u="none" strike="noStrike" kern="1200" cap="none" spc="0" normalizeH="0" baseline="0" noProof="0" dirty="0">
+              <a:ln>
+                <a:noFill/>
+              </a:ln>
               <a:solidFill>
-                <a:schemeClr val="accent6">
-                  <a:lumMod val="75000"/>
-                </a:schemeClr>
+                <a:schemeClr val="bg1"/>
               </a:solidFill>
+              <a:effectLst/>
+              <a:uLnTx/>
+              <a:uFillTx/>
               <a:latin typeface="HG創英角ｺﾞｼｯｸUB" panose="020B0909000000000000" pitchFamily="49" charset="-128"/>
               <a:ea typeface="HG創英角ｺﾞｼｯｸUB" panose="020B0909000000000000" pitchFamily="49" charset="-128"/>
+              <a:cs typeface="+mn-cs"/>
             </a:endParaRPr>
           </a:p>
         </p:txBody>
@@ -6139,7 +6870,7 @@
         </p:nvSpPr>
         <p:spPr>
           <a:xfrm>
-            <a:off x="5142918" y="730280"/>
+            <a:off x="5142918" y="480120"/>
             <a:ext cx="2801424" cy="446276"/>
           </a:xfrm>
           <a:prstGeom prst="rect">
@@ -6170,54 +6901,99 @@
           </a:bodyPr>
           <a:lstStyle/>
           <a:p>
-            <a:r>
-              <a:rPr lang="ja-JP" altLang="en-US" sz="2200" dirty="0">
-                <a:solidFill>
-                  <a:schemeClr val="accent6">
+            <a:pPr marL="0" marR="0" lvl="0" indent="0" algn="l" defTabSz="914400" rtl="0" eaLnBrk="1" fontAlgn="base" latinLnBrk="0" hangingPunct="1">
+              <a:lnSpc>
+                <a:spcPct val="100000"/>
+              </a:lnSpc>
+              <a:spcBef>
+                <a:spcPct val="0"/>
+              </a:spcBef>
+              <a:spcAft>
+                <a:spcPct val="0"/>
+              </a:spcAft>
+              <a:buClrTx/>
+              <a:buSzTx/>
+              <a:buFontTx/>
+              <a:buNone/>
+              <a:tabLst/>
+              <a:defRPr/>
+            </a:pPr>
+            <a:r>
+              <a:rPr kumimoji="1" lang="ja-JP" altLang="en-US" sz="2200" b="0" i="0" u="none" strike="noStrike" kern="1200" cap="none" spc="0" normalizeH="0" baseline="0" noProof="0" dirty="0">
+                <a:ln>
+                  <a:noFill/>
+                </a:ln>
+                <a:solidFill>
+                  <a:srgbClr val="70AD47">
                     <a:lumMod val="60000"/>
                     <a:lumOff val="40000"/>
-                  </a:schemeClr>
-                </a:solidFill>
+                  </a:srgbClr>
+                </a:solidFill>
+                <a:effectLst/>
+                <a:uLnTx/>
+                <a:uFillTx/>
                 <a:latin typeface="HG創英角ｺﾞｼｯｸUB" panose="020B0909000000000000" pitchFamily="49" charset="-128"/>
                 <a:ea typeface="HG創英角ｺﾞｼｯｸUB" panose="020B0909000000000000" pitchFamily="49" charset="-128"/>
+                <a:cs typeface="+mn-cs"/>
               </a:rPr>
               <a:t>３</a:t>
             </a:r>
             <a:r>
-              <a:rPr lang="en-US" altLang="ja-JP" sz="2200" b="1" dirty="0">
-                <a:solidFill>
-                  <a:schemeClr val="accent6">
+              <a:rPr kumimoji="1" lang="en-US" altLang="ja-JP" sz="2200" b="1" i="0" u="none" strike="noStrike" kern="1200" cap="none" spc="0" normalizeH="0" baseline="0" noProof="0" dirty="0">
+                <a:ln>
+                  <a:noFill/>
+                </a:ln>
+                <a:solidFill>
+                  <a:srgbClr val="70AD47">
                     <a:lumMod val="60000"/>
                     <a:lumOff val="40000"/>
-                  </a:schemeClr>
-                </a:solidFill>
+                  </a:srgbClr>
+                </a:solidFill>
+                <a:effectLst/>
+                <a:uLnTx/>
+                <a:uFillTx/>
                 <a:latin typeface="HG創英角ｺﾞｼｯｸUB" panose="020B0909000000000000" pitchFamily="49" charset="-128"/>
                 <a:ea typeface="HG創英角ｺﾞｼｯｸUB" panose="020B0909000000000000" pitchFamily="49" charset="-128"/>
+                <a:cs typeface="+mn-cs"/>
               </a:rPr>
               <a:t>.</a:t>
             </a:r>
             <a:r>
-              <a:rPr lang="ja-JP" altLang="en-US" sz="2200" dirty="0">
-                <a:solidFill>
-                  <a:schemeClr val="accent6">
+              <a:rPr kumimoji="1" lang="ja-JP" altLang="en-US" sz="2200" b="0" i="0" u="none" strike="noStrike" kern="1200" cap="none" spc="0" normalizeH="0" baseline="0" noProof="0" dirty="0">
+                <a:ln>
+                  <a:noFill/>
+                </a:ln>
+                <a:solidFill>
+                  <a:srgbClr val="70AD47">
                     <a:lumMod val="60000"/>
                     <a:lumOff val="40000"/>
-                  </a:schemeClr>
-                </a:solidFill>
+                  </a:srgbClr>
+                </a:solidFill>
+                <a:effectLst/>
+                <a:uLnTx/>
+                <a:uFillTx/>
                 <a:latin typeface="HG創英角ｺﾞｼｯｸUB" panose="020B0909000000000000" pitchFamily="49" charset="-128"/>
                 <a:ea typeface="HG創英角ｺﾞｼｯｸUB" panose="020B0909000000000000" pitchFamily="49" charset="-128"/>
+                <a:cs typeface="+mn-cs"/>
               </a:rPr>
               <a:t>振る舞いモデル</a:t>
             </a:r>
-            <a:endParaRPr lang="en-US" altLang="ja-JP" sz="2200" dirty="0">
+            <a:endParaRPr kumimoji="1" lang="en-US" altLang="ja-JP" sz="2200" b="0" i="0" u="none" strike="noStrike" kern="1200" cap="none" spc="0" normalizeH="0" baseline="0" noProof="0" dirty="0">
+              <a:ln>
+                <a:noFill/>
+              </a:ln>
               <a:solidFill>
-                <a:schemeClr val="accent6">
+                <a:srgbClr val="70AD47">
                   <a:lumMod val="60000"/>
                   <a:lumOff val="40000"/>
-                </a:schemeClr>
+                </a:srgbClr>
               </a:solidFill>
+              <a:effectLst/>
+              <a:uLnTx/>
+              <a:uFillTx/>
               <a:latin typeface="HG創英角ｺﾞｼｯｸUB" panose="020B0909000000000000" pitchFamily="49" charset="-128"/>
               <a:ea typeface="HG創英角ｺﾞｼｯｸUB" panose="020B0909000000000000" pitchFamily="49" charset="-128"/>
+              <a:cs typeface="+mn-cs"/>
             </a:endParaRPr>
           </a:p>
         </p:txBody>
@@ -6236,7 +7012,7 @@
         </p:nvSpPr>
         <p:spPr>
           <a:xfrm>
-            <a:off x="8244962" y="730279"/>
+            <a:off x="8244962" y="480120"/>
             <a:ext cx="1445666" cy="430887"/>
           </a:xfrm>
           <a:prstGeom prst="rect">
@@ -6267,111 +7043,109 @@
           </a:bodyPr>
           <a:lstStyle/>
           <a:p>
-            <a:r>
-              <a:rPr lang="ja-JP" altLang="en-US" sz="2200" dirty="0">
-                <a:solidFill>
-                  <a:schemeClr val="accent6">
+            <a:pPr marL="0" marR="0" lvl="0" indent="0" algn="l" defTabSz="914400" rtl="0" eaLnBrk="1" fontAlgn="base" latinLnBrk="0" hangingPunct="1">
+              <a:lnSpc>
+                <a:spcPct val="100000"/>
+              </a:lnSpc>
+              <a:spcBef>
+                <a:spcPct val="0"/>
+              </a:spcBef>
+              <a:spcAft>
+                <a:spcPct val="0"/>
+              </a:spcAft>
+              <a:buClrTx/>
+              <a:buSzTx/>
+              <a:buFontTx/>
+              <a:buNone/>
+              <a:tabLst/>
+              <a:defRPr/>
+            </a:pPr>
+            <a:r>
+              <a:rPr kumimoji="1" lang="ja-JP" altLang="en-US" sz="2200" b="0" i="0" u="none" strike="noStrike" kern="1200" cap="none" spc="0" normalizeH="0" baseline="0" noProof="0" dirty="0">
+                <a:ln>
+                  <a:noFill/>
+                </a:ln>
+                <a:solidFill>
+                  <a:srgbClr val="70AD47">
                     <a:lumMod val="60000"/>
                     <a:lumOff val="40000"/>
-                  </a:schemeClr>
-                </a:solidFill>
+                  </a:srgbClr>
+                </a:solidFill>
+                <a:effectLst/>
+                <a:uLnTx/>
+                <a:uFillTx/>
                 <a:latin typeface="HG創英角ｺﾞｼｯｸUB" panose="020B0909000000000000" pitchFamily="49" charset="-128"/>
                 <a:ea typeface="HG創英角ｺﾞｼｯｸUB" panose="020B0909000000000000" pitchFamily="49" charset="-128"/>
+                <a:cs typeface="+mn-cs"/>
               </a:rPr>
               <a:t>４</a:t>
             </a:r>
             <a:r>
-              <a:rPr lang="en-US" altLang="ja-JP" sz="2200" b="1" dirty="0">
-                <a:solidFill>
-                  <a:schemeClr val="accent6">
+              <a:rPr kumimoji="1" lang="en-US" altLang="ja-JP" sz="2200" b="1" i="0" u="none" strike="noStrike" kern="1200" cap="none" spc="0" normalizeH="0" baseline="0" noProof="0" dirty="0">
+                <a:ln>
+                  <a:noFill/>
+                </a:ln>
+                <a:solidFill>
+                  <a:srgbClr val="70AD47">
                     <a:lumMod val="60000"/>
                     <a:lumOff val="40000"/>
-                  </a:schemeClr>
-                </a:solidFill>
+                  </a:srgbClr>
+                </a:solidFill>
+                <a:effectLst/>
+                <a:uLnTx/>
+                <a:uFillTx/>
                 <a:latin typeface="HG創英角ｺﾞｼｯｸUB" panose="020B0909000000000000" pitchFamily="49" charset="-128"/>
                 <a:ea typeface="HG創英角ｺﾞｼｯｸUB" panose="020B0909000000000000" pitchFamily="49" charset="-128"/>
+                <a:cs typeface="+mn-cs"/>
               </a:rPr>
               <a:t>.</a:t>
             </a:r>
             <a:r>
-              <a:rPr lang="ja-JP" altLang="en-US" sz="2200" dirty="0">
-                <a:solidFill>
-                  <a:schemeClr val="accent6">
+              <a:rPr kumimoji="1" lang="ja-JP" altLang="en-US" sz="2200" b="0" i="0" u="none" strike="noStrike" kern="1200" cap="none" spc="0" normalizeH="0" baseline="0" noProof="0" dirty="0">
+                <a:ln>
+                  <a:noFill/>
+                </a:ln>
+                <a:solidFill>
+                  <a:srgbClr val="70AD47">
                     <a:lumMod val="60000"/>
                     <a:lumOff val="40000"/>
-                  </a:schemeClr>
-                </a:solidFill>
+                  </a:srgbClr>
+                </a:solidFill>
+                <a:effectLst/>
+                <a:uLnTx/>
+                <a:uFillTx/>
                 <a:latin typeface="HG創英角ｺﾞｼｯｸUB" panose="020B0909000000000000" pitchFamily="49" charset="-128"/>
                 <a:ea typeface="HG創英角ｺﾞｼｯｸUB" panose="020B0909000000000000" pitchFamily="49" charset="-128"/>
+                <a:cs typeface="+mn-cs"/>
               </a:rPr>
               <a:t>工夫点</a:t>
             </a:r>
-            <a:endParaRPr lang="en-US" altLang="ja-JP" sz="2200" dirty="0">
+            <a:endParaRPr kumimoji="1" lang="en-US" altLang="ja-JP" sz="2200" b="0" i="0" u="none" strike="noStrike" kern="1200" cap="none" spc="0" normalizeH="0" baseline="0" noProof="0" dirty="0">
+              <a:ln>
+                <a:noFill/>
+              </a:ln>
               <a:solidFill>
-                <a:schemeClr val="accent6">
+                <a:srgbClr val="70AD47">
                   <a:lumMod val="60000"/>
                   <a:lumOff val="40000"/>
-                </a:schemeClr>
+                </a:srgbClr>
               </a:solidFill>
+              <a:effectLst/>
+              <a:uLnTx/>
+              <a:uFillTx/>
               <a:latin typeface="HG創英角ｺﾞｼｯｸUB" panose="020B0909000000000000" pitchFamily="49" charset="-128"/>
               <a:ea typeface="HG創英角ｺﾞｼｯｸUB" panose="020B0909000000000000" pitchFamily="49" charset="-128"/>
+              <a:cs typeface="+mn-cs"/>
             </a:endParaRPr>
           </a:p>
         </p:txBody>
       </p:sp>
       <p:sp>
         <p:nvSpPr>
-          <p:cNvPr id="4" name="正方形/長方形 3">
-            <a:extLst>
-              <a:ext uri="{FF2B5EF4-FFF2-40B4-BE49-F238E27FC236}">
-                <a16:creationId xmlns:a16="http://schemas.microsoft.com/office/drawing/2014/main" id="{3680C864-60B8-4F14-9653-302A07051B92}"/>
-              </a:ext>
-            </a:extLst>
-          </p:cNvPr>
-          <p:cNvSpPr/>
-          <p:nvPr/>
-        </p:nvSpPr>
-        <p:spPr>
-          <a:xfrm>
-            <a:off x="116230" y="1204744"/>
-            <a:ext cx="2340000" cy="720000"/>
-          </a:xfrm>
-          <a:prstGeom prst="rect">
-            <a:avLst/>
-          </a:prstGeom>
-          <a:ln>
-            <a:noFill/>
-          </a:ln>
-        </p:spPr>
-        <p:style>
-          <a:lnRef idx="3">
-            <a:schemeClr val="lt1"/>
-          </a:lnRef>
-          <a:fillRef idx="1">
-            <a:schemeClr val="accent6"/>
-          </a:fillRef>
-          <a:effectRef idx="1">
-            <a:schemeClr val="accent6"/>
-          </a:effectRef>
-          <a:fontRef idx="minor">
-            <a:schemeClr val="lt1"/>
-          </a:fontRef>
-        </p:style>
-        <p:txBody>
-          <a:bodyPr rtlCol="0" anchor="ctr"/>
-          <a:lstStyle/>
-          <a:p>
-            <a:pPr algn="ctr"/>
-            <a:endParaRPr kumimoji="1" lang="ja-JP" altLang="en-US"/>
-          </a:p>
-        </p:txBody>
-      </p:sp>
-      <p:sp>
-        <p:nvSpPr>
-          <p:cNvPr id="6" name="テキスト ボックス 5">
-            <a:extLst>
-              <a:ext uri="{FF2B5EF4-FFF2-40B4-BE49-F238E27FC236}">
-                <a16:creationId xmlns:a16="http://schemas.microsoft.com/office/drawing/2014/main" id="{86E542D6-2597-4479-8069-7E76879CA3E5}"/>
+          <p:cNvPr id="17" name="テキスト ボックス 16">
+            <a:extLst>
+              <a:ext uri="{FF2B5EF4-FFF2-40B4-BE49-F238E27FC236}">
+                <a16:creationId xmlns:a16="http://schemas.microsoft.com/office/drawing/2014/main" id="{C1B82EFB-D319-47AB-8DCF-A0E113236827}"/>
               </a:ext>
             </a:extLst>
           </p:cNvPr>
@@ -6380,78 +7154,7 @@
         </p:nvSpPr>
         <p:spPr>
           <a:xfrm>
-            <a:off x="320252" y="1362087"/>
-            <a:ext cx="1935588" cy="400110"/>
-          </a:xfrm>
-          <a:prstGeom prst="rect">
-            <a:avLst/>
-          </a:prstGeom>
-          <a:noFill/>
-        </p:spPr>
-        <p:txBody>
-          <a:bodyPr wrap="square" rtlCol="0">
-            <a:spAutoFit/>
-          </a:bodyPr>
-          <a:lstStyle/>
-          <a:p>
-            <a:r>
-              <a:rPr lang="ja-JP" altLang="en-US" sz="2000" dirty="0">
-                <a:solidFill>
-                  <a:schemeClr val="bg1"/>
-                </a:solidFill>
-                <a:latin typeface="HG創英角ｺﾞｼｯｸUB" panose="020B0909000000000000" pitchFamily="49" charset="-128"/>
-                <a:ea typeface="HG創英角ｺﾞｼｯｸUB" panose="020B0909000000000000" pitchFamily="49" charset="-128"/>
-              </a:rPr>
-              <a:t>２</a:t>
-            </a:r>
-            <a:r>
-              <a:rPr kumimoji="1" lang="en-US" altLang="ja-JP" sz="2000" dirty="0">
-                <a:solidFill>
-                  <a:schemeClr val="bg1"/>
-                </a:solidFill>
-                <a:latin typeface="HG創英角ｺﾞｼｯｸUB" panose="020B0909000000000000" pitchFamily="49" charset="-128"/>
-                <a:ea typeface="HG創英角ｺﾞｼｯｸUB" panose="020B0909000000000000" pitchFamily="49" charset="-128"/>
-              </a:rPr>
-              <a:t>.</a:t>
-            </a:r>
-            <a:r>
-              <a:rPr lang="ja-JP" altLang="en-US" sz="2000" dirty="0">
-                <a:solidFill>
-                  <a:schemeClr val="bg1"/>
-                </a:solidFill>
-                <a:latin typeface="HG創英角ｺﾞｼｯｸUB" panose="020B0909000000000000" pitchFamily="49" charset="-128"/>
-                <a:ea typeface="HG創英角ｺﾞｼｯｸUB" panose="020B0909000000000000" pitchFamily="49" charset="-128"/>
-              </a:rPr>
-              <a:t>構造</a:t>
-            </a:r>
-            <a:r>
-              <a:rPr kumimoji="1" lang="ja-JP" altLang="en-US" sz="2000" dirty="0">
-                <a:solidFill>
-                  <a:schemeClr val="bg1"/>
-                </a:solidFill>
-                <a:latin typeface="HG創英角ｺﾞｼｯｸUB" panose="020B0909000000000000" pitchFamily="49" charset="-128"/>
-                <a:ea typeface="HG創英角ｺﾞｼｯｸUB" panose="020B0909000000000000" pitchFamily="49" charset="-128"/>
-              </a:rPr>
-              <a:t>モデル</a:t>
-            </a:r>
-          </a:p>
-        </p:txBody>
-      </p:sp>
-      <p:sp>
-        <p:nvSpPr>
-          <p:cNvPr id="17" name="テキスト ボックス 16">
-            <a:extLst>
-              <a:ext uri="{FF2B5EF4-FFF2-40B4-BE49-F238E27FC236}">
-                <a16:creationId xmlns:a16="http://schemas.microsoft.com/office/drawing/2014/main" id="{C1B82EFB-D319-47AB-8DCF-A0E113236827}"/>
-              </a:ext>
-            </a:extLst>
-          </p:cNvPr>
-          <p:cNvSpPr txBox="1"/>
-          <p:nvPr/>
-        </p:nvSpPr>
-        <p:spPr>
-          <a:xfrm>
-            <a:off x="201004" y="2010420"/>
+            <a:off x="2527592" y="1010485"/>
             <a:ext cx="1473389" cy="338554"/>
           </a:xfrm>
           <a:prstGeom prst="rect">
@@ -6465,14 +7168,54 @@
           </a:bodyPr>
           <a:lstStyle/>
           <a:p>
-            <a:r>
-              <a:rPr lang="ja-JP" altLang="en-US" b="1" dirty="0">
+            <a:pPr marL="0" marR="0" lvl="0" indent="0" algn="l" defTabSz="914400" rtl="0" eaLnBrk="1" fontAlgn="base" latinLnBrk="0" hangingPunct="1">
+              <a:lnSpc>
+                <a:spcPct val="100000"/>
+              </a:lnSpc>
+              <a:spcBef>
+                <a:spcPct val="0"/>
+              </a:spcBef>
+              <a:spcAft>
+                <a:spcPct val="0"/>
+              </a:spcAft>
+              <a:buClrTx/>
+              <a:buSzTx/>
+              <a:buFontTx/>
+              <a:buNone/>
+              <a:tabLst/>
+              <a:defRPr/>
+            </a:pPr>
+            <a:r>
+              <a:rPr kumimoji="1" lang="ja-JP" altLang="en-US" sz="1600" b="1" i="0" u="none" strike="noStrike" kern="1200" cap="none" spc="0" normalizeH="0" baseline="0" noProof="0" dirty="0">
+                <a:ln>
+                  <a:noFill/>
+                </a:ln>
+                <a:solidFill>
+                  <a:prstClr val="black"/>
+                </a:solidFill>
+                <a:effectLst/>
+                <a:uLnTx/>
+                <a:uFillTx/>
                 <a:latin typeface="HG丸ｺﾞｼｯｸM-PRO" panose="020F0600000000000000" pitchFamily="50" charset="-128"/>
                 <a:ea typeface="HG丸ｺﾞｼｯｸM-PRO" panose="020F0600000000000000" pitchFamily="50" charset="-128"/>
+                <a:cs typeface="+mn-cs"/>
               </a:rPr>
               <a:t>１．機能構造</a:t>
             </a:r>
-            <a:endParaRPr kumimoji="1" lang="ja-JP" altLang="en-US" dirty="0"/>
+            <a:endParaRPr kumimoji="1" lang="ja-JP" altLang="en-US" sz="1600" b="0" i="0" u="none" strike="noStrike" kern="1200" cap="none" spc="0" normalizeH="0" baseline="0" noProof="0" dirty="0">
+              <a:ln>
+                <a:noFill/>
+              </a:ln>
+              <a:solidFill>
+                <a:prstClr val="black"/>
+              </a:solidFill>
+              <a:effectLst/>
+              <a:uLnTx/>
+              <a:uFillTx/>
+              <a:latin typeface="Times New Roman" panose="02020603050405020304" pitchFamily="18" charset="0"/>
+              <a:ea typeface="ＭＳ Ｐゴシック" panose="020B0600070205080204" pitchFamily="34" charset="-128"/>
+              <a:cs typeface="+mn-cs"/>
+            </a:endParaRPr>
           </a:p>
         </p:txBody>
       </p:sp>
@@ -6490,8 +7233,8 @@
         </p:nvSpPr>
         <p:spPr>
           <a:xfrm>
-            <a:off x="250595" y="2379584"/>
-            <a:ext cx="4224145" cy="830997"/>
+            <a:off x="2431303" y="1411536"/>
+            <a:ext cx="5204415" cy="523220"/>
           </a:xfrm>
           <a:prstGeom prst="rect">
             <a:avLst/>
@@ -6504,174 +7247,53 @@
           </a:bodyPr>
           <a:lstStyle/>
           <a:p>
-            <a:r>
-              <a:rPr kumimoji="1" lang="ja-JP" altLang="en-US" dirty="0">
+            <a:pPr marL="0" marR="0" lvl="0" indent="0" algn="l" defTabSz="914400" rtl="0" eaLnBrk="1" fontAlgn="base" latinLnBrk="0" hangingPunct="1">
+              <a:lnSpc>
+                <a:spcPct val="100000"/>
+              </a:lnSpc>
+              <a:spcBef>
+                <a:spcPct val="0"/>
+              </a:spcBef>
+              <a:spcAft>
+                <a:spcPct val="0"/>
+              </a:spcAft>
+              <a:buClrTx/>
+              <a:buSzTx/>
+              <a:buFontTx/>
+              <a:buNone/>
+              <a:tabLst/>
+              <a:defRPr/>
+            </a:pPr>
+            <a:r>
+              <a:rPr kumimoji="1" lang="ja-JP" altLang="en-US" sz="1400" b="0" i="0" u="none" strike="noStrike" kern="1200" cap="none" spc="0" normalizeH="0" baseline="0" noProof="0" dirty="0">
+                <a:ln>
+                  <a:noFill/>
+                </a:ln>
+                <a:solidFill>
+                  <a:prstClr val="black"/>
+                </a:solidFill>
+                <a:effectLst/>
+                <a:uLnTx/>
+                <a:uFillTx/>
                 <a:latin typeface="HG丸ｺﾞｼｯｸM-PRO" panose="020F0600000000000000" pitchFamily="50" charset="-128"/>
                 <a:ea typeface="HG丸ｺﾞｼｯｸM-PRO" panose="020F0600000000000000" pitchFamily="50" charset="-128"/>
-              </a:rPr>
-              <a:t>機能を構造によって階層化したものを</a:t>
-            </a:r>
-            <a:r>
-              <a:rPr lang="ja-JP" altLang="en-US" dirty="0">
-                <a:latin typeface="HG丸ｺﾞｼｯｸM-PRO" panose="020F0600000000000000" pitchFamily="50" charset="-128"/>
-                <a:ea typeface="HG丸ｺﾞｼｯｸM-PRO" panose="020F0600000000000000" pitchFamily="50" charset="-128"/>
-              </a:rPr>
-              <a:t>、</a:t>
-            </a:r>
-            <a:r>
-              <a:rPr kumimoji="1" lang="ja-JP" altLang="en-US" dirty="0">
-                <a:latin typeface="HG丸ｺﾞｼｯｸM-PRO" panose="020F0600000000000000" pitchFamily="50" charset="-128"/>
-                <a:ea typeface="HG丸ｺﾞｼｯｸM-PRO" panose="020F0600000000000000" pitchFamily="50" charset="-128"/>
-              </a:rPr>
-              <a:t>図</a:t>
-            </a:r>
-            <a:r>
-              <a:rPr lang="en-US" altLang="ja-JP" dirty="0">
-                <a:latin typeface="HG丸ｺﾞｼｯｸM-PRO" panose="020F0600000000000000" pitchFamily="50" charset="-128"/>
-                <a:ea typeface="HG丸ｺﾞｼｯｸM-PRO" panose="020F0600000000000000" pitchFamily="50" charset="-128"/>
-              </a:rPr>
-              <a:t>3</a:t>
-            </a:r>
-            <a:r>
-              <a:rPr kumimoji="1" lang="en-US" altLang="ja-JP" dirty="0">
-                <a:latin typeface="HG丸ｺﾞｼｯｸM-PRO" panose="020F0600000000000000" pitchFamily="50" charset="-128"/>
-                <a:ea typeface="HG丸ｺﾞｼｯｸM-PRO" panose="020F0600000000000000" pitchFamily="50" charset="-128"/>
-              </a:rPr>
-              <a:t> </a:t>
-            </a:r>
-            <a:r>
-              <a:rPr kumimoji="1" lang="ja-JP" altLang="en-US" dirty="0">
-                <a:latin typeface="HG丸ｺﾞｼｯｸM-PRO" panose="020F0600000000000000" pitchFamily="50" charset="-128"/>
-                <a:ea typeface="HG丸ｺﾞｼｯｸM-PRO" panose="020F0600000000000000" pitchFamily="50" charset="-128"/>
-              </a:rPr>
-              <a:t>パッケージ構造各階層を説明したものを表</a:t>
-            </a:r>
-            <a:r>
-              <a:rPr kumimoji="1" lang="en-US" altLang="ja-JP" dirty="0">
-                <a:latin typeface="HG丸ｺﾞｼｯｸM-PRO" panose="020F0600000000000000" pitchFamily="50" charset="-128"/>
-                <a:ea typeface="HG丸ｺﾞｼｯｸM-PRO" panose="020F0600000000000000" pitchFamily="50" charset="-128"/>
-              </a:rPr>
-              <a:t>2 </a:t>
-            </a:r>
-            <a:r>
-              <a:rPr kumimoji="1" lang="ja-JP" altLang="en-US" dirty="0">
-                <a:latin typeface="HG丸ｺﾞｼｯｸM-PRO" panose="020F0600000000000000" pitchFamily="50" charset="-128"/>
-                <a:ea typeface="HG丸ｺﾞｼｯｸM-PRO" panose="020F0600000000000000" pitchFamily="50" charset="-128"/>
-              </a:rPr>
-              <a:t>パッケージごとの役割に示す</a:t>
-            </a:r>
-          </a:p>
-        </p:txBody>
-      </p:sp>
-      <p:sp>
-        <p:nvSpPr>
-          <p:cNvPr id="2" name="正方形/長方形 1">
-            <a:extLst>
-              <a:ext uri="{FF2B5EF4-FFF2-40B4-BE49-F238E27FC236}">
-                <a16:creationId xmlns:a16="http://schemas.microsoft.com/office/drawing/2014/main" id="{98E94B8B-DAAE-4839-A55E-94B42F577E88}"/>
-              </a:ext>
-            </a:extLst>
-          </p:cNvPr>
-          <p:cNvSpPr/>
-          <p:nvPr/>
-        </p:nvSpPr>
-        <p:spPr>
-          <a:xfrm>
-            <a:off x="250595" y="3260138"/>
-            <a:ext cx="4134977" cy="2395201"/>
-          </a:xfrm>
-          <a:prstGeom prst="rect">
-            <a:avLst/>
-          </a:prstGeom>
-        </p:spPr>
-        <p:style>
-          <a:lnRef idx="2">
-            <a:schemeClr val="accent1">
-              <a:shade val="50000"/>
-            </a:schemeClr>
-          </a:lnRef>
-          <a:fillRef idx="1">
-            <a:schemeClr val="accent1"/>
-          </a:fillRef>
-          <a:effectRef idx="0">
-            <a:schemeClr val="accent1"/>
-          </a:effectRef>
-          <a:fontRef idx="minor">
-            <a:schemeClr val="lt1"/>
-          </a:fontRef>
-        </p:style>
-        <p:txBody>
-          <a:bodyPr rtlCol="0" anchor="ctr"/>
-          <a:lstStyle/>
-          <a:p>
-            <a:pPr algn="ctr"/>
-            <a:r>
-              <a:rPr kumimoji="1" lang="ja-JP" altLang="en-US" dirty="0"/>
-              <a:t>パッケージ構造</a:t>
-            </a:r>
-          </a:p>
-        </p:txBody>
-      </p:sp>
-      <p:sp>
-        <p:nvSpPr>
-          <p:cNvPr id="20" name="テキスト ボックス 19">
-            <a:extLst>
-              <a:ext uri="{FF2B5EF4-FFF2-40B4-BE49-F238E27FC236}">
-                <a16:creationId xmlns:a16="http://schemas.microsoft.com/office/drawing/2014/main" id="{69156195-ABD2-4067-89E0-A5491878C095}"/>
-              </a:ext>
-            </a:extLst>
-          </p:cNvPr>
-          <p:cNvSpPr txBox="1"/>
-          <p:nvPr/>
-        </p:nvSpPr>
-        <p:spPr>
-          <a:xfrm>
-            <a:off x="746165" y="5638126"/>
-            <a:ext cx="2800392" cy="338554"/>
-          </a:xfrm>
-          <a:prstGeom prst="rect">
-            <a:avLst/>
-          </a:prstGeom>
-          <a:noFill/>
-        </p:spPr>
-        <p:txBody>
-          <a:bodyPr wrap="square" rtlCol="0">
-            <a:spAutoFit/>
-          </a:bodyPr>
-          <a:lstStyle/>
-          <a:p>
-            <a:pPr algn="ctr"/>
-            <a:r>
-              <a:rPr kumimoji="1" lang="ja-JP" altLang="en-US" dirty="0">
-                <a:latin typeface="HG丸ｺﾞｼｯｸM-PRO" panose="020F0600000000000000" pitchFamily="50" charset="-128"/>
-                <a:ea typeface="HG丸ｺﾞｼｯｸM-PRO" panose="020F0600000000000000" pitchFamily="50" charset="-128"/>
-              </a:rPr>
-              <a:t>図</a:t>
-            </a:r>
-            <a:r>
-              <a:rPr lang="en-US" altLang="ja-JP" dirty="0">
-                <a:latin typeface="HG丸ｺﾞｼｯｸM-PRO" panose="020F0600000000000000" pitchFamily="50" charset="-128"/>
-                <a:ea typeface="HG丸ｺﾞｼｯｸM-PRO" panose="020F0600000000000000" pitchFamily="50" charset="-128"/>
-              </a:rPr>
-              <a:t>3</a:t>
-            </a:r>
-            <a:r>
-              <a:rPr kumimoji="1" lang="en-US" altLang="ja-JP" dirty="0">
-                <a:latin typeface="HG丸ｺﾞｼｯｸM-PRO" panose="020F0600000000000000" pitchFamily="50" charset="-128"/>
-                <a:ea typeface="HG丸ｺﾞｼｯｸM-PRO" panose="020F0600000000000000" pitchFamily="50" charset="-128"/>
-              </a:rPr>
-              <a:t> </a:t>
-            </a:r>
-            <a:r>
-              <a:rPr lang="ja-JP" altLang="en-US" dirty="0">
-                <a:latin typeface="HG丸ｺﾞｼｯｸM-PRO" panose="020F0600000000000000" pitchFamily="50" charset="-128"/>
-                <a:ea typeface="HG丸ｺﾞｼｯｸM-PRO" panose="020F0600000000000000" pitchFamily="50" charset="-128"/>
-              </a:rPr>
-              <a:t>パッケージ構造</a:t>
-            </a:r>
-            <a:endParaRPr kumimoji="1" lang="ja-JP" altLang="en-US" dirty="0">
+                <a:cs typeface="+mn-cs"/>
+              </a:rPr>
+              <a:t>機能を構造によって階層化したものパッケージ構造に、各パッケージの役割を説明したものを表に示す。</a:t>
+            </a:r>
+            <a:endParaRPr kumimoji="1" lang="en-US" altLang="ja-JP" sz="1400" b="0" i="0" u="none" strike="noStrike" kern="1200" cap="none" spc="0" normalizeH="0" baseline="0" noProof="0" dirty="0">
+              <a:ln>
+                <a:noFill/>
+              </a:ln>
+              <a:solidFill>
+                <a:prstClr val="black"/>
+              </a:solidFill>
+              <a:effectLst/>
+              <a:uLnTx/>
+              <a:uFillTx/>
               <a:latin typeface="HG丸ｺﾞｼｯｸM-PRO" panose="020F0600000000000000" pitchFamily="50" charset="-128"/>
               <a:ea typeface="HG丸ｺﾞｼｯｸM-PRO" panose="020F0600000000000000" pitchFamily="50" charset="-128"/>
+              <a:cs typeface="+mn-cs"/>
             </a:endParaRPr>
           </a:p>
         </p:txBody>
@@ -6689,32 +7311,28 @@
             <a:graphicFrameLocks noGrp="1"/>
           </p:cNvGraphicFramePr>
           <p:nvPr>
-            <p:extLst>
-              <p:ext uri="{D42A27DB-BD31-4B8C-83A1-F6EECF244321}">
-                <p14:modId xmlns:p14="http://schemas.microsoft.com/office/powerpoint/2010/main" val="1344833251"/>
-              </p:ext>
-            </p:extLst>
+            <p:extLst/>
           </p:nvPr>
         </p:nvGraphicFramePr>
         <p:xfrm>
-          <a:off x="232435" y="6600579"/>
-          <a:ext cx="4224145" cy="2468880"/>
+          <a:off x="3140305" y="1995364"/>
+          <a:ext cx="4319277" cy="1739176"/>
         </p:xfrm>
         <a:graphic>
           <a:graphicData uri="http://schemas.openxmlformats.org/drawingml/2006/table">
             <a:tbl>
               <a:tblPr firstRow="1" bandRow="1">
-                <a:tableStyleId>{5C22544A-7EE6-4342-B048-85BDC9FD1C3A}</a:tableStyleId>
+                <a:tableStyleId>{93296810-A885-4BE3-A3E7-6D5BEEA58F35}</a:tableStyleId>
               </a:tblPr>
               <a:tblGrid>
-                <a:gridCol w="1453791">
+                <a:gridCol w="1486533">
                   <a:extLst>
                     <a:ext uri="{9D8B030D-6E8A-4147-A177-3AD203B41FA5}">
                       <a16:colId xmlns:a16="http://schemas.microsoft.com/office/drawing/2014/main" val="188478114"/>
                     </a:ext>
                   </a:extLst>
                 </a:gridCol>
-                <a:gridCol w="2770354">
+                <a:gridCol w="2832744">
                   <a:extLst>
                     <a:ext uri="{9D8B030D-6E8A-4147-A177-3AD203B41FA5}">
                       <a16:colId xmlns:a16="http://schemas.microsoft.com/office/drawing/2014/main" val="543803565"/>
@@ -6722,26 +7340,34 @@
                   </a:extLst>
                 </a:gridCol>
               </a:tblGrid>
-              <a:tr h="356578">
+              <a:tr h="266572">
                 <a:tc>
                   <a:txBody>
                     <a:bodyPr/>
                     <a:lstStyle/>
                     <a:p>
-                      <a:endParaRPr kumimoji="1" lang="ja-JP" altLang="en-US" dirty="0"/>
+                      <a:pPr algn="ctr"/>
+                      <a:r>
+                        <a:rPr kumimoji="1" lang="ja-JP" altLang="en-US" sz="1100" dirty="0"/>
+                        <a:t>パッケージ名</a:t>
+                      </a:r>
                     </a:p>
                   </a:txBody>
-                  <a:tcPr/>
+                  <a:tcPr anchor="ctr"/>
                 </a:tc>
                 <a:tc>
                   <a:txBody>
                     <a:bodyPr/>
                     <a:lstStyle/>
                     <a:p>
-                      <a:endParaRPr kumimoji="1" lang="ja-JP" altLang="en-US" dirty="0"/>
+                      <a:pPr algn="ctr"/>
+                      <a:r>
+                        <a:rPr kumimoji="1" lang="ja-JP" altLang="en-US" sz="1100" dirty="0"/>
+                        <a:t>パッケージごとの役割</a:t>
+                      </a:r>
                     </a:p>
                   </a:txBody>
-                  <a:tcPr/>
+                  <a:tcPr anchor="ctr"/>
                 </a:tc>
                 <a:extLst>
                   <a:ext uri="{0D108BD9-81ED-4DB2-BD59-A6C34878D82A}">
@@ -6749,29 +7375,35 @@
                   </a:ext>
                 </a:extLst>
               </a:tr>
-              <a:tr h="356578">
+              <a:tr h="385049">
                 <a:tc>
                   <a:txBody>
                     <a:bodyPr/>
                     <a:lstStyle/>
                     <a:p>
-                      <a:endParaRPr kumimoji="1" lang="ja-JP" altLang="en-US" dirty="0"/>
+                      <a:pPr algn="ctr"/>
+                      <a:r>
+                        <a:rPr kumimoji="1" lang="ja-JP" altLang="en-US" sz="900" dirty="0"/>
+                        <a:t>走行管理</a:t>
+                      </a:r>
                     </a:p>
                   </a:txBody>
-                  <a:tcPr/>
+                  <a:tcPr anchor="ctr"/>
                 </a:tc>
                 <a:tc>
                   <a:txBody>
                     <a:bodyPr/>
                     <a:lstStyle/>
                     <a:p>
+                      <a:pPr algn="l"/>
                       <a:r>
-                        <a:rPr kumimoji="1" lang="ja-JP" altLang="en-US" dirty="0"/>
-                        <a:t>長くなりそうな説明は二行</a:t>
+                        <a:rPr kumimoji="1" lang="ja-JP" altLang="en-US" sz="900" dirty="0"/>
+                        <a:t>スタート、キャリブレーションの実行、走行に関する指示をする。</a:t>
                       </a:r>
+                      <a:endParaRPr kumimoji="1" lang="en-US" altLang="ja-JP" sz="900" dirty="0"/>
                     </a:p>
                   </a:txBody>
-                  <a:tcPr/>
+                  <a:tcPr anchor="ctr"/>
                 </a:tc>
                 <a:extLst>
                   <a:ext uri="{0D108BD9-81ED-4DB2-BD59-A6C34878D82A}">
@@ -6779,26 +7411,35 @@
                   </a:ext>
                 </a:extLst>
               </a:tr>
-              <a:tr h="356578">
+              <a:tr h="236953">
                 <a:tc>
                   <a:txBody>
                     <a:bodyPr/>
                     <a:lstStyle/>
                     <a:p>
-                      <a:endParaRPr kumimoji="1" lang="ja-JP" altLang="en-US" dirty="0"/>
+                      <a:pPr algn="ctr"/>
+                      <a:r>
+                        <a:rPr kumimoji="1" lang="ja-JP" altLang="en-US" sz="900" dirty="0"/>
+                        <a:t>制御</a:t>
+                      </a:r>
+                      <a:endParaRPr kumimoji="1" lang="en-US" altLang="ja-JP" sz="900" dirty="0"/>
                     </a:p>
                   </a:txBody>
-                  <a:tcPr/>
+                  <a:tcPr anchor="ctr"/>
                 </a:tc>
                 <a:tc>
                   <a:txBody>
                     <a:bodyPr/>
                     <a:lstStyle/>
                     <a:p>
-                      <a:endParaRPr kumimoji="1" lang="ja-JP" altLang="en-US" dirty="0"/>
+                      <a:pPr algn="l"/>
+                      <a:r>
+                        <a:rPr kumimoji="1" lang="ja-JP" altLang="en-US" sz="900" dirty="0"/>
+                        <a:t>走行区間に応じて、走行制御、処理を行う。</a:t>
+                      </a:r>
                     </a:p>
                   </a:txBody>
-                  <a:tcPr/>
+                  <a:tcPr anchor="ctr"/>
                 </a:tc>
                 <a:extLst>
                   <a:ext uri="{0D108BD9-81ED-4DB2-BD59-A6C34878D82A}">
@@ -6806,26 +7447,34 @@
                   </a:ext>
                 </a:extLst>
               </a:tr>
-              <a:tr h="356578">
+              <a:tr h="385049">
                 <a:tc>
                   <a:txBody>
                     <a:bodyPr/>
                     <a:lstStyle/>
                     <a:p>
-                      <a:endParaRPr kumimoji="1" lang="ja-JP" altLang="en-US"/>
+                      <a:pPr algn="ctr"/>
+                      <a:r>
+                        <a:rPr kumimoji="1" lang="ja-JP" altLang="en-US" sz="900" dirty="0"/>
+                        <a:t>走行体情報</a:t>
+                      </a:r>
                     </a:p>
                   </a:txBody>
-                  <a:tcPr/>
+                  <a:tcPr anchor="ctr"/>
                 </a:tc>
                 <a:tc>
                   <a:txBody>
                     <a:bodyPr/>
                     <a:lstStyle/>
                     <a:p>
-                      <a:endParaRPr kumimoji="1" lang="ja-JP" altLang="en-US" dirty="0"/>
+                      <a:pPr algn="l"/>
+                      <a:r>
+                        <a:rPr kumimoji="1" lang="ja-JP" altLang="en-US" sz="900" dirty="0"/>
+                        <a:t>デバイスを参照してデータを管理、ほかのパッケージに受け渡す。</a:t>
+                      </a:r>
                     </a:p>
                   </a:txBody>
-                  <a:tcPr/>
+                  <a:tcPr anchor="ctr"/>
                 </a:tc>
                 <a:extLst>
                   <a:ext uri="{0D108BD9-81ED-4DB2-BD59-A6C34878D82A}">
@@ -6833,26 +7482,34 @@
                   </a:ext>
                 </a:extLst>
               </a:tr>
-              <a:tr h="356578">
+              <a:tr h="221570">
                 <a:tc>
                   <a:txBody>
                     <a:bodyPr/>
                     <a:lstStyle/>
                     <a:p>
-                      <a:endParaRPr kumimoji="1" lang="ja-JP" altLang="en-US"/>
+                      <a:pPr algn="ctr"/>
+                      <a:r>
+                        <a:rPr kumimoji="1" lang="ja-JP" altLang="en-US" sz="900" dirty="0"/>
+                        <a:t>スタータ</a:t>
+                      </a:r>
                     </a:p>
                   </a:txBody>
-                  <a:tcPr/>
+                  <a:tcPr anchor="ctr"/>
                 </a:tc>
                 <a:tc>
                   <a:txBody>
                     <a:bodyPr/>
                     <a:lstStyle/>
                     <a:p>
-                      <a:endParaRPr kumimoji="1" lang="ja-JP" altLang="en-US"/>
+                      <a:pPr algn="l"/>
+                      <a:r>
+                        <a:rPr kumimoji="1" lang="ja-JP" altLang="en-US" sz="900" dirty="0"/>
+                        <a:t>スタートの管理、スタート指示の取得と管理をする。</a:t>
+                      </a:r>
                     </a:p>
                   </a:txBody>
-                  <a:tcPr/>
+                  <a:tcPr anchor="ctr"/>
                 </a:tc>
                 <a:extLst>
                   <a:ext uri="{0D108BD9-81ED-4DB2-BD59-A6C34878D82A}">
@@ -6860,26 +7517,34 @@
                   </a:ext>
                 </a:extLst>
               </a:tr>
-              <a:tr h="356578">
+              <a:tr h="236953">
                 <a:tc>
                   <a:txBody>
                     <a:bodyPr/>
                     <a:lstStyle/>
                     <a:p>
-                      <a:endParaRPr kumimoji="1" lang="ja-JP" altLang="en-US"/>
+                      <a:pPr algn="ctr"/>
+                      <a:r>
+                        <a:rPr kumimoji="1" lang="ja-JP" altLang="en-US" sz="900" dirty="0"/>
+                        <a:t>デバイス</a:t>
+                      </a:r>
                     </a:p>
                   </a:txBody>
-                  <a:tcPr/>
+                  <a:tcPr anchor="ctr"/>
                 </a:tc>
                 <a:tc>
                   <a:txBody>
                     <a:bodyPr/>
                     <a:lstStyle/>
                     <a:p>
-                      <a:endParaRPr kumimoji="1" lang="ja-JP" altLang="en-US" dirty="0"/>
+                      <a:pPr algn="l"/>
+                      <a:r>
+                        <a:rPr kumimoji="1" lang="ja-JP" altLang="en-US" sz="900" dirty="0"/>
+                        <a:t>センサの値の取得、モータ制御を行う。</a:t>
+                      </a:r>
                     </a:p>
                   </a:txBody>
-                  <a:tcPr/>
+                  <a:tcPr anchor="ctr"/>
                 </a:tc>
                 <a:extLst>
                   <a:ext uri="{0D108BD9-81ED-4DB2-BD59-A6C34878D82A}">
@@ -6893,10 +7558,10 @@
       </p:graphicFrame>
       <p:sp>
         <p:nvSpPr>
-          <p:cNvPr id="21" name="テキスト ボックス 20">
-            <a:extLst>
-              <a:ext uri="{FF2B5EF4-FFF2-40B4-BE49-F238E27FC236}">
-                <a16:creationId xmlns:a16="http://schemas.microsoft.com/office/drawing/2014/main" id="{D7088AC7-CC6B-4BD9-9EBD-D00201F86809}"/>
+          <p:cNvPr id="23" name="テキスト ボックス 22">
+            <a:extLst>
+              <a:ext uri="{FF2B5EF4-FFF2-40B4-BE49-F238E27FC236}">
+                <a16:creationId xmlns:a16="http://schemas.microsoft.com/office/drawing/2014/main" id="{AD9D6A3C-6D5E-4181-BE32-C48E0D4ACDC8}"/>
               </a:ext>
             </a:extLst>
           </p:cNvPr>
@@ -6905,64 +7570,7 @@
         </p:nvSpPr>
         <p:spPr>
           <a:xfrm>
-            <a:off x="679187" y="6202717"/>
-            <a:ext cx="2934348" cy="338554"/>
-          </a:xfrm>
-          <a:prstGeom prst="rect">
-            <a:avLst/>
-          </a:prstGeom>
-          <a:noFill/>
-        </p:spPr>
-        <p:txBody>
-          <a:bodyPr wrap="square" rtlCol="0">
-            <a:spAutoFit/>
-          </a:bodyPr>
-          <a:lstStyle/>
-          <a:p>
-            <a:pPr algn="ctr"/>
-            <a:r>
-              <a:rPr kumimoji="1" lang="ja-JP" altLang="en-US" dirty="0">
-                <a:latin typeface="HG丸ｺﾞｼｯｸM-PRO" panose="020F0600000000000000" pitchFamily="50" charset="-128"/>
-                <a:ea typeface="HG丸ｺﾞｼｯｸM-PRO" panose="020F0600000000000000" pitchFamily="50" charset="-128"/>
-              </a:rPr>
-              <a:t>表</a:t>
-            </a:r>
-            <a:r>
-              <a:rPr kumimoji="1" lang="en-US" altLang="ja-JP" dirty="0">
-                <a:latin typeface="HG丸ｺﾞｼｯｸM-PRO" panose="020F0600000000000000" pitchFamily="50" charset="-128"/>
-                <a:ea typeface="HG丸ｺﾞｼｯｸM-PRO" panose="020F0600000000000000" pitchFamily="50" charset="-128"/>
-              </a:rPr>
-              <a:t>2 </a:t>
-            </a:r>
-            <a:r>
-              <a:rPr lang="ja-JP" altLang="en-US" dirty="0">
-                <a:latin typeface="HG丸ｺﾞｼｯｸM-PRO" panose="020F0600000000000000" pitchFamily="50" charset="-128"/>
-                <a:ea typeface="HG丸ｺﾞｼｯｸM-PRO" panose="020F0600000000000000" pitchFamily="50" charset="-128"/>
-              </a:rPr>
-              <a:t>パッケージごとの役割</a:t>
-            </a:r>
-            <a:endParaRPr kumimoji="1" lang="ja-JP" altLang="en-US" dirty="0">
-              <a:latin typeface="HG丸ｺﾞｼｯｸM-PRO" panose="020F0600000000000000" pitchFamily="50" charset="-128"/>
-              <a:ea typeface="HG丸ｺﾞｼｯｸM-PRO" panose="020F0600000000000000" pitchFamily="50" charset="-128"/>
-            </a:endParaRPr>
-          </a:p>
-        </p:txBody>
-      </p:sp>
-      <p:sp>
-        <p:nvSpPr>
-          <p:cNvPr id="23" name="テキスト ボックス 22">
-            <a:extLst>
-              <a:ext uri="{FF2B5EF4-FFF2-40B4-BE49-F238E27FC236}">
-                <a16:creationId xmlns:a16="http://schemas.microsoft.com/office/drawing/2014/main" id="{AD9D6A3C-6D5E-4181-BE32-C48E0D4ACDC8}"/>
-              </a:ext>
-            </a:extLst>
-          </p:cNvPr>
-          <p:cNvSpPr txBox="1"/>
-          <p:nvPr/>
-        </p:nvSpPr>
-        <p:spPr>
-          <a:xfrm>
-            <a:off x="4579554" y="2008787"/>
+            <a:off x="7715144" y="1010485"/>
             <a:ext cx="2234302" cy="338554"/>
           </a:xfrm>
           <a:prstGeom prst="rect">
@@ -6976,14 +7584,54 @@
           </a:bodyPr>
           <a:lstStyle/>
           <a:p>
-            <a:r>
-              <a:rPr lang="ja-JP" altLang="en-US" b="1" dirty="0">
+            <a:pPr marL="0" marR="0" lvl="0" indent="0" algn="l" defTabSz="914400" rtl="0" eaLnBrk="1" fontAlgn="base" latinLnBrk="0" hangingPunct="1">
+              <a:lnSpc>
+                <a:spcPct val="100000"/>
+              </a:lnSpc>
+              <a:spcBef>
+                <a:spcPct val="0"/>
+              </a:spcBef>
+              <a:spcAft>
+                <a:spcPct val="0"/>
+              </a:spcAft>
+              <a:buClrTx/>
+              <a:buSzTx/>
+              <a:buFontTx/>
+              <a:buNone/>
+              <a:tabLst/>
+              <a:defRPr/>
+            </a:pPr>
+            <a:r>
+              <a:rPr kumimoji="1" lang="ja-JP" altLang="en-US" sz="1600" b="1" i="0" u="none" strike="noStrike" kern="1200" cap="none" spc="0" normalizeH="0" baseline="0" noProof="0" dirty="0">
+                <a:ln>
+                  <a:noFill/>
+                </a:ln>
+                <a:solidFill>
+                  <a:prstClr val="black"/>
+                </a:solidFill>
+                <a:effectLst/>
+                <a:uLnTx/>
+                <a:uFillTx/>
                 <a:latin typeface="HG丸ｺﾞｼｯｸM-PRO" panose="020F0600000000000000" pitchFamily="50" charset="-128"/>
                 <a:ea typeface="HG丸ｺﾞｼｯｸM-PRO" panose="020F0600000000000000" pitchFamily="50" charset="-128"/>
+                <a:cs typeface="+mn-cs"/>
               </a:rPr>
               <a:t>２．部品の仕様定義</a:t>
             </a:r>
-            <a:endParaRPr kumimoji="1" lang="ja-JP" altLang="en-US" dirty="0"/>
+            <a:endParaRPr kumimoji="1" lang="ja-JP" altLang="en-US" sz="1600" b="0" i="0" u="none" strike="noStrike" kern="1200" cap="none" spc="0" normalizeH="0" baseline="0" noProof="0" dirty="0">
+              <a:ln>
+                <a:noFill/>
+              </a:ln>
+              <a:solidFill>
+                <a:prstClr val="black"/>
+              </a:solidFill>
+              <a:effectLst/>
+              <a:uLnTx/>
+              <a:uFillTx/>
+              <a:latin typeface="Times New Roman" panose="02020603050405020304" pitchFamily="18" charset="0"/>
+              <a:ea typeface="ＭＳ Ｐゴシック" panose="020B0600070205080204" pitchFamily="34" charset="-128"/>
+              <a:cs typeface="+mn-cs"/>
+            </a:endParaRPr>
           </a:p>
         </p:txBody>
       </p:sp>
@@ -7003,8 +7651,8 @@
         </p:nvCxnSpPr>
         <p:spPr>
           <a:xfrm>
-            <a:off x="4579554" y="2355030"/>
-            <a:ext cx="7941926" cy="5560"/>
+            <a:off x="7722754" y="1372337"/>
+            <a:ext cx="4884700" cy="7120"/>
           </a:xfrm>
           <a:prstGeom prst="line">
             <a:avLst/>
@@ -7044,8 +7692,8 @@
         </p:nvSpPr>
         <p:spPr>
           <a:xfrm>
-            <a:off x="4579554" y="2355030"/>
-            <a:ext cx="8067397" cy="338554"/>
+            <a:off x="7710493" y="1394846"/>
+            <a:ext cx="5033233" cy="738664"/>
           </a:xfrm>
           <a:prstGeom prst="rect">
             <a:avLst/>
@@ -7058,79 +7706,73 @@
           </a:bodyPr>
           <a:lstStyle/>
           <a:p>
-            <a:r>
-              <a:rPr kumimoji="1" lang="ja-JP" altLang="en-US" dirty="0">
+            <a:pPr marL="0" marR="0" lvl="0" indent="0" algn="l" defTabSz="914400" rtl="0" eaLnBrk="1" fontAlgn="base" latinLnBrk="0" hangingPunct="1">
+              <a:lnSpc>
+                <a:spcPct val="100000"/>
+              </a:lnSpc>
+              <a:spcBef>
+                <a:spcPct val="0"/>
+              </a:spcBef>
+              <a:spcAft>
+                <a:spcPct val="0"/>
+              </a:spcAft>
+              <a:buClrTx/>
+              <a:buSzTx/>
+              <a:buFontTx/>
+              <a:buNone/>
+              <a:tabLst/>
+              <a:defRPr/>
+            </a:pPr>
+            <a:r>
+              <a:rPr kumimoji="1" lang="ja-JP" altLang="en-US" sz="1400" b="0" i="0" u="none" strike="noStrike" kern="1200" cap="none" spc="0" normalizeH="0" baseline="0" noProof="0" dirty="0">
+                <a:ln>
+                  <a:noFill/>
+                </a:ln>
+                <a:solidFill>
+                  <a:prstClr val="black"/>
+                </a:solidFill>
+                <a:effectLst/>
+                <a:uLnTx/>
+                <a:uFillTx/>
                 <a:latin typeface="HG丸ｺﾞｼｯｸM-PRO" panose="020F0600000000000000" pitchFamily="50" charset="-128"/>
                 <a:ea typeface="HG丸ｺﾞｼｯｸM-PRO" panose="020F0600000000000000" pitchFamily="50" charset="-128"/>
-              </a:rPr>
-              <a:t>安定した倒立走行を行いコースを完走するためのクラスの構造を図</a:t>
-            </a:r>
-            <a:r>
-              <a:rPr kumimoji="1" lang="en-US" altLang="ja-JP" dirty="0">
+                <a:cs typeface="+mn-cs"/>
+              </a:rPr>
+              <a:t>安定した倒立走行を行いコースを完走するためのクラスの構造をクラス図に示す。（</a:t>
+            </a:r>
+            <a:r>
+              <a:rPr kumimoji="1" lang="ja-JP" altLang="en-US" sz="1400" b="1" i="0" u="none" strike="noStrike" kern="1200" cap="none" spc="0" normalizeH="0" baseline="0" noProof="0" dirty="0">
+                <a:ln>
+                  <a:noFill/>
+                </a:ln>
+                <a:solidFill>
+                  <a:srgbClr val="FF0000"/>
+                </a:solidFill>
+                <a:effectLst/>
+                <a:uLnTx/>
+                <a:uFillTx/>
                 <a:latin typeface="HG丸ｺﾞｼｯｸM-PRO" panose="020F0600000000000000" pitchFamily="50" charset="-128"/>
                 <a:ea typeface="HG丸ｺﾞｼｯｸM-PRO" panose="020F0600000000000000" pitchFamily="50" charset="-128"/>
-              </a:rPr>
-              <a:t>4 </a:t>
-            </a:r>
-            <a:r>
-              <a:rPr kumimoji="1" lang="ja-JP" altLang="en-US" dirty="0">
+                <a:cs typeface="+mn-cs"/>
+              </a:rPr>
+              <a:t>ただし、多重度はすべて１、ロール名はクラス名と対応しているものとする。</a:t>
+            </a:r>
+            <a:r>
+              <a:rPr kumimoji="1" lang="ja-JP" altLang="en-US" sz="1400" b="0" i="0" u="none" strike="noStrike" kern="1200" cap="none" spc="0" normalizeH="0" baseline="0" noProof="0" dirty="0">
+                <a:ln>
+                  <a:noFill/>
+                </a:ln>
+                <a:solidFill>
+                  <a:prstClr val="black"/>
+                </a:solidFill>
+                <a:effectLst/>
+                <a:uLnTx/>
+                <a:uFillTx/>
                 <a:latin typeface="HG丸ｺﾞｼｯｸM-PRO" panose="020F0600000000000000" pitchFamily="50" charset="-128"/>
                 <a:ea typeface="HG丸ｺﾞｼｯｸM-PRO" panose="020F0600000000000000" pitchFamily="50" charset="-128"/>
-              </a:rPr>
-              <a:t>クラス図に示す</a:t>
-            </a:r>
-          </a:p>
-        </p:txBody>
-      </p:sp>
-      <p:sp>
-        <p:nvSpPr>
-          <p:cNvPr id="26" name="テキスト ボックス 25">
-            <a:extLst>
-              <a:ext uri="{FF2B5EF4-FFF2-40B4-BE49-F238E27FC236}">
-                <a16:creationId xmlns:a16="http://schemas.microsoft.com/office/drawing/2014/main" id="{E9309EC5-15B9-4F27-A3D8-EC9B63D9D395}"/>
-              </a:ext>
-            </a:extLst>
-          </p:cNvPr>
-          <p:cNvSpPr txBox="1"/>
-          <p:nvPr/>
-        </p:nvSpPr>
-        <p:spPr>
-          <a:xfrm>
-            <a:off x="5841938" y="9059995"/>
-            <a:ext cx="4862141" cy="338554"/>
-          </a:xfrm>
-          <a:prstGeom prst="rect">
-            <a:avLst/>
-          </a:prstGeom>
-          <a:noFill/>
-        </p:spPr>
-        <p:txBody>
-          <a:bodyPr wrap="square" rtlCol="0">
-            <a:spAutoFit/>
-          </a:bodyPr>
-          <a:lstStyle/>
-          <a:p>
-            <a:pPr algn="ctr"/>
-            <a:r>
-              <a:rPr kumimoji="1" lang="ja-JP" altLang="en-US" dirty="0">
-                <a:latin typeface="HG丸ｺﾞｼｯｸM-PRO" panose="020F0600000000000000" pitchFamily="50" charset="-128"/>
-                <a:ea typeface="HG丸ｺﾞｼｯｸM-PRO" panose="020F0600000000000000" pitchFamily="50" charset="-128"/>
-              </a:rPr>
-              <a:t>図</a:t>
-            </a:r>
-            <a:r>
-              <a:rPr kumimoji="1" lang="en-US" altLang="ja-JP" dirty="0">
-                <a:latin typeface="HG丸ｺﾞｼｯｸM-PRO" panose="020F0600000000000000" pitchFamily="50" charset="-128"/>
-                <a:ea typeface="HG丸ｺﾞｼｯｸM-PRO" panose="020F0600000000000000" pitchFamily="50" charset="-128"/>
-              </a:rPr>
-              <a:t>4 </a:t>
-            </a:r>
-            <a:r>
-              <a:rPr kumimoji="1" lang="ja-JP" altLang="en-US" dirty="0">
-                <a:latin typeface="HG丸ｺﾞｼｯｸM-PRO" panose="020F0600000000000000" pitchFamily="50" charset="-128"/>
-                <a:ea typeface="HG丸ｺﾞｼｯｸM-PRO" panose="020F0600000000000000" pitchFamily="50" charset="-128"/>
-              </a:rPr>
-              <a:t>クラス図</a:t>
+                <a:cs typeface="+mn-cs"/>
+              </a:rPr>
+              <a:t>）</a:t>
             </a:r>
           </a:p>
         </p:txBody>
@@ -7151,8 +7793,8 @@
         </p:nvCxnSpPr>
         <p:spPr>
           <a:xfrm flipV="1">
-            <a:off x="232435" y="2360590"/>
-            <a:ext cx="4224149" cy="18994"/>
+            <a:off x="2527592" y="1361257"/>
+            <a:ext cx="4931990" cy="14667"/>
           </a:xfrm>
           <a:prstGeom prst="line">
             <a:avLst/>
@@ -7194,27 +7836,61 @@
         </p:nvCxnSpPr>
         <p:spPr>
           <a:xfrm>
-            <a:off x="4528592" y="2022036"/>
-            <a:ext cx="0" cy="7361851"/>
+            <a:off x="7552928" y="1010485"/>
+            <a:ext cx="0" cy="2926019"/>
           </a:xfrm>
           <a:prstGeom prst="line">
             <a:avLst/>
           </a:prstGeom>
-          <a:ln w="12700">
-            <a:solidFill>
-              <a:schemeClr val="accent6"/>
-            </a:solidFill>
-          </a:ln>
+          <a:ln/>
         </p:spPr>
         <p:style>
-          <a:lnRef idx="1">
-            <a:schemeClr val="accent1"/>
+          <a:lnRef idx="2">
+            <a:schemeClr val="accent6"/>
           </a:lnRef>
           <a:fillRef idx="0">
-            <a:schemeClr val="accent1"/>
+            <a:schemeClr val="accent6"/>
           </a:fillRef>
-          <a:effectRef idx="0">
-            <a:schemeClr val="accent1"/>
+          <a:effectRef idx="1">
+            <a:schemeClr val="accent6"/>
+          </a:effectRef>
+          <a:fontRef idx="minor">
+            <a:schemeClr val="tx1"/>
+          </a:fontRef>
+        </p:style>
+      </p:cxnSp>
+      <p:cxnSp>
+        <p:nvCxnSpPr>
+          <p:cNvPr id="33" name="直線コネクタ 32">
+            <a:extLst>
+              <a:ext uri="{FF2B5EF4-FFF2-40B4-BE49-F238E27FC236}">
+                <a16:creationId xmlns:a16="http://schemas.microsoft.com/office/drawing/2014/main" id="{2B9B4F1E-2D9C-4C33-AB0B-D1C22FBB9B5C}"/>
+              </a:ext>
+            </a:extLst>
+          </p:cNvPr>
+          <p:cNvCxnSpPr>
+            <a:cxnSpLocks/>
+          </p:cNvCxnSpPr>
+          <p:nvPr/>
+        </p:nvCxnSpPr>
+        <p:spPr>
+          <a:xfrm flipH="1">
+            <a:off x="208113" y="3936504"/>
+            <a:ext cx="7344815" cy="0"/>
+          </a:xfrm>
+          <a:prstGeom prst="line">
+            <a:avLst/>
+          </a:prstGeom>
+        </p:spPr>
+        <p:style>
+          <a:lnRef idx="2">
+            <a:schemeClr val="accent6"/>
+          </a:lnRef>
+          <a:fillRef idx="0">
+            <a:schemeClr val="accent6"/>
+          </a:fillRef>
+          <a:effectRef idx="1">
+            <a:schemeClr val="accent6"/>
           </a:effectRef>
           <a:fontRef idx="minor">
             <a:schemeClr val="tx1"/>
@@ -7223,10 +7899,10 @@
       </p:cxnSp>
       <p:pic>
         <p:nvPicPr>
-          <p:cNvPr id="7" name="図 6">
-            <a:extLst>
-              <a:ext uri="{FF2B5EF4-FFF2-40B4-BE49-F238E27FC236}">
-                <a16:creationId xmlns:a16="http://schemas.microsoft.com/office/drawing/2014/main" id="{BBE40644-49CB-4A01-9629-B052348070D5}"/>
+          <p:cNvPr id="18" name="図 17">
+            <a:extLst>
+              <a:ext uri="{FF2B5EF4-FFF2-40B4-BE49-F238E27FC236}">
+                <a16:creationId xmlns:a16="http://schemas.microsoft.com/office/drawing/2014/main" id="{9E5DDE6D-4B05-443D-8465-11AB689D749A}"/>
               </a:ext>
             </a:extLst>
           </p:cNvPr>
@@ -7235,15 +7911,22 @@
           </p:cNvPicPr>
           <p:nvPr/>
         </p:nvPicPr>
-        <p:blipFill rotWithShape="1">
-          <a:blip r:embed="rId2"/>
-          <a:srcRect l="21156" t="8278" r="21313" b="1193"/>
-          <a:stretch/>
+        <p:blipFill>
+          <a:blip r:embed="rId3">
+            <a:extLst>
+              <a:ext uri="{28A0092B-C50C-407E-A947-70E740481C1C}">
+                <a14:useLocalDpi xmlns:a14="http://schemas.microsoft.com/office/drawing/2010/main" val="0"/>
+              </a:ext>
+            </a:extLst>
+          </a:blip>
+          <a:stretch>
+            <a:fillRect/>
+          </a:stretch>
         </p:blipFill>
         <p:spPr>
           <a:xfrm>
-            <a:off x="4833223" y="2782519"/>
-            <a:ext cx="7364915" cy="6277476"/>
+            <a:off x="181861" y="1867323"/>
+            <a:ext cx="2865098" cy="1804850"/>
           </a:xfrm>
           <a:prstGeom prst="rect">
             <a:avLst/>
@@ -7253,7 +7936,7 @@
     </p:spTree>
     <p:extLst>
       <p:ext uri="{BB962C8B-B14F-4D97-AF65-F5344CB8AC3E}">
-        <p14:creationId xmlns:p14="http://schemas.microsoft.com/office/powerpoint/2010/main" val="3377835343"/>
+        <p14:creationId xmlns:p14="http://schemas.microsoft.com/office/powerpoint/2010/main" val="3576191576"/>
       </p:ext>
     </p:extLst>
   </p:cSld>
@@ -7460,6 +8143,9 @@
               <a:gd name="adj" fmla="val 13842"/>
             </a:avLst>
           </a:prstGeom>
+          <a:solidFill>
+            <a:schemeClr val="accent6"/>
+          </a:solidFill>
           <a:ln w="38100"/>
         </p:spPr>
         <p:style>
@@ -7499,7 +8185,7 @@
         </p:nvSpPr>
         <p:spPr>
           <a:xfrm>
-            <a:off x="99902" y="1210403"/>
+            <a:off x="100800" y="1200887"/>
             <a:ext cx="12600000" cy="8352000"/>
           </a:xfrm>
           <a:prstGeom prst="rect">
@@ -7775,9 +8461,7 @@
             <a:r>
               <a:rPr lang="ja-JP" altLang="en-US" sz="2200" dirty="0">
                 <a:solidFill>
-                  <a:schemeClr val="accent6">
-                    <a:lumMod val="75000"/>
-                  </a:schemeClr>
+                  <a:schemeClr val="bg1"/>
                 </a:solidFill>
                 <a:latin typeface="HG創英角ｺﾞｼｯｸUB" panose="020B0909000000000000" pitchFamily="49" charset="-128"/>
                 <a:ea typeface="HG創英角ｺﾞｼｯｸUB" panose="020B0909000000000000" pitchFamily="49" charset="-128"/>
@@ -7787,9 +8471,7 @@
             <a:r>
               <a:rPr lang="en-US" altLang="ja-JP" sz="2200" b="1" dirty="0">
                 <a:solidFill>
-                  <a:schemeClr val="accent6">
-                    <a:lumMod val="75000"/>
-                  </a:schemeClr>
+                  <a:schemeClr val="bg1"/>
                 </a:solidFill>
                 <a:latin typeface="HG創英角ｺﾞｼｯｸUB" panose="020B0909000000000000" pitchFamily="49" charset="-128"/>
                 <a:ea typeface="HG創英角ｺﾞｼｯｸUB" panose="020B0909000000000000" pitchFamily="49" charset="-128"/>
@@ -7799,9 +8481,7 @@
             <a:r>
               <a:rPr lang="ja-JP" altLang="en-US" sz="2200" dirty="0">
                 <a:solidFill>
-                  <a:schemeClr val="accent6">
-                    <a:lumMod val="75000"/>
-                  </a:schemeClr>
+                  <a:schemeClr val="bg1"/>
                 </a:solidFill>
                 <a:latin typeface="HG創英角ｺﾞｼｯｸUB" panose="020B0909000000000000" pitchFamily="49" charset="-128"/>
                 <a:ea typeface="HG創英角ｺﾞｼｯｸUB" panose="020B0909000000000000" pitchFamily="49" charset="-128"/>
@@ -7810,9 +8490,7 @@
             </a:r>
             <a:endParaRPr lang="en-US" altLang="ja-JP" sz="2200" dirty="0">
               <a:solidFill>
-                <a:schemeClr val="accent6">
-                  <a:lumMod val="75000"/>
-                </a:schemeClr>
+                <a:schemeClr val="bg1"/>
               </a:solidFill>
               <a:latin typeface="HG創英角ｺﾞｼｯｸUB" panose="020B0909000000000000" pitchFamily="49" charset="-128"/>
               <a:ea typeface="HG創英角ｺﾞｼｯｸUB" panose="020B0909000000000000" pitchFamily="49" charset="-128"/>
@@ -7914,114 +8592,6 @@
               <a:latin typeface="HG創英角ｺﾞｼｯｸUB" panose="020B0909000000000000" pitchFamily="49" charset="-128"/>
               <a:ea typeface="HG創英角ｺﾞｼｯｸUB" panose="020B0909000000000000" pitchFamily="49" charset="-128"/>
             </a:endParaRPr>
-          </a:p>
-        </p:txBody>
-      </p:sp>
-      <p:sp>
-        <p:nvSpPr>
-          <p:cNvPr id="4" name="正方形/長方形 3">
-            <a:extLst>
-              <a:ext uri="{FF2B5EF4-FFF2-40B4-BE49-F238E27FC236}">
-                <a16:creationId xmlns:a16="http://schemas.microsoft.com/office/drawing/2014/main" id="{3680C864-60B8-4F14-9653-302A07051B92}"/>
-              </a:ext>
-            </a:extLst>
-          </p:cNvPr>
-          <p:cNvSpPr/>
-          <p:nvPr/>
-        </p:nvSpPr>
-        <p:spPr>
-          <a:xfrm>
-            <a:off x="116230" y="1204744"/>
-            <a:ext cx="2340000" cy="720000"/>
-          </a:xfrm>
-          <a:prstGeom prst="rect">
-            <a:avLst/>
-          </a:prstGeom>
-          <a:ln>
-            <a:noFill/>
-          </a:ln>
-        </p:spPr>
-        <p:style>
-          <a:lnRef idx="3">
-            <a:schemeClr val="lt1"/>
-          </a:lnRef>
-          <a:fillRef idx="1">
-            <a:schemeClr val="accent6"/>
-          </a:fillRef>
-          <a:effectRef idx="1">
-            <a:schemeClr val="accent6"/>
-          </a:effectRef>
-          <a:fontRef idx="minor">
-            <a:schemeClr val="lt1"/>
-          </a:fontRef>
-        </p:style>
-        <p:txBody>
-          <a:bodyPr rtlCol="0" anchor="ctr"/>
-          <a:lstStyle/>
-          <a:p>
-            <a:pPr algn="ctr"/>
-            <a:endParaRPr kumimoji="1" lang="ja-JP" altLang="en-US"/>
-          </a:p>
-        </p:txBody>
-      </p:sp>
-      <p:sp>
-        <p:nvSpPr>
-          <p:cNvPr id="6" name="テキスト ボックス 5">
-            <a:extLst>
-              <a:ext uri="{FF2B5EF4-FFF2-40B4-BE49-F238E27FC236}">
-                <a16:creationId xmlns:a16="http://schemas.microsoft.com/office/drawing/2014/main" id="{86E542D6-2597-4479-8069-7E76879CA3E5}"/>
-              </a:ext>
-            </a:extLst>
-          </p:cNvPr>
-          <p:cNvSpPr txBox="1"/>
-          <p:nvPr/>
-        </p:nvSpPr>
-        <p:spPr>
-          <a:xfrm>
-            <a:off x="100800" y="1364689"/>
-            <a:ext cx="2428118" cy="400110"/>
-          </a:xfrm>
-          <a:prstGeom prst="rect">
-            <a:avLst/>
-          </a:prstGeom>
-          <a:noFill/>
-        </p:spPr>
-        <p:txBody>
-          <a:bodyPr wrap="square" rtlCol="0">
-            <a:spAutoFit/>
-          </a:bodyPr>
-          <a:lstStyle/>
-          <a:p>
-            <a:r>
-              <a:rPr lang="ja-JP" altLang="en-US" sz="2000" dirty="0">
-                <a:solidFill>
-                  <a:schemeClr val="bg1"/>
-                </a:solidFill>
-                <a:latin typeface="HG創英角ｺﾞｼｯｸUB" panose="020B0909000000000000" pitchFamily="49" charset="-128"/>
-                <a:ea typeface="HG創英角ｺﾞｼｯｸUB" panose="020B0909000000000000" pitchFamily="49" charset="-128"/>
-              </a:rPr>
-              <a:t>３</a:t>
-            </a:r>
-            <a:r>
-              <a:rPr kumimoji="1" lang="en-US" altLang="ja-JP" sz="2000" dirty="0">
-                <a:solidFill>
-                  <a:schemeClr val="bg1"/>
-                </a:solidFill>
-                <a:latin typeface="HG創英角ｺﾞｼｯｸUB" panose="020B0909000000000000" pitchFamily="49" charset="-128"/>
-                <a:ea typeface="HG創英角ｺﾞｼｯｸUB" panose="020B0909000000000000" pitchFamily="49" charset="-128"/>
-              </a:rPr>
-              <a:t>.</a:t>
-            </a:r>
-            <a:r>
-              <a:rPr kumimoji="1" lang="ja-JP" altLang="en-US" sz="2000" dirty="0">
-                <a:solidFill>
-                  <a:schemeClr val="bg1"/>
-                </a:solidFill>
-                <a:latin typeface="HG創英角ｺﾞｼｯｸUB" panose="020B0909000000000000" pitchFamily="49" charset="-128"/>
-                <a:ea typeface="HG創英角ｺﾞｼｯｸUB" panose="020B0909000000000000" pitchFamily="49" charset="-128"/>
-              </a:rPr>
-              <a:t>振る舞いモデル</a:t>
-            </a:r>
           </a:p>
         </p:txBody>
       </p:sp>
@@ -9367,6 +9937,9 @@
               <a:gd name="adj" fmla="val 13842"/>
             </a:avLst>
           </a:prstGeom>
+          <a:solidFill>
+            <a:schemeClr val="accent6"/>
+          </a:solidFill>
           <a:ln w="38100"/>
         </p:spPr>
         <p:style>
@@ -9406,7 +9979,7 @@
         </p:nvSpPr>
         <p:spPr>
           <a:xfrm>
-            <a:off x="93002" y="1182144"/>
+            <a:off x="100800" y="1200984"/>
             <a:ext cx="12600000" cy="8352000"/>
           </a:xfrm>
           <a:prstGeom prst="rect">
@@ -9682,9 +10255,7 @@
             <a:r>
               <a:rPr lang="ja-JP" altLang="en-US" sz="2200" dirty="0">
                 <a:solidFill>
-                  <a:schemeClr val="accent6">
-                    <a:lumMod val="75000"/>
-                  </a:schemeClr>
+                  <a:schemeClr val="bg1"/>
                 </a:solidFill>
                 <a:latin typeface="HG創英角ｺﾞｼｯｸUB" panose="020B0909000000000000" pitchFamily="49" charset="-128"/>
                 <a:ea typeface="HG創英角ｺﾞｼｯｸUB" panose="020B0909000000000000" pitchFamily="49" charset="-128"/>
@@ -9694,9 +10265,7 @@
             <a:r>
               <a:rPr lang="en-US" altLang="ja-JP" sz="2200" b="1" dirty="0">
                 <a:solidFill>
-                  <a:schemeClr val="accent6">
-                    <a:lumMod val="75000"/>
-                  </a:schemeClr>
+                  <a:schemeClr val="bg1"/>
                 </a:solidFill>
                 <a:latin typeface="HG創英角ｺﾞｼｯｸUB" panose="020B0909000000000000" pitchFamily="49" charset="-128"/>
                 <a:ea typeface="HG創英角ｺﾞｼｯｸUB" panose="020B0909000000000000" pitchFamily="49" charset="-128"/>
@@ -9706,9 +10275,7 @@
             <a:r>
               <a:rPr lang="ja-JP" altLang="en-US" sz="2200" dirty="0">
                 <a:solidFill>
-                  <a:schemeClr val="accent6">
-                    <a:lumMod val="75000"/>
-                  </a:schemeClr>
+                  <a:schemeClr val="bg1"/>
                 </a:solidFill>
                 <a:latin typeface="HG創英角ｺﾞｼｯｸUB" panose="020B0909000000000000" pitchFamily="49" charset="-128"/>
                 <a:ea typeface="HG創英角ｺﾞｼｯｸUB" panose="020B0909000000000000" pitchFamily="49" charset="-128"/>
@@ -9717,9 +10284,7 @@
             </a:r>
             <a:endParaRPr lang="en-US" altLang="ja-JP" sz="2200" dirty="0">
               <a:solidFill>
-                <a:schemeClr val="accent6">
-                  <a:lumMod val="75000"/>
-                </a:schemeClr>
+                <a:schemeClr val="bg1"/>
               </a:solidFill>
               <a:latin typeface="HG創英角ｺﾞｼｯｸUB" panose="020B0909000000000000" pitchFamily="49" charset="-128"/>
               <a:ea typeface="HG創英角ｺﾞｼｯｸUB" panose="020B0909000000000000" pitchFamily="49" charset="-128"/>
@@ -9821,114 +10386,6 @@
               <a:latin typeface="HG創英角ｺﾞｼｯｸUB" panose="020B0909000000000000" pitchFamily="49" charset="-128"/>
               <a:ea typeface="HG創英角ｺﾞｼｯｸUB" panose="020B0909000000000000" pitchFamily="49" charset="-128"/>
             </a:endParaRPr>
-          </a:p>
-        </p:txBody>
-      </p:sp>
-      <p:sp>
-        <p:nvSpPr>
-          <p:cNvPr id="4" name="正方形/長方形 3">
-            <a:extLst>
-              <a:ext uri="{FF2B5EF4-FFF2-40B4-BE49-F238E27FC236}">
-                <a16:creationId xmlns:a16="http://schemas.microsoft.com/office/drawing/2014/main" id="{3680C864-60B8-4F14-9653-302A07051B92}"/>
-              </a:ext>
-            </a:extLst>
-          </p:cNvPr>
-          <p:cNvSpPr/>
-          <p:nvPr/>
-        </p:nvSpPr>
-        <p:spPr>
-          <a:xfrm>
-            <a:off x="116230" y="1204744"/>
-            <a:ext cx="2340000" cy="720000"/>
-          </a:xfrm>
-          <a:prstGeom prst="rect">
-            <a:avLst/>
-          </a:prstGeom>
-          <a:ln>
-            <a:noFill/>
-          </a:ln>
-        </p:spPr>
-        <p:style>
-          <a:lnRef idx="3">
-            <a:schemeClr val="lt1"/>
-          </a:lnRef>
-          <a:fillRef idx="1">
-            <a:schemeClr val="accent6"/>
-          </a:fillRef>
-          <a:effectRef idx="1">
-            <a:schemeClr val="accent6"/>
-          </a:effectRef>
-          <a:fontRef idx="minor">
-            <a:schemeClr val="lt1"/>
-          </a:fontRef>
-        </p:style>
-        <p:txBody>
-          <a:bodyPr rtlCol="0" anchor="ctr"/>
-          <a:lstStyle/>
-          <a:p>
-            <a:pPr algn="ctr"/>
-            <a:endParaRPr kumimoji="1" lang="ja-JP" altLang="en-US"/>
-          </a:p>
-        </p:txBody>
-      </p:sp>
-      <p:sp>
-        <p:nvSpPr>
-          <p:cNvPr id="6" name="テキスト ボックス 5">
-            <a:extLst>
-              <a:ext uri="{FF2B5EF4-FFF2-40B4-BE49-F238E27FC236}">
-                <a16:creationId xmlns:a16="http://schemas.microsoft.com/office/drawing/2014/main" id="{86E542D6-2597-4479-8069-7E76879CA3E5}"/>
-              </a:ext>
-            </a:extLst>
-          </p:cNvPr>
-          <p:cNvSpPr txBox="1"/>
-          <p:nvPr/>
-        </p:nvSpPr>
-        <p:spPr>
-          <a:xfrm>
-            <a:off x="100800" y="1364689"/>
-            <a:ext cx="2428118" cy="400110"/>
-          </a:xfrm>
-          <a:prstGeom prst="rect">
-            <a:avLst/>
-          </a:prstGeom>
-          <a:noFill/>
-        </p:spPr>
-        <p:txBody>
-          <a:bodyPr wrap="square" rtlCol="0">
-            <a:spAutoFit/>
-          </a:bodyPr>
-          <a:lstStyle/>
-          <a:p>
-            <a:r>
-              <a:rPr lang="ja-JP" altLang="en-US" sz="2000" dirty="0">
-                <a:solidFill>
-                  <a:schemeClr val="bg1"/>
-                </a:solidFill>
-                <a:latin typeface="HG創英角ｺﾞｼｯｸUB" panose="020B0909000000000000" pitchFamily="49" charset="-128"/>
-                <a:ea typeface="HG創英角ｺﾞｼｯｸUB" panose="020B0909000000000000" pitchFamily="49" charset="-128"/>
-              </a:rPr>
-              <a:t>３</a:t>
-            </a:r>
-            <a:r>
-              <a:rPr kumimoji="1" lang="en-US" altLang="ja-JP" sz="2000" dirty="0">
-                <a:solidFill>
-                  <a:schemeClr val="bg1"/>
-                </a:solidFill>
-                <a:latin typeface="HG創英角ｺﾞｼｯｸUB" panose="020B0909000000000000" pitchFamily="49" charset="-128"/>
-                <a:ea typeface="HG創英角ｺﾞｼｯｸUB" panose="020B0909000000000000" pitchFamily="49" charset="-128"/>
-              </a:rPr>
-              <a:t>.</a:t>
-            </a:r>
-            <a:r>
-              <a:rPr kumimoji="1" lang="ja-JP" altLang="en-US" sz="2000" dirty="0">
-                <a:solidFill>
-                  <a:schemeClr val="bg1"/>
-                </a:solidFill>
-                <a:latin typeface="HG創英角ｺﾞｼｯｸUB" panose="020B0909000000000000" pitchFamily="49" charset="-128"/>
-                <a:ea typeface="HG創英角ｺﾞｼｯｸUB" panose="020B0909000000000000" pitchFamily="49" charset="-128"/>
-              </a:rPr>
-              <a:t>振る舞いモデル</a:t>
-            </a:r>
           </a:p>
         </p:txBody>
       </p:sp>
@@ -10035,7 +10492,7 @@
         </p:blipFill>
         <p:spPr>
           <a:xfrm>
-            <a:off x="321398" y="2449091"/>
+            <a:off x="263453" y="2482128"/>
             <a:ext cx="6151410" cy="3748501"/>
           </a:xfrm>
           <a:prstGeom prst="rect">
@@ -10340,6 +10797,9 @@
               <a:gd name="adj" fmla="val 13842"/>
             </a:avLst>
           </a:prstGeom>
+          <a:solidFill>
+            <a:schemeClr val="accent6"/>
+          </a:solidFill>
           <a:ln w="38100"/>
         </p:spPr>
         <p:style>
@@ -10752,9 +11212,7 @@
             <a:r>
               <a:rPr lang="ja-JP" altLang="en-US" sz="2200" dirty="0">
                 <a:solidFill>
-                  <a:schemeClr val="accent6">
-                    <a:lumMod val="75000"/>
-                  </a:schemeClr>
+                  <a:schemeClr val="bg1"/>
                 </a:solidFill>
                 <a:latin typeface="HG創英角ｺﾞｼｯｸUB" panose="020B0909000000000000" pitchFamily="49" charset="-128"/>
                 <a:ea typeface="HG創英角ｺﾞｼｯｸUB" panose="020B0909000000000000" pitchFamily="49" charset="-128"/>
@@ -10764,9 +11222,7 @@
             <a:r>
               <a:rPr lang="en-US" altLang="ja-JP" sz="2200" b="1" dirty="0">
                 <a:solidFill>
-                  <a:schemeClr val="accent6">
-                    <a:lumMod val="75000"/>
-                  </a:schemeClr>
+                  <a:schemeClr val="bg1"/>
                 </a:solidFill>
                 <a:latin typeface="HG創英角ｺﾞｼｯｸUB" panose="020B0909000000000000" pitchFamily="49" charset="-128"/>
                 <a:ea typeface="HG創英角ｺﾞｼｯｸUB" panose="020B0909000000000000" pitchFamily="49" charset="-128"/>
@@ -10776,9 +11232,7 @@
             <a:r>
               <a:rPr lang="ja-JP" altLang="en-US" sz="2200" dirty="0">
                 <a:solidFill>
-                  <a:schemeClr val="accent6">
-                    <a:lumMod val="75000"/>
-                  </a:schemeClr>
+                  <a:schemeClr val="bg1"/>
                 </a:solidFill>
                 <a:latin typeface="HG創英角ｺﾞｼｯｸUB" panose="020B0909000000000000" pitchFamily="49" charset="-128"/>
                 <a:ea typeface="HG創英角ｺﾞｼｯｸUB" panose="020B0909000000000000" pitchFamily="49" charset="-128"/>
@@ -10786,123 +11240,6 @@
               <a:t>工夫点</a:t>
             </a:r>
             <a:endParaRPr lang="en-US" altLang="ja-JP" sz="2200" dirty="0">
-              <a:solidFill>
-                <a:schemeClr val="accent6">
-                  <a:lumMod val="75000"/>
-                </a:schemeClr>
-              </a:solidFill>
-              <a:latin typeface="HG創英角ｺﾞｼｯｸUB" panose="020B0909000000000000" pitchFamily="49" charset="-128"/>
-              <a:ea typeface="HG創英角ｺﾞｼｯｸUB" panose="020B0909000000000000" pitchFamily="49" charset="-128"/>
-            </a:endParaRPr>
-          </a:p>
-        </p:txBody>
-      </p:sp>
-      <p:sp>
-        <p:nvSpPr>
-          <p:cNvPr id="4" name="正方形/長方形 3">
-            <a:extLst>
-              <a:ext uri="{FF2B5EF4-FFF2-40B4-BE49-F238E27FC236}">
-                <a16:creationId xmlns:a16="http://schemas.microsoft.com/office/drawing/2014/main" id="{3680C864-60B8-4F14-9653-302A07051B92}"/>
-              </a:ext>
-            </a:extLst>
-          </p:cNvPr>
-          <p:cNvSpPr/>
-          <p:nvPr/>
-        </p:nvSpPr>
-        <p:spPr>
-          <a:xfrm>
-            <a:off x="116230" y="1204744"/>
-            <a:ext cx="2340000" cy="720000"/>
-          </a:xfrm>
-          <a:prstGeom prst="rect">
-            <a:avLst/>
-          </a:prstGeom>
-          <a:ln>
-            <a:noFill/>
-          </a:ln>
-        </p:spPr>
-        <p:style>
-          <a:lnRef idx="3">
-            <a:schemeClr val="lt1"/>
-          </a:lnRef>
-          <a:fillRef idx="1">
-            <a:schemeClr val="accent6"/>
-          </a:fillRef>
-          <a:effectRef idx="1">
-            <a:schemeClr val="accent6"/>
-          </a:effectRef>
-          <a:fontRef idx="minor">
-            <a:schemeClr val="lt1"/>
-          </a:fontRef>
-        </p:style>
-        <p:txBody>
-          <a:bodyPr rtlCol="0" anchor="ctr"/>
-          <a:lstStyle/>
-          <a:p>
-            <a:pPr algn="ctr"/>
-            <a:endParaRPr kumimoji="1" lang="ja-JP" altLang="en-US"/>
-          </a:p>
-        </p:txBody>
-      </p:sp>
-      <p:sp>
-        <p:nvSpPr>
-          <p:cNvPr id="6" name="テキスト ボックス 5">
-            <a:extLst>
-              <a:ext uri="{FF2B5EF4-FFF2-40B4-BE49-F238E27FC236}">
-                <a16:creationId xmlns:a16="http://schemas.microsoft.com/office/drawing/2014/main" id="{86E542D6-2597-4479-8069-7E76879CA3E5}"/>
-              </a:ext>
-            </a:extLst>
-          </p:cNvPr>
-          <p:cNvSpPr txBox="1"/>
-          <p:nvPr/>
-        </p:nvSpPr>
-        <p:spPr>
-          <a:xfrm>
-            <a:off x="585529" y="1362855"/>
-            <a:ext cx="1395612" cy="400110"/>
-          </a:xfrm>
-          <a:prstGeom prst="rect">
-            <a:avLst/>
-          </a:prstGeom>
-          <a:noFill/>
-        </p:spPr>
-        <p:txBody>
-          <a:bodyPr wrap="square" rtlCol="0">
-            <a:spAutoFit/>
-          </a:bodyPr>
-          <a:lstStyle/>
-          <a:p>
-            <a:r>
-              <a:rPr lang="ja-JP" altLang="en-US" sz="2000" dirty="0">
-                <a:solidFill>
-                  <a:schemeClr val="bg1"/>
-                </a:solidFill>
-                <a:latin typeface="HG創英角ｺﾞｼｯｸUB" panose="020B0909000000000000" pitchFamily="49" charset="-128"/>
-                <a:ea typeface="HG創英角ｺﾞｼｯｸUB" panose="020B0909000000000000" pitchFamily="49" charset="-128"/>
-              </a:rPr>
-              <a:t>４</a:t>
-            </a:r>
-            <a:r>
-              <a:rPr kumimoji="1" lang="en-US" altLang="ja-JP" sz="2000" dirty="0">
-                <a:solidFill>
-                  <a:schemeClr val="bg1"/>
-                </a:solidFill>
-                <a:latin typeface="HG創英角ｺﾞｼｯｸUB" panose="020B0909000000000000" pitchFamily="49" charset="-128"/>
-                <a:ea typeface="HG創英角ｺﾞｼｯｸUB" panose="020B0909000000000000" pitchFamily="49" charset="-128"/>
-              </a:rPr>
-              <a:t>.</a:t>
-            </a:r>
-            <a:r>
-              <a:rPr lang="ja-JP" altLang="en-US" sz="2000" dirty="0">
-                <a:solidFill>
-                  <a:schemeClr val="bg1"/>
-                </a:solidFill>
-                <a:latin typeface="HG創英角ｺﾞｼｯｸUB" panose="020B0909000000000000" pitchFamily="49" charset="-128"/>
-                <a:ea typeface="HG創英角ｺﾞｼｯｸUB" panose="020B0909000000000000" pitchFamily="49" charset="-128"/>
-              </a:rPr>
-              <a:t>工夫点</a:t>
-            </a:r>
-            <a:endParaRPr kumimoji="1" lang="ja-JP" altLang="en-US" sz="2000" dirty="0">
               <a:solidFill>
                 <a:schemeClr val="bg1"/>
               </a:solidFill>

--- a/model_file_template_primary.pptx
+++ b/model_file_template_primary.pptx
@@ -6313,85 +6313,6 @@
       </p:sp>
       <p:sp>
         <p:nvSpPr>
-          <p:cNvPr id="12" name="四角形: 角を丸くする 11">
-            <a:extLst>
-              <a:ext uri="{FF2B5EF4-FFF2-40B4-BE49-F238E27FC236}">
-                <a16:creationId xmlns:a16="http://schemas.microsoft.com/office/drawing/2014/main" id="{AFFC4548-7F1A-4F38-96A5-7A693D93CF9B}"/>
-              </a:ext>
-            </a:extLst>
-          </p:cNvPr>
-          <p:cNvSpPr/>
-          <p:nvPr/>
-        </p:nvSpPr>
-        <p:spPr>
-          <a:xfrm>
-            <a:off x="2622918" y="192088"/>
-            <a:ext cx="2520000" cy="1224384"/>
-          </a:xfrm>
-          <a:prstGeom prst="roundRect">
-            <a:avLst>
-              <a:gd name="adj" fmla="val 13842"/>
-            </a:avLst>
-          </a:prstGeom>
-          <a:solidFill>
-            <a:schemeClr val="accent6"/>
-          </a:solidFill>
-          <a:ln w="38100"/>
-        </p:spPr>
-        <p:style>
-          <a:lnRef idx="2">
-            <a:schemeClr val="accent6"/>
-          </a:lnRef>
-          <a:fillRef idx="1">
-            <a:schemeClr val="lt1"/>
-          </a:fillRef>
-          <a:effectRef idx="0">
-            <a:schemeClr val="accent6"/>
-          </a:effectRef>
-          <a:fontRef idx="minor">
-            <a:schemeClr val="dk1"/>
-          </a:fontRef>
-        </p:style>
-        <p:txBody>
-          <a:bodyPr rtlCol="0" anchor="ctr"/>
-          <a:lstStyle/>
-          <a:p>
-            <a:pPr marL="0" marR="0" lvl="0" indent="0" algn="ctr" defTabSz="914400" rtl="0" eaLnBrk="1" fontAlgn="base" latinLnBrk="0" hangingPunct="1">
-              <a:lnSpc>
-                <a:spcPct val="100000"/>
-              </a:lnSpc>
-              <a:spcBef>
-                <a:spcPct val="0"/>
-              </a:spcBef>
-              <a:spcAft>
-                <a:spcPct val="0"/>
-              </a:spcAft>
-              <a:buClrTx/>
-              <a:buSzTx/>
-              <a:buFontTx/>
-              <a:buNone/>
-              <a:tabLst/>
-              <a:defRPr/>
-            </a:pPr>
-            <a:endParaRPr kumimoji="1" lang="ja-JP" altLang="en-US" sz="1600" b="0" i="0" u="none" strike="noStrike" kern="1200" cap="none" spc="0" normalizeH="0" baseline="0" noProof="0" dirty="0">
-              <a:ln>
-                <a:noFill/>
-              </a:ln>
-              <a:solidFill>
-                <a:prstClr val="black"/>
-              </a:solidFill>
-              <a:effectLst/>
-              <a:uLnTx/>
-              <a:uFillTx/>
-              <a:latin typeface="游ゴシック" panose="020F0502020204030204"/>
-              <a:ea typeface="游ゴシック" panose="020B0400000000000000" pitchFamily="50" charset="-128"/>
-              <a:cs typeface="+mn-cs"/>
-            </a:endParaRPr>
-          </a:p>
-        </p:txBody>
-      </p:sp>
-      <p:sp>
-        <p:nvSpPr>
           <p:cNvPr id="15" name="四角形: 角を丸くする 14">
             <a:extLst>
               <a:ext uri="{FF2B5EF4-FFF2-40B4-BE49-F238E27FC236}">
@@ -6473,6 +6394,85 @@
       </p:sp>
       <p:sp>
         <p:nvSpPr>
+          <p:cNvPr id="12" name="四角形: 角を丸くする 11">
+            <a:extLst>
+              <a:ext uri="{FF2B5EF4-FFF2-40B4-BE49-F238E27FC236}">
+                <a16:creationId xmlns:a16="http://schemas.microsoft.com/office/drawing/2014/main" id="{AFFC4548-7F1A-4F38-96A5-7A693D93CF9B}"/>
+              </a:ext>
+            </a:extLst>
+          </p:cNvPr>
+          <p:cNvSpPr/>
+          <p:nvPr/>
+        </p:nvSpPr>
+        <p:spPr>
+          <a:xfrm>
+            <a:off x="2622918" y="192088"/>
+            <a:ext cx="2520000" cy="1224384"/>
+          </a:xfrm>
+          <a:prstGeom prst="roundRect">
+            <a:avLst>
+              <a:gd name="adj" fmla="val 13842"/>
+            </a:avLst>
+          </a:prstGeom>
+          <a:solidFill>
+            <a:schemeClr val="accent6"/>
+          </a:solidFill>
+          <a:ln w="38100"/>
+        </p:spPr>
+        <p:style>
+          <a:lnRef idx="2">
+            <a:schemeClr val="accent6"/>
+          </a:lnRef>
+          <a:fillRef idx="1">
+            <a:schemeClr val="lt1"/>
+          </a:fillRef>
+          <a:effectRef idx="0">
+            <a:schemeClr val="accent6"/>
+          </a:effectRef>
+          <a:fontRef idx="minor">
+            <a:schemeClr val="dk1"/>
+          </a:fontRef>
+        </p:style>
+        <p:txBody>
+          <a:bodyPr rtlCol="0" anchor="ctr"/>
+          <a:lstStyle/>
+          <a:p>
+            <a:pPr marL="0" marR="0" lvl="0" indent="0" algn="ctr" defTabSz="914400" rtl="0" eaLnBrk="1" fontAlgn="base" latinLnBrk="0" hangingPunct="1">
+              <a:lnSpc>
+                <a:spcPct val="100000"/>
+              </a:lnSpc>
+              <a:spcBef>
+                <a:spcPct val="0"/>
+              </a:spcBef>
+              <a:spcAft>
+                <a:spcPct val="0"/>
+              </a:spcAft>
+              <a:buClrTx/>
+              <a:buSzTx/>
+              <a:buFontTx/>
+              <a:buNone/>
+              <a:tabLst/>
+              <a:defRPr/>
+            </a:pPr>
+            <a:endParaRPr kumimoji="1" lang="ja-JP" altLang="en-US" sz="1600" b="0" i="0" u="none" strike="noStrike" kern="1200" cap="none" spc="0" normalizeH="0" baseline="0" noProof="0" dirty="0">
+              <a:ln>
+                <a:noFill/>
+              </a:ln>
+              <a:solidFill>
+                <a:prstClr val="black"/>
+              </a:solidFill>
+              <a:effectLst/>
+              <a:uLnTx/>
+              <a:uFillTx/>
+              <a:latin typeface="游ゴシック" panose="020F0502020204030204"/>
+              <a:ea typeface="游ゴシック" panose="020B0400000000000000" pitchFamily="50" charset="-128"/>
+              <a:cs typeface="+mn-cs"/>
+            </a:endParaRPr>
+          </a:p>
+        </p:txBody>
+      </p:sp>
+      <p:sp>
+        <p:nvSpPr>
           <p:cNvPr id="11" name="正方形/長方形 10">
             <a:extLst>
               <a:ext uri="{FF2B5EF4-FFF2-40B4-BE49-F238E27FC236}">
@@ -6550,10 +6550,10 @@
       </p:sp>
       <p:pic>
         <p:nvPicPr>
-          <p:cNvPr id="7" name="図 6">
-            <a:extLst>
-              <a:ext uri="{FF2B5EF4-FFF2-40B4-BE49-F238E27FC236}">
-                <a16:creationId xmlns:a16="http://schemas.microsoft.com/office/drawing/2014/main" id="{C5E15713-2FAB-432C-9262-A2D5B4E269F6}"/>
+          <p:cNvPr id="4" name="図 3">
+            <a:extLst>
+              <a:ext uri="{FF2B5EF4-FFF2-40B4-BE49-F238E27FC236}">
+                <a16:creationId xmlns:a16="http://schemas.microsoft.com/office/drawing/2014/main" id="{F09050C9-EBEE-4C41-A607-27C58A8A5A15}"/>
               </a:ext>
             </a:extLst>
           </p:cNvPr>
@@ -6576,8 +6576,8 @@
         </p:blipFill>
         <p:spPr>
           <a:xfrm>
-            <a:off x="503187" y="2133510"/>
-            <a:ext cx="12054549" cy="7377847"/>
+            <a:off x="165014" y="3519390"/>
+            <a:ext cx="12490334" cy="5960950"/>
           </a:xfrm>
           <a:prstGeom prst="rect">
             <a:avLst/>
@@ -7154,8 +7154,8 @@
         </p:nvSpPr>
         <p:spPr>
           <a:xfrm>
-            <a:off x="2527592" y="1010485"/>
-            <a:ext cx="1473389" cy="338554"/>
+            <a:off x="126583" y="983736"/>
+            <a:ext cx="1881729" cy="338554"/>
           </a:xfrm>
           <a:prstGeom prst="rect">
             <a:avLst/>
@@ -7200,7 +7200,17 @@
                 <a:ea typeface="HG丸ｺﾞｼｯｸM-PRO" panose="020F0600000000000000" pitchFamily="50" charset="-128"/>
                 <a:cs typeface="+mn-cs"/>
               </a:rPr>
-              <a:t>１．機能構造</a:t>
+              <a:t>１．</a:t>
+            </a:r>
+            <a:r>
+              <a:rPr lang="ja-JP" altLang="en-US" b="1" dirty="0">
+                <a:solidFill>
+                  <a:prstClr val="black"/>
+                </a:solidFill>
+                <a:latin typeface="HG丸ｺﾞｼｯｸM-PRO" panose="020F0600000000000000" pitchFamily="50" charset="-128"/>
+                <a:ea typeface="HG丸ｺﾞｼｯｸM-PRO" panose="020F0600000000000000" pitchFamily="50" charset="-128"/>
+              </a:rPr>
+              <a:t>パッケージ化</a:t>
             </a:r>
             <a:endParaRPr kumimoji="1" lang="ja-JP" altLang="en-US" sz="1600" b="0" i="0" u="none" strike="noStrike" kern="1200" cap="none" spc="0" normalizeH="0" baseline="0" noProof="0" dirty="0">
               <a:ln>
@@ -7233,8 +7243,8 @@
         </p:nvSpPr>
         <p:spPr>
           <a:xfrm>
-            <a:off x="2431303" y="1411536"/>
-            <a:ext cx="5204415" cy="523220"/>
+            <a:off x="171011" y="1357283"/>
+            <a:ext cx="7329343" cy="523220"/>
           </a:xfrm>
           <a:prstGeom prst="rect">
             <a:avLst/>
@@ -7311,12 +7321,16 @@
             <a:graphicFrameLocks noGrp="1"/>
           </p:cNvGraphicFramePr>
           <p:nvPr>
-            <p:extLst/>
+            <p:extLst>
+              <p:ext uri="{D42A27DB-BD31-4B8C-83A1-F6EECF244321}">
+                <p14:modId xmlns:p14="http://schemas.microsoft.com/office/powerpoint/2010/main" val="1996828496"/>
+              </p:ext>
+            </p:extLst>
           </p:nvPr>
         </p:nvGraphicFramePr>
         <p:xfrm>
-          <a:off x="3140305" y="1995364"/>
-          <a:ext cx="4319277" cy="1739176"/>
+          <a:off x="4321768" y="1934756"/>
+          <a:ext cx="3137814" cy="1510576"/>
         </p:xfrm>
         <a:graphic>
           <a:graphicData uri="http://schemas.openxmlformats.org/drawingml/2006/table">
@@ -7325,14 +7339,14 @@
                 <a:tableStyleId>{93296810-A885-4BE3-A3E7-6D5BEEA58F35}</a:tableStyleId>
               </a:tblPr>
               <a:tblGrid>
-                <a:gridCol w="1486533">
+                <a:gridCol w="761553">
                   <a:extLst>
                     <a:ext uri="{9D8B030D-6E8A-4147-A177-3AD203B41FA5}">
                       <a16:colId xmlns:a16="http://schemas.microsoft.com/office/drawing/2014/main" val="188478114"/>
                     </a:ext>
                   </a:extLst>
                 </a:gridCol>
-                <a:gridCol w="2832744">
+                <a:gridCol w="2376261">
                   <a:extLst>
                     <a:ext uri="{9D8B030D-6E8A-4147-A177-3AD203B41FA5}">
                       <a16:colId xmlns:a16="http://schemas.microsoft.com/office/drawing/2014/main" val="543803565"/>
@@ -7349,7 +7363,7 @@
                       <a:pPr algn="ctr"/>
                       <a:r>
                         <a:rPr kumimoji="1" lang="ja-JP" altLang="en-US" sz="1100" dirty="0"/>
-                        <a:t>パッケージ名</a:t>
+                        <a:t>名称</a:t>
                       </a:r>
                     </a:p>
                   </a:txBody>
@@ -7363,7 +7377,7 @@
                       <a:pPr algn="ctr"/>
                       <a:r>
                         <a:rPr kumimoji="1" lang="ja-JP" altLang="en-US" sz="1100" dirty="0"/>
-                        <a:t>パッケージごとの役割</a:t>
+                        <a:t>役割</a:t>
                       </a:r>
                     </a:p>
                   </a:txBody>
@@ -7482,41 +7496,6 @@
                   </a:ext>
                 </a:extLst>
               </a:tr>
-              <a:tr h="221570">
-                <a:tc>
-                  <a:txBody>
-                    <a:bodyPr/>
-                    <a:lstStyle/>
-                    <a:p>
-                      <a:pPr algn="ctr"/>
-                      <a:r>
-                        <a:rPr kumimoji="1" lang="ja-JP" altLang="en-US" sz="900" dirty="0"/>
-                        <a:t>スタータ</a:t>
-                      </a:r>
-                    </a:p>
-                  </a:txBody>
-                  <a:tcPr anchor="ctr"/>
-                </a:tc>
-                <a:tc>
-                  <a:txBody>
-                    <a:bodyPr/>
-                    <a:lstStyle/>
-                    <a:p>
-                      <a:pPr algn="l"/>
-                      <a:r>
-                        <a:rPr kumimoji="1" lang="ja-JP" altLang="en-US" sz="900" dirty="0"/>
-                        <a:t>スタートの管理、スタート指示の取得と管理をする。</a:t>
-                      </a:r>
-                    </a:p>
-                  </a:txBody>
-                  <a:tcPr anchor="ctr"/>
-                </a:tc>
-                <a:extLst>
-                  <a:ext uri="{0D108BD9-81ED-4DB2-BD59-A6C34878D82A}">
-                    <a16:rowId xmlns:a16="http://schemas.microsoft.com/office/drawing/2014/main" val="276119806"/>
-                  </a:ext>
-                </a:extLst>
-              </a:tr>
               <a:tr h="236953">
                 <a:tc>
                   <a:txBody>
@@ -7570,7 +7549,7 @@
         </p:nvSpPr>
         <p:spPr>
           <a:xfrm>
-            <a:off x="7715144" y="1010485"/>
+            <a:off x="7694485" y="979502"/>
             <a:ext cx="2234302" cy="338554"/>
           </a:xfrm>
           <a:prstGeom prst="rect">
@@ -7651,7 +7630,7 @@
         </p:nvCxnSpPr>
         <p:spPr>
           <a:xfrm>
-            <a:off x="7722754" y="1372337"/>
+            <a:off x="7625433" y="1328774"/>
             <a:ext cx="4884700" cy="7120"/>
           </a:xfrm>
           <a:prstGeom prst="line">
@@ -7692,7 +7671,7 @@
         </p:nvSpPr>
         <p:spPr>
           <a:xfrm>
-            <a:off x="7710493" y="1394846"/>
+            <a:off x="7564031" y="1313700"/>
             <a:ext cx="5033233" cy="738664"/>
           </a:xfrm>
           <a:prstGeom prst="rect">
@@ -7793,8 +7772,8 @@
         </p:nvCxnSpPr>
         <p:spPr>
           <a:xfrm flipV="1">
-            <a:off x="2527592" y="1361257"/>
-            <a:ext cx="4931990" cy="14667"/>
+            <a:off x="181861" y="1329982"/>
+            <a:ext cx="7277721" cy="1"/>
           </a:xfrm>
           <a:prstGeom prst="line">
             <a:avLst/>
@@ -7837,7 +7816,7 @@
         <p:spPr>
           <a:xfrm>
             <a:off x="7552928" y="1010485"/>
-            <a:ext cx="0" cy="2926019"/>
+            <a:ext cx="0" cy="2508905"/>
           </a:xfrm>
           <a:prstGeom prst="line">
             <a:avLst/>
@@ -7861,10 +7840,10 @@
       </p:cxnSp>
       <p:cxnSp>
         <p:nvCxnSpPr>
-          <p:cNvPr id="33" name="直線コネクタ 32">
-            <a:extLst>
-              <a:ext uri="{FF2B5EF4-FFF2-40B4-BE49-F238E27FC236}">
-                <a16:creationId xmlns:a16="http://schemas.microsoft.com/office/drawing/2014/main" id="{2B9B4F1E-2D9C-4C33-AB0B-D1C22FBB9B5C}"/>
+          <p:cNvPr id="21" name="直線コネクタ 20">
+            <a:extLst>
+              <a:ext uri="{FF2B5EF4-FFF2-40B4-BE49-F238E27FC236}">
+                <a16:creationId xmlns:a16="http://schemas.microsoft.com/office/drawing/2014/main" id="{2288B0B3-03C1-4A5B-8403-D65948124B1D}"/>
               </a:ext>
             </a:extLst>
           </p:cNvPr>
@@ -7875,8 +7854,8 @@
         </p:nvCxnSpPr>
         <p:spPr>
           <a:xfrm flipH="1">
-            <a:off x="208113" y="3936504"/>
-            <a:ext cx="7344815" cy="0"/>
+            <a:off x="204337" y="3519390"/>
+            <a:ext cx="7348591" cy="0"/>
           </a:xfrm>
           <a:prstGeom prst="line">
             <a:avLst/>
@@ -7897,42 +7876,6 @@
           </a:fontRef>
         </p:style>
       </p:cxnSp>
-      <p:pic>
-        <p:nvPicPr>
-          <p:cNvPr id="18" name="図 17">
-            <a:extLst>
-              <a:ext uri="{FF2B5EF4-FFF2-40B4-BE49-F238E27FC236}">
-                <a16:creationId xmlns:a16="http://schemas.microsoft.com/office/drawing/2014/main" id="{9E5DDE6D-4B05-443D-8465-11AB689D749A}"/>
-              </a:ext>
-            </a:extLst>
-          </p:cNvPr>
-          <p:cNvPicPr>
-            <a:picLocks noChangeAspect="1"/>
-          </p:cNvPicPr>
-          <p:nvPr/>
-        </p:nvPicPr>
-        <p:blipFill>
-          <a:blip r:embed="rId3">
-            <a:extLst>
-              <a:ext uri="{28A0092B-C50C-407E-A947-70E740481C1C}">
-                <a14:useLocalDpi xmlns:a14="http://schemas.microsoft.com/office/drawing/2010/main" val="0"/>
-              </a:ext>
-            </a:extLst>
-          </a:blip>
-          <a:stretch>
-            <a:fillRect/>
-          </a:stretch>
-        </p:blipFill>
-        <p:spPr>
-          <a:xfrm>
-            <a:off x="181861" y="1867323"/>
-            <a:ext cx="2865098" cy="1804850"/>
-          </a:xfrm>
-          <a:prstGeom prst="rect">
-            <a:avLst/>
-          </a:prstGeom>
-        </p:spPr>
-      </p:pic>
     </p:spTree>
     <p:extLst>
       <p:ext uri="{BB962C8B-B14F-4D97-AF65-F5344CB8AC3E}">

--- a/model_file_template_primary.pptx
+++ b/model_file_template_primary.pptx
@@ -4281,12 +4281,258 @@
           <a:chExt cx="0" cy="0"/>
         </a:xfrm>
       </p:grpSpPr>
+      <p:grpSp>
+        <p:nvGrpSpPr>
+          <p:cNvPr id="4" name="グループ化 3">
+            <a:extLst>
+              <a:ext uri="{FF2B5EF4-FFF2-40B4-BE49-F238E27FC236}">
+                <a16:creationId xmlns:a16="http://schemas.microsoft.com/office/drawing/2014/main" id="{FC924C0E-856A-406C-88EE-02AEBA973A97}"/>
+              </a:ext>
+            </a:extLst>
+          </p:cNvPr>
+          <p:cNvGrpSpPr/>
+          <p:nvPr/>
+        </p:nvGrpSpPr>
+        <p:grpSpPr>
+          <a:xfrm>
+            <a:off x="2626849" y="264096"/>
+            <a:ext cx="2520000" cy="1368400"/>
+            <a:chOff x="2626849" y="264096"/>
+            <a:chExt cx="2520000" cy="1368400"/>
+          </a:xfrm>
+        </p:grpSpPr>
+        <p:sp>
+          <p:nvSpPr>
+            <p:cNvPr id="13" name="四角形: 角を丸くする 12">
+              <a:extLst>
+                <a:ext uri="{FF2B5EF4-FFF2-40B4-BE49-F238E27FC236}">
+                  <a16:creationId xmlns:a16="http://schemas.microsoft.com/office/drawing/2014/main" id="{84934B8C-C644-49A7-8C50-B417AAAD4BD4}"/>
+                </a:ext>
+              </a:extLst>
+            </p:cNvPr>
+            <p:cNvSpPr/>
+            <p:nvPr/>
+          </p:nvSpPr>
+          <p:spPr>
+            <a:xfrm>
+              <a:off x="2626849" y="264096"/>
+              <a:ext cx="2520000" cy="1368400"/>
+            </a:xfrm>
+            <a:prstGeom prst="roundRect">
+              <a:avLst>
+                <a:gd name="adj" fmla="val 13495"/>
+              </a:avLst>
+            </a:prstGeom>
+            <a:ln w="28575">
+              <a:solidFill>
+                <a:schemeClr val="accent6">
+                  <a:lumMod val="60000"/>
+                  <a:lumOff val="40000"/>
+                </a:schemeClr>
+              </a:solidFill>
+            </a:ln>
+          </p:spPr>
+          <p:style>
+            <a:lnRef idx="2">
+              <a:schemeClr val="accent6"/>
+            </a:lnRef>
+            <a:fillRef idx="1">
+              <a:schemeClr val="lt1"/>
+            </a:fillRef>
+            <a:effectRef idx="0">
+              <a:schemeClr val="accent6"/>
+            </a:effectRef>
+            <a:fontRef idx="minor">
+              <a:schemeClr val="dk1"/>
+            </a:fontRef>
+          </p:style>
+          <p:txBody>
+            <a:bodyPr rtlCol="0" anchor="ctr"/>
+            <a:lstStyle/>
+            <a:p>
+              <a:pPr marL="0" marR="0" lvl="0" indent="0" algn="ctr" defTabSz="914400" rtl="0" eaLnBrk="1" fontAlgn="base" latinLnBrk="0" hangingPunct="1">
+                <a:lnSpc>
+                  <a:spcPct val="100000"/>
+                </a:lnSpc>
+                <a:spcBef>
+                  <a:spcPct val="0"/>
+                </a:spcBef>
+                <a:spcAft>
+                  <a:spcPct val="0"/>
+                </a:spcAft>
+                <a:buClrTx/>
+                <a:buSzTx/>
+                <a:buFontTx/>
+                <a:buNone/>
+                <a:tabLst/>
+                <a:defRPr/>
+              </a:pPr>
+              <a:endParaRPr kumimoji="1" lang="ja-JP" altLang="en-US" sz="1600" b="0" i="0" u="none" strike="noStrike" kern="1200" cap="none" spc="0" normalizeH="0" baseline="0" noProof="0">
+                <a:ln>
+                  <a:noFill/>
+                </a:ln>
+                <a:solidFill>
+                  <a:prstClr val="black"/>
+                </a:solidFill>
+                <a:effectLst/>
+                <a:uLnTx/>
+                <a:uFillTx/>
+                <a:latin typeface="游ゴシック" panose="020F0502020204030204"/>
+                <a:ea typeface="游ゴシック" panose="020B0400000000000000" pitchFamily="50" charset="-128"/>
+                <a:cs typeface="+mn-cs"/>
+              </a:endParaRPr>
+            </a:p>
+          </p:txBody>
+        </p:sp>
+        <p:sp>
+          <p:nvSpPr>
+            <p:cNvPr id="9" name="テキスト ボックス 8">
+              <a:extLst>
+                <a:ext uri="{FF2B5EF4-FFF2-40B4-BE49-F238E27FC236}">
+                  <a16:creationId xmlns:a16="http://schemas.microsoft.com/office/drawing/2014/main" id="{27FC2256-755B-4562-8E23-88557EE81276}"/>
+                </a:ext>
+              </a:extLst>
+            </p:cNvPr>
+            <p:cNvSpPr txBox="1"/>
+            <p:nvPr/>
+          </p:nvSpPr>
+          <p:spPr>
+            <a:xfrm>
+              <a:off x="2887906" y="264096"/>
+              <a:ext cx="2002046" cy="430887"/>
+            </a:xfrm>
+            <a:prstGeom prst="rect">
+              <a:avLst/>
+            </a:prstGeom>
+            <a:noFill/>
+            <a:ln>
+              <a:noFill/>
+            </a:ln>
+          </p:spPr>
+          <p:style>
+            <a:lnRef idx="0">
+              <a:scrgbClr r="0" g="0" b="0"/>
+            </a:lnRef>
+            <a:fillRef idx="0">
+              <a:scrgbClr r="0" g="0" b="0"/>
+            </a:fillRef>
+            <a:effectRef idx="0">
+              <a:scrgbClr r="0" g="0" b="0"/>
+            </a:effectRef>
+            <a:fontRef idx="minor">
+              <a:schemeClr val="dk1"/>
+            </a:fontRef>
+          </p:style>
+          <p:txBody>
+            <a:bodyPr wrap="square" rtlCol="0">
+              <a:spAutoFit/>
+            </a:bodyPr>
+            <a:lstStyle/>
+            <a:p>
+              <a:pPr marL="0" marR="0" lvl="0" indent="0" algn="l" defTabSz="914400" rtl="0" eaLnBrk="1" fontAlgn="base" latinLnBrk="0" hangingPunct="1">
+                <a:lnSpc>
+                  <a:spcPct val="100000"/>
+                </a:lnSpc>
+                <a:spcBef>
+                  <a:spcPct val="0"/>
+                </a:spcBef>
+                <a:spcAft>
+                  <a:spcPct val="0"/>
+                </a:spcAft>
+                <a:buClrTx/>
+                <a:buSzTx/>
+                <a:buFontTx/>
+                <a:buNone/>
+                <a:tabLst/>
+                <a:defRPr/>
+              </a:pPr>
+              <a:r>
+                <a:rPr kumimoji="1" lang="ja-JP" altLang="en-US" sz="2200" b="0" i="0" u="none" strike="noStrike" kern="1200" cap="none" spc="0" normalizeH="0" baseline="0" noProof="0" dirty="0">
+                  <a:ln>
+                    <a:noFill/>
+                  </a:ln>
+                  <a:solidFill>
+                    <a:srgbClr val="70AD47">
+                      <a:lumMod val="60000"/>
+                      <a:lumOff val="40000"/>
+                    </a:srgbClr>
+                  </a:solidFill>
+                  <a:effectLst/>
+                  <a:uLnTx/>
+                  <a:uFillTx/>
+                  <a:latin typeface="HG創英角ｺﾞｼｯｸUB" panose="020B0909000000000000" pitchFamily="49" charset="-128"/>
+                  <a:ea typeface="HG創英角ｺﾞｼｯｸUB" panose="020B0909000000000000" pitchFamily="49" charset="-128"/>
+                  <a:cs typeface="+mn-cs"/>
+                </a:rPr>
+                <a:t>２</a:t>
+              </a:r>
+              <a:r>
+                <a:rPr kumimoji="1" lang="en-US" altLang="ja-JP" sz="2200" b="1" i="0" u="none" strike="noStrike" kern="1200" cap="none" spc="0" normalizeH="0" baseline="0" noProof="0" dirty="0">
+                  <a:ln>
+                    <a:noFill/>
+                  </a:ln>
+                  <a:solidFill>
+                    <a:srgbClr val="70AD47">
+                      <a:lumMod val="60000"/>
+                      <a:lumOff val="40000"/>
+                    </a:srgbClr>
+                  </a:solidFill>
+                  <a:effectLst/>
+                  <a:uLnTx/>
+                  <a:uFillTx/>
+                  <a:latin typeface="HG創英角ｺﾞｼｯｸUB" panose="020B0909000000000000" pitchFamily="49" charset="-128"/>
+                  <a:ea typeface="HG創英角ｺﾞｼｯｸUB" panose="020B0909000000000000" pitchFamily="49" charset="-128"/>
+                  <a:cs typeface="+mn-cs"/>
+                </a:rPr>
+                <a:t>.</a:t>
+              </a:r>
+              <a:r>
+                <a:rPr kumimoji="1" lang="ja-JP" altLang="en-US" sz="2200" b="0" i="0" u="none" strike="noStrike" kern="1200" cap="none" spc="0" normalizeH="0" baseline="0" noProof="0" dirty="0">
+                  <a:ln>
+                    <a:noFill/>
+                  </a:ln>
+                  <a:solidFill>
+                    <a:srgbClr val="70AD47">
+                      <a:lumMod val="60000"/>
+                      <a:lumOff val="40000"/>
+                    </a:srgbClr>
+                  </a:solidFill>
+                  <a:effectLst/>
+                  <a:uLnTx/>
+                  <a:uFillTx/>
+                  <a:latin typeface="HG創英角ｺﾞｼｯｸUB" panose="020B0909000000000000" pitchFamily="49" charset="-128"/>
+                  <a:ea typeface="HG創英角ｺﾞｼｯｸUB" panose="020B0909000000000000" pitchFamily="49" charset="-128"/>
+                  <a:cs typeface="+mn-cs"/>
+                </a:rPr>
+                <a:t>構造モデル</a:t>
+              </a:r>
+              <a:endParaRPr kumimoji="1" lang="en-US" altLang="ja-JP" sz="2200" b="0" i="0" u="none" strike="noStrike" kern="1200" cap="none" spc="0" normalizeH="0" baseline="0" noProof="0" dirty="0">
+                <a:ln>
+                  <a:noFill/>
+                </a:ln>
+                <a:solidFill>
+                  <a:srgbClr val="70AD47">
+                    <a:lumMod val="60000"/>
+                    <a:lumOff val="40000"/>
+                  </a:srgbClr>
+                </a:solidFill>
+                <a:effectLst/>
+                <a:uLnTx/>
+                <a:uFillTx/>
+                <a:latin typeface="HG創英角ｺﾞｼｯｸUB" panose="020B0909000000000000" pitchFamily="49" charset="-128"/>
+                <a:ea typeface="HG創英角ｺﾞｼｯｸUB" panose="020B0909000000000000" pitchFamily="49" charset="-128"/>
+                <a:cs typeface="+mn-cs"/>
+              </a:endParaRPr>
+            </a:p>
+          </p:txBody>
+        </p:sp>
+      </p:grpSp>
       <p:sp>
         <p:nvSpPr>
-          <p:cNvPr id="13" name="四角形: 角を丸くする 12">
-            <a:extLst>
-              <a:ext uri="{FF2B5EF4-FFF2-40B4-BE49-F238E27FC236}">
-                <a16:creationId xmlns:a16="http://schemas.microsoft.com/office/drawing/2014/main" id="{84934B8C-C644-49A7-8C50-B417AAAD4BD4}"/>
+          <p:cNvPr id="12" name="四角形: 角を丸くする 11">
+            <a:extLst>
+              <a:ext uri="{FF2B5EF4-FFF2-40B4-BE49-F238E27FC236}">
+                <a16:creationId xmlns:a16="http://schemas.microsoft.com/office/drawing/2014/main" id="{AFFC4548-7F1A-4F38-96A5-7A693D93CF9B}"/>
               </a:ext>
             </a:extLst>
           </p:cNvPr>
@@ -4295,13 +4541,90 @@
         </p:nvSpPr>
         <p:spPr>
           <a:xfrm>
-            <a:off x="2626849" y="408112"/>
-            <a:ext cx="2520000" cy="1368400"/>
+            <a:off x="100800" y="48072"/>
+            <a:ext cx="2520000" cy="1224384"/>
           </a:xfrm>
           <a:prstGeom prst="roundRect">
             <a:avLst>
-              <a:gd name="adj" fmla="val 13495"/>
+              <a:gd name="adj" fmla="val 13842"/>
             </a:avLst>
+          </a:prstGeom>
+          <a:solidFill>
+            <a:schemeClr val="accent6"/>
+          </a:solidFill>
+          <a:ln w="38100"/>
+        </p:spPr>
+        <p:style>
+          <a:lnRef idx="2">
+            <a:schemeClr val="accent6"/>
+          </a:lnRef>
+          <a:fillRef idx="1">
+            <a:schemeClr val="lt1"/>
+          </a:fillRef>
+          <a:effectRef idx="0">
+            <a:schemeClr val="accent6"/>
+          </a:effectRef>
+          <a:fontRef idx="minor">
+            <a:schemeClr val="dk1"/>
+          </a:fontRef>
+        </p:style>
+        <p:txBody>
+          <a:bodyPr rtlCol="0" anchor="ctr"/>
+          <a:lstStyle/>
+          <a:p>
+            <a:pPr marL="0" marR="0" lvl="0" indent="0" algn="ctr" defTabSz="914400" rtl="0" eaLnBrk="1" fontAlgn="base" latinLnBrk="0" hangingPunct="1">
+              <a:lnSpc>
+                <a:spcPct val="100000"/>
+              </a:lnSpc>
+              <a:spcBef>
+                <a:spcPct val="0"/>
+              </a:spcBef>
+              <a:spcAft>
+                <a:spcPct val="0"/>
+              </a:spcAft>
+              <a:buClrTx/>
+              <a:buSzTx/>
+              <a:buFontTx/>
+              <a:buNone/>
+              <a:tabLst/>
+              <a:defRPr/>
+            </a:pPr>
+            <a:endParaRPr kumimoji="1" lang="ja-JP" altLang="en-US" sz="1600" b="0" i="0" u="none" strike="noStrike" kern="1200" cap="none" spc="0" normalizeH="0" baseline="0" noProof="0" dirty="0">
+              <a:ln>
+                <a:noFill/>
+              </a:ln>
+              <a:solidFill>
+                <a:prstClr val="black"/>
+              </a:solidFill>
+              <a:effectLst/>
+              <a:uLnTx/>
+              <a:uFillTx/>
+              <a:latin typeface="游ゴシック" panose="020F0502020204030204"/>
+              <a:ea typeface="游ゴシック" panose="020B0400000000000000" pitchFamily="50" charset="-128"/>
+              <a:cs typeface="+mn-cs"/>
+            </a:endParaRPr>
+          </a:p>
+        </p:txBody>
+      </p:sp>
+      <p:sp>
+        <p:nvSpPr>
+          <p:cNvPr id="15" name="四角形: 角を丸くする 14">
+            <a:extLst>
+              <a:ext uri="{FF2B5EF4-FFF2-40B4-BE49-F238E27FC236}">
+                <a16:creationId xmlns:a16="http://schemas.microsoft.com/office/drawing/2014/main" id="{A9B96D26-795E-44A3-9A17-D2913FF49DAB}"/>
+              </a:ext>
+            </a:extLst>
+          </p:cNvPr>
+          <p:cNvSpPr/>
+          <p:nvPr/>
+        </p:nvSpPr>
+        <p:spPr>
+          <a:xfrm>
+            <a:off x="7670181" y="264096"/>
+            <a:ext cx="2520000" cy="1152297"/>
+          </a:xfrm>
+          <a:prstGeom prst="roundRect">
+            <a:avLst/>
           </a:prstGeom>
           <a:ln w="28575">
             <a:solidFill>
@@ -4366,10 +4689,10 @@
       </p:sp>
       <p:sp>
         <p:nvSpPr>
-          <p:cNvPr id="12" name="四角形: 角を丸くする 11">
-            <a:extLst>
-              <a:ext uri="{FF2B5EF4-FFF2-40B4-BE49-F238E27FC236}">
-                <a16:creationId xmlns:a16="http://schemas.microsoft.com/office/drawing/2014/main" id="{AFFC4548-7F1A-4F38-96A5-7A693D93CF9B}"/>
+          <p:cNvPr id="14" name="四角形: 角を丸くする 13">
+            <a:extLst>
+              <a:ext uri="{FF2B5EF4-FFF2-40B4-BE49-F238E27FC236}">
+                <a16:creationId xmlns:a16="http://schemas.microsoft.com/office/drawing/2014/main" id="{5DFFF80D-32F6-4641-A456-86DEF48B839E}"/>
               </a:ext>
             </a:extLst>
           </p:cNvPr>
@@ -4378,87 +4701,8 @@
         </p:nvSpPr>
         <p:spPr>
           <a:xfrm>
-            <a:off x="100800" y="192088"/>
-            <a:ext cx="2520000" cy="1224384"/>
-          </a:xfrm>
-          <a:prstGeom prst="roundRect">
-            <a:avLst>
-              <a:gd name="adj" fmla="val 13842"/>
-            </a:avLst>
-          </a:prstGeom>
-          <a:solidFill>
-            <a:schemeClr val="accent6"/>
-          </a:solidFill>
-          <a:ln w="38100"/>
-        </p:spPr>
-        <p:style>
-          <a:lnRef idx="2">
-            <a:schemeClr val="accent6"/>
-          </a:lnRef>
-          <a:fillRef idx="1">
-            <a:schemeClr val="lt1"/>
-          </a:fillRef>
-          <a:effectRef idx="0">
-            <a:schemeClr val="accent6"/>
-          </a:effectRef>
-          <a:fontRef idx="minor">
-            <a:schemeClr val="dk1"/>
-          </a:fontRef>
-        </p:style>
-        <p:txBody>
-          <a:bodyPr rtlCol="0" anchor="ctr"/>
-          <a:lstStyle/>
-          <a:p>
-            <a:pPr marL="0" marR="0" lvl="0" indent="0" algn="ctr" defTabSz="914400" rtl="0" eaLnBrk="1" fontAlgn="base" latinLnBrk="0" hangingPunct="1">
-              <a:lnSpc>
-                <a:spcPct val="100000"/>
-              </a:lnSpc>
-              <a:spcBef>
-                <a:spcPct val="0"/>
-              </a:spcBef>
-              <a:spcAft>
-                <a:spcPct val="0"/>
-              </a:spcAft>
-              <a:buClrTx/>
-              <a:buSzTx/>
-              <a:buFontTx/>
-              <a:buNone/>
-              <a:tabLst/>
-              <a:defRPr/>
-            </a:pPr>
-            <a:endParaRPr kumimoji="1" lang="ja-JP" altLang="en-US" sz="1600" b="0" i="0" u="none" strike="noStrike" kern="1200" cap="none" spc="0" normalizeH="0" baseline="0" noProof="0" dirty="0">
-              <a:ln>
-                <a:noFill/>
-              </a:ln>
-              <a:solidFill>
-                <a:prstClr val="black"/>
-              </a:solidFill>
-              <a:effectLst/>
-              <a:uLnTx/>
-              <a:uFillTx/>
-              <a:latin typeface="游ゴシック" panose="020F0502020204030204"/>
-              <a:ea typeface="游ゴシック" panose="020B0400000000000000" pitchFamily="50" charset="-128"/>
-              <a:cs typeface="+mn-cs"/>
-            </a:endParaRPr>
-          </a:p>
-        </p:txBody>
-      </p:sp>
-      <p:sp>
-        <p:nvSpPr>
-          <p:cNvPr id="15" name="四角形: 角を丸くする 14">
-            <a:extLst>
-              <a:ext uri="{FF2B5EF4-FFF2-40B4-BE49-F238E27FC236}">
-                <a16:creationId xmlns:a16="http://schemas.microsoft.com/office/drawing/2014/main" id="{A9B96D26-795E-44A3-9A17-D2913FF49DAB}"/>
-              </a:ext>
-            </a:extLst>
-          </p:cNvPr>
-          <p:cNvSpPr/>
-          <p:nvPr/>
-        </p:nvSpPr>
-        <p:spPr>
-          <a:xfrm>
-            <a:off x="7670181" y="408112"/>
-            <a:ext cx="2520000" cy="1152297"/>
+            <a:off x="5150181" y="264096"/>
+            <a:ext cx="2520000" cy="1080368"/>
           </a:xfrm>
           <a:prstGeom prst="roundRect">
             <a:avLst/>
@@ -4526,10 +4770,10 @@
       </p:sp>
       <p:sp>
         <p:nvSpPr>
-          <p:cNvPr id="14" name="四角形: 角を丸くする 13">
-            <a:extLst>
-              <a:ext uri="{FF2B5EF4-FFF2-40B4-BE49-F238E27FC236}">
-                <a16:creationId xmlns:a16="http://schemas.microsoft.com/office/drawing/2014/main" id="{5DFFF80D-32F6-4641-A456-86DEF48B839E}"/>
+          <p:cNvPr id="11" name="正方形/長方形 10">
+            <a:extLst>
+              <a:ext uri="{FF2B5EF4-FFF2-40B4-BE49-F238E27FC236}">
+                <a16:creationId xmlns:a16="http://schemas.microsoft.com/office/drawing/2014/main" id="{4CF528F6-0D59-4A16-899E-E9075561CAD3}"/>
               </a:ext>
             </a:extLst>
           </p:cNvPr>
@@ -4538,89 +4782,8 @@
         </p:nvSpPr>
         <p:spPr>
           <a:xfrm>
-            <a:off x="5150181" y="408112"/>
-            <a:ext cx="2520000" cy="1080368"/>
-          </a:xfrm>
-          <a:prstGeom prst="roundRect">
-            <a:avLst/>
-          </a:prstGeom>
-          <a:ln w="28575">
-            <a:solidFill>
-              <a:schemeClr val="accent6">
-                <a:lumMod val="60000"/>
-                <a:lumOff val="40000"/>
-              </a:schemeClr>
-            </a:solidFill>
-          </a:ln>
-        </p:spPr>
-        <p:style>
-          <a:lnRef idx="2">
-            <a:schemeClr val="accent6"/>
-          </a:lnRef>
-          <a:fillRef idx="1">
-            <a:schemeClr val="lt1"/>
-          </a:fillRef>
-          <a:effectRef idx="0">
-            <a:schemeClr val="accent6"/>
-          </a:effectRef>
-          <a:fontRef idx="minor">
-            <a:schemeClr val="dk1"/>
-          </a:fontRef>
-        </p:style>
-        <p:txBody>
-          <a:bodyPr rtlCol="0" anchor="ctr"/>
-          <a:lstStyle/>
-          <a:p>
-            <a:pPr marL="0" marR="0" lvl="0" indent="0" algn="ctr" defTabSz="914400" rtl="0" eaLnBrk="1" fontAlgn="base" latinLnBrk="0" hangingPunct="1">
-              <a:lnSpc>
-                <a:spcPct val="100000"/>
-              </a:lnSpc>
-              <a:spcBef>
-                <a:spcPct val="0"/>
-              </a:spcBef>
-              <a:spcAft>
-                <a:spcPct val="0"/>
-              </a:spcAft>
-              <a:buClrTx/>
-              <a:buSzTx/>
-              <a:buFontTx/>
-              <a:buNone/>
-              <a:tabLst/>
-              <a:defRPr/>
-            </a:pPr>
-            <a:endParaRPr kumimoji="1" lang="ja-JP" altLang="en-US" sz="1600" b="0" i="0" u="none" strike="noStrike" kern="1200" cap="none" spc="0" normalizeH="0" baseline="0" noProof="0">
-              <a:ln>
-                <a:noFill/>
-              </a:ln>
-              <a:solidFill>
-                <a:prstClr val="black"/>
-              </a:solidFill>
-              <a:effectLst/>
-              <a:uLnTx/>
-              <a:uFillTx/>
-              <a:latin typeface="游ゴシック" panose="020F0502020204030204"/>
-              <a:ea typeface="游ゴシック" panose="020B0400000000000000" pitchFamily="50" charset="-128"/>
-              <a:cs typeface="+mn-cs"/>
-            </a:endParaRPr>
-          </a:p>
-        </p:txBody>
-      </p:sp>
-      <p:sp>
-        <p:nvSpPr>
-          <p:cNvPr id="11" name="正方形/長方形 10">
-            <a:extLst>
-              <a:ext uri="{FF2B5EF4-FFF2-40B4-BE49-F238E27FC236}">
-                <a16:creationId xmlns:a16="http://schemas.microsoft.com/office/drawing/2014/main" id="{4CF528F6-0D59-4A16-899E-E9075561CAD3}"/>
-              </a:ext>
-            </a:extLst>
-          </p:cNvPr>
-          <p:cNvSpPr/>
-          <p:nvPr/>
-        </p:nvSpPr>
-        <p:spPr>
-          <a:xfrm>
-            <a:off x="100800" y="912168"/>
-            <a:ext cx="12600000" cy="8640960"/>
+            <a:off x="100800" y="768152"/>
+            <a:ext cx="12600000" cy="8784976"/>
           </a:xfrm>
           <a:prstGeom prst="rect">
             <a:avLst/>
@@ -4850,10 +5013,10 @@
       </p:sp>
       <p:sp>
         <p:nvSpPr>
-          <p:cNvPr id="9" name="テキスト ボックス 8">
-            <a:extLst>
-              <a:ext uri="{FF2B5EF4-FFF2-40B4-BE49-F238E27FC236}">
-                <a16:creationId xmlns:a16="http://schemas.microsoft.com/office/drawing/2014/main" id="{27FC2256-755B-4562-8E23-88557EE81276}"/>
+          <p:cNvPr id="10" name="テキスト ボックス 9">
+            <a:extLst>
+              <a:ext uri="{FF2B5EF4-FFF2-40B4-BE49-F238E27FC236}">
+                <a16:creationId xmlns:a16="http://schemas.microsoft.com/office/drawing/2014/main" id="{6B6DE600-02D5-4297-AB70-824D28CEE6FA}"/>
               </a:ext>
             </a:extLst>
           </p:cNvPr>
@@ -4862,149 +5025,7 @@
         </p:nvSpPr>
         <p:spPr>
           <a:xfrm>
-            <a:off x="2887906" y="480120"/>
-            <a:ext cx="2002046" cy="430887"/>
-          </a:xfrm>
-          <a:prstGeom prst="rect">
-            <a:avLst/>
-          </a:prstGeom>
-          <a:noFill/>
-          <a:ln>
-            <a:noFill/>
-          </a:ln>
-        </p:spPr>
-        <p:style>
-          <a:lnRef idx="0">
-            <a:scrgbClr r="0" g="0" b="0"/>
-          </a:lnRef>
-          <a:fillRef idx="0">
-            <a:scrgbClr r="0" g="0" b="0"/>
-          </a:fillRef>
-          <a:effectRef idx="0">
-            <a:scrgbClr r="0" g="0" b="0"/>
-          </a:effectRef>
-          <a:fontRef idx="minor">
-            <a:schemeClr val="dk1"/>
-          </a:fontRef>
-        </p:style>
-        <p:txBody>
-          <a:bodyPr wrap="square" rtlCol="0">
-            <a:spAutoFit/>
-          </a:bodyPr>
-          <a:lstStyle/>
-          <a:p>
-            <a:pPr marL="0" marR="0" lvl="0" indent="0" algn="l" defTabSz="914400" rtl="0" eaLnBrk="1" fontAlgn="base" latinLnBrk="0" hangingPunct="1">
-              <a:lnSpc>
-                <a:spcPct val="100000"/>
-              </a:lnSpc>
-              <a:spcBef>
-                <a:spcPct val="0"/>
-              </a:spcBef>
-              <a:spcAft>
-                <a:spcPct val="0"/>
-              </a:spcAft>
-              <a:buClrTx/>
-              <a:buSzTx/>
-              <a:buFontTx/>
-              <a:buNone/>
-              <a:tabLst/>
-              <a:defRPr/>
-            </a:pPr>
-            <a:r>
-              <a:rPr kumimoji="1" lang="ja-JP" altLang="en-US" sz="2200" b="0" i="0" u="none" strike="noStrike" kern="1200" cap="none" spc="0" normalizeH="0" baseline="0" noProof="0" dirty="0">
-                <a:ln>
-                  <a:noFill/>
-                </a:ln>
-                <a:solidFill>
-                  <a:srgbClr val="70AD47">
-                    <a:lumMod val="60000"/>
-                    <a:lumOff val="40000"/>
-                  </a:srgbClr>
-                </a:solidFill>
-                <a:effectLst/>
-                <a:uLnTx/>
-                <a:uFillTx/>
-                <a:latin typeface="HG創英角ｺﾞｼｯｸUB" panose="020B0909000000000000" pitchFamily="49" charset="-128"/>
-                <a:ea typeface="HG創英角ｺﾞｼｯｸUB" panose="020B0909000000000000" pitchFamily="49" charset="-128"/>
-                <a:cs typeface="+mn-cs"/>
-              </a:rPr>
-              <a:t>２</a:t>
-            </a:r>
-            <a:r>
-              <a:rPr kumimoji="1" lang="en-US" altLang="ja-JP" sz="2200" b="1" i="0" u="none" strike="noStrike" kern="1200" cap="none" spc="0" normalizeH="0" baseline="0" noProof="0" dirty="0">
-                <a:ln>
-                  <a:noFill/>
-                </a:ln>
-                <a:solidFill>
-                  <a:srgbClr val="70AD47">
-                    <a:lumMod val="60000"/>
-                    <a:lumOff val="40000"/>
-                  </a:srgbClr>
-                </a:solidFill>
-                <a:effectLst/>
-                <a:uLnTx/>
-                <a:uFillTx/>
-                <a:latin typeface="HG創英角ｺﾞｼｯｸUB" panose="020B0909000000000000" pitchFamily="49" charset="-128"/>
-                <a:ea typeface="HG創英角ｺﾞｼｯｸUB" panose="020B0909000000000000" pitchFamily="49" charset="-128"/>
-                <a:cs typeface="+mn-cs"/>
-              </a:rPr>
-              <a:t>.</a:t>
-            </a:r>
-            <a:r>
-              <a:rPr kumimoji="1" lang="ja-JP" altLang="en-US" sz="2200" b="0" i="0" u="none" strike="noStrike" kern="1200" cap="none" spc="0" normalizeH="0" baseline="0" noProof="0" dirty="0">
-                <a:ln>
-                  <a:noFill/>
-                </a:ln>
-                <a:solidFill>
-                  <a:srgbClr val="70AD47">
-                    <a:lumMod val="60000"/>
-                    <a:lumOff val="40000"/>
-                  </a:srgbClr>
-                </a:solidFill>
-                <a:effectLst/>
-                <a:uLnTx/>
-                <a:uFillTx/>
-                <a:latin typeface="HG創英角ｺﾞｼｯｸUB" panose="020B0909000000000000" pitchFamily="49" charset="-128"/>
-                <a:ea typeface="HG創英角ｺﾞｼｯｸUB" panose="020B0909000000000000" pitchFamily="49" charset="-128"/>
-                <a:cs typeface="+mn-cs"/>
-              </a:rPr>
-              <a:t>構造モデル</a:t>
-            </a:r>
-            <a:endParaRPr kumimoji="1" lang="en-US" altLang="ja-JP" sz="2200" b="0" i="0" u="none" strike="noStrike" kern="1200" cap="none" spc="0" normalizeH="0" baseline="0" noProof="0" dirty="0">
-              <a:ln>
-                <a:noFill/>
-              </a:ln>
-              <a:solidFill>
-                <a:srgbClr val="70AD47">
-                  <a:lumMod val="60000"/>
-                  <a:lumOff val="40000"/>
-                </a:srgbClr>
-              </a:solidFill>
-              <a:effectLst/>
-              <a:uLnTx/>
-              <a:uFillTx/>
-              <a:latin typeface="HG創英角ｺﾞｼｯｸUB" panose="020B0909000000000000" pitchFamily="49" charset="-128"/>
-              <a:ea typeface="HG創英角ｺﾞｼｯｸUB" panose="020B0909000000000000" pitchFamily="49" charset="-128"/>
-              <a:cs typeface="+mn-cs"/>
-            </a:endParaRPr>
-          </a:p>
-        </p:txBody>
-      </p:sp>
-      <p:sp>
-        <p:nvSpPr>
-          <p:cNvPr id="10" name="テキスト ボックス 9">
-            <a:extLst>
-              <a:ext uri="{FF2B5EF4-FFF2-40B4-BE49-F238E27FC236}">
-                <a16:creationId xmlns:a16="http://schemas.microsoft.com/office/drawing/2014/main" id="{6B6DE600-02D5-4297-AB70-824D28CEE6FA}"/>
-              </a:ext>
-            </a:extLst>
-          </p:cNvPr>
-          <p:cNvSpPr txBox="1"/>
-          <p:nvPr/>
-        </p:nvSpPr>
-        <p:spPr>
-          <a:xfrm>
-            <a:off x="5159562" y="480120"/>
+            <a:off x="5159562" y="336104"/>
             <a:ext cx="2577483" cy="446276"/>
           </a:xfrm>
           <a:prstGeom prst="rect">
@@ -5146,7 +5167,7 @@
         </p:nvSpPr>
         <p:spPr>
           <a:xfrm>
-            <a:off x="8207348" y="480120"/>
+            <a:off x="8207348" y="336104"/>
             <a:ext cx="1445666" cy="430887"/>
           </a:xfrm>
           <a:prstGeom prst="rect">
@@ -6161,7 +6182,7 @@
         </p:nvSpPr>
         <p:spPr>
           <a:xfrm>
-            <a:off x="5150181" y="408112"/>
+            <a:off x="5150181" y="264096"/>
             <a:ext cx="2520000" cy="1080368"/>
           </a:xfrm>
           <a:prstGeom prst="roundRect">
@@ -6242,7 +6263,7 @@
         </p:nvSpPr>
         <p:spPr>
           <a:xfrm>
-            <a:off x="95655" y="408112"/>
+            <a:off x="95655" y="264096"/>
             <a:ext cx="2520000" cy="1368400"/>
           </a:xfrm>
           <a:prstGeom prst="roundRect">
@@ -6325,7 +6346,7 @@
         </p:nvSpPr>
         <p:spPr>
           <a:xfrm>
-            <a:off x="7670181" y="408112"/>
+            <a:off x="7670181" y="264096"/>
             <a:ext cx="2520000" cy="1152297"/>
           </a:xfrm>
           <a:prstGeom prst="roundRect">
@@ -6406,7 +6427,7 @@
         </p:nvSpPr>
         <p:spPr>
           <a:xfrm>
-            <a:off x="2622918" y="192088"/>
+            <a:off x="2622918" y="48072"/>
             <a:ext cx="2520000" cy="1224384"/>
           </a:xfrm>
           <a:prstGeom prst="roundRect">
@@ -6485,8 +6506,8 @@
         </p:nvSpPr>
         <p:spPr>
           <a:xfrm>
-            <a:off x="100800" y="926396"/>
-            <a:ext cx="12600000" cy="8626732"/>
+            <a:off x="100800" y="768152"/>
+            <a:ext cx="12600000" cy="8784976"/>
           </a:xfrm>
           <a:prstGeom prst="rect">
             <a:avLst/>
@@ -6576,8 +6597,8 @@
         </p:blipFill>
         <p:spPr>
           <a:xfrm>
-            <a:off x="165014" y="3519390"/>
-            <a:ext cx="12490334" cy="5960950"/>
+            <a:off x="165014" y="3547112"/>
+            <a:ext cx="12432245" cy="5933227"/>
           </a:xfrm>
           <a:prstGeom prst="rect">
             <a:avLst/>
@@ -6598,7 +6619,7 @@
         </p:nvSpPr>
         <p:spPr>
           <a:xfrm>
-            <a:off x="320252" y="480120"/>
+            <a:off x="320252" y="336104"/>
             <a:ext cx="2122161" cy="430887"/>
           </a:xfrm>
           <a:prstGeom prst="rect">
@@ -6740,7 +6761,7 @@
         </p:nvSpPr>
         <p:spPr>
           <a:xfrm>
-            <a:off x="2840252" y="336104"/>
+            <a:off x="2840252" y="192088"/>
             <a:ext cx="2002046" cy="430887"/>
           </a:xfrm>
           <a:prstGeom prst="rect">
@@ -6870,7 +6891,7 @@
         </p:nvSpPr>
         <p:spPr>
           <a:xfrm>
-            <a:off x="5142918" y="480120"/>
+            <a:off x="5142918" y="336104"/>
             <a:ext cx="2801424" cy="446276"/>
           </a:xfrm>
           <a:prstGeom prst="rect">
@@ -7012,7 +7033,7 @@
         </p:nvSpPr>
         <p:spPr>
           <a:xfrm>
-            <a:off x="8244962" y="480120"/>
+            <a:off x="8244962" y="336104"/>
             <a:ext cx="1445666" cy="430887"/>
           </a:xfrm>
           <a:prstGeom prst="rect">
@@ -7920,7 +7941,7 @@
         </p:nvSpPr>
         <p:spPr>
           <a:xfrm>
-            <a:off x="7670181" y="695896"/>
+            <a:off x="7670181" y="264096"/>
             <a:ext cx="2520000" cy="1152297"/>
           </a:xfrm>
           <a:prstGeom prst="roundRect">
@@ -7972,7 +7993,7 @@
         </p:nvSpPr>
         <p:spPr>
           <a:xfrm>
-            <a:off x="94668" y="691615"/>
+            <a:off x="94668" y="264096"/>
             <a:ext cx="2520000" cy="1080368"/>
           </a:xfrm>
           <a:prstGeom prst="roundRect">
@@ -8024,7 +8045,7 @@
         </p:nvSpPr>
         <p:spPr>
           <a:xfrm>
-            <a:off x="2616334" y="694505"/>
+            <a:off x="2616334" y="264096"/>
             <a:ext cx="2520000" cy="1368400"/>
           </a:xfrm>
           <a:prstGeom prst="roundRect">
@@ -8078,7 +8099,7 @@
         </p:nvSpPr>
         <p:spPr>
           <a:xfrm>
-            <a:off x="5140800" y="480120"/>
+            <a:off x="5140800" y="48072"/>
             <a:ext cx="2520000" cy="1224384"/>
           </a:xfrm>
           <a:prstGeom prst="roundRect">
@@ -8128,8 +8149,8 @@
         </p:nvSpPr>
         <p:spPr>
           <a:xfrm>
-            <a:off x="100800" y="1200887"/>
-            <a:ext cx="12600000" cy="8352000"/>
+            <a:off x="100800" y="768152"/>
+            <a:ext cx="12600000" cy="8784976"/>
           </a:xfrm>
           <a:prstGeom prst="rect">
             <a:avLst/>
@@ -8176,7 +8197,7 @@
         </p:nvSpPr>
         <p:spPr>
           <a:xfrm>
-            <a:off x="297487" y="751258"/>
+            <a:off x="297487" y="336104"/>
             <a:ext cx="2122161" cy="430887"/>
           </a:xfrm>
           <a:prstGeom prst="rect">
@@ -8273,7 +8294,7 @@
         </p:nvSpPr>
         <p:spPr>
           <a:xfrm>
-            <a:off x="2870054" y="751257"/>
+            <a:off x="2870054" y="336104"/>
             <a:ext cx="2002046" cy="430887"/>
           </a:xfrm>
           <a:prstGeom prst="rect">
@@ -8370,7 +8391,7 @@
         </p:nvSpPr>
         <p:spPr>
           <a:xfrm>
-            <a:off x="5136334" y="618731"/>
+            <a:off x="5136334" y="192088"/>
             <a:ext cx="2596536" cy="446276"/>
           </a:xfrm>
           <a:prstGeom prst="rect">
@@ -8455,7 +8476,7 @@
         </p:nvSpPr>
         <p:spPr>
           <a:xfrm>
-            <a:off x="8207348" y="737706"/>
+            <a:off x="8207348" y="336104"/>
             <a:ext cx="1445666" cy="430887"/>
           </a:xfrm>
           <a:prstGeom prst="rect">
@@ -9714,7 +9735,7 @@
         </p:nvSpPr>
         <p:spPr>
           <a:xfrm>
-            <a:off x="7670181" y="695896"/>
+            <a:off x="7670181" y="263927"/>
             <a:ext cx="2520000" cy="1152297"/>
           </a:xfrm>
           <a:prstGeom prst="roundRect">
@@ -9766,7 +9787,7 @@
         </p:nvSpPr>
         <p:spPr>
           <a:xfrm>
-            <a:off x="94668" y="691615"/>
+            <a:off x="94668" y="264096"/>
             <a:ext cx="2520000" cy="1080368"/>
           </a:xfrm>
           <a:prstGeom prst="roundRect">
@@ -9818,7 +9839,7 @@
         </p:nvSpPr>
         <p:spPr>
           <a:xfrm>
-            <a:off x="2616334" y="694505"/>
+            <a:off x="2616334" y="264096"/>
             <a:ext cx="2520000" cy="1368400"/>
           </a:xfrm>
           <a:prstGeom prst="roundRect">
@@ -9872,7 +9893,7 @@
         </p:nvSpPr>
         <p:spPr>
           <a:xfrm>
-            <a:off x="5140800" y="480120"/>
+            <a:off x="5140800" y="48072"/>
             <a:ext cx="2520000" cy="1224384"/>
           </a:xfrm>
           <a:prstGeom prst="roundRect">
@@ -9922,8 +9943,8 @@
         </p:nvSpPr>
         <p:spPr>
           <a:xfrm>
-            <a:off x="100800" y="1200984"/>
-            <a:ext cx="12600000" cy="8352000"/>
+            <a:off x="100800" y="768152"/>
+            <a:ext cx="12600000" cy="8784976"/>
           </a:xfrm>
           <a:prstGeom prst="rect">
             <a:avLst/>
@@ -9970,7 +9991,7 @@
         </p:nvSpPr>
         <p:spPr>
           <a:xfrm>
-            <a:off x="297487" y="751258"/>
+            <a:off x="297487" y="336104"/>
             <a:ext cx="2122161" cy="430887"/>
           </a:xfrm>
           <a:prstGeom prst="rect">
@@ -10067,7 +10088,7 @@
         </p:nvSpPr>
         <p:spPr>
           <a:xfrm>
-            <a:off x="2870054" y="751257"/>
+            <a:off x="2870054" y="336104"/>
             <a:ext cx="2002046" cy="430887"/>
           </a:xfrm>
           <a:prstGeom prst="rect">
@@ -10164,7 +10185,7 @@
         </p:nvSpPr>
         <p:spPr>
           <a:xfrm>
-            <a:off x="5136334" y="618731"/>
+            <a:off x="5136334" y="192088"/>
             <a:ext cx="2596536" cy="446276"/>
           </a:xfrm>
           <a:prstGeom prst="rect">
@@ -10249,7 +10270,7 @@
         </p:nvSpPr>
         <p:spPr>
           <a:xfrm>
-            <a:off x="8207348" y="737706"/>
+            <a:off x="8207348" y="336104"/>
             <a:ext cx="1445666" cy="430887"/>
           </a:xfrm>
           <a:prstGeom prst="rect">
@@ -10574,7 +10595,7 @@
         </p:nvSpPr>
         <p:spPr>
           <a:xfrm>
-            <a:off x="93925" y="695896"/>
+            <a:off x="93925" y="264096"/>
             <a:ext cx="2520000" cy="1152297"/>
           </a:xfrm>
           <a:prstGeom prst="roundRect">
@@ -10626,7 +10647,7 @@
         </p:nvSpPr>
         <p:spPr>
           <a:xfrm>
-            <a:off x="5140800" y="695896"/>
+            <a:off x="5140800" y="264096"/>
             <a:ext cx="2520000" cy="1080368"/>
           </a:xfrm>
           <a:prstGeom prst="roundRect">
@@ -10678,7 +10699,7 @@
         </p:nvSpPr>
         <p:spPr>
           <a:xfrm>
-            <a:off x="2619201" y="695896"/>
+            <a:off x="2619201" y="264096"/>
             <a:ext cx="2520000" cy="1368400"/>
           </a:xfrm>
           <a:prstGeom prst="roundRect">
@@ -10732,7 +10753,7 @@
         </p:nvSpPr>
         <p:spPr>
           <a:xfrm>
-            <a:off x="7667675" y="480120"/>
+            <a:off x="7667675" y="48072"/>
             <a:ext cx="2520000" cy="1224384"/>
           </a:xfrm>
           <a:prstGeom prst="roundRect">
@@ -10782,8 +10803,8 @@
         </p:nvSpPr>
         <p:spPr>
           <a:xfrm>
-            <a:off x="100800" y="1204804"/>
-            <a:ext cx="12600000" cy="8352000"/>
+            <a:off x="100800" y="768152"/>
+            <a:ext cx="12600000" cy="8784976"/>
           </a:xfrm>
           <a:prstGeom prst="rect">
             <a:avLst/>
@@ -10830,7 +10851,7 @@
         </p:nvSpPr>
         <p:spPr>
           <a:xfrm>
-            <a:off x="292844" y="736170"/>
+            <a:off x="292844" y="336104"/>
             <a:ext cx="2122161" cy="430887"/>
           </a:xfrm>
           <a:prstGeom prst="rect">
@@ -10927,7 +10948,7 @@
         </p:nvSpPr>
         <p:spPr>
           <a:xfrm>
-            <a:off x="2874741" y="728475"/>
+            <a:off x="2874741" y="336104"/>
             <a:ext cx="2002046" cy="430887"/>
           </a:xfrm>
           <a:prstGeom prst="rect">
@@ -11024,7 +11045,7 @@
         </p:nvSpPr>
         <p:spPr>
           <a:xfrm>
-            <a:off x="5085125" y="720781"/>
+            <a:off x="5085125" y="336104"/>
             <a:ext cx="2636626" cy="446276"/>
           </a:xfrm>
           <a:prstGeom prst="rect">
@@ -11121,7 +11142,7 @@
         </p:nvSpPr>
         <p:spPr>
           <a:xfrm>
-            <a:off x="8204842" y="627019"/>
+            <a:off x="8204842" y="192088"/>
             <a:ext cx="1445666" cy="430887"/>
           </a:xfrm>
           <a:prstGeom prst="rect">

--- a/model_file_template_primary.pptx
+++ b/model_file_template_primary.pptx
@@ -181,6 +181,18 @@
     </p:ext>
   </p:extLst>
 </p:presentation>
+</file>
+
+<file path=ppt/commentAuthors.xml><?xml version="1.0" encoding="utf-8"?>
+<p:cmAuthorLst xmlns:a="http://schemas.openxmlformats.org/drawingml/2006/main" xmlns:r="http://schemas.openxmlformats.org/officeDocument/2006/relationships" xmlns:p="http://schemas.openxmlformats.org/presentationml/2006/main">
+  <p:cmAuthor id="1" name="g15237@ichinoseki.kosen-ac.jp" initials="g" lastIdx="0" clrIdx="0">
+    <p:extLst>
+      <p:ext uri="{19B8F6BF-5375-455C-9EA6-DF929625EA0E}">
+        <p15:presenceInfo xmlns:p15="http://schemas.microsoft.com/office/powerpoint/2012/main" userId="S::g15237@ichinoseki.kosen-ac.jp::8e76cecd-b1d7-42ab-b8c2-c51b85b7b5f6" providerId="AD"/>
+      </p:ext>
+    </p:extLst>
+  </p:cmAuthor>
+</p:cmAuthorLst>
 </file>
 
 <file path=ppt/handoutMasters/handoutMaster1.xml><?xml version="1.0" encoding="utf-8"?>
@@ -4701,7 +4713,7 @@
         </p:nvSpPr>
         <p:spPr>
           <a:xfrm>
-            <a:off x="5150181" y="264096"/>
+            <a:off x="5134753" y="264096"/>
             <a:ext cx="2520000" cy="1080368"/>
           </a:xfrm>
           <a:prstGeom prst="roundRect">
@@ -4782,8 +4794,8 @@
         </p:nvSpPr>
         <p:spPr>
           <a:xfrm>
-            <a:off x="100800" y="768152"/>
-            <a:ext cx="12600000" cy="8784976"/>
+            <a:off x="100800" y="658618"/>
+            <a:ext cx="12600000" cy="8856984"/>
           </a:xfrm>
           <a:prstGeom prst="rect">
             <a:avLst/>
@@ -4847,10 +4859,10 @@
       </p:sp>
       <p:pic>
         <p:nvPicPr>
-          <p:cNvPr id="17" name="図 16">
-            <a:extLst>
-              <a:ext uri="{FF2B5EF4-FFF2-40B4-BE49-F238E27FC236}">
-                <a16:creationId xmlns:a16="http://schemas.microsoft.com/office/drawing/2014/main" id="{6935A910-CCE3-4AE0-9015-8EE671AB6BCD}"/>
+          <p:cNvPr id="37" name="図 36">
+            <a:extLst>
+              <a:ext uri="{FF2B5EF4-FFF2-40B4-BE49-F238E27FC236}">
+                <a16:creationId xmlns:a16="http://schemas.microsoft.com/office/drawing/2014/main" id="{7A646B7D-7319-42E0-BA4F-C4BE0AA315EB}"/>
               </a:ext>
             </a:extLst>
           </p:cNvPr>
@@ -4873,8 +4885,8 @@
         </p:blipFill>
         <p:spPr>
           <a:xfrm>
-            <a:off x="537832" y="2322002"/>
-            <a:ext cx="3112908" cy="1596193"/>
+            <a:off x="226039" y="1872618"/>
+            <a:ext cx="3475933" cy="1694078"/>
           </a:xfrm>
           <a:prstGeom prst="rect">
             <a:avLst/>
@@ -4895,7 +4907,7 @@
         </p:nvSpPr>
         <p:spPr>
           <a:xfrm>
-            <a:off x="284707" y="336104"/>
+            <a:off x="284707" y="120080"/>
             <a:ext cx="2122161" cy="430887"/>
           </a:xfrm>
           <a:prstGeom prst="rect">
@@ -5025,7 +5037,7 @@
         </p:nvSpPr>
         <p:spPr>
           <a:xfrm>
-            <a:off x="5159562" y="336104"/>
+            <a:off x="5159562" y="264096"/>
             <a:ext cx="2577483" cy="446276"/>
           </a:xfrm>
           <a:prstGeom prst="rect">
@@ -5297,10 +5309,10 @@
       </p:sp>
       <p:sp>
         <p:nvSpPr>
-          <p:cNvPr id="2" name="テキスト ボックス 1">
-            <a:extLst>
-              <a:ext uri="{FF2B5EF4-FFF2-40B4-BE49-F238E27FC236}">
-                <a16:creationId xmlns:a16="http://schemas.microsoft.com/office/drawing/2014/main" id="{EC410CCE-6466-4DD2-B5D6-BA237A4B025B}"/>
+          <p:cNvPr id="5" name="テキスト ボックス 4">
+            <a:extLst>
+              <a:ext uri="{FF2B5EF4-FFF2-40B4-BE49-F238E27FC236}">
+                <a16:creationId xmlns:a16="http://schemas.microsoft.com/office/drawing/2014/main" id="{39B023B9-74EB-485E-B7A9-2E7916E6C963}"/>
               </a:ext>
             </a:extLst>
           </p:cNvPr>
@@ -5309,8 +5321,8 @@
         </p:nvSpPr>
         <p:spPr>
           <a:xfrm>
-            <a:off x="84649" y="2002205"/>
-            <a:ext cx="3786884" cy="523220"/>
+            <a:off x="100800" y="3815363"/>
+            <a:ext cx="3657516" cy="415498"/>
           </a:xfrm>
           <a:prstGeom prst="rect">
             <a:avLst/>
@@ -5341,7 +5353,7 @@
               <a:defRPr/>
             </a:pPr>
             <a:r>
-              <a:rPr kumimoji="1" lang="ja-JP" altLang="en-US" sz="1400" b="0" i="0" u="none" strike="noStrike" kern="1200" cap="none" spc="0" normalizeH="0" baseline="0" noProof="0" dirty="0">
+              <a:rPr kumimoji="1" lang="ja-JP" altLang="en-US" sz="1050" b="0" i="0" u="none" strike="noStrike" kern="1200" cap="none" spc="0" normalizeH="0" baseline="0" noProof="0" dirty="0">
                 <a:ln>
                   <a:noFill/>
                 </a:ln>
@@ -5351,111 +5363,25 @@
                 <a:effectLst/>
                 <a:uLnTx/>
                 <a:uFillTx/>
-                <a:latin typeface="HG丸ｺﾞｼｯｸM-PRO" panose="020F0600000000000000" pitchFamily="50" charset="-128"/>
-                <a:ea typeface="HG丸ｺﾞｼｯｸM-PRO" panose="020F0600000000000000" pitchFamily="50" charset="-128"/>
-                <a:cs typeface="+mn-cs"/>
-              </a:rPr>
-              <a:t>スターターにコースを完走する機能をユースケース図で示す。</a:t>
-            </a:r>
-          </a:p>
-        </p:txBody>
-      </p:sp>
-      <p:sp>
-        <p:nvSpPr>
-          <p:cNvPr id="5" name="テキスト ボックス 4">
-            <a:extLst>
-              <a:ext uri="{FF2B5EF4-FFF2-40B4-BE49-F238E27FC236}">
-                <a16:creationId xmlns:a16="http://schemas.microsoft.com/office/drawing/2014/main" id="{39B023B9-74EB-485E-B7A9-2E7916E6C963}"/>
-              </a:ext>
-            </a:extLst>
-          </p:cNvPr>
-          <p:cNvSpPr txBox="1"/>
-          <p:nvPr/>
-        </p:nvSpPr>
-        <p:spPr>
-          <a:xfrm>
-            <a:off x="154111" y="4201356"/>
-            <a:ext cx="3880349" cy="523220"/>
-          </a:xfrm>
-          <a:prstGeom prst="rect">
-            <a:avLst/>
-          </a:prstGeom>
-          <a:noFill/>
-        </p:spPr>
-        <p:txBody>
-          <a:bodyPr wrap="square" rtlCol="0">
-            <a:spAutoFit/>
-          </a:bodyPr>
-          <a:lstStyle/>
-          <a:p>
-            <a:pPr marL="0" marR="0" lvl="0" indent="0" algn="l" defTabSz="914400" rtl="0" eaLnBrk="1" fontAlgn="base" latinLnBrk="0" hangingPunct="1">
-              <a:lnSpc>
-                <a:spcPct val="100000"/>
-              </a:lnSpc>
-              <a:spcBef>
-                <a:spcPct val="0"/>
-              </a:spcBef>
-              <a:spcAft>
-                <a:spcPct val="0"/>
-              </a:spcAft>
-              <a:buClrTx/>
-              <a:buSzTx/>
-              <a:buFontTx/>
-              <a:buNone/>
-              <a:tabLst/>
-              <a:defRPr/>
-            </a:pPr>
-            <a:r>
-              <a:rPr kumimoji="1" lang="ja-JP" altLang="en-US" sz="1400" b="0" i="0" u="none" strike="noStrike" kern="1200" cap="none" spc="0" normalizeH="0" baseline="0" noProof="0" dirty="0">
-                <a:ln>
-                  <a:noFill/>
-                </a:ln>
-                <a:solidFill>
-                  <a:prstClr val="black"/>
-                </a:solidFill>
-                <a:effectLst/>
-                <a:uLnTx/>
-                <a:uFillTx/>
-                <a:latin typeface="HG丸ｺﾞｼｯｸM-PRO" panose="020F0600000000000000" pitchFamily="50" charset="-128"/>
-                <a:ea typeface="HG丸ｺﾞｼｯｸM-PRO" panose="020F0600000000000000" pitchFamily="50" charset="-128"/>
-                <a:cs typeface="+mn-cs"/>
-              </a:rPr>
-              <a:t>機能を実現するための方法を表</a:t>
-            </a:r>
-            <a:r>
-              <a:rPr kumimoji="1" lang="en-US" altLang="ja-JP" sz="1400" b="0" i="0" u="none" strike="noStrike" kern="1200" cap="none" spc="0" normalizeH="0" baseline="0" noProof="0" dirty="0">
-                <a:ln>
-                  <a:noFill/>
-                </a:ln>
-                <a:solidFill>
-                  <a:prstClr val="black"/>
-                </a:solidFill>
-                <a:effectLst/>
-                <a:uLnTx/>
-                <a:uFillTx/>
-                <a:latin typeface="HG丸ｺﾞｼｯｸM-PRO" panose="020F0600000000000000" pitchFamily="50" charset="-128"/>
-                <a:ea typeface="HG丸ｺﾞｼｯｸM-PRO" panose="020F0600000000000000" pitchFamily="50" charset="-128"/>
-                <a:cs typeface="+mn-cs"/>
-              </a:rPr>
-              <a:t>1</a:t>
-            </a:r>
-            <a:r>
-              <a:rPr kumimoji="1" lang="ja-JP" altLang="en-US" sz="1400" b="0" i="0" u="none" strike="noStrike" kern="1200" cap="none" spc="0" normalizeH="0" baseline="0" noProof="0" dirty="0">
-                <a:ln>
-                  <a:noFill/>
-                </a:ln>
-                <a:solidFill>
-                  <a:prstClr val="black"/>
-                </a:solidFill>
-                <a:effectLst/>
-                <a:uLnTx/>
-                <a:uFillTx/>
-                <a:latin typeface="HG丸ｺﾞｼｯｸM-PRO" panose="020F0600000000000000" pitchFamily="50" charset="-128"/>
-                <a:ea typeface="HG丸ｺﾞｼｯｸM-PRO" panose="020F0600000000000000" pitchFamily="50" charset="-128"/>
-                <a:cs typeface="+mn-cs"/>
-              </a:rPr>
-              <a:t> ユースケース記述、処理順序をアクティビティ図で示す。</a:t>
-            </a:r>
+                <a:latin typeface="メイリオ" panose="020B0604030504040204" pitchFamily="50" charset="-128"/>
+                <a:ea typeface="メイリオ" panose="020B0604030504040204" pitchFamily="50" charset="-128"/>
+              </a:rPr>
+              <a:t>機能を実現するための方法をユースケース記述、処理順序をアクティビティ図に示す。</a:t>
+            </a:r>
+            <a:endParaRPr kumimoji="1" lang="ja-JP" altLang="en-US" sz="1400" b="0" i="0" u="none" strike="noStrike" kern="1200" cap="none" spc="0" normalizeH="0" baseline="0" noProof="0" dirty="0">
+              <a:ln>
+                <a:noFill/>
+              </a:ln>
+              <a:solidFill>
+                <a:prstClr val="black"/>
+              </a:solidFill>
+              <a:effectLst/>
+              <a:uLnTx/>
+              <a:uFillTx/>
+              <a:latin typeface="HG丸ｺﾞｼｯｸM-PRO" panose="020F0600000000000000" pitchFamily="50" charset="-128"/>
+              <a:ea typeface="HG丸ｺﾞｼｯｸM-PRO" panose="020F0600000000000000" pitchFamily="50" charset="-128"/>
+              <a:cs typeface="+mn-cs"/>
+            </a:endParaRPr>
           </a:p>
         </p:txBody>
       </p:sp>
@@ -5475,8 +5401,8 @@
         </p:nvCxnSpPr>
         <p:spPr>
           <a:xfrm>
-            <a:off x="157819" y="2002540"/>
-            <a:ext cx="3809776" cy="0"/>
+            <a:off x="160948" y="984176"/>
+            <a:ext cx="3507807" cy="645"/>
           </a:xfrm>
           <a:prstGeom prst="line">
             <a:avLst/>
@@ -5516,7 +5442,7 @@
         </p:nvSpPr>
         <p:spPr>
           <a:xfrm>
-            <a:off x="72107" y="1649105"/>
+            <a:off x="73832" y="696144"/>
             <a:ext cx="2002046" cy="338554"/>
           </a:xfrm>
           <a:prstGeom prst="rect">
@@ -5548,7 +5474,7 @@
               <a:defRPr/>
             </a:pPr>
             <a:r>
-              <a:rPr kumimoji="1" lang="ja-JP" altLang="en-US" sz="1600" b="1" i="0" u="none" strike="noStrike" kern="1200" cap="none" spc="0" normalizeH="0" baseline="0" noProof="0" dirty="0">
+              <a:rPr kumimoji="1" lang="ja-JP" altLang="en-US" b="1" i="0" u="none" strike="noStrike" kern="1200" cap="none" spc="0" normalizeH="0" baseline="0" noProof="0" dirty="0">
                 <a:ln>
                   <a:noFill/>
                 </a:ln>
@@ -5558,26 +5484,11 @@
                 <a:effectLst/>
                 <a:uLnTx/>
                 <a:uFillTx/>
-                <a:latin typeface="HG丸ｺﾞｼｯｸM-PRO" panose="020F0600000000000000" pitchFamily="50" charset="-128"/>
-                <a:ea typeface="HG丸ｺﾞｼｯｸM-PRO" panose="020F0600000000000000" pitchFamily="50" charset="-128"/>
-                <a:cs typeface="+mn-cs"/>
+                <a:latin typeface="游ゴシック" panose="020B0400000000000000" pitchFamily="50" charset="-128"/>
+                <a:ea typeface="游ゴシック" panose="020B0400000000000000" pitchFamily="50" charset="-128"/>
               </a:rPr>
               <a:t>１．提供する機能</a:t>
             </a:r>
-            <a:endParaRPr kumimoji="1" lang="ja-JP" altLang="en-US" sz="1600" b="0" i="0" u="none" strike="noStrike" kern="1200" cap="none" spc="0" normalizeH="0" baseline="0" noProof="0" dirty="0">
-              <a:ln>
-                <a:noFill/>
-              </a:ln>
-              <a:solidFill>
-                <a:prstClr val="black"/>
-              </a:solidFill>
-              <a:effectLst/>
-              <a:uLnTx/>
-              <a:uFillTx/>
-              <a:latin typeface="Times New Roman" panose="02020603050405020304" pitchFamily="18" charset="0"/>
-              <a:ea typeface="ＭＳ Ｐゴシック" panose="020B0600070205080204" pitchFamily="34" charset="-128"/>
-              <a:cs typeface="+mn-cs"/>
-            </a:endParaRPr>
           </a:p>
         </p:txBody>
       </p:sp>
@@ -5595,7 +5506,7 @@
         </p:nvSpPr>
         <p:spPr>
           <a:xfrm>
-            <a:off x="183432" y="3840495"/>
+            <a:off x="100800" y="3511732"/>
             <a:ext cx="2033121" cy="338554"/>
           </a:xfrm>
           <a:prstGeom prst="rect">
@@ -5637,8 +5548,8 @@
                 <a:effectLst/>
                 <a:uLnTx/>
                 <a:uFillTx/>
-                <a:latin typeface="HG丸ｺﾞｼｯｸM-PRO" panose="020F0600000000000000" pitchFamily="50" charset="-128"/>
-                <a:ea typeface="HG丸ｺﾞｼｯｸM-PRO" panose="020F0600000000000000" pitchFamily="50" charset="-128"/>
+                <a:latin typeface="+mn-ea"/>
+                <a:ea typeface="+mn-ea"/>
                 <a:cs typeface="+mn-cs"/>
               </a:rPr>
               <a:t>２．機能要件</a:t>
@@ -5653,8 +5564,8 @@
               <a:effectLst/>
               <a:uLnTx/>
               <a:uFillTx/>
-              <a:latin typeface="Times New Roman" panose="02020603050405020304" pitchFamily="18" charset="0"/>
-              <a:ea typeface="ＭＳ Ｐゴシック" panose="020B0600070205080204" pitchFamily="34" charset="-128"/>
+              <a:latin typeface="+mn-ea"/>
+              <a:ea typeface="+mn-ea"/>
               <a:cs typeface="+mn-cs"/>
             </a:endParaRPr>
           </a:p>
@@ -5675,9 +5586,9 @@
           <p:nvPr/>
         </p:nvCxnSpPr>
         <p:spPr>
-          <a:xfrm flipV="1">
-            <a:off x="154390" y="4156695"/>
-            <a:ext cx="3813205" cy="22364"/>
+          <a:xfrm>
+            <a:off x="226039" y="3815363"/>
+            <a:ext cx="3472820" cy="0"/>
           </a:xfrm>
           <a:prstGeom prst="line">
             <a:avLst/>
@@ -5719,8 +5630,8 @@
         </p:nvCxnSpPr>
         <p:spPr>
           <a:xfrm>
-            <a:off x="7336904" y="984260"/>
-            <a:ext cx="0" cy="8496860"/>
+            <a:off x="6711332" y="720977"/>
+            <a:ext cx="0" cy="5735788"/>
           </a:xfrm>
           <a:prstGeom prst="line">
             <a:avLst/>
@@ -5746,102 +5657,6 @@
           </a:fontRef>
         </p:style>
       </p:cxnSp>
-      <p:pic>
-        <p:nvPicPr>
-          <p:cNvPr id="183" name="図 182">
-            <a:extLst>
-              <a:ext uri="{FF2B5EF4-FFF2-40B4-BE49-F238E27FC236}">
-                <a16:creationId xmlns:a16="http://schemas.microsoft.com/office/drawing/2014/main" id="{0C4DBE78-E10B-4988-A138-F274610EA02A}"/>
-              </a:ext>
-            </a:extLst>
-          </p:cNvPr>
-          <p:cNvPicPr>
-            <a:picLocks noChangeAspect="1"/>
-          </p:cNvPicPr>
-          <p:nvPr/>
-        </p:nvPicPr>
-        <p:blipFill>
-          <a:blip r:embed="rId3">
-            <a:extLst>
-              <a:ext uri="{28A0092B-C50C-407E-A947-70E740481C1C}">
-                <a14:useLocalDpi xmlns:a14="http://schemas.microsoft.com/office/drawing/2010/main" val="0"/>
-              </a:ext>
-            </a:extLst>
-          </a:blip>
-          <a:stretch>
-            <a:fillRect/>
-          </a:stretch>
-        </p:blipFill>
-        <p:spPr>
-          <a:xfrm>
-            <a:off x="4133250" y="998405"/>
-            <a:ext cx="3051589" cy="2401896"/>
-          </a:xfrm>
-          <a:prstGeom prst="rect">
-            <a:avLst/>
-          </a:prstGeom>
-        </p:spPr>
-      </p:pic>
-      <p:pic>
-        <p:nvPicPr>
-          <p:cNvPr id="186" name="図 185">
-            <a:extLst>
-              <a:ext uri="{FF2B5EF4-FFF2-40B4-BE49-F238E27FC236}">
-                <a16:creationId xmlns:a16="http://schemas.microsoft.com/office/drawing/2014/main" id="{B1266377-3BA4-431C-8BE6-5BD94D1ADAAF}"/>
-              </a:ext>
-            </a:extLst>
-          </p:cNvPr>
-          <p:cNvPicPr>
-            <a:picLocks noChangeAspect="1"/>
-          </p:cNvPicPr>
-          <p:nvPr/>
-        </p:nvPicPr>
-        <p:blipFill>
-          <a:blip r:embed="rId4"/>
-          <a:stretch>
-            <a:fillRect/>
-          </a:stretch>
-        </p:blipFill>
-        <p:spPr>
-          <a:xfrm>
-            <a:off x="192237" y="4724240"/>
-            <a:ext cx="3663411" cy="2118721"/>
-          </a:xfrm>
-          <a:prstGeom prst="rect">
-            <a:avLst/>
-          </a:prstGeom>
-        </p:spPr>
-      </p:pic>
-      <p:pic>
-        <p:nvPicPr>
-          <p:cNvPr id="188" name="図 187">
-            <a:extLst>
-              <a:ext uri="{FF2B5EF4-FFF2-40B4-BE49-F238E27FC236}">
-                <a16:creationId xmlns:a16="http://schemas.microsoft.com/office/drawing/2014/main" id="{8BE8A082-73A3-4A3B-B0A5-5262952F587F}"/>
-              </a:ext>
-            </a:extLst>
-          </p:cNvPr>
-          <p:cNvPicPr>
-            <a:picLocks noChangeAspect="1"/>
-          </p:cNvPicPr>
-          <p:nvPr/>
-        </p:nvPicPr>
-        <p:blipFill>
-          <a:blip r:embed="rId5"/>
-          <a:stretch>
-            <a:fillRect/>
-          </a:stretch>
-        </p:blipFill>
-        <p:spPr>
-          <a:xfrm>
-            <a:off x="397095" y="6843664"/>
-            <a:ext cx="3663401" cy="2637456"/>
-          </a:xfrm>
-          <a:prstGeom prst="rect">
-            <a:avLst/>
-          </a:prstGeom>
-        </p:spPr>
-      </p:pic>
       <p:cxnSp>
         <p:nvCxnSpPr>
           <p:cNvPr id="189" name="直線コネクタ 188">
@@ -5858,8 +5673,8 @@
         </p:nvCxnSpPr>
         <p:spPr>
           <a:xfrm>
-            <a:off x="4034460" y="986718"/>
-            <a:ext cx="0" cy="8496860"/>
+            <a:off x="3765460" y="766991"/>
+            <a:ext cx="1406" cy="5689774"/>
           </a:xfrm>
           <a:prstGeom prst="line">
             <a:avLst/>
@@ -5885,72 +5700,6 @@
           </a:fontRef>
         </p:style>
       </p:cxnSp>
-      <p:pic>
-        <p:nvPicPr>
-          <p:cNvPr id="191" name="図 190">
-            <a:extLst>
-              <a:ext uri="{FF2B5EF4-FFF2-40B4-BE49-F238E27FC236}">
-                <a16:creationId xmlns:a16="http://schemas.microsoft.com/office/drawing/2014/main" id="{B96EBF48-13B0-4660-8273-919E0D5978EA}"/>
-              </a:ext>
-            </a:extLst>
-          </p:cNvPr>
-          <p:cNvPicPr>
-            <a:picLocks noChangeAspect="1"/>
-          </p:cNvPicPr>
-          <p:nvPr/>
-        </p:nvPicPr>
-        <p:blipFill>
-          <a:blip r:embed="rId6">
-            <a:extLst>
-              <a:ext uri="{28A0092B-C50C-407E-A947-70E740481C1C}">
-                <a14:useLocalDpi xmlns:a14="http://schemas.microsoft.com/office/drawing/2010/main" val="0"/>
-              </a:ext>
-            </a:extLst>
-          </a:blip>
-          <a:stretch>
-            <a:fillRect/>
-          </a:stretch>
-        </p:blipFill>
-        <p:spPr>
-          <a:xfrm>
-            <a:off x="4143681" y="3535774"/>
-            <a:ext cx="3017636" cy="5880720"/>
-          </a:xfrm>
-          <a:prstGeom prst="rect">
-            <a:avLst/>
-          </a:prstGeom>
-        </p:spPr>
-      </p:pic>
-      <p:pic>
-        <p:nvPicPr>
-          <p:cNvPr id="8" name="図 7">
-            <a:extLst>
-              <a:ext uri="{FF2B5EF4-FFF2-40B4-BE49-F238E27FC236}">
-                <a16:creationId xmlns:a16="http://schemas.microsoft.com/office/drawing/2014/main" id="{A1430FE9-1937-4E78-8008-0A4B945F76DB}"/>
-              </a:ext>
-            </a:extLst>
-          </p:cNvPr>
-          <p:cNvPicPr>
-            <a:picLocks noChangeAspect="1"/>
-          </p:cNvPicPr>
-          <p:nvPr/>
-        </p:nvPicPr>
-        <p:blipFill>
-          <a:blip r:embed="rId7"/>
-          <a:stretch>
-            <a:fillRect/>
-          </a:stretch>
-        </p:blipFill>
-        <p:spPr>
-          <a:xfrm>
-            <a:off x="7488970" y="4606982"/>
-            <a:ext cx="5140471" cy="4874138"/>
-          </a:xfrm>
-          <a:prstGeom prst="rect">
-            <a:avLst/>
-          </a:prstGeom>
-        </p:spPr>
-      </p:pic>
       <p:sp>
         <p:nvSpPr>
           <p:cNvPr id="31" name="テキスト ボックス 30">
@@ -5965,7 +5714,7 @@
         </p:nvSpPr>
         <p:spPr>
           <a:xfrm>
-            <a:off x="7479948" y="1066431"/>
+            <a:off x="6676414" y="667431"/>
             <a:ext cx="2033121" cy="338554"/>
           </a:xfrm>
           <a:prstGeom prst="rect">
@@ -6007,25 +5756,27 @@
                 <a:effectLst/>
                 <a:uLnTx/>
                 <a:uFillTx/>
-                <a:latin typeface="HG丸ｺﾞｼｯｸM-PRO" panose="020F0600000000000000" pitchFamily="50" charset="-128"/>
-                <a:ea typeface="HG丸ｺﾞｼｯｸM-PRO" panose="020F0600000000000000" pitchFamily="50" charset="-128"/>
-                <a:cs typeface="+mn-cs"/>
-              </a:rPr>
-              <a:t>３．部品の定義</a:t>
-            </a:r>
-            <a:endParaRPr kumimoji="1" lang="en-US" altLang="ja-JP" sz="1600" b="1" i="0" u="none" strike="noStrike" kern="1200" cap="none" spc="0" normalizeH="0" baseline="0" noProof="0" dirty="0">
-              <a:ln>
-                <a:noFill/>
-              </a:ln>
+                <a:latin typeface="游ゴシック" panose="020B0400000000000000" pitchFamily="50" charset="-128"/>
+                <a:ea typeface="游ゴシック" panose="020B0400000000000000" pitchFamily="50" charset="-128"/>
+              </a:rPr>
+              <a:t>３．</a:t>
+            </a:r>
+            <a:r>
+              <a:rPr lang="ja-JP" altLang="en-US" b="1" dirty="0">
+                <a:solidFill>
+                  <a:prstClr val="black"/>
+                </a:solidFill>
+                <a:latin typeface="游ゴシック" panose="020B0400000000000000" pitchFamily="50" charset="-128"/>
+                <a:ea typeface="游ゴシック" panose="020B0400000000000000" pitchFamily="50" charset="-128"/>
+              </a:rPr>
+              <a:t>タスク一覧</a:t>
+            </a:r>
+            <a:endParaRPr lang="en-US" altLang="ja-JP" b="1" dirty="0">
               <a:solidFill>
                 <a:prstClr val="black"/>
               </a:solidFill>
-              <a:effectLst/>
-              <a:uLnTx/>
-              <a:uFillTx/>
-              <a:latin typeface="HG丸ｺﾞｼｯｸM-PRO" panose="020F0600000000000000" pitchFamily="50" charset="-128"/>
-              <a:ea typeface="HG丸ｺﾞｼｯｸM-PRO" panose="020F0600000000000000" pitchFamily="50" charset="-128"/>
-              <a:cs typeface="+mn-cs"/>
+              <a:latin typeface="游ゴシック" panose="020B0400000000000000" pitchFamily="50" charset="-128"/>
+              <a:ea typeface="游ゴシック" panose="020B0400000000000000" pitchFamily="50" charset="-128"/>
             </a:endParaRPr>
           </a:p>
         </p:txBody>
@@ -6046,8 +5797,8 @@
         </p:nvCxnSpPr>
         <p:spPr>
           <a:xfrm>
-            <a:off x="7479948" y="1454475"/>
-            <a:ext cx="4969524" cy="0"/>
+            <a:off x="6757626" y="953699"/>
+            <a:ext cx="5835862" cy="0"/>
           </a:xfrm>
           <a:prstGeom prst="line">
             <a:avLst/>
@@ -6087,8 +5838,8 @@
         </p:nvSpPr>
         <p:spPr>
           <a:xfrm>
-            <a:off x="7417014" y="1498604"/>
-            <a:ext cx="4312375" cy="307777"/>
+            <a:off x="6696374" y="962622"/>
+            <a:ext cx="5956921" cy="415498"/>
           </a:xfrm>
           <a:prstGeom prst="rect">
             <a:avLst/>
@@ -6101,7 +5852,7 @@
           </a:bodyPr>
           <a:lstStyle/>
           <a:p>
-            <a:pPr marL="0" marR="0" lvl="0" indent="0" algn="l" defTabSz="914400" rtl="0" eaLnBrk="1" fontAlgn="base" latinLnBrk="0" hangingPunct="1">
+            <a:pPr marL="0" marR="0" lvl="0" indent="0" defTabSz="914400" rtl="0" eaLnBrk="1" fontAlgn="base" latinLnBrk="0" hangingPunct="1">
               <a:lnSpc>
                 <a:spcPct val="100000"/>
               </a:lnSpc>
@@ -6119,7 +5870,7 @@
               <a:defRPr/>
             </a:pPr>
             <a:r>
-              <a:rPr kumimoji="1" lang="ja-JP" altLang="en-US" sz="1400" b="0" i="0" u="none" strike="noStrike" kern="1200" cap="none" spc="0" normalizeH="0" baseline="0" noProof="0" dirty="0">
+              <a:rPr kumimoji="1" lang="ja-JP" altLang="en-US" sz="1050" b="0" i="0" u="none" strike="noStrike" kern="1200" cap="none" spc="0" normalizeH="0" baseline="0" noProof="0" dirty="0">
                 <a:ln>
                   <a:noFill/>
                 </a:ln>
@@ -6129,15 +5880,753 @@
                 <a:effectLst/>
                 <a:uLnTx/>
                 <a:uFillTx/>
-                <a:latin typeface="HG丸ｺﾞｼｯｸM-PRO" panose="020F0600000000000000" pitchFamily="50" charset="-128"/>
-                <a:ea typeface="HG丸ｺﾞｼｯｸM-PRO" panose="020F0600000000000000" pitchFamily="50" charset="-128"/>
-                <a:cs typeface="+mn-cs"/>
-              </a:rPr>
-              <a:t>機能を実現するために必要な部品を以下の表に示す。</a:t>
+                <a:latin typeface="メイリオ" panose="020B0604030504040204" pitchFamily="50" charset="-128"/>
+                <a:ea typeface="メイリオ" panose="020B0604030504040204" pitchFamily="50" charset="-128"/>
+              </a:rPr>
+              <a:t>走行体が提供する機能を実現するため、以下の周期タスクを定義する。なお、通信タスクは走行準備に含むため、モデルからは省略する。</a:t>
             </a:r>
           </a:p>
         </p:txBody>
       </p:sp>
+      <p:sp>
+        <p:nvSpPr>
+          <p:cNvPr id="21" name="テキスト ボックス 20">
+            <a:extLst>
+              <a:ext uri="{FF2B5EF4-FFF2-40B4-BE49-F238E27FC236}">
+                <a16:creationId xmlns:a16="http://schemas.microsoft.com/office/drawing/2014/main" id="{AC58BE73-6899-4CE2-8F40-BFDDFD555F64}"/>
+              </a:ext>
+            </a:extLst>
+          </p:cNvPr>
+          <p:cNvSpPr txBox="1"/>
+          <p:nvPr/>
+        </p:nvSpPr>
+        <p:spPr>
+          <a:xfrm>
+            <a:off x="71959" y="984176"/>
+            <a:ext cx="3589959" cy="1061829"/>
+          </a:xfrm>
+          <a:prstGeom prst="rect">
+            <a:avLst/>
+          </a:prstGeom>
+          <a:noFill/>
+        </p:spPr>
+        <p:txBody>
+          <a:bodyPr wrap="square" rtlCol="0">
+            <a:spAutoFit/>
+          </a:bodyPr>
+          <a:lstStyle/>
+          <a:p>
+            <a:r>
+              <a:rPr kumimoji="1" lang="ja-JP" altLang="en-US" sz="1050" dirty="0">
+                <a:latin typeface="メイリオ" panose="020B0604030504040204" pitchFamily="50" charset="-128"/>
+                <a:ea typeface="メイリオ" panose="020B0604030504040204" pitchFamily="50" charset="-128"/>
+              </a:rPr>
+              <a:t>走行体は競技者に「コースを完走する」という機能を与える。今回我々は、</a:t>
+            </a:r>
+            <a:r>
+              <a:rPr lang="ja-JP" altLang="en-US" sz="1050" dirty="0">
+                <a:latin typeface="メイリオ" panose="020B0604030504040204" pitchFamily="50" charset="-128"/>
+                <a:ea typeface="メイリオ" panose="020B0604030504040204" pitchFamily="50" charset="-128"/>
+              </a:rPr>
+              <a:t> 「コースを完走する」という課題をスタート動作を終えてからゴールゲートを通過するまでの動作と定義し、</a:t>
+            </a:r>
+            <a:r>
+              <a:rPr lang="ja-JP" altLang="en-US" sz="1050" b="1" dirty="0">
+                <a:solidFill>
+                  <a:srgbClr val="FF0000"/>
+                </a:solidFill>
+                <a:latin typeface="メイリオ" panose="020B0604030504040204" pitchFamily="50" charset="-128"/>
+                <a:ea typeface="メイリオ" panose="020B0604030504040204" pitchFamily="50" charset="-128"/>
+              </a:rPr>
+              <a:t>それ以外のタスクの起動やセンサのキャリブレーション、クラスの初期化、スタート動作などは走行準備とみなし、モデルでは省略する</a:t>
+            </a:r>
+            <a:r>
+              <a:rPr lang="ja-JP" altLang="en-US" sz="1050" dirty="0">
+                <a:latin typeface="メイリオ" panose="020B0604030504040204" pitchFamily="50" charset="-128"/>
+                <a:ea typeface="メイリオ" panose="020B0604030504040204" pitchFamily="50" charset="-128"/>
+              </a:rPr>
+              <a:t>。</a:t>
+            </a:r>
+            <a:endParaRPr kumimoji="1" lang="ja-JP" altLang="en-US" sz="1050" dirty="0">
+              <a:latin typeface="メイリオ" panose="020B0604030504040204" pitchFamily="50" charset="-128"/>
+              <a:ea typeface="メイリオ" panose="020B0604030504040204" pitchFamily="50" charset="-128"/>
+            </a:endParaRPr>
+          </a:p>
+        </p:txBody>
+      </p:sp>
+      <p:pic>
+        <p:nvPicPr>
+          <p:cNvPr id="33" name="図 32">
+            <a:extLst>
+              <a:ext uri="{FF2B5EF4-FFF2-40B4-BE49-F238E27FC236}">
+                <a16:creationId xmlns:a16="http://schemas.microsoft.com/office/drawing/2014/main" id="{25343053-DFA6-4951-9BFE-57F42E1FE6FA}"/>
+              </a:ext>
+            </a:extLst>
+          </p:cNvPr>
+          <p:cNvPicPr>
+            <a:picLocks noChangeAspect="1"/>
+          </p:cNvPicPr>
+          <p:nvPr/>
+        </p:nvPicPr>
+        <p:blipFill>
+          <a:blip r:embed="rId3"/>
+          <a:stretch>
+            <a:fillRect/>
+          </a:stretch>
+        </p:blipFill>
+        <p:spPr>
+          <a:xfrm>
+            <a:off x="192069" y="4173381"/>
+            <a:ext cx="3445563" cy="2221981"/>
+          </a:xfrm>
+          <a:prstGeom prst="rect">
+            <a:avLst/>
+          </a:prstGeom>
+        </p:spPr>
+      </p:pic>
+      <p:sp>
+        <p:nvSpPr>
+          <p:cNvPr id="40" name="テキスト ボックス 39">
+            <a:extLst>
+              <a:ext uri="{FF2B5EF4-FFF2-40B4-BE49-F238E27FC236}">
+                <a16:creationId xmlns:a16="http://schemas.microsoft.com/office/drawing/2014/main" id="{E2D8B73A-328F-4A9E-AE6C-EA2D211F573C}"/>
+              </a:ext>
+            </a:extLst>
+          </p:cNvPr>
+          <p:cNvSpPr txBox="1"/>
+          <p:nvPr/>
+        </p:nvSpPr>
+        <p:spPr>
+          <a:xfrm>
+            <a:off x="100800" y="6467720"/>
+            <a:ext cx="2448268" cy="338554"/>
+          </a:xfrm>
+          <a:prstGeom prst="rect">
+            <a:avLst/>
+          </a:prstGeom>
+          <a:noFill/>
+        </p:spPr>
+        <p:txBody>
+          <a:bodyPr wrap="square" rtlCol="0">
+            <a:spAutoFit/>
+          </a:bodyPr>
+          <a:lstStyle/>
+          <a:p>
+            <a:r>
+              <a:rPr kumimoji="1" lang="ja-JP" altLang="en-US" b="1" dirty="0">
+                <a:latin typeface="+mn-lt"/>
+                <a:ea typeface="+mn-ea"/>
+              </a:rPr>
+              <a:t>補足</a:t>
+            </a:r>
+            <a:r>
+              <a:rPr lang="en-US" altLang="ja-JP" b="1" dirty="0">
+                <a:latin typeface="+mn-lt"/>
+                <a:ea typeface="+mn-ea"/>
+              </a:rPr>
+              <a:t> .</a:t>
+            </a:r>
+            <a:r>
+              <a:rPr lang="ja-JP" altLang="en-US" b="1" dirty="0">
+                <a:latin typeface="+mn-lt"/>
+                <a:ea typeface="+mn-ea"/>
+              </a:rPr>
+              <a:t> </a:t>
+            </a:r>
+            <a:r>
+              <a:rPr kumimoji="1" lang="ja-JP" altLang="en-US" b="1" dirty="0">
+                <a:latin typeface="+mn-lt"/>
+                <a:ea typeface="+mn-ea"/>
+              </a:rPr>
+              <a:t>区間分けについて</a:t>
+            </a:r>
+          </a:p>
+        </p:txBody>
+      </p:sp>
+      <p:cxnSp>
+        <p:nvCxnSpPr>
+          <p:cNvPr id="46" name="直線コネクタ 45">
+            <a:extLst>
+              <a:ext uri="{FF2B5EF4-FFF2-40B4-BE49-F238E27FC236}">
+                <a16:creationId xmlns:a16="http://schemas.microsoft.com/office/drawing/2014/main" id="{7B7E49AE-87B6-4A4A-9EEE-5603F5C42F0C}"/>
+              </a:ext>
+            </a:extLst>
+          </p:cNvPr>
+          <p:cNvCxnSpPr>
+            <a:cxnSpLocks/>
+          </p:cNvCxnSpPr>
+          <p:nvPr/>
+        </p:nvCxnSpPr>
+        <p:spPr>
+          <a:xfrm>
+            <a:off x="189098" y="6744816"/>
+            <a:ext cx="3472820" cy="0"/>
+          </a:xfrm>
+          <a:prstGeom prst="line">
+            <a:avLst/>
+          </a:prstGeom>
+          <a:ln w="38100">
+            <a:solidFill>
+              <a:schemeClr val="accent6"/>
+            </a:solidFill>
+          </a:ln>
+        </p:spPr>
+        <p:style>
+          <a:lnRef idx="1">
+            <a:schemeClr val="accent1"/>
+          </a:lnRef>
+          <a:fillRef idx="0">
+            <a:schemeClr val="accent1"/>
+          </a:fillRef>
+          <a:effectRef idx="0">
+            <a:schemeClr val="accent1"/>
+          </a:effectRef>
+          <a:fontRef idx="minor">
+            <a:schemeClr val="tx1"/>
+          </a:fontRef>
+        </p:style>
+      </p:cxnSp>
+      <p:sp>
+        <p:nvSpPr>
+          <p:cNvPr id="41" name="テキスト ボックス 40">
+            <a:extLst>
+              <a:ext uri="{FF2B5EF4-FFF2-40B4-BE49-F238E27FC236}">
+                <a16:creationId xmlns:a16="http://schemas.microsoft.com/office/drawing/2014/main" id="{1990CCDD-53C3-474C-B0DD-D925E5C4B440}"/>
+              </a:ext>
+            </a:extLst>
+          </p:cNvPr>
+          <p:cNvSpPr txBox="1"/>
+          <p:nvPr/>
+        </p:nvSpPr>
+        <p:spPr>
+          <a:xfrm>
+            <a:off x="116612" y="6753379"/>
+            <a:ext cx="3578585" cy="415498"/>
+          </a:xfrm>
+          <a:prstGeom prst="rect">
+            <a:avLst/>
+          </a:prstGeom>
+          <a:noFill/>
+        </p:spPr>
+        <p:txBody>
+          <a:bodyPr wrap="square" rtlCol="0">
+            <a:spAutoFit/>
+          </a:bodyPr>
+          <a:lstStyle/>
+          <a:p>
+            <a:r>
+              <a:rPr lang="ja-JP" altLang="en-US" sz="1050" dirty="0">
+                <a:latin typeface="メイリオ" panose="020B0604030504040204" pitchFamily="50" charset="-128"/>
+                <a:ea typeface="メイリオ" panose="020B0604030504040204" pitchFamily="50" charset="-128"/>
+              </a:rPr>
+              <a:t>コースを以下のように分割し、区間ごとに走行設定を変える。</a:t>
+            </a:r>
+            <a:r>
+              <a:rPr lang="ja-JP" altLang="en-US" sz="1050" b="1" dirty="0">
+                <a:solidFill>
+                  <a:srgbClr val="FF0000"/>
+                </a:solidFill>
+                <a:latin typeface="メイリオ" panose="020B0604030504040204" pitchFamily="50" charset="-128"/>
+                <a:ea typeface="メイリオ" panose="020B0604030504040204" pitchFamily="50" charset="-128"/>
+              </a:rPr>
+              <a:t>詳細は、工夫点のページで解説する</a:t>
+            </a:r>
+            <a:r>
+              <a:rPr lang="ja-JP" altLang="en-US" sz="1050" dirty="0">
+                <a:latin typeface="メイリオ" panose="020B0604030504040204" pitchFamily="50" charset="-128"/>
+                <a:ea typeface="メイリオ" panose="020B0604030504040204" pitchFamily="50" charset="-128"/>
+              </a:rPr>
+              <a:t>。</a:t>
+            </a:r>
+            <a:endParaRPr kumimoji="1" lang="ja-JP" altLang="en-US" sz="1050" dirty="0">
+              <a:latin typeface="メイリオ" panose="020B0604030504040204" pitchFamily="50" charset="-128"/>
+              <a:ea typeface="メイリオ" panose="020B0604030504040204" pitchFamily="50" charset="-128"/>
+            </a:endParaRPr>
+          </a:p>
+        </p:txBody>
+      </p:sp>
+      <p:pic>
+        <p:nvPicPr>
+          <p:cNvPr id="45" name="図 44">
+            <a:extLst>
+              <a:ext uri="{FF2B5EF4-FFF2-40B4-BE49-F238E27FC236}">
+                <a16:creationId xmlns:a16="http://schemas.microsoft.com/office/drawing/2014/main" id="{A1E794DE-CC53-429A-BAC4-EAC4BAEDE295}"/>
+              </a:ext>
+            </a:extLst>
+          </p:cNvPr>
+          <p:cNvPicPr>
+            <a:picLocks noChangeAspect="1"/>
+          </p:cNvPicPr>
+          <p:nvPr/>
+        </p:nvPicPr>
+        <p:blipFill>
+          <a:blip r:embed="rId4">
+            <a:extLst>
+              <a:ext uri="{28A0092B-C50C-407E-A947-70E740481C1C}">
+                <a14:useLocalDpi xmlns:a14="http://schemas.microsoft.com/office/drawing/2010/main" val="0"/>
+              </a:ext>
+            </a:extLst>
+          </a:blip>
+          <a:stretch>
+            <a:fillRect/>
+          </a:stretch>
+        </p:blipFill>
+        <p:spPr>
+          <a:xfrm>
+            <a:off x="3818046" y="694983"/>
+            <a:ext cx="2878328" cy="5772737"/>
+          </a:xfrm>
+          <a:prstGeom prst="rect">
+            <a:avLst/>
+          </a:prstGeom>
+        </p:spPr>
+      </p:pic>
+      <p:cxnSp>
+        <p:nvCxnSpPr>
+          <p:cNvPr id="52" name="直線コネクタ 51">
+            <a:extLst>
+              <a:ext uri="{FF2B5EF4-FFF2-40B4-BE49-F238E27FC236}">
+                <a16:creationId xmlns:a16="http://schemas.microsoft.com/office/drawing/2014/main" id="{64E09D1F-E5F0-483A-8945-8DE5F7ABF40E}"/>
+              </a:ext>
+            </a:extLst>
+          </p:cNvPr>
+          <p:cNvCxnSpPr/>
+          <p:nvPr/>
+        </p:nvCxnSpPr>
+        <p:spPr>
+          <a:xfrm>
+            <a:off x="160948" y="6493714"/>
+            <a:ext cx="12360532" cy="46014"/>
+          </a:xfrm>
+          <a:prstGeom prst="line">
+            <a:avLst/>
+          </a:prstGeom>
+        </p:spPr>
+        <p:style>
+          <a:lnRef idx="1">
+            <a:schemeClr val="accent6"/>
+          </a:lnRef>
+          <a:fillRef idx="0">
+            <a:schemeClr val="accent6"/>
+          </a:fillRef>
+          <a:effectRef idx="0">
+            <a:schemeClr val="accent6"/>
+          </a:effectRef>
+          <a:fontRef idx="minor">
+            <a:schemeClr val="tx1"/>
+          </a:fontRef>
+        </p:style>
+      </p:cxnSp>
+      <p:pic>
+        <p:nvPicPr>
+          <p:cNvPr id="131" name="図 130">
+            <a:extLst>
+              <a:ext uri="{FF2B5EF4-FFF2-40B4-BE49-F238E27FC236}">
+                <a16:creationId xmlns:a16="http://schemas.microsoft.com/office/drawing/2014/main" id="{E94FF69D-851D-463B-932D-D4B12701F650}"/>
+              </a:ext>
+            </a:extLst>
+          </p:cNvPr>
+          <p:cNvPicPr>
+            <a:picLocks noChangeAspect="1"/>
+          </p:cNvPicPr>
+          <p:nvPr/>
+        </p:nvPicPr>
+        <p:blipFill>
+          <a:blip r:embed="rId5"/>
+          <a:stretch>
+            <a:fillRect/>
+          </a:stretch>
+        </p:blipFill>
+        <p:spPr>
+          <a:xfrm>
+            <a:off x="6904856" y="3307785"/>
+            <a:ext cx="5585068" cy="3176146"/>
+          </a:xfrm>
+          <a:prstGeom prst="rect">
+            <a:avLst/>
+          </a:prstGeom>
+        </p:spPr>
+      </p:pic>
+      <p:grpSp>
+        <p:nvGrpSpPr>
+          <p:cNvPr id="139" name="グループ化 138">
+            <a:extLst>
+              <a:ext uri="{FF2B5EF4-FFF2-40B4-BE49-F238E27FC236}">
+                <a16:creationId xmlns:a16="http://schemas.microsoft.com/office/drawing/2014/main" id="{697F0D84-AB78-420B-B769-0A1718B8D1A2}"/>
+              </a:ext>
+            </a:extLst>
+          </p:cNvPr>
+          <p:cNvGrpSpPr/>
+          <p:nvPr/>
+        </p:nvGrpSpPr>
+        <p:grpSpPr>
+          <a:xfrm>
+            <a:off x="6757626" y="1309825"/>
+            <a:ext cx="6023282" cy="1612303"/>
+            <a:chOff x="6757626" y="1344464"/>
+            <a:chExt cx="6023282" cy="1612303"/>
+          </a:xfrm>
+        </p:grpSpPr>
+        <p:sp>
+          <p:nvSpPr>
+            <p:cNvPr id="57" name="テキスト ボックス 56">
+              <a:extLst>
+                <a:ext uri="{FF2B5EF4-FFF2-40B4-BE49-F238E27FC236}">
+                  <a16:creationId xmlns:a16="http://schemas.microsoft.com/office/drawing/2014/main" id="{1B150A4B-10E9-4BB5-B403-616F7408FD46}"/>
+                </a:ext>
+              </a:extLst>
+            </p:cNvPr>
+            <p:cNvSpPr txBox="1"/>
+            <p:nvPr/>
+          </p:nvSpPr>
+          <p:spPr>
+            <a:xfrm>
+              <a:off x="12392429" y="1865424"/>
+              <a:ext cx="388479" cy="577081"/>
+            </a:xfrm>
+            <a:prstGeom prst="rect">
+              <a:avLst/>
+            </a:prstGeom>
+            <a:noFill/>
+          </p:spPr>
+          <p:txBody>
+            <a:bodyPr wrap="square" rtlCol="0">
+              <a:spAutoFit/>
+            </a:bodyPr>
+            <a:lstStyle/>
+            <a:p>
+              <a:r>
+                <a:rPr kumimoji="1" lang="ja-JP" altLang="en-US" sz="1050" b="1" dirty="0">
+                  <a:latin typeface="游ゴシック" panose="020B0400000000000000" pitchFamily="50" charset="-128"/>
+                  <a:ea typeface="游ゴシック" panose="020B0400000000000000" pitchFamily="50" charset="-128"/>
+                </a:rPr>
+                <a:t>優先度</a:t>
+              </a:r>
+            </a:p>
+          </p:txBody>
+        </p:sp>
+        <p:cxnSp>
+          <p:nvCxnSpPr>
+            <p:cNvPr id="59" name="直線矢印コネクタ 58">
+              <a:extLst>
+                <a:ext uri="{FF2B5EF4-FFF2-40B4-BE49-F238E27FC236}">
+                  <a16:creationId xmlns:a16="http://schemas.microsoft.com/office/drawing/2014/main" id="{6677F529-FCA5-4895-83EB-48FA3E8A9943}"/>
+                </a:ext>
+              </a:extLst>
+            </p:cNvPr>
+            <p:cNvCxnSpPr>
+              <a:cxnSpLocks/>
+            </p:cNvCxnSpPr>
+            <p:nvPr/>
+          </p:nvCxnSpPr>
+          <p:spPr>
+            <a:xfrm>
+              <a:off x="12414596" y="1687130"/>
+              <a:ext cx="0" cy="1000885"/>
+            </a:xfrm>
+            <a:prstGeom prst="straightConnector1">
+              <a:avLst/>
+            </a:prstGeom>
+            <a:ln>
+              <a:headEnd type="triangle"/>
+              <a:tailEnd type="triangle"/>
+            </a:ln>
+          </p:spPr>
+          <p:style>
+            <a:lnRef idx="3">
+              <a:schemeClr val="accent6"/>
+            </a:lnRef>
+            <a:fillRef idx="0">
+              <a:schemeClr val="accent6"/>
+            </a:fillRef>
+            <a:effectRef idx="2">
+              <a:schemeClr val="accent6"/>
+            </a:effectRef>
+            <a:fontRef idx="minor">
+              <a:schemeClr val="tx1"/>
+            </a:fontRef>
+          </p:style>
+        </p:cxnSp>
+        <p:sp>
+          <p:nvSpPr>
+            <p:cNvPr id="60" name="テキスト ボックス 59">
+              <a:extLst>
+                <a:ext uri="{FF2B5EF4-FFF2-40B4-BE49-F238E27FC236}">
+                  <a16:creationId xmlns:a16="http://schemas.microsoft.com/office/drawing/2014/main" id="{29C12542-0869-4D76-8D7B-52826EE139AF}"/>
+                </a:ext>
+              </a:extLst>
+            </p:cNvPr>
+            <p:cNvSpPr txBox="1"/>
+            <p:nvPr/>
+          </p:nvSpPr>
+          <p:spPr>
+            <a:xfrm>
+              <a:off x="12265788" y="1374860"/>
+              <a:ext cx="143017" cy="253916"/>
+            </a:xfrm>
+            <a:prstGeom prst="rect">
+              <a:avLst/>
+            </a:prstGeom>
+            <a:noFill/>
+          </p:spPr>
+          <p:txBody>
+            <a:bodyPr wrap="square" rtlCol="0">
+              <a:spAutoFit/>
+            </a:bodyPr>
+            <a:lstStyle/>
+            <a:p>
+              <a:r>
+                <a:rPr kumimoji="1" lang="ja-JP" altLang="en-US" sz="1050" b="1" dirty="0">
+                  <a:latin typeface="游ゴシック" panose="020B0400000000000000" pitchFamily="50" charset="-128"/>
+                  <a:ea typeface="游ゴシック" panose="020B0400000000000000" pitchFamily="50" charset="-128"/>
+                </a:rPr>
+                <a:t>高</a:t>
+              </a:r>
+            </a:p>
+          </p:txBody>
+        </p:sp>
+        <p:sp>
+          <p:nvSpPr>
+            <p:cNvPr id="62" name="テキスト ボックス 61">
+              <a:extLst>
+                <a:ext uri="{FF2B5EF4-FFF2-40B4-BE49-F238E27FC236}">
+                  <a16:creationId xmlns:a16="http://schemas.microsoft.com/office/drawing/2014/main" id="{11D9CFFE-DE57-48C6-AAE1-6511EADD9E72}"/>
+                </a:ext>
+              </a:extLst>
+            </p:cNvPr>
+            <p:cNvSpPr txBox="1"/>
+            <p:nvPr/>
+          </p:nvSpPr>
+          <p:spPr>
+            <a:xfrm>
+              <a:off x="12269240" y="2702851"/>
+              <a:ext cx="290711" cy="253916"/>
+            </a:xfrm>
+            <a:prstGeom prst="rect">
+              <a:avLst/>
+            </a:prstGeom>
+            <a:noFill/>
+          </p:spPr>
+          <p:txBody>
+            <a:bodyPr wrap="square" rtlCol="0">
+              <a:spAutoFit/>
+            </a:bodyPr>
+            <a:lstStyle/>
+            <a:p>
+              <a:r>
+                <a:rPr kumimoji="1" lang="ja-JP" altLang="en-US" sz="1050" b="1" dirty="0">
+                  <a:latin typeface="游ゴシック" panose="020B0400000000000000" pitchFamily="50" charset="-128"/>
+                  <a:ea typeface="游ゴシック" panose="020B0400000000000000" pitchFamily="50" charset="-128"/>
+                </a:rPr>
+                <a:t>低</a:t>
+              </a:r>
+            </a:p>
+          </p:txBody>
+        </p:sp>
+        <p:pic>
+          <p:nvPicPr>
+            <p:cNvPr id="81" name="図 80">
+              <a:extLst>
+                <a:ext uri="{FF2B5EF4-FFF2-40B4-BE49-F238E27FC236}">
+                  <a16:creationId xmlns:a16="http://schemas.microsoft.com/office/drawing/2014/main" id="{FD2C475C-8FD3-4A69-9A85-68FCC9265420}"/>
+                </a:ext>
+              </a:extLst>
+            </p:cNvPr>
+            <p:cNvPicPr>
+              <a:picLocks noChangeAspect="1"/>
+            </p:cNvPicPr>
+            <p:nvPr/>
+          </p:nvPicPr>
+          <p:blipFill>
+            <a:blip r:embed="rId6"/>
+            <a:stretch>
+              <a:fillRect/>
+            </a:stretch>
+          </p:blipFill>
+          <p:spPr>
+            <a:xfrm>
+              <a:off x="6757626" y="1344464"/>
+              <a:ext cx="5553877" cy="1395471"/>
+            </a:xfrm>
+            <a:prstGeom prst="rect">
+              <a:avLst/>
+            </a:prstGeom>
+          </p:spPr>
+        </p:pic>
+      </p:grpSp>
+      <p:sp>
+        <p:nvSpPr>
+          <p:cNvPr id="140" name="テキスト ボックス 139">
+            <a:extLst>
+              <a:ext uri="{FF2B5EF4-FFF2-40B4-BE49-F238E27FC236}">
+                <a16:creationId xmlns:a16="http://schemas.microsoft.com/office/drawing/2014/main" id="{D7CFF42B-D74E-4DFF-AB89-02B7F1AFC41E}"/>
+              </a:ext>
+            </a:extLst>
+          </p:cNvPr>
+          <p:cNvSpPr txBox="1"/>
+          <p:nvPr/>
+        </p:nvSpPr>
+        <p:spPr>
+          <a:xfrm>
+            <a:off x="6666345" y="2634671"/>
+            <a:ext cx="1762490" cy="338554"/>
+          </a:xfrm>
+          <a:prstGeom prst="rect">
+            <a:avLst/>
+          </a:prstGeom>
+          <a:noFill/>
+        </p:spPr>
+        <p:txBody>
+          <a:bodyPr wrap="square" rtlCol="0">
+            <a:spAutoFit/>
+          </a:bodyPr>
+          <a:lstStyle/>
+          <a:p>
+            <a:r>
+              <a:rPr kumimoji="1" lang="ja-JP" altLang="en-US" b="1" dirty="0">
+                <a:latin typeface="游ゴシック" panose="020B0400000000000000" pitchFamily="50" charset="-128"/>
+                <a:ea typeface="游ゴシック" panose="020B0400000000000000" pitchFamily="50" charset="-128"/>
+              </a:rPr>
+              <a:t>４</a:t>
+            </a:r>
+            <a:r>
+              <a:rPr kumimoji="1" lang="en-US" altLang="ja-JP" b="1" dirty="0">
+                <a:latin typeface="游ゴシック" panose="020B0400000000000000" pitchFamily="50" charset="-128"/>
+                <a:ea typeface="游ゴシック" panose="020B0400000000000000" pitchFamily="50" charset="-128"/>
+              </a:rPr>
+              <a:t>.</a:t>
+            </a:r>
+            <a:r>
+              <a:rPr lang="ja-JP" altLang="en-US" b="1" dirty="0">
+                <a:latin typeface="游ゴシック" panose="020B0400000000000000" pitchFamily="50" charset="-128"/>
+                <a:ea typeface="游ゴシック" panose="020B0400000000000000" pitchFamily="50" charset="-128"/>
+              </a:rPr>
+              <a:t> 部品の定義</a:t>
+            </a:r>
+            <a:endParaRPr kumimoji="1" lang="ja-JP" altLang="en-US" b="1" dirty="0">
+              <a:latin typeface="游ゴシック" panose="020B0400000000000000" pitchFamily="50" charset="-128"/>
+              <a:ea typeface="游ゴシック" panose="020B0400000000000000" pitchFamily="50" charset="-128"/>
+            </a:endParaRPr>
+          </a:p>
+        </p:txBody>
+      </p:sp>
+      <p:cxnSp>
+        <p:nvCxnSpPr>
+          <p:cNvPr id="84" name="直線コネクタ 83">
+            <a:extLst>
+              <a:ext uri="{FF2B5EF4-FFF2-40B4-BE49-F238E27FC236}">
+                <a16:creationId xmlns:a16="http://schemas.microsoft.com/office/drawing/2014/main" id="{15E1CCFD-5AEB-4C66-B546-2AAF74EE85E6}"/>
+              </a:ext>
+            </a:extLst>
+          </p:cNvPr>
+          <p:cNvCxnSpPr>
+            <a:cxnSpLocks/>
+          </p:cNvCxnSpPr>
+          <p:nvPr/>
+        </p:nvCxnSpPr>
+        <p:spPr>
+          <a:xfrm>
+            <a:off x="6788486" y="2922128"/>
+            <a:ext cx="5805002" cy="0"/>
+          </a:xfrm>
+          <a:prstGeom prst="line">
+            <a:avLst/>
+          </a:prstGeom>
+          <a:ln w="38100">
+            <a:solidFill>
+              <a:schemeClr val="accent6"/>
+            </a:solidFill>
+          </a:ln>
+        </p:spPr>
+        <p:style>
+          <a:lnRef idx="1">
+            <a:schemeClr val="accent1"/>
+          </a:lnRef>
+          <a:fillRef idx="0">
+            <a:schemeClr val="accent1"/>
+          </a:fillRef>
+          <a:effectRef idx="0">
+            <a:schemeClr val="accent1"/>
+          </a:effectRef>
+          <a:fontRef idx="minor">
+            <a:schemeClr val="tx1"/>
+          </a:fontRef>
+        </p:style>
+      </p:cxnSp>
+      <p:sp>
+        <p:nvSpPr>
+          <p:cNvPr id="141" name="テキスト ボックス 140">
+            <a:extLst>
+              <a:ext uri="{FF2B5EF4-FFF2-40B4-BE49-F238E27FC236}">
+                <a16:creationId xmlns:a16="http://schemas.microsoft.com/office/drawing/2014/main" id="{B10EFDE6-791C-4BE0-871C-5814C9379A41}"/>
+              </a:ext>
+            </a:extLst>
+          </p:cNvPr>
+          <p:cNvSpPr txBox="1"/>
+          <p:nvPr/>
+        </p:nvSpPr>
+        <p:spPr>
+          <a:xfrm>
+            <a:off x="6711867" y="2954737"/>
+            <a:ext cx="5941427" cy="415498"/>
+          </a:xfrm>
+          <a:prstGeom prst="rect">
+            <a:avLst/>
+          </a:prstGeom>
+          <a:noFill/>
+        </p:spPr>
+        <p:txBody>
+          <a:bodyPr wrap="square" rtlCol="0">
+            <a:spAutoFit/>
+          </a:bodyPr>
+          <a:lstStyle/>
+          <a:p>
+            <a:r>
+              <a:rPr kumimoji="1" lang="ja-JP" altLang="en-US" sz="1050" dirty="0">
+                <a:latin typeface="メイリオ" panose="020B0604030504040204" pitchFamily="50" charset="-128"/>
+                <a:ea typeface="メイリオ" panose="020B0604030504040204" pitchFamily="50" charset="-128"/>
+              </a:rPr>
+              <a:t>機能を実現するために必要な部品を以下の表に示す。なお、左側のアルファベットはクラス図のラベルと対応している。</a:t>
+            </a:r>
+          </a:p>
+        </p:txBody>
+      </p:sp>
+      <p:pic>
+        <p:nvPicPr>
+          <p:cNvPr id="150" name="図 149">
+            <a:extLst>
+              <a:ext uri="{FF2B5EF4-FFF2-40B4-BE49-F238E27FC236}">
+                <a16:creationId xmlns:a16="http://schemas.microsoft.com/office/drawing/2014/main" id="{12599540-0297-4471-94C0-B728410651A5}"/>
+              </a:ext>
+            </a:extLst>
+          </p:cNvPr>
+          <p:cNvPicPr>
+            <a:picLocks noChangeAspect="1"/>
+          </p:cNvPicPr>
+          <p:nvPr/>
+        </p:nvPicPr>
+        <p:blipFill>
+          <a:blip r:embed="rId7">
+            <a:extLst>
+              <a:ext uri="{28A0092B-C50C-407E-A947-70E740481C1C}">
+                <a14:useLocalDpi xmlns:a14="http://schemas.microsoft.com/office/drawing/2010/main" val="0"/>
+              </a:ext>
+            </a:extLst>
+          </a:blip>
+          <a:stretch>
+            <a:fillRect/>
+          </a:stretch>
+        </p:blipFill>
+        <p:spPr>
+          <a:xfrm>
+            <a:off x="176572" y="7116236"/>
+            <a:ext cx="3461060" cy="2331255"/>
+          </a:xfrm>
+          <a:prstGeom prst="rect">
+            <a:avLst/>
+          </a:prstGeom>
+        </p:spPr>
+      </p:pic>
     </p:spTree>
     <p:extLst>
       <p:ext uri="{BB962C8B-B14F-4D97-AF65-F5344CB8AC3E}">
@@ -6506,8 +6995,8 @@
         </p:nvSpPr>
         <p:spPr>
           <a:xfrm>
-            <a:off x="100800" y="768152"/>
-            <a:ext cx="12600000" cy="8784976"/>
+            <a:off x="100800" y="696144"/>
+            <a:ext cx="12600000" cy="8856984"/>
           </a:xfrm>
           <a:prstGeom prst="rect">
             <a:avLst/>
@@ -8149,8 +8638,8 @@
         </p:nvSpPr>
         <p:spPr>
           <a:xfrm>
-            <a:off x="100800" y="768152"/>
-            <a:ext cx="12600000" cy="8784976"/>
+            <a:off x="100800" y="696144"/>
+            <a:ext cx="12600000" cy="8856984"/>
           </a:xfrm>
           <a:prstGeom prst="rect">
             <a:avLst/>
@@ -9943,8 +10432,8 @@
         </p:nvSpPr>
         <p:spPr>
           <a:xfrm>
-            <a:off x="100800" y="768152"/>
-            <a:ext cx="12600000" cy="8784976"/>
+            <a:off x="100800" y="696144"/>
+            <a:ext cx="12600000" cy="8856984"/>
           </a:xfrm>
           <a:prstGeom prst="rect">
             <a:avLst/>
@@ -10803,8 +11292,8 @@
         </p:nvSpPr>
         <p:spPr>
           <a:xfrm>
-            <a:off x="100800" y="768152"/>
-            <a:ext cx="12600000" cy="8784976"/>
+            <a:off x="100800" y="696144"/>
+            <a:ext cx="12600000" cy="8856984"/>
           </a:xfrm>
           <a:prstGeom prst="rect">
             <a:avLst/>

--- a/model_file_template_primary.pptx
+++ b/model_file_template_primary.pptx
@@ -20,7 +20,7 @@
     <p:sldId id="279" r:id="rId8"/>
   </p:sldIdLst>
   <p:sldSz cx="12801600" cy="9601200" type="A3"/>
-  <p:notesSz cx="14597063" cy="21107400"/>
+  <p:notesSz cx="9990138" cy="14374813"/>
   <p:defaultTextStyle>
     <a:defPPr>
       <a:defRPr lang="ja-JP"/>
@@ -238,8 +238,8 @@
         </p:nvSpPr>
         <p:spPr bwMode="auto">
           <a:xfrm>
-            <a:off x="0" y="0"/>
-            <a:ext cx="6324600" cy="1055688"/>
+            <a:off x="1" y="0"/>
+            <a:ext cx="4328516" cy="718957"/>
           </a:xfrm>
           <a:prstGeom prst="rect">
             <a:avLst/>
@@ -254,14 +254,14 @@
           <a:effectLst/>
         </p:spPr>
         <p:txBody>
-          <a:bodyPr vert="horz" wrap="square" lIns="196900" tIns="98450" rIns="196900" bIns="98450" numCol="1" anchor="t" anchorCtr="0" compatLnSpc="1">
+          <a:bodyPr vert="horz" wrap="square" lIns="134349" tIns="67175" rIns="134349" bIns="67175" numCol="1" anchor="t" anchorCtr="0" compatLnSpc="1">
             <a:prstTxWarp prst="textNoShape">
               <a:avLst/>
             </a:prstTxWarp>
           </a:bodyPr>
           <a:lstStyle>
-            <a:lvl1pPr defTabSz="1968500">
-              <a:defRPr sz="2600">
+            <a:lvl1pPr defTabSz="1343153">
+              <a:defRPr sz="1700">
                 <a:ea typeface="ＭＳ Ｐゴシック" pitchFamily="50" charset="-128"/>
               </a:defRPr>
             </a:lvl1pPr>
@@ -270,7 +270,7 @@
             <a:pPr>
               <a:defRPr/>
             </a:pPr>
-            <a:endParaRPr lang="en-US" altLang="ja-JP"/>
+            <a:endParaRPr lang="en-US" altLang="ja-JP" dirty="0"/>
           </a:p>
         </p:txBody>
       </p:sp>
@@ -292,8 +292,8 @@
         </p:nvSpPr>
         <p:spPr bwMode="auto">
           <a:xfrm>
-            <a:off x="8272463" y="0"/>
-            <a:ext cx="6324600" cy="1055688"/>
+            <a:off x="5661623" y="0"/>
+            <a:ext cx="4328516" cy="718957"/>
           </a:xfrm>
           <a:prstGeom prst="rect">
             <a:avLst/>
@@ -308,14 +308,14 @@
           <a:effectLst/>
         </p:spPr>
         <p:txBody>
-          <a:bodyPr vert="horz" wrap="square" lIns="196900" tIns="98450" rIns="196900" bIns="98450" numCol="1" anchor="t" anchorCtr="0" compatLnSpc="1">
+          <a:bodyPr vert="horz" wrap="square" lIns="134349" tIns="67175" rIns="134349" bIns="67175" numCol="1" anchor="t" anchorCtr="0" compatLnSpc="1">
             <a:prstTxWarp prst="textNoShape">
               <a:avLst/>
             </a:prstTxWarp>
           </a:bodyPr>
           <a:lstStyle>
-            <a:lvl1pPr algn="r" defTabSz="1968500">
-              <a:defRPr sz="2600">
+            <a:lvl1pPr algn="r" defTabSz="1343153">
+              <a:defRPr sz="1700">
                 <a:ea typeface="ＭＳ Ｐゴシック" pitchFamily="50" charset="-128"/>
               </a:defRPr>
             </a:lvl1pPr>
@@ -324,7 +324,7 @@
             <a:pPr>
               <a:defRPr/>
             </a:pPr>
-            <a:endParaRPr lang="en-US" altLang="ja-JP"/>
+            <a:endParaRPr lang="en-US" altLang="ja-JP" dirty="0"/>
           </a:p>
         </p:txBody>
       </p:sp>
@@ -346,8 +346,8 @@
         </p:nvSpPr>
         <p:spPr bwMode="auto">
           <a:xfrm>
-            <a:off x="0" y="20051713"/>
-            <a:ext cx="6324600" cy="1055687"/>
+            <a:off x="1" y="13655856"/>
+            <a:ext cx="4328516" cy="718957"/>
           </a:xfrm>
           <a:prstGeom prst="rect">
             <a:avLst/>
@@ -362,14 +362,14 @@
           <a:effectLst/>
         </p:spPr>
         <p:txBody>
-          <a:bodyPr vert="horz" wrap="square" lIns="196900" tIns="98450" rIns="196900" bIns="98450" numCol="1" anchor="b" anchorCtr="0" compatLnSpc="1">
+          <a:bodyPr vert="horz" wrap="square" lIns="134349" tIns="67175" rIns="134349" bIns="67175" numCol="1" anchor="b" anchorCtr="0" compatLnSpc="1">
             <a:prstTxWarp prst="textNoShape">
               <a:avLst/>
             </a:prstTxWarp>
           </a:bodyPr>
           <a:lstStyle>
-            <a:lvl1pPr defTabSz="1968500">
-              <a:defRPr sz="2600">
+            <a:lvl1pPr defTabSz="1343153">
+              <a:defRPr sz="1700">
                 <a:ea typeface="ＭＳ Ｐゴシック" pitchFamily="50" charset="-128"/>
               </a:defRPr>
             </a:lvl1pPr>
@@ -378,7 +378,7 @@
             <a:pPr>
               <a:defRPr/>
             </a:pPr>
-            <a:endParaRPr lang="en-US" altLang="ja-JP"/>
+            <a:endParaRPr lang="en-US" altLang="ja-JP" dirty="0"/>
           </a:p>
         </p:txBody>
       </p:sp>
@@ -400,8 +400,8 @@
         </p:nvSpPr>
         <p:spPr bwMode="auto">
           <a:xfrm>
-            <a:off x="8272463" y="20051713"/>
-            <a:ext cx="6324600" cy="1055687"/>
+            <a:off x="5661623" y="13655856"/>
+            <a:ext cx="4328516" cy="718957"/>
           </a:xfrm>
           <a:prstGeom prst="rect">
             <a:avLst/>
@@ -416,14 +416,14 @@
           <a:effectLst/>
         </p:spPr>
         <p:txBody>
-          <a:bodyPr vert="horz" wrap="square" lIns="196900" tIns="98450" rIns="196900" bIns="98450" numCol="1" anchor="b" anchorCtr="0" compatLnSpc="1">
+          <a:bodyPr vert="horz" wrap="square" lIns="134349" tIns="67175" rIns="134349" bIns="67175" numCol="1" anchor="b" anchorCtr="0" compatLnSpc="1">
             <a:prstTxWarp prst="textNoShape">
               <a:avLst/>
             </a:prstTxWarp>
           </a:bodyPr>
           <a:lstStyle>
-            <a:lvl1pPr algn="r" defTabSz="1968500">
-              <a:defRPr sz="2600"/>
+            <a:lvl1pPr algn="r" defTabSz="1343153">
+              <a:defRPr sz="1700"/>
             </a:lvl1pPr>
           </a:lstStyle>
           <a:p>
@@ -432,7 +432,7 @@
               <a:pPr/>
               <a:t>‹#›</a:t>
             </a:fld>
-            <a:endParaRPr lang="en-US" altLang="ja-JP"/>
+            <a:endParaRPr lang="en-US" altLang="ja-JP" dirty="0"/>
           </a:p>
         </p:txBody>
       </p:sp>
@@ -485,8 +485,8 @@
         </p:nvSpPr>
         <p:spPr bwMode="auto">
           <a:xfrm>
-            <a:off x="0" y="0"/>
-            <a:ext cx="6326188" cy="1055688"/>
+            <a:off x="1" y="0"/>
+            <a:ext cx="4329603" cy="718957"/>
           </a:xfrm>
           <a:prstGeom prst="rect">
             <a:avLst/>
@@ -501,14 +501,14 @@
           <a:effectLst/>
         </p:spPr>
         <p:txBody>
-          <a:bodyPr vert="horz" wrap="square" lIns="91440" tIns="45720" rIns="91440" bIns="45720" numCol="1" anchor="t" anchorCtr="0" compatLnSpc="1">
+          <a:bodyPr vert="horz" wrap="square" lIns="62392" tIns="31196" rIns="62392" bIns="31196" numCol="1" anchor="t" anchorCtr="0" compatLnSpc="1">
             <a:prstTxWarp prst="textNoShape">
               <a:avLst/>
             </a:prstTxWarp>
           </a:bodyPr>
           <a:lstStyle>
             <a:lvl1pPr>
-              <a:defRPr sz="1200">
+              <a:defRPr sz="900">
                 <a:ea typeface="ＭＳ Ｐゴシック" pitchFamily="50" charset="-128"/>
               </a:defRPr>
             </a:lvl1pPr>
@@ -517,7 +517,7 @@
             <a:pPr>
               <a:defRPr/>
             </a:pPr>
-            <a:endParaRPr lang="en-US" altLang="ja-JP"/>
+            <a:endParaRPr lang="en-US" altLang="ja-JP" dirty="0"/>
           </a:p>
         </p:txBody>
       </p:sp>
@@ -539,8 +539,8 @@
         </p:nvSpPr>
         <p:spPr bwMode="auto">
           <a:xfrm>
-            <a:off x="8267700" y="0"/>
-            <a:ext cx="6326188" cy="1055688"/>
+            <a:off x="5658362" y="0"/>
+            <a:ext cx="4329603" cy="718957"/>
           </a:xfrm>
           <a:prstGeom prst="rect">
             <a:avLst/>
@@ -555,14 +555,14 @@
           <a:effectLst/>
         </p:spPr>
         <p:txBody>
-          <a:bodyPr vert="horz" wrap="square" lIns="91440" tIns="45720" rIns="91440" bIns="45720" numCol="1" anchor="t" anchorCtr="0" compatLnSpc="1">
+          <a:bodyPr vert="horz" wrap="square" lIns="62392" tIns="31196" rIns="62392" bIns="31196" numCol="1" anchor="t" anchorCtr="0" compatLnSpc="1">
             <a:prstTxWarp prst="textNoShape">
               <a:avLst/>
             </a:prstTxWarp>
           </a:bodyPr>
           <a:lstStyle>
             <a:lvl1pPr algn="r">
-              <a:defRPr sz="1200">
+              <a:defRPr sz="900">
                 <a:ea typeface="ＭＳ Ｐゴシック" pitchFamily="50" charset="-128"/>
               </a:defRPr>
             </a:lvl1pPr>
@@ -571,7 +571,7 @@
             <a:pPr>
               <a:defRPr/>
             </a:pPr>
-            <a:endParaRPr lang="en-US" altLang="ja-JP"/>
+            <a:endParaRPr lang="en-US" altLang="ja-JP" dirty="0"/>
           </a:p>
         </p:txBody>
       </p:sp>
@@ -593,8 +593,8 @@
         </p:nvSpPr>
         <p:spPr bwMode="auto">
           <a:xfrm>
-            <a:off x="2022475" y="1582738"/>
-            <a:ext cx="10553700" cy="7915275"/>
+            <a:off x="1403350" y="1077913"/>
+            <a:ext cx="7186613" cy="5389562"/>
           </a:xfrm>
           <a:prstGeom prst="rect">
             <a:avLst/>
@@ -637,8 +637,8 @@
         </p:nvSpPr>
         <p:spPr bwMode="auto">
           <a:xfrm>
-            <a:off x="1460500" y="10026650"/>
-            <a:ext cx="11677650" cy="9498013"/>
+            <a:off x="999557" y="6828468"/>
+            <a:ext cx="7992110" cy="6468450"/>
           </a:xfrm>
           <a:prstGeom prst="rect">
             <a:avLst/>
@@ -653,7 +653,7 @@
           <a:effectLst/>
         </p:spPr>
         <p:txBody>
-          <a:bodyPr vert="horz" wrap="square" lIns="91440" tIns="45720" rIns="91440" bIns="45720" numCol="1" anchor="t" anchorCtr="0" compatLnSpc="1">
+          <a:bodyPr vert="horz" wrap="square" lIns="62392" tIns="31196" rIns="62392" bIns="31196" numCol="1" anchor="t" anchorCtr="0" compatLnSpc="1">
             <a:prstTxWarp prst="textNoShape">
               <a:avLst/>
             </a:prstTxWarp>
@@ -746,8 +746,8 @@
         </p:nvSpPr>
         <p:spPr bwMode="auto">
           <a:xfrm>
-            <a:off x="0" y="20048538"/>
-            <a:ext cx="6326188" cy="1055687"/>
+            <a:off x="1" y="13653694"/>
+            <a:ext cx="4329603" cy="718957"/>
           </a:xfrm>
           <a:prstGeom prst="rect">
             <a:avLst/>
@@ -762,14 +762,14 @@
           <a:effectLst/>
         </p:spPr>
         <p:txBody>
-          <a:bodyPr vert="horz" wrap="square" lIns="91440" tIns="45720" rIns="91440" bIns="45720" numCol="1" anchor="b" anchorCtr="0" compatLnSpc="1">
+          <a:bodyPr vert="horz" wrap="square" lIns="62392" tIns="31196" rIns="62392" bIns="31196" numCol="1" anchor="b" anchorCtr="0" compatLnSpc="1">
             <a:prstTxWarp prst="textNoShape">
               <a:avLst/>
             </a:prstTxWarp>
           </a:bodyPr>
           <a:lstStyle>
             <a:lvl1pPr>
-              <a:defRPr sz="1200">
+              <a:defRPr sz="900">
                 <a:ea typeface="ＭＳ Ｐゴシック" pitchFamily="50" charset="-128"/>
               </a:defRPr>
             </a:lvl1pPr>
@@ -778,7 +778,7 @@
             <a:pPr>
               <a:defRPr/>
             </a:pPr>
-            <a:endParaRPr lang="en-US" altLang="ja-JP"/>
+            <a:endParaRPr lang="en-US" altLang="ja-JP" dirty="0"/>
           </a:p>
         </p:txBody>
       </p:sp>
@@ -800,8 +800,8 @@
         </p:nvSpPr>
         <p:spPr bwMode="auto">
           <a:xfrm>
-            <a:off x="8267700" y="20048538"/>
-            <a:ext cx="6326188" cy="1055687"/>
+            <a:off x="5658362" y="13653694"/>
+            <a:ext cx="4329603" cy="718957"/>
           </a:xfrm>
           <a:prstGeom prst="rect">
             <a:avLst/>
@@ -816,14 +816,14 @@
           <a:effectLst/>
         </p:spPr>
         <p:txBody>
-          <a:bodyPr vert="horz" wrap="square" lIns="91440" tIns="45720" rIns="91440" bIns="45720" numCol="1" anchor="b" anchorCtr="0" compatLnSpc="1">
+          <a:bodyPr vert="horz" wrap="square" lIns="62392" tIns="31196" rIns="62392" bIns="31196" numCol="1" anchor="b" anchorCtr="0" compatLnSpc="1">
             <a:prstTxWarp prst="textNoShape">
               <a:avLst/>
             </a:prstTxWarp>
           </a:bodyPr>
           <a:lstStyle>
             <a:lvl1pPr algn="r">
-              <a:defRPr sz="1200"/>
+              <a:defRPr sz="900"/>
             </a:lvl1pPr>
           </a:lstStyle>
           <a:p>
@@ -832,7 +832,7 @@
               <a:pPr/>
               <a:t>‹#›</a:t>
             </a:fld>
-            <a:endParaRPr lang="en-US" altLang="ja-JP"/>
+            <a:endParaRPr lang="en-US" altLang="ja-JP" dirty="0"/>
           </a:p>
         </p:txBody>
       </p:sp>
@@ -1024,7 +1024,7 @@
           <a:bodyPr/>
           <a:lstStyle>
             <a:lvl1pPr eaLnBrk="0" hangingPunct="0">
-              <a:defRPr kumimoji="1" sz="1600">
+              <a:defRPr kumimoji="1" sz="1200">
                 <a:solidFill>
                   <a:schemeClr val="tx1"/>
                 </a:solidFill>
@@ -1032,8 +1032,8 @@
                 <a:ea typeface="ＭＳ Ｐゴシック" panose="020B0600070205080204" pitchFamily="34" charset="-128"/>
               </a:defRPr>
             </a:lvl1pPr>
-            <a:lvl2pPr marL="742950" indent="-285750" eaLnBrk="0" hangingPunct="0">
-              <a:defRPr kumimoji="1" sz="1600">
+            <a:lvl2pPr marL="506931" indent="-194974" eaLnBrk="0" hangingPunct="0">
+              <a:defRPr kumimoji="1" sz="1200">
                 <a:solidFill>
                   <a:schemeClr val="tx1"/>
                 </a:solidFill>
@@ -1041,8 +1041,8 @@
                 <a:ea typeface="ＭＳ Ｐゴシック" panose="020B0600070205080204" pitchFamily="34" charset="-128"/>
               </a:defRPr>
             </a:lvl2pPr>
-            <a:lvl3pPr marL="1143000" indent="-228600" eaLnBrk="0" hangingPunct="0">
-              <a:defRPr kumimoji="1" sz="1600">
+            <a:lvl3pPr marL="779895" indent="-155979" eaLnBrk="0" hangingPunct="0">
+              <a:defRPr kumimoji="1" sz="1200">
                 <a:solidFill>
                   <a:schemeClr val="tx1"/>
                 </a:solidFill>
@@ -1050,8 +1050,8 @@
                 <a:ea typeface="ＭＳ Ｐゴシック" panose="020B0600070205080204" pitchFamily="34" charset="-128"/>
               </a:defRPr>
             </a:lvl3pPr>
-            <a:lvl4pPr marL="1600200" indent="-228600" eaLnBrk="0" hangingPunct="0">
-              <a:defRPr kumimoji="1" sz="1600">
+            <a:lvl4pPr marL="1091853" indent="-155979" eaLnBrk="0" hangingPunct="0">
+              <a:defRPr kumimoji="1" sz="1200">
                 <a:solidFill>
                   <a:schemeClr val="tx1"/>
                 </a:solidFill>
@@ -1059,8 +1059,8 @@
                 <a:ea typeface="ＭＳ Ｐゴシック" panose="020B0600070205080204" pitchFamily="34" charset="-128"/>
               </a:defRPr>
             </a:lvl4pPr>
-            <a:lvl5pPr marL="2057400" indent="-228600" eaLnBrk="0" hangingPunct="0">
-              <a:defRPr kumimoji="1" sz="1600">
+            <a:lvl5pPr marL="1403811" indent="-155979" eaLnBrk="0" hangingPunct="0">
+              <a:defRPr kumimoji="1" sz="1200">
                 <a:solidFill>
                   <a:schemeClr val="tx1"/>
                 </a:solidFill>
@@ -1068,14 +1068,14 @@
                 <a:ea typeface="ＭＳ Ｐゴシック" panose="020B0600070205080204" pitchFamily="34" charset="-128"/>
               </a:defRPr>
             </a:lvl5pPr>
-            <a:lvl6pPr marL="2514600" indent="-228600" eaLnBrk="0" fontAlgn="base" hangingPunct="0">
+            <a:lvl6pPr marL="1715770" indent="-155979" eaLnBrk="0" fontAlgn="base" hangingPunct="0">
               <a:spcBef>
                 <a:spcPct val="0"/>
               </a:spcBef>
               <a:spcAft>
                 <a:spcPct val="0"/>
               </a:spcAft>
-              <a:defRPr kumimoji="1" sz="1600">
+              <a:defRPr kumimoji="1" sz="1200">
                 <a:solidFill>
                   <a:schemeClr val="tx1"/>
                 </a:solidFill>
@@ -1083,14 +1083,14 @@
                 <a:ea typeface="ＭＳ Ｐゴシック" panose="020B0600070205080204" pitchFamily="34" charset="-128"/>
               </a:defRPr>
             </a:lvl6pPr>
-            <a:lvl7pPr marL="2971800" indent="-228600" eaLnBrk="0" fontAlgn="base" hangingPunct="0">
+            <a:lvl7pPr marL="2027727" indent="-155979" eaLnBrk="0" fontAlgn="base" hangingPunct="0">
               <a:spcBef>
                 <a:spcPct val="0"/>
               </a:spcBef>
               <a:spcAft>
                 <a:spcPct val="0"/>
               </a:spcAft>
-              <a:defRPr kumimoji="1" sz="1600">
+              <a:defRPr kumimoji="1" sz="1200">
                 <a:solidFill>
                   <a:schemeClr val="tx1"/>
                 </a:solidFill>
@@ -1098,14 +1098,14 @@
                 <a:ea typeface="ＭＳ Ｐゴシック" panose="020B0600070205080204" pitchFamily="34" charset="-128"/>
               </a:defRPr>
             </a:lvl7pPr>
-            <a:lvl8pPr marL="3429000" indent="-228600" eaLnBrk="0" fontAlgn="base" hangingPunct="0">
+            <a:lvl8pPr marL="2339685" indent="-155979" eaLnBrk="0" fontAlgn="base" hangingPunct="0">
               <a:spcBef>
                 <a:spcPct val="0"/>
               </a:spcBef>
               <a:spcAft>
                 <a:spcPct val="0"/>
               </a:spcAft>
-              <a:defRPr kumimoji="1" sz="1600">
+              <a:defRPr kumimoji="1" sz="1200">
                 <a:solidFill>
                   <a:schemeClr val="tx1"/>
                 </a:solidFill>
@@ -1113,14 +1113,14 @@
                 <a:ea typeface="ＭＳ Ｐゴシック" panose="020B0600070205080204" pitchFamily="34" charset="-128"/>
               </a:defRPr>
             </a:lvl8pPr>
-            <a:lvl9pPr marL="3886200" indent="-228600" eaLnBrk="0" fontAlgn="base" hangingPunct="0">
+            <a:lvl9pPr marL="2651644" indent="-155979" eaLnBrk="0" fontAlgn="base" hangingPunct="0">
               <a:spcBef>
                 <a:spcPct val="0"/>
               </a:spcBef>
               <a:spcAft>
                 <a:spcPct val="0"/>
               </a:spcAft>
-              <a:defRPr kumimoji="1" sz="1600">
+              <a:defRPr kumimoji="1" sz="1200">
                 <a:solidFill>
                   <a:schemeClr val="tx1"/>
                 </a:solidFill>
@@ -1132,11 +1132,11 @@
           <a:p>
             <a:pPr eaLnBrk="1" hangingPunct="1"/>
             <a:fld id="{C5DB9EE4-A8CE-D847-B8E4-F9D0D400AE19}" type="slidenum">
-              <a:rPr lang="en-US" altLang="ja-JP" sz="1200"/>
+              <a:rPr lang="en-US" altLang="ja-JP" sz="900"/>
               <a:pPr eaLnBrk="1" hangingPunct="1"/>
               <a:t>1</a:t>
             </a:fld>
-            <a:endParaRPr lang="en-US" altLang="ja-JP" sz="1200"/>
+            <a:endParaRPr lang="en-US" altLang="ja-JP" sz="900"/>
           </a:p>
         </p:txBody>
       </p:sp>
@@ -4293,232 +4293,153 @@
           <a:chExt cx="0" cy="0"/>
         </a:xfrm>
       </p:grpSpPr>
-      <p:grpSp>
-        <p:nvGrpSpPr>
-          <p:cNvPr id="4" name="グループ化 3">
-            <a:extLst>
-              <a:ext uri="{FF2B5EF4-FFF2-40B4-BE49-F238E27FC236}">
-                <a16:creationId xmlns:a16="http://schemas.microsoft.com/office/drawing/2014/main" id="{FC924C0E-856A-406C-88EE-02AEBA973A97}"/>
-              </a:ext>
-            </a:extLst>
-          </p:cNvPr>
-          <p:cNvGrpSpPr/>
+      <p:sp>
+        <p:nvSpPr>
+          <p:cNvPr id="13" name="四角形: 角を丸くする 12">
+            <a:extLst>
+              <a:ext uri="{FF2B5EF4-FFF2-40B4-BE49-F238E27FC236}">
+                <a16:creationId xmlns:a16="http://schemas.microsoft.com/office/drawing/2014/main" id="{84934B8C-C644-49A7-8C50-B417AAAD4BD4}"/>
+              </a:ext>
+            </a:extLst>
+          </p:cNvPr>
+          <p:cNvSpPr/>
           <p:nvPr/>
-        </p:nvGrpSpPr>
-        <p:grpSpPr>
+        </p:nvSpPr>
+        <p:spPr>
           <a:xfrm>
             <a:off x="2626849" y="264096"/>
             <a:ext cx="2520000" cy="1368400"/>
-            <a:chOff x="2626849" y="264096"/>
-            <a:chExt cx="2520000" cy="1368400"/>
-          </a:xfrm>
-        </p:grpSpPr>
-        <p:sp>
-          <p:nvSpPr>
-            <p:cNvPr id="13" name="四角形: 角を丸くする 12">
-              <a:extLst>
-                <a:ext uri="{FF2B5EF4-FFF2-40B4-BE49-F238E27FC236}">
-                  <a16:creationId xmlns:a16="http://schemas.microsoft.com/office/drawing/2014/main" id="{84934B8C-C644-49A7-8C50-B417AAAD4BD4}"/>
-                </a:ext>
-              </a:extLst>
-            </p:cNvPr>
-            <p:cNvSpPr/>
-            <p:nvPr/>
-          </p:nvSpPr>
-          <p:spPr>
-            <a:xfrm>
-              <a:off x="2626849" y="264096"/>
-              <a:ext cx="2520000" cy="1368400"/>
-            </a:xfrm>
-            <a:prstGeom prst="roundRect">
-              <a:avLst>
-                <a:gd name="adj" fmla="val 13495"/>
-              </a:avLst>
-            </a:prstGeom>
-            <a:ln w="28575">
+          </a:xfrm>
+          <a:prstGeom prst="roundRect">
+            <a:avLst>
+              <a:gd name="adj" fmla="val 13495"/>
+            </a:avLst>
+          </a:prstGeom>
+          <a:ln w="28575">
+            <a:solidFill>
+              <a:schemeClr val="accent6">
+                <a:lumMod val="60000"/>
+                <a:lumOff val="40000"/>
+              </a:schemeClr>
+            </a:solidFill>
+          </a:ln>
+        </p:spPr>
+        <p:style>
+          <a:lnRef idx="2">
+            <a:schemeClr val="accent6"/>
+          </a:lnRef>
+          <a:fillRef idx="1">
+            <a:schemeClr val="lt1"/>
+          </a:fillRef>
+          <a:effectRef idx="0">
+            <a:schemeClr val="accent6"/>
+          </a:effectRef>
+          <a:fontRef idx="minor">
+            <a:schemeClr val="dk1"/>
+          </a:fontRef>
+        </p:style>
+        <p:txBody>
+          <a:bodyPr rtlCol="0" anchor="ctr"/>
+          <a:lstStyle/>
+          <a:p>
+            <a:pPr marL="0" marR="0" lvl="0" indent="0" algn="ctr" defTabSz="914400" rtl="0" eaLnBrk="1" fontAlgn="base" latinLnBrk="0" hangingPunct="1">
+              <a:lnSpc>
+                <a:spcPct val="100000"/>
+              </a:lnSpc>
+              <a:spcBef>
+                <a:spcPct val="0"/>
+              </a:spcBef>
+              <a:spcAft>
+                <a:spcPct val="0"/>
+              </a:spcAft>
+              <a:buClrTx/>
+              <a:buSzTx/>
+              <a:buFontTx/>
+              <a:buNone/>
+              <a:tabLst/>
+              <a:defRPr/>
+            </a:pPr>
+            <a:endParaRPr kumimoji="1" lang="ja-JP" altLang="en-US" sz="1600" b="0" i="0" u="none" strike="noStrike" kern="1200" cap="none" spc="0" normalizeH="0" baseline="0" noProof="0">
+              <a:ln>
+                <a:noFill/>
+              </a:ln>
               <a:solidFill>
-                <a:schemeClr val="accent6">
-                  <a:lumMod val="60000"/>
-                  <a:lumOff val="40000"/>
-                </a:schemeClr>
+                <a:prstClr val="black"/>
               </a:solidFill>
-            </a:ln>
-          </p:spPr>
-          <p:style>
-            <a:lnRef idx="2">
-              <a:schemeClr val="accent6"/>
-            </a:lnRef>
-            <a:fillRef idx="1">
-              <a:schemeClr val="lt1"/>
-            </a:fillRef>
-            <a:effectRef idx="0">
-              <a:schemeClr val="accent6"/>
-            </a:effectRef>
-            <a:fontRef idx="minor">
-              <a:schemeClr val="dk1"/>
-            </a:fontRef>
-          </p:style>
-          <p:txBody>
-            <a:bodyPr rtlCol="0" anchor="ctr"/>
-            <a:lstStyle/>
-            <a:p>
-              <a:pPr marL="0" marR="0" lvl="0" indent="0" algn="ctr" defTabSz="914400" rtl="0" eaLnBrk="1" fontAlgn="base" latinLnBrk="0" hangingPunct="1">
-                <a:lnSpc>
-                  <a:spcPct val="100000"/>
-                </a:lnSpc>
-                <a:spcBef>
-                  <a:spcPct val="0"/>
-                </a:spcBef>
-                <a:spcAft>
-                  <a:spcPct val="0"/>
-                </a:spcAft>
-                <a:buClrTx/>
-                <a:buSzTx/>
-                <a:buFontTx/>
-                <a:buNone/>
-                <a:tabLst/>
-                <a:defRPr/>
-              </a:pPr>
-              <a:endParaRPr kumimoji="1" lang="ja-JP" altLang="en-US" sz="1600" b="0" i="0" u="none" strike="noStrike" kern="1200" cap="none" spc="0" normalizeH="0" baseline="0" noProof="0">
-                <a:ln>
-                  <a:noFill/>
-                </a:ln>
-                <a:solidFill>
-                  <a:prstClr val="black"/>
-                </a:solidFill>
-                <a:effectLst/>
-                <a:uLnTx/>
-                <a:uFillTx/>
-                <a:latin typeface="游ゴシック" panose="020F0502020204030204"/>
-                <a:ea typeface="游ゴシック" panose="020B0400000000000000" pitchFamily="50" charset="-128"/>
-                <a:cs typeface="+mn-cs"/>
-              </a:endParaRPr>
-            </a:p>
-          </p:txBody>
-        </p:sp>
-        <p:sp>
-          <p:nvSpPr>
-            <p:cNvPr id="9" name="テキスト ボックス 8">
-              <a:extLst>
-                <a:ext uri="{FF2B5EF4-FFF2-40B4-BE49-F238E27FC236}">
-                  <a16:creationId xmlns:a16="http://schemas.microsoft.com/office/drawing/2014/main" id="{27FC2256-755B-4562-8E23-88557EE81276}"/>
-                </a:ext>
-              </a:extLst>
-            </p:cNvPr>
-            <p:cNvSpPr txBox="1"/>
-            <p:nvPr/>
-          </p:nvSpPr>
-          <p:spPr>
-            <a:xfrm>
-              <a:off x="2887906" y="264096"/>
-              <a:ext cx="2002046" cy="430887"/>
-            </a:xfrm>
-            <a:prstGeom prst="rect">
-              <a:avLst/>
-            </a:prstGeom>
+              <a:effectLst/>
+              <a:uLnTx/>
+              <a:uFillTx/>
+              <a:latin typeface="游ゴシック" panose="020F0502020204030204"/>
+              <a:ea typeface="游ゴシック" panose="020B0400000000000000" pitchFamily="50" charset="-128"/>
+              <a:cs typeface="+mn-cs"/>
+            </a:endParaRPr>
+          </a:p>
+        </p:txBody>
+      </p:sp>
+      <p:sp>
+        <p:nvSpPr>
+          <p:cNvPr id="9" name="テキスト ボックス 8">
+            <a:extLst>
+              <a:ext uri="{FF2B5EF4-FFF2-40B4-BE49-F238E27FC236}">
+                <a16:creationId xmlns:a16="http://schemas.microsoft.com/office/drawing/2014/main" id="{27FC2256-755B-4562-8E23-88557EE81276}"/>
+              </a:ext>
+            </a:extLst>
+          </p:cNvPr>
+          <p:cNvSpPr txBox="1"/>
+          <p:nvPr/>
+        </p:nvSpPr>
+        <p:spPr>
+          <a:xfrm>
+            <a:off x="2887906" y="264096"/>
+            <a:ext cx="2002046" cy="430887"/>
+          </a:xfrm>
+          <a:prstGeom prst="rect">
+            <a:avLst/>
+          </a:prstGeom>
+          <a:noFill/>
+          <a:ln>
             <a:noFill/>
-            <a:ln>
-              <a:noFill/>
-            </a:ln>
-          </p:spPr>
-          <p:style>
-            <a:lnRef idx="0">
-              <a:scrgbClr r="0" g="0" b="0"/>
-            </a:lnRef>
-            <a:fillRef idx="0">
-              <a:scrgbClr r="0" g="0" b="0"/>
-            </a:fillRef>
-            <a:effectRef idx="0">
-              <a:scrgbClr r="0" g="0" b="0"/>
-            </a:effectRef>
-            <a:fontRef idx="minor">
-              <a:schemeClr val="dk1"/>
-            </a:fontRef>
-          </p:style>
-          <p:txBody>
-            <a:bodyPr wrap="square" rtlCol="0">
-              <a:spAutoFit/>
-            </a:bodyPr>
-            <a:lstStyle/>
-            <a:p>
-              <a:pPr marL="0" marR="0" lvl="0" indent="0" algn="l" defTabSz="914400" rtl="0" eaLnBrk="1" fontAlgn="base" latinLnBrk="0" hangingPunct="1">
-                <a:lnSpc>
-                  <a:spcPct val="100000"/>
-                </a:lnSpc>
-                <a:spcBef>
-                  <a:spcPct val="0"/>
-                </a:spcBef>
-                <a:spcAft>
-                  <a:spcPct val="0"/>
-                </a:spcAft>
-                <a:buClrTx/>
-                <a:buSzTx/>
-                <a:buFontTx/>
-                <a:buNone/>
-                <a:tabLst/>
-                <a:defRPr/>
-              </a:pPr>
-              <a:r>
-                <a:rPr kumimoji="1" lang="ja-JP" altLang="en-US" sz="2200" b="0" i="0" u="none" strike="noStrike" kern="1200" cap="none" spc="0" normalizeH="0" baseline="0" noProof="0" dirty="0">
-                  <a:ln>
-                    <a:noFill/>
-                  </a:ln>
-                  <a:solidFill>
-                    <a:srgbClr val="70AD47">
-                      <a:lumMod val="60000"/>
-                      <a:lumOff val="40000"/>
-                    </a:srgbClr>
-                  </a:solidFill>
-                  <a:effectLst/>
-                  <a:uLnTx/>
-                  <a:uFillTx/>
-                  <a:latin typeface="HG創英角ｺﾞｼｯｸUB" panose="020B0909000000000000" pitchFamily="49" charset="-128"/>
-                  <a:ea typeface="HG創英角ｺﾞｼｯｸUB" panose="020B0909000000000000" pitchFamily="49" charset="-128"/>
-                  <a:cs typeface="+mn-cs"/>
-                </a:rPr>
-                <a:t>２</a:t>
-              </a:r>
-              <a:r>
-                <a:rPr kumimoji="1" lang="en-US" altLang="ja-JP" sz="2200" b="1" i="0" u="none" strike="noStrike" kern="1200" cap="none" spc="0" normalizeH="0" baseline="0" noProof="0" dirty="0">
-                  <a:ln>
-                    <a:noFill/>
-                  </a:ln>
-                  <a:solidFill>
-                    <a:srgbClr val="70AD47">
-                      <a:lumMod val="60000"/>
-                      <a:lumOff val="40000"/>
-                    </a:srgbClr>
-                  </a:solidFill>
-                  <a:effectLst/>
-                  <a:uLnTx/>
-                  <a:uFillTx/>
-                  <a:latin typeface="HG創英角ｺﾞｼｯｸUB" panose="020B0909000000000000" pitchFamily="49" charset="-128"/>
-                  <a:ea typeface="HG創英角ｺﾞｼｯｸUB" panose="020B0909000000000000" pitchFamily="49" charset="-128"/>
-                  <a:cs typeface="+mn-cs"/>
-                </a:rPr>
-                <a:t>.</a:t>
-              </a:r>
-              <a:r>
-                <a:rPr kumimoji="1" lang="ja-JP" altLang="en-US" sz="2200" b="0" i="0" u="none" strike="noStrike" kern="1200" cap="none" spc="0" normalizeH="0" baseline="0" noProof="0" dirty="0">
-                  <a:ln>
-                    <a:noFill/>
-                  </a:ln>
-                  <a:solidFill>
-                    <a:srgbClr val="70AD47">
-                      <a:lumMod val="60000"/>
-                      <a:lumOff val="40000"/>
-                    </a:srgbClr>
-                  </a:solidFill>
-                  <a:effectLst/>
-                  <a:uLnTx/>
-                  <a:uFillTx/>
-                  <a:latin typeface="HG創英角ｺﾞｼｯｸUB" panose="020B0909000000000000" pitchFamily="49" charset="-128"/>
-                  <a:ea typeface="HG創英角ｺﾞｼｯｸUB" panose="020B0909000000000000" pitchFamily="49" charset="-128"/>
-                  <a:cs typeface="+mn-cs"/>
-                </a:rPr>
-                <a:t>構造モデル</a:t>
-              </a:r>
-              <a:endParaRPr kumimoji="1" lang="en-US" altLang="ja-JP" sz="2200" b="0" i="0" u="none" strike="noStrike" kern="1200" cap="none" spc="0" normalizeH="0" baseline="0" noProof="0" dirty="0">
+          </a:ln>
+        </p:spPr>
+        <p:style>
+          <a:lnRef idx="0">
+            <a:scrgbClr r="0" g="0" b="0"/>
+          </a:lnRef>
+          <a:fillRef idx="0">
+            <a:scrgbClr r="0" g="0" b="0"/>
+          </a:fillRef>
+          <a:effectRef idx="0">
+            <a:scrgbClr r="0" g="0" b="0"/>
+          </a:effectRef>
+          <a:fontRef idx="minor">
+            <a:schemeClr val="dk1"/>
+          </a:fontRef>
+        </p:style>
+        <p:txBody>
+          <a:bodyPr wrap="square" rtlCol="0">
+            <a:spAutoFit/>
+          </a:bodyPr>
+          <a:lstStyle/>
+          <a:p>
+            <a:pPr marL="0" marR="0" lvl="0" indent="0" algn="l" defTabSz="914400" rtl="0" eaLnBrk="1" fontAlgn="base" latinLnBrk="0" hangingPunct="1">
+              <a:lnSpc>
+                <a:spcPct val="100000"/>
+              </a:lnSpc>
+              <a:spcBef>
+                <a:spcPct val="0"/>
+              </a:spcBef>
+              <a:spcAft>
+                <a:spcPct val="0"/>
+              </a:spcAft>
+              <a:buClrTx/>
+              <a:buSzTx/>
+              <a:buFontTx/>
+              <a:buNone/>
+              <a:tabLst/>
+              <a:defRPr/>
+            </a:pPr>
+            <a:r>
+              <a:rPr kumimoji="1" lang="ja-JP" altLang="en-US" sz="2200" b="0" i="0" u="none" strike="noStrike" kern="1200" cap="none" spc="0" normalizeH="0" baseline="0" noProof="0" dirty="0">
                 <a:ln>
                   <a:noFill/>
                 </a:ln>
@@ -4534,11 +4455,69 @@
                 <a:latin typeface="HG創英角ｺﾞｼｯｸUB" panose="020B0909000000000000" pitchFamily="49" charset="-128"/>
                 <a:ea typeface="HG創英角ｺﾞｼｯｸUB" panose="020B0909000000000000" pitchFamily="49" charset="-128"/>
                 <a:cs typeface="+mn-cs"/>
-              </a:endParaRPr>
-            </a:p>
-          </p:txBody>
-        </p:sp>
-      </p:grpSp>
+              </a:rPr>
+              <a:t>２</a:t>
+            </a:r>
+            <a:r>
+              <a:rPr kumimoji="1" lang="en-US" altLang="ja-JP" sz="2200" b="1" i="0" u="none" strike="noStrike" kern="1200" cap="none" spc="0" normalizeH="0" baseline="0" noProof="0" dirty="0">
+                <a:ln>
+                  <a:noFill/>
+                </a:ln>
+                <a:solidFill>
+                  <a:srgbClr val="70AD47">
+                    <a:lumMod val="60000"/>
+                    <a:lumOff val="40000"/>
+                  </a:srgbClr>
+                </a:solidFill>
+                <a:effectLst/>
+                <a:uLnTx/>
+                <a:uFillTx/>
+                <a:latin typeface="HG創英角ｺﾞｼｯｸUB" panose="020B0909000000000000" pitchFamily="49" charset="-128"/>
+                <a:ea typeface="HG創英角ｺﾞｼｯｸUB" panose="020B0909000000000000" pitchFamily="49" charset="-128"/>
+                <a:cs typeface="+mn-cs"/>
+              </a:rPr>
+              <a:t>.</a:t>
+            </a:r>
+            <a:r>
+              <a:rPr kumimoji="1" lang="ja-JP" altLang="en-US" sz="2200" b="0" i="0" u="none" strike="noStrike" kern="1200" cap="none" spc="0" normalizeH="0" baseline="0" noProof="0" dirty="0">
+                <a:ln>
+                  <a:noFill/>
+                </a:ln>
+                <a:solidFill>
+                  <a:srgbClr val="70AD47">
+                    <a:lumMod val="60000"/>
+                    <a:lumOff val="40000"/>
+                  </a:srgbClr>
+                </a:solidFill>
+                <a:effectLst/>
+                <a:uLnTx/>
+                <a:uFillTx/>
+                <a:latin typeface="HG創英角ｺﾞｼｯｸUB" panose="020B0909000000000000" pitchFamily="49" charset="-128"/>
+                <a:ea typeface="HG創英角ｺﾞｼｯｸUB" panose="020B0909000000000000" pitchFamily="49" charset="-128"/>
+                <a:cs typeface="+mn-cs"/>
+              </a:rPr>
+              <a:t>構造モデル</a:t>
+            </a:r>
+            <a:endParaRPr kumimoji="1" lang="en-US" altLang="ja-JP" sz="2200" b="0" i="0" u="none" strike="noStrike" kern="1200" cap="none" spc="0" normalizeH="0" baseline="0" noProof="0" dirty="0">
+              <a:ln>
+                <a:noFill/>
+              </a:ln>
+              <a:solidFill>
+                <a:srgbClr val="70AD47">
+                  <a:lumMod val="60000"/>
+                  <a:lumOff val="40000"/>
+                </a:srgbClr>
+              </a:solidFill>
+              <a:effectLst/>
+              <a:uLnTx/>
+              <a:uFillTx/>
+              <a:latin typeface="HG創英角ｺﾞｼｯｸUB" panose="020B0909000000000000" pitchFamily="49" charset="-128"/>
+              <a:ea typeface="HG創英角ｺﾞｼｯｸUB" panose="020B0909000000000000" pitchFamily="49" charset="-128"/>
+              <a:cs typeface="+mn-cs"/>
+            </a:endParaRPr>
+          </a:p>
+        </p:txBody>
+      </p:sp>
       <p:sp>
         <p:nvSpPr>
           <p:cNvPr id="12" name="四角形: 角を丸くする 11">
@@ -5037,7 +5016,7 @@
         </p:nvSpPr>
         <p:spPr>
           <a:xfrm>
-            <a:off x="5159562" y="264096"/>
+            <a:off x="5104656" y="264096"/>
             <a:ext cx="2577483" cy="446276"/>
           </a:xfrm>
           <a:prstGeom prst="rect">
@@ -5179,7 +5158,7 @@
         </p:nvSpPr>
         <p:spPr>
           <a:xfrm>
-            <a:off x="8207348" y="336104"/>
+            <a:off x="8207348" y="264096"/>
             <a:ext cx="1445666" cy="430887"/>
           </a:xfrm>
           <a:prstGeom prst="rect">
@@ -5636,21 +5615,17 @@
           <a:prstGeom prst="line">
             <a:avLst/>
           </a:prstGeom>
-          <a:ln w="12700">
-            <a:solidFill>
-              <a:schemeClr val="accent6"/>
-            </a:solidFill>
-          </a:ln>
+          <a:ln/>
         </p:spPr>
         <p:style>
           <a:lnRef idx="1">
-            <a:schemeClr val="accent1"/>
+            <a:schemeClr val="accent6"/>
           </a:lnRef>
           <a:fillRef idx="0">
-            <a:schemeClr val="accent1"/>
+            <a:schemeClr val="accent6"/>
           </a:fillRef>
           <a:effectRef idx="0">
-            <a:schemeClr val="accent1"/>
+            <a:schemeClr val="accent6"/>
           </a:effectRef>
           <a:fontRef idx="minor">
             <a:schemeClr val="tx1"/>
@@ -5679,21 +5654,17 @@
           <a:prstGeom prst="line">
             <a:avLst/>
           </a:prstGeom>
-          <a:ln w="12700">
-            <a:solidFill>
-              <a:schemeClr val="accent6"/>
-            </a:solidFill>
-          </a:ln>
+          <a:ln/>
         </p:spPr>
         <p:style>
           <a:lnRef idx="1">
-            <a:schemeClr val="accent1"/>
+            <a:schemeClr val="accent6"/>
           </a:lnRef>
           <a:fillRef idx="0">
-            <a:schemeClr val="accent1"/>
+            <a:schemeClr val="accent6"/>
           </a:fillRef>
           <a:effectRef idx="0">
-            <a:schemeClr val="accent1"/>
+            <a:schemeClr val="accent6"/>
           </a:effectRef>
           <a:fontRef idx="minor">
             <a:schemeClr val="tx1"/>
@@ -5746,7 +5717,17 @@
               <a:defRPr/>
             </a:pPr>
             <a:r>
-              <a:rPr kumimoji="1" lang="ja-JP" altLang="en-US" sz="1600" b="1" i="0" u="none" strike="noStrike" kern="1200" cap="none" spc="0" normalizeH="0" baseline="0" noProof="0" dirty="0">
+              <a:rPr lang="ja-JP" altLang="en-US" b="1" dirty="0">
+                <a:solidFill>
+                  <a:prstClr val="black"/>
+                </a:solidFill>
+                <a:latin typeface="游ゴシック" panose="020B0400000000000000" pitchFamily="50" charset="-128"/>
+                <a:ea typeface="游ゴシック" panose="020B0400000000000000" pitchFamily="50" charset="-128"/>
+              </a:rPr>
+              <a:t>補足１</a:t>
+            </a:r>
+            <a:r>
+              <a:rPr kumimoji="1" lang="ja-JP" altLang="en-US" sz="1600" b="1" i="0" u="none" strike="noStrike" kern="1200" cap="none" spc="0" normalizeH="0" baseline="0" noProof="0" dirty="0" err="1">
                 <a:ln>
                   <a:noFill/>
                 </a:ln>
@@ -5759,7 +5740,7 @@
                 <a:latin typeface="游ゴシック" panose="020B0400000000000000" pitchFamily="50" charset="-128"/>
                 <a:ea typeface="游ゴシック" panose="020B0400000000000000" pitchFamily="50" charset="-128"/>
               </a:rPr>
-              <a:t>３．</a:t>
+              <a:t>．</a:t>
             </a:r>
             <a:r>
               <a:rPr lang="ja-JP" altLang="en-US" b="1" dirty="0">
@@ -5883,7 +5864,39 @@
                 <a:latin typeface="メイリオ" panose="020B0604030504040204" pitchFamily="50" charset="-128"/>
                 <a:ea typeface="メイリオ" panose="020B0604030504040204" pitchFamily="50" charset="-128"/>
               </a:rPr>
-              <a:t>走行体が提供する機能を実現するため、以下の周期タスクを定義する。なお、通信タスクは走行準備に含むため、モデルからは省略する。</a:t>
+              <a:t>走行体が提供する機能を実現するため、以下の周期タスクを定義する。なお、</a:t>
+            </a:r>
+            <a:r>
+              <a:rPr kumimoji="1" lang="ja-JP" altLang="en-US" sz="1050" b="1" i="0" u="none" strike="noStrike" kern="1200" cap="none" spc="0" normalizeH="0" baseline="0" noProof="0" dirty="0">
+                <a:ln>
+                  <a:noFill/>
+                </a:ln>
+                <a:solidFill>
+                  <a:srgbClr val="FF0000"/>
+                </a:solidFill>
+                <a:effectLst/>
+                <a:uLnTx/>
+                <a:uFillTx/>
+                <a:latin typeface="メイリオ" panose="020B0604030504040204" pitchFamily="50" charset="-128"/>
+                <a:ea typeface="メイリオ" panose="020B0604030504040204" pitchFamily="50" charset="-128"/>
+              </a:rPr>
+              <a:t>通信タスクは走行準備に含むため、モデルからは省略する</a:t>
+            </a:r>
+            <a:r>
+              <a:rPr kumimoji="1" lang="ja-JP" altLang="en-US" sz="1050" b="0" i="0" u="none" strike="noStrike" kern="1200" cap="none" spc="0" normalizeH="0" baseline="0" noProof="0" dirty="0">
+                <a:ln>
+                  <a:noFill/>
+                </a:ln>
+                <a:solidFill>
+                  <a:prstClr val="black"/>
+                </a:solidFill>
+                <a:effectLst/>
+                <a:uLnTx/>
+                <a:uFillTx/>
+                <a:latin typeface="メイリオ" panose="020B0604030504040204" pitchFamily="50" charset="-128"/>
+                <a:ea typeface="メイリオ" panose="020B0604030504040204" pitchFamily="50" charset="-128"/>
+              </a:rPr>
+              <a:t>。</a:t>
             </a:r>
           </a:p>
         </p:txBody>
@@ -5921,24 +5934,38 @@
                 <a:latin typeface="メイリオ" panose="020B0604030504040204" pitchFamily="50" charset="-128"/>
                 <a:ea typeface="メイリオ" panose="020B0604030504040204" pitchFamily="50" charset="-128"/>
               </a:rPr>
-              <a:t>走行体は競技者に「コースを完走する」という機能を与える。今回我々は、</a:t>
+              <a:t>走行体は競技者に「コースを完走する」という機能</a:t>
             </a:r>
             <a:r>
               <a:rPr lang="ja-JP" altLang="en-US" sz="1050" dirty="0">
                 <a:latin typeface="メイリオ" panose="020B0604030504040204" pitchFamily="50" charset="-128"/>
                 <a:ea typeface="メイリオ" panose="020B0604030504040204" pitchFamily="50" charset="-128"/>
               </a:rPr>
-              <a:t> 「コースを完走する」という課題をスタート動作を終えてからゴールゲートを通過するまでの動作と定義し、</a:t>
-            </a:r>
-            <a:r>
-              <a:rPr lang="ja-JP" altLang="en-US" sz="1050" b="1" dirty="0">
-                <a:solidFill>
-                  <a:srgbClr val="FF0000"/>
-                </a:solidFill>
+              <a:t>を提供する</a:t>
+            </a:r>
+            <a:r>
+              <a:rPr kumimoji="1" lang="ja-JP" altLang="en-US" sz="1050" dirty="0">
                 <a:latin typeface="メイリオ" panose="020B0604030504040204" pitchFamily="50" charset="-128"/>
                 <a:ea typeface="メイリオ" panose="020B0604030504040204" pitchFamily="50" charset="-128"/>
               </a:rPr>
-              <a:t>それ以外のタスクの起動やセンサのキャリブレーション、クラスの初期化、スタート動作などは走行準備とみなし、モデルでは省略する</a:t>
+              <a:t>。今回我々は</a:t>
+            </a:r>
+            <a:r>
+              <a:rPr lang="ja-JP" altLang="en-US" sz="1050" dirty="0">
+                <a:latin typeface="メイリオ" panose="020B0604030504040204" pitchFamily="50" charset="-128"/>
+                <a:ea typeface="メイリオ" panose="020B0604030504040204" pitchFamily="50" charset="-128"/>
+              </a:rPr>
+              <a:t>、「コースを完走する」という課題をスタート動作を終えてからゴールゲートを通過するまでの動作と定義し、</a:t>
+            </a:r>
+            <a:r>
+              <a:rPr lang="ja-JP" altLang="en-US" sz="1050" b="1" dirty="0">
+                <a:solidFill>
+                  <a:srgbClr val="FF0000"/>
+                </a:solidFill>
+                <a:latin typeface="メイリオ" panose="020B0604030504040204" pitchFamily="50" charset="-128"/>
+                <a:ea typeface="メイリオ" panose="020B0604030504040204" pitchFamily="50" charset="-128"/>
+              </a:rPr>
+              <a:t>それ以外のタスクの起動やデバイスのキャリブレーション、クラスの初期化、スタート動作などは走行準備とみなし、モデルでは省略する</a:t>
             </a:r>
             <a:r>
               <a:rPr lang="ja-JP" altLang="en-US" sz="1050" dirty="0">
@@ -5999,7 +6026,7 @@
         <p:spPr>
           <a:xfrm>
             <a:off x="100800" y="6467720"/>
-            <a:ext cx="2448268" cy="338554"/>
+            <a:ext cx="2787106" cy="338554"/>
           </a:xfrm>
           <a:prstGeom prst="rect">
             <a:avLst/>
@@ -6017,7 +6044,7 @@
                 <a:latin typeface="+mn-lt"/>
                 <a:ea typeface="+mn-ea"/>
               </a:rPr>
-              <a:t>補足</a:t>
+              <a:t>補足２</a:t>
             </a:r>
             <a:r>
               <a:rPr lang="en-US" altLang="ja-JP" b="1" dirty="0">
@@ -6060,7 +6087,7 @@
         <p:spPr>
           <a:xfrm>
             <a:off x="189098" y="6744816"/>
-            <a:ext cx="3472820" cy="0"/>
+            <a:ext cx="3348265" cy="8563"/>
           </a:xfrm>
           <a:prstGeom prst="line">
             <a:avLst/>
@@ -6100,8 +6127,8 @@
         </p:nvSpPr>
         <p:spPr>
           <a:xfrm>
-            <a:off x="116612" y="6753379"/>
-            <a:ext cx="3578585" cy="415498"/>
+            <a:off x="116613" y="6753379"/>
+            <a:ext cx="3472820" cy="415498"/>
           </a:xfrm>
           <a:prstGeom prst="rect">
             <a:avLst/>
@@ -6239,8 +6266,8 @@
         </p:blipFill>
         <p:spPr>
           <a:xfrm>
-            <a:off x="6904856" y="3307785"/>
-            <a:ext cx="5585068" cy="3176146"/>
+            <a:off x="6904856" y="3363231"/>
+            <a:ext cx="5487569" cy="3120700"/>
           </a:xfrm>
           <a:prstGeom prst="rect">
             <a:avLst/>
@@ -6468,7 +6495,7 @@
         </p:nvSpPr>
         <p:spPr>
           <a:xfrm>
-            <a:off x="6666345" y="2634671"/>
+            <a:off x="6666345" y="2712368"/>
             <a:ext cx="1762490" cy="338554"/>
           </a:xfrm>
           <a:prstGeom prst="rect">
@@ -6526,7 +6553,7 @@
         </p:nvCxnSpPr>
         <p:spPr>
           <a:xfrm>
-            <a:off x="6788486" y="2922128"/>
+            <a:off x="6788486" y="3000400"/>
             <a:ext cx="5805002" cy="0"/>
           </a:xfrm>
           <a:prstGeom prst="line">
@@ -6567,7 +6594,7 @@
         </p:nvSpPr>
         <p:spPr>
           <a:xfrm>
-            <a:off x="6711867" y="2954737"/>
+            <a:off x="6711867" y="3016950"/>
             <a:ext cx="5941427" cy="415498"/>
           </a:xfrm>
           <a:prstGeom prst="rect">
@@ -6586,17 +6613,34 @@
                 <a:latin typeface="メイリオ" panose="020B0604030504040204" pitchFamily="50" charset="-128"/>
                 <a:ea typeface="メイリオ" panose="020B0604030504040204" pitchFamily="50" charset="-128"/>
               </a:rPr>
-              <a:t>機能を実現するために必要な部品を以下の表に示す。なお、左側のアルファベットはクラス図のラベルと対応している。</a:t>
+              <a:t>機能を実現するために必要な部品を以下の表に示す。なお、</a:t>
+            </a:r>
+            <a:r>
+              <a:rPr kumimoji="1" lang="ja-JP" altLang="en-US" sz="1050" b="1" dirty="0">
+                <a:solidFill>
+                  <a:srgbClr val="FF0000"/>
+                </a:solidFill>
+                <a:latin typeface="メイリオ" panose="020B0604030504040204" pitchFamily="50" charset="-128"/>
+                <a:ea typeface="メイリオ" panose="020B0604030504040204" pitchFamily="50" charset="-128"/>
+              </a:rPr>
+              <a:t>左側のアルファベットはクラス図のラベルと対応している</a:t>
+            </a:r>
+            <a:r>
+              <a:rPr kumimoji="1" lang="ja-JP" altLang="en-US" sz="1050" dirty="0">
+                <a:latin typeface="メイリオ" panose="020B0604030504040204" pitchFamily="50" charset="-128"/>
+                <a:ea typeface="メイリオ" panose="020B0604030504040204" pitchFamily="50" charset="-128"/>
+              </a:rPr>
+              <a:t>。</a:t>
             </a:r>
           </a:p>
         </p:txBody>
       </p:sp>
       <p:pic>
         <p:nvPicPr>
-          <p:cNvPr id="150" name="図 149">
-            <a:extLst>
-              <a:ext uri="{FF2B5EF4-FFF2-40B4-BE49-F238E27FC236}">
-                <a16:creationId xmlns:a16="http://schemas.microsoft.com/office/drawing/2014/main" id="{12599540-0297-4471-94C0-B728410651A5}"/>
+          <p:cNvPr id="7" name="図 6">
+            <a:extLst>
+              <a:ext uri="{FF2B5EF4-FFF2-40B4-BE49-F238E27FC236}">
+                <a16:creationId xmlns:a16="http://schemas.microsoft.com/office/drawing/2014/main" id="{136A7DC0-E28E-4010-9E9C-8319408FEC1F}"/>
               </a:ext>
             </a:extLst>
           </p:cNvPr>
@@ -6606,7 +6650,73 @@
           <p:nvPr/>
         </p:nvPicPr>
         <p:blipFill>
-          <a:blip r:embed="rId7">
+          <a:blip r:embed="rId7"/>
+          <a:stretch>
+            <a:fillRect/>
+          </a:stretch>
+        </p:blipFill>
+        <p:spPr>
+          <a:xfrm>
+            <a:off x="9801993" y="7725866"/>
+            <a:ext cx="2799422" cy="1244347"/>
+          </a:xfrm>
+          <a:prstGeom prst="rect">
+            <a:avLst/>
+          </a:prstGeom>
+        </p:spPr>
+      </p:pic>
+      <p:cxnSp>
+        <p:nvCxnSpPr>
+          <p:cNvPr id="17" name="直線コネクタ 16">
+            <a:extLst>
+              <a:ext uri="{FF2B5EF4-FFF2-40B4-BE49-F238E27FC236}">
+                <a16:creationId xmlns:a16="http://schemas.microsoft.com/office/drawing/2014/main" id="{4D256DCA-63BA-4C0C-AA1F-527D41D15395}"/>
+              </a:ext>
+            </a:extLst>
+          </p:cNvPr>
+          <p:cNvCxnSpPr/>
+          <p:nvPr/>
+        </p:nvCxnSpPr>
+        <p:spPr>
+          <a:xfrm>
+            <a:off x="3589433" y="6576677"/>
+            <a:ext cx="0" cy="2870814"/>
+          </a:xfrm>
+          <a:prstGeom prst="line">
+            <a:avLst/>
+          </a:prstGeom>
+        </p:spPr>
+        <p:style>
+          <a:lnRef idx="1">
+            <a:schemeClr val="accent6"/>
+          </a:lnRef>
+          <a:fillRef idx="0">
+            <a:schemeClr val="accent6"/>
+          </a:fillRef>
+          <a:effectRef idx="0">
+            <a:schemeClr val="accent6"/>
+          </a:effectRef>
+          <a:fontRef idx="minor">
+            <a:schemeClr val="tx1"/>
+          </a:fontRef>
+        </p:style>
+      </p:cxnSp>
+      <p:pic>
+        <p:nvPicPr>
+          <p:cNvPr id="20" name="図 19">
+            <a:extLst>
+              <a:ext uri="{FF2B5EF4-FFF2-40B4-BE49-F238E27FC236}">
+                <a16:creationId xmlns:a16="http://schemas.microsoft.com/office/drawing/2014/main" id="{866979CC-7A6B-4B64-9C24-B1548CF69762}"/>
+              </a:ext>
+            </a:extLst>
+          </p:cNvPr>
+          <p:cNvPicPr>
+            <a:picLocks noChangeAspect="1"/>
+          </p:cNvPicPr>
+          <p:nvPr/>
+        </p:nvPicPr>
+        <p:blipFill>
+          <a:blip r:embed="rId8">
             <a:extLst>
               <a:ext uri="{28A0092B-C50C-407E-A947-70E740481C1C}">
                 <a14:useLocalDpi xmlns:a14="http://schemas.microsoft.com/office/drawing/2010/main" val="0"/>
@@ -6619,14 +6729,421 @@
         </p:blipFill>
         <p:spPr>
           <a:xfrm>
-            <a:off x="176572" y="7116236"/>
-            <a:ext cx="3461060" cy="2331255"/>
+            <a:off x="160949" y="7115499"/>
+            <a:ext cx="3376414" cy="2331992"/>
           </a:xfrm>
           <a:prstGeom prst="rect">
             <a:avLst/>
           </a:prstGeom>
         </p:spPr>
       </p:pic>
+      <p:cxnSp>
+        <p:nvCxnSpPr>
+          <p:cNvPr id="24" name="直線コネクタ 23">
+            <a:extLst>
+              <a:ext uri="{FF2B5EF4-FFF2-40B4-BE49-F238E27FC236}">
+                <a16:creationId xmlns:a16="http://schemas.microsoft.com/office/drawing/2014/main" id="{E2AACA7E-6500-4249-9BB6-325CE74060EE}"/>
+              </a:ext>
+            </a:extLst>
+          </p:cNvPr>
+          <p:cNvCxnSpPr>
+            <a:cxnSpLocks/>
+          </p:cNvCxnSpPr>
+          <p:nvPr/>
+        </p:nvCxnSpPr>
+        <p:spPr>
+          <a:xfrm>
+            <a:off x="9702607" y="6576677"/>
+            <a:ext cx="0" cy="2870814"/>
+          </a:xfrm>
+          <a:prstGeom prst="line">
+            <a:avLst/>
+          </a:prstGeom>
+        </p:spPr>
+        <p:style>
+          <a:lnRef idx="1">
+            <a:schemeClr val="accent6"/>
+          </a:lnRef>
+          <a:fillRef idx="0">
+            <a:schemeClr val="accent6"/>
+          </a:fillRef>
+          <a:effectRef idx="0">
+            <a:schemeClr val="accent6"/>
+          </a:effectRef>
+          <a:fontRef idx="minor">
+            <a:schemeClr val="tx1"/>
+          </a:fontRef>
+        </p:style>
+      </p:cxnSp>
+      <p:sp>
+        <p:nvSpPr>
+          <p:cNvPr id="26" name="テキスト ボックス 25">
+            <a:extLst>
+              <a:ext uri="{FF2B5EF4-FFF2-40B4-BE49-F238E27FC236}">
+                <a16:creationId xmlns:a16="http://schemas.microsoft.com/office/drawing/2014/main" id="{3D279E56-7D62-4819-95B0-1A07BCCE1D6B}"/>
+              </a:ext>
+            </a:extLst>
+          </p:cNvPr>
+          <p:cNvSpPr txBox="1"/>
+          <p:nvPr/>
+        </p:nvSpPr>
+        <p:spPr>
+          <a:xfrm>
+            <a:off x="3547726" y="6562746"/>
+            <a:ext cx="6237450" cy="577081"/>
+          </a:xfrm>
+          <a:prstGeom prst="rect">
+            <a:avLst/>
+          </a:prstGeom>
+          <a:noFill/>
+        </p:spPr>
+        <p:txBody>
+          <a:bodyPr wrap="square" rtlCol="0">
+            <a:spAutoFit/>
+          </a:bodyPr>
+          <a:lstStyle/>
+          <a:p>
+            <a:r>
+              <a:rPr kumimoji="1" lang="ja-JP" altLang="en-US" sz="1050" dirty="0">
+                <a:latin typeface="メイリオ" panose="020B0604030504040204" pitchFamily="50" charset="-128"/>
+                <a:ea typeface="メイリオ" panose="020B0604030504040204" pitchFamily="50" charset="-128"/>
+              </a:rPr>
+              <a:t>各区間における区間パラメータの一覧を以下の表に示す。なお、区間パラメータとはスタートラインから区間終了までの距離、区間内での前進指令量、曲率制御で用いる旋回量、ライントレースの</a:t>
+            </a:r>
+            <a:r>
+              <a:rPr kumimoji="1" lang="en-US" altLang="ja-JP" sz="1050" dirty="0">
+                <a:latin typeface="メイリオ" panose="020B0604030504040204" pitchFamily="50" charset="-128"/>
+                <a:ea typeface="メイリオ" panose="020B0604030504040204" pitchFamily="50" charset="-128"/>
+              </a:rPr>
+              <a:t>PID</a:t>
+            </a:r>
+            <a:r>
+              <a:rPr kumimoji="1" lang="ja-JP" altLang="en-US" sz="1050" dirty="0">
+                <a:latin typeface="メイリオ" panose="020B0604030504040204" pitchFamily="50" charset="-128"/>
+                <a:ea typeface="メイリオ" panose="020B0604030504040204" pitchFamily="50" charset="-128"/>
+              </a:rPr>
+              <a:t>係数をまとめたものである。</a:t>
+            </a:r>
+          </a:p>
+        </p:txBody>
+      </p:sp>
+      <p:pic>
+        <p:nvPicPr>
+          <p:cNvPr id="35" name="図 34">
+            <a:extLst>
+              <a:ext uri="{FF2B5EF4-FFF2-40B4-BE49-F238E27FC236}">
+                <a16:creationId xmlns:a16="http://schemas.microsoft.com/office/drawing/2014/main" id="{247F5C24-F4AD-4FF4-81A9-0058A9E14FF0}"/>
+              </a:ext>
+            </a:extLst>
+          </p:cNvPr>
+          <p:cNvPicPr>
+            <a:picLocks noChangeAspect="1"/>
+          </p:cNvPicPr>
+          <p:nvPr/>
+        </p:nvPicPr>
+        <p:blipFill>
+          <a:blip r:embed="rId9"/>
+          <a:stretch>
+            <a:fillRect/>
+          </a:stretch>
+        </p:blipFill>
+        <p:spPr>
+          <a:xfrm>
+            <a:off x="3651615" y="7115499"/>
+            <a:ext cx="6013649" cy="2331992"/>
+          </a:xfrm>
+          <a:prstGeom prst="rect">
+            <a:avLst/>
+          </a:prstGeom>
+        </p:spPr>
+      </p:pic>
+      <p:sp>
+        <p:nvSpPr>
+          <p:cNvPr id="36" name="テキスト ボックス 35">
+            <a:extLst>
+              <a:ext uri="{FF2B5EF4-FFF2-40B4-BE49-F238E27FC236}">
+                <a16:creationId xmlns:a16="http://schemas.microsoft.com/office/drawing/2014/main" id="{1EBD3ECD-D939-4A9E-8A7A-191B21E513BE}"/>
+              </a:ext>
+            </a:extLst>
+          </p:cNvPr>
+          <p:cNvSpPr txBox="1"/>
+          <p:nvPr/>
+        </p:nvSpPr>
+        <p:spPr>
+          <a:xfrm>
+            <a:off x="9804535" y="6980543"/>
+            <a:ext cx="2785051" cy="577081"/>
+          </a:xfrm>
+          <a:prstGeom prst="rect">
+            <a:avLst/>
+          </a:prstGeom>
+          <a:ln w="38100">
+            <a:solidFill>
+              <a:srgbClr val="FF0000"/>
+            </a:solidFill>
+          </a:ln>
+        </p:spPr>
+        <p:style>
+          <a:lnRef idx="2">
+            <a:schemeClr val="accent2"/>
+          </a:lnRef>
+          <a:fillRef idx="1">
+            <a:schemeClr val="lt1"/>
+          </a:fillRef>
+          <a:effectRef idx="0">
+            <a:schemeClr val="accent2"/>
+          </a:effectRef>
+          <a:fontRef idx="minor">
+            <a:schemeClr val="dk1"/>
+          </a:fontRef>
+        </p:style>
+        <p:txBody>
+          <a:bodyPr wrap="square" rtlCol="0">
+            <a:spAutoFit/>
+          </a:bodyPr>
+          <a:lstStyle/>
+          <a:p>
+            <a:r>
+              <a:rPr kumimoji="1" lang="ja-JP" altLang="en-US" sz="1050" b="1" dirty="0">
+                <a:solidFill>
+                  <a:schemeClr val="tx1"/>
+                </a:solidFill>
+                <a:latin typeface="メイリオ" panose="020B0604030504040204" pitchFamily="50" charset="-128"/>
+                <a:ea typeface="メイリオ" panose="020B0604030504040204" pitchFamily="50" charset="-128"/>
+              </a:rPr>
+              <a:t>曲率制御で用いる旋回量と、</a:t>
+            </a:r>
+            <a:r>
+              <a:rPr kumimoji="1" lang="en-US" altLang="ja-JP" sz="1050" b="1" dirty="0">
+                <a:solidFill>
+                  <a:schemeClr val="tx1"/>
+                </a:solidFill>
+                <a:latin typeface="メイリオ" panose="020B0604030504040204" pitchFamily="50" charset="-128"/>
+                <a:ea typeface="メイリオ" panose="020B0604030504040204" pitchFamily="50" charset="-128"/>
+              </a:rPr>
+              <a:t>PID</a:t>
+            </a:r>
+            <a:r>
+              <a:rPr kumimoji="1" lang="ja-JP" altLang="en-US" sz="1050" b="1" dirty="0">
+                <a:solidFill>
+                  <a:schemeClr val="tx1"/>
+                </a:solidFill>
+                <a:latin typeface="メイリオ" panose="020B0604030504040204" pitchFamily="50" charset="-128"/>
+                <a:ea typeface="メイリオ" panose="020B0604030504040204" pitchFamily="50" charset="-128"/>
+              </a:rPr>
+              <a:t>係数を</a:t>
+            </a:r>
+            <a:r>
+              <a:rPr kumimoji="1" lang="en-US" altLang="ja-JP" sz="1050" b="1" dirty="0">
+                <a:solidFill>
+                  <a:schemeClr val="tx1"/>
+                </a:solidFill>
+                <a:latin typeface="メイリオ" panose="020B0604030504040204" pitchFamily="50" charset="-128"/>
+                <a:ea typeface="メイリオ" panose="020B0604030504040204" pitchFamily="50" charset="-128"/>
+              </a:rPr>
+              <a:t>15</a:t>
+            </a:r>
+            <a:r>
+              <a:rPr kumimoji="1" lang="ja-JP" altLang="en-US" sz="1050" b="1" dirty="0">
+                <a:solidFill>
+                  <a:schemeClr val="tx1"/>
+                </a:solidFill>
+                <a:latin typeface="メイリオ" panose="020B0604030504040204" pitchFamily="50" charset="-128"/>
+                <a:ea typeface="メイリオ" panose="020B0604030504040204" pitchFamily="50" charset="-128"/>
+              </a:rPr>
+              <a:t>区間すべてで調整するのは困難であるため、曲率の近い区間</a:t>
+            </a:r>
+            <a:r>
+              <a:rPr lang="ja-JP" altLang="en-US" sz="1050" b="1" dirty="0">
+                <a:solidFill>
+                  <a:schemeClr val="tx1"/>
+                </a:solidFill>
+                <a:latin typeface="メイリオ" panose="020B0604030504040204" pitchFamily="50" charset="-128"/>
+                <a:ea typeface="メイリオ" panose="020B0604030504040204" pitchFamily="50" charset="-128"/>
+              </a:rPr>
+              <a:t>で</a:t>
+            </a:r>
+            <a:r>
+              <a:rPr lang="en-US" altLang="ja-JP" sz="1050" b="1" dirty="0">
+                <a:solidFill>
+                  <a:schemeClr val="tx1"/>
+                </a:solidFill>
+                <a:latin typeface="メイリオ" panose="020B0604030504040204" pitchFamily="50" charset="-128"/>
+                <a:ea typeface="メイリオ" panose="020B0604030504040204" pitchFamily="50" charset="-128"/>
+              </a:rPr>
+              <a:t>4</a:t>
+            </a:r>
+            <a:r>
+              <a:rPr lang="ja-JP" altLang="en-US" sz="1050" b="1" dirty="0">
+                <a:solidFill>
+                  <a:schemeClr val="tx1"/>
+                </a:solidFill>
+                <a:latin typeface="メイリオ" panose="020B0604030504040204" pitchFamily="50" charset="-128"/>
+                <a:ea typeface="メイリオ" panose="020B0604030504040204" pitchFamily="50" charset="-128"/>
+              </a:rPr>
+              <a:t>種類に分類した。</a:t>
+            </a:r>
+            <a:endParaRPr kumimoji="1" lang="en-US" altLang="ja-JP" sz="1050" b="1" dirty="0">
+              <a:solidFill>
+                <a:schemeClr val="tx1"/>
+              </a:solidFill>
+              <a:latin typeface="メイリオ" panose="020B0604030504040204" pitchFamily="50" charset="-128"/>
+              <a:ea typeface="メイリオ" panose="020B0604030504040204" pitchFamily="50" charset="-128"/>
+            </a:endParaRPr>
+          </a:p>
+        </p:txBody>
+      </p:sp>
+      <p:sp>
+        <p:nvSpPr>
+          <p:cNvPr id="38" name="矢印: 山形 37">
+            <a:extLst>
+              <a:ext uri="{FF2B5EF4-FFF2-40B4-BE49-F238E27FC236}">
+                <a16:creationId xmlns:a16="http://schemas.microsoft.com/office/drawing/2014/main" id="{1A27932C-257B-45B1-86A5-6EB614ADFA6C}"/>
+              </a:ext>
+            </a:extLst>
+          </p:cNvPr>
+          <p:cNvSpPr/>
+          <p:nvPr/>
+        </p:nvSpPr>
+        <p:spPr>
+          <a:xfrm>
+            <a:off x="9929194" y="9101977"/>
+            <a:ext cx="2664294" cy="327730"/>
+          </a:xfrm>
+          <a:prstGeom prst="chevron">
+            <a:avLst/>
+          </a:prstGeom>
+          <a:ln w="28575"/>
+        </p:spPr>
+        <p:style>
+          <a:lnRef idx="2">
+            <a:schemeClr val="accent6"/>
+          </a:lnRef>
+          <a:fillRef idx="1">
+            <a:schemeClr val="lt1"/>
+          </a:fillRef>
+          <a:effectRef idx="0">
+            <a:schemeClr val="accent6"/>
+          </a:effectRef>
+          <a:fontRef idx="minor">
+            <a:schemeClr val="dk1"/>
+          </a:fontRef>
+        </p:style>
+        <p:txBody>
+          <a:bodyPr rtlCol="0" anchor="ctr"/>
+          <a:lstStyle/>
+          <a:p>
+            <a:pPr algn="ctr"/>
+            <a:endParaRPr kumimoji="1" lang="ja-JP" altLang="en-US" sz="1200" b="1" dirty="0">
+              <a:solidFill>
+                <a:schemeClr val="tx1"/>
+              </a:solidFill>
+              <a:latin typeface="+mn-ea"/>
+            </a:endParaRPr>
+          </a:p>
+        </p:txBody>
+      </p:sp>
+      <p:sp>
+        <p:nvSpPr>
+          <p:cNvPr id="39" name="テキスト ボックス 38">
+            <a:extLst>
+              <a:ext uri="{FF2B5EF4-FFF2-40B4-BE49-F238E27FC236}">
+                <a16:creationId xmlns:a16="http://schemas.microsoft.com/office/drawing/2014/main" id="{454E414D-3643-4966-925D-B9906667B823}"/>
+              </a:ext>
+            </a:extLst>
+          </p:cNvPr>
+          <p:cNvSpPr txBox="1"/>
+          <p:nvPr/>
+        </p:nvSpPr>
+        <p:spPr>
+          <a:xfrm>
+            <a:off x="10190181" y="9077864"/>
+            <a:ext cx="2238295" cy="415498"/>
+          </a:xfrm>
+          <a:prstGeom prst="rect">
+            <a:avLst/>
+          </a:prstGeom>
+          <a:noFill/>
+        </p:spPr>
+        <p:txBody>
+          <a:bodyPr wrap="square" rtlCol="0">
+            <a:spAutoFit/>
+          </a:bodyPr>
+          <a:lstStyle/>
+          <a:p>
+            <a:pPr algn="ctr"/>
+            <a:r>
+              <a:rPr kumimoji="1" lang="ja-JP" altLang="en-US" sz="1000" b="1" dirty="0">
+                <a:latin typeface="+mn-ea"/>
+                <a:ea typeface="+mn-ea"/>
+              </a:rPr>
+              <a:t>これらの機能モデルに基づいて</a:t>
+            </a:r>
+            <a:endParaRPr kumimoji="1" lang="en-US" altLang="ja-JP" sz="1000" b="1" dirty="0">
+              <a:latin typeface="+mn-ea"/>
+              <a:ea typeface="+mn-ea"/>
+            </a:endParaRPr>
+          </a:p>
+          <a:p>
+            <a:pPr algn="ctr"/>
+            <a:r>
+              <a:rPr kumimoji="1" lang="ja-JP" altLang="en-US" sz="1000" b="1" dirty="0">
+                <a:latin typeface="+mn-ea"/>
+                <a:ea typeface="+mn-ea"/>
+              </a:rPr>
+              <a:t>構造モデルを作成する。</a:t>
+            </a:r>
+          </a:p>
+        </p:txBody>
+      </p:sp>
+      <p:sp>
+        <p:nvSpPr>
+          <p:cNvPr id="44" name="テキスト ボックス 43">
+            <a:extLst>
+              <a:ext uri="{FF2B5EF4-FFF2-40B4-BE49-F238E27FC236}">
+                <a16:creationId xmlns:a16="http://schemas.microsoft.com/office/drawing/2014/main" id="{260D1358-06EA-4BC9-9E14-972D49A596DC}"/>
+              </a:ext>
+            </a:extLst>
+          </p:cNvPr>
+          <p:cNvSpPr txBox="1"/>
+          <p:nvPr/>
+        </p:nvSpPr>
+        <p:spPr>
+          <a:xfrm>
+            <a:off x="9765220" y="6716295"/>
+            <a:ext cx="1030011" cy="307777"/>
+          </a:xfrm>
+          <a:prstGeom prst="rect">
+            <a:avLst/>
+          </a:prstGeom>
+          <a:noFill/>
+        </p:spPr>
+        <p:txBody>
+          <a:bodyPr wrap="square" rtlCol="0">
+            <a:spAutoFit/>
+          </a:bodyPr>
+          <a:lstStyle/>
+          <a:p>
+            <a:r>
+              <a:rPr kumimoji="1" lang="en-US" altLang="ja-JP" sz="1400" b="1" dirty="0">
+                <a:solidFill>
+                  <a:srgbClr val="FF0000"/>
+                </a:solidFill>
+                <a:latin typeface="+mn-ea"/>
+                <a:ea typeface="+mn-ea"/>
+              </a:rPr>
+              <a:t>POINT!!</a:t>
+            </a:r>
+            <a:endParaRPr kumimoji="1" lang="ja-JP" altLang="en-US" sz="1400" b="1" dirty="0">
+              <a:solidFill>
+                <a:srgbClr val="FF0000"/>
+              </a:solidFill>
+              <a:latin typeface="+mn-ea"/>
+              <a:ea typeface="+mn-ea"/>
+            </a:endParaRPr>
+          </a:p>
+        </p:txBody>
+      </p:sp>
     </p:spTree>
     <p:extLst>
       <p:ext uri="{BB962C8B-B14F-4D97-AF65-F5344CB8AC3E}">
@@ -6721,7 +7238,7 @@
               <a:tabLst/>
               <a:defRPr/>
             </a:pPr>
-            <a:endParaRPr kumimoji="1" lang="ja-JP" altLang="en-US" sz="1600" b="0" i="0" u="none" strike="noStrike" kern="1200" cap="none" spc="0" normalizeH="0" baseline="0" noProof="0">
+            <a:endParaRPr kumimoji="1" lang="ja-JP" altLang="en-US" sz="1600" b="0" i="0" u="none" strike="noStrike" kern="1200" cap="none" spc="0" normalizeH="0" baseline="0" noProof="0" dirty="0">
               <a:ln>
                 <a:noFill/>
               </a:ln>
@@ -6804,7 +7321,7 @@
               <a:tabLst/>
               <a:defRPr/>
             </a:pPr>
-            <a:endParaRPr kumimoji="1" lang="ja-JP" altLang="en-US" sz="1600" b="0" i="0" u="none" strike="noStrike" kern="1200" cap="none" spc="0" normalizeH="0" baseline="0" noProof="0">
+            <a:endParaRPr kumimoji="1" lang="ja-JP" altLang="en-US" sz="1600" b="0" i="0" u="none" strike="noStrike" kern="1200" cap="none" spc="0" normalizeH="0" baseline="0" noProof="0" dirty="0">
               <a:ln>
                 <a:noFill/>
               </a:ln>
@@ -6885,7 +7402,7 @@
               <a:tabLst/>
               <a:defRPr/>
             </a:pPr>
-            <a:endParaRPr kumimoji="1" lang="ja-JP" altLang="en-US" sz="1600" b="0" i="0" u="none" strike="noStrike" kern="1200" cap="none" spc="0" normalizeH="0" baseline="0" noProof="0">
+            <a:endParaRPr kumimoji="1" lang="ja-JP" altLang="en-US" sz="1600" b="0" i="0" u="none" strike="noStrike" kern="1200" cap="none" spc="0" normalizeH="0" baseline="0" noProof="0" dirty="0">
               <a:ln>
                 <a:noFill/>
               </a:ln>
@@ -8464,7 +8981,7 @@
           <a:lstStyle/>
           <a:p>
             <a:pPr algn="ctr"/>
-            <a:endParaRPr kumimoji="1" lang="ja-JP" altLang="en-US"/>
+            <a:endParaRPr kumimoji="1" lang="ja-JP" altLang="en-US" dirty="0"/>
           </a:p>
         </p:txBody>
       </p:sp>
@@ -8516,7 +9033,7 @@
           <a:lstStyle/>
           <a:p>
             <a:pPr algn="ctr"/>
-            <a:endParaRPr kumimoji="1" lang="ja-JP" altLang="en-US"/>
+            <a:endParaRPr kumimoji="1" lang="ja-JP" altLang="en-US" dirty="0"/>
           </a:p>
         </p:txBody>
       </p:sp>
@@ -8570,7 +9087,7 @@
           <a:lstStyle/>
           <a:p>
             <a:pPr algn="ctr"/>
-            <a:endParaRPr kumimoji="1" lang="ja-JP" altLang="en-US"/>
+            <a:endParaRPr kumimoji="1" lang="ja-JP" altLang="en-US" dirty="0"/>
           </a:p>
         </p:txBody>
       </p:sp>
@@ -9754,7 +10271,7 @@
           <a:lstStyle/>
           <a:p>
             <a:pPr algn="ctr"/>
-            <a:endParaRPr kumimoji="1" lang="ja-JP" altLang="en-US"/>
+            <a:endParaRPr kumimoji="1" lang="ja-JP" altLang="en-US" dirty="0"/>
           </a:p>
         </p:txBody>
       </p:sp>
@@ -9806,7 +10323,7 @@
           <a:lstStyle/>
           <a:p>
             <a:pPr algn="ctr"/>
-            <a:endParaRPr kumimoji="1" lang="ja-JP" altLang="en-US"/>
+            <a:endParaRPr kumimoji="1" lang="ja-JP" altLang="en-US" dirty="0"/>
           </a:p>
         </p:txBody>
       </p:sp>
@@ -9858,7 +10375,7 @@
           <a:lstStyle/>
           <a:p>
             <a:pPr algn="ctr"/>
-            <a:endParaRPr kumimoji="1" lang="ja-JP" altLang="en-US"/>
+            <a:endParaRPr kumimoji="1" lang="ja-JP" altLang="en-US" dirty="0"/>
           </a:p>
         </p:txBody>
       </p:sp>
@@ -9910,7 +10427,7 @@
           <a:lstStyle/>
           <a:p>
             <a:pPr algn="ctr"/>
-            <a:endParaRPr kumimoji="1" lang="ja-JP" altLang="en-US"/>
+            <a:endParaRPr kumimoji="1" lang="ja-JP" altLang="en-US" dirty="0"/>
           </a:p>
         </p:txBody>
       </p:sp>
@@ -9962,7 +10479,7 @@
           <a:lstStyle/>
           <a:p>
             <a:pPr algn="ctr"/>
-            <a:endParaRPr kumimoji="1" lang="ja-JP" altLang="en-US"/>
+            <a:endParaRPr kumimoji="1" lang="ja-JP" altLang="en-US" dirty="0"/>
           </a:p>
         </p:txBody>
       </p:sp>
@@ -10010,7 +10527,7 @@
           <a:lstStyle/>
           <a:p>
             <a:pPr algn="ctr"/>
-            <a:endParaRPr kumimoji="1" lang="ja-JP" altLang="en-US"/>
+            <a:endParaRPr kumimoji="1" lang="ja-JP" altLang="en-US" dirty="0"/>
           </a:p>
         </p:txBody>
       </p:sp>
@@ -10058,7 +10575,7 @@
           <a:lstStyle/>
           <a:p>
             <a:pPr algn="ctr"/>
-            <a:endParaRPr kumimoji="1" lang="ja-JP" altLang="en-US"/>
+            <a:endParaRPr kumimoji="1" lang="ja-JP" altLang="en-US" dirty="0"/>
           </a:p>
         </p:txBody>
       </p:sp>
@@ -10258,7 +10775,7 @@
           <a:lstStyle/>
           <a:p>
             <a:pPr algn="ctr"/>
-            <a:endParaRPr kumimoji="1" lang="ja-JP" altLang="en-US"/>
+            <a:endParaRPr kumimoji="1" lang="ja-JP" altLang="en-US" dirty="0"/>
           </a:p>
         </p:txBody>
       </p:sp>
@@ -10310,7 +10827,7 @@
           <a:lstStyle/>
           <a:p>
             <a:pPr algn="ctr"/>
-            <a:endParaRPr kumimoji="1" lang="ja-JP" altLang="en-US"/>
+            <a:endParaRPr kumimoji="1" lang="ja-JP" altLang="en-US" dirty="0"/>
           </a:p>
         </p:txBody>
       </p:sp>
@@ -10364,7 +10881,7 @@
           <a:lstStyle/>
           <a:p>
             <a:pPr algn="ctr"/>
-            <a:endParaRPr kumimoji="1" lang="ja-JP" altLang="en-US"/>
+            <a:endParaRPr kumimoji="1" lang="ja-JP" altLang="en-US" dirty="0"/>
           </a:p>
         </p:txBody>
       </p:sp>
@@ -11118,7 +11635,7 @@
           <a:lstStyle/>
           <a:p>
             <a:pPr algn="ctr"/>
-            <a:endParaRPr kumimoji="1" lang="ja-JP" altLang="en-US"/>
+            <a:endParaRPr kumimoji="1" lang="ja-JP" altLang="en-US" dirty="0"/>
           </a:p>
         </p:txBody>
       </p:sp>
@@ -11170,7 +11687,7 @@
           <a:lstStyle/>
           <a:p>
             <a:pPr algn="ctr"/>
-            <a:endParaRPr kumimoji="1" lang="ja-JP" altLang="en-US"/>
+            <a:endParaRPr kumimoji="1" lang="ja-JP" altLang="en-US" dirty="0"/>
           </a:p>
         </p:txBody>
       </p:sp>
@@ -11224,7 +11741,7 @@
           <a:lstStyle/>
           <a:p>
             <a:pPr algn="ctr"/>
-            <a:endParaRPr kumimoji="1" lang="ja-JP" altLang="en-US"/>
+            <a:endParaRPr kumimoji="1" lang="ja-JP" altLang="en-US" dirty="0"/>
           </a:p>
         </p:txBody>
       </p:sp>

--- a/model_file_template_primary.pptx
+++ b/model_file_template_primary.pptx
@@ -4295,10 +4295,10 @@
       </p:grpSpPr>
       <p:sp>
         <p:nvSpPr>
-          <p:cNvPr id="13" name="四角形: 角を丸くする 12">
+          <p:cNvPr id="115" name="四角形: 角を丸くする 114">
             <a:extLst>
               <a:ext uri="{FF2B5EF4-FFF2-40B4-BE49-F238E27FC236}">
-                <a16:creationId xmlns:a16="http://schemas.microsoft.com/office/drawing/2014/main" id="{84934B8C-C644-49A7-8C50-B417AAAD4BD4}"/>
+                <a16:creationId xmlns:a16="http://schemas.microsoft.com/office/drawing/2014/main" id="{2798FF8C-0FCA-4075-AE5D-BA71AC9C3B39}"/>
               </a:ext>
             </a:extLst>
           </p:cNvPr>
@@ -4307,312 +4307,8 @@
         </p:nvSpPr>
         <p:spPr>
           <a:xfrm>
-            <a:off x="2626849" y="264096"/>
-            <a:ext cx="2520000" cy="1368400"/>
-          </a:xfrm>
-          <a:prstGeom prst="roundRect">
-            <a:avLst>
-              <a:gd name="adj" fmla="val 13495"/>
-            </a:avLst>
-          </a:prstGeom>
-          <a:ln w="28575">
-            <a:solidFill>
-              <a:schemeClr val="accent6">
-                <a:lumMod val="60000"/>
-                <a:lumOff val="40000"/>
-              </a:schemeClr>
-            </a:solidFill>
-          </a:ln>
-        </p:spPr>
-        <p:style>
-          <a:lnRef idx="2">
-            <a:schemeClr val="accent6"/>
-          </a:lnRef>
-          <a:fillRef idx="1">
-            <a:schemeClr val="lt1"/>
-          </a:fillRef>
-          <a:effectRef idx="0">
-            <a:schemeClr val="accent6"/>
-          </a:effectRef>
-          <a:fontRef idx="minor">
-            <a:schemeClr val="dk1"/>
-          </a:fontRef>
-        </p:style>
-        <p:txBody>
-          <a:bodyPr rtlCol="0" anchor="ctr"/>
-          <a:lstStyle/>
-          <a:p>
-            <a:pPr marL="0" marR="0" lvl="0" indent="0" algn="ctr" defTabSz="914400" rtl="0" eaLnBrk="1" fontAlgn="base" latinLnBrk="0" hangingPunct="1">
-              <a:lnSpc>
-                <a:spcPct val="100000"/>
-              </a:lnSpc>
-              <a:spcBef>
-                <a:spcPct val="0"/>
-              </a:spcBef>
-              <a:spcAft>
-                <a:spcPct val="0"/>
-              </a:spcAft>
-              <a:buClrTx/>
-              <a:buSzTx/>
-              <a:buFontTx/>
-              <a:buNone/>
-              <a:tabLst/>
-              <a:defRPr/>
-            </a:pPr>
-            <a:endParaRPr kumimoji="1" lang="ja-JP" altLang="en-US" sz="1600" b="0" i="0" u="none" strike="noStrike" kern="1200" cap="none" spc="0" normalizeH="0" baseline="0" noProof="0">
-              <a:ln>
-                <a:noFill/>
-              </a:ln>
-              <a:solidFill>
-                <a:prstClr val="black"/>
-              </a:solidFill>
-              <a:effectLst/>
-              <a:uLnTx/>
-              <a:uFillTx/>
-              <a:latin typeface="游ゴシック" panose="020F0502020204030204"/>
-              <a:ea typeface="游ゴシック" panose="020B0400000000000000" pitchFamily="50" charset="-128"/>
-              <a:cs typeface="+mn-cs"/>
-            </a:endParaRPr>
-          </a:p>
-        </p:txBody>
-      </p:sp>
-      <p:sp>
-        <p:nvSpPr>
-          <p:cNvPr id="9" name="テキスト ボックス 8">
-            <a:extLst>
-              <a:ext uri="{FF2B5EF4-FFF2-40B4-BE49-F238E27FC236}">
-                <a16:creationId xmlns:a16="http://schemas.microsoft.com/office/drawing/2014/main" id="{27FC2256-755B-4562-8E23-88557EE81276}"/>
-              </a:ext>
-            </a:extLst>
-          </p:cNvPr>
-          <p:cNvSpPr txBox="1"/>
-          <p:nvPr/>
-        </p:nvSpPr>
-        <p:spPr>
-          <a:xfrm>
-            <a:off x="2887906" y="264096"/>
-            <a:ext cx="2002046" cy="430887"/>
-          </a:xfrm>
-          <a:prstGeom prst="rect">
-            <a:avLst/>
-          </a:prstGeom>
-          <a:noFill/>
-          <a:ln>
-            <a:noFill/>
-          </a:ln>
-        </p:spPr>
-        <p:style>
-          <a:lnRef idx="0">
-            <a:scrgbClr r="0" g="0" b="0"/>
-          </a:lnRef>
-          <a:fillRef idx="0">
-            <a:scrgbClr r="0" g="0" b="0"/>
-          </a:fillRef>
-          <a:effectRef idx="0">
-            <a:scrgbClr r="0" g="0" b="0"/>
-          </a:effectRef>
-          <a:fontRef idx="minor">
-            <a:schemeClr val="dk1"/>
-          </a:fontRef>
-        </p:style>
-        <p:txBody>
-          <a:bodyPr wrap="square" rtlCol="0">
-            <a:spAutoFit/>
-          </a:bodyPr>
-          <a:lstStyle/>
-          <a:p>
-            <a:pPr marL="0" marR="0" lvl="0" indent="0" algn="l" defTabSz="914400" rtl="0" eaLnBrk="1" fontAlgn="base" latinLnBrk="0" hangingPunct="1">
-              <a:lnSpc>
-                <a:spcPct val="100000"/>
-              </a:lnSpc>
-              <a:spcBef>
-                <a:spcPct val="0"/>
-              </a:spcBef>
-              <a:spcAft>
-                <a:spcPct val="0"/>
-              </a:spcAft>
-              <a:buClrTx/>
-              <a:buSzTx/>
-              <a:buFontTx/>
-              <a:buNone/>
-              <a:tabLst/>
-              <a:defRPr/>
-            </a:pPr>
-            <a:r>
-              <a:rPr kumimoji="1" lang="ja-JP" altLang="en-US" sz="2200" b="0" i="0" u="none" strike="noStrike" kern="1200" cap="none" spc="0" normalizeH="0" baseline="0" noProof="0" dirty="0">
-                <a:ln>
-                  <a:noFill/>
-                </a:ln>
-                <a:solidFill>
-                  <a:srgbClr val="70AD47">
-                    <a:lumMod val="60000"/>
-                    <a:lumOff val="40000"/>
-                  </a:srgbClr>
-                </a:solidFill>
-                <a:effectLst/>
-                <a:uLnTx/>
-                <a:uFillTx/>
-                <a:latin typeface="HG創英角ｺﾞｼｯｸUB" panose="020B0909000000000000" pitchFamily="49" charset="-128"/>
-                <a:ea typeface="HG創英角ｺﾞｼｯｸUB" panose="020B0909000000000000" pitchFamily="49" charset="-128"/>
-                <a:cs typeface="+mn-cs"/>
-              </a:rPr>
-              <a:t>２</a:t>
-            </a:r>
-            <a:r>
-              <a:rPr kumimoji="1" lang="en-US" altLang="ja-JP" sz="2200" b="1" i="0" u="none" strike="noStrike" kern="1200" cap="none" spc="0" normalizeH="0" baseline="0" noProof="0" dirty="0">
-                <a:ln>
-                  <a:noFill/>
-                </a:ln>
-                <a:solidFill>
-                  <a:srgbClr val="70AD47">
-                    <a:lumMod val="60000"/>
-                    <a:lumOff val="40000"/>
-                  </a:srgbClr>
-                </a:solidFill>
-                <a:effectLst/>
-                <a:uLnTx/>
-                <a:uFillTx/>
-                <a:latin typeface="HG創英角ｺﾞｼｯｸUB" panose="020B0909000000000000" pitchFamily="49" charset="-128"/>
-                <a:ea typeface="HG創英角ｺﾞｼｯｸUB" panose="020B0909000000000000" pitchFamily="49" charset="-128"/>
-                <a:cs typeface="+mn-cs"/>
-              </a:rPr>
-              <a:t>.</a:t>
-            </a:r>
-            <a:r>
-              <a:rPr kumimoji="1" lang="ja-JP" altLang="en-US" sz="2200" b="0" i="0" u="none" strike="noStrike" kern="1200" cap="none" spc="0" normalizeH="0" baseline="0" noProof="0" dirty="0">
-                <a:ln>
-                  <a:noFill/>
-                </a:ln>
-                <a:solidFill>
-                  <a:srgbClr val="70AD47">
-                    <a:lumMod val="60000"/>
-                    <a:lumOff val="40000"/>
-                  </a:srgbClr>
-                </a:solidFill>
-                <a:effectLst/>
-                <a:uLnTx/>
-                <a:uFillTx/>
-                <a:latin typeface="HG創英角ｺﾞｼｯｸUB" panose="020B0909000000000000" pitchFamily="49" charset="-128"/>
-                <a:ea typeface="HG創英角ｺﾞｼｯｸUB" panose="020B0909000000000000" pitchFamily="49" charset="-128"/>
-                <a:cs typeface="+mn-cs"/>
-              </a:rPr>
-              <a:t>構造モデル</a:t>
-            </a:r>
-            <a:endParaRPr kumimoji="1" lang="en-US" altLang="ja-JP" sz="2200" b="0" i="0" u="none" strike="noStrike" kern="1200" cap="none" spc="0" normalizeH="0" baseline="0" noProof="0" dirty="0">
-              <a:ln>
-                <a:noFill/>
-              </a:ln>
-              <a:solidFill>
-                <a:srgbClr val="70AD47">
-                  <a:lumMod val="60000"/>
-                  <a:lumOff val="40000"/>
-                </a:srgbClr>
-              </a:solidFill>
-              <a:effectLst/>
-              <a:uLnTx/>
-              <a:uFillTx/>
-              <a:latin typeface="HG創英角ｺﾞｼｯｸUB" panose="020B0909000000000000" pitchFamily="49" charset="-128"/>
-              <a:ea typeface="HG創英角ｺﾞｼｯｸUB" panose="020B0909000000000000" pitchFamily="49" charset="-128"/>
-              <a:cs typeface="+mn-cs"/>
-            </a:endParaRPr>
-          </a:p>
-        </p:txBody>
-      </p:sp>
-      <p:sp>
-        <p:nvSpPr>
-          <p:cNvPr id="12" name="四角形: 角を丸くする 11">
-            <a:extLst>
-              <a:ext uri="{FF2B5EF4-FFF2-40B4-BE49-F238E27FC236}">
-                <a16:creationId xmlns:a16="http://schemas.microsoft.com/office/drawing/2014/main" id="{AFFC4548-7F1A-4F38-96A5-7A693D93CF9B}"/>
-              </a:ext>
-            </a:extLst>
-          </p:cNvPr>
-          <p:cNvSpPr/>
-          <p:nvPr/>
-        </p:nvSpPr>
-        <p:spPr>
-          <a:xfrm>
-            <a:off x="100800" y="48072"/>
-            <a:ext cx="2520000" cy="1224384"/>
-          </a:xfrm>
-          <a:prstGeom prst="roundRect">
-            <a:avLst>
-              <a:gd name="adj" fmla="val 13842"/>
-            </a:avLst>
-          </a:prstGeom>
-          <a:solidFill>
-            <a:schemeClr val="accent6"/>
-          </a:solidFill>
-          <a:ln w="38100"/>
-        </p:spPr>
-        <p:style>
-          <a:lnRef idx="2">
-            <a:schemeClr val="accent6"/>
-          </a:lnRef>
-          <a:fillRef idx="1">
-            <a:schemeClr val="lt1"/>
-          </a:fillRef>
-          <a:effectRef idx="0">
-            <a:schemeClr val="accent6"/>
-          </a:effectRef>
-          <a:fontRef idx="minor">
-            <a:schemeClr val="dk1"/>
-          </a:fontRef>
-        </p:style>
-        <p:txBody>
-          <a:bodyPr rtlCol="0" anchor="ctr"/>
-          <a:lstStyle/>
-          <a:p>
-            <a:pPr marL="0" marR="0" lvl="0" indent="0" algn="ctr" defTabSz="914400" rtl="0" eaLnBrk="1" fontAlgn="base" latinLnBrk="0" hangingPunct="1">
-              <a:lnSpc>
-                <a:spcPct val="100000"/>
-              </a:lnSpc>
-              <a:spcBef>
-                <a:spcPct val="0"/>
-              </a:spcBef>
-              <a:spcAft>
-                <a:spcPct val="0"/>
-              </a:spcAft>
-              <a:buClrTx/>
-              <a:buSzTx/>
-              <a:buFontTx/>
-              <a:buNone/>
-              <a:tabLst/>
-              <a:defRPr/>
-            </a:pPr>
-            <a:endParaRPr kumimoji="1" lang="ja-JP" altLang="en-US" sz="1600" b="0" i="0" u="none" strike="noStrike" kern="1200" cap="none" spc="0" normalizeH="0" baseline="0" noProof="0" dirty="0">
-              <a:ln>
-                <a:noFill/>
-              </a:ln>
-              <a:solidFill>
-                <a:prstClr val="black"/>
-              </a:solidFill>
-              <a:effectLst/>
-              <a:uLnTx/>
-              <a:uFillTx/>
-              <a:latin typeface="游ゴシック" panose="020F0502020204030204"/>
-              <a:ea typeface="游ゴシック" panose="020B0400000000000000" pitchFamily="50" charset="-128"/>
-              <a:cs typeface="+mn-cs"/>
-            </a:endParaRPr>
-          </a:p>
-        </p:txBody>
-      </p:sp>
-      <p:sp>
-        <p:nvSpPr>
-          <p:cNvPr id="15" name="四角形: 角を丸くする 14">
-            <a:extLst>
-              <a:ext uri="{FF2B5EF4-FFF2-40B4-BE49-F238E27FC236}">
-                <a16:creationId xmlns:a16="http://schemas.microsoft.com/office/drawing/2014/main" id="{A9B96D26-795E-44A3-9A17-D2913FF49DAB}"/>
-              </a:ext>
-            </a:extLst>
-          </p:cNvPr>
-          <p:cNvSpPr/>
-          <p:nvPr/>
-        </p:nvSpPr>
-        <p:spPr>
-          <a:xfrm>
-            <a:off x="7670181" y="264096"/>
-            <a:ext cx="2520000" cy="1152297"/>
+            <a:off x="6147012" y="267972"/>
+            <a:ext cx="2016000" cy="1152297"/>
           </a:xfrm>
           <a:prstGeom prst="roundRect">
             <a:avLst/>
@@ -4692,8 +4388,251 @@
         </p:nvSpPr>
         <p:spPr>
           <a:xfrm>
-            <a:off x="5134753" y="264096"/>
-            <a:ext cx="2520000" cy="1080368"/>
+            <a:off x="4131012" y="264096"/>
+            <a:ext cx="2016000" cy="1080368"/>
+          </a:xfrm>
+          <a:prstGeom prst="roundRect">
+            <a:avLst/>
+          </a:prstGeom>
+          <a:ln w="28575">
+            <a:solidFill>
+              <a:schemeClr val="accent6">
+                <a:lumMod val="60000"/>
+                <a:lumOff val="40000"/>
+              </a:schemeClr>
+            </a:solidFill>
+          </a:ln>
+        </p:spPr>
+        <p:style>
+          <a:lnRef idx="2">
+            <a:schemeClr val="accent6"/>
+          </a:lnRef>
+          <a:fillRef idx="1">
+            <a:schemeClr val="lt1"/>
+          </a:fillRef>
+          <a:effectRef idx="0">
+            <a:schemeClr val="accent6"/>
+          </a:effectRef>
+          <a:fontRef idx="minor">
+            <a:schemeClr val="dk1"/>
+          </a:fontRef>
+        </p:style>
+        <p:txBody>
+          <a:bodyPr rtlCol="0" anchor="ctr"/>
+          <a:lstStyle/>
+          <a:p>
+            <a:pPr marL="0" marR="0" lvl="0" indent="0" algn="ctr" defTabSz="914400" rtl="0" eaLnBrk="1" fontAlgn="base" latinLnBrk="0" hangingPunct="1">
+              <a:lnSpc>
+                <a:spcPct val="100000"/>
+              </a:lnSpc>
+              <a:spcBef>
+                <a:spcPct val="0"/>
+              </a:spcBef>
+              <a:spcAft>
+                <a:spcPct val="0"/>
+              </a:spcAft>
+              <a:buClrTx/>
+              <a:buSzTx/>
+              <a:buFontTx/>
+              <a:buNone/>
+              <a:tabLst/>
+              <a:defRPr/>
+            </a:pPr>
+            <a:endParaRPr kumimoji="1" lang="ja-JP" altLang="en-US" sz="1600" b="0" i="0" u="none" strike="noStrike" kern="1200" cap="none" spc="0" normalizeH="0" baseline="0" noProof="0">
+              <a:ln>
+                <a:noFill/>
+              </a:ln>
+              <a:solidFill>
+                <a:prstClr val="black"/>
+              </a:solidFill>
+              <a:effectLst/>
+              <a:uLnTx/>
+              <a:uFillTx/>
+              <a:latin typeface="游ゴシック" panose="020F0502020204030204"/>
+              <a:ea typeface="游ゴシック" panose="020B0400000000000000" pitchFamily="50" charset="-128"/>
+              <a:cs typeface="+mn-cs"/>
+            </a:endParaRPr>
+          </a:p>
+        </p:txBody>
+      </p:sp>
+      <p:sp>
+        <p:nvSpPr>
+          <p:cNvPr id="13" name="四角形: 角を丸くする 12">
+            <a:extLst>
+              <a:ext uri="{FF2B5EF4-FFF2-40B4-BE49-F238E27FC236}">
+                <a16:creationId xmlns:a16="http://schemas.microsoft.com/office/drawing/2014/main" id="{84934B8C-C644-49A7-8C50-B417AAAD4BD4}"/>
+              </a:ext>
+            </a:extLst>
+          </p:cNvPr>
+          <p:cNvSpPr/>
+          <p:nvPr/>
+        </p:nvSpPr>
+        <p:spPr>
+          <a:xfrm>
+            <a:off x="2118951" y="267206"/>
+            <a:ext cx="2016000" cy="1368400"/>
+          </a:xfrm>
+          <a:prstGeom prst="roundRect">
+            <a:avLst>
+              <a:gd name="adj" fmla="val 13495"/>
+            </a:avLst>
+          </a:prstGeom>
+          <a:ln w="28575">
+            <a:solidFill>
+              <a:schemeClr val="accent6">
+                <a:lumMod val="60000"/>
+                <a:lumOff val="40000"/>
+              </a:schemeClr>
+            </a:solidFill>
+          </a:ln>
+        </p:spPr>
+        <p:style>
+          <a:lnRef idx="2">
+            <a:schemeClr val="accent6"/>
+          </a:lnRef>
+          <a:fillRef idx="1">
+            <a:schemeClr val="lt1"/>
+          </a:fillRef>
+          <a:effectRef idx="0">
+            <a:schemeClr val="accent6"/>
+          </a:effectRef>
+          <a:fontRef idx="minor">
+            <a:schemeClr val="dk1"/>
+          </a:fontRef>
+        </p:style>
+        <p:txBody>
+          <a:bodyPr rtlCol="0" anchor="ctr"/>
+          <a:lstStyle/>
+          <a:p>
+            <a:pPr marL="0" marR="0" lvl="0" indent="0" algn="ctr" defTabSz="914400" rtl="0" eaLnBrk="1" fontAlgn="base" latinLnBrk="0" hangingPunct="1">
+              <a:lnSpc>
+                <a:spcPct val="100000"/>
+              </a:lnSpc>
+              <a:spcBef>
+                <a:spcPct val="0"/>
+              </a:spcBef>
+              <a:spcAft>
+                <a:spcPct val="0"/>
+              </a:spcAft>
+              <a:buClrTx/>
+              <a:buSzTx/>
+              <a:buFontTx/>
+              <a:buNone/>
+              <a:tabLst/>
+              <a:defRPr/>
+            </a:pPr>
+            <a:endParaRPr kumimoji="1" lang="ja-JP" altLang="en-US" sz="1600" b="0" i="0" u="none" strike="noStrike" kern="1200" cap="none" spc="0" normalizeH="0" baseline="0" noProof="0">
+              <a:ln>
+                <a:noFill/>
+              </a:ln>
+              <a:solidFill>
+                <a:prstClr val="black"/>
+              </a:solidFill>
+              <a:effectLst/>
+              <a:uLnTx/>
+              <a:uFillTx/>
+              <a:latin typeface="游ゴシック" panose="020F0502020204030204"/>
+              <a:ea typeface="游ゴシック" panose="020B0400000000000000" pitchFamily="50" charset="-128"/>
+              <a:cs typeface="+mn-cs"/>
+            </a:endParaRPr>
+          </a:p>
+        </p:txBody>
+      </p:sp>
+      <p:sp>
+        <p:nvSpPr>
+          <p:cNvPr id="12" name="四角形: 角を丸くする 11">
+            <a:extLst>
+              <a:ext uri="{FF2B5EF4-FFF2-40B4-BE49-F238E27FC236}">
+                <a16:creationId xmlns:a16="http://schemas.microsoft.com/office/drawing/2014/main" id="{AFFC4548-7F1A-4F38-96A5-7A693D93CF9B}"/>
+              </a:ext>
+            </a:extLst>
+          </p:cNvPr>
+          <p:cNvSpPr/>
+          <p:nvPr/>
+        </p:nvSpPr>
+        <p:spPr>
+          <a:xfrm>
+            <a:off x="99487" y="46613"/>
+            <a:ext cx="2016000" cy="1224384"/>
+          </a:xfrm>
+          <a:prstGeom prst="roundRect">
+            <a:avLst>
+              <a:gd name="adj" fmla="val 13842"/>
+            </a:avLst>
+          </a:prstGeom>
+          <a:solidFill>
+            <a:schemeClr val="accent6"/>
+          </a:solidFill>
+          <a:ln w="38100"/>
+        </p:spPr>
+        <p:style>
+          <a:lnRef idx="2">
+            <a:schemeClr val="accent6"/>
+          </a:lnRef>
+          <a:fillRef idx="1">
+            <a:schemeClr val="lt1"/>
+          </a:fillRef>
+          <a:effectRef idx="0">
+            <a:schemeClr val="accent6"/>
+          </a:effectRef>
+          <a:fontRef idx="minor">
+            <a:schemeClr val="dk1"/>
+          </a:fontRef>
+        </p:style>
+        <p:txBody>
+          <a:bodyPr rtlCol="0" anchor="ctr"/>
+          <a:lstStyle/>
+          <a:p>
+            <a:pPr marL="0" marR="0" lvl="0" indent="0" algn="ctr" defTabSz="914400" rtl="0" eaLnBrk="1" fontAlgn="base" latinLnBrk="0" hangingPunct="1">
+              <a:lnSpc>
+                <a:spcPct val="100000"/>
+              </a:lnSpc>
+              <a:spcBef>
+                <a:spcPct val="0"/>
+              </a:spcBef>
+              <a:spcAft>
+                <a:spcPct val="0"/>
+              </a:spcAft>
+              <a:buClrTx/>
+              <a:buSzTx/>
+              <a:buFontTx/>
+              <a:buNone/>
+              <a:tabLst/>
+              <a:defRPr/>
+            </a:pPr>
+            <a:endParaRPr kumimoji="1" lang="ja-JP" altLang="en-US" sz="1600" b="0" i="0" u="none" strike="noStrike" kern="1200" cap="none" spc="0" normalizeH="0" baseline="0" noProof="0" dirty="0">
+              <a:ln>
+                <a:noFill/>
+              </a:ln>
+              <a:solidFill>
+                <a:prstClr val="black"/>
+              </a:solidFill>
+              <a:effectLst/>
+              <a:uLnTx/>
+              <a:uFillTx/>
+              <a:latin typeface="游ゴシック" panose="020F0502020204030204"/>
+              <a:ea typeface="游ゴシック" panose="020B0400000000000000" pitchFamily="50" charset="-128"/>
+              <a:cs typeface="+mn-cs"/>
+            </a:endParaRPr>
+          </a:p>
+        </p:txBody>
+      </p:sp>
+      <p:sp>
+        <p:nvSpPr>
+          <p:cNvPr id="15" name="四角形: 角を丸くする 14">
+            <a:extLst>
+              <a:ext uri="{FF2B5EF4-FFF2-40B4-BE49-F238E27FC236}">
+                <a16:creationId xmlns:a16="http://schemas.microsoft.com/office/drawing/2014/main" id="{A9B96D26-795E-44A3-9A17-D2913FF49DAB}"/>
+              </a:ext>
+            </a:extLst>
+          </p:cNvPr>
+          <p:cNvSpPr/>
+          <p:nvPr/>
+        </p:nvSpPr>
+        <p:spPr>
+          <a:xfrm>
+            <a:off x="8159073" y="268334"/>
+            <a:ext cx="2016000" cy="1152297"/>
           </a:xfrm>
           <a:prstGeom prst="roundRect">
             <a:avLst/>
@@ -4773,7 +4712,7 @@
         </p:nvSpPr>
         <p:spPr>
           <a:xfrm>
-            <a:off x="100800" y="658618"/>
+            <a:off x="97137" y="694983"/>
             <a:ext cx="12600000" cy="8856984"/>
           </a:xfrm>
           <a:prstGeom prst="rect">
@@ -4836,48 +4775,12 @@
           </a:p>
         </p:txBody>
       </p:sp>
-      <p:pic>
-        <p:nvPicPr>
-          <p:cNvPr id="37" name="図 36">
+      <p:sp>
+        <p:nvSpPr>
+          <p:cNvPr id="9" name="テキスト ボックス 8">
             <a:extLst>
               <a:ext uri="{FF2B5EF4-FFF2-40B4-BE49-F238E27FC236}">
-                <a16:creationId xmlns:a16="http://schemas.microsoft.com/office/drawing/2014/main" id="{7A646B7D-7319-42E0-BA4F-C4BE0AA315EB}"/>
-              </a:ext>
-            </a:extLst>
-          </p:cNvPr>
-          <p:cNvPicPr>
-            <a:picLocks noChangeAspect="1"/>
-          </p:cNvPicPr>
-          <p:nvPr/>
-        </p:nvPicPr>
-        <p:blipFill>
-          <a:blip r:embed="rId2">
-            <a:extLst>
-              <a:ext uri="{28A0092B-C50C-407E-A947-70E740481C1C}">
-                <a14:useLocalDpi xmlns:a14="http://schemas.microsoft.com/office/drawing/2010/main" val="0"/>
-              </a:ext>
-            </a:extLst>
-          </a:blip>
-          <a:stretch>
-            <a:fillRect/>
-          </a:stretch>
-        </p:blipFill>
-        <p:spPr>
-          <a:xfrm>
-            <a:off x="226039" y="1872618"/>
-            <a:ext cx="3475933" cy="1694078"/>
-          </a:xfrm>
-          <a:prstGeom prst="rect">
-            <a:avLst/>
-          </a:prstGeom>
-        </p:spPr>
-      </p:pic>
-      <p:sp>
-        <p:nvSpPr>
-          <p:cNvPr id="3" name="テキスト ボックス 2">
-            <a:extLst>
-              <a:ext uri="{FF2B5EF4-FFF2-40B4-BE49-F238E27FC236}">
-                <a16:creationId xmlns:a16="http://schemas.microsoft.com/office/drawing/2014/main" id="{4A839BC4-54BA-4246-90D0-1001B466FC18}"/>
+                <a16:creationId xmlns:a16="http://schemas.microsoft.com/office/drawing/2014/main" id="{27FC2256-755B-4562-8E23-88557EE81276}"/>
               </a:ext>
             </a:extLst>
           </p:cNvPr>
@@ -4886,8 +4789,8 @@
         </p:nvSpPr>
         <p:spPr>
           <a:xfrm>
-            <a:off x="284707" y="120080"/>
-            <a:ext cx="2122161" cy="430887"/>
+            <a:off x="2513459" y="248190"/>
+            <a:ext cx="1203919" cy="430887"/>
           </a:xfrm>
           <a:prstGeom prst="rect">
             <a:avLst/>
@@ -4940,7 +4843,10 @@
                   <a:noFill/>
                 </a:ln>
                 <a:solidFill>
-                  <a:schemeClr val="bg1"/>
+                  <a:srgbClr val="70AD47">
+                    <a:lumMod val="60000"/>
+                    <a:lumOff val="40000"/>
+                  </a:srgbClr>
                 </a:solidFill>
                 <a:effectLst/>
                 <a:uLnTx/>
@@ -4949,7 +4855,7 @@
                 <a:ea typeface="HG創英角ｺﾞｼｯｸUB" panose="020B0909000000000000" pitchFamily="49" charset="-128"/>
                 <a:cs typeface="+mn-cs"/>
               </a:rPr>
-              <a:t>１</a:t>
+              <a:t>２</a:t>
             </a:r>
             <a:r>
               <a:rPr kumimoji="1" lang="en-US" altLang="ja-JP" sz="2200" b="1" i="0" u="none" strike="noStrike" kern="1200" cap="none" spc="0" normalizeH="0" baseline="0" noProof="0" dirty="0">
@@ -4957,7 +4863,10 @@
                   <a:noFill/>
                 </a:ln>
                 <a:solidFill>
-                  <a:schemeClr val="bg1"/>
+                  <a:srgbClr val="70AD47">
+                    <a:lumMod val="60000"/>
+                    <a:lumOff val="40000"/>
+                  </a:srgbClr>
                 </a:solidFill>
                 <a:effectLst/>
                 <a:uLnTx/>
@@ -4974,7 +4883,10 @@
                   <a:noFill/>
                 </a:ln>
                 <a:solidFill>
-                  <a:schemeClr val="bg1"/>
+                  <a:srgbClr val="70AD47">
+                    <a:lumMod val="60000"/>
+                    <a:lumOff val="40000"/>
+                  </a:srgbClr>
                 </a:solidFill>
                 <a:effectLst/>
                 <a:uLnTx/>
@@ -4983,14 +4895,17 @@
                 <a:ea typeface="HG創英角ｺﾞｼｯｸUB" panose="020B0909000000000000" pitchFamily="49" charset="-128"/>
                 <a:cs typeface="+mn-cs"/>
               </a:rPr>
-              <a:t>機能モデル</a:t>
+              <a:t>構造</a:t>
             </a:r>
             <a:endParaRPr kumimoji="1" lang="en-US" altLang="ja-JP" sz="2200" b="0" i="0" u="none" strike="noStrike" kern="1200" cap="none" spc="0" normalizeH="0" baseline="0" noProof="0" dirty="0">
               <a:ln>
                 <a:noFill/>
               </a:ln>
               <a:solidFill>
-                <a:schemeClr val="bg1"/>
+                <a:srgbClr val="70AD47">
+                  <a:lumMod val="60000"/>
+                  <a:lumOff val="40000"/>
+                </a:srgbClr>
               </a:solidFill>
               <a:effectLst/>
               <a:uLnTx/>
@@ -5004,10 +4919,10 @@
       </p:sp>
       <p:sp>
         <p:nvSpPr>
-          <p:cNvPr id="10" name="テキスト ボックス 9">
+          <p:cNvPr id="3" name="テキスト ボックス 2">
             <a:extLst>
               <a:ext uri="{FF2B5EF4-FFF2-40B4-BE49-F238E27FC236}">
-                <a16:creationId xmlns:a16="http://schemas.microsoft.com/office/drawing/2014/main" id="{6B6DE600-02D5-4297-AB70-824D28CEE6FA}"/>
+                <a16:creationId xmlns:a16="http://schemas.microsoft.com/office/drawing/2014/main" id="{4A839BC4-54BA-4246-90D0-1001B466FC18}"/>
               </a:ext>
             </a:extLst>
           </p:cNvPr>
@@ -5016,8 +4931,8 @@
         </p:nvSpPr>
         <p:spPr>
           <a:xfrm>
-            <a:off x="5104656" y="264096"/>
-            <a:ext cx="2577483" cy="446276"/>
+            <a:off x="420438" y="147312"/>
+            <a:ext cx="1219549" cy="430887"/>
           </a:xfrm>
           <a:prstGeom prst="rect">
             <a:avLst/>
@@ -5070,10 +4985,7 @@
                   <a:noFill/>
                 </a:ln>
                 <a:solidFill>
-                  <a:srgbClr val="70AD47">
-                    <a:lumMod val="60000"/>
-                    <a:lumOff val="40000"/>
-                  </a:srgbClr>
+                  <a:schemeClr val="bg1"/>
                 </a:solidFill>
                 <a:effectLst/>
                 <a:uLnTx/>
@@ -5082,7 +4994,7 @@
                 <a:ea typeface="HG創英角ｺﾞｼｯｸUB" panose="020B0909000000000000" pitchFamily="49" charset="-128"/>
                 <a:cs typeface="+mn-cs"/>
               </a:rPr>
-              <a:t>３</a:t>
+              <a:t>１</a:t>
             </a:r>
             <a:r>
               <a:rPr kumimoji="1" lang="en-US" altLang="ja-JP" sz="2200" b="1" i="0" u="none" strike="noStrike" kern="1200" cap="none" spc="0" normalizeH="0" baseline="0" noProof="0" dirty="0">
@@ -5090,10 +5002,7 @@
                   <a:noFill/>
                 </a:ln>
                 <a:solidFill>
-                  <a:srgbClr val="70AD47">
-                    <a:lumMod val="60000"/>
-                    <a:lumOff val="40000"/>
-                  </a:srgbClr>
+                  <a:schemeClr val="bg1"/>
                 </a:solidFill>
                 <a:effectLst/>
                 <a:uLnTx/>
@@ -5110,10 +5019,7 @@
                   <a:noFill/>
                 </a:ln>
                 <a:solidFill>
-                  <a:srgbClr val="70AD47">
-                    <a:lumMod val="60000"/>
-                    <a:lumOff val="40000"/>
-                  </a:srgbClr>
+                  <a:schemeClr val="bg1"/>
                 </a:solidFill>
                 <a:effectLst/>
                 <a:uLnTx/>
@@ -5122,7 +5028,146 @@
                 <a:ea typeface="HG創英角ｺﾞｼｯｸUB" panose="020B0909000000000000" pitchFamily="49" charset="-128"/>
                 <a:cs typeface="+mn-cs"/>
               </a:rPr>
-              <a:t>振る舞いモデル</a:t>
+              <a:t>機能</a:t>
+            </a:r>
+            <a:endParaRPr kumimoji="1" lang="en-US" altLang="ja-JP" sz="2200" b="0" i="0" u="none" strike="noStrike" kern="1200" cap="none" spc="0" normalizeH="0" baseline="0" noProof="0" dirty="0">
+              <a:ln>
+                <a:noFill/>
+              </a:ln>
+              <a:solidFill>
+                <a:schemeClr val="bg1"/>
+              </a:solidFill>
+              <a:effectLst/>
+              <a:uLnTx/>
+              <a:uFillTx/>
+              <a:latin typeface="HG創英角ｺﾞｼｯｸUB" panose="020B0909000000000000" pitchFamily="49" charset="-128"/>
+              <a:ea typeface="HG創英角ｺﾞｼｯｸUB" panose="020B0909000000000000" pitchFamily="49" charset="-128"/>
+              <a:cs typeface="+mn-cs"/>
+            </a:endParaRPr>
+          </a:p>
+        </p:txBody>
+      </p:sp>
+      <p:sp>
+        <p:nvSpPr>
+          <p:cNvPr id="10" name="テキスト ボックス 9">
+            <a:extLst>
+              <a:ext uri="{FF2B5EF4-FFF2-40B4-BE49-F238E27FC236}">
+                <a16:creationId xmlns:a16="http://schemas.microsoft.com/office/drawing/2014/main" id="{6B6DE600-02D5-4297-AB70-824D28CEE6FA}"/>
+              </a:ext>
+            </a:extLst>
+          </p:cNvPr>
+          <p:cNvSpPr txBox="1"/>
+          <p:nvPr/>
+        </p:nvSpPr>
+        <p:spPr>
+          <a:xfrm>
+            <a:off x="4123686" y="274701"/>
+            <a:ext cx="2016000" cy="446276"/>
+          </a:xfrm>
+          <a:prstGeom prst="rect">
+            <a:avLst/>
+          </a:prstGeom>
+          <a:noFill/>
+          <a:ln>
+            <a:noFill/>
+          </a:ln>
+        </p:spPr>
+        <p:style>
+          <a:lnRef idx="0">
+            <a:scrgbClr r="0" g="0" b="0"/>
+          </a:lnRef>
+          <a:fillRef idx="0">
+            <a:scrgbClr r="0" g="0" b="0"/>
+          </a:fillRef>
+          <a:effectRef idx="0">
+            <a:scrgbClr r="0" g="0" b="0"/>
+          </a:effectRef>
+          <a:fontRef idx="minor">
+            <a:schemeClr val="dk1"/>
+          </a:fontRef>
+        </p:style>
+        <p:txBody>
+          <a:bodyPr wrap="square" rtlCol="0">
+            <a:spAutoFit/>
+          </a:bodyPr>
+          <a:lstStyle/>
+          <a:p>
+            <a:pPr marL="0" marR="0" lvl="0" indent="0" algn="l" defTabSz="914400" rtl="0" eaLnBrk="1" fontAlgn="base" latinLnBrk="0" hangingPunct="1">
+              <a:lnSpc>
+                <a:spcPct val="100000"/>
+              </a:lnSpc>
+              <a:spcBef>
+                <a:spcPct val="0"/>
+              </a:spcBef>
+              <a:spcAft>
+                <a:spcPct val="0"/>
+              </a:spcAft>
+              <a:buClrTx/>
+              <a:buSzTx/>
+              <a:buFontTx/>
+              <a:buNone/>
+              <a:tabLst/>
+              <a:defRPr/>
+            </a:pPr>
+            <a:r>
+              <a:rPr kumimoji="1" lang="ja-JP" altLang="en-US" sz="2200" b="0" i="0" u="none" strike="noStrike" kern="1200" cap="none" spc="0" normalizeH="0" baseline="0" noProof="0" dirty="0">
+                <a:ln>
+                  <a:noFill/>
+                </a:ln>
+                <a:solidFill>
+                  <a:srgbClr val="70AD47">
+                    <a:lumMod val="60000"/>
+                    <a:lumOff val="40000"/>
+                  </a:srgbClr>
+                </a:solidFill>
+                <a:effectLst/>
+                <a:uLnTx/>
+                <a:uFillTx/>
+                <a:latin typeface="HG創英角ｺﾞｼｯｸUB" panose="020B0909000000000000" pitchFamily="49" charset="-128"/>
+                <a:ea typeface="HG創英角ｺﾞｼｯｸUB" panose="020B0909000000000000" pitchFamily="49" charset="-128"/>
+                <a:cs typeface="+mn-cs"/>
+              </a:rPr>
+              <a:t>３</a:t>
+            </a:r>
+            <a:r>
+              <a:rPr kumimoji="1" lang="en-US" altLang="ja-JP" sz="2200" b="1" i="0" u="none" strike="noStrike" kern="1200" cap="none" spc="0" normalizeH="0" baseline="0" noProof="0" dirty="0">
+                <a:ln>
+                  <a:noFill/>
+                </a:ln>
+                <a:solidFill>
+                  <a:srgbClr val="70AD47">
+                    <a:lumMod val="60000"/>
+                    <a:lumOff val="40000"/>
+                  </a:srgbClr>
+                </a:solidFill>
+                <a:effectLst/>
+                <a:uLnTx/>
+                <a:uFillTx/>
+                <a:latin typeface="HG創英角ｺﾞｼｯｸUB" panose="020B0909000000000000" pitchFamily="49" charset="-128"/>
+                <a:ea typeface="HG創英角ｺﾞｼｯｸUB" panose="020B0909000000000000" pitchFamily="49" charset="-128"/>
+                <a:cs typeface="+mn-cs"/>
+              </a:rPr>
+              <a:t>.</a:t>
+            </a:r>
+            <a:r>
+              <a:rPr kumimoji="1" lang="ja-JP" altLang="en-US" sz="2200" b="0" i="0" u="none" strike="noStrike" kern="1200" cap="none" spc="0" normalizeH="0" baseline="0" noProof="0" dirty="0">
+                <a:ln>
+                  <a:noFill/>
+                </a:ln>
+                <a:solidFill>
+                  <a:srgbClr val="70AD47">
+                    <a:lumMod val="60000"/>
+                    <a:lumOff val="40000"/>
+                  </a:srgbClr>
+                </a:solidFill>
+                <a:effectLst/>
+                <a:uLnTx/>
+                <a:uFillTx/>
+                <a:latin typeface="HG創英角ｺﾞｼｯｸUB" panose="020B0909000000000000" pitchFamily="49" charset="-128"/>
+                <a:ea typeface="HG創英角ｺﾞｼｯｸUB" panose="020B0909000000000000" pitchFamily="49" charset="-128"/>
+                <a:cs typeface="+mn-cs"/>
+              </a:rPr>
+              <a:t>振る舞い①</a:t>
             </a:r>
             <a:endParaRPr kumimoji="1" lang="en-US" altLang="ja-JP" sz="2200" b="0" i="0" u="none" strike="noStrike" kern="1200" cap="none" spc="0" normalizeH="0" baseline="0" noProof="0" dirty="0">
               <a:ln>
@@ -5158,7 +5203,7 @@
         </p:nvSpPr>
         <p:spPr>
           <a:xfrm>
-            <a:off x="8207348" y="264096"/>
+            <a:off x="8441559" y="270996"/>
             <a:ext cx="1445666" cy="430887"/>
           </a:xfrm>
           <a:prstGeom prst="rect">
@@ -5286,53 +5331,88 @@
           </a:p>
         </p:txBody>
       </p:sp>
-      <p:sp>
-        <p:nvSpPr>
-          <p:cNvPr id="5" name="テキスト ボックス 4">
+      <p:grpSp>
+        <p:nvGrpSpPr>
+          <p:cNvPr id="55" name="グループ化 54">
             <a:extLst>
               <a:ext uri="{FF2B5EF4-FFF2-40B4-BE49-F238E27FC236}">
-                <a16:creationId xmlns:a16="http://schemas.microsoft.com/office/drawing/2014/main" id="{39B023B9-74EB-485E-B7A9-2E7916E6C963}"/>
+                <a16:creationId xmlns:a16="http://schemas.microsoft.com/office/drawing/2014/main" id="{66DA5DDC-1FCA-4B84-8E66-5E6C712B95C5}"/>
               </a:ext>
             </a:extLst>
           </p:cNvPr>
-          <p:cNvSpPr txBox="1"/>
+          <p:cNvGrpSpPr/>
           <p:nvPr/>
-        </p:nvSpPr>
-        <p:spPr>
+        </p:nvGrpSpPr>
+        <p:grpSpPr>
           <a:xfrm>
-            <a:off x="100800" y="3815363"/>
-            <a:ext cx="3657516" cy="415498"/>
+            <a:off x="136104" y="2856384"/>
+            <a:ext cx="3657516" cy="719129"/>
+            <a:chOff x="100800" y="3511732"/>
+            <a:chExt cx="3657516" cy="719129"/>
           </a:xfrm>
-          <a:prstGeom prst="rect">
-            <a:avLst/>
-          </a:prstGeom>
-          <a:noFill/>
-        </p:spPr>
-        <p:txBody>
-          <a:bodyPr wrap="square" rtlCol="0">
-            <a:spAutoFit/>
-          </a:bodyPr>
-          <a:lstStyle/>
-          <a:p>
-            <a:pPr marL="0" marR="0" lvl="0" indent="0" algn="l" defTabSz="914400" rtl="0" eaLnBrk="1" fontAlgn="base" latinLnBrk="0" hangingPunct="1">
-              <a:lnSpc>
-                <a:spcPct val="100000"/>
-              </a:lnSpc>
-              <a:spcBef>
-                <a:spcPct val="0"/>
-              </a:spcBef>
-              <a:spcAft>
-                <a:spcPct val="0"/>
-              </a:spcAft>
-              <a:buClrTx/>
-              <a:buSzTx/>
-              <a:buFontTx/>
-              <a:buNone/>
-              <a:tabLst/>
-              <a:defRPr/>
-            </a:pPr>
-            <a:r>
-              <a:rPr kumimoji="1" lang="ja-JP" altLang="en-US" sz="1050" b="0" i="0" u="none" strike="noStrike" kern="1200" cap="none" spc="0" normalizeH="0" baseline="0" noProof="0" dirty="0">
+        </p:grpSpPr>
+        <p:sp>
+          <p:nvSpPr>
+            <p:cNvPr id="5" name="テキスト ボックス 4">
+              <a:extLst>
+                <a:ext uri="{FF2B5EF4-FFF2-40B4-BE49-F238E27FC236}">
+                  <a16:creationId xmlns:a16="http://schemas.microsoft.com/office/drawing/2014/main" id="{39B023B9-74EB-485E-B7A9-2E7916E6C963}"/>
+                </a:ext>
+              </a:extLst>
+            </p:cNvPr>
+            <p:cNvSpPr txBox="1"/>
+            <p:nvPr/>
+          </p:nvSpPr>
+          <p:spPr>
+            <a:xfrm>
+              <a:off x="100800" y="3815363"/>
+              <a:ext cx="3657516" cy="415498"/>
+            </a:xfrm>
+            <a:prstGeom prst="rect">
+              <a:avLst/>
+            </a:prstGeom>
+            <a:noFill/>
+          </p:spPr>
+          <p:txBody>
+            <a:bodyPr wrap="square" rtlCol="0">
+              <a:spAutoFit/>
+            </a:bodyPr>
+            <a:lstStyle/>
+            <a:p>
+              <a:pPr marL="0" marR="0" lvl="0" indent="0" algn="l" defTabSz="914400" rtl="0" eaLnBrk="1" fontAlgn="base" latinLnBrk="0" hangingPunct="1">
+                <a:lnSpc>
+                  <a:spcPct val="100000"/>
+                </a:lnSpc>
+                <a:spcBef>
+                  <a:spcPct val="0"/>
+                </a:spcBef>
+                <a:spcAft>
+                  <a:spcPct val="0"/>
+                </a:spcAft>
+                <a:buClrTx/>
+                <a:buSzTx/>
+                <a:buFontTx/>
+                <a:buNone/>
+                <a:tabLst/>
+                <a:defRPr/>
+              </a:pPr>
+              <a:r>
+                <a:rPr kumimoji="1" lang="ja-JP" altLang="en-US" sz="1050" b="0" i="0" u="none" strike="noStrike" kern="1200" cap="none" spc="0" normalizeH="0" baseline="0" noProof="0" dirty="0">
+                  <a:ln>
+                    <a:noFill/>
+                  </a:ln>
+                  <a:solidFill>
+                    <a:prstClr val="black"/>
+                  </a:solidFill>
+                  <a:effectLst/>
+                  <a:uLnTx/>
+                  <a:uFillTx/>
+                  <a:latin typeface="メイリオ" panose="020B0604030504040204" pitchFamily="50" charset="-128"/>
+                  <a:ea typeface="メイリオ" panose="020B0604030504040204" pitchFamily="50" charset="-128"/>
+                </a:rPr>
+                <a:t>機能を実現するための方法をユースケース記述、処理順序をアクティビティ図に示す。</a:t>
+              </a:r>
+              <a:endParaRPr kumimoji="1" lang="ja-JP" altLang="en-US" sz="1400" b="0" i="0" u="none" strike="noStrike" kern="1200" cap="none" spc="0" normalizeH="0" baseline="0" noProof="0" dirty="0">
                 <a:ln>
                   <a:noFill/>
                 </a:ln>
@@ -5342,182 +5422,76 @@
                 <a:effectLst/>
                 <a:uLnTx/>
                 <a:uFillTx/>
-                <a:latin typeface="メイリオ" panose="020B0604030504040204" pitchFamily="50" charset="-128"/>
-                <a:ea typeface="メイリオ" panose="020B0604030504040204" pitchFamily="50" charset="-128"/>
-              </a:rPr>
-              <a:t>機能を実現するための方法をユースケース記述、処理順序をアクティビティ図に示す。</a:t>
-            </a:r>
-            <a:endParaRPr kumimoji="1" lang="ja-JP" altLang="en-US" sz="1400" b="0" i="0" u="none" strike="noStrike" kern="1200" cap="none" spc="0" normalizeH="0" baseline="0" noProof="0" dirty="0">
-              <a:ln>
-                <a:noFill/>
-              </a:ln>
-              <a:solidFill>
-                <a:prstClr val="black"/>
-              </a:solidFill>
-              <a:effectLst/>
-              <a:uLnTx/>
-              <a:uFillTx/>
-              <a:latin typeface="HG丸ｺﾞｼｯｸM-PRO" panose="020F0600000000000000" pitchFamily="50" charset="-128"/>
-              <a:ea typeface="HG丸ｺﾞｼｯｸM-PRO" panose="020F0600000000000000" pitchFamily="50" charset="-128"/>
-              <a:cs typeface="+mn-cs"/>
-            </a:endParaRPr>
-          </a:p>
-        </p:txBody>
-      </p:sp>
-      <p:cxnSp>
-        <p:nvCxnSpPr>
-          <p:cNvPr id="25" name="直線コネクタ 24">
-            <a:extLst>
-              <a:ext uri="{FF2B5EF4-FFF2-40B4-BE49-F238E27FC236}">
-                <a16:creationId xmlns:a16="http://schemas.microsoft.com/office/drawing/2014/main" id="{AF2DCC8C-2365-43AB-9E17-176AA07FFDED}"/>
-              </a:ext>
-            </a:extLst>
-          </p:cNvPr>
-          <p:cNvCxnSpPr>
-            <a:cxnSpLocks/>
-          </p:cNvCxnSpPr>
-          <p:nvPr/>
-        </p:nvCxnSpPr>
-        <p:spPr>
-          <a:xfrm>
-            <a:off x="160948" y="984176"/>
-            <a:ext cx="3507807" cy="645"/>
-          </a:xfrm>
-          <a:prstGeom prst="line">
-            <a:avLst/>
-          </a:prstGeom>
-          <a:ln w="38100">
-            <a:solidFill>
-              <a:schemeClr val="accent6"/>
-            </a:solidFill>
-          </a:ln>
-        </p:spPr>
-        <p:style>
-          <a:lnRef idx="1">
-            <a:schemeClr val="accent1"/>
-          </a:lnRef>
-          <a:fillRef idx="0">
-            <a:schemeClr val="accent1"/>
-          </a:fillRef>
-          <a:effectRef idx="0">
-            <a:schemeClr val="accent1"/>
-          </a:effectRef>
-          <a:fontRef idx="minor">
-            <a:schemeClr val="tx1"/>
-          </a:fontRef>
-        </p:style>
-      </p:cxnSp>
-      <p:sp>
-        <p:nvSpPr>
-          <p:cNvPr id="27" name="テキスト ボックス 26">
-            <a:extLst>
-              <a:ext uri="{FF2B5EF4-FFF2-40B4-BE49-F238E27FC236}">
-                <a16:creationId xmlns:a16="http://schemas.microsoft.com/office/drawing/2014/main" id="{85955608-DD65-46B1-83AA-2FE595727633}"/>
-              </a:ext>
-            </a:extLst>
-          </p:cNvPr>
-          <p:cNvSpPr txBox="1"/>
-          <p:nvPr/>
-        </p:nvSpPr>
-        <p:spPr>
-          <a:xfrm>
-            <a:off x="73832" y="696144"/>
-            <a:ext cx="2002046" cy="338554"/>
-          </a:xfrm>
-          <a:prstGeom prst="rect">
-            <a:avLst/>
-          </a:prstGeom>
-          <a:noFill/>
-        </p:spPr>
-        <p:txBody>
-          <a:bodyPr wrap="square" rtlCol="0">
-            <a:spAutoFit/>
-          </a:bodyPr>
-          <a:lstStyle/>
-          <a:p>
-            <a:pPr marL="0" marR="0" lvl="0" indent="0" algn="l" defTabSz="914400" rtl="0" eaLnBrk="1" fontAlgn="base" latinLnBrk="0" hangingPunct="1">
-              <a:lnSpc>
-                <a:spcPct val="100000"/>
-              </a:lnSpc>
-              <a:spcBef>
-                <a:spcPct val="0"/>
-              </a:spcBef>
-              <a:spcAft>
-                <a:spcPct val="0"/>
-              </a:spcAft>
-              <a:buClrTx/>
-              <a:buSzTx/>
-              <a:buFontTx/>
-              <a:buNone/>
-              <a:tabLst/>
-              <a:defRPr/>
-            </a:pPr>
-            <a:r>
-              <a:rPr kumimoji="1" lang="ja-JP" altLang="en-US" b="1" i="0" u="none" strike="noStrike" kern="1200" cap="none" spc="0" normalizeH="0" baseline="0" noProof="0" dirty="0">
-                <a:ln>
-                  <a:noFill/>
-                </a:ln>
-                <a:solidFill>
-                  <a:prstClr val="black"/>
-                </a:solidFill>
-                <a:effectLst/>
-                <a:uLnTx/>
-                <a:uFillTx/>
-                <a:latin typeface="游ゴシック" panose="020B0400000000000000" pitchFamily="50" charset="-128"/>
-                <a:ea typeface="游ゴシック" panose="020B0400000000000000" pitchFamily="50" charset="-128"/>
-              </a:rPr>
-              <a:t>１．提供する機能</a:t>
-            </a:r>
-          </a:p>
-        </p:txBody>
-      </p:sp>
-      <p:sp>
-        <p:nvSpPr>
-          <p:cNvPr id="28" name="テキスト ボックス 27">
-            <a:extLst>
-              <a:ext uri="{FF2B5EF4-FFF2-40B4-BE49-F238E27FC236}">
-                <a16:creationId xmlns:a16="http://schemas.microsoft.com/office/drawing/2014/main" id="{BC656E32-26A4-4666-809A-9F95C9E4C140}"/>
-              </a:ext>
-            </a:extLst>
-          </p:cNvPr>
-          <p:cNvSpPr txBox="1"/>
-          <p:nvPr/>
-        </p:nvSpPr>
-        <p:spPr>
-          <a:xfrm>
-            <a:off x="100800" y="3511732"/>
-            <a:ext cx="2033121" cy="338554"/>
-          </a:xfrm>
-          <a:prstGeom prst="rect">
-            <a:avLst/>
-          </a:prstGeom>
-          <a:noFill/>
-        </p:spPr>
-        <p:txBody>
-          <a:bodyPr wrap="square" rtlCol="0">
-            <a:spAutoFit/>
-          </a:bodyPr>
-          <a:lstStyle/>
-          <a:p>
-            <a:pPr marL="0" marR="0" lvl="0" indent="0" algn="l" defTabSz="914400" rtl="0" eaLnBrk="1" fontAlgn="base" latinLnBrk="0" hangingPunct="1">
-              <a:lnSpc>
-                <a:spcPct val="100000"/>
-              </a:lnSpc>
-              <a:spcBef>
-                <a:spcPct val="0"/>
-              </a:spcBef>
-              <a:spcAft>
-                <a:spcPct val="0"/>
-              </a:spcAft>
-              <a:buClrTx/>
-              <a:buSzTx/>
-              <a:buFontTx/>
-              <a:buNone/>
-              <a:tabLst/>
-              <a:defRPr/>
-            </a:pPr>
-            <a:r>
-              <a:rPr kumimoji="1" lang="ja-JP" altLang="en-US" sz="1600" b="1" i="0" u="none" strike="noStrike" kern="1200" cap="none" spc="0" normalizeH="0" baseline="0" noProof="0" dirty="0">
+                <a:latin typeface="HG丸ｺﾞｼｯｸM-PRO" panose="020F0600000000000000" pitchFamily="50" charset="-128"/>
+                <a:ea typeface="HG丸ｺﾞｼｯｸM-PRO" panose="020F0600000000000000" pitchFamily="50" charset="-128"/>
+                <a:cs typeface="+mn-cs"/>
+              </a:endParaRPr>
+            </a:p>
+          </p:txBody>
+        </p:sp>
+        <p:sp>
+          <p:nvSpPr>
+            <p:cNvPr id="28" name="テキスト ボックス 27">
+              <a:extLst>
+                <a:ext uri="{FF2B5EF4-FFF2-40B4-BE49-F238E27FC236}">
+                  <a16:creationId xmlns:a16="http://schemas.microsoft.com/office/drawing/2014/main" id="{BC656E32-26A4-4666-809A-9F95C9E4C140}"/>
+                </a:ext>
+              </a:extLst>
+            </p:cNvPr>
+            <p:cNvSpPr txBox="1"/>
+            <p:nvPr/>
+          </p:nvSpPr>
+          <p:spPr>
+            <a:xfrm>
+              <a:off x="100800" y="3511732"/>
+              <a:ext cx="2033121" cy="338554"/>
+            </a:xfrm>
+            <a:prstGeom prst="rect">
+              <a:avLst/>
+            </a:prstGeom>
+            <a:noFill/>
+          </p:spPr>
+          <p:txBody>
+            <a:bodyPr wrap="square" rtlCol="0">
+              <a:spAutoFit/>
+            </a:bodyPr>
+            <a:lstStyle/>
+            <a:p>
+              <a:pPr marL="0" marR="0" lvl="0" indent="0" algn="l" defTabSz="914400" rtl="0" eaLnBrk="1" fontAlgn="base" latinLnBrk="0" hangingPunct="1">
+                <a:lnSpc>
+                  <a:spcPct val="100000"/>
+                </a:lnSpc>
+                <a:spcBef>
+                  <a:spcPct val="0"/>
+                </a:spcBef>
+                <a:spcAft>
+                  <a:spcPct val="0"/>
+                </a:spcAft>
+                <a:buClrTx/>
+                <a:buSzTx/>
+                <a:buFontTx/>
+                <a:buNone/>
+                <a:tabLst/>
+                <a:defRPr/>
+              </a:pPr>
+              <a:r>
+                <a:rPr kumimoji="1" lang="ja-JP" altLang="en-US" sz="1600" b="1" i="0" u="none" strike="noStrike" kern="1200" cap="none" spc="0" normalizeH="0" baseline="0" noProof="0" dirty="0">
+                  <a:ln>
+                    <a:noFill/>
+                  </a:ln>
+                  <a:solidFill>
+                    <a:prstClr val="black"/>
+                  </a:solidFill>
+                  <a:effectLst/>
+                  <a:uLnTx/>
+                  <a:uFillTx/>
+                  <a:latin typeface="+mn-ea"/>
+                  <a:ea typeface="+mn-ea"/>
+                  <a:cs typeface="+mn-cs"/>
+                </a:rPr>
+                <a:t>２．機能要件</a:t>
+              </a:r>
+              <a:endParaRPr kumimoji="1" lang="ja-JP" altLang="en-US" sz="1600" b="0" i="0" u="none" strike="noStrike" kern="1200" cap="none" spc="0" normalizeH="0" baseline="0" noProof="0" dirty="0">
                 <a:ln>
                   <a:noFill/>
                 </a:ln>
@@ -5530,69 +5504,54 @@
                 <a:latin typeface="+mn-ea"/>
                 <a:ea typeface="+mn-ea"/>
                 <a:cs typeface="+mn-cs"/>
-              </a:rPr>
-              <a:t>２．機能要件</a:t>
-            </a:r>
-            <a:endParaRPr kumimoji="1" lang="ja-JP" altLang="en-US" sz="1600" b="0" i="0" u="none" strike="noStrike" kern="1200" cap="none" spc="0" normalizeH="0" baseline="0" noProof="0" dirty="0">
-              <a:ln>
-                <a:noFill/>
-              </a:ln>
+              </a:endParaRPr>
+            </a:p>
+          </p:txBody>
+        </p:sp>
+        <p:cxnSp>
+          <p:nvCxnSpPr>
+            <p:cNvPr id="29" name="直線コネクタ 28">
+              <a:extLst>
+                <a:ext uri="{FF2B5EF4-FFF2-40B4-BE49-F238E27FC236}">
+                  <a16:creationId xmlns:a16="http://schemas.microsoft.com/office/drawing/2014/main" id="{5912503A-9432-4EF7-8DAE-A3C6B8B3A324}"/>
+                </a:ext>
+              </a:extLst>
+            </p:cNvPr>
+            <p:cNvCxnSpPr>
+              <a:cxnSpLocks/>
+            </p:cNvCxnSpPr>
+            <p:nvPr/>
+          </p:nvCxnSpPr>
+          <p:spPr>
+            <a:xfrm>
+              <a:off x="226039" y="3815363"/>
+              <a:ext cx="3472820" cy="0"/>
+            </a:xfrm>
+            <a:prstGeom prst="line">
+              <a:avLst/>
+            </a:prstGeom>
+            <a:ln w="38100">
               <a:solidFill>
-                <a:prstClr val="black"/>
+                <a:schemeClr val="accent6"/>
               </a:solidFill>
-              <a:effectLst/>
-              <a:uLnTx/>
-              <a:uFillTx/>
-              <a:latin typeface="+mn-ea"/>
-              <a:ea typeface="+mn-ea"/>
-              <a:cs typeface="+mn-cs"/>
-            </a:endParaRPr>
-          </a:p>
-        </p:txBody>
-      </p:sp>
-      <p:cxnSp>
-        <p:nvCxnSpPr>
-          <p:cNvPr id="29" name="直線コネクタ 28">
-            <a:extLst>
-              <a:ext uri="{FF2B5EF4-FFF2-40B4-BE49-F238E27FC236}">
-                <a16:creationId xmlns:a16="http://schemas.microsoft.com/office/drawing/2014/main" id="{5912503A-9432-4EF7-8DAE-A3C6B8B3A324}"/>
-              </a:ext>
-            </a:extLst>
-          </p:cNvPr>
-          <p:cNvCxnSpPr>
-            <a:cxnSpLocks/>
-          </p:cNvCxnSpPr>
-          <p:nvPr/>
-        </p:nvCxnSpPr>
-        <p:spPr>
-          <a:xfrm>
-            <a:off x="226039" y="3815363"/>
-            <a:ext cx="3472820" cy="0"/>
-          </a:xfrm>
-          <a:prstGeom prst="line">
-            <a:avLst/>
-          </a:prstGeom>
-          <a:ln w="38100">
-            <a:solidFill>
-              <a:schemeClr val="accent6"/>
-            </a:solidFill>
-          </a:ln>
-        </p:spPr>
-        <p:style>
-          <a:lnRef idx="1">
-            <a:schemeClr val="accent1"/>
-          </a:lnRef>
-          <a:fillRef idx="0">
-            <a:schemeClr val="accent1"/>
-          </a:fillRef>
-          <a:effectRef idx="0">
-            <a:schemeClr val="accent1"/>
-          </a:effectRef>
-          <a:fontRef idx="minor">
-            <a:schemeClr val="tx1"/>
-          </a:fontRef>
-        </p:style>
-      </p:cxnSp>
+            </a:ln>
+          </p:spPr>
+          <p:style>
+            <a:lnRef idx="1">
+              <a:schemeClr val="accent1"/>
+            </a:lnRef>
+            <a:fillRef idx="0">
+              <a:schemeClr val="accent1"/>
+            </a:fillRef>
+            <a:effectRef idx="0">
+              <a:schemeClr val="accent1"/>
+            </a:effectRef>
+            <a:fontRef idx="minor">
+              <a:schemeClr val="tx1"/>
+            </a:fontRef>
+          </p:style>
+        </p:cxnSp>
+      </p:grpSp>
       <p:cxnSp>
         <p:nvCxnSpPr>
           <p:cNvPr id="30" name="直線コネクタ 29">
@@ -5648,7 +5607,7 @@
         </p:nvCxnSpPr>
         <p:spPr>
           <a:xfrm>
-            <a:off x="3765460" y="766991"/>
+            <a:off x="3879114" y="766991"/>
             <a:ext cx="1406" cy="5689774"/>
           </a:xfrm>
           <a:prstGeom prst="line">
@@ -5685,7 +5644,7 @@
         </p:nvSpPr>
         <p:spPr>
           <a:xfrm>
-            <a:off x="6676414" y="667431"/>
+            <a:off x="6749329" y="4275913"/>
             <a:ext cx="2033121" cy="338554"/>
           </a:xfrm>
           <a:prstGeom prst="rect">
@@ -5727,20 +5686,14 @@
               <a:t>補足１</a:t>
             </a:r>
             <a:r>
-              <a:rPr kumimoji="1" lang="ja-JP" altLang="en-US" sz="1600" b="1" i="0" u="none" strike="noStrike" kern="1200" cap="none" spc="0" normalizeH="0" baseline="0" noProof="0" dirty="0" err="1">
-                <a:ln>
-                  <a:noFill/>
-                </a:ln>
+              <a:rPr lang="en-US" altLang="ja-JP" b="1" dirty="0">
                 <a:solidFill>
                   <a:prstClr val="black"/>
                 </a:solidFill>
-                <a:effectLst/>
-                <a:uLnTx/>
-                <a:uFillTx/>
                 <a:latin typeface="游ゴシック" panose="020B0400000000000000" pitchFamily="50" charset="-128"/>
                 <a:ea typeface="游ゴシック" panose="020B0400000000000000" pitchFamily="50" charset="-128"/>
               </a:rPr>
-              <a:t>．</a:t>
+              <a:t>.</a:t>
             </a:r>
             <a:r>
               <a:rPr lang="ja-JP" altLang="en-US" b="1" dirty="0">
@@ -5750,7 +5703,7 @@
                 <a:latin typeface="游ゴシック" panose="020B0400000000000000" pitchFamily="50" charset="-128"/>
                 <a:ea typeface="游ゴシック" panose="020B0400000000000000" pitchFamily="50" charset="-128"/>
               </a:rPr>
-              <a:t>タスク一覧</a:t>
+              <a:t> タスク一覧</a:t>
             </a:r>
             <a:endParaRPr lang="en-US" altLang="ja-JP" b="1" dirty="0">
               <a:solidFill>
@@ -5778,7 +5731,7 @@
         </p:nvCxnSpPr>
         <p:spPr>
           <a:xfrm>
-            <a:off x="6757626" y="953699"/>
+            <a:off x="6760840" y="1085826"/>
             <a:ext cx="5835862" cy="0"/>
           </a:xfrm>
           <a:prstGeom prst="line">
@@ -5819,7 +5772,7 @@
         </p:nvSpPr>
         <p:spPr>
           <a:xfrm>
-            <a:off x="6696374" y="962622"/>
+            <a:off x="6747542" y="4582912"/>
             <a:ext cx="5956921" cy="415498"/>
           </a:xfrm>
           <a:prstGeom prst="rect">
@@ -5880,10 +5833,20 @@
                 <a:latin typeface="メイリオ" panose="020B0604030504040204" pitchFamily="50" charset="-128"/>
                 <a:ea typeface="メイリオ" panose="020B0604030504040204" pitchFamily="50" charset="-128"/>
               </a:rPr>
-              <a:t>通信タスクは走行準備に含むため、モデルからは省略する</a:t>
-            </a:r>
-            <a:r>
-              <a:rPr kumimoji="1" lang="ja-JP" altLang="en-US" sz="1050" b="0" i="0" u="none" strike="noStrike" kern="1200" cap="none" spc="0" normalizeH="0" baseline="0" noProof="0" dirty="0">
+              <a:t>通信タスクと尻尾管理タスクは走行準備に含む</a:t>
+            </a:r>
+            <a:r>
+              <a:rPr lang="ja-JP" altLang="en-US" sz="1050" b="1" dirty="0">
+                <a:solidFill>
+                  <a:srgbClr val="FF0000"/>
+                </a:solidFill>
+                <a:latin typeface="メイリオ" panose="020B0604030504040204" pitchFamily="50" charset="-128"/>
+                <a:ea typeface="メイリオ" panose="020B0604030504040204" pitchFamily="50" charset="-128"/>
+              </a:rPr>
+              <a:t>ため、モデルからは省略する</a:t>
+            </a:r>
+            <a:r>
+              <a:rPr kumimoji="1" lang="ja-JP" altLang="en-US" sz="1050" b="0" i="0" u="none" strike="noStrike" kern="1200" cap="none" spc="0" normalizeH="0" baseline="0" noProof="0" dirty="0" err="1">
                 <a:ln>
                   <a:noFill/>
                 </a:ln>
@@ -5898,119 +5861,230 @@
               </a:rPr>
               <a:t>。</a:t>
             </a:r>
-          </a:p>
-        </p:txBody>
-      </p:sp>
-      <p:sp>
-        <p:nvSpPr>
-          <p:cNvPr id="21" name="テキスト ボックス 20">
-            <a:extLst>
-              <a:ext uri="{FF2B5EF4-FFF2-40B4-BE49-F238E27FC236}">
-                <a16:creationId xmlns:a16="http://schemas.microsoft.com/office/drawing/2014/main" id="{AC58BE73-6899-4CE2-8F40-BFDDFD555F64}"/>
-              </a:ext>
-            </a:extLst>
-          </p:cNvPr>
-          <p:cNvSpPr txBox="1"/>
-          <p:nvPr/>
-        </p:nvSpPr>
-        <p:spPr>
-          <a:xfrm>
-            <a:off x="71959" y="984176"/>
-            <a:ext cx="3589959" cy="1061829"/>
-          </a:xfrm>
-          <a:prstGeom prst="rect">
-            <a:avLst/>
-          </a:prstGeom>
-          <a:noFill/>
-        </p:spPr>
-        <p:txBody>
-          <a:bodyPr wrap="square" rtlCol="0">
-            <a:spAutoFit/>
-          </a:bodyPr>
-          <a:lstStyle/>
-          <a:p>
-            <a:r>
-              <a:rPr kumimoji="1" lang="ja-JP" altLang="en-US" sz="1050" dirty="0">
-                <a:latin typeface="メイリオ" panose="020B0604030504040204" pitchFamily="50" charset="-128"/>
-                <a:ea typeface="メイリオ" panose="020B0604030504040204" pitchFamily="50" charset="-128"/>
-              </a:rPr>
-              <a:t>走行体は競技者に「コースを完走する」という機能</a:t>
-            </a:r>
-            <a:r>
-              <a:rPr lang="ja-JP" altLang="en-US" sz="1050" dirty="0">
-                <a:latin typeface="メイリオ" panose="020B0604030504040204" pitchFamily="50" charset="-128"/>
-                <a:ea typeface="メイリオ" panose="020B0604030504040204" pitchFamily="50" charset="-128"/>
-              </a:rPr>
-              <a:t>を提供する</a:t>
-            </a:r>
-            <a:r>
-              <a:rPr kumimoji="1" lang="ja-JP" altLang="en-US" sz="1050" dirty="0">
-                <a:latin typeface="メイリオ" panose="020B0604030504040204" pitchFamily="50" charset="-128"/>
-                <a:ea typeface="メイリオ" panose="020B0604030504040204" pitchFamily="50" charset="-128"/>
-              </a:rPr>
-              <a:t>。今回我々は</a:t>
-            </a:r>
-            <a:r>
-              <a:rPr lang="ja-JP" altLang="en-US" sz="1050" dirty="0">
-                <a:latin typeface="メイリオ" panose="020B0604030504040204" pitchFamily="50" charset="-128"/>
-                <a:ea typeface="メイリオ" panose="020B0604030504040204" pitchFamily="50" charset="-128"/>
-              </a:rPr>
-              <a:t>、「コースを完走する」という課題をスタート動作を終えてからゴールゲートを通過するまでの動作と定義し、</a:t>
-            </a:r>
-            <a:r>
-              <a:rPr lang="ja-JP" altLang="en-US" sz="1050" b="1" dirty="0">
-                <a:solidFill>
-                  <a:srgbClr val="FF0000"/>
-                </a:solidFill>
-                <a:latin typeface="メイリオ" panose="020B0604030504040204" pitchFamily="50" charset="-128"/>
-                <a:ea typeface="メイリオ" panose="020B0604030504040204" pitchFamily="50" charset="-128"/>
-              </a:rPr>
-              <a:t>それ以外のタスクの起動やデバイスのキャリブレーション、クラスの初期化、スタート動作などは走行準備とみなし、モデルでは省略する</a:t>
-            </a:r>
-            <a:r>
-              <a:rPr lang="ja-JP" altLang="en-US" sz="1050" dirty="0">
-                <a:latin typeface="メイリオ" panose="020B0604030504040204" pitchFamily="50" charset="-128"/>
-                <a:ea typeface="メイリオ" panose="020B0604030504040204" pitchFamily="50" charset="-128"/>
-              </a:rPr>
-              <a:t>。</a:t>
-            </a:r>
-            <a:endParaRPr kumimoji="1" lang="ja-JP" altLang="en-US" sz="1050" dirty="0">
+            <a:endParaRPr kumimoji="1" lang="ja-JP" altLang="en-US" sz="1050" b="0" i="0" u="none" strike="noStrike" kern="1200" cap="none" spc="0" normalizeH="0" baseline="0" noProof="0" dirty="0">
+              <a:ln>
+                <a:noFill/>
+              </a:ln>
+              <a:solidFill>
+                <a:prstClr val="black"/>
+              </a:solidFill>
+              <a:effectLst/>
+              <a:uLnTx/>
+              <a:uFillTx/>
               <a:latin typeface="メイリオ" panose="020B0604030504040204" pitchFamily="50" charset="-128"/>
               <a:ea typeface="メイリオ" panose="020B0604030504040204" pitchFamily="50" charset="-128"/>
             </a:endParaRPr>
           </a:p>
         </p:txBody>
       </p:sp>
-      <p:pic>
-        <p:nvPicPr>
-          <p:cNvPr id="33" name="図 32">
+      <p:grpSp>
+        <p:nvGrpSpPr>
+          <p:cNvPr id="58" name="グループ化 57">
             <a:extLst>
               <a:ext uri="{FF2B5EF4-FFF2-40B4-BE49-F238E27FC236}">
-                <a16:creationId xmlns:a16="http://schemas.microsoft.com/office/drawing/2014/main" id="{25343053-DFA6-4951-9BFE-57F42E1FE6FA}"/>
+                <a16:creationId xmlns:a16="http://schemas.microsoft.com/office/drawing/2014/main" id="{E51F7059-442B-4DE1-989C-F44DBD2224C3}"/>
               </a:ext>
             </a:extLst>
           </p:cNvPr>
-          <p:cNvPicPr>
-            <a:picLocks noChangeAspect="1"/>
-          </p:cNvPicPr>
+          <p:cNvGrpSpPr/>
           <p:nvPr/>
-        </p:nvPicPr>
-        <p:blipFill>
-          <a:blip r:embed="rId3"/>
-          <a:stretch>
-            <a:fillRect/>
-          </a:stretch>
-        </p:blipFill>
-        <p:spPr>
+        </p:nvGrpSpPr>
+        <p:grpSpPr>
           <a:xfrm>
-            <a:off x="192069" y="4173381"/>
-            <a:ext cx="3445563" cy="2221981"/>
+            <a:off x="139708" y="732002"/>
+            <a:ext cx="3596796" cy="1188278"/>
+            <a:chOff x="71959" y="696144"/>
+            <a:chExt cx="3596796" cy="1188278"/>
           </a:xfrm>
-          <a:prstGeom prst="rect">
-            <a:avLst/>
-          </a:prstGeom>
-        </p:spPr>
-      </p:pic>
+        </p:grpSpPr>
+        <p:cxnSp>
+          <p:nvCxnSpPr>
+            <p:cNvPr id="25" name="直線コネクタ 24">
+              <a:extLst>
+                <a:ext uri="{FF2B5EF4-FFF2-40B4-BE49-F238E27FC236}">
+                  <a16:creationId xmlns:a16="http://schemas.microsoft.com/office/drawing/2014/main" id="{AF2DCC8C-2365-43AB-9E17-176AA07FFDED}"/>
+                </a:ext>
+              </a:extLst>
+            </p:cNvPr>
+            <p:cNvCxnSpPr>
+              <a:cxnSpLocks/>
+            </p:cNvCxnSpPr>
+            <p:nvPr/>
+          </p:nvCxnSpPr>
+          <p:spPr>
+            <a:xfrm>
+              <a:off x="160948" y="984176"/>
+              <a:ext cx="3507807" cy="645"/>
+            </a:xfrm>
+            <a:prstGeom prst="line">
+              <a:avLst/>
+            </a:prstGeom>
+            <a:ln w="38100">
+              <a:solidFill>
+                <a:schemeClr val="accent6"/>
+              </a:solidFill>
+            </a:ln>
+          </p:spPr>
+          <p:style>
+            <a:lnRef idx="1">
+              <a:schemeClr val="accent1"/>
+            </a:lnRef>
+            <a:fillRef idx="0">
+              <a:schemeClr val="accent1"/>
+            </a:fillRef>
+            <a:effectRef idx="0">
+              <a:schemeClr val="accent1"/>
+            </a:effectRef>
+            <a:fontRef idx="minor">
+              <a:schemeClr val="tx1"/>
+            </a:fontRef>
+          </p:style>
+        </p:cxnSp>
+        <p:sp>
+          <p:nvSpPr>
+            <p:cNvPr id="27" name="テキスト ボックス 26">
+              <a:extLst>
+                <a:ext uri="{FF2B5EF4-FFF2-40B4-BE49-F238E27FC236}">
+                  <a16:creationId xmlns:a16="http://schemas.microsoft.com/office/drawing/2014/main" id="{85955608-DD65-46B1-83AA-2FE595727633}"/>
+                </a:ext>
+              </a:extLst>
+            </p:cNvPr>
+            <p:cNvSpPr txBox="1"/>
+            <p:nvPr/>
+          </p:nvSpPr>
+          <p:spPr>
+            <a:xfrm>
+              <a:off x="73832" y="696144"/>
+              <a:ext cx="2002046" cy="338554"/>
+            </a:xfrm>
+            <a:prstGeom prst="rect">
+              <a:avLst/>
+            </a:prstGeom>
+            <a:noFill/>
+          </p:spPr>
+          <p:txBody>
+            <a:bodyPr wrap="square" rtlCol="0">
+              <a:spAutoFit/>
+            </a:bodyPr>
+            <a:lstStyle/>
+            <a:p>
+              <a:pPr marL="0" marR="0" lvl="0" indent="0" algn="l" defTabSz="914400" rtl="0" eaLnBrk="1" fontAlgn="base" latinLnBrk="0" hangingPunct="1">
+                <a:lnSpc>
+                  <a:spcPct val="100000"/>
+                </a:lnSpc>
+                <a:spcBef>
+                  <a:spcPct val="0"/>
+                </a:spcBef>
+                <a:spcAft>
+                  <a:spcPct val="0"/>
+                </a:spcAft>
+                <a:buClrTx/>
+                <a:buSzTx/>
+                <a:buFontTx/>
+                <a:buNone/>
+                <a:tabLst/>
+                <a:defRPr/>
+              </a:pPr>
+              <a:r>
+                <a:rPr kumimoji="1" lang="ja-JP" altLang="en-US" b="1" i="0" u="none" strike="noStrike" kern="1200" cap="none" spc="0" normalizeH="0" baseline="0" noProof="0" dirty="0">
+                  <a:ln>
+                    <a:noFill/>
+                  </a:ln>
+                  <a:solidFill>
+                    <a:prstClr val="black"/>
+                  </a:solidFill>
+                  <a:effectLst/>
+                  <a:uLnTx/>
+                  <a:uFillTx/>
+                  <a:latin typeface="游ゴシック" panose="020B0400000000000000" pitchFamily="50" charset="-128"/>
+                  <a:ea typeface="游ゴシック" panose="020B0400000000000000" pitchFamily="50" charset="-128"/>
+                </a:rPr>
+                <a:t>１．提供する機能</a:t>
+              </a:r>
+            </a:p>
+          </p:txBody>
+        </p:sp>
+        <p:sp>
+          <p:nvSpPr>
+            <p:cNvPr id="21" name="テキスト ボックス 20">
+              <a:extLst>
+                <a:ext uri="{FF2B5EF4-FFF2-40B4-BE49-F238E27FC236}">
+                  <a16:creationId xmlns:a16="http://schemas.microsoft.com/office/drawing/2014/main" id="{AC58BE73-6899-4CE2-8F40-BFDDFD555F64}"/>
+                </a:ext>
+              </a:extLst>
+            </p:cNvPr>
+            <p:cNvSpPr txBox="1"/>
+            <p:nvPr/>
+          </p:nvSpPr>
+          <p:spPr>
+            <a:xfrm>
+              <a:off x="71959" y="984176"/>
+              <a:ext cx="3589959" cy="900246"/>
+            </a:xfrm>
+            <a:prstGeom prst="rect">
+              <a:avLst/>
+            </a:prstGeom>
+            <a:noFill/>
+          </p:spPr>
+          <p:txBody>
+            <a:bodyPr wrap="square" rtlCol="0">
+              <a:spAutoFit/>
+            </a:bodyPr>
+            <a:lstStyle/>
+            <a:p>
+              <a:r>
+                <a:rPr kumimoji="1" lang="ja-JP" altLang="en-US" sz="1050" dirty="0">
+                  <a:latin typeface="メイリオ" panose="020B0604030504040204" pitchFamily="50" charset="-128"/>
+                  <a:ea typeface="メイリオ" panose="020B0604030504040204" pitchFamily="50" charset="-128"/>
+                </a:rPr>
+                <a:t>走行体は競技者に「コースを完走する」という機能</a:t>
+              </a:r>
+              <a:r>
+                <a:rPr lang="ja-JP" altLang="en-US" sz="1050" dirty="0">
+                  <a:latin typeface="メイリオ" panose="020B0604030504040204" pitchFamily="50" charset="-128"/>
+                  <a:ea typeface="メイリオ" panose="020B0604030504040204" pitchFamily="50" charset="-128"/>
+                </a:rPr>
+                <a:t>を提供する</a:t>
+              </a:r>
+              <a:r>
+                <a:rPr kumimoji="1" lang="ja-JP" altLang="en-US" sz="1050" dirty="0">
+                  <a:latin typeface="メイリオ" panose="020B0604030504040204" pitchFamily="50" charset="-128"/>
+                  <a:ea typeface="メイリオ" panose="020B0604030504040204" pitchFamily="50" charset="-128"/>
+                </a:rPr>
+                <a:t>。今回我々は</a:t>
+              </a:r>
+              <a:r>
+                <a:rPr lang="ja-JP" altLang="en-US" sz="1050" dirty="0">
+                  <a:latin typeface="メイリオ" panose="020B0604030504040204" pitchFamily="50" charset="-128"/>
+                  <a:ea typeface="メイリオ" panose="020B0604030504040204" pitchFamily="50" charset="-128"/>
+                </a:rPr>
+                <a:t>、「コースを完走する」という課題をスタート動作を終えてからゴールゲートを通過するまでの動作と定義した。なお、</a:t>
+              </a:r>
+              <a:r>
+                <a:rPr lang="ja-JP" altLang="en-US" sz="1050" b="1" dirty="0">
+                  <a:solidFill>
+                    <a:srgbClr val="FF0000"/>
+                  </a:solidFill>
+                  <a:latin typeface="メイリオ" panose="020B0604030504040204" pitchFamily="50" charset="-128"/>
+                  <a:ea typeface="メイリオ" panose="020B0604030504040204" pitchFamily="50" charset="-128"/>
+                </a:rPr>
+                <a:t>それ以外の動作は走行準備とし、その定義は以下に示す</a:t>
+              </a:r>
+              <a:r>
+                <a:rPr lang="ja-JP" altLang="en-US" sz="1050" dirty="0">
+                  <a:latin typeface="メイリオ" panose="020B0604030504040204" pitchFamily="50" charset="-128"/>
+                  <a:ea typeface="メイリオ" panose="020B0604030504040204" pitchFamily="50" charset="-128"/>
+                </a:rPr>
+                <a:t>。</a:t>
+              </a:r>
+              <a:endParaRPr kumimoji="1" lang="ja-JP" altLang="en-US" sz="1050" dirty="0">
+                <a:latin typeface="メイリオ" panose="020B0604030504040204" pitchFamily="50" charset="-128"/>
+                <a:ea typeface="メイリオ" panose="020B0604030504040204" pitchFamily="50" charset="-128"/>
+              </a:endParaRPr>
+            </a:p>
+          </p:txBody>
+        </p:sp>
+      </p:grpSp>
       <p:sp>
         <p:nvSpPr>
           <p:cNvPr id="40" name="テキスト ボックス 39">
@@ -6128,7 +6202,7 @@
         <p:spPr>
           <a:xfrm>
             <a:off x="116613" y="6753379"/>
-            <a:ext cx="3472820" cy="415498"/>
+            <a:ext cx="3472820" cy="577081"/>
           </a:xfrm>
           <a:prstGeom prst="rect">
             <a:avLst/>
@@ -6156,7 +6230,27 @@
                 <a:latin typeface="メイリオ" panose="020B0604030504040204" pitchFamily="50" charset="-128"/>
                 <a:ea typeface="メイリオ" panose="020B0604030504040204" pitchFamily="50" charset="-128"/>
               </a:rPr>
-              <a:t>詳細は、工夫点のページで解説する</a:t>
+              <a:t>今回のコースは線対称であるため、</a:t>
+            </a:r>
+            <a:r>
+              <a:rPr lang="en-US" altLang="ja-JP" sz="1050" b="1" dirty="0">
+                <a:solidFill>
+                  <a:srgbClr val="FF0000"/>
+                </a:solidFill>
+                <a:latin typeface="メイリオ" panose="020B0604030504040204" pitchFamily="50" charset="-128"/>
+                <a:ea typeface="メイリオ" panose="020B0604030504040204" pitchFamily="50" charset="-128"/>
+              </a:rPr>
+              <a:t>R</a:t>
+            </a:r>
+            <a:r>
+              <a:rPr lang="ja-JP" altLang="en-US" sz="1050" b="1" dirty="0">
+                <a:solidFill>
+                  <a:srgbClr val="FF0000"/>
+                </a:solidFill>
+                <a:latin typeface="メイリオ" panose="020B0604030504040204" pitchFamily="50" charset="-128"/>
+                <a:ea typeface="メイリオ" panose="020B0604030504040204" pitchFamily="50" charset="-128"/>
+              </a:rPr>
+              <a:t>コースの区間分けについては省略する</a:t>
             </a:r>
             <a:r>
               <a:rPr lang="ja-JP" altLang="en-US" sz="1050" dirty="0">
@@ -6172,42 +6266,6 @@
           </a:p>
         </p:txBody>
       </p:sp>
-      <p:pic>
-        <p:nvPicPr>
-          <p:cNvPr id="45" name="図 44">
-            <a:extLst>
-              <a:ext uri="{FF2B5EF4-FFF2-40B4-BE49-F238E27FC236}">
-                <a16:creationId xmlns:a16="http://schemas.microsoft.com/office/drawing/2014/main" id="{A1E794DE-CC53-429A-BAC4-EAC4BAEDE295}"/>
-              </a:ext>
-            </a:extLst>
-          </p:cNvPr>
-          <p:cNvPicPr>
-            <a:picLocks noChangeAspect="1"/>
-          </p:cNvPicPr>
-          <p:nvPr/>
-        </p:nvPicPr>
-        <p:blipFill>
-          <a:blip r:embed="rId4">
-            <a:extLst>
-              <a:ext uri="{28A0092B-C50C-407E-A947-70E740481C1C}">
-                <a14:useLocalDpi xmlns:a14="http://schemas.microsoft.com/office/drawing/2010/main" val="0"/>
-              </a:ext>
-            </a:extLst>
-          </a:blip>
-          <a:stretch>
-            <a:fillRect/>
-          </a:stretch>
-        </p:blipFill>
-        <p:spPr>
-          <a:xfrm>
-            <a:off x="3818046" y="694983"/>
-            <a:ext cx="2878328" cy="5772737"/>
-          </a:xfrm>
-          <a:prstGeom prst="rect">
-            <a:avLst/>
-          </a:prstGeom>
-        </p:spPr>
-      </p:pic>
       <p:cxnSp>
         <p:nvCxnSpPr>
           <p:cNvPr id="52" name="直線コネクタ 51">
@@ -6244,42 +6302,12 @@
           </a:fontRef>
         </p:style>
       </p:cxnSp>
-      <p:pic>
-        <p:nvPicPr>
-          <p:cNvPr id="131" name="図 130">
+      <p:grpSp>
+        <p:nvGrpSpPr>
+          <p:cNvPr id="99" name="グループ化 98">
             <a:extLst>
               <a:ext uri="{FF2B5EF4-FFF2-40B4-BE49-F238E27FC236}">
-                <a16:creationId xmlns:a16="http://schemas.microsoft.com/office/drawing/2014/main" id="{E94FF69D-851D-463B-932D-D4B12701F650}"/>
-              </a:ext>
-            </a:extLst>
-          </p:cNvPr>
-          <p:cNvPicPr>
-            <a:picLocks noChangeAspect="1"/>
-          </p:cNvPicPr>
-          <p:nvPr/>
-        </p:nvPicPr>
-        <p:blipFill>
-          <a:blip r:embed="rId5"/>
-          <a:stretch>
-            <a:fillRect/>
-          </a:stretch>
-        </p:blipFill>
-        <p:spPr>
-          <a:xfrm>
-            <a:off x="6904856" y="3363231"/>
-            <a:ext cx="5487569" cy="3120700"/>
-          </a:xfrm>
-          <a:prstGeom prst="rect">
-            <a:avLst/>
-          </a:prstGeom>
-        </p:spPr>
-      </p:pic>
-      <p:grpSp>
-        <p:nvGrpSpPr>
-          <p:cNvPr id="139" name="グループ化 138">
-            <a:extLst>
-              <a:ext uri="{FF2B5EF4-FFF2-40B4-BE49-F238E27FC236}">
-                <a16:creationId xmlns:a16="http://schemas.microsoft.com/office/drawing/2014/main" id="{697F0D84-AB78-420B-B769-0A1718B8D1A2}"/>
+                <a16:creationId xmlns:a16="http://schemas.microsoft.com/office/drawing/2014/main" id="{3687EB45-E12A-44CA-94BD-40D51E13072D}"/>
               </a:ext>
             </a:extLst>
           </p:cNvPr>
@@ -6288,10 +6316,10 @@
         </p:nvGrpSpPr>
         <p:grpSpPr>
           <a:xfrm>
-            <a:off x="6757626" y="1309825"/>
-            <a:ext cx="6023282" cy="1612303"/>
-            <a:chOff x="6757626" y="1344464"/>
-            <a:chExt cx="6023282" cy="1612303"/>
+            <a:off x="11983718" y="4961925"/>
+            <a:ext cx="562515" cy="1593222"/>
+            <a:chOff x="11940560" y="1360073"/>
+            <a:chExt cx="562515" cy="1593222"/>
           </a:xfrm>
         </p:grpSpPr>
         <p:sp>
@@ -6308,7 +6336,7 @@
           </p:nvSpPr>
           <p:spPr>
             <a:xfrm>
-              <a:off x="12392429" y="1865424"/>
+              <a:off x="12114596" y="1852082"/>
               <a:ext cx="388479" cy="577081"/>
             </a:xfrm>
             <a:prstGeom prst="rect">
@@ -6348,7 +6376,7 @@
           </p:nvCxnSpPr>
           <p:spPr>
             <a:xfrm>
-              <a:off x="12414596" y="1687130"/>
+              <a:off x="12085916" y="1640179"/>
               <a:ext cx="0" cy="1000885"/>
             </a:xfrm>
             <a:prstGeom prst="straightConnector1">
@@ -6388,7 +6416,7 @@
           </p:nvSpPr>
           <p:spPr>
             <a:xfrm>
-              <a:off x="12265788" y="1374860"/>
+              <a:off x="11952323" y="1360073"/>
               <a:ext cx="143017" cy="253916"/>
             </a:xfrm>
             <a:prstGeom prst="rect">
@@ -6426,7 +6454,7 @@
           </p:nvSpPr>
           <p:spPr>
             <a:xfrm>
-              <a:off x="12269240" y="2702851"/>
+              <a:off x="11940560" y="2699379"/>
               <a:ext cx="290711" cy="253916"/>
             </a:xfrm>
             <a:prstGeom prst="rect">
@@ -6450,36 +6478,6 @@
             </a:p>
           </p:txBody>
         </p:sp>
-        <p:pic>
-          <p:nvPicPr>
-            <p:cNvPr id="81" name="図 80">
-              <a:extLst>
-                <a:ext uri="{FF2B5EF4-FFF2-40B4-BE49-F238E27FC236}">
-                  <a16:creationId xmlns:a16="http://schemas.microsoft.com/office/drawing/2014/main" id="{FD2C475C-8FD3-4A69-9A85-68FCC9265420}"/>
-                </a:ext>
-              </a:extLst>
-            </p:cNvPr>
-            <p:cNvPicPr>
-              <a:picLocks noChangeAspect="1"/>
-            </p:cNvPicPr>
-            <p:nvPr/>
-          </p:nvPicPr>
-          <p:blipFill>
-            <a:blip r:embed="rId6"/>
-            <a:stretch>
-              <a:fillRect/>
-            </a:stretch>
-          </p:blipFill>
-          <p:spPr>
-            <a:xfrm>
-              <a:off x="6757626" y="1344464"/>
-              <a:ext cx="5553877" cy="1395471"/>
-            </a:xfrm>
-            <a:prstGeom prst="rect">
-              <a:avLst/>
-            </a:prstGeom>
-          </p:spPr>
-        </p:pic>
       </p:grpSp>
       <p:sp>
         <p:nvSpPr>
@@ -6495,7 +6493,7 @@
         </p:nvSpPr>
         <p:spPr>
           <a:xfrm>
-            <a:off x="6666345" y="2712368"/>
+            <a:off x="6681316" y="789638"/>
             <a:ext cx="1762490" cy="338554"/>
           </a:xfrm>
           <a:prstGeom prst="rect">
@@ -6510,11 +6508,11 @@
           <a:lstStyle/>
           <a:p>
             <a:r>
-              <a:rPr kumimoji="1" lang="ja-JP" altLang="en-US" b="1" dirty="0">
+              <a:rPr lang="ja-JP" altLang="en-US" b="1" dirty="0">
                 <a:latin typeface="游ゴシック" panose="020B0400000000000000" pitchFamily="50" charset="-128"/>
                 <a:ea typeface="游ゴシック" panose="020B0400000000000000" pitchFamily="50" charset="-128"/>
               </a:rPr>
-              <a:t>４</a:t>
+              <a:t>３</a:t>
             </a:r>
             <a:r>
               <a:rPr kumimoji="1" lang="en-US" altLang="ja-JP" b="1" dirty="0">
@@ -6553,7 +6551,7 @@
         </p:nvCxnSpPr>
         <p:spPr>
           <a:xfrm>
-            <a:off x="6788486" y="3000400"/>
+            <a:off x="6823501" y="4582912"/>
             <a:ext cx="5805002" cy="0"/>
           </a:xfrm>
           <a:prstGeom prst="line">
@@ -6594,7 +6592,7 @@
         </p:nvSpPr>
         <p:spPr>
           <a:xfrm>
-            <a:off x="6711867" y="3016950"/>
+            <a:off x="6724671" y="1128192"/>
             <a:ext cx="5941427" cy="415498"/>
           </a:xfrm>
           <a:prstGeom prst="rect">
@@ -6635,36 +6633,6 @@
           </a:p>
         </p:txBody>
       </p:sp>
-      <p:pic>
-        <p:nvPicPr>
-          <p:cNvPr id="7" name="図 6">
-            <a:extLst>
-              <a:ext uri="{FF2B5EF4-FFF2-40B4-BE49-F238E27FC236}">
-                <a16:creationId xmlns:a16="http://schemas.microsoft.com/office/drawing/2014/main" id="{136A7DC0-E28E-4010-9E9C-8319408FEC1F}"/>
-              </a:ext>
-            </a:extLst>
-          </p:cNvPr>
-          <p:cNvPicPr>
-            <a:picLocks noChangeAspect="1"/>
-          </p:cNvPicPr>
-          <p:nvPr/>
-        </p:nvPicPr>
-        <p:blipFill>
-          <a:blip r:embed="rId7"/>
-          <a:stretch>
-            <a:fillRect/>
-          </a:stretch>
-        </p:blipFill>
-        <p:spPr>
-          <a:xfrm>
-            <a:off x="9801993" y="7725866"/>
-            <a:ext cx="2799422" cy="1244347"/>
-          </a:xfrm>
-          <a:prstGeom prst="rect">
-            <a:avLst/>
-          </a:prstGeom>
-        </p:spPr>
-      </p:pic>
       <p:cxnSp>
         <p:nvCxnSpPr>
           <p:cNvPr id="17" name="直線コネクタ 16">
@@ -6701,42 +6669,6 @@
           </a:fontRef>
         </p:style>
       </p:cxnSp>
-      <p:pic>
-        <p:nvPicPr>
-          <p:cNvPr id="20" name="図 19">
-            <a:extLst>
-              <a:ext uri="{FF2B5EF4-FFF2-40B4-BE49-F238E27FC236}">
-                <a16:creationId xmlns:a16="http://schemas.microsoft.com/office/drawing/2014/main" id="{866979CC-7A6B-4B64-9C24-B1548CF69762}"/>
-              </a:ext>
-            </a:extLst>
-          </p:cNvPr>
-          <p:cNvPicPr>
-            <a:picLocks noChangeAspect="1"/>
-          </p:cNvPicPr>
-          <p:nvPr/>
-        </p:nvPicPr>
-        <p:blipFill>
-          <a:blip r:embed="rId8">
-            <a:extLst>
-              <a:ext uri="{28A0092B-C50C-407E-A947-70E740481C1C}">
-                <a14:useLocalDpi xmlns:a14="http://schemas.microsoft.com/office/drawing/2010/main" val="0"/>
-              </a:ext>
-            </a:extLst>
-          </a:blip>
-          <a:stretch>
-            <a:fillRect/>
-          </a:stretch>
-        </p:blipFill>
-        <p:spPr>
-          <a:xfrm>
-            <a:off x="160949" y="7115499"/>
-            <a:ext cx="3376414" cy="2331992"/>
-          </a:xfrm>
-          <a:prstGeom prst="rect">
-            <a:avLst/>
-          </a:prstGeom>
-        </p:spPr>
-      </p:pic>
       <p:cxnSp>
         <p:nvCxnSpPr>
           <p:cNvPr id="24" name="直線コネクタ 23">
@@ -6753,8 +6685,8 @@
         </p:nvCxnSpPr>
         <p:spPr>
           <a:xfrm>
-            <a:off x="9702607" y="6576677"/>
-            <a:ext cx="0" cy="2870814"/>
+            <a:off x="7110285" y="6617350"/>
+            <a:ext cx="0" cy="2503730"/>
           </a:xfrm>
           <a:prstGeom prst="line">
             <a:avLst/>
@@ -6789,8 +6721,8 @@
         </p:nvSpPr>
         <p:spPr>
           <a:xfrm>
-            <a:off x="3547726" y="6562746"/>
-            <a:ext cx="6237450" cy="577081"/>
+            <a:off x="7149945" y="6528792"/>
+            <a:ext cx="5547192" cy="415498"/>
           </a:xfrm>
           <a:prstGeom prst="rect">
             <a:avLst/>
@@ -6808,188 +6740,8 @@
                 <a:latin typeface="メイリオ" panose="020B0604030504040204" pitchFamily="50" charset="-128"/>
                 <a:ea typeface="メイリオ" panose="020B0604030504040204" pitchFamily="50" charset="-128"/>
               </a:rPr>
-              <a:t>各区間における区間パラメータの一覧を以下の表に示す。なお、区間パラメータとはスタートラインから区間終了までの距離、区間内での前進指令量、曲率制御で用いる旋回量、ライントレースの</a:t>
-            </a:r>
-            <a:r>
-              <a:rPr kumimoji="1" lang="en-US" altLang="ja-JP" sz="1050" dirty="0">
-                <a:latin typeface="メイリオ" panose="020B0604030504040204" pitchFamily="50" charset="-128"/>
-                <a:ea typeface="メイリオ" panose="020B0604030504040204" pitchFamily="50" charset="-128"/>
-              </a:rPr>
-              <a:t>PID</a:t>
-            </a:r>
-            <a:r>
-              <a:rPr kumimoji="1" lang="ja-JP" altLang="en-US" sz="1050" dirty="0">
-                <a:latin typeface="メイリオ" panose="020B0604030504040204" pitchFamily="50" charset="-128"/>
-                <a:ea typeface="メイリオ" panose="020B0604030504040204" pitchFamily="50" charset="-128"/>
-              </a:rPr>
-              <a:t>係数をまとめたものである。</a:t>
-            </a:r>
-          </a:p>
-        </p:txBody>
-      </p:sp>
-      <p:pic>
-        <p:nvPicPr>
-          <p:cNvPr id="35" name="図 34">
-            <a:extLst>
-              <a:ext uri="{FF2B5EF4-FFF2-40B4-BE49-F238E27FC236}">
-                <a16:creationId xmlns:a16="http://schemas.microsoft.com/office/drawing/2014/main" id="{247F5C24-F4AD-4FF4-81A9-0058A9E14FF0}"/>
-              </a:ext>
-            </a:extLst>
-          </p:cNvPr>
-          <p:cNvPicPr>
-            <a:picLocks noChangeAspect="1"/>
-          </p:cNvPicPr>
-          <p:nvPr/>
-        </p:nvPicPr>
-        <p:blipFill>
-          <a:blip r:embed="rId9"/>
-          <a:stretch>
-            <a:fillRect/>
-          </a:stretch>
-        </p:blipFill>
-        <p:spPr>
-          <a:xfrm>
-            <a:off x="3651615" y="7115499"/>
-            <a:ext cx="6013649" cy="2331992"/>
-          </a:xfrm>
-          <a:prstGeom prst="rect">
-            <a:avLst/>
-          </a:prstGeom>
-        </p:spPr>
-      </p:pic>
-      <p:sp>
-        <p:nvSpPr>
-          <p:cNvPr id="36" name="テキスト ボックス 35">
-            <a:extLst>
-              <a:ext uri="{FF2B5EF4-FFF2-40B4-BE49-F238E27FC236}">
-                <a16:creationId xmlns:a16="http://schemas.microsoft.com/office/drawing/2014/main" id="{1EBD3ECD-D939-4A9E-8A7A-191B21E513BE}"/>
-              </a:ext>
-            </a:extLst>
-          </p:cNvPr>
-          <p:cNvSpPr txBox="1"/>
-          <p:nvPr/>
-        </p:nvSpPr>
-        <p:spPr>
-          <a:xfrm>
-            <a:off x="9804535" y="6980543"/>
-            <a:ext cx="2785051" cy="577081"/>
-          </a:xfrm>
-          <a:prstGeom prst="rect">
-            <a:avLst/>
-          </a:prstGeom>
-          <a:ln w="38100">
-            <a:solidFill>
-              <a:srgbClr val="FF0000"/>
-            </a:solidFill>
-          </a:ln>
-        </p:spPr>
-        <p:style>
-          <a:lnRef idx="2">
-            <a:schemeClr val="accent2"/>
-          </a:lnRef>
-          <a:fillRef idx="1">
-            <a:schemeClr val="lt1"/>
-          </a:fillRef>
-          <a:effectRef idx="0">
-            <a:schemeClr val="accent2"/>
-          </a:effectRef>
-          <a:fontRef idx="minor">
-            <a:schemeClr val="dk1"/>
-          </a:fontRef>
-        </p:style>
-        <p:txBody>
-          <a:bodyPr wrap="square" rtlCol="0">
-            <a:spAutoFit/>
-          </a:bodyPr>
-          <a:lstStyle/>
-          <a:p>
-            <a:r>
-              <a:rPr kumimoji="1" lang="ja-JP" altLang="en-US" sz="1050" b="1" dirty="0">
-                <a:solidFill>
-                  <a:schemeClr val="tx1"/>
-                </a:solidFill>
-                <a:latin typeface="メイリオ" panose="020B0604030504040204" pitchFamily="50" charset="-128"/>
-                <a:ea typeface="メイリオ" panose="020B0604030504040204" pitchFamily="50" charset="-128"/>
-              </a:rPr>
-              <a:t>曲率制御で用いる旋回量と、</a:t>
-            </a:r>
-            <a:r>
-              <a:rPr kumimoji="1" lang="en-US" altLang="ja-JP" sz="1050" b="1" dirty="0">
-                <a:solidFill>
-                  <a:schemeClr val="tx1"/>
-                </a:solidFill>
-                <a:latin typeface="メイリオ" panose="020B0604030504040204" pitchFamily="50" charset="-128"/>
-                <a:ea typeface="メイリオ" panose="020B0604030504040204" pitchFamily="50" charset="-128"/>
-              </a:rPr>
-              <a:t>PID</a:t>
-            </a:r>
-            <a:r>
-              <a:rPr kumimoji="1" lang="ja-JP" altLang="en-US" sz="1050" b="1" dirty="0">
-                <a:solidFill>
-                  <a:schemeClr val="tx1"/>
-                </a:solidFill>
-                <a:latin typeface="メイリオ" panose="020B0604030504040204" pitchFamily="50" charset="-128"/>
-                <a:ea typeface="メイリオ" panose="020B0604030504040204" pitchFamily="50" charset="-128"/>
-              </a:rPr>
-              <a:t>係数を</a:t>
-            </a:r>
-            <a:r>
-              <a:rPr kumimoji="1" lang="en-US" altLang="ja-JP" sz="1050" b="1" dirty="0">
-                <a:solidFill>
-                  <a:schemeClr val="tx1"/>
-                </a:solidFill>
-                <a:latin typeface="メイリオ" panose="020B0604030504040204" pitchFamily="50" charset="-128"/>
-                <a:ea typeface="メイリオ" panose="020B0604030504040204" pitchFamily="50" charset="-128"/>
-              </a:rPr>
-              <a:t>15</a:t>
-            </a:r>
-            <a:r>
-              <a:rPr kumimoji="1" lang="ja-JP" altLang="en-US" sz="1050" b="1" dirty="0">
-                <a:solidFill>
-                  <a:schemeClr val="tx1"/>
-                </a:solidFill>
-                <a:latin typeface="メイリオ" panose="020B0604030504040204" pitchFamily="50" charset="-128"/>
-                <a:ea typeface="メイリオ" panose="020B0604030504040204" pitchFamily="50" charset="-128"/>
-              </a:rPr>
-              <a:t>区間すべてで調整するのは困難であるため、曲率の近い区間</a:t>
-            </a:r>
-            <a:r>
-              <a:rPr lang="ja-JP" altLang="en-US" sz="1050" b="1" dirty="0">
-                <a:solidFill>
-                  <a:schemeClr val="tx1"/>
-                </a:solidFill>
-                <a:latin typeface="メイリオ" panose="020B0604030504040204" pitchFamily="50" charset="-128"/>
-                <a:ea typeface="メイリオ" panose="020B0604030504040204" pitchFamily="50" charset="-128"/>
-              </a:rPr>
-              <a:t>で</a:t>
-            </a:r>
-            <a:r>
-              <a:rPr lang="en-US" altLang="ja-JP" sz="1050" b="1" dirty="0">
-                <a:solidFill>
-                  <a:schemeClr val="tx1"/>
-                </a:solidFill>
-                <a:latin typeface="メイリオ" panose="020B0604030504040204" pitchFamily="50" charset="-128"/>
-                <a:ea typeface="メイリオ" panose="020B0604030504040204" pitchFamily="50" charset="-128"/>
-              </a:rPr>
-              <a:t>4</a:t>
-            </a:r>
-            <a:r>
-              <a:rPr lang="ja-JP" altLang="en-US" sz="1050" b="1" dirty="0">
-                <a:solidFill>
-                  <a:schemeClr val="tx1"/>
-                </a:solidFill>
-                <a:latin typeface="メイリオ" panose="020B0604030504040204" pitchFamily="50" charset="-128"/>
-                <a:ea typeface="メイリオ" panose="020B0604030504040204" pitchFamily="50" charset="-128"/>
-              </a:rPr>
-              <a:t>種類に分類した。</a:t>
-            </a:r>
-            <a:endParaRPr kumimoji="1" lang="en-US" altLang="ja-JP" sz="1050" b="1" dirty="0">
-              <a:solidFill>
-                <a:schemeClr val="tx1"/>
-              </a:solidFill>
-              <a:latin typeface="メイリオ" panose="020B0604030504040204" pitchFamily="50" charset="-128"/>
-              <a:ea typeface="メイリオ" panose="020B0604030504040204" pitchFamily="50" charset="-128"/>
-            </a:endParaRPr>
+              <a:t>各区間における区間パラメータの一覧を以下の表に示す。なお、区間パラメータとはスタートラインから区間終了までの距離、区間内での前進指令量をまとめたものである。</a:t>
+            </a:r>
           </a:p>
         </p:txBody>
       </p:sp>
@@ -7007,13 +6759,13 @@
         </p:nvSpPr>
         <p:spPr>
           <a:xfrm>
-            <a:off x="9929194" y="9101977"/>
+            <a:off x="9849104" y="4087306"/>
             <a:ext cx="2664294" cy="327730"/>
           </a:xfrm>
           <a:prstGeom prst="chevron">
             <a:avLst/>
           </a:prstGeom>
-          <a:ln w="28575"/>
+          <a:ln w="19050"/>
         </p:spPr>
         <p:style>
           <a:lnRef idx="2">
@@ -7057,7 +6809,7 @@
         </p:nvSpPr>
         <p:spPr>
           <a:xfrm>
-            <a:off x="10190181" y="9077864"/>
+            <a:off x="10073743" y="4054484"/>
             <a:ext cx="2238295" cy="415498"/>
           </a:xfrm>
           <a:prstGeom prst="rect">
@@ -7096,12 +6848,4033 @@
           </a:p>
         </p:txBody>
       </p:sp>
+      <p:grpSp>
+        <p:nvGrpSpPr>
+          <p:cNvPr id="113" name="グループ化 112">
+            <a:extLst>
+              <a:ext uri="{FF2B5EF4-FFF2-40B4-BE49-F238E27FC236}">
+                <a16:creationId xmlns:a16="http://schemas.microsoft.com/office/drawing/2014/main" id="{DC6A58FB-4B09-41C6-8E7B-D8941E8F8C42}"/>
+              </a:ext>
+            </a:extLst>
+          </p:cNvPr>
+          <p:cNvGrpSpPr/>
+          <p:nvPr/>
+        </p:nvGrpSpPr>
+        <p:grpSpPr>
+          <a:xfrm>
+            <a:off x="3543512" y="6472270"/>
+            <a:ext cx="3482216" cy="848610"/>
+            <a:chOff x="3543512" y="6555429"/>
+            <a:chExt cx="3482216" cy="848610"/>
+          </a:xfrm>
+        </p:grpSpPr>
+        <p:sp>
+          <p:nvSpPr>
+            <p:cNvPr id="36" name="テキスト ボックス 35">
+              <a:extLst>
+                <a:ext uri="{FF2B5EF4-FFF2-40B4-BE49-F238E27FC236}">
+                  <a16:creationId xmlns:a16="http://schemas.microsoft.com/office/drawing/2014/main" id="{1EBD3ECD-D939-4A9E-8A7A-191B21E513BE}"/>
+                </a:ext>
+              </a:extLst>
+            </p:cNvPr>
+            <p:cNvSpPr txBox="1"/>
+            <p:nvPr/>
+          </p:nvSpPr>
+          <p:spPr>
+            <a:xfrm>
+              <a:off x="3649582" y="6826958"/>
+              <a:ext cx="3376146" cy="577081"/>
+            </a:xfrm>
+            <a:prstGeom prst="rect">
+              <a:avLst/>
+            </a:prstGeom>
+            <a:ln w="38100">
+              <a:solidFill>
+                <a:srgbClr val="FF0000"/>
+              </a:solidFill>
+            </a:ln>
+          </p:spPr>
+          <p:style>
+            <a:lnRef idx="2">
+              <a:schemeClr val="accent2"/>
+            </a:lnRef>
+            <a:fillRef idx="1">
+              <a:schemeClr val="lt1"/>
+            </a:fillRef>
+            <a:effectRef idx="0">
+              <a:schemeClr val="accent2"/>
+            </a:effectRef>
+            <a:fontRef idx="minor">
+              <a:schemeClr val="dk1"/>
+            </a:fontRef>
+          </p:style>
+          <p:txBody>
+            <a:bodyPr wrap="square" rtlCol="0">
+              <a:spAutoFit/>
+            </a:bodyPr>
+            <a:lstStyle/>
+            <a:p>
+              <a:r>
+                <a:rPr kumimoji="1" lang="ja-JP" altLang="en-US" sz="1050" b="1" dirty="0">
+                  <a:solidFill>
+                    <a:schemeClr val="tx1"/>
+                  </a:solidFill>
+                  <a:latin typeface="メイリオ" panose="020B0604030504040204" pitchFamily="50" charset="-128"/>
+                  <a:ea typeface="メイリオ" panose="020B0604030504040204" pitchFamily="50" charset="-128"/>
+                </a:rPr>
+                <a:t>曲率制御で用いる旋回量と、</a:t>
+              </a:r>
+              <a:r>
+                <a:rPr kumimoji="1" lang="en-US" altLang="ja-JP" sz="1050" b="1" dirty="0">
+                  <a:solidFill>
+                    <a:schemeClr val="tx1"/>
+                  </a:solidFill>
+                  <a:latin typeface="メイリオ" panose="020B0604030504040204" pitchFamily="50" charset="-128"/>
+                  <a:ea typeface="メイリオ" panose="020B0604030504040204" pitchFamily="50" charset="-128"/>
+                </a:rPr>
+                <a:t>PID</a:t>
+              </a:r>
+              <a:r>
+                <a:rPr kumimoji="1" lang="ja-JP" altLang="en-US" sz="1050" b="1" dirty="0">
+                  <a:solidFill>
+                    <a:schemeClr val="tx1"/>
+                  </a:solidFill>
+                  <a:latin typeface="メイリオ" panose="020B0604030504040204" pitchFamily="50" charset="-128"/>
+                  <a:ea typeface="メイリオ" panose="020B0604030504040204" pitchFamily="50" charset="-128"/>
+                </a:rPr>
+                <a:t>係数を</a:t>
+              </a:r>
+              <a:r>
+                <a:rPr kumimoji="1" lang="en-US" altLang="ja-JP" sz="1050" b="1" dirty="0">
+                  <a:solidFill>
+                    <a:schemeClr val="tx1"/>
+                  </a:solidFill>
+                  <a:latin typeface="メイリオ" panose="020B0604030504040204" pitchFamily="50" charset="-128"/>
+                  <a:ea typeface="メイリオ" panose="020B0604030504040204" pitchFamily="50" charset="-128"/>
+                </a:rPr>
+                <a:t>15</a:t>
+              </a:r>
+              <a:r>
+                <a:rPr kumimoji="1" lang="ja-JP" altLang="en-US" sz="1050" b="1" dirty="0">
+                  <a:solidFill>
+                    <a:schemeClr val="tx1"/>
+                  </a:solidFill>
+                  <a:latin typeface="メイリオ" panose="020B0604030504040204" pitchFamily="50" charset="-128"/>
+                  <a:ea typeface="メイリオ" panose="020B0604030504040204" pitchFamily="50" charset="-128"/>
+                </a:rPr>
+                <a:t>区間すべてで調整するのは困難であるため、曲率の近い区間</a:t>
+              </a:r>
+              <a:r>
+                <a:rPr lang="ja-JP" altLang="en-US" sz="1050" b="1" dirty="0">
+                  <a:solidFill>
+                    <a:schemeClr val="tx1"/>
+                  </a:solidFill>
+                  <a:latin typeface="メイリオ" panose="020B0604030504040204" pitchFamily="50" charset="-128"/>
+                  <a:ea typeface="メイリオ" panose="020B0604030504040204" pitchFamily="50" charset="-128"/>
+                </a:rPr>
+                <a:t>で</a:t>
+              </a:r>
+              <a:r>
+                <a:rPr lang="en-US" altLang="ja-JP" sz="1050" b="1" dirty="0">
+                  <a:solidFill>
+                    <a:schemeClr val="tx1"/>
+                  </a:solidFill>
+                  <a:latin typeface="メイリオ" panose="020B0604030504040204" pitchFamily="50" charset="-128"/>
+                  <a:ea typeface="メイリオ" panose="020B0604030504040204" pitchFamily="50" charset="-128"/>
+                </a:rPr>
+                <a:t>4</a:t>
+              </a:r>
+              <a:r>
+                <a:rPr lang="ja-JP" altLang="en-US" sz="1050" b="1" dirty="0">
+                  <a:solidFill>
+                    <a:schemeClr val="tx1"/>
+                  </a:solidFill>
+                  <a:latin typeface="メイリオ" panose="020B0604030504040204" pitchFamily="50" charset="-128"/>
+                  <a:ea typeface="メイリオ" panose="020B0604030504040204" pitchFamily="50" charset="-128"/>
+                </a:rPr>
+                <a:t>種類に分類した。</a:t>
+              </a:r>
+              <a:endParaRPr kumimoji="1" lang="en-US" altLang="ja-JP" sz="1050" b="1" dirty="0">
+                <a:solidFill>
+                  <a:schemeClr val="tx1"/>
+                </a:solidFill>
+                <a:latin typeface="メイリオ" panose="020B0604030504040204" pitchFamily="50" charset="-128"/>
+                <a:ea typeface="メイリオ" panose="020B0604030504040204" pitchFamily="50" charset="-128"/>
+              </a:endParaRPr>
+            </a:p>
+          </p:txBody>
+        </p:sp>
+        <p:sp>
+          <p:nvSpPr>
+            <p:cNvPr id="44" name="テキスト ボックス 43">
+              <a:extLst>
+                <a:ext uri="{FF2B5EF4-FFF2-40B4-BE49-F238E27FC236}">
+                  <a16:creationId xmlns:a16="http://schemas.microsoft.com/office/drawing/2014/main" id="{260D1358-06EA-4BC9-9E14-972D49A596DC}"/>
+                </a:ext>
+              </a:extLst>
+            </p:cNvPr>
+            <p:cNvSpPr txBox="1"/>
+            <p:nvPr/>
+          </p:nvSpPr>
+          <p:spPr>
+            <a:xfrm>
+              <a:off x="3543512" y="6555429"/>
+              <a:ext cx="1030011" cy="307777"/>
+            </a:xfrm>
+            <a:prstGeom prst="rect">
+              <a:avLst/>
+            </a:prstGeom>
+            <a:noFill/>
+          </p:spPr>
+          <p:txBody>
+            <a:bodyPr wrap="square" rtlCol="0">
+              <a:spAutoFit/>
+            </a:bodyPr>
+            <a:lstStyle/>
+            <a:p>
+              <a:r>
+                <a:rPr kumimoji="1" lang="en-US" altLang="ja-JP" sz="1400" b="1" dirty="0">
+                  <a:solidFill>
+                    <a:srgbClr val="FF0000"/>
+                  </a:solidFill>
+                  <a:latin typeface="+mn-ea"/>
+                  <a:ea typeface="+mn-ea"/>
+                </a:rPr>
+                <a:t>POINT!!</a:t>
+              </a:r>
+              <a:endParaRPr kumimoji="1" lang="ja-JP" altLang="en-US" sz="1400" b="1" dirty="0">
+                <a:solidFill>
+                  <a:srgbClr val="FF0000"/>
+                </a:solidFill>
+                <a:latin typeface="+mn-ea"/>
+                <a:ea typeface="+mn-ea"/>
+              </a:endParaRPr>
+            </a:p>
+          </p:txBody>
+        </p:sp>
+      </p:grpSp>
+      <p:graphicFrame>
+        <p:nvGraphicFramePr>
+          <p:cNvPr id="2" name="表 1">
+            <a:extLst>
+              <a:ext uri="{FF2B5EF4-FFF2-40B4-BE49-F238E27FC236}">
+                <a16:creationId xmlns:a16="http://schemas.microsoft.com/office/drawing/2014/main" id="{D554351C-B708-4A82-B49C-4A2943314F5C}"/>
+              </a:ext>
+            </a:extLst>
+          </p:cNvPr>
+          <p:cNvGraphicFramePr>
+            <a:graphicFrameLocks noGrp="1"/>
+          </p:cNvGraphicFramePr>
+          <p:nvPr>
+            <p:extLst>
+              <p:ext uri="{D42A27DB-BD31-4B8C-83A1-F6EECF244321}">
+                <p14:modId xmlns:p14="http://schemas.microsoft.com/office/powerpoint/2010/main" val="2827701316"/>
+              </p:ext>
+            </p:extLst>
+          </p:nvPr>
+        </p:nvGraphicFramePr>
+        <p:xfrm>
+          <a:off x="244536" y="3530685"/>
+          <a:ext cx="3491968" cy="2903220"/>
+        </p:xfrm>
+        <a:graphic>
+          <a:graphicData uri="http://schemas.openxmlformats.org/drawingml/2006/table">
+            <a:tbl>
+              <a:tblPr firstRow="1" bandRow="1">
+                <a:tableStyleId>{93296810-A885-4BE3-A3E7-6D5BEEA58F35}</a:tableStyleId>
+              </a:tblPr>
+              <a:tblGrid>
+                <a:gridCol w="1003316">
+                  <a:extLst>
+                    <a:ext uri="{9D8B030D-6E8A-4147-A177-3AD203B41FA5}">
+                      <a16:colId xmlns:a16="http://schemas.microsoft.com/office/drawing/2014/main" val="2917276287"/>
+                    </a:ext>
+                  </a:extLst>
+                </a:gridCol>
+                <a:gridCol w="2488652">
+                  <a:extLst>
+                    <a:ext uri="{9D8B030D-6E8A-4147-A177-3AD203B41FA5}">
+                      <a16:colId xmlns:a16="http://schemas.microsoft.com/office/drawing/2014/main" val="877851442"/>
+                    </a:ext>
+                  </a:extLst>
+                </a:gridCol>
+              </a:tblGrid>
+              <a:tr h="0">
+                <a:tc>
+                  <a:txBody>
+                    <a:bodyPr/>
+                    <a:lstStyle/>
+                    <a:p>
+                      <a:pPr algn="ctr"/>
+                      <a:r>
+                        <a:rPr kumimoji="1" lang="ja-JP" altLang="en-US" sz="1050" dirty="0"/>
+                        <a:t>項目</a:t>
+                      </a:r>
+                    </a:p>
+                  </a:txBody>
+                  <a:tcPr/>
+                </a:tc>
+                <a:tc>
+                  <a:txBody>
+                    <a:bodyPr/>
+                    <a:lstStyle/>
+                    <a:p>
+                      <a:pPr algn="ctr"/>
+                      <a:r>
+                        <a:rPr kumimoji="1" lang="ja-JP" altLang="en-US" sz="1050" dirty="0"/>
+                        <a:t>内容</a:t>
+                      </a:r>
+                    </a:p>
+                  </a:txBody>
+                  <a:tcPr/>
+                </a:tc>
+                <a:extLst>
+                  <a:ext uri="{0D108BD9-81ED-4DB2-BD59-A6C34878D82A}">
+                    <a16:rowId xmlns:a16="http://schemas.microsoft.com/office/drawing/2014/main" val="3319238331"/>
+                  </a:ext>
+                </a:extLst>
+              </a:tr>
+              <a:tr h="206799">
+                <a:tc>
+                  <a:txBody>
+                    <a:bodyPr/>
+                    <a:lstStyle/>
+                    <a:p>
+                      <a:pPr algn="ctr"/>
+                      <a:r>
+                        <a:rPr kumimoji="1" lang="ja-JP" altLang="en-US" sz="1050" dirty="0">
+                          <a:latin typeface="メイリオ" panose="020B0604030504040204" pitchFamily="50" charset="-128"/>
+                          <a:ea typeface="メイリオ" panose="020B0604030504040204" pitchFamily="50" charset="-128"/>
+                        </a:rPr>
+                        <a:t>ユースケース</a:t>
+                      </a:r>
+                      <a:endParaRPr kumimoji="1" lang="en-US" altLang="ja-JP" sz="1050" dirty="0">
+                        <a:latin typeface="メイリオ" panose="020B0604030504040204" pitchFamily="50" charset="-128"/>
+                        <a:ea typeface="メイリオ" panose="020B0604030504040204" pitchFamily="50" charset="-128"/>
+                      </a:endParaRPr>
+                    </a:p>
+                  </a:txBody>
+                  <a:tcPr anchor="ctr"/>
+                </a:tc>
+                <a:tc>
+                  <a:txBody>
+                    <a:bodyPr/>
+                    <a:lstStyle/>
+                    <a:p>
+                      <a:r>
+                        <a:rPr kumimoji="1" lang="ja-JP" altLang="en-US" sz="1050" dirty="0">
+                          <a:latin typeface="メイリオ" panose="020B0604030504040204" pitchFamily="50" charset="-128"/>
+                          <a:ea typeface="メイリオ" panose="020B0604030504040204" pitchFamily="50" charset="-128"/>
+                        </a:rPr>
+                        <a:t>コースを完走する</a:t>
+                      </a:r>
+                    </a:p>
+                  </a:txBody>
+                  <a:tcPr/>
+                </a:tc>
+                <a:extLst>
+                  <a:ext uri="{0D108BD9-81ED-4DB2-BD59-A6C34878D82A}">
+                    <a16:rowId xmlns:a16="http://schemas.microsoft.com/office/drawing/2014/main" val="3527381751"/>
+                  </a:ext>
+                </a:extLst>
+              </a:tr>
+              <a:tr h="0">
+                <a:tc>
+                  <a:txBody>
+                    <a:bodyPr/>
+                    <a:lstStyle/>
+                    <a:p>
+                      <a:pPr algn="ctr"/>
+                      <a:r>
+                        <a:rPr kumimoji="1" lang="ja-JP" altLang="en-US" sz="1050" dirty="0">
+                          <a:latin typeface="メイリオ" panose="020B0604030504040204" pitchFamily="50" charset="-128"/>
+                          <a:ea typeface="メイリオ" panose="020B0604030504040204" pitchFamily="50" charset="-128"/>
+                        </a:rPr>
+                        <a:t>概要</a:t>
+                      </a:r>
+                    </a:p>
+                  </a:txBody>
+                  <a:tcPr anchor="ctr"/>
+                </a:tc>
+                <a:tc>
+                  <a:txBody>
+                    <a:bodyPr/>
+                    <a:lstStyle/>
+                    <a:p>
+                      <a:r>
+                        <a:rPr kumimoji="1" lang="ja-JP" altLang="en-US" sz="1050" dirty="0">
+                          <a:latin typeface="メイリオ" panose="020B0604030504040204" pitchFamily="50" charset="-128"/>
+                          <a:ea typeface="メイリオ" panose="020B0604030504040204" pitchFamily="50" charset="-128"/>
+                        </a:rPr>
+                        <a:t>倒立状態でコースをライントレースし、</a:t>
+                      </a:r>
+                      <a:endParaRPr kumimoji="1" lang="en-US" altLang="ja-JP" sz="1050" dirty="0">
+                        <a:latin typeface="メイリオ" panose="020B0604030504040204" pitchFamily="50" charset="-128"/>
+                        <a:ea typeface="メイリオ" panose="020B0604030504040204" pitchFamily="50" charset="-128"/>
+                      </a:endParaRPr>
+                    </a:p>
+                    <a:p>
+                      <a:r>
+                        <a:rPr kumimoji="1" lang="ja-JP" altLang="en-US" sz="1050" dirty="0">
+                          <a:latin typeface="メイリオ" panose="020B0604030504040204" pitchFamily="50" charset="-128"/>
+                          <a:ea typeface="メイリオ" panose="020B0604030504040204" pitchFamily="50" charset="-128"/>
+                        </a:rPr>
+                        <a:t>ゴールゲートを通過する</a:t>
+                      </a:r>
+                    </a:p>
+                  </a:txBody>
+                  <a:tcPr/>
+                </a:tc>
+                <a:extLst>
+                  <a:ext uri="{0D108BD9-81ED-4DB2-BD59-A6C34878D82A}">
+                    <a16:rowId xmlns:a16="http://schemas.microsoft.com/office/drawing/2014/main" val="845735000"/>
+                  </a:ext>
+                </a:extLst>
+              </a:tr>
+              <a:tr h="0">
+                <a:tc>
+                  <a:txBody>
+                    <a:bodyPr/>
+                    <a:lstStyle/>
+                    <a:p>
+                      <a:pPr algn="ctr"/>
+                      <a:r>
+                        <a:rPr kumimoji="1" lang="ja-JP" altLang="en-US" sz="1050" dirty="0">
+                          <a:latin typeface="メイリオ" panose="020B0604030504040204" pitchFamily="50" charset="-128"/>
+                          <a:ea typeface="メイリオ" panose="020B0604030504040204" pitchFamily="50" charset="-128"/>
+                        </a:rPr>
+                        <a:t>アクター</a:t>
+                      </a:r>
+                    </a:p>
+                  </a:txBody>
+                  <a:tcPr anchor="ctr"/>
+                </a:tc>
+                <a:tc>
+                  <a:txBody>
+                    <a:bodyPr/>
+                    <a:lstStyle/>
+                    <a:p>
+                      <a:r>
+                        <a:rPr kumimoji="1" lang="ja-JP" altLang="en-US" sz="1050" dirty="0">
+                          <a:latin typeface="メイリオ" panose="020B0604030504040204" pitchFamily="50" charset="-128"/>
+                          <a:ea typeface="メイリオ" panose="020B0604030504040204" pitchFamily="50" charset="-128"/>
+                        </a:rPr>
+                        <a:t>競技者</a:t>
+                      </a:r>
+                    </a:p>
+                  </a:txBody>
+                  <a:tcPr/>
+                </a:tc>
+                <a:extLst>
+                  <a:ext uri="{0D108BD9-81ED-4DB2-BD59-A6C34878D82A}">
+                    <a16:rowId xmlns:a16="http://schemas.microsoft.com/office/drawing/2014/main" val="486044543"/>
+                  </a:ext>
+                </a:extLst>
+              </a:tr>
+              <a:tr h="0">
+                <a:tc>
+                  <a:txBody>
+                    <a:bodyPr/>
+                    <a:lstStyle/>
+                    <a:p>
+                      <a:pPr algn="ctr"/>
+                      <a:r>
+                        <a:rPr kumimoji="1" lang="ja-JP" altLang="en-US" sz="1050" dirty="0">
+                          <a:latin typeface="メイリオ" panose="020B0604030504040204" pitchFamily="50" charset="-128"/>
+                          <a:ea typeface="メイリオ" panose="020B0604030504040204" pitchFamily="50" charset="-128"/>
+                        </a:rPr>
+                        <a:t>事前条件</a:t>
+                      </a:r>
+                    </a:p>
+                  </a:txBody>
+                  <a:tcPr anchor="ctr"/>
+                </a:tc>
+                <a:tc>
+                  <a:txBody>
+                    <a:bodyPr/>
+                    <a:lstStyle/>
+                    <a:p>
+                      <a:r>
+                        <a:rPr kumimoji="1" lang="ja-JP" altLang="en-US" sz="1050" dirty="0">
+                          <a:latin typeface="メイリオ" panose="020B0604030504040204" pitchFamily="50" charset="-128"/>
+                          <a:ea typeface="メイリオ" panose="020B0604030504040204" pitchFamily="50" charset="-128"/>
+                        </a:rPr>
+                        <a:t>走行準備が完了している</a:t>
+                      </a:r>
+                    </a:p>
+                  </a:txBody>
+                  <a:tcPr/>
+                </a:tc>
+                <a:extLst>
+                  <a:ext uri="{0D108BD9-81ED-4DB2-BD59-A6C34878D82A}">
+                    <a16:rowId xmlns:a16="http://schemas.microsoft.com/office/drawing/2014/main" val="3885679093"/>
+                  </a:ext>
+                </a:extLst>
+              </a:tr>
+              <a:tr h="0">
+                <a:tc>
+                  <a:txBody>
+                    <a:bodyPr/>
+                    <a:lstStyle/>
+                    <a:p>
+                      <a:pPr algn="ctr"/>
+                      <a:r>
+                        <a:rPr kumimoji="1" lang="ja-JP" altLang="en-US" sz="1050" dirty="0">
+                          <a:latin typeface="メイリオ" panose="020B0604030504040204" pitchFamily="50" charset="-128"/>
+                          <a:ea typeface="メイリオ" panose="020B0604030504040204" pitchFamily="50" charset="-128"/>
+                        </a:rPr>
+                        <a:t>事後条件</a:t>
+                      </a:r>
+                    </a:p>
+                  </a:txBody>
+                  <a:tcPr anchor="ctr"/>
+                </a:tc>
+                <a:tc>
+                  <a:txBody>
+                    <a:bodyPr/>
+                    <a:lstStyle/>
+                    <a:p>
+                      <a:r>
+                        <a:rPr kumimoji="1" lang="ja-JP" altLang="en-US" sz="1050" dirty="0">
+                          <a:latin typeface="メイリオ" panose="020B0604030504040204" pitchFamily="50" charset="-128"/>
+                          <a:ea typeface="メイリオ" panose="020B0604030504040204" pitchFamily="50" charset="-128"/>
+                        </a:rPr>
+                        <a:t>走行体がゴールゲートを通過する</a:t>
+                      </a:r>
+                    </a:p>
+                  </a:txBody>
+                  <a:tcPr/>
+                </a:tc>
+                <a:extLst>
+                  <a:ext uri="{0D108BD9-81ED-4DB2-BD59-A6C34878D82A}">
+                    <a16:rowId xmlns:a16="http://schemas.microsoft.com/office/drawing/2014/main" val="315234258"/>
+                  </a:ext>
+                </a:extLst>
+              </a:tr>
+              <a:tr h="0">
+                <a:tc>
+                  <a:txBody>
+                    <a:bodyPr/>
+                    <a:lstStyle/>
+                    <a:p>
+                      <a:pPr algn="ctr"/>
+                      <a:r>
+                        <a:rPr kumimoji="1" lang="ja-JP" altLang="en-US" sz="1050" dirty="0">
+                          <a:latin typeface="メイリオ" panose="020B0604030504040204" pitchFamily="50" charset="-128"/>
+                          <a:ea typeface="メイリオ" panose="020B0604030504040204" pitchFamily="50" charset="-128"/>
+                        </a:rPr>
+                        <a:t>トリガー</a:t>
+                      </a:r>
+                    </a:p>
+                  </a:txBody>
+                  <a:tcPr anchor="ctr"/>
+                </a:tc>
+                <a:tc>
+                  <a:txBody>
+                    <a:bodyPr/>
+                    <a:lstStyle/>
+                    <a:p>
+                      <a:r>
+                        <a:rPr kumimoji="1" lang="ja-JP" altLang="en-US" sz="1050" dirty="0">
+                          <a:latin typeface="メイリオ" panose="020B0604030504040204" pitchFamily="50" charset="-128"/>
+                          <a:ea typeface="メイリオ" panose="020B0604030504040204" pitchFamily="50" charset="-128"/>
+                        </a:rPr>
+                        <a:t>スタート指示を受けた</a:t>
+                      </a:r>
+                    </a:p>
+                  </a:txBody>
+                  <a:tcPr/>
+                </a:tc>
+                <a:extLst>
+                  <a:ext uri="{0D108BD9-81ED-4DB2-BD59-A6C34878D82A}">
+                    <a16:rowId xmlns:a16="http://schemas.microsoft.com/office/drawing/2014/main" val="1571721299"/>
+                  </a:ext>
+                </a:extLst>
+              </a:tr>
+              <a:tr h="328825">
+                <a:tc>
+                  <a:txBody>
+                    <a:bodyPr/>
+                    <a:lstStyle/>
+                    <a:p>
+                      <a:pPr algn="ctr"/>
+                      <a:r>
+                        <a:rPr kumimoji="1" lang="ja-JP" altLang="en-US" sz="1050" dirty="0">
+                          <a:latin typeface="メイリオ" panose="020B0604030504040204" pitchFamily="50" charset="-128"/>
+                          <a:ea typeface="メイリオ" panose="020B0604030504040204" pitchFamily="50" charset="-128"/>
+                        </a:rPr>
+                        <a:t>基本系列</a:t>
+                      </a:r>
+                    </a:p>
+                  </a:txBody>
+                  <a:tcPr anchor="ctr"/>
+                </a:tc>
+                <a:tc>
+                  <a:txBody>
+                    <a:bodyPr/>
+                    <a:lstStyle/>
+                    <a:p>
+                      <a:pPr marL="0" indent="0">
+                        <a:buNone/>
+                      </a:pPr>
+                      <a:r>
+                        <a:rPr kumimoji="1" lang="en-US" altLang="ja-JP" sz="1050" dirty="0">
+                          <a:latin typeface="メイリオ" panose="020B0604030504040204" pitchFamily="50" charset="-128"/>
+                          <a:ea typeface="メイリオ" panose="020B0604030504040204" pitchFamily="50" charset="-128"/>
+                        </a:rPr>
+                        <a:t>1. </a:t>
+                      </a:r>
+                      <a:r>
+                        <a:rPr kumimoji="1" lang="ja-JP" altLang="en-US" sz="1050" dirty="0">
+                          <a:latin typeface="メイリオ" panose="020B0604030504040204" pitchFamily="50" charset="-128"/>
+                          <a:ea typeface="メイリオ" panose="020B0604030504040204" pitchFamily="50" charset="-128"/>
+                        </a:rPr>
+                        <a:t>走行体情報を取得する</a:t>
+                      </a:r>
+                      <a:endParaRPr kumimoji="1" lang="en-US" altLang="ja-JP" sz="1050" dirty="0">
+                        <a:latin typeface="メイリオ" panose="020B0604030504040204" pitchFamily="50" charset="-128"/>
+                        <a:ea typeface="メイリオ" panose="020B0604030504040204" pitchFamily="50" charset="-128"/>
+                      </a:endParaRPr>
+                    </a:p>
+                    <a:p>
+                      <a:r>
+                        <a:rPr kumimoji="1" lang="en-US" altLang="ja-JP" sz="1050" dirty="0">
+                          <a:latin typeface="メイリオ" panose="020B0604030504040204" pitchFamily="50" charset="-128"/>
+                          <a:ea typeface="メイリオ" panose="020B0604030504040204" pitchFamily="50" charset="-128"/>
+                        </a:rPr>
+                        <a:t>2. </a:t>
+                      </a:r>
+                      <a:r>
+                        <a:rPr kumimoji="1" lang="ja-JP" altLang="en-US" sz="1050" dirty="0">
+                          <a:latin typeface="メイリオ" panose="020B0604030504040204" pitchFamily="50" charset="-128"/>
+                          <a:ea typeface="メイリオ" panose="020B0604030504040204" pitchFamily="50" charset="-128"/>
+                        </a:rPr>
+                        <a:t>区間終了判定をする</a:t>
+                      </a:r>
+                      <a:endParaRPr kumimoji="1" lang="en-US" altLang="ja-JP" sz="1050" dirty="0">
+                        <a:latin typeface="メイリオ" panose="020B0604030504040204" pitchFamily="50" charset="-128"/>
+                        <a:ea typeface="メイリオ" panose="020B0604030504040204" pitchFamily="50" charset="-128"/>
+                      </a:endParaRPr>
+                    </a:p>
+                    <a:p>
+                      <a:r>
+                        <a:rPr kumimoji="1" lang="en-US" altLang="ja-JP" sz="1050" dirty="0">
+                          <a:latin typeface="メイリオ" panose="020B0604030504040204" pitchFamily="50" charset="-128"/>
+                          <a:ea typeface="メイリオ" panose="020B0604030504040204" pitchFamily="50" charset="-128"/>
+                        </a:rPr>
+                        <a:t>3. </a:t>
+                      </a:r>
+                      <a:r>
+                        <a:rPr kumimoji="1" lang="ja-JP" altLang="en-US" sz="1050" dirty="0">
+                          <a:latin typeface="メイリオ" panose="020B0604030504040204" pitchFamily="50" charset="-128"/>
+                          <a:ea typeface="メイリオ" panose="020B0604030504040204" pitchFamily="50" charset="-128"/>
+                        </a:rPr>
+                        <a:t>走行制御をする</a:t>
+                      </a:r>
+                    </a:p>
+                  </a:txBody>
+                  <a:tcPr/>
+                </a:tc>
+                <a:extLst>
+                  <a:ext uri="{0D108BD9-81ED-4DB2-BD59-A6C34878D82A}">
+                    <a16:rowId xmlns:a16="http://schemas.microsoft.com/office/drawing/2014/main" val="87773774"/>
+                  </a:ext>
+                </a:extLst>
+              </a:tr>
+              <a:tr h="328825">
+                <a:tc>
+                  <a:txBody>
+                    <a:bodyPr/>
+                    <a:lstStyle/>
+                    <a:p>
+                      <a:pPr algn="ctr"/>
+                      <a:r>
+                        <a:rPr kumimoji="1" lang="ja-JP" altLang="en-US" sz="1050" dirty="0">
+                          <a:latin typeface="メイリオ" panose="020B0604030504040204" pitchFamily="50" charset="-128"/>
+                          <a:ea typeface="メイリオ" panose="020B0604030504040204" pitchFamily="50" charset="-128"/>
+                        </a:rPr>
+                        <a:t>例外系列</a:t>
+                      </a:r>
+                    </a:p>
+                  </a:txBody>
+                  <a:tcPr anchor="ctr"/>
+                </a:tc>
+                <a:tc>
+                  <a:txBody>
+                    <a:bodyPr/>
+                    <a:lstStyle/>
+                    <a:p>
+                      <a:pPr marL="228600" indent="-228600">
+                        <a:buAutoNum type="arabicPeriod"/>
+                      </a:pPr>
+                      <a:r>
+                        <a:rPr kumimoji="1" lang="ja-JP" altLang="en-US" sz="1050" dirty="0">
+                          <a:latin typeface="メイリオ" panose="020B0604030504040204" pitchFamily="50" charset="-128"/>
+                          <a:ea typeface="メイリオ" panose="020B0604030504040204" pitchFamily="50" charset="-128"/>
+                        </a:rPr>
+                        <a:t>転倒を検知する</a:t>
+                      </a:r>
+                      <a:endParaRPr kumimoji="1" lang="en-US" altLang="ja-JP" sz="1050" dirty="0">
+                        <a:latin typeface="メイリオ" panose="020B0604030504040204" pitchFamily="50" charset="-128"/>
+                        <a:ea typeface="メイリオ" panose="020B0604030504040204" pitchFamily="50" charset="-128"/>
+                      </a:endParaRPr>
+                    </a:p>
+                    <a:p>
+                      <a:pPr marL="228600" indent="-228600">
+                        <a:buAutoNum type="arabicPeriod"/>
+                      </a:pPr>
+                      <a:r>
+                        <a:rPr kumimoji="1" lang="ja-JP" altLang="en-US" sz="1050" dirty="0">
+                          <a:latin typeface="メイリオ" panose="020B0604030504040204" pitchFamily="50" charset="-128"/>
+                          <a:ea typeface="メイリオ" panose="020B0604030504040204" pitchFamily="50" charset="-128"/>
+                        </a:rPr>
+                        <a:t>モータを緊急停止する</a:t>
+                      </a:r>
+                    </a:p>
+                  </a:txBody>
+                  <a:tcPr/>
+                </a:tc>
+                <a:extLst>
+                  <a:ext uri="{0D108BD9-81ED-4DB2-BD59-A6C34878D82A}">
+                    <a16:rowId xmlns:a16="http://schemas.microsoft.com/office/drawing/2014/main" val="14162105"/>
+                  </a:ext>
+                </a:extLst>
+              </a:tr>
+            </a:tbl>
+          </a:graphicData>
+        </a:graphic>
+      </p:graphicFrame>
+      <p:graphicFrame>
+        <p:nvGraphicFramePr>
+          <p:cNvPr id="4" name="表 3">
+            <a:extLst>
+              <a:ext uri="{FF2B5EF4-FFF2-40B4-BE49-F238E27FC236}">
+                <a16:creationId xmlns:a16="http://schemas.microsoft.com/office/drawing/2014/main" id="{EC2EC2ED-37F5-4310-85A3-C1EBB7C3AE97}"/>
+              </a:ext>
+            </a:extLst>
+          </p:cNvPr>
+          <p:cNvGraphicFramePr>
+            <a:graphicFrameLocks noGrp="1"/>
+          </p:cNvGraphicFramePr>
+          <p:nvPr>
+            <p:extLst>
+              <p:ext uri="{D42A27DB-BD31-4B8C-83A1-F6EECF244321}">
+                <p14:modId xmlns:p14="http://schemas.microsoft.com/office/powerpoint/2010/main" val="1956041165"/>
+              </p:ext>
+            </p:extLst>
+          </p:nvPr>
+        </p:nvGraphicFramePr>
+        <p:xfrm>
+          <a:off x="7058240" y="4977777"/>
+          <a:ext cx="4942697" cy="1257300"/>
+        </p:xfrm>
+        <a:graphic>
+          <a:graphicData uri="http://schemas.openxmlformats.org/drawingml/2006/table">
+            <a:tbl>
+              <a:tblPr firstRow="1" bandRow="1">
+                <a:tableStyleId>{93296810-A885-4BE3-A3E7-6D5BEEA58F35}</a:tableStyleId>
+              </a:tblPr>
+              <a:tblGrid>
+                <a:gridCol w="838241">
+                  <a:extLst>
+                    <a:ext uri="{9D8B030D-6E8A-4147-A177-3AD203B41FA5}">
+                      <a16:colId xmlns:a16="http://schemas.microsoft.com/office/drawing/2014/main" val="906267148"/>
+                    </a:ext>
+                  </a:extLst>
+                </a:gridCol>
+                <a:gridCol w="3266215">
+                  <a:extLst>
+                    <a:ext uri="{9D8B030D-6E8A-4147-A177-3AD203B41FA5}">
+                      <a16:colId xmlns:a16="http://schemas.microsoft.com/office/drawing/2014/main" val="1140764998"/>
+                    </a:ext>
+                  </a:extLst>
+                </a:gridCol>
+                <a:gridCol w="838241">
+                  <a:extLst>
+                    <a:ext uri="{9D8B030D-6E8A-4147-A177-3AD203B41FA5}">
+                      <a16:colId xmlns:a16="http://schemas.microsoft.com/office/drawing/2014/main" val="305380888"/>
+                    </a:ext>
+                  </a:extLst>
+                </a:gridCol>
+              </a:tblGrid>
+              <a:tr h="214322">
+                <a:tc>
+                  <a:txBody>
+                    <a:bodyPr/>
+                    <a:lstStyle/>
+                    <a:p>
+                      <a:pPr algn="ctr"/>
+                      <a:r>
+                        <a:rPr kumimoji="1" lang="ja-JP" altLang="en-US" sz="1050" dirty="0"/>
+                        <a:t>タスク名</a:t>
+                      </a:r>
+                    </a:p>
+                  </a:txBody>
+                  <a:tcPr/>
+                </a:tc>
+                <a:tc>
+                  <a:txBody>
+                    <a:bodyPr/>
+                    <a:lstStyle/>
+                    <a:p>
+                      <a:pPr algn="ctr"/>
+                      <a:r>
+                        <a:rPr kumimoji="1" lang="ja-JP" altLang="en-US" sz="1050" dirty="0"/>
+                        <a:t>動作内容</a:t>
+                      </a:r>
+                    </a:p>
+                  </a:txBody>
+                  <a:tcPr/>
+                </a:tc>
+                <a:tc>
+                  <a:txBody>
+                    <a:bodyPr/>
+                    <a:lstStyle/>
+                    <a:p>
+                      <a:pPr algn="ctr"/>
+                      <a:r>
+                        <a:rPr kumimoji="1" lang="ja-JP" altLang="en-US" sz="1050" dirty="0"/>
+                        <a:t>実行周期</a:t>
+                      </a:r>
+                    </a:p>
+                  </a:txBody>
+                  <a:tcPr/>
+                </a:tc>
+                <a:extLst>
+                  <a:ext uri="{0D108BD9-81ED-4DB2-BD59-A6C34878D82A}">
+                    <a16:rowId xmlns:a16="http://schemas.microsoft.com/office/drawing/2014/main" val="2798903516"/>
+                  </a:ext>
+                </a:extLst>
+              </a:tr>
+              <a:tr h="200829">
+                <a:tc>
+                  <a:txBody>
+                    <a:bodyPr/>
+                    <a:lstStyle/>
+                    <a:p>
+                      <a:pPr algn="ctr"/>
+                      <a:r>
+                        <a:rPr kumimoji="1" lang="ja-JP" altLang="en-US" sz="1050" dirty="0">
+                          <a:latin typeface="メイリオ" panose="020B0604030504040204" pitchFamily="50" charset="-128"/>
+                          <a:ea typeface="メイリオ" panose="020B0604030504040204" pitchFamily="50" charset="-128"/>
+                        </a:rPr>
+                        <a:t>競技</a:t>
+                      </a:r>
+                    </a:p>
+                  </a:txBody>
+                  <a:tcPr anchor="b"/>
+                </a:tc>
+                <a:tc>
+                  <a:txBody>
+                    <a:bodyPr/>
+                    <a:lstStyle/>
+                    <a:p>
+                      <a:pPr algn="l"/>
+                      <a:r>
+                        <a:rPr kumimoji="1" lang="ja-JP" altLang="en-US" sz="1050" dirty="0">
+                          <a:latin typeface="メイリオ" panose="020B0604030504040204" pitchFamily="50" charset="-128"/>
+                          <a:ea typeface="メイリオ" panose="020B0604030504040204" pitchFamily="50" charset="-128"/>
+                        </a:rPr>
+                        <a:t>エントリーポイントとなり、他のタスクを起動する</a:t>
+                      </a:r>
+                    </a:p>
+                  </a:txBody>
+                  <a:tcPr anchor="ctr"/>
+                </a:tc>
+                <a:tc>
+                  <a:txBody>
+                    <a:bodyPr/>
+                    <a:lstStyle/>
+                    <a:p>
+                      <a:r>
+                        <a:rPr kumimoji="1" lang="en-US" altLang="ja-JP" sz="1050" dirty="0">
+                          <a:latin typeface="メイリオ" panose="020B0604030504040204" pitchFamily="50" charset="-128"/>
+                          <a:ea typeface="メイリオ" panose="020B0604030504040204" pitchFamily="50" charset="-128"/>
+                        </a:rPr>
+                        <a:t>4ms</a:t>
+                      </a:r>
+                      <a:endParaRPr kumimoji="1" lang="ja-JP" altLang="en-US" sz="1050" dirty="0">
+                        <a:latin typeface="メイリオ" panose="020B0604030504040204" pitchFamily="50" charset="-128"/>
+                        <a:ea typeface="メイリオ" panose="020B0604030504040204" pitchFamily="50" charset="-128"/>
+                      </a:endParaRPr>
+                    </a:p>
+                  </a:txBody>
+                  <a:tcPr/>
+                </a:tc>
+                <a:extLst>
+                  <a:ext uri="{0D108BD9-81ED-4DB2-BD59-A6C34878D82A}">
+                    <a16:rowId xmlns:a16="http://schemas.microsoft.com/office/drawing/2014/main" val="2934647308"/>
+                  </a:ext>
+                </a:extLst>
+              </a:tr>
+              <a:tr h="216024">
+                <a:tc>
+                  <a:txBody>
+                    <a:bodyPr/>
+                    <a:lstStyle/>
+                    <a:p>
+                      <a:pPr algn="ctr"/>
+                      <a:r>
+                        <a:rPr kumimoji="1" lang="ja-JP" altLang="en-US" sz="1050" dirty="0">
+                          <a:latin typeface="メイリオ" panose="020B0604030504040204" pitchFamily="50" charset="-128"/>
+                          <a:ea typeface="メイリオ" panose="020B0604030504040204" pitchFamily="50" charset="-128"/>
+                        </a:rPr>
+                        <a:t>計器管理</a:t>
+                      </a:r>
+                    </a:p>
+                  </a:txBody>
+                  <a:tcPr anchor="b"/>
+                </a:tc>
+                <a:tc>
+                  <a:txBody>
+                    <a:bodyPr/>
+                    <a:lstStyle/>
+                    <a:p>
+                      <a:pPr algn="l"/>
+                      <a:r>
+                        <a:rPr kumimoji="1" lang="ja-JP" altLang="en-US" sz="1050" dirty="0">
+                          <a:latin typeface="メイリオ" panose="020B0604030504040204" pitchFamily="50" charset="-128"/>
+                          <a:ea typeface="メイリオ" panose="020B0604030504040204" pitchFamily="50" charset="-128"/>
+                        </a:rPr>
+                        <a:t>デバイスの情報を取得し、管理する</a:t>
+                      </a:r>
+                    </a:p>
+                  </a:txBody>
+                  <a:tcPr anchor="ctr"/>
+                </a:tc>
+                <a:tc>
+                  <a:txBody>
+                    <a:bodyPr/>
+                    <a:lstStyle/>
+                    <a:p>
+                      <a:r>
+                        <a:rPr kumimoji="1" lang="en-US" altLang="ja-JP" sz="1050" dirty="0">
+                          <a:latin typeface="メイリオ" panose="020B0604030504040204" pitchFamily="50" charset="-128"/>
+                          <a:ea typeface="メイリオ" panose="020B0604030504040204" pitchFamily="50" charset="-128"/>
+                        </a:rPr>
+                        <a:t>2ms</a:t>
+                      </a:r>
+                      <a:endParaRPr kumimoji="1" lang="ja-JP" altLang="en-US" sz="1050" dirty="0">
+                        <a:latin typeface="メイリオ" panose="020B0604030504040204" pitchFamily="50" charset="-128"/>
+                        <a:ea typeface="メイリオ" panose="020B0604030504040204" pitchFamily="50" charset="-128"/>
+                      </a:endParaRPr>
+                    </a:p>
+                  </a:txBody>
+                  <a:tcPr/>
+                </a:tc>
+                <a:extLst>
+                  <a:ext uri="{0D108BD9-81ED-4DB2-BD59-A6C34878D82A}">
+                    <a16:rowId xmlns:a16="http://schemas.microsoft.com/office/drawing/2014/main" val="2877374793"/>
+                  </a:ext>
+                </a:extLst>
+              </a:tr>
+              <a:tr h="201965">
+                <a:tc>
+                  <a:txBody>
+                    <a:bodyPr/>
+                    <a:lstStyle/>
+                    <a:p>
+                      <a:pPr algn="ctr"/>
+                      <a:r>
+                        <a:rPr kumimoji="1" lang="ja-JP" altLang="en-US" sz="1050" dirty="0">
+                          <a:latin typeface="メイリオ" panose="020B0604030504040204" pitchFamily="50" charset="-128"/>
+                          <a:ea typeface="メイリオ" panose="020B0604030504040204" pitchFamily="50" charset="-128"/>
+                        </a:rPr>
+                        <a:t>尻尾管理</a:t>
+                      </a:r>
+                    </a:p>
+                  </a:txBody>
+                  <a:tcPr anchor="b"/>
+                </a:tc>
+                <a:tc>
+                  <a:txBody>
+                    <a:bodyPr/>
+                    <a:lstStyle/>
+                    <a:p>
+                      <a:pPr algn="l"/>
+                      <a:r>
+                        <a:rPr kumimoji="1" lang="ja-JP" altLang="en-US" sz="1050" dirty="0">
+                          <a:latin typeface="メイリオ" panose="020B0604030504040204" pitchFamily="50" charset="-128"/>
+                          <a:ea typeface="メイリオ" panose="020B0604030504040204" pitchFamily="50" charset="-128"/>
+                        </a:rPr>
+                        <a:t>尻尾の角度を指定した角度に保つ</a:t>
+                      </a:r>
+                    </a:p>
+                  </a:txBody>
+                  <a:tcPr anchor="ctr"/>
+                </a:tc>
+                <a:tc>
+                  <a:txBody>
+                    <a:bodyPr/>
+                    <a:lstStyle/>
+                    <a:p>
+                      <a:r>
+                        <a:rPr kumimoji="1" lang="en-US" altLang="ja-JP" sz="1050" dirty="0">
+                          <a:latin typeface="メイリオ" panose="020B0604030504040204" pitchFamily="50" charset="-128"/>
+                          <a:ea typeface="メイリオ" panose="020B0604030504040204" pitchFamily="50" charset="-128"/>
+                        </a:rPr>
+                        <a:t>4ms</a:t>
+                      </a:r>
+                      <a:endParaRPr kumimoji="1" lang="ja-JP" altLang="en-US" sz="1050" dirty="0">
+                        <a:latin typeface="メイリオ" panose="020B0604030504040204" pitchFamily="50" charset="-128"/>
+                        <a:ea typeface="メイリオ" panose="020B0604030504040204" pitchFamily="50" charset="-128"/>
+                      </a:endParaRPr>
+                    </a:p>
+                  </a:txBody>
+                  <a:tcPr/>
+                </a:tc>
+                <a:extLst>
+                  <a:ext uri="{0D108BD9-81ED-4DB2-BD59-A6C34878D82A}">
+                    <a16:rowId xmlns:a16="http://schemas.microsoft.com/office/drawing/2014/main" val="233473834"/>
+                  </a:ext>
+                </a:extLst>
+              </a:tr>
+              <a:tr h="211261">
+                <a:tc>
+                  <a:txBody>
+                    <a:bodyPr/>
+                    <a:lstStyle/>
+                    <a:p>
+                      <a:pPr algn="ctr"/>
+                      <a:r>
+                        <a:rPr kumimoji="1" lang="ja-JP" altLang="en-US" sz="1050" dirty="0">
+                          <a:latin typeface="メイリオ" panose="020B0604030504040204" pitchFamily="50" charset="-128"/>
+                          <a:ea typeface="メイリオ" panose="020B0604030504040204" pitchFamily="50" charset="-128"/>
+                        </a:rPr>
+                        <a:t>通信管理</a:t>
+                      </a:r>
+                    </a:p>
+                  </a:txBody>
+                  <a:tcPr anchor="b"/>
+                </a:tc>
+                <a:tc>
+                  <a:txBody>
+                    <a:bodyPr/>
+                    <a:lstStyle/>
+                    <a:p>
+                      <a:pPr algn="l"/>
+                      <a:r>
+                        <a:rPr kumimoji="1" lang="ja-JP" altLang="en-US" sz="1050" dirty="0">
+                          <a:latin typeface="メイリオ" panose="020B0604030504040204" pitchFamily="50" charset="-128"/>
+                          <a:ea typeface="メイリオ" panose="020B0604030504040204" pitchFamily="50" charset="-128"/>
+                        </a:rPr>
+                        <a:t>スタート信号の受信や、ログデータの送信を行う</a:t>
+                      </a:r>
+                    </a:p>
+                  </a:txBody>
+                  <a:tcPr anchor="ctr"/>
+                </a:tc>
+                <a:tc>
+                  <a:txBody>
+                    <a:bodyPr/>
+                    <a:lstStyle/>
+                    <a:p>
+                      <a:r>
+                        <a:rPr kumimoji="1" lang="en-US" altLang="ja-JP" sz="1050" dirty="0">
+                          <a:latin typeface="メイリオ" panose="020B0604030504040204" pitchFamily="50" charset="-128"/>
+                          <a:ea typeface="メイリオ" panose="020B0604030504040204" pitchFamily="50" charset="-128"/>
+                        </a:rPr>
+                        <a:t>20ms</a:t>
+                      </a:r>
+                      <a:endParaRPr kumimoji="1" lang="ja-JP" altLang="en-US" sz="1050" dirty="0">
+                        <a:latin typeface="メイリオ" panose="020B0604030504040204" pitchFamily="50" charset="-128"/>
+                        <a:ea typeface="メイリオ" panose="020B0604030504040204" pitchFamily="50" charset="-128"/>
+                      </a:endParaRPr>
+                    </a:p>
+                  </a:txBody>
+                  <a:tcPr/>
+                </a:tc>
+                <a:extLst>
+                  <a:ext uri="{0D108BD9-81ED-4DB2-BD59-A6C34878D82A}">
+                    <a16:rowId xmlns:a16="http://schemas.microsoft.com/office/drawing/2014/main" val="4059810707"/>
+                  </a:ext>
+                </a:extLst>
+              </a:tr>
+            </a:tbl>
+          </a:graphicData>
+        </a:graphic>
+      </p:graphicFrame>
+      <p:graphicFrame>
+        <p:nvGraphicFramePr>
+          <p:cNvPr id="19" name="表 18">
+            <a:extLst>
+              <a:ext uri="{FF2B5EF4-FFF2-40B4-BE49-F238E27FC236}">
+                <a16:creationId xmlns:a16="http://schemas.microsoft.com/office/drawing/2014/main" id="{1C21C00B-F032-4CDF-8A03-A2CDC24EFFFE}"/>
+              </a:ext>
+            </a:extLst>
+          </p:cNvPr>
+          <p:cNvGraphicFramePr>
+            <a:graphicFrameLocks noGrp="1"/>
+          </p:cNvGraphicFramePr>
+          <p:nvPr>
+            <p:extLst>
+              <p:ext uri="{D42A27DB-BD31-4B8C-83A1-F6EECF244321}">
+                <p14:modId xmlns:p14="http://schemas.microsoft.com/office/powerpoint/2010/main" val="491596612"/>
+              </p:ext>
+            </p:extLst>
+          </p:nvPr>
+        </p:nvGraphicFramePr>
+        <p:xfrm>
+          <a:off x="7139507" y="1558712"/>
+          <a:ext cx="5361760" cy="2427480"/>
+        </p:xfrm>
+        <a:graphic>
+          <a:graphicData uri="http://schemas.openxmlformats.org/drawingml/2006/table">
+            <a:tbl>
+              <a:tblPr firstRow="1" bandRow="1">
+                <a:tableStyleId>{93296810-A885-4BE3-A3E7-6D5BEEA58F35}</a:tableStyleId>
+              </a:tblPr>
+              <a:tblGrid>
+                <a:gridCol w="2553448">
+                  <a:extLst>
+                    <a:ext uri="{9D8B030D-6E8A-4147-A177-3AD203B41FA5}">
+                      <a16:colId xmlns:a16="http://schemas.microsoft.com/office/drawing/2014/main" val="3821575817"/>
+                    </a:ext>
+                  </a:extLst>
+                </a:gridCol>
+                <a:gridCol w="2808312">
+                  <a:extLst>
+                    <a:ext uri="{9D8B030D-6E8A-4147-A177-3AD203B41FA5}">
+                      <a16:colId xmlns:a16="http://schemas.microsoft.com/office/drawing/2014/main" val="380914463"/>
+                    </a:ext>
+                  </a:extLst>
+                </a:gridCol>
+              </a:tblGrid>
+              <a:tr h="252000">
+                <a:tc>
+                  <a:txBody>
+                    <a:bodyPr/>
+                    <a:lstStyle/>
+                    <a:p>
+                      <a:pPr algn="ctr"/>
+                      <a:r>
+                        <a:rPr kumimoji="1" lang="ja-JP" altLang="en-US" sz="1050" dirty="0"/>
+                        <a:t>役割や情報</a:t>
+                      </a:r>
+                    </a:p>
+                  </a:txBody>
+                  <a:tcPr/>
+                </a:tc>
+                <a:tc>
+                  <a:txBody>
+                    <a:bodyPr/>
+                    <a:lstStyle/>
+                    <a:p>
+                      <a:pPr algn="ctr"/>
+                      <a:r>
+                        <a:rPr kumimoji="1" lang="ja-JP" altLang="en-US" sz="1050" dirty="0"/>
+                        <a:t>部品の候補</a:t>
+                      </a:r>
+                    </a:p>
+                  </a:txBody>
+                  <a:tcPr anchor="ctr"/>
+                </a:tc>
+                <a:extLst>
+                  <a:ext uri="{0D108BD9-81ED-4DB2-BD59-A6C34878D82A}">
+                    <a16:rowId xmlns:a16="http://schemas.microsoft.com/office/drawing/2014/main" val="2304551870"/>
+                  </a:ext>
+                </a:extLst>
+              </a:tr>
+              <a:tr h="360000">
+                <a:tc>
+                  <a:txBody>
+                    <a:bodyPr/>
+                    <a:lstStyle/>
+                    <a:p>
+                      <a:r>
+                        <a:rPr kumimoji="1" lang="ja-JP" altLang="en-US" sz="1050" dirty="0">
+                          <a:latin typeface="メイリオ" panose="020B0604030504040204" pitchFamily="50" charset="-128"/>
+                          <a:ea typeface="メイリオ" panose="020B0604030504040204" pitchFamily="50" charset="-128"/>
+                        </a:rPr>
+                        <a:t>走行体情報を取得する</a:t>
+                      </a:r>
+                    </a:p>
+                  </a:txBody>
+                  <a:tcPr anchor="ctr"/>
+                </a:tc>
+                <a:tc>
+                  <a:txBody>
+                    <a:bodyPr/>
+                    <a:lstStyle/>
+                    <a:p>
+                      <a:r>
+                        <a:rPr kumimoji="1" lang="ja-JP" altLang="en-US" sz="1050" dirty="0">
+                          <a:latin typeface="メイリオ" panose="020B0604030504040204" pitchFamily="50" charset="-128"/>
+                          <a:ea typeface="メイリオ" panose="020B0604030504040204" pitchFamily="50" charset="-128"/>
+                        </a:rPr>
+                        <a:t>計器管理、走行距離計、輝度偏差計測計、</a:t>
+                      </a:r>
+                      <a:endParaRPr kumimoji="1" lang="en-US" altLang="ja-JP" sz="1050" dirty="0">
+                        <a:latin typeface="メイリオ" panose="020B0604030504040204" pitchFamily="50" charset="-128"/>
+                        <a:ea typeface="メイリオ" panose="020B0604030504040204" pitchFamily="50" charset="-128"/>
+                      </a:endParaRPr>
+                    </a:p>
+                    <a:p>
+                      <a:r>
+                        <a:rPr kumimoji="1" lang="ja-JP" altLang="en-US" sz="1050" dirty="0">
+                          <a:latin typeface="メイリオ" panose="020B0604030504040204" pitchFamily="50" charset="-128"/>
+                          <a:ea typeface="メイリオ" panose="020B0604030504040204" pitchFamily="50" charset="-128"/>
+                        </a:rPr>
+                        <a:t>電圧計、角速度計</a:t>
+                      </a:r>
+                    </a:p>
+                  </a:txBody>
+                  <a:tcPr anchor="ctr"/>
+                </a:tc>
+                <a:extLst>
+                  <a:ext uri="{0D108BD9-81ED-4DB2-BD59-A6C34878D82A}">
+                    <a16:rowId xmlns:a16="http://schemas.microsoft.com/office/drawing/2014/main" val="420981623"/>
+                  </a:ext>
+                </a:extLst>
+              </a:tr>
+              <a:tr h="252000">
+                <a:tc>
+                  <a:txBody>
+                    <a:bodyPr/>
+                    <a:lstStyle/>
+                    <a:p>
+                      <a:r>
+                        <a:rPr kumimoji="1" lang="ja-JP" altLang="en-US" sz="1050" dirty="0">
+                          <a:latin typeface="メイリオ" panose="020B0604030504040204" pitchFamily="50" charset="-128"/>
+                          <a:ea typeface="メイリオ" panose="020B0604030504040204" pitchFamily="50" charset="-128"/>
+                        </a:rPr>
+                        <a:t>現在の区間が終了しているか確認する</a:t>
+                      </a:r>
+                    </a:p>
+                  </a:txBody>
+                  <a:tcPr anchor="ctr"/>
+                </a:tc>
+                <a:tc>
+                  <a:txBody>
+                    <a:bodyPr/>
+                    <a:lstStyle/>
+                    <a:p>
+                      <a:pPr marL="0" marR="0" lvl="0" indent="0" algn="l" defTabSz="914400" rtl="0" eaLnBrk="1" fontAlgn="auto" latinLnBrk="0" hangingPunct="1">
+                        <a:lnSpc>
+                          <a:spcPct val="100000"/>
+                        </a:lnSpc>
+                        <a:spcBef>
+                          <a:spcPts val="0"/>
+                        </a:spcBef>
+                        <a:spcAft>
+                          <a:spcPts val="0"/>
+                        </a:spcAft>
+                        <a:buClrTx/>
+                        <a:buSzTx/>
+                        <a:buFontTx/>
+                        <a:buNone/>
+                        <a:tabLst/>
+                        <a:defRPr/>
+                      </a:pPr>
+                      <a:r>
+                        <a:rPr kumimoji="1" lang="ja-JP" altLang="en-US" sz="1050" dirty="0">
+                          <a:latin typeface="メイリオ" panose="020B0604030504040204" pitchFamily="50" charset="-128"/>
+                          <a:ea typeface="メイリオ" panose="020B0604030504040204" pitchFamily="50" charset="-128"/>
+                        </a:rPr>
+                        <a:t>区間トレーサ、区間パラメータリスト</a:t>
+                      </a:r>
+                    </a:p>
+                  </a:txBody>
+                  <a:tcPr anchor="ctr"/>
+                </a:tc>
+                <a:extLst>
+                  <a:ext uri="{0D108BD9-81ED-4DB2-BD59-A6C34878D82A}">
+                    <a16:rowId xmlns:a16="http://schemas.microsoft.com/office/drawing/2014/main" val="2735190103"/>
+                  </a:ext>
+                </a:extLst>
+              </a:tr>
+              <a:tr h="252000">
+                <a:tc>
+                  <a:txBody>
+                    <a:bodyPr/>
+                    <a:lstStyle/>
+                    <a:p>
+                      <a:r>
+                        <a:rPr kumimoji="1" lang="ja-JP" altLang="en-US" sz="1050" dirty="0">
+                          <a:latin typeface="メイリオ" panose="020B0604030504040204" pitchFamily="50" charset="-128"/>
+                          <a:ea typeface="メイリオ" panose="020B0604030504040204" pitchFamily="50" charset="-128"/>
+                        </a:rPr>
+                        <a:t>次の区間が存在するか確認する</a:t>
+                      </a:r>
+                    </a:p>
+                  </a:txBody>
+                  <a:tcPr anchor="ctr"/>
+                </a:tc>
+                <a:tc>
+                  <a:txBody>
+                    <a:bodyPr/>
+                    <a:lstStyle/>
+                    <a:p>
+                      <a:pPr marL="0" marR="0" lvl="0" indent="0" algn="l" defTabSz="914400" rtl="0" eaLnBrk="1" fontAlgn="auto" latinLnBrk="0" hangingPunct="1">
+                        <a:lnSpc>
+                          <a:spcPct val="100000"/>
+                        </a:lnSpc>
+                        <a:spcBef>
+                          <a:spcPts val="0"/>
+                        </a:spcBef>
+                        <a:spcAft>
+                          <a:spcPts val="0"/>
+                        </a:spcAft>
+                        <a:buClrTx/>
+                        <a:buSzTx/>
+                        <a:buFontTx/>
+                        <a:buNone/>
+                        <a:tabLst/>
+                        <a:defRPr/>
+                      </a:pPr>
+                      <a:r>
+                        <a:rPr kumimoji="1" lang="ja-JP" altLang="en-US" sz="1050" dirty="0">
+                          <a:latin typeface="メイリオ" panose="020B0604030504040204" pitchFamily="50" charset="-128"/>
+                          <a:ea typeface="メイリオ" panose="020B0604030504040204" pitchFamily="50" charset="-128"/>
+                        </a:rPr>
+                        <a:t>区間トレーサ、区間パラメータリスト</a:t>
+                      </a:r>
+                    </a:p>
+                  </a:txBody>
+                  <a:tcPr anchor="ctr"/>
+                </a:tc>
+                <a:extLst>
+                  <a:ext uri="{0D108BD9-81ED-4DB2-BD59-A6C34878D82A}">
+                    <a16:rowId xmlns:a16="http://schemas.microsoft.com/office/drawing/2014/main" val="75287691"/>
+                  </a:ext>
+                </a:extLst>
+              </a:tr>
+              <a:tr h="252000">
+                <a:tc>
+                  <a:txBody>
+                    <a:bodyPr/>
+                    <a:lstStyle/>
+                    <a:p>
+                      <a:r>
+                        <a:rPr kumimoji="1" lang="ja-JP" altLang="en-US" sz="1050" dirty="0">
+                          <a:latin typeface="メイリオ" panose="020B0604030504040204" pitchFamily="50" charset="-128"/>
+                          <a:ea typeface="メイリオ" panose="020B0604030504040204" pitchFamily="50" charset="-128"/>
+                        </a:rPr>
+                        <a:t>次の区間に切り替える</a:t>
+                      </a:r>
+                    </a:p>
+                  </a:txBody>
+                  <a:tcPr anchor="ctr"/>
+                </a:tc>
+                <a:tc>
+                  <a:txBody>
+                    <a:bodyPr/>
+                    <a:lstStyle/>
+                    <a:p>
+                      <a:r>
+                        <a:rPr kumimoji="1" lang="ja-JP" altLang="en-US" sz="1050" dirty="0">
+                          <a:latin typeface="メイリオ" panose="020B0604030504040204" pitchFamily="50" charset="-128"/>
+                          <a:ea typeface="メイリオ" panose="020B0604030504040204" pitchFamily="50" charset="-128"/>
+                        </a:rPr>
+                        <a:t>区間トレーサ、区間パラメータリスト</a:t>
+                      </a:r>
+                    </a:p>
+                  </a:txBody>
+                  <a:tcPr anchor="ctr"/>
+                </a:tc>
+                <a:extLst>
+                  <a:ext uri="{0D108BD9-81ED-4DB2-BD59-A6C34878D82A}">
+                    <a16:rowId xmlns:a16="http://schemas.microsoft.com/office/drawing/2014/main" val="159721103"/>
+                  </a:ext>
+                </a:extLst>
+              </a:tr>
+              <a:tr h="252000">
+                <a:tc>
+                  <a:txBody>
+                    <a:bodyPr/>
+                    <a:lstStyle/>
+                    <a:p>
+                      <a:r>
+                        <a:rPr kumimoji="1" lang="ja-JP" altLang="en-US" sz="1050" dirty="0">
+                          <a:latin typeface="メイリオ" panose="020B0604030504040204" pitchFamily="50" charset="-128"/>
+                          <a:ea typeface="メイリオ" panose="020B0604030504040204" pitchFamily="50" charset="-128"/>
+                        </a:rPr>
+                        <a:t>旋回量を計算する</a:t>
+                      </a:r>
+                    </a:p>
+                  </a:txBody>
+                  <a:tcPr anchor="ctr"/>
+                </a:tc>
+                <a:tc>
+                  <a:txBody>
+                    <a:bodyPr/>
+                    <a:lstStyle/>
+                    <a:p>
+                      <a:r>
+                        <a:rPr kumimoji="1" lang="en-US" altLang="ja-JP" sz="1050" dirty="0">
+                          <a:latin typeface="メイリオ" panose="020B0604030504040204" pitchFamily="50" charset="-128"/>
+                          <a:ea typeface="メイリオ" panose="020B0604030504040204" pitchFamily="50" charset="-128"/>
+                        </a:rPr>
+                        <a:t>PID</a:t>
+                      </a:r>
+                      <a:r>
+                        <a:rPr kumimoji="1" lang="ja-JP" altLang="en-US" sz="1050" dirty="0">
+                          <a:latin typeface="メイリオ" panose="020B0604030504040204" pitchFamily="50" charset="-128"/>
+                          <a:ea typeface="メイリオ" panose="020B0604030504040204" pitchFamily="50" charset="-128"/>
+                        </a:rPr>
+                        <a:t>計算</a:t>
+                      </a:r>
+                    </a:p>
+                  </a:txBody>
+                  <a:tcPr anchor="ctr"/>
+                </a:tc>
+                <a:extLst>
+                  <a:ext uri="{0D108BD9-81ED-4DB2-BD59-A6C34878D82A}">
+                    <a16:rowId xmlns:a16="http://schemas.microsoft.com/office/drawing/2014/main" val="1082933928"/>
+                  </a:ext>
+                </a:extLst>
+              </a:tr>
+              <a:tr h="252000">
+                <a:tc>
+                  <a:txBody>
+                    <a:bodyPr/>
+                    <a:lstStyle/>
+                    <a:p>
+                      <a:r>
+                        <a:rPr kumimoji="1" lang="ja-JP" altLang="en-US" sz="1050" dirty="0">
+                          <a:latin typeface="メイリオ" panose="020B0604030504040204" pitchFamily="50" charset="-128"/>
+                          <a:ea typeface="メイリオ" panose="020B0604030504040204" pitchFamily="50" charset="-128"/>
+                        </a:rPr>
+                        <a:t>左右モータの出力値を計算する</a:t>
+                      </a:r>
+                    </a:p>
+                  </a:txBody>
+                  <a:tcPr anchor="ctr"/>
+                </a:tc>
+                <a:tc>
+                  <a:txBody>
+                    <a:bodyPr/>
+                    <a:lstStyle/>
+                    <a:p>
+                      <a:r>
+                        <a:rPr kumimoji="1" lang="ja-JP" altLang="en-US" sz="1050" dirty="0">
+                          <a:latin typeface="メイリオ" panose="020B0604030504040204" pitchFamily="50" charset="-128"/>
+                          <a:ea typeface="メイリオ" panose="020B0604030504040204" pitchFamily="50" charset="-128"/>
+                        </a:rPr>
+                        <a:t>倒立振子制御ライブラリ</a:t>
+                      </a:r>
+                    </a:p>
+                  </a:txBody>
+                  <a:tcPr anchor="ctr"/>
+                </a:tc>
+                <a:extLst>
+                  <a:ext uri="{0D108BD9-81ED-4DB2-BD59-A6C34878D82A}">
+                    <a16:rowId xmlns:a16="http://schemas.microsoft.com/office/drawing/2014/main" val="4125265531"/>
+                  </a:ext>
+                </a:extLst>
+              </a:tr>
+              <a:tr h="252000">
+                <a:tc>
+                  <a:txBody>
+                    <a:bodyPr/>
+                    <a:lstStyle/>
+                    <a:p>
+                      <a:r>
+                        <a:rPr kumimoji="1" lang="ja-JP" altLang="en-US" sz="1050" dirty="0">
+                          <a:latin typeface="メイリオ" panose="020B0604030504040204" pitchFamily="50" charset="-128"/>
+                          <a:ea typeface="メイリオ" panose="020B0604030504040204" pitchFamily="50" charset="-128"/>
+                        </a:rPr>
+                        <a:t>左モータを駆動する</a:t>
+                      </a:r>
+                    </a:p>
+                  </a:txBody>
+                  <a:tcPr anchor="ctr"/>
+                </a:tc>
+                <a:tc>
+                  <a:txBody>
+                    <a:bodyPr/>
+                    <a:lstStyle/>
+                    <a:p>
+                      <a:r>
+                        <a:rPr kumimoji="1" lang="ja-JP" altLang="en-US" sz="1050" dirty="0">
+                          <a:latin typeface="メイリオ" panose="020B0604030504040204" pitchFamily="50" charset="-128"/>
+                          <a:ea typeface="メイリオ" panose="020B0604030504040204" pitchFamily="50" charset="-128"/>
+                        </a:rPr>
+                        <a:t>左モータ</a:t>
+                      </a:r>
+                    </a:p>
+                  </a:txBody>
+                  <a:tcPr anchor="ctr"/>
+                </a:tc>
+                <a:extLst>
+                  <a:ext uri="{0D108BD9-81ED-4DB2-BD59-A6C34878D82A}">
+                    <a16:rowId xmlns:a16="http://schemas.microsoft.com/office/drawing/2014/main" val="2087341186"/>
+                  </a:ext>
+                </a:extLst>
+              </a:tr>
+              <a:tr h="252000">
+                <a:tc>
+                  <a:txBody>
+                    <a:bodyPr/>
+                    <a:lstStyle/>
+                    <a:p>
+                      <a:r>
+                        <a:rPr kumimoji="1" lang="ja-JP" altLang="en-US" sz="1050" dirty="0">
+                          <a:latin typeface="メイリオ" panose="020B0604030504040204" pitchFamily="50" charset="-128"/>
+                          <a:ea typeface="メイリオ" panose="020B0604030504040204" pitchFamily="50" charset="-128"/>
+                        </a:rPr>
+                        <a:t>右モータを駆動する</a:t>
+                      </a:r>
+                    </a:p>
+                  </a:txBody>
+                  <a:tcPr anchor="ctr"/>
+                </a:tc>
+                <a:tc>
+                  <a:txBody>
+                    <a:bodyPr/>
+                    <a:lstStyle/>
+                    <a:p>
+                      <a:r>
+                        <a:rPr kumimoji="1" lang="ja-JP" altLang="en-US" sz="1050" dirty="0">
+                          <a:latin typeface="メイリオ" panose="020B0604030504040204" pitchFamily="50" charset="-128"/>
+                          <a:ea typeface="メイリオ" panose="020B0604030504040204" pitchFamily="50" charset="-128"/>
+                        </a:rPr>
+                        <a:t>右モータ</a:t>
+                      </a:r>
+                    </a:p>
+                  </a:txBody>
+                  <a:tcPr anchor="ctr"/>
+                </a:tc>
+                <a:extLst>
+                  <a:ext uri="{0D108BD9-81ED-4DB2-BD59-A6C34878D82A}">
+                    <a16:rowId xmlns:a16="http://schemas.microsoft.com/office/drawing/2014/main" val="2309248158"/>
+                  </a:ext>
+                </a:extLst>
+              </a:tr>
+            </a:tbl>
+          </a:graphicData>
+        </a:graphic>
+      </p:graphicFrame>
+      <p:graphicFrame>
+        <p:nvGraphicFramePr>
+          <p:cNvPr id="23" name="表 22">
+            <a:extLst>
+              <a:ext uri="{FF2B5EF4-FFF2-40B4-BE49-F238E27FC236}">
+                <a16:creationId xmlns:a16="http://schemas.microsoft.com/office/drawing/2014/main" id="{8CC3F294-F2BA-4970-B887-7A1FD62264CB}"/>
+              </a:ext>
+            </a:extLst>
+          </p:cNvPr>
+          <p:cNvGraphicFramePr>
+            <a:graphicFrameLocks noGrp="1"/>
+          </p:cNvGraphicFramePr>
+          <p:nvPr>
+            <p:extLst>
+              <p:ext uri="{D42A27DB-BD31-4B8C-83A1-F6EECF244321}">
+                <p14:modId xmlns:p14="http://schemas.microsoft.com/office/powerpoint/2010/main" val="2720098531"/>
+              </p:ext>
+            </p:extLst>
+          </p:nvPr>
+        </p:nvGraphicFramePr>
+        <p:xfrm>
+          <a:off x="6902005" y="1827761"/>
+          <a:ext cx="208280" cy="2160000"/>
+        </p:xfrm>
+        <a:graphic>
+          <a:graphicData uri="http://schemas.openxmlformats.org/drawingml/2006/table">
+            <a:tbl>
+              <a:tblPr>
+                <a:tableStyleId>{5C22544A-7EE6-4342-B048-85BDC9FD1C3A}</a:tableStyleId>
+              </a:tblPr>
+              <a:tblGrid>
+                <a:gridCol w="208280">
+                  <a:extLst>
+                    <a:ext uri="{9D8B030D-6E8A-4147-A177-3AD203B41FA5}">
+                      <a16:colId xmlns:a16="http://schemas.microsoft.com/office/drawing/2014/main" val="1822883521"/>
+                    </a:ext>
+                  </a:extLst>
+                </a:gridCol>
+              </a:tblGrid>
+              <a:tr h="396000">
+                <a:tc>
+                  <a:txBody>
+                    <a:bodyPr/>
+                    <a:lstStyle/>
+                    <a:p>
+                      <a:pPr algn="ctr"/>
+                      <a:r>
+                        <a:rPr kumimoji="1" lang="en-US" altLang="ja-JP" sz="1050" b="1" dirty="0">
+                          <a:latin typeface="メイリオ" panose="020B0604030504040204" pitchFamily="50" charset="-128"/>
+                          <a:ea typeface="メイリオ" panose="020B0604030504040204" pitchFamily="50" charset="-128"/>
+                        </a:rPr>
+                        <a:t>a</a:t>
+                      </a:r>
+                      <a:endParaRPr kumimoji="1" lang="ja-JP" altLang="en-US" sz="1050" b="1" dirty="0">
+                        <a:latin typeface="メイリオ" panose="020B0604030504040204" pitchFamily="50" charset="-128"/>
+                        <a:ea typeface="メイリオ" panose="020B0604030504040204" pitchFamily="50" charset="-128"/>
+                      </a:endParaRPr>
+                    </a:p>
+                  </a:txBody>
+                  <a:tcPr anchor="ctr">
+                    <a:solidFill>
+                      <a:srgbClr val="D999FD"/>
+                    </a:solidFill>
+                  </a:tcPr>
+                </a:tc>
+                <a:extLst>
+                  <a:ext uri="{0D108BD9-81ED-4DB2-BD59-A6C34878D82A}">
+                    <a16:rowId xmlns:a16="http://schemas.microsoft.com/office/drawing/2014/main" val="2517667246"/>
+                  </a:ext>
+                </a:extLst>
+              </a:tr>
+              <a:tr h="252000">
+                <a:tc>
+                  <a:txBody>
+                    <a:bodyPr/>
+                    <a:lstStyle/>
+                    <a:p>
+                      <a:pPr algn="ctr"/>
+                      <a:r>
+                        <a:rPr kumimoji="1" lang="en-US" altLang="ja-JP" sz="1050" b="1" dirty="0">
+                          <a:latin typeface="メイリオ" panose="020B0604030504040204" pitchFamily="50" charset="-128"/>
+                          <a:ea typeface="メイリオ" panose="020B0604030504040204" pitchFamily="50" charset="-128"/>
+                        </a:rPr>
+                        <a:t>b</a:t>
+                      </a:r>
+                      <a:endParaRPr kumimoji="1" lang="ja-JP" altLang="en-US" sz="1050" b="1" dirty="0">
+                        <a:latin typeface="メイリオ" panose="020B0604030504040204" pitchFamily="50" charset="-128"/>
+                        <a:ea typeface="メイリオ" panose="020B0604030504040204" pitchFamily="50" charset="-128"/>
+                      </a:endParaRPr>
+                    </a:p>
+                  </a:txBody>
+                  <a:tcPr anchor="ctr">
+                    <a:solidFill>
+                      <a:srgbClr val="D999FD"/>
+                    </a:solidFill>
+                  </a:tcPr>
+                </a:tc>
+                <a:extLst>
+                  <a:ext uri="{0D108BD9-81ED-4DB2-BD59-A6C34878D82A}">
+                    <a16:rowId xmlns:a16="http://schemas.microsoft.com/office/drawing/2014/main" val="2598288431"/>
+                  </a:ext>
+                </a:extLst>
+              </a:tr>
+              <a:tr h="252000">
+                <a:tc>
+                  <a:txBody>
+                    <a:bodyPr/>
+                    <a:lstStyle/>
+                    <a:p>
+                      <a:pPr algn="ctr"/>
+                      <a:r>
+                        <a:rPr kumimoji="1" lang="en-US" altLang="ja-JP" sz="1050" b="1" dirty="0">
+                          <a:latin typeface="メイリオ" panose="020B0604030504040204" pitchFamily="50" charset="-128"/>
+                          <a:ea typeface="メイリオ" panose="020B0604030504040204" pitchFamily="50" charset="-128"/>
+                        </a:rPr>
+                        <a:t>c</a:t>
+                      </a:r>
+                      <a:endParaRPr kumimoji="1" lang="ja-JP" altLang="en-US" sz="1050" b="1" dirty="0">
+                        <a:latin typeface="メイリオ" panose="020B0604030504040204" pitchFamily="50" charset="-128"/>
+                        <a:ea typeface="メイリオ" panose="020B0604030504040204" pitchFamily="50" charset="-128"/>
+                      </a:endParaRPr>
+                    </a:p>
+                  </a:txBody>
+                  <a:tcPr anchor="ctr">
+                    <a:solidFill>
+                      <a:srgbClr val="D999FD"/>
+                    </a:solidFill>
+                  </a:tcPr>
+                </a:tc>
+                <a:extLst>
+                  <a:ext uri="{0D108BD9-81ED-4DB2-BD59-A6C34878D82A}">
+                    <a16:rowId xmlns:a16="http://schemas.microsoft.com/office/drawing/2014/main" val="3646921497"/>
+                  </a:ext>
+                </a:extLst>
+              </a:tr>
+              <a:tr h="252000">
+                <a:tc>
+                  <a:txBody>
+                    <a:bodyPr/>
+                    <a:lstStyle/>
+                    <a:p>
+                      <a:pPr algn="ctr"/>
+                      <a:r>
+                        <a:rPr kumimoji="1" lang="en-US" altLang="ja-JP" sz="1050" b="1" dirty="0">
+                          <a:latin typeface="メイリオ" panose="020B0604030504040204" pitchFamily="50" charset="-128"/>
+                          <a:ea typeface="メイリオ" panose="020B0604030504040204" pitchFamily="50" charset="-128"/>
+                        </a:rPr>
+                        <a:t>d</a:t>
+                      </a:r>
+                      <a:endParaRPr kumimoji="1" lang="ja-JP" altLang="en-US" sz="1050" b="1" dirty="0">
+                        <a:latin typeface="メイリオ" panose="020B0604030504040204" pitchFamily="50" charset="-128"/>
+                        <a:ea typeface="メイリオ" panose="020B0604030504040204" pitchFamily="50" charset="-128"/>
+                      </a:endParaRPr>
+                    </a:p>
+                  </a:txBody>
+                  <a:tcPr anchor="ctr">
+                    <a:solidFill>
+                      <a:srgbClr val="D999FD"/>
+                    </a:solidFill>
+                  </a:tcPr>
+                </a:tc>
+                <a:extLst>
+                  <a:ext uri="{0D108BD9-81ED-4DB2-BD59-A6C34878D82A}">
+                    <a16:rowId xmlns:a16="http://schemas.microsoft.com/office/drawing/2014/main" val="3134999248"/>
+                  </a:ext>
+                </a:extLst>
+              </a:tr>
+              <a:tr h="252000">
+                <a:tc>
+                  <a:txBody>
+                    <a:bodyPr/>
+                    <a:lstStyle/>
+                    <a:p>
+                      <a:pPr algn="ctr"/>
+                      <a:r>
+                        <a:rPr kumimoji="1" lang="en-US" altLang="ja-JP" sz="1050" b="1" dirty="0">
+                          <a:latin typeface="メイリオ" panose="020B0604030504040204" pitchFamily="50" charset="-128"/>
+                          <a:ea typeface="メイリオ" panose="020B0604030504040204" pitchFamily="50" charset="-128"/>
+                        </a:rPr>
+                        <a:t>e</a:t>
+                      </a:r>
+                      <a:endParaRPr kumimoji="1" lang="ja-JP" altLang="en-US" sz="1050" b="1" dirty="0">
+                        <a:latin typeface="メイリオ" panose="020B0604030504040204" pitchFamily="50" charset="-128"/>
+                        <a:ea typeface="メイリオ" panose="020B0604030504040204" pitchFamily="50" charset="-128"/>
+                      </a:endParaRPr>
+                    </a:p>
+                  </a:txBody>
+                  <a:tcPr anchor="ctr">
+                    <a:solidFill>
+                      <a:srgbClr val="D999FD"/>
+                    </a:solidFill>
+                  </a:tcPr>
+                </a:tc>
+                <a:extLst>
+                  <a:ext uri="{0D108BD9-81ED-4DB2-BD59-A6C34878D82A}">
+                    <a16:rowId xmlns:a16="http://schemas.microsoft.com/office/drawing/2014/main" val="3640896469"/>
+                  </a:ext>
+                </a:extLst>
+              </a:tr>
+              <a:tr h="252000">
+                <a:tc>
+                  <a:txBody>
+                    <a:bodyPr/>
+                    <a:lstStyle/>
+                    <a:p>
+                      <a:pPr algn="ctr"/>
+                      <a:r>
+                        <a:rPr kumimoji="1" lang="en-US" altLang="ja-JP" sz="1050" b="1" dirty="0">
+                          <a:latin typeface="メイリオ" panose="020B0604030504040204" pitchFamily="50" charset="-128"/>
+                          <a:ea typeface="メイリオ" panose="020B0604030504040204" pitchFamily="50" charset="-128"/>
+                        </a:rPr>
+                        <a:t>f</a:t>
+                      </a:r>
+                      <a:endParaRPr kumimoji="1" lang="ja-JP" altLang="en-US" sz="1050" b="1" dirty="0">
+                        <a:latin typeface="メイリオ" panose="020B0604030504040204" pitchFamily="50" charset="-128"/>
+                        <a:ea typeface="メイリオ" panose="020B0604030504040204" pitchFamily="50" charset="-128"/>
+                      </a:endParaRPr>
+                    </a:p>
+                  </a:txBody>
+                  <a:tcPr anchor="ctr">
+                    <a:solidFill>
+                      <a:srgbClr val="D999FD"/>
+                    </a:solidFill>
+                  </a:tcPr>
+                </a:tc>
+                <a:extLst>
+                  <a:ext uri="{0D108BD9-81ED-4DB2-BD59-A6C34878D82A}">
+                    <a16:rowId xmlns:a16="http://schemas.microsoft.com/office/drawing/2014/main" val="1165796222"/>
+                  </a:ext>
+                </a:extLst>
+              </a:tr>
+              <a:tr h="252000">
+                <a:tc>
+                  <a:txBody>
+                    <a:bodyPr/>
+                    <a:lstStyle/>
+                    <a:p>
+                      <a:pPr algn="ctr"/>
+                      <a:r>
+                        <a:rPr kumimoji="1" lang="en-US" altLang="ja-JP" sz="1050" b="1" dirty="0">
+                          <a:latin typeface="メイリオ" panose="020B0604030504040204" pitchFamily="50" charset="-128"/>
+                          <a:ea typeface="メイリオ" panose="020B0604030504040204" pitchFamily="50" charset="-128"/>
+                        </a:rPr>
+                        <a:t>g</a:t>
+                      </a:r>
+                      <a:endParaRPr kumimoji="1" lang="ja-JP" altLang="en-US" sz="1050" b="1" dirty="0">
+                        <a:latin typeface="メイリオ" panose="020B0604030504040204" pitchFamily="50" charset="-128"/>
+                        <a:ea typeface="メイリオ" panose="020B0604030504040204" pitchFamily="50" charset="-128"/>
+                      </a:endParaRPr>
+                    </a:p>
+                  </a:txBody>
+                  <a:tcPr anchor="ctr">
+                    <a:solidFill>
+                      <a:srgbClr val="D999FD"/>
+                    </a:solidFill>
+                  </a:tcPr>
+                </a:tc>
+                <a:extLst>
+                  <a:ext uri="{0D108BD9-81ED-4DB2-BD59-A6C34878D82A}">
+                    <a16:rowId xmlns:a16="http://schemas.microsoft.com/office/drawing/2014/main" val="568807154"/>
+                  </a:ext>
+                </a:extLst>
+              </a:tr>
+              <a:tr h="252000">
+                <a:tc>
+                  <a:txBody>
+                    <a:bodyPr/>
+                    <a:lstStyle/>
+                    <a:p>
+                      <a:pPr algn="ctr"/>
+                      <a:r>
+                        <a:rPr kumimoji="1" lang="en-US" altLang="ja-JP" sz="1050" b="1" dirty="0">
+                          <a:latin typeface="メイリオ" panose="020B0604030504040204" pitchFamily="50" charset="-128"/>
+                          <a:ea typeface="メイリオ" panose="020B0604030504040204" pitchFamily="50" charset="-128"/>
+                        </a:rPr>
+                        <a:t>h</a:t>
+                      </a:r>
+                      <a:endParaRPr kumimoji="1" lang="ja-JP" altLang="en-US" sz="1050" b="1" dirty="0">
+                        <a:latin typeface="メイリオ" panose="020B0604030504040204" pitchFamily="50" charset="-128"/>
+                        <a:ea typeface="メイリオ" panose="020B0604030504040204" pitchFamily="50" charset="-128"/>
+                      </a:endParaRPr>
+                    </a:p>
+                  </a:txBody>
+                  <a:tcPr anchor="ctr">
+                    <a:solidFill>
+                      <a:srgbClr val="D999FD"/>
+                    </a:solidFill>
+                  </a:tcPr>
+                </a:tc>
+                <a:extLst>
+                  <a:ext uri="{0D108BD9-81ED-4DB2-BD59-A6C34878D82A}">
+                    <a16:rowId xmlns:a16="http://schemas.microsoft.com/office/drawing/2014/main" val="1048030626"/>
+                  </a:ext>
+                </a:extLst>
+              </a:tr>
+            </a:tbl>
+          </a:graphicData>
+        </a:graphic>
+      </p:graphicFrame>
+      <p:graphicFrame>
+        <p:nvGraphicFramePr>
+          <p:cNvPr id="6" name="表 5">
+            <a:extLst>
+              <a:ext uri="{FF2B5EF4-FFF2-40B4-BE49-F238E27FC236}">
+                <a16:creationId xmlns:a16="http://schemas.microsoft.com/office/drawing/2014/main" id="{B75025C8-7E34-4D24-AC73-AC4A916847E2}"/>
+              </a:ext>
+            </a:extLst>
+          </p:cNvPr>
+          <p:cNvGraphicFramePr>
+            <a:graphicFrameLocks noGrp="1"/>
+          </p:cNvGraphicFramePr>
+          <p:nvPr>
+            <p:extLst>
+              <p:ext uri="{D42A27DB-BD31-4B8C-83A1-F6EECF244321}">
+                <p14:modId xmlns:p14="http://schemas.microsoft.com/office/powerpoint/2010/main" val="2135484615"/>
+              </p:ext>
+            </p:extLst>
+          </p:nvPr>
+        </p:nvGraphicFramePr>
+        <p:xfrm>
+          <a:off x="7198254" y="6888832"/>
+          <a:ext cx="2721600" cy="2263140"/>
+        </p:xfrm>
+        <a:graphic>
+          <a:graphicData uri="http://schemas.openxmlformats.org/drawingml/2006/table">
+            <a:tbl>
+              <a:tblPr firstRow="1" bandRow="1">
+                <a:tableStyleId>{93296810-A885-4BE3-A3E7-6D5BEEA58F35}</a:tableStyleId>
+              </a:tblPr>
+              <a:tblGrid>
+                <a:gridCol w="489600">
+                  <a:extLst>
+                    <a:ext uri="{9D8B030D-6E8A-4147-A177-3AD203B41FA5}">
+                      <a16:colId xmlns:a16="http://schemas.microsoft.com/office/drawing/2014/main" val="1540152260"/>
+                    </a:ext>
+                  </a:extLst>
+                </a:gridCol>
+                <a:gridCol w="795600">
+                  <a:extLst>
+                    <a:ext uri="{9D8B030D-6E8A-4147-A177-3AD203B41FA5}">
+                      <a16:colId xmlns:a16="http://schemas.microsoft.com/office/drawing/2014/main" val="1992413610"/>
+                    </a:ext>
+                  </a:extLst>
+                </a:gridCol>
+                <a:gridCol w="640800">
+                  <a:extLst>
+                    <a:ext uri="{9D8B030D-6E8A-4147-A177-3AD203B41FA5}">
+                      <a16:colId xmlns:a16="http://schemas.microsoft.com/office/drawing/2014/main" val="312450779"/>
+                    </a:ext>
+                  </a:extLst>
+                </a:gridCol>
+                <a:gridCol w="795600">
+                  <a:extLst>
+                    <a:ext uri="{9D8B030D-6E8A-4147-A177-3AD203B41FA5}">
+                      <a16:colId xmlns:a16="http://schemas.microsoft.com/office/drawing/2014/main" val="189992793"/>
+                    </a:ext>
+                  </a:extLst>
+                </a:gridCol>
+              </a:tblGrid>
+              <a:tr h="149171">
+                <a:tc>
+                  <a:txBody>
+                    <a:bodyPr/>
+                    <a:lstStyle/>
+                    <a:p>
+                      <a:pPr algn="ctr"/>
+                      <a:r>
+                        <a:rPr kumimoji="1" lang="ja-JP" altLang="en-US" sz="1050" dirty="0"/>
+                        <a:t>区間</a:t>
+                      </a:r>
+                    </a:p>
+                  </a:txBody>
+                  <a:tcPr/>
+                </a:tc>
+                <a:tc>
+                  <a:txBody>
+                    <a:bodyPr/>
+                    <a:lstStyle/>
+                    <a:p>
+                      <a:pPr algn="ctr"/>
+                      <a:r>
+                        <a:rPr kumimoji="1" lang="ja-JP" altLang="en-US" sz="1050" dirty="0"/>
+                        <a:t>終了距離</a:t>
+                      </a:r>
+                    </a:p>
+                  </a:txBody>
+                  <a:tcPr/>
+                </a:tc>
+                <a:tc>
+                  <a:txBody>
+                    <a:bodyPr/>
+                    <a:lstStyle/>
+                    <a:p>
+                      <a:pPr algn="ctr"/>
+                      <a:r>
+                        <a:rPr kumimoji="1" lang="ja-JP" altLang="en-US" sz="1050" dirty="0"/>
+                        <a:t>前進量</a:t>
+                      </a:r>
+                    </a:p>
+                  </a:txBody>
+                  <a:tcPr/>
+                </a:tc>
+                <a:tc>
+                  <a:txBody>
+                    <a:bodyPr/>
+                    <a:lstStyle/>
+                    <a:p>
+                      <a:pPr algn="ctr"/>
+                      <a:r>
+                        <a:rPr kumimoji="1" lang="ja-JP" altLang="en-US" sz="1050" dirty="0"/>
+                        <a:t>曲率分類</a:t>
+                      </a:r>
+                    </a:p>
+                  </a:txBody>
+                  <a:tcPr/>
+                </a:tc>
+                <a:extLst>
+                  <a:ext uri="{0D108BD9-81ED-4DB2-BD59-A6C34878D82A}">
+                    <a16:rowId xmlns:a16="http://schemas.microsoft.com/office/drawing/2014/main" val="104692475"/>
+                  </a:ext>
+                </a:extLst>
+              </a:tr>
+              <a:tr h="213406">
+                <a:tc>
+                  <a:txBody>
+                    <a:bodyPr/>
+                    <a:lstStyle/>
+                    <a:p>
+                      <a:pPr algn="ctr"/>
+                      <a:r>
+                        <a:rPr kumimoji="1" lang="en-US" altLang="ja-JP" sz="1050" dirty="0">
+                          <a:latin typeface="メイリオ" panose="020B0604030504040204" pitchFamily="50" charset="-128"/>
+                          <a:ea typeface="メイリオ" panose="020B0604030504040204" pitchFamily="50" charset="-128"/>
+                        </a:rPr>
+                        <a:t>0</a:t>
+                      </a:r>
+                    </a:p>
+                  </a:txBody>
+                  <a:tcPr anchor="ctr"/>
+                </a:tc>
+                <a:tc>
+                  <a:txBody>
+                    <a:bodyPr/>
+                    <a:lstStyle/>
+                    <a:p>
+                      <a:pPr algn="ctr"/>
+                      <a:r>
+                        <a:rPr kumimoji="1" lang="en-US" altLang="ja-JP" sz="1050" dirty="0">
+                          <a:latin typeface="メイリオ" panose="020B0604030504040204" pitchFamily="50" charset="-128"/>
+                          <a:ea typeface="メイリオ" panose="020B0604030504040204" pitchFamily="50" charset="-128"/>
+                        </a:rPr>
+                        <a:t>0.65</a:t>
+                      </a:r>
+                      <a:endParaRPr kumimoji="1" lang="ja-JP" altLang="en-US" sz="1050" dirty="0">
+                        <a:latin typeface="メイリオ" panose="020B0604030504040204" pitchFamily="50" charset="-128"/>
+                        <a:ea typeface="メイリオ" panose="020B0604030504040204" pitchFamily="50" charset="-128"/>
+                      </a:endParaRPr>
+                    </a:p>
+                  </a:txBody>
+                  <a:tcPr anchor="ctr"/>
+                </a:tc>
+                <a:tc>
+                  <a:txBody>
+                    <a:bodyPr/>
+                    <a:lstStyle/>
+                    <a:p>
+                      <a:pPr algn="ctr"/>
+                      <a:r>
+                        <a:rPr kumimoji="1" lang="en-US" altLang="ja-JP" sz="1050" dirty="0">
+                          <a:latin typeface="メイリオ" panose="020B0604030504040204" pitchFamily="50" charset="-128"/>
+                          <a:ea typeface="メイリオ" panose="020B0604030504040204" pitchFamily="50" charset="-128"/>
+                        </a:rPr>
+                        <a:t>100</a:t>
+                      </a:r>
+                      <a:endParaRPr kumimoji="1" lang="ja-JP" altLang="en-US" sz="1050" dirty="0">
+                        <a:latin typeface="メイリオ" panose="020B0604030504040204" pitchFamily="50" charset="-128"/>
+                        <a:ea typeface="メイリオ" panose="020B0604030504040204" pitchFamily="50" charset="-128"/>
+                      </a:endParaRPr>
+                    </a:p>
+                  </a:txBody>
+                  <a:tcPr anchor="ctr"/>
+                </a:tc>
+                <a:tc>
+                  <a:txBody>
+                    <a:bodyPr/>
+                    <a:lstStyle/>
+                    <a:p>
+                      <a:pPr algn="ctr"/>
+                      <a:r>
+                        <a:rPr kumimoji="1" lang="en-US" altLang="ja-JP" sz="1050" b="1" dirty="0">
+                          <a:latin typeface="メイリオ" panose="020B0604030504040204" pitchFamily="50" charset="-128"/>
+                          <a:ea typeface="メイリオ" panose="020B0604030504040204" pitchFamily="50" charset="-128"/>
+                        </a:rPr>
+                        <a:t>0</a:t>
+                      </a:r>
+                      <a:endParaRPr kumimoji="1" lang="ja-JP" altLang="en-US" sz="1050" b="1" dirty="0">
+                        <a:latin typeface="メイリオ" panose="020B0604030504040204" pitchFamily="50" charset="-128"/>
+                        <a:ea typeface="メイリオ" panose="020B0604030504040204" pitchFamily="50" charset="-128"/>
+                      </a:endParaRPr>
+                    </a:p>
+                  </a:txBody>
+                  <a:tcPr anchor="ctr"/>
+                </a:tc>
+                <a:extLst>
+                  <a:ext uri="{0D108BD9-81ED-4DB2-BD59-A6C34878D82A}">
+                    <a16:rowId xmlns:a16="http://schemas.microsoft.com/office/drawing/2014/main" val="3827143811"/>
+                  </a:ext>
+                </a:extLst>
+              </a:tr>
+              <a:tr h="213406">
+                <a:tc>
+                  <a:txBody>
+                    <a:bodyPr/>
+                    <a:lstStyle/>
+                    <a:p>
+                      <a:pPr algn="ctr"/>
+                      <a:r>
+                        <a:rPr kumimoji="1" lang="en-US" altLang="ja-JP" sz="1050" dirty="0">
+                          <a:latin typeface="メイリオ" panose="020B0604030504040204" pitchFamily="50" charset="-128"/>
+                          <a:ea typeface="メイリオ" panose="020B0604030504040204" pitchFamily="50" charset="-128"/>
+                        </a:rPr>
+                        <a:t>1</a:t>
+                      </a:r>
+                      <a:endParaRPr kumimoji="1" lang="ja-JP" altLang="en-US" sz="1050" dirty="0">
+                        <a:latin typeface="メイリオ" panose="020B0604030504040204" pitchFamily="50" charset="-128"/>
+                        <a:ea typeface="メイリオ" panose="020B0604030504040204" pitchFamily="50" charset="-128"/>
+                      </a:endParaRPr>
+                    </a:p>
+                  </a:txBody>
+                  <a:tcPr anchor="ctr"/>
+                </a:tc>
+                <a:tc>
+                  <a:txBody>
+                    <a:bodyPr/>
+                    <a:lstStyle/>
+                    <a:p>
+                      <a:pPr algn="ctr"/>
+                      <a:r>
+                        <a:rPr kumimoji="1" lang="en-US" altLang="ja-JP" sz="1050" dirty="0">
+                          <a:latin typeface="メイリオ" panose="020B0604030504040204" pitchFamily="50" charset="-128"/>
+                          <a:ea typeface="メイリオ" panose="020B0604030504040204" pitchFamily="50" charset="-128"/>
+                        </a:rPr>
+                        <a:t>1.20</a:t>
+                      </a:r>
+                      <a:endParaRPr kumimoji="1" lang="ja-JP" altLang="en-US" sz="1050" dirty="0">
+                        <a:latin typeface="メイリオ" panose="020B0604030504040204" pitchFamily="50" charset="-128"/>
+                        <a:ea typeface="メイリオ" panose="020B0604030504040204" pitchFamily="50" charset="-128"/>
+                      </a:endParaRPr>
+                    </a:p>
+                  </a:txBody>
+                  <a:tcPr anchor="ctr"/>
+                </a:tc>
+                <a:tc>
+                  <a:txBody>
+                    <a:bodyPr/>
+                    <a:lstStyle/>
+                    <a:p>
+                      <a:pPr algn="ctr"/>
+                      <a:r>
+                        <a:rPr kumimoji="1" lang="en-US" altLang="ja-JP" sz="1050" dirty="0">
+                          <a:latin typeface="メイリオ" panose="020B0604030504040204" pitchFamily="50" charset="-128"/>
+                          <a:ea typeface="メイリオ" panose="020B0604030504040204" pitchFamily="50" charset="-128"/>
+                        </a:rPr>
+                        <a:t>100</a:t>
+                      </a:r>
+                      <a:endParaRPr kumimoji="1" lang="ja-JP" altLang="en-US" sz="1050" dirty="0">
+                        <a:latin typeface="メイリオ" panose="020B0604030504040204" pitchFamily="50" charset="-128"/>
+                        <a:ea typeface="メイリオ" panose="020B0604030504040204" pitchFamily="50" charset="-128"/>
+                      </a:endParaRPr>
+                    </a:p>
+                  </a:txBody>
+                  <a:tcPr anchor="ctr"/>
+                </a:tc>
+                <a:tc>
+                  <a:txBody>
+                    <a:bodyPr/>
+                    <a:lstStyle/>
+                    <a:p>
+                      <a:pPr algn="ctr"/>
+                      <a:r>
+                        <a:rPr kumimoji="1" lang="en-US" altLang="ja-JP" sz="1050" b="1" dirty="0">
+                          <a:latin typeface="メイリオ" panose="020B0604030504040204" pitchFamily="50" charset="-128"/>
+                          <a:ea typeface="メイリオ" panose="020B0604030504040204" pitchFamily="50" charset="-128"/>
+                        </a:rPr>
+                        <a:t>2</a:t>
+                      </a:r>
+                      <a:endParaRPr kumimoji="1" lang="ja-JP" altLang="en-US" sz="1050" b="1" dirty="0">
+                        <a:latin typeface="メイリオ" panose="020B0604030504040204" pitchFamily="50" charset="-128"/>
+                        <a:ea typeface="メイリオ" panose="020B0604030504040204" pitchFamily="50" charset="-128"/>
+                      </a:endParaRPr>
+                    </a:p>
+                  </a:txBody>
+                  <a:tcPr anchor="ctr"/>
+                </a:tc>
+                <a:extLst>
+                  <a:ext uri="{0D108BD9-81ED-4DB2-BD59-A6C34878D82A}">
+                    <a16:rowId xmlns:a16="http://schemas.microsoft.com/office/drawing/2014/main" val="2212868115"/>
+                  </a:ext>
+                </a:extLst>
+              </a:tr>
+              <a:tr h="213406">
+                <a:tc>
+                  <a:txBody>
+                    <a:bodyPr/>
+                    <a:lstStyle/>
+                    <a:p>
+                      <a:pPr algn="ctr"/>
+                      <a:r>
+                        <a:rPr kumimoji="1" lang="en-US" altLang="ja-JP" sz="1050" dirty="0">
+                          <a:latin typeface="メイリオ" panose="020B0604030504040204" pitchFamily="50" charset="-128"/>
+                          <a:ea typeface="メイリオ" panose="020B0604030504040204" pitchFamily="50" charset="-128"/>
+                        </a:rPr>
+                        <a:t>2</a:t>
+                      </a:r>
+                      <a:endParaRPr kumimoji="1" lang="ja-JP" altLang="en-US" sz="1050" dirty="0">
+                        <a:latin typeface="メイリオ" panose="020B0604030504040204" pitchFamily="50" charset="-128"/>
+                        <a:ea typeface="メイリオ" panose="020B0604030504040204" pitchFamily="50" charset="-128"/>
+                      </a:endParaRPr>
+                    </a:p>
+                  </a:txBody>
+                  <a:tcPr anchor="ctr"/>
+                </a:tc>
+                <a:tc>
+                  <a:txBody>
+                    <a:bodyPr/>
+                    <a:lstStyle/>
+                    <a:p>
+                      <a:pPr algn="ctr"/>
+                      <a:r>
+                        <a:rPr kumimoji="1" lang="en-US" altLang="ja-JP" sz="1050" dirty="0">
+                          <a:latin typeface="メイリオ" panose="020B0604030504040204" pitchFamily="50" charset="-128"/>
+                          <a:ea typeface="メイリオ" panose="020B0604030504040204" pitchFamily="50" charset="-128"/>
+                        </a:rPr>
+                        <a:t>1.75</a:t>
+                      </a:r>
+                      <a:endParaRPr kumimoji="1" lang="ja-JP" altLang="en-US" sz="1050" dirty="0">
+                        <a:latin typeface="メイリオ" panose="020B0604030504040204" pitchFamily="50" charset="-128"/>
+                        <a:ea typeface="メイリオ" panose="020B0604030504040204" pitchFamily="50" charset="-128"/>
+                      </a:endParaRPr>
+                    </a:p>
+                  </a:txBody>
+                  <a:tcPr anchor="ctr"/>
+                </a:tc>
+                <a:tc>
+                  <a:txBody>
+                    <a:bodyPr/>
+                    <a:lstStyle/>
+                    <a:p>
+                      <a:pPr algn="ctr"/>
+                      <a:r>
+                        <a:rPr kumimoji="1" lang="en-US" altLang="ja-JP" sz="1050" dirty="0">
+                          <a:latin typeface="メイリオ" panose="020B0604030504040204" pitchFamily="50" charset="-128"/>
+                          <a:ea typeface="メイリオ" panose="020B0604030504040204" pitchFamily="50" charset="-128"/>
+                        </a:rPr>
+                        <a:t>100</a:t>
+                      </a:r>
+                      <a:endParaRPr kumimoji="1" lang="ja-JP" altLang="en-US" sz="1050" dirty="0">
+                        <a:latin typeface="メイリオ" panose="020B0604030504040204" pitchFamily="50" charset="-128"/>
+                        <a:ea typeface="メイリオ" panose="020B0604030504040204" pitchFamily="50" charset="-128"/>
+                      </a:endParaRPr>
+                    </a:p>
+                  </a:txBody>
+                  <a:tcPr anchor="ctr"/>
+                </a:tc>
+                <a:tc>
+                  <a:txBody>
+                    <a:bodyPr/>
+                    <a:lstStyle/>
+                    <a:p>
+                      <a:pPr algn="ctr"/>
+                      <a:r>
+                        <a:rPr kumimoji="1" lang="en-US" altLang="ja-JP" sz="1050" b="1" dirty="0">
+                          <a:latin typeface="メイリオ" panose="020B0604030504040204" pitchFamily="50" charset="-128"/>
+                          <a:ea typeface="メイリオ" panose="020B0604030504040204" pitchFamily="50" charset="-128"/>
+                        </a:rPr>
+                        <a:t>0</a:t>
+                      </a:r>
+                      <a:endParaRPr kumimoji="1" lang="ja-JP" altLang="en-US" sz="1050" b="1" dirty="0">
+                        <a:latin typeface="メイリオ" panose="020B0604030504040204" pitchFamily="50" charset="-128"/>
+                        <a:ea typeface="メイリオ" panose="020B0604030504040204" pitchFamily="50" charset="-128"/>
+                      </a:endParaRPr>
+                    </a:p>
+                  </a:txBody>
+                  <a:tcPr anchor="ctr"/>
+                </a:tc>
+                <a:extLst>
+                  <a:ext uri="{0D108BD9-81ED-4DB2-BD59-A6C34878D82A}">
+                    <a16:rowId xmlns:a16="http://schemas.microsoft.com/office/drawing/2014/main" val="1610729204"/>
+                  </a:ext>
+                </a:extLst>
+              </a:tr>
+              <a:tr h="213406">
+                <a:tc>
+                  <a:txBody>
+                    <a:bodyPr/>
+                    <a:lstStyle/>
+                    <a:p>
+                      <a:pPr algn="ctr"/>
+                      <a:r>
+                        <a:rPr kumimoji="1" lang="en-US" altLang="ja-JP" sz="1050" dirty="0">
+                          <a:latin typeface="メイリオ" panose="020B0604030504040204" pitchFamily="50" charset="-128"/>
+                          <a:ea typeface="メイリオ" panose="020B0604030504040204" pitchFamily="50" charset="-128"/>
+                        </a:rPr>
+                        <a:t>3</a:t>
+                      </a:r>
+                      <a:endParaRPr kumimoji="1" lang="ja-JP" altLang="en-US" sz="1050" dirty="0">
+                        <a:latin typeface="メイリオ" panose="020B0604030504040204" pitchFamily="50" charset="-128"/>
+                        <a:ea typeface="メイリオ" panose="020B0604030504040204" pitchFamily="50" charset="-128"/>
+                      </a:endParaRPr>
+                    </a:p>
+                  </a:txBody>
+                  <a:tcPr anchor="ctr"/>
+                </a:tc>
+                <a:tc>
+                  <a:txBody>
+                    <a:bodyPr/>
+                    <a:lstStyle/>
+                    <a:p>
+                      <a:pPr algn="ctr"/>
+                      <a:r>
+                        <a:rPr kumimoji="1" lang="en-US" altLang="ja-JP" sz="1050" dirty="0">
+                          <a:latin typeface="メイリオ" panose="020B0604030504040204" pitchFamily="50" charset="-128"/>
+                          <a:ea typeface="メイリオ" panose="020B0604030504040204" pitchFamily="50" charset="-128"/>
+                        </a:rPr>
+                        <a:t>2.55</a:t>
+                      </a:r>
+                      <a:endParaRPr kumimoji="1" lang="ja-JP" altLang="en-US" sz="1050" dirty="0">
+                        <a:latin typeface="メイリオ" panose="020B0604030504040204" pitchFamily="50" charset="-128"/>
+                        <a:ea typeface="メイリオ" panose="020B0604030504040204" pitchFamily="50" charset="-128"/>
+                      </a:endParaRPr>
+                    </a:p>
+                  </a:txBody>
+                  <a:tcPr anchor="ctr"/>
+                </a:tc>
+                <a:tc>
+                  <a:txBody>
+                    <a:bodyPr/>
+                    <a:lstStyle/>
+                    <a:p>
+                      <a:pPr algn="ctr"/>
+                      <a:r>
+                        <a:rPr kumimoji="1" lang="en-US" altLang="ja-JP" sz="1050" dirty="0">
+                          <a:latin typeface="メイリオ" panose="020B0604030504040204" pitchFamily="50" charset="-128"/>
+                          <a:ea typeface="メイリオ" panose="020B0604030504040204" pitchFamily="50" charset="-128"/>
+                        </a:rPr>
+                        <a:t>954</a:t>
+                      </a:r>
+                      <a:endParaRPr kumimoji="1" lang="ja-JP" altLang="en-US" sz="1050" dirty="0">
+                        <a:latin typeface="メイリオ" panose="020B0604030504040204" pitchFamily="50" charset="-128"/>
+                        <a:ea typeface="メイリオ" panose="020B0604030504040204" pitchFamily="50" charset="-128"/>
+                      </a:endParaRPr>
+                    </a:p>
+                  </a:txBody>
+                  <a:tcPr anchor="ctr"/>
+                </a:tc>
+                <a:tc>
+                  <a:txBody>
+                    <a:bodyPr/>
+                    <a:lstStyle/>
+                    <a:p>
+                      <a:pPr algn="ctr"/>
+                      <a:r>
+                        <a:rPr kumimoji="1" lang="en-US" altLang="ja-JP" sz="1050" b="1" dirty="0">
+                          <a:latin typeface="メイリオ" panose="020B0604030504040204" pitchFamily="50" charset="-128"/>
+                          <a:ea typeface="メイリオ" panose="020B0604030504040204" pitchFamily="50" charset="-128"/>
+                        </a:rPr>
+                        <a:t>1</a:t>
+                      </a:r>
+                      <a:endParaRPr kumimoji="1" lang="ja-JP" altLang="en-US" sz="1050" b="1" dirty="0">
+                        <a:latin typeface="メイリオ" panose="020B0604030504040204" pitchFamily="50" charset="-128"/>
+                        <a:ea typeface="メイリオ" panose="020B0604030504040204" pitchFamily="50" charset="-128"/>
+                      </a:endParaRPr>
+                    </a:p>
+                  </a:txBody>
+                  <a:tcPr anchor="ctr"/>
+                </a:tc>
+                <a:extLst>
+                  <a:ext uri="{0D108BD9-81ED-4DB2-BD59-A6C34878D82A}">
+                    <a16:rowId xmlns:a16="http://schemas.microsoft.com/office/drawing/2014/main" val="1921047279"/>
+                  </a:ext>
+                </a:extLst>
+              </a:tr>
+              <a:tr h="213406">
+                <a:tc>
+                  <a:txBody>
+                    <a:bodyPr/>
+                    <a:lstStyle/>
+                    <a:p>
+                      <a:pPr algn="ctr"/>
+                      <a:r>
+                        <a:rPr kumimoji="1" lang="en-US" altLang="ja-JP" sz="1050" dirty="0">
+                          <a:latin typeface="メイリオ" panose="020B0604030504040204" pitchFamily="50" charset="-128"/>
+                          <a:ea typeface="メイリオ" panose="020B0604030504040204" pitchFamily="50" charset="-128"/>
+                        </a:rPr>
+                        <a:t>4</a:t>
+                      </a:r>
+                      <a:endParaRPr kumimoji="1" lang="ja-JP" altLang="en-US" sz="1050" dirty="0">
+                        <a:latin typeface="メイリオ" panose="020B0604030504040204" pitchFamily="50" charset="-128"/>
+                        <a:ea typeface="メイリオ" panose="020B0604030504040204" pitchFamily="50" charset="-128"/>
+                      </a:endParaRPr>
+                    </a:p>
+                  </a:txBody>
+                  <a:tcPr anchor="ctr"/>
+                </a:tc>
+                <a:tc>
+                  <a:txBody>
+                    <a:bodyPr/>
+                    <a:lstStyle/>
+                    <a:p>
+                      <a:pPr algn="ctr"/>
+                      <a:r>
+                        <a:rPr kumimoji="1" lang="en-US" altLang="ja-JP" sz="1050" dirty="0">
+                          <a:latin typeface="メイリオ" panose="020B0604030504040204" pitchFamily="50" charset="-128"/>
+                          <a:ea typeface="メイリオ" panose="020B0604030504040204" pitchFamily="50" charset="-128"/>
+                        </a:rPr>
+                        <a:t>3.25</a:t>
+                      </a:r>
+                      <a:endParaRPr kumimoji="1" lang="ja-JP" altLang="en-US" sz="1050" dirty="0">
+                        <a:latin typeface="メイリオ" panose="020B0604030504040204" pitchFamily="50" charset="-128"/>
+                        <a:ea typeface="メイリオ" panose="020B0604030504040204" pitchFamily="50" charset="-128"/>
+                      </a:endParaRPr>
+                    </a:p>
+                  </a:txBody>
+                  <a:tcPr anchor="ctr"/>
+                </a:tc>
+                <a:tc>
+                  <a:txBody>
+                    <a:bodyPr/>
+                    <a:lstStyle/>
+                    <a:p>
+                      <a:pPr algn="ctr"/>
+                      <a:r>
+                        <a:rPr kumimoji="1" lang="en-US" altLang="ja-JP" sz="1050" dirty="0">
+                          <a:latin typeface="メイリオ" panose="020B0604030504040204" pitchFamily="50" charset="-128"/>
+                          <a:ea typeface="メイリオ" panose="020B0604030504040204" pitchFamily="50" charset="-128"/>
+                        </a:rPr>
+                        <a:t>75</a:t>
+                      </a:r>
+                      <a:endParaRPr kumimoji="1" lang="ja-JP" altLang="en-US" sz="1050" dirty="0">
+                        <a:latin typeface="メイリオ" panose="020B0604030504040204" pitchFamily="50" charset="-128"/>
+                        <a:ea typeface="メイリオ" panose="020B0604030504040204" pitchFamily="50" charset="-128"/>
+                      </a:endParaRPr>
+                    </a:p>
+                  </a:txBody>
+                  <a:tcPr anchor="ctr"/>
+                </a:tc>
+                <a:tc>
+                  <a:txBody>
+                    <a:bodyPr/>
+                    <a:lstStyle/>
+                    <a:p>
+                      <a:pPr algn="ctr"/>
+                      <a:r>
+                        <a:rPr kumimoji="1" lang="en-US" altLang="ja-JP" sz="1050" b="1" dirty="0">
+                          <a:latin typeface="メイリオ" panose="020B0604030504040204" pitchFamily="50" charset="-128"/>
+                          <a:ea typeface="メイリオ" panose="020B0604030504040204" pitchFamily="50" charset="-128"/>
+                        </a:rPr>
+                        <a:t>3</a:t>
+                      </a:r>
+                      <a:endParaRPr kumimoji="1" lang="ja-JP" altLang="en-US" sz="1050" b="1" dirty="0">
+                        <a:latin typeface="メイリオ" panose="020B0604030504040204" pitchFamily="50" charset="-128"/>
+                        <a:ea typeface="メイリオ" panose="020B0604030504040204" pitchFamily="50" charset="-128"/>
+                      </a:endParaRPr>
+                    </a:p>
+                  </a:txBody>
+                  <a:tcPr anchor="ctr"/>
+                </a:tc>
+                <a:extLst>
+                  <a:ext uri="{0D108BD9-81ED-4DB2-BD59-A6C34878D82A}">
+                    <a16:rowId xmlns:a16="http://schemas.microsoft.com/office/drawing/2014/main" val="2184997223"/>
+                  </a:ext>
+                </a:extLst>
+              </a:tr>
+              <a:tr h="213406">
+                <a:tc>
+                  <a:txBody>
+                    <a:bodyPr/>
+                    <a:lstStyle/>
+                    <a:p>
+                      <a:pPr algn="ctr"/>
+                      <a:r>
+                        <a:rPr kumimoji="1" lang="en-US" altLang="ja-JP" sz="1050" dirty="0">
+                          <a:latin typeface="メイリオ" panose="020B0604030504040204" pitchFamily="50" charset="-128"/>
+                          <a:ea typeface="メイリオ" panose="020B0604030504040204" pitchFamily="50" charset="-128"/>
+                        </a:rPr>
+                        <a:t>5</a:t>
+                      </a:r>
+                      <a:endParaRPr kumimoji="1" lang="ja-JP" altLang="en-US" sz="1050" dirty="0">
+                        <a:latin typeface="メイリオ" panose="020B0604030504040204" pitchFamily="50" charset="-128"/>
+                        <a:ea typeface="メイリオ" panose="020B0604030504040204" pitchFamily="50" charset="-128"/>
+                      </a:endParaRPr>
+                    </a:p>
+                  </a:txBody>
+                  <a:tcPr anchor="ctr"/>
+                </a:tc>
+                <a:tc>
+                  <a:txBody>
+                    <a:bodyPr/>
+                    <a:lstStyle/>
+                    <a:p>
+                      <a:pPr algn="ctr"/>
+                      <a:r>
+                        <a:rPr kumimoji="1" lang="en-US" altLang="ja-JP" sz="1050" dirty="0">
+                          <a:latin typeface="メイリオ" panose="020B0604030504040204" pitchFamily="50" charset="-128"/>
+                          <a:ea typeface="メイリオ" panose="020B0604030504040204" pitchFamily="50" charset="-128"/>
+                        </a:rPr>
+                        <a:t>4.00</a:t>
+                      </a:r>
+                      <a:endParaRPr kumimoji="1" lang="ja-JP" altLang="en-US" sz="1050" dirty="0">
+                        <a:latin typeface="メイリオ" panose="020B0604030504040204" pitchFamily="50" charset="-128"/>
+                        <a:ea typeface="メイリオ" panose="020B0604030504040204" pitchFamily="50" charset="-128"/>
+                      </a:endParaRPr>
+                    </a:p>
+                  </a:txBody>
+                  <a:tcPr anchor="ctr"/>
+                </a:tc>
+                <a:tc>
+                  <a:txBody>
+                    <a:bodyPr/>
+                    <a:lstStyle/>
+                    <a:p>
+                      <a:pPr algn="ctr"/>
+                      <a:r>
+                        <a:rPr kumimoji="1" lang="en-US" altLang="ja-JP" sz="1050" dirty="0">
+                          <a:latin typeface="メイリオ" panose="020B0604030504040204" pitchFamily="50" charset="-128"/>
+                          <a:ea typeface="メイリオ" panose="020B0604030504040204" pitchFamily="50" charset="-128"/>
+                        </a:rPr>
+                        <a:t>75</a:t>
+                      </a:r>
+                      <a:endParaRPr kumimoji="1" lang="ja-JP" altLang="en-US" sz="1050" dirty="0">
+                        <a:latin typeface="メイリオ" panose="020B0604030504040204" pitchFamily="50" charset="-128"/>
+                        <a:ea typeface="メイリオ" panose="020B0604030504040204" pitchFamily="50" charset="-128"/>
+                      </a:endParaRPr>
+                    </a:p>
+                  </a:txBody>
+                  <a:tcPr anchor="ctr"/>
+                </a:tc>
+                <a:tc>
+                  <a:txBody>
+                    <a:bodyPr/>
+                    <a:lstStyle/>
+                    <a:p>
+                      <a:pPr algn="ctr"/>
+                      <a:r>
+                        <a:rPr kumimoji="1" lang="en-US" altLang="ja-JP" sz="1050" b="1" dirty="0">
+                          <a:latin typeface="メイリオ" panose="020B0604030504040204" pitchFamily="50" charset="-128"/>
+                          <a:ea typeface="メイリオ" panose="020B0604030504040204" pitchFamily="50" charset="-128"/>
+                        </a:rPr>
+                        <a:t>3</a:t>
+                      </a:r>
+                      <a:endParaRPr kumimoji="1" lang="ja-JP" altLang="en-US" sz="1050" b="1" dirty="0">
+                        <a:latin typeface="メイリオ" panose="020B0604030504040204" pitchFamily="50" charset="-128"/>
+                        <a:ea typeface="メイリオ" panose="020B0604030504040204" pitchFamily="50" charset="-128"/>
+                      </a:endParaRPr>
+                    </a:p>
+                  </a:txBody>
+                  <a:tcPr anchor="ctr"/>
+                </a:tc>
+                <a:extLst>
+                  <a:ext uri="{0D108BD9-81ED-4DB2-BD59-A6C34878D82A}">
+                    <a16:rowId xmlns:a16="http://schemas.microsoft.com/office/drawing/2014/main" val="640395947"/>
+                  </a:ext>
+                </a:extLst>
+              </a:tr>
+              <a:tr h="213406">
+                <a:tc>
+                  <a:txBody>
+                    <a:bodyPr/>
+                    <a:lstStyle/>
+                    <a:p>
+                      <a:pPr algn="ctr"/>
+                      <a:r>
+                        <a:rPr kumimoji="1" lang="en-US" altLang="ja-JP" sz="1050" dirty="0">
+                          <a:latin typeface="メイリオ" panose="020B0604030504040204" pitchFamily="50" charset="-128"/>
+                          <a:ea typeface="メイリオ" panose="020B0604030504040204" pitchFamily="50" charset="-128"/>
+                        </a:rPr>
+                        <a:t>6</a:t>
+                      </a:r>
+                      <a:endParaRPr kumimoji="1" lang="ja-JP" altLang="en-US" sz="1050" dirty="0">
+                        <a:latin typeface="メイリオ" panose="020B0604030504040204" pitchFamily="50" charset="-128"/>
+                        <a:ea typeface="メイリオ" panose="020B0604030504040204" pitchFamily="50" charset="-128"/>
+                      </a:endParaRPr>
+                    </a:p>
+                  </a:txBody>
+                  <a:tcPr anchor="ctr"/>
+                </a:tc>
+                <a:tc>
+                  <a:txBody>
+                    <a:bodyPr/>
+                    <a:lstStyle/>
+                    <a:p>
+                      <a:pPr algn="ctr"/>
+                      <a:r>
+                        <a:rPr kumimoji="1" lang="en-US" altLang="ja-JP" sz="1050" dirty="0">
+                          <a:latin typeface="メイリオ" panose="020B0604030504040204" pitchFamily="50" charset="-128"/>
+                          <a:ea typeface="メイリオ" panose="020B0604030504040204" pitchFamily="50" charset="-128"/>
+                        </a:rPr>
+                        <a:t>4.55</a:t>
+                      </a:r>
+                      <a:endParaRPr kumimoji="1" lang="ja-JP" altLang="en-US" sz="1050" dirty="0">
+                        <a:latin typeface="メイリオ" panose="020B0604030504040204" pitchFamily="50" charset="-128"/>
+                        <a:ea typeface="メイリオ" panose="020B0604030504040204" pitchFamily="50" charset="-128"/>
+                      </a:endParaRPr>
+                    </a:p>
+                  </a:txBody>
+                  <a:tcPr anchor="ctr"/>
+                </a:tc>
+                <a:tc>
+                  <a:txBody>
+                    <a:bodyPr/>
+                    <a:lstStyle/>
+                    <a:p>
+                      <a:pPr algn="ctr"/>
+                      <a:r>
+                        <a:rPr kumimoji="1" lang="en-US" altLang="ja-JP" sz="1050" dirty="0">
+                          <a:latin typeface="メイリオ" panose="020B0604030504040204" pitchFamily="50" charset="-128"/>
+                          <a:ea typeface="メイリオ" panose="020B0604030504040204" pitchFamily="50" charset="-128"/>
+                        </a:rPr>
+                        <a:t>80</a:t>
+                      </a:r>
+                      <a:endParaRPr kumimoji="1" lang="ja-JP" altLang="en-US" sz="1050" dirty="0">
+                        <a:latin typeface="メイリオ" panose="020B0604030504040204" pitchFamily="50" charset="-128"/>
+                        <a:ea typeface="メイリオ" panose="020B0604030504040204" pitchFamily="50" charset="-128"/>
+                      </a:endParaRPr>
+                    </a:p>
+                  </a:txBody>
+                  <a:tcPr anchor="ctr"/>
+                </a:tc>
+                <a:tc>
+                  <a:txBody>
+                    <a:bodyPr/>
+                    <a:lstStyle/>
+                    <a:p>
+                      <a:pPr algn="ctr"/>
+                      <a:r>
+                        <a:rPr kumimoji="1" lang="en-US" altLang="ja-JP" sz="1050" b="1" dirty="0">
+                          <a:latin typeface="メイリオ" panose="020B0604030504040204" pitchFamily="50" charset="-128"/>
+                          <a:ea typeface="メイリオ" panose="020B0604030504040204" pitchFamily="50" charset="-128"/>
+                        </a:rPr>
+                        <a:t>2</a:t>
+                      </a:r>
+                      <a:endParaRPr kumimoji="1" lang="ja-JP" altLang="en-US" sz="1050" b="1" dirty="0">
+                        <a:latin typeface="メイリオ" panose="020B0604030504040204" pitchFamily="50" charset="-128"/>
+                        <a:ea typeface="メイリオ" panose="020B0604030504040204" pitchFamily="50" charset="-128"/>
+                      </a:endParaRPr>
+                    </a:p>
+                  </a:txBody>
+                  <a:tcPr anchor="ctr"/>
+                </a:tc>
+                <a:extLst>
+                  <a:ext uri="{0D108BD9-81ED-4DB2-BD59-A6C34878D82A}">
+                    <a16:rowId xmlns:a16="http://schemas.microsoft.com/office/drawing/2014/main" val="1758271375"/>
+                  </a:ext>
+                </a:extLst>
+              </a:tr>
+              <a:tr h="213406">
+                <a:tc>
+                  <a:txBody>
+                    <a:bodyPr/>
+                    <a:lstStyle/>
+                    <a:p>
+                      <a:pPr algn="ctr"/>
+                      <a:r>
+                        <a:rPr kumimoji="1" lang="en-US" altLang="ja-JP" sz="1050" dirty="0">
+                          <a:latin typeface="メイリオ" panose="020B0604030504040204" pitchFamily="50" charset="-128"/>
+                          <a:ea typeface="メイリオ" panose="020B0604030504040204" pitchFamily="50" charset="-128"/>
+                        </a:rPr>
+                        <a:t>7</a:t>
+                      </a:r>
+                      <a:endParaRPr kumimoji="1" lang="ja-JP" altLang="en-US" sz="1050" dirty="0">
+                        <a:latin typeface="メイリオ" panose="020B0604030504040204" pitchFamily="50" charset="-128"/>
+                        <a:ea typeface="メイリオ" panose="020B0604030504040204" pitchFamily="50" charset="-128"/>
+                      </a:endParaRPr>
+                    </a:p>
+                  </a:txBody>
+                  <a:tcPr anchor="ctr"/>
+                </a:tc>
+                <a:tc>
+                  <a:txBody>
+                    <a:bodyPr/>
+                    <a:lstStyle/>
+                    <a:p>
+                      <a:pPr algn="ctr"/>
+                      <a:r>
+                        <a:rPr kumimoji="1" lang="en-US" altLang="ja-JP" sz="1050" dirty="0">
+                          <a:latin typeface="メイリオ" panose="020B0604030504040204" pitchFamily="50" charset="-128"/>
+                          <a:ea typeface="メイリオ" panose="020B0604030504040204" pitchFamily="50" charset="-128"/>
+                        </a:rPr>
+                        <a:t>4.75</a:t>
+                      </a:r>
+                      <a:endParaRPr kumimoji="1" lang="ja-JP" altLang="en-US" sz="1050" dirty="0">
+                        <a:latin typeface="メイリオ" panose="020B0604030504040204" pitchFamily="50" charset="-128"/>
+                        <a:ea typeface="メイリオ" panose="020B0604030504040204" pitchFamily="50" charset="-128"/>
+                      </a:endParaRPr>
+                    </a:p>
+                  </a:txBody>
+                  <a:tcPr anchor="ctr"/>
+                </a:tc>
+                <a:tc>
+                  <a:txBody>
+                    <a:bodyPr/>
+                    <a:lstStyle/>
+                    <a:p>
+                      <a:pPr algn="ctr"/>
+                      <a:r>
+                        <a:rPr kumimoji="1" lang="en-US" altLang="ja-JP" sz="1050" dirty="0">
+                          <a:latin typeface="メイリオ" panose="020B0604030504040204" pitchFamily="50" charset="-128"/>
+                          <a:ea typeface="メイリオ" panose="020B0604030504040204" pitchFamily="50" charset="-128"/>
+                        </a:rPr>
+                        <a:t>85</a:t>
+                      </a:r>
+                      <a:endParaRPr kumimoji="1" lang="ja-JP" altLang="en-US" sz="1050" dirty="0">
+                        <a:latin typeface="メイリオ" panose="020B0604030504040204" pitchFamily="50" charset="-128"/>
+                        <a:ea typeface="メイリオ" panose="020B0604030504040204" pitchFamily="50" charset="-128"/>
+                      </a:endParaRPr>
+                    </a:p>
+                  </a:txBody>
+                  <a:tcPr anchor="ctr"/>
+                </a:tc>
+                <a:tc>
+                  <a:txBody>
+                    <a:bodyPr/>
+                    <a:lstStyle/>
+                    <a:p>
+                      <a:pPr algn="ctr"/>
+                      <a:r>
+                        <a:rPr kumimoji="1" lang="en-US" altLang="ja-JP" sz="1050" b="1" dirty="0">
+                          <a:latin typeface="メイリオ" panose="020B0604030504040204" pitchFamily="50" charset="-128"/>
+                          <a:ea typeface="メイリオ" panose="020B0604030504040204" pitchFamily="50" charset="-128"/>
+                        </a:rPr>
+                        <a:t>0</a:t>
+                      </a:r>
+                      <a:endParaRPr kumimoji="1" lang="ja-JP" altLang="en-US" sz="1050" b="1" dirty="0">
+                        <a:latin typeface="メイリオ" panose="020B0604030504040204" pitchFamily="50" charset="-128"/>
+                        <a:ea typeface="メイリオ" panose="020B0604030504040204" pitchFamily="50" charset="-128"/>
+                      </a:endParaRPr>
+                    </a:p>
+                  </a:txBody>
+                  <a:tcPr anchor="ctr"/>
+                </a:tc>
+                <a:extLst>
+                  <a:ext uri="{0D108BD9-81ED-4DB2-BD59-A6C34878D82A}">
+                    <a16:rowId xmlns:a16="http://schemas.microsoft.com/office/drawing/2014/main" val="840304028"/>
+                  </a:ext>
+                </a:extLst>
+              </a:tr>
+            </a:tbl>
+          </a:graphicData>
+        </a:graphic>
+      </p:graphicFrame>
+      <p:graphicFrame>
+        <p:nvGraphicFramePr>
+          <p:cNvPr id="51" name="表 50">
+            <a:extLst>
+              <a:ext uri="{FF2B5EF4-FFF2-40B4-BE49-F238E27FC236}">
+                <a16:creationId xmlns:a16="http://schemas.microsoft.com/office/drawing/2014/main" id="{4E635EE9-463F-4195-B8E3-1DA8CD5B7B79}"/>
+              </a:ext>
+            </a:extLst>
+          </p:cNvPr>
+          <p:cNvGraphicFramePr>
+            <a:graphicFrameLocks noGrp="1"/>
+          </p:cNvGraphicFramePr>
+          <p:nvPr>
+            <p:extLst>
+              <p:ext uri="{D42A27DB-BD31-4B8C-83A1-F6EECF244321}">
+                <p14:modId xmlns:p14="http://schemas.microsoft.com/office/powerpoint/2010/main" val="1696979423"/>
+              </p:ext>
+            </p:extLst>
+          </p:nvPr>
+        </p:nvGraphicFramePr>
+        <p:xfrm>
+          <a:off x="9929192" y="6888832"/>
+          <a:ext cx="2721600" cy="2011680"/>
+        </p:xfrm>
+        <a:graphic>
+          <a:graphicData uri="http://schemas.openxmlformats.org/drawingml/2006/table">
+            <a:tbl>
+              <a:tblPr firstRow="1" bandRow="1">
+                <a:tableStyleId>{93296810-A885-4BE3-A3E7-6D5BEEA58F35}</a:tableStyleId>
+              </a:tblPr>
+              <a:tblGrid>
+                <a:gridCol w="489600">
+                  <a:extLst>
+                    <a:ext uri="{9D8B030D-6E8A-4147-A177-3AD203B41FA5}">
+                      <a16:colId xmlns:a16="http://schemas.microsoft.com/office/drawing/2014/main" val="1540152260"/>
+                    </a:ext>
+                  </a:extLst>
+                </a:gridCol>
+                <a:gridCol w="795600">
+                  <a:extLst>
+                    <a:ext uri="{9D8B030D-6E8A-4147-A177-3AD203B41FA5}">
+                      <a16:colId xmlns:a16="http://schemas.microsoft.com/office/drawing/2014/main" val="1992413610"/>
+                    </a:ext>
+                  </a:extLst>
+                </a:gridCol>
+                <a:gridCol w="640800">
+                  <a:extLst>
+                    <a:ext uri="{9D8B030D-6E8A-4147-A177-3AD203B41FA5}">
+                      <a16:colId xmlns:a16="http://schemas.microsoft.com/office/drawing/2014/main" val="312450779"/>
+                    </a:ext>
+                  </a:extLst>
+                </a:gridCol>
+                <a:gridCol w="795600">
+                  <a:extLst>
+                    <a:ext uri="{9D8B030D-6E8A-4147-A177-3AD203B41FA5}">
+                      <a16:colId xmlns:a16="http://schemas.microsoft.com/office/drawing/2014/main" val="189992793"/>
+                    </a:ext>
+                  </a:extLst>
+                </a:gridCol>
+              </a:tblGrid>
+              <a:tr h="248645">
+                <a:tc>
+                  <a:txBody>
+                    <a:bodyPr/>
+                    <a:lstStyle/>
+                    <a:p>
+                      <a:pPr algn="ctr"/>
+                      <a:r>
+                        <a:rPr kumimoji="1" lang="ja-JP" altLang="en-US" sz="1050" dirty="0"/>
+                        <a:t>区間</a:t>
+                      </a:r>
+                    </a:p>
+                  </a:txBody>
+                  <a:tcPr/>
+                </a:tc>
+                <a:tc>
+                  <a:txBody>
+                    <a:bodyPr/>
+                    <a:lstStyle/>
+                    <a:p>
+                      <a:pPr algn="ctr"/>
+                      <a:r>
+                        <a:rPr kumimoji="1" lang="ja-JP" altLang="en-US" sz="1050" dirty="0"/>
+                        <a:t>終了距離</a:t>
+                      </a:r>
+                    </a:p>
+                  </a:txBody>
+                  <a:tcPr/>
+                </a:tc>
+                <a:tc>
+                  <a:txBody>
+                    <a:bodyPr/>
+                    <a:lstStyle/>
+                    <a:p>
+                      <a:pPr algn="ctr"/>
+                      <a:r>
+                        <a:rPr kumimoji="1" lang="ja-JP" altLang="en-US" sz="1050" dirty="0"/>
+                        <a:t>前進量</a:t>
+                      </a:r>
+                    </a:p>
+                  </a:txBody>
+                  <a:tcPr/>
+                </a:tc>
+                <a:tc>
+                  <a:txBody>
+                    <a:bodyPr/>
+                    <a:lstStyle/>
+                    <a:p>
+                      <a:pPr algn="ctr"/>
+                      <a:r>
+                        <a:rPr kumimoji="1" lang="ja-JP" altLang="en-US" sz="1050" dirty="0"/>
+                        <a:t>曲率分類</a:t>
+                      </a:r>
+                    </a:p>
+                  </a:txBody>
+                  <a:tcPr/>
+                </a:tc>
+                <a:extLst>
+                  <a:ext uri="{0D108BD9-81ED-4DB2-BD59-A6C34878D82A}">
+                    <a16:rowId xmlns:a16="http://schemas.microsoft.com/office/drawing/2014/main" val="104692475"/>
+                  </a:ext>
+                </a:extLst>
+              </a:tr>
+              <a:tr h="226643">
+                <a:tc>
+                  <a:txBody>
+                    <a:bodyPr/>
+                    <a:lstStyle/>
+                    <a:p>
+                      <a:pPr algn="ctr"/>
+                      <a:r>
+                        <a:rPr kumimoji="1" lang="en-US" altLang="ja-JP" sz="1050" dirty="0">
+                          <a:latin typeface="メイリオ" panose="020B0604030504040204" pitchFamily="50" charset="-128"/>
+                          <a:ea typeface="メイリオ" panose="020B0604030504040204" pitchFamily="50" charset="-128"/>
+                        </a:rPr>
+                        <a:t>8</a:t>
+                      </a:r>
+                      <a:endParaRPr kumimoji="1" lang="ja-JP" altLang="en-US" sz="1050" dirty="0">
+                        <a:latin typeface="メイリオ" panose="020B0604030504040204" pitchFamily="50" charset="-128"/>
+                        <a:ea typeface="メイリオ" panose="020B0604030504040204" pitchFamily="50" charset="-128"/>
+                      </a:endParaRPr>
+                    </a:p>
+                  </a:txBody>
+                  <a:tcPr/>
+                </a:tc>
+                <a:tc>
+                  <a:txBody>
+                    <a:bodyPr/>
+                    <a:lstStyle/>
+                    <a:p>
+                      <a:pPr algn="ctr"/>
+                      <a:r>
+                        <a:rPr kumimoji="1" lang="en-US" altLang="ja-JP" sz="1050" dirty="0">
+                          <a:latin typeface="メイリオ" panose="020B0604030504040204" pitchFamily="50" charset="-128"/>
+                          <a:ea typeface="メイリオ" panose="020B0604030504040204" pitchFamily="50" charset="-128"/>
+                        </a:rPr>
+                        <a:t>5.50</a:t>
+                      </a:r>
+                      <a:endParaRPr kumimoji="1" lang="ja-JP" altLang="en-US" sz="1050" dirty="0">
+                        <a:latin typeface="メイリオ" panose="020B0604030504040204" pitchFamily="50" charset="-128"/>
+                        <a:ea typeface="メイリオ" panose="020B0604030504040204" pitchFamily="50" charset="-128"/>
+                      </a:endParaRPr>
+                    </a:p>
+                  </a:txBody>
+                  <a:tcPr/>
+                </a:tc>
+                <a:tc>
+                  <a:txBody>
+                    <a:bodyPr/>
+                    <a:lstStyle/>
+                    <a:p>
+                      <a:pPr algn="ctr"/>
+                      <a:r>
+                        <a:rPr kumimoji="1" lang="en-US" altLang="ja-JP" sz="1050" dirty="0">
+                          <a:latin typeface="メイリオ" panose="020B0604030504040204" pitchFamily="50" charset="-128"/>
+                          <a:ea typeface="メイリオ" panose="020B0604030504040204" pitchFamily="50" charset="-128"/>
+                        </a:rPr>
+                        <a:t>90</a:t>
+                      </a:r>
+                      <a:endParaRPr kumimoji="1" lang="ja-JP" altLang="en-US" sz="1050" dirty="0">
+                        <a:latin typeface="メイリオ" panose="020B0604030504040204" pitchFamily="50" charset="-128"/>
+                        <a:ea typeface="メイリオ" panose="020B0604030504040204" pitchFamily="50" charset="-128"/>
+                      </a:endParaRPr>
+                    </a:p>
+                  </a:txBody>
+                  <a:tcPr/>
+                </a:tc>
+                <a:tc>
+                  <a:txBody>
+                    <a:bodyPr/>
+                    <a:lstStyle/>
+                    <a:p>
+                      <a:pPr algn="ctr"/>
+                      <a:r>
+                        <a:rPr kumimoji="1" lang="en-US" altLang="ja-JP" sz="1050" b="1" dirty="0">
+                          <a:latin typeface="メイリオ" panose="020B0604030504040204" pitchFamily="50" charset="-128"/>
+                          <a:ea typeface="メイリオ" panose="020B0604030504040204" pitchFamily="50" charset="-128"/>
+                        </a:rPr>
+                        <a:t>1</a:t>
+                      </a:r>
+                      <a:endParaRPr kumimoji="1" lang="ja-JP" altLang="en-US" sz="1050" b="1" dirty="0">
+                        <a:latin typeface="メイリオ" panose="020B0604030504040204" pitchFamily="50" charset="-128"/>
+                        <a:ea typeface="メイリオ" panose="020B0604030504040204" pitchFamily="50" charset="-128"/>
+                      </a:endParaRPr>
+                    </a:p>
+                  </a:txBody>
+                  <a:tcPr/>
+                </a:tc>
+                <a:extLst>
+                  <a:ext uri="{0D108BD9-81ED-4DB2-BD59-A6C34878D82A}">
+                    <a16:rowId xmlns:a16="http://schemas.microsoft.com/office/drawing/2014/main" val="3827143811"/>
+                  </a:ext>
+                </a:extLst>
+              </a:tr>
+              <a:tr h="248645">
+                <a:tc>
+                  <a:txBody>
+                    <a:bodyPr/>
+                    <a:lstStyle/>
+                    <a:p>
+                      <a:pPr algn="ctr"/>
+                      <a:r>
+                        <a:rPr kumimoji="1" lang="en-US" altLang="ja-JP" sz="1050" dirty="0">
+                          <a:latin typeface="メイリオ" panose="020B0604030504040204" pitchFamily="50" charset="-128"/>
+                          <a:ea typeface="メイリオ" panose="020B0604030504040204" pitchFamily="50" charset="-128"/>
+                        </a:rPr>
+                        <a:t>9</a:t>
+                      </a:r>
+                      <a:endParaRPr kumimoji="1" lang="ja-JP" altLang="en-US" sz="1050" dirty="0">
+                        <a:latin typeface="メイリオ" panose="020B0604030504040204" pitchFamily="50" charset="-128"/>
+                        <a:ea typeface="メイリオ" panose="020B0604030504040204" pitchFamily="50" charset="-128"/>
+                      </a:endParaRPr>
+                    </a:p>
+                  </a:txBody>
+                  <a:tcPr/>
+                </a:tc>
+                <a:tc>
+                  <a:txBody>
+                    <a:bodyPr/>
+                    <a:lstStyle/>
+                    <a:p>
+                      <a:pPr algn="ctr"/>
+                      <a:r>
+                        <a:rPr kumimoji="1" lang="en-US" altLang="ja-JP" sz="1050" dirty="0">
+                          <a:latin typeface="メイリオ" panose="020B0604030504040204" pitchFamily="50" charset="-128"/>
+                          <a:ea typeface="メイリオ" panose="020B0604030504040204" pitchFamily="50" charset="-128"/>
+                        </a:rPr>
+                        <a:t>6.40</a:t>
+                      </a:r>
+                      <a:endParaRPr kumimoji="1" lang="ja-JP" altLang="en-US" sz="1050" dirty="0">
+                        <a:latin typeface="メイリオ" panose="020B0604030504040204" pitchFamily="50" charset="-128"/>
+                        <a:ea typeface="メイリオ" panose="020B0604030504040204" pitchFamily="50" charset="-128"/>
+                      </a:endParaRPr>
+                    </a:p>
+                  </a:txBody>
+                  <a:tcPr/>
+                </a:tc>
+                <a:tc>
+                  <a:txBody>
+                    <a:bodyPr/>
+                    <a:lstStyle/>
+                    <a:p>
+                      <a:pPr algn="ctr"/>
+                      <a:r>
+                        <a:rPr kumimoji="1" lang="en-US" altLang="ja-JP" sz="1050" dirty="0">
+                          <a:latin typeface="メイリオ" panose="020B0604030504040204" pitchFamily="50" charset="-128"/>
+                          <a:ea typeface="メイリオ" panose="020B0604030504040204" pitchFamily="50" charset="-128"/>
+                        </a:rPr>
+                        <a:t>95</a:t>
+                      </a:r>
+                      <a:endParaRPr kumimoji="1" lang="ja-JP" altLang="en-US" sz="1050" dirty="0">
+                        <a:latin typeface="メイリオ" panose="020B0604030504040204" pitchFamily="50" charset="-128"/>
+                        <a:ea typeface="メイリオ" panose="020B0604030504040204" pitchFamily="50" charset="-128"/>
+                      </a:endParaRPr>
+                    </a:p>
+                  </a:txBody>
+                  <a:tcPr/>
+                </a:tc>
+                <a:tc>
+                  <a:txBody>
+                    <a:bodyPr/>
+                    <a:lstStyle/>
+                    <a:p>
+                      <a:pPr algn="ctr"/>
+                      <a:r>
+                        <a:rPr kumimoji="1" lang="en-US" altLang="ja-JP" sz="1050" b="1" dirty="0">
+                          <a:latin typeface="メイリオ" panose="020B0604030504040204" pitchFamily="50" charset="-128"/>
+                          <a:ea typeface="メイリオ" panose="020B0604030504040204" pitchFamily="50" charset="-128"/>
+                        </a:rPr>
+                        <a:t>0</a:t>
+                      </a:r>
+                      <a:endParaRPr kumimoji="1" lang="ja-JP" altLang="en-US" sz="1050" b="1" dirty="0">
+                        <a:latin typeface="メイリオ" panose="020B0604030504040204" pitchFamily="50" charset="-128"/>
+                        <a:ea typeface="メイリオ" panose="020B0604030504040204" pitchFamily="50" charset="-128"/>
+                      </a:endParaRPr>
+                    </a:p>
+                  </a:txBody>
+                  <a:tcPr/>
+                </a:tc>
+                <a:extLst>
+                  <a:ext uri="{0D108BD9-81ED-4DB2-BD59-A6C34878D82A}">
+                    <a16:rowId xmlns:a16="http://schemas.microsoft.com/office/drawing/2014/main" val="2212868115"/>
+                  </a:ext>
+                </a:extLst>
+              </a:tr>
+              <a:tr h="248645">
+                <a:tc>
+                  <a:txBody>
+                    <a:bodyPr/>
+                    <a:lstStyle/>
+                    <a:p>
+                      <a:pPr algn="ctr"/>
+                      <a:r>
+                        <a:rPr kumimoji="1" lang="en-US" altLang="ja-JP" sz="1050" dirty="0">
+                          <a:latin typeface="メイリオ" panose="020B0604030504040204" pitchFamily="50" charset="-128"/>
+                          <a:ea typeface="メイリオ" panose="020B0604030504040204" pitchFamily="50" charset="-128"/>
+                        </a:rPr>
+                        <a:t>10</a:t>
+                      </a:r>
+                      <a:endParaRPr kumimoji="1" lang="ja-JP" altLang="en-US" sz="1050" dirty="0">
+                        <a:latin typeface="メイリオ" panose="020B0604030504040204" pitchFamily="50" charset="-128"/>
+                        <a:ea typeface="メイリオ" panose="020B0604030504040204" pitchFamily="50" charset="-128"/>
+                      </a:endParaRPr>
+                    </a:p>
+                  </a:txBody>
+                  <a:tcPr/>
+                </a:tc>
+                <a:tc>
+                  <a:txBody>
+                    <a:bodyPr/>
+                    <a:lstStyle/>
+                    <a:p>
+                      <a:pPr algn="ctr"/>
+                      <a:r>
+                        <a:rPr kumimoji="1" lang="en-US" altLang="ja-JP" sz="1050" dirty="0">
+                          <a:latin typeface="メイリオ" panose="020B0604030504040204" pitchFamily="50" charset="-128"/>
+                          <a:ea typeface="メイリオ" panose="020B0604030504040204" pitchFamily="50" charset="-128"/>
+                        </a:rPr>
+                        <a:t>6.95</a:t>
+                      </a:r>
+                      <a:endParaRPr kumimoji="1" lang="ja-JP" altLang="en-US" sz="1050" dirty="0">
+                        <a:latin typeface="メイリオ" panose="020B0604030504040204" pitchFamily="50" charset="-128"/>
+                        <a:ea typeface="メイリオ" panose="020B0604030504040204" pitchFamily="50" charset="-128"/>
+                      </a:endParaRPr>
+                    </a:p>
+                  </a:txBody>
+                  <a:tcPr/>
+                </a:tc>
+                <a:tc>
+                  <a:txBody>
+                    <a:bodyPr/>
+                    <a:lstStyle/>
+                    <a:p>
+                      <a:pPr algn="ctr"/>
+                      <a:r>
+                        <a:rPr kumimoji="1" lang="en-US" altLang="ja-JP" sz="1050" dirty="0">
+                          <a:latin typeface="メイリオ" panose="020B0604030504040204" pitchFamily="50" charset="-128"/>
+                          <a:ea typeface="メイリオ" panose="020B0604030504040204" pitchFamily="50" charset="-128"/>
+                        </a:rPr>
+                        <a:t>90</a:t>
+                      </a:r>
+                      <a:endParaRPr kumimoji="1" lang="ja-JP" altLang="en-US" sz="1050" dirty="0">
+                        <a:latin typeface="メイリオ" panose="020B0604030504040204" pitchFamily="50" charset="-128"/>
+                        <a:ea typeface="メイリオ" panose="020B0604030504040204" pitchFamily="50" charset="-128"/>
+                      </a:endParaRPr>
+                    </a:p>
+                  </a:txBody>
+                  <a:tcPr/>
+                </a:tc>
+                <a:tc>
+                  <a:txBody>
+                    <a:bodyPr/>
+                    <a:lstStyle/>
+                    <a:p>
+                      <a:pPr algn="ctr"/>
+                      <a:r>
+                        <a:rPr kumimoji="1" lang="en-US" altLang="ja-JP" sz="1050" b="1" dirty="0">
+                          <a:latin typeface="メイリオ" panose="020B0604030504040204" pitchFamily="50" charset="-128"/>
+                          <a:ea typeface="メイリオ" panose="020B0604030504040204" pitchFamily="50" charset="-128"/>
+                        </a:rPr>
+                        <a:t>1</a:t>
+                      </a:r>
+                      <a:endParaRPr kumimoji="1" lang="ja-JP" altLang="en-US" sz="1050" b="1" dirty="0">
+                        <a:latin typeface="メイリオ" panose="020B0604030504040204" pitchFamily="50" charset="-128"/>
+                        <a:ea typeface="メイリオ" panose="020B0604030504040204" pitchFamily="50" charset="-128"/>
+                      </a:endParaRPr>
+                    </a:p>
+                  </a:txBody>
+                  <a:tcPr/>
+                </a:tc>
+                <a:extLst>
+                  <a:ext uri="{0D108BD9-81ED-4DB2-BD59-A6C34878D82A}">
+                    <a16:rowId xmlns:a16="http://schemas.microsoft.com/office/drawing/2014/main" val="1610729204"/>
+                  </a:ext>
+                </a:extLst>
+              </a:tr>
+              <a:tr h="248645">
+                <a:tc>
+                  <a:txBody>
+                    <a:bodyPr/>
+                    <a:lstStyle/>
+                    <a:p>
+                      <a:pPr algn="ctr"/>
+                      <a:r>
+                        <a:rPr kumimoji="1" lang="en-US" altLang="ja-JP" sz="1050" dirty="0">
+                          <a:latin typeface="メイリオ" panose="020B0604030504040204" pitchFamily="50" charset="-128"/>
+                          <a:ea typeface="メイリオ" panose="020B0604030504040204" pitchFamily="50" charset="-128"/>
+                        </a:rPr>
+                        <a:t>11</a:t>
+                      </a:r>
+                      <a:endParaRPr kumimoji="1" lang="ja-JP" altLang="en-US" sz="1050" dirty="0">
+                        <a:latin typeface="メイリオ" panose="020B0604030504040204" pitchFamily="50" charset="-128"/>
+                        <a:ea typeface="メイリオ" panose="020B0604030504040204" pitchFamily="50" charset="-128"/>
+                      </a:endParaRPr>
+                    </a:p>
+                  </a:txBody>
+                  <a:tcPr/>
+                </a:tc>
+                <a:tc>
+                  <a:txBody>
+                    <a:bodyPr/>
+                    <a:lstStyle/>
+                    <a:p>
+                      <a:pPr algn="ctr"/>
+                      <a:r>
+                        <a:rPr kumimoji="1" lang="en-US" altLang="ja-JP" sz="1050" dirty="0">
+                          <a:latin typeface="メイリオ" panose="020B0604030504040204" pitchFamily="50" charset="-128"/>
+                          <a:ea typeface="メイリオ" panose="020B0604030504040204" pitchFamily="50" charset="-128"/>
+                        </a:rPr>
+                        <a:t>7.15</a:t>
+                      </a:r>
+                      <a:endParaRPr kumimoji="1" lang="ja-JP" altLang="en-US" sz="1050" dirty="0">
+                        <a:latin typeface="メイリオ" panose="020B0604030504040204" pitchFamily="50" charset="-128"/>
+                        <a:ea typeface="メイリオ" panose="020B0604030504040204" pitchFamily="50" charset="-128"/>
+                      </a:endParaRPr>
+                    </a:p>
+                  </a:txBody>
+                  <a:tcPr/>
+                </a:tc>
+                <a:tc>
+                  <a:txBody>
+                    <a:bodyPr/>
+                    <a:lstStyle/>
+                    <a:p>
+                      <a:pPr algn="ctr"/>
+                      <a:r>
+                        <a:rPr kumimoji="1" lang="en-US" altLang="ja-JP" sz="1050" dirty="0">
+                          <a:latin typeface="メイリオ" panose="020B0604030504040204" pitchFamily="50" charset="-128"/>
+                          <a:ea typeface="メイリオ" panose="020B0604030504040204" pitchFamily="50" charset="-128"/>
+                        </a:rPr>
+                        <a:t>85</a:t>
+                      </a:r>
+                      <a:endParaRPr kumimoji="1" lang="ja-JP" altLang="en-US" sz="1050" dirty="0">
+                        <a:latin typeface="メイリオ" panose="020B0604030504040204" pitchFamily="50" charset="-128"/>
+                        <a:ea typeface="メイリオ" panose="020B0604030504040204" pitchFamily="50" charset="-128"/>
+                      </a:endParaRPr>
+                    </a:p>
+                  </a:txBody>
+                  <a:tcPr/>
+                </a:tc>
+                <a:tc>
+                  <a:txBody>
+                    <a:bodyPr/>
+                    <a:lstStyle/>
+                    <a:p>
+                      <a:pPr algn="ctr"/>
+                      <a:r>
+                        <a:rPr kumimoji="1" lang="en-US" altLang="ja-JP" sz="1050" b="1" dirty="0">
+                          <a:latin typeface="メイリオ" panose="020B0604030504040204" pitchFamily="50" charset="-128"/>
+                          <a:ea typeface="メイリオ" panose="020B0604030504040204" pitchFamily="50" charset="-128"/>
+                        </a:rPr>
+                        <a:t>0</a:t>
+                      </a:r>
+                      <a:endParaRPr kumimoji="1" lang="ja-JP" altLang="en-US" sz="1050" b="1" dirty="0">
+                        <a:latin typeface="メイリオ" panose="020B0604030504040204" pitchFamily="50" charset="-128"/>
+                        <a:ea typeface="メイリオ" panose="020B0604030504040204" pitchFamily="50" charset="-128"/>
+                      </a:endParaRPr>
+                    </a:p>
+                  </a:txBody>
+                  <a:tcPr/>
+                </a:tc>
+                <a:extLst>
+                  <a:ext uri="{0D108BD9-81ED-4DB2-BD59-A6C34878D82A}">
+                    <a16:rowId xmlns:a16="http://schemas.microsoft.com/office/drawing/2014/main" val="1921047279"/>
+                  </a:ext>
+                </a:extLst>
+              </a:tr>
+              <a:tr h="248645">
+                <a:tc>
+                  <a:txBody>
+                    <a:bodyPr/>
+                    <a:lstStyle/>
+                    <a:p>
+                      <a:pPr algn="ctr"/>
+                      <a:r>
+                        <a:rPr kumimoji="1" lang="en-US" altLang="ja-JP" sz="1050" dirty="0">
+                          <a:latin typeface="メイリオ" panose="020B0604030504040204" pitchFamily="50" charset="-128"/>
+                          <a:ea typeface="メイリオ" panose="020B0604030504040204" pitchFamily="50" charset="-128"/>
+                        </a:rPr>
+                        <a:t>12</a:t>
+                      </a:r>
+                      <a:endParaRPr kumimoji="1" lang="ja-JP" altLang="en-US" sz="1050" dirty="0">
+                        <a:latin typeface="メイリオ" panose="020B0604030504040204" pitchFamily="50" charset="-128"/>
+                        <a:ea typeface="メイリオ" panose="020B0604030504040204" pitchFamily="50" charset="-128"/>
+                      </a:endParaRPr>
+                    </a:p>
+                  </a:txBody>
+                  <a:tcPr/>
+                </a:tc>
+                <a:tc>
+                  <a:txBody>
+                    <a:bodyPr/>
+                    <a:lstStyle/>
+                    <a:p>
+                      <a:pPr algn="ctr"/>
+                      <a:r>
+                        <a:rPr kumimoji="1" lang="en-US" altLang="ja-JP" sz="1050" dirty="0">
+                          <a:latin typeface="メイリオ" panose="020B0604030504040204" pitchFamily="50" charset="-128"/>
+                          <a:ea typeface="メイリオ" panose="020B0604030504040204" pitchFamily="50" charset="-128"/>
+                        </a:rPr>
+                        <a:t>7.45</a:t>
+                      </a:r>
+                      <a:endParaRPr kumimoji="1" lang="ja-JP" altLang="en-US" sz="1050" dirty="0">
+                        <a:latin typeface="メイリオ" panose="020B0604030504040204" pitchFamily="50" charset="-128"/>
+                        <a:ea typeface="メイリオ" panose="020B0604030504040204" pitchFamily="50" charset="-128"/>
+                      </a:endParaRPr>
+                    </a:p>
+                  </a:txBody>
+                  <a:tcPr/>
+                </a:tc>
+                <a:tc>
+                  <a:txBody>
+                    <a:bodyPr/>
+                    <a:lstStyle/>
+                    <a:p>
+                      <a:pPr algn="ctr"/>
+                      <a:r>
+                        <a:rPr kumimoji="1" lang="en-US" altLang="ja-JP" sz="1050" dirty="0">
+                          <a:latin typeface="メイリオ" panose="020B0604030504040204" pitchFamily="50" charset="-128"/>
+                          <a:ea typeface="メイリオ" panose="020B0604030504040204" pitchFamily="50" charset="-128"/>
+                        </a:rPr>
+                        <a:t>75</a:t>
+                      </a:r>
+                      <a:endParaRPr kumimoji="1" lang="ja-JP" altLang="en-US" sz="1050" dirty="0">
+                        <a:latin typeface="メイリオ" panose="020B0604030504040204" pitchFamily="50" charset="-128"/>
+                        <a:ea typeface="メイリオ" panose="020B0604030504040204" pitchFamily="50" charset="-128"/>
+                      </a:endParaRPr>
+                    </a:p>
+                  </a:txBody>
+                  <a:tcPr/>
+                </a:tc>
+                <a:tc>
+                  <a:txBody>
+                    <a:bodyPr/>
+                    <a:lstStyle/>
+                    <a:p>
+                      <a:pPr algn="ctr"/>
+                      <a:r>
+                        <a:rPr kumimoji="1" lang="en-US" altLang="ja-JP" sz="1050" b="1" dirty="0">
+                          <a:latin typeface="メイリオ" panose="020B0604030504040204" pitchFamily="50" charset="-128"/>
+                          <a:ea typeface="メイリオ" panose="020B0604030504040204" pitchFamily="50" charset="-128"/>
+                        </a:rPr>
+                        <a:t>2</a:t>
+                      </a:r>
+                      <a:endParaRPr kumimoji="1" lang="ja-JP" altLang="en-US" sz="1050" b="1" dirty="0">
+                        <a:latin typeface="メイリオ" panose="020B0604030504040204" pitchFamily="50" charset="-128"/>
+                        <a:ea typeface="メイリオ" panose="020B0604030504040204" pitchFamily="50" charset="-128"/>
+                      </a:endParaRPr>
+                    </a:p>
+                  </a:txBody>
+                  <a:tcPr/>
+                </a:tc>
+                <a:extLst>
+                  <a:ext uri="{0D108BD9-81ED-4DB2-BD59-A6C34878D82A}">
+                    <a16:rowId xmlns:a16="http://schemas.microsoft.com/office/drawing/2014/main" val="2184997223"/>
+                  </a:ext>
+                </a:extLst>
+              </a:tr>
+              <a:tr h="248645">
+                <a:tc>
+                  <a:txBody>
+                    <a:bodyPr/>
+                    <a:lstStyle/>
+                    <a:p>
+                      <a:pPr algn="ctr"/>
+                      <a:r>
+                        <a:rPr kumimoji="1" lang="en-US" altLang="ja-JP" sz="1050" dirty="0">
+                          <a:latin typeface="メイリオ" panose="020B0604030504040204" pitchFamily="50" charset="-128"/>
+                          <a:ea typeface="メイリオ" panose="020B0604030504040204" pitchFamily="50" charset="-128"/>
+                        </a:rPr>
+                        <a:t>13</a:t>
+                      </a:r>
+                      <a:endParaRPr kumimoji="1" lang="ja-JP" altLang="en-US" sz="1050" dirty="0">
+                        <a:latin typeface="メイリオ" panose="020B0604030504040204" pitchFamily="50" charset="-128"/>
+                        <a:ea typeface="メイリオ" panose="020B0604030504040204" pitchFamily="50" charset="-128"/>
+                      </a:endParaRPr>
+                    </a:p>
+                  </a:txBody>
+                  <a:tcPr/>
+                </a:tc>
+                <a:tc>
+                  <a:txBody>
+                    <a:bodyPr/>
+                    <a:lstStyle/>
+                    <a:p>
+                      <a:pPr algn="ctr"/>
+                      <a:r>
+                        <a:rPr kumimoji="1" lang="en-US" altLang="ja-JP" sz="1050" dirty="0">
+                          <a:latin typeface="メイリオ" panose="020B0604030504040204" pitchFamily="50" charset="-128"/>
+                          <a:ea typeface="メイリオ" panose="020B0604030504040204" pitchFamily="50" charset="-128"/>
+                        </a:rPr>
+                        <a:t>8.80</a:t>
+                      </a:r>
+                      <a:endParaRPr kumimoji="1" lang="ja-JP" altLang="en-US" sz="1050" dirty="0">
+                        <a:latin typeface="メイリオ" panose="020B0604030504040204" pitchFamily="50" charset="-128"/>
+                        <a:ea typeface="メイリオ" panose="020B0604030504040204" pitchFamily="50" charset="-128"/>
+                      </a:endParaRPr>
+                    </a:p>
+                  </a:txBody>
+                  <a:tcPr/>
+                </a:tc>
+                <a:tc>
+                  <a:txBody>
+                    <a:bodyPr/>
+                    <a:lstStyle/>
+                    <a:p>
+                      <a:pPr algn="ctr"/>
+                      <a:r>
+                        <a:rPr kumimoji="1" lang="en-US" altLang="ja-JP" sz="1050" dirty="0">
+                          <a:latin typeface="メイリオ" panose="020B0604030504040204" pitchFamily="50" charset="-128"/>
+                          <a:ea typeface="メイリオ" panose="020B0604030504040204" pitchFamily="50" charset="-128"/>
+                        </a:rPr>
+                        <a:t>70</a:t>
+                      </a:r>
+                      <a:endParaRPr kumimoji="1" lang="ja-JP" altLang="en-US" sz="1050" dirty="0">
+                        <a:latin typeface="メイリオ" panose="020B0604030504040204" pitchFamily="50" charset="-128"/>
+                        <a:ea typeface="メイリオ" panose="020B0604030504040204" pitchFamily="50" charset="-128"/>
+                      </a:endParaRPr>
+                    </a:p>
+                  </a:txBody>
+                  <a:tcPr/>
+                </a:tc>
+                <a:tc>
+                  <a:txBody>
+                    <a:bodyPr/>
+                    <a:lstStyle/>
+                    <a:p>
+                      <a:pPr algn="ctr"/>
+                      <a:r>
+                        <a:rPr kumimoji="1" lang="en-US" altLang="ja-JP" sz="1050" b="1" dirty="0">
+                          <a:latin typeface="メイリオ" panose="020B0604030504040204" pitchFamily="50" charset="-128"/>
+                          <a:ea typeface="メイリオ" panose="020B0604030504040204" pitchFamily="50" charset="-128"/>
+                        </a:rPr>
+                        <a:t>3</a:t>
+                      </a:r>
+                      <a:endParaRPr kumimoji="1" lang="ja-JP" altLang="en-US" sz="1050" b="1" dirty="0">
+                        <a:latin typeface="メイリオ" panose="020B0604030504040204" pitchFamily="50" charset="-128"/>
+                        <a:ea typeface="メイリオ" panose="020B0604030504040204" pitchFamily="50" charset="-128"/>
+                      </a:endParaRPr>
+                    </a:p>
+                  </a:txBody>
+                  <a:tcPr/>
+                </a:tc>
+                <a:extLst>
+                  <a:ext uri="{0D108BD9-81ED-4DB2-BD59-A6C34878D82A}">
+                    <a16:rowId xmlns:a16="http://schemas.microsoft.com/office/drawing/2014/main" val="640395947"/>
+                  </a:ext>
+                </a:extLst>
+              </a:tr>
+              <a:tr h="248645">
+                <a:tc>
+                  <a:txBody>
+                    <a:bodyPr/>
+                    <a:lstStyle/>
+                    <a:p>
+                      <a:pPr algn="ctr"/>
+                      <a:r>
+                        <a:rPr kumimoji="1" lang="en-US" altLang="ja-JP" sz="1050" dirty="0">
+                          <a:latin typeface="メイリオ" panose="020B0604030504040204" pitchFamily="50" charset="-128"/>
+                          <a:ea typeface="メイリオ" panose="020B0604030504040204" pitchFamily="50" charset="-128"/>
+                        </a:rPr>
+                        <a:t>14</a:t>
+                      </a:r>
+                      <a:endParaRPr kumimoji="1" lang="ja-JP" altLang="en-US" sz="1050" dirty="0">
+                        <a:latin typeface="メイリオ" panose="020B0604030504040204" pitchFamily="50" charset="-128"/>
+                        <a:ea typeface="メイリオ" panose="020B0604030504040204" pitchFamily="50" charset="-128"/>
+                      </a:endParaRPr>
+                    </a:p>
+                  </a:txBody>
+                  <a:tcPr/>
+                </a:tc>
+                <a:tc>
+                  <a:txBody>
+                    <a:bodyPr/>
+                    <a:lstStyle/>
+                    <a:p>
+                      <a:pPr algn="ctr"/>
+                      <a:r>
+                        <a:rPr kumimoji="1" lang="en-US" altLang="ja-JP" sz="1050" dirty="0">
+                          <a:latin typeface="メイリオ" panose="020B0604030504040204" pitchFamily="50" charset="-128"/>
+                          <a:ea typeface="メイリオ" panose="020B0604030504040204" pitchFamily="50" charset="-128"/>
+                        </a:rPr>
+                        <a:t>9.20</a:t>
+                      </a:r>
+                      <a:endParaRPr kumimoji="1" lang="ja-JP" altLang="en-US" sz="1050" dirty="0">
+                        <a:latin typeface="メイリオ" panose="020B0604030504040204" pitchFamily="50" charset="-128"/>
+                        <a:ea typeface="メイリオ" panose="020B0604030504040204" pitchFamily="50" charset="-128"/>
+                      </a:endParaRPr>
+                    </a:p>
+                  </a:txBody>
+                  <a:tcPr/>
+                </a:tc>
+                <a:tc>
+                  <a:txBody>
+                    <a:bodyPr/>
+                    <a:lstStyle/>
+                    <a:p>
+                      <a:pPr algn="ctr"/>
+                      <a:r>
+                        <a:rPr kumimoji="1" lang="en-US" altLang="ja-JP" sz="1050" dirty="0">
+                          <a:latin typeface="メイリオ" panose="020B0604030504040204" pitchFamily="50" charset="-128"/>
+                          <a:ea typeface="メイリオ" panose="020B0604030504040204" pitchFamily="50" charset="-128"/>
+                        </a:rPr>
+                        <a:t>100</a:t>
+                      </a:r>
+                      <a:endParaRPr kumimoji="1" lang="ja-JP" altLang="en-US" sz="1050" dirty="0">
+                        <a:latin typeface="メイリオ" panose="020B0604030504040204" pitchFamily="50" charset="-128"/>
+                        <a:ea typeface="メイリオ" panose="020B0604030504040204" pitchFamily="50" charset="-128"/>
+                      </a:endParaRPr>
+                    </a:p>
+                  </a:txBody>
+                  <a:tcPr/>
+                </a:tc>
+                <a:tc>
+                  <a:txBody>
+                    <a:bodyPr/>
+                    <a:lstStyle/>
+                    <a:p>
+                      <a:pPr algn="ctr"/>
+                      <a:r>
+                        <a:rPr kumimoji="1" lang="en-US" altLang="ja-JP" sz="1050" b="1" dirty="0">
+                          <a:latin typeface="メイリオ" panose="020B0604030504040204" pitchFamily="50" charset="-128"/>
+                          <a:ea typeface="メイリオ" panose="020B0604030504040204" pitchFamily="50" charset="-128"/>
+                        </a:rPr>
+                        <a:t>0</a:t>
+                      </a:r>
+                      <a:endParaRPr kumimoji="1" lang="ja-JP" altLang="en-US" sz="1050" b="1" dirty="0">
+                        <a:latin typeface="メイリオ" panose="020B0604030504040204" pitchFamily="50" charset="-128"/>
+                        <a:ea typeface="メイリオ" panose="020B0604030504040204" pitchFamily="50" charset="-128"/>
+                      </a:endParaRPr>
+                    </a:p>
+                  </a:txBody>
+                  <a:tcPr/>
+                </a:tc>
+                <a:extLst>
+                  <a:ext uri="{0D108BD9-81ED-4DB2-BD59-A6C34878D82A}">
+                    <a16:rowId xmlns:a16="http://schemas.microsoft.com/office/drawing/2014/main" val="1758271375"/>
+                  </a:ext>
+                </a:extLst>
+              </a:tr>
+            </a:tbl>
+          </a:graphicData>
+        </a:graphic>
+      </p:graphicFrame>
+      <p:graphicFrame>
+        <p:nvGraphicFramePr>
+          <p:cNvPr id="22" name="表 21">
+            <a:extLst>
+              <a:ext uri="{FF2B5EF4-FFF2-40B4-BE49-F238E27FC236}">
+                <a16:creationId xmlns:a16="http://schemas.microsoft.com/office/drawing/2014/main" id="{6B37A961-2EE8-42B9-964E-2C7406A83BD5}"/>
+              </a:ext>
+            </a:extLst>
+          </p:cNvPr>
+          <p:cNvGraphicFramePr>
+            <a:graphicFrameLocks noGrp="1"/>
+          </p:cNvGraphicFramePr>
+          <p:nvPr>
+            <p:extLst>
+              <p:ext uri="{D42A27DB-BD31-4B8C-83A1-F6EECF244321}">
+                <p14:modId xmlns:p14="http://schemas.microsoft.com/office/powerpoint/2010/main" val="3523189396"/>
+              </p:ext>
+            </p:extLst>
+          </p:nvPr>
+        </p:nvGraphicFramePr>
+        <p:xfrm>
+          <a:off x="3736504" y="7703760"/>
+          <a:ext cx="3196258" cy="1417320"/>
+        </p:xfrm>
+        <a:graphic>
+          <a:graphicData uri="http://schemas.openxmlformats.org/drawingml/2006/table">
+            <a:tbl>
+              <a:tblPr firstRow="1" firstCol="1" bandRow="1">
+                <a:tableStyleId>{93296810-A885-4BE3-A3E7-6D5BEEA58F35}</a:tableStyleId>
+              </a:tblPr>
+              <a:tblGrid>
+                <a:gridCol w="804793">
+                  <a:extLst>
+                    <a:ext uri="{9D8B030D-6E8A-4147-A177-3AD203B41FA5}">
+                      <a16:colId xmlns:a16="http://schemas.microsoft.com/office/drawing/2014/main" val="2494303227"/>
+                    </a:ext>
+                  </a:extLst>
+                </a:gridCol>
+                <a:gridCol w="605155">
+                  <a:extLst>
+                    <a:ext uri="{9D8B030D-6E8A-4147-A177-3AD203B41FA5}">
+                      <a16:colId xmlns:a16="http://schemas.microsoft.com/office/drawing/2014/main" val="1403888561"/>
+                    </a:ext>
+                  </a:extLst>
+                </a:gridCol>
+                <a:gridCol w="605155">
+                  <a:extLst>
+                    <a:ext uri="{9D8B030D-6E8A-4147-A177-3AD203B41FA5}">
+                      <a16:colId xmlns:a16="http://schemas.microsoft.com/office/drawing/2014/main" val="1885886303"/>
+                    </a:ext>
+                  </a:extLst>
+                </a:gridCol>
+                <a:gridCol w="605155">
+                  <a:extLst>
+                    <a:ext uri="{9D8B030D-6E8A-4147-A177-3AD203B41FA5}">
+                      <a16:colId xmlns:a16="http://schemas.microsoft.com/office/drawing/2014/main" val="245119094"/>
+                    </a:ext>
+                  </a:extLst>
+                </a:gridCol>
+                <a:gridCol w="576000">
+                  <a:extLst>
+                    <a:ext uri="{9D8B030D-6E8A-4147-A177-3AD203B41FA5}">
+                      <a16:colId xmlns:a16="http://schemas.microsoft.com/office/drawing/2014/main" val="982122723"/>
+                    </a:ext>
+                  </a:extLst>
+                </a:gridCol>
+              </a:tblGrid>
+              <a:tr h="0">
+                <a:tc>
+                  <a:txBody>
+                    <a:bodyPr/>
+                    <a:lstStyle/>
+                    <a:p>
+                      <a:pPr algn="ctr"/>
+                      <a:r>
+                        <a:rPr kumimoji="1" lang="ja-JP" altLang="en-US" sz="1050" dirty="0"/>
+                        <a:t>曲率分類</a:t>
+                      </a:r>
+                    </a:p>
+                  </a:txBody>
+                  <a:tcPr anchor="ctr"/>
+                </a:tc>
+                <a:tc>
+                  <a:txBody>
+                    <a:bodyPr/>
+                    <a:lstStyle/>
+                    <a:p>
+                      <a:pPr algn="ctr"/>
+                      <a:r>
+                        <a:rPr kumimoji="1" lang="en-US" altLang="ja-JP" sz="1050" dirty="0"/>
+                        <a:t>0</a:t>
+                      </a:r>
+                      <a:endParaRPr kumimoji="1" lang="ja-JP" altLang="en-US" sz="1050" dirty="0"/>
+                    </a:p>
+                  </a:txBody>
+                  <a:tcPr anchor="ctr"/>
+                </a:tc>
+                <a:tc>
+                  <a:txBody>
+                    <a:bodyPr/>
+                    <a:lstStyle/>
+                    <a:p>
+                      <a:pPr algn="ctr"/>
+                      <a:r>
+                        <a:rPr kumimoji="1" lang="en-US" altLang="ja-JP" sz="1050" dirty="0"/>
+                        <a:t>1</a:t>
+                      </a:r>
+                      <a:endParaRPr kumimoji="1" lang="ja-JP" altLang="en-US" sz="1050" dirty="0"/>
+                    </a:p>
+                  </a:txBody>
+                  <a:tcPr anchor="ctr"/>
+                </a:tc>
+                <a:tc>
+                  <a:txBody>
+                    <a:bodyPr/>
+                    <a:lstStyle/>
+                    <a:p>
+                      <a:pPr algn="ctr"/>
+                      <a:r>
+                        <a:rPr kumimoji="1" lang="en-US" altLang="ja-JP" sz="1050" dirty="0"/>
+                        <a:t>2</a:t>
+                      </a:r>
+                      <a:endParaRPr kumimoji="1" lang="ja-JP" altLang="en-US" sz="1050" dirty="0"/>
+                    </a:p>
+                  </a:txBody>
+                  <a:tcPr anchor="ctr"/>
+                </a:tc>
+                <a:tc>
+                  <a:txBody>
+                    <a:bodyPr/>
+                    <a:lstStyle/>
+                    <a:p>
+                      <a:pPr algn="ctr"/>
+                      <a:r>
+                        <a:rPr kumimoji="1" lang="en-US" altLang="ja-JP" sz="1050" dirty="0"/>
+                        <a:t>3</a:t>
+                      </a:r>
+                      <a:endParaRPr kumimoji="1" lang="ja-JP" altLang="en-US" sz="1050" dirty="0"/>
+                    </a:p>
+                  </a:txBody>
+                  <a:tcPr anchor="ctr"/>
+                </a:tc>
+                <a:extLst>
+                  <a:ext uri="{0D108BD9-81ED-4DB2-BD59-A6C34878D82A}">
+                    <a16:rowId xmlns:a16="http://schemas.microsoft.com/office/drawing/2014/main" val="641713983"/>
+                  </a:ext>
+                </a:extLst>
+              </a:tr>
+              <a:tr h="0">
+                <a:tc>
+                  <a:txBody>
+                    <a:bodyPr/>
+                    <a:lstStyle/>
+                    <a:p>
+                      <a:pPr algn="ctr"/>
+                      <a:r>
+                        <a:rPr kumimoji="1" lang="ja-JP" altLang="en-US" sz="1050" b="1" dirty="0">
+                          <a:latin typeface="+mn-ea"/>
+                          <a:ea typeface="+mn-ea"/>
+                        </a:rPr>
+                        <a:t>曲率</a:t>
+                      </a:r>
+                      <a:endParaRPr kumimoji="1" lang="en-US" altLang="ja-JP" sz="1050" b="1" dirty="0">
+                        <a:latin typeface="+mn-ea"/>
+                        <a:ea typeface="+mn-ea"/>
+                      </a:endParaRPr>
+                    </a:p>
+                    <a:p>
+                      <a:pPr algn="ctr"/>
+                      <a:r>
+                        <a:rPr kumimoji="1" lang="ja-JP" altLang="en-US" sz="1050" b="1" dirty="0">
+                          <a:latin typeface="+mn-ea"/>
+                          <a:ea typeface="+mn-ea"/>
+                        </a:rPr>
+                        <a:t>旋回量</a:t>
+                      </a:r>
+                    </a:p>
+                  </a:txBody>
+                  <a:tcPr anchor="ctr"/>
+                </a:tc>
+                <a:tc>
+                  <a:txBody>
+                    <a:bodyPr/>
+                    <a:lstStyle/>
+                    <a:p>
+                      <a:pPr algn="ctr"/>
+                      <a:r>
+                        <a:rPr kumimoji="1" lang="en-US" altLang="ja-JP" sz="1050" dirty="0">
+                          <a:latin typeface="メイリオ" panose="020B0604030504040204" pitchFamily="50" charset="-128"/>
+                          <a:ea typeface="メイリオ" panose="020B0604030504040204" pitchFamily="50" charset="-128"/>
+                        </a:rPr>
+                        <a:t>0</a:t>
+                      </a:r>
+                      <a:endParaRPr kumimoji="1" lang="ja-JP" altLang="en-US" sz="1050" dirty="0">
+                        <a:latin typeface="メイリオ" panose="020B0604030504040204" pitchFamily="50" charset="-128"/>
+                        <a:ea typeface="メイリオ" panose="020B0604030504040204" pitchFamily="50" charset="-128"/>
+                      </a:endParaRPr>
+                    </a:p>
+                  </a:txBody>
+                  <a:tcPr anchor="ctr"/>
+                </a:tc>
+                <a:tc>
+                  <a:txBody>
+                    <a:bodyPr/>
+                    <a:lstStyle/>
+                    <a:p>
+                      <a:pPr algn="ctr"/>
+                      <a:r>
+                        <a:rPr kumimoji="1" lang="en-US" altLang="ja-JP" sz="1050" dirty="0">
+                          <a:latin typeface="メイリオ" panose="020B0604030504040204" pitchFamily="50" charset="-128"/>
+                          <a:ea typeface="メイリオ" panose="020B0604030504040204" pitchFamily="50" charset="-128"/>
+                        </a:rPr>
+                        <a:t>10</a:t>
+                      </a:r>
+                      <a:endParaRPr kumimoji="1" lang="ja-JP" altLang="en-US" sz="1050" dirty="0">
+                        <a:latin typeface="メイリオ" panose="020B0604030504040204" pitchFamily="50" charset="-128"/>
+                        <a:ea typeface="メイリオ" panose="020B0604030504040204" pitchFamily="50" charset="-128"/>
+                      </a:endParaRPr>
+                    </a:p>
+                  </a:txBody>
+                  <a:tcPr anchor="ctr"/>
+                </a:tc>
+                <a:tc>
+                  <a:txBody>
+                    <a:bodyPr/>
+                    <a:lstStyle/>
+                    <a:p>
+                      <a:pPr algn="ctr"/>
+                      <a:r>
+                        <a:rPr kumimoji="1" lang="en-US" altLang="ja-JP" sz="1050" dirty="0">
+                          <a:latin typeface="メイリオ" panose="020B0604030504040204" pitchFamily="50" charset="-128"/>
+                          <a:ea typeface="メイリオ" panose="020B0604030504040204" pitchFamily="50" charset="-128"/>
+                        </a:rPr>
+                        <a:t>11</a:t>
+                      </a:r>
+                      <a:endParaRPr kumimoji="1" lang="ja-JP" altLang="en-US" sz="1050" dirty="0">
+                        <a:latin typeface="メイリオ" panose="020B0604030504040204" pitchFamily="50" charset="-128"/>
+                        <a:ea typeface="メイリオ" panose="020B0604030504040204" pitchFamily="50" charset="-128"/>
+                      </a:endParaRPr>
+                    </a:p>
+                  </a:txBody>
+                  <a:tcPr anchor="ctr"/>
+                </a:tc>
+                <a:tc>
+                  <a:txBody>
+                    <a:bodyPr/>
+                    <a:lstStyle/>
+                    <a:p>
+                      <a:pPr algn="ctr"/>
+                      <a:r>
+                        <a:rPr kumimoji="1" lang="en-US" altLang="ja-JP" sz="1050" dirty="0">
+                          <a:latin typeface="メイリオ" panose="020B0604030504040204" pitchFamily="50" charset="-128"/>
+                          <a:ea typeface="メイリオ" panose="020B0604030504040204" pitchFamily="50" charset="-128"/>
+                        </a:rPr>
+                        <a:t>15</a:t>
+                      </a:r>
+                      <a:endParaRPr kumimoji="1" lang="ja-JP" altLang="en-US" sz="1050" dirty="0">
+                        <a:latin typeface="メイリオ" panose="020B0604030504040204" pitchFamily="50" charset="-128"/>
+                        <a:ea typeface="メイリオ" panose="020B0604030504040204" pitchFamily="50" charset="-128"/>
+                      </a:endParaRPr>
+                    </a:p>
+                  </a:txBody>
+                  <a:tcPr anchor="ctr"/>
+                </a:tc>
+                <a:extLst>
+                  <a:ext uri="{0D108BD9-81ED-4DB2-BD59-A6C34878D82A}">
+                    <a16:rowId xmlns:a16="http://schemas.microsoft.com/office/drawing/2014/main" val="3494346181"/>
+                  </a:ext>
+                </a:extLst>
+              </a:tr>
+              <a:tr h="0">
+                <a:tc>
+                  <a:txBody>
+                    <a:bodyPr/>
+                    <a:lstStyle/>
+                    <a:p>
+                      <a:pPr algn="ctr"/>
+                      <a:r>
+                        <a:rPr kumimoji="1" lang="en-US" altLang="ja-JP" sz="1050" b="1" dirty="0" err="1">
+                          <a:latin typeface="+mn-ea"/>
+                          <a:ea typeface="+mn-ea"/>
+                        </a:rPr>
+                        <a:t>Kp</a:t>
+                      </a:r>
+                      <a:endParaRPr kumimoji="1" lang="ja-JP" altLang="en-US" sz="1050" b="1" dirty="0">
+                        <a:latin typeface="+mn-ea"/>
+                        <a:ea typeface="+mn-ea"/>
+                      </a:endParaRPr>
+                    </a:p>
+                  </a:txBody>
+                  <a:tcPr anchor="ctr"/>
+                </a:tc>
+                <a:tc>
+                  <a:txBody>
+                    <a:bodyPr/>
+                    <a:lstStyle/>
+                    <a:p>
+                      <a:pPr algn="ctr"/>
+                      <a:r>
+                        <a:rPr kumimoji="1" lang="en-US" altLang="ja-JP" sz="1050" dirty="0">
+                          <a:latin typeface="メイリオ" panose="020B0604030504040204" pitchFamily="50" charset="-128"/>
+                          <a:ea typeface="メイリオ" panose="020B0604030504040204" pitchFamily="50" charset="-128"/>
+                        </a:rPr>
+                        <a:t>0.400</a:t>
+                      </a:r>
+                      <a:endParaRPr kumimoji="1" lang="ja-JP" altLang="en-US" sz="1050" dirty="0">
+                        <a:latin typeface="メイリオ" panose="020B0604030504040204" pitchFamily="50" charset="-128"/>
+                        <a:ea typeface="メイリオ" panose="020B0604030504040204" pitchFamily="50" charset="-128"/>
+                      </a:endParaRPr>
+                    </a:p>
+                  </a:txBody>
+                  <a:tcPr anchor="ctr"/>
+                </a:tc>
+                <a:tc>
+                  <a:txBody>
+                    <a:bodyPr/>
+                    <a:lstStyle/>
+                    <a:p>
+                      <a:pPr algn="ctr"/>
+                      <a:r>
+                        <a:rPr kumimoji="1" lang="en-US" altLang="ja-JP" sz="1050" dirty="0">
+                          <a:latin typeface="メイリオ" panose="020B0604030504040204" pitchFamily="50" charset="-128"/>
+                          <a:ea typeface="メイリオ" panose="020B0604030504040204" pitchFamily="50" charset="-128"/>
+                        </a:rPr>
+                        <a:t>0.492</a:t>
+                      </a:r>
+                      <a:endParaRPr kumimoji="1" lang="ja-JP" altLang="en-US" sz="1050" dirty="0">
+                        <a:latin typeface="メイリオ" panose="020B0604030504040204" pitchFamily="50" charset="-128"/>
+                        <a:ea typeface="メイリオ" panose="020B0604030504040204" pitchFamily="50" charset="-128"/>
+                      </a:endParaRPr>
+                    </a:p>
+                  </a:txBody>
+                  <a:tcPr anchor="ctr"/>
+                </a:tc>
+                <a:tc>
+                  <a:txBody>
+                    <a:bodyPr/>
+                    <a:lstStyle/>
+                    <a:p>
+                      <a:pPr algn="ctr"/>
+                      <a:r>
+                        <a:rPr kumimoji="1" lang="en-US" altLang="ja-JP" sz="1050" dirty="0">
+                          <a:latin typeface="メイリオ" panose="020B0604030504040204" pitchFamily="50" charset="-128"/>
+                          <a:ea typeface="メイリオ" panose="020B0604030504040204" pitchFamily="50" charset="-128"/>
+                        </a:rPr>
+                        <a:t>0.500</a:t>
+                      </a:r>
+                      <a:endParaRPr kumimoji="1" lang="ja-JP" altLang="en-US" sz="1050" dirty="0">
+                        <a:latin typeface="メイリオ" panose="020B0604030504040204" pitchFamily="50" charset="-128"/>
+                        <a:ea typeface="メイリオ" panose="020B0604030504040204" pitchFamily="50" charset="-128"/>
+                      </a:endParaRPr>
+                    </a:p>
+                  </a:txBody>
+                  <a:tcPr anchor="ctr"/>
+                </a:tc>
+                <a:tc>
+                  <a:txBody>
+                    <a:bodyPr/>
+                    <a:lstStyle/>
+                    <a:p>
+                      <a:pPr algn="ctr"/>
+                      <a:r>
+                        <a:rPr kumimoji="1" lang="en-US" altLang="ja-JP" sz="1050" dirty="0">
+                          <a:latin typeface="メイリオ" panose="020B0604030504040204" pitchFamily="50" charset="-128"/>
+                          <a:ea typeface="メイリオ" panose="020B0604030504040204" pitchFamily="50" charset="-128"/>
+                        </a:rPr>
+                        <a:t>0.950</a:t>
+                      </a:r>
+                      <a:endParaRPr kumimoji="1" lang="ja-JP" altLang="en-US" sz="1050" dirty="0">
+                        <a:latin typeface="メイリオ" panose="020B0604030504040204" pitchFamily="50" charset="-128"/>
+                        <a:ea typeface="メイリオ" panose="020B0604030504040204" pitchFamily="50" charset="-128"/>
+                      </a:endParaRPr>
+                    </a:p>
+                  </a:txBody>
+                  <a:tcPr anchor="ctr"/>
+                </a:tc>
+                <a:extLst>
+                  <a:ext uri="{0D108BD9-81ED-4DB2-BD59-A6C34878D82A}">
+                    <a16:rowId xmlns:a16="http://schemas.microsoft.com/office/drawing/2014/main" val="3375009664"/>
+                  </a:ext>
+                </a:extLst>
+              </a:tr>
+              <a:tr h="0">
+                <a:tc>
+                  <a:txBody>
+                    <a:bodyPr/>
+                    <a:lstStyle/>
+                    <a:p>
+                      <a:pPr algn="ctr"/>
+                      <a:r>
+                        <a:rPr kumimoji="1" lang="en-US" altLang="ja-JP" sz="1050" b="1" dirty="0">
+                          <a:latin typeface="+mn-ea"/>
+                          <a:ea typeface="+mn-ea"/>
+                        </a:rPr>
+                        <a:t>Ki</a:t>
+                      </a:r>
+                      <a:endParaRPr kumimoji="1" lang="ja-JP" altLang="en-US" sz="1050" b="1" dirty="0">
+                        <a:latin typeface="+mn-ea"/>
+                        <a:ea typeface="+mn-ea"/>
+                      </a:endParaRPr>
+                    </a:p>
+                  </a:txBody>
+                  <a:tcPr anchor="ctr"/>
+                </a:tc>
+                <a:tc>
+                  <a:txBody>
+                    <a:bodyPr/>
+                    <a:lstStyle/>
+                    <a:p>
+                      <a:pPr algn="ctr"/>
+                      <a:r>
+                        <a:rPr kumimoji="1" lang="en-US" altLang="ja-JP" sz="1050" dirty="0">
+                          <a:latin typeface="メイリオ" panose="020B0604030504040204" pitchFamily="50" charset="-128"/>
+                          <a:ea typeface="メイリオ" panose="020B0604030504040204" pitchFamily="50" charset="-128"/>
+                        </a:rPr>
+                        <a:t>0.002</a:t>
+                      </a:r>
+                      <a:endParaRPr kumimoji="1" lang="ja-JP" altLang="en-US" sz="1050" dirty="0">
+                        <a:latin typeface="メイリオ" panose="020B0604030504040204" pitchFamily="50" charset="-128"/>
+                        <a:ea typeface="メイリオ" panose="020B0604030504040204" pitchFamily="50" charset="-128"/>
+                      </a:endParaRPr>
+                    </a:p>
+                  </a:txBody>
+                  <a:tcPr anchor="ctr"/>
+                </a:tc>
+                <a:tc>
+                  <a:txBody>
+                    <a:bodyPr/>
+                    <a:lstStyle/>
+                    <a:p>
+                      <a:pPr algn="ctr"/>
+                      <a:r>
+                        <a:rPr kumimoji="1" lang="en-US" altLang="ja-JP" sz="1050" dirty="0">
+                          <a:latin typeface="メイリオ" panose="020B0604030504040204" pitchFamily="50" charset="-128"/>
+                          <a:ea typeface="メイリオ" panose="020B0604030504040204" pitchFamily="50" charset="-128"/>
+                        </a:rPr>
+                        <a:t>0.002</a:t>
+                      </a:r>
+                      <a:endParaRPr kumimoji="1" lang="ja-JP" altLang="en-US" sz="1050" dirty="0">
+                        <a:latin typeface="メイリオ" panose="020B0604030504040204" pitchFamily="50" charset="-128"/>
+                        <a:ea typeface="メイリオ" panose="020B0604030504040204" pitchFamily="50" charset="-128"/>
+                      </a:endParaRPr>
+                    </a:p>
+                  </a:txBody>
+                  <a:tcPr anchor="ctr"/>
+                </a:tc>
+                <a:tc>
+                  <a:txBody>
+                    <a:bodyPr/>
+                    <a:lstStyle/>
+                    <a:p>
+                      <a:pPr algn="ctr"/>
+                      <a:r>
+                        <a:rPr kumimoji="1" lang="en-US" altLang="ja-JP" sz="1050" dirty="0">
+                          <a:latin typeface="メイリオ" panose="020B0604030504040204" pitchFamily="50" charset="-128"/>
+                          <a:ea typeface="メイリオ" panose="020B0604030504040204" pitchFamily="50" charset="-128"/>
+                        </a:rPr>
+                        <a:t>0.002</a:t>
+                      </a:r>
+                      <a:endParaRPr kumimoji="1" lang="ja-JP" altLang="en-US" sz="1050" dirty="0">
+                        <a:latin typeface="メイリオ" panose="020B0604030504040204" pitchFamily="50" charset="-128"/>
+                        <a:ea typeface="メイリオ" panose="020B0604030504040204" pitchFamily="50" charset="-128"/>
+                      </a:endParaRPr>
+                    </a:p>
+                  </a:txBody>
+                  <a:tcPr anchor="ctr"/>
+                </a:tc>
+                <a:tc>
+                  <a:txBody>
+                    <a:bodyPr/>
+                    <a:lstStyle/>
+                    <a:p>
+                      <a:pPr algn="ctr"/>
+                      <a:r>
+                        <a:rPr kumimoji="1" lang="en-US" altLang="ja-JP" sz="1050" dirty="0">
+                          <a:latin typeface="メイリオ" panose="020B0604030504040204" pitchFamily="50" charset="-128"/>
+                          <a:ea typeface="メイリオ" panose="020B0604030504040204" pitchFamily="50" charset="-128"/>
+                        </a:rPr>
+                        <a:t>0.002</a:t>
+                      </a:r>
+                      <a:endParaRPr kumimoji="1" lang="ja-JP" altLang="en-US" sz="1050" dirty="0">
+                        <a:latin typeface="メイリオ" panose="020B0604030504040204" pitchFamily="50" charset="-128"/>
+                        <a:ea typeface="メイリオ" panose="020B0604030504040204" pitchFamily="50" charset="-128"/>
+                      </a:endParaRPr>
+                    </a:p>
+                  </a:txBody>
+                  <a:tcPr anchor="ctr"/>
+                </a:tc>
+                <a:extLst>
+                  <a:ext uri="{0D108BD9-81ED-4DB2-BD59-A6C34878D82A}">
+                    <a16:rowId xmlns:a16="http://schemas.microsoft.com/office/drawing/2014/main" val="1304779332"/>
+                  </a:ext>
+                </a:extLst>
+              </a:tr>
+              <a:tr h="0">
+                <a:tc>
+                  <a:txBody>
+                    <a:bodyPr/>
+                    <a:lstStyle/>
+                    <a:p>
+                      <a:pPr algn="ctr"/>
+                      <a:r>
+                        <a:rPr kumimoji="1" lang="en-US" altLang="ja-JP" sz="1050" b="1" dirty="0" err="1">
+                          <a:latin typeface="+mn-ea"/>
+                          <a:ea typeface="+mn-ea"/>
+                        </a:rPr>
+                        <a:t>Kd</a:t>
+                      </a:r>
+                      <a:endParaRPr kumimoji="1" lang="ja-JP" altLang="en-US" sz="1050" b="1" dirty="0">
+                        <a:latin typeface="+mn-ea"/>
+                        <a:ea typeface="+mn-ea"/>
+                      </a:endParaRPr>
+                    </a:p>
+                  </a:txBody>
+                  <a:tcPr anchor="ctr"/>
+                </a:tc>
+                <a:tc>
+                  <a:txBody>
+                    <a:bodyPr/>
+                    <a:lstStyle/>
+                    <a:p>
+                      <a:pPr algn="ctr"/>
+                      <a:r>
+                        <a:rPr kumimoji="1" lang="en-US" altLang="ja-JP" sz="1050" dirty="0">
+                          <a:latin typeface="メイリオ" panose="020B0604030504040204" pitchFamily="50" charset="-128"/>
+                          <a:ea typeface="メイリオ" panose="020B0604030504040204" pitchFamily="50" charset="-128"/>
+                        </a:rPr>
+                        <a:t>0.031</a:t>
+                      </a:r>
+                      <a:endParaRPr kumimoji="1" lang="ja-JP" altLang="en-US" sz="1050" dirty="0">
+                        <a:latin typeface="メイリオ" panose="020B0604030504040204" pitchFamily="50" charset="-128"/>
+                        <a:ea typeface="メイリオ" panose="020B0604030504040204" pitchFamily="50" charset="-128"/>
+                      </a:endParaRPr>
+                    </a:p>
+                  </a:txBody>
+                  <a:tcPr anchor="ctr"/>
+                </a:tc>
+                <a:tc>
+                  <a:txBody>
+                    <a:bodyPr/>
+                    <a:lstStyle/>
+                    <a:p>
+                      <a:pPr algn="ctr"/>
+                      <a:r>
+                        <a:rPr kumimoji="1" lang="en-US" altLang="ja-JP" sz="1050" dirty="0">
+                          <a:latin typeface="メイリオ" panose="020B0604030504040204" pitchFamily="50" charset="-128"/>
+                          <a:ea typeface="メイリオ" panose="020B0604030504040204" pitchFamily="50" charset="-128"/>
+                        </a:rPr>
+                        <a:t>0.038</a:t>
+                      </a:r>
+                      <a:endParaRPr kumimoji="1" lang="ja-JP" altLang="en-US" sz="1050" dirty="0">
+                        <a:latin typeface="メイリオ" panose="020B0604030504040204" pitchFamily="50" charset="-128"/>
+                        <a:ea typeface="メイリオ" panose="020B0604030504040204" pitchFamily="50" charset="-128"/>
+                      </a:endParaRPr>
+                    </a:p>
+                  </a:txBody>
+                  <a:tcPr anchor="ctr"/>
+                </a:tc>
+                <a:tc>
+                  <a:txBody>
+                    <a:bodyPr/>
+                    <a:lstStyle/>
+                    <a:p>
+                      <a:pPr algn="ctr"/>
+                      <a:r>
+                        <a:rPr kumimoji="1" lang="en-US" altLang="ja-JP" sz="1050" dirty="0">
+                          <a:latin typeface="メイリオ" panose="020B0604030504040204" pitchFamily="50" charset="-128"/>
+                          <a:ea typeface="メイリオ" panose="020B0604030504040204" pitchFamily="50" charset="-128"/>
+                        </a:rPr>
+                        <a:t>0.039</a:t>
+                      </a:r>
+                      <a:endParaRPr kumimoji="1" lang="ja-JP" altLang="en-US" sz="1050" dirty="0">
+                        <a:latin typeface="メイリオ" panose="020B0604030504040204" pitchFamily="50" charset="-128"/>
+                        <a:ea typeface="メイリオ" panose="020B0604030504040204" pitchFamily="50" charset="-128"/>
+                      </a:endParaRPr>
+                    </a:p>
+                  </a:txBody>
+                  <a:tcPr anchor="ctr"/>
+                </a:tc>
+                <a:tc>
+                  <a:txBody>
+                    <a:bodyPr/>
+                    <a:lstStyle/>
+                    <a:p>
+                      <a:pPr algn="ctr"/>
+                      <a:r>
+                        <a:rPr kumimoji="1" lang="en-US" altLang="ja-JP" sz="1050" dirty="0">
+                          <a:latin typeface="メイリオ" panose="020B0604030504040204" pitchFamily="50" charset="-128"/>
+                          <a:ea typeface="メイリオ" panose="020B0604030504040204" pitchFamily="50" charset="-128"/>
+                        </a:rPr>
+                        <a:t>0.054</a:t>
+                      </a:r>
+                      <a:endParaRPr kumimoji="1" lang="ja-JP" altLang="en-US" sz="1050" dirty="0">
+                        <a:latin typeface="メイリオ" panose="020B0604030504040204" pitchFamily="50" charset="-128"/>
+                        <a:ea typeface="メイリオ" panose="020B0604030504040204" pitchFamily="50" charset="-128"/>
+                      </a:endParaRPr>
+                    </a:p>
+                  </a:txBody>
+                  <a:tcPr anchor="ctr"/>
+                </a:tc>
+                <a:extLst>
+                  <a:ext uri="{0D108BD9-81ED-4DB2-BD59-A6C34878D82A}">
+                    <a16:rowId xmlns:a16="http://schemas.microsoft.com/office/drawing/2014/main" val="3015067310"/>
+                  </a:ext>
+                </a:extLst>
+              </a:tr>
+            </a:tbl>
+          </a:graphicData>
+        </a:graphic>
+      </p:graphicFrame>
       <p:sp>
         <p:nvSpPr>
-          <p:cNvPr id="44" name="テキスト ボックス 43">
+          <p:cNvPr id="47" name="テキスト ボックス 46">
             <a:extLst>
               <a:ext uri="{FF2B5EF4-FFF2-40B4-BE49-F238E27FC236}">
-                <a16:creationId xmlns:a16="http://schemas.microsoft.com/office/drawing/2014/main" id="{260D1358-06EA-4BC9-9E14-972D49A596DC}"/>
+                <a16:creationId xmlns:a16="http://schemas.microsoft.com/office/drawing/2014/main" id="{ADB9593F-AF7A-4E76-9434-CD6DF4697538}"/>
               </a:ext>
             </a:extLst>
           </p:cNvPr>
@@ -7110,8 +10883,760 @@
         </p:nvSpPr>
         <p:spPr>
           <a:xfrm>
-            <a:off x="9765220" y="6716295"/>
-            <a:ext cx="1030011" cy="307777"/>
+            <a:off x="2211174" y="1776264"/>
+            <a:ext cx="1525330" cy="1246495"/>
+          </a:xfrm>
+          <a:prstGeom prst="rect">
+            <a:avLst/>
+          </a:prstGeom>
+          <a:ln w="28575"/>
+        </p:spPr>
+        <p:style>
+          <a:lnRef idx="2">
+            <a:schemeClr val="accent6"/>
+          </a:lnRef>
+          <a:fillRef idx="1">
+            <a:schemeClr val="lt1"/>
+          </a:fillRef>
+          <a:effectRef idx="0">
+            <a:schemeClr val="accent6"/>
+          </a:effectRef>
+          <a:fontRef idx="minor">
+            <a:schemeClr val="dk1"/>
+          </a:fontRef>
+        </p:style>
+        <p:txBody>
+          <a:bodyPr wrap="square" rtlCol="0">
+            <a:spAutoFit/>
+          </a:bodyPr>
+          <a:lstStyle/>
+          <a:p>
+            <a:r>
+              <a:rPr lang="ja-JP" altLang="en-US" sz="1200" b="1" dirty="0">
+                <a:latin typeface="+mn-lt"/>
+              </a:rPr>
+              <a:t>走行準備の定義</a:t>
+            </a:r>
+            <a:endParaRPr lang="en-US" altLang="ja-JP" sz="1200" b="1" dirty="0">
+              <a:latin typeface="+mn-lt"/>
+            </a:endParaRPr>
+          </a:p>
+          <a:p>
+            <a:r>
+              <a:rPr kumimoji="1" lang="ja-JP" altLang="en-US" sz="1050" dirty="0">
+                <a:latin typeface="メイリオ" panose="020B0604030504040204" pitchFamily="50" charset="-128"/>
+                <a:ea typeface="メイリオ" panose="020B0604030504040204" pitchFamily="50" charset="-128"/>
+              </a:rPr>
+              <a:t>・タスクの起動</a:t>
+            </a:r>
+            <a:endParaRPr kumimoji="1" lang="en-US" altLang="ja-JP" sz="1050" dirty="0">
+              <a:latin typeface="メイリオ" panose="020B0604030504040204" pitchFamily="50" charset="-128"/>
+              <a:ea typeface="メイリオ" panose="020B0604030504040204" pitchFamily="50" charset="-128"/>
+            </a:endParaRPr>
+          </a:p>
+          <a:p>
+            <a:r>
+              <a:rPr lang="ja-JP" altLang="en-US" sz="1050" dirty="0">
+                <a:latin typeface="メイリオ" panose="020B0604030504040204" pitchFamily="50" charset="-128"/>
+                <a:ea typeface="メイリオ" panose="020B0604030504040204" pitchFamily="50" charset="-128"/>
+              </a:rPr>
+              <a:t>・デバイスの</a:t>
+            </a:r>
+            <a:endParaRPr lang="en-US" altLang="ja-JP" sz="1050" dirty="0">
+              <a:latin typeface="メイリオ" panose="020B0604030504040204" pitchFamily="50" charset="-128"/>
+              <a:ea typeface="メイリオ" panose="020B0604030504040204" pitchFamily="50" charset="-128"/>
+            </a:endParaRPr>
+          </a:p>
+          <a:p>
+            <a:r>
+              <a:rPr kumimoji="1" lang="ja-JP" altLang="en-US" sz="1050" dirty="0">
+                <a:latin typeface="メイリオ" panose="020B0604030504040204" pitchFamily="50" charset="-128"/>
+                <a:ea typeface="メイリオ" panose="020B0604030504040204" pitchFamily="50" charset="-128"/>
+              </a:rPr>
+              <a:t>　キャリブレーション</a:t>
+            </a:r>
+            <a:endParaRPr kumimoji="1" lang="en-US" altLang="ja-JP" sz="1050" dirty="0">
+              <a:latin typeface="メイリオ" panose="020B0604030504040204" pitchFamily="50" charset="-128"/>
+              <a:ea typeface="メイリオ" panose="020B0604030504040204" pitchFamily="50" charset="-128"/>
+            </a:endParaRPr>
+          </a:p>
+          <a:p>
+            <a:r>
+              <a:rPr lang="ja-JP" altLang="en-US" sz="1050" dirty="0">
+                <a:latin typeface="メイリオ" panose="020B0604030504040204" pitchFamily="50" charset="-128"/>
+                <a:ea typeface="メイリオ" panose="020B0604030504040204" pitchFamily="50" charset="-128"/>
+              </a:rPr>
+              <a:t>・クラスの初期化</a:t>
+            </a:r>
+            <a:endParaRPr lang="en-US" altLang="ja-JP" sz="1050" dirty="0">
+              <a:latin typeface="メイリオ" panose="020B0604030504040204" pitchFamily="50" charset="-128"/>
+              <a:ea typeface="メイリオ" panose="020B0604030504040204" pitchFamily="50" charset="-128"/>
+            </a:endParaRPr>
+          </a:p>
+          <a:p>
+            <a:r>
+              <a:rPr lang="ja-JP" altLang="en-US" sz="1050" dirty="0">
+                <a:latin typeface="メイリオ" panose="020B0604030504040204" pitchFamily="50" charset="-128"/>
+                <a:ea typeface="メイリオ" panose="020B0604030504040204" pitchFamily="50" charset="-128"/>
+              </a:rPr>
+              <a:t>・尻尾の角度を一定値</a:t>
+            </a:r>
+            <a:endParaRPr lang="en-US" altLang="ja-JP" sz="1050" dirty="0">
+              <a:latin typeface="メイリオ" panose="020B0604030504040204" pitchFamily="50" charset="-128"/>
+              <a:ea typeface="メイリオ" panose="020B0604030504040204" pitchFamily="50" charset="-128"/>
+            </a:endParaRPr>
+          </a:p>
+          <a:p>
+            <a:r>
+              <a:rPr lang="ja-JP" altLang="en-US" sz="1050" dirty="0">
+                <a:latin typeface="メイリオ" panose="020B0604030504040204" pitchFamily="50" charset="-128"/>
+                <a:ea typeface="メイリオ" panose="020B0604030504040204" pitchFamily="50" charset="-128"/>
+              </a:rPr>
+              <a:t>　に設定する</a:t>
+            </a:r>
+            <a:endParaRPr lang="en-US" altLang="ja-JP" sz="1050" dirty="0">
+              <a:latin typeface="メイリオ" panose="020B0604030504040204" pitchFamily="50" charset="-128"/>
+              <a:ea typeface="メイリオ" panose="020B0604030504040204" pitchFamily="50" charset="-128"/>
+            </a:endParaRPr>
+          </a:p>
+        </p:txBody>
+      </p:sp>
+      <p:grpSp>
+        <p:nvGrpSpPr>
+          <p:cNvPr id="68" name="グループ化 67">
+            <a:extLst>
+              <a:ext uri="{FF2B5EF4-FFF2-40B4-BE49-F238E27FC236}">
+                <a16:creationId xmlns:a16="http://schemas.microsoft.com/office/drawing/2014/main" id="{33C8C714-EE3A-474D-9A74-3FFEB884F8DB}"/>
+              </a:ext>
+            </a:extLst>
+          </p:cNvPr>
+          <p:cNvGrpSpPr/>
+          <p:nvPr/>
+        </p:nvGrpSpPr>
+        <p:grpSpPr>
+          <a:xfrm>
+            <a:off x="1036918" y="1857146"/>
+            <a:ext cx="1043402" cy="1007558"/>
+            <a:chOff x="676878" y="1857146"/>
+            <a:chExt cx="1043402" cy="1007558"/>
+          </a:xfrm>
+        </p:grpSpPr>
+        <p:sp>
+          <p:nvSpPr>
+            <p:cNvPr id="61" name="楕円 60">
+              <a:extLst>
+                <a:ext uri="{FF2B5EF4-FFF2-40B4-BE49-F238E27FC236}">
+                  <a16:creationId xmlns:a16="http://schemas.microsoft.com/office/drawing/2014/main" id="{889BFC95-EAD4-4B8C-919A-96E2BBFFC1E8}"/>
+                </a:ext>
+              </a:extLst>
+            </p:cNvPr>
+            <p:cNvSpPr/>
+            <p:nvPr/>
+          </p:nvSpPr>
+          <p:spPr>
+            <a:xfrm>
+              <a:off x="721359" y="2085468"/>
+              <a:ext cx="928271" cy="315106"/>
+            </a:xfrm>
+            <a:prstGeom prst="ellipse">
+              <a:avLst/>
+            </a:prstGeom>
+            <a:ln w="12700">
+              <a:solidFill>
+                <a:schemeClr val="tx1"/>
+              </a:solidFill>
+            </a:ln>
+          </p:spPr>
+          <p:style>
+            <a:lnRef idx="1">
+              <a:schemeClr val="accent3"/>
+            </a:lnRef>
+            <a:fillRef idx="2">
+              <a:schemeClr val="accent3"/>
+            </a:fillRef>
+            <a:effectRef idx="1">
+              <a:schemeClr val="accent3"/>
+            </a:effectRef>
+            <a:fontRef idx="minor">
+              <a:schemeClr val="dk1"/>
+            </a:fontRef>
+          </p:style>
+          <p:txBody>
+            <a:bodyPr rtlCol="0" anchor="ctr"/>
+            <a:lstStyle/>
+            <a:p>
+              <a:pPr algn="ctr"/>
+              <a:r>
+                <a:rPr kumimoji="1" lang="ja-JP" altLang="en-US" sz="900" b="1" dirty="0">
+                  <a:latin typeface="ＭＳ ゴシック" panose="020B0609070205080204" pitchFamily="49" charset="-128"/>
+                  <a:ea typeface="ＭＳ ゴシック" panose="020B0609070205080204" pitchFamily="49" charset="-128"/>
+                </a:rPr>
+                <a:t>走行準備</a:t>
+              </a:r>
+              <a:endParaRPr kumimoji="1" lang="en-US" altLang="ja-JP" sz="900" b="1" dirty="0">
+                <a:latin typeface="ＭＳ ゴシック" panose="020B0609070205080204" pitchFamily="49" charset="-128"/>
+                <a:ea typeface="ＭＳ ゴシック" panose="020B0609070205080204" pitchFamily="49" charset="-128"/>
+              </a:endParaRPr>
+            </a:p>
+            <a:p>
+              <a:pPr algn="ctr"/>
+              <a:r>
+                <a:rPr kumimoji="1" lang="ja-JP" altLang="en-US" sz="900" b="1" dirty="0">
+                  <a:latin typeface="ＭＳ ゴシック" panose="020B0609070205080204" pitchFamily="49" charset="-128"/>
+                  <a:ea typeface="ＭＳ ゴシック" panose="020B0609070205080204" pitchFamily="49" charset="-128"/>
+                </a:rPr>
+                <a:t>をする</a:t>
+              </a:r>
+            </a:p>
+          </p:txBody>
+        </p:sp>
+        <p:sp>
+          <p:nvSpPr>
+            <p:cNvPr id="67" name="楕円 66">
+              <a:extLst>
+                <a:ext uri="{FF2B5EF4-FFF2-40B4-BE49-F238E27FC236}">
+                  <a16:creationId xmlns:a16="http://schemas.microsoft.com/office/drawing/2014/main" id="{7DC1A450-2911-4E73-A79B-11915430D426}"/>
+                </a:ext>
+              </a:extLst>
+            </p:cNvPr>
+            <p:cNvSpPr/>
+            <p:nvPr/>
+          </p:nvSpPr>
+          <p:spPr>
+            <a:xfrm>
+              <a:off x="726404" y="2500924"/>
+              <a:ext cx="928271" cy="315106"/>
+            </a:xfrm>
+            <a:prstGeom prst="ellipse">
+              <a:avLst/>
+            </a:prstGeom>
+            <a:solidFill>
+              <a:schemeClr val="accent6">
+                <a:lumMod val="20000"/>
+                <a:lumOff val="80000"/>
+              </a:schemeClr>
+            </a:solidFill>
+            <a:ln/>
+          </p:spPr>
+          <p:style>
+            <a:lnRef idx="2">
+              <a:schemeClr val="dk1"/>
+            </a:lnRef>
+            <a:fillRef idx="1">
+              <a:schemeClr val="lt1"/>
+            </a:fillRef>
+            <a:effectRef idx="0">
+              <a:schemeClr val="dk1"/>
+            </a:effectRef>
+            <a:fontRef idx="minor">
+              <a:schemeClr val="dk1"/>
+            </a:fontRef>
+          </p:style>
+          <p:txBody>
+            <a:bodyPr rtlCol="0" anchor="ctr"/>
+            <a:lstStyle/>
+            <a:p>
+              <a:pPr algn="ctr"/>
+              <a:r>
+                <a:rPr lang="ja-JP" altLang="en-US" sz="900" b="1" dirty="0">
+                  <a:latin typeface="ＭＳ ゴシック" panose="020B0609070205080204" pitchFamily="49" charset="-128"/>
+                  <a:ea typeface="ＭＳ ゴシック" panose="020B0609070205080204" pitchFamily="49" charset="-128"/>
+                </a:rPr>
+                <a:t>コースを完走</a:t>
+              </a:r>
+              <a:r>
+                <a:rPr kumimoji="1" lang="ja-JP" altLang="en-US" sz="900" b="1" dirty="0">
+                  <a:latin typeface="ＭＳ ゴシック" panose="020B0609070205080204" pitchFamily="49" charset="-128"/>
+                  <a:ea typeface="ＭＳ ゴシック" panose="020B0609070205080204" pitchFamily="49" charset="-128"/>
+                </a:rPr>
+                <a:t>する</a:t>
+              </a:r>
+            </a:p>
+          </p:txBody>
+        </p:sp>
+        <p:sp>
+          <p:nvSpPr>
+            <p:cNvPr id="64" name="正方形/長方形 63">
+              <a:extLst>
+                <a:ext uri="{FF2B5EF4-FFF2-40B4-BE49-F238E27FC236}">
+                  <a16:creationId xmlns:a16="http://schemas.microsoft.com/office/drawing/2014/main" id="{E51BF641-8BB7-4037-A2D8-DA5328B2C5A2}"/>
+                </a:ext>
+              </a:extLst>
+            </p:cNvPr>
+            <p:cNvSpPr/>
+            <p:nvPr/>
+          </p:nvSpPr>
+          <p:spPr>
+            <a:xfrm>
+              <a:off x="676878" y="1888626"/>
+              <a:ext cx="1043402" cy="976078"/>
+            </a:xfrm>
+            <a:prstGeom prst="rect">
+              <a:avLst/>
+            </a:prstGeom>
+            <a:noFill/>
+            <a:ln w="9525" cap="flat" cmpd="sng" algn="ctr">
+              <a:solidFill>
+                <a:schemeClr val="dk1"/>
+              </a:solidFill>
+              <a:prstDash val="solid"/>
+              <a:round/>
+              <a:headEnd type="none" w="med" len="med"/>
+              <a:tailEnd type="none" w="med" len="med"/>
+            </a:ln>
+          </p:spPr>
+          <p:style>
+            <a:lnRef idx="0">
+              <a:scrgbClr r="0" g="0" b="0"/>
+            </a:lnRef>
+            <a:fillRef idx="0">
+              <a:scrgbClr r="0" g="0" b="0"/>
+            </a:fillRef>
+            <a:effectRef idx="0">
+              <a:scrgbClr r="0" g="0" b="0"/>
+            </a:effectRef>
+            <a:fontRef idx="minor">
+              <a:schemeClr val="dk1"/>
+            </a:fontRef>
+          </p:style>
+          <p:txBody>
+            <a:bodyPr rtlCol="0" anchor="ctr"/>
+            <a:lstStyle/>
+            <a:p>
+              <a:pPr algn="ctr"/>
+              <a:endParaRPr kumimoji="1" lang="ja-JP" altLang="en-US"/>
+            </a:p>
+          </p:txBody>
+        </p:sp>
+        <p:sp>
+          <p:nvSpPr>
+            <p:cNvPr id="65" name="テキスト ボックス 64">
+              <a:extLst>
+                <a:ext uri="{FF2B5EF4-FFF2-40B4-BE49-F238E27FC236}">
+                  <a16:creationId xmlns:a16="http://schemas.microsoft.com/office/drawing/2014/main" id="{287591D1-77D5-42C4-9860-68AA55834D9D}"/>
+                </a:ext>
+              </a:extLst>
+            </p:cNvPr>
+            <p:cNvSpPr txBox="1"/>
+            <p:nvPr/>
+          </p:nvSpPr>
+          <p:spPr>
+            <a:xfrm>
+              <a:off x="927909" y="1857146"/>
+              <a:ext cx="580092" cy="230832"/>
+            </a:xfrm>
+            <a:prstGeom prst="rect">
+              <a:avLst/>
+            </a:prstGeom>
+            <a:noFill/>
+          </p:spPr>
+          <p:txBody>
+            <a:bodyPr wrap="square" rtlCol="0">
+              <a:spAutoFit/>
+            </a:bodyPr>
+            <a:lstStyle/>
+            <a:p>
+              <a:r>
+                <a:rPr kumimoji="1" lang="ja-JP" altLang="en-US" sz="900" b="1" dirty="0">
+                  <a:latin typeface="ＭＳ ゴシック" panose="020B0609070205080204" pitchFamily="49" charset="-128"/>
+                  <a:ea typeface="ＭＳ ゴシック" panose="020B0609070205080204" pitchFamily="49" charset="-128"/>
+                </a:rPr>
+                <a:t>走行体</a:t>
+              </a:r>
+            </a:p>
+          </p:txBody>
+        </p:sp>
+      </p:grpSp>
+      <p:grpSp>
+        <p:nvGrpSpPr>
+          <p:cNvPr id="86" name="グループ化 85">
+            <a:extLst>
+              <a:ext uri="{FF2B5EF4-FFF2-40B4-BE49-F238E27FC236}">
+                <a16:creationId xmlns:a16="http://schemas.microsoft.com/office/drawing/2014/main" id="{51CBA54F-9354-470A-BEEC-B87F0D117D99}"/>
+              </a:ext>
+            </a:extLst>
+          </p:cNvPr>
+          <p:cNvGrpSpPr/>
+          <p:nvPr/>
+        </p:nvGrpSpPr>
+        <p:grpSpPr>
+          <a:xfrm>
+            <a:off x="136104" y="2077069"/>
+            <a:ext cx="578591" cy="783364"/>
+            <a:chOff x="211698" y="2010032"/>
+            <a:chExt cx="597996" cy="796465"/>
+          </a:xfrm>
+        </p:grpSpPr>
+        <p:sp>
+          <p:nvSpPr>
+            <p:cNvPr id="69" name="フローチャート: 結合子 68">
+              <a:extLst>
+                <a:ext uri="{FF2B5EF4-FFF2-40B4-BE49-F238E27FC236}">
+                  <a16:creationId xmlns:a16="http://schemas.microsoft.com/office/drawing/2014/main" id="{FB4E80B8-9B6D-44C0-8009-87A18881A8D9}"/>
+                </a:ext>
+              </a:extLst>
+            </p:cNvPr>
+            <p:cNvSpPr/>
+            <p:nvPr/>
+          </p:nvSpPr>
+          <p:spPr>
+            <a:xfrm>
+              <a:off x="393885" y="2010032"/>
+              <a:ext cx="205929" cy="196118"/>
+            </a:xfrm>
+            <a:prstGeom prst="flowChartConnector">
+              <a:avLst/>
+            </a:prstGeom>
+            <a:solidFill>
+              <a:schemeClr val="accent6">
+                <a:lumMod val="20000"/>
+                <a:lumOff val="80000"/>
+              </a:schemeClr>
+            </a:solidFill>
+            <a:ln w="19050"/>
+          </p:spPr>
+          <p:style>
+            <a:lnRef idx="2">
+              <a:schemeClr val="dk1"/>
+            </a:lnRef>
+            <a:fillRef idx="1">
+              <a:schemeClr val="lt1"/>
+            </a:fillRef>
+            <a:effectRef idx="0">
+              <a:schemeClr val="dk1"/>
+            </a:effectRef>
+            <a:fontRef idx="minor">
+              <a:schemeClr val="dk1"/>
+            </a:fontRef>
+          </p:style>
+          <p:txBody>
+            <a:bodyPr rtlCol="0" anchor="ctr"/>
+            <a:lstStyle/>
+            <a:p>
+              <a:pPr algn="ctr"/>
+              <a:endParaRPr kumimoji="1" lang="ja-JP" altLang="en-US"/>
+            </a:p>
+          </p:txBody>
+        </p:sp>
+        <p:cxnSp>
+          <p:nvCxnSpPr>
+            <p:cNvPr id="71" name="直線コネクタ 70">
+              <a:extLst>
+                <a:ext uri="{FF2B5EF4-FFF2-40B4-BE49-F238E27FC236}">
+                  <a16:creationId xmlns:a16="http://schemas.microsoft.com/office/drawing/2014/main" id="{8AC6526F-35B4-47F3-A819-319E72C7BCD6}"/>
+                </a:ext>
+              </a:extLst>
+            </p:cNvPr>
+            <p:cNvCxnSpPr>
+              <a:cxnSpLocks/>
+            </p:cNvCxnSpPr>
+            <p:nvPr/>
+          </p:nvCxnSpPr>
+          <p:spPr>
+            <a:xfrm>
+              <a:off x="496852" y="2208312"/>
+              <a:ext cx="0" cy="217135"/>
+            </a:xfrm>
+            <a:prstGeom prst="line">
+              <a:avLst/>
+            </a:prstGeom>
+          </p:spPr>
+          <p:style>
+            <a:lnRef idx="3">
+              <a:schemeClr val="dk1"/>
+            </a:lnRef>
+            <a:fillRef idx="0">
+              <a:schemeClr val="dk1"/>
+            </a:fillRef>
+            <a:effectRef idx="2">
+              <a:schemeClr val="dk1"/>
+            </a:effectRef>
+            <a:fontRef idx="minor">
+              <a:schemeClr val="tx1"/>
+            </a:fontRef>
+          </p:style>
+        </p:cxnSp>
+        <p:cxnSp>
+          <p:nvCxnSpPr>
+            <p:cNvPr id="73" name="直線コネクタ 72">
+              <a:extLst>
+                <a:ext uri="{FF2B5EF4-FFF2-40B4-BE49-F238E27FC236}">
+                  <a16:creationId xmlns:a16="http://schemas.microsoft.com/office/drawing/2014/main" id="{55418612-6EC9-471B-BDD9-030CD17935CD}"/>
+                </a:ext>
+              </a:extLst>
+            </p:cNvPr>
+            <p:cNvCxnSpPr>
+              <a:cxnSpLocks/>
+            </p:cNvCxnSpPr>
+            <p:nvPr/>
+          </p:nvCxnSpPr>
+          <p:spPr>
+            <a:xfrm flipV="1">
+              <a:off x="315125" y="2302501"/>
+              <a:ext cx="363451" cy="243"/>
+            </a:xfrm>
+            <a:prstGeom prst="line">
+              <a:avLst/>
+            </a:prstGeom>
+          </p:spPr>
+          <p:style>
+            <a:lnRef idx="3">
+              <a:schemeClr val="dk1"/>
+            </a:lnRef>
+            <a:fillRef idx="0">
+              <a:schemeClr val="dk1"/>
+            </a:fillRef>
+            <a:effectRef idx="2">
+              <a:schemeClr val="dk1"/>
+            </a:effectRef>
+            <a:fontRef idx="minor">
+              <a:schemeClr val="tx1"/>
+            </a:fontRef>
+          </p:style>
+        </p:cxnSp>
+        <p:cxnSp>
+          <p:nvCxnSpPr>
+            <p:cNvPr id="77" name="直線コネクタ 76">
+              <a:extLst>
+                <a:ext uri="{FF2B5EF4-FFF2-40B4-BE49-F238E27FC236}">
+                  <a16:creationId xmlns:a16="http://schemas.microsoft.com/office/drawing/2014/main" id="{344117C9-D10E-44E6-800B-5E7E173B12A6}"/>
+                </a:ext>
+              </a:extLst>
+            </p:cNvPr>
+            <p:cNvCxnSpPr>
+              <a:cxnSpLocks/>
+            </p:cNvCxnSpPr>
+            <p:nvPr/>
+          </p:nvCxnSpPr>
+          <p:spPr>
+            <a:xfrm flipH="1">
+              <a:off x="367241" y="2415403"/>
+              <a:ext cx="125536" cy="187567"/>
+            </a:xfrm>
+            <a:prstGeom prst="line">
+              <a:avLst/>
+            </a:prstGeom>
+          </p:spPr>
+          <p:style>
+            <a:lnRef idx="3">
+              <a:schemeClr val="dk1"/>
+            </a:lnRef>
+            <a:fillRef idx="0">
+              <a:schemeClr val="dk1"/>
+            </a:fillRef>
+            <a:effectRef idx="2">
+              <a:schemeClr val="dk1"/>
+            </a:effectRef>
+            <a:fontRef idx="minor">
+              <a:schemeClr val="tx1"/>
+            </a:fontRef>
+          </p:style>
+        </p:cxnSp>
+        <p:cxnSp>
+          <p:nvCxnSpPr>
+            <p:cNvPr id="79" name="直線コネクタ 78">
+              <a:extLst>
+                <a:ext uri="{FF2B5EF4-FFF2-40B4-BE49-F238E27FC236}">
+                  <a16:creationId xmlns:a16="http://schemas.microsoft.com/office/drawing/2014/main" id="{EE3AB05F-704D-46AE-944B-AB9FF96164DE}"/>
+                </a:ext>
+              </a:extLst>
+            </p:cNvPr>
+            <p:cNvCxnSpPr>
+              <a:cxnSpLocks/>
+            </p:cNvCxnSpPr>
+            <p:nvPr/>
+          </p:nvCxnSpPr>
+          <p:spPr>
+            <a:xfrm>
+              <a:off x="498719" y="2416253"/>
+              <a:ext cx="123325" cy="183157"/>
+            </a:xfrm>
+            <a:prstGeom prst="line">
+              <a:avLst/>
+            </a:prstGeom>
+          </p:spPr>
+          <p:style>
+            <a:lnRef idx="3">
+              <a:schemeClr val="dk1"/>
+            </a:lnRef>
+            <a:fillRef idx="0">
+              <a:schemeClr val="dk1"/>
+            </a:fillRef>
+            <a:effectRef idx="2">
+              <a:schemeClr val="dk1"/>
+            </a:effectRef>
+            <a:fontRef idx="minor">
+              <a:schemeClr val="tx1"/>
+            </a:fontRef>
+          </p:style>
+        </p:cxnSp>
+        <p:sp>
+          <p:nvSpPr>
+            <p:cNvPr id="85" name="テキスト ボックス 84">
+              <a:extLst>
+                <a:ext uri="{FF2B5EF4-FFF2-40B4-BE49-F238E27FC236}">
+                  <a16:creationId xmlns:a16="http://schemas.microsoft.com/office/drawing/2014/main" id="{7FE50A5A-325A-437B-AB26-DFD1CB5E4F75}"/>
+                </a:ext>
+              </a:extLst>
+            </p:cNvPr>
+            <p:cNvSpPr txBox="1"/>
+            <p:nvPr/>
+          </p:nvSpPr>
+          <p:spPr>
+            <a:xfrm>
+              <a:off x="211698" y="2556158"/>
+              <a:ext cx="597996" cy="250339"/>
+            </a:xfrm>
+            <a:prstGeom prst="rect">
+              <a:avLst/>
+            </a:prstGeom>
+            <a:noFill/>
+          </p:spPr>
+          <p:txBody>
+            <a:bodyPr wrap="square" rtlCol="0">
+              <a:spAutoFit/>
+            </a:bodyPr>
+            <a:lstStyle/>
+            <a:p>
+              <a:r>
+                <a:rPr kumimoji="1" lang="ja-JP" altLang="en-US" sz="1000" b="1" dirty="0">
+                  <a:latin typeface="ＭＳ ゴシック" panose="020B0609070205080204" pitchFamily="49" charset="-128"/>
+                  <a:ea typeface="ＭＳ ゴシック" panose="020B0609070205080204" pitchFamily="49" charset="-128"/>
+                </a:rPr>
+                <a:t>競技者</a:t>
+              </a:r>
+            </a:p>
+          </p:txBody>
+        </p:sp>
+      </p:grpSp>
+      <p:cxnSp>
+        <p:nvCxnSpPr>
+          <p:cNvPr id="90" name="直線コネクタ 89">
+            <a:extLst>
+              <a:ext uri="{FF2B5EF4-FFF2-40B4-BE49-F238E27FC236}">
+                <a16:creationId xmlns:a16="http://schemas.microsoft.com/office/drawing/2014/main" id="{04AC3EFC-4FE7-42C3-8CC6-A716C5C275B9}"/>
+              </a:ext>
+            </a:extLst>
+          </p:cNvPr>
+          <p:cNvCxnSpPr>
+            <a:cxnSpLocks/>
+          </p:cNvCxnSpPr>
+          <p:nvPr/>
+        </p:nvCxnSpPr>
+        <p:spPr>
+          <a:xfrm flipV="1">
+            <a:off x="621438" y="2348818"/>
+            <a:ext cx="485522" cy="74468"/>
+          </a:xfrm>
+          <a:prstGeom prst="line">
+            <a:avLst/>
+          </a:prstGeom>
+        </p:spPr>
+        <p:style>
+          <a:lnRef idx="2">
+            <a:schemeClr val="dk1"/>
+          </a:lnRef>
+          <a:fillRef idx="0">
+            <a:schemeClr val="dk1"/>
+          </a:fillRef>
+          <a:effectRef idx="1">
+            <a:schemeClr val="dk1"/>
+          </a:effectRef>
+          <a:fontRef idx="minor">
+            <a:schemeClr val="tx1"/>
+          </a:fontRef>
+        </p:style>
+      </p:cxnSp>
+      <p:cxnSp>
+        <p:nvCxnSpPr>
+          <p:cNvPr id="93" name="直線コネクタ 92">
+            <a:extLst>
+              <a:ext uri="{FF2B5EF4-FFF2-40B4-BE49-F238E27FC236}">
+                <a16:creationId xmlns:a16="http://schemas.microsoft.com/office/drawing/2014/main" id="{5B3EF515-341E-4FFE-81D4-6F6345010D18}"/>
+              </a:ext>
+            </a:extLst>
+          </p:cNvPr>
+          <p:cNvCxnSpPr>
+            <a:cxnSpLocks/>
+          </p:cNvCxnSpPr>
+          <p:nvPr/>
+        </p:nvCxnSpPr>
+        <p:spPr>
+          <a:xfrm>
+            <a:off x="624018" y="2458098"/>
+            <a:ext cx="478530" cy="76836"/>
+          </a:xfrm>
+          <a:prstGeom prst="line">
+            <a:avLst/>
+          </a:prstGeom>
+        </p:spPr>
+        <p:style>
+          <a:lnRef idx="2">
+            <a:schemeClr val="dk1"/>
+          </a:lnRef>
+          <a:fillRef idx="0">
+            <a:schemeClr val="dk1"/>
+          </a:fillRef>
+          <a:effectRef idx="1">
+            <a:schemeClr val="dk1"/>
+          </a:effectRef>
+          <a:fontRef idx="minor">
+            <a:schemeClr val="tx1"/>
+          </a:fontRef>
+        </p:style>
+      </p:cxnSp>
+      <p:pic>
+        <p:nvPicPr>
+          <p:cNvPr id="104" name="図 103">
+            <a:extLst>
+              <a:ext uri="{FF2B5EF4-FFF2-40B4-BE49-F238E27FC236}">
+                <a16:creationId xmlns:a16="http://schemas.microsoft.com/office/drawing/2014/main" id="{C7E59AC0-4E60-4B8C-AF16-01A30E77E517}"/>
+              </a:ext>
+            </a:extLst>
+          </p:cNvPr>
+          <p:cNvPicPr>
+            <a:picLocks noChangeAspect="1"/>
+          </p:cNvPicPr>
+          <p:nvPr/>
+        </p:nvPicPr>
+        <p:blipFill>
+          <a:blip r:embed="rId2">
+            <a:extLst>
+              <a:ext uri="{28A0092B-C50C-407E-A947-70E740481C1C}">
+                <a14:useLocalDpi xmlns:a14="http://schemas.microsoft.com/office/drawing/2010/main" val="0"/>
+              </a:ext>
+            </a:extLst>
+          </a:blip>
+          <a:stretch>
+            <a:fillRect/>
+          </a:stretch>
+        </p:blipFill>
+        <p:spPr>
+          <a:xfrm>
+            <a:off x="3960993" y="739965"/>
+            <a:ext cx="2682327" cy="5742875"/>
+          </a:xfrm>
+          <a:prstGeom prst="rect">
+            <a:avLst/>
+          </a:prstGeom>
+        </p:spPr>
+      </p:pic>
+      <p:sp>
+        <p:nvSpPr>
+          <p:cNvPr id="106" name="テキスト ボックス 105">
+            <a:extLst>
+              <a:ext uri="{FF2B5EF4-FFF2-40B4-BE49-F238E27FC236}">
+                <a16:creationId xmlns:a16="http://schemas.microsoft.com/office/drawing/2014/main" id="{982D6E39-9B81-42B1-BF55-90096880B166}"/>
+              </a:ext>
+            </a:extLst>
+          </p:cNvPr>
+          <p:cNvSpPr txBox="1"/>
+          <p:nvPr/>
+        </p:nvSpPr>
+        <p:spPr>
+          <a:xfrm>
+            <a:off x="3590980" y="7337430"/>
+            <a:ext cx="3548524" cy="415498"/>
           </a:xfrm>
           <a:prstGeom prst="rect">
             <a:avLst/>
@@ -7125,25 +11650,263 @@
           <a:lstStyle/>
           <a:p>
             <a:r>
-              <a:rPr kumimoji="1" lang="en-US" altLang="ja-JP" sz="1400" b="1" dirty="0">
-                <a:solidFill>
-                  <a:srgbClr val="FF0000"/>
-                </a:solidFill>
-                <a:latin typeface="+mn-ea"/>
-                <a:ea typeface="+mn-ea"/>
-              </a:rPr>
-              <a:t>POINT!!</a:t>
-            </a:r>
-            <a:endParaRPr kumimoji="1" lang="ja-JP" altLang="en-US" sz="1400" b="1" dirty="0">
-              <a:solidFill>
-                <a:srgbClr val="FF0000"/>
-              </a:solidFill>
-              <a:latin typeface="+mn-ea"/>
-              <a:ea typeface="+mn-ea"/>
+              <a:rPr lang="ja-JP" altLang="en-US" sz="1050" dirty="0">
+                <a:latin typeface="メイリオ" panose="020B0604030504040204" pitchFamily="50" charset="-128"/>
+                <a:ea typeface="メイリオ" panose="020B0604030504040204" pitchFamily="50" charset="-128"/>
+              </a:rPr>
+              <a:t>各曲率分類における制御で用いる旋回量、ライントレースの</a:t>
+            </a:r>
+            <a:r>
+              <a:rPr lang="en-US" altLang="ja-JP" sz="1050" dirty="0">
+                <a:latin typeface="メイリオ" panose="020B0604030504040204" pitchFamily="50" charset="-128"/>
+                <a:ea typeface="メイリオ" panose="020B0604030504040204" pitchFamily="50" charset="-128"/>
+              </a:rPr>
+              <a:t>PID</a:t>
+            </a:r>
+            <a:r>
+              <a:rPr lang="ja-JP" altLang="en-US" sz="1050" dirty="0">
+                <a:latin typeface="メイリオ" panose="020B0604030504040204" pitchFamily="50" charset="-128"/>
+                <a:ea typeface="メイリオ" panose="020B0604030504040204" pitchFamily="50" charset="-128"/>
+              </a:rPr>
+              <a:t>係数を以下の表に示す。</a:t>
+            </a:r>
+            <a:endParaRPr kumimoji="1" lang="ja-JP" altLang="en-US" sz="1050" dirty="0">
+              <a:latin typeface="メイリオ" panose="020B0604030504040204" pitchFamily="50" charset="-128"/>
+              <a:ea typeface="メイリオ" panose="020B0604030504040204" pitchFamily="50" charset="-128"/>
             </a:endParaRPr>
           </a:p>
         </p:txBody>
       </p:sp>
+      <p:sp>
+        <p:nvSpPr>
+          <p:cNvPr id="110" name="矢印: 山形 109">
+            <a:extLst>
+              <a:ext uri="{FF2B5EF4-FFF2-40B4-BE49-F238E27FC236}">
+                <a16:creationId xmlns:a16="http://schemas.microsoft.com/office/drawing/2014/main" id="{869F2EAD-F265-48BE-8ED6-57D20D13A8CF}"/>
+              </a:ext>
+            </a:extLst>
+          </p:cNvPr>
+          <p:cNvSpPr/>
+          <p:nvPr/>
+        </p:nvSpPr>
+        <p:spPr>
+          <a:xfrm>
+            <a:off x="3914483" y="9221120"/>
+            <a:ext cx="8667117" cy="260000"/>
+          </a:xfrm>
+          <a:prstGeom prst="chevron">
+            <a:avLst/>
+          </a:prstGeom>
+          <a:ln w="19050"/>
+        </p:spPr>
+        <p:style>
+          <a:lnRef idx="2">
+            <a:schemeClr val="accent6"/>
+          </a:lnRef>
+          <a:fillRef idx="1">
+            <a:schemeClr val="lt1"/>
+          </a:fillRef>
+          <a:effectRef idx="0">
+            <a:schemeClr val="accent6"/>
+          </a:effectRef>
+          <a:fontRef idx="minor">
+            <a:schemeClr val="dk1"/>
+          </a:fontRef>
+        </p:style>
+        <p:txBody>
+          <a:bodyPr rtlCol="0" anchor="ctr"/>
+          <a:lstStyle/>
+          <a:p>
+            <a:pPr algn="ctr"/>
+            <a:r>
+              <a:rPr kumimoji="1" lang="ja-JP" altLang="en-US" sz="1400" b="1" dirty="0">
+                <a:solidFill>
+                  <a:schemeClr val="tx1"/>
+                </a:solidFill>
+              </a:rPr>
+              <a:t>これらの値を設定した根拠を工夫点のページで解説する。</a:t>
+            </a:r>
+          </a:p>
+        </p:txBody>
+      </p:sp>
+      <p:sp>
+        <p:nvSpPr>
+          <p:cNvPr id="114" name="テキスト ボックス 113">
+            <a:extLst>
+              <a:ext uri="{FF2B5EF4-FFF2-40B4-BE49-F238E27FC236}">
+                <a16:creationId xmlns:a16="http://schemas.microsoft.com/office/drawing/2014/main" id="{409ED78E-271A-48CD-8696-D402EDAEEC9F}"/>
+              </a:ext>
+            </a:extLst>
+          </p:cNvPr>
+          <p:cNvSpPr txBox="1"/>
+          <p:nvPr/>
+        </p:nvSpPr>
+        <p:spPr>
+          <a:xfrm>
+            <a:off x="6151764" y="265968"/>
+            <a:ext cx="2160240" cy="446276"/>
+          </a:xfrm>
+          <a:prstGeom prst="rect">
+            <a:avLst/>
+          </a:prstGeom>
+          <a:noFill/>
+          <a:ln>
+            <a:noFill/>
+          </a:ln>
+        </p:spPr>
+        <p:style>
+          <a:lnRef idx="0">
+            <a:scrgbClr r="0" g="0" b="0"/>
+          </a:lnRef>
+          <a:fillRef idx="0">
+            <a:scrgbClr r="0" g="0" b="0"/>
+          </a:fillRef>
+          <a:effectRef idx="0">
+            <a:scrgbClr r="0" g="0" b="0"/>
+          </a:effectRef>
+          <a:fontRef idx="minor">
+            <a:schemeClr val="dk1"/>
+          </a:fontRef>
+        </p:style>
+        <p:txBody>
+          <a:bodyPr wrap="square" rtlCol="0">
+            <a:spAutoFit/>
+          </a:bodyPr>
+          <a:lstStyle/>
+          <a:p>
+            <a:pPr marL="0" marR="0" lvl="0" indent="0" algn="l" defTabSz="914400" rtl="0" eaLnBrk="1" fontAlgn="base" latinLnBrk="0" hangingPunct="1">
+              <a:lnSpc>
+                <a:spcPct val="100000"/>
+              </a:lnSpc>
+              <a:spcBef>
+                <a:spcPct val="0"/>
+              </a:spcBef>
+              <a:spcAft>
+                <a:spcPct val="0"/>
+              </a:spcAft>
+              <a:buClrTx/>
+              <a:buSzTx/>
+              <a:buFontTx/>
+              <a:buNone/>
+              <a:tabLst/>
+              <a:defRPr/>
+            </a:pPr>
+            <a:r>
+              <a:rPr kumimoji="1" lang="ja-JP" altLang="en-US" sz="2200" b="0" i="0" u="none" strike="noStrike" kern="1200" cap="none" spc="0" normalizeH="0" baseline="0" noProof="0" dirty="0">
+                <a:ln>
+                  <a:noFill/>
+                </a:ln>
+                <a:solidFill>
+                  <a:srgbClr val="70AD47">
+                    <a:lumMod val="60000"/>
+                    <a:lumOff val="40000"/>
+                  </a:srgbClr>
+                </a:solidFill>
+                <a:effectLst/>
+                <a:uLnTx/>
+                <a:uFillTx/>
+                <a:latin typeface="HG創英角ｺﾞｼｯｸUB" panose="020B0909000000000000" pitchFamily="49" charset="-128"/>
+                <a:ea typeface="HG創英角ｺﾞｼｯｸUB" panose="020B0909000000000000" pitchFamily="49" charset="-128"/>
+                <a:cs typeface="+mn-cs"/>
+              </a:rPr>
+              <a:t>３</a:t>
+            </a:r>
+            <a:r>
+              <a:rPr kumimoji="1" lang="en-US" altLang="ja-JP" sz="2200" b="1" i="0" u="none" strike="noStrike" kern="1200" cap="none" spc="0" normalizeH="0" baseline="0" noProof="0" dirty="0">
+                <a:ln>
+                  <a:noFill/>
+                </a:ln>
+                <a:solidFill>
+                  <a:srgbClr val="70AD47">
+                    <a:lumMod val="60000"/>
+                    <a:lumOff val="40000"/>
+                  </a:srgbClr>
+                </a:solidFill>
+                <a:effectLst/>
+                <a:uLnTx/>
+                <a:uFillTx/>
+                <a:latin typeface="HG創英角ｺﾞｼｯｸUB" panose="020B0909000000000000" pitchFamily="49" charset="-128"/>
+                <a:ea typeface="HG創英角ｺﾞｼｯｸUB" panose="020B0909000000000000" pitchFamily="49" charset="-128"/>
+                <a:cs typeface="+mn-cs"/>
+              </a:rPr>
+              <a:t>.</a:t>
+            </a:r>
+            <a:r>
+              <a:rPr kumimoji="1" lang="ja-JP" altLang="en-US" sz="2200" b="0" i="0" u="none" strike="noStrike" kern="1200" cap="none" spc="0" normalizeH="0" baseline="0" noProof="0" dirty="0">
+                <a:ln>
+                  <a:noFill/>
+                </a:ln>
+                <a:solidFill>
+                  <a:srgbClr val="70AD47">
+                    <a:lumMod val="60000"/>
+                    <a:lumOff val="40000"/>
+                  </a:srgbClr>
+                </a:solidFill>
+                <a:effectLst/>
+                <a:uLnTx/>
+                <a:uFillTx/>
+                <a:latin typeface="HG創英角ｺﾞｼｯｸUB" panose="020B0909000000000000" pitchFamily="49" charset="-128"/>
+                <a:ea typeface="HG創英角ｺﾞｼｯｸUB" panose="020B0909000000000000" pitchFamily="49" charset="-128"/>
+                <a:cs typeface="+mn-cs"/>
+              </a:rPr>
+              <a:t>振る舞い②</a:t>
+            </a:r>
+            <a:endParaRPr kumimoji="1" lang="en-US" altLang="ja-JP" sz="2200" b="0" i="0" u="none" strike="noStrike" kern="1200" cap="none" spc="0" normalizeH="0" baseline="0" noProof="0" dirty="0">
+              <a:ln>
+                <a:noFill/>
+              </a:ln>
+              <a:solidFill>
+                <a:srgbClr val="70AD47">
+                  <a:lumMod val="60000"/>
+                  <a:lumOff val="40000"/>
+                </a:srgbClr>
+              </a:solidFill>
+              <a:effectLst/>
+              <a:uLnTx/>
+              <a:uFillTx/>
+              <a:latin typeface="HG創英角ｺﾞｼｯｸUB" panose="020B0909000000000000" pitchFamily="49" charset="-128"/>
+              <a:ea typeface="HG創英角ｺﾞｼｯｸUB" panose="020B0909000000000000" pitchFamily="49" charset="-128"/>
+              <a:cs typeface="+mn-cs"/>
+            </a:endParaRPr>
+          </a:p>
+        </p:txBody>
+      </p:sp>
+      <p:pic>
+        <p:nvPicPr>
+          <p:cNvPr id="112" name="図 111">
+            <a:extLst>
+              <a:ext uri="{FF2B5EF4-FFF2-40B4-BE49-F238E27FC236}">
+                <a16:creationId xmlns:a16="http://schemas.microsoft.com/office/drawing/2014/main" id="{A11C227B-D1C5-46D6-AB65-F9D95A79FC41}"/>
+              </a:ext>
+            </a:extLst>
+          </p:cNvPr>
+          <p:cNvPicPr>
+            <a:picLocks noChangeAspect="1"/>
+          </p:cNvPicPr>
+          <p:nvPr/>
+        </p:nvPicPr>
+        <p:blipFill>
+          <a:blip r:embed="rId3">
+            <a:extLst>
+              <a:ext uri="{28A0092B-C50C-407E-A947-70E740481C1C}">
+                <a14:useLocalDpi xmlns:a14="http://schemas.microsoft.com/office/drawing/2010/main" val="0"/>
+              </a:ext>
+            </a:extLst>
+          </a:blip>
+          <a:stretch>
+            <a:fillRect/>
+          </a:stretch>
+        </p:blipFill>
+        <p:spPr>
+          <a:xfrm>
+            <a:off x="197010" y="7281394"/>
+            <a:ext cx="3299056" cy="2213770"/>
+          </a:xfrm>
+          <a:prstGeom prst="rect">
+            <a:avLst/>
+          </a:prstGeom>
+        </p:spPr>
+      </p:pic>
     </p:spTree>
     <p:extLst>
       <p:ext uri="{BB962C8B-B14F-4D97-AF65-F5344CB8AC3E}">

--- a/model_file_template_primary.pptx
+++ b/model_file_template_primary.pptx
@@ -5644,7 +5644,7 @@
         </p:nvSpPr>
         <p:spPr>
           <a:xfrm>
-            <a:off x="6749329" y="4275913"/>
+            <a:off x="6749329" y="4512568"/>
             <a:ext cx="2033121" cy="338554"/>
           </a:xfrm>
           <a:prstGeom prst="rect">
@@ -5731,7 +5731,7 @@
         </p:nvCxnSpPr>
         <p:spPr>
           <a:xfrm>
-            <a:off x="6760840" y="1085826"/>
+            <a:off x="6760840" y="984176"/>
             <a:ext cx="5835862" cy="0"/>
           </a:xfrm>
           <a:prstGeom prst="line">
@@ -5772,7 +5772,7 @@
         </p:nvSpPr>
         <p:spPr>
           <a:xfrm>
-            <a:off x="6747542" y="4582912"/>
+            <a:off x="6747542" y="4817150"/>
             <a:ext cx="5956921" cy="415498"/>
           </a:xfrm>
           <a:prstGeom prst="rect">
@@ -5833,7 +5833,7 @@
                 <a:latin typeface="メイリオ" panose="020B0604030504040204" pitchFamily="50" charset="-128"/>
                 <a:ea typeface="メイリオ" panose="020B0604030504040204" pitchFamily="50" charset="-128"/>
               </a:rPr>
-              <a:t>通信タスクと尻尾管理タスクは走行準備に含む</a:t>
+              <a:t>通信管理タスクと尻尾管理タスクは走行準備に含む</a:t>
             </a:r>
             <a:r>
               <a:rPr lang="ja-JP" altLang="en-US" sz="1050" b="1" dirty="0">
@@ -5843,7 +5843,7 @@
                 <a:latin typeface="メイリオ" panose="020B0604030504040204" pitchFamily="50" charset="-128"/>
                 <a:ea typeface="メイリオ" panose="020B0604030504040204" pitchFamily="50" charset="-128"/>
               </a:rPr>
-              <a:t>ため、モデルからは省略する</a:t>
+              <a:t>ため、本モデルでは省略する</a:t>
             </a:r>
             <a:r>
               <a:rPr kumimoji="1" lang="ja-JP" altLang="en-US" sz="1050" b="0" i="0" u="none" strike="noStrike" kern="1200" cap="none" spc="0" normalizeH="0" baseline="0" noProof="0" dirty="0" err="1">
@@ -6302,183 +6302,162 @@
           </a:fontRef>
         </p:style>
       </p:cxnSp>
-      <p:grpSp>
-        <p:nvGrpSpPr>
-          <p:cNvPr id="99" name="グループ化 98">
+      <p:sp>
+        <p:nvSpPr>
+          <p:cNvPr id="57" name="テキスト ボックス 56">
             <a:extLst>
               <a:ext uri="{FF2B5EF4-FFF2-40B4-BE49-F238E27FC236}">
-                <a16:creationId xmlns:a16="http://schemas.microsoft.com/office/drawing/2014/main" id="{3687EB45-E12A-44CA-94BD-40D51E13072D}"/>
+                <a16:creationId xmlns:a16="http://schemas.microsoft.com/office/drawing/2014/main" id="{1B150A4B-10E9-4BB5-B403-616F7408FD46}"/>
               </a:ext>
             </a:extLst>
           </p:cNvPr>
-          <p:cNvGrpSpPr/>
+          <p:cNvSpPr txBox="1"/>
           <p:nvPr/>
-        </p:nvGrpSpPr>
-        <p:grpSpPr>
+        </p:nvSpPr>
+        <p:spPr>
           <a:xfrm>
-            <a:off x="11983718" y="4961925"/>
-            <a:ext cx="562515" cy="1593222"/>
-            <a:chOff x="11940560" y="1360073"/>
-            <a:chExt cx="562515" cy="1593222"/>
+            <a:off x="12262313" y="5685224"/>
+            <a:ext cx="388479" cy="577081"/>
           </a:xfrm>
-        </p:grpSpPr>
-        <p:sp>
-          <p:nvSpPr>
-            <p:cNvPr id="57" name="テキスト ボックス 56">
-              <a:extLst>
-                <a:ext uri="{FF2B5EF4-FFF2-40B4-BE49-F238E27FC236}">
-                  <a16:creationId xmlns:a16="http://schemas.microsoft.com/office/drawing/2014/main" id="{1B150A4B-10E9-4BB5-B403-616F7408FD46}"/>
-                </a:ext>
-              </a:extLst>
-            </p:cNvPr>
-            <p:cNvSpPr txBox="1"/>
-            <p:nvPr/>
-          </p:nvSpPr>
-          <p:spPr>
-            <a:xfrm>
-              <a:off x="12114596" y="1852082"/>
-              <a:ext cx="388479" cy="577081"/>
-            </a:xfrm>
-            <a:prstGeom prst="rect">
-              <a:avLst/>
-            </a:prstGeom>
-            <a:noFill/>
-          </p:spPr>
-          <p:txBody>
-            <a:bodyPr wrap="square" rtlCol="0">
-              <a:spAutoFit/>
-            </a:bodyPr>
-            <a:lstStyle/>
-            <a:p>
-              <a:r>
-                <a:rPr kumimoji="1" lang="ja-JP" altLang="en-US" sz="1050" b="1" dirty="0">
-                  <a:latin typeface="游ゴシック" panose="020B0400000000000000" pitchFamily="50" charset="-128"/>
-                  <a:ea typeface="游ゴシック" panose="020B0400000000000000" pitchFamily="50" charset="-128"/>
-                </a:rPr>
-                <a:t>優先度</a:t>
-              </a:r>
-            </a:p>
-          </p:txBody>
-        </p:sp>
-        <p:cxnSp>
-          <p:nvCxnSpPr>
-            <p:cNvPr id="59" name="直線矢印コネクタ 58">
-              <a:extLst>
-                <a:ext uri="{FF2B5EF4-FFF2-40B4-BE49-F238E27FC236}">
-                  <a16:creationId xmlns:a16="http://schemas.microsoft.com/office/drawing/2014/main" id="{6677F529-FCA5-4895-83EB-48FA3E8A9943}"/>
-                </a:ext>
-              </a:extLst>
-            </p:cNvPr>
-            <p:cNvCxnSpPr>
-              <a:cxnSpLocks/>
-            </p:cNvCxnSpPr>
-            <p:nvPr/>
-          </p:nvCxnSpPr>
-          <p:spPr>
-            <a:xfrm>
-              <a:off x="12085916" y="1640179"/>
-              <a:ext cx="0" cy="1000885"/>
-            </a:xfrm>
-            <a:prstGeom prst="straightConnector1">
-              <a:avLst/>
-            </a:prstGeom>
-            <a:ln>
-              <a:headEnd type="triangle"/>
-              <a:tailEnd type="triangle"/>
-            </a:ln>
-          </p:spPr>
-          <p:style>
-            <a:lnRef idx="3">
-              <a:schemeClr val="accent6"/>
-            </a:lnRef>
-            <a:fillRef idx="0">
-              <a:schemeClr val="accent6"/>
-            </a:fillRef>
-            <a:effectRef idx="2">
-              <a:schemeClr val="accent6"/>
-            </a:effectRef>
-            <a:fontRef idx="minor">
-              <a:schemeClr val="tx1"/>
-            </a:fontRef>
-          </p:style>
-        </p:cxnSp>
-        <p:sp>
-          <p:nvSpPr>
-            <p:cNvPr id="60" name="テキスト ボックス 59">
-              <a:extLst>
-                <a:ext uri="{FF2B5EF4-FFF2-40B4-BE49-F238E27FC236}">
-                  <a16:creationId xmlns:a16="http://schemas.microsoft.com/office/drawing/2014/main" id="{29C12542-0869-4D76-8D7B-52826EE139AF}"/>
-                </a:ext>
-              </a:extLst>
-            </p:cNvPr>
-            <p:cNvSpPr txBox="1"/>
-            <p:nvPr/>
-          </p:nvSpPr>
-          <p:spPr>
-            <a:xfrm>
-              <a:off x="11952323" y="1360073"/>
-              <a:ext cx="143017" cy="253916"/>
-            </a:xfrm>
-            <a:prstGeom prst="rect">
-              <a:avLst/>
-            </a:prstGeom>
-            <a:noFill/>
-          </p:spPr>
-          <p:txBody>
-            <a:bodyPr wrap="square" rtlCol="0">
-              <a:spAutoFit/>
-            </a:bodyPr>
-            <a:lstStyle/>
-            <a:p>
-              <a:r>
-                <a:rPr kumimoji="1" lang="ja-JP" altLang="en-US" sz="1050" b="1" dirty="0">
-                  <a:latin typeface="游ゴシック" panose="020B0400000000000000" pitchFamily="50" charset="-128"/>
-                  <a:ea typeface="游ゴシック" panose="020B0400000000000000" pitchFamily="50" charset="-128"/>
-                </a:rPr>
-                <a:t>高</a:t>
-              </a:r>
-            </a:p>
-          </p:txBody>
-        </p:sp>
-        <p:sp>
-          <p:nvSpPr>
-            <p:cNvPr id="62" name="テキスト ボックス 61">
-              <a:extLst>
-                <a:ext uri="{FF2B5EF4-FFF2-40B4-BE49-F238E27FC236}">
-                  <a16:creationId xmlns:a16="http://schemas.microsoft.com/office/drawing/2014/main" id="{11D9CFFE-DE57-48C6-AAE1-6511EADD9E72}"/>
-                </a:ext>
-              </a:extLst>
-            </p:cNvPr>
-            <p:cNvSpPr txBox="1"/>
-            <p:nvPr/>
-          </p:nvSpPr>
-          <p:spPr>
-            <a:xfrm>
-              <a:off x="11940560" y="2699379"/>
-              <a:ext cx="290711" cy="253916"/>
-            </a:xfrm>
-            <a:prstGeom prst="rect">
-              <a:avLst/>
-            </a:prstGeom>
-            <a:noFill/>
-          </p:spPr>
-          <p:txBody>
-            <a:bodyPr wrap="square" rtlCol="0">
-              <a:spAutoFit/>
-            </a:bodyPr>
-            <a:lstStyle/>
-            <a:p>
-              <a:r>
-                <a:rPr kumimoji="1" lang="ja-JP" altLang="en-US" sz="1050" b="1" dirty="0">
-                  <a:latin typeface="游ゴシック" panose="020B0400000000000000" pitchFamily="50" charset="-128"/>
-                  <a:ea typeface="游ゴシック" panose="020B0400000000000000" pitchFamily="50" charset="-128"/>
-                </a:rPr>
-                <a:t>低</a:t>
-              </a:r>
-            </a:p>
-          </p:txBody>
-        </p:sp>
-      </p:grpSp>
+          <a:prstGeom prst="rect">
+            <a:avLst/>
+          </a:prstGeom>
+          <a:noFill/>
+        </p:spPr>
+        <p:txBody>
+          <a:bodyPr wrap="square" rtlCol="0">
+            <a:spAutoFit/>
+          </a:bodyPr>
+          <a:lstStyle/>
+          <a:p>
+            <a:r>
+              <a:rPr kumimoji="1" lang="ja-JP" altLang="en-US" sz="1050" b="1" dirty="0">
+                <a:latin typeface="游ゴシック" panose="020B0400000000000000" pitchFamily="50" charset="-128"/>
+                <a:ea typeface="游ゴシック" panose="020B0400000000000000" pitchFamily="50" charset="-128"/>
+              </a:rPr>
+              <a:t>優先度</a:t>
+            </a:r>
+          </a:p>
+        </p:txBody>
+      </p:sp>
+      <p:cxnSp>
+        <p:nvCxnSpPr>
+          <p:cNvPr id="59" name="直線矢印コネクタ 58">
+            <a:extLst>
+              <a:ext uri="{FF2B5EF4-FFF2-40B4-BE49-F238E27FC236}">
+                <a16:creationId xmlns:a16="http://schemas.microsoft.com/office/drawing/2014/main" id="{6677F529-FCA5-4895-83EB-48FA3E8A9943}"/>
+              </a:ext>
+            </a:extLst>
+          </p:cNvPr>
+          <p:cNvCxnSpPr>
+            <a:cxnSpLocks/>
+          </p:cNvCxnSpPr>
+          <p:nvPr/>
+        </p:nvCxnSpPr>
+        <p:spPr>
+          <a:xfrm>
+            <a:off x="12089432" y="5499766"/>
+            <a:ext cx="0" cy="934139"/>
+          </a:xfrm>
+          <a:prstGeom prst="straightConnector1">
+            <a:avLst/>
+          </a:prstGeom>
+          <a:ln>
+            <a:headEnd type="triangle"/>
+            <a:tailEnd type="triangle"/>
+          </a:ln>
+        </p:spPr>
+        <p:style>
+          <a:lnRef idx="3">
+            <a:schemeClr val="accent6"/>
+          </a:lnRef>
+          <a:fillRef idx="0">
+            <a:schemeClr val="accent6"/>
+          </a:fillRef>
+          <a:effectRef idx="2">
+            <a:schemeClr val="accent6"/>
+          </a:effectRef>
+          <a:fontRef idx="minor">
+            <a:schemeClr val="tx1"/>
+          </a:fontRef>
+        </p:style>
+      </p:cxnSp>
+      <p:sp>
+        <p:nvSpPr>
+          <p:cNvPr id="60" name="テキスト ボックス 59">
+            <a:extLst>
+              <a:ext uri="{FF2B5EF4-FFF2-40B4-BE49-F238E27FC236}">
+                <a16:creationId xmlns:a16="http://schemas.microsoft.com/office/drawing/2014/main" id="{29C12542-0869-4D76-8D7B-52826EE139AF}"/>
+              </a:ext>
+            </a:extLst>
+          </p:cNvPr>
+          <p:cNvSpPr txBox="1"/>
+          <p:nvPr/>
+        </p:nvSpPr>
+        <p:spPr>
+          <a:xfrm>
+            <a:off x="12117755" y="5434066"/>
+            <a:ext cx="143017" cy="253916"/>
+          </a:xfrm>
+          <a:prstGeom prst="rect">
+            <a:avLst/>
+          </a:prstGeom>
+          <a:noFill/>
+        </p:spPr>
+        <p:txBody>
+          <a:bodyPr wrap="square" rtlCol="0">
+            <a:spAutoFit/>
+          </a:bodyPr>
+          <a:lstStyle/>
+          <a:p>
+            <a:r>
+              <a:rPr kumimoji="1" lang="ja-JP" altLang="en-US" sz="1050" b="1" dirty="0">
+                <a:latin typeface="游ゴシック" panose="020B0400000000000000" pitchFamily="50" charset="-128"/>
+                <a:ea typeface="游ゴシック" panose="020B0400000000000000" pitchFamily="50" charset="-128"/>
+              </a:rPr>
+              <a:t>高</a:t>
+            </a:r>
+          </a:p>
+        </p:txBody>
+      </p:sp>
+      <p:sp>
+        <p:nvSpPr>
+          <p:cNvPr id="62" name="テキスト ボックス 61">
+            <a:extLst>
+              <a:ext uri="{FF2B5EF4-FFF2-40B4-BE49-F238E27FC236}">
+                <a16:creationId xmlns:a16="http://schemas.microsoft.com/office/drawing/2014/main" id="{11D9CFFE-DE57-48C6-AAE1-6511EADD9E72}"/>
+              </a:ext>
+            </a:extLst>
+          </p:cNvPr>
+          <p:cNvSpPr txBox="1"/>
+          <p:nvPr/>
+        </p:nvSpPr>
+        <p:spPr>
+          <a:xfrm>
+            <a:off x="12090678" y="6257071"/>
+            <a:ext cx="290711" cy="253916"/>
+          </a:xfrm>
+          <a:prstGeom prst="rect">
+            <a:avLst/>
+          </a:prstGeom>
+          <a:noFill/>
+        </p:spPr>
+        <p:txBody>
+          <a:bodyPr wrap="square" rtlCol="0">
+            <a:spAutoFit/>
+          </a:bodyPr>
+          <a:lstStyle/>
+          <a:p>
+            <a:r>
+              <a:rPr kumimoji="1" lang="ja-JP" altLang="en-US" sz="1050" b="1" dirty="0">
+                <a:latin typeface="游ゴシック" panose="020B0400000000000000" pitchFamily="50" charset="-128"/>
+                <a:ea typeface="游ゴシック" panose="020B0400000000000000" pitchFamily="50" charset="-128"/>
+              </a:rPr>
+              <a:t>低</a:t>
+            </a:r>
+          </a:p>
+        </p:txBody>
+      </p:sp>
       <p:sp>
         <p:nvSpPr>
           <p:cNvPr id="140" name="テキスト ボックス 139">
@@ -6493,7 +6472,7 @@
         </p:nvSpPr>
         <p:spPr>
           <a:xfrm>
-            <a:off x="6681316" y="789638"/>
+            <a:off x="6681316" y="696144"/>
             <a:ext cx="1762490" cy="338554"/>
           </a:xfrm>
           <a:prstGeom prst="rect">
@@ -6551,7 +6530,7 @@
         </p:nvCxnSpPr>
         <p:spPr>
           <a:xfrm>
-            <a:off x="6823501" y="4582912"/>
+            <a:off x="6823501" y="4800600"/>
             <a:ext cx="5805002" cy="0"/>
           </a:xfrm>
           <a:prstGeom prst="line">
@@ -6592,7 +6571,7 @@
         </p:nvSpPr>
         <p:spPr>
           <a:xfrm>
-            <a:off x="6724671" y="1128192"/>
+            <a:off x="6724671" y="984176"/>
             <a:ext cx="5941427" cy="415498"/>
           </a:xfrm>
           <a:prstGeom prst="rect">
@@ -6741,109 +6720,6 @@
                 <a:ea typeface="メイリオ" panose="020B0604030504040204" pitchFamily="50" charset="-128"/>
               </a:rPr>
               <a:t>各区間における区間パラメータの一覧を以下の表に示す。なお、区間パラメータとはスタートラインから区間終了までの距離、区間内での前進指令量をまとめたものである。</a:t>
-            </a:r>
-          </a:p>
-        </p:txBody>
-      </p:sp>
-      <p:sp>
-        <p:nvSpPr>
-          <p:cNvPr id="38" name="矢印: 山形 37">
-            <a:extLst>
-              <a:ext uri="{FF2B5EF4-FFF2-40B4-BE49-F238E27FC236}">
-                <a16:creationId xmlns:a16="http://schemas.microsoft.com/office/drawing/2014/main" id="{1A27932C-257B-45B1-86A5-6EB614ADFA6C}"/>
-              </a:ext>
-            </a:extLst>
-          </p:cNvPr>
-          <p:cNvSpPr/>
-          <p:nvPr/>
-        </p:nvSpPr>
-        <p:spPr>
-          <a:xfrm>
-            <a:off x="9849104" y="4087306"/>
-            <a:ext cx="2664294" cy="327730"/>
-          </a:xfrm>
-          <a:prstGeom prst="chevron">
-            <a:avLst/>
-          </a:prstGeom>
-          <a:ln w="19050"/>
-        </p:spPr>
-        <p:style>
-          <a:lnRef idx="2">
-            <a:schemeClr val="accent6"/>
-          </a:lnRef>
-          <a:fillRef idx="1">
-            <a:schemeClr val="lt1"/>
-          </a:fillRef>
-          <a:effectRef idx="0">
-            <a:schemeClr val="accent6"/>
-          </a:effectRef>
-          <a:fontRef idx="minor">
-            <a:schemeClr val="dk1"/>
-          </a:fontRef>
-        </p:style>
-        <p:txBody>
-          <a:bodyPr rtlCol="0" anchor="ctr"/>
-          <a:lstStyle/>
-          <a:p>
-            <a:pPr algn="ctr"/>
-            <a:endParaRPr kumimoji="1" lang="ja-JP" altLang="en-US" sz="1200" b="1" dirty="0">
-              <a:solidFill>
-                <a:schemeClr val="tx1"/>
-              </a:solidFill>
-              <a:latin typeface="+mn-ea"/>
-            </a:endParaRPr>
-          </a:p>
-        </p:txBody>
-      </p:sp>
-      <p:sp>
-        <p:nvSpPr>
-          <p:cNvPr id="39" name="テキスト ボックス 38">
-            <a:extLst>
-              <a:ext uri="{FF2B5EF4-FFF2-40B4-BE49-F238E27FC236}">
-                <a16:creationId xmlns:a16="http://schemas.microsoft.com/office/drawing/2014/main" id="{454E414D-3643-4966-925D-B9906667B823}"/>
-              </a:ext>
-            </a:extLst>
-          </p:cNvPr>
-          <p:cNvSpPr txBox="1"/>
-          <p:nvPr/>
-        </p:nvSpPr>
-        <p:spPr>
-          <a:xfrm>
-            <a:off x="10073743" y="4054484"/>
-            <a:ext cx="2238295" cy="415498"/>
-          </a:xfrm>
-          <a:prstGeom prst="rect">
-            <a:avLst/>
-          </a:prstGeom>
-          <a:noFill/>
-        </p:spPr>
-        <p:txBody>
-          <a:bodyPr wrap="square" rtlCol="0">
-            <a:spAutoFit/>
-          </a:bodyPr>
-          <a:lstStyle/>
-          <a:p>
-            <a:pPr algn="ctr"/>
-            <a:r>
-              <a:rPr kumimoji="1" lang="ja-JP" altLang="en-US" sz="1000" b="1" dirty="0">
-                <a:latin typeface="+mn-ea"/>
-                <a:ea typeface="+mn-ea"/>
-              </a:rPr>
-              <a:t>これらの機能モデルに基づいて</a:t>
-            </a:r>
-            <a:endParaRPr kumimoji="1" lang="en-US" altLang="ja-JP" sz="1000" b="1" dirty="0">
-              <a:latin typeface="+mn-ea"/>
-              <a:ea typeface="+mn-ea"/>
-            </a:endParaRPr>
-          </a:p>
-          <a:p>
-            <a:pPr algn="ctr"/>
-            <a:r>
-              <a:rPr kumimoji="1" lang="ja-JP" altLang="en-US" sz="1000" b="1" dirty="0">
-                <a:latin typeface="+mn-ea"/>
-                <a:ea typeface="+mn-ea"/>
-              </a:rPr>
-              <a:t>構造モデルを作成する。</a:t>
             </a:r>
           </a:p>
         </p:txBody>
@@ -7559,13 +7435,13 @@
           <p:nvPr>
             <p:extLst>
               <p:ext uri="{D42A27DB-BD31-4B8C-83A1-F6EECF244321}">
-                <p14:modId xmlns:p14="http://schemas.microsoft.com/office/powerpoint/2010/main" val="1956041165"/>
+                <p14:modId xmlns:p14="http://schemas.microsoft.com/office/powerpoint/2010/main" val="1844290047"/>
               </p:ext>
             </p:extLst>
           </p:nvPr>
         </p:nvGraphicFramePr>
         <p:xfrm>
-          <a:off x="7058240" y="4977777"/>
+          <a:off x="7058240" y="5199484"/>
           <a:ext cx="4942697" cy="1257300"/>
         </p:xfrm>
         <a:graphic>
@@ -7909,14 +7785,14 @@
           <p:nvPr>
             <p:extLst>
               <p:ext uri="{D42A27DB-BD31-4B8C-83A1-F6EECF244321}">
-                <p14:modId xmlns:p14="http://schemas.microsoft.com/office/powerpoint/2010/main" val="491596612"/>
+                <p14:modId xmlns:p14="http://schemas.microsoft.com/office/powerpoint/2010/main" val="1927425773"/>
               </p:ext>
             </p:extLst>
           </p:nvPr>
         </p:nvGraphicFramePr>
         <p:xfrm>
-          <a:off x="7139507" y="1558712"/>
-          <a:ext cx="5361760" cy="2427480"/>
+          <a:off x="7178497" y="1344615"/>
+          <a:ext cx="5361760" cy="3183480"/>
         </p:xfrm>
         <a:graphic>
           <a:graphicData uri="http://schemas.openxmlformats.org/drawingml/2006/table">
@@ -7972,6 +7848,47 @@
                 <a:extLst>
                   <a:ext uri="{0D108BD9-81ED-4DB2-BD59-A6C34878D82A}">
                     <a16:rowId xmlns:a16="http://schemas.microsoft.com/office/drawing/2014/main" val="2304551870"/>
+                  </a:ext>
+                </a:extLst>
+              </a:tr>
+              <a:tr h="252000">
+                <a:tc>
+                  <a:txBody>
+                    <a:bodyPr/>
+                    <a:lstStyle/>
+                    <a:p>
+                      <a:pPr algn="l"/>
+                      <a:r>
+                        <a:rPr kumimoji="1" lang="ja-JP" altLang="en-US" sz="1050" dirty="0">
+                          <a:latin typeface="メイリオ" panose="020B0604030504040204" pitchFamily="50" charset="-128"/>
+                          <a:ea typeface="メイリオ" panose="020B0604030504040204" pitchFamily="50" charset="-128"/>
+                        </a:rPr>
+                        <a:t>コースを完走する</a:t>
+                      </a:r>
+                    </a:p>
+                  </a:txBody>
+                  <a:tcPr anchor="ctr"/>
+                </a:tc>
+                <a:tc>
+                  <a:txBody>
+                    <a:bodyPr/>
+                    <a:lstStyle/>
+                    <a:p>
+                      <a:pPr algn="l"/>
+                      <a:r>
+                        <a:rPr kumimoji="1" lang="ja-JP" altLang="en-US" sz="1050" dirty="0">
+                          <a:latin typeface="メイリオ" panose="020B0604030504040204" pitchFamily="50" charset="-128"/>
+                          <a:ea typeface="メイリオ" panose="020B0604030504040204" pitchFamily="50" charset="-128"/>
+                        </a:rPr>
+                        <a:t>走行体、中枢</a:t>
+                      </a:r>
+                    </a:p>
+                  </a:txBody>
+                  <a:tcPr anchor="ctr"/>
+                </a:tc>
+                <a:extLst>
+                  <a:ext uri="{0D108BD9-81ED-4DB2-BD59-A6C34878D82A}">
+                    <a16:rowId xmlns:a16="http://schemas.microsoft.com/office/drawing/2014/main" val="4143271034"/>
                   </a:ext>
                 </a:extLst>
               </a:tr>
@@ -8341,6 +8258,88 @@
                   </a:ext>
                 </a:extLst>
               </a:tr>
+              <a:tr h="252000">
+                <a:tc>
+                  <a:txBody>
+                    <a:bodyPr/>
+                    <a:lstStyle/>
+                    <a:p>
+                      <a:r>
+                        <a:rPr kumimoji="1" lang="ja-JP" altLang="en-US" sz="1050" dirty="0">
+                          <a:latin typeface="メイリオ" panose="020B0604030504040204" pitchFamily="50" charset="-128"/>
+                          <a:ea typeface="メイリオ" panose="020B0604030504040204" pitchFamily="50" charset="-128"/>
+                        </a:rPr>
+                        <a:t>転倒を検知する</a:t>
+                      </a:r>
+                    </a:p>
+                  </a:txBody>
+                  <a:tcPr anchor="ctr"/>
+                </a:tc>
+                <a:tc>
+                  <a:txBody>
+                    <a:bodyPr/>
+                    <a:lstStyle/>
+                    <a:p>
+                      <a:r>
+                        <a:rPr kumimoji="1" lang="ja-JP" altLang="en-US" sz="1050" dirty="0">
+                          <a:latin typeface="メイリオ" panose="020B0604030504040204" pitchFamily="50" charset="-128"/>
+                          <a:ea typeface="メイリオ" panose="020B0604030504040204" pitchFamily="50" charset="-128"/>
+                        </a:rPr>
+                        <a:t>ライントレーサ</a:t>
+                      </a:r>
+                    </a:p>
+                  </a:txBody>
+                  <a:tcPr anchor="ctr"/>
+                </a:tc>
+                <a:extLst>
+                  <a:ext uri="{0D108BD9-81ED-4DB2-BD59-A6C34878D82A}">
+                    <a16:rowId xmlns:a16="http://schemas.microsoft.com/office/drawing/2014/main" val="1763375563"/>
+                  </a:ext>
+                </a:extLst>
+              </a:tr>
+              <a:tr h="252000">
+                <a:tc>
+                  <a:txBody>
+                    <a:bodyPr/>
+                    <a:lstStyle/>
+                    <a:p>
+                      <a:r>
+                        <a:rPr kumimoji="1" lang="ja-JP" altLang="en-US" sz="1050" dirty="0">
+                          <a:latin typeface="メイリオ" panose="020B0604030504040204" pitchFamily="50" charset="-128"/>
+                          <a:ea typeface="メイリオ" panose="020B0604030504040204" pitchFamily="50" charset="-128"/>
+                        </a:rPr>
+                        <a:t>モータを緊急停止する</a:t>
+                      </a:r>
+                      <a:endParaRPr kumimoji="1" lang="en-US" altLang="ja-JP" sz="1050" dirty="0">
+                        <a:latin typeface="メイリオ" panose="020B0604030504040204" pitchFamily="50" charset="-128"/>
+                        <a:ea typeface="メイリオ" panose="020B0604030504040204" pitchFamily="50" charset="-128"/>
+                      </a:endParaRPr>
+                    </a:p>
+                  </a:txBody>
+                  <a:tcPr anchor="ctr"/>
+                </a:tc>
+                <a:tc>
+                  <a:txBody>
+                    <a:bodyPr/>
+                    <a:lstStyle/>
+                    <a:p>
+                      <a:r>
+                        <a:rPr kumimoji="1" lang="ja-JP" altLang="en-US" sz="1050" dirty="0">
+                          <a:latin typeface="メイリオ" panose="020B0604030504040204" pitchFamily="50" charset="-128"/>
+                          <a:ea typeface="メイリオ" panose="020B0604030504040204" pitchFamily="50" charset="-128"/>
+                        </a:rPr>
+                        <a:t>ライントレーサ</a:t>
+                      </a:r>
+                    </a:p>
+                  </a:txBody>
+                  <a:tcPr anchor="ctr"/>
+                </a:tc>
+                <a:extLst>
+                  <a:ext uri="{0D108BD9-81ED-4DB2-BD59-A6C34878D82A}">
+                    <a16:rowId xmlns:a16="http://schemas.microsoft.com/office/drawing/2014/main" val="1622845361"/>
+                  </a:ext>
+                </a:extLst>
+              </a:tr>
             </a:tbl>
           </a:graphicData>
         </a:graphic>
@@ -8360,14 +8359,14 @@
           <p:nvPr>
             <p:extLst>
               <p:ext uri="{D42A27DB-BD31-4B8C-83A1-F6EECF244321}">
-                <p14:modId xmlns:p14="http://schemas.microsoft.com/office/powerpoint/2010/main" val="2720098531"/>
+                <p14:modId xmlns:p14="http://schemas.microsoft.com/office/powerpoint/2010/main" val="1867781654"/>
               </p:ext>
             </p:extLst>
           </p:nvPr>
         </p:nvGraphicFramePr>
         <p:xfrm>
-          <a:off x="6902005" y="1827761"/>
-          <a:ext cx="208280" cy="2160000"/>
+          <a:off x="6917750" y="1598235"/>
+          <a:ext cx="218875" cy="2929860"/>
         </p:xfrm>
         <a:graphic>
           <a:graphicData uri="http://schemas.openxmlformats.org/drawingml/2006/table">
@@ -8376,7 +8375,7 @@
                 <a:tableStyleId>{5C22544A-7EE6-4342-B048-85BDC9FD1C3A}</a:tableStyleId>
               </a:tblPr>
               <a:tblGrid>
-                <a:gridCol w="208280">
+                <a:gridCol w="218875">
                   <a:extLst>
                     <a:ext uri="{9D8B030D-6E8A-4147-A177-3AD203B41FA5}">
                       <a16:colId xmlns:a16="http://schemas.microsoft.com/office/drawing/2014/main" val="1822883521"/>
@@ -8384,7 +8383,7 @@
                   </a:extLst>
                 </a:gridCol>
               </a:tblGrid>
-              <a:tr h="396000">
+              <a:tr h="244800">
                 <a:tc>
                   <a:txBody>
                     <a:bodyPr/>
@@ -8397,6 +8396,38 @@
                           <a:ea typeface="メイリオ" panose="020B0604030504040204" pitchFamily="50" charset="-128"/>
                         </a:rPr>
                         <a:t>a</a:t>
+                      </a:r>
+                      <a:endParaRPr kumimoji="1" lang="ja-JP" altLang="en-US" sz="1050" b="1" dirty="0">
+                        <a:latin typeface="メイリオ" panose="020B0604030504040204" pitchFamily="50" charset="-128"/>
+                        <a:ea typeface="メイリオ" panose="020B0604030504040204" pitchFamily="50" charset="-128"/>
+                      </a:endParaRPr>
+                    </a:p>
+                  </a:txBody>
+                  <a:tcPr anchor="ctr">
+                    <a:solidFill>
+                      <a:srgbClr val="D999FD"/>
+                    </a:solidFill>
+                  </a:tcPr>
+                </a:tc>
+                <a:extLst>
+                  <a:ext uri="{0D108BD9-81ED-4DB2-BD59-A6C34878D82A}">
+                    <a16:rowId xmlns:a16="http://schemas.microsoft.com/office/drawing/2014/main" val="3926435483"/>
+                  </a:ext>
+                </a:extLst>
+              </a:tr>
+              <a:tr h="410400">
+                <a:tc>
+                  <a:txBody>
+                    <a:bodyPr/>
+                    <a:lstStyle/>
+                    <a:p>
+                      <a:pPr algn="ctr"/>
+                      <a:r>
+                        <a:rPr kumimoji="1" lang="en-US" altLang="ja-JP" sz="1050" b="1" dirty="0">
+                          <a:latin typeface="メイリオ" panose="020B0604030504040204" pitchFamily="50" charset="-128"/>
+                          <a:ea typeface="メイリオ" panose="020B0604030504040204" pitchFamily="50" charset="-128"/>
+                        </a:rPr>
+                        <a:t>b</a:t>
                       </a:r>
                       <a:endParaRPr kumimoji="1" lang="ja-JP" altLang="en-US" sz="1050" b="1" dirty="0">
                         <a:latin typeface="メイリオ" panose="020B0604030504040204" pitchFamily="50" charset="-128"/>
@@ -8428,7 +8459,7 @@
                           <a:latin typeface="メイリオ" panose="020B0604030504040204" pitchFamily="50" charset="-128"/>
                           <a:ea typeface="メイリオ" panose="020B0604030504040204" pitchFamily="50" charset="-128"/>
                         </a:rPr>
-                        <a:t>b</a:t>
+                        <a:t>c</a:t>
                       </a:r>
                       <a:endParaRPr kumimoji="1" lang="ja-JP" altLang="en-US" sz="1050" b="1" dirty="0">
                         <a:latin typeface="メイリオ" panose="020B0604030504040204" pitchFamily="50" charset="-128"/>
@@ -8460,7 +8491,7 @@
                           <a:latin typeface="メイリオ" panose="020B0604030504040204" pitchFamily="50" charset="-128"/>
                           <a:ea typeface="メイリオ" panose="020B0604030504040204" pitchFamily="50" charset="-128"/>
                         </a:rPr>
-                        <a:t>c</a:t>
+                        <a:t>d</a:t>
                       </a:r>
                       <a:endParaRPr kumimoji="1" lang="ja-JP" altLang="en-US" sz="1050" b="1" dirty="0">
                         <a:latin typeface="メイリオ" panose="020B0604030504040204" pitchFamily="50" charset="-128"/>
@@ -8492,7 +8523,7 @@
                           <a:latin typeface="メイリオ" panose="020B0604030504040204" pitchFamily="50" charset="-128"/>
                           <a:ea typeface="メイリオ" panose="020B0604030504040204" pitchFamily="50" charset="-128"/>
                         </a:rPr>
-                        <a:t>d</a:t>
+                        <a:t>e</a:t>
                       </a:r>
                       <a:endParaRPr kumimoji="1" lang="ja-JP" altLang="en-US" sz="1050" b="1" dirty="0">
                         <a:latin typeface="メイリオ" panose="020B0604030504040204" pitchFamily="50" charset="-128"/>
@@ -8524,7 +8555,7 @@
                           <a:latin typeface="メイリオ" panose="020B0604030504040204" pitchFamily="50" charset="-128"/>
                           <a:ea typeface="メイリオ" panose="020B0604030504040204" pitchFamily="50" charset="-128"/>
                         </a:rPr>
-                        <a:t>e</a:t>
+                        <a:t>f</a:t>
                       </a:r>
                       <a:endParaRPr kumimoji="1" lang="ja-JP" altLang="en-US" sz="1050" b="1" dirty="0">
                         <a:latin typeface="メイリオ" panose="020B0604030504040204" pitchFamily="50" charset="-128"/>
@@ -8556,7 +8587,7 @@
                           <a:latin typeface="メイリオ" panose="020B0604030504040204" pitchFamily="50" charset="-128"/>
                           <a:ea typeface="メイリオ" panose="020B0604030504040204" pitchFamily="50" charset="-128"/>
                         </a:rPr>
-                        <a:t>f</a:t>
+                        <a:t>g</a:t>
                       </a:r>
                       <a:endParaRPr kumimoji="1" lang="ja-JP" altLang="en-US" sz="1050" b="1" dirty="0">
                         <a:latin typeface="メイリオ" panose="020B0604030504040204" pitchFamily="50" charset="-128"/>
@@ -8588,7 +8619,7 @@
                           <a:latin typeface="メイリオ" panose="020B0604030504040204" pitchFamily="50" charset="-128"/>
                           <a:ea typeface="メイリオ" panose="020B0604030504040204" pitchFamily="50" charset="-128"/>
                         </a:rPr>
-                        <a:t>g</a:t>
+                        <a:t>h</a:t>
                       </a:r>
                       <a:endParaRPr kumimoji="1" lang="ja-JP" altLang="en-US" sz="1050" b="1" dirty="0">
                         <a:latin typeface="メイリオ" panose="020B0604030504040204" pitchFamily="50" charset="-128"/>
@@ -8620,7 +8651,7 @@
                           <a:latin typeface="メイリオ" panose="020B0604030504040204" pitchFamily="50" charset="-128"/>
                           <a:ea typeface="メイリオ" panose="020B0604030504040204" pitchFamily="50" charset="-128"/>
                         </a:rPr>
-                        <a:t>h</a:t>
+                        <a:t>i</a:t>
                       </a:r>
                       <a:endParaRPr kumimoji="1" lang="ja-JP" altLang="en-US" sz="1050" b="1" dirty="0">
                         <a:latin typeface="メイリオ" panose="020B0604030504040204" pitchFamily="50" charset="-128"/>
@@ -8637,6 +8668,70 @@
                 <a:extLst>
                   <a:ext uri="{0D108BD9-81ED-4DB2-BD59-A6C34878D82A}">
                     <a16:rowId xmlns:a16="http://schemas.microsoft.com/office/drawing/2014/main" val="1048030626"/>
+                  </a:ext>
+                </a:extLst>
+              </a:tr>
+              <a:tr h="252000">
+                <a:tc>
+                  <a:txBody>
+                    <a:bodyPr/>
+                    <a:lstStyle/>
+                    <a:p>
+                      <a:pPr algn="ctr"/>
+                      <a:r>
+                        <a:rPr kumimoji="1" lang="en-US" altLang="ja-JP" sz="1050" b="1" dirty="0">
+                          <a:latin typeface="メイリオ" panose="020B0604030504040204" pitchFamily="50" charset="-128"/>
+                          <a:ea typeface="メイリオ" panose="020B0604030504040204" pitchFamily="50" charset="-128"/>
+                        </a:rPr>
+                        <a:t>j</a:t>
+                      </a:r>
+                      <a:endParaRPr kumimoji="1" lang="ja-JP" altLang="en-US" sz="1050" b="1" dirty="0">
+                        <a:latin typeface="メイリオ" panose="020B0604030504040204" pitchFamily="50" charset="-128"/>
+                        <a:ea typeface="メイリオ" panose="020B0604030504040204" pitchFamily="50" charset="-128"/>
+                      </a:endParaRPr>
+                    </a:p>
+                  </a:txBody>
+                  <a:tcPr anchor="ctr">
+                    <a:solidFill>
+                      <a:srgbClr val="D999FD"/>
+                    </a:solidFill>
+                  </a:tcPr>
+                </a:tc>
+                <a:extLst>
+                  <a:ext uri="{0D108BD9-81ED-4DB2-BD59-A6C34878D82A}">
+                    <a16:rowId xmlns:a16="http://schemas.microsoft.com/office/drawing/2014/main" val="230182423"/>
+                  </a:ext>
+                </a:extLst>
+              </a:tr>
+              <a:tr h="252000">
+                <a:tc>
+                  <a:txBody>
+                    <a:bodyPr/>
+                    <a:lstStyle/>
+                    <a:p>
+                      <a:pPr algn="ctr"/>
+                      <a:r>
+                        <a:rPr kumimoji="1" lang="en-US" altLang="ja-JP" sz="1050" b="1" dirty="0">
+                          <a:latin typeface="メイリオ" panose="020B0604030504040204" pitchFamily="50" charset="-128"/>
+                          <a:ea typeface="メイリオ" panose="020B0604030504040204" pitchFamily="50" charset="-128"/>
+                        </a:rPr>
+                        <a:t>k</a:t>
+                      </a:r>
+                      <a:endParaRPr kumimoji="1" lang="ja-JP" altLang="en-US" sz="1050" b="1" dirty="0">
+                        <a:latin typeface="メイリオ" panose="020B0604030504040204" pitchFamily="50" charset="-128"/>
+                        <a:ea typeface="メイリオ" panose="020B0604030504040204" pitchFamily="50" charset="-128"/>
+                      </a:endParaRPr>
+                    </a:p>
+                  </a:txBody>
+                  <a:tcPr anchor="ctr">
+                    <a:solidFill>
+                      <a:srgbClr val="D999FD"/>
+                    </a:solidFill>
+                  </a:tcPr>
+                </a:tc>
+                <a:extLst>
+                  <a:ext uri="{0D108BD9-81ED-4DB2-BD59-A6C34878D82A}">
+                    <a16:rowId xmlns:a16="http://schemas.microsoft.com/office/drawing/2014/main" val="1594151135"/>
                   </a:ext>
                 </a:extLst>
               </a:tr>
@@ -8659,7 +8754,7 @@
           <p:nvPr>
             <p:extLst>
               <p:ext uri="{D42A27DB-BD31-4B8C-83A1-F6EECF244321}">
-                <p14:modId xmlns:p14="http://schemas.microsoft.com/office/powerpoint/2010/main" val="2135484615"/>
+                <p14:modId xmlns:p14="http://schemas.microsoft.com/office/powerpoint/2010/main" val="1694605213"/>
               </p:ext>
             </p:extLst>
           </p:nvPr>
@@ -9090,7 +9185,7 @@
                           <a:latin typeface="メイリオ" panose="020B0604030504040204" pitchFamily="50" charset="-128"/>
                           <a:ea typeface="メイリオ" panose="020B0604030504040204" pitchFamily="50" charset="-128"/>
                         </a:rPr>
-                        <a:t>954</a:t>
+                        <a:t>95</a:t>
                       </a:r>
                       <a:endParaRPr kumimoji="1" lang="ja-JP" altLang="en-US" sz="1050" dirty="0">
                         <a:latin typeface="メイリオ" panose="020B0604030504040204" pitchFamily="50" charset="-128"/>
@@ -11585,42 +11680,6 @@
           </a:fontRef>
         </p:style>
       </p:cxnSp>
-      <p:pic>
-        <p:nvPicPr>
-          <p:cNvPr id="104" name="図 103">
-            <a:extLst>
-              <a:ext uri="{FF2B5EF4-FFF2-40B4-BE49-F238E27FC236}">
-                <a16:creationId xmlns:a16="http://schemas.microsoft.com/office/drawing/2014/main" id="{C7E59AC0-4E60-4B8C-AF16-01A30E77E517}"/>
-              </a:ext>
-            </a:extLst>
-          </p:cNvPr>
-          <p:cNvPicPr>
-            <a:picLocks noChangeAspect="1"/>
-          </p:cNvPicPr>
-          <p:nvPr/>
-        </p:nvPicPr>
-        <p:blipFill>
-          <a:blip r:embed="rId2">
-            <a:extLst>
-              <a:ext uri="{28A0092B-C50C-407E-A947-70E740481C1C}">
-                <a14:useLocalDpi xmlns:a14="http://schemas.microsoft.com/office/drawing/2010/main" val="0"/>
-              </a:ext>
-            </a:extLst>
-          </a:blip>
-          <a:stretch>
-            <a:fillRect/>
-          </a:stretch>
-        </p:blipFill>
-        <p:spPr>
-          <a:xfrm>
-            <a:off x="3960993" y="739965"/>
-            <a:ext cx="2682327" cy="5742875"/>
-          </a:xfrm>
-          <a:prstGeom prst="rect">
-            <a:avLst/>
-          </a:prstGeom>
-        </p:spPr>
-      </p:pic>
       <p:sp>
         <p:nvSpPr>
           <p:cNvPr id="106" name="テキスト ボックス 105">
@@ -11886,7 +11945,7 @@
           <p:nvPr/>
         </p:nvPicPr>
         <p:blipFill>
-          <a:blip r:embed="rId3">
+          <a:blip r:embed="rId2">
             <a:extLst>
               <a:ext uri="{28A0092B-C50C-407E-A947-70E740481C1C}">
                 <a14:useLocalDpi xmlns:a14="http://schemas.microsoft.com/office/drawing/2010/main" val="0"/>
@@ -11907,6 +11966,83 @@
           </a:prstGeom>
         </p:spPr>
       </p:pic>
+      <p:pic>
+        <p:nvPicPr>
+          <p:cNvPr id="8" name="図 7">
+            <a:extLst>
+              <a:ext uri="{FF2B5EF4-FFF2-40B4-BE49-F238E27FC236}">
+                <a16:creationId xmlns:a16="http://schemas.microsoft.com/office/drawing/2014/main" id="{108A4A51-6224-4479-81C1-D5436D9FCF13}"/>
+              </a:ext>
+            </a:extLst>
+          </p:cNvPr>
+          <p:cNvPicPr>
+            <a:picLocks noChangeAspect="1"/>
+          </p:cNvPicPr>
+          <p:nvPr/>
+        </p:nvPicPr>
+        <p:blipFill>
+          <a:blip r:embed="rId3">
+            <a:extLst>
+              <a:ext uri="{28A0092B-C50C-407E-A947-70E740481C1C}">
+                <a14:useLocalDpi xmlns:a14="http://schemas.microsoft.com/office/drawing/2010/main" val="0"/>
+              </a:ext>
+            </a:extLst>
+          </a:blip>
+          <a:stretch>
+            <a:fillRect/>
+          </a:stretch>
+        </p:blipFill>
+        <p:spPr>
+          <a:xfrm>
+            <a:off x="3941889" y="727749"/>
+            <a:ext cx="2679017" cy="5735788"/>
+          </a:xfrm>
+          <a:prstGeom prst="rect">
+            <a:avLst/>
+          </a:prstGeom>
+        </p:spPr>
+      </p:pic>
+      <p:cxnSp>
+        <p:nvCxnSpPr>
+          <p:cNvPr id="33" name="直線コネクタ 32">
+            <a:extLst>
+              <a:ext uri="{FF2B5EF4-FFF2-40B4-BE49-F238E27FC236}">
+                <a16:creationId xmlns:a16="http://schemas.microsoft.com/office/drawing/2014/main" id="{9F36BD71-9415-4E84-A1F4-7A3920C1A4F1}"/>
+              </a:ext>
+            </a:extLst>
+          </p:cNvPr>
+          <p:cNvCxnSpPr/>
+          <p:nvPr/>
+        </p:nvCxnSpPr>
+        <p:spPr>
+          <a:xfrm>
+            <a:off x="6889587" y="1603158"/>
+            <a:ext cx="441395" cy="0"/>
+          </a:xfrm>
+          <a:prstGeom prst="line">
+            <a:avLst/>
+          </a:prstGeom>
+          <a:ln>
+            <a:solidFill>
+              <a:schemeClr val="bg1"/>
+            </a:solidFill>
+          </a:ln>
+        </p:spPr>
+        <p:style>
+          <a:lnRef idx="3">
+            <a:schemeClr val="dk1"/>
+          </a:lnRef>
+          <a:fillRef idx="0">
+            <a:schemeClr val="dk1"/>
+          </a:fillRef>
+          <a:effectRef idx="2">
+            <a:schemeClr val="dk1"/>
+          </a:effectRef>
+          <a:fontRef idx="minor">
+            <a:schemeClr val="tx1"/>
+          </a:fontRef>
+        </p:style>
+      </p:cxnSp>
     </p:spTree>
     <p:extLst>
       <p:ext uri="{BB962C8B-B14F-4D97-AF65-F5344CB8AC3E}">

--- a/model_file_template_primary.pptx
+++ b/model_file_template_primary.pptx
@@ -4293,488 +4293,509 @@
           <a:chExt cx="0" cy="0"/>
         </a:xfrm>
       </p:grpSpPr>
-      <p:sp>
-        <p:nvSpPr>
-          <p:cNvPr id="115" name="四角形: 角を丸くする 114">
+      <p:grpSp>
+        <p:nvGrpSpPr>
+          <p:cNvPr id="20" name="グループ化 19">
             <a:extLst>
               <a:ext uri="{FF2B5EF4-FFF2-40B4-BE49-F238E27FC236}">
-                <a16:creationId xmlns:a16="http://schemas.microsoft.com/office/drawing/2014/main" id="{2798FF8C-0FCA-4075-AE5D-BA71AC9C3B39}"/>
+                <a16:creationId xmlns:a16="http://schemas.microsoft.com/office/drawing/2014/main" id="{C81D3122-00A2-4923-9C2F-C4D0863116E5}"/>
               </a:ext>
             </a:extLst>
           </p:cNvPr>
-          <p:cNvSpPr/>
+          <p:cNvGrpSpPr/>
           <p:nvPr/>
-        </p:nvSpPr>
-        <p:spPr>
+        </p:nvGrpSpPr>
+        <p:grpSpPr>
           <a:xfrm>
-            <a:off x="6147012" y="267972"/>
-            <a:ext cx="2016000" cy="1152297"/>
+            <a:off x="97137" y="46613"/>
+            <a:ext cx="12600000" cy="9505354"/>
+            <a:chOff x="97137" y="46613"/>
+            <a:chExt cx="12600000" cy="9505354"/>
           </a:xfrm>
-          <a:prstGeom prst="roundRect">
-            <a:avLst/>
-          </a:prstGeom>
-          <a:ln w="28575">
+        </p:grpSpPr>
+        <p:sp>
+          <p:nvSpPr>
+            <p:cNvPr id="115" name="四角形: 角を丸くする 114">
+              <a:extLst>
+                <a:ext uri="{FF2B5EF4-FFF2-40B4-BE49-F238E27FC236}">
+                  <a16:creationId xmlns:a16="http://schemas.microsoft.com/office/drawing/2014/main" id="{2798FF8C-0FCA-4075-AE5D-BA71AC9C3B39}"/>
+                </a:ext>
+              </a:extLst>
+            </p:cNvPr>
+            <p:cNvSpPr/>
+            <p:nvPr/>
+          </p:nvSpPr>
+          <p:spPr>
+            <a:xfrm>
+              <a:off x="6147012" y="267972"/>
+              <a:ext cx="2016000" cy="1152297"/>
+            </a:xfrm>
+            <a:prstGeom prst="roundRect">
+              <a:avLst/>
+            </a:prstGeom>
+            <a:ln w="28575">
+              <a:solidFill>
+                <a:schemeClr val="accent6">
+                  <a:lumMod val="60000"/>
+                  <a:lumOff val="40000"/>
+                </a:schemeClr>
+              </a:solidFill>
+            </a:ln>
+          </p:spPr>
+          <p:style>
+            <a:lnRef idx="2">
+              <a:schemeClr val="accent6"/>
+            </a:lnRef>
+            <a:fillRef idx="1">
+              <a:schemeClr val="lt1"/>
+            </a:fillRef>
+            <a:effectRef idx="0">
+              <a:schemeClr val="accent6"/>
+            </a:effectRef>
+            <a:fontRef idx="minor">
+              <a:schemeClr val="dk1"/>
+            </a:fontRef>
+          </p:style>
+          <p:txBody>
+            <a:bodyPr rtlCol="0" anchor="ctr"/>
+            <a:lstStyle/>
+            <a:p>
+              <a:pPr marL="0" marR="0" lvl="0" indent="0" algn="ctr" defTabSz="914400" rtl="0" eaLnBrk="1" fontAlgn="base" latinLnBrk="0" hangingPunct="1">
+                <a:lnSpc>
+                  <a:spcPct val="100000"/>
+                </a:lnSpc>
+                <a:spcBef>
+                  <a:spcPct val="0"/>
+                </a:spcBef>
+                <a:spcAft>
+                  <a:spcPct val="0"/>
+                </a:spcAft>
+                <a:buClrTx/>
+                <a:buSzTx/>
+                <a:buFontTx/>
+                <a:buNone/>
+                <a:tabLst/>
+                <a:defRPr/>
+              </a:pPr>
+              <a:endParaRPr kumimoji="1" lang="ja-JP" altLang="en-US" sz="1600" b="0" i="0" u="none" strike="noStrike" kern="1200" cap="none" spc="0" normalizeH="0" baseline="0" noProof="0">
+                <a:ln>
+                  <a:noFill/>
+                </a:ln>
+                <a:solidFill>
+                  <a:prstClr val="black"/>
+                </a:solidFill>
+                <a:effectLst/>
+                <a:uLnTx/>
+                <a:uFillTx/>
+                <a:latin typeface="游ゴシック" panose="020F0502020204030204"/>
+                <a:ea typeface="游ゴシック" panose="020B0400000000000000" pitchFamily="50" charset="-128"/>
+                <a:cs typeface="+mn-cs"/>
+              </a:endParaRPr>
+            </a:p>
+          </p:txBody>
+        </p:sp>
+        <p:sp>
+          <p:nvSpPr>
+            <p:cNvPr id="14" name="四角形: 角を丸くする 13">
+              <a:extLst>
+                <a:ext uri="{FF2B5EF4-FFF2-40B4-BE49-F238E27FC236}">
+                  <a16:creationId xmlns:a16="http://schemas.microsoft.com/office/drawing/2014/main" id="{5DFFF80D-32F6-4641-A456-86DEF48B839E}"/>
+                </a:ext>
+              </a:extLst>
+            </p:cNvPr>
+            <p:cNvSpPr/>
+            <p:nvPr/>
+          </p:nvSpPr>
+          <p:spPr>
+            <a:xfrm>
+              <a:off x="4131012" y="264096"/>
+              <a:ext cx="2016000" cy="1080368"/>
+            </a:xfrm>
+            <a:prstGeom prst="roundRect">
+              <a:avLst/>
+            </a:prstGeom>
+            <a:ln w="28575">
+              <a:solidFill>
+                <a:schemeClr val="accent6">
+                  <a:lumMod val="60000"/>
+                  <a:lumOff val="40000"/>
+                </a:schemeClr>
+              </a:solidFill>
+            </a:ln>
+          </p:spPr>
+          <p:style>
+            <a:lnRef idx="2">
+              <a:schemeClr val="accent6"/>
+            </a:lnRef>
+            <a:fillRef idx="1">
+              <a:schemeClr val="lt1"/>
+            </a:fillRef>
+            <a:effectRef idx="0">
+              <a:schemeClr val="accent6"/>
+            </a:effectRef>
+            <a:fontRef idx="minor">
+              <a:schemeClr val="dk1"/>
+            </a:fontRef>
+          </p:style>
+          <p:txBody>
+            <a:bodyPr rtlCol="0" anchor="ctr"/>
+            <a:lstStyle/>
+            <a:p>
+              <a:pPr marL="0" marR="0" lvl="0" indent="0" algn="ctr" defTabSz="914400" rtl="0" eaLnBrk="1" fontAlgn="base" latinLnBrk="0" hangingPunct="1">
+                <a:lnSpc>
+                  <a:spcPct val="100000"/>
+                </a:lnSpc>
+                <a:spcBef>
+                  <a:spcPct val="0"/>
+                </a:spcBef>
+                <a:spcAft>
+                  <a:spcPct val="0"/>
+                </a:spcAft>
+                <a:buClrTx/>
+                <a:buSzTx/>
+                <a:buFontTx/>
+                <a:buNone/>
+                <a:tabLst/>
+                <a:defRPr/>
+              </a:pPr>
+              <a:endParaRPr kumimoji="1" lang="ja-JP" altLang="en-US" sz="1600" b="0" i="0" u="none" strike="noStrike" kern="1200" cap="none" spc="0" normalizeH="0" baseline="0" noProof="0">
+                <a:ln>
+                  <a:noFill/>
+                </a:ln>
+                <a:solidFill>
+                  <a:prstClr val="black"/>
+                </a:solidFill>
+                <a:effectLst/>
+                <a:uLnTx/>
+                <a:uFillTx/>
+                <a:latin typeface="游ゴシック" panose="020F0502020204030204"/>
+                <a:ea typeface="游ゴシック" panose="020B0400000000000000" pitchFamily="50" charset="-128"/>
+                <a:cs typeface="+mn-cs"/>
+              </a:endParaRPr>
+            </a:p>
+          </p:txBody>
+        </p:sp>
+        <p:sp>
+          <p:nvSpPr>
+            <p:cNvPr id="13" name="四角形: 角を丸くする 12">
+              <a:extLst>
+                <a:ext uri="{FF2B5EF4-FFF2-40B4-BE49-F238E27FC236}">
+                  <a16:creationId xmlns:a16="http://schemas.microsoft.com/office/drawing/2014/main" id="{84934B8C-C644-49A7-8C50-B417AAAD4BD4}"/>
+                </a:ext>
+              </a:extLst>
+            </p:cNvPr>
+            <p:cNvSpPr/>
+            <p:nvPr/>
+          </p:nvSpPr>
+          <p:spPr>
+            <a:xfrm>
+              <a:off x="2118951" y="267206"/>
+              <a:ext cx="2016000" cy="1368400"/>
+            </a:xfrm>
+            <a:prstGeom prst="roundRect">
+              <a:avLst>
+                <a:gd name="adj" fmla="val 13495"/>
+              </a:avLst>
+            </a:prstGeom>
+            <a:ln w="28575">
+              <a:solidFill>
+                <a:schemeClr val="accent6">
+                  <a:lumMod val="60000"/>
+                  <a:lumOff val="40000"/>
+                </a:schemeClr>
+              </a:solidFill>
+            </a:ln>
+          </p:spPr>
+          <p:style>
+            <a:lnRef idx="2">
+              <a:schemeClr val="accent6"/>
+            </a:lnRef>
+            <a:fillRef idx="1">
+              <a:schemeClr val="lt1"/>
+            </a:fillRef>
+            <a:effectRef idx="0">
+              <a:schemeClr val="accent6"/>
+            </a:effectRef>
+            <a:fontRef idx="minor">
+              <a:schemeClr val="dk1"/>
+            </a:fontRef>
+          </p:style>
+          <p:txBody>
+            <a:bodyPr rtlCol="0" anchor="ctr"/>
+            <a:lstStyle/>
+            <a:p>
+              <a:pPr marL="0" marR="0" lvl="0" indent="0" algn="ctr" defTabSz="914400" rtl="0" eaLnBrk="1" fontAlgn="base" latinLnBrk="0" hangingPunct="1">
+                <a:lnSpc>
+                  <a:spcPct val="100000"/>
+                </a:lnSpc>
+                <a:spcBef>
+                  <a:spcPct val="0"/>
+                </a:spcBef>
+                <a:spcAft>
+                  <a:spcPct val="0"/>
+                </a:spcAft>
+                <a:buClrTx/>
+                <a:buSzTx/>
+                <a:buFontTx/>
+                <a:buNone/>
+                <a:tabLst/>
+                <a:defRPr/>
+              </a:pPr>
+              <a:endParaRPr kumimoji="1" lang="ja-JP" altLang="en-US" sz="1600" b="0" i="0" u="none" strike="noStrike" kern="1200" cap="none" spc="0" normalizeH="0" baseline="0" noProof="0">
+                <a:ln>
+                  <a:noFill/>
+                </a:ln>
+                <a:solidFill>
+                  <a:prstClr val="black"/>
+                </a:solidFill>
+                <a:effectLst/>
+                <a:uLnTx/>
+                <a:uFillTx/>
+                <a:latin typeface="游ゴシック" panose="020F0502020204030204"/>
+                <a:ea typeface="游ゴシック" panose="020B0400000000000000" pitchFamily="50" charset="-128"/>
+                <a:cs typeface="+mn-cs"/>
+              </a:endParaRPr>
+            </a:p>
+          </p:txBody>
+        </p:sp>
+        <p:sp>
+          <p:nvSpPr>
+            <p:cNvPr id="12" name="四角形: 角を丸くする 11">
+              <a:extLst>
+                <a:ext uri="{FF2B5EF4-FFF2-40B4-BE49-F238E27FC236}">
+                  <a16:creationId xmlns:a16="http://schemas.microsoft.com/office/drawing/2014/main" id="{AFFC4548-7F1A-4F38-96A5-7A693D93CF9B}"/>
+                </a:ext>
+              </a:extLst>
+            </p:cNvPr>
+            <p:cNvSpPr/>
+            <p:nvPr/>
+          </p:nvSpPr>
+          <p:spPr>
+            <a:xfrm>
+              <a:off x="99487" y="46613"/>
+              <a:ext cx="2016000" cy="1224384"/>
+            </a:xfrm>
+            <a:prstGeom prst="roundRect">
+              <a:avLst>
+                <a:gd name="adj" fmla="val 13842"/>
+              </a:avLst>
+            </a:prstGeom>
             <a:solidFill>
-              <a:schemeClr val="accent6">
-                <a:lumMod val="60000"/>
-                <a:lumOff val="40000"/>
-              </a:schemeClr>
+              <a:schemeClr val="accent6"/>
             </a:solidFill>
-          </a:ln>
-        </p:spPr>
-        <p:style>
-          <a:lnRef idx="2">
-            <a:schemeClr val="accent6"/>
-          </a:lnRef>
-          <a:fillRef idx="1">
-            <a:schemeClr val="lt1"/>
-          </a:fillRef>
-          <a:effectRef idx="0">
-            <a:schemeClr val="accent6"/>
-          </a:effectRef>
-          <a:fontRef idx="minor">
-            <a:schemeClr val="dk1"/>
-          </a:fontRef>
-        </p:style>
-        <p:txBody>
-          <a:bodyPr rtlCol="0" anchor="ctr"/>
-          <a:lstStyle/>
-          <a:p>
-            <a:pPr marL="0" marR="0" lvl="0" indent="0" algn="ctr" defTabSz="914400" rtl="0" eaLnBrk="1" fontAlgn="base" latinLnBrk="0" hangingPunct="1">
-              <a:lnSpc>
-                <a:spcPct val="100000"/>
-              </a:lnSpc>
-              <a:spcBef>
-                <a:spcPct val="0"/>
-              </a:spcBef>
-              <a:spcAft>
-                <a:spcPct val="0"/>
-              </a:spcAft>
-              <a:buClrTx/>
-              <a:buSzTx/>
-              <a:buFontTx/>
-              <a:buNone/>
-              <a:tabLst/>
-              <a:defRPr/>
-            </a:pPr>
-            <a:endParaRPr kumimoji="1" lang="ja-JP" altLang="en-US" sz="1600" b="0" i="0" u="none" strike="noStrike" kern="1200" cap="none" spc="0" normalizeH="0" baseline="0" noProof="0">
-              <a:ln>
-                <a:noFill/>
-              </a:ln>
+            <a:ln w="38100"/>
+          </p:spPr>
+          <p:style>
+            <a:lnRef idx="2">
+              <a:schemeClr val="accent6"/>
+            </a:lnRef>
+            <a:fillRef idx="1">
+              <a:schemeClr val="lt1"/>
+            </a:fillRef>
+            <a:effectRef idx="0">
+              <a:schemeClr val="accent6"/>
+            </a:effectRef>
+            <a:fontRef idx="minor">
+              <a:schemeClr val="dk1"/>
+            </a:fontRef>
+          </p:style>
+          <p:txBody>
+            <a:bodyPr rtlCol="0" anchor="ctr"/>
+            <a:lstStyle/>
+            <a:p>
+              <a:pPr marL="0" marR="0" lvl="0" indent="0" algn="ctr" defTabSz="914400" rtl="0" eaLnBrk="1" fontAlgn="base" latinLnBrk="0" hangingPunct="1">
+                <a:lnSpc>
+                  <a:spcPct val="100000"/>
+                </a:lnSpc>
+                <a:spcBef>
+                  <a:spcPct val="0"/>
+                </a:spcBef>
+                <a:spcAft>
+                  <a:spcPct val="0"/>
+                </a:spcAft>
+                <a:buClrTx/>
+                <a:buSzTx/>
+                <a:buFontTx/>
+                <a:buNone/>
+                <a:tabLst/>
+                <a:defRPr/>
+              </a:pPr>
+              <a:endParaRPr kumimoji="1" lang="ja-JP" altLang="en-US" sz="1600" b="0" i="0" u="none" strike="noStrike" kern="1200" cap="none" spc="0" normalizeH="0" baseline="0" noProof="0" dirty="0">
+                <a:ln>
+                  <a:noFill/>
+                </a:ln>
+                <a:solidFill>
+                  <a:prstClr val="black"/>
+                </a:solidFill>
+                <a:effectLst/>
+                <a:uLnTx/>
+                <a:uFillTx/>
+                <a:latin typeface="游ゴシック" panose="020F0502020204030204"/>
+                <a:ea typeface="游ゴシック" panose="020B0400000000000000" pitchFamily="50" charset="-128"/>
+                <a:cs typeface="+mn-cs"/>
+              </a:endParaRPr>
+            </a:p>
+          </p:txBody>
+        </p:sp>
+        <p:sp>
+          <p:nvSpPr>
+            <p:cNvPr id="15" name="四角形: 角を丸くする 14">
+              <a:extLst>
+                <a:ext uri="{FF2B5EF4-FFF2-40B4-BE49-F238E27FC236}">
+                  <a16:creationId xmlns:a16="http://schemas.microsoft.com/office/drawing/2014/main" id="{A9B96D26-795E-44A3-9A17-D2913FF49DAB}"/>
+                </a:ext>
+              </a:extLst>
+            </p:cNvPr>
+            <p:cNvSpPr/>
+            <p:nvPr/>
+          </p:nvSpPr>
+          <p:spPr>
+            <a:xfrm>
+              <a:off x="8159073" y="268334"/>
+              <a:ext cx="2016000" cy="1152297"/>
+            </a:xfrm>
+            <a:prstGeom prst="roundRect">
+              <a:avLst/>
+            </a:prstGeom>
+            <a:ln w="28575">
               <a:solidFill>
-                <a:prstClr val="black"/>
+                <a:schemeClr val="accent6">
+                  <a:lumMod val="60000"/>
+                  <a:lumOff val="40000"/>
+                </a:schemeClr>
               </a:solidFill>
-              <a:effectLst/>
-              <a:uLnTx/>
-              <a:uFillTx/>
-              <a:latin typeface="游ゴシック" panose="020F0502020204030204"/>
-              <a:ea typeface="游ゴシック" panose="020B0400000000000000" pitchFamily="50" charset="-128"/>
-              <a:cs typeface="+mn-cs"/>
-            </a:endParaRPr>
-          </a:p>
-        </p:txBody>
-      </p:sp>
-      <p:sp>
-        <p:nvSpPr>
-          <p:cNvPr id="14" name="四角形: 角を丸くする 13">
-            <a:extLst>
-              <a:ext uri="{FF2B5EF4-FFF2-40B4-BE49-F238E27FC236}">
-                <a16:creationId xmlns:a16="http://schemas.microsoft.com/office/drawing/2014/main" id="{5DFFF80D-32F6-4641-A456-86DEF48B839E}"/>
-              </a:ext>
-            </a:extLst>
-          </p:cNvPr>
-          <p:cNvSpPr/>
-          <p:nvPr/>
-        </p:nvSpPr>
-        <p:spPr>
-          <a:xfrm>
-            <a:off x="4131012" y="264096"/>
-            <a:ext cx="2016000" cy="1080368"/>
-          </a:xfrm>
-          <a:prstGeom prst="roundRect">
-            <a:avLst/>
-          </a:prstGeom>
-          <a:ln w="28575">
-            <a:solidFill>
-              <a:schemeClr val="accent6">
-                <a:lumMod val="60000"/>
-                <a:lumOff val="40000"/>
-              </a:schemeClr>
-            </a:solidFill>
-          </a:ln>
-        </p:spPr>
-        <p:style>
-          <a:lnRef idx="2">
-            <a:schemeClr val="accent6"/>
-          </a:lnRef>
-          <a:fillRef idx="1">
-            <a:schemeClr val="lt1"/>
-          </a:fillRef>
-          <a:effectRef idx="0">
-            <a:schemeClr val="accent6"/>
-          </a:effectRef>
-          <a:fontRef idx="minor">
-            <a:schemeClr val="dk1"/>
-          </a:fontRef>
-        </p:style>
-        <p:txBody>
-          <a:bodyPr rtlCol="0" anchor="ctr"/>
-          <a:lstStyle/>
-          <a:p>
-            <a:pPr marL="0" marR="0" lvl="0" indent="0" algn="ctr" defTabSz="914400" rtl="0" eaLnBrk="1" fontAlgn="base" latinLnBrk="0" hangingPunct="1">
-              <a:lnSpc>
-                <a:spcPct val="100000"/>
-              </a:lnSpc>
-              <a:spcBef>
-                <a:spcPct val="0"/>
-              </a:spcBef>
-              <a:spcAft>
-                <a:spcPct val="0"/>
-              </a:spcAft>
-              <a:buClrTx/>
-              <a:buSzTx/>
-              <a:buFontTx/>
-              <a:buNone/>
-              <a:tabLst/>
-              <a:defRPr/>
-            </a:pPr>
-            <a:endParaRPr kumimoji="1" lang="ja-JP" altLang="en-US" sz="1600" b="0" i="0" u="none" strike="noStrike" kern="1200" cap="none" spc="0" normalizeH="0" baseline="0" noProof="0">
-              <a:ln>
-                <a:noFill/>
-              </a:ln>
-              <a:solidFill>
-                <a:prstClr val="black"/>
-              </a:solidFill>
-              <a:effectLst/>
-              <a:uLnTx/>
-              <a:uFillTx/>
-              <a:latin typeface="游ゴシック" panose="020F0502020204030204"/>
-              <a:ea typeface="游ゴシック" panose="020B0400000000000000" pitchFamily="50" charset="-128"/>
-              <a:cs typeface="+mn-cs"/>
-            </a:endParaRPr>
-          </a:p>
-        </p:txBody>
-      </p:sp>
-      <p:sp>
-        <p:nvSpPr>
-          <p:cNvPr id="13" name="四角形: 角を丸くする 12">
-            <a:extLst>
-              <a:ext uri="{FF2B5EF4-FFF2-40B4-BE49-F238E27FC236}">
-                <a16:creationId xmlns:a16="http://schemas.microsoft.com/office/drawing/2014/main" id="{84934B8C-C644-49A7-8C50-B417AAAD4BD4}"/>
-              </a:ext>
-            </a:extLst>
-          </p:cNvPr>
-          <p:cNvSpPr/>
-          <p:nvPr/>
-        </p:nvSpPr>
-        <p:spPr>
-          <a:xfrm>
-            <a:off x="2118951" y="267206"/>
-            <a:ext cx="2016000" cy="1368400"/>
-          </a:xfrm>
-          <a:prstGeom prst="roundRect">
-            <a:avLst>
-              <a:gd name="adj" fmla="val 13495"/>
-            </a:avLst>
-          </a:prstGeom>
-          <a:ln w="28575">
-            <a:solidFill>
-              <a:schemeClr val="accent6">
-                <a:lumMod val="60000"/>
-                <a:lumOff val="40000"/>
-              </a:schemeClr>
-            </a:solidFill>
-          </a:ln>
-        </p:spPr>
-        <p:style>
-          <a:lnRef idx="2">
-            <a:schemeClr val="accent6"/>
-          </a:lnRef>
-          <a:fillRef idx="1">
-            <a:schemeClr val="lt1"/>
-          </a:fillRef>
-          <a:effectRef idx="0">
-            <a:schemeClr val="accent6"/>
-          </a:effectRef>
-          <a:fontRef idx="minor">
-            <a:schemeClr val="dk1"/>
-          </a:fontRef>
-        </p:style>
-        <p:txBody>
-          <a:bodyPr rtlCol="0" anchor="ctr"/>
-          <a:lstStyle/>
-          <a:p>
-            <a:pPr marL="0" marR="0" lvl="0" indent="0" algn="ctr" defTabSz="914400" rtl="0" eaLnBrk="1" fontAlgn="base" latinLnBrk="0" hangingPunct="1">
-              <a:lnSpc>
-                <a:spcPct val="100000"/>
-              </a:lnSpc>
-              <a:spcBef>
-                <a:spcPct val="0"/>
-              </a:spcBef>
-              <a:spcAft>
-                <a:spcPct val="0"/>
-              </a:spcAft>
-              <a:buClrTx/>
-              <a:buSzTx/>
-              <a:buFontTx/>
-              <a:buNone/>
-              <a:tabLst/>
-              <a:defRPr/>
-            </a:pPr>
-            <a:endParaRPr kumimoji="1" lang="ja-JP" altLang="en-US" sz="1600" b="0" i="0" u="none" strike="noStrike" kern="1200" cap="none" spc="0" normalizeH="0" baseline="0" noProof="0">
-              <a:ln>
-                <a:noFill/>
-              </a:ln>
-              <a:solidFill>
-                <a:prstClr val="black"/>
-              </a:solidFill>
-              <a:effectLst/>
-              <a:uLnTx/>
-              <a:uFillTx/>
-              <a:latin typeface="游ゴシック" panose="020F0502020204030204"/>
-              <a:ea typeface="游ゴシック" panose="020B0400000000000000" pitchFamily="50" charset="-128"/>
-              <a:cs typeface="+mn-cs"/>
-            </a:endParaRPr>
-          </a:p>
-        </p:txBody>
-      </p:sp>
-      <p:sp>
-        <p:nvSpPr>
-          <p:cNvPr id="12" name="四角形: 角を丸くする 11">
-            <a:extLst>
-              <a:ext uri="{FF2B5EF4-FFF2-40B4-BE49-F238E27FC236}">
-                <a16:creationId xmlns:a16="http://schemas.microsoft.com/office/drawing/2014/main" id="{AFFC4548-7F1A-4F38-96A5-7A693D93CF9B}"/>
-              </a:ext>
-            </a:extLst>
-          </p:cNvPr>
-          <p:cNvSpPr/>
-          <p:nvPr/>
-        </p:nvSpPr>
-        <p:spPr>
-          <a:xfrm>
-            <a:off x="99487" y="46613"/>
-            <a:ext cx="2016000" cy="1224384"/>
-          </a:xfrm>
-          <a:prstGeom prst="roundRect">
-            <a:avLst>
-              <a:gd name="adj" fmla="val 13842"/>
-            </a:avLst>
-          </a:prstGeom>
-          <a:solidFill>
-            <a:schemeClr val="accent6"/>
-          </a:solidFill>
-          <a:ln w="38100"/>
-        </p:spPr>
-        <p:style>
-          <a:lnRef idx="2">
-            <a:schemeClr val="accent6"/>
-          </a:lnRef>
-          <a:fillRef idx="1">
-            <a:schemeClr val="lt1"/>
-          </a:fillRef>
-          <a:effectRef idx="0">
-            <a:schemeClr val="accent6"/>
-          </a:effectRef>
-          <a:fontRef idx="minor">
-            <a:schemeClr val="dk1"/>
-          </a:fontRef>
-        </p:style>
-        <p:txBody>
-          <a:bodyPr rtlCol="0" anchor="ctr"/>
-          <a:lstStyle/>
-          <a:p>
-            <a:pPr marL="0" marR="0" lvl="0" indent="0" algn="ctr" defTabSz="914400" rtl="0" eaLnBrk="1" fontAlgn="base" latinLnBrk="0" hangingPunct="1">
-              <a:lnSpc>
-                <a:spcPct val="100000"/>
-              </a:lnSpc>
-              <a:spcBef>
-                <a:spcPct val="0"/>
-              </a:spcBef>
-              <a:spcAft>
-                <a:spcPct val="0"/>
-              </a:spcAft>
-              <a:buClrTx/>
-              <a:buSzTx/>
-              <a:buFontTx/>
-              <a:buNone/>
-              <a:tabLst/>
-              <a:defRPr/>
-            </a:pPr>
-            <a:endParaRPr kumimoji="1" lang="ja-JP" altLang="en-US" sz="1600" b="0" i="0" u="none" strike="noStrike" kern="1200" cap="none" spc="0" normalizeH="0" baseline="0" noProof="0" dirty="0">
-              <a:ln>
-                <a:noFill/>
-              </a:ln>
-              <a:solidFill>
-                <a:prstClr val="black"/>
-              </a:solidFill>
-              <a:effectLst/>
-              <a:uLnTx/>
-              <a:uFillTx/>
-              <a:latin typeface="游ゴシック" panose="020F0502020204030204"/>
-              <a:ea typeface="游ゴシック" panose="020B0400000000000000" pitchFamily="50" charset="-128"/>
-              <a:cs typeface="+mn-cs"/>
-            </a:endParaRPr>
-          </a:p>
-        </p:txBody>
-      </p:sp>
-      <p:sp>
-        <p:nvSpPr>
-          <p:cNvPr id="15" name="四角形: 角を丸くする 14">
-            <a:extLst>
-              <a:ext uri="{FF2B5EF4-FFF2-40B4-BE49-F238E27FC236}">
-                <a16:creationId xmlns:a16="http://schemas.microsoft.com/office/drawing/2014/main" id="{A9B96D26-795E-44A3-9A17-D2913FF49DAB}"/>
-              </a:ext>
-            </a:extLst>
-          </p:cNvPr>
-          <p:cNvSpPr/>
-          <p:nvPr/>
-        </p:nvSpPr>
-        <p:spPr>
-          <a:xfrm>
-            <a:off x="8159073" y="268334"/>
-            <a:ext cx="2016000" cy="1152297"/>
-          </a:xfrm>
-          <a:prstGeom prst="roundRect">
-            <a:avLst/>
-          </a:prstGeom>
-          <a:ln w="28575">
-            <a:solidFill>
-              <a:schemeClr val="accent6">
-                <a:lumMod val="60000"/>
-                <a:lumOff val="40000"/>
-              </a:schemeClr>
-            </a:solidFill>
-          </a:ln>
-        </p:spPr>
-        <p:style>
-          <a:lnRef idx="2">
-            <a:schemeClr val="accent6"/>
-          </a:lnRef>
-          <a:fillRef idx="1">
-            <a:schemeClr val="lt1"/>
-          </a:fillRef>
-          <a:effectRef idx="0">
-            <a:schemeClr val="accent6"/>
-          </a:effectRef>
-          <a:fontRef idx="minor">
-            <a:schemeClr val="dk1"/>
-          </a:fontRef>
-        </p:style>
-        <p:txBody>
-          <a:bodyPr rtlCol="0" anchor="ctr"/>
-          <a:lstStyle/>
-          <a:p>
-            <a:pPr marL="0" marR="0" lvl="0" indent="0" algn="ctr" defTabSz="914400" rtl="0" eaLnBrk="1" fontAlgn="base" latinLnBrk="0" hangingPunct="1">
-              <a:lnSpc>
-                <a:spcPct val="100000"/>
-              </a:lnSpc>
-              <a:spcBef>
-                <a:spcPct val="0"/>
-              </a:spcBef>
-              <a:spcAft>
-                <a:spcPct val="0"/>
-              </a:spcAft>
-              <a:buClrTx/>
-              <a:buSzTx/>
-              <a:buFontTx/>
-              <a:buNone/>
-              <a:tabLst/>
-              <a:defRPr/>
-            </a:pPr>
-            <a:endParaRPr kumimoji="1" lang="ja-JP" altLang="en-US" sz="1600" b="0" i="0" u="none" strike="noStrike" kern="1200" cap="none" spc="0" normalizeH="0" baseline="0" noProof="0">
-              <a:ln>
-                <a:noFill/>
-              </a:ln>
-              <a:solidFill>
-                <a:prstClr val="black"/>
-              </a:solidFill>
-              <a:effectLst/>
-              <a:uLnTx/>
-              <a:uFillTx/>
-              <a:latin typeface="游ゴシック" panose="020F0502020204030204"/>
-              <a:ea typeface="游ゴシック" panose="020B0400000000000000" pitchFamily="50" charset="-128"/>
-              <a:cs typeface="+mn-cs"/>
-            </a:endParaRPr>
-          </a:p>
-        </p:txBody>
-      </p:sp>
-      <p:sp>
-        <p:nvSpPr>
-          <p:cNvPr id="11" name="正方形/長方形 10">
-            <a:extLst>
-              <a:ext uri="{FF2B5EF4-FFF2-40B4-BE49-F238E27FC236}">
-                <a16:creationId xmlns:a16="http://schemas.microsoft.com/office/drawing/2014/main" id="{4CF528F6-0D59-4A16-899E-E9075561CAD3}"/>
-              </a:ext>
-            </a:extLst>
-          </p:cNvPr>
-          <p:cNvSpPr/>
-          <p:nvPr/>
-        </p:nvSpPr>
-        <p:spPr>
-          <a:xfrm>
-            <a:off x="97137" y="694983"/>
-            <a:ext cx="12600000" cy="8856984"/>
-          </a:xfrm>
-          <a:prstGeom prst="rect">
-            <a:avLst/>
-          </a:prstGeom>
-          <a:ln w="38100">
-            <a:headEnd type="none" w="med" len="med"/>
-            <a:tailEnd type="none" w="med" len="med"/>
-          </a:ln>
-        </p:spPr>
-        <p:style>
-          <a:lnRef idx="2">
-            <a:schemeClr val="accent6"/>
-          </a:lnRef>
-          <a:fillRef idx="1">
-            <a:schemeClr val="lt1"/>
-          </a:fillRef>
-          <a:effectRef idx="0">
-            <a:schemeClr val="accent6"/>
-          </a:effectRef>
-          <a:fontRef idx="minor">
-            <a:schemeClr val="dk1"/>
-          </a:fontRef>
-        </p:style>
-        <p:txBody>
-          <a:bodyPr rtlCol="0" anchor="ctr"/>
-          <a:lstStyle/>
-          <a:p>
-            <a:pPr marL="0" marR="0" lvl="0" indent="0" algn="ctr" defTabSz="914400" rtl="0" eaLnBrk="1" fontAlgn="base" latinLnBrk="0" hangingPunct="1">
-              <a:lnSpc>
-                <a:spcPct val="100000"/>
-              </a:lnSpc>
-              <a:spcBef>
-                <a:spcPct val="0"/>
-              </a:spcBef>
-              <a:spcAft>
-                <a:spcPct val="0"/>
-              </a:spcAft>
-              <a:buClrTx/>
-              <a:buSzTx/>
-              <a:buFontTx/>
-              <a:buNone/>
-              <a:tabLst/>
-              <a:defRPr/>
-            </a:pPr>
-            <a:endParaRPr kumimoji="1" lang="ja-JP" altLang="en-US" sz="1600" b="0" i="0" u="none" strike="noStrike" kern="1200" cap="none" spc="0" normalizeH="0" baseline="0" noProof="0" dirty="0">
-              <a:ln>
-                <a:noFill/>
-              </a:ln>
-              <a:solidFill>
-                <a:prstClr val="black"/>
-              </a:solidFill>
-              <a:effectLst/>
-              <a:uLnTx/>
-              <a:uFillTx/>
-              <a:latin typeface="游ゴシック" panose="020F0502020204030204"/>
-              <a:ea typeface="游ゴシック" panose="020B0400000000000000" pitchFamily="50" charset="-128"/>
-              <a:cs typeface="+mn-cs"/>
-            </a:endParaRPr>
-          </a:p>
-        </p:txBody>
-      </p:sp>
+            </a:ln>
+          </p:spPr>
+          <p:style>
+            <a:lnRef idx="2">
+              <a:schemeClr val="accent6"/>
+            </a:lnRef>
+            <a:fillRef idx="1">
+              <a:schemeClr val="lt1"/>
+            </a:fillRef>
+            <a:effectRef idx="0">
+              <a:schemeClr val="accent6"/>
+            </a:effectRef>
+            <a:fontRef idx="minor">
+              <a:schemeClr val="dk1"/>
+            </a:fontRef>
+          </p:style>
+          <p:txBody>
+            <a:bodyPr rtlCol="0" anchor="ctr"/>
+            <a:lstStyle/>
+            <a:p>
+              <a:pPr marL="0" marR="0" lvl="0" indent="0" algn="ctr" defTabSz="914400" rtl="0" eaLnBrk="1" fontAlgn="base" latinLnBrk="0" hangingPunct="1">
+                <a:lnSpc>
+                  <a:spcPct val="100000"/>
+                </a:lnSpc>
+                <a:spcBef>
+                  <a:spcPct val="0"/>
+                </a:spcBef>
+                <a:spcAft>
+                  <a:spcPct val="0"/>
+                </a:spcAft>
+                <a:buClrTx/>
+                <a:buSzTx/>
+                <a:buFontTx/>
+                <a:buNone/>
+                <a:tabLst/>
+                <a:defRPr/>
+              </a:pPr>
+              <a:endParaRPr kumimoji="1" lang="ja-JP" altLang="en-US" sz="1600" b="0" i="0" u="none" strike="noStrike" kern="1200" cap="none" spc="0" normalizeH="0" baseline="0" noProof="0">
+                <a:ln>
+                  <a:noFill/>
+                </a:ln>
+                <a:solidFill>
+                  <a:prstClr val="black"/>
+                </a:solidFill>
+                <a:effectLst/>
+                <a:uLnTx/>
+                <a:uFillTx/>
+                <a:latin typeface="游ゴシック" panose="020F0502020204030204"/>
+                <a:ea typeface="游ゴシック" panose="020B0400000000000000" pitchFamily="50" charset="-128"/>
+                <a:cs typeface="+mn-cs"/>
+              </a:endParaRPr>
+            </a:p>
+          </p:txBody>
+        </p:sp>
+        <p:sp>
+          <p:nvSpPr>
+            <p:cNvPr id="11" name="正方形/長方形 10">
+              <a:extLst>
+                <a:ext uri="{FF2B5EF4-FFF2-40B4-BE49-F238E27FC236}">
+                  <a16:creationId xmlns:a16="http://schemas.microsoft.com/office/drawing/2014/main" id="{4CF528F6-0D59-4A16-899E-E9075561CAD3}"/>
+                </a:ext>
+              </a:extLst>
+            </p:cNvPr>
+            <p:cNvSpPr/>
+            <p:nvPr/>
+          </p:nvSpPr>
+          <p:spPr>
+            <a:xfrm>
+              <a:off x="97137" y="694983"/>
+              <a:ext cx="12600000" cy="8856984"/>
+            </a:xfrm>
+            <a:prstGeom prst="rect">
+              <a:avLst/>
+            </a:prstGeom>
+            <a:ln w="38100">
+              <a:headEnd type="none" w="med" len="med"/>
+              <a:tailEnd type="none" w="med" len="med"/>
+            </a:ln>
+          </p:spPr>
+          <p:style>
+            <a:lnRef idx="2">
+              <a:schemeClr val="accent6"/>
+            </a:lnRef>
+            <a:fillRef idx="1">
+              <a:schemeClr val="lt1"/>
+            </a:fillRef>
+            <a:effectRef idx="0">
+              <a:schemeClr val="accent6"/>
+            </a:effectRef>
+            <a:fontRef idx="minor">
+              <a:schemeClr val="dk1"/>
+            </a:fontRef>
+          </p:style>
+          <p:txBody>
+            <a:bodyPr rtlCol="0" anchor="ctr"/>
+            <a:lstStyle/>
+            <a:p>
+              <a:pPr marL="0" marR="0" lvl="0" indent="0" algn="ctr" defTabSz="914400" rtl="0" eaLnBrk="1" fontAlgn="base" latinLnBrk="0" hangingPunct="1">
+                <a:lnSpc>
+                  <a:spcPct val="100000"/>
+                </a:lnSpc>
+                <a:spcBef>
+                  <a:spcPct val="0"/>
+                </a:spcBef>
+                <a:spcAft>
+                  <a:spcPct val="0"/>
+                </a:spcAft>
+                <a:buClrTx/>
+                <a:buSzTx/>
+                <a:buFontTx/>
+                <a:buNone/>
+                <a:tabLst/>
+                <a:defRPr/>
+              </a:pPr>
+              <a:endParaRPr kumimoji="1" lang="ja-JP" altLang="en-US" sz="1600" b="0" i="0" u="none" strike="noStrike" kern="1200" cap="none" spc="0" normalizeH="0" baseline="0" noProof="0" dirty="0">
+                <a:ln>
+                  <a:noFill/>
+                </a:ln>
+                <a:solidFill>
+                  <a:prstClr val="black"/>
+                </a:solidFill>
+                <a:effectLst/>
+                <a:uLnTx/>
+                <a:uFillTx/>
+                <a:latin typeface="游ゴシック" panose="020F0502020204030204"/>
+                <a:ea typeface="游ゴシック" panose="020B0400000000000000" pitchFamily="50" charset="-128"/>
+                <a:cs typeface="+mn-cs"/>
+              </a:endParaRPr>
+            </a:p>
+          </p:txBody>
+        </p:sp>
+      </p:grpSp>
       <p:sp>
         <p:nvSpPr>
           <p:cNvPr id="9" name="テキスト ボックス 8">
@@ -12075,10 +12096,10 @@
       </p:grpSpPr>
       <p:sp>
         <p:nvSpPr>
-          <p:cNvPr id="14" name="四角形: 角を丸くする 13">
+          <p:cNvPr id="27" name="四角形: 角を丸くする 26">
             <a:extLst>
               <a:ext uri="{FF2B5EF4-FFF2-40B4-BE49-F238E27FC236}">
-                <a16:creationId xmlns:a16="http://schemas.microsoft.com/office/drawing/2014/main" id="{5DFFF80D-32F6-4641-A456-86DEF48B839E}"/>
+                <a16:creationId xmlns:a16="http://schemas.microsoft.com/office/drawing/2014/main" id="{1DBBAA86-4E84-4FB7-AC19-8BA83A5E8B55}"/>
               </a:ext>
             </a:extLst>
           </p:cNvPr>
@@ -12087,8 +12108,8 @@
         </p:nvSpPr>
         <p:spPr>
           <a:xfrm>
-            <a:off x="5150181" y="264096"/>
-            <a:ext cx="2520000" cy="1080368"/>
+            <a:off x="6134466" y="264096"/>
+            <a:ext cx="2016000" cy="1152297"/>
           </a:xfrm>
           <a:prstGeom prst="roundRect">
             <a:avLst/>
@@ -12137,7 +12158,7 @@
               <a:tabLst/>
               <a:defRPr/>
             </a:pPr>
-            <a:endParaRPr kumimoji="1" lang="ja-JP" altLang="en-US" sz="1600" b="0" i="0" u="none" strike="noStrike" kern="1200" cap="none" spc="0" normalizeH="0" baseline="0" noProof="0" dirty="0">
+            <a:endParaRPr kumimoji="1" lang="ja-JP" altLang="en-US" sz="1600" b="0" i="0" u="none" strike="noStrike" kern="1200" cap="none" spc="0" normalizeH="0" baseline="0" noProof="0">
               <a:ln>
                 <a:noFill/>
               </a:ln>
@@ -12156,10 +12177,10 @@
       </p:sp>
       <p:sp>
         <p:nvSpPr>
-          <p:cNvPr id="13" name="四角形: 角を丸くする 12">
+          <p:cNvPr id="28" name="四角形: 角を丸くする 27">
             <a:extLst>
               <a:ext uri="{FF2B5EF4-FFF2-40B4-BE49-F238E27FC236}">
-                <a16:creationId xmlns:a16="http://schemas.microsoft.com/office/drawing/2014/main" id="{84934B8C-C644-49A7-8C50-B417AAAD4BD4}"/>
+                <a16:creationId xmlns:a16="http://schemas.microsoft.com/office/drawing/2014/main" id="{36C4F103-C895-45C5-89A6-2BB40CFCF818}"/>
               </a:ext>
             </a:extLst>
           </p:cNvPr>
@@ -12168,8 +12189,89 @@
         </p:nvSpPr>
         <p:spPr>
           <a:xfrm>
-            <a:off x="95655" y="264096"/>
-            <a:ext cx="2520000" cy="1368400"/>
+            <a:off x="4118466" y="264096"/>
+            <a:ext cx="2016000" cy="1080368"/>
+          </a:xfrm>
+          <a:prstGeom prst="roundRect">
+            <a:avLst/>
+          </a:prstGeom>
+          <a:ln w="28575">
+            <a:solidFill>
+              <a:schemeClr val="accent6">
+                <a:lumMod val="60000"/>
+                <a:lumOff val="40000"/>
+              </a:schemeClr>
+            </a:solidFill>
+          </a:ln>
+        </p:spPr>
+        <p:style>
+          <a:lnRef idx="2">
+            <a:schemeClr val="accent6"/>
+          </a:lnRef>
+          <a:fillRef idx="1">
+            <a:schemeClr val="lt1"/>
+          </a:fillRef>
+          <a:effectRef idx="0">
+            <a:schemeClr val="accent6"/>
+          </a:effectRef>
+          <a:fontRef idx="minor">
+            <a:schemeClr val="dk1"/>
+          </a:fontRef>
+        </p:style>
+        <p:txBody>
+          <a:bodyPr rtlCol="0" anchor="ctr"/>
+          <a:lstStyle/>
+          <a:p>
+            <a:pPr marL="0" marR="0" lvl="0" indent="0" algn="ctr" defTabSz="914400" rtl="0" eaLnBrk="1" fontAlgn="base" latinLnBrk="0" hangingPunct="1">
+              <a:lnSpc>
+                <a:spcPct val="100000"/>
+              </a:lnSpc>
+              <a:spcBef>
+                <a:spcPct val="0"/>
+              </a:spcBef>
+              <a:spcAft>
+                <a:spcPct val="0"/>
+              </a:spcAft>
+              <a:buClrTx/>
+              <a:buSzTx/>
+              <a:buFontTx/>
+              <a:buNone/>
+              <a:tabLst/>
+              <a:defRPr/>
+            </a:pPr>
+            <a:endParaRPr kumimoji="1" lang="ja-JP" altLang="en-US" sz="1600" b="0" i="0" u="none" strike="noStrike" kern="1200" cap="none" spc="0" normalizeH="0" baseline="0" noProof="0">
+              <a:ln>
+                <a:noFill/>
+              </a:ln>
+              <a:solidFill>
+                <a:prstClr val="black"/>
+              </a:solidFill>
+              <a:effectLst/>
+              <a:uLnTx/>
+              <a:uFillTx/>
+              <a:latin typeface="游ゴシック" panose="020F0502020204030204"/>
+              <a:ea typeface="游ゴシック" panose="020B0400000000000000" pitchFamily="50" charset="-128"/>
+              <a:cs typeface="+mn-cs"/>
+            </a:endParaRPr>
+          </a:p>
+        </p:txBody>
+      </p:sp>
+      <p:sp>
+        <p:nvSpPr>
+          <p:cNvPr id="29" name="四角形: 角を丸くする 28">
+            <a:extLst>
+              <a:ext uri="{FF2B5EF4-FFF2-40B4-BE49-F238E27FC236}">
+                <a16:creationId xmlns:a16="http://schemas.microsoft.com/office/drawing/2014/main" id="{3DCA5E50-8DA7-4566-952F-4575563F37A0}"/>
+              </a:ext>
+            </a:extLst>
+          </p:cNvPr>
+          <p:cNvSpPr/>
+          <p:nvPr/>
+        </p:nvSpPr>
+        <p:spPr>
+          <a:xfrm>
+            <a:off x="96930" y="264096"/>
+            <a:ext cx="2016000" cy="1368400"/>
           </a:xfrm>
           <a:prstGeom prst="roundRect">
             <a:avLst>
@@ -12220,7 +12322,7 @@
               <a:tabLst/>
               <a:defRPr/>
             </a:pPr>
-            <a:endParaRPr kumimoji="1" lang="ja-JP" altLang="en-US" sz="1600" b="0" i="0" u="none" strike="noStrike" kern="1200" cap="none" spc="0" normalizeH="0" baseline="0" noProof="0" dirty="0">
+            <a:endParaRPr kumimoji="1" lang="ja-JP" altLang="en-US" sz="1600" b="0" i="0" u="none" strike="noStrike" kern="1200" cap="none" spc="0" normalizeH="0" baseline="0" noProof="0">
               <a:ln>
                 <a:noFill/>
               </a:ln>
@@ -12239,10 +12341,10 @@
       </p:sp>
       <p:sp>
         <p:nvSpPr>
-          <p:cNvPr id="15" name="四角形: 角を丸くする 14">
+          <p:cNvPr id="31" name="四角形: 角を丸くする 30">
             <a:extLst>
               <a:ext uri="{FF2B5EF4-FFF2-40B4-BE49-F238E27FC236}">
-                <a16:creationId xmlns:a16="http://schemas.microsoft.com/office/drawing/2014/main" id="{A9B96D26-795E-44A3-9A17-D2913FF49DAB}"/>
+                <a16:creationId xmlns:a16="http://schemas.microsoft.com/office/drawing/2014/main" id="{FF80174F-6475-426D-817D-DF09B9D68A2E}"/>
               </a:ext>
             </a:extLst>
           </p:cNvPr>
@@ -12251,89 +12353,8 @@
         </p:nvSpPr>
         <p:spPr>
           <a:xfrm>
-            <a:off x="7670181" y="264096"/>
-            <a:ext cx="2520000" cy="1152297"/>
-          </a:xfrm>
-          <a:prstGeom prst="roundRect">
-            <a:avLst/>
-          </a:prstGeom>
-          <a:ln w="28575">
-            <a:solidFill>
-              <a:schemeClr val="accent6">
-                <a:lumMod val="60000"/>
-                <a:lumOff val="40000"/>
-              </a:schemeClr>
-            </a:solidFill>
-          </a:ln>
-        </p:spPr>
-        <p:style>
-          <a:lnRef idx="2">
-            <a:schemeClr val="accent6"/>
-          </a:lnRef>
-          <a:fillRef idx="1">
-            <a:schemeClr val="lt1"/>
-          </a:fillRef>
-          <a:effectRef idx="0">
-            <a:schemeClr val="accent6"/>
-          </a:effectRef>
-          <a:fontRef idx="minor">
-            <a:schemeClr val="dk1"/>
-          </a:fontRef>
-        </p:style>
-        <p:txBody>
-          <a:bodyPr rtlCol="0" anchor="ctr"/>
-          <a:lstStyle/>
-          <a:p>
-            <a:pPr marL="0" marR="0" lvl="0" indent="0" algn="ctr" defTabSz="914400" rtl="0" eaLnBrk="1" fontAlgn="base" latinLnBrk="0" hangingPunct="1">
-              <a:lnSpc>
-                <a:spcPct val="100000"/>
-              </a:lnSpc>
-              <a:spcBef>
-                <a:spcPct val="0"/>
-              </a:spcBef>
-              <a:spcAft>
-                <a:spcPct val="0"/>
-              </a:spcAft>
-              <a:buClrTx/>
-              <a:buSzTx/>
-              <a:buFontTx/>
-              <a:buNone/>
-              <a:tabLst/>
-              <a:defRPr/>
-            </a:pPr>
-            <a:endParaRPr kumimoji="1" lang="ja-JP" altLang="en-US" sz="1600" b="0" i="0" u="none" strike="noStrike" kern="1200" cap="none" spc="0" normalizeH="0" baseline="0" noProof="0" dirty="0">
-              <a:ln>
-                <a:noFill/>
-              </a:ln>
-              <a:solidFill>
-                <a:prstClr val="black"/>
-              </a:solidFill>
-              <a:effectLst/>
-              <a:uLnTx/>
-              <a:uFillTx/>
-              <a:latin typeface="游ゴシック" panose="020F0502020204030204"/>
-              <a:ea typeface="游ゴシック" panose="020B0400000000000000" pitchFamily="50" charset="-128"/>
-              <a:cs typeface="+mn-cs"/>
-            </a:endParaRPr>
-          </a:p>
-        </p:txBody>
-      </p:sp>
-      <p:sp>
-        <p:nvSpPr>
-          <p:cNvPr id="12" name="四角形: 角を丸くする 11">
-            <a:extLst>
-              <a:ext uri="{FF2B5EF4-FFF2-40B4-BE49-F238E27FC236}">
-                <a16:creationId xmlns:a16="http://schemas.microsoft.com/office/drawing/2014/main" id="{AFFC4548-7F1A-4F38-96A5-7A693D93CF9B}"/>
-              </a:ext>
-            </a:extLst>
-          </p:cNvPr>
-          <p:cNvSpPr/>
-          <p:nvPr/>
-        </p:nvSpPr>
-        <p:spPr>
-          <a:xfrm>
-            <a:off x="2622918" y="48072"/>
-            <a:ext cx="2520000" cy="1224384"/>
+            <a:off x="2096579" y="45362"/>
+            <a:ext cx="2016000" cy="1224384"/>
           </a:xfrm>
           <a:prstGeom prst="roundRect">
             <a:avLst>
@@ -12399,10 +12420,10 @@
       </p:sp>
       <p:sp>
         <p:nvSpPr>
-          <p:cNvPr id="11" name="正方形/長方形 10">
+          <p:cNvPr id="33" name="四角形: 角を丸くする 32">
             <a:extLst>
               <a:ext uri="{FF2B5EF4-FFF2-40B4-BE49-F238E27FC236}">
-                <a16:creationId xmlns:a16="http://schemas.microsoft.com/office/drawing/2014/main" id="{4CF528F6-0D59-4A16-899E-E9075561CAD3}"/>
+                <a16:creationId xmlns:a16="http://schemas.microsoft.com/office/drawing/2014/main" id="{7318D891-AC89-489E-BDFE-B0A80C789DFC}"/>
               </a:ext>
             </a:extLst>
           </p:cNvPr>
@@ -12411,7 +12432,88 @@
         </p:nvSpPr>
         <p:spPr>
           <a:xfrm>
-            <a:off x="100800" y="696144"/>
+            <a:off x="8150466" y="264096"/>
+            <a:ext cx="2016000" cy="1152297"/>
+          </a:xfrm>
+          <a:prstGeom prst="roundRect">
+            <a:avLst/>
+          </a:prstGeom>
+          <a:ln w="28575">
+            <a:solidFill>
+              <a:schemeClr val="accent6">
+                <a:lumMod val="60000"/>
+                <a:lumOff val="40000"/>
+              </a:schemeClr>
+            </a:solidFill>
+          </a:ln>
+        </p:spPr>
+        <p:style>
+          <a:lnRef idx="2">
+            <a:schemeClr val="accent6"/>
+          </a:lnRef>
+          <a:fillRef idx="1">
+            <a:schemeClr val="lt1"/>
+          </a:fillRef>
+          <a:effectRef idx="0">
+            <a:schemeClr val="accent6"/>
+          </a:effectRef>
+          <a:fontRef idx="minor">
+            <a:schemeClr val="dk1"/>
+          </a:fontRef>
+        </p:style>
+        <p:txBody>
+          <a:bodyPr rtlCol="0" anchor="ctr"/>
+          <a:lstStyle/>
+          <a:p>
+            <a:pPr marL="0" marR="0" lvl="0" indent="0" algn="ctr" defTabSz="914400" rtl="0" eaLnBrk="1" fontAlgn="base" latinLnBrk="0" hangingPunct="1">
+              <a:lnSpc>
+                <a:spcPct val="100000"/>
+              </a:lnSpc>
+              <a:spcBef>
+                <a:spcPct val="0"/>
+              </a:spcBef>
+              <a:spcAft>
+                <a:spcPct val="0"/>
+              </a:spcAft>
+              <a:buClrTx/>
+              <a:buSzTx/>
+              <a:buFontTx/>
+              <a:buNone/>
+              <a:tabLst/>
+              <a:defRPr/>
+            </a:pPr>
+            <a:endParaRPr kumimoji="1" lang="ja-JP" altLang="en-US" sz="1600" b="0" i="0" u="none" strike="noStrike" kern="1200" cap="none" spc="0" normalizeH="0" baseline="0" noProof="0">
+              <a:ln>
+                <a:noFill/>
+              </a:ln>
+              <a:solidFill>
+                <a:prstClr val="black"/>
+              </a:solidFill>
+              <a:effectLst/>
+              <a:uLnTx/>
+              <a:uFillTx/>
+              <a:latin typeface="游ゴシック" panose="020F0502020204030204"/>
+              <a:ea typeface="游ゴシック" panose="020B0400000000000000" pitchFamily="50" charset="-128"/>
+              <a:cs typeface="+mn-cs"/>
+            </a:endParaRPr>
+          </a:p>
+        </p:txBody>
+      </p:sp>
+      <p:sp>
+        <p:nvSpPr>
+          <p:cNvPr id="34" name="正方形/長方形 33">
+            <a:extLst>
+              <a:ext uri="{FF2B5EF4-FFF2-40B4-BE49-F238E27FC236}">
+                <a16:creationId xmlns:a16="http://schemas.microsoft.com/office/drawing/2014/main" id="{34FF8071-01DD-4691-8FEA-FFC6B6D41D1D}"/>
+              </a:ext>
+            </a:extLst>
+          </p:cNvPr>
+          <p:cNvSpPr/>
+          <p:nvPr/>
+        </p:nvSpPr>
+        <p:spPr>
+          <a:xfrm>
+            <a:off x="100800" y="683591"/>
             <a:ext cx="12600000" cy="8856984"/>
           </a:xfrm>
           <a:prstGeom prst="rect">
@@ -12524,8 +12626,8 @@
         </p:nvSpPr>
         <p:spPr>
           <a:xfrm>
-            <a:off x="320252" y="336104"/>
-            <a:ext cx="2122161" cy="430887"/>
+            <a:off x="460935" y="276162"/>
+            <a:ext cx="1215249" cy="430887"/>
           </a:xfrm>
           <a:prstGeom prst="rect">
             <a:avLst/>
@@ -12630,7 +12732,7 @@
                 <a:ea typeface="HG創英角ｺﾞｼｯｸUB" panose="020B0909000000000000" pitchFamily="49" charset="-128"/>
                 <a:cs typeface="+mn-cs"/>
               </a:rPr>
-              <a:t>機能モデル</a:t>
+              <a:t>機能</a:t>
             </a:r>
             <a:endParaRPr kumimoji="1" lang="en-US" altLang="ja-JP" sz="2200" b="0" i="0" u="none" strike="noStrike" kern="1200" cap="none" spc="0" normalizeH="0" baseline="0" noProof="0" dirty="0">
               <a:ln>
@@ -12666,8 +12768,8 @@
         </p:nvSpPr>
         <p:spPr>
           <a:xfrm>
-            <a:off x="2840252" y="192088"/>
-            <a:ext cx="2002046" cy="430887"/>
+            <a:off x="2493371" y="104631"/>
+            <a:ext cx="1210912" cy="430887"/>
           </a:xfrm>
           <a:prstGeom prst="rect">
             <a:avLst/>
@@ -12763,7 +12865,7 @@
                 <a:ea typeface="HG創英角ｺﾞｼｯｸUB" panose="020B0909000000000000" pitchFamily="49" charset="-128"/>
                 <a:cs typeface="+mn-cs"/>
               </a:rPr>
-              <a:t>構造モデル</a:t>
+              <a:t>構造</a:t>
             </a:r>
             <a:endParaRPr kumimoji="1" lang="en-US" altLang="ja-JP" sz="2200" b="0" i="0" u="none" strike="noStrike" kern="1200" cap="none" spc="0" normalizeH="0" baseline="0" noProof="0" dirty="0">
               <a:ln>
@@ -12796,8 +12898,8 @@
         </p:nvSpPr>
         <p:spPr>
           <a:xfrm>
-            <a:off x="5142918" y="336104"/>
-            <a:ext cx="2801424" cy="446276"/>
+            <a:off x="4127240" y="249868"/>
+            <a:ext cx="2016000" cy="446276"/>
           </a:xfrm>
           <a:prstGeom prst="rect">
             <a:avLst/>
@@ -12902,7 +13004,20 @@
                 <a:ea typeface="HG創英角ｺﾞｼｯｸUB" panose="020B0909000000000000" pitchFamily="49" charset="-128"/>
                 <a:cs typeface="+mn-cs"/>
               </a:rPr>
-              <a:t>振る舞いモデル</a:t>
+              <a:t>振る舞い</a:t>
+            </a:r>
+            <a:r>
+              <a:rPr lang="ja-JP" altLang="en-US" sz="2200" dirty="0">
+                <a:solidFill>
+                  <a:srgbClr val="70AD47">
+                    <a:lumMod val="60000"/>
+                    <a:lumOff val="40000"/>
+                  </a:srgbClr>
+                </a:solidFill>
+                <a:latin typeface="HG創英角ｺﾞｼｯｸUB" panose="020B0909000000000000" pitchFamily="49" charset="-128"/>
+                <a:ea typeface="HG創英角ｺﾞｼｯｸUB" panose="020B0909000000000000" pitchFamily="49" charset="-128"/>
+              </a:rPr>
+              <a:t>①</a:t>
             </a:r>
             <a:endParaRPr kumimoji="1" lang="en-US" altLang="ja-JP" sz="2200" b="0" i="0" u="none" strike="noStrike" kern="1200" cap="none" spc="0" normalizeH="0" baseline="0" noProof="0" dirty="0">
               <a:ln>
@@ -12938,8 +13053,8 @@
         </p:nvSpPr>
         <p:spPr>
           <a:xfrm>
-            <a:off x="8244962" y="336104"/>
-            <a:ext cx="1445666" cy="430887"/>
+            <a:off x="8402087" y="265257"/>
+            <a:ext cx="1512758" cy="430887"/>
           </a:xfrm>
           <a:prstGeom prst="rect">
             <a:avLst/>
@@ -13802,6 +13917,148 @@
           </a:fontRef>
         </p:style>
       </p:cxnSp>
+      <p:sp>
+        <p:nvSpPr>
+          <p:cNvPr id="22" name="テキスト ボックス 21">
+            <a:extLst>
+              <a:ext uri="{FF2B5EF4-FFF2-40B4-BE49-F238E27FC236}">
+                <a16:creationId xmlns:a16="http://schemas.microsoft.com/office/drawing/2014/main" id="{BC902F71-606F-411E-AF5F-F6F7243763A7}"/>
+              </a:ext>
+            </a:extLst>
+          </p:cNvPr>
+          <p:cNvSpPr txBox="1"/>
+          <p:nvPr/>
+        </p:nvSpPr>
+        <p:spPr>
+          <a:xfrm>
+            <a:off x="6127471" y="249868"/>
+            <a:ext cx="2006632" cy="446276"/>
+          </a:xfrm>
+          <a:prstGeom prst="rect">
+            <a:avLst/>
+          </a:prstGeom>
+          <a:noFill/>
+          <a:ln>
+            <a:noFill/>
+          </a:ln>
+        </p:spPr>
+        <p:style>
+          <a:lnRef idx="0">
+            <a:scrgbClr r="0" g="0" b="0"/>
+          </a:lnRef>
+          <a:fillRef idx="0">
+            <a:scrgbClr r="0" g="0" b="0"/>
+          </a:fillRef>
+          <a:effectRef idx="0">
+            <a:scrgbClr r="0" g="0" b="0"/>
+          </a:effectRef>
+          <a:fontRef idx="minor">
+            <a:schemeClr val="dk1"/>
+          </a:fontRef>
+        </p:style>
+        <p:txBody>
+          <a:bodyPr wrap="square" rtlCol="0">
+            <a:spAutoFit/>
+          </a:bodyPr>
+          <a:lstStyle/>
+          <a:p>
+            <a:pPr marL="0" marR="0" lvl="0" indent="0" algn="l" defTabSz="914400" rtl="0" eaLnBrk="1" fontAlgn="base" latinLnBrk="0" hangingPunct="1">
+              <a:lnSpc>
+                <a:spcPct val="100000"/>
+              </a:lnSpc>
+              <a:spcBef>
+                <a:spcPct val="0"/>
+              </a:spcBef>
+              <a:spcAft>
+                <a:spcPct val="0"/>
+              </a:spcAft>
+              <a:buClrTx/>
+              <a:buSzTx/>
+              <a:buFontTx/>
+              <a:buNone/>
+              <a:tabLst/>
+              <a:defRPr/>
+            </a:pPr>
+            <a:r>
+              <a:rPr kumimoji="1" lang="ja-JP" altLang="en-US" sz="2200" b="0" i="0" u="none" strike="noStrike" kern="1200" cap="none" spc="0" normalizeH="0" baseline="0" noProof="0" dirty="0">
+                <a:ln>
+                  <a:noFill/>
+                </a:ln>
+                <a:solidFill>
+                  <a:srgbClr val="70AD47">
+                    <a:lumMod val="60000"/>
+                    <a:lumOff val="40000"/>
+                  </a:srgbClr>
+                </a:solidFill>
+                <a:effectLst/>
+                <a:uLnTx/>
+                <a:uFillTx/>
+                <a:latin typeface="HG創英角ｺﾞｼｯｸUB" panose="020B0909000000000000" pitchFamily="49" charset="-128"/>
+                <a:ea typeface="HG創英角ｺﾞｼｯｸUB" panose="020B0909000000000000" pitchFamily="49" charset="-128"/>
+                <a:cs typeface="+mn-cs"/>
+              </a:rPr>
+              <a:t>３</a:t>
+            </a:r>
+            <a:r>
+              <a:rPr kumimoji="1" lang="en-US" altLang="ja-JP" sz="2200" b="1" i="0" u="none" strike="noStrike" kern="1200" cap="none" spc="0" normalizeH="0" baseline="0" noProof="0" dirty="0">
+                <a:ln>
+                  <a:noFill/>
+                </a:ln>
+                <a:solidFill>
+                  <a:srgbClr val="70AD47">
+                    <a:lumMod val="60000"/>
+                    <a:lumOff val="40000"/>
+                  </a:srgbClr>
+                </a:solidFill>
+                <a:effectLst/>
+                <a:uLnTx/>
+                <a:uFillTx/>
+                <a:latin typeface="HG創英角ｺﾞｼｯｸUB" panose="020B0909000000000000" pitchFamily="49" charset="-128"/>
+                <a:ea typeface="HG創英角ｺﾞｼｯｸUB" panose="020B0909000000000000" pitchFamily="49" charset="-128"/>
+                <a:cs typeface="+mn-cs"/>
+              </a:rPr>
+              <a:t>.</a:t>
+            </a:r>
+            <a:r>
+              <a:rPr kumimoji="1" lang="ja-JP" altLang="en-US" sz="2200" b="0" i="0" u="none" strike="noStrike" kern="1200" cap="none" spc="0" normalizeH="0" baseline="0" noProof="0" dirty="0">
+                <a:ln>
+                  <a:noFill/>
+                </a:ln>
+                <a:solidFill>
+                  <a:srgbClr val="70AD47">
+                    <a:lumMod val="60000"/>
+                    <a:lumOff val="40000"/>
+                  </a:srgbClr>
+                </a:solidFill>
+                <a:effectLst/>
+                <a:uLnTx/>
+                <a:uFillTx/>
+                <a:latin typeface="HG創英角ｺﾞｼｯｸUB" panose="020B0909000000000000" pitchFamily="49" charset="-128"/>
+                <a:ea typeface="HG創英角ｺﾞｼｯｸUB" panose="020B0909000000000000" pitchFamily="49" charset="-128"/>
+                <a:cs typeface="+mn-cs"/>
+              </a:rPr>
+              <a:t>振る舞い②</a:t>
+            </a:r>
+            <a:endParaRPr kumimoji="1" lang="en-US" altLang="ja-JP" sz="2200" b="0" i="0" u="none" strike="noStrike" kern="1200" cap="none" spc="0" normalizeH="0" baseline="0" noProof="0" dirty="0">
+              <a:ln>
+                <a:noFill/>
+              </a:ln>
+              <a:solidFill>
+                <a:srgbClr val="70AD47">
+                  <a:lumMod val="60000"/>
+                  <a:lumOff val="40000"/>
+                </a:srgbClr>
+              </a:solidFill>
+              <a:effectLst/>
+              <a:uLnTx/>
+              <a:uFillTx/>
+              <a:latin typeface="HG創英角ｺﾞｼｯｸUB" panose="020B0909000000000000" pitchFamily="49" charset="-128"/>
+              <a:ea typeface="HG創英角ｺﾞｼｯｸUB" panose="020B0909000000000000" pitchFamily="49" charset="-128"/>
+              <a:cs typeface="+mn-cs"/>
+            </a:endParaRPr>
+          </a:p>
+        </p:txBody>
+      </p:sp>
     </p:spTree>
     <p:extLst>
       <p:ext uri="{BB962C8B-B14F-4D97-AF65-F5344CB8AC3E}">
@@ -13834,10 +14091,10 @@
       </p:grpSpPr>
       <p:sp>
         <p:nvSpPr>
-          <p:cNvPr id="15" name="四角形: 角を丸くする 14">
+          <p:cNvPr id="57" name="四角形: 角を丸くする 56">
             <a:extLst>
               <a:ext uri="{FF2B5EF4-FFF2-40B4-BE49-F238E27FC236}">
-                <a16:creationId xmlns:a16="http://schemas.microsoft.com/office/drawing/2014/main" id="{A9B96D26-795E-44A3-9A17-D2913FF49DAB}"/>
+                <a16:creationId xmlns:a16="http://schemas.microsoft.com/office/drawing/2014/main" id="{948AD8C1-4794-48BE-930B-8A8005BAC021}"/>
               </a:ext>
             </a:extLst>
           </p:cNvPr>
@@ -13846,8 +14103,8 @@
         </p:nvSpPr>
         <p:spPr>
           <a:xfrm>
-            <a:off x="7670181" y="264096"/>
-            <a:ext cx="2520000" cy="1152297"/>
+            <a:off x="6153908" y="221359"/>
+            <a:ext cx="2016000" cy="1152297"/>
           </a:xfrm>
           <a:prstGeom prst="roundRect">
             <a:avLst/>
@@ -13879,17 +14136,46 @@
           <a:bodyPr rtlCol="0" anchor="ctr"/>
           <a:lstStyle/>
           <a:p>
-            <a:pPr algn="ctr"/>
-            <a:endParaRPr kumimoji="1" lang="ja-JP" altLang="en-US" dirty="0"/>
+            <a:pPr marL="0" marR="0" lvl="0" indent="0" algn="ctr" defTabSz="914400" rtl="0" eaLnBrk="1" fontAlgn="base" latinLnBrk="0" hangingPunct="1">
+              <a:lnSpc>
+                <a:spcPct val="100000"/>
+              </a:lnSpc>
+              <a:spcBef>
+                <a:spcPct val="0"/>
+              </a:spcBef>
+              <a:spcAft>
+                <a:spcPct val="0"/>
+              </a:spcAft>
+              <a:buClrTx/>
+              <a:buSzTx/>
+              <a:buFontTx/>
+              <a:buNone/>
+              <a:tabLst/>
+              <a:defRPr/>
+            </a:pPr>
+            <a:endParaRPr kumimoji="1" lang="ja-JP" altLang="en-US" sz="1600" b="0" i="0" u="none" strike="noStrike" kern="1200" cap="none" spc="0" normalizeH="0" baseline="0" noProof="0">
+              <a:ln>
+                <a:noFill/>
+              </a:ln>
+              <a:solidFill>
+                <a:prstClr val="black"/>
+              </a:solidFill>
+              <a:effectLst/>
+              <a:uLnTx/>
+              <a:uFillTx/>
+              <a:latin typeface="游ゴシック" panose="020F0502020204030204"/>
+              <a:ea typeface="游ゴシック" panose="020B0400000000000000" pitchFamily="50" charset="-128"/>
+              <a:cs typeface="+mn-cs"/>
+            </a:endParaRPr>
           </a:p>
         </p:txBody>
       </p:sp>
       <p:sp>
         <p:nvSpPr>
-          <p:cNvPr id="14" name="四角形: 角を丸くする 13">
+          <p:cNvPr id="58" name="四角形: 角を丸くする 57">
             <a:extLst>
               <a:ext uri="{FF2B5EF4-FFF2-40B4-BE49-F238E27FC236}">
-                <a16:creationId xmlns:a16="http://schemas.microsoft.com/office/drawing/2014/main" id="{5DFFF80D-32F6-4641-A456-86DEF48B839E}"/>
+                <a16:creationId xmlns:a16="http://schemas.microsoft.com/office/drawing/2014/main" id="{D735E8AF-A273-48C9-B502-F1EAA93899A9}"/>
               </a:ext>
             </a:extLst>
           </p:cNvPr>
@@ -13898,8 +14184,8 @@
         </p:nvSpPr>
         <p:spPr>
           <a:xfrm>
-            <a:off x="94668" y="264096"/>
-            <a:ext cx="2520000" cy="1080368"/>
+            <a:off x="95660" y="220593"/>
+            <a:ext cx="2016000" cy="1080368"/>
           </a:xfrm>
           <a:prstGeom prst="roundRect">
             <a:avLst/>
@@ -13931,17 +14217,46 @@
           <a:bodyPr rtlCol="0" anchor="ctr"/>
           <a:lstStyle/>
           <a:p>
-            <a:pPr algn="ctr"/>
-            <a:endParaRPr kumimoji="1" lang="ja-JP" altLang="en-US" dirty="0"/>
+            <a:pPr marL="0" marR="0" lvl="0" indent="0" algn="ctr" defTabSz="914400" rtl="0" eaLnBrk="1" fontAlgn="base" latinLnBrk="0" hangingPunct="1">
+              <a:lnSpc>
+                <a:spcPct val="100000"/>
+              </a:lnSpc>
+              <a:spcBef>
+                <a:spcPct val="0"/>
+              </a:spcBef>
+              <a:spcAft>
+                <a:spcPct val="0"/>
+              </a:spcAft>
+              <a:buClrTx/>
+              <a:buSzTx/>
+              <a:buFontTx/>
+              <a:buNone/>
+              <a:tabLst/>
+              <a:defRPr/>
+            </a:pPr>
+            <a:endParaRPr kumimoji="1" lang="ja-JP" altLang="en-US" sz="1600" b="0" i="0" u="none" strike="noStrike" kern="1200" cap="none" spc="0" normalizeH="0" baseline="0" noProof="0">
+              <a:ln>
+                <a:noFill/>
+              </a:ln>
+              <a:solidFill>
+                <a:prstClr val="black"/>
+              </a:solidFill>
+              <a:effectLst/>
+              <a:uLnTx/>
+              <a:uFillTx/>
+              <a:latin typeface="游ゴシック" panose="020F0502020204030204"/>
+              <a:ea typeface="游ゴシック" panose="020B0400000000000000" pitchFamily="50" charset="-128"/>
+              <a:cs typeface="+mn-cs"/>
+            </a:endParaRPr>
           </a:p>
         </p:txBody>
       </p:sp>
       <p:sp>
         <p:nvSpPr>
-          <p:cNvPr id="13" name="四角形: 角を丸くする 12">
+          <p:cNvPr id="59" name="四角形: 角を丸くする 58">
             <a:extLst>
               <a:ext uri="{FF2B5EF4-FFF2-40B4-BE49-F238E27FC236}">
-                <a16:creationId xmlns:a16="http://schemas.microsoft.com/office/drawing/2014/main" id="{84934B8C-C644-49A7-8C50-B417AAAD4BD4}"/>
+                <a16:creationId xmlns:a16="http://schemas.microsoft.com/office/drawing/2014/main" id="{5F7E0796-3660-481C-8BD1-193F799CD14A}"/>
               </a:ext>
             </a:extLst>
           </p:cNvPr>
@@ -13950,8 +14265,8 @@
         </p:nvSpPr>
         <p:spPr>
           <a:xfrm>
-            <a:off x="2616334" y="264096"/>
-            <a:ext cx="2520000" cy="1368400"/>
+            <a:off x="2113864" y="227501"/>
+            <a:ext cx="2016000" cy="1368400"/>
           </a:xfrm>
           <a:prstGeom prst="roundRect">
             <a:avLst>
@@ -13985,17 +14300,46 @@
           <a:bodyPr rtlCol="0" anchor="ctr"/>
           <a:lstStyle/>
           <a:p>
-            <a:pPr algn="ctr"/>
-            <a:endParaRPr kumimoji="1" lang="ja-JP" altLang="en-US" dirty="0"/>
+            <a:pPr marL="0" marR="0" lvl="0" indent="0" algn="ctr" defTabSz="914400" rtl="0" eaLnBrk="1" fontAlgn="base" latinLnBrk="0" hangingPunct="1">
+              <a:lnSpc>
+                <a:spcPct val="100000"/>
+              </a:lnSpc>
+              <a:spcBef>
+                <a:spcPct val="0"/>
+              </a:spcBef>
+              <a:spcAft>
+                <a:spcPct val="0"/>
+              </a:spcAft>
+              <a:buClrTx/>
+              <a:buSzTx/>
+              <a:buFontTx/>
+              <a:buNone/>
+              <a:tabLst/>
+              <a:defRPr/>
+            </a:pPr>
+            <a:endParaRPr kumimoji="1" lang="ja-JP" altLang="en-US" sz="1600" b="0" i="0" u="none" strike="noStrike" kern="1200" cap="none" spc="0" normalizeH="0" baseline="0" noProof="0">
+              <a:ln>
+                <a:noFill/>
+              </a:ln>
+              <a:solidFill>
+                <a:prstClr val="black"/>
+              </a:solidFill>
+              <a:effectLst/>
+              <a:uLnTx/>
+              <a:uFillTx/>
+              <a:latin typeface="游ゴシック" panose="020F0502020204030204"/>
+              <a:ea typeface="游ゴシック" panose="020B0400000000000000" pitchFamily="50" charset="-128"/>
+              <a:cs typeface="+mn-cs"/>
+            </a:endParaRPr>
           </a:p>
         </p:txBody>
       </p:sp>
       <p:sp>
         <p:nvSpPr>
-          <p:cNvPr id="12" name="四角形: 角を丸くする 11">
+          <p:cNvPr id="60" name="四角形: 角を丸くする 59">
             <a:extLst>
               <a:ext uri="{FF2B5EF4-FFF2-40B4-BE49-F238E27FC236}">
-                <a16:creationId xmlns:a16="http://schemas.microsoft.com/office/drawing/2014/main" id="{AFFC4548-7F1A-4F38-96A5-7A693D93CF9B}"/>
+                <a16:creationId xmlns:a16="http://schemas.microsoft.com/office/drawing/2014/main" id="{BB44131B-D622-4F09-9563-FC74962D92FB}"/>
               </a:ext>
             </a:extLst>
           </p:cNvPr>
@@ -14004,8 +14348,8 @@
         </p:nvSpPr>
         <p:spPr>
           <a:xfrm>
-            <a:off x="5140800" y="48072"/>
-            <a:ext cx="2520000" cy="1224384"/>
+            <a:off x="4135939" y="37057"/>
+            <a:ext cx="2016000" cy="1224384"/>
           </a:xfrm>
           <a:prstGeom prst="roundRect">
             <a:avLst>
@@ -14035,17 +14379,46 @@
           <a:bodyPr rtlCol="0" anchor="ctr"/>
           <a:lstStyle/>
           <a:p>
-            <a:pPr algn="ctr"/>
-            <a:endParaRPr kumimoji="1" lang="ja-JP" altLang="en-US" dirty="0"/>
+            <a:pPr marL="0" marR="0" lvl="0" indent="0" algn="ctr" defTabSz="914400" rtl="0" eaLnBrk="1" fontAlgn="base" latinLnBrk="0" hangingPunct="1">
+              <a:lnSpc>
+                <a:spcPct val="100000"/>
+              </a:lnSpc>
+              <a:spcBef>
+                <a:spcPct val="0"/>
+              </a:spcBef>
+              <a:spcAft>
+                <a:spcPct val="0"/>
+              </a:spcAft>
+              <a:buClrTx/>
+              <a:buSzTx/>
+              <a:buFontTx/>
+              <a:buNone/>
+              <a:tabLst/>
+              <a:defRPr/>
+            </a:pPr>
+            <a:endParaRPr kumimoji="1" lang="ja-JP" altLang="en-US" sz="1600" b="0" i="0" u="none" strike="noStrike" kern="1200" cap="none" spc="0" normalizeH="0" baseline="0" noProof="0" dirty="0">
+              <a:ln>
+                <a:noFill/>
+              </a:ln>
+              <a:solidFill>
+                <a:prstClr val="black"/>
+              </a:solidFill>
+              <a:effectLst/>
+              <a:uLnTx/>
+              <a:uFillTx/>
+              <a:latin typeface="游ゴシック" panose="020F0502020204030204"/>
+              <a:ea typeface="游ゴシック" panose="020B0400000000000000" pitchFamily="50" charset="-128"/>
+              <a:cs typeface="+mn-cs"/>
+            </a:endParaRPr>
           </a:p>
         </p:txBody>
       </p:sp>
       <p:sp>
         <p:nvSpPr>
-          <p:cNvPr id="11" name="正方形/長方形 10">
+          <p:cNvPr id="61" name="四角形: 角を丸くする 60">
             <a:extLst>
               <a:ext uri="{FF2B5EF4-FFF2-40B4-BE49-F238E27FC236}">
-                <a16:creationId xmlns:a16="http://schemas.microsoft.com/office/drawing/2014/main" id="{4CF528F6-0D59-4A16-899E-E9075561CAD3}"/>
+                <a16:creationId xmlns:a16="http://schemas.microsoft.com/office/drawing/2014/main" id="{426C69B4-A61C-419D-99B0-9858E8D2E271}"/>
               </a:ext>
             </a:extLst>
           </p:cNvPr>
@@ -14054,7 +14427,88 @@
         </p:nvSpPr>
         <p:spPr>
           <a:xfrm>
-            <a:off x="100800" y="696144"/>
+            <a:off x="8171877" y="220593"/>
+            <a:ext cx="2016000" cy="1152297"/>
+          </a:xfrm>
+          <a:prstGeom prst="roundRect">
+            <a:avLst/>
+          </a:prstGeom>
+          <a:ln w="28575">
+            <a:solidFill>
+              <a:schemeClr val="accent6">
+                <a:lumMod val="60000"/>
+                <a:lumOff val="40000"/>
+              </a:schemeClr>
+            </a:solidFill>
+          </a:ln>
+        </p:spPr>
+        <p:style>
+          <a:lnRef idx="2">
+            <a:schemeClr val="accent6"/>
+          </a:lnRef>
+          <a:fillRef idx="1">
+            <a:schemeClr val="lt1"/>
+          </a:fillRef>
+          <a:effectRef idx="0">
+            <a:schemeClr val="accent6"/>
+          </a:effectRef>
+          <a:fontRef idx="minor">
+            <a:schemeClr val="dk1"/>
+          </a:fontRef>
+        </p:style>
+        <p:txBody>
+          <a:bodyPr rtlCol="0" anchor="ctr"/>
+          <a:lstStyle/>
+          <a:p>
+            <a:pPr marL="0" marR="0" lvl="0" indent="0" algn="ctr" defTabSz="914400" rtl="0" eaLnBrk="1" fontAlgn="base" latinLnBrk="0" hangingPunct="1">
+              <a:lnSpc>
+                <a:spcPct val="100000"/>
+              </a:lnSpc>
+              <a:spcBef>
+                <a:spcPct val="0"/>
+              </a:spcBef>
+              <a:spcAft>
+                <a:spcPct val="0"/>
+              </a:spcAft>
+              <a:buClrTx/>
+              <a:buSzTx/>
+              <a:buFontTx/>
+              <a:buNone/>
+              <a:tabLst/>
+              <a:defRPr/>
+            </a:pPr>
+            <a:endParaRPr kumimoji="1" lang="ja-JP" altLang="en-US" sz="1600" b="0" i="0" u="none" strike="noStrike" kern="1200" cap="none" spc="0" normalizeH="0" baseline="0" noProof="0">
+              <a:ln>
+                <a:noFill/>
+              </a:ln>
+              <a:solidFill>
+                <a:prstClr val="black"/>
+              </a:solidFill>
+              <a:effectLst/>
+              <a:uLnTx/>
+              <a:uFillTx/>
+              <a:latin typeface="游ゴシック" panose="020F0502020204030204"/>
+              <a:ea typeface="游ゴシック" panose="020B0400000000000000" pitchFamily="50" charset="-128"/>
+              <a:cs typeface="+mn-cs"/>
+            </a:endParaRPr>
+          </a:p>
+        </p:txBody>
+      </p:sp>
+      <p:sp>
+        <p:nvSpPr>
+          <p:cNvPr id="62" name="正方形/長方形 61">
+            <a:extLst>
+              <a:ext uri="{FF2B5EF4-FFF2-40B4-BE49-F238E27FC236}">
+                <a16:creationId xmlns:a16="http://schemas.microsoft.com/office/drawing/2014/main" id="{81BD69CC-F899-4C36-84A1-EB64752733A2}"/>
+              </a:ext>
+            </a:extLst>
+          </p:cNvPr>
+          <p:cNvSpPr/>
+          <p:nvPr/>
+        </p:nvSpPr>
+        <p:spPr>
+          <a:xfrm>
+            <a:off x="100800" y="686838"/>
             <a:ext cx="12600000" cy="8856984"/>
           </a:xfrm>
           <a:prstGeom prst="rect">
@@ -14083,383 +14537,36 @@
           <a:bodyPr rtlCol="0" anchor="ctr"/>
           <a:lstStyle/>
           <a:p>
-            <a:pPr algn="ctr"/>
-            <a:endParaRPr kumimoji="1" lang="ja-JP" altLang="en-US" dirty="0"/>
-          </a:p>
-        </p:txBody>
-      </p:sp>
-      <p:sp>
-        <p:nvSpPr>
-          <p:cNvPr id="3" name="テキスト ボックス 2">
-            <a:extLst>
-              <a:ext uri="{FF2B5EF4-FFF2-40B4-BE49-F238E27FC236}">
-                <a16:creationId xmlns:a16="http://schemas.microsoft.com/office/drawing/2014/main" id="{4A839BC4-54BA-4246-90D0-1001B466FC18}"/>
-              </a:ext>
-            </a:extLst>
-          </p:cNvPr>
-          <p:cNvSpPr txBox="1"/>
-          <p:nvPr/>
-        </p:nvSpPr>
-        <p:spPr>
-          <a:xfrm>
-            <a:off x="297487" y="336104"/>
-            <a:ext cx="2122161" cy="430887"/>
-          </a:xfrm>
-          <a:prstGeom prst="rect">
-            <a:avLst/>
-          </a:prstGeom>
-          <a:noFill/>
-          <a:ln>
-            <a:noFill/>
-          </a:ln>
-        </p:spPr>
-        <p:style>
-          <a:lnRef idx="0">
-            <a:scrgbClr r="0" g="0" b="0"/>
-          </a:lnRef>
-          <a:fillRef idx="0">
-            <a:scrgbClr r="0" g="0" b="0"/>
-          </a:fillRef>
-          <a:effectRef idx="0">
-            <a:scrgbClr r="0" g="0" b="0"/>
-          </a:effectRef>
-          <a:fontRef idx="minor">
-            <a:schemeClr val="dk1"/>
-          </a:fontRef>
-        </p:style>
-        <p:txBody>
-          <a:bodyPr wrap="square" rtlCol="0">
-            <a:spAutoFit/>
-          </a:bodyPr>
-          <a:lstStyle/>
-          <a:p>
-            <a:r>
-              <a:rPr lang="ja-JP" altLang="en-US" sz="2200" dirty="0">
-                <a:solidFill>
-                  <a:schemeClr val="accent6">
-                    <a:lumMod val="60000"/>
-                    <a:lumOff val="40000"/>
-                  </a:schemeClr>
-                </a:solidFill>
-                <a:latin typeface="HG創英角ｺﾞｼｯｸUB" panose="020B0909000000000000" pitchFamily="49" charset="-128"/>
-                <a:ea typeface="HG創英角ｺﾞｼｯｸUB" panose="020B0909000000000000" pitchFamily="49" charset="-128"/>
-              </a:rPr>
-              <a:t>１</a:t>
-            </a:r>
-            <a:r>
-              <a:rPr lang="en-US" altLang="ja-JP" sz="2200" b="1" dirty="0">
-                <a:solidFill>
-                  <a:schemeClr val="accent6">
-                    <a:lumMod val="60000"/>
-                    <a:lumOff val="40000"/>
-                  </a:schemeClr>
-                </a:solidFill>
-                <a:latin typeface="HG創英角ｺﾞｼｯｸUB" panose="020B0909000000000000" pitchFamily="49" charset="-128"/>
-                <a:ea typeface="HG創英角ｺﾞｼｯｸUB" panose="020B0909000000000000" pitchFamily="49" charset="-128"/>
-              </a:rPr>
-              <a:t>.</a:t>
-            </a:r>
-            <a:r>
-              <a:rPr lang="ja-JP" altLang="en-US" sz="2200" dirty="0">
-                <a:solidFill>
-                  <a:schemeClr val="accent6">
-                    <a:lumMod val="60000"/>
-                    <a:lumOff val="40000"/>
-                  </a:schemeClr>
-                </a:solidFill>
-                <a:latin typeface="HG創英角ｺﾞｼｯｸUB" panose="020B0909000000000000" pitchFamily="49" charset="-128"/>
-                <a:ea typeface="HG創英角ｺﾞｼｯｸUB" panose="020B0909000000000000" pitchFamily="49" charset="-128"/>
-              </a:rPr>
-              <a:t>機能モデル</a:t>
-            </a:r>
-            <a:endParaRPr lang="en-US" altLang="ja-JP" sz="2200" dirty="0">
+            <a:pPr marL="0" marR="0" lvl="0" indent="0" algn="ctr" defTabSz="914400" rtl="0" eaLnBrk="1" fontAlgn="base" latinLnBrk="0" hangingPunct="1">
+              <a:lnSpc>
+                <a:spcPct val="100000"/>
+              </a:lnSpc>
+              <a:spcBef>
+                <a:spcPct val="0"/>
+              </a:spcBef>
+              <a:spcAft>
+                <a:spcPct val="0"/>
+              </a:spcAft>
+              <a:buClrTx/>
+              <a:buSzTx/>
+              <a:buFontTx/>
+              <a:buNone/>
+              <a:tabLst/>
+              <a:defRPr/>
+            </a:pPr>
+            <a:endParaRPr kumimoji="1" lang="ja-JP" altLang="en-US" sz="1600" b="0" i="0" u="none" strike="noStrike" kern="1200" cap="none" spc="0" normalizeH="0" baseline="0" noProof="0" dirty="0">
+              <a:ln>
+                <a:noFill/>
+              </a:ln>
               <a:solidFill>
-                <a:schemeClr val="accent6">
-                  <a:lumMod val="60000"/>
-                  <a:lumOff val="40000"/>
-                </a:schemeClr>
+                <a:prstClr val="black"/>
               </a:solidFill>
-              <a:latin typeface="HG創英角ｺﾞｼｯｸUB" panose="020B0909000000000000" pitchFamily="49" charset="-128"/>
-              <a:ea typeface="HG創英角ｺﾞｼｯｸUB" panose="020B0909000000000000" pitchFamily="49" charset="-128"/>
-            </a:endParaRPr>
-          </a:p>
-        </p:txBody>
-      </p:sp>
-      <p:sp>
-        <p:nvSpPr>
-          <p:cNvPr id="9" name="テキスト ボックス 8">
-            <a:extLst>
-              <a:ext uri="{FF2B5EF4-FFF2-40B4-BE49-F238E27FC236}">
-                <a16:creationId xmlns:a16="http://schemas.microsoft.com/office/drawing/2014/main" id="{27FC2256-755B-4562-8E23-88557EE81276}"/>
-              </a:ext>
-            </a:extLst>
-          </p:cNvPr>
-          <p:cNvSpPr txBox="1"/>
-          <p:nvPr/>
-        </p:nvSpPr>
-        <p:spPr>
-          <a:xfrm>
-            <a:off x="2870054" y="336104"/>
-            <a:ext cx="2002046" cy="430887"/>
-          </a:xfrm>
-          <a:prstGeom prst="rect">
-            <a:avLst/>
-          </a:prstGeom>
-          <a:noFill/>
-          <a:ln>
-            <a:noFill/>
-          </a:ln>
-        </p:spPr>
-        <p:style>
-          <a:lnRef idx="0">
-            <a:scrgbClr r="0" g="0" b="0"/>
-          </a:lnRef>
-          <a:fillRef idx="0">
-            <a:scrgbClr r="0" g="0" b="0"/>
-          </a:fillRef>
-          <a:effectRef idx="0">
-            <a:scrgbClr r="0" g="0" b="0"/>
-          </a:effectRef>
-          <a:fontRef idx="minor">
-            <a:schemeClr val="dk1"/>
-          </a:fontRef>
-        </p:style>
-        <p:txBody>
-          <a:bodyPr wrap="square" rtlCol="0">
-            <a:spAutoFit/>
-          </a:bodyPr>
-          <a:lstStyle/>
-          <a:p>
-            <a:r>
-              <a:rPr lang="ja-JP" altLang="en-US" sz="2200" dirty="0">
-                <a:solidFill>
-                  <a:schemeClr val="accent6">
-                    <a:lumMod val="60000"/>
-                    <a:lumOff val="40000"/>
-                  </a:schemeClr>
-                </a:solidFill>
-                <a:latin typeface="HG創英角ｺﾞｼｯｸUB" panose="020B0909000000000000" pitchFamily="49" charset="-128"/>
-                <a:ea typeface="HG創英角ｺﾞｼｯｸUB" panose="020B0909000000000000" pitchFamily="49" charset="-128"/>
-              </a:rPr>
-              <a:t>２</a:t>
-            </a:r>
-            <a:r>
-              <a:rPr lang="en-US" altLang="ja-JP" sz="2200" b="1" dirty="0">
-                <a:solidFill>
-                  <a:schemeClr val="accent6">
-                    <a:lumMod val="60000"/>
-                    <a:lumOff val="40000"/>
-                  </a:schemeClr>
-                </a:solidFill>
-                <a:latin typeface="HG創英角ｺﾞｼｯｸUB" panose="020B0909000000000000" pitchFamily="49" charset="-128"/>
-                <a:ea typeface="HG創英角ｺﾞｼｯｸUB" panose="020B0909000000000000" pitchFamily="49" charset="-128"/>
-              </a:rPr>
-              <a:t>.</a:t>
-            </a:r>
-            <a:r>
-              <a:rPr lang="ja-JP" altLang="en-US" sz="2200" dirty="0">
-                <a:solidFill>
-                  <a:schemeClr val="accent6">
-                    <a:lumMod val="60000"/>
-                    <a:lumOff val="40000"/>
-                  </a:schemeClr>
-                </a:solidFill>
-                <a:latin typeface="HG創英角ｺﾞｼｯｸUB" panose="020B0909000000000000" pitchFamily="49" charset="-128"/>
-                <a:ea typeface="HG創英角ｺﾞｼｯｸUB" panose="020B0909000000000000" pitchFamily="49" charset="-128"/>
-              </a:rPr>
-              <a:t>構造モデル</a:t>
-            </a:r>
-            <a:endParaRPr lang="en-US" altLang="ja-JP" sz="2200" dirty="0">
-              <a:solidFill>
-                <a:schemeClr val="accent6">
-                  <a:lumMod val="60000"/>
-                  <a:lumOff val="40000"/>
-                </a:schemeClr>
-              </a:solidFill>
-              <a:latin typeface="HG創英角ｺﾞｼｯｸUB" panose="020B0909000000000000" pitchFamily="49" charset="-128"/>
-              <a:ea typeface="HG創英角ｺﾞｼｯｸUB" panose="020B0909000000000000" pitchFamily="49" charset="-128"/>
-            </a:endParaRPr>
-          </a:p>
-        </p:txBody>
-      </p:sp>
-      <p:sp>
-        <p:nvSpPr>
-          <p:cNvPr id="10" name="テキスト ボックス 9">
-            <a:extLst>
-              <a:ext uri="{FF2B5EF4-FFF2-40B4-BE49-F238E27FC236}">
-                <a16:creationId xmlns:a16="http://schemas.microsoft.com/office/drawing/2014/main" id="{6B6DE600-02D5-4297-AB70-824D28CEE6FA}"/>
-              </a:ext>
-            </a:extLst>
-          </p:cNvPr>
-          <p:cNvSpPr txBox="1"/>
-          <p:nvPr/>
-        </p:nvSpPr>
-        <p:spPr>
-          <a:xfrm>
-            <a:off x="5136334" y="192088"/>
-            <a:ext cx="2596536" cy="446276"/>
-          </a:xfrm>
-          <a:prstGeom prst="rect">
-            <a:avLst/>
-          </a:prstGeom>
-          <a:noFill/>
-          <a:ln>
-            <a:noFill/>
-          </a:ln>
-        </p:spPr>
-        <p:style>
-          <a:lnRef idx="0">
-            <a:scrgbClr r="0" g="0" b="0"/>
-          </a:lnRef>
-          <a:fillRef idx="0">
-            <a:scrgbClr r="0" g="0" b="0"/>
-          </a:fillRef>
-          <a:effectRef idx="0">
-            <a:scrgbClr r="0" g="0" b="0"/>
-          </a:effectRef>
-          <a:fontRef idx="minor">
-            <a:schemeClr val="dk1"/>
-          </a:fontRef>
-        </p:style>
-        <p:txBody>
-          <a:bodyPr wrap="square" rtlCol="0">
-            <a:spAutoFit/>
-          </a:bodyPr>
-          <a:lstStyle/>
-          <a:p>
-            <a:r>
-              <a:rPr lang="ja-JP" altLang="en-US" sz="2200" dirty="0">
-                <a:solidFill>
-                  <a:schemeClr val="bg1"/>
-                </a:solidFill>
-                <a:latin typeface="HG創英角ｺﾞｼｯｸUB" panose="020B0909000000000000" pitchFamily="49" charset="-128"/>
-                <a:ea typeface="HG創英角ｺﾞｼｯｸUB" panose="020B0909000000000000" pitchFamily="49" charset="-128"/>
-              </a:rPr>
-              <a:t>３</a:t>
-            </a:r>
-            <a:r>
-              <a:rPr lang="en-US" altLang="ja-JP" sz="2200" b="1" dirty="0">
-                <a:solidFill>
-                  <a:schemeClr val="bg1"/>
-                </a:solidFill>
-                <a:latin typeface="HG創英角ｺﾞｼｯｸUB" panose="020B0909000000000000" pitchFamily="49" charset="-128"/>
-                <a:ea typeface="HG創英角ｺﾞｼｯｸUB" panose="020B0909000000000000" pitchFamily="49" charset="-128"/>
-              </a:rPr>
-              <a:t>.</a:t>
-            </a:r>
-            <a:r>
-              <a:rPr lang="ja-JP" altLang="en-US" sz="2200" dirty="0">
-                <a:solidFill>
-                  <a:schemeClr val="bg1"/>
-                </a:solidFill>
-                <a:latin typeface="HG創英角ｺﾞｼｯｸUB" panose="020B0909000000000000" pitchFamily="49" charset="-128"/>
-                <a:ea typeface="HG創英角ｺﾞｼｯｸUB" panose="020B0909000000000000" pitchFamily="49" charset="-128"/>
-              </a:rPr>
-              <a:t>振る舞いモデル</a:t>
-            </a:r>
-            <a:endParaRPr lang="en-US" altLang="ja-JP" sz="2200" dirty="0">
-              <a:solidFill>
-                <a:schemeClr val="bg1"/>
-              </a:solidFill>
-              <a:latin typeface="HG創英角ｺﾞｼｯｸUB" panose="020B0909000000000000" pitchFamily="49" charset="-128"/>
-              <a:ea typeface="HG創英角ｺﾞｼｯｸUB" panose="020B0909000000000000" pitchFamily="49" charset="-128"/>
-            </a:endParaRPr>
-          </a:p>
-        </p:txBody>
-      </p:sp>
-      <p:sp>
-        <p:nvSpPr>
-          <p:cNvPr id="16" name="テキスト ボックス 15">
-            <a:extLst>
-              <a:ext uri="{FF2B5EF4-FFF2-40B4-BE49-F238E27FC236}">
-                <a16:creationId xmlns:a16="http://schemas.microsoft.com/office/drawing/2014/main" id="{B2857B95-E44E-4693-9BF6-518968E8AB21}"/>
-              </a:ext>
-            </a:extLst>
-          </p:cNvPr>
-          <p:cNvSpPr txBox="1"/>
-          <p:nvPr/>
-        </p:nvSpPr>
-        <p:spPr>
-          <a:xfrm>
-            <a:off x="8207348" y="336104"/>
-            <a:ext cx="1445666" cy="430887"/>
-          </a:xfrm>
-          <a:prstGeom prst="rect">
-            <a:avLst/>
-          </a:prstGeom>
-          <a:noFill/>
-          <a:ln>
-            <a:noFill/>
-          </a:ln>
-        </p:spPr>
-        <p:style>
-          <a:lnRef idx="0">
-            <a:scrgbClr r="0" g="0" b="0"/>
-          </a:lnRef>
-          <a:fillRef idx="0">
-            <a:scrgbClr r="0" g="0" b="0"/>
-          </a:fillRef>
-          <a:effectRef idx="0">
-            <a:scrgbClr r="0" g="0" b="0"/>
-          </a:effectRef>
-          <a:fontRef idx="minor">
-            <a:schemeClr val="dk1"/>
-          </a:fontRef>
-        </p:style>
-        <p:txBody>
-          <a:bodyPr wrap="square" rtlCol="0">
-            <a:spAutoFit/>
-          </a:bodyPr>
-          <a:lstStyle/>
-          <a:p>
-            <a:r>
-              <a:rPr lang="ja-JP" altLang="en-US" sz="2200" dirty="0">
-                <a:solidFill>
-                  <a:schemeClr val="accent6">
-                    <a:lumMod val="60000"/>
-                    <a:lumOff val="40000"/>
-                  </a:schemeClr>
-                </a:solidFill>
-                <a:latin typeface="HG創英角ｺﾞｼｯｸUB" panose="020B0909000000000000" pitchFamily="49" charset="-128"/>
-                <a:ea typeface="HG創英角ｺﾞｼｯｸUB" panose="020B0909000000000000" pitchFamily="49" charset="-128"/>
-              </a:rPr>
-              <a:t>４</a:t>
-            </a:r>
-            <a:r>
-              <a:rPr lang="en-US" altLang="ja-JP" sz="2200" b="1" dirty="0">
-                <a:solidFill>
-                  <a:schemeClr val="accent6">
-                    <a:lumMod val="60000"/>
-                    <a:lumOff val="40000"/>
-                  </a:schemeClr>
-                </a:solidFill>
-                <a:latin typeface="HG創英角ｺﾞｼｯｸUB" panose="020B0909000000000000" pitchFamily="49" charset="-128"/>
-                <a:ea typeface="HG創英角ｺﾞｼｯｸUB" panose="020B0909000000000000" pitchFamily="49" charset="-128"/>
-              </a:rPr>
-              <a:t>.</a:t>
-            </a:r>
-            <a:r>
-              <a:rPr lang="ja-JP" altLang="en-US" sz="2200" dirty="0">
-                <a:solidFill>
-                  <a:schemeClr val="accent6">
-                    <a:lumMod val="60000"/>
-                    <a:lumOff val="40000"/>
-                  </a:schemeClr>
-                </a:solidFill>
-                <a:latin typeface="HG創英角ｺﾞｼｯｸUB" panose="020B0909000000000000" pitchFamily="49" charset="-128"/>
-                <a:ea typeface="HG創英角ｺﾞｼｯｸUB" panose="020B0909000000000000" pitchFamily="49" charset="-128"/>
-              </a:rPr>
-              <a:t>工夫点</a:t>
-            </a:r>
-            <a:endParaRPr lang="en-US" altLang="ja-JP" sz="2200" dirty="0">
-              <a:solidFill>
-                <a:schemeClr val="accent6">
-                  <a:lumMod val="60000"/>
-                  <a:lumOff val="40000"/>
-                </a:schemeClr>
-              </a:solidFill>
-              <a:latin typeface="HG創英角ｺﾞｼｯｸUB" panose="020B0909000000000000" pitchFamily="49" charset="-128"/>
-              <a:ea typeface="HG創英角ｺﾞｼｯｸUB" panose="020B0909000000000000" pitchFamily="49" charset="-128"/>
+              <a:effectLst/>
+              <a:uLnTx/>
+              <a:uFillTx/>
+              <a:latin typeface="游ゴシック" panose="020F0502020204030204"/>
+              <a:ea typeface="游ゴシック" panose="020B0400000000000000" pitchFamily="50" charset="-128"/>
+              <a:cs typeface="+mn-cs"/>
             </a:endParaRPr>
           </a:p>
         </p:txBody>
@@ -15596,6 +15703,713 @@
           </a:p>
         </p:txBody>
       </p:sp>
+      <p:sp>
+        <p:nvSpPr>
+          <p:cNvPr id="63" name="テキスト ボックス 62">
+            <a:extLst>
+              <a:ext uri="{FF2B5EF4-FFF2-40B4-BE49-F238E27FC236}">
+                <a16:creationId xmlns:a16="http://schemas.microsoft.com/office/drawing/2014/main" id="{800F7F0C-6ED6-42B3-869D-C1DAE1C63854}"/>
+              </a:ext>
+            </a:extLst>
+          </p:cNvPr>
+          <p:cNvSpPr txBox="1"/>
+          <p:nvPr/>
+        </p:nvSpPr>
+        <p:spPr>
+          <a:xfrm>
+            <a:off x="8345016" y="219827"/>
+            <a:ext cx="1445666" cy="430887"/>
+          </a:xfrm>
+          <a:prstGeom prst="rect">
+            <a:avLst/>
+          </a:prstGeom>
+          <a:noFill/>
+          <a:ln>
+            <a:noFill/>
+          </a:ln>
+        </p:spPr>
+        <p:style>
+          <a:lnRef idx="0">
+            <a:scrgbClr r="0" g="0" b="0"/>
+          </a:lnRef>
+          <a:fillRef idx="0">
+            <a:scrgbClr r="0" g="0" b="0"/>
+          </a:fillRef>
+          <a:effectRef idx="0">
+            <a:scrgbClr r="0" g="0" b="0"/>
+          </a:effectRef>
+          <a:fontRef idx="minor">
+            <a:schemeClr val="dk1"/>
+          </a:fontRef>
+        </p:style>
+        <p:txBody>
+          <a:bodyPr wrap="square" rtlCol="0">
+            <a:spAutoFit/>
+          </a:bodyPr>
+          <a:lstStyle/>
+          <a:p>
+            <a:pPr marL="0" marR="0" lvl="0" indent="0" algn="l" defTabSz="914400" rtl="0" eaLnBrk="1" fontAlgn="base" latinLnBrk="0" hangingPunct="1">
+              <a:lnSpc>
+                <a:spcPct val="100000"/>
+              </a:lnSpc>
+              <a:spcBef>
+                <a:spcPct val="0"/>
+              </a:spcBef>
+              <a:spcAft>
+                <a:spcPct val="0"/>
+              </a:spcAft>
+              <a:buClrTx/>
+              <a:buSzTx/>
+              <a:buFontTx/>
+              <a:buNone/>
+              <a:tabLst/>
+              <a:defRPr/>
+            </a:pPr>
+            <a:r>
+              <a:rPr kumimoji="1" lang="ja-JP" altLang="en-US" sz="2200" b="0" i="0" u="none" strike="noStrike" kern="1200" cap="none" spc="0" normalizeH="0" baseline="0" noProof="0" dirty="0">
+                <a:ln>
+                  <a:noFill/>
+                </a:ln>
+                <a:solidFill>
+                  <a:srgbClr val="70AD47">
+                    <a:lumMod val="60000"/>
+                    <a:lumOff val="40000"/>
+                  </a:srgbClr>
+                </a:solidFill>
+                <a:effectLst/>
+                <a:uLnTx/>
+                <a:uFillTx/>
+                <a:latin typeface="HG創英角ｺﾞｼｯｸUB" panose="020B0909000000000000" pitchFamily="49" charset="-128"/>
+                <a:ea typeface="HG創英角ｺﾞｼｯｸUB" panose="020B0909000000000000" pitchFamily="49" charset="-128"/>
+                <a:cs typeface="+mn-cs"/>
+              </a:rPr>
+              <a:t>４</a:t>
+            </a:r>
+            <a:r>
+              <a:rPr kumimoji="1" lang="en-US" altLang="ja-JP" sz="2200" b="1" i="0" u="none" strike="noStrike" kern="1200" cap="none" spc="0" normalizeH="0" baseline="0" noProof="0" dirty="0">
+                <a:ln>
+                  <a:noFill/>
+                </a:ln>
+                <a:solidFill>
+                  <a:srgbClr val="70AD47">
+                    <a:lumMod val="60000"/>
+                    <a:lumOff val="40000"/>
+                  </a:srgbClr>
+                </a:solidFill>
+                <a:effectLst/>
+                <a:uLnTx/>
+                <a:uFillTx/>
+                <a:latin typeface="HG創英角ｺﾞｼｯｸUB" panose="020B0909000000000000" pitchFamily="49" charset="-128"/>
+                <a:ea typeface="HG創英角ｺﾞｼｯｸUB" panose="020B0909000000000000" pitchFamily="49" charset="-128"/>
+                <a:cs typeface="+mn-cs"/>
+              </a:rPr>
+              <a:t>.</a:t>
+            </a:r>
+            <a:r>
+              <a:rPr kumimoji="1" lang="ja-JP" altLang="en-US" sz="2200" b="0" i="0" u="none" strike="noStrike" kern="1200" cap="none" spc="0" normalizeH="0" baseline="0" noProof="0" dirty="0">
+                <a:ln>
+                  <a:noFill/>
+                </a:ln>
+                <a:solidFill>
+                  <a:srgbClr val="70AD47">
+                    <a:lumMod val="60000"/>
+                    <a:lumOff val="40000"/>
+                  </a:srgbClr>
+                </a:solidFill>
+                <a:effectLst/>
+                <a:uLnTx/>
+                <a:uFillTx/>
+                <a:latin typeface="HG創英角ｺﾞｼｯｸUB" panose="020B0909000000000000" pitchFamily="49" charset="-128"/>
+                <a:ea typeface="HG創英角ｺﾞｼｯｸUB" panose="020B0909000000000000" pitchFamily="49" charset="-128"/>
+                <a:cs typeface="+mn-cs"/>
+              </a:rPr>
+              <a:t>工夫点</a:t>
+            </a:r>
+            <a:endParaRPr kumimoji="1" lang="en-US" altLang="ja-JP" sz="2200" b="0" i="0" u="none" strike="noStrike" kern="1200" cap="none" spc="0" normalizeH="0" baseline="0" noProof="0" dirty="0">
+              <a:ln>
+                <a:noFill/>
+              </a:ln>
+              <a:solidFill>
+                <a:srgbClr val="70AD47">
+                  <a:lumMod val="60000"/>
+                  <a:lumOff val="40000"/>
+                </a:srgbClr>
+              </a:solidFill>
+              <a:effectLst/>
+              <a:uLnTx/>
+              <a:uFillTx/>
+              <a:latin typeface="HG創英角ｺﾞｼｯｸUB" panose="020B0909000000000000" pitchFamily="49" charset="-128"/>
+              <a:ea typeface="HG創英角ｺﾞｼｯｸUB" panose="020B0909000000000000" pitchFamily="49" charset="-128"/>
+              <a:cs typeface="+mn-cs"/>
+            </a:endParaRPr>
+          </a:p>
+        </p:txBody>
+      </p:sp>
+      <p:sp>
+        <p:nvSpPr>
+          <p:cNvPr id="64" name="テキスト ボックス 63">
+            <a:extLst>
+              <a:ext uri="{FF2B5EF4-FFF2-40B4-BE49-F238E27FC236}">
+                <a16:creationId xmlns:a16="http://schemas.microsoft.com/office/drawing/2014/main" id="{23C2D583-3C23-4323-B59F-822E911253F7}"/>
+              </a:ext>
+            </a:extLst>
+          </p:cNvPr>
+          <p:cNvSpPr txBox="1"/>
+          <p:nvPr/>
+        </p:nvSpPr>
+        <p:spPr>
+          <a:xfrm>
+            <a:off x="6141604" y="221517"/>
+            <a:ext cx="2022396" cy="446276"/>
+          </a:xfrm>
+          <a:prstGeom prst="rect">
+            <a:avLst/>
+          </a:prstGeom>
+          <a:noFill/>
+          <a:ln>
+            <a:noFill/>
+          </a:ln>
+        </p:spPr>
+        <p:style>
+          <a:lnRef idx="0">
+            <a:scrgbClr r="0" g="0" b="0"/>
+          </a:lnRef>
+          <a:fillRef idx="0">
+            <a:scrgbClr r="0" g="0" b="0"/>
+          </a:fillRef>
+          <a:effectRef idx="0">
+            <a:scrgbClr r="0" g="0" b="0"/>
+          </a:effectRef>
+          <a:fontRef idx="minor">
+            <a:schemeClr val="dk1"/>
+          </a:fontRef>
+        </p:style>
+        <p:txBody>
+          <a:bodyPr wrap="square" rtlCol="0">
+            <a:spAutoFit/>
+          </a:bodyPr>
+          <a:lstStyle/>
+          <a:p>
+            <a:pPr marL="0" marR="0" lvl="0" indent="0" algn="l" defTabSz="914400" rtl="0" eaLnBrk="1" fontAlgn="base" latinLnBrk="0" hangingPunct="1">
+              <a:lnSpc>
+                <a:spcPct val="100000"/>
+              </a:lnSpc>
+              <a:spcBef>
+                <a:spcPct val="0"/>
+              </a:spcBef>
+              <a:spcAft>
+                <a:spcPct val="0"/>
+              </a:spcAft>
+              <a:buClrTx/>
+              <a:buSzTx/>
+              <a:buFontTx/>
+              <a:buNone/>
+              <a:tabLst/>
+              <a:defRPr/>
+            </a:pPr>
+            <a:r>
+              <a:rPr kumimoji="1" lang="ja-JP" altLang="en-US" sz="2200" b="0" i="0" u="none" strike="noStrike" kern="1200" cap="none" spc="0" normalizeH="0" baseline="0" noProof="0" dirty="0">
+                <a:ln>
+                  <a:noFill/>
+                </a:ln>
+                <a:solidFill>
+                  <a:srgbClr val="70AD47">
+                    <a:lumMod val="60000"/>
+                    <a:lumOff val="40000"/>
+                  </a:srgbClr>
+                </a:solidFill>
+                <a:effectLst/>
+                <a:uLnTx/>
+                <a:uFillTx/>
+                <a:latin typeface="HG創英角ｺﾞｼｯｸUB" panose="020B0909000000000000" pitchFamily="49" charset="-128"/>
+                <a:ea typeface="HG創英角ｺﾞｼｯｸUB" panose="020B0909000000000000" pitchFamily="49" charset="-128"/>
+                <a:cs typeface="+mn-cs"/>
+              </a:rPr>
+              <a:t>３</a:t>
+            </a:r>
+            <a:r>
+              <a:rPr kumimoji="1" lang="en-US" altLang="ja-JP" sz="2200" b="1" i="0" u="none" strike="noStrike" kern="1200" cap="none" spc="0" normalizeH="0" baseline="0" noProof="0" dirty="0">
+                <a:ln>
+                  <a:noFill/>
+                </a:ln>
+                <a:solidFill>
+                  <a:srgbClr val="70AD47">
+                    <a:lumMod val="60000"/>
+                    <a:lumOff val="40000"/>
+                  </a:srgbClr>
+                </a:solidFill>
+                <a:effectLst/>
+                <a:uLnTx/>
+                <a:uFillTx/>
+                <a:latin typeface="HG創英角ｺﾞｼｯｸUB" panose="020B0909000000000000" pitchFamily="49" charset="-128"/>
+                <a:ea typeface="HG創英角ｺﾞｼｯｸUB" panose="020B0909000000000000" pitchFamily="49" charset="-128"/>
+                <a:cs typeface="+mn-cs"/>
+              </a:rPr>
+              <a:t>.</a:t>
+            </a:r>
+            <a:r>
+              <a:rPr kumimoji="1" lang="ja-JP" altLang="en-US" sz="2200" b="0" i="0" u="none" strike="noStrike" kern="1200" cap="none" spc="0" normalizeH="0" baseline="0" noProof="0" dirty="0">
+                <a:ln>
+                  <a:noFill/>
+                </a:ln>
+                <a:solidFill>
+                  <a:srgbClr val="70AD47">
+                    <a:lumMod val="60000"/>
+                    <a:lumOff val="40000"/>
+                  </a:srgbClr>
+                </a:solidFill>
+                <a:effectLst/>
+                <a:uLnTx/>
+                <a:uFillTx/>
+                <a:latin typeface="HG創英角ｺﾞｼｯｸUB" panose="020B0909000000000000" pitchFamily="49" charset="-128"/>
+                <a:ea typeface="HG創英角ｺﾞｼｯｸUB" panose="020B0909000000000000" pitchFamily="49" charset="-128"/>
+                <a:cs typeface="+mn-cs"/>
+              </a:rPr>
+              <a:t>振る舞い②</a:t>
+            </a:r>
+            <a:endParaRPr kumimoji="1" lang="en-US" altLang="ja-JP" sz="2200" b="0" i="0" u="none" strike="noStrike" kern="1200" cap="none" spc="0" normalizeH="0" baseline="0" noProof="0" dirty="0">
+              <a:ln>
+                <a:noFill/>
+              </a:ln>
+              <a:solidFill>
+                <a:srgbClr val="70AD47">
+                  <a:lumMod val="60000"/>
+                  <a:lumOff val="40000"/>
+                </a:srgbClr>
+              </a:solidFill>
+              <a:effectLst/>
+              <a:uLnTx/>
+              <a:uFillTx/>
+              <a:latin typeface="HG創英角ｺﾞｼｯｸUB" panose="020B0909000000000000" pitchFamily="49" charset="-128"/>
+              <a:ea typeface="HG創英角ｺﾞｼｯｸUB" panose="020B0909000000000000" pitchFamily="49" charset="-128"/>
+              <a:cs typeface="+mn-cs"/>
+            </a:endParaRPr>
+          </a:p>
+        </p:txBody>
+      </p:sp>
+      <p:sp>
+        <p:nvSpPr>
+          <p:cNvPr id="65" name="テキスト ボックス 64">
+            <a:extLst>
+              <a:ext uri="{FF2B5EF4-FFF2-40B4-BE49-F238E27FC236}">
+                <a16:creationId xmlns:a16="http://schemas.microsoft.com/office/drawing/2014/main" id="{576FCF94-329B-4D1D-A7E3-44298969B2C2}"/>
+              </a:ext>
+            </a:extLst>
+          </p:cNvPr>
+          <p:cNvSpPr txBox="1"/>
+          <p:nvPr/>
+        </p:nvSpPr>
+        <p:spPr>
+          <a:xfrm>
+            <a:off x="385168" y="281990"/>
+            <a:ext cx="1191096" cy="430887"/>
+          </a:xfrm>
+          <a:prstGeom prst="rect">
+            <a:avLst/>
+          </a:prstGeom>
+          <a:noFill/>
+          <a:ln>
+            <a:noFill/>
+          </a:ln>
+        </p:spPr>
+        <p:style>
+          <a:lnRef idx="0">
+            <a:scrgbClr r="0" g="0" b="0"/>
+          </a:lnRef>
+          <a:fillRef idx="0">
+            <a:scrgbClr r="0" g="0" b="0"/>
+          </a:fillRef>
+          <a:effectRef idx="0">
+            <a:scrgbClr r="0" g="0" b="0"/>
+          </a:effectRef>
+          <a:fontRef idx="minor">
+            <a:schemeClr val="dk1"/>
+          </a:fontRef>
+        </p:style>
+        <p:txBody>
+          <a:bodyPr wrap="square" rtlCol="0">
+            <a:spAutoFit/>
+          </a:bodyPr>
+          <a:lstStyle/>
+          <a:p>
+            <a:pPr marL="0" marR="0" lvl="0" indent="0" algn="l" defTabSz="914400" rtl="0" eaLnBrk="1" fontAlgn="base" latinLnBrk="0" hangingPunct="1">
+              <a:lnSpc>
+                <a:spcPct val="100000"/>
+              </a:lnSpc>
+              <a:spcBef>
+                <a:spcPct val="0"/>
+              </a:spcBef>
+              <a:spcAft>
+                <a:spcPct val="0"/>
+              </a:spcAft>
+              <a:buClrTx/>
+              <a:buSzTx/>
+              <a:buFontTx/>
+              <a:buNone/>
+              <a:tabLst/>
+              <a:defRPr/>
+            </a:pPr>
+            <a:r>
+              <a:rPr kumimoji="1" lang="ja-JP" altLang="en-US" sz="2200" b="0" i="0" u="none" strike="noStrike" kern="1200" cap="none" spc="0" normalizeH="0" baseline="0" noProof="0" dirty="0">
+                <a:ln>
+                  <a:noFill/>
+                </a:ln>
+                <a:solidFill>
+                  <a:srgbClr val="70AD47">
+                    <a:lumMod val="60000"/>
+                    <a:lumOff val="40000"/>
+                  </a:srgbClr>
+                </a:solidFill>
+                <a:effectLst/>
+                <a:uLnTx/>
+                <a:uFillTx/>
+                <a:latin typeface="HG創英角ｺﾞｼｯｸUB" panose="020B0909000000000000" pitchFamily="49" charset="-128"/>
+                <a:ea typeface="HG創英角ｺﾞｼｯｸUB" panose="020B0909000000000000" pitchFamily="49" charset="-128"/>
+                <a:cs typeface="+mn-cs"/>
+              </a:rPr>
+              <a:t>１</a:t>
+            </a:r>
+            <a:r>
+              <a:rPr kumimoji="1" lang="en-US" altLang="ja-JP" sz="2200" b="1" i="0" u="none" strike="noStrike" kern="1200" cap="none" spc="0" normalizeH="0" baseline="0" noProof="0" dirty="0">
+                <a:ln>
+                  <a:noFill/>
+                </a:ln>
+                <a:solidFill>
+                  <a:srgbClr val="70AD47">
+                    <a:lumMod val="60000"/>
+                    <a:lumOff val="40000"/>
+                  </a:srgbClr>
+                </a:solidFill>
+                <a:effectLst/>
+                <a:uLnTx/>
+                <a:uFillTx/>
+                <a:latin typeface="HG創英角ｺﾞｼｯｸUB" panose="020B0909000000000000" pitchFamily="49" charset="-128"/>
+                <a:ea typeface="HG創英角ｺﾞｼｯｸUB" panose="020B0909000000000000" pitchFamily="49" charset="-128"/>
+                <a:cs typeface="+mn-cs"/>
+              </a:rPr>
+              <a:t>.</a:t>
+            </a:r>
+            <a:r>
+              <a:rPr kumimoji="1" lang="ja-JP" altLang="en-US" sz="2200" b="0" i="0" u="none" strike="noStrike" kern="1200" cap="none" spc="0" normalizeH="0" baseline="0" noProof="0" dirty="0">
+                <a:ln>
+                  <a:noFill/>
+                </a:ln>
+                <a:solidFill>
+                  <a:srgbClr val="70AD47">
+                    <a:lumMod val="60000"/>
+                    <a:lumOff val="40000"/>
+                  </a:srgbClr>
+                </a:solidFill>
+                <a:effectLst/>
+                <a:uLnTx/>
+                <a:uFillTx/>
+                <a:latin typeface="HG創英角ｺﾞｼｯｸUB" panose="020B0909000000000000" pitchFamily="49" charset="-128"/>
+                <a:ea typeface="HG創英角ｺﾞｼｯｸUB" panose="020B0909000000000000" pitchFamily="49" charset="-128"/>
+                <a:cs typeface="+mn-cs"/>
+              </a:rPr>
+              <a:t>機能</a:t>
+            </a:r>
+            <a:endParaRPr kumimoji="1" lang="en-US" altLang="ja-JP" sz="2200" b="0" i="0" u="none" strike="noStrike" kern="1200" cap="none" spc="0" normalizeH="0" baseline="0" noProof="0" dirty="0">
+              <a:ln>
+                <a:noFill/>
+              </a:ln>
+              <a:solidFill>
+                <a:srgbClr val="70AD47">
+                  <a:lumMod val="60000"/>
+                  <a:lumOff val="40000"/>
+                </a:srgbClr>
+              </a:solidFill>
+              <a:effectLst/>
+              <a:uLnTx/>
+              <a:uFillTx/>
+              <a:latin typeface="HG創英角ｺﾞｼｯｸUB" panose="020B0909000000000000" pitchFamily="49" charset="-128"/>
+              <a:ea typeface="HG創英角ｺﾞｼｯｸUB" panose="020B0909000000000000" pitchFamily="49" charset="-128"/>
+              <a:cs typeface="+mn-cs"/>
+            </a:endParaRPr>
+          </a:p>
+        </p:txBody>
+      </p:sp>
+      <p:sp>
+        <p:nvSpPr>
+          <p:cNvPr id="66" name="テキスト ボックス 65">
+            <a:extLst>
+              <a:ext uri="{FF2B5EF4-FFF2-40B4-BE49-F238E27FC236}">
+                <a16:creationId xmlns:a16="http://schemas.microsoft.com/office/drawing/2014/main" id="{D594962D-E721-4D57-B257-CBD688DE7441}"/>
+              </a:ext>
+            </a:extLst>
+          </p:cNvPr>
+          <p:cNvSpPr txBox="1"/>
+          <p:nvPr/>
+        </p:nvSpPr>
+        <p:spPr>
+          <a:xfrm>
+            <a:off x="4113787" y="118872"/>
+            <a:ext cx="2049970" cy="446276"/>
+          </a:xfrm>
+          <a:prstGeom prst="rect">
+            <a:avLst/>
+          </a:prstGeom>
+          <a:noFill/>
+          <a:ln>
+            <a:noFill/>
+          </a:ln>
+        </p:spPr>
+        <p:style>
+          <a:lnRef idx="0">
+            <a:scrgbClr r="0" g="0" b="0"/>
+          </a:lnRef>
+          <a:fillRef idx="0">
+            <a:scrgbClr r="0" g="0" b="0"/>
+          </a:fillRef>
+          <a:effectRef idx="0">
+            <a:scrgbClr r="0" g="0" b="0"/>
+          </a:effectRef>
+          <a:fontRef idx="minor">
+            <a:schemeClr val="dk1"/>
+          </a:fontRef>
+        </p:style>
+        <p:txBody>
+          <a:bodyPr wrap="square" rtlCol="0">
+            <a:spAutoFit/>
+          </a:bodyPr>
+          <a:lstStyle/>
+          <a:p>
+            <a:pPr marL="0" marR="0" lvl="0" indent="0" algn="l" defTabSz="914400" rtl="0" eaLnBrk="1" fontAlgn="base" latinLnBrk="0" hangingPunct="1">
+              <a:lnSpc>
+                <a:spcPct val="100000"/>
+              </a:lnSpc>
+              <a:spcBef>
+                <a:spcPct val="0"/>
+              </a:spcBef>
+              <a:spcAft>
+                <a:spcPct val="0"/>
+              </a:spcAft>
+              <a:buClrTx/>
+              <a:buSzTx/>
+              <a:buFontTx/>
+              <a:buNone/>
+              <a:tabLst/>
+              <a:defRPr/>
+            </a:pPr>
+            <a:r>
+              <a:rPr kumimoji="1" lang="ja-JP" altLang="en-US" sz="2200" b="0" i="0" u="none" strike="noStrike" kern="1200" cap="none" spc="0" normalizeH="0" baseline="0" noProof="0" dirty="0">
+                <a:ln>
+                  <a:noFill/>
+                </a:ln>
+                <a:solidFill>
+                  <a:schemeClr val="bg1"/>
+                </a:solidFill>
+                <a:effectLst/>
+                <a:uLnTx/>
+                <a:uFillTx/>
+                <a:latin typeface="HG創英角ｺﾞｼｯｸUB" panose="020B0909000000000000" pitchFamily="49" charset="-128"/>
+                <a:ea typeface="HG創英角ｺﾞｼｯｸUB" panose="020B0909000000000000" pitchFamily="49" charset="-128"/>
+                <a:cs typeface="+mn-cs"/>
+              </a:rPr>
+              <a:t>３</a:t>
+            </a:r>
+            <a:r>
+              <a:rPr kumimoji="1" lang="en-US" altLang="ja-JP" sz="2200" b="1" i="0" u="none" strike="noStrike" kern="1200" cap="none" spc="0" normalizeH="0" baseline="0" noProof="0" dirty="0">
+                <a:ln>
+                  <a:noFill/>
+                </a:ln>
+                <a:solidFill>
+                  <a:schemeClr val="bg1"/>
+                </a:solidFill>
+                <a:effectLst/>
+                <a:uLnTx/>
+                <a:uFillTx/>
+                <a:latin typeface="HG創英角ｺﾞｼｯｸUB" panose="020B0909000000000000" pitchFamily="49" charset="-128"/>
+                <a:ea typeface="HG創英角ｺﾞｼｯｸUB" panose="020B0909000000000000" pitchFamily="49" charset="-128"/>
+                <a:cs typeface="+mn-cs"/>
+              </a:rPr>
+              <a:t>.</a:t>
+            </a:r>
+            <a:r>
+              <a:rPr kumimoji="1" lang="ja-JP" altLang="en-US" sz="2200" b="0" i="0" u="none" strike="noStrike" kern="1200" cap="none" spc="0" normalizeH="0" baseline="0" noProof="0" dirty="0">
+                <a:ln>
+                  <a:noFill/>
+                </a:ln>
+                <a:solidFill>
+                  <a:schemeClr val="bg1"/>
+                </a:solidFill>
+                <a:effectLst/>
+                <a:uLnTx/>
+                <a:uFillTx/>
+                <a:latin typeface="HG創英角ｺﾞｼｯｸUB" panose="020B0909000000000000" pitchFamily="49" charset="-128"/>
+                <a:ea typeface="HG創英角ｺﾞｼｯｸUB" panose="020B0909000000000000" pitchFamily="49" charset="-128"/>
+                <a:cs typeface="+mn-cs"/>
+              </a:rPr>
+              <a:t>振る舞い</a:t>
+            </a:r>
+            <a:r>
+              <a:rPr lang="ja-JP" altLang="en-US" sz="2200" dirty="0">
+                <a:solidFill>
+                  <a:schemeClr val="bg1"/>
+                </a:solidFill>
+                <a:latin typeface="HG創英角ｺﾞｼｯｸUB" panose="020B0909000000000000" pitchFamily="49" charset="-128"/>
+                <a:ea typeface="HG創英角ｺﾞｼｯｸUB" panose="020B0909000000000000" pitchFamily="49" charset="-128"/>
+              </a:rPr>
+              <a:t>①</a:t>
+            </a:r>
+            <a:endParaRPr kumimoji="1" lang="en-US" altLang="ja-JP" sz="2200" b="0" i="0" u="none" strike="noStrike" kern="1200" cap="none" spc="0" normalizeH="0" baseline="0" noProof="0" dirty="0">
+              <a:ln>
+                <a:noFill/>
+              </a:ln>
+              <a:solidFill>
+                <a:schemeClr val="bg1"/>
+              </a:solidFill>
+              <a:effectLst/>
+              <a:uLnTx/>
+              <a:uFillTx/>
+              <a:latin typeface="HG創英角ｺﾞｼｯｸUB" panose="020B0909000000000000" pitchFamily="49" charset="-128"/>
+              <a:ea typeface="HG創英角ｺﾞｼｯｸUB" panose="020B0909000000000000" pitchFamily="49" charset="-128"/>
+            </a:endParaRPr>
+          </a:p>
+        </p:txBody>
+      </p:sp>
+      <p:sp>
+        <p:nvSpPr>
+          <p:cNvPr id="67" name="テキスト ボックス 66">
+            <a:extLst>
+              <a:ext uri="{FF2B5EF4-FFF2-40B4-BE49-F238E27FC236}">
+                <a16:creationId xmlns:a16="http://schemas.microsoft.com/office/drawing/2014/main" id="{2EC3DC52-8CFB-4F1C-ACCD-89627B236B65}"/>
+              </a:ext>
+            </a:extLst>
+          </p:cNvPr>
+          <p:cNvSpPr txBox="1"/>
+          <p:nvPr/>
+        </p:nvSpPr>
+        <p:spPr>
+          <a:xfrm>
+            <a:off x="2513460" y="248190"/>
+            <a:ext cx="1163752" cy="430887"/>
+          </a:xfrm>
+          <a:prstGeom prst="rect">
+            <a:avLst/>
+          </a:prstGeom>
+          <a:noFill/>
+          <a:ln>
+            <a:noFill/>
+          </a:ln>
+        </p:spPr>
+        <p:style>
+          <a:lnRef idx="0">
+            <a:scrgbClr r="0" g="0" b="0"/>
+          </a:lnRef>
+          <a:fillRef idx="0">
+            <a:scrgbClr r="0" g="0" b="0"/>
+          </a:fillRef>
+          <a:effectRef idx="0">
+            <a:scrgbClr r="0" g="0" b="0"/>
+          </a:effectRef>
+          <a:fontRef idx="minor">
+            <a:schemeClr val="dk1"/>
+          </a:fontRef>
+        </p:style>
+        <p:txBody>
+          <a:bodyPr wrap="square" rtlCol="0">
+            <a:spAutoFit/>
+          </a:bodyPr>
+          <a:lstStyle/>
+          <a:p>
+            <a:pPr marL="0" marR="0" lvl="0" indent="0" algn="l" defTabSz="914400" rtl="0" eaLnBrk="1" fontAlgn="base" latinLnBrk="0" hangingPunct="1">
+              <a:lnSpc>
+                <a:spcPct val="100000"/>
+              </a:lnSpc>
+              <a:spcBef>
+                <a:spcPct val="0"/>
+              </a:spcBef>
+              <a:spcAft>
+                <a:spcPct val="0"/>
+              </a:spcAft>
+              <a:buClrTx/>
+              <a:buSzTx/>
+              <a:buFontTx/>
+              <a:buNone/>
+              <a:tabLst/>
+              <a:defRPr/>
+            </a:pPr>
+            <a:r>
+              <a:rPr kumimoji="1" lang="ja-JP" altLang="en-US" sz="2200" b="0" i="0" u="none" strike="noStrike" kern="1200" cap="none" spc="0" normalizeH="0" baseline="0" noProof="0" dirty="0">
+                <a:ln>
+                  <a:noFill/>
+                </a:ln>
+                <a:solidFill>
+                  <a:srgbClr val="70AD47">
+                    <a:lumMod val="60000"/>
+                    <a:lumOff val="40000"/>
+                  </a:srgbClr>
+                </a:solidFill>
+                <a:effectLst/>
+                <a:uLnTx/>
+                <a:uFillTx/>
+                <a:latin typeface="HG創英角ｺﾞｼｯｸUB" panose="020B0909000000000000" pitchFamily="49" charset="-128"/>
+                <a:ea typeface="HG創英角ｺﾞｼｯｸUB" panose="020B0909000000000000" pitchFamily="49" charset="-128"/>
+                <a:cs typeface="+mn-cs"/>
+              </a:rPr>
+              <a:t>２</a:t>
+            </a:r>
+            <a:r>
+              <a:rPr kumimoji="1" lang="en-US" altLang="ja-JP" sz="2200" b="1" i="0" u="none" strike="noStrike" kern="1200" cap="none" spc="0" normalizeH="0" baseline="0" noProof="0" dirty="0">
+                <a:ln>
+                  <a:noFill/>
+                </a:ln>
+                <a:solidFill>
+                  <a:srgbClr val="70AD47">
+                    <a:lumMod val="60000"/>
+                    <a:lumOff val="40000"/>
+                  </a:srgbClr>
+                </a:solidFill>
+                <a:effectLst/>
+                <a:uLnTx/>
+                <a:uFillTx/>
+                <a:latin typeface="HG創英角ｺﾞｼｯｸUB" panose="020B0909000000000000" pitchFamily="49" charset="-128"/>
+                <a:ea typeface="HG創英角ｺﾞｼｯｸUB" panose="020B0909000000000000" pitchFamily="49" charset="-128"/>
+                <a:cs typeface="+mn-cs"/>
+              </a:rPr>
+              <a:t>.</a:t>
+            </a:r>
+            <a:r>
+              <a:rPr kumimoji="1" lang="ja-JP" altLang="en-US" sz="2200" b="0" i="0" u="none" strike="noStrike" kern="1200" cap="none" spc="0" normalizeH="0" baseline="0" noProof="0" dirty="0">
+                <a:ln>
+                  <a:noFill/>
+                </a:ln>
+                <a:solidFill>
+                  <a:srgbClr val="70AD47">
+                    <a:lumMod val="60000"/>
+                    <a:lumOff val="40000"/>
+                  </a:srgbClr>
+                </a:solidFill>
+                <a:effectLst/>
+                <a:uLnTx/>
+                <a:uFillTx/>
+                <a:latin typeface="HG創英角ｺﾞｼｯｸUB" panose="020B0909000000000000" pitchFamily="49" charset="-128"/>
+                <a:ea typeface="HG創英角ｺﾞｼｯｸUB" panose="020B0909000000000000" pitchFamily="49" charset="-128"/>
+                <a:cs typeface="+mn-cs"/>
+              </a:rPr>
+              <a:t>構造</a:t>
+            </a:r>
+            <a:endParaRPr kumimoji="1" lang="en-US" altLang="ja-JP" sz="2200" b="0" i="0" u="none" strike="noStrike" kern="1200" cap="none" spc="0" normalizeH="0" baseline="0" noProof="0" dirty="0">
+              <a:ln>
+                <a:noFill/>
+              </a:ln>
+              <a:solidFill>
+                <a:srgbClr val="70AD47">
+                  <a:lumMod val="60000"/>
+                  <a:lumOff val="40000"/>
+                </a:srgbClr>
+              </a:solidFill>
+              <a:effectLst/>
+              <a:uLnTx/>
+              <a:uFillTx/>
+              <a:latin typeface="HG創英角ｺﾞｼｯｸUB" panose="020B0909000000000000" pitchFamily="49" charset="-128"/>
+              <a:ea typeface="HG創英角ｺﾞｼｯｸUB" panose="020B0909000000000000" pitchFamily="49" charset="-128"/>
+              <a:cs typeface="+mn-cs"/>
+            </a:endParaRPr>
+          </a:p>
+        </p:txBody>
+      </p:sp>
     </p:spTree>
     <p:extLst>
       <p:ext uri="{BB962C8B-B14F-4D97-AF65-F5344CB8AC3E}">
@@ -15628,10 +16442,10 @@
       </p:grpSpPr>
       <p:sp>
         <p:nvSpPr>
-          <p:cNvPr id="15" name="四角形: 角を丸くする 14">
+          <p:cNvPr id="32" name="四角形: 角を丸くする 31">
             <a:extLst>
               <a:ext uri="{FF2B5EF4-FFF2-40B4-BE49-F238E27FC236}">
-                <a16:creationId xmlns:a16="http://schemas.microsoft.com/office/drawing/2014/main" id="{A9B96D26-795E-44A3-9A17-D2913FF49DAB}"/>
+                <a16:creationId xmlns:a16="http://schemas.microsoft.com/office/drawing/2014/main" id="{0B3E3B7E-8929-461F-BB65-E272235255B2}"/>
               </a:ext>
             </a:extLst>
           </p:cNvPr>
@@ -15640,8 +16454,8 @@
         </p:nvSpPr>
         <p:spPr>
           <a:xfrm>
-            <a:off x="7670181" y="263927"/>
-            <a:ext cx="2520000" cy="1152297"/>
+            <a:off x="8175637" y="248190"/>
+            <a:ext cx="2016000" cy="1152297"/>
           </a:xfrm>
           <a:prstGeom prst="roundRect">
             <a:avLst/>
@@ -15673,17 +16487,46 @@
           <a:bodyPr rtlCol="0" anchor="ctr"/>
           <a:lstStyle/>
           <a:p>
-            <a:pPr algn="ctr"/>
-            <a:endParaRPr kumimoji="1" lang="ja-JP" altLang="en-US" dirty="0"/>
+            <a:pPr marL="0" marR="0" lvl="0" indent="0" algn="ctr" defTabSz="914400" rtl="0" eaLnBrk="1" fontAlgn="base" latinLnBrk="0" hangingPunct="1">
+              <a:lnSpc>
+                <a:spcPct val="100000"/>
+              </a:lnSpc>
+              <a:spcBef>
+                <a:spcPct val="0"/>
+              </a:spcBef>
+              <a:spcAft>
+                <a:spcPct val="0"/>
+              </a:spcAft>
+              <a:buClrTx/>
+              <a:buSzTx/>
+              <a:buFontTx/>
+              <a:buNone/>
+              <a:tabLst/>
+              <a:defRPr/>
+            </a:pPr>
+            <a:endParaRPr kumimoji="1" lang="ja-JP" altLang="en-US" sz="1600" b="0" i="0" u="none" strike="noStrike" kern="1200" cap="none" spc="0" normalizeH="0" baseline="0" noProof="0">
+              <a:ln>
+                <a:noFill/>
+              </a:ln>
+              <a:solidFill>
+                <a:prstClr val="black"/>
+              </a:solidFill>
+              <a:effectLst/>
+              <a:uLnTx/>
+              <a:uFillTx/>
+              <a:latin typeface="游ゴシック" panose="020F0502020204030204"/>
+              <a:ea typeface="游ゴシック" panose="020B0400000000000000" pitchFamily="50" charset="-128"/>
+              <a:cs typeface="+mn-cs"/>
+            </a:endParaRPr>
           </a:p>
         </p:txBody>
       </p:sp>
       <p:sp>
         <p:nvSpPr>
-          <p:cNvPr id="14" name="四角形: 角を丸くする 13">
+          <p:cNvPr id="28" name="四角形: 角を丸くする 27">
             <a:extLst>
               <a:ext uri="{FF2B5EF4-FFF2-40B4-BE49-F238E27FC236}">
-                <a16:creationId xmlns:a16="http://schemas.microsoft.com/office/drawing/2014/main" id="{5DFFF80D-32F6-4641-A456-86DEF48B839E}"/>
+                <a16:creationId xmlns:a16="http://schemas.microsoft.com/office/drawing/2014/main" id="{2F6C50E1-F4DB-4B69-961E-B749833B8850}"/>
               </a:ext>
             </a:extLst>
           </p:cNvPr>
@@ -15692,8 +16535,8 @@
         </p:nvSpPr>
         <p:spPr>
           <a:xfrm>
-            <a:off x="94668" y="264096"/>
-            <a:ext cx="2520000" cy="1080368"/>
+            <a:off x="91678" y="264096"/>
+            <a:ext cx="2016000" cy="1152297"/>
           </a:xfrm>
           <a:prstGeom prst="roundRect">
             <a:avLst/>
@@ -15725,17 +16568,46 @@
           <a:bodyPr rtlCol="0" anchor="ctr"/>
           <a:lstStyle/>
           <a:p>
-            <a:pPr algn="ctr"/>
-            <a:endParaRPr kumimoji="1" lang="ja-JP" altLang="en-US" dirty="0"/>
+            <a:pPr marL="0" marR="0" lvl="0" indent="0" algn="ctr" defTabSz="914400" rtl="0" eaLnBrk="1" fontAlgn="base" latinLnBrk="0" hangingPunct="1">
+              <a:lnSpc>
+                <a:spcPct val="100000"/>
+              </a:lnSpc>
+              <a:spcBef>
+                <a:spcPct val="0"/>
+              </a:spcBef>
+              <a:spcAft>
+                <a:spcPct val="0"/>
+              </a:spcAft>
+              <a:buClrTx/>
+              <a:buSzTx/>
+              <a:buFontTx/>
+              <a:buNone/>
+              <a:tabLst/>
+              <a:defRPr/>
+            </a:pPr>
+            <a:endParaRPr kumimoji="1" lang="ja-JP" altLang="en-US" sz="1600" b="0" i="0" u="none" strike="noStrike" kern="1200" cap="none" spc="0" normalizeH="0" baseline="0" noProof="0">
+              <a:ln>
+                <a:noFill/>
+              </a:ln>
+              <a:solidFill>
+                <a:prstClr val="black"/>
+              </a:solidFill>
+              <a:effectLst/>
+              <a:uLnTx/>
+              <a:uFillTx/>
+              <a:latin typeface="游ゴシック" panose="020F0502020204030204"/>
+              <a:ea typeface="游ゴシック" panose="020B0400000000000000" pitchFamily="50" charset="-128"/>
+              <a:cs typeface="+mn-cs"/>
+            </a:endParaRPr>
           </a:p>
         </p:txBody>
       </p:sp>
       <p:sp>
         <p:nvSpPr>
-          <p:cNvPr id="13" name="四角形: 角を丸くする 12">
+          <p:cNvPr id="29" name="四角形: 角を丸くする 28">
             <a:extLst>
               <a:ext uri="{FF2B5EF4-FFF2-40B4-BE49-F238E27FC236}">
-                <a16:creationId xmlns:a16="http://schemas.microsoft.com/office/drawing/2014/main" id="{84934B8C-C644-49A7-8C50-B417AAAD4BD4}"/>
+                <a16:creationId xmlns:a16="http://schemas.microsoft.com/office/drawing/2014/main" id="{1E9DE310-0E63-4F12-BF6E-A93C69918B4F}"/>
               </a:ext>
             </a:extLst>
           </p:cNvPr>
@@ -15744,8 +16616,89 @@
         </p:nvSpPr>
         <p:spPr>
           <a:xfrm>
-            <a:off x="2616334" y="264096"/>
-            <a:ext cx="2520000" cy="1368400"/>
+            <a:off x="4131012" y="264096"/>
+            <a:ext cx="2016000" cy="1080368"/>
+          </a:xfrm>
+          <a:prstGeom prst="roundRect">
+            <a:avLst/>
+          </a:prstGeom>
+          <a:ln w="28575">
+            <a:solidFill>
+              <a:schemeClr val="accent6">
+                <a:lumMod val="60000"/>
+                <a:lumOff val="40000"/>
+              </a:schemeClr>
+            </a:solidFill>
+          </a:ln>
+        </p:spPr>
+        <p:style>
+          <a:lnRef idx="2">
+            <a:schemeClr val="accent6"/>
+          </a:lnRef>
+          <a:fillRef idx="1">
+            <a:schemeClr val="lt1"/>
+          </a:fillRef>
+          <a:effectRef idx="0">
+            <a:schemeClr val="accent6"/>
+          </a:effectRef>
+          <a:fontRef idx="minor">
+            <a:schemeClr val="dk1"/>
+          </a:fontRef>
+        </p:style>
+        <p:txBody>
+          <a:bodyPr rtlCol="0" anchor="ctr"/>
+          <a:lstStyle/>
+          <a:p>
+            <a:pPr marL="0" marR="0" lvl="0" indent="0" algn="ctr" defTabSz="914400" rtl="0" eaLnBrk="1" fontAlgn="base" latinLnBrk="0" hangingPunct="1">
+              <a:lnSpc>
+                <a:spcPct val="100000"/>
+              </a:lnSpc>
+              <a:spcBef>
+                <a:spcPct val="0"/>
+              </a:spcBef>
+              <a:spcAft>
+                <a:spcPct val="0"/>
+              </a:spcAft>
+              <a:buClrTx/>
+              <a:buSzTx/>
+              <a:buFontTx/>
+              <a:buNone/>
+              <a:tabLst/>
+              <a:defRPr/>
+            </a:pPr>
+            <a:endParaRPr kumimoji="1" lang="ja-JP" altLang="en-US" sz="1600" b="0" i="0" u="none" strike="noStrike" kern="1200" cap="none" spc="0" normalizeH="0" baseline="0" noProof="0">
+              <a:ln>
+                <a:noFill/>
+              </a:ln>
+              <a:solidFill>
+                <a:prstClr val="black"/>
+              </a:solidFill>
+              <a:effectLst/>
+              <a:uLnTx/>
+              <a:uFillTx/>
+              <a:latin typeface="游ゴシック" panose="020F0502020204030204"/>
+              <a:ea typeface="游ゴシック" panose="020B0400000000000000" pitchFamily="50" charset="-128"/>
+              <a:cs typeface="+mn-cs"/>
+            </a:endParaRPr>
+          </a:p>
+        </p:txBody>
+      </p:sp>
+      <p:sp>
+        <p:nvSpPr>
+          <p:cNvPr id="30" name="四角形: 角を丸くする 29">
+            <a:extLst>
+              <a:ext uri="{FF2B5EF4-FFF2-40B4-BE49-F238E27FC236}">
+                <a16:creationId xmlns:a16="http://schemas.microsoft.com/office/drawing/2014/main" id="{A323A2CF-BBD4-45A7-9084-92253C4FC27F}"/>
+              </a:ext>
+            </a:extLst>
+          </p:cNvPr>
+          <p:cNvSpPr/>
+          <p:nvPr/>
+        </p:nvSpPr>
+        <p:spPr>
+          <a:xfrm>
+            <a:off x="2107846" y="265543"/>
+            <a:ext cx="2016000" cy="1368400"/>
           </a:xfrm>
           <a:prstGeom prst="roundRect">
             <a:avLst>
@@ -15779,17 +16732,46 @@
           <a:bodyPr rtlCol="0" anchor="ctr"/>
           <a:lstStyle/>
           <a:p>
-            <a:pPr algn="ctr"/>
-            <a:endParaRPr kumimoji="1" lang="ja-JP" altLang="en-US" dirty="0"/>
+            <a:pPr marL="0" marR="0" lvl="0" indent="0" algn="ctr" defTabSz="914400" rtl="0" eaLnBrk="1" fontAlgn="base" latinLnBrk="0" hangingPunct="1">
+              <a:lnSpc>
+                <a:spcPct val="100000"/>
+              </a:lnSpc>
+              <a:spcBef>
+                <a:spcPct val="0"/>
+              </a:spcBef>
+              <a:spcAft>
+                <a:spcPct val="0"/>
+              </a:spcAft>
+              <a:buClrTx/>
+              <a:buSzTx/>
+              <a:buFontTx/>
+              <a:buNone/>
+              <a:tabLst/>
+              <a:defRPr/>
+            </a:pPr>
+            <a:endParaRPr kumimoji="1" lang="ja-JP" altLang="en-US" sz="1600" b="0" i="0" u="none" strike="noStrike" kern="1200" cap="none" spc="0" normalizeH="0" baseline="0" noProof="0">
+              <a:ln>
+                <a:noFill/>
+              </a:ln>
+              <a:solidFill>
+                <a:prstClr val="black"/>
+              </a:solidFill>
+              <a:effectLst/>
+              <a:uLnTx/>
+              <a:uFillTx/>
+              <a:latin typeface="游ゴシック" panose="020F0502020204030204"/>
+              <a:ea typeface="游ゴシック" panose="020B0400000000000000" pitchFamily="50" charset="-128"/>
+              <a:cs typeface="+mn-cs"/>
+            </a:endParaRPr>
           </a:p>
         </p:txBody>
       </p:sp>
       <p:sp>
         <p:nvSpPr>
-          <p:cNvPr id="12" name="四角形: 角を丸くする 11">
+          <p:cNvPr id="31" name="四角形: 角を丸くする 30">
             <a:extLst>
               <a:ext uri="{FF2B5EF4-FFF2-40B4-BE49-F238E27FC236}">
-                <a16:creationId xmlns:a16="http://schemas.microsoft.com/office/drawing/2014/main" id="{AFFC4548-7F1A-4F38-96A5-7A693D93CF9B}"/>
+                <a16:creationId xmlns:a16="http://schemas.microsoft.com/office/drawing/2014/main" id="{68BE7B55-8C5B-4EB1-8BA2-2E246EA36792}"/>
               </a:ext>
             </a:extLst>
           </p:cNvPr>
@@ -15798,8 +16780,8 @@
         </p:nvSpPr>
         <p:spPr>
           <a:xfrm>
-            <a:off x="5140800" y="48072"/>
-            <a:ext cx="2520000" cy="1224384"/>
+            <a:off x="6152471" y="49233"/>
+            <a:ext cx="2016000" cy="1224384"/>
           </a:xfrm>
           <a:prstGeom prst="roundRect">
             <a:avLst>
@@ -15829,17 +16811,46 @@
           <a:bodyPr rtlCol="0" anchor="ctr"/>
           <a:lstStyle/>
           <a:p>
-            <a:pPr algn="ctr"/>
-            <a:endParaRPr kumimoji="1" lang="ja-JP" altLang="en-US" dirty="0"/>
+            <a:pPr marL="0" marR="0" lvl="0" indent="0" algn="ctr" defTabSz="914400" rtl="0" eaLnBrk="1" fontAlgn="base" latinLnBrk="0" hangingPunct="1">
+              <a:lnSpc>
+                <a:spcPct val="100000"/>
+              </a:lnSpc>
+              <a:spcBef>
+                <a:spcPct val="0"/>
+              </a:spcBef>
+              <a:spcAft>
+                <a:spcPct val="0"/>
+              </a:spcAft>
+              <a:buClrTx/>
+              <a:buSzTx/>
+              <a:buFontTx/>
+              <a:buNone/>
+              <a:tabLst/>
+              <a:defRPr/>
+            </a:pPr>
+            <a:endParaRPr kumimoji="1" lang="ja-JP" altLang="en-US" sz="1600" b="0" i="0" u="none" strike="noStrike" kern="1200" cap="none" spc="0" normalizeH="0" baseline="0" noProof="0" dirty="0">
+              <a:ln>
+                <a:noFill/>
+              </a:ln>
+              <a:solidFill>
+                <a:prstClr val="black"/>
+              </a:solidFill>
+              <a:effectLst/>
+              <a:uLnTx/>
+              <a:uFillTx/>
+              <a:latin typeface="游ゴシック" panose="020F0502020204030204"/>
+              <a:ea typeface="游ゴシック" panose="020B0400000000000000" pitchFamily="50" charset="-128"/>
+              <a:cs typeface="+mn-cs"/>
+            </a:endParaRPr>
           </a:p>
         </p:txBody>
       </p:sp>
       <p:sp>
         <p:nvSpPr>
-          <p:cNvPr id="11" name="正方形/長方形 10">
+          <p:cNvPr id="33" name="正方形/長方形 32">
             <a:extLst>
               <a:ext uri="{FF2B5EF4-FFF2-40B4-BE49-F238E27FC236}">
-                <a16:creationId xmlns:a16="http://schemas.microsoft.com/office/drawing/2014/main" id="{4CF528F6-0D59-4A16-899E-E9075561CAD3}"/>
+                <a16:creationId xmlns:a16="http://schemas.microsoft.com/office/drawing/2014/main" id="{B2483197-CEC6-4BA9-8FB4-3D1AB7F5C3B8}"/>
               </a:ext>
             </a:extLst>
           </p:cNvPr>
@@ -15848,7 +16859,7 @@
         </p:nvSpPr>
         <p:spPr>
           <a:xfrm>
-            <a:off x="100800" y="696144"/>
+            <a:off x="97137" y="694983"/>
             <a:ext cx="12600000" cy="8856984"/>
           </a:xfrm>
           <a:prstGeom prst="rect">
@@ -15877,383 +16888,36 @@
           <a:bodyPr rtlCol="0" anchor="ctr"/>
           <a:lstStyle/>
           <a:p>
-            <a:pPr algn="ctr"/>
-            <a:endParaRPr kumimoji="1" lang="ja-JP" altLang="en-US" dirty="0"/>
-          </a:p>
-        </p:txBody>
-      </p:sp>
-      <p:sp>
-        <p:nvSpPr>
-          <p:cNvPr id="3" name="テキスト ボックス 2">
-            <a:extLst>
-              <a:ext uri="{FF2B5EF4-FFF2-40B4-BE49-F238E27FC236}">
-                <a16:creationId xmlns:a16="http://schemas.microsoft.com/office/drawing/2014/main" id="{4A839BC4-54BA-4246-90D0-1001B466FC18}"/>
-              </a:ext>
-            </a:extLst>
-          </p:cNvPr>
-          <p:cNvSpPr txBox="1"/>
-          <p:nvPr/>
-        </p:nvSpPr>
-        <p:spPr>
-          <a:xfrm>
-            <a:off x="297487" y="336104"/>
-            <a:ext cx="2122161" cy="430887"/>
-          </a:xfrm>
-          <a:prstGeom prst="rect">
-            <a:avLst/>
-          </a:prstGeom>
-          <a:noFill/>
-          <a:ln>
-            <a:noFill/>
-          </a:ln>
-        </p:spPr>
-        <p:style>
-          <a:lnRef idx="0">
-            <a:scrgbClr r="0" g="0" b="0"/>
-          </a:lnRef>
-          <a:fillRef idx="0">
-            <a:scrgbClr r="0" g="0" b="0"/>
-          </a:fillRef>
-          <a:effectRef idx="0">
-            <a:scrgbClr r="0" g="0" b="0"/>
-          </a:effectRef>
-          <a:fontRef idx="minor">
-            <a:schemeClr val="dk1"/>
-          </a:fontRef>
-        </p:style>
-        <p:txBody>
-          <a:bodyPr wrap="square" rtlCol="0">
-            <a:spAutoFit/>
-          </a:bodyPr>
-          <a:lstStyle/>
-          <a:p>
-            <a:r>
-              <a:rPr lang="ja-JP" altLang="en-US" sz="2200" dirty="0">
-                <a:solidFill>
-                  <a:schemeClr val="accent6">
-                    <a:lumMod val="60000"/>
-                    <a:lumOff val="40000"/>
-                  </a:schemeClr>
-                </a:solidFill>
-                <a:latin typeface="HG創英角ｺﾞｼｯｸUB" panose="020B0909000000000000" pitchFamily="49" charset="-128"/>
-                <a:ea typeface="HG創英角ｺﾞｼｯｸUB" panose="020B0909000000000000" pitchFamily="49" charset="-128"/>
-              </a:rPr>
-              <a:t>１</a:t>
-            </a:r>
-            <a:r>
-              <a:rPr lang="en-US" altLang="ja-JP" sz="2200" b="1" dirty="0">
-                <a:solidFill>
-                  <a:schemeClr val="accent6">
-                    <a:lumMod val="60000"/>
-                    <a:lumOff val="40000"/>
-                  </a:schemeClr>
-                </a:solidFill>
-                <a:latin typeface="HG創英角ｺﾞｼｯｸUB" panose="020B0909000000000000" pitchFamily="49" charset="-128"/>
-                <a:ea typeface="HG創英角ｺﾞｼｯｸUB" panose="020B0909000000000000" pitchFamily="49" charset="-128"/>
-              </a:rPr>
-              <a:t>.</a:t>
-            </a:r>
-            <a:r>
-              <a:rPr lang="ja-JP" altLang="en-US" sz="2200" dirty="0">
-                <a:solidFill>
-                  <a:schemeClr val="accent6">
-                    <a:lumMod val="60000"/>
-                    <a:lumOff val="40000"/>
-                  </a:schemeClr>
-                </a:solidFill>
-                <a:latin typeface="HG創英角ｺﾞｼｯｸUB" panose="020B0909000000000000" pitchFamily="49" charset="-128"/>
-                <a:ea typeface="HG創英角ｺﾞｼｯｸUB" panose="020B0909000000000000" pitchFamily="49" charset="-128"/>
-              </a:rPr>
-              <a:t>機能モデル</a:t>
-            </a:r>
-            <a:endParaRPr lang="en-US" altLang="ja-JP" sz="2200" dirty="0">
+            <a:pPr marL="0" marR="0" lvl="0" indent="0" algn="ctr" defTabSz="914400" rtl="0" eaLnBrk="1" fontAlgn="base" latinLnBrk="0" hangingPunct="1">
+              <a:lnSpc>
+                <a:spcPct val="100000"/>
+              </a:lnSpc>
+              <a:spcBef>
+                <a:spcPct val="0"/>
+              </a:spcBef>
+              <a:spcAft>
+                <a:spcPct val="0"/>
+              </a:spcAft>
+              <a:buClrTx/>
+              <a:buSzTx/>
+              <a:buFontTx/>
+              <a:buNone/>
+              <a:tabLst/>
+              <a:defRPr/>
+            </a:pPr>
+            <a:endParaRPr kumimoji="1" lang="ja-JP" altLang="en-US" sz="1600" b="0" i="0" u="none" strike="noStrike" kern="1200" cap="none" spc="0" normalizeH="0" baseline="0" noProof="0" dirty="0">
+              <a:ln>
+                <a:noFill/>
+              </a:ln>
               <a:solidFill>
-                <a:schemeClr val="accent6">
-                  <a:lumMod val="60000"/>
-                  <a:lumOff val="40000"/>
-                </a:schemeClr>
+                <a:prstClr val="black"/>
               </a:solidFill>
-              <a:latin typeface="HG創英角ｺﾞｼｯｸUB" panose="020B0909000000000000" pitchFamily="49" charset="-128"/>
-              <a:ea typeface="HG創英角ｺﾞｼｯｸUB" panose="020B0909000000000000" pitchFamily="49" charset="-128"/>
-            </a:endParaRPr>
-          </a:p>
-        </p:txBody>
-      </p:sp>
-      <p:sp>
-        <p:nvSpPr>
-          <p:cNvPr id="9" name="テキスト ボックス 8">
-            <a:extLst>
-              <a:ext uri="{FF2B5EF4-FFF2-40B4-BE49-F238E27FC236}">
-                <a16:creationId xmlns:a16="http://schemas.microsoft.com/office/drawing/2014/main" id="{27FC2256-755B-4562-8E23-88557EE81276}"/>
-              </a:ext>
-            </a:extLst>
-          </p:cNvPr>
-          <p:cNvSpPr txBox="1"/>
-          <p:nvPr/>
-        </p:nvSpPr>
-        <p:spPr>
-          <a:xfrm>
-            <a:off x="2870054" y="336104"/>
-            <a:ext cx="2002046" cy="430887"/>
-          </a:xfrm>
-          <a:prstGeom prst="rect">
-            <a:avLst/>
-          </a:prstGeom>
-          <a:noFill/>
-          <a:ln>
-            <a:noFill/>
-          </a:ln>
-        </p:spPr>
-        <p:style>
-          <a:lnRef idx="0">
-            <a:scrgbClr r="0" g="0" b="0"/>
-          </a:lnRef>
-          <a:fillRef idx="0">
-            <a:scrgbClr r="0" g="0" b="0"/>
-          </a:fillRef>
-          <a:effectRef idx="0">
-            <a:scrgbClr r="0" g="0" b="0"/>
-          </a:effectRef>
-          <a:fontRef idx="minor">
-            <a:schemeClr val="dk1"/>
-          </a:fontRef>
-        </p:style>
-        <p:txBody>
-          <a:bodyPr wrap="square" rtlCol="0">
-            <a:spAutoFit/>
-          </a:bodyPr>
-          <a:lstStyle/>
-          <a:p>
-            <a:r>
-              <a:rPr lang="ja-JP" altLang="en-US" sz="2200" dirty="0">
-                <a:solidFill>
-                  <a:schemeClr val="accent6">
-                    <a:lumMod val="60000"/>
-                    <a:lumOff val="40000"/>
-                  </a:schemeClr>
-                </a:solidFill>
-                <a:latin typeface="HG創英角ｺﾞｼｯｸUB" panose="020B0909000000000000" pitchFamily="49" charset="-128"/>
-                <a:ea typeface="HG創英角ｺﾞｼｯｸUB" panose="020B0909000000000000" pitchFamily="49" charset="-128"/>
-              </a:rPr>
-              <a:t>２</a:t>
-            </a:r>
-            <a:r>
-              <a:rPr lang="en-US" altLang="ja-JP" sz="2200" b="1" dirty="0">
-                <a:solidFill>
-                  <a:schemeClr val="accent6">
-                    <a:lumMod val="60000"/>
-                    <a:lumOff val="40000"/>
-                  </a:schemeClr>
-                </a:solidFill>
-                <a:latin typeface="HG創英角ｺﾞｼｯｸUB" panose="020B0909000000000000" pitchFamily="49" charset="-128"/>
-                <a:ea typeface="HG創英角ｺﾞｼｯｸUB" panose="020B0909000000000000" pitchFamily="49" charset="-128"/>
-              </a:rPr>
-              <a:t>.</a:t>
-            </a:r>
-            <a:r>
-              <a:rPr lang="ja-JP" altLang="en-US" sz="2200" dirty="0">
-                <a:solidFill>
-                  <a:schemeClr val="accent6">
-                    <a:lumMod val="60000"/>
-                    <a:lumOff val="40000"/>
-                  </a:schemeClr>
-                </a:solidFill>
-                <a:latin typeface="HG創英角ｺﾞｼｯｸUB" panose="020B0909000000000000" pitchFamily="49" charset="-128"/>
-                <a:ea typeface="HG創英角ｺﾞｼｯｸUB" panose="020B0909000000000000" pitchFamily="49" charset="-128"/>
-              </a:rPr>
-              <a:t>構造モデル</a:t>
-            </a:r>
-            <a:endParaRPr lang="en-US" altLang="ja-JP" sz="2200" dirty="0">
-              <a:solidFill>
-                <a:schemeClr val="accent6">
-                  <a:lumMod val="60000"/>
-                  <a:lumOff val="40000"/>
-                </a:schemeClr>
-              </a:solidFill>
-              <a:latin typeface="HG創英角ｺﾞｼｯｸUB" panose="020B0909000000000000" pitchFamily="49" charset="-128"/>
-              <a:ea typeface="HG創英角ｺﾞｼｯｸUB" panose="020B0909000000000000" pitchFamily="49" charset="-128"/>
-            </a:endParaRPr>
-          </a:p>
-        </p:txBody>
-      </p:sp>
-      <p:sp>
-        <p:nvSpPr>
-          <p:cNvPr id="10" name="テキスト ボックス 9">
-            <a:extLst>
-              <a:ext uri="{FF2B5EF4-FFF2-40B4-BE49-F238E27FC236}">
-                <a16:creationId xmlns:a16="http://schemas.microsoft.com/office/drawing/2014/main" id="{6B6DE600-02D5-4297-AB70-824D28CEE6FA}"/>
-              </a:ext>
-            </a:extLst>
-          </p:cNvPr>
-          <p:cNvSpPr txBox="1"/>
-          <p:nvPr/>
-        </p:nvSpPr>
-        <p:spPr>
-          <a:xfrm>
-            <a:off x="5136334" y="192088"/>
-            <a:ext cx="2596536" cy="446276"/>
-          </a:xfrm>
-          <a:prstGeom prst="rect">
-            <a:avLst/>
-          </a:prstGeom>
-          <a:noFill/>
-          <a:ln>
-            <a:noFill/>
-          </a:ln>
-        </p:spPr>
-        <p:style>
-          <a:lnRef idx="0">
-            <a:scrgbClr r="0" g="0" b="0"/>
-          </a:lnRef>
-          <a:fillRef idx="0">
-            <a:scrgbClr r="0" g="0" b="0"/>
-          </a:fillRef>
-          <a:effectRef idx="0">
-            <a:scrgbClr r="0" g="0" b="0"/>
-          </a:effectRef>
-          <a:fontRef idx="minor">
-            <a:schemeClr val="dk1"/>
-          </a:fontRef>
-        </p:style>
-        <p:txBody>
-          <a:bodyPr wrap="square" rtlCol="0">
-            <a:spAutoFit/>
-          </a:bodyPr>
-          <a:lstStyle/>
-          <a:p>
-            <a:r>
-              <a:rPr lang="ja-JP" altLang="en-US" sz="2200" dirty="0">
-                <a:solidFill>
-                  <a:schemeClr val="bg1"/>
-                </a:solidFill>
-                <a:latin typeface="HG創英角ｺﾞｼｯｸUB" panose="020B0909000000000000" pitchFamily="49" charset="-128"/>
-                <a:ea typeface="HG創英角ｺﾞｼｯｸUB" panose="020B0909000000000000" pitchFamily="49" charset="-128"/>
-              </a:rPr>
-              <a:t>３</a:t>
-            </a:r>
-            <a:r>
-              <a:rPr lang="en-US" altLang="ja-JP" sz="2200" b="1" dirty="0">
-                <a:solidFill>
-                  <a:schemeClr val="bg1"/>
-                </a:solidFill>
-                <a:latin typeface="HG創英角ｺﾞｼｯｸUB" panose="020B0909000000000000" pitchFamily="49" charset="-128"/>
-                <a:ea typeface="HG創英角ｺﾞｼｯｸUB" panose="020B0909000000000000" pitchFamily="49" charset="-128"/>
-              </a:rPr>
-              <a:t>.</a:t>
-            </a:r>
-            <a:r>
-              <a:rPr lang="ja-JP" altLang="en-US" sz="2200" dirty="0">
-                <a:solidFill>
-                  <a:schemeClr val="bg1"/>
-                </a:solidFill>
-                <a:latin typeface="HG創英角ｺﾞｼｯｸUB" panose="020B0909000000000000" pitchFamily="49" charset="-128"/>
-                <a:ea typeface="HG創英角ｺﾞｼｯｸUB" panose="020B0909000000000000" pitchFamily="49" charset="-128"/>
-              </a:rPr>
-              <a:t>振る舞いモデル</a:t>
-            </a:r>
-            <a:endParaRPr lang="en-US" altLang="ja-JP" sz="2200" dirty="0">
-              <a:solidFill>
-                <a:schemeClr val="bg1"/>
-              </a:solidFill>
-              <a:latin typeface="HG創英角ｺﾞｼｯｸUB" panose="020B0909000000000000" pitchFamily="49" charset="-128"/>
-              <a:ea typeface="HG創英角ｺﾞｼｯｸUB" panose="020B0909000000000000" pitchFamily="49" charset="-128"/>
-            </a:endParaRPr>
-          </a:p>
-        </p:txBody>
-      </p:sp>
-      <p:sp>
-        <p:nvSpPr>
-          <p:cNvPr id="16" name="テキスト ボックス 15">
-            <a:extLst>
-              <a:ext uri="{FF2B5EF4-FFF2-40B4-BE49-F238E27FC236}">
-                <a16:creationId xmlns:a16="http://schemas.microsoft.com/office/drawing/2014/main" id="{B2857B95-E44E-4693-9BF6-518968E8AB21}"/>
-              </a:ext>
-            </a:extLst>
-          </p:cNvPr>
-          <p:cNvSpPr txBox="1"/>
-          <p:nvPr/>
-        </p:nvSpPr>
-        <p:spPr>
-          <a:xfrm>
-            <a:off x="8207348" y="336104"/>
-            <a:ext cx="1445666" cy="430887"/>
-          </a:xfrm>
-          <a:prstGeom prst="rect">
-            <a:avLst/>
-          </a:prstGeom>
-          <a:noFill/>
-          <a:ln>
-            <a:noFill/>
-          </a:ln>
-        </p:spPr>
-        <p:style>
-          <a:lnRef idx="0">
-            <a:scrgbClr r="0" g="0" b="0"/>
-          </a:lnRef>
-          <a:fillRef idx="0">
-            <a:scrgbClr r="0" g="0" b="0"/>
-          </a:fillRef>
-          <a:effectRef idx="0">
-            <a:scrgbClr r="0" g="0" b="0"/>
-          </a:effectRef>
-          <a:fontRef idx="minor">
-            <a:schemeClr val="dk1"/>
-          </a:fontRef>
-        </p:style>
-        <p:txBody>
-          <a:bodyPr wrap="square" rtlCol="0">
-            <a:spAutoFit/>
-          </a:bodyPr>
-          <a:lstStyle/>
-          <a:p>
-            <a:r>
-              <a:rPr lang="ja-JP" altLang="en-US" sz="2200" dirty="0">
-                <a:solidFill>
-                  <a:schemeClr val="accent6">
-                    <a:lumMod val="60000"/>
-                    <a:lumOff val="40000"/>
-                  </a:schemeClr>
-                </a:solidFill>
-                <a:latin typeface="HG創英角ｺﾞｼｯｸUB" panose="020B0909000000000000" pitchFamily="49" charset="-128"/>
-                <a:ea typeface="HG創英角ｺﾞｼｯｸUB" panose="020B0909000000000000" pitchFamily="49" charset="-128"/>
-              </a:rPr>
-              <a:t>４</a:t>
-            </a:r>
-            <a:r>
-              <a:rPr lang="en-US" altLang="ja-JP" sz="2200" b="1" dirty="0">
-                <a:solidFill>
-                  <a:schemeClr val="accent6">
-                    <a:lumMod val="60000"/>
-                    <a:lumOff val="40000"/>
-                  </a:schemeClr>
-                </a:solidFill>
-                <a:latin typeface="HG創英角ｺﾞｼｯｸUB" panose="020B0909000000000000" pitchFamily="49" charset="-128"/>
-                <a:ea typeface="HG創英角ｺﾞｼｯｸUB" panose="020B0909000000000000" pitchFamily="49" charset="-128"/>
-              </a:rPr>
-              <a:t>.</a:t>
-            </a:r>
-            <a:r>
-              <a:rPr lang="ja-JP" altLang="en-US" sz="2200" dirty="0">
-                <a:solidFill>
-                  <a:schemeClr val="accent6">
-                    <a:lumMod val="60000"/>
-                    <a:lumOff val="40000"/>
-                  </a:schemeClr>
-                </a:solidFill>
-                <a:latin typeface="HG創英角ｺﾞｼｯｸUB" panose="020B0909000000000000" pitchFamily="49" charset="-128"/>
-                <a:ea typeface="HG創英角ｺﾞｼｯｸUB" panose="020B0909000000000000" pitchFamily="49" charset="-128"/>
-              </a:rPr>
-              <a:t>工夫点</a:t>
-            </a:r>
-            <a:endParaRPr lang="en-US" altLang="ja-JP" sz="2200" dirty="0">
-              <a:solidFill>
-                <a:schemeClr val="accent6">
-                  <a:lumMod val="60000"/>
-                  <a:lumOff val="40000"/>
-                </a:schemeClr>
-              </a:solidFill>
-              <a:latin typeface="HG創英角ｺﾞｼｯｸUB" panose="020B0909000000000000" pitchFamily="49" charset="-128"/>
-              <a:ea typeface="HG創英角ｺﾞｼｯｸUB" panose="020B0909000000000000" pitchFamily="49" charset="-128"/>
+              <a:effectLst/>
+              <a:uLnTx/>
+              <a:uFillTx/>
+              <a:latin typeface="游ゴシック" panose="020F0502020204030204"/>
+              <a:ea typeface="游ゴシック" panose="020B0400000000000000" pitchFamily="50" charset="-128"/>
+              <a:cs typeface="+mn-cs"/>
             </a:endParaRPr>
           </a:p>
         </p:txBody>
@@ -16456,6 +17120,717 @@
           </a:prstGeom>
         </p:spPr>
       </p:pic>
+      <p:sp>
+        <p:nvSpPr>
+          <p:cNvPr id="22" name="テキスト ボックス 21">
+            <a:extLst>
+              <a:ext uri="{FF2B5EF4-FFF2-40B4-BE49-F238E27FC236}">
+                <a16:creationId xmlns:a16="http://schemas.microsoft.com/office/drawing/2014/main" id="{6FC0CC4D-A8B1-4008-BD9F-D729438F602F}"/>
+              </a:ext>
+            </a:extLst>
+          </p:cNvPr>
+          <p:cNvSpPr txBox="1"/>
+          <p:nvPr/>
+        </p:nvSpPr>
+        <p:spPr>
+          <a:xfrm>
+            <a:off x="8460804" y="232985"/>
+            <a:ext cx="1445666" cy="430887"/>
+          </a:xfrm>
+          <a:prstGeom prst="rect">
+            <a:avLst/>
+          </a:prstGeom>
+          <a:noFill/>
+          <a:ln>
+            <a:noFill/>
+          </a:ln>
+        </p:spPr>
+        <p:style>
+          <a:lnRef idx="0">
+            <a:scrgbClr r="0" g="0" b="0"/>
+          </a:lnRef>
+          <a:fillRef idx="0">
+            <a:scrgbClr r="0" g="0" b="0"/>
+          </a:fillRef>
+          <a:effectRef idx="0">
+            <a:scrgbClr r="0" g="0" b="0"/>
+          </a:effectRef>
+          <a:fontRef idx="minor">
+            <a:schemeClr val="dk1"/>
+          </a:fontRef>
+        </p:style>
+        <p:txBody>
+          <a:bodyPr wrap="square" rtlCol="0">
+            <a:spAutoFit/>
+          </a:bodyPr>
+          <a:lstStyle/>
+          <a:p>
+            <a:pPr marL="0" marR="0" lvl="0" indent="0" algn="l" defTabSz="914400" rtl="0" eaLnBrk="1" fontAlgn="base" latinLnBrk="0" hangingPunct="1">
+              <a:lnSpc>
+                <a:spcPct val="100000"/>
+              </a:lnSpc>
+              <a:spcBef>
+                <a:spcPct val="0"/>
+              </a:spcBef>
+              <a:spcAft>
+                <a:spcPct val="0"/>
+              </a:spcAft>
+              <a:buClrTx/>
+              <a:buSzTx/>
+              <a:buFontTx/>
+              <a:buNone/>
+              <a:tabLst/>
+              <a:defRPr/>
+            </a:pPr>
+            <a:r>
+              <a:rPr kumimoji="1" lang="ja-JP" altLang="en-US" sz="2200" b="0" i="0" u="none" strike="noStrike" kern="1200" cap="none" spc="0" normalizeH="0" baseline="0" noProof="0" dirty="0">
+                <a:ln>
+                  <a:noFill/>
+                </a:ln>
+                <a:solidFill>
+                  <a:srgbClr val="70AD47">
+                    <a:lumMod val="60000"/>
+                    <a:lumOff val="40000"/>
+                  </a:srgbClr>
+                </a:solidFill>
+                <a:effectLst/>
+                <a:uLnTx/>
+                <a:uFillTx/>
+                <a:latin typeface="HG創英角ｺﾞｼｯｸUB" panose="020B0909000000000000" pitchFamily="49" charset="-128"/>
+                <a:ea typeface="HG創英角ｺﾞｼｯｸUB" panose="020B0909000000000000" pitchFamily="49" charset="-128"/>
+                <a:cs typeface="+mn-cs"/>
+              </a:rPr>
+              <a:t>４</a:t>
+            </a:r>
+            <a:r>
+              <a:rPr kumimoji="1" lang="en-US" altLang="ja-JP" sz="2200" b="1" i="0" u="none" strike="noStrike" kern="1200" cap="none" spc="0" normalizeH="0" baseline="0" noProof="0" dirty="0">
+                <a:ln>
+                  <a:noFill/>
+                </a:ln>
+                <a:solidFill>
+                  <a:srgbClr val="70AD47">
+                    <a:lumMod val="60000"/>
+                    <a:lumOff val="40000"/>
+                  </a:srgbClr>
+                </a:solidFill>
+                <a:effectLst/>
+                <a:uLnTx/>
+                <a:uFillTx/>
+                <a:latin typeface="HG創英角ｺﾞｼｯｸUB" panose="020B0909000000000000" pitchFamily="49" charset="-128"/>
+                <a:ea typeface="HG創英角ｺﾞｼｯｸUB" panose="020B0909000000000000" pitchFamily="49" charset="-128"/>
+                <a:cs typeface="+mn-cs"/>
+              </a:rPr>
+              <a:t>.</a:t>
+            </a:r>
+            <a:r>
+              <a:rPr kumimoji="1" lang="ja-JP" altLang="en-US" sz="2200" b="0" i="0" u="none" strike="noStrike" kern="1200" cap="none" spc="0" normalizeH="0" baseline="0" noProof="0" dirty="0">
+                <a:ln>
+                  <a:noFill/>
+                </a:ln>
+                <a:solidFill>
+                  <a:srgbClr val="70AD47">
+                    <a:lumMod val="60000"/>
+                    <a:lumOff val="40000"/>
+                  </a:srgbClr>
+                </a:solidFill>
+                <a:effectLst/>
+                <a:uLnTx/>
+                <a:uFillTx/>
+                <a:latin typeface="HG創英角ｺﾞｼｯｸUB" panose="020B0909000000000000" pitchFamily="49" charset="-128"/>
+                <a:ea typeface="HG創英角ｺﾞｼｯｸUB" panose="020B0909000000000000" pitchFamily="49" charset="-128"/>
+                <a:cs typeface="+mn-cs"/>
+              </a:rPr>
+              <a:t>工夫点</a:t>
+            </a:r>
+            <a:endParaRPr kumimoji="1" lang="en-US" altLang="ja-JP" sz="2200" b="0" i="0" u="none" strike="noStrike" kern="1200" cap="none" spc="0" normalizeH="0" baseline="0" noProof="0" dirty="0">
+              <a:ln>
+                <a:noFill/>
+              </a:ln>
+              <a:solidFill>
+                <a:srgbClr val="70AD47">
+                  <a:lumMod val="60000"/>
+                  <a:lumOff val="40000"/>
+                </a:srgbClr>
+              </a:solidFill>
+              <a:effectLst/>
+              <a:uLnTx/>
+              <a:uFillTx/>
+              <a:latin typeface="HG創英角ｺﾞｼｯｸUB" panose="020B0909000000000000" pitchFamily="49" charset="-128"/>
+              <a:ea typeface="HG創英角ｺﾞｼｯｸUB" panose="020B0909000000000000" pitchFamily="49" charset="-128"/>
+              <a:cs typeface="+mn-cs"/>
+            </a:endParaRPr>
+          </a:p>
+        </p:txBody>
+      </p:sp>
+      <p:sp>
+        <p:nvSpPr>
+          <p:cNvPr id="23" name="テキスト ボックス 22">
+            <a:extLst>
+              <a:ext uri="{FF2B5EF4-FFF2-40B4-BE49-F238E27FC236}">
+                <a16:creationId xmlns:a16="http://schemas.microsoft.com/office/drawing/2014/main" id="{8BDCE1A4-7E2D-4EE3-9A23-B8CFFCE57EB6}"/>
+              </a:ext>
+            </a:extLst>
+          </p:cNvPr>
+          <p:cNvSpPr txBox="1"/>
+          <p:nvPr/>
+        </p:nvSpPr>
+        <p:spPr>
+          <a:xfrm>
+            <a:off x="501532" y="274295"/>
+            <a:ext cx="1184003" cy="430887"/>
+          </a:xfrm>
+          <a:prstGeom prst="rect">
+            <a:avLst/>
+          </a:prstGeom>
+          <a:noFill/>
+          <a:ln>
+            <a:noFill/>
+          </a:ln>
+        </p:spPr>
+        <p:style>
+          <a:lnRef idx="0">
+            <a:scrgbClr r="0" g="0" b="0"/>
+          </a:lnRef>
+          <a:fillRef idx="0">
+            <a:scrgbClr r="0" g="0" b="0"/>
+          </a:fillRef>
+          <a:effectRef idx="0">
+            <a:scrgbClr r="0" g="0" b="0"/>
+          </a:effectRef>
+          <a:fontRef idx="minor">
+            <a:schemeClr val="dk1"/>
+          </a:fontRef>
+        </p:style>
+        <p:txBody>
+          <a:bodyPr wrap="square" rtlCol="0">
+            <a:spAutoFit/>
+          </a:bodyPr>
+          <a:lstStyle/>
+          <a:p>
+            <a:pPr marL="0" marR="0" lvl="0" indent="0" algn="l" defTabSz="914400" rtl="0" eaLnBrk="1" fontAlgn="base" latinLnBrk="0" hangingPunct="1">
+              <a:lnSpc>
+                <a:spcPct val="100000"/>
+              </a:lnSpc>
+              <a:spcBef>
+                <a:spcPct val="0"/>
+              </a:spcBef>
+              <a:spcAft>
+                <a:spcPct val="0"/>
+              </a:spcAft>
+              <a:buClrTx/>
+              <a:buSzTx/>
+              <a:buFontTx/>
+              <a:buNone/>
+              <a:tabLst/>
+              <a:defRPr/>
+            </a:pPr>
+            <a:r>
+              <a:rPr kumimoji="1" lang="ja-JP" altLang="en-US" sz="2200" b="0" i="0" u="none" strike="noStrike" kern="1200" cap="none" spc="0" normalizeH="0" baseline="0" noProof="0" dirty="0">
+                <a:ln>
+                  <a:noFill/>
+                </a:ln>
+                <a:solidFill>
+                  <a:srgbClr val="70AD47">
+                    <a:lumMod val="60000"/>
+                    <a:lumOff val="40000"/>
+                  </a:srgbClr>
+                </a:solidFill>
+                <a:effectLst/>
+                <a:uLnTx/>
+                <a:uFillTx/>
+                <a:latin typeface="HG創英角ｺﾞｼｯｸUB" panose="020B0909000000000000" pitchFamily="49" charset="-128"/>
+                <a:ea typeface="HG創英角ｺﾞｼｯｸUB" panose="020B0909000000000000" pitchFamily="49" charset="-128"/>
+                <a:cs typeface="+mn-cs"/>
+              </a:rPr>
+              <a:t>１</a:t>
+            </a:r>
+            <a:r>
+              <a:rPr kumimoji="1" lang="en-US" altLang="ja-JP" sz="2200" b="1" i="0" u="none" strike="noStrike" kern="1200" cap="none" spc="0" normalizeH="0" baseline="0" noProof="0" dirty="0">
+                <a:ln>
+                  <a:noFill/>
+                </a:ln>
+                <a:solidFill>
+                  <a:srgbClr val="70AD47">
+                    <a:lumMod val="60000"/>
+                    <a:lumOff val="40000"/>
+                  </a:srgbClr>
+                </a:solidFill>
+                <a:effectLst/>
+                <a:uLnTx/>
+                <a:uFillTx/>
+                <a:latin typeface="HG創英角ｺﾞｼｯｸUB" panose="020B0909000000000000" pitchFamily="49" charset="-128"/>
+                <a:ea typeface="HG創英角ｺﾞｼｯｸUB" panose="020B0909000000000000" pitchFamily="49" charset="-128"/>
+                <a:cs typeface="+mn-cs"/>
+              </a:rPr>
+              <a:t>.</a:t>
+            </a:r>
+            <a:r>
+              <a:rPr kumimoji="1" lang="ja-JP" altLang="en-US" sz="2200" b="0" i="0" u="none" strike="noStrike" kern="1200" cap="none" spc="0" normalizeH="0" baseline="0" noProof="0" dirty="0">
+                <a:ln>
+                  <a:noFill/>
+                </a:ln>
+                <a:solidFill>
+                  <a:srgbClr val="70AD47">
+                    <a:lumMod val="60000"/>
+                    <a:lumOff val="40000"/>
+                  </a:srgbClr>
+                </a:solidFill>
+                <a:effectLst/>
+                <a:uLnTx/>
+                <a:uFillTx/>
+                <a:latin typeface="HG創英角ｺﾞｼｯｸUB" panose="020B0909000000000000" pitchFamily="49" charset="-128"/>
+                <a:ea typeface="HG創英角ｺﾞｼｯｸUB" panose="020B0909000000000000" pitchFamily="49" charset="-128"/>
+                <a:cs typeface="+mn-cs"/>
+              </a:rPr>
+              <a:t>機能</a:t>
+            </a:r>
+            <a:endParaRPr kumimoji="1" lang="en-US" altLang="ja-JP" sz="2200" b="0" i="0" u="none" strike="noStrike" kern="1200" cap="none" spc="0" normalizeH="0" baseline="0" noProof="0" dirty="0">
+              <a:ln>
+                <a:noFill/>
+              </a:ln>
+              <a:solidFill>
+                <a:srgbClr val="70AD47">
+                  <a:lumMod val="60000"/>
+                  <a:lumOff val="40000"/>
+                </a:srgbClr>
+              </a:solidFill>
+              <a:effectLst/>
+              <a:uLnTx/>
+              <a:uFillTx/>
+              <a:latin typeface="HG創英角ｺﾞｼｯｸUB" panose="020B0909000000000000" pitchFamily="49" charset="-128"/>
+              <a:ea typeface="HG創英角ｺﾞｼｯｸUB" panose="020B0909000000000000" pitchFamily="49" charset="-128"/>
+              <a:cs typeface="+mn-cs"/>
+            </a:endParaRPr>
+          </a:p>
+        </p:txBody>
+      </p:sp>
+      <p:sp>
+        <p:nvSpPr>
+          <p:cNvPr id="24" name="テキスト ボックス 23">
+            <a:extLst>
+              <a:ext uri="{FF2B5EF4-FFF2-40B4-BE49-F238E27FC236}">
+                <a16:creationId xmlns:a16="http://schemas.microsoft.com/office/drawing/2014/main" id="{280AB16F-3751-4BEE-AFA4-B0938C8B6235}"/>
+              </a:ext>
+            </a:extLst>
+          </p:cNvPr>
+          <p:cNvSpPr txBox="1"/>
+          <p:nvPr/>
+        </p:nvSpPr>
+        <p:spPr>
+          <a:xfrm>
+            <a:off x="4136982" y="233152"/>
+            <a:ext cx="2049970" cy="446276"/>
+          </a:xfrm>
+          <a:prstGeom prst="rect">
+            <a:avLst/>
+          </a:prstGeom>
+          <a:noFill/>
+          <a:ln>
+            <a:noFill/>
+          </a:ln>
+        </p:spPr>
+        <p:style>
+          <a:lnRef idx="0">
+            <a:scrgbClr r="0" g="0" b="0"/>
+          </a:lnRef>
+          <a:fillRef idx="0">
+            <a:scrgbClr r="0" g="0" b="0"/>
+          </a:fillRef>
+          <a:effectRef idx="0">
+            <a:scrgbClr r="0" g="0" b="0"/>
+          </a:effectRef>
+          <a:fontRef idx="minor">
+            <a:schemeClr val="dk1"/>
+          </a:fontRef>
+        </p:style>
+        <p:txBody>
+          <a:bodyPr wrap="square" rtlCol="0">
+            <a:spAutoFit/>
+          </a:bodyPr>
+          <a:lstStyle/>
+          <a:p>
+            <a:pPr marL="0" marR="0" lvl="0" indent="0" algn="l" defTabSz="914400" rtl="0" eaLnBrk="1" fontAlgn="base" latinLnBrk="0" hangingPunct="1">
+              <a:lnSpc>
+                <a:spcPct val="100000"/>
+              </a:lnSpc>
+              <a:spcBef>
+                <a:spcPct val="0"/>
+              </a:spcBef>
+              <a:spcAft>
+                <a:spcPct val="0"/>
+              </a:spcAft>
+              <a:buClrTx/>
+              <a:buSzTx/>
+              <a:buFontTx/>
+              <a:buNone/>
+              <a:tabLst/>
+              <a:defRPr/>
+            </a:pPr>
+            <a:r>
+              <a:rPr kumimoji="1" lang="ja-JP" altLang="en-US" sz="2200" b="0" i="0" u="none" strike="noStrike" kern="1200" cap="none" spc="0" normalizeH="0" baseline="0" noProof="0" dirty="0">
+                <a:ln>
+                  <a:noFill/>
+                </a:ln>
+                <a:solidFill>
+                  <a:srgbClr val="70AD47">
+                    <a:lumMod val="60000"/>
+                    <a:lumOff val="40000"/>
+                  </a:srgbClr>
+                </a:solidFill>
+                <a:effectLst/>
+                <a:uLnTx/>
+                <a:uFillTx/>
+                <a:latin typeface="HG創英角ｺﾞｼｯｸUB" panose="020B0909000000000000" pitchFamily="49" charset="-128"/>
+                <a:ea typeface="HG創英角ｺﾞｼｯｸUB" panose="020B0909000000000000" pitchFamily="49" charset="-128"/>
+                <a:cs typeface="+mn-cs"/>
+              </a:rPr>
+              <a:t>３</a:t>
+            </a:r>
+            <a:r>
+              <a:rPr kumimoji="1" lang="en-US" altLang="ja-JP" sz="2200" b="1" i="0" u="none" strike="noStrike" kern="1200" cap="none" spc="0" normalizeH="0" baseline="0" noProof="0" dirty="0">
+                <a:ln>
+                  <a:noFill/>
+                </a:ln>
+                <a:solidFill>
+                  <a:srgbClr val="70AD47">
+                    <a:lumMod val="60000"/>
+                    <a:lumOff val="40000"/>
+                  </a:srgbClr>
+                </a:solidFill>
+                <a:effectLst/>
+                <a:uLnTx/>
+                <a:uFillTx/>
+                <a:latin typeface="HG創英角ｺﾞｼｯｸUB" panose="020B0909000000000000" pitchFamily="49" charset="-128"/>
+                <a:ea typeface="HG創英角ｺﾞｼｯｸUB" panose="020B0909000000000000" pitchFamily="49" charset="-128"/>
+                <a:cs typeface="+mn-cs"/>
+              </a:rPr>
+              <a:t>.</a:t>
+            </a:r>
+            <a:r>
+              <a:rPr kumimoji="1" lang="ja-JP" altLang="en-US" sz="2200" b="0" i="0" u="none" strike="noStrike" kern="1200" cap="none" spc="0" normalizeH="0" baseline="0" noProof="0" dirty="0">
+                <a:ln>
+                  <a:noFill/>
+                </a:ln>
+                <a:solidFill>
+                  <a:srgbClr val="70AD47">
+                    <a:lumMod val="60000"/>
+                    <a:lumOff val="40000"/>
+                  </a:srgbClr>
+                </a:solidFill>
+                <a:effectLst/>
+                <a:uLnTx/>
+                <a:uFillTx/>
+                <a:latin typeface="HG創英角ｺﾞｼｯｸUB" panose="020B0909000000000000" pitchFamily="49" charset="-128"/>
+                <a:ea typeface="HG創英角ｺﾞｼｯｸUB" panose="020B0909000000000000" pitchFamily="49" charset="-128"/>
+                <a:cs typeface="+mn-cs"/>
+              </a:rPr>
+              <a:t>振る舞い</a:t>
+            </a:r>
+            <a:r>
+              <a:rPr lang="ja-JP" altLang="en-US" sz="2200" dirty="0">
+                <a:solidFill>
+                  <a:srgbClr val="70AD47">
+                    <a:lumMod val="60000"/>
+                    <a:lumOff val="40000"/>
+                  </a:srgbClr>
+                </a:solidFill>
+                <a:latin typeface="HG創英角ｺﾞｼｯｸUB" panose="020B0909000000000000" pitchFamily="49" charset="-128"/>
+                <a:ea typeface="HG創英角ｺﾞｼｯｸUB" panose="020B0909000000000000" pitchFamily="49" charset="-128"/>
+              </a:rPr>
+              <a:t>①</a:t>
+            </a:r>
+            <a:endParaRPr kumimoji="1" lang="en-US" altLang="ja-JP" sz="2200" b="0" i="0" u="none" strike="noStrike" kern="1200" cap="none" spc="0" normalizeH="0" baseline="0" noProof="0" dirty="0">
+              <a:ln>
+                <a:noFill/>
+              </a:ln>
+              <a:solidFill>
+                <a:srgbClr val="70AD47">
+                  <a:lumMod val="60000"/>
+                  <a:lumOff val="40000"/>
+                </a:srgbClr>
+              </a:solidFill>
+              <a:effectLst/>
+              <a:uLnTx/>
+              <a:uFillTx/>
+              <a:latin typeface="HG創英角ｺﾞｼｯｸUB" panose="020B0909000000000000" pitchFamily="49" charset="-128"/>
+              <a:ea typeface="HG創英角ｺﾞｼｯｸUB" panose="020B0909000000000000" pitchFamily="49" charset="-128"/>
+              <a:cs typeface="+mn-cs"/>
+            </a:endParaRPr>
+          </a:p>
+        </p:txBody>
+      </p:sp>
+      <p:sp>
+        <p:nvSpPr>
+          <p:cNvPr id="25" name="テキスト ボックス 24">
+            <a:extLst>
+              <a:ext uri="{FF2B5EF4-FFF2-40B4-BE49-F238E27FC236}">
+                <a16:creationId xmlns:a16="http://schemas.microsoft.com/office/drawing/2014/main" id="{7A51ACB0-CE29-40FA-81B8-60249ABC5648}"/>
+              </a:ext>
+            </a:extLst>
+          </p:cNvPr>
+          <p:cNvSpPr txBox="1"/>
+          <p:nvPr/>
+        </p:nvSpPr>
+        <p:spPr>
+          <a:xfrm>
+            <a:off x="2513886" y="245479"/>
+            <a:ext cx="1203919" cy="430887"/>
+          </a:xfrm>
+          <a:prstGeom prst="rect">
+            <a:avLst/>
+          </a:prstGeom>
+          <a:noFill/>
+          <a:ln>
+            <a:noFill/>
+          </a:ln>
+        </p:spPr>
+        <p:style>
+          <a:lnRef idx="0">
+            <a:scrgbClr r="0" g="0" b="0"/>
+          </a:lnRef>
+          <a:fillRef idx="0">
+            <a:scrgbClr r="0" g="0" b="0"/>
+          </a:fillRef>
+          <a:effectRef idx="0">
+            <a:scrgbClr r="0" g="0" b="0"/>
+          </a:effectRef>
+          <a:fontRef idx="minor">
+            <a:schemeClr val="dk1"/>
+          </a:fontRef>
+        </p:style>
+        <p:txBody>
+          <a:bodyPr wrap="square" rtlCol="0">
+            <a:spAutoFit/>
+          </a:bodyPr>
+          <a:lstStyle/>
+          <a:p>
+            <a:pPr marL="0" marR="0" lvl="0" indent="0" algn="l" defTabSz="914400" rtl="0" eaLnBrk="1" fontAlgn="base" latinLnBrk="0" hangingPunct="1">
+              <a:lnSpc>
+                <a:spcPct val="100000"/>
+              </a:lnSpc>
+              <a:spcBef>
+                <a:spcPct val="0"/>
+              </a:spcBef>
+              <a:spcAft>
+                <a:spcPct val="0"/>
+              </a:spcAft>
+              <a:buClrTx/>
+              <a:buSzTx/>
+              <a:buFontTx/>
+              <a:buNone/>
+              <a:tabLst/>
+              <a:defRPr/>
+            </a:pPr>
+            <a:r>
+              <a:rPr kumimoji="1" lang="ja-JP" altLang="en-US" sz="2200" b="0" i="0" u="none" strike="noStrike" kern="1200" cap="none" spc="0" normalizeH="0" baseline="0" noProof="0" dirty="0">
+                <a:ln>
+                  <a:noFill/>
+                </a:ln>
+                <a:solidFill>
+                  <a:srgbClr val="70AD47">
+                    <a:lumMod val="60000"/>
+                    <a:lumOff val="40000"/>
+                  </a:srgbClr>
+                </a:solidFill>
+                <a:effectLst/>
+                <a:uLnTx/>
+                <a:uFillTx/>
+                <a:latin typeface="HG創英角ｺﾞｼｯｸUB" panose="020B0909000000000000" pitchFamily="49" charset="-128"/>
+                <a:ea typeface="HG創英角ｺﾞｼｯｸUB" panose="020B0909000000000000" pitchFamily="49" charset="-128"/>
+                <a:cs typeface="+mn-cs"/>
+              </a:rPr>
+              <a:t>２</a:t>
+            </a:r>
+            <a:r>
+              <a:rPr kumimoji="1" lang="en-US" altLang="ja-JP" sz="2200" b="1" i="0" u="none" strike="noStrike" kern="1200" cap="none" spc="0" normalizeH="0" baseline="0" noProof="0" dirty="0">
+                <a:ln>
+                  <a:noFill/>
+                </a:ln>
+                <a:solidFill>
+                  <a:srgbClr val="70AD47">
+                    <a:lumMod val="60000"/>
+                    <a:lumOff val="40000"/>
+                  </a:srgbClr>
+                </a:solidFill>
+                <a:effectLst/>
+                <a:uLnTx/>
+                <a:uFillTx/>
+                <a:latin typeface="HG創英角ｺﾞｼｯｸUB" panose="020B0909000000000000" pitchFamily="49" charset="-128"/>
+                <a:ea typeface="HG創英角ｺﾞｼｯｸUB" panose="020B0909000000000000" pitchFamily="49" charset="-128"/>
+                <a:cs typeface="+mn-cs"/>
+              </a:rPr>
+              <a:t>.</a:t>
+            </a:r>
+            <a:r>
+              <a:rPr kumimoji="1" lang="ja-JP" altLang="en-US" sz="2200" b="0" i="0" u="none" strike="noStrike" kern="1200" cap="none" spc="0" normalizeH="0" baseline="0" noProof="0" dirty="0">
+                <a:ln>
+                  <a:noFill/>
+                </a:ln>
+                <a:solidFill>
+                  <a:srgbClr val="70AD47">
+                    <a:lumMod val="60000"/>
+                    <a:lumOff val="40000"/>
+                  </a:srgbClr>
+                </a:solidFill>
+                <a:effectLst/>
+                <a:uLnTx/>
+                <a:uFillTx/>
+                <a:latin typeface="HG創英角ｺﾞｼｯｸUB" panose="020B0909000000000000" pitchFamily="49" charset="-128"/>
+                <a:ea typeface="HG創英角ｺﾞｼｯｸUB" panose="020B0909000000000000" pitchFamily="49" charset="-128"/>
+                <a:cs typeface="+mn-cs"/>
+              </a:rPr>
+              <a:t>構造</a:t>
+            </a:r>
+            <a:endParaRPr kumimoji="1" lang="en-US" altLang="ja-JP" sz="2200" b="0" i="0" u="none" strike="noStrike" kern="1200" cap="none" spc="0" normalizeH="0" baseline="0" noProof="0" dirty="0">
+              <a:ln>
+                <a:noFill/>
+              </a:ln>
+              <a:solidFill>
+                <a:srgbClr val="70AD47">
+                  <a:lumMod val="60000"/>
+                  <a:lumOff val="40000"/>
+                </a:srgbClr>
+              </a:solidFill>
+              <a:effectLst/>
+              <a:uLnTx/>
+              <a:uFillTx/>
+              <a:latin typeface="HG創英角ｺﾞｼｯｸUB" panose="020B0909000000000000" pitchFamily="49" charset="-128"/>
+              <a:ea typeface="HG創英角ｺﾞｼｯｸUB" panose="020B0909000000000000" pitchFamily="49" charset="-128"/>
+              <a:cs typeface="+mn-cs"/>
+            </a:endParaRPr>
+          </a:p>
+        </p:txBody>
+      </p:sp>
+      <p:sp>
+        <p:nvSpPr>
+          <p:cNvPr id="26" name="テキスト ボックス 25">
+            <a:extLst>
+              <a:ext uri="{FF2B5EF4-FFF2-40B4-BE49-F238E27FC236}">
+                <a16:creationId xmlns:a16="http://schemas.microsoft.com/office/drawing/2014/main" id="{B8A6AE16-23B3-45E4-80DE-806646D2D1C6}"/>
+              </a:ext>
+            </a:extLst>
+          </p:cNvPr>
+          <p:cNvSpPr txBox="1"/>
+          <p:nvPr/>
+        </p:nvSpPr>
+        <p:spPr>
+          <a:xfrm>
+            <a:off x="6185756" y="140469"/>
+            <a:ext cx="2049970" cy="446276"/>
+          </a:xfrm>
+          <a:prstGeom prst="rect">
+            <a:avLst/>
+          </a:prstGeom>
+          <a:noFill/>
+          <a:ln>
+            <a:noFill/>
+          </a:ln>
+        </p:spPr>
+        <p:style>
+          <a:lnRef idx="0">
+            <a:scrgbClr r="0" g="0" b="0"/>
+          </a:lnRef>
+          <a:fillRef idx="0">
+            <a:scrgbClr r="0" g="0" b="0"/>
+          </a:fillRef>
+          <a:effectRef idx="0">
+            <a:scrgbClr r="0" g="0" b="0"/>
+          </a:effectRef>
+          <a:fontRef idx="minor">
+            <a:schemeClr val="dk1"/>
+          </a:fontRef>
+        </p:style>
+        <p:txBody>
+          <a:bodyPr wrap="square" rtlCol="0">
+            <a:spAutoFit/>
+          </a:bodyPr>
+          <a:lstStyle/>
+          <a:p>
+            <a:pPr marL="0" marR="0" lvl="0" indent="0" algn="l" defTabSz="914400" rtl="0" eaLnBrk="1" fontAlgn="base" latinLnBrk="0" hangingPunct="1">
+              <a:lnSpc>
+                <a:spcPct val="100000"/>
+              </a:lnSpc>
+              <a:spcBef>
+                <a:spcPct val="0"/>
+              </a:spcBef>
+              <a:spcAft>
+                <a:spcPct val="0"/>
+              </a:spcAft>
+              <a:buClrTx/>
+              <a:buSzTx/>
+              <a:buFontTx/>
+              <a:buNone/>
+              <a:tabLst/>
+              <a:defRPr/>
+            </a:pPr>
+            <a:r>
+              <a:rPr kumimoji="1" lang="ja-JP" altLang="en-US" sz="2200" b="0" i="0" u="none" strike="noStrike" kern="1200" cap="none" spc="0" normalizeH="0" baseline="0" noProof="0" dirty="0">
+                <a:ln>
+                  <a:noFill/>
+                </a:ln>
+                <a:solidFill>
+                  <a:schemeClr val="bg1"/>
+                </a:solidFill>
+                <a:effectLst/>
+                <a:uLnTx/>
+                <a:uFillTx/>
+                <a:latin typeface="HG創英角ｺﾞｼｯｸUB" panose="020B0909000000000000" pitchFamily="49" charset="-128"/>
+                <a:ea typeface="HG創英角ｺﾞｼｯｸUB" panose="020B0909000000000000" pitchFamily="49" charset="-128"/>
+                <a:cs typeface="+mn-cs"/>
+              </a:rPr>
+              <a:t>３</a:t>
+            </a:r>
+            <a:r>
+              <a:rPr kumimoji="1" lang="en-US" altLang="ja-JP" sz="2200" b="1" i="0" u="none" strike="noStrike" kern="1200" cap="none" spc="0" normalizeH="0" baseline="0" noProof="0" dirty="0">
+                <a:ln>
+                  <a:noFill/>
+                </a:ln>
+                <a:solidFill>
+                  <a:schemeClr val="bg1"/>
+                </a:solidFill>
+                <a:effectLst/>
+                <a:uLnTx/>
+                <a:uFillTx/>
+                <a:latin typeface="HG創英角ｺﾞｼｯｸUB" panose="020B0909000000000000" pitchFamily="49" charset="-128"/>
+                <a:ea typeface="HG創英角ｺﾞｼｯｸUB" panose="020B0909000000000000" pitchFamily="49" charset="-128"/>
+                <a:cs typeface="+mn-cs"/>
+              </a:rPr>
+              <a:t>.</a:t>
+            </a:r>
+            <a:r>
+              <a:rPr kumimoji="1" lang="ja-JP" altLang="en-US" sz="2200" b="0" i="0" u="none" strike="noStrike" kern="1200" cap="none" spc="0" normalizeH="0" baseline="0" noProof="0" dirty="0">
+                <a:ln>
+                  <a:noFill/>
+                </a:ln>
+                <a:solidFill>
+                  <a:schemeClr val="bg1"/>
+                </a:solidFill>
+                <a:effectLst/>
+                <a:uLnTx/>
+                <a:uFillTx/>
+                <a:latin typeface="HG創英角ｺﾞｼｯｸUB" panose="020B0909000000000000" pitchFamily="49" charset="-128"/>
+                <a:ea typeface="HG創英角ｺﾞｼｯｸUB" panose="020B0909000000000000" pitchFamily="49" charset="-128"/>
+                <a:cs typeface="+mn-cs"/>
+              </a:rPr>
+              <a:t>振る舞い②</a:t>
+            </a:r>
+            <a:endParaRPr kumimoji="1" lang="en-US" altLang="ja-JP" sz="2200" b="0" i="0" u="none" strike="noStrike" kern="1200" cap="none" spc="0" normalizeH="0" baseline="0" noProof="0" dirty="0">
+              <a:ln>
+                <a:noFill/>
+              </a:ln>
+              <a:solidFill>
+                <a:schemeClr val="bg1"/>
+              </a:solidFill>
+              <a:effectLst/>
+              <a:uLnTx/>
+              <a:uFillTx/>
+              <a:latin typeface="HG創英角ｺﾞｼｯｸUB" panose="020B0909000000000000" pitchFamily="49" charset="-128"/>
+              <a:ea typeface="HG創英角ｺﾞｼｯｸUB" panose="020B0909000000000000" pitchFamily="49" charset="-128"/>
+              <a:cs typeface="+mn-cs"/>
+            </a:endParaRPr>
+          </a:p>
+        </p:txBody>
+      </p:sp>
     </p:spTree>
     <p:extLst>
       <p:ext uri="{BB962C8B-B14F-4D97-AF65-F5344CB8AC3E}">
@@ -16488,10 +17863,10 @@
       </p:grpSpPr>
       <p:sp>
         <p:nvSpPr>
-          <p:cNvPr id="15" name="四角形: 角を丸くする 14">
+          <p:cNvPr id="24" name="四角形: 角を丸くする 23">
             <a:extLst>
               <a:ext uri="{FF2B5EF4-FFF2-40B4-BE49-F238E27FC236}">
-                <a16:creationId xmlns:a16="http://schemas.microsoft.com/office/drawing/2014/main" id="{A9B96D26-795E-44A3-9A17-D2913FF49DAB}"/>
+                <a16:creationId xmlns:a16="http://schemas.microsoft.com/office/drawing/2014/main" id="{12951430-E1FB-4735-9B37-A734F8A824A9}"/>
               </a:ext>
             </a:extLst>
           </p:cNvPr>
@@ -16500,8 +17875,8 @@
         </p:nvSpPr>
         <p:spPr>
           <a:xfrm>
-            <a:off x="93925" y="264096"/>
-            <a:ext cx="2520000" cy="1152297"/>
+            <a:off x="6137536" y="264374"/>
+            <a:ext cx="2016000" cy="1152297"/>
           </a:xfrm>
           <a:prstGeom prst="roundRect">
             <a:avLst/>
@@ -16533,17 +17908,46 @@
           <a:bodyPr rtlCol="0" anchor="ctr"/>
           <a:lstStyle/>
           <a:p>
-            <a:pPr algn="ctr"/>
-            <a:endParaRPr kumimoji="1" lang="ja-JP" altLang="en-US" dirty="0"/>
+            <a:pPr marL="0" marR="0" lvl="0" indent="0" algn="ctr" defTabSz="914400" rtl="0" eaLnBrk="1" fontAlgn="base" latinLnBrk="0" hangingPunct="1">
+              <a:lnSpc>
+                <a:spcPct val="100000"/>
+              </a:lnSpc>
+              <a:spcBef>
+                <a:spcPct val="0"/>
+              </a:spcBef>
+              <a:spcAft>
+                <a:spcPct val="0"/>
+              </a:spcAft>
+              <a:buClrTx/>
+              <a:buSzTx/>
+              <a:buFontTx/>
+              <a:buNone/>
+              <a:tabLst/>
+              <a:defRPr/>
+            </a:pPr>
+            <a:endParaRPr kumimoji="1" lang="ja-JP" altLang="en-US" sz="1600" b="0" i="0" u="none" strike="noStrike" kern="1200" cap="none" spc="0" normalizeH="0" baseline="0" noProof="0">
+              <a:ln>
+                <a:noFill/>
+              </a:ln>
+              <a:solidFill>
+                <a:prstClr val="black"/>
+              </a:solidFill>
+              <a:effectLst/>
+              <a:uLnTx/>
+              <a:uFillTx/>
+              <a:latin typeface="游ゴシック" panose="020F0502020204030204"/>
+              <a:ea typeface="游ゴシック" panose="020B0400000000000000" pitchFamily="50" charset="-128"/>
+              <a:cs typeface="+mn-cs"/>
+            </a:endParaRPr>
           </a:p>
         </p:txBody>
       </p:sp>
       <p:sp>
         <p:nvSpPr>
-          <p:cNvPr id="14" name="四角形: 角を丸くする 13">
+          <p:cNvPr id="25" name="四角形: 角を丸くする 24">
             <a:extLst>
               <a:ext uri="{FF2B5EF4-FFF2-40B4-BE49-F238E27FC236}">
-                <a16:creationId xmlns:a16="http://schemas.microsoft.com/office/drawing/2014/main" id="{5DFFF80D-32F6-4641-A456-86DEF48B839E}"/>
+                <a16:creationId xmlns:a16="http://schemas.microsoft.com/office/drawing/2014/main" id="{082B9990-7CE9-4E3A-916D-415F798931E5}"/>
               </a:ext>
             </a:extLst>
           </p:cNvPr>
@@ -16552,8 +17956,8 @@
         </p:nvSpPr>
         <p:spPr>
           <a:xfrm>
-            <a:off x="5140800" y="264096"/>
-            <a:ext cx="2520000" cy="1080368"/>
+            <a:off x="4123165" y="267972"/>
+            <a:ext cx="2016000" cy="1080368"/>
           </a:xfrm>
           <a:prstGeom prst="roundRect">
             <a:avLst/>
@@ -16585,17 +17989,46 @@
           <a:bodyPr rtlCol="0" anchor="ctr"/>
           <a:lstStyle/>
           <a:p>
-            <a:pPr algn="ctr"/>
-            <a:endParaRPr kumimoji="1" lang="ja-JP" altLang="en-US" dirty="0"/>
+            <a:pPr marL="0" marR="0" lvl="0" indent="0" algn="ctr" defTabSz="914400" rtl="0" eaLnBrk="1" fontAlgn="base" latinLnBrk="0" hangingPunct="1">
+              <a:lnSpc>
+                <a:spcPct val="100000"/>
+              </a:lnSpc>
+              <a:spcBef>
+                <a:spcPct val="0"/>
+              </a:spcBef>
+              <a:spcAft>
+                <a:spcPct val="0"/>
+              </a:spcAft>
+              <a:buClrTx/>
+              <a:buSzTx/>
+              <a:buFontTx/>
+              <a:buNone/>
+              <a:tabLst/>
+              <a:defRPr/>
+            </a:pPr>
+            <a:endParaRPr kumimoji="1" lang="ja-JP" altLang="en-US" sz="1600" b="0" i="0" u="none" strike="noStrike" kern="1200" cap="none" spc="0" normalizeH="0" baseline="0" noProof="0">
+              <a:ln>
+                <a:noFill/>
+              </a:ln>
+              <a:solidFill>
+                <a:prstClr val="black"/>
+              </a:solidFill>
+              <a:effectLst/>
+              <a:uLnTx/>
+              <a:uFillTx/>
+              <a:latin typeface="游ゴシック" panose="020F0502020204030204"/>
+              <a:ea typeface="游ゴシック" panose="020B0400000000000000" pitchFamily="50" charset="-128"/>
+              <a:cs typeface="+mn-cs"/>
+            </a:endParaRPr>
           </a:p>
         </p:txBody>
       </p:sp>
       <p:sp>
         <p:nvSpPr>
-          <p:cNvPr id="13" name="四角形: 角を丸くする 12">
+          <p:cNvPr id="26" name="四角形: 角を丸くする 25">
             <a:extLst>
               <a:ext uri="{FF2B5EF4-FFF2-40B4-BE49-F238E27FC236}">
-                <a16:creationId xmlns:a16="http://schemas.microsoft.com/office/drawing/2014/main" id="{84934B8C-C644-49A7-8C50-B417AAAD4BD4}"/>
+                <a16:creationId xmlns:a16="http://schemas.microsoft.com/office/drawing/2014/main" id="{D692603E-1CC2-4C7C-A269-124B18B5115C}"/>
               </a:ext>
             </a:extLst>
           </p:cNvPr>
@@ -16604,8 +18037,8 @@
         </p:nvSpPr>
         <p:spPr>
           <a:xfrm>
-            <a:off x="2619201" y="264096"/>
-            <a:ext cx="2520000" cy="1368400"/>
+            <a:off x="2107184" y="271017"/>
+            <a:ext cx="2016000" cy="1368400"/>
           </a:xfrm>
           <a:prstGeom prst="roundRect">
             <a:avLst>
@@ -16639,17 +18072,46 @@
           <a:bodyPr rtlCol="0" anchor="ctr"/>
           <a:lstStyle/>
           <a:p>
-            <a:pPr algn="ctr"/>
-            <a:endParaRPr kumimoji="1" lang="ja-JP" altLang="en-US" dirty="0"/>
+            <a:pPr marL="0" marR="0" lvl="0" indent="0" algn="ctr" defTabSz="914400" rtl="0" eaLnBrk="1" fontAlgn="base" latinLnBrk="0" hangingPunct="1">
+              <a:lnSpc>
+                <a:spcPct val="100000"/>
+              </a:lnSpc>
+              <a:spcBef>
+                <a:spcPct val="0"/>
+              </a:spcBef>
+              <a:spcAft>
+                <a:spcPct val="0"/>
+              </a:spcAft>
+              <a:buClrTx/>
+              <a:buSzTx/>
+              <a:buFontTx/>
+              <a:buNone/>
+              <a:tabLst/>
+              <a:defRPr/>
+            </a:pPr>
+            <a:endParaRPr kumimoji="1" lang="ja-JP" altLang="en-US" sz="1600" b="0" i="0" u="none" strike="noStrike" kern="1200" cap="none" spc="0" normalizeH="0" baseline="0" noProof="0">
+              <a:ln>
+                <a:noFill/>
+              </a:ln>
+              <a:solidFill>
+                <a:prstClr val="black"/>
+              </a:solidFill>
+              <a:effectLst/>
+              <a:uLnTx/>
+              <a:uFillTx/>
+              <a:latin typeface="游ゴシック" panose="020F0502020204030204"/>
+              <a:ea typeface="游ゴシック" panose="020B0400000000000000" pitchFamily="50" charset="-128"/>
+              <a:cs typeface="+mn-cs"/>
+            </a:endParaRPr>
           </a:p>
         </p:txBody>
       </p:sp>
       <p:sp>
         <p:nvSpPr>
-          <p:cNvPr id="12" name="四角形: 角を丸くする 11">
+          <p:cNvPr id="27" name="四角形: 角を丸くする 26">
             <a:extLst>
               <a:ext uri="{FF2B5EF4-FFF2-40B4-BE49-F238E27FC236}">
-                <a16:creationId xmlns:a16="http://schemas.microsoft.com/office/drawing/2014/main" id="{AFFC4548-7F1A-4F38-96A5-7A693D93CF9B}"/>
+                <a16:creationId xmlns:a16="http://schemas.microsoft.com/office/drawing/2014/main" id="{931175D4-F024-4715-850F-19B3CB76B868}"/>
               </a:ext>
             </a:extLst>
           </p:cNvPr>
@@ -16658,8 +18120,8 @@
         </p:nvSpPr>
         <p:spPr>
           <a:xfrm>
-            <a:off x="7667675" y="48072"/>
-            <a:ext cx="2520000" cy="1224384"/>
+            <a:off x="8160118" y="46597"/>
+            <a:ext cx="2016000" cy="1224384"/>
           </a:xfrm>
           <a:prstGeom prst="roundRect">
             <a:avLst>
@@ -16689,17 +18151,46 @@
           <a:bodyPr rtlCol="0" anchor="ctr"/>
           <a:lstStyle/>
           <a:p>
-            <a:pPr algn="ctr"/>
-            <a:endParaRPr kumimoji="1" lang="ja-JP" altLang="en-US" dirty="0"/>
+            <a:pPr marL="0" marR="0" lvl="0" indent="0" algn="ctr" defTabSz="914400" rtl="0" eaLnBrk="1" fontAlgn="base" latinLnBrk="0" hangingPunct="1">
+              <a:lnSpc>
+                <a:spcPct val="100000"/>
+              </a:lnSpc>
+              <a:spcBef>
+                <a:spcPct val="0"/>
+              </a:spcBef>
+              <a:spcAft>
+                <a:spcPct val="0"/>
+              </a:spcAft>
+              <a:buClrTx/>
+              <a:buSzTx/>
+              <a:buFontTx/>
+              <a:buNone/>
+              <a:tabLst/>
+              <a:defRPr/>
+            </a:pPr>
+            <a:endParaRPr kumimoji="1" lang="ja-JP" altLang="en-US" sz="1600" b="0" i="0" u="none" strike="noStrike" kern="1200" cap="none" spc="0" normalizeH="0" baseline="0" noProof="0" dirty="0">
+              <a:ln>
+                <a:noFill/>
+              </a:ln>
+              <a:solidFill>
+                <a:prstClr val="black"/>
+              </a:solidFill>
+              <a:effectLst/>
+              <a:uLnTx/>
+              <a:uFillTx/>
+              <a:latin typeface="游ゴシック" panose="020F0502020204030204"/>
+              <a:ea typeface="游ゴシック" panose="020B0400000000000000" pitchFamily="50" charset="-128"/>
+              <a:cs typeface="+mn-cs"/>
+            </a:endParaRPr>
           </a:p>
         </p:txBody>
       </p:sp>
       <p:sp>
         <p:nvSpPr>
-          <p:cNvPr id="11" name="正方形/長方形 10">
+          <p:cNvPr id="28" name="四角形: 角を丸くする 27">
             <a:extLst>
               <a:ext uri="{FF2B5EF4-FFF2-40B4-BE49-F238E27FC236}">
-                <a16:creationId xmlns:a16="http://schemas.microsoft.com/office/drawing/2014/main" id="{4CF528F6-0D59-4A16-899E-E9075561CAD3}"/>
+                <a16:creationId xmlns:a16="http://schemas.microsoft.com/office/drawing/2014/main" id="{CBF21EDC-25EC-4605-8BD1-65352BBF0B27}"/>
               </a:ext>
             </a:extLst>
           </p:cNvPr>
@@ -16708,7 +18199,88 @@
         </p:nvSpPr>
         <p:spPr>
           <a:xfrm>
-            <a:off x="100800" y="696144"/>
+            <a:off x="91184" y="271203"/>
+            <a:ext cx="2016000" cy="1152297"/>
+          </a:xfrm>
+          <a:prstGeom prst="roundRect">
+            <a:avLst/>
+          </a:prstGeom>
+          <a:ln w="28575">
+            <a:solidFill>
+              <a:schemeClr val="accent6">
+                <a:lumMod val="60000"/>
+                <a:lumOff val="40000"/>
+              </a:schemeClr>
+            </a:solidFill>
+          </a:ln>
+        </p:spPr>
+        <p:style>
+          <a:lnRef idx="2">
+            <a:schemeClr val="accent6"/>
+          </a:lnRef>
+          <a:fillRef idx="1">
+            <a:schemeClr val="lt1"/>
+          </a:fillRef>
+          <a:effectRef idx="0">
+            <a:schemeClr val="accent6"/>
+          </a:effectRef>
+          <a:fontRef idx="minor">
+            <a:schemeClr val="dk1"/>
+          </a:fontRef>
+        </p:style>
+        <p:txBody>
+          <a:bodyPr rtlCol="0" anchor="ctr"/>
+          <a:lstStyle/>
+          <a:p>
+            <a:pPr marL="0" marR="0" lvl="0" indent="0" algn="ctr" defTabSz="914400" rtl="0" eaLnBrk="1" fontAlgn="base" latinLnBrk="0" hangingPunct="1">
+              <a:lnSpc>
+                <a:spcPct val="100000"/>
+              </a:lnSpc>
+              <a:spcBef>
+                <a:spcPct val="0"/>
+              </a:spcBef>
+              <a:spcAft>
+                <a:spcPct val="0"/>
+              </a:spcAft>
+              <a:buClrTx/>
+              <a:buSzTx/>
+              <a:buFontTx/>
+              <a:buNone/>
+              <a:tabLst/>
+              <a:defRPr/>
+            </a:pPr>
+            <a:endParaRPr kumimoji="1" lang="ja-JP" altLang="en-US" sz="1600" b="0" i="0" u="none" strike="noStrike" kern="1200" cap="none" spc="0" normalizeH="0" baseline="0" noProof="0">
+              <a:ln>
+                <a:noFill/>
+              </a:ln>
+              <a:solidFill>
+                <a:prstClr val="black"/>
+              </a:solidFill>
+              <a:effectLst/>
+              <a:uLnTx/>
+              <a:uFillTx/>
+              <a:latin typeface="游ゴシック" panose="020F0502020204030204"/>
+              <a:ea typeface="游ゴシック" panose="020B0400000000000000" pitchFamily="50" charset="-128"/>
+              <a:cs typeface="+mn-cs"/>
+            </a:endParaRPr>
+          </a:p>
+        </p:txBody>
+      </p:sp>
+      <p:sp>
+        <p:nvSpPr>
+          <p:cNvPr id="29" name="正方形/長方形 28">
+            <a:extLst>
+              <a:ext uri="{FF2B5EF4-FFF2-40B4-BE49-F238E27FC236}">
+                <a16:creationId xmlns:a16="http://schemas.microsoft.com/office/drawing/2014/main" id="{32D5BB5C-4276-43AA-B37A-98D4949E04DA}"/>
+              </a:ext>
+            </a:extLst>
+          </p:cNvPr>
+          <p:cNvSpPr/>
+          <p:nvPr/>
+        </p:nvSpPr>
+        <p:spPr>
+          <a:xfrm>
+            <a:off x="97137" y="694983"/>
             <a:ext cx="12600000" cy="8856984"/>
           </a:xfrm>
           <a:prstGeom prst="rect">
@@ -16737,17 +18309,46 @@
           <a:bodyPr rtlCol="0" anchor="ctr"/>
           <a:lstStyle/>
           <a:p>
-            <a:pPr algn="ctr"/>
-            <a:endParaRPr kumimoji="1" lang="ja-JP" altLang="en-US" dirty="0"/>
+            <a:pPr marL="0" marR="0" lvl="0" indent="0" algn="ctr" defTabSz="914400" rtl="0" eaLnBrk="1" fontAlgn="base" latinLnBrk="0" hangingPunct="1">
+              <a:lnSpc>
+                <a:spcPct val="100000"/>
+              </a:lnSpc>
+              <a:spcBef>
+                <a:spcPct val="0"/>
+              </a:spcBef>
+              <a:spcAft>
+                <a:spcPct val="0"/>
+              </a:spcAft>
+              <a:buClrTx/>
+              <a:buSzTx/>
+              <a:buFontTx/>
+              <a:buNone/>
+              <a:tabLst/>
+              <a:defRPr/>
+            </a:pPr>
+            <a:endParaRPr kumimoji="1" lang="ja-JP" altLang="en-US" sz="1600" b="0" i="0" u="none" strike="noStrike" kern="1200" cap="none" spc="0" normalizeH="0" baseline="0" noProof="0" dirty="0">
+              <a:ln>
+                <a:noFill/>
+              </a:ln>
+              <a:solidFill>
+                <a:prstClr val="black"/>
+              </a:solidFill>
+              <a:effectLst/>
+              <a:uLnTx/>
+              <a:uFillTx/>
+              <a:latin typeface="游ゴシック" panose="020F0502020204030204"/>
+              <a:ea typeface="游ゴシック" panose="020B0400000000000000" pitchFamily="50" charset="-128"/>
+              <a:cs typeface="+mn-cs"/>
+            </a:endParaRPr>
           </a:p>
         </p:txBody>
       </p:sp>
       <p:sp>
         <p:nvSpPr>
-          <p:cNvPr id="3" name="テキスト ボックス 2">
+          <p:cNvPr id="18" name="テキスト ボックス 17">
             <a:extLst>
               <a:ext uri="{FF2B5EF4-FFF2-40B4-BE49-F238E27FC236}">
-                <a16:creationId xmlns:a16="http://schemas.microsoft.com/office/drawing/2014/main" id="{4A839BC4-54BA-4246-90D0-1001B466FC18}"/>
+                <a16:creationId xmlns:a16="http://schemas.microsoft.com/office/drawing/2014/main" id="{7822C4B6-AB52-4440-B9CE-AF88464E04C4}"/>
               </a:ext>
             </a:extLst>
           </p:cNvPr>
@@ -16756,8 +18357,8 @@
         </p:nvSpPr>
         <p:spPr>
           <a:xfrm>
-            <a:off x="292844" y="336104"/>
-            <a:ext cx="2122161" cy="430887"/>
+            <a:off x="6124666" y="258340"/>
+            <a:ext cx="2049970" cy="446276"/>
           </a:xfrm>
           <a:prstGeom prst="rect">
             <a:avLst/>
@@ -16787,64 +18388,109 @@
           </a:bodyPr>
           <a:lstStyle/>
           <a:p>
-            <a:r>
-              <a:rPr lang="ja-JP" altLang="en-US" sz="2200" dirty="0">
-                <a:solidFill>
-                  <a:schemeClr val="accent6">
+            <a:pPr marL="0" marR="0" lvl="0" indent="0" algn="l" defTabSz="914400" rtl="0" eaLnBrk="1" fontAlgn="base" latinLnBrk="0" hangingPunct="1">
+              <a:lnSpc>
+                <a:spcPct val="100000"/>
+              </a:lnSpc>
+              <a:spcBef>
+                <a:spcPct val="0"/>
+              </a:spcBef>
+              <a:spcAft>
+                <a:spcPct val="0"/>
+              </a:spcAft>
+              <a:buClrTx/>
+              <a:buSzTx/>
+              <a:buFontTx/>
+              <a:buNone/>
+              <a:tabLst/>
+              <a:defRPr/>
+            </a:pPr>
+            <a:r>
+              <a:rPr kumimoji="1" lang="ja-JP" altLang="en-US" sz="2200" b="0" i="0" u="none" strike="noStrike" kern="1200" cap="none" spc="0" normalizeH="0" baseline="0" noProof="0" dirty="0">
+                <a:ln>
+                  <a:noFill/>
+                </a:ln>
+                <a:solidFill>
+                  <a:srgbClr val="70AD47">
                     <a:lumMod val="60000"/>
                     <a:lumOff val="40000"/>
-                  </a:schemeClr>
-                </a:solidFill>
+                  </a:srgbClr>
+                </a:solidFill>
+                <a:effectLst/>
+                <a:uLnTx/>
+                <a:uFillTx/>
                 <a:latin typeface="HG創英角ｺﾞｼｯｸUB" panose="020B0909000000000000" pitchFamily="49" charset="-128"/>
                 <a:ea typeface="HG創英角ｺﾞｼｯｸUB" panose="020B0909000000000000" pitchFamily="49" charset="-128"/>
+                <a:cs typeface="+mn-cs"/>
               </a:rPr>
-              <a:t>１</a:t>
-            </a:r>
-            <a:r>
-              <a:rPr lang="en-US" altLang="ja-JP" sz="2200" b="1" dirty="0">
-                <a:solidFill>
-                  <a:schemeClr val="accent6">
+              <a:t>３</a:t>
+            </a:r>
+            <a:r>
+              <a:rPr kumimoji="1" lang="en-US" altLang="ja-JP" sz="2200" b="1" i="0" u="none" strike="noStrike" kern="1200" cap="none" spc="0" normalizeH="0" baseline="0" noProof="0" dirty="0">
+                <a:ln>
+                  <a:noFill/>
+                </a:ln>
+                <a:solidFill>
+                  <a:srgbClr val="70AD47">
                     <a:lumMod val="60000"/>
                     <a:lumOff val="40000"/>
-                  </a:schemeClr>
-                </a:solidFill>
+                  </a:srgbClr>
+                </a:solidFill>
+                <a:effectLst/>
+                <a:uLnTx/>
+                <a:uFillTx/>
                 <a:latin typeface="HG創英角ｺﾞｼｯｸUB" panose="020B0909000000000000" pitchFamily="49" charset="-128"/>
                 <a:ea typeface="HG創英角ｺﾞｼｯｸUB" panose="020B0909000000000000" pitchFamily="49" charset="-128"/>
+                <a:cs typeface="+mn-cs"/>
               </a:rPr>
               <a:t>.</a:t>
             </a:r>
             <a:r>
-              <a:rPr lang="ja-JP" altLang="en-US" sz="2200" dirty="0">
-                <a:solidFill>
-                  <a:schemeClr val="accent6">
+              <a:rPr kumimoji="1" lang="ja-JP" altLang="en-US" sz="2200" b="0" i="0" u="none" strike="noStrike" kern="1200" cap="none" spc="0" normalizeH="0" baseline="0" noProof="0" dirty="0">
+                <a:ln>
+                  <a:noFill/>
+                </a:ln>
+                <a:solidFill>
+                  <a:srgbClr val="70AD47">
                     <a:lumMod val="60000"/>
                     <a:lumOff val="40000"/>
-                  </a:schemeClr>
-                </a:solidFill>
+                  </a:srgbClr>
+                </a:solidFill>
+                <a:effectLst/>
+                <a:uLnTx/>
+                <a:uFillTx/>
                 <a:latin typeface="HG創英角ｺﾞｼｯｸUB" panose="020B0909000000000000" pitchFamily="49" charset="-128"/>
                 <a:ea typeface="HG創英角ｺﾞｼｯｸUB" panose="020B0909000000000000" pitchFamily="49" charset="-128"/>
+                <a:cs typeface="+mn-cs"/>
               </a:rPr>
-              <a:t>機能モデル</a:t>
-            </a:r>
-            <a:endParaRPr lang="en-US" altLang="ja-JP" sz="2200" dirty="0">
+              <a:t>振る舞い②</a:t>
+            </a:r>
+            <a:endParaRPr kumimoji="1" lang="en-US" altLang="ja-JP" sz="2200" b="0" i="0" u="none" strike="noStrike" kern="1200" cap="none" spc="0" normalizeH="0" baseline="0" noProof="0" dirty="0">
+              <a:ln>
+                <a:noFill/>
+              </a:ln>
               <a:solidFill>
-                <a:schemeClr val="accent6">
+                <a:srgbClr val="70AD47">
                   <a:lumMod val="60000"/>
                   <a:lumOff val="40000"/>
-                </a:schemeClr>
+                </a:srgbClr>
               </a:solidFill>
+              <a:effectLst/>
+              <a:uLnTx/>
+              <a:uFillTx/>
               <a:latin typeface="HG創英角ｺﾞｼｯｸUB" panose="020B0909000000000000" pitchFamily="49" charset="-128"/>
               <a:ea typeface="HG創英角ｺﾞｼｯｸUB" panose="020B0909000000000000" pitchFamily="49" charset="-128"/>
+              <a:cs typeface="+mn-cs"/>
             </a:endParaRPr>
           </a:p>
         </p:txBody>
       </p:sp>
       <p:sp>
         <p:nvSpPr>
-          <p:cNvPr id="9" name="テキスト ボックス 8">
+          <p:cNvPr id="19" name="テキスト ボックス 18">
             <a:extLst>
               <a:ext uri="{FF2B5EF4-FFF2-40B4-BE49-F238E27FC236}">
-                <a16:creationId xmlns:a16="http://schemas.microsoft.com/office/drawing/2014/main" id="{27FC2256-755B-4562-8E23-88557EE81276}"/>
+                <a16:creationId xmlns:a16="http://schemas.microsoft.com/office/drawing/2014/main" id="{FCFED912-B440-4631-B960-D1C2C31AD158}"/>
               </a:ext>
             </a:extLst>
           </p:cNvPr>
@@ -16853,8 +18499,8 @@
         </p:nvSpPr>
         <p:spPr>
           <a:xfrm>
-            <a:off x="2874741" y="336104"/>
-            <a:ext cx="2002046" cy="430887"/>
+            <a:off x="514769" y="248189"/>
+            <a:ext cx="1186551" cy="430887"/>
           </a:xfrm>
           <a:prstGeom prst="rect">
             <a:avLst/>
@@ -16884,64 +18530,109 @@
           </a:bodyPr>
           <a:lstStyle/>
           <a:p>
-            <a:r>
-              <a:rPr lang="ja-JP" altLang="en-US" sz="2200" dirty="0">
-                <a:solidFill>
-                  <a:schemeClr val="accent6">
+            <a:pPr marL="0" marR="0" lvl="0" indent="0" algn="l" defTabSz="914400" rtl="0" eaLnBrk="1" fontAlgn="base" latinLnBrk="0" hangingPunct="1">
+              <a:lnSpc>
+                <a:spcPct val="100000"/>
+              </a:lnSpc>
+              <a:spcBef>
+                <a:spcPct val="0"/>
+              </a:spcBef>
+              <a:spcAft>
+                <a:spcPct val="0"/>
+              </a:spcAft>
+              <a:buClrTx/>
+              <a:buSzTx/>
+              <a:buFontTx/>
+              <a:buNone/>
+              <a:tabLst/>
+              <a:defRPr/>
+            </a:pPr>
+            <a:r>
+              <a:rPr kumimoji="1" lang="ja-JP" altLang="en-US" sz="2200" b="0" i="0" u="none" strike="noStrike" kern="1200" cap="none" spc="0" normalizeH="0" baseline="0" noProof="0" dirty="0">
+                <a:ln>
+                  <a:noFill/>
+                </a:ln>
+                <a:solidFill>
+                  <a:srgbClr val="70AD47">
                     <a:lumMod val="60000"/>
                     <a:lumOff val="40000"/>
-                  </a:schemeClr>
-                </a:solidFill>
+                  </a:srgbClr>
+                </a:solidFill>
+                <a:effectLst/>
+                <a:uLnTx/>
+                <a:uFillTx/>
                 <a:latin typeface="HG創英角ｺﾞｼｯｸUB" panose="020B0909000000000000" pitchFamily="49" charset="-128"/>
                 <a:ea typeface="HG創英角ｺﾞｼｯｸUB" panose="020B0909000000000000" pitchFamily="49" charset="-128"/>
+                <a:cs typeface="+mn-cs"/>
               </a:rPr>
-              <a:t>２</a:t>
-            </a:r>
-            <a:r>
-              <a:rPr lang="en-US" altLang="ja-JP" sz="2200" b="1" dirty="0">
-                <a:solidFill>
-                  <a:schemeClr val="accent6">
+              <a:t>１</a:t>
+            </a:r>
+            <a:r>
+              <a:rPr kumimoji="1" lang="en-US" altLang="ja-JP" sz="2200" b="1" i="0" u="none" strike="noStrike" kern="1200" cap="none" spc="0" normalizeH="0" baseline="0" noProof="0" dirty="0">
+                <a:ln>
+                  <a:noFill/>
+                </a:ln>
+                <a:solidFill>
+                  <a:srgbClr val="70AD47">
                     <a:lumMod val="60000"/>
                     <a:lumOff val="40000"/>
-                  </a:schemeClr>
-                </a:solidFill>
+                  </a:srgbClr>
+                </a:solidFill>
+                <a:effectLst/>
+                <a:uLnTx/>
+                <a:uFillTx/>
                 <a:latin typeface="HG創英角ｺﾞｼｯｸUB" panose="020B0909000000000000" pitchFamily="49" charset="-128"/>
                 <a:ea typeface="HG創英角ｺﾞｼｯｸUB" panose="020B0909000000000000" pitchFamily="49" charset="-128"/>
+                <a:cs typeface="+mn-cs"/>
               </a:rPr>
               <a:t>.</a:t>
             </a:r>
             <a:r>
-              <a:rPr lang="ja-JP" altLang="en-US" sz="2200" dirty="0">
-                <a:solidFill>
-                  <a:schemeClr val="accent6">
+              <a:rPr kumimoji="1" lang="ja-JP" altLang="en-US" sz="2200" b="0" i="0" u="none" strike="noStrike" kern="1200" cap="none" spc="0" normalizeH="0" baseline="0" noProof="0" dirty="0">
+                <a:ln>
+                  <a:noFill/>
+                </a:ln>
+                <a:solidFill>
+                  <a:srgbClr val="70AD47">
                     <a:lumMod val="60000"/>
                     <a:lumOff val="40000"/>
-                  </a:schemeClr>
-                </a:solidFill>
+                  </a:srgbClr>
+                </a:solidFill>
+                <a:effectLst/>
+                <a:uLnTx/>
+                <a:uFillTx/>
                 <a:latin typeface="HG創英角ｺﾞｼｯｸUB" panose="020B0909000000000000" pitchFamily="49" charset="-128"/>
                 <a:ea typeface="HG創英角ｺﾞｼｯｸUB" panose="020B0909000000000000" pitchFamily="49" charset="-128"/>
+                <a:cs typeface="+mn-cs"/>
               </a:rPr>
-              <a:t>構造モデル</a:t>
-            </a:r>
-            <a:endParaRPr lang="en-US" altLang="ja-JP" sz="2200" dirty="0">
+              <a:t>機能</a:t>
+            </a:r>
+            <a:endParaRPr kumimoji="1" lang="en-US" altLang="ja-JP" sz="2200" b="0" i="0" u="none" strike="noStrike" kern="1200" cap="none" spc="0" normalizeH="0" baseline="0" noProof="0" dirty="0">
+              <a:ln>
+                <a:noFill/>
+              </a:ln>
               <a:solidFill>
-                <a:schemeClr val="accent6">
+                <a:srgbClr val="70AD47">
                   <a:lumMod val="60000"/>
                   <a:lumOff val="40000"/>
-                </a:schemeClr>
+                </a:srgbClr>
               </a:solidFill>
+              <a:effectLst/>
+              <a:uLnTx/>
+              <a:uFillTx/>
               <a:latin typeface="HG創英角ｺﾞｼｯｸUB" panose="020B0909000000000000" pitchFamily="49" charset="-128"/>
               <a:ea typeface="HG創英角ｺﾞｼｯｸUB" panose="020B0909000000000000" pitchFamily="49" charset="-128"/>
+              <a:cs typeface="+mn-cs"/>
             </a:endParaRPr>
           </a:p>
         </p:txBody>
       </p:sp>
       <p:sp>
         <p:nvSpPr>
-          <p:cNvPr id="10" name="テキスト ボックス 9">
+          <p:cNvPr id="20" name="テキスト ボックス 19">
             <a:extLst>
               <a:ext uri="{FF2B5EF4-FFF2-40B4-BE49-F238E27FC236}">
-                <a16:creationId xmlns:a16="http://schemas.microsoft.com/office/drawing/2014/main" id="{6B6DE600-02D5-4297-AB70-824D28CEE6FA}"/>
+                <a16:creationId xmlns:a16="http://schemas.microsoft.com/office/drawing/2014/main" id="{EC3B7523-8515-4312-B70A-7EAE3258E856}"/>
               </a:ext>
             </a:extLst>
           </p:cNvPr>
@@ -16950,8 +18641,8 @@
         </p:nvSpPr>
         <p:spPr>
           <a:xfrm>
-            <a:off x="5085125" y="336104"/>
-            <a:ext cx="2636626" cy="446276"/>
+            <a:off x="4110113" y="258340"/>
+            <a:ext cx="2049970" cy="446276"/>
           </a:xfrm>
           <a:prstGeom prst="rect">
             <a:avLst/>
@@ -16981,64 +18672,122 @@
           </a:bodyPr>
           <a:lstStyle/>
           <a:p>
-            <a:r>
-              <a:rPr lang="ja-JP" altLang="en-US" sz="2200" dirty="0">
-                <a:solidFill>
-                  <a:schemeClr val="accent6">
+            <a:pPr marL="0" marR="0" lvl="0" indent="0" algn="l" defTabSz="914400" rtl="0" eaLnBrk="1" fontAlgn="base" latinLnBrk="0" hangingPunct="1">
+              <a:lnSpc>
+                <a:spcPct val="100000"/>
+              </a:lnSpc>
+              <a:spcBef>
+                <a:spcPct val="0"/>
+              </a:spcBef>
+              <a:spcAft>
+                <a:spcPct val="0"/>
+              </a:spcAft>
+              <a:buClrTx/>
+              <a:buSzTx/>
+              <a:buFontTx/>
+              <a:buNone/>
+              <a:tabLst/>
+              <a:defRPr/>
+            </a:pPr>
+            <a:r>
+              <a:rPr kumimoji="1" lang="ja-JP" altLang="en-US" sz="2200" b="0" i="0" u="none" strike="noStrike" kern="1200" cap="none" spc="0" normalizeH="0" baseline="0" noProof="0" dirty="0">
+                <a:ln>
+                  <a:noFill/>
+                </a:ln>
+                <a:solidFill>
+                  <a:srgbClr val="70AD47">
                     <a:lumMod val="60000"/>
                     <a:lumOff val="40000"/>
-                  </a:schemeClr>
+                  </a:srgbClr>
+                </a:solidFill>
+                <a:effectLst/>
+                <a:uLnTx/>
+                <a:uFillTx/>
+                <a:latin typeface="HG創英角ｺﾞｼｯｸUB" panose="020B0909000000000000" pitchFamily="49" charset="-128"/>
+                <a:ea typeface="HG創英角ｺﾞｼｯｸUB" panose="020B0909000000000000" pitchFamily="49" charset="-128"/>
+                <a:cs typeface="+mn-cs"/>
+              </a:rPr>
+              <a:t>３</a:t>
+            </a:r>
+            <a:r>
+              <a:rPr kumimoji="1" lang="en-US" altLang="ja-JP" sz="2200" b="1" i="0" u="none" strike="noStrike" kern="1200" cap="none" spc="0" normalizeH="0" baseline="0" noProof="0" dirty="0">
+                <a:ln>
+                  <a:noFill/>
+                </a:ln>
+                <a:solidFill>
+                  <a:srgbClr val="70AD47">
+                    <a:lumMod val="60000"/>
+                    <a:lumOff val="40000"/>
+                  </a:srgbClr>
+                </a:solidFill>
+                <a:effectLst/>
+                <a:uLnTx/>
+                <a:uFillTx/>
+                <a:latin typeface="HG創英角ｺﾞｼｯｸUB" panose="020B0909000000000000" pitchFamily="49" charset="-128"/>
+                <a:ea typeface="HG創英角ｺﾞｼｯｸUB" panose="020B0909000000000000" pitchFamily="49" charset="-128"/>
+                <a:cs typeface="+mn-cs"/>
+              </a:rPr>
+              <a:t>.</a:t>
+            </a:r>
+            <a:r>
+              <a:rPr kumimoji="1" lang="ja-JP" altLang="en-US" sz="2200" b="0" i="0" u="none" strike="noStrike" kern="1200" cap="none" spc="0" normalizeH="0" baseline="0" noProof="0" dirty="0">
+                <a:ln>
+                  <a:noFill/>
+                </a:ln>
+                <a:solidFill>
+                  <a:srgbClr val="70AD47">
+                    <a:lumMod val="60000"/>
+                    <a:lumOff val="40000"/>
+                  </a:srgbClr>
+                </a:solidFill>
+                <a:effectLst/>
+                <a:uLnTx/>
+                <a:uFillTx/>
+                <a:latin typeface="HG創英角ｺﾞｼｯｸUB" panose="020B0909000000000000" pitchFamily="49" charset="-128"/>
+                <a:ea typeface="HG創英角ｺﾞｼｯｸUB" panose="020B0909000000000000" pitchFamily="49" charset="-128"/>
+                <a:cs typeface="+mn-cs"/>
+              </a:rPr>
+              <a:t>振る舞い</a:t>
+            </a:r>
+            <a:r>
+              <a:rPr lang="ja-JP" altLang="en-US" sz="2200" dirty="0">
+                <a:solidFill>
+                  <a:srgbClr val="70AD47">
+                    <a:lumMod val="60000"/>
+                    <a:lumOff val="40000"/>
+                  </a:srgbClr>
                 </a:solidFill>
                 <a:latin typeface="HG創英角ｺﾞｼｯｸUB" panose="020B0909000000000000" pitchFamily="49" charset="-128"/>
                 <a:ea typeface="HG創英角ｺﾞｼｯｸUB" panose="020B0909000000000000" pitchFamily="49" charset="-128"/>
               </a:rPr>
-              <a:t>３</a:t>
-            </a:r>
-            <a:r>
-              <a:rPr lang="en-US" altLang="ja-JP" sz="2200" b="1" dirty="0">
-                <a:solidFill>
-                  <a:schemeClr val="accent6">
-                    <a:lumMod val="60000"/>
-                    <a:lumOff val="40000"/>
-                  </a:schemeClr>
-                </a:solidFill>
-                <a:latin typeface="HG創英角ｺﾞｼｯｸUB" panose="020B0909000000000000" pitchFamily="49" charset="-128"/>
-                <a:ea typeface="HG創英角ｺﾞｼｯｸUB" panose="020B0909000000000000" pitchFamily="49" charset="-128"/>
-              </a:rPr>
-              <a:t>.</a:t>
-            </a:r>
-            <a:r>
-              <a:rPr lang="ja-JP" altLang="en-US" sz="2200" dirty="0">
-                <a:solidFill>
-                  <a:schemeClr val="accent6">
-                    <a:lumMod val="60000"/>
-                    <a:lumOff val="40000"/>
-                  </a:schemeClr>
-                </a:solidFill>
-                <a:latin typeface="HG創英角ｺﾞｼｯｸUB" panose="020B0909000000000000" pitchFamily="49" charset="-128"/>
-                <a:ea typeface="HG創英角ｺﾞｼｯｸUB" panose="020B0909000000000000" pitchFamily="49" charset="-128"/>
-              </a:rPr>
-              <a:t>振る舞いモデル</a:t>
-            </a:r>
-            <a:endParaRPr lang="en-US" altLang="ja-JP" sz="2200" dirty="0">
+              <a:t>①</a:t>
+            </a:r>
+            <a:endParaRPr kumimoji="1" lang="en-US" altLang="ja-JP" sz="2200" b="0" i="0" u="none" strike="noStrike" kern="1200" cap="none" spc="0" normalizeH="0" baseline="0" noProof="0" dirty="0">
+              <a:ln>
+                <a:noFill/>
+              </a:ln>
               <a:solidFill>
-                <a:schemeClr val="accent6">
+                <a:srgbClr val="70AD47">
                   <a:lumMod val="60000"/>
                   <a:lumOff val="40000"/>
-                </a:schemeClr>
+                </a:srgbClr>
               </a:solidFill>
+              <a:effectLst/>
+              <a:uLnTx/>
+              <a:uFillTx/>
               <a:latin typeface="HG創英角ｺﾞｼｯｸUB" panose="020B0909000000000000" pitchFamily="49" charset="-128"/>
               <a:ea typeface="HG創英角ｺﾞｼｯｸUB" panose="020B0909000000000000" pitchFamily="49" charset="-128"/>
+              <a:cs typeface="+mn-cs"/>
             </a:endParaRPr>
           </a:p>
         </p:txBody>
       </p:sp>
       <p:sp>
         <p:nvSpPr>
-          <p:cNvPr id="16" name="テキスト ボックス 15">
+          <p:cNvPr id="21" name="テキスト ボックス 20">
             <a:extLst>
               <a:ext uri="{FF2B5EF4-FFF2-40B4-BE49-F238E27FC236}">
-                <a16:creationId xmlns:a16="http://schemas.microsoft.com/office/drawing/2014/main" id="{B2857B95-E44E-4693-9BF6-518968E8AB21}"/>
+                <a16:creationId xmlns:a16="http://schemas.microsoft.com/office/drawing/2014/main" id="{A7EE68A5-322E-4DDC-A3C3-80A78E30A67A}"/>
               </a:ext>
             </a:extLst>
           </p:cNvPr>
@@ -17047,7 +18796,149 @@
         </p:nvSpPr>
         <p:spPr>
           <a:xfrm>
-            <a:off x="8204842" y="192088"/>
+            <a:off x="2501900" y="248189"/>
+            <a:ext cx="1203919" cy="430887"/>
+          </a:xfrm>
+          <a:prstGeom prst="rect">
+            <a:avLst/>
+          </a:prstGeom>
+          <a:noFill/>
+          <a:ln>
+            <a:noFill/>
+          </a:ln>
+        </p:spPr>
+        <p:style>
+          <a:lnRef idx="0">
+            <a:scrgbClr r="0" g="0" b="0"/>
+          </a:lnRef>
+          <a:fillRef idx="0">
+            <a:scrgbClr r="0" g="0" b="0"/>
+          </a:fillRef>
+          <a:effectRef idx="0">
+            <a:scrgbClr r="0" g="0" b="0"/>
+          </a:effectRef>
+          <a:fontRef idx="minor">
+            <a:schemeClr val="dk1"/>
+          </a:fontRef>
+        </p:style>
+        <p:txBody>
+          <a:bodyPr wrap="square" rtlCol="0">
+            <a:spAutoFit/>
+          </a:bodyPr>
+          <a:lstStyle/>
+          <a:p>
+            <a:pPr marL="0" marR="0" lvl="0" indent="0" algn="l" defTabSz="914400" rtl="0" eaLnBrk="1" fontAlgn="base" latinLnBrk="0" hangingPunct="1">
+              <a:lnSpc>
+                <a:spcPct val="100000"/>
+              </a:lnSpc>
+              <a:spcBef>
+                <a:spcPct val="0"/>
+              </a:spcBef>
+              <a:spcAft>
+                <a:spcPct val="0"/>
+              </a:spcAft>
+              <a:buClrTx/>
+              <a:buSzTx/>
+              <a:buFontTx/>
+              <a:buNone/>
+              <a:tabLst/>
+              <a:defRPr/>
+            </a:pPr>
+            <a:r>
+              <a:rPr kumimoji="1" lang="ja-JP" altLang="en-US" sz="2200" b="0" i="0" u="none" strike="noStrike" kern="1200" cap="none" spc="0" normalizeH="0" baseline="0" noProof="0" dirty="0">
+                <a:ln>
+                  <a:noFill/>
+                </a:ln>
+                <a:solidFill>
+                  <a:srgbClr val="70AD47">
+                    <a:lumMod val="60000"/>
+                    <a:lumOff val="40000"/>
+                  </a:srgbClr>
+                </a:solidFill>
+                <a:effectLst/>
+                <a:uLnTx/>
+                <a:uFillTx/>
+                <a:latin typeface="HG創英角ｺﾞｼｯｸUB" panose="020B0909000000000000" pitchFamily="49" charset="-128"/>
+                <a:ea typeface="HG創英角ｺﾞｼｯｸUB" panose="020B0909000000000000" pitchFamily="49" charset="-128"/>
+                <a:cs typeface="+mn-cs"/>
+              </a:rPr>
+              <a:t>２</a:t>
+            </a:r>
+            <a:r>
+              <a:rPr kumimoji="1" lang="en-US" altLang="ja-JP" sz="2200" b="1" i="0" u="none" strike="noStrike" kern="1200" cap="none" spc="0" normalizeH="0" baseline="0" noProof="0" dirty="0">
+                <a:ln>
+                  <a:noFill/>
+                </a:ln>
+                <a:solidFill>
+                  <a:srgbClr val="70AD47">
+                    <a:lumMod val="60000"/>
+                    <a:lumOff val="40000"/>
+                  </a:srgbClr>
+                </a:solidFill>
+                <a:effectLst/>
+                <a:uLnTx/>
+                <a:uFillTx/>
+                <a:latin typeface="HG創英角ｺﾞｼｯｸUB" panose="020B0909000000000000" pitchFamily="49" charset="-128"/>
+                <a:ea typeface="HG創英角ｺﾞｼｯｸUB" panose="020B0909000000000000" pitchFamily="49" charset="-128"/>
+                <a:cs typeface="+mn-cs"/>
+              </a:rPr>
+              <a:t>.</a:t>
+            </a:r>
+            <a:r>
+              <a:rPr kumimoji="1" lang="ja-JP" altLang="en-US" sz="2200" b="0" i="0" u="none" strike="noStrike" kern="1200" cap="none" spc="0" normalizeH="0" baseline="0" noProof="0" dirty="0">
+                <a:ln>
+                  <a:noFill/>
+                </a:ln>
+                <a:solidFill>
+                  <a:srgbClr val="70AD47">
+                    <a:lumMod val="60000"/>
+                    <a:lumOff val="40000"/>
+                  </a:srgbClr>
+                </a:solidFill>
+                <a:effectLst/>
+                <a:uLnTx/>
+                <a:uFillTx/>
+                <a:latin typeface="HG創英角ｺﾞｼｯｸUB" panose="020B0909000000000000" pitchFamily="49" charset="-128"/>
+                <a:ea typeface="HG創英角ｺﾞｼｯｸUB" panose="020B0909000000000000" pitchFamily="49" charset="-128"/>
+                <a:cs typeface="+mn-cs"/>
+              </a:rPr>
+              <a:t>構造</a:t>
+            </a:r>
+            <a:endParaRPr kumimoji="1" lang="en-US" altLang="ja-JP" sz="2200" b="0" i="0" u="none" strike="noStrike" kern="1200" cap="none" spc="0" normalizeH="0" baseline="0" noProof="0" dirty="0">
+              <a:ln>
+                <a:noFill/>
+              </a:ln>
+              <a:solidFill>
+                <a:srgbClr val="70AD47">
+                  <a:lumMod val="60000"/>
+                  <a:lumOff val="40000"/>
+                </a:srgbClr>
+              </a:solidFill>
+              <a:effectLst/>
+              <a:uLnTx/>
+              <a:uFillTx/>
+              <a:latin typeface="HG創英角ｺﾞｼｯｸUB" panose="020B0909000000000000" pitchFamily="49" charset="-128"/>
+              <a:ea typeface="HG創英角ｺﾞｼｯｸUB" panose="020B0909000000000000" pitchFamily="49" charset="-128"/>
+              <a:cs typeface="+mn-cs"/>
+            </a:endParaRPr>
+          </a:p>
+        </p:txBody>
+      </p:sp>
+      <p:sp>
+        <p:nvSpPr>
+          <p:cNvPr id="22" name="テキスト ボックス 21">
+            <a:extLst>
+              <a:ext uri="{FF2B5EF4-FFF2-40B4-BE49-F238E27FC236}">
+                <a16:creationId xmlns:a16="http://schemas.microsoft.com/office/drawing/2014/main" id="{BA6F72F9-0611-4C47-8B97-9002A082D577}"/>
+              </a:ext>
+            </a:extLst>
+          </p:cNvPr>
+          <p:cNvSpPr txBox="1"/>
+          <p:nvPr/>
+        </p:nvSpPr>
+        <p:spPr>
+          <a:xfrm>
+            <a:off x="8345016" y="150138"/>
             <a:ext cx="1445666" cy="430887"/>
           </a:xfrm>
           <a:prstGeom prst="rect">
@@ -17078,42 +18969,87 @@
           </a:bodyPr>
           <a:lstStyle/>
           <a:p>
-            <a:r>
-              <a:rPr lang="ja-JP" altLang="en-US" sz="2200" dirty="0">
+            <a:pPr marL="0" marR="0" lvl="0" indent="0" algn="l" defTabSz="914400" rtl="0" eaLnBrk="1" fontAlgn="base" latinLnBrk="0" hangingPunct="1">
+              <a:lnSpc>
+                <a:spcPct val="100000"/>
+              </a:lnSpc>
+              <a:spcBef>
+                <a:spcPct val="0"/>
+              </a:spcBef>
+              <a:spcAft>
+                <a:spcPct val="0"/>
+              </a:spcAft>
+              <a:buClrTx/>
+              <a:buSzTx/>
+              <a:buFontTx/>
+              <a:buNone/>
+              <a:tabLst/>
+              <a:defRPr/>
+            </a:pPr>
+            <a:r>
+              <a:rPr kumimoji="1" lang="ja-JP" altLang="en-US" sz="2200" b="0" i="0" u="none" strike="noStrike" kern="1200" cap="none" spc="0" normalizeH="0" baseline="0" noProof="0" dirty="0">
+                <a:ln>
+                  <a:noFill/>
+                </a:ln>
                 <a:solidFill>
                   <a:schemeClr val="bg1"/>
                 </a:solidFill>
+                <a:effectLst/>
+                <a:uLnTx/>
+                <a:uFillTx/>
                 <a:latin typeface="HG創英角ｺﾞｼｯｸUB" panose="020B0909000000000000" pitchFamily="49" charset="-128"/>
                 <a:ea typeface="HG創英角ｺﾞｼｯｸUB" panose="020B0909000000000000" pitchFamily="49" charset="-128"/>
+                <a:cs typeface="+mn-cs"/>
               </a:rPr>
               <a:t>４</a:t>
             </a:r>
             <a:r>
-              <a:rPr lang="en-US" altLang="ja-JP" sz="2200" b="1" dirty="0">
+              <a:rPr kumimoji="1" lang="en-US" altLang="ja-JP" sz="2200" b="1" i="0" u="none" strike="noStrike" kern="1200" cap="none" spc="0" normalizeH="0" baseline="0" noProof="0" dirty="0">
+                <a:ln>
+                  <a:noFill/>
+                </a:ln>
                 <a:solidFill>
                   <a:schemeClr val="bg1"/>
                 </a:solidFill>
+                <a:effectLst/>
+                <a:uLnTx/>
+                <a:uFillTx/>
                 <a:latin typeface="HG創英角ｺﾞｼｯｸUB" panose="020B0909000000000000" pitchFamily="49" charset="-128"/>
                 <a:ea typeface="HG創英角ｺﾞｼｯｸUB" panose="020B0909000000000000" pitchFamily="49" charset="-128"/>
+                <a:cs typeface="+mn-cs"/>
               </a:rPr>
               <a:t>.</a:t>
             </a:r>
             <a:r>
-              <a:rPr lang="ja-JP" altLang="en-US" sz="2200" dirty="0">
+              <a:rPr kumimoji="1" lang="ja-JP" altLang="en-US" sz="2200" b="0" i="0" u="none" strike="noStrike" kern="1200" cap="none" spc="0" normalizeH="0" baseline="0" noProof="0" dirty="0">
+                <a:ln>
+                  <a:noFill/>
+                </a:ln>
                 <a:solidFill>
                   <a:schemeClr val="bg1"/>
                 </a:solidFill>
+                <a:effectLst/>
+                <a:uLnTx/>
+                <a:uFillTx/>
                 <a:latin typeface="HG創英角ｺﾞｼｯｸUB" panose="020B0909000000000000" pitchFamily="49" charset="-128"/>
                 <a:ea typeface="HG創英角ｺﾞｼｯｸUB" panose="020B0909000000000000" pitchFamily="49" charset="-128"/>
+                <a:cs typeface="+mn-cs"/>
               </a:rPr>
               <a:t>工夫点</a:t>
             </a:r>
-            <a:endParaRPr lang="en-US" altLang="ja-JP" sz="2200" dirty="0">
+            <a:endParaRPr kumimoji="1" lang="en-US" altLang="ja-JP" sz="2200" b="0" i="0" u="none" strike="noStrike" kern="1200" cap="none" spc="0" normalizeH="0" baseline="0" noProof="0" dirty="0">
+              <a:ln>
+                <a:noFill/>
+              </a:ln>
               <a:solidFill>
                 <a:schemeClr val="bg1"/>
               </a:solidFill>
+              <a:effectLst/>
+              <a:uLnTx/>
+              <a:uFillTx/>
               <a:latin typeface="HG創英角ｺﾞｼｯｸUB" panose="020B0909000000000000" pitchFamily="49" charset="-128"/>
               <a:ea typeface="HG創英角ｺﾞｼｯｸUB" panose="020B0909000000000000" pitchFamily="49" charset="-128"/>
+              <a:cs typeface="+mn-cs"/>
             </a:endParaRPr>
           </a:p>
         </p:txBody>

--- a/model_file_template_primary.pptx
+++ b/model_file_template_primary.pptx
@@ -13364,14 +13364,14 @@
           <p:nvPr>
             <p:extLst>
               <p:ext uri="{D42A27DB-BD31-4B8C-83A1-F6EECF244321}">
-                <p14:modId xmlns:p14="http://schemas.microsoft.com/office/powerpoint/2010/main" val="1996828496"/>
+                <p14:modId xmlns:p14="http://schemas.microsoft.com/office/powerpoint/2010/main" val="1893222655"/>
               </p:ext>
             </p:extLst>
           </p:nvPr>
         </p:nvGraphicFramePr>
         <p:xfrm>
-          <a:off x="4321768" y="1934756"/>
-          <a:ext cx="3137814" cy="1510576"/>
+          <a:off x="3181357" y="1934756"/>
+          <a:ext cx="4278225" cy="1510576"/>
         </p:xfrm>
         <a:graphic>
           <a:graphicData uri="http://schemas.openxmlformats.org/drawingml/2006/table">
@@ -13380,14 +13380,14 @@
                 <a:tableStyleId>{93296810-A885-4BE3-A3E7-6D5BEEA58F35}</a:tableStyleId>
               </a:tblPr>
               <a:tblGrid>
-                <a:gridCol w="761553">
+                <a:gridCol w="1038333">
                   <a:extLst>
                     <a:ext uri="{9D8B030D-6E8A-4147-A177-3AD203B41FA5}">
                       <a16:colId xmlns:a16="http://schemas.microsoft.com/office/drawing/2014/main" val="188478114"/>
                     </a:ext>
                   </a:extLst>
                 </a:gridCol>
-                <a:gridCol w="2376261">
+                <a:gridCol w="3239892">
                   <a:extLst>
                     <a:ext uri="{9D8B030D-6E8A-4147-A177-3AD203B41FA5}">
                       <a16:colId xmlns:a16="http://schemas.microsoft.com/office/drawing/2014/main" val="543803565"/>
@@ -13443,7 +13443,11 @@
                       </a:r>
                     </a:p>
                   </a:txBody>
-                  <a:tcPr anchor="ctr"/>
+                  <a:tcPr anchor="ctr">
+                    <a:solidFill>
+                      <a:srgbClr val="FFCCCC"/>
+                    </a:solidFill>
+                  </a:tcPr>
                 </a:tc>
                 <a:tc>
                   <a:txBody>
@@ -13458,7 +13462,11 @@
                       <a:endParaRPr kumimoji="1" lang="en-US" altLang="ja-JP" sz="900" dirty="0"/>
                     </a:p>
                   </a:txBody>
-                  <a:tcPr anchor="ctr"/>
+                  <a:tcPr anchor="ctr">
+                    <a:solidFill>
+                      <a:srgbClr val="FFCCCC"/>
+                    </a:solidFill>
+                  </a:tcPr>
                 </a:tc>
                 <a:extLst>
                   <a:ext uri="{0D108BD9-81ED-4DB2-BD59-A6C34878D82A}">
@@ -13480,7 +13488,11 @@
                       <a:endParaRPr kumimoji="1" lang="en-US" altLang="ja-JP" sz="900" dirty="0"/>
                     </a:p>
                   </a:txBody>
-                  <a:tcPr anchor="ctr"/>
+                  <a:tcPr anchor="ctr">
+                    <a:solidFill>
+                      <a:srgbClr val="FFFFCC"/>
+                    </a:solidFill>
+                  </a:tcPr>
                 </a:tc>
                 <a:tc>
                   <a:txBody>
@@ -13494,7 +13506,11 @@
                       </a:r>
                     </a:p>
                   </a:txBody>
-                  <a:tcPr anchor="ctr"/>
+                  <a:tcPr anchor="ctr">
+                    <a:solidFill>
+                      <a:srgbClr val="FFFFCC"/>
+                    </a:solidFill>
+                  </a:tcPr>
                 </a:tc>
                 <a:extLst>
                   <a:ext uri="{0D108BD9-81ED-4DB2-BD59-A6C34878D82A}">
@@ -13515,7 +13531,11 @@
                       </a:r>
                     </a:p>
                   </a:txBody>
-                  <a:tcPr anchor="ctr"/>
+                  <a:tcPr anchor="ctr">
+                    <a:solidFill>
+                      <a:srgbClr val="CCFFCC"/>
+                    </a:solidFill>
+                  </a:tcPr>
                 </a:tc>
                 <a:tc>
                   <a:txBody>
@@ -13529,7 +13549,11 @@
                       </a:r>
                     </a:p>
                   </a:txBody>
-                  <a:tcPr anchor="ctr"/>
+                  <a:tcPr anchor="ctr">
+                    <a:solidFill>
+                      <a:srgbClr val="CCFFCC"/>
+                    </a:solidFill>
+                  </a:tcPr>
                 </a:tc>
                 <a:extLst>
                   <a:ext uri="{0D108BD9-81ED-4DB2-BD59-A6C34878D82A}">
@@ -13550,7 +13574,11 @@
                       </a:r>
                     </a:p>
                   </a:txBody>
-                  <a:tcPr anchor="ctr"/>
+                  <a:tcPr anchor="ctr">
+                    <a:solidFill>
+                      <a:srgbClr val="E6E6E6"/>
+                    </a:solidFill>
+                  </a:tcPr>
                 </a:tc>
                 <a:tc>
                   <a:txBody>
@@ -13564,7 +13592,11 @@
                       </a:r>
                     </a:p>
                   </a:txBody>
-                  <a:tcPr anchor="ctr"/>
+                  <a:tcPr anchor="ctr">
+                    <a:solidFill>
+                      <a:srgbClr val="E6E6E6"/>
+                    </a:solidFill>
+                  </a:tcPr>
                 </a:tc>
                 <a:extLst>
                   <a:ext uri="{0D108BD9-81ED-4DB2-BD59-A6C34878D82A}">
@@ -14059,6 +14091,35 @@
           </a:p>
         </p:txBody>
       </p:sp>
+      <p:pic>
+        <p:nvPicPr>
+          <p:cNvPr id="2" name="図 1">
+            <a:extLst>
+              <a:ext uri="{FF2B5EF4-FFF2-40B4-BE49-F238E27FC236}">
+                <a16:creationId xmlns:a16="http://schemas.microsoft.com/office/drawing/2014/main" id="{B3149541-99FA-480A-9572-19BBE9323F79}"/>
+              </a:ext>
+            </a:extLst>
+          </p:cNvPr>
+          <p:cNvPicPr>
+            <a:picLocks noChangeAspect="1"/>
+          </p:cNvPicPr>
+          <p:nvPr/>
+        </p:nvPicPr>
+        <p:blipFill rotWithShape="1">
+          <a:blip r:embed="rId3"/>
+          <a:srcRect l="24688" t="38616" r="39312" b="23001"/>
+          <a:stretch/>
+        </p:blipFill>
+        <p:spPr>
+          <a:xfrm>
+            <a:off x="306148" y="1878209"/>
+            <a:ext cx="2740072" cy="1582493"/>
+          </a:xfrm>
+          <a:prstGeom prst="rect">
+            <a:avLst/>
+          </a:prstGeom>
+        </p:spPr>
+      </p:pic>
     </p:spTree>
     <p:extLst>
       <p:ext uri="{BB962C8B-B14F-4D97-AF65-F5344CB8AC3E}">

--- a/model_file_template_primary.pptx
+++ b/model_file_template_primary.pptx
@@ -12576,42 +12576,6 @@
           </a:p>
         </p:txBody>
       </p:sp>
-      <p:pic>
-        <p:nvPicPr>
-          <p:cNvPr id="4" name="図 3">
-            <a:extLst>
-              <a:ext uri="{FF2B5EF4-FFF2-40B4-BE49-F238E27FC236}">
-                <a16:creationId xmlns:a16="http://schemas.microsoft.com/office/drawing/2014/main" id="{F09050C9-EBEE-4C41-A607-27C58A8A5A15}"/>
-              </a:ext>
-            </a:extLst>
-          </p:cNvPr>
-          <p:cNvPicPr>
-            <a:picLocks noChangeAspect="1"/>
-          </p:cNvPicPr>
-          <p:nvPr/>
-        </p:nvPicPr>
-        <p:blipFill>
-          <a:blip r:embed="rId2">
-            <a:extLst>
-              <a:ext uri="{28A0092B-C50C-407E-A947-70E740481C1C}">
-                <a14:useLocalDpi xmlns:a14="http://schemas.microsoft.com/office/drawing/2010/main" val="0"/>
-              </a:ext>
-            </a:extLst>
-          </a:blip>
-          <a:stretch>
-            <a:fillRect/>
-          </a:stretch>
-        </p:blipFill>
-        <p:spPr>
-          <a:xfrm>
-            <a:off x="165014" y="3547112"/>
-            <a:ext cx="12432245" cy="5933227"/>
-          </a:xfrm>
-          <a:prstGeom prst="rect">
-            <a:avLst/>
-          </a:prstGeom>
-        </p:spPr>
-      </p:pic>
       <p:sp>
         <p:nvSpPr>
           <p:cNvPr id="3" name="テキスト ボックス 2">
@@ -14106,7 +14070,7 @@
           <p:nvPr/>
         </p:nvPicPr>
         <p:blipFill rotWithShape="1">
-          <a:blip r:embed="rId3"/>
+          <a:blip r:embed="rId2"/>
           <a:srcRect l="24688" t="38616" r="39312" b="23001"/>
           <a:stretch/>
         </p:blipFill>
@@ -14114,6 +14078,35 @@
           <a:xfrm>
             <a:off x="306148" y="1878209"/>
             <a:ext cx="2740072" cy="1582493"/>
+          </a:xfrm>
+          <a:prstGeom prst="rect">
+            <a:avLst/>
+          </a:prstGeom>
+        </p:spPr>
+      </p:pic>
+      <p:pic>
+        <p:nvPicPr>
+          <p:cNvPr id="6" name="図 5">
+            <a:extLst>
+              <a:ext uri="{FF2B5EF4-FFF2-40B4-BE49-F238E27FC236}">
+                <a16:creationId xmlns:a16="http://schemas.microsoft.com/office/drawing/2014/main" id="{2ADEF7CF-71B8-4BB4-95DD-877870B580BE}"/>
+              </a:ext>
+            </a:extLst>
+          </p:cNvPr>
+          <p:cNvPicPr>
+            <a:picLocks noChangeAspect="1"/>
+          </p:cNvPicPr>
+          <p:nvPr/>
+        </p:nvPicPr>
+        <p:blipFill rotWithShape="1">
+          <a:blip r:embed="rId3"/>
+          <a:srcRect l="2391" t="19346" r="4885" b="4308"/>
+          <a:stretch/>
+        </p:blipFill>
+        <p:spPr>
+          <a:xfrm>
+            <a:off x="126583" y="3593405"/>
+            <a:ext cx="12555607" cy="5673741"/>
           </a:xfrm>
           <a:prstGeom prst="rect">
             <a:avLst/>

--- a/model_file_template_primary.pptx
+++ b/model_file_template_primary.pptx
@@ -6,18 +6,17 @@
     <p:sldMasterId id="2147483653" r:id="rId2"/>
   </p:sldMasterIdLst>
   <p:notesMasterIdLst>
-    <p:notesMasterId r:id="rId9"/>
+    <p:notesMasterId r:id="rId8"/>
   </p:notesMasterIdLst>
   <p:handoutMasterIdLst>
-    <p:handoutMasterId r:id="rId10"/>
+    <p:handoutMasterId r:id="rId9"/>
   </p:handoutMasterIdLst>
   <p:sldIdLst>
     <p:sldId id="272" r:id="rId3"/>
-    <p:sldId id="281" r:id="rId4"/>
-    <p:sldId id="282" r:id="rId5"/>
-    <p:sldId id="278" r:id="rId6"/>
-    <p:sldId id="280" r:id="rId7"/>
-    <p:sldId id="279" r:id="rId8"/>
+    <p:sldId id="282" r:id="rId4"/>
+    <p:sldId id="278" r:id="rId5"/>
+    <p:sldId id="280" r:id="rId6"/>
+    <p:sldId id="279" r:id="rId7"/>
   </p:sldIdLst>
   <p:sldSz cx="12801600" cy="9601200" type="A3"/>
   <p:notesSz cx="9990138" cy="14374813"/>
@@ -156,7 +155,6 @@
         </p14:section>
         <p14:section name="モデル図ページ（プライマリークラス）" id="{8B2B3982-7BAC-4EE5-974E-E0EE0719EC85}">
           <p14:sldIdLst>
-            <p14:sldId id="281"/>
             <p14:sldId id="282"/>
             <p14:sldId id="278"/>
             <p14:sldId id="280"/>
@@ -4293,7807 +4291,6 @@
           <a:chExt cx="0" cy="0"/>
         </a:xfrm>
       </p:grpSpPr>
-      <p:grpSp>
-        <p:nvGrpSpPr>
-          <p:cNvPr id="20" name="グループ化 19">
-            <a:extLst>
-              <a:ext uri="{FF2B5EF4-FFF2-40B4-BE49-F238E27FC236}">
-                <a16:creationId xmlns:a16="http://schemas.microsoft.com/office/drawing/2014/main" id="{C81D3122-00A2-4923-9C2F-C4D0863116E5}"/>
-              </a:ext>
-            </a:extLst>
-          </p:cNvPr>
-          <p:cNvGrpSpPr/>
-          <p:nvPr/>
-        </p:nvGrpSpPr>
-        <p:grpSpPr>
-          <a:xfrm>
-            <a:off x="97137" y="46613"/>
-            <a:ext cx="12600000" cy="9505354"/>
-            <a:chOff x="97137" y="46613"/>
-            <a:chExt cx="12600000" cy="9505354"/>
-          </a:xfrm>
-        </p:grpSpPr>
-        <p:sp>
-          <p:nvSpPr>
-            <p:cNvPr id="115" name="四角形: 角を丸くする 114">
-              <a:extLst>
-                <a:ext uri="{FF2B5EF4-FFF2-40B4-BE49-F238E27FC236}">
-                  <a16:creationId xmlns:a16="http://schemas.microsoft.com/office/drawing/2014/main" id="{2798FF8C-0FCA-4075-AE5D-BA71AC9C3B39}"/>
-                </a:ext>
-              </a:extLst>
-            </p:cNvPr>
-            <p:cNvSpPr/>
-            <p:nvPr/>
-          </p:nvSpPr>
-          <p:spPr>
-            <a:xfrm>
-              <a:off x="6147012" y="267972"/>
-              <a:ext cx="2016000" cy="1152297"/>
-            </a:xfrm>
-            <a:prstGeom prst="roundRect">
-              <a:avLst/>
-            </a:prstGeom>
-            <a:ln w="28575">
-              <a:solidFill>
-                <a:schemeClr val="accent6">
-                  <a:lumMod val="60000"/>
-                  <a:lumOff val="40000"/>
-                </a:schemeClr>
-              </a:solidFill>
-            </a:ln>
-          </p:spPr>
-          <p:style>
-            <a:lnRef idx="2">
-              <a:schemeClr val="accent6"/>
-            </a:lnRef>
-            <a:fillRef idx="1">
-              <a:schemeClr val="lt1"/>
-            </a:fillRef>
-            <a:effectRef idx="0">
-              <a:schemeClr val="accent6"/>
-            </a:effectRef>
-            <a:fontRef idx="minor">
-              <a:schemeClr val="dk1"/>
-            </a:fontRef>
-          </p:style>
-          <p:txBody>
-            <a:bodyPr rtlCol="0" anchor="ctr"/>
-            <a:lstStyle/>
-            <a:p>
-              <a:pPr marL="0" marR="0" lvl="0" indent="0" algn="ctr" defTabSz="914400" rtl="0" eaLnBrk="1" fontAlgn="base" latinLnBrk="0" hangingPunct="1">
-                <a:lnSpc>
-                  <a:spcPct val="100000"/>
-                </a:lnSpc>
-                <a:spcBef>
-                  <a:spcPct val="0"/>
-                </a:spcBef>
-                <a:spcAft>
-                  <a:spcPct val="0"/>
-                </a:spcAft>
-                <a:buClrTx/>
-                <a:buSzTx/>
-                <a:buFontTx/>
-                <a:buNone/>
-                <a:tabLst/>
-                <a:defRPr/>
-              </a:pPr>
-              <a:endParaRPr kumimoji="1" lang="ja-JP" altLang="en-US" sz="1600" b="0" i="0" u="none" strike="noStrike" kern="1200" cap="none" spc="0" normalizeH="0" baseline="0" noProof="0">
-                <a:ln>
-                  <a:noFill/>
-                </a:ln>
-                <a:solidFill>
-                  <a:prstClr val="black"/>
-                </a:solidFill>
-                <a:effectLst/>
-                <a:uLnTx/>
-                <a:uFillTx/>
-                <a:latin typeface="游ゴシック" panose="020F0502020204030204"/>
-                <a:ea typeface="游ゴシック" panose="020B0400000000000000" pitchFamily="50" charset="-128"/>
-                <a:cs typeface="+mn-cs"/>
-              </a:endParaRPr>
-            </a:p>
-          </p:txBody>
-        </p:sp>
-        <p:sp>
-          <p:nvSpPr>
-            <p:cNvPr id="14" name="四角形: 角を丸くする 13">
-              <a:extLst>
-                <a:ext uri="{FF2B5EF4-FFF2-40B4-BE49-F238E27FC236}">
-                  <a16:creationId xmlns:a16="http://schemas.microsoft.com/office/drawing/2014/main" id="{5DFFF80D-32F6-4641-A456-86DEF48B839E}"/>
-                </a:ext>
-              </a:extLst>
-            </p:cNvPr>
-            <p:cNvSpPr/>
-            <p:nvPr/>
-          </p:nvSpPr>
-          <p:spPr>
-            <a:xfrm>
-              <a:off x="4131012" y="264096"/>
-              <a:ext cx="2016000" cy="1080368"/>
-            </a:xfrm>
-            <a:prstGeom prst="roundRect">
-              <a:avLst/>
-            </a:prstGeom>
-            <a:ln w="28575">
-              <a:solidFill>
-                <a:schemeClr val="accent6">
-                  <a:lumMod val="60000"/>
-                  <a:lumOff val="40000"/>
-                </a:schemeClr>
-              </a:solidFill>
-            </a:ln>
-          </p:spPr>
-          <p:style>
-            <a:lnRef idx="2">
-              <a:schemeClr val="accent6"/>
-            </a:lnRef>
-            <a:fillRef idx="1">
-              <a:schemeClr val="lt1"/>
-            </a:fillRef>
-            <a:effectRef idx="0">
-              <a:schemeClr val="accent6"/>
-            </a:effectRef>
-            <a:fontRef idx="minor">
-              <a:schemeClr val="dk1"/>
-            </a:fontRef>
-          </p:style>
-          <p:txBody>
-            <a:bodyPr rtlCol="0" anchor="ctr"/>
-            <a:lstStyle/>
-            <a:p>
-              <a:pPr marL="0" marR="0" lvl="0" indent="0" algn="ctr" defTabSz="914400" rtl="0" eaLnBrk="1" fontAlgn="base" latinLnBrk="0" hangingPunct="1">
-                <a:lnSpc>
-                  <a:spcPct val="100000"/>
-                </a:lnSpc>
-                <a:spcBef>
-                  <a:spcPct val="0"/>
-                </a:spcBef>
-                <a:spcAft>
-                  <a:spcPct val="0"/>
-                </a:spcAft>
-                <a:buClrTx/>
-                <a:buSzTx/>
-                <a:buFontTx/>
-                <a:buNone/>
-                <a:tabLst/>
-                <a:defRPr/>
-              </a:pPr>
-              <a:endParaRPr kumimoji="1" lang="ja-JP" altLang="en-US" sz="1600" b="0" i="0" u="none" strike="noStrike" kern="1200" cap="none" spc="0" normalizeH="0" baseline="0" noProof="0">
-                <a:ln>
-                  <a:noFill/>
-                </a:ln>
-                <a:solidFill>
-                  <a:prstClr val="black"/>
-                </a:solidFill>
-                <a:effectLst/>
-                <a:uLnTx/>
-                <a:uFillTx/>
-                <a:latin typeface="游ゴシック" panose="020F0502020204030204"/>
-                <a:ea typeface="游ゴシック" panose="020B0400000000000000" pitchFamily="50" charset="-128"/>
-                <a:cs typeface="+mn-cs"/>
-              </a:endParaRPr>
-            </a:p>
-          </p:txBody>
-        </p:sp>
-        <p:sp>
-          <p:nvSpPr>
-            <p:cNvPr id="13" name="四角形: 角を丸くする 12">
-              <a:extLst>
-                <a:ext uri="{FF2B5EF4-FFF2-40B4-BE49-F238E27FC236}">
-                  <a16:creationId xmlns:a16="http://schemas.microsoft.com/office/drawing/2014/main" id="{84934B8C-C644-49A7-8C50-B417AAAD4BD4}"/>
-                </a:ext>
-              </a:extLst>
-            </p:cNvPr>
-            <p:cNvSpPr/>
-            <p:nvPr/>
-          </p:nvSpPr>
-          <p:spPr>
-            <a:xfrm>
-              <a:off x="2118951" y="267206"/>
-              <a:ext cx="2016000" cy="1368400"/>
-            </a:xfrm>
-            <a:prstGeom prst="roundRect">
-              <a:avLst>
-                <a:gd name="adj" fmla="val 13495"/>
-              </a:avLst>
-            </a:prstGeom>
-            <a:ln w="28575">
-              <a:solidFill>
-                <a:schemeClr val="accent6">
-                  <a:lumMod val="60000"/>
-                  <a:lumOff val="40000"/>
-                </a:schemeClr>
-              </a:solidFill>
-            </a:ln>
-          </p:spPr>
-          <p:style>
-            <a:lnRef idx="2">
-              <a:schemeClr val="accent6"/>
-            </a:lnRef>
-            <a:fillRef idx="1">
-              <a:schemeClr val="lt1"/>
-            </a:fillRef>
-            <a:effectRef idx="0">
-              <a:schemeClr val="accent6"/>
-            </a:effectRef>
-            <a:fontRef idx="minor">
-              <a:schemeClr val="dk1"/>
-            </a:fontRef>
-          </p:style>
-          <p:txBody>
-            <a:bodyPr rtlCol="0" anchor="ctr"/>
-            <a:lstStyle/>
-            <a:p>
-              <a:pPr marL="0" marR="0" lvl="0" indent="0" algn="ctr" defTabSz="914400" rtl="0" eaLnBrk="1" fontAlgn="base" latinLnBrk="0" hangingPunct="1">
-                <a:lnSpc>
-                  <a:spcPct val="100000"/>
-                </a:lnSpc>
-                <a:spcBef>
-                  <a:spcPct val="0"/>
-                </a:spcBef>
-                <a:spcAft>
-                  <a:spcPct val="0"/>
-                </a:spcAft>
-                <a:buClrTx/>
-                <a:buSzTx/>
-                <a:buFontTx/>
-                <a:buNone/>
-                <a:tabLst/>
-                <a:defRPr/>
-              </a:pPr>
-              <a:endParaRPr kumimoji="1" lang="ja-JP" altLang="en-US" sz="1600" b="0" i="0" u="none" strike="noStrike" kern="1200" cap="none" spc="0" normalizeH="0" baseline="0" noProof="0">
-                <a:ln>
-                  <a:noFill/>
-                </a:ln>
-                <a:solidFill>
-                  <a:prstClr val="black"/>
-                </a:solidFill>
-                <a:effectLst/>
-                <a:uLnTx/>
-                <a:uFillTx/>
-                <a:latin typeface="游ゴシック" panose="020F0502020204030204"/>
-                <a:ea typeface="游ゴシック" panose="020B0400000000000000" pitchFamily="50" charset="-128"/>
-                <a:cs typeface="+mn-cs"/>
-              </a:endParaRPr>
-            </a:p>
-          </p:txBody>
-        </p:sp>
-        <p:sp>
-          <p:nvSpPr>
-            <p:cNvPr id="12" name="四角形: 角を丸くする 11">
-              <a:extLst>
-                <a:ext uri="{FF2B5EF4-FFF2-40B4-BE49-F238E27FC236}">
-                  <a16:creationId xmlns:a16="http://schemas.microsoft.com/office/drawing/2014/main" id="{AFFC4548-7F1A-4F38-96A5-7A693D93CF9B}"/>
-                </a:ext>
-              </a:extLst>
-            </p:cNvPr>
-            <p:cNvSpPr/>
-            <p:nvPr/>
-          </p:nvSpPr>
-          <p:spPr>
-            <a:xfrm>
-              <a:off x="99487" y="46613"/>
-              <a:ext cx="2016000" cy="1224384"/>
-            </a:xfrm>
-            <a:prstGeom prst="roundRect">
-              <a:avLst>
-                <a:gd name="adj" fmla="val 13842"/>
-              </a:avLst>
-            </a:prstGeom>
-            <a:solidFill>
-              <a:schemeClr val="accent6"/>
-            </a:solidFill>
-            <a:ln w="38100"/>
-          </p:spPr>
-          <p:style>
-            <a:lnRef idx="2">
-              <a:schemeClr val="accent6"/>
-            </a:lnRef>
-            <a:fillRef idx="1">
-              <a:schemeClr val="lt1"/>
-            </a:fillRef>
-            <a:effectRef idx="0">
-              <a:schemeClr val="accent6"/>
-            </a:effectRef>
-            <a:fontRef idx="minor">
-              <a:schemeClr val="dk1"/>
-            </a:fontRef>
-          </p:style>
-          <p:txBody>
-            <a:bodyPr rtlCol="0" anchor="ctr"/>
-            <a:lstStyle/>
-            <a:p>
-              <a:pPr marL="0" marR="0" lvl="0" indent="0" algn="ctr" defTabSz="914400" rtl="0" eaLnBrk="1" fontAlgn="base" latinLnBrk="0" hangingPunct="1">
-                <a:lnSpc>
-                  <a:spcPct val="100000"/>
-                </a:lnSpc>
-                <a:spcBef>
-                  <a:spcPct val="0"/>
-                </a:spcBef>
-                <a:spcAft>
-                  <a:spcPct val="0"/>
-                </a:spcAft>
-                <a:buClrTx/>
-                <a:buSzTx/>
-                <a:buFontTx/>
-                <a:buNone/>
-                <a:tabLst/>
-                <a:defRPr/>
-              </a:pPr>
-              <a:endParaRPr kumimoji="1" lang="ja-JP" altLang="en-US" sz="1600" b="0" i="0" u="none" strike="noStrike" kern="1200" cap="none" spc="0" normalizeH="0" baseline="0" noProof="0" dirty="0">
-                <a:ln>
-                  <a:noFill/>
-                </a:ln>
-                <a:solidFill>
-                  <a:prstClr val="black"/>
-                </a:solidFill>
-                <a:effectLst/>
-                <a:uLnTx/>
-                <a:uFillTx/>
-                <a:latin typeface="游ゴシック" panose="020F0502020204030204"/>
-                <a:ea typeface="游ゴシック" panose="020B0400000000000000" pitchFamily="50" charset="-128"/>
-                <a:cs typeface="+mn-cs"/>
-              </a:endParaRPr>
-            </a:p>
-          </p:txBody>
-        </p:sp>
-        <p:sp>
-          <p:nvSpPr>
-            <p:cNvPr id="15" name="四角形: 角を丸くする 14">
-              <a:extLst>
-                <a:ext uri="{FF2B5EF4-FFF2-40B4-BE49-F238E27FC236}">
-                  <a16:creationId xmlns:a16="http://schemas.microsoft.com/office/drawing/2014/main" id="{A9B96D26-795E-44A3-9A17-D2913FF49DAB}"/>
-                </a:ext>
-              </a:extLst>
-            </p:cNvPr>
-            <p:cNvSpPr/>
-            <p:nvPr/>
-          </p:nvSpPr>
-          <p:spPr>
-            <a:xfrm>
-              <a:off x="8159073" y="268334"/>
-              <a:ext cx="2016000" cy="1152297"/>
-            </a:xfrm>
-            <a:prstGeom prst="roundRect">
-              <a:avLst/>
-            </a:prstGeom>
-            <a:ln w="28575">
-              <a:solidFill>
-                <a:schemeClr val="accent6">
-                  <a:lumMod val="60000"/>
-                  <a:lumOff val="40000"/>
-                </a:schemeClr>
-              </a:solidFill>
-            </a:ln>
-          </p:spPr>
-          <p:style>
-            <a:lnRef idx="2">
-              <a:schemeClr val="accent6"/>
-            </a:lnRef>
-            <a:fillRef idx="1">
-              <a:schemeClr val="lt1"/>
-            </a:fillRef>
-            <a:effectRef idx="0">
-              <a:schemeClr val="accent6"/>
-            </a:effectRef>
-            <a:fontRef idx="minor">
-              <a:schemeClr val="dk1"/>
-            </a:fontRef>
-          </p:style>
-          <p:txBody>
-            <a:bodyPr rtlCol="0" anchor="ctr"/>
-            <a:lstStyle/>
-            <a:p>
-              <a:pPr marL="0" marR="0" lvl="0" indent="0" algn="ctr" defTabSz="914400" rtl="0" eaLnBrk="1" fontAlgn="base" latinLnBrk="0" hangingPunct="1">
-                <a:lnSpc>
-                  <a:spcPct val="100000"/>
-                </a:lnSpc>
-                <a:spcBef>
-                  <a:spcPct val="0"/>
-                </a:spcBef>
-                <a:spcAft>
-                  <a:spcPct val="0"/>
-                </a:spcAft>
-                <a:buClrTx/>
-                <a:buSzTx/>
-                <a:buFontTx/>
-                <a:buNone/>
-                <a:tabLst/>
-                <a:defRPr/>
-              </a:pPr>
-              <a:endParaRPr kumimoji="1" lang="ja-JP" altLang="en-US" sz="1600" b="0" i="0" u="none" strike="noStrike" kern="1200" cap="none" spc="0" normalizeH="0" baseline="0" noProof="0">
-                <a:ln>
-                  <a:noFill/>
-                </a:ln>
-                <a:solidFill>
-                  <a:prstClr val="black"/>
-                </a:solidFill>
-                <a:effectLst/>
-                <a:uLnTx/>
-                <a:uFillTx/>
-                <a:latin typeface="游ゴシック" panose="020F0502020204030204"/>
-                <a:ea typeface="游ゴシック" panose="020B0400000000000000" pitchFamily="50" charset="-128"/>
-                <a:cs typeface="+mn-cs"/>
-              </a:endParaRPr>
-            </a:p>
-          </p:txBody>
-        </p:sp>
-        <p:sp>
-          <p:nvSpPr>
-            <p:cNvPr id="11" name="正方形/長方形 10">
-              <a:extLst>
-                <a:ext uri="{FF2B5EF4-FFF2-40B4-BE49-F238E27FC236}">
-                  <a16:creationId xmlns:a16="http://schemas.microsoft.com/office/drawing/2014/main" id="{4CF528F6-0D59-4A16-899E-E9075561CAD3}"/>
-                </a:ext>
-              </a:extLst>
-            </p:cNvPr>
-            <p:cNvSpPr/>
-            <p:nvPr/>
-          </p:nvSpPr>
-          <p:spPr>
-            <a:xfrm>
-              <a:off x="97137" y="694983"/>
-              <a:ext cx="12600000" cy="8856984"/>
-            </a:xfrm>
-            <a:prstGeom prst="rect">
-              <a:avLst/>
-            </a:prstGeom>
-            <a:ln w="38100">
-              <a:headEnd type="none" w="med" len="med"/>
-              <a:tailEnd type="none" w="med" len="med"/>
-            </a:ln>
-          </p:spPr>
-          <p:style>
-            <a:lnRef idx="2">
-              <a:schemeClr val="accent6"/>
-            </a:lnRef>
-            <a:fillRef idx="1">
-              <a:schemeClr val="lt1"/>
-            </a:fillRef>
-            <a:effectRef idx="0">
-              <a:schemeClr val="accent6"/>
-            </a:effectRef>
-            <a:fontRef idx="minor">
-              <a:schemeClr val="dk1"/>
-            </a:fontRef>
-          </p:style>
-          <p:txBody>
-            <a:bodyPr rtlCol="0" anchor="ctr"/>
-            <a:lstStyle/>
-            <a:p>
-              <a:pPr marL="0" marR="0" lvl="0" indent="0" algn="ctr" defTabSz="914400" rtl="0" eaLnBrk="1" fontAlgn="base" latinLnBrk="0" hangingPunct="1">
-                <a:lnSpc>
-                  <a:spcPct val="100000"/>
-                </a:lnSpc>
-                <a:spcBef>
-                  <a:spcPct val="0"/>
-                </a:spcBef>
-                <a:spcAft>
-                  <a:spcPct val="0"/>
-                </a:spcAft>
-                <a:buClrTx/>
-                <a:buSzTx/>
-                <a:buFontTx/>
-                <a:buNone/>
-                <a:tabLst/>
-                <a:defRPr/>
-              </a:pPr>
-              <a:endParaRPr kumimoji="1" lang="ja-JP" altLang="en-US" sz="1600" b="0" i="0" u="none" strike="noStrike" kern="1200" cap="none" spc="0" normalizeH="0" baseline="0" noProof="0" dirty="0">
-                <a:ln>
-                  <a:noFill/>
-                </a:ln>
-                <a:solidFill>
-                  <a:prstClr val="black"/>
-                </a:solidFill>
-                <a:effectLst/>
-                <a:uLnTx/>
-                <a:uFillTx/>
-                <a:latin typeface="游ゴシック" panose="020F0502020204030204"/>
-                <a:ea typeface="游ゴシック" panose="020B0400000000000000" pitchFamily="50" charset="-128"/>
-                <a:cs typeface="+mn-cs"/>
-              </a:endParaRPr>
-            </a:p>
-          </p:txBody>
-        </p:sp>
-      </p:grpSp>
-      <p:sp>
-        <p:nvSpPr>
-          <p:cNvPr id="9" name="テキスト ボックス 8">
-            <a:extLst>
-              <a:ext uri="{FF2B5EF4-FFF2-40B4-BE49-F238E27FC236}">
-                <a16:creationId xmlns:a16="http://schemas.microsoft.com/office/drawing/2014/main" id="{27FC2256-755B-4562-8E23-88557EE81276}"/>
-              </a:ext>
-            </a:extLst>
-          </p:cNvPr>
-          <p:cNvSpPr txBox="1"/>
-          <p:nvPr/>
-        </p:nvSpPr>
-        <p:spPr>
-          <a:xfrm>
-            <a:off x="2513459" y="248190"/>
-            <a:ext cx="1203919" cy="430887"/>
-          </a:xfrm>
-          <a:prstGeom prst="rect">
-            <a:avLst/>
-          </a:prstGeom>
-          <a:noFill/>
-          <a:ln>
-            <a:noFill/>
-          </a:ln>
-        </p:spPr>
-        <p:style>
-          <a:lnRef idx="0">
-            <a:scrgbClr r="0" g="0" b="0"/>
-          </a:lnRef>
-          <a:fillRef idx="0">
-            <a:scrgbClr r="0" g="0" b="0"/>
-          </a:fillRef>
-          <a:effectRef idx="0">
-            <a:scrgbClr r="0" g="0" b="0"/>
-          </a:effectRef>
-          <a:fontRef idx="minor">
-            <a:schemeClr val="dk1"/>
-          </a:fontRef>
-        </p:style>
-        <p:txBody>
-          <a:bodyPr wrap="square" rtlCol="0">
-            <a:spAutoFit/>
-          </a:bodyPr>
-          <a:lstStyle/>
-          <a:p>
-            <a:pPr marL="0" marR="0" lvl="0" indent="0" algn="l" defTabSz="914400" rtl="0" eaLnBrk="1" fontAlgn="base" latinLnBrk="0" hangingPunct="1">
-              <a:lnSpc>
-                <a:spcPct val="100000"/>
-              </a:lnSpc>
-              <a:spcBef>
-                <a:spcPct val="0"/>
-              </a:spcBef>
-              <a:spcAft>
-                <a:spcPct val="0"/>
-              </a:spcAft>
-              <a:buClrTx/>
-              <a:buSzTx/>
-              <a:buFontTx/>
-              <a:buNone/>
-              <a:tabLst/>
-              <a:defRPr/>
-            </a:pPr>
-            <a:r>
-              <a:rPr kumimoji="1" lang="ja-JP" altLang="en-US" sz="2200" b="0" i="0" u="none" strike="noStrike" kern="1200" cap="none" spc="0" normalizeH="0" baseline="0" noProof="0" dirty="0">
-                <a:ln>
-                  <a:noFill/>
-                </a:ln>
-                <a:solidFill>
-                  <a:srgbClr val="70AD47">
-                    <a:lumMod val="60000"/>
-                    <a:lumOff val="40000"/>
-                  </a:srgbClr>
-                </a:solidFill>
-                <a:effectLst/>
-                <a:uLnTx/>
-                <a:uFillTx/>
-                <a:latin typeface="HG創英角ｺﾞｼｯｸUB" panose="020B0909000000000000" pitchFamily="49" charset="-128"/>
-                <a:ea typeface="HG創英角ｺﾞｼｯｸUB" panose="020B0909000000000000" pitchFamily="49" charset="-128"/>
-                <a:cs typeface="+mn-cs"/>
-              </a:rPr>
-              <a:t>２</a:t>
-            </a:r>
-            <a:r>
-              <a:rPr kumimoji="1" lang="en-US" altLang="ja-JP" sz="2200" b="1" i="0" u="none" strike="noStrike" kern="1200" cap="none" spc="0" normalizeH="0" baseline="0" noProof="0" dirty="0">
-                <a:ln>
-                  <a:noFill/>
-                </a:ln>
-                <a:solidFill>
-                  <a:srgbClr val="70AD47">
-                    <a:lumMod val="60000"/>
-                    <a:lumOff val="40000"/>
-                  </a:srgbClr>
-                </a:solidFill>
-                <a:effectLst/>
-                <a:uLnTx/>
-                <a:uFillTx/>
-                <a:latin typeface="HG創英角ｺﾞｼｯｸUB" panose="020B0909000000000000" pitchFamily="49" charset="-128"/>
-                <a:ea typeface="HG創英角ｺﾞｼｯｸUB" panose="020B0909000000000000" pitchFamily="49" charset="-128"/>
-                <a:cs typeface="+mn-cs"/>
-              </a:rPr>
-              <a:t>.</a:t>
-            </a:r>
-            <a:r>
-              <a:rPr kumimoji="1" lang="ja-JP" altLang="en-US" sz="2200" b="0" i="0" u="none" strike="noStrike" kern="1200" cap="none" spc="0" normalizeH="0" baseline="0" noProof="0" dirty="0">
-                <a:ln>
-                  <a:noFill/>
-                </a:ln>
-                <a:solidFill>
-                  <a:srgbClr val="70AD47">
-                    <a:lumMod val="60000"/>
-                    <a:lumOff val="40000"/>
-                  </a:srgbClr>
-                </a:solidFill>
-                <a:effectLst/>
-                <a:uLnTx/>
-                <a:uFillTx/>
-                <a:latin typeface="HG創英角ｺﾞｼｯｸUB" panose="020B0909000000000000" pitchFamily="49" charset="-128"/>
-                <a:ea typeface="HG創英角ｺﾞｼｯｸUB" panose="020B0909000000000000" pitchFamily="49" charset="-128"/>
-                <a:cs typeface="+mn-cs"/>
-              </a:rPr>
-              <a:t>構造</a:t>
-            </a:r>
-            <a:endParaRPr kumimoji="1" lang="en-US" altLang="ja-JP" sz="2200" b="0" i="0" u="none" strike="noStrike" kern="1200" cap="none" spc="0" normalizeH="0" baseline="0" noProof="0" dirty="0">
-              <a:ln>
-                <a:noFill/>
-              </a:ln>
-              <a:solidFill>
-                <a:srgbClr val="70AD47">
-                  <a:lumMod val="60000"/>
-                  <a:lumOff val="40000"/>
-                </a:srgbClr>
-              </a:solidFill>
-              <a:effectLst/>
-              <a:uLnTx/>
-              <a:uFillTx/>
-              <a:latin typeface="HG創英角ｺﾞｼｯｸUB" panose="020B0909000000000000" pitchFamily="49" charset="-128"/>
-              <a:ea typeface="HG創英角ｺﾞｼｯｸUB" panose="020B0909000000000000" pitchFamily="49" charset="-128"/>
-              <a:cs typeface="+mn-cs"/>
-            </a:endParaRPr>
-          </a:p>
-        </p:txBody>
-      </p:sp>
-      <p:sp>
-        <p:nvSpPr>
-          <p:cNvPr id="3" name="テキスト ボックス 2">
-            <a:extLst>
-              <a:ext uri="{FF2B5EF4-FFF2-40B4-BE49-F238E27FC236}">
-                <a16:creationId xmlns:a16="http://schemas.microsoft.com/office/drawing/2014/main" id="{4A839BC4-54BA-4246-90D0-1001B466FC18}"/>
-              </a:ext>
-            </a:extLst>
-          </p:cNvPr>
-          <p:cNvSpPr txBox="1"/>
-          <p:nvPr/>
-        </p:nvSpPr>
-        <p:spPr>
-          <a:xfrm>
-            <a:off x="420438" y="147312"/>
-            <a:ext cx="1219549" cy="430887"/>
-          </a:xfrm>
-          <a:prstGeom prst="rect">
-            <a:avLst/>
-          </a:prstGeom>
-          <a:noFill/>
-          <a:ln>
-            <a:noFill/>
-          </a:ln>
-        </p:spPr>
-        <p:style>
-          <a:lnRef idx="0">
-            <a:scrgbClr r="0" g="0" b="0"/>
-          </a:lnRef>
-          <a:fillRef idx="0">
-            <a:scrgbClr r="0" g="0" b="0"/>
-          </a:fillRef>
-          <a:effectRef idx="0">
-            <a:scrgbClr r="0" g="0" b="0"/>
-          </a:effectRef>
-          <a:fontRef idx="minor">
-            <a:schemeClr val="dk1"/>
-          </a:fontRef>
-        </p:style>
-        <p:txBody>
-          <a:bodyPr wrap="square" rtlCol="0">
-            <a:spAutoFit/>
-          </a:bodyPr>
-          <a:lstStyle/>
-          <a:p>
-            <a:pPr marL="0" marR="0" lvl="0" indent="0" algn="l" defTabSz="914400" rtl="0" eaLnBrk="1" fontAlgn="base" latinLnBrk="0" hangingPunct="1">
-              <a:lnSpc>
-                <a:spcPct val="100000"/>
-              </a:lnSpc>
-              <a:spcBef>
-                <a:spcPct val="0"/>
-              </a:spcBef>
-              <a:spcAft>
-                <a:spcPct val="0"/>
-              </a:spcAft>
-              <a:buClrTx/>
-              <a:buSzTx/>
-              <a:buFontTx/>
-              <a:buNone/>
-              <a:tabLst/>
-              <a:defRPr/>
-            </a:pPr>
-            <a:r>
-              <a:rPr kumimoji="1" lang="ja-JP" altLang="en-US" sz="2200" b="0" i="0" u="none" strike="noStrike" kern="1200" cap="none" spc="0" normalizeH="0" baseline="0" noProof="0" dirty="0">
-                <a:ln>
-                  <a:noFill/>
-                </a:ln>
-                <a:solidFill>
-                  <a:schemeClr val="bg1"/>
-                </a:solidFill>
-                <a:effectLst/>
-                <a:uLnTx/>
-                <a:uFillTx/>
-                <a:latin typeface="HG創英角ｺﾞｼｯｸUB" panose="020B0909000000000000" pitchFamily="49" charset="-128"/>
-                <a:ea typeface="HG創英角ｺﾞｼｯｸUB" panose="020B0909000000000000" pitchFamily="49" charset="-128"/>
-                <a:cs typeface="+mn-cs"/>
-              </a:rPr>
-              <a:t>１</a:t>
-            </a:r>
-            <a:r>
-              <a:rPr kumimoji="1" lang="en-US" altLang="ja-JP" sz="2200" b="1" i="0" u="none" strike="noStrike" kern="1200" cap="none" spc="0" normalizeH="0" baseline="0" noProof="0" dirty="0">
-                <a:ln>
-                  <a:noFill/>
-                </a:ln>
-                <a:solidFill>
-                  <a:schemeClr val="bg1"/>
-                </a:solidFill>
-                <a:effectLst/>
-                <a:uLnTx/>
-                <a:uFillTx/>
-                <a:latin typeface="HG創英角ｺﾞｼｯｸUB" panose="020B0909000000000000" pitchFamily="49" charset="-128"/>
-                <a:ea typeface="HG創英角ｺﾞｼｯｸUB" panose="020B0909000000000000" pitchFamily="49" charset="-128"/>
-                <a:cs typeface="+mn-cs"/>
-              </a:rPr>
-              <a:t>.</a:t>
-            </a:r>
-            <a:r>
-              <a:rPr kumimoji="1" lang="ja-JP" altLang="en-US" sz="2200" b="0" i="0" u="none" strike="noStrike" kern="1200" cap="none" spc="0" normalizeH="0" baseline="0" noProof="0" dirty="0">
-                <a:ln>
-                  <a:noFill/>
-                </a:ln>
-                <a:solidFill>
-                  <a:schemeClr val="bg1"/>
-                </a:solidFill>
-                <a:effectLst/>
-                <a:uLnTx/>
-                <a:uFillTx/>
-                <a:latin typeface="HG創英角ｺﾞｼｯｸUB" panose="020B0909000000000000" pitchFamily="49" charset="-128"/>
-                <a:ea typeface="HG創英角ｺﾞｼｯｸUB" panose="020B0909000000000000" pitchFamily="49" charset="-128"/>
-                <a:cs typeface="+mn-cs"/>
-              </a:rPr>
-              <a:t>機能</a:t>
-            </a:r>
-            <a:endParaRPr kumimoji="1" lang="en-US" altLang="ja-JP" sz="2200" b="0" i="0" u="none" strike="noStrike" kern="1200" cap="none" spc="0" normalizeH="0" baseline="0" noProof="0" dirty="0">
-              <a:ln>
-                <a:noFill/>
-              </a:ln>
-              <a:solidFill>
-                <a:schemeClr val="bg1"/>
-              </a:solidFill>
-              <a:effectLst/>
-              <a:uLnTx/>
-              <a:uFillTx/>
-              <a:latin typeface="HG創英角ｺﾞｼｯｸUB" panose="020B0909000000000000" pitchFamily="49" charset="-128"/>
-              <a:ea typeface="HG創英角ｺﾞｼｯｸUB" panose="020B0909000000000000" pitchFamily="49" charset="-128"/>
-              <a:cs typeface="+mn-cs"/>
-            </a:endParaRPr>
-          </a:p>
-        </p:txBody>
-      </p:sp>
-      <p:sp>
-        <p:nvSpPr>
-          <p:cNvPr id="10" name="テキスト ボックス 9">
-            <a:extLst>
-              <a:ext uri="{FF2B5EF4-FFF2-40B4-BE49-F238E27FC236}">
-                <a16:creationId xmlns:a16="http://schemas.microsoft.com/office/drawing/2014/main" id="{6B6DE600-02D5-4297-AB70-824D28CEE6FA}"/>
-              </a:ext>
-            </a:extLst>
-          </p:cNvPr>
-          <p:cNvSpPr txBox="1"/>
-          <p:nvPr/>
-        </p:nvSpPr>
-        <p:spPr>
-          <a:xfrm>
-            <a:off x="4123686" y="274701"/>
-            <a:ext cx="2016000" cy="446276"/>
-          </a:xfrm>
-          <a:prstGeom prst="rect">
-            <a:avLst/>
-          </a:prstGeom>
-          <a:noFill/>
-          <a:ln>
-            <a:noFill/>
-          </a:ln>
-        </p:spPr>
-        <p:style>
-          <a:lnRef idx="0">
-            <a:scrgbClr r="0" g="0" b="0"/>
-          </a:lnRef>
-          <a:fillRef idx="0">
-            <a:scrgbClr r="0" g="0" b="0"/>
-          </a:fillRef>
-          <a:effectRef idx="0">
-            <a:scrgbClr r="0" g="0" b="0"/>
-          </a:effectRef>
-          <a:fontRef idx="minor">
-            <a:schemeClr val="dk1"/>
-          </a:fontRef>
-        </p:style>
-        <p:txBody>
-          <a:bodyPr wrap="square" rtlCol="0">
-            <a:spAutoFit/>
-          </a:bodyPr>
-          <a:lstStyle/>
-          <a:p>
-            <a:pPr marL="0" marR="0" lvl="0" indent="0" algn="l" defTabSz="914400" rtl="0" eaLnBrk="1" fontAlgn="base" latinLnBrk="0" hangingPunct="1">
-              <a:lnSpc>
-                <a:spcPct val="100000"/>
-              </a:lnSpc>
-              <a:spcBef>
-                <a:spcPct val="0"/>
-              </a:spcBef>
-              <a:spcAft>
-                <a:spcPct val="0"/>
-              </a:spcAft>
-              <a:buClrTx/>
-              <a:buSzTx/>
-              <a:buFontTx/>
-              <a:buNone/>
-              <a:tabLst/>
-              <a:defRPr/>
-            </a:pPr>
-            <a:r>
-              <a:rPr kumimoji="1" lang="ja-JP" altLang="en-US" sz="2200" b="0" i="0" u="none" strike="noStrike" kern="1200" cap="none" spc="0" normalizeH="0" baseline="0" noProof="0" dirty="0">
-                <a:ln>
-                  <a:noFill/>
-                </a:ln>
-                <a:solidFill>
-                  <a:srgbClr val="70AD47">
-                    <a:lumMod val="60000"/>
-                    <a:lumOff val="40000"/>
-                  </a:srgbClr>
-                </a:solidFill>
-                <a:effectLst/>
-                <a:uLnTx/>
-                <a:uFillTx/>
-                <a:latin typeface="HG創英角ｺﾞｼｯｸUB" panose="020B0909000000000000" pitchFamily="49" charset="-128"/>
-                <a:ea typeface="HG創英角ｺﾞｼｯｸUB" panose="020B0909000000000000" pitchFamily="49" charset="-128"/>
-                <a:cs typeface="+mn-cs"/>
-              </a:rPr>
-              <a:t>３</a:t>
-            </a:r>
-            <a:r>
-              <a:rPr kumimoji="1" lang="en-US" altLang="ja-JP" sz="2200" b="1" i="0" u="none" strike="noStrike" kern="1200" cap="none" spc="0" normalizeH="0" baseline="0" noProof="0" dirty="0">
-                <a:ln>
-                  <a:noFill/>
-                </a:ln>
-                <a:solidFill>
-                  <a:srgbClr val="70AD47">
-                    <a:lumMod val="60000"/>
-                    <a:lumOff val="40000"/>
-                  </a:srgbClr>
-                </a:solidFill>
-                <a:effectLst/>
-                <a:uLnTx/>
-                <a:uFillTx/>
-                <a:latin typeface="HG創英角ｺﾞｼｯｸUB" panose="020B0909000000000000" pitchFamily="49" charset="-128"/>
-                <a:ea typeface="HG創英角ｺﾞｼｯｸUB" panose="020B0909000000000000" pitchFamily="49" charset="-128"/>
-                <a:cs typeface="+mn-cs"/>
-              </a:rPr>
-              <a:t>.</a:t>
-            </a:r>
-            <a:r>
-              <a:rPr kumimoji="1" lang="ja-JP" altLang="en-US" sz="2200" b="0" i="0" u="none" strike="noStrike" kern="1200" cap="none" spc="0" normalizeH="0" baseline="0" noProof="0" dirty="0">
-                <a:ln>
-                  <a:noFill/>
-                </a:ln>
-                <a:solidFill>
-                  <a:srgbClr val="70AD47">
-                    <a:lumMod val="60000"/>
-                    <a:lumOff val="40000"/>
-                  </a:srgbClr>
-                </a:solidFill>
-                <a:effectLst/>
-                <a:uLnTx/>
-                <a:uFillTx/>
-                <a:latin typeface="HG創英角ｺﾞｼｯｸUB" panose="020B0909000000000000" pitchFamily="49" charset="-128"/>
-                <a:ea typeface="HG創英角ｺﾞｼｯｸUB" panose="020B0909000000000000" pitchFamily="49" charset="-128"/>
-                <a:cs typeface="+mn-cs"/>
-              </a:rPr>
-              <a:t>振る舞い①</a:t>
-            </a:r>
-            <a:endParaRPr kumimoji="1" lang="en-US" altLang="ja-JP" sz="2200" b="0" i="0" u="none" strike="noStrike" kern="1200" cap="none" spc="0" normalizeH="0" baseline="0" noProof="0" dirty="0">
-              <a:ln>
-                <a:noFill/>
-              </a:ln>
-              <a:solidFill>
-                <a:srgbClr val="70AD47">
-                  <a:lumMod val="60000"/>
-                  <a:lumOff val="40000"/>
-                </a:srgbClr>
-              </a:solidFill>
-              <a:effectLst/>
-              <a:uLnTx/>
-              <a:uFillTx/>
-              <a:latin typeface="HG創英角ｺﾞｼｯｸUB" panose="020B0909000000000000" pitchFamily="49" charset="-128"/>
-              <a:ea typeface="HG創英角ｺﾞｼｯｸUB" panose="020B0909000000000000" pitchFamily="49" charset="-128"/>
-              <a:cs typeface="+mn-cs"/>
-            </a:endParaRPr>
-          </a:p>
-        </p:txBody>
-      </p:sp>
-      <p:sp>
-        <p:nvSpPr>
-          <p:cNvPr id="16" name="テキスト ボックス 15">
-            <a:extLst>
-              <a:ext uri="{FF2B5EF4-FFF2-40B4-BE49-F238E27FC236}">
-                <a16:creationId xmlns:a16="http://schemas.microsoft.com/office/drawing/2014/main" id="{B2857B95-E44E-4693-9BF6-518968E8AB21}"/>
-              </a:ext>
-            </a:extLst>
-          </p:cNvPr>
-          <p:cNvSpPr txBox="1"/>
-          <p:nvPr/>
-        </p:nvSpPr>
-        <p:spPr>
-          <a:xfrm>
-            <a:off x="8441559" y="270996"/>
-            <a:ext cx="1445666" cy="430887"/>
-          </a:xfrm>
-          <a:prstGeom prst="rect">
-            <a:avLst/>
-          </a:prstGeom>
-          <a:noFill/>
-          <a:ln>
-            <a:noFill/>
-          </a:ln>
-        </p:spPr>
-        <p:style>
-          <a:lnRef idx="0">
-            <a:scrgbClr r="0" g="0" b="0"/>
-          </a:lnRef>
-          <a:fillRef idx="0">
-            <a:scrgbClr r="0" g="0" b="0"/>
-          </a:fillRef>
-          <a:effectRef idx="0">
-            <a:scrgbClr r="0" g="0" b="0"/>
-          </a:effectRef>
-          <a:fontRef idx="minor">
-            <a:schemeClr val="dk1"/>
-          </a:fontRef>
-        </p:style>
-        <p:txBody>
-          <a:bodyPr wrap="square" rtlCol="0">
-            <a:spAutoFit/>
-          </a:bodyPr>
-          <a:lstStyle/>
-          <a:p>
-            <a:pPr marL="0" marR="0" lvl="0" indent="0" algn="l" defTabSz="914400" rtl="0" eaLnBrk="1" fontAlgn="base" latinLnBrk="0" hangingPunct="1">
-              <a:lnSpc>
-                <a:spcPct val="100000"/>
-              </a:lnSpc>
-              <a:spcBef>
-                <a:spcPct val="0"/>
-              </a:spcBef>
-              <a:spcAft>
-                <a:spcPct val="0"/>
-              </a:spcAft>
-              <a:buClrTx/>
-              <a:buSzTx/>
-              <a:buFontTx/>
-              <a:buNone/>
-              <a:tabLst/>
-              <a:defRPr/>
-            </a:pPr>
-            <a:r>
-              <a:rPr kumimoji="1" lang="ja-JP" altLang="en-US" sz="2200" b="0" i="0" u="none" strike="noStrike" kern="1200" cap="none" spc="0" normalizeH="0" baseline="0" noProof="0" dirty="0">
-                <a:ln>
-                  <a:noFill/>
-                </a:ln>
-                <a:solidFill>
-                  <a:srgbClr val="70AD47">
-                    <a:lumMod val="60000"/>
-                    <a:lumOff val="40000"/>
-                  </a:srgbClr>
-                </a:solidFill>
-                <a:effectLst/>
-                <a:uLnTx/>
-                <a:uFillTx/>
-                <a:latin typeface="HG創英角ｺﾞｼｯｸUB" panose="020B0909000000000000" pitchFamily="49" charset="-128"/>
-                <a:ea typeface="HG創英角ｺﾞｼｯｸUB" panose="020B0909000000000000" pitchFamily="49" charset="-128"/>
-                <a:cs typeface="+mn-cs"/>
-              </a:rPr>
-              <a:t>４</a:t>
-            </a:r>
-            <a:r>
-              <a:rPr kumimoji="1" lang="en-US" altLang="ja-JP" sz="2200" b="1" i="0" u="none" strike="noStrike" kern="1200" cap="none" spc="0" normalizeH="0" baseline="0" noProof="0" dirty="0">
-                <a:ln>
-                  <a:noFill/>
-                </a:ln>
-                <a:solidFill>
-                  <a:srgbClr val="70AD47">
-                    <a:lumMod val="60000"/>
-                    <a:lumOff val="40000"/>
-                  </a:srgbClr>
-                </a:solidFill>
-                <a:effectLst/>
-                <a:uLnTx/>
-                <a:uFillTx/>
-                <a:latin typeface="HG創英角ｺﾞｼｯｸUB" panose="020B0909000000000000" pitchFamily="49" charset="-128"/>
-                <a:ea typeface="HG創英角ｺﾞｼｯｸUB" panose="020B0909000000000000" pitchFamily="49" charset="-128"/>
-                <a:cs typeface="+mn-cs"/>
-              </a:rPr>
-              <a:t>.</a:t>
-            </a:r>
-            <a:r>
-              <a:rPr kumimoji="1" lang="ja-JP" altLang="en-US" sz="2200" b="0" i="0" u="none" strike="noStrike" kern="1200" cap="none" spc="0" normalizeH="0" baseline="0" noProof="0" dirty="0">
-                <a:ln>
-                  <a:noFill/>
-                </a:ln>
-                <a:solidFill>
-                  <a:srgbClr val="70AD47">
-                    <a:lumMod val="60000"/>
-                    <a:lumOff val="40000"/>
-                  </a:srgbClr>
-                </a:solidFill>
-                <a:effectLst/>
-                <a:uLnTx/>
-                <a:uFillTx/>
-                <a:latin typeface="HG創英角ｺﾞｼｯｸUB" panose="020B0909000000000000" pitchFamily="49" charset="-128"/>
-                <a:ea typeface="HG創英角ｺﾞｼｯｸUB" panose="020B0909000000000000" pitchFamily="49" charset="-128"/>
-                <a:cs typeface="+mn-cs"/>
-              </a:rPr>
-              <a:t>工夫点</a:t>
-            </a:r>
-            <a:endParaRPr kumimoji="1" lang="en-US" altLang="ja-JP" sz="2200" b="0" i="0" u="none" strike="noStrike" kern="1200" cap="none" spc="0" normalizeH="0" baseline="0" noProof="0" dirty="0">
-              <a:ln>
-                <a:noFill/>
-              </a:ln>
-              <a:solidFill>
-                <a:srgbClr val="70AD47">
-                  <a:lumMod val="60000"/>
-                  <a:lumOff val="40000"/>
-                </a:srgbClr>
-              </a:solidFill>
-              <a:effectLst/>
-              <a:uLnTx/>
-              <a:uFillTx/>
-              <a:latin typeface="HG創英角ｺﾞｼｯｸUB" panose="020B0909000000000000" pitchFamily="49" charset="-128"/>
-              <a:ea typeface="HG創英角ｺﾞｼｯｸUB" panose="020B0909000000000000" pitchFamily="49" charset="-128"/>
-              <a:cs typeface="+mn-cs"/>
-            </a:endParaRPr>
-          </a:p>
-        </p:txBody>
-      </p:sp>
-      <p:grpSp>
-        <p:nvGrpSpPr>
-          <p:cNvPr id="55" name="グループ化 54">
-            <a:extLst>
-              <a:ext uri="{FF2B5EF4-FFF2-40B4-BE49-F238E27FC236}">
-                <a16:creationId xmlns:a16="http://schemas.microsoft.com/office/drawing/2014/main" id="{66DA5DDC-1FCA-4B84-8E66-5E6C712B95C5}"/>
-              </a:ext>
-            </a:extLst>
-          </p:cNvPr>
-          <p:cNvGrpSpPr/>
-          <p:nvPr/>
-        </p:nvGrpSpPr>
-        <p:grpSpPr>
-          <a:xfrm>
-            <a:off x="136104" y="2856384"/>
-            <a:ext cx="3657516" cy="719129"/>
-            <a:chOff x="100800" y="3511732"/>
-            <a:chExt cx="3657516" cy="719129"/>
-          </a:xfrm>
-        </p:grpSpPr>
-        <p:sp>
-          <p:nvSpPr>
-            <p:cNvPr id="5" name="テキスト ボックス 4">
-              <a:extLst>
-                <a:ext uri="{FF2B5EF4-FFF2-40B4-BE49-F238E27FC236}">
-                  <a16:creationId xmlns:a16="http://schemas.microsoft.com/office/drawing/2014/main" id="{39B023B9-74EB-485E-B7A9-2E7916E6C963}"/>
-                </a:ext>
-              </a:extLst>
-            </p:cNvPr>
-            <p:cNvSpPr txBox="1"/>
-            <p:nvPr/>
-          </p:nvSpPr>
-          <p:spPr>
-            <a:xfrm>
-              <a:off x="100800" y="3815363"/>
-              <a:ext cx="3657516" cy="415498"/>
-            </a:xfrm>
-            <a:prstGeom prst="rect">
-              <a:avLst/>
-            </a:prstGeom>
-            <a:noFill/>
-          </p:spPr>
-          <p:txBody>
-            <a:bodyPr wrap="square" rtlCol="0">
-              <a:spAutoFit/>
-            </a:bodyPr>
-            <a:lstStyle/>
-            <a:p>
-              <a:pPr marL="0" marR="0" lvl="0" indent="0" algn="l" defTabSz="914400" rtl="0" eaLnBrk="1" fontAlgn="base" latinLnBrk="0" hangingPunct="1">
-                <a:lnSpc>
-                  <a:spcPct val="100000"/>
-                </a:lnSpc>
-                <a:spcBef>
-                  <a:spcPct val="0"/>
-                </a:spcBef>
-                <a:spcAft>
-                  <a:spcPct val="0"/>
-                </a:spcAft>
-                <a:buClrTx/>
-                <a:buSzTx/>
-                <a:buFontTx/>
-                <a:buNone/>
-                <a:tabLst/>
-                <a:defRPr/>
-              </a:pPr>
-              <a:r>
-                <a:rPr kumimoji="1" lang="ja-JP" altLang="en-US" sz="1050" b="0" i="0" u="none" strike="noStrike" kern="1200" cap="none" spc="0" normalizeH="0" baseline="0" noProof="0" dirty="0">
-                  <a:ln>
-                    <a:noFill/>
-                  </a:ln>
-                  <a:solidFill>
-                    <a:prstClr val="black"/>
-                  </a:solidFill>
-                  <a:effectLst/>
-                  <a:uLnTx/>
-                  <a:uFillTx/>
-                  <a:latin typeface="メイリオ" panose="020B0604030504040204" pitchFamily="50" charset="-128"/>
-                  <a:ea typeface="メイリオ" panose="020B0604030504040204" pitchFamily="50" charset="-128"/>
-                </a:rPr>
-                <a:t>機能を実現するための方法をユースケース記述、処理順序をアクティビティ図に示す。</a:t>
-              </a:r>
-              <a:endParaRPr kumimoji="1" lang="ja-JP" altLang="en-US" sz="1400" b="0" i="0" u="none" strike="noStrike" kern="1200" cap="none" spc="0" normalizeH="0" baseline="0" noProof="0" dirty="0">
-                <a:ln>
-                  <a:noFill/>
-                </a:ln>
-                <a:solidFill>
-                  <a:prstClr val="black"/>
-                </a:solidFill>
-                <a:effectLst/>
-                <a:uLnTx/>
-                <a:uFillTx/>
-                <a:latin typeface="HG丸ｺﾞｼｯｸM-PRO" panose="020F0600000000000000" pitchFamily="50" charset="-128"/>
-                <a:ea typeface="HG丸ｺﾞｼｯｸM-PRO" panose="020F0600000000000000" pitchFamily="50" charset="-128"/>
-                <a:cs typeface="+mn-cs"/>
-              </a:endParaRPr>
-            </a:p>
-          </p:txBody>
-        </p:sp>
-        <p:sp>
-          <p:nvSpPr>
-            <p:cNvPr id="28" name="テキスト ボックス 27">
-              <a:extLst>
-                <a:ext uri="{FF2B5EF4-FFF2-40B4-BE49-F238E27FC236}">
-                  <a16:creationId xmlns:a16="http://schemas.microsoft.com/office/drawing/2014/main" id="{BC656E32-26A4-4666-809A-9F95C9E4C140}"/>
-                </a:ext>
-              </a:extLst>
-            </p:cNvPr>
-            <p:cNvSpPr txBox="1"/>
-            <p:nvPr/>
-          </p:nvSpPr>
-          <p:spPr>
-            <a:xfrm>
-              <a:off x="100800" y="3511732"/>
-              <a:ext cx="2033121" cy="338554"/>
-            </a:xfrm>
-            <a:prstGeom prst="rect">
-              <a:avLst/>
-            </a:prstGeom>
-            <a:noFill/>
-          </p:spPr>
-          <p:txBody>
-            <a:bodyPr wrap="square" rtlCol="0">
-              <a:spAutoFit/>
-            </a:bodyPr>
-            <a:lstStyle/>
-            <a:p>
-              <a:pPr marL="0" marR="0" lvl="0" indent="0" algn="l" defTabSz="914400" rtl="0" eaLnBrk="1" fontAlgn="base" latinLnBrk="0" hangingPunct="1">
-                <a:lnSpc>
-                  <a:spcPct val="100000"/>
-                </a:lnSpc>
-                <a:spcBef>
-                  <a:spcPct val="0"/>
-                </a:spcBef>
-                <a:spcAft>
-                  <a:spcPct val="0"/>
-                </a:spcAft>
-                <a:buClrTx/>
-                <a:buSzTx/>
-                <a:buFontTx/>
-                <a:buNone/>
-                <a:tabLst/>
-                <a:defRPr/>
-              </a:pPr>
-              <a:r>
-                <a:rPr kumimoji="1" lang="ja-JP" altLang="en-US" sz="1600" b="1" i="0" u="none" strike="noStrike" kern="1200" cap="none" spc="0" normalizeH="0" baseline="0" noProof="0" dirty="0">
-                  <a:ln>
-                    <a:noFill/>
-                  </a:ln>
-                  <a:solidFill>
-                    <a:prstClr val="black"/>
-                  </a:solidFill>
-                  <a:effectLst/>
-                  <a:uLnTx/>
-                  <a:uFillTx/>
-                  <a:latin typeface="+mn-ea"/>
-                  <a:ea typeface="+mn-ea"/>
-                  <a:cs typeface="+mn-cs"/>
-                </a:rPr>
-                <a:t>２．機能要件</a:t>
-              </a:r>
-              <a:endParaRPr kumimoji="1" lang="ja-JP" altLang="en-US" sz="1600" b="0" i="0" u="none" strike="noStrike" kern="1200" cap="none" spc="0" normalizeH="0" baseline="0" noProof="0" dirty="0">
-                <a:ln>
-                  <a:noFill/>
-                </a:ln>
-                <a:solidFill>
-                  <a:prstClr val="black"/>
-                </a:solidFill>
-                <a:effectLst/>
-                <a:uLnTx/>
-                <a:uFillTx/>
-                <a:latin typeface="+mn-ea"/>
-                <a:ea typeface="+mn-ea"/>
-                <a:cs typeface="+mn-cs"/>
-              </a:endParaRPr>
-            </a:p>
-          </p:txBody>
-        </p:sp>
-        <p:cxnSp>
-          <p:nvCxnSpPr>
-            <p:cNvPr id="29" name="直線コネクタ 28">
-              <a:extLst>
-                <a:ext uri="{FF2B5EF4-FFF2-40B4-BE49-F238E27FC236}">
-                  <a16:creationId xmlns:a16="http://schemas.microsoft.com/office/drawing/2014/main" id="{5912503A-9432-4EF7-8DAE-A3C6B8B3A324}"/>
-                </a:ext>
-              </a:extLst>
-            </p:cNvPr>
-            <p:cNvCxnSpPr>
-              <a:cxnSpLocks/>
-            </p:cNvCxnSpPr>
-            <p:nvPr/>
-          </p:nvCxnSpPr>
-          <p:spPr>
-            <a:xfrm>
-              <a:off x="226039" y="3815363"/>
-              <a:ext cx="3472820" cy="0"/>
-            </a:xfrm>
-            <a:prstGeom prst="line">
-              <a:avLst/>
-            </a:prstGeom>
-            <a:ln w="38100">
-              <a:solidFill>
-                <a:schemeClr val="accent6"/>
-              </a:solidFill>
-            </a:ln>
-          </p:spPr>
-          <p:style>
-            <a:lnRef idx="1">
-              <a:schemeClr val="accent1"/>
-            </a:lnRef>
-            <a:fillRef idx="0">
-              <a:schemeClr val="accent1"/>
-            </a:fillRef>
-            <a:effectRef idx="0">
-              <a:schemeClr val="accent1"/>
-            </a:effectRef>
-            <a:fontRef idx="minor">
-              <a:schemeClr val="tx1"/>
-            </a:fontRef>
-          </p:style>
-        </p:cxnSp>
-      </p:grpSp>
-      <p:cxnSp>
-        <p:nvCxnSpPr>
-          <p:cNvPr id="30" name="直線コネクタ 29">
-            <a:extLst>
-              <a:ext uri="{FF2B5EF4-FFF2-40B4-BE49-F238E27FC236}">
-                <a16:creationId xmlns:a16="http://schemas.microsoft.com/office/drawing/2014/main" id="{09A79F65-2C6D-4369-97B6-E1511ADE470A}"/>
-              </a:ext>
-            </a:extLst>
-          </p:cNvPr>
-          <p:cNvCxnSpPr>
-            <a:cxnSpLocks/>
-          </p:cNvCxnSpPr>
-          <p:nvPr/>
-        </p:nvCxnSpPr>
-        <p:spPr>
-          <a:xfrm>
-            <a:off x="6711332" y="720977"/>
-            <a:ext cx="0" cy="5735788"/>
-          </a:xfrm>
-          <a:prstGeom prst="line">
-            <a:avLst/>
-          </a:prstGeom>
-          <a:ln/>
-        </p:spPr>
-        <p:style>
-          <a:lnRef idx="1">
-            <a:schemeClr val="accent6"/>
-          </a:lnRef>
-          <a:fillRef idx="0">
-            <a:schemeClr val="accent6"/>
-          </a:fillRef>
-          <a:effectRef idx="0">
-            <a:schemeClr val="accent6"/>
-          </a:effectRef>
-          <a:fontRef idx="minor">
-            <a:schemeClr val="tx1"/>
-          </a:fontRef>
-        </p:style>
-      </p:cxnSp>
-      <p:cxnSp>
-        <p:nvCxnSpPr>
-          <p:cNvPr id="189" name="直線コネクタ 188">
-            <a:extLst>
-              <a:ext uri="{FF2B5EF4-FFF2-40B4-BE49-F238E27FC236}">
-                <a16:creationId xmlns:a16="http://schemas.microsoft.com/office/drawing/2014/main" id="{E6358B48-3216-49A4-A3FD-342E3FC66910}"/>
-              </a:ext>
-            </a:extLst>
-          </p:cNvPr>
-          <p:cNvCxnSpPr>
-            <a:cxnSpLocks/>
-          </p:cNvCxnSpPr>
-          <p:nvPr/>
-        </p:nvCxnSpPr>
-        <p:spPr>
-          <a:xfrm>
-            <a:off x="3879114" y="766991"/>
-            <a:ext cx="1406" cy="5689774"/>
-          </a:xfrm>
-          <a:prstGeom prst="line">
-            <a:avLst/>
-          </a:prstGeom>
-          <a:ln/>
-        </p:spPr>
-        <p:style>
-          <a:lnRef idx="1">
-            <a:schemeClr val="accent6"/>
-          </a:lnRef>
-          <a:fillRef idx="0">
-            <a:schemeClr val="accent6"/>
-          </a:fillRef>
-          <a:effectRef idx="0">
-            <a:schemeClr val="accent6"/>
-          </a:effectRef>
-          <a:fontRef idx="minor">
-            <a:schemeClr val="tx1"/>
-          </a:fontRef>
-        </p:style>
-      </p:cxnSp>
-      <p:sp>
-        <p:nvSpPr>
-          <p:cNvPr id="31" name="テキスト ボックス 30">
-            <a:extLst>
-              <a:ext uri="{FF2B5EF4-FFF2-40B4-BE49-F238E27FC236}">
-                <a16:creationId xmlns:a16="http://schemas.microsoft.com/office/drawing/2014/main" id="{6B40DD60-3B56-42E8-A561-2ABDE7CB3975}"/>
-              </a:ext>
-            </a:extLst>
-          </p:cNvPr>
-          <p:cNvSpPr txBox="1"/>
-          <p:nvPr/>
-        </p:nvSpPr>
-        <p:spPr>
-          <a:xfrm>
-            <a:off x="6749329" y="4512568"/>
-            <a:ext cx="2033121" cy="338554"/>
-          </a:xfrm>
-          <a:prstGeom prst="rect">
-            <a:avLst/>
-          </a:prstGeom>
-          <a:noFill/>
-        </p:spPr>
-        <p:txBody>
-          <a:bodyPr wrap="square" rtlCol="0">
-            <a:spAutoFit/>
-          </a:bodyPr>
-          <a:lstStyle/>
-          <a:p>
-            <a:pPr marL="0" marR="0" lvl="0" indent="0" algn="l" defTabSz="914400" rtl="0" eaLnBrk="1" fontAlgn="base" latinLnBrk="0" hangingPunct="1">
-              <a:lnSpc>
-                <a:spcPct val="100000"/>
-              </a:lnSpc>
-              <a:spcBef>
-                <a:spcPct val="0"/>
-              </a:spcBef>
-              <a:spcAft>
-                <a:spcPct val="0"/>
-              </a:spcAft>
-              <a:buClrTx/>
-              <a:buSzTx/>
-              <a:buFontTx/>
-              <a:buNone/>
-              <a:tabLst/>
-              <a:defRPr/>
-            </a:pPr>
-            <a:r>
-              <a:rPr lang="ja-JP" altLang="en-US" b="1" dirty="0">
-                <a:solidFill>
-                  <a:prstClr val="black"/>
-                </a:solidFill>
-                <a:latin typeface="游ゴシック" panose="020B0400000000000000" pitchFamily="50" charset="-128"/>
-                <a:ea typeface="游ゴシック" panose="020B0400000000000000" pitchFamily="50" charset="-128"/>
-              </a:rPr>
-              <a:t>補足１</a:t>
-            </a:r>
-            <a:r>
-              <a:rPr lang="en-US" altLang="ja-JP" b="1" dirty="0">
-                <a:solidFill>
-                  <a:prstClr val="black"/>
-                </a:solidFill>
-                <a:latin typeface="游ゴシック" panose="020B0400000000000000" pitchFamily="50" charset="-128"/>
-                <a:ea typeface="游ゴシック" panose="020B0400000000000000" pitchFamily="50" charset="-128"/>
-              </a:rPr>
-              <a:t>.</a:t>
-            </a:r>
-            <a:r>
-              <a:rPr lang="ja-JP" altLang="en-US" b="1" dirty="0">
-                <a:solidFill>
-                  <a:prstClr val="black"/>
-                </a:solidFill>
-                <a:latin typeface="游ゴシック" panose="020B0400000000000000" pitchFamily="50" charset="-128"/>
-                <a:ea typeface="游ゴシック" panose="020B0400000000000000" pitchFamily="50" charset="-128"/>
-              </a:rPr>
-              <a:t> タスク一覧</a:t>
-            </a:r>
-            <a:endParaRPr lang="en-US" altLang="ja-JP" b="1" dirty="0">
-              <a:solidFill>
-                <a:prstClr val="black"/>
-              </a:solidFill>
-              <a:latin typeface="游ゴシック" panose="020B0400000000000000" pitchFamily="50" charset="-128"/>
-              <a:ea typeface="游ゴシック" panose="020B0400000000000000" pitchFamily="50" charset="-128"/>
-            </a:endParaRPr>
-          </a:p>
-        </p:txBody>
-      </p:sp>
-      <p:cxnSp>
-        <p:nvCxnSpPr>
-          <p:cNvPr id="32" name="直線コネクタ 31">
-            <a:extLst>
-              <a:ext uri="{FF2B5EF4-FFF2-40B4-BE49-F238E27FC236}">
-                <a16:creationId xmlns:a16="http://schemas.microsoft.com/office/drawing/2014/main" id="{AB3BAA60-22E0-4DE9-95B6-563F487F0A6F}"/>
-              </a:ext>
-            </a:extLst>
-          </p:cNvPr>
-          <p:cNvCxnSpPr>
-            <a:cxnSpLocks/>
-          </p:cNvCxnSpPr>
-          <p:nvPr/>
-        </p:nvCxnSpPr>
-        <p:spPr>
-          <a:xfrm>
-            <a:off x="6760840" y="984176"/>
-            <a:ext cx="5835862" cy="0"/>
-          </a:xfrm>
-          <a:prstGeom prst="line">
-            <a:avLst/>
-          </a:prstGeom>
-          <a:ln w="38100">
-            <a:solidFill>
-              <a:schemeClr val="accent6"/>
-            </a:solidFill>
-          </a:ln>
-        </p:spPr>
-        <p:style>
-          <a:lnRef idx="1">
-            <a:schemeClr val="accent1"/>
-          </a:lnRef>
-          <a:fillRef idx="0">
-            <a:schemeClr val="accent1"/>
-          </a:fillRef>
-          <a:effectRef idx="0">
-            <a:schemeClr val="accent1"/>
-          </a:effectRef>
-          <a:fontRef idx="minor">
-            <a:schemeClr val="tx1"/>
-          </a:fontRef>
-        </p:style>
-      </p:cxnSp>
-      <p:sp>
-        <p:nvSpPr>
-          <p:cNvPr id="18" name="テキスト ボックス 17">
-            <a:extLst>
-              <a:ext uri="{FF2B5EF4-FFF2-40B4-BE49-F238E27FC236}">
-                <a16:creationId xmlns:a16="http://schemas.microsoft.com/office/drawing/2014/main" id="{77E66A07-6580-4303-AB88-DEF042E624A0}"/>
-              </a:ext>
-            </a:extLst>
-          </p:cNvPr>
-          <p:cNvSpPr txBox="1"/>
-          <p:nvPr/>
-        </p:nvSpPr>
-        <p:spPr>
-          <a:xfrm>
-            <a:off x="6747542" y="4817150"/>
-            <a:ext cx="5956921" cy="415498"/>
-          </a:xfrm>
-          <a:prstGeom prst="rect">
-            <a:avLst/>
-          </a:prstGeom>
-          <a:noFill/>
-        </p:spPr>
-        <p:txBody>
-          <a:bodyPr wrap="square" rtlCol="0">
-            <a:spAutoFit/>
-          </a:bodyPr>
-          <a:lstStyle/>
-          <a:p>
-            <a:pPr marL="0" marR="0" lvl="0" indent="0" defTabSz="914400" rtl="0" eaLnBrk="1" fontAlgn="base" latinLnBrk="0" hangingPunct="1">
-              <a:lnSpc>
-                <a:spcPct val="100000"/>
-              </a:lnSpc>
-              <a:spcBef>
-                <a:spcPct val="0"/>
-              </a:spcBef>
-              <a:spcAft>
-                <a:spcPct val="0"/>
-              </a:spcAft>
-              <a:buClrTx/>
-              <a:buSzTx/>
-              <a:buFontTx/>
-              <a:buNone/>
-              <a:tabLst/>
-              <a:defRPr/>
-            </a:pPr>
-            <a:r>
-              <a:rPr kumimoji="1" lang="ja-JP" altLang="en-US" sz="1050" b="0" i="0" u="none" strike="noStrike" kern="1200" cap="none" spc="0" normalizeH="0" baseline="0" noProof="0" dirty="0">
-                <a:ln>
-                  <a:noFill/>
-                </a:ln>
-                <a:solidFill>
-                  <a:prstClr val="black"/>
-                </a:solidFill>
-                <a:effectLst/>
-                <a:uLnTx/>
-                <a:uFillTx/>
-                <a:latin typeface="メイリオ" panose="020B0604030504040204" pitchFamily="50" charset="-128"/>
-                <a:ea typeface="メイリオ" panose="020B0604030504040204" pitchFamily="50" charset="-128"/>
-              </a:rPr>
-              <a:t>走行体が提供する機能を実現するため、以下の周期タスクを定義する。なお、</a:t>
-            </a:r>
-            <a:r>
-              <a:rPr kumimoji="1" lang="ja-JP" altLang="en-US" sz="1050" b="1" i="0" u="none" strike="noStrike" kern="1200" cap="none" spc="0" normalizeH="0" baseline="0" noProof="0" dirty="0">
-                <a:ln>
-                  <a:noFill/>
-                </a:ln>
-                <a:solidFill>
-                  <a:srgbClr val="FF0000"/>
-                </a:solidFill>
-                <a:effectLst/>
-                <a:uLnTx/>
-                <a:uFillTx/>
-                <a:latin typeface="メイリオ" panose="020B0604030504040204" pitchFamily="50" charset="-128"/>
-                <a:ea typeface="メイリオ" panose="020B0604030504040204" pitchFamily="50" charset="-128"/>
-              </a:rPr>
-              <a:t>通信管理タスクと尻尾管理タスクは走行準備に含む</a:t>
-            </a:r>
-            <a:r>
-              <a:rPr lang="ja-JP" altLang="en-US" sz="1050" b="1" dirty="0">
-                <a:solidFill>
-                  <a:srgbClr val="FF0000"/>
-                </a:solidFill>
-                <a:latin typeface="メイリオ" panose="020B0604030504040204" pitchFamily="50" charset="-128"/>
-                <a:ea typeface="メイリオ" panose="020B0604030504040204" pitchFamily="50" charset="-128"/>
-              </a:rPr>
-              <a:t>ため、本モデルでは省略する</a:t>
-            </a:r>
-            <a:r>
-              <a:rPr kumimoji="1" lang="ja-JP" altLang="en-US" sz="1050" b="0" i="0" u="none" strike="noStrike" kern="1200" cap="none" spc="0" normalizeH="0" baseline="0" noProof="0" dirty="0" err="1">
-                <a:ln>
-                  <a:noFill/>
-                </a:ln>
-                <a:solidFill>
-                  <a:prstClr val="black"/>
-                </a:solidFill>
-                <a:effectLst/>
-                <a:uLnTx/>
-                <a:uFillTx/>
-                <a:latin typeface="メイリオ" panose="020B0604030504040204" pitchFamily="50" charset="-128"/>
-                <a:ea typeface="メイリオ" panose="020B0604030504040204" pitchFamily="50" charset="-128"/>
-              </a:rPr>
-              <a:t>。</a:t>
-            </a:r>
-            <a:endParaRPr kumimoji="1" lang="ja-JP" altLang="en-US" sz="1050" b="0" i="0" u="none" strike="noStrike" kern="1200" cap="none" spc="0" normalizeH="0" baseline="0" noProof="0" dirty="0">
-              <a:ln>
-                <a:noFill/>
-              </a:ln>
-              <a:solidFill>
-                <a:prstClr val="black"/>
-              </a:solidFill>
-              <a:effectLst/>
-              <a:uLnTx/>
-              <a:uFillTx/>
-              <a:latin typeface="メイリオ" panose="020B0604030504040204" pitchFamily="50" charset="-128"/>
-              <a:ea typeface="メイリオ" panose="020B0604030504040204" pitchFamily="50" charset="-128"/>
-            </a:endParaRPr>
-          </a:p>
-        </p:txBody>
-      </p:sp>
-      <p:grpSp>
-        <p:nvGrpSpPr>
-          <p:cNvPr id="58" name="グループ化 57">
-            <a:extLst>
-              <a:ext uri="{FF2B5EF4-FFF2-40B4-BE49-F238E27FC236}">
-                <a16:creationId xmlns:a16="http://schemas.microsoft.com/office/drawing/2014/main" id="{E51F7059-442B-4DE1-989C-F44DBD2224C3}"/>
-              </a:ext>
-            </a:extLst>
-          </p:cNvPr>
-          <p:cNvGrpSpPr/>
-          <p:nvPr/>
-        </p:nvGrpSpPr>
-        <p:grpSpPr>
-          <a:xfrm>
-            <a:off x="139708" y="732002"/>
-            <a:ext cx="3596796" cy="1188278"/>
-            <a:chOff x="71959" y="696144"/>
-            <a:chExt cx="3596796" cy="1188278"/>
-          </a:xfrm>
-        </p:grpSpPr>
-        <p:cxnSp>
-          <p:nvCxnSpPr>
-            <p:cNvPr id="25" name="直線コネクタ 24">
-              <a:extLst>
-                <a:ext uri="{FF2B5EF4-FFF2-40B4-BE49-F238E27FC236}">
-                  <a16:creationId xmlns:a16="http://schemas.microsoft.com/office/drawing/2014/main" id="{AF2DCC8C-2365-43AB-9E17-176AA07FFDED}"/>
-                </a:ext>
-              </a:extLst>
-            </p:cNvPr>
-            <p:cNvCxnSpPr>
-              <a:cxnSpLocks/>
-            </p:cNvCxnSpPr>
-            <p:nvPr/>
-          </p:nvCxnSpPr>
-          <p:spPr>
-            <a:xfrm>
-              <a:off x="160948" y="984176"/>
-              <a:ext cx="3507807" cy="645"/>
-            </a:xfrm>
-            <a:prstGeom prst="line">
-              <a:avLst/>
-            </a:prstGeom>
-            <a:ln w="38100">
-              <a:solidFill>
-                <a:schemeClr val="accent6"/>
-              </a:solidFill>
-            </a:ln>
-          </p:spPr>
-          <p:style>
-            <a:lnRef idx="1">
-              <a:schemeClr val="accent1"/>
-            </a:lnRef>
-            <a:fillRef idx="0">
-              <a:schemeClr val="accent1"/>
-            </a:fillRef>
-            <a:effectRef idx="0">
-              <a:schemeClr val="accent1"/>
-            </a:effectRef>
-            <a:fontRef idx="minor">
-              <a:schemeClr val="tx1"/>
-            </a:fontRef>
-          </p:style>
-        </p:cxnSp>
-        <p:sp>
-          <p:nvSpPr>
-            <p:cNvPr id="27" name="テキスト ボックス 26">
-              <a:extLst>
-                <a:ext uri="{FF2B5EF4-FFF2-40B4-BE49-F238E27FC236}">
-                  <a16:creationId xmlns:a16="http://schemas.microsoft.com/office/drawing/2014/main" id="{85955608-DD65-46B1-83AA-2FE595727633}"/>
-                </a:ext>
-              </a:extLst>
-            </p:cNvPr>
-            <p:cNvSpPr txBox="1"/>
-            <p:nvPr/>
-          </p:nvSpPr>
-          <p:spPr>
-            <a:xfrm>
-              <a:off x="73832" y="696144"/>
-              <a:ext cx="2002046" cy="338554"/>
-            </a:xfrm>
-            <a:prstGeom prst="rect">
-              <a:avLst/>
-            </a:prstGeom>
-            <a:noFill/>
-          </p:spPr>
-          <p:txBody>
-            <a:bodyPr wrap="square" rtlCol="0">
-              <a:spAutoFit/>
-            </a:bodyPr>
-            <a:lstStyle/>
-            <a:p>
-              <a:pPr marL="0" marR="0" lvl="0" indent="0" algn="l" defTabSz="914400" rtl="0" eaLnBrk="1" fontAlgn="base" latinLnBrk="0" hangingPunct="1">
-                <a:lnSpc>
-                  <a:spcPct val="100000"/>
-                </a:lnSpc>
-                <a:spcBef>
-                  <a:spcPct val="0"/>
-                </a:spcBef>
-                <a:spcAft>
-                  <a:spcPct val="0"/>
-                </a:spcAft>
-                <a:buClrTx/>
-                <a:buSzTx/>
-                <a:buFontTx/>
-                <a:buNone/>
-                <a:tabLst/>
-                <a:defRPr/>
-              </a:pPr>
-              <a:r>
-                <a:rPr kumimoji="1" lang="ja-JP" altLang="en-US" b="1" i="0" u="none" strike="noStrike" kern="1200" cap="none" spc="0" normalizeH="0" baseline="0" noProof="0" dirty="0">
-                  <a:ln>
-                    <a:noFill/>
-                  </a:ln>
-                  <a:solidFill>
-                    <a:prstClr val="black"/>
-                  </a:solidFill>
-                  <a:effectLst/>
-                  <a:uLnTx/>
-                  <a:uFillTx/>
-                  <a:latin typeface="游ゴシック" panose="020B0400000000000000" pitchFamily="50" charset="-128"/>
-                  <a:ea typeface="游ゴシック" panose="020B0400000000000000" pitchFamily="50" charset="-128"/>
-                </a:rPr>
-                <a:t>１．提供する機能</a:t>
-              </a:r>
-            </a:p>
-          </p:txBody>
-        </p:sp>
-        <p:sp>
-          <p:nvSpPr>
-            <p:cNvPr id="21" name="テキスト ボックス 20">
-              <a:extLst>
-                <a:ext uri="{FF2B5EF4-FFF2-40B4-BE49-F238E27FC236}">
-                  <a16:creationId xmlns:a16="http://schemas.microsoft.com/office/drawing/2014/main" id="{AC58BE73-6899-4CE2-8F40-BFDDFD555F64}"/>
-                </a:ext>
-              </a:extLst>
-            </p:cNvPr>
-            <p:cNvSpPr txBox="1"/>
-            <p:nvPr/>
-          </p:nvSpPr>
-          <p:spPr>
-            <a:xfrm>
-              <a:off x="71959" y="984176"/>
-              <a:ext cx="3589959" cy="900246"/>
-            </a:xfrm>
-            <a:prstGeom prst="rect">
-              <a:avLst/>
-            </a:prstGeom>
-            <a:noFill/>
-          </p:spPr>
-          <p:txBody>
-            <a:bodyPr wrap="square" rtlCol="0">
-              <a:spAutoFit/>
-            </a:bodyPr>
-            <a:lstStyle/>
-            <a:p>
-              <a:r>
-                <a:rPr kumimoji="1" lang="ja-JP" altLang="en-US" sz="1050" dirty="0">
-                  <a:latin typeface="メイリオ" panose="020B0604030504040204" pitchFamily="50" charset="-128"/>
-                  <a:ea typeface="メイリオ" panose="020B0604030504040204" pitchFamily="50" charset="-128"/>
-                </a:rPr>
-                <a:t>走行体は競技者に「コースを完走する」という機能</a:t>
-              </a:r>
-              <a:r>
-                <a:rPr lang="ja-JP" altLang="en-US" sz="1050" dirty="0">
-                  <a:latin typeface="メイリオ" panose="020B0604030504040204" pitchFamily="50" charset="-128"/>
-                  <a:ea typeface="メイリオ" panose="020B0604030504040204" pitchFamily="50" charset="-128"/>
-                </a:rPr>
-                <a:t>を提供する</a:t>
-              </a:r>
-              <a:r>
-                <a:rPr kumimoji="1" lang="ja-JP" altLang="en-US" sz="1050" dirty="0">
-                  <a:latin typeface="メイリオ" panose="020B0604030504040204" pitchFamily="50" charset="-128"/>
-                  <a:ea typeface="メイリオ" panose="020B0604030504040204" pitchFamily="50" charset="-128"/>
-                </a:rPr>
-                <a:t>。今回我々は</a:t>
-              </a:r>
-              <a:r>
-                <a:rPr lang="ja-JP" altLang="en-US" sz="1050" dirty="0">
-                  <a:latin typeface="メイリオ" panose="020B0604030504040204" pitchFamily="50" charset="-128"/>
-                  <a:ea typeface="メイリオ" panose="020B0604030504040204" pitchFamily="50" charset="-128"/>
-                </a:rPr>
-                <a:t>、「コースを完走する」という課題をスタート動作を終えてからゴールゲートを通過するまでの動作と定義した。なお、</a:t>
-              </a:r>
-              <a:r>
-                <a:rPr lang="ja-JP" altLang="en-US" sz="1050" b="1" dirty="0">
-                  <a:solidFill>
-                    <a:srgbClr val="FF0000"/>
-                  </a:solidFill>
-                  <a:latin typeface="メイリオ" panose="020B0604030504040204" pitchFamily="50" charset="-128"/>
-                  <a:ea typeface="メイリオ" panose="020B0604030504040204" pitchFamily="50" charset="-128"/>
-                </a:rPr>
-                <a:t>それ以外の動作は走行準備とし、その定義は以下に示す</a:t>
-              </a:r>
-              <a:r>
-                <a:rPr lang="ja-JP" altLang="en-US" sz="1050" dirty="0">
-                  <a:latin typeface="メイリオ" panose="020B0604030504040204" pitchFamily="50" charset="-128"/>
-                  <a:ea typeface="メイリオ" panose="020B0604030504040204" pitchFamily="50" charset="-128"/>
-                </a:rPr>
-                <a:t>。</a:t>
-              </a:r>
-              <a:endParaRPr kumimoji="1" lang="ja-JP" altLang="en-US" sz="1050" dirty="0">
-                <a:latin typeface="メイリオ" panose="020B0604030504040204" pitchFamily="50" charset="-128"/>
-                <a:ea typeface="メイリオ" panose="020B0604030504040204" pitchFamily="50" charset="-128"/>
-              </a:endParaRPr>
-            </a:p>
-          </p:txBody>
-        </p:sp>
-      </p:grpSp>
-      <p:sp>
-        <p:nvSpPr>
-          <p:cNvPr id="40" name="テキスト ボックス 39">
-            <a:extLst>
-              <a:ext uri="{FF2B5EF4-FFF2-40B4-BE49-F238E27FC236}">
-                <a16:creationId xmlns:a16="http://schemas.microsoft.com/office/drawing/2014/main" id="{E2D8B73A-328F-4A9E-AE6C-EA2D211F573C}"/>
-              </a:ext>
-            </a:extLst>
-          </p:cNvPr>
-          <p:cNvSpPr txBox="1"/>
-          <p:nvPr/>
-        </p:nvSpPr>
-        <p:spPr>
-          <a:xfrm>
-            <a:off x="100800" y="6467720"/>
-            <a:ext cx="2787106" cy="338554"/>
-          </a:xfrm>
-          <a:prstGeom prst="rect">
-            <a:avLst/>
-          </a:prstGeom>
-          <a:noFill/>
-        </p:spPr>
-        <p:txBody>
-          <a:bodyPr wrap="square" rtlCol="0">
-            <a:spAutoFit/>
-          </a:bodyPr>
-          <a:lstStyle/>
-          <a:p>
-            <a:r>
-              <a:rPr kumimoji="1" lang="ja-JP" altLang="en-US" b="1" dirty="0">
-                <a:latin typeface="+mn-lt"/>
-                <a:ea typeface="+mn-ea"/>
-              </a:rPr>
-              <a:t>補足２</a:t>
-            </a:r>
-            <a:r>
-              <a:rPr lang="en-US" altLang="ja-JP" b="1" dirty="0">
-                <a:latin typeface="+mn-lt"/>
-                <a:ea typeface="+mn-ea"/>
-              </a:rPr>
-              <a:t> .</a:t>
-            </a:r>
-            <a:r>
-              <a:rPr lang="ja-JP" altLang="en-US" b="1" dirty="0">
-                <a:latin typeface="+mn-lt"/>
-                <a:ea typeface="+mn-ea"/>
-              </a:rPr>
-              <a:t> </a:t>
-            </a:r>
-            <a:r>
-              <a:rPr kumimoji="1" lang="ja-JP" altLang="en-US" b="1" dirty="0">
-                <a:latin typeface="+mn-lt"/>
-                <a:ea typeface="+mn-ea"/>
-              </a:rPr>
-              <a:t>区間分けについて</a:t>
-            </a:r>
-          </a:p>
-        </p:txBody>
-      </p:sp>
-      <p:cxnSp>
-        <p:nvCxnSpPr>
-          <p:cNvPr id="46" name="直線コネクタ 45">
-            <a:extLst>
-              <a:ext uri="{FF2B5EF4-FFF2-40B4-BE49-F238E27FC236}">
-                <a16:creationId xmlns:a16="http://schemas.microsoft.com/office/drawing/2014/main" id="{7B7E49AE-87B6-4A4A-9EEE-5603F5C42F0C}"/>
-              </a:ext>
-            </a:extLst>
-          </p:cNvPr>
-          <p:cNvCxnSpPr>
-            <a:cxnSpLocks/>
-          </p:cNvCxnSpPr>
-          <p:nvPr/>
-        </p:nvCxnSpPr>
-        <p:spPr>
-          <a:xfrm>
-            <a:off x="189098" y="6744816"/>
-            <a:ext cx="3348265" cy="8563"/>
-          </a:xfrm>
-          <a:prstGeom prst="line">
-            <a:avLst/>
-          </a:prstGeom>
-          <a:ln w="38100">
-            <a:solidFill>
-              <a:schemeClr val="accent6"/>
-            </a:solidFill>
-          </a:ln>
-        </p:spPr>
-        <p:style>
-          <a:lnRef idx="1">
-            <a:schemeClr val="accent1"/>
-          </a:lnRef>
-          <a:fillRef idx="0">
-            <a:schemeClr val="accent1"/>
-          </a:fillRef>
-          <a:effectRef idx="0">
-            <a:schemeClr val="accent1"/>
-          </a:effectRef>
-          <a:fontRef idx="minor">
-            <a:schemeClr val="tx1"/>
-          </a:fontRef>
-        </p:style>
-      </p:cxnSp>
-      <p:sp>
-        <p:nvSpPr>
-          <p:cNvPr id="41" name="テキスト ボックス 40">
-            <a:extLst>
-              <a:ext uri="{FF2B5EF4-FFF2-40B4-BE49-F238E27FC236}">
-                <a16:creationId xmlns:a16="http://schemas.microsoft.com/office/drawing/2014/main" id="{1990CCDD-53C3-474C-B0DD-D925E5C4B440}"/>
-              </a:ext>
-            </a:extLst>
-          </p:cNvPr>
-          <p:cNvSpPr txBox="1"/>
-          <p:nvPr/>
-        </p:nvSpPr>
-        <p:spPr>
-          <a:xfrm>
-            <a:off x="116613" y="6753379"/>
-            <a:ext cx="3472820" cy="577081"/>
-          </a:xfrm>
-          <a:prstGeom prst="rect">
-            <a:avLst/>
-          </a:prstGeom>
-          <a:noFill/>
-        </p:spPr>
-        <p:txBody>
-          <a:bodyPr wrap="square" rtlCol="0">
-            <a:spAutoFit/>
-          </a:bodyPr>
-          <a:lstStyle/>
-          <a:p>
-            <a:r>
-              <a:rPr lang="ja-JP" altLang="en-US" sz="1050" dirty="0">
-                <a:latin typeface="メイリオ" panose="020B0604030504040204" pitchFamily="50" charset="-128"/>
-                <a:ea typeface="メイリオ" panose="020B0604030504040204" pitchFamily="50" charset="-128"/>
-              </a:rPr>
-              <a:t>コースを以下のように分割し、区間ごとに走行設定を変える。</a:t>
-            </a:r>
-            <a:r>
-              <a:rPr lang="ja-JP" altLang="en-US" sz="1050" b="1" dirty="0">
-                <a:solidFill>
-                  <a:srgbClr val="FF0000"/>
-                </a:solidFill>
-                <a:latin typeface="メイリオ" panose="020B0604030504040204" pitchFamily="50" charset="-128"/>
-                <a:ea typeface="メイリオ" panose="020B0604030504040204" pitchFamily="50" charset="-128"/>
-              </a:rPr>
-              <a:t>今回のコースは線対称であるため、</a:t>
-            </a:r>
-            <a:r>
-              <a:rPr lang="en-US" altLang="ja-JP" sz="1050" b="1" dirty="0">
-                <a:solidFill>
-                  <a:srgbClr val="FF0000"/>
-                </a:solidFill>
-                <a:latin typeface="メイリオ" panose="020B0604030504040204" pitchFamily="50" charset="-128"/>
-                <a:ea typeface="メイリオ" panose="020B0604030504040204" pitchFamily="50" charset="-128"/>
-              </a:rPr>
-              <a:t>R</a:t>
-            </a:r>
-            <a:r>
-              <a:rPr lang="ja-JP" altLang="en-US" sz="1050" b="1" dirty="0">
-                <a:solidFill>
-                  <a:srgbClr val="FF0000"/>
-                </a:solidFill>
-                <a:latin typeface="メイリオ" panose="020B0604030504040204" pitchFamily="50" charset="-128"/>
-                <a:ea typeface="メイリオ" panose="020B0604030504040204" pitchFamily="50" charset="-128"/>
-              </a:rPr>
-              <a:t>コースの区間分けについては省略する</a:t>
-            </a:r>
-            <a:r>
-              <a:rPr lang="ja-JP" altLang="en-US" sz="1050" dirty="0">
-                <a:latin typeface="メイリオ" panose="020B0604030504040204" pitchFamily="50" charset="-128"/>
-                <a:ea typeface="メイリオ" panose="020B0604030504040204" pitchFamily="50" charset="-128"/>
-              </a:rPr>
-              <a:t>。</a:t>
-            </a:r>
-            <a:endParaRPr kumimoji="1" lang="ja-JP" altLang="en-US" sz="1050" dirty="0">
-              <a:latin typeface="メイリオ" panose="020B0604030504040204" pitchFamily="50" charset="-128"/>
-              <a:ea typeface="メイリオ" panose="020B0604030504040204" pitchFamily="50" charset="-128"/>
-            </a:endParaRPr>
-          </a:p>
-        </p:txBody>
-      </p:sp>
-      <p:cxnSp>
-        <p:nvCxnSpPr>
-          <p:cNvPr id="52" name="直線コネクタ 51">
-            <a:extLst>
-              <a:ext uri="{FF2B5EF4-FFF2-40B4-BE49-F238E27FC236}">
-                <a16:creationId xmlns:a16="http://schemas.microsoft.com/office/drawing/2014/main" id="{64E09D1F-E5F0-483A-8945-8DE5F7ABF40E}"/>
-              </a:ext>
-            </a:extLst>
-          </p:cNvPr>
-          <p:cNvCxnSpPr/>
-          <p:nvPr/>
-        </p:nvCxnSpPr>
-        <p:spPr>
-          <a:xfrm>
-            <a:off x="160948" y="6493714"/>
-            <a:ext cx="12360532" cy="46014"/>
-          </a:xfrm>
-          <a:prstGeom prst="line">
-            <a:avLst/>
-          </a:prstGeom>
-        </p:spPr>
-        <p:style>
-          <a:lnRef idx="1">
-            <a:schemeClr val="accent6"/>
-          </a:lnRef>
-          <a:fillRef idx="0">
-            <a:schemeClr val="accent6"/>
-          </a:fillRef>
-          <a:effectRef idx="0">
-            <a:schemeClr val="accent6"/>
-          </a:effectRef>
-          <a:fontRef idx="minor">
-            <a:schemeClr val="tx1"/>
-          </a:fontRef>
-        </p:style>
-      </p:cxnSp>
-      <p:sp>
-        <p:nvSpPr>
-          <p:cNvPr id="57" name="テキスト ボックス 56">
-            <a:extLst>
-              <a:ext uri="{FF2B5EF4-FFF2-40B4-BE49-F238E27FC236}">
-                <a16:creationId xmlns:a16="http://schemas.microsoft.com/office/drawing/2014/main" id="{1B150A4B-10E9-4BB5-B403-616F7408FD46}"/>
-              </a:ext>
-            </a:extLst>
-          </p:cNvPr>
-          <p:cNvSpPr txBox="1"/>
-          <p:nvPr/>
-        </p:nvSpPr>
-        <p:spPr>
-          <a:xfrm>
-            <a:off x="12262313" y="5685224"/>
-            <a:ext cx="388479" cy="577081"/>
-          </a:xfrm>
-          <a:prstGeom prst="rect">
-            <a:avLst/>
-          </a:prstGeom>
-          <a:noFill/>
-        </p:spPr>
-        <p:txBody>
-          <a:bodyPr wrap="square" rtlCol="0">
-            <a:spAutoFit/>
-          </a:bodyPr>
-          <a:lstStyle/>
-          <a:p>
-            <a:r>
-              <a:rPr kumimoji="1" lang="ja-JP" altLang="en-US" sz="1050" b="1" dirty="0">
-                <a:latin typeface="游ゴシック" panose="020B0400000000000000" pitchFamily="50" charset="-128"/>
-                <a:ea typeface="游ゴシック" panose="020B0400000000000000" pitchFamily="50" charset="-128"/>
-              </a:rPr>
-              <a:t>優先度</a:t>
-            </a:r>
-          </a:p>
-        </p:txBody>
-      </p:sp>
-      <p:cxnSp>
-        <p:nvCxnSpPr>
-          <p:cNvPr id="59" name="直線矢印コネクタ 58">
-            <a:extLst>
-              <a:ext uri="{FF2B5EF4-FFF2-40B4-BE49-F238E27FC236}">
-                <a16:creationId xmlns:a16="http://schemas.microsoft.com/office/drawing/2014/main" id="{6677F529-FCA5-4895-83EB-48FA3E8A9943}"/>
-              </a:ext>
-            </a:extLst>
-          </p:cNvPr>
-          <p:cNvCxnSpPr>
-            <a:cxnSpLocks/>
-          </p:cNvCxnSpPr>
-          <p:nvPr/>
-        </p:nvCxnSpPr>
-        <p:spPr>
-          <a:xfrm>
-            <a:off x="12089432" y="5499766"/>
-            <a:ext cx="0" cy="934139"/>
-          </a:xfrm>
-          <a:prstGeom prst="straightConnector1">
-            <a:avLst/>
-          </a:prstGeom>
-          <a:ln>
-            <a:headEnd type="triangle"/>
-            <a:tailEnd type="triangle"/>
-          </a:ln>
-        </p:spPr>
-        <p:style>
-          <a:lnRef idx="3">
-            <a:schemeClr val="accent6"/>
-          </a:lnRef>
-          <a:fillRef idx="0">
-            <a:schemeClr val="accent6"/>
-          </a:fillRef>
-          <a:effectRef idx="2">
-            <a:schemeClr val="accent6"/>
-          </a:effectRef>
-          <a:fontRef idx="minor">
-            <a:schemeClr val="tx1"/>
-          </a:fontRef>
-        </p:style>
-      </p:cxnSp>
-      <p:sp>
-        <p:nvSpPr>
-          <p:cNvPr id="60" name="テキスト ボックス 59">
-            <a:extLst>
-              <a:ext uri="{FF2B5EF4-FFF2-40B4-BE49-F238E27FC236}">
-                <a16:creationId xmlns:a16="http://schemas.microsoft.com/office/drawing/2014/main" id="{29C12542-0869-4D76-8D7B-52826EE139AF}"/>
-              </a:ext>
-            </a:extLst>
-          </p:cNvPr>
-          <p:cNvSpPr txBox="1"/>
-          <p:nvPr/>
-        </p:nvSpPr>
-        <p:spPr>
-          <a:xfrm>
-            <a:off x="12117755" y="5434066"/>
-            <a:ext cx="143017" cy="253916"/>
-          </a:xfrm>
-          <a:prstGeom prst="rect">
-            <a:avLst/>
-          </a:prstGeom>
-          <a:noFill/>
-        </p:spPr>
-        <p:txBody>
-          <a:bodyPr wrap="square" rtlCol="0">
-            <a:spAutoFit/>
-          </a:bodyPr>
-          <a:lstStyle/>
-          <a:p>
-            <a:r>
-              <a:rPr kumimoji="1" lang="ja-JP" altLang="en-US" sz="1050" b="1" dirty="0">
-                <a:latin typeface="游ゴシック" panose="020B0400000000000000" pitchFamily="50" charset="-128"/>
-                <a:ea typeface="游ゴシック" panose="020B0400000000000000" pitchFamily="50" charset="-128"/>
-              </a:rPr>
-              <a:t>高</a:t>
-            </a:r>
-          </a:p>
-        </p:txBody>
-      </p:sp>
-      <p:sp>
-        <p:nvSpPr>
-          <p:cNvPr id="62" name="テキスト ボックス 61">
-            <a:extLst>
-              <a:ext uri="{FF2B5EF4-FFF2-40B4-BE49-F238E27FC236}">
-                <a16:creationId xmlns:a16="http://schemas.microsoft.com/office/drawing/2014/main" id="{11D9CFFE-DE57-48C6-AAE1-6511EADD9E72}"/>
-              </a:ext>
-            </a:extLst>
-          </p:cNvPr>
-          <p:cNvSpPr txBox="1"/>
-          <p:nvPr/>
-        </p:nvSpPr>
-        <p:spPr>
-          <a:xfrm>
-            <a:off x="12090678" y="6257071"/>
-            <a:ext cx="290711" cy="253916"/>
-          </a:xfrm>
-          <a:prstGeom prst="rect">
-            <a:avLst/>
-          </a:prstGeom>
-          <a:noFill/>
-        </p:spPr>
-        <p:txBody>
-          <a:bodyPr wrap="square" rtlCol="0">
-            <a:spAutoFit/>
-          </a:bodyPr>
-          <a:lstStyle/>
-          <a:p>
-            <a:r>
-              <a:rPr kumimoji="1" lang="ja-JP" altLang="en-US" sz="1050" b="1" dirty="0">
-                <a:latin typeface="游ゴシック" panose="020B0400000000000000" pitchFamily="50" charset="-128"/>
-                <a:ea typeface="游ゴシック" panose="020B0400000000000000" pitchFamily="50" charset="-128"/>
-              </a:rPr>
-              <a:t>低</a:t>
-            </a:r>
-          </a:p>
-        </p:txBody>
-      </p:sp>
-      <p:sp>
-        <p:nvSpPr>
-          <p:cNvPr id="140" name="テキスト ボックス 139">
-            <a:extLst>
-              <a:ext uri="{FF2B5EF4-FFF2-40B4-BE49-F238E27FC236}">
-                <a16:creationId xmlns:a16="http://schemas.microsoft.com/office/drawing/2014/main" id="{D7CFF42B-D74E-4DFF-AB89-02B7F1AFC41E}"/>
-              </a:ext>
-            </a:extLst>
-          </p:cNvPr>
-          <p:cNvSpPr txBox="1"/>
-          <p:nvPr/>
-        </p:nvSpPr>
-        <p:spPr>
-          <a:xfrm>
-            <a:off x="6681316" y="696144"/>
-            <a:ext cx="1762490" cy="338554"/>
-          </a:xfrm>
-          <a:prstGeom prst="rect">
-            <a:avLst/>
-          </a:prstGeom>
-          <a:noFill/>
-        </p:spPr>
-        <p:txBody>
-          <a:bodyPr wrap="square" rtlCol="0">
-            <a:spAutoFit/>
-          </a:bodyPr>
-          <a:lstStyle/>
-          <a:p>
-            <a:r>
-              <a:rPr lang="ja-JP" altLang="en-US" b="1" dirty="0">
-                <a:latin typeface="游ゴシック" panose="020B0400000000000000" pitchFamily="50" charset="-128"/>
-                <a:ea typeface="游ゴシック" panose="020B0400000000000000" pitchFamily="50" charset="-128"/>
-              </a:rPr>
-              <a:t>３</a:t>
-            </a:r>
-            <a:r>
-              <a:rPr kumimoji="1" lang="en-US" altLang="ja-JP" b="1" dirty="0">
-                <a:latin typeface="游ゴシック" panose="020B0400000000000000" pitchFamily="50" charset="-128"/>
-                <a:ea typeface="游ゴシック" panose="020B0400000000000000" pitchFamily="50" charset="-128"/>
-              </a:rPr>
-              <a:t>.</a:t>
-            </a:r>
-            <a:r>
-              <a:rPr lang="ja-JP" altLang="en-US" b="1" dirty="0">
-                <a:latin typeface="游ゴシック" panose="020B0400000000000000" pitchFamily="50" charset="-128"/>
-                <a:ea typeface="游ゴシック" panose="020B0400000000000000" pitchFamily="50" charset="-128"/>
-              </a:rPr>
-              <a:t> 部品の定義</a:t>
-            </a:r>
-            <a:endParaRPr kumimoji="1" lang="ja-JP" altLang="en-US" b="1" dirty="0">
-              <a:latin typeface="游ゴシック" panose="020B0400000000000000" pitchFamily="50" charset="-128"/>
-              <a:ea typeface="游ゴシック" panose="020B0400000000000000" pitchFamily="50" charset="-128"/>
-            </a:endParaRPr>
-          </a:p>
-        </p:txBody>
-      </p:sp>
-      <p:cxnSp>
-        <p:nvCxnSpPr>
-          <p:cNvPr id="84" name="直線コネクタ 83">
-            <a:extLst>
-              <a:ext uri="{FF2B5EF4-FFF2-40B4-BE49-F238E27FC236}">
-                <a16:creationId xmlns:a16="http://schemas.microsoft.com/office/drawing/2014/main" id="{15E1CCFD-5AEB-4C66-B546-2AAF74EE85E6}"/>
-              </a:ext>
-            </a:extLst>
-          </p:cNvPr>
-          <p:cNvCxnSpPr>
-            <a:cxnSpLocks/>
-          </p:cNvCxnSpPr>
-          <p:nvPr/>
-        </p:nvCxnSpPr>
-        <p:spPr>
-          <a:xfrm>
-            <a:off x="6823501" y="4800600"/>
-            <a:ext cx="5805002" cy="0"/>
-          </a:xfrm>
-          <a:prstGeom prst="line">
-            <a:avLst/>
-          </a:prstGeom>
-          <a:ln w="38100">
-            <a:solidFill>
-              <a:schemeClr val="accent6"/>
-            </a:solidFill>
-          </a:ln>
-        </p:spPr>
-        <p:style>
-          <a:lnRef idx="1">
-            <a:schemeClr val="accent1"/>
-          </a:lnRef>
-          <a:fillRef idx="0">
-            <a:schemeClr val="accent1"/>
-          </a:fillRef>
-          <a:effectRef idx="0">
-            <a:schemeClr val="accent1"/>
-          </a:effectRef>
-          <a:fontRef idx="minor">
-            <a:schemeClr val="tx1"/>
-          </a:fontRef>
-        </p:style>
-      </p:cxnSp>
-      <p:sp>
-        <p:nvSpPr>
-          <p:cNvPr id="141" name="テキスト ボックス 140">
-            <a:extLst>
-              <a:ext uri="{FF2B5EF4-FFF2-40B4-BE49-F238E27FC236}">
-                <a16:creationId xmlns:a16="http://schemas.microsoft.com/office/drawing/2014/main" id="{B10EFDE6-791C-4BE0-871C-5814C9379A41}"/>
-              </a:ext>
-            </a:extLst>
-          </p:cNvPr>
-          <p:cNvSpPr txBox="1"/>
-          <p:nvPr/>
-        </p:nvSpPr>
-        <p:spPr>
-          <a:xfrm>
-            <a:off x="6724671" y="984176"/>
-            <a:ext cx="5941427" cy="415498"/>
-          </a:xfrm>
-          <a:prstGeom prst="rect">
-            <a:avLst/>
-          </a:prstGeom>
-          <a:noFill/>
-        </p:spPr>
-        <p:txBody>
-          <a:bodyPr wrap="square" rtlCol="0">
-            <a:spAutoFit/>
-          </a:bodyPr>
-          <a:lstStyle/>
-          <a:p>
-            <a:r>
-              <a:rPr kumimoji="1" lang="ja-JP" altLang="en-US" sz="1050" dirty="0">
-                <a:latin typeface="メイリオ" panose="020B0604030504040204" pitchFamily="50" charset="-128"/>
-                <a:ea typeface="メイリオ" panose="020B0604030504040204" pitchFamily="50" charset="-128"/>
-              </a:rPr>
-              <a:t>機能を実現するために必要な部品を以下の表に示す。なお、</a:t>
-            </a:r>
-            <a:r>
-              <a:rPr kumimoji="1" lang="ja-JP" altLang="en-US" sz="1050" b="1" dirty="0">
-                <a:solidFill>
-                  <a:srgbClr val="FF0000"/>
-                </a:solidFill>
-                <a:latin typeface="メイリオ" panose="020B0604030504040204" pitchFamily="50" charset="-128"/>
-                <a:ea typeface="メイリオ" panose="020B0604030504040204" pitchFamily="50" charset="-128"/>
-              </a:rPr>
-              <a:t>左側のアルファベットはクラス図のラベルと対応している</a:t>
-            </a:r>
-            <a:r>
-              <a:rPr kumimoji="1" lang="ja-JP" altLang="en-US" sz="1050" dirty="0">
-                <a:latin typeface="メイリオ" panose="020B0604030504040204" pitchFamily="50" charset="-128"/>
-                <a:ea typeface="メイリオ" panose="020B0604030504040204" pitchFamily="50" charset="-128"/>
-              </a:rPr>
-              <a:t>。</a:t>
-            </a:r>
-          </a:p>
-        </p:txBody>
-      </p:sp>
-      <p:cxnSp>
-        <p:nvCxnSpPr>
-          <p:cNvPr id="17" name="直線コネクタ 16">
-            <a:extLst>
-              <a:ext uri="{FF2B5EF4-FFF2-40B4-BE49-F238E27FC236}">
-                <a16:creationId xmlns:a16="http://schemas.microsoft.com/office/drawing/2014/main" id="{4D256DCA-63BA-4C0C-AA1F-527D41D15395}"/>
-              </a:ext>
-            </a:extLst>
-          </p:cNvPr>
-          <p:cNvCxnSpPr/>
-          <p:nvPr/>
-        </p:nvCxnSpPr>
-        <p:spPr>
-          <a:xfrm>
-            <a:off x="3589433" y="6576677"/>
-            <a:ext cx="0" cy="2870814"/>
-          </a:xfrm>
-          <a:prstGeom prst="line">
-            <a:avLst/>
-          </a:prstGeom>
-        </p:spPr>
-        <p:style>
-          <a:lnRef idx="1">
-            <a:schemeClr val="accent6"/>
-          </a:lnRef>
-          <a:fillRef idx="0">
-            <a:schemeClr val="accent6"/>
-          </a:fillRef>
-          <a:effectRef idx="0">
-            <a:schemeClr val="accent6"/>
-          </a:effectRef>
-          <a:fontRef idx="minor">
-            <a:schemeClr val="tx1"/>
-          </a:fontRef>
-        </p:style>
-      </p:cxnSp>
-      <p:cxnSp>
-        <p:nvCxnSpPr>
-          <p:cNvPr id="24" name="直線コネクタ 23">
-            <a:extLst>
-              <a:ext uri="{FF2B5EF4-FFF2-40B4-BE49-F238E27FC236}">
-                <a16:creationId xmlns:a16="http://schemas.microsoft.com/office/drawing/2014/main" id="{E2AACA7E-6500-4249-9BB6-325CE74060EE}"/>
-              </a:ext>
-            </a:extLst>
-          </p:cNvPr>
-          <p:cNvCxnSpPr>
-            <a:cxnSpLocks/>
-          </p:cNvCxnSpPr>
-          <p:nvPr/>
-        </p:nvCxnSpPr>
-        <p:spPr>
-          <a:xfrm>
-            <a:off x="7110285" y="6617350"/>
-            <a:ext cx="0" cy="2503730"/>
-          </a:xfrm>
-          <a:prstGeom prst="line">
-            <a:avLst/>
-          </a:prstGeom>
-        </p:spPr>
-        <p:style>
-          <a:lnRef idx="1">
-            <a:schemeClr val="accent6"/>
-          </a:lnRef>
-          <a:fillRef idx="0">
-            <a:schemeClr val="accent6"/>
-          </a:fillRef>
-          <a:effectRef idx="0">
-            <a:schemeClr val="accent6"/>
-          </a:effectRef>
-          <a:fontRef idx="minor">
-            <a:schemeClr val="tx1"/>
-          </a:fontRef>
-        </p:style>
-      </p:cxnSp>
-      <p:sp>
-        <p:nvSpPr>
-          <p:cNvPr id="26" name="テキスト ボックス 25">
-            <a:extLst>
-              <a:ext uri="{FF2B5EF4-FFF2-40B4-BE49-F238E27FC236}">
-                <a16:creationId xmlns:a16="http://schemas.microsoft.com/office/drawing/2014/main" id="{3D279E56-7D62-4819-95B0-1A07BCCE1D6B}"/>
-              </a:ext>
-            </a:extLst>
-          </p:cNvPr>
-          <p:cNvSpPr txBox="1"/>
-          <p:nvPr/>
-        </p:nvSpPr>
-        <p:spPr>
-          <a:xfrm>
-            <a:off x="7149945" y="6528792"/>
-            <a:ext cx="5547192" cy="415498"/>
-          </a:xfrm>
-          <a:prstGeom prst="rect">
-            <a:avLst/>
-          </a:prstGeom>
-          <a:noFill/>
-        </p:spPr>
-        <p:txBody>
-          <a:bodyPr wrap="square" rtlCol="0">
-            <a:spAutoFit/>
-          </a:bodyPr>
-          <a:lstStyle/>
-          <a:p>
-            <a:r>
-              <a:rPr kumimoji="1" lang="ja-JP" altLang="en-US" sz="1050" dirty="0">
-                <a:latin typeface="メイリオ" panose="020B0604030504040204" pitchFamily="50" charset="-128"/>
-                <a:ea typeface="メイリオ" panose="020B0604030504040204" pitchFamily="50" charset="-128"/>
-              </a:rPr>
-              <a:t>各区間における区間パラメータの一覧を以下の表に示す。なお、区間パラメータとはスタートラインから区間終了までの距離、区間内での前進指令量をまとめたものである。</a:t>
-            </a:r>
-          </a:p>
-        </p:txBody>
-      </p:sp>
-      <p:grpSp>
-        <p:nvGrpSpPr>
-          <p:cNvPr id="113" name="グループ化 112">
-            <a:extLst>
-              <a:ext uri="{FF2B5EF4-FFF2-40B4-BE49-F238E27FC236}">
-                <a16:creationId xmlns:a16="http://schemas.microsoft.com/office/drawing/2014/main" id="{DC6A58FB-4B09-41C6-8E7B-D8941E8F8C42}"/>
-              </a:ext>
-            </a:extLst>
-          </p:cNvPr>
-          <p:cNvGrpSpPr/>
-          <p:nvPr/>
-        </p:nvGrpSpPr>
-        <p:grpSpPr>
-          <a:xfrm>
-            <a:off x="3543512" y="6472270"/>
-            <a:ext cx="3482216" cy="848610"/>
-            <a:chOff x="3543512" y="6555429"/>
-            <a:chExt cx="3482216" cy="848610"/>
-          </a:xfrm>
-        </p:grpSpPr>
-        <p:sp>
-          <p:nvSpPr>
-            <p:cNvPr id="36" name="テキスト ボックス 35">
-              <a:extLst>
-                <a:ext uri="{FF2B5EF4-FFF2-40B4-BE49-F238E27FC236}">
-                  <a16:creationId xmlns:a16="http://schemas.microsoft.com/office/drawing/2014/main" id="{1EBD3ECD-D939-4A9E-8A7A-191B21E513BE}"/>
-                </a:ext>
-              </a:extLst>
-            </p:cNvPr>
-            <p:cNvSpPr txBox="1"/>
-            <p:nvPr/>
-          </p:nvSpPr>
-          <p:spPr>
-            <a:xfrm>
-              <a:off x="3649582" y="6826958"/>
-              <a:ext cx="3376146" cy="577081"/>
-            </a:xfrm>
-            <a:prstGeom prst="rect">
-              <a:avLst/>
-            </a:prstGeom>
-            <a:ln w="38100">
-              <a:solidFill>
-                <a:srgbClr val="FF0000"/>
-              </a:solidFill>
-            </a:ln>
-          </p:spPr>
-          <p:style>
-            <a:lnRef idx="2">
-              <a:schemeClr val="accent2"/>
-            </a:lnRef>
-            <a:fillRef idx="1">
-              <a:schemeClr val="lt1"/>
-            </a:fillRef>
-            <a:effectRef idx="0">
-              <a:schemeClr val="accent2"/>
-            </a:effectRef>
-            <a:fontRef idx="minor">
-              <a:schemeClr val="dk1"/>
-            </a:fontRef>
-          </p:style>
-          <p:txBody>
-            <a:bodyPr wrap="square" rtlCol="0">
-              <a:spAutoFit/>
-            </a:bodyPr>
-            <a:lstStyle/>
-            <a:p>
-              <a:r>
-                <a:rPr kumimoji="1" lang="ja-JP" altLang="en-US" sz="1050" b="1" dirty="0">
-                  <a:solidFill>
-                    <a:schemeClr val="tx1"/>
-                  </a:solidFill>
-                  <a:latin typeface="メイリオ" panose="020B0604030504040204" pitchFamily="50" charset="-128"/>
-                  <a:ea typeface="メイリオ" panose="020B0604030504040204" pitchFamily="50" charset="-128"/>
-                </a:rPr>
-                <a:t>曲率制御で用いる旋回量と、</a:t>
-              </a:r>
-              <a:r>
-                <a:rPr kumimoji="1" lang="en-US" altLang="ja-JP" sz="1050" b="1" dirty="0">
-                  <a:solidFill>
-                    <a:schemeClr val="tx1"/>
-                  </a:solidFill>
-                  <a:latin typeface="メイリオ" panose="020B0604030504040204" pitchFamily="50" charset="-128"/>
-                  <a:ea typeface="メイリオ" panose="020B0604030504040204" pitchFamily="50" charset="-128"/>
-                </a:rPr>
-                <a:t>PID</a:t>
-              </a:r>
-              <a:r>
-                <a:rPr kumimoji="1" lang="ja-JP" altLang="en-US" sz="1050" b="1" dirty="0">
-                  <a:solidFill>
-                    <a:schemeClr val="tx1"/>
-                  </a:solidFill>
-                  <a:latin typeface="メイリオ" panose="020B0604030504040204" pitchFamily="50" charset="-128"/>
-                  <a:ea typeface="メイリオ" panose="020B0604030504040204" pitchFamily="50" charset="-128"/>
-                </a:rPr>
-                <a:t>係数を</a:t>
-              </a:r>
-              <a:r>
-                <a:rPr kumimoji="1" lang="en-US" altLang="ja-JP" sz="1050" b="1" dirty="0">
-                  <a:solidFill>
-                    <a:schemeClr val="tx1"/>
-                  </a:solidFill>
-                  <a:latin typeface="メイリオ" panose="020B0604030504040204" pitchFamily="50" charset="-128"/>
-                  <a:ea typeface="メイリオ" panose="020B0604030504040204" pitchFamily="50" charset="-128"/>
-                </a:rPr>
-                <a:t>15</a:t>
-              </a:r>
-              <a:r>
-                <a:rPr kumimoji="1" lang="ja-JP" altLang="en-US" sz="1050" b="1" dirty="0">
-                  <a:solidFill>
-                    <a:schemeClr val="tx1"/>
-                  </a:solidFill>
-                  <a:latin typeface="メイリオ" panose="020B0604030504040204" pitchFamily="50" charset="-128"/>
-                  <a:ea typeface="メイリオ" panose="020B0604030504040204" pitchFamily="50" charset="-128"/>
-                </a:rPr>
-                <a:t>区間すべてで調整するのは困難であるため、曲率の近い区間</a:t>
-              </a:r>
-              <a:r>
-                <a:rPr lang="ja-JP" altLang="en-US" sz="1050" b="1" dirty="0">
-                  <a:solidFill>
-                    <a:schemeClr val="tx1"/>
-                  </a:solidFill>
-                  <a:latin typeface="メイリオ" panose="020B0604030504040204" pitchFamily="50" charset="-128"/>
-                  <a:ea typeface="メイリオ" panose="020B0604030504040204" pitchFamily="50" charset="-128"/>
-                </a:rPr>
-                <a:t>で</a:t>
-              </a:r>
-              <a:r>
-                <a:rPr lang="en-US" altLang="ja-JP" sz="1050" b="1" dirty="0">
-                  <a:solidFill>
-                    <a:schemeClr val="tx1"/>
-                  </a:solidFill>
-                  <a:latin typeface="メイリオ" panose="020B0604030504040204" pitchFamily="50" charset="-128"/>
-                  <a:ea typeface="メイリオ" panose="020B0604030504040204" pitchFamily="50" charset="-128"/>
-                </a:rPr>
-                <a:t>4</a:t>
-              </a:r>
-              <a:r>
-                <a:rPr lang="ja-JP" altLang="en-US" sz="1050" b="1" dirty="0">
-                  <a:solidFill>
-                    <a:schemeClr val="tx1"/>
-                  </a:solidFill>
-                  <a:latin typeface="メイリオ" panose="020B0604030504040204" pitchFamily="50" charset="-128"/>
-                  <a:ea typeface="メイリオ" panose="020B0604030504040204" pitchFamily="50" charset="-128"/>
-                </a:rPr>
-                <a:t>種類に分類した。</a:t>
-              </a:r>
-              <a:endParaRPr kumimoji="1" lang="en-US" altLang="ja-JP" sz="1050" b="1" dirty="0">
-                <a:solidFill>
-                  <a:schemeClr val="tx1"/>
-                </a:solidFill>
-                <a:latin typeface="メイリオ" panose="020B0604030504040204" pitchFamily="50" charset="-128"/>
-                <a:ea typeface="メイリオ" panose="020B0604030504040204" pitchFamily="50" charset="-128"/>
-              </a:endParaRPr>
-            </a:p>
-          </p:txBody>
-        </p:sp>
-        <p:sp>
-          <p:nvSpPr>
-            <p:cNvPr id="44" name="テキスト ボックス 43">
-              <a:extLst>
-                <a:ext uri="{FF2B5EF4-FFF2-40B4-BE49-F238E27FC236}">
-                  <a16:creationId xmlns:a16="http://schemas.microsoft.com/office/drawing/2014/main" id="{260D1358-06EA-4BC9-9E14-972D49A596DC}"/>
-                </a:ext>
-              </a:extLst>
-            </p:cNvPr>
-            <p:cNvSpPr txBox="1"/>
-            <p:nvPr/>
-          </p:nvSpPr>
-          <p:spPr>
-            <a:xfrm>
-              <a:off x="3543512" y="6555429"/>
-              <a:ext cx="1030011" cy="307777"/>
-            </a:xfrm>
-            <a:prstGeom prst="rect">
-              <a:avLst/>
-            </a:prstGeom>
-            <a:noFill/>
-          </p:spPr>
-          <p:txBody>
-            <a:bodyPr wrap="square" rtlCol="0">
-              <a:spAutoFit/>
-            </a:bodyPr>
-            <a:lstStyle/>
-            <a:p>
-              <a:r>
-                <a:rPr kumimoji="1" lang="en-US" altLang="ja-JP" sz="1400" b="1" dirty="0">
-                  <a:solidFill>
-                    <a:srgbClr val="FF0000"/>
-                  </a:solidFill>
-                  <a:latin typeface="+mn-ea"/>
-                  <a:ea typeface="+mn-ea"/>
-                </a:rPr>
-                <a:t>POINT!!</a:t>
-              </a:r>
-              <a:endParaRPr kumimoji="1" lang="ja-JP" altLang="en-US" sz="1400" b="1" dirty="0">
-                <a:solidFill>
-                  <a:srgbClr val="FF0000"/>
-                </a:solidFill>
-                <a:latin typeface="+mn-ea"/>
-                <a:ea typeface="+mn-ea"/>
-              </a:endParaRPr>
-            </a:p>
-          </p:txBody>
-        </p:sp>
-      </p:grpSp>
-      <p:graphicFrame>
-        <p:nvGraphicFramePr>
-          <p:cNvPr id="2" name="表 1">
-            <a:extLst>
-              <a:ext uri="{FF2B5EF4-FFF2-40B4-BE49-F238E27FC236}">
-                <a16:creationId xmlns:a16="http://schemas.microsoft.com/office/drawing/2014/main" id="{D554351C-B708-4A82-B49C-4A2943314F5C}"/>
-              </a:ext>
-            </a:extLst>
-          </p:cNvPr>
-          <p:cNvGraphicFramePr>
-            <a:graphicFrameLocks noGrp="1"/>
-          </p:cNvGraphicFramePr>
-          <p:nvPr>
-            <p:extLst>
-              <p:ext uri="{D42A27DB-BD31-4B8C-83A1-F6EECF244321}">
-                <p14:modId xmlns:p14="http://schemas.microsoft.com/office/powerpoint/2010/main" val="2827701316"/>
-              </p:ext>
-            </p:extLst>
-          </p:nvPr>
-        </p:nvGraphicFramePr>
-        <p:xfrm>
-          <a:off x="244536" y="3530685"/>
-          <a:ext cx="3491968" cy="2903220"/>
-        </p:xfrm>
-        <a:graphic>
-          <a:graphicData uri="http://schemas.openxmlformats.org/drawingml/2006/table">
-            <a:tbl>
-              <a:tblPr firstRow="1" bandRow="1">
-                <a:tableStyleId>{93296810-A885-4BE3-A3E7-6D5BEEA58F35}</a:tableStyleId>
-              </a:tblPr>
-              <a:tblGrid>
-                <a:gridCol w="1003316">
-                  <a:extLst>
-                    <a:ext uri="{9D8B030D-6E8A-4147-A177-3AD203B41FA5}">
-                      <a16:colId xmlns:a16="http://schemas.microsoft.com/office/drawing/2014/main" val="2917276287"/>
-                    </a:ext>
-                  </a:extLst>
-                </a:gridCol>
-                <a:gridCol w="2488652">
-                  <a:extLst>
-                    <a:ext uri="{9D8B030D-6E8A-4147-A177-3AD203B41FA5}">
-                      <a16:colId xmlns:a16="http://schemas.microsoft.com/office/drawing/2014/main" val="877851442"/>
-                    </a:ext>
-                  </a:extLst>
-                </a:gridCol>
-              </a:tblGrid>
-              <a:tr h="0">
-                <a:tc>
-                  <a:txBody>
-                    <a:bodyPr/>
-                    <a:lstStyle/>
-                    <a:p>
-                      <a:pPr algn="ctr"/>
-                      <a:r>
-                        <a:rPr kumimoji="1" lang="ja-JP" altLang="en-US" sz="1050" dirty="0"/>
-                        <a:t>項目</a:t>
-                      </a:r>
-                    </a:p>
-                  </a:txBody>
-                  <a:tcPr/>
-                </a:tc>
-                <a:tc>
-                  <a:txBody>
-                    <a:bodyPr/>
-                    <a:lstStyle/>
-                    <a:p>
-                      <a:pPr algn="ctr"/>
-                      <a:r>
-                        <a:rPr kumimoji="1" lang="ja-JP" altLang="en-US" sz="1050" dirty="0"/>
-                        <a:t>内容</a:t>
-                      </a:r>
-                    </a:p>
-                  </a:txBody>
-                  <a:tcPr/>
-                </a:tc>
-                <a:extLst>
-                  <a:ext uri="{0D108BD9-81ED-4DB2-BD59-A6C34878D82A}">
-                    <a16:rowId xmlns:a16="http://schemas.microsoft.com/office/drawing/2014/main" val="3319238331"/>
-                  </a:ext>
-                </a:extLst>
-              </a:tr>
-              <a:tr h="206799">
-                <a:tc>
-                  <a:txBody>
-                    <a:bodyPr/>
-                    <a:lstStyle/>
-                    <a:p>
-                      <a:pPr algn="ctr"/>
-                      <a:r>
-                        <a:rPr kumimoji="1" lang="ja-JP" altLang="en-US" sz="1050" dirty="0">
-                          <a:latin typeface="メイリオ" panose="020B0604030504040204" pitchFamily="50" charset="-128"/>
-                          <a:ea typeface="メイリオ" panose="020B0604030504040204" pitchFamily="50" charset="-128"/>
-                        </a:rPr>
-                        <a:t>ユースケース</a:t>
-                      </a:r>
-                      <a:endParaRPr kumimoji="1" lang="en-US" altLang="ja-JP" sz="1050" dirty="0">
-                        <a:latin typeface="メイリオ" panose="020B0604030504040204" pitchFamily="50" charset="-128"/>
-                        <a:ea typeface="メイリオ" panose="020B0604030504040204" pitchFamily="50" charset="-128"/>
-                      </a:endParaRPr>
-                    </a:p>
-                  </a:txBody>
-                  <a:tcPr anchor="ctr"/>
-                </a:tc>
-                <a:tc>
-                  <a:txBody>
-                    <a:bodyPr/>
-                    <a:lstStyle/>
-                    <a:p>
-                      <a:r>
-                        <a:rPr kumimoji="1" lang="ja-JP" altLang="en-US" sz="1050" dirty="0">
-                          <a:latin typeface="メイリオ" panose="020B0604030504040204" pitchFamily="50" charset="-128"/>
-                          <a:ea typeface="メイリオ" panose="020B0604030504040204" pitchFamily="50" charset="-128"/>
-                        </a:rPr>
-                        <a:t>コースを完走する</a:t>
-                      </a:r>
-                    </a:p>
-                  </a:txBody>
-                  <a:tcPr/>
-                </a:tc>
-                <a:extLst>
-                  <a:ext uri="{0D108BD9-81ED-4DB2-BD59-A6C34878D82A}">
-                    <a16:rowId xmlns:a16="http://schemas.microsoft.com/office/drawing/2014/main" val="3527381751"/>
-                  </a:ext>
-                </a:extLst>
-              </a:tr>
-              <a:tr h="0">
-                <a:tc>
-                  <a:txBody>
-                    <a:bodyPr/>
-                    <a:lstStyle/>
-                    <a:p>
-                      <a:pPr algn="ctr"/>
-                      <a:r>
-                        <a:rPr kumimoji="1" lang="ja-JP" altLang="en-US" sz="1050" dirty="0">
-                          <a:latin typeface="メイリオ" panose="020B0604030504040204" pitchFamily="50" charset="-128"/>
-                          <a:ea typeface="メイリオ" panose="020B0604030504040204" pitchFamily="50" charset="-128"/>
-                        </a:rPr>
-                        <a:t>概要</a:t>
-                      </a:r>
-                    </a:p>
-                  </a:txBody>
-                  <a:tcPr anchor="ctr"/>
-                </a:tc>
-                <a:tc>
-                  <a:txBody>
-                    <a:bodyPr/>
-                    <a:lstStyle/>
-                    <a:p>
-                      <a:r>
-                        <a:rPr kumimoji="1" lang="ja-JP" altLang="en-US" sz="1050" dirty="0">
-                          <a:latin typeface="メイリオ" panose="020B0604030504040204" pitchFamily="50" charset="-128"/>
-                          <a:ea typeface="メイリオ" panose="020B0604030504040204" pitchFamily="50" charset="-128"/>
-                        </a:rPr>
-                        <a:t>倒立状態でコースをライントレースし、</a:t>
-                      </a:r>
-                      <a:endParaRPr kumimoji="1" lang="en-US" altLang="ja-JP" sz="1050" dirty="0">
-                        <a:latin typeface="メイリオ" panose="020B0604030504040204" pitchFamily="50" charset="-128"/>
-                        <a:ea typeface="メイリオ" panose="020B0604030504040204" pitchFamily="50" charset="-128"/>
-                      </a:endParaRPr>
-                    </a:p>
-                    <a:p>
-                      <a:r>
-                        <a:rPr kumimoji="1" lang="ja-JP" altLang="en-US" sz="1050" dirty="0">
-                          <a:latin typeface="メイリオ" panose="020B0604030504040204" pitchFamily="50" charset="-128"/>
-                          <a:ea typeface="メイリオ" panose="020B0604030504040204" pitchFamily="50" charset="-128"/>
-                        </a:rPr>
-                        <a:t>ゴールゲートを通過する</a:t>
-                      </a:r>
-                    </a:p>
-                  </a:txBody>
-                  <a:tcPr/>
-                </a:tc>
-                <a:extLst>
-                  <a:ext uri="{0D108BD9-81ED-4DB2-BD59-A6C34878D82A}">
-                    <a16:rowId xmlns:a16="http://schemas.microsoft.com/office/drawing/2014/main" val="845735000"/>
-                  </a:ext>
-                </a:extLst>
-              </a:tr>
-              <a:tr h="0">
-                <a:tc>
-                  <a:txBody>
-                    <a:bodyPr/>
-                    <a:lstStyle/>
-                    <a:p>
-                      <a:pPr algn="ctr"/>
-                      <a:r>
-                        <a:rPr kumimoji="1" lang="ja-JP" altLang="en-US" sz="1050" dirty="0">
-                          <a:latin typeface="メイリオ" panose="020B0604030504040204" pitchFamily="50" charset="-128"/>
-                          <a:ea typeface="メイリオ" panose="020B0604030504040204" pitchFamily="50" charset="-128"/>
-                        </a:rPr>
-                        <a:t>アクター</a:t>
-                      </a:r>
-                    </a:p>
-                  </a:txBody>
-                  <a:tcPr anchor="ctr"/>
-                </a:tc>
-                <a:tc>
-                  <a:txBody>
-                    <a:bodyPr/>
-                    <a:lstStyle/>
-                    <a:p>
-                      <a:r>
-                        <a:rPr kumimoji="1" lang="ja-JP" altLang="en-US" sz="1050" dirty="0">
-                          <a:latin typeface="メイリオ" panose="020B0604030504040204" pitchFamily="50" charset="-128"/>
-                          <a:ea typeface="メイリオ" panose="020B0604030504040204" pitchFamily="50" charset="-128"/>
-                        </a:rPr>
-                        <a:t>競技者</a:t>
-                      </a:r>
-                    </a:p>
-                  </a:txBody>
-                  <a:tcPr/>
-                </a:tc>
-                <a:extLst>
-                  <a:ext uri="{0D108BD9-81ED-4DB2-BD59-A6C34878D82A}">
-                    <a16:rowId xmlns:a16="http://schemas.microsoft.com/office/drawing/2014/main" val="486044543"/>
-                  </a:ext>
-                </a:extLst>
-              </a:tr>
-              <a:tr h="0">
-                <a:tc>
-                  <a:txBody>
-                    <a:bodyPr/>
-                    <a:lstStyle/>
-                    <a:p>
-                      <a:pPr algn="ctr"/>
-                      <a:r>
-                        <a:rPr kumimoji="1" lang="ja-JP" altLang="en-US" sz="1050" dirty="0">
-                          <a:latin typeface="メイリオ" panose="020B0604030504040204" pitchFamily="50" charset="-128"/>
-                          <a:ea typeface="メイリオ" panose="020B0604030504040204" pitchFamily="50" charset="-128"/>
-                        </a:rPr>
-                        <a:t>事前条件</a:t>
-                      </a:r>
-                    </a:p>
-                  </a:txBody>
-                  <a:tcPr anchor="ctr"/>
-                </a:tc>
-                <a:tc>
-                  <a:txBody>
-                    <a:bodyPr/>
-                    <a:lstStyle/>
-                    <a:p>
-                      <a:r>
-                        <a:rPr kumimoji="1" lang="ja-JP" altLang="en-US" sz="1050" dirty="0">
-                          <a:latin typeface="メイリオ" panose="020B0604030504040204" pitchFamily="50" charset="-128"/>
-                          <a:ea typeface="メイリオ" panose="020B0604030504040204" pitchFamily="50" charset="-128"/>
-                        </a:rPr>
-                        <a:t>走行準備が完了している</a:t>
-                      </a:r>
-                    </a:p>
-                  </a:txBody>
-                  <a:tcPr/>
-                </a:tc>
-                <a:extLst>
-                  <a:ext uri="{0D108BD9-81ED-4DB2-BD59-A6C34878D82A}">
-                    <a16:rowId xmlns:a16="http://schemas.microsoft.com/office/drawing/2014/main" val="3885679093"/>
-                  </a:ext>
-                </a:extLst>
-              </a:tr>
-              <a:tr h="0">
-                <a:tc>
-                  <a:txBody>
-                    <a:bodyPr/>
-                    <a:lstStyle/>
-                    <a:p>
-                      <a:pPr algn="ctr"/>
-                      <a:r>
-                        <a:rPr kumimoji="1" lang="ja-JP" altLang="en-US" sz="1050" dirty="0">
-                          <a:latin typeface="メイリオ" panose="020B0604030504040204" pitchFamily="50" charset="-128"/>
-                          <a:ea typeface="メイリオ" panose="020B0604030504040204" pitchFamily="50" charset="-128"/>
-                        </a:rPr>
-                        <a:t>事後条件</a:t>
-                      </a:r>
-                    </a:p>
-                  </a:txBody>
-                  <a:tcPr anchor="ctr"/>
-                </a:tc>
-                <a:tc>
-                  <a:txBody>
-                    <a:bodyPr/>
-                    <a:lstStyle/>
-                    <a:p>
-                      <a:r>
-                        <a:rPr kumimoji="1" lang="ja-JP" altLang="en-US" sz="1050" dirty="0">
-                          <a:latin typeface="メイリオ" panose="020B0604030504040204" pitchFamily="50" charset="-128"/>
-                          <a:ea typeface="メイリオ" panose="020B0604030504040204" pitchFamily="50" charset="-128"/>
-                        </a:rPr>
-                        <a:t>走行体がゴールゲートを通過する</a:t>
-                      </a:r>
-                    </a:p>
-                  </a:txBody>
-                  <a:tcPr/>
-                </a:tc>
-                <a:extLst>
-                  <a:ext uri="{0D108BD9-81ED-4DB2-BD59-A6C34878D82A}">
-                    <a16:rowId xmlns:a16="http://schemas.microsoft.com/office/drawing/2014/main" val="315234258"/>
-                  </a:ext>
-                </a:extLst>
-              </a:tr>
-              <a:tr h="0">
-                <a:tc>
-                  <a:txBody>
-                    <a:bodyPr/>
-                    <a:lstStyle/>
-                    <a:p>
-                      <a:pPr algn="ctr"/>
-                      <a:r>
-                        <a:rPr kumimoji="1" lang="ja-JP" altLang="en-US" sz="1050" dirty="0">
-                          <a:latin typeface="メイリオ" panose="020B0604030504040204" pitchFamily="50" charset="-128"/>
-                          <a:ea typeface="メイリオ" panose="020B0604030504040204" pitchFamily="50" charset="-128"/>
-                        </a:rPr>
-                        <a:t>トリガー</a:t>
-                      </a:r>
-                    </a:p>
-                  </a:txBody>
-                  <a:tcPr anchor="ctr"/>
-                </a:tc>
-                <a:tc>
-                  <a:txBody>
-                    <a:bodyPr/>
-                    <a:lstStyle/>
-                    <a:p>
-                      <a:r>
-                        <a:rPr kumimoji="1" lang="ja-JP" altLang="en-US" sz="1050" dirty="0">
-                          <a:latin typeface="メイリオ" panose="020B0604030504040204" pitchFamily="50" charset="-128"/>
-                          <a:ea typeface="メイリオ" panose="020B0604030504040204" pitchFamily="50" charset="-128"/>
-                        </a:rPr>
-                        <a:t>スタート指示を受けた</a:t>
-                      </a:r>
-                    </a:p>
-                  </a:txBody>
-                  <a:tcPr/>
-                </a:tc>
-                <a:extLst>
-                  <a:ext uri="{0D108BD9-81ED-4DB2-BD59-A6C34878D82A}">
-                    <a16:rowId xmlns:a16="http://schemas.microsoft.com/office/drawing/2014/main" val="1571721299"/>
-                  </a:ext>
-                </a:extLst>
-              </a:tr>
-              <a:tr h="328825">
-                <a:tc>
-                  <a:txBody>
-                    <a:bodyPr/>
-                    <a:lstStyle/>
-                    <a:p>
-                      <a:pPr algn="ctr"/>
-                      <a:r>
-                        <a:rPr kumimoji="1" lang="ja-JP" altLang="en-US" sz="1050" dirty="0">
-                          <a:latin typeface="メイリオ" panose="020B0604030504040204" pitchFamily="50" charset="-128"/>
-                          <a:ea typeface="メイリオ" panose="020B0604030504040204" pitchFamily="50" charset="-128"/>
-                        </a:rPr>
-                        <a:t>基本系列</a:t>
-                      </a:r>
-                    </a:p>
-                  </a:txBody>
-                  <a:tcPr anchor="ctr"/>
-                </a:tc>
-                <a:tc>
-                  <a:txBody>
-                    <a:bodyPr/>
-                    <a:lstStyle/>
-                    <a:p>
-                      <a:pPr marL="0" indent="0">
-                        <a:buNone/>
-                      </a:pPr>
-                      <a:r>
-                        <a:rPr kumimoji="1" lang="en-US" altLang="ja-JP" sz="1050" dirty="0">
-                          <a:latin typeface="メイリオ" panose="020B0604030504040204" pitchFamily="50" charset="-128"/>
-                          <a:ea typeface="メイリオ" panose="020B0604030504040204" pitchFamily="50" charset="-128"/>
-                        </a:rPr>
-                        <a:t>1. </a:t>
-                      </a:r>
-                      <a:r>
-                        <a:rPr kumimoji="1" lang="ja-JP" altLang="en-US" sz="1050" dirty="0">
-                          <a:latin typeface="メイリオ" panose="020B0604030504040204" pitchFamily="50" charset="-128"/>
-                          <a:ea typeface="メイリオ" panose="020B0604030504040204" pitchFamily="50" charset="-128"/>
-                        </a:rPr>
-                        <a:t>走行体情報を取得する</a:t>
-                      </a:r>
-                      <a:endParaRPr kumimoji="1" lang="en-US" altLang="ja-JP" sz="1050" dirty="0">
-                        <a:latin typeface="メイリオ" panose="020B0604030504040204" pitchFamily="50" charset="-128"/>
-                        <a:ea typeface="メイリオ" panose="020B0604030504040204" pitchFamily="50" charset="-128"/>
-                      </a:endParaRPr>
-                    </a:p>
-                    <a:p>
-                      <a:r>
-                        <a:rPr kumimoji="1" lang="en-US" altLang="ja-JP" sz="1050" dirty="0">
-                          <a:latin typeface="メイリオ" panose="020B0604030504040204" pitchFamily="50" charset="-128"/>
-                          <a:ea typeface="メイリオ" panose="020B0604030504040204" pitchFamily="50" charset="-128"/>
-                        </a:rPr>
-                        <a:t>2. </a:t>
-                      </a:r>
-                      <a:r>
-                        <a:rPr kumimoji="1" lang="ja-JP" altLang="en-US" sz="1050" dirty="0">
-                          <a:latin typeface="メイリオ" panose="020B0604030504040204" pitchFamily="50" charset="-128"/>
-                          <a:ea typeface="メイリオ" panose="020B0604030504040204" pitchFamily="50" charset="-128"/>
-                        </a:rPr>
-                        <a:t>区間終了判定をする</a:t>
-                      </a:r>
-                      <a:endParaRPr kumimoji="1" lang="en-US" altLang="ja-JP" sz="1050" dirty="0">
-                        <a:latin typeface="メイリオ" panose="020B0604030504040204" pitchFamily="50" charset="-128"/>
-                        <a:ea typeface="メイリオ" panose="020B0604030504040204" pitchFamily="50" charset="-128"/>
-                      </a:endParaRPr>
-                    </a:p>
-                    <a:p>
-                      <a:r>
-                        <a:rPr kumimoji="1" lang="en-US" altLang="ja-JP" sz="1050" dirty="0">
-                          <a:latin typeface="メイリオ" panose="020B0604030504040204" pitchFamily="50" charset="-128"/>
-                          <a:ea typeface="メイリオ" panose="020B0604030504040204" pitchFamily="50" charset="-128"/>
-                        </a:rPr>
-                        <a:t>3. </a:t>
-                      </a:r>
-                      <a:r>
-                        <a:rPr kumimoji="1" lang="ja-JP" altLang="en-US" sz="1050" dirty="0">
-                          <a:latin typeface="メイリオ" panose="020B0604030504040204" pitchFamily="50" charset="-128"/>
-                          <a:ea typeface="メイリオ" panose="020B0604030504040204" pitchFamily="50" charset="-128"/>
-                        </a:rPr>
-                        <a:t>走行制御をする</a:t>
-                      </a:r>
-                    </a:p>
-                  </a:txBody>
-                  <a:tcPr/>
-                </a:tc>
-                <a:extLst>
-                  <a:ext uri="{0D108BD9-81ED-4DB2-BD59-A6C34878D82A}">
-                    <a16:rowId xmlns:a16="http://schemas.microsoft.com/office/drawing/2014/main" val="87773774"/>
-                  </a:ext>
-                </a:extLst>
-              </a:tr>
-              <a:tr h="328825">
-                <a:tc>
-                  <a:txBody>
-                    <a:bodyPr/>
-                    <a:lstStyle/>
-                    <a:p>
-                      <a:pPr algn="ctr"/>
-                      <a:r>
-                        <a:rPr kumimoji="1" lang="ja-JP" altLang="en-US" sz="1050" dirty="0">
-                          <a:latin typeface="メイリオ" panose="020B0604030504040204" pitchFamily="50" charset="-128"/>
-                          <a:ea typeface="メイリオ" panose="020B0604030504040204" pitchFamily="50" charset="-128"/>
-                        </a:rPr>
-                        <a:t>例外系列</a:t>
-                      </a:r>
-                    </a:p>
-                  </a:txBody>
-                  <a:tcPr anchor="ctr"/>
-                </a:tc>
-                <a:tc>
-                  <a:txBody>
-                    <a:bodyPr/>
-                    <a:lstStyle/>
-                    <a:p>
-                      <a:pPr marL="228600" indent="-228600">
-                        <a:buAutoNum type="arabicPeriod"/>
-                      </a:pPr>
-                      <a:r>
-                        <a:rPr kumimoji="1" lang="ja-JP" altLang="en-US" sz="1050" dirty="0">
-                          <a:latin typeface="メイリオ" panose="020B0604030504040204" pitchFamily="50" charset="-128"/>
-                          <a:ea typeface="メイリオ" panose="020B0604030504040204" pitchFamily="50" charset="-128"/>
-                        </a:rPr>
-                        <a:t>転倒を検知する</a:t>
-                      </a:r>
-                      <a:endParaRPr kumimoji="1" lang="en-US" altLang="ja-JP" sz="1050" dirty="0">
-                        <a:latin typeface="メイリオ" panose="020B0604030504040204" pitchFamily="50" charset="-128"/>
-                        <a:ea typeface="メイリオ" panose="020B0604030504040204" pitchFamily="50" charset="-128"/>
-                      </a:endParaRPr>
-                    </a:p>
-                    <a:p>
-                      <a:pPr marL="228600" indent="-228600">
-                        <a:buAutoNum type="arabicPeriod"/>
-                      </a:pPr>
-                      <a:r>
-                        <a:rPr kumimoji="1" lang="ja-JP" altLang="en-US" sz="1050" dirty="0">
-                          <a:latin typeface="メイリオ" panose="020B0604030504040204" pitchFamily="50" charset="-128"/>
-                          <a:ea typeface="メイリオ" panose="020B0604030504040204" pitchFamily="50" charset="-128"/>
-                        </a:rPr>
-                        <a:t>モータを緊急停止する</a:t>
-                      </a:r>
-                    </a:p>
-                  </a:txBody>
-                  <a:tcPr/>
-                </a:tc>
-                <a:extLst>
-                  <a:ext uri="{0D108BD9-81ED-4DB2-BD59-A6C34878D82A}">
-                    <a16:rowId xmlns:a16="http://schemas.microsoft.com/office/drawing/2014/main" val="14162105"/>
-                  </a:ext>
-                </a:extLst>
-              </a:tr>
-            </a:tbl>
-          </a:graphicData>
-        </a:graphic>
-      </p:graphicFrame>
-      <p:graphicFrame>
-        <p:nvGraphicFramePr>
-          <p:cNvPr id="4" name="表 3">
-            <a:extLst>
-              <a:ext uri="{FF2B5EF4-FFF2-40B4-BE49-F238E27FC236}">
-                <a16:creationId xmlns:a16="http://schemas.microsoft.com/office/drawing/2014/main" id="{EC2EC2ED-37F5-4310-85A3-C1EBB7C3AE97}"/>
-              </a:ext>
-            </a:extLst>
-          </p:cNvPr>
-          <p:cNvGraphicFramePr>
-            <a:graphicFrameLocks noGrp="1"/>
-          </p:cNvGraphicFramePr>
-          <p:nvPr>
-            <p:extLst>
-              <p:ext uri="{D42A27DB-BD31-4B8C-83A1-F6EECF244321}">
-                <p14:modId xmlns:p14="http://schemas.microsoft.com/office/powerpoint/2010/main" val="1844290047"/>
-              </p:ext>
-            </p:extLst>
-          </p:nvPr>
-        </p:nvGraphicFramePr>
-        <p:xfrm>
-          <a:off x="7058240" y="5199484"/>
-          <a:ext cx="4942697" cy="1257300"/>
-        </p:xfrm>
-        <a:graphic>
-          <a:graphicData uri="http://schemas.openxmlformats.org/drawingml/2006/table">
-            <a:tbl>
-              <a:tblPr firstRow="1" bandRow="1">
-                <a:tableStyleId>{93296810-A885-4BE3-A3E7-6D5BEEA58F35}</a:tableStyleId>
-              </a:tblPr>
-              <a:tblGrid>
-                <a:gridCol w="838241">
-                  <a:extLst>
-                    <a:ext uri="{9D8B030D-6E8A-4147-A177-3AD203B41FA5}">
-                      <a16:colId xmlns:a16="http://schemas.microsoft.com/office/drawing/2014/main" val="906267148"/>
-                    </a:ext>
-                  </a:extLst>
-                </a:gridCol>
-                <a:gridCol w="3266215">
-                  <a:extLst>
-                    <a:ext uri="{9D8B030D-6E8A-4147-A177-3AD203B41FA5}">
-                      <a16:colId xmlns:a16="http://schemas.microsoft.com/office/drawing/2014/main" val="1140764998"/>
-                    </a:ext>
-                  </a:extLst>
-                </a:gridCol>
-                <a:gridCol w="838241">
-                  <a:extLst>
-                    <a:ext uri="{9D8B030D-6E8A-4147-A177-3AD203B41FA5}">
-                      <a16:colId xmlns:a16="http://schemas.microsoft.com/office/drawing/2014/main" val="305380888"/>
-                    </a:ext>
-                  </a:extLst>
-                </a:gridCol>
-              </a:tblGrid>
-              <a:tr h="214322">
-                <a:tc>
-                  <a:txBody>
-                    <a:bodyPr/>
-                    <a:lstStyle/>
-                    <a:p>
-                      <a:pPr algn="ctr"/>
-                      <a:r>
-                        <a:rPr kumimoji="1" lang="ja-JP" altLang="en-US" sz="1050" dirty="0"/>
-                        <a:t>タスク名</a:t>
-                      </a:r>
-                    </a:p>
-                  </a:txBody>
-                  <a:tcPr/>
-                </a:tc>
-                <a:tc>
-                  <a:txBody>
-                    <a:bodyPr/>
-                    <a:lstStyle/>
-                    <a:p>
-                      <a:pPr algn="ctr"/>
-                      <a:r>
-                        <a:rPr kumimoji="1" lang="ja-JP" altLang="en-US" sz="1050" dirty="0"/>
-                        <a:t>動作内容</a:t>
-                      </a:r>
-                    </a:p>
-                  </a:txBody>
-                  <a:tcPr/>
-                </a:tc>
-                <a:tc>
-                  <a:txBody>
-                    <a:bodyPr/>
-                    <a:lstStyle/>
-                    <a:p>
-                      <a:pPr algn="ctr"/>
-                      <a:r>
-                        <a:rPr kumimoji="1" lang="ja-JP" altLang="en-US" sz="1050" dirty="0"/>
-                        <a:t>実行周期</a:t>
-                      </a:r>
-                    </a:p>
-                  </a:txBody>
-                  <a:tcPr/>
-                </a:tc>
-                <a:extLst>
-                  <a:ext uri="{0D108BD9-81ED-4DB2-BD59-A6C34878D82A}">
-                    <a16:rowId xmlns:a16="http://schemas.microsoft.com/office/drawing/2014/main" val="2798903516"/>
-                  </a:ext>
-                </a:extLst>
-              </a:tr>
-              <a:tr h="200829">
-                <a:tc>
-                  <a:txBody>
-                    <a:bodyPr/>
-                    <a:lstStyle/>
-                    <a:p>
-                      <a:pPr algn="ctr"/>
-                      <a:r>
-                        <a:rPr kumimoji="1" lang="ja-JP" altLang="en-US" sz="1050" dirty="0">
-                          <a:latin typeface="メイリオ" panose="020B0604030504040204" pitchFamily="50" charset="-128"/>
-                          <a:ea typeface="メイリオ" panose="020B0604030504040204" pitchFamily="50" charset="-128"/>
-                        </a:rPr>
-                        <a:t>競技</a:t>
-                      </a:r>
-                    </a:p>
-                  </a:txBody>
-                  <a:tcPr anchor="b"/>
-                </a:tc>
-                <a:tc>
-                  <a:txBody>
-                    <a:bodyPr/>
-                    <a:lstStyle/>
-                    <a:p>
-                      <a:pPr algn="l"/>
-                      <a:r>
-                        <a:rPr kumimoji="1" lang="ja-JP" altLang="en-US" sz="1050" dirty="0">
-                          <a:latin typeface="メイリオ" panose="020B0604030504040204" pitchFamily="50" charset="-128"/>
-                          <a:ea typeface="メイリオ" panose="020B0604030504040204" pitchFamily="50" charset="-128"/>
-                        </a:rPr>
-                        <a:t>エントリーポイントとなり、他のタスクを起動する</a:t>
-                      </a:r>
-                    </a:p>
-                  </a:txBody>
-                  <a:tcPr anchor="ctr"/>
-                </a:tc>
-                <a:tc>
-                  <a:txBody>
-                    <a:bodyPr/>
-                    <a:lstStyle/>
-                    <a:p>
-                      <a:r>
-                        <a:rPr kumimoji="1" lang="en-US" altLang="ja-JP" sz="1050" dirty="0">
-                          <a:latin typeface="メイリオ" panose="020B0604030504040204" pitchFamily="50" charset="-128"/>
-                          <a:ea typeface="メイリオ" panose="020B0604030504040204" pitchFamily="50" charset="-128"/>
-                        </a:rPr>
-                        <a:t>4ms</a:t>
-                      </a:r>
-                      <a:endParaRPr kumimoji="1" lang="ja-JP" altLang="en-US" sz="1050" dirty="0">
-                        <a:latin typeface="メイリオ" panose="020B0604030504040204" pitchFamily="50" charset="-128"/>
-                        <a:ea typeface="メイリオ" panose="020B0604030504040204" pitchFamily="50" charset="-128"/>
-                      </a:endParaRPr>
-                    </a:p>
-                  </a:txBody>
-                  <a:tcPr/>
-                </a:tc>
-                <a:extLst>
-                  <a:ext uri="{0D108BD9-81ED-4DB2-BD59-A6C34878D82A}">
-                    <a16:rowId xmlns:a16="http://schemas.microsoft.com/office/drawing/2014/main" val="2934647308"/>
-                  </a:ext>
-                </a:extLst>
-              </a:tr>
-              <a:tr h="216024">
-                <a:tc>
-                  <a:txBody>
-                    <a:bodyPr/>
-                    <a:lstStyle/>
-                    <a:p>
-                      <a:pPr algn="ctr"/>
-                      <a:r>
-                        <a:rPr kumimoji="1" lang="ja-JP" altLang="en-US" sz="1050" dirty="0">
-                          <a:latin typeface="メイリオ" panose="020B0604030504040204" pitchFamily="50" charset="-128"/>
-                          <a:ea typeface="メイリオ" panose="020B0604030504040204" pitchFamily="50" charset="-128"/>
-                        </a:rPr>
-                        <a:t>計器管理</a:t>
-                      </a:r>
-                    </a:p>
-                  </a:txBody>
-                  <a:tcPr anchor="b"/>
-                </a:tc>
-                <a:tc>
-                  <a:txBody>
-                    <a:bodyPr/>
-                    <a:lstStyle/>
-                    <a:p>
-                      <a:pPr algn="l"/>
-                      <a:r>
-                        <a:rPr kumimoji="1" lang="ja-JP" altLang="en-US" sz="1050" dirty="0">
-                          <a:latin typeface="メイリオ" panose="020B0604030504040204" pitchFamily="50" charset="-128"/>
-                          <a:ea typeface="メイリオ" panose="020B0604030504040204" pitchFamily="50" charset="-128"/>
-                        </a:rPr>
-                        <a:t>デバイスの情報を取得し、管理する</a:t>
-                      </a:r>
-                    </a:p>
-                  </a:txBody>
-                  <a:tcPr anchor="ctr"/>
-                </a:tc>
-                <a:tc>
-                  <a:txBody>
-                    <a:bodyPr/>
-                    <a:lstStyle/>
-                    <a:p>
-                      <a:r>
-                        <a:rPr kumimoji="1" lang="en-US" altLang="ja-JP" sz="1050" dirty="0">
-                          <a:latin typeface="メイリオ" panose="020B0604030504040204" pitchFamily="50" charset="-128"/>
-                          <a:ea typeface="メイリオ" panose="020B0604030504040204" pitchFamily="50" charset="-128"/>
-                        </a:rPr>
-                        <a:t>2ms</a:t>
-                      </a:r>
-                      <a:endParaRPr kumimoji="1" lang="ja-JP" altLang="en-US" sz="1050" dirty="0">
-                        <a:latin typeface="メイリオ" panose="020B0604030504040204" pitchFamily="50" charset="-128"/>
-                        <a:ea typeface="メイリオ" panose="020B0604030504040204" pitchFamily="50" charset="-128"/>
-                      </a:endParaRPr>
-                    </a:p>
-                  </a:txBody>
-                  <a:tcPr/>
-                </a:tc>
-                <a:extLst>
-                  <a:ext uri="{0D108BD9-81ED-4DB2-BD59-A6C34878D82A}">
-                    <a16:rowId xmlns:a16="http://schemas.microsoft.com/office/drawing/2014/main" val="2877374793"/>
-                  </a:ext>
-                </a:extLst>
-              </a:tr>
-              <a:tr h="201965">
-                <a:tc>
-                  <a:txBody>
-                    <a:bodyPr/>
-                    <a:lstStyle/>
-                    <a:p>
-                      <a:pPr algn="ctr"/>
-                      <a:r>
-                        <a:rPr kumimoji="1" lang="ja-JP" altLang="en-US" sz="1050" dirty="0">
-                          <a:latin typeface="メイリオ" panose="020B0604030504040204" pitchFamily="50" charset="-128"/>
-                          <a:ea typeface="メイリオ" panose="020B0604030504040204" pitchFamily="50" charset="-128"/>
-                        </a:rPr>
-                        <a:t>尻尾管理</a:t>
-                      </a:r>
-                    </a:p>
-                  </a:txBody>
-                  <a:tcPr anchor="b"/>
-                </a:tc>
-                <a:tc>
-                  <a:txBody>
-                    <a:bodyPr/>
-                    <a:lstStyle/>
-                    <a:p>
-                      <a:pPr algn="l"/>
-                      <a:r>
-                        <a:rPr kumimoji="1" lang="ja-JP" altLang="en-US" sz="1050" dirty="0">
-                          <a:latin typeface="メイリオ" panose="020B0604030504040204" pitchFamily="50" charset="-128"/>
-                          <a:ea typeface="メイリオ" panose="020B0604030504040204" pitchFamily="50" charset="-128"/>
-                        </a:rPr>
-                        <a:t>尻尾の角度を指定した角度に保つ</a:t>
-                      </a:r>
-                    </a:p>
-                  </a:txBody>
-                  <a:tcPr anchor="ctr"/>
-                </a:tc>
-                <a:tc>
-                  <a:txBody>
-                    <a:bodyPr/>
-                    <a:lstStyle/>
-                    <a:p>
-                      <a:r>
-                        <a:rPr kumimoji="1" lang="en-US" altLang="ja-JP" sz="1050" dirty="0">
-                          <a:latin typeface="メイリオ" panose="020B0604030504040204" pitchFamily="50" charset="-128"/>
-                          <a:ea typeface="メイリオ" panose="020B0604030504040204" pitchFamily="50" charset="-128"/>
-                        </a:rPr>
-                        <a:t>4ms</a:t>
-                      </a:r>
-                      <a:endParaRPr kumimoji="1" lang="ja-JP" altLang="en-US" sz="1050" dirty="0">
-                        <a:latin typeface="メイリオ" panose="020B0604030504040204" pitchFamily="50" charset="-128"/>
-                        <a:ea typeface="メイリオ" panose="020B0604030504040204" pitchFamily="50" charset="-128"/>
-                      </a:endParaRPr>
-                    </a:p>
-                  </a:txBody>
-                  <a:tcPr/>
-                </a:tc>
-                <a:extLst>
-                  <a:ext uri="{0D108BD9-81ED-4DB2-BD59-A6C34878D82A}">
-                    <a16:rowId xmlns:a16="http://schemas.microsoft.com/office/drawing/2014/main" val="233473834"/>
-                  </a:ext>
-                </a:extLst>
-              </a:tr>
-              <a:tr h="211261">
-                <a:tc>
-                  <a:txBody>
-                    <a:bodyPr/>
-                    <a:lstStyle/>
-                    <a:p>
-                      <a:pPr algn="ctr"/>
-                      <a:r>
-                        <a:rPr kumimoji="1" lang="ja-JP" altLang="en-US" sz="1050" dirty="0">
-                          <a:latin typeface="メイリオ" panose="020B0604030504040204" pitchFamily="50" charset="-128"/>
-                          <a:ea typeface="メイリオ" panose="020B0604030504040204" pitchFamily="50" charset="-128"/>
-                        </a:rPr>
-                        <a:t>通信管理</a:t>
-                      </a:r>
-                    </a:p>
-                  </a:txBody>
-                  <a:tcPr anchor="b"/>
-                </a:tc>
-                <a:tc>
-                  <a:txBody>
-                    <a:bodyPr/>
-                    <a:lstStyle/>
-                    <a:p>
-                      <a:pPr algn="l"/>
-                      <a:r>
-                        <a:rPr kumimoji="1" lang="ja-JP" altLang="en-US" sz="1050" dirty="0">
-                          <a:latin typeface="メイリオ" panose="020B0604030504040204" pitchFamily="50" charset="-128"/>
-                          <a:ea typeface="メイリオ" panose="020B0604030504040204" pitchFamily="50" charset="-128"/>
-                        </a:rPr>
-                        <a:t>スタート信号の受信や、ログデータの送信を行う</a:t>
-                      </a:r>
-                    </a:p>
-                  </a:txBody>
-                  <a:tcPr anchor="ctr"/>
-                </a:tc>
-                <a:tc>
-                  <a:txBody>
-                    <a:bodyPr/>
-                    <a:lstStyle/>
-                    <a:p>
-                      <a:r>
-                        <a:rPr kumimoji="1" lang="en-US" altLang="ja-JP" sz="1050" dirty="0">
-                          <a:latin typeface="メイリオ" panose="020B0604030504040204" pitchFamily="50" charset="-128"/>
-                          <a:ea typeface="メイリオ" panose="020B0604030504040204" pitchFamily="50" charset="-128"/>
-                        </a:rPr>
-                        <a:t>20ms</a:t>
-                      </a:r>
-                      <a:endParaRPr kumimoji="1" lang="ja-JP" altLang="en-US" sz="1050" dirty="0">
-                        <a:latin typeface="メイリオ" panose="020B0604030504040204" pitchFamily="50" charset="-128"/>
-                        <a:ea typeface="メイリオ" panose="020B0604030504040204" pitchFamily="50" charset="-128"/>
-                      </a:endParaRPr>
-                    </a:p>
-                  </a:txBody>
-                  <a:tcPr/>
-                </a:tc>
-                <a:extLst>
-                  <a:ext uri="{0D108BD9-81ED-4DB2-BD59-A6C34878D82A}">
-                    <a16:rowId xmlns:a16="http://schemas.microsoft.com/office/drawing/2014/main" val="4059810707"/>
-                  </a:ext>
-                </a:extLst>
-              </a:tr>
-            </a:tbl>
-          </a:graphicData>
-        </a:graphic>
-      </p:graphicFrame>
-      <p:graphicFrame>
-        <p:nvGraphicFramePr>
-          <p:cNvPr id="19" name="表 18">
-            <a:extLst>
-              <a:ext uri="{FF2B5EF4-FFF2-40B4-BE49-F238E27FC236}">
-                <a16:creationId xmlns:a16="http://schemas.microsoft.com/office/drawing/2014/main" id="{1C21C00B-F032-4CDF-8A03-A2CDC24EFFFE}"/>
-              </a:ext>
-            </a:extLst>
-          </p:cNvPr>
-          <p:cNvGraphicFramePr>
-            <a:graphicFrameLocks noGrp="1"/>
-          </p:cNvGraphicFramePr>
-          <p:nvPr>
-            <p:extLst>
-              <p:ext uri="{D42A27DB-BD31-4B8C-83A1-F6EECF244321}">
-                <p14:modId xmlns:p14="http://schemas.microsoft.com/office/powerpoint/2010/main" val="1927425773"/>
-              </p:ext>
-            </p:extLst>
-          </p:nvPr>
-        </p:nvGraphicFramePr>
-        <p:xfrm>
-          <a:off x="7178497" y="1344615"/>
-          <a:ext cx="5361760" cy="3183480"/>
-        </p:xfrm>
-        <a:graphic>
-          <a:graphicData uri="http://schemas.openxmlformats.org/drawingml/2006/table">
-            <a:tbl>
-              <a:tblPr firstRow="1" bandRow="1">
-                <a:tableStyleId>{93296810-A885-4BE3-A3E7-6D5BEEA58F35}</a:tableStyleId>
-              </a:tblPr>
-              <a:tblGrid>
-                <a:gridCol w="2553448">
-                  <a:extLst>
-                    <a:ext uri="{9D8B030D-6E8A-4147-A177-3AD203B41FA5}">
-                      <a16:colId xmlns:a16="http://schemas.microsoft.com/office/drawing/2014/main" val="3821575817"/>
-                    </a:ext>
-                  </a:extLst>
-                </a:gridCol>
-                <a:gridCol w="2808312">
-                  <a:extLst>
-                    <a:ext uri="{9D8B030D-6E8A-4147-A177-3AD203B41FA5}">
-                      <a16:colId xmlns:a16="http://schemas.microsoft.com/office/drawing/2014/main" val="380914463"/>
-                    </a:ext>
-                  </a:extLst>
-                </a:gridCol>
-              </a:tblGrid>
-              <a:tr h="252000">
-                <a:tc>
-                  <a:txBody>
-                    <a:bodyPr/>
-                    <a:lstStyle/>
-                    <a:p>
-                      <a:pPr algn="ctr"/>
-                      <a:r>
-                        <a:rPr kumimoji="1" lang="ja-JP" altLang="en-US" sz="1050" dirty="0"/>
-                        <a:t>役割や情報</a:t>
-                      </a:r>
-                    </a:p>
-                  </a:txBody>
-                  <a:tcPr/>
-                </a:tc>
-                <a:tc>
-                  <a:txBody>
-                    <a:bodyPr/>
-                    <a:lstStyle/>
-                    <a:p>
-                      <a:pPr algn="ctr"/>
-                      <a:r>
-                        <a:rPr kumimoji="1" lang="ja-JP" altLang="en-US" sz="1050" dirty="0"/>
-                        <a:t>部品の候補</a:t>
-                      </a:r>
-                    </a:p>
-                  </a:txBody>
-                  <a:tcPr anchor="ctr"/>
-                </a:tc>
-                <a:extLst>
-                  <a:ext uri="{0D108BD9-81ED-4DB2-BD59-A6C34878D82A}">
-                    <a16:rowId xmlns:a16="http://schemas.microsoft.com/office/drawing/2014/main" val="2304551870"/>
-                  </a:ext>
-                </a:extLst>
-              </a:tr>
-              <a:tr h="252000">
-                <a:tc>
-                  <a:txBody>
-                    <a:bodyPr/>
-                    <a:lstStyle/>
-                    <a:p>
-                      <a:pPr algn="l"/>
-                      <a:r>
-                        <a:rPr kumimoji="1" lang="ja-JP" altLang="en-US" sz="1050" dirty="0">
-                          <a:latin typeface="メイリオ" panose="020B0604030504040204" pitchFamily="50" charset="-128"/>
-                          <a:ea typeface="メイリオ" panose="020B0604030504040204" pitchFamily="50" charset="-128"/>
-                        </a:rPr>
-                        <a:t>コースを完走する</a:t>
-                      </a:r>
-                    </a:p>
-                  </a:txBody>
-                  <a:tcPr anchor="ctr"/>
-                </a:tc>
-                <a:tc>
-                  <a:txBody>
-                    <a:bodyPr/>
-                    <a:lstStyle/>
-                    <a:p>
-                      <a:pPr algn="l"/>
-                      <a:r>
-                        <a:rPr kumimoji="1" lang="ja-JP" altLang="en-US" sz="1050" dirty="0">
-                          <a:latin typeface="メイリオ" panose="020B0604030504040204" pitchFamily="50" charset="-128"/>
-                          <a:ea typeface="メイリオ" panose="020B0604030504040204" pitchFamily="50" charset="-128"/>
-                        </a:rPr>
-                        <a:t>走行体、中枢</a:t>
-                      </a:r>
-                    </a:p>
-                  </a:txBody>
-                  <a:tcPr anchor="ctr"/>
-                </a:tc>
-                <a:extLst>
-                  <a:ext uri="{0D108BD9-81ED-4DB2-BD59-A6C34878D82A}">
-                    <a16:rowId xmlns:a16="http://schemas.microsoft.com/office/drawing/2014/main" val="4143271034"/>
-                  </a:ext>
-                </a:extLst>
-              </a:tr>
-              <a:tr h="360000">
-                <a:tc>
-                  <a:txBody>
-                    <a:bodyPr/>
-                    <a:lstStyle/>
-                    <a:p>
-                      <a:r>
-                        <a:rPr kumimoji="1" lang="ja-JP" altLang="en-US" sz="1050" dirty="0">
-                          <a:latin typeface="メイリオ" panose="020B0604030504040204" pitchFamily="50" charset="-128"/>
-                          <a:ea typeface="メイリオ" panose="020B0604030504040204" pitchFamily="50" charset="-128"/>
-                        </a:rPr>
-                        <a:t>走行体情報を取得する</a:t>
-                      </a:r>
-                    </a:p>
-                  </a:txBody>
-                  <a:tcPr anchor="ctr"/>
-                </a:tc>
-                <a:tc>
-                  <a:txBody>
-                    <a:bodyPr/>
-                    <a:lstStyle/>
-                    <a:p>
-                      <a:r>
-                        <a:rPr kumimoji="1" lang="ja-JP" altLang="en-US" sz="1050" dirty="0">
-                          <a:latin typeface="メイリオ" panose="020B0604030504040204" pitchFamily="50" charset="-128"/>
-                          <a:ea typeface="メイリオ" panose="020B0604030504040204" pitchFamily="50" charset="-128"/>
-                        </a:rPr>
-                        <a:t>計器管理、走行距離計、輝度偏差計測計、</a:t>
-                      </a:r>
-                      <a:endParaRPr kumimoji="1" lang="en-US" altLang="ja-JP" sz="1050" dirty="0">
-                        <a:latin typeface="メイリオ" panose="020B0604030504040204" pitchFamily="50" charset="-128"/>
-                        <a:ea typeface="メイリオ" panose="020B0604030504040204" pitchFamily="50" charset="-128"/>
-                      </a:endParaRPr>
-                    </a:p>
-                    <a:p>
-                      <a:r>
-                        <a:rPr kumimoji="1" lang="ja-JP" altLang="en-US" sz="1050" dirty="0">
-                          <a:latin typeface="メイリオ" panose="020B0604030504040204" pitchFamily="50" charset="-128"/>
-                          <a:ea typeface="メイリオ" panose="020B0604030504040204" pitchFamily="50" charset="-128"/>
-                        </a:rPr>
-                        <a:t>電圧計、角速度計</a:t>
-                      </a:r>
-                    </a:p>
-                  </a:txBody>
-                  <a:tcPr anchor="ctr"/>
-                </a:tc>
-                <a:extLst>
-                  <a:ext uri="{0D108BD9-81ED-4DB2-BD59-A6C34878D82A}">
-                    <a16:rowId xmlns:a16="http://schemas.microsoft.com/office/drawing/2014/main" val="420981623"/>
-                  </a:ext>
-                </a:extLst>
-              </a:tr>
-              <a:tr h="252000">
-                <a:tc>
-                  <a:txBody>
-                    <a:bodyPr/>
-                    <a:lstStyle/>
-                    <a:p>
-                      <a:r>
-                        <a:rPr kumimoji="1" lang="ja-JP" altLang="en-US" sz="1050" dirty="0">
-                          <a:latin typeface="メイリオ" panose="020B0604030504040204" pitchFamily="50" charset="-128"/>
-                          <a:ea typeface="メイリオ" panose="020B0604030504040204" pitchFamily="50" charset="-128"/>
-                        </a:rPr>
-                        <a:t>現在の区間が終了しているか確認する</a:t>
-                      </a:r>
-                    </a:p>
-                  </a:txBody>
-                  <a:tcPr anchor="ctr"/>
-                </a:tc>
-                <a:tc>
-                  <a:txBody>
-                    <a:bodyPr/>
-                    <a:lstStyle/>
-                    <a:p>
-                      <a:pPr marL="0" marR="0" lvl="0" indent="0" algn="l" defTabSz="914400" rtl="0" eaLnBrk="1" fontAlgn="auto" latinLnBrk="0" hangingPunct="1">
-                        <a:lnSpc>
-                          <a:spcPct val="100000"/>
-                        </a:lnSpc>
-                        <a:spcBef>
-                          <a:spcPts val="0"/>
-                        </a:spcBef>
-                        <a:spcAft>
-                          <a:spcPts val="0"/>
-                        </a:spcAft>
-                        <a:buClrTx/>
-                        <a:buSzTx/>
-                        <a:buFontTx/>
-                        <a:buNone/>
-                        <a:tabLst/>
-                        <a:defRPr/>
-                      </a:pPr>
-                      <a:r>
-                        <a:rPr kumimoji="1" lang="ja-JP" altLang="en-US" sz="1050" dirty="0">
-                          <a:latin typeface="メイリオ" panose="020B0604030504040204" pitchFamily="50" charset="-128"/>
-                          <a:ea typeface="メイリオ" panose="020B0604030504040204" pitchFamily="50" charset="-128"/>
-                        </a:rPr>
-                        <a:t>区間トレーサ、区間パラメータリスト</a:t>
-                      </a:r>
-                    </a:p>
-                  </a:txBody>
-                  <a:tcPr anchor="ctr"/>
-                </a:tc>
-                <a:extLst>
-                  <a:ext uri="{0D108BD9-81ED-4DB2-BD59-A6C34878D82A}">
-                    <a16:rowId xmlns:a16="http://schemas.microsoft.com/office/drawing/2014/main" val="2735190103"/>
-                  </a:ext>
-                </a:extLst>
-              </a:tr>
-              <a:tr h="252000">
-                <a:tc>
-                  <a:txBody>
-                    <a:bodyPr/>
-                    <a:lstStyle/>
-                    <a:p>
-                      <a:r>
-                        <a:rPr kumimoji="1" lang="ja-JP" altLang="en-US" sz="1050" dirty="0">
-                          <a:latin typeface="メイリオ" panose="020B0604030504040204" pitchFamily="50" charset="-128"/>
-                          <a:ea typeface="メイリオ" panose="020B0604030504040204" pitchFamily="50" charset="-128"/>
-                        </a:rPr>
-                        <a:t>次の区間が存在するか確認する</a:t>
-                      </a:r>
-                    </a:p>
-                  </a:txBody>
-                  <a:tcPr anchor="ctr"/>
-                </a:tc>
-                <a:tc>
-                  <a:txBody>
-                    <a:bodyPr/>
-                    <a:lstStyle/>
-                    <a:p>
-                      <a:pPr marL="0" marR="0" lvl="0" indent="0" algn="l" defTabSz="914400" rtl="0" eaLnBrk="1" fontAlgn="auto" latinLnBrk="0" hangingPunct="1">
-                        <a:lnSpc>
-                          <a:spcPct val="100000"/>
-                        </a:lnSpc>
-                        <a:spcBef>
-                          <a:spcPts val="0"/>
-                        </a:spcBef>
-                        <a:spcAft>
-                          <a:spcPts val="0"/>
-                        </a:spcAft>
-                        <a:buClrTx/>
-                        <a:buSzTx/>
-                        <a:buFontTx/>
-                        <a:buNone/>
-                        <a:tabLst/>
-                        <a:defRPr/>
-                      </a:pPr>
-                      <a:r>
-                        <a:rPr kumimoji="1" lang="ja-JP" altLang="en-US" sz="1050" dirty="0">
-                          <a:latin typeface="メイリオ" panose="020B0604030504040204" pitchFamily="50" charset="-128"/>
-                          <a:ea typeface="メイリオ" panose="020B0604030504040204" pitchFamily="50" charset="-128"/>
-                        </a:rPr>
-                        <a:t>区間トレーサ、区間パラメータリスト</a:t>
-                      </a:r>
-                    </a:p>
-                  </a:txBody>
-                  <a:tcPr anchor="ctr"/>
-                </a:tc>
-                <a:extLst>
-                  <a:ext uri="{0D108BD9-81ED-4DB2-BD59-A6C34878D82A}">
-                    <a16:rowId xmlns:a16="http://schemas.microsoft.com/office/drawing/2014/main" val="75287691"/>
-                  </a:ext>
-                </a:extLst>
-              </a:tr>
-              <a:tr h="252000">
-                <a:tc>
-                  <a:txBody>
-                    <a:bodyPr/>
-                    <a:lstStyle/>
-                    <a:p>
-                      <a:r>
-                        <a:rPr kumimoji="1" lang="ja-JP" altLang="en-US" sz="1050" dirty="0">
-                          <a:latin typeface="メイリオ" panose="020B0604030504040204" pitchFamily="50" charset="-128"/>
-                          <a:ea typeface="メイリオ" panose="020B0604030504040204" pitchFamily="50" charset="-128"/>
-                        </a:rPr>
-                        <a:t>次の区間に切り替える</a:t>
-                      </a:r>
-                    </a:p>
-                  </a:txBody>
-                  <a:tcPr anchor="ctr"/>
-                </a:tc>
-                <a:tc>
-                  <a:txBody>
-                    <a:bodyPr/>
-                    <a:lstStyle/>
-                    <a:p>
-                      <a:r>
-                        <a:rPr kumimoji="1" lang="ja-JP" altLang="en-US" sz="1050" dirty="0">
-                          <a:latin typeface="メイリオ" panose="020B0604030504040204" pitchFamily="50" charset="-128"/>
-                          <a:ea typeface="メイリオ" panose="020B0604030504040204" pitchFamily="50" charset="-128"/>
-                        </a:rPr>
-                        <a:t>区間トレーサ、区間パラメータリスト</a:t>
-                      </a:r>
-                    </a:p>
-                  </a:txBody>
-                  <a:tcPr anchor="ctr"/>
-                </a:tc>
-                <a:extLst>
-                  <a:ext uri="{0D108BD9-81ED-4DB2-BD59-A6C34878D82A}">
-                    <a16:rowId xmlns:a16="http://schemas.microsoft.com/office/drawing/2014/main" val="159721103"/>
-                  </a:ext>
-                </a:extLst>
-              </a:tr>
-              <a:tr h="252000">
-                <a:tc>
-                  <a:txBody>
-                    <a:bodyPr/>
-                    <a:lstStyle/>
-                    <a:p>
-                      <a:r>
-                        <a:rPr kumimoji="1" lang="ja-JP" altLang="en-US" sz="1050" dirty="0">
-                          <a:latin typeface="メイリオ" panose="020B0604030504040204" pitchFamily="50" charset="-128"/>
-                          <a:ea typeface="メイリオ" panose="020B0604030504040204" pitchFamily="50" charset="-128"/>
-                        </a:rPr>
-                        <a:t>旋回量を計算する</a:t>
-                      </a:r>
-                    </a:p>
-                  </a:txBody>
-                  <a:tcPr anchor="ctr"/>
-                </a:tc>
-                <a:tc>
-                  <a:txBody>
-                    <a:bodyPr/>
-                    <a:lstStyle/>
-                    <a:p>
-                      <a:r>
-                        <a:rPr kumimoji="1" lang="en-US" altLang="ja-JP" sz="1050" dirty="0">
-                          <a:latin typeface="メイリオ" panose="020B0604030504040204" pitchFamily="50" charset="-128"/>
-                          <a:ea typeface="メイリオ" panose="020B0604030504040204" pitchFamily="50" charset="-128"/>
-                        </a:rPr>
-                        <a:t>PID</a:t>
-                      </a:r>
-                      <a:r>
-                        <a:rPr kumimoji="1" lang="ja-JP" altLang="en-US" sz="1050" dirty="0">
-                          <a:latin typeface="メイリオ" panose="020B0604030504040204" pitchFamily="50" charset="-128"/>
-                          <a:ea typeface="メイリオ" panose="020B0604030504040204" pitchFamily="50" charset="-128"/>
-                        </a:rPr>
-                        <a:t>計算</a:t>
-                      </a:r>
-                    </a:p>
-                  </a:txBody>
-                  <a:tcPr anchor="ctr"/>
-                </a:tc>
-                <a:extLst>
-                  <a:ext uri="{0D108BD9-81ED-4DB2-BD59-A6C34878D82A}">
-                    <a16:rowId xmlns:a16="http://schemas.microsoft.com/office/drawing/2014/main" val="1082933928"/>
-                  </a:ext>
-                </a:extLst>
-              </a:tr>
-              <a:tr h="252000">
-                <a:tc>
-                  <a:txBody>
-                    <a:bodyPr/>
-                    <a:lstStyle/>
-                    <a:p>
-                      <a:r>
-                        <a:rPr kumimoji="1" lang="ja-JP" altLang="en-US" sz="1050" dirty="0">
-                          <a:latin typeface="メイリオ" panose="020B0604030504040204" pitchFamily="50" charset="-128"/>
-                          <a:ea typeface="メイリオ" panose="020B0604030504040204" pitchFamily="50" charset="-128"/>
-                        </a:rPr>
-                        <a:t>左右モータの出力値を計算する</a:t>
-                      </a:r>
-                    </a:p>
-                  </a:txBody>
-                  <a:tcPr anchor="ctr"/>
-                </a:tc>
-                <a:tc>
-                  <a:txBody>
-                    <a:bodyPr/>
-                    <a:lstStyle/>
-                    <a:p>
-                      <a:r>
-                        <a:rPr kumimoji="1" lang="ja-JP" altLang="en-US" sz="1050" dirty="0">
-                          <a:latin typeface="メイリオ" panose="020B0604030504040204" pitchFamily="50" charset="-128"/>
-                          <a:ea typeface="メイリオ" panose="020B0604030504040204" pitchFamily="50" charset="-128"/>
-                        </a:rPr>
-                        <a:t>倒立振子制御ライブラリ</a:t>
-                      </a:r>
-                    </a:p>
-                  </a:txBody>
-                  <a:tcPr anchor="ctr"/>
-                </a:tc>
-                <a:extLst>
-                  <a:ext uri="{0D108BD9-81ED-4DB2-BD59-A6C34878D82A}">
-                    <a16:rowId xmlns:a16="http://schemas.microsoft.com/office/drawing/2014/main" val="4125265531"/>
-                  </a:ext>
-                </a:extLst>
-              </a:tr>
-              <a:tr h="252000">
-                <a:tc>
-                  <a:txBody>
-                    <a:bodyPr/>
-                    <a:lstStyle/>
-                    <a:p>
-                      <a:r>
-                        <a:rPr kumimoji="1" lang="ja-JP" altLang="en-US" sz="1050" dirty="0">
-                          <a:latin typeface="メイリオ" panose="020B0604030504040204" pitchFamily="50" charset="-128"/>
-                          <a:ea typeface="メイリオ" panose="020B0604030504040204" pitchFamily="50" charset="-128"/>
-                        </a:rPr>
-                        <a:t>左モータを駆動する</a:t>
-                      </a:r>
-                    </a:p>
-                  </a:txBody>
-                  <a:tcPr anchor="ctr"/>
-                </a:tc>
-                <a:tc>
-                  <a:txBody>
-                    <a:bodyPr/>
-                    <a:lstStyle/>
-                    <a:p>
-                      <a:r>
-                        <a:rPr kumimoji="1" lang="ja-JP" altLang="en-US" sz="1050" dirty="0">
-                          <a:latin typeface="メイリオ" panose="020B0604030504040204" pitchFamily="50" charset="-128"/>
-                          <a:ea typeface="メイリオ" panose="020B0604030504040204" pitchFamily="50" charset="-128"/>
-                        </a:rPr>
-                        <a:t>左モータ</a:t>
-                      </a:r>
-                    </a:p>
-                  </a:txBody>
-                  <a:tcPr anchor="ctr"/>
-                </a:tc>
-                <a:extLst>
-                  <a:ext uri="{0D108BD9-81ED-4DB2-BD59-A6C34878D82A}">
-                    <a16:rowId xmlns:a16="http://schemas.microsoft.com/office/drawing/2014/main" val="2087341186"/>
-                  </a:ext>
-                </a:extLst>
-              </a:tr>
-              <a:tr h="252000">
-                <a:tc>
-                  <a:txBody>
-                    <a:bodyPr/>
-                    <a:lstStyle/>
-                    <a:p>
-                      <a:r>
-                        <a:rPr kumimoji="1" lang="ja-JP" altLang="en-US" sz="1050" dirty="0">
-                          <a:latin typeface="メイリオ" panose="020B0604030504040204" pitchFamily="50" charset="-128"/>
-                          <a:ea typeface="メイリオ" panose="020B0604030504040204" pitchFamily="50" charset="-128"/>
-                        </a:rPr>
-                        <a:t>右モータを駆動する</a:t>
-                      </a:r>
-                    </a:p>
-                  </a:txBody>
-                  <a:tcPr anchor="ctr"/>
-                </a:tc>
-                <a:tc>
-                  <a:txBody>
-                    <a:bodyPr/>
-                    <a:lstStyle/>
-                    <a:p>
-                      <a:r>
-                        <a:rPr kumimoji="1" lang="ja-JP" altLang="en-US" sz="1050" dirty="0">
-                          <a:latin typeface="メイリオ" panose="020B0604030504040204" pitchFamily="50" charset="-128"/>
-                          <a:ea typeface="メイリオ" panose="020B0604030504040204" pitchFamily="50" charset="-128"/>
-                        </a:rPr>
-                        <a:t>右モータ</a:t>
-                      </a:r>
-                    </a:p>
-                  </a:txBody>
-                  <a:tcPr anchor="ctr"/>
-                </a:tc>
-                <a:extLst>
-                  <a:ext uri="{0D108BD9-81ED-4DB2-BD59-A6C34878D82A}">
-                    <a16:rowId xmlns:a16="http://schemas.microsoft.com/office/drawing/2014/main" val="2309248158"/>
-                  </a:ext>
-                </a:extLst>
-              </a:tr>
-              <a:tr h="252000">
-                <a:tc>
-                  <a:txBody>
-                    <a:bodyPr/>
-                    <a:lstStyle/>
-                    <a:p>
-                      <a:r>
-                        <a:rPr kumimoji="1" lang="ja-JP" altLang="en-US" sz="1050" dirty="0">
-                          <a:latin typeface="メイリオ" panose="020B0604030504040204" pitchFamily="50" charset="-128"/>
-                          <a:ea typeface="メイリオ" panose="020B0604030504040204" pitchFamily="50" charset="-128"/>
-                        </a:rPr>
-                        <a:t>転倒を検知する</a:t>
-                      </a:r>
-                    </a:p>
-                  </a:txBody>
-                  <a:tcPr anchor="ctr"/>
-                </a:tc>
-                <a:tc>
-                  <a:txBody>
-                    <a:bodyPr/>
-                    <a:lstStyle/>
-                    <a:p>
-                      <a:r>
-                        <a:rPr kumimoji="1" lang="ja-JP" altLang="en-US" sz="1050" dirty="0">
-                          <a:latin typeface="メイリオ" panose="020B0604030504040204" pitchFamily="50" charset="-128"/>
-                          <a:ea typeface="メイリオ" panose="020B0604030504040204" pitchFamily="50" charset="-128"/>
-                        </a:rPr>
-                        <a:t>ライントレーサ</a:t>
-                      </a:r>
-                    </a:p>
-                  </a:txBody>
-                  <a:tcPr anchor="ctr"/>
-                </a:tc>
-                <a:extLst>
-                  <a:ext uri="{0D108BD9-81ED-4DB2-BD59-A6C34878D82A}">
-                    <a16:rowId xmlns:a16="http://schemas.microsoft.com/office/drawing/2014/main" val="1763375563"/>
-                  </a:ext>
-                </a:extLst>
-              </a:tr>
-              <a:tr h="252000">
-                <a:tc>
-                  <a:txBody>
-                    <a:bodyPr/>
-                    <a:lstStyle/>
-                    <a:p>
-                      <a:r>
-                        <a:rPr kumimoji="1" lang="ja-JP" altLang="en-US" sz="1050" dirty="0">
-                          <a:latin typeface="メイリオ" panose="020B0604030504040204" pitchFamily="50" charset="-128"/>
-                          <a:ea typeface="メイリオ" panose="020B0604030504040204" pitchFamily="50" charset="-128"/>
-                        </a:rPr>
-                        <a:t>モータを緊急停止する</a:t>
-                      </a:r>
-                      <a:endParaRPr kumimoji="1" lang="en-US" altLang="ja-JP" sz="1050" dirty="0">
-                        <a:latin typeface="メイリオ" panose="020B0604030504040204" pitchFamily="50" charset="-128"/>
-                        <a:ea typeface="メイリオ" panose="020B0604030504040204" pitchFamily="50" charset="-128"/>
-                      </a:endParaRPr>
-                    </a:p>
-                  </a:txBody>
-                  <a:tcPr anchor="ctr"/>
-                </a:tc>
-                <a:tc>
-                  <a:txBody>
-                    <a:bodyPr/>
-                    <a:lstStyle/>
-                    <a:p>
-                      <a:r>
-                        <a:rPr kumimoji="1" lang="ja-JP" altLang="en-US" sz="1050" dirty="0">
-                          <a:latin typeface="メイリオ" panose="020B0604030504040204" pitchFamily="50" charset="-128"/>
-                          <a:ea typeface="メイリオ" panose="020B0604030504040204" pitchFamily="50" charset="-128"/>
-                        </a:rPr>
-                        <a:t>ライントレーサ</a:t>
-                      </a:r>
-                    </a:p>
-                  </a:txBody>
-                  <a:tcPr anchor="ctr"/>
-                </a:tc>
-                <a:extLst>
-                  <a:ext uri="{0D108BD9-81ED-4DB2-BD59-A6C34878D82A}">
-                    <a16:rowId xmlns:a16="http://schemas.microsoft.com/office/drawing/2014/main" val="1622845361"/>
-                  </a:ext>
-                </a:extLst>
-              </a:tr>
-            </a:tbl>
-          </a:graphicData>
-        </a:graphic>
-      </p:graphicFrame>
-      <p:graphicFrame>
-        <p:nvGraphicFramePr>
-          <p:cNvPr id="23" name="表 22">
-            <a:extLst>
-              <a:ext uri="{FF2B5EF4-FFF2-40B4-BE49-F238E27FC236}">
-                <a16:creationId xmlns:a16="http://schemas.microsoft.com/office/drawing/2014/main" id="{8CC3F294-F2BA-4970-B887-7A1FD62264CB}"/>
-              </a:ext>
-            </a:extLst>
-          </p:cNvPr>
-          <p:cNvGraphicFramePr>
-            <a:graphicFrameLocks noGrp="1"/>
-          </p:cNvGraphicFramePr>
-          <p:nvPr>
-            <p:extLst>
-              <p:ext uri="{D42A27DB-BD31-4B8C-83A1-F6EECF244321}">
-                <p14:modId xmlns:p14="http://schemas.microsoft.com/office/powerpoint/2010/main" val="1867781654"/>
-              </p:ext>
-            </p:extLst>
-          </p:nvPr>
-        </p:nvGraphicFramePr>
-        <p:xfrm>
-          <a:off x="6917750" y="1598235"/>
-          <a:ext cx="218875" cy="2929860"/>
-        </p:xfrm>
-        <a:graphic>
-          <a:graphicData uri="http://schemas.openxmlformats.org/drawingml/2006/table">
-            <a:tbl>
-              <a:tblPr>
-                <a:tableStyleId>{5C22544A-7EE6-4342-B048-85BDC9FD1C3A}</a:tableStyleId>
-              </a:tblPr>
-              <a:tblGrid>
-                <a:gridCol w="218875">
-                  <a:extLst>
-                    <a:ext uri="{9D8B030D-6E8A-4147-A177-3AD203B41FA5}">
-                      <a16:colId xmlns:a16="http://schemas.microsoft.com/office/drawing/2014/main" val="1822883521"/>
-                    </a:ext>
-                  </a:extLst>
-                </a:gridCol>
-              </a:tblGrid>
-              <a:tr h="244800">
-                <a:tc>
-                  <a:txBody>
-                    <a:bodyPr/>
-                    <a:lstStyle/>
-                    <a:p>
-                      <a:pPr algn="ctr"/>
-                      <a:r>
-                        <a:rPr kumimoji="1" lang="en-US" altLang="ja-JP" sz="1050" b="1" dirty="0">
-                          <a:latin typeface="メイリオ" panose="020B0604030504040204" pitchFamily="50" charset="-128"/>
-                          <a:ea typeface="メイリオ" panose="020B0604030504040204" pitchFamily="50" charset="-128"/>
-                        </a:rPr>
-                        <a:t>a</a:t>
-                      </a:r>
-                      <a:endParaRPr kumimoji="1" lang="ja-JP" altLang="en-US" sz="1050" b="1" dirty="0">
-                        <a:latin typeface="メイリオ" panose="020B0604030504040204" pitchFamily="50" charset="-128"/>
-                        <a:ea typeface="メイリオ" panose="020B0604030504040204" pitchFamily="50" charset="-128"/>
-                      </a:endParaRPr>
-                    </a:p>
-                  </a:txBody>
-                  <a:tcPr anchor="ctr">
-                    <a:solidFill>
-                      <a:srgbClr val="D999FD"/>
-                    </a:solidFill>
-                  </a:tcPr>
-                </a:tc>
-                <a:extLst>
-                  <a:ext uri="{0D108BD9-81ED-4DB2-BD59-A6C34878D82A}">
-                    <a16:rowId xmlns:a16="http://schemas.microsoft.com/office/drawing/2014/main" val="3926435483"/>
-                  </a:ext>
-                </a:extLst>
-              </a:tr>
-              <a:tr h="410400">
-                <a:tc>
-                  <a:txBody>
-                    <a:bodyPr/>
-                    <a:lstStyle/>
-                    <a:p>
-                      <a:pPr algn="ctr"/>
-                      <a:r>
-                        <a:rPr kumimoji="1" lang="en-US" altLang="ja-JP" sz="1050" b="1" dirty="0">
-                          <a:latin typeface="メイリオ" panose="020B0604030504040204" pitchFamily="50" charset="-128"/>
-                          <a:ea typeface="メイリオ" panose="020B0604030504040204" pitchFamily="50" charset="-128"/>
-                        </a:rPr>
-                        <a:t>b</a:t>
-                      </a:r>
-                      <a:endParaRPr kumimoji="1" lang="ja-JP" altLang="en-US" sz="1050" b="1" dirty="0">
-                        <a:latin typeface="メイリオ" panose="020B0604030504040204" pitchFamily="50" charset="-128"/>
-                        <a:ea typeface="メイリオ" panose="020B0604030504040204" pitchFamily="50" charset="-128"/>
-                      </a:endParaRPr>
-                    </a:p>
-                  </a:txBody>
-                  <a:tcPr anchor="ctr">
-                    <a:solidFill>
-                      <a:srgbClr val="D999FD"/>
-                    </a:solidFill>
-                  </a:tcPr>
-                </a:tc>
-                <a:extLst>
-                  <a:ext uri="{0D108BD9-81ED-4DB2-BD59-A6C34878D82A}">
-                    <a16:rowId xmlns:a16="http://schemas.microsoft.com/office/drawing/2014/main" val="2517667246"/>
-                  </a:ext>
-                </a:extLst>
-              </a:tr>
-              <a:tr h="252000">
-                <a:tc>
-                  <a:txBody>
-                    <a:bodyPr/>
-                    <a:lstStyle/>
-                    <a:p>
-                      <a:pPr algn="ctr"/>
-                      <a:r>
-                        <a:rPr kumimoji="1" lang="en-US" altLang="ja-JP" sz="1050" b="1" dirty="0">
-                          <a:latin typeface="メイリオ" panose="020B0604030504040204" pitchFamily="50" charset="-128"/>
-                          <a:ea typeface="メイリオ" panose="020B0604030504040204" pitchFamily="50" charset="-128"/>
-                        </a:rPr>
-                        <a:t>c</a:t>
-                      </a:r>
-                      <a:endParaRPr kumimoji="1" lang="ja-JP" altLang="en-US" sz="1050" b="1" dirty="0">
-                        <a:latin typeface="メイリオ" panose="020B0604030504040204" pitchFamily="50" charset="-128"/>
-                        <a:ea typeface="メイリオ" panose="020B0604030504040204" pitchFamily="50" charset="-128"/>
-                      </a:endParaRPr>
-                    </a:p>
-                  </a:txBody>
-                  <a:tcPr anchor="ctr">
-                    <a:solidFill>
-                      <a:srgbClr val="D999FD"/>
-                    </a:solidFill>
-                  </a:tcPr>
-                </a:tc>
-                <a:extLst>
-                  <a:ext uri="{0D108BD9-81ED-4DB2-BD59-A6C34878D82A}">
-                    <a16:rowId xmlns:a16="http://schemas.microsoft.com/office/drawing/2014/main" val="2598288431"/>
-                  </a:ext>
-                </a:extLst>
-              </a:tr>
-              <a:tr h="252000">
-                <a:tc>
-                  <a:txBody>
-                    <a:bodyPr/>
-                    <a:lstStyle/>
-                    <a:p>
-                      <a:pPr algn="ctr"/>
-                      <a:r>
-                        <a:rPr kumimoji="1" lang="en-US" altLang="ja-JP" sz="1050" b="1" dirty="0">
-                          <a:latin typeface="メイリオ" panose="020B0604030504040204" pitchFamily="50" charset="-128"/>
-                          <a:ea typeface="メイリオ" panose="020B0604030504040204" pitchFamily="50" charset="-128"/>
-                        </a:rPr>
-                        <a:t>d</a:t>
-                      </a:r>
-                      <a:endParaRPr kumimoji="1" lang="ja-JP" altLang="en-US" sz="1050" b="1" dirty="0">
-                        <a:latin typeface="メイリオ" panose="020B0604030504040204" pitchFamily="50" charset="-128"/>
-                        <a:ea typeface="メイリオ" panose="020B0604030504040204" pitchFamily="50" charset="-128"/>
-                      </a:endParaRPr>
-                    </a:p>
-                  </a:txBody>
-                  <a:tcPr anchor="ctr">
-                    <a:solidFill>
-                      <a:srgbClr val="D999FD"/>
-                    </a:solidFill>
-                  </a:tcPr>
-                </a:tc>
-                <a:extLst>
-                  <a:ext uri="{0D108BD9-81ED-4DB2-BD59-A6C34878D82A}">
-                    <a16:rowId xmlns:a16="http://schemas.microsoft.com/office/drawing/2014/main" val="3646921497"/>
-                  </a:ext>
-                </a:extLst>
-              </a:tr>
-              <a:tr h="252000">
-                <a:tc>
-                  <a:txBody>
-                    <a:bodyPr/>
-                    <a:lstStyle/>
-                    <a:p>
-                      <a:pPr algn="ctr"/>
-                      <a:r>
-                        <a:rPr kumimoji="1" lang="en-US" altLang="ja-JP" sz="1050" b="1" dirty="0">
-                          <a:latin typeface="メイリオ" panose="020B0604030504040204" pitchFamily="50" charset="-128"/>
-                          <a:ea typeface="メイリオ" panose="020B0604030504040204" pitchFamily="50" charset="-128"/>
-                        </a:rPr>
-                        <a:t>e</a:t>
-                      </a:r>
-                      <a:endParaRPr kumimoji="1" lang="ja-JP" altLang="en-US" sz="1050" b="1" dirty="0">
-                        <a:latin typeface="メイリオ" panose="020B0604030504040204" pitchFamily="50" charset="-128"/>
-                        <a:ea typeface="メイリオ" panose="020B0604030504040204" pitchFamily="50" charset="-128"/>
-                      </a:endParaRPr>
-                    </a:p>
-                  </a:txBody>
-                  <a:tcPr anchor="ctr">
-                    <a:solidFill>
-                      <a:srgbClr val="D999FD"/>
-                    </a:solidFill>
-                  </a:tcPr>
-                </a:tc>
-                <a:extLst>
-                  <a:ext uri="{0D108BD9-81ED-4DB2-BD59-A6C34878D82A}">
-                    <a16:rowId xmlns:a16="http://schemas.microsoft.com/office/drawing/2014/main" val="3134999248"/>
-                  </a:ext>
-                </a:extLst>
-              </a:tr>
-              <a:tr h="252000">
-                <a:tc>
-                  <a:txBody>
-                    <a:bodyPr/>
-                    <a:lstStyle/>
-                    <a:p>
-                      <a:pPr algn="ctr"/>
-                      <a:r>
-                        <a:rPr kumimoji="1" lang="en-US" altLang="ja-JP" sz="1050" b="1" dirty="0">
-                          <a:latin typeface="メイリオ" panose="020B0604030504040204" pitchFamily="50" charset="-128"/>
-                          <a:ea typeface="メイリオ" panose="020B0604030504040204" pitchFamily="50" charset="-128"/>
-                        </a:rPr>
-                        <a:t>f</a:t>
-                      </a:r>
-                      <a:endParaRPr kumimoji="1" lang="ja-JP" altLang="en-US" sz="1050" b="1" dirty="0">
-                        <a:latin typeface="メイリオ" panose="020B0604030504040204" pitchFamily="50" charset="-128"/>
-                        <a:ea typeface="メイリオ" panose="020B0604030504040204" pitchFamily="50" charset="-128"/>
-                      </a:endParaRPr>
-                    </a:p>
-                  </a:txBody>
-                  <a:tcPr anchor="ctr">
-                    <a:solidFill>
-                      <a:srgbClr val="D999FD"/>
-                    </a:solidFill>
-                  </a:tcPr>
-                </a:tc>
-                <a:extLst>
-                  <a:ext uri="{0D108BD9-81ED-4DB2-BD59-A6C34878D82A}">
-                    <a16:rowId xmlns:a16="http://schemas.microsoft.com/office/drawing/2014/main" val="3640896469"/>
-                  </a:ext>
-                </a:extLst>
-              </a:tr>
-              <a:tr h="252000">
-                <a:tc>
-                  <a:txBody>
-                    <a:bodyPr/>
-                    <a:lstStyle/>
-                    <a:p>
-                      <a:pPr algn="ctr"/>
-                      <a:r>
-                        <a:rPr kumimoji="1" lang="en-US" altLang="ja-JP" sz="1050" b="1" dirty="0">
-                          <a:latin typeface="メイリオ" panose="020B0604030504040204" pitchFamily="50" charset="-128"/>
-                          <a:ea typeface="メイリオ" panose="020B0604030504040204" pitchFamily="50" charset="-128"/>
-                        </a:rPr>
-                        <a:t>g</a:t>
-                      </a:r>
-                      <a:endParaRPr kumimoji="1" lang="ja-JP" altLang="en-US" sz="1050" b="1" dirty="0">
-                        <a:latin typeface="メイリオ" panose="020B0604030504040204" pitchFamily="50" charset="-128"/>
-                        <a:ea typeface="メイリオ" panose="020B0604030504040204" pitchFamily="50" charset="-128"/>
-                      </a:endParaRPr>
-                    </a:p>
-                  </a:txBody>
-                  <a:tcPr anchor="ctr">
-                    <a:solidFill>
-                      <a:srgbClr val="D999FD"/>
-                    </a:solidFill>
-                  </a:tcPr>
-                </a:tc>
-                <a:extLst>
-                  <a:ext uri="{0D108BD9-81ED-4DB2-BD59-A6C34878D82A}">
-                    <a16:rowId xmlns:a16="http://schemas.microsoft.com/office/drawing/2014/main" val="1165796222"/>
-                  </a:ext>
-                </a:extLst>
-              </a:tr>
-              <a:tr h="252000">
-                <a:tc>
-                  <a:txBody>
-                    <a:bodyPr/>
-                    <a:lstStyle/>
-                    <a:p>
-                      <a:pPr algn="ctr"/>
-                      <a:r>
-                        <a:rPr kumimoji="1" lang="en-US" altLang="ja-JP" sz="1050" b="1" dirty="0">
-                          <a:latin typeface="メイリオ" panose="020B0604030504040204" pitchFamily="50" charset="-128"/>
-                          <a:ea typeface="メイリオ" panose="020B0604030504040204" pitchFamily="50" charset="-128"/>
-                        </a:rPr>
-                        <a:t>h</a:t>
-                      </a:r>
-                      <a:endParaRPr kumimoji="1" lang="ja-JP" altLang="en-US" sz="1050" b="1" dirty="0">
-                        <a:latin typeface="メイリオ" panose="020B0604030504040204" pitchFamily="50" charset="-128"/>
-                        <a:ea typeface="メイリオ" panose="020B0604030504040204" pitchFamily="50" charset="-128"/>
-                      </a:endParaRPr>
-                    </a:p>
-                  </a:txBody>
-                  <a:tcPr anchor="ctr">
-                    <a:solidFill>
-                      <a:srgbClr val="D999FD"/>
-                    </a:solidFill>
-                  </a:tcPr>
-                </a:tc>
-                <a:extLst>
-                  <a:ext uri="{0D108BD9-81ED-4DB2-BD59-A6C34878D82A}">
-                    <a16:rowId xmlns:a16="http://schemas.microsoft.com/office/drawing/2014/main" val="568807154"/>
-                  </a:ext>
-                </a:extLst>
-              </a:tr>
-              <a:tr h="252000">
-                <a:tc>
-                  <a:txBody>
-                    <a:bodyPr/>
-                    <a:lstStyle/>
-                    <a:p>
-                      <a:pPr algn="ctr"/>
-                      <a:r>
-                        <a:rPr kumimoji="1" lang="en-US" altLang="ja-JP" sz="1050" b="1" dirty="0">
-                          <a:latin typeface="メイリオ" panose="020B0604030504040204" pitchFamily="50" charset="-128"/>
-                          <a:ea typeface="メイリオ" panose="020B0604030504040204" pitchFamily="50" charset="-128"/>
-                        </a:rPr>
-                        <a:t>i</a:t>
-                      </a:r>
-                      <a:endParaRPr kumimoji="1" lang="ja-JP" altLang="en-US" sz="1050" b="1" dirty="0">
-                        <a:latin typeface="メイリオ" panose="020B0604030504040204" pitchFamily="50" charset="-128"/>
-                        <a:ea typeface="メイリオ" panose="020B0604030504040204" pitchFamily="50" charset="-128"/>
-                      </a:endParaRPr>
-                    </a:p>
-                  </a:txBody>
-                  <a:tcPr anchor="ctr">
-                    <a:solidFill>
-                      <a:srgbClr val="D999FD"/>
-                    </a:solidFill>
-                  </a:tcPr>
-                </a:tc>
-                <a:extLst>
-                  <a:ext uri="{0D108BD9-81ED-4DB2-BD59-A6C34878D82A}">
-                    <a16:rowId xmlns:a16="http://schemas.microsoft.com/office/drawing/2014/main" val="1048030626"/>
-                  </a:ext>
-                </a:extLst>
-              </a:tr>
-              <a:tr h="252000">
-                <a:tc>
-                  <a:txBody>
-                    <a:bodyPr/>
-                    <a:lstStyle/>
-                    <a:p>
-                      <a:pPr algn="ctr"/>
-                      <a:r>
-                        <a:rPr kumimoji="1" lang="en-US" altLang="ja-JP" sz="1050" b="1" dirty="0">
-                          <a:latin typeface="メイリオ" panose="020B0604030504040204" pitchFamily="50" charset="-128"/>
-                          <a:ea typeface="メイリオ" panose="020B0604030504040204" pitchFamily="50" charset="-128"/>
-                        </a:rPr>
-                        <a:t>j</a:t>
-                      </a:r>
-                      <a:endParaRPr kumimoji="1" lang="ja-JP" altLang="en-US" sz="1050" b="1" dirty="0">
-                        <a:latin typeface="メイリオ" panose="020B0604030504040204" pitchFamily="50" charset="-128"/>
-                        <a:ea typeface="メイリオ" panose="020B0604030504040204" pitchFamily="50" charset="-128"/>
-                      </a:endParaRPr>
-                    </a:p>
-                  </a:txBody>
-                  <a:tcPr anchor="ctr">
-                    <a:solidFill>
-                      <a:srgbClr val="D999FD"/>
-                    </a:solidFill>
-                  </a:tcPr>
-                </a:tc>
-                <a:extLst>
-                  <a:ext uri="{0D108BD9-81ED-4DB2-BD59-A6C34878D82A}">
-                    <a16:rowId xmlns:a16="http://schemas.microsoft.com/office/drawing/2014/main" val="230182423"/>
-                  </a:ext>
-                </a:extLst>
-              </a:tr>
-              <a:tr h="252000">
-                <a:tc>
-                  <a:txBody>
-                    <a:bodyPr/>
-                    <a:lstStyle/>
-                    <a:p>
-                      <a:pPr algn="ctr"/>
-                      <a:r>
-                        <a:rPr kumimoji="1" lang="en-US" altLang="ja-JP" sz="1050" b="1" dirty="0">
-                          <a:latin typeface="メイリオ" panose="020B0604030504040204" pitchFamily="50" charset="-128"/>
-                          <a:ea typeface="メイリオ" panose="020B0604030504040204" pitchFamily="50" charset="-128"/>
-                        </a:rPr>
-                        <a:t>k</a:t>
-                      </a:r>
-                      <a:endParaRPr kumimoji="1" lang="ja-JP" altLang="en-US" sz="1050" b="1" dirty="0">
-                        <a:latin typeface="メイリオ" panose="020B0604030504040204" pitchFamily="50" charset="-128"/>
-                        <a:ea typeface="メイリオ" panose="020B0604030504040204" pitchFamily="50" charset="-128"/>
-                      </a:endParaRPr>
-                    </a:p>
-                  </a:txBody>
-                  <a:tcPr anchor="ctr">
-                    <a:solidFill>
-                      <a:srgbClr val="D999FD"/>
-                    </a:solidFill>
-                  </a:tcPr>
-                </a:tc>
-                <a:extLst>
-                  <a:ext uri="{0D108BD9-81ED-4DB2-BD59-A6C34878D82A}">
-                    <a16:rowId xmlns:a16="http://schemas.microsoft.com/office/drawing/2014/main" val="1594151135"/>
-                  </a:ext>
-                </a:extLst>
-              </a:tr>
-            </a:tbl>
-          </a:graphicData>
-        </a:graphic>
-      </p:graphicFrame>
-      <p:graphicFrame>
-        <p:nvGraphicFramePr>
-          <p:cNvPr id="6" name="表 5">
-            <a:extLst>
-              <a:ext uri="{FF2B5EF4-FFF2-40B4-BE49-F238E27FC236}">
-                <a16:creationId xmlns:a16="http://schemas.microsoft.com/office/drawing/2014/main" id="{B75025C8-7E34-4D24-AC73-AC4A916847E2}"/>
-              </a:ext>
-            </a:extLst>
-          </p:cNvPr>
-          <p:cNvGraphicFramePr>
-            <a:graphicFrameLocks noGrp="1"/>
-          </p:cNvGraphicFramePr>
-          <p:nvPr>
-            <p:extLst>
-              <p:ext uri="{D42A27DB-BD31-4B8C-83A1-F6EECF244321}">
-                <p14:modId xmlns:p14="http://schemas.microsoft.com/office/powerpoint/2010/main" val="1694605213"/>
-              </p:ext>
-            </p:extLst>
-          </p:nvPr>
-        </p:nvGraphicFramePr>
-        <p:xfrm>
-          <a:off x="7198254" y="6888832"/>
-          <a:ext cx="2721600" cy="2263140"/>
-        </p:xfrm>
-        <a:graphic>
-          <a:graphicData uri="http://schemas.openxmlformats.org/drawingml/2006/table">
-            <a:tbl>
-              <a:tblPr firstRow="1" bandRow="1">
-                <a:tableStyleId>{93296810-A885-4BE3-A3E7-6D5BEEA58F35}</a:tableStyleId>
-              </a:tblPr>
-              <a:tblGrid>
-                <a:gridCol w="489600">
-                  <a:extLst>
-                    <a:ext uri="{9D8B030D-6E8A-4147-A177-3AD203B41FA5}">
-                      <a16:colId xmlns:a16="http://schemas.microsoft.com/office/drawing/2014/main" val="1540152260"/>
-                    </a:ext>
-                  </a:extLst>
-                </a:gridCol>
-                <a:gridCol w="795600">
-                  <a:extLst>
-                    <a:ext uri="{9D8B030D-6E8A-4147-A177-3AD203B41FA5}">
-                      <a16:colId xmlns:a16="http://schemas.microsoft.com/office/drawing/2014/main" val="1992413610"/>
-                    </a:ext>
-                  </a:extLst>
-                </a:gridCol>
-                <a:gridCol w="640800">
-                  <a:extLst>
-                    <a:ext uri="{9D8B030D-6E8A-4147-A177-3AD203B41FA5}">
-                      <a16:colId xmlns:a16="http://schemas.microsoft.com/office/drawing/2014/main" val="312450779"/>
-                    </a:ext>
-                  </a:extLst>
-                </a:gridCol>
-                <a:gridCol w="795600">
-                  <a:extLst>
-                    <a:ext uri="{9D8B030D-6E8A-4147-A177-3AD203B41FA5}">
-                      <a16:colId xmlns:a16="http://schemas.microsoft.com/office/drawing/2014/main" val="189992793"/>
-                    </a:ext>
-                  </a:extLst>
-                </a:gridCol>
-              </a:tblGrid>
-              <a:tr h="149171">
-                <a:tc>
-                  <a:txBody>
-                    <a:bodyPr/>
-                    <a:lstStyle/>
-                    <a:p>
-                      <a:pPr algn="ctr"/>
-                      <a:r>
-                        <a:rPr kumimoji="1" lang="ja-JP" altLang="en-US" sz="1050" dirty="0"/>
-                        <a:t>区間</a:t>
-                      </a:r>
-                    </a:p>
-                  </a:txBody>
-                  <a:tcPr/>
-                </a:tc>
-                <a:tc>
-                  <a:txBody>
-                    <a:bodyPr/>
-                    <a:lstStyle/>
-                    <a:p>
-                      <a:pPr algn="ctr"/>
-                      <a:r>
-                        <a:rPr kumimoji="1" lang="ja-JP" altLang="en-US" sz="1050" dirty="0"/>
-                        <a:t>終了距離</a:t>
-                      </a:r>
-                    </a:p>
-                  </a:txBody>
-                  <a:tcPr/>
-                </a:tc>
-                <a:tc>
-                  <a:txBody>
-                    <a:bodyPr/>
-                    <a:lstStyle/>
-                    <a:p>
-                      <a:pPr algn="ctr"/>
-                      <a:r>
-                        <a:rPr kumimoji="1" lang="ja-JP" altLang="en-US" sz="1050" dirty="0"/>
-                        <a:t>前進量</a:t>
-                      </a:r>
-                    </a:p>
-                  </a:txBody>
-                  <a:tcPr/>
-                </a:tc>
-                <a:tc>
-                  <a:txBody>
-                    <a:bodyPr/>
-                    <a:lstStyle/>
-                    <a:p>
-                      <a:pPr algn="ctr"/>
-                      <a:r>
-                        <a:rPr kumimoji="1" lang="ja-JP" altLang="en-US" sz="1050" dirty="0"/>
-                        <a:t>曲率分類</a:t>
-                      </a:r>
-                    </a:p>
-                  </a:txBody>
-                  <a:tcPr/>
-                </a:tc>
-                <a:extLst>
-                  <a:ext uri="{0D108BD9-81ED-4DB2-BD59-A6C34878D82A}">
-                    <a16:rowId xmlns:a16="http://schemas.microsoft.com/office/drawing/2014/main" val="104692475"/>
-                  </a:ext>
-                </a:extLst>
-              </a:tr>
-              <a:tr h="213406">
-                <a:tc>
-                  <a:txBody>
-                    <a:bodyPr/>
-                    <a:lstStyle/>
-                    <a:p>
-                      <a:pPr algn="ctr"/>
-                      <a:r>
-                        <a:rPr kumimoji="1" lang="en-US" altLang="ja-JP" sz="1050" dirty="0">
-                          <a:latin typeface="メイリオ" panose="020B0604030504040204" pitchFamily="50" charset="-128"/>
-                          <a:ea typeface="メイリオ" panose="020B0604030504040204" pitchFamily="50" charset="-128"/>
-                        </a:rPr>
-                        <a:t>0</a:t>
-                      </a:r>
-                    </a:p>
-                  </a:txBody>
-                  <a:tcPr anchor="ctr"/>
-                </a:tc>
-                <a:tc>
-                  <a:txBody>
-                    <a:bodyPr/>
-                    <a:lstStyle/>
-                    <a:p>
-                      <a:pPr algn="ctr"/>
-                      <a:r>
-                        <a:rPr kumimoji="1" lang="en-US" altLang="ja-JP" sz="1050" dirty="0">
-                          <a:latin typeface="メイリオ" panose="020B0604030504040204" pitchFamily="50" charset="-128"/>
-                          <a:ea typeface="メイリオ" panose="020B0604030504040204" pitchFamily="50" charset="-128"/>
-                        </a:rPr>
-                        <a:t>0.65</a:t>
-                      </a:r>
-                      <a:endParaRPr kumimoji="1" lang="ja-JP" altLang="en-US" sz="1050" dirty="0">
-                        <a:latin typeface="メイリオ" panose="020B0604030504040204" pitchFamily="50" charset="-128"/>
-                        <a:ea typeface="メイリオ" panose="020B0604030504040204" pitchFamily="50" charset="-128"/>
-                      </a:endParaRPr>
-                    </a:p>
-                  </a:txBody>
-                  <a:tcPr anchor="ctr"/>
-                </a:tc>
-                <a:tc>
-                  <a:txBody>
-                    <a:bodyPr/>
-                    <a:lstStyle/>
-                    <a:p>
-                      <a:pPr algn="ctr"/>
-                      <a:r>
-                        <a:rPr kumimoji="1" lang="en-US" altLang="ja-JP" sz="1050" dirty="0">
-                          <a:latin typeface="メイリオ" panose="020B0604030504040204" pitchFamily="50" charset="-128"/>
-                          <a:ea typeface="メイリオ" panose="020B0604030504040204" pitchFamily="50" charset="-128"/>
-                        </a:rPr>
-                        <a:t>100</a:t>
-                      </a:r>
-                      <a:endParaRPr kumimoji="1" lang="ja-JP" altLang="en-US" sz="1050" dirty="0">
-                        <a:latin typeface="メイリオ" panose="020B0604030504040204" pitchFamily="50" charset="-128"/>
-                        <a:ea typeface="メイリオ" panose="020B0604030504040204" pitchFamily="50" charset="-128"/>
-                      </a:endParaRPr>
-                    </a:p>
-                  </a:txBody>
-                  <a:tcPr anchor="ctr"/>
-                </a:tc>
-                <a:tc>
-                  <a:txBody>
-                    <a:bodyPr/>
-                    <a:lstStyle/>
-                    <a:p>
-                      <a:pPr algn="ctr"/>
-                      <a:r>
-                        <a:rPr kumimoji="1" lang="en-US" altLang="ja-JP" sz="1050" b="1" dirty="0">
-                          <a:latin typeface="メイリオ" panose="020B0604030504040204" pitchFamily="50" charset="-128"/>
-                          <a:ea typeface="メイリオ" panose="020B0604030504040204" pitchFamily="50" charset="-128"/>
-                        </a:rPr>
-                        <a:t>0</a:t>
-                      </a:r>
-                      <a:endParaRPr kumimoji="1" lang="ja-JP" altLang="en-US" sz="1050" b="1" dirty="0">
-                        <a:latin typeface="メイリオ" panose="020B0604030504040204" pitchFamily="50" charset="-128"/>
-                        <a:ea typeface="メイリオ" panose="020B0604030504040204" pitchFamily="50" charset="-128"/>
-                      </a:endParaRPr>
-                    </a:p>
-                  </a:txBody>
-                  <a:tcPr anchor="ctr"/>
-                </a:tc>
-                <a:extLst>
-                  <a:ext uri="{0D108BD9-81ED-4DB2-BD59-A6C34878D82A}">
-                    <a16:rowId xmlns:a16="http://schemas.microsoft.com/office/drawing/2014/main" val="3827143811"/>
-                  </a:ext>
-                </a:extLst>
-              </a:tr>
-              <a:tr h="213406">
-                <a:tc>
-                  <a:txBody>
-                    <a:bodyPr/>
-                    <a:lstStyle/>
-                    <a:p>
-                      <a:pPr algn="ctr"/>
-                      <a:r>
-                        <a:rPr kumimoji="1" lang="en-US" altLang="ja-JP" sz="1050" dirty="0">
-                          <a:latin typeface="メイリオ" panose="020B0604030504040204" pitchFamily="50" charset="-128"/>
-                          <a:ea typeface="メイリオ" panose="020B0604030504040204" pitchFamily="50" charset="-128"/>
-                        </a:rPr>
-                        <a:t>1</a:t>
-                      </a:r>
-                      <a:endParaRPr kumimoji="1" lang="ja-JP" altLang="en-US" sz="1050" dirty="0">
-                        <a:latin typeface="メイリオ" panose="020B0604030504040204" pitchFamily="50" charset="-128"/>
-                        <a:ea typeface="メイリオ" panose="020B0604030504040204" pitchFamily="50" charset="-128"/>
-                      </a:endParaRPr>
-                    </a:p>
-                  </a:txBody>
-                  <a:tcPr anchor="ctr"/>
-                </a:tc>
-                <a:tc>
-                  <a:txBody>
-                    <a:bodyPr/>
-                    <a:lstStyle/>
-                    <a:p>
-                      <a:pPr algn="ctr"/>
-                      <a:r>
-                        <a:rPr kumimoji="1" lang="en-US" altLang="ja-JP" sz="1050" dirty="0">
-                          <a:latin typeface="メイリオ" panose="020B0604030504040204" pitchFamily="50" charset="-128"/>
-                          <a:ea typeface="メイリオ" panose="020B0604030504040204" pitchFamily="50" charset="-128"/>
-                        </a:rPr>
-                        <a:t>1.20</a:t>
-                      </a:r>
-                      <a:endParaRPr kumimoji="1" lang="ja-JP" altLang="en-US" sz="1050" dirty="0">
-                        <a:latin typeface="メイリオ" panose="020B0604030504040204" pitchFamily="50" charset="-128"/>
-                        <a:ea typeface="メイリオ" panose="020B0604030504040204" pitchFamily="50" charset="-128"/>
-                      </a:endParaRPr>
-                    </a:p>
-                  </a:txBody>
-                  <a:tcPr anchor="ctr"/>
-                </a:tc>
-                <a:tc>
-                  <a:txBody>
-                    <a:bodyPr/>
-                    <a:lstStyle/>
-                    <a:p>
-                      <a:pPr algn="ctr"/>
-                      <a:r>
-                        <a:rPr kumimoji="1" lang="en-US" altLang="ja-JP" sz="1050" dirty="0">
-                          <a:latin typeface="メイリオ" panose="020B0604030504040204" pitchFamily="50" charset="-128"/>
-                          <a:ea typeface="メイリオ" panose="020B0604030504040204" pitchFamily="50" charset="-128"/>
-                        </a:rPr>
-                        <a:t>100</a:t>
-                      </a:r>
-                      <a:endParaRPr kumimoji="1" lang="ja-JP" altLang="en-US" sz="1050" dirty="0">
-                        <a:latin typeface="メイリオ" panose="020B0604030504040204" pitchFamily="50" charset="-128"/>
-                        <a:ea typeface="メイリオ" panose="020B0604030504040204" pitchFamily="50" charset="-128"/>
-                      </a:endParaRPr>
-                    </a:p>
-                  </a:txBody>
-                  <a:tcPr anchor="ctr"/>
-                </a:tc>
-                <a:tc>
-                  <a:txBody>
-                    <a:bodyPr/>
-                    <a:lstStyle/>
-                    <a:p>
-                      <a:pPr algn="ctr"/>
-                      <a:r>
-                        <a:rPr kumimoji="1" lang="en-US" altLang="ja-JP" sz="1050" b="1" dirty="0">
-                          <a:latin typeface="メイリオ" panose="020B0604030504040204" pitchFamily="50" charset="-128"/>
-                          <a:ea typeface="メイリオ" panose="020B0604030504040204" pitchFamily="50" charset="-128"/>
-                        </a:rPr>
-                        <a:t>2</a:t>
-                      </a:r>
-                      <a:endParaRPr kumimoji="1" lang="ja-JP" altLang="en-US" sz="1050" b="1" dirty="0">
-                        <a:latin typeface="メイリオ" panose="020B0604030504040204" pitchFamily="50" charset="-128"/>
-                        <a:ea typeface="メイリオ" panose="020B0604030504040204" pitchFamily="50" charset="-128"/>
-                      </a:endParaRPr>
-                    </a:p>
-                  </a:txBody>
-                  <a:tcPr anchor="ctr"/>
-                </a:tc>
-                <a:extLst>
-                  <a:ext uri="{0D108BD9-81ED-4DB2-BD59-A6C34878D82A}">
-                    <a16:rowId xmlns:a16="http://schemas.microsoft.com/office/drawing/2014/main" val="2212868115"/>
-                  </a:ext>
-                </a:extLst>
-              </a:tr>
-              <a:tr h="213406">
-                <a:tc>
-                  <a:txBody>
-                    <a:bodyPr/>
-                    <a:lstStyle/>
-                    <a:p>
-                      <a:pPr algn="ctr"/>
-                      <a:r>
-                        <a:rPr kumimoji="1" lang="en-US" altLang="ja-JP" sz="1050" dirty="0">
-                          <a:latin typeface="メイリオ" panose="020B0604030504040204" pitchFamily="50" charset="-128"/>
-                          <a:ea typeface="メイリオ" panose="020B0604030504040204" pitchFamily="50" charset="-128"/>
-                        </a:rPr>
-                        <a:t>2</a:t>
-                      </a:r>
-                      <a:endParaRPr kumimoji="1" lang="ja-JP" altLang="en-US" sz="1050" dirty="0">
-                        <a:latin typeface="メイリオ" panose="020B0604030504040204" pitchFamily="50" charset="-128"/>
-                        <a:ea typeface="メイリオ" panose="020B0604030504040204" pitchFamily="50" charset="-128"/>
-                      </a:endParaRPr>
-                    </a:p>
-                  </a:txBody>
-                  <a:tcPr anchor="ctr"/>
-                </a:tc>
-                <a:tc>
-                  <a:txBody>
-                    <a:bodyPr/>
-                    <a:lstStyle/>
-                    <a:p>
-                      <a:pPr algn="ctr"/>
-                      <a:r>
-                        <a:rPr kumimoji="1" lang="en-US" altLang="ja-JP" sz="1050" dirty="0">
-                          <a:latin typeface="メイリオ" panose="020B0604030504040204" pitchFamily="50" charset="-128"/>
-                          <a:ea typeface="メイリオ" panose="020B0604030504040204" pitchFamily="50" charset="-128"/>
-                        </a:rPr>
-                        <a:t>1.75</a:t>
-                      </a:r>
-                      <a:endParaRPr kumimoji="1" lang="ja-JP" altLang="en-US" sz="1050" dirty="0">
-                        <a:latin typeface="メイリオ" panose="020B0604030504040204" pitchFamily="50" charset="-128"/>
-                        <a:ea typeface="メイリオ" panose="020B0604030504040204" pitchFamily="50" charset="-128"/>
-                      </a:endParaRPr>
-                    </a:p>
-                  </a:txBody>
-                  <a:tcPr anchor="ctr"/>
-                </a:tc>
-                <a:tc>
-                  <a:txBody>
-                    <a:bodyPr/>
-                    <a:lstStyle/>
-                    <a:p>
-                      <a:pPr algn="ctr"/>
-                      <a:r>
-                        <a:rPr kumimoji="1" lang="en-US" altLang="ja-JP" sz="1050" dirty="0">
-                          <a:latin typeface="メイリオ" panose="020B0604030504040204" pitchFamily="50" charset="-128"/>
-                          <a:ea typeface="メイリオ" panose="020B0604030504040204" pitchFamily="50" charset="-128"/>
-                        </a:rPr>
-                        <a:t>100</a:t>
-                      </a:r>
-                      <a:endParaRPr kumimoji="1" lang="ja-JP" altLang="en-US" sz="1050" dirty="0">
-                        <a:latin typeface="メイリオ" panose="020B0604030504040204" pitchFamily="50" charset="-128"/>
-                        <a:ea typeface="メイリオ" panose="020B0604030504040204" pitchFamily="50" charset="-128"/>
-                      </a:endParaRPr>
-                    </a:p>
-                  </a:txBody>
-                  <a:tcPr anchor="ctr"/>
-                </a:tc>
-                <a:tc>
-                  <a:txBody>
-                    <a:bodyPr/>
-                    <a:lstStyle/>
-                    <a:p>
-                      <a:pPr algn="ctr"/>
-                      <a:r>
-                        <a:rPr kumimoji="1" lang="en-US" altLang="ja-JP" sz="1050" b="1" dirty="0">
-                          <a:latin typeface="メイリオ" panose="020B0604030504040204" pitchFamily="50" charset="-128"/>
-                          <a:ea typeface="メイリオ" panose="020B0604030504040204" pitchFamily="50" charset="-128"/>
-                        </a:rPr>
-                        <a:t>0</a:t>
-                      </a:r>
-                      <a:endParaRPr kumimoji="1" lang="ja-JP" altLang="en-US" sz="1050" b="1" dirty="0">
-                        <a:latin typeface="メイリオ" panose="020B0604030504040204" pitchFamily="50" charset="-128"/>
-                        <a:ea typeface="メイリオ" panose="020B0604030504040204" pitchFamily="50" charset="-128"/>
-                      </a:endParaRPr>
-                    </a:p>
-                  </a:txBody>
-                  <a:tcPr anchor="ctr"/>
-                </a:tc>
-                <a:extLst>
-                  <a:ext uri="{0D108BD9-81ED-4DB2-BD59-A6C34878D82A}">
-                    <a16:rowId xmlns:a16="http://schemas.microsoft.com/office/drawing/2014/main" val="1610729204"/>
-                  </a:ext>
-                </a:extLst>
-              </a:tr>
-              <a:tr h="213406">
-                <a:tc>
-                  <a:txBody>
-                    <a:bodyPr/>
-                    <a:lstStyle/>
-                    <a:p>
-                      <a:pPr algn="ctr"/>
-                      <a:r>
-                        <a:rPr kumimoji="1" lang="en-US" altLang="ja-JP" sz="1050" dirty="0">
-                          <a:latin typeface="メイリオ" panose="020B0604030504040204" pitchFamily="50" charset="-128"/>
-                          <a:ea typeface="メイリオ" panose="020B0604030504040204" pitchFamily="50" charset="-128"/>
-                        </a:rPr>
-                        <a:t>3</a:t>
-                      </a:r>
-                      <a:endParaRPr kumimoji="1" lang="ja-JP" altLang="en-US" sz="1050" dirty="0">
-                        <a:latin typeface="メイリオ" panose="020B0604030504040204" pitchFamily="50" charset="-128"/>
-                        <a:ea typeface="メイリオ" panose="020B0604030504040204" pitchFamily="50" charset="-128"/>
-                      </a:endParaRPr>
-                    </a:p>
-                  </a:txBody>
-                  <a:tcPr anchor="ctr"/>
-                </a:tc>
-                <a:tc>
-                  <a:txBody>
-                    <a:bodyPr/>
-                    <a:lstStyle/>
-                    <a:p>
-                      <a:pPr algn="ctr"/>
-                      <a:r>
-                        <a:rPr kumimoji="1" lang="en-US" altLang="ja-JP" sz="1050" dirty="0">
-                          <a:latin typeface="メイリオ" panose="020B0604030504040204" pitchFamily="50" charset="-128"/>
-                          <a:ea typeface="メイリオ" panose="020B0604030504040204" pitchFamily="50" charset="-128"/>
-                        </a:rPr>
-                        <a:t>2.55</a:t>
-                      </a:r>
-                      <a:endParaRPr kumimoji="1" lang="ja-JP" altLang="en-US" sz="1050" dirty="0">
-                        <a:latin typeface="メイリオ" panose="020B0604030504040204" pitchFamily="50" charset="-128"/>
-                        <a:ea typeface="メイリオ" panose="020B0604030504040204" pitchFamily="50" charset="-128"/>
-                      </a:endParaRPr>
-                    </a:p>
-                  </a:txBody>
-                  <a:tcPr anchor="ctr"/>
-                </a:tc>
-                <a:tc>
-                  <a:txBody>
-                    <a:bodyPr/>
-                    <a:lstStyle/>
-                    <a:p>
-                      <a:pPr algn="ctr"/>
-                      <a:r>
-                        <a:rPr kumimoji="1" lang="en-US" altLang="ja-JP" sz="1050" dirty="0">
-                          <a:latin typeface="メイリオ" panose="020B0604030504040204" pitchFamily="50" charset="-128"/>
-                          <a:ea typeface="メイリオ" panose="020B0604030504040204" pitchFamily="50" charset="-128"/>
-                        </a:rPr>
-                        <a:t>95</a:t>
-                      </a:r>
-                      <a:endParaRPr kumimoji="1" lang="ja-JP" altLang="en-US" sz="1050" dirty="0">
-                        <a:latin typeface="メイリオ" panose="020B0604030504040204" pitchFamily="50" charset="-128"/>
-                        <a:ea typeface="メイリオ" panose="020B0604030504040204" pitchFamily="50" charset="-128"/>
-                      </a:endParaRPr>
-                    </a:p>
-                  </a:txBody>
-                  <a:tcPr anchor="ctr"/>
-                </a:tc>
-                <a:tc>
-                  <a:txBody>
-                    <a:bodyPr/>
-                    <a:lstStyle/>
-                    <a:p>
-                      <a:pPr algn="ctr"/>
-                      <a:r>
-                        <a:rPr kumimoji="1" lang="en-US" altLang="ja-JP" sz="1050" b="1" dirty="0">
-                          <a:latin typeface="メイリオ" panose="020B0604030504040204" pitchFamily="50" charset="-128"/>
-                          <a:ea typeface="メイリオ" panose="020B0604030504040204" pitchFamily="50" charset="-128"/>
-                        </a:rPr>
-                        <a:t>1</a:t>
-                      </a:r>
-                      <a:endParaRPr kumimoji="1" lang="ja-JP" altLang="en-US" sz="1050" b="1" dirty="0">
-                        <a:latin typeface="メイリオ" panose="020B0604030504040204" pitchFamily="50" charset="-128"/>
-                        <a:ea typeface="メイリオ" panose="020B0604030504040204" pitchFamily="50" charset="-128"/>
-                      </a:endParaRPr>
-                    </a:p>
-                  </a:txBody>
-                  <a:tcPr anchor="ctr"/>
-                </a:tc>
-                <a:extLst>
-                  <a:ext uri="{0D108BD9-81ED-4DB2-BD59-A6C34878D82A}">
-                    <a16:rowId xmlns:a16="http://schemas.microsoft.com/office/drawing/2014/main" val="1921047279"/>
-                  </a:ext>
-                </a:extLst>
-              </a:tr>
-              <a:tr h="213406">
-                <a:tc>
-                  <a:txBody>
-                    <a:bodyPr/>
-                    <a:lstStyle/>
-                    <a:p>
-                      <a:pPr algn="ctr"/>
-                      <a:r>
-                        <a:rPr kumimoji="1" lang="en-US" altLang="ja-JP" sz="1050" dirty="0">
-                          <a:latin typeface="メイリオ" panose="020B0604030504040204" pitchFamily="50" charset="-128"/>
-                          <a:ea typeface="メイリオ" panose="020B0604030504040204" pitchFamily="50" charset="-128"/>
-                        </a:rPr>
-                        <a:t>4</a:t>
-                      </a:r>
-                      <a:endParaRPr kumimoji="1" lang="ja-JP" altLang="en-US" sz="1050" dirty="0">
-                        <a:latin typeface="メイリオ" panose="020B0604030504040204" pitchFamily="50" charset="-128"/>
-                        <a:ea typeface="メイリオ" panose="020B0604030504040204" pitchFamily="50" charset="-128"/>
-                      </a:endParaRPr>
-                    </a:p>
-                  </a:txBody>
-                  <a:tcPr anchor="ctr"/>
-                </a:tc>
-                <a:tc>
-                  <a:txBody>
-                    <a:bodyPr/>
-                    <a:lstStyle/>
-                    <a:p>
-                      <a:pPr algn="ctr"/>
-                      <a:r>
-                        <a:rPr kumimoji="1" lang="en-US" altLang="ja-JP" sz="1050" dirty="0">
-                          <a:latin typeface="メイリオ" panose="020B0604030504040204" pitchFamily="50" charset="-128"/>
-                          <a:ea typeface="メイリオ" panose="020B0604030504040204" pitchFamily="50" charset="-128"/>
-                        </a:rPr>
-                        <a:t>3.25</a:t>
-                      </a:r>
-                      <a:endParaRPr kumimoji="1" lang="ja-JP" altLang="en-US" sz="1050" dirty="0">
-                        <a:latin typeface="メイリオ" panose="020B0604030504040204" pitchFamily="50" charset="-128"/>
-                        <a:ea typeface="メイリオ" panose="020B0604030504040204" pitchFamily="50" charset="-128"/>
-                      </a:endParaRPr>
-                    </a:p>
-                  </a:txBody>
-                  <a:tcPr anchor="ctr"/>
-                </a:tc>
-                <a:tc>
-                  <a:txBody>
-                    <a:bodyPr/>
-                    <a:lstStyle/>
-                    <a:p>
-                      <a:pPr algn="ctr"/>
-                      <a:r>
-                        <a:rPr kumimoji="1" lang="en-US" altLang="ja-JP" sz="1050" dirty="0">
-                          <a:latin typeface="メイリオ" panose="020B0604030504040204" pitchFamily="50" charset="-128"/>
-                          <a:ea typeface="メイリオ" panose="020B0604030504040204" pitchFamily="50" charset="-128"/>
-                        </a:rPr>
-                        <a:t>75</a:t>
-                      </a:r>
-                      <a:endParaRPr kumimoji="1" lang="ja-JP" altLang="en-US" sz="1050" dirty="0">
-                        <a:latin typeface="メイリオ" panose="020B0604030504040204" pitchFamily="50" charset="-128"/>
-                        <a:ea typeface="メイリオ" panose="020B0604030504040204" pitchFamily="50" charset="-128"/>
-                      </a:endParaRPr>
-                    </a:p>
-                  </a:txBody>
-                  <a:tcPr anchor="ctr"/>
-                </a:tc>
-                <a:tc>
-                  <a:txBody>
-                    <a:bodyPr/>
-                    <a:lstStyle/>
-                    <a:p>
-                      <a:pPr algn="ctr"/>
-                      <a:r>
-                        <a:rPr kumimoji="1" lang="en-US" altLang="ja-JP" sz="1050" b="1" dirty="0">
-                          <a:latin typeface="メイリオ" panose="020B0604030504040204" pitchFamily="50" charset="-128"/>
-                          <a:ea typeface="メイリオ" panose="020B0604030504040204" pitchFamily="50" charset="-128"/>
-                        </a:rPr>
-                        <a:t>3</a:t>
-                      </a:r>
-                      <a:endParaRPr kumimoji="1" lang="ja-JP" altLang="en-US" sz="1050" b="1" dirty="0">
-                        <a:latin typeface="メイリオ" panose="020B0604030504040204" pitchFamily="50" charset="-128"/>
-                        <a:ea typeface="メイリオ" panose="020B0604030504040204" pitchFamily="50" charset="-128"/>
-                      </a:endParaRPr>
-                    </a:p>
-                  </a:txBody>
-                  <a:tcPr anchor="ctr"/>
-                </a:tc>
-                <a:extLst>
-                  <a:ext uri="{0D108BD9-81ED-4DB2-BD59-A6C34878D82A}">
-                    <a16:rowId xmlns:a16="http://schemas.microsoft.com/office/drawing/2014/main" val="2184997223"/>
-                  </a:ext>
-                </a:extLst>
-              </a:tr>
-              <a:tr h="213406">
-                <a:tc>
-                  <a:txBody>
-                    <a:bodyPr/>
-                    <a:lstStyle/>
-                    <a:p>
-                      <a:pPr algn="ctr"/>
-                      <a:r>
-                        <a:rPr kumimoji="1" lang="en-US" altLang="ja-JP" sz="1050" dirty="0">
-                          <a:latin typeface="メイリオ" panose="020B0604030504040204" pitchFamily="50" charset="-128"/>
-                          <a:ea typeface="メイリオ" panose="020B0604030504040204" pitchFamily="50" charset="-128"/>
-                        </a:rPr>
-                        <a:t>5</a:t>
-                      </a:r>
-                      <a:endParaRPr kumimoji="1" lang="ja-JP" altLang="en-US" sz="1050" dirty="0">
-                        <a:latin typeface="メイリオ" panose="020B0604030504040204" pitchFamily="50" charset="-128"/>
-                        <a:ea typeface="メイリオ" panose="020B0604030504040204" pitchFamily="50" charset="-128"/>
-                      </a:endParaRPr>
-                    </a:p>
-                  </a:txBody>
-                  <a:tcPr anchor="ctr"/>
-                </a:tc>
-                <a:tc>
-                  <a:txBody>
-                    <a:bodyPr/>
-                    <a:lstStyle/>
-                    <a:p>
-                      <a:pPr algn="ctr"/>
-                      <a:r>
-                        <a:rPr kumimoji="1" lang="en-US" altLang="ja-JP" sz="1050" dirty="0">
-                          <a:latin typeface="メイリオ" panose="020B0604030504040204" pitchFamily="50" charset="-128"/>
-                          <a:ea typeface="メイリオ" panose="020B0604030504040204" pitchFamily="50" charset="-128"/>
-                        </a:rPr>
-                        <a:t>4.00</a:t>
-                      </a:r>
-                      <a:endParaRPr kumimoji="1" lang="ja-JP" altLang="en-US" sz="1050" dirty="0">
-                        <a:latin typeface="メイリオ" panose="020B0604030504040204" pitchFamily="50" charset="-128"/>
-                        <a:ea typeface="メイリオ" panose="020B0604030504040204" pitchFamily="50" charset="-128"/>
-                      </a:endParaRPr>
-                    </a:p>
-                  </a:txBody>
-                  <a:tcPr anchor="ctr"/>
-                </a:tc>
-                <a:tc>
-                  <a:txBody>
-                    <a:bodyPr/>
-                    <a:lstStyle/>
-                    <a:p>
-                      <a:pPr algn="ctr"/>
-                      <a:r>
-                        <a:rPr kumimoji="1" lang="en-US" altLang="ja-JP" sz="1050" dirty="0">
-                          <a:latin typeface="メイリオ" panose="020B0604030504040204" pitchFamily="50" charset="-128"/>
-                          <a:ea typeface="メイリオ" panose="020B0604030504040204" pitchFamily="50" charset="-128"/>
-                        </a:rPr>
-                        <a:t>75</a:t>
-                      </a:r>
-                      <a:endParaRPr kumimoji="1" lang="ja-JP" altLang="en-US" sz="1050" dirty="0">
-                        <a:latin typeface="メイリオ" panose="020B0604030504040204" pitchFamily="50" charset="-128"/>
-                        <a:ea typeface="メイリオ" panose="020B0604030504040204" pitchFamily="50" charset="-128"/>
-                      </a:endParaRPr>
-                    </a:p>
-                  </a:txBody>
-                  <a:tcPr anchor="ctr"/>
-                </a:tc>
-                <a:tc>
-                  <a:txBody>
-                    <a:bodyPr/>
-                    <a:lstStyle/>
-                    <a:p>
-                      <a:pPr algn="ctr"/>
-                      <a:r>
-                        <a:rPr kumimoji="1" lang="en-US" altLang="ja-JP" sz="1050" b="1" dirty="0">
-                          <a:latin typeface="メイリオ" panose="020B0604030504040204" pitchFamily="50" charset="-128"/>
-                          <a:ea typeface="メイリオ" panose="020B0604030504040204" pitchFamily="50" charset="-128"/>
-                        </a:rPr>
-                        <a:t>3</a:t>
-                      </a:r>
-                      <a:endParaRPr kumimoji="1" lang="ja-JP" altLang="en-US" sz="1050" b="1" dirty="0">
-                        <a:latin typeface="メイリオ" panose="020B0604030504040204" pitchFamily="50" charset="-128"/>
-                        <a:ea typeface="メイリオ" panose="020B0604030504040204" pitchFamily="50" charset="-128"/>
-                      </a:endParaRPr>
-                    </a:p>
-                  </a:txBody>
-                  <a:tcPr anchor="ctr"/>
-                </a:tc>
-                <a:extLst>
-                  <a:ext uri="{0D108BD9-81ED-4DB2-BD59-A6C34878D82A}">
-                    <a16:rowId xmlns:a16="http://schemas.microsoft.com/office/drawing/2014/main" val="640395947"/>
-                  </a:ext>
-                </a:extLst>
-              </a:tr>
-              <a:tr h="213406">
-                <a:tc>
-                  <a:txBody>
-                    <a:bodyPr/>
-                    <a:lstStyle/>
-                    <a:p>
-                      <a:pPr algn="ctr"/>
-                      <a:r>
-                        <a:rPr kumimoji="1" lang="en-US" altLang="ja-JP" sz="1050" dirty="0">
-                          <a:latin typeface="メイリオ" panose="020B0604030504040204" pitchFamily="50" charset="-128"/>
-                          <a:ea typeface="メイリオ" panose="020B0604030504040204" pitchFamily="50" charset="-128"/>
-                        </a:rPr>
-                        <a:t>6</a:t>
-                      </a:r>
-                      <a:endParaRPr kumimoji="1" lang="ja-JP" altLang="en-US" sz="1050" dirty="0">
-                        <a:latin typeface="メイリオ" panose="020B0604030504040204" pitchFamily="50" charset="-128"/>
-                        <a:ea typeface="メイリオ" panose="020B0604030504040204" pitchFamily="50" charset="-128"/>
-                      </a:endParaRPr>
-                    </a:p>
-                  </a:txBody>
-                  <a:tcPr anchor="ctr"/>
-                </a:tc>
-                <a:tc>
-                  <a:txBody>
-                    <a:bodyPr/>
-                    <a:lstStyle/>
-                    <a:p>
-                      <a:pPr algn="ctr"/>
-                      <a:r>
-                        <a:rPr kumimoji="1" lang="en-US" altLang="ja-JP" sz="1050" dirty="0">
-                          <a:latin typeface="メイリオ" panose="020B0604030504040204" pitchFamily="50" charset="-128"/>
-                          <a:ea typeface="メイリオ" panose="020B0604030504040204" pitchFamily="50" charset="-128"/>
-                        </a:rPr>
-                        <a:t>4.55</a:t>
-                      </a:r>
-                      <a:endParaRPr kumimoji="1" lang="ja-JP" altLang="en-US" sz="1050" dirty="0">
-                        <a:latin typeface="メイリオ" panose="020B0604030504040204" pitchFamily="50" charset="-128"/>
-                        <a:ea typeface="メイリオ" panose="020B0604030504040204" pitchFamily="50" charset="-128"/>
-                      </a:endParaRPr>
-                    </a:p>
-                  </a:txBody>
-                  <a:tcPr anchor="ctr"/>
-                </a:tc>
-                <a:tc>
-                  <a:txBody>
-                    <a:bodyPr/>
-                    <a:lstStyle/>
-                    <a:p>
-                      <a:pPr algn="ctr"/>
-                      <a:r>
-                        <a:rPr kumimoji="1" lang="en-US" altLang="ja-JP" sz="1050" dirty="0">
-                          <a:latin typeface="メイリオ" panose="020B0604030504040204" pitchFamily="50" charset="-128"/>
-                          <a:ea typeface="メイリオ" panose="020B0604030504040204" pitchFamily="50" charset="-128"/>
-                        </a:rPr>
-                        <a:t>80</a:t>
-                      </a:r>
-                      <a:endParaRPr kumimoji="1" lang="ja-JP" altLang="en-US" sz="1050" dirty="0">
-                        <a:latin typeface="メイリオ" panose="020B0604030504040204" pitchFamily="50" charset="-128"/>
-                        <a:ea typeface="メイリオ" panose="020B0604030504040204" pitchFamily="50" charset="-128"/>
-                      </a:endParaRPr>
-                    </a:p>
-                  </a:txBody>
-                  <a:tcPr anchor="ctr"/>
-                </a:tc>
-                <a:tc>
-                  <a:txBody>
-                    <a:bodyPr/>
-                    <a:lstStyle/>
-                    <a:p>
-                      <a:pPr algn="ctr"/>
-                      <a:r>
-                        <a:rPr kumimoji="1" lang="en-US" altLang="ja-JP" sz="1050" b="1" dirty="0">
-                          <a:latin typeface="メイリオ" panose="020B0604030504040204" pitchFamily="50" charset="-128"/>
-                          <a:ea typeface="メイリオ" panose="020B0604030504040204" pitchFamily="50" charset="-128"/>
-                        </a:rPr>
-                        <a:t>2</a:t>
-                      </a:r>
-                      <a:endParaRPr kumimoji="1" lang="ja-JP" altLang="en-US" sz="1050" b="1" dirty="0">
-                        <a:latin typeface="メイリオ" panose="020B0604030504040204" pitchFamily="50" charset="-128"/>
-                        <a:ea typeface="メイリオ" panose="020B0604030504040204" pitchFamily="50" charset="-128"/>
-                      </a:endParaRPr>
-                    </a:p>
-                  </a:txBody>
-                  <a:tcPr anchor="ctr"/>
-                </a:tc>
-                <a:extLst>
-                  <a:ext uri="{0D108BD9-81ED-4DB2-BD59-A6C34878D82A}">
-                    <a16:rowId xmlns:a16="http://schemas.microsoft.com/office/drawing/2014/main" val="1758271375"/>
-                  </a:ext>
-                </a:extLst>
-              </a:tr>
-              <a:tr h="213406">
-                <a:tc>
-                  <a:txBody>
-                    <a:bodyPr/>
-                    <a:lstStyle/>
-                    <a:p>
-                      <a:pPr algn="ctr"/>
-                      <a:r>
-                        <a:rPr kumimoji="1" lang="en-US" altLang="ja-JP" sz="1050" dirty="0">
-                          <a:latin typeface="メイリオ" panose="020B0604030504040204" pitchFamily="50" charset="-128"/>
-                          <a:ea typeface="メイリオ" panose="020B0604030504040204" pitchFamily="50" charset="-128"/>
-                        </a:rPr>
-                        <a:t>7</a:t>
-                      </a:r>
-                      <a:endParaRPr kumimoji="1" lang="ja-JP" altLang="en-US" sz="1050" dirty="0">
-                        <a:latin typeface="メイリオ" panose="020B0604030504040204" pitchFamily="50" charset="-128"/>
-                        <a:ea typeface="メイリオ" panose="020B0604030504040204" pitchFamily="50" charset="-128"/>
-                      </a:endParaRPr>
-                    </a:p>
-                  </a:txBody>
-                  <a:tcPr anchor="ctr"/>
-                </a:tc>
-                <a:tc>
-                  <a:txBody>
-                    <a:bodyPr/>
-                    <a:lstStyle/>
-                    <a:p>
-                      <a:pPr algn="ctr"/>
-                      <a:r>
-                        <a:rPr kumimoji="1" lang="en-US" altLang="ja-JP" sz="1050" dirty="0">
-                          <a:latin typeface="メイリオ" panose="020B0604030504040204" pitchFamily="50" charset="-128"/>
-                          <a:ea typeface="メイリオ" panose="020B0604030504040204" pitchFamily="50" charset="-128"/>
-                        </a:rPr>
-                        <a:t>4.75</a:t>
-                      </a:r>
-                      <a:endParaRPr kumimoji="1" lang="ja-JP" altLang="en-US" sz="1050" dirty="0">
-                        <a:latin typeface="メイリオ" panose="020B0604030504040204" pitchFamily="50" charset="-128"/>
-                        <a:ea typeface="メイリオ" panose="020B0604030504040204" pitchFamily="50" charset="-128"/>
-                      </a:endParaRPr>
-                    </a:p>
-                  </a:txBody>
-                  <a:tcPr anchor="ctr"/>
-                </a:tc>
-                <a:tc>
-                  <a:txBody>
-                    <a:bodyPr/>
-                    <a:lstStyle/>
-                    <a:p>
-                      <a:pPr algn="ctr"/>
-                      <a:r>
-                        <a:rPr kumimoji="1" lang="en-US" altLang="ja-JP" sz="1050" dirty="0">
-                          <a:latin typeface="メイリオ" panose="020B0604030504040204" pitchFamily="50" charset="-128"/>
-                          <a:ea typeface="メイリオ" panose="020B0604030504040204" pitchFamily="50" charset="-128"/>
-                        </a:rPr>
-                        <a:t>85</a:t>
-                      </a:r>
-                      <a:endParaRPr kumimoji="1" lang="ja-JP" altLang="en-US" sz="1050" dirty="0">
-                        <a:latin typeface="メイリオ" panose="020B0604030504040204" pitchFamily="50" charset="-128"/>
-                        <a:ea typeface="メイリオ" panose="020B0604030504040204" pitchFamily="50" charset="-128"/>
-                      </a:endParaRPr>
-                    </a:p>
-                  </a:txBody>
-                  <a:tcPr anchor="ctr"/>
-                </a:tc>
-                <a:tc>
-                  <a:txBody>
-                    <a:bodyPr/>
-                    <a:lstStyle/>
-                    <a:p>
-                      <a:pPr algn="ctr"/>
-                      <a:r>
-                        <a:rPr kumimoji="1" lang="en-US" altLang="ja-JP" sz="1050" b="1" dirty="0">
-                          <a:latin typeface="メイリオ" panose="020B0604030504040204" pitchFamily="50" charset="-128"/>
-                          <a:ea typeface="メイリオ" panose="020B0604030504040204" pitchFamily="50" charset="-128"/>
-                        </a:rPr>
-                        <a:t>0</a:t>
-                      </a:r>
-                      <a:endParaRPr kumimoji="1" lang="ja-JP" altLang="en-US" sz="1050" b="1" dirty="0">
-                        <a:latin typeface="メイリオ" panose="020B0604030504040204" pitchFamily="50" charset="-128"/>
-                        <a:ea typeface="メイリオ" panose="020B0604030504040204" pitchFamily="50" charset="-128"/>
-                      </a:endParaRPr>
-                    </a:p>
-                  </a:txBody>
-                  <a:tcPr anchor="ctr"/>
-                </a:tc>
-                <a:extLst>
-                  <a:ext uri="{0D108BD9-81ED-4DB2-BD59-A6C34878D82A}">
-                    <a16:rowId xmlns:a16="http://schemas.microsoft.com/office/drawing/2014/main" val="840304028"/>
-                  </a:ext>
-                </a:extLst>
-              </a:tr>
-            </a:tbl>
-          </a:graphicData>
-        </a:graphic>
-      </p:graphicFrame>
-      <p:graphicFrame>
-        <p:nvGraphicFramePr>
-          <p:cNvPr id="51" name="表 50">
-            <a:extLst>
-              <a:ext uri="{FF2B5EF4-FFF2-40B4-BE49-F238E27FC236}">
-                <a16:creationId xmlns:a16="http://schemas.microsoft.com/office/drawing/2014/main" id="{4E635EE9-463F-4195-B8E3-1DA8CD5B7B79}"/>
-              </a:ext>
-            </a:extLst>
-          </p:cNvPr>
-          <p:cNvGraphicFramePr>
-            <a:graphicFrameLocks noGrp="1"/>
-          </p:cNvGraphicFramePr>
-          <p:nvPr>
-            <p:extLst>
-              <p:ext uri="{D42A27DB-BD31-4B8C-83A1-F6EECF244321}">
-                <p14:modId xmlns:p14="http://schemas.microsoft.com/office/powerpoint/2010/main" val="1696979423"/>
-              </p:ext>
-            </p:extLst>
-          </p:nvPr>
-        </p:nvGraphicFramePr>
-        <p:xfrm>
-          <a:off x="9929192" y="6888832"/>
-          <a:ext cx="2721600" cy="2011680"/>
-        </p:xfrm>
-        <a:graphic>
-          <a:graphicData uri="http://schemas.openxmlformats.org/drawingml/2006/table">
-            <a:tbl>
-              <a:tblPr firstRow="1" bandRow="1">
-                <a:tableStyleId>{93296810-A885-4BE3-A3E7-6D5BEEA58F35}</a:tableStyleId>
-              </a:tblPr>
-              <a:tblGrid>
-                <a:gridCol w="489600">
-                  <a:extLst>
-                    <a:ext uri="{9D8B030D-6E8A-4147-A177-3AD203B41FA5}">
-                      <a16:colId xmlns:a16="http://schemas.microsoft.com/office/drawing/2014/main" val="1540152260"/>
-                    </a:ext>
-                  </a:extLst>
-                </a:gridCol>
-                <a:gridCol w="795600">
-                  <a:extLst>
-                    <a:ext uri="{9D8B030D-6E8A-4147-A177-3AD203B41FA5}">
-                      <a16:colId xmlns:a16="http://schemas.microsoft.com/office/drawing/2014/main" val="1992413610"/>
-                    </a:ext>
-                  </a:extLst>
-                </a:gridCol>
-                <a:gridCol w="640800">
-                  <a:extLst>
-                    <a:ext uri="{9D8B030D-6E8A-4147-A177-3AD203B41FA5}">
-                      <a16:colId xmlns:a16="http://schemas.microsoft.com/office/drawing/2014/main" val="312450779"/>
-                    </a:ext>
-                  </a:extLst>
-                </a:gridCol>
-                <a:gridCol w="795600">
-                  <a:extLst>
-                    <a:ext uri="{9D8B030D-6E8A-4147-A177-3AD203B41FA5}">
-                      <a16:colId xmlns:a16="http://schemas.microsoft.com/office/drawing/2014/main" val="189992793"/>
-                    </a:ext>
-                  </a:extLst>
-                </a:gridCol>
-              </a:tblGrid>
-              <a:tr h="248645">
-                <a:tc>
-                  <a:txBody>
-                    <a:bodyPr/>
-                    <a:lstStyle/>
-                    <a:p>
-                      <a:pPr algn="ctr"/>
-                      <a:r>
-                        <a:rPr kumimoji="1" lang="ja-JP" altLang="en-US" sz="1050" dirty="0"/>
-                        <a:t>区間</a:t>
-                      </a:r>
-                    </a:p>
-                  </a:txBody>
-                  <a:tcPr/>
-                </a:tc>
-                <a:tc>
-                  <a:txBody>
-                    <a:bodyPr/>
-                    <a:lstStyle/>
-                    <a:p>
-                      <a:pPr algn="ctr"/>
-                      <a:r>
-                        <a:rPr kumimoji="1" lang="ja-JP" altLang="en-US" sz="1050" dirty="0"/>
-                        <a:t>終了距離</a:t>
-                      </a:r>
-                    </a:p>
-                  </a:txBody>
-                  <a:tcPr/>
-                </a:tc>
-                <a:tc>
-                  <a:txBody>
-                    <a:bodyPr/>
-                    <a:lstStyle/>
-                    <a:p>
-                      <a:pPr algn="ctr"/>
-                      <a:r>
-                        <a:rPr kumimoji="1" lang="ja-JP" altLang="en-US" sz="1050" dirty="0"/>
-                        <a:t>前進量</a:t>
-                      </a:r>
-                    </a:p>
-                  </a:txBody>
-                  <a:tcPr/>
-                </a:tc>
-                <a:tc>
-                  <a:txBody>
-                    <a:bodyPr/>
-                    <a:lstStyle/>
-                    <a:p>
-                      <a:pPr algn="ctr"/>
-                      <a:r>
-                        <a:rPr kumimoji="1" lang="ja-JP" altLang="en-US" sz="1050" dirty="0"/>
-                        <a:t>曲率分類</a:t>
-                      </a:r>
-                    </a:p>
-                  </a:txBody>
-                  <a:tcPr/>
-                </a:tc>
-                <a:extLst>
-                  <a:ext uri="{0D108BD9-81ED-4DB2-BD59-A6C34878D82A}">
-                    <a16:rowId xmlns:a16="http://schemas.microsoft.com/office/drawing/2014/main" val="104692475"/>
-                  </a:ext>
-                </a:extLst>
-              </a:tr>
-              <a:tr h="226643">
-                <a:tc>
-                  <a:txBody>
-                    <a:bodyPr/>
-                    <a:lstStyle/>
-                    <a:p>
-                      <a:pPr algn="ctr"/>
-                      <a:r>
-                        <a:rPr kumimoji="1" lang="en-US" altLang="ja-JP" sz="1050" dirty="0">
-                          <a:latin typeface="メイリオ" panose="020B0604030504040204" pitchFamily="50" charset="-128"/>
-                          <a:ea typeface="メイリオ" panose="020B0604030504040204" pitchFamily="50" charset="-128"/>
-                        </a:rPr>
-                        <a:t>8</a:t>
-                      </a:r>
-                      <a:endParaRPr kumimoji="1" lang="ja-JP" altLang="en-US" sz="1050" dirty="0">
-                        <a:latin typeface="メイリオ" panose="020B0604030504040204" pitchFamily="50" charset="-128"/>
-                        <a:ea typeface="メイリオ" panose="020B0604030504040204" pitchFamily="50" charset="-128"/>
-                      </a:endParaRPr>
-                    </a:p>
-                  </a:txBody>
-                  <a:tcPr/>
-                </a:tc>
-                <a:tc>
-                  <a:txBody>
-                    <a:bodyPr/>
-                    <a:lstStyle/>
-                    <a:p>
-                      <a:pPr algn="ctr"/>
-                      <a:r>
-                        <a:rPr kumimoji="1" lang="en-US" altLang="ja-JP" sz="1050" dirty="0">
-                          <a:latin typeface="メイリオ" panose="020B0604030504040204" pitchFamily="50" charset="-128"/>
-                          <a:ea typeface="メイリオ" panose="020B0604030504040204" pitchFamily="50" charset="-128"/>
-                        </a:rPr>
-                        <a:t>5.50</a:t>
-                      </a:r>
-                      <a:endParaRPr kumimoji="1" lang="ja-JP" altLang="en-US" sz="1050" dirty="0">
-                        <a:latin typeface="メイリオ" panose="020B0604030504040204" pitchFamily="50" charset="-128"/>
-                        <a:ea typeface="メイリオ" panose="020B0604030504040204" pitchFamily="50" charset="-128"/>
-                      </a:endParaRPr>
-                    </a:p>
-                  </a:txBody>
-                  <a:tcPr/>
-                </a:tc>
-                <a:tc>
-                  <a:txBody>
-                    <a:bodyPr/>
-                    <a:lstStyle/>
-                    <a:p>
-                      <a:pPr algn="ctr"/>
-                      <a:r>
-                        <a:rPr kumimoji="1" lang="en-US" altLang="ja-JP" sz="1050" dirty="0">
-                          <a:latin typeface="メイリオ" panose="020B0604030504040204" pitchFamily="50" charset="-128"/>
-                          <a:ea typeface="メイリオ" panose="020B0604030504040204" pitchFamily="50" charset="-128"/>
-                        </a:rPr>
-                        <a:t>90</a:t>
-                      </a:r>
-                      <a:endParaRPr kumimoji="1" lang="ja-JP" altLang="en-US" sz="1050" dirty="0">
-                        <a:latin typeface="メイリオ" panose="020B0604030504040204" pitchFamily="50" charset="-128"/>
-                        <a:ea typeface="メイリオ" panose="020B0604030504040204" pitchFamily="50" charset="-128"/>
-                      </a:endParaRPr>
-                    </a:p>
-                  </a:txBody>
-                  <a:tcPr/>
-                </a:tc>
-                <a:tc>
-                  <a:txBody>
-                    <a:bodyPr/>
-                    <a:lstStyle/>
-                    <a:p>
-                      <a:pPr algn="ctr"/>
-                      <a:r>
-                        <a:rPr kumimoji="1" lang="en-US" altLang="ja-JP" sz="1050" b="1" dirty="0">
-                          <a:latin typeface="メイリオ" panose="020B0604030504040204" pitchFamily="50" charset="-128"/>
-                          <a:ea typeface="メイリオ" panose="020B0604030504040204" pitchFamily="50" charset="-128"/>
-                        </a:rPr>
-                        <a:t>1</a:t>
-                      </a:r>
-                      <a:endParaRPr kumimoji="1" lang="ja-JP" altLang="en-US" sz="1050" b="1" dirty="0">
-                        <a:latin typeface="メイリオ" panose="020B0604030504040204" pitchFamily="50" charset="-128"/>
-                        <a:ea typeface="メイリオ" panose="020B0604030504040204" pitchFamily="50" charset="-128"/>
-                      </a:endParaRPr>
-                    </a:p>
-                  </a:txBody>
-                  <a:tcPr/>
-                </a:tc>
-                <a:extLst>
-                  <a:ext uri="{0D108BD9-81ED-4DB2-BD59-A6C34878D82A}">
-                    <a16:rowId xmlns:a16="http://schemas.microsoft.com/office/drawing/2014/main" val="3827143811"/>
-                  </a:ext>
-                </a:extLst>
-              </a:tr>
-              <a:tr h="248645">
-                <a:tc>
-                  <a:txBody>
-                    <a:bodyPr/>
-                    <a:lstStyle/>
-                    <a:p>
-                      <a:pPr algn="ctr"/>
-                      <a:r>
-                        <a:rPr kumimoji="1" lang="en-US" altLang="ja-JP" sz="1050" dirty="0">
-                          <a:latin typeface="メイリオ" panose="020B0604030504040204" pitchFamily="50" charset="-128"/>
-                          <a:ea typeface="メイリオ" panose="020B0604030504040204" pitchFamily="50" charset="-128"/>
-                        </a:rPr>
-                        <a:t>9</a:t>
-                      </a:r>
-                      <a:endParaRPr kumimoji="1" lang="ja-JP" altLang="en-US" sz="1050" dirty="0">
-                        <a:latin typeface="メイリオ" panose="020B0604030504040204" pitchFamily="50" charset="-128"/>
-                        <a:ea typeface="メイリオ" panose="020B0604030504040204" pitchFamily="50" charset="-128"/>
-                      </a:endParaRPr>
-                    </a:p>
-                  </a:txBody>
-                  <a:tcPr/>
-                </a:tc>
-                <a:tc>
-                  <a:txBody>
-                    <a:bodyPr/>
-                    <a:lstStyle/>
-                    <a:p>
-                      <a:pPr algn="ctr"/>
-                      <a:r>
-                        <a:rPr kumimoji="1" lang="en-US" altLang="ja-JP" sz="1050" dirty="0">
-                          <a:latin typeface="メイリオ" panose="020B0604030504040204" pitchFamily="50" charset="-128"/>
-                          <a:ea typeface="メイリオ" panose="020B0604030504040204" pitchFamily="50" charset="-128"/>
-                        </a:rPr>
-                        <a:t>6.40</a:t>
-                      </a:r>
-                      <a:endParaRPr kumimoji="1" lang="ja-JP" altLang="en-US" sz="1050" dirty="0">
-                        <a:latin typeface="メイリオ" panose="020B0604030504040204" pitchFamily="50" charset="-128"/>
-                        <a:ea typeface="メイリオ" panose="020B0604030504040204" pitchFamily="50" charset="-128"/>
-                      </a:endParaRPr>
-                    </a:p>
-                  </a:txBody>
-                  <a:tcPr/>
-                </a:tc>
-                <a:tc>
-                  <a:txBody>
-                    <a:bodyPr/>
-                    <a:lstStyle/>
-                    <a:p>
-                      <a:pPr algn="ctr"/>
-                      <a:r>
-                        <a:rPr kumimoji="1" lang="en-US" altLang="ja-JP" sz="1050" dirty="0">
-                          <a:latin typeface="メイリオ" panose="020B0604030504040204" pitchFamily="50" charset="-128"/>
-                          <a:ea typeface="メイリオ" panose="020B0604030504040204" pitchFamily="50" charset="-128"/>
-                        </a:rPr>
-                        <a:t>95</a:t>
-                      </a:r>
-                      <a:endParaRPr kumimoji="1" lang="ja-JP" altLang="en-US" sz="1050" dirty="0">
-                        <a:latin typeface="メイリオ" panose="020B0604030504040204" pitchFamily="50" charset="-128"/>
-                        <a:ea typeface="メイリオ" panose="020B0604030504040204" pitchFamily="50" charset="-128"/>
-                      </a:endParaRPr>
-                    </a:p>
-                  </a:txBody>
-                  <a:tcPr/>
-                </a:tc>
-                <a:tc>
-                  <a:txBody>
-                    <a:bodyPr/>
-                    <a:lstStyle/>
-                    <a:p>
-                      <a:pPr algn="ctr"/>
-                      <a:r>
-                        <a:rPr kumimoji="1" lang="en-US" altLang="ja-JP" sz="1050" b="1" dirty="0">
-                          <a:latin typeface="メイリオ" panose="020B0604030504040204" pitchFamily="50" charset="-128"/>
-                          <a:ea typeface="メイリオ" panose="020B0604030504040204" pitchFamily="50" charset="-128"/>
-                        </a:rPr>
-                        <a:t>0</a:t>
-                      </a:r>
-                      <a:endParaRPr kumimoji="1" lang="ja-JP" altLang="en-US" sz="1050" b="1" dirty="0">
-                        <a:latin typeface="メイリオ" panose="020B0604030504040204" pitchFamily="50" charset="-128"/>
-                        <a:ea typeface="メイリオ" panose="020B0604030504040204" pitchFamily="50" charset="-128"/>
-                      </a:endParaRPr>
-                    </a:p>
-                  </a:txBody>
-                  <a:tcPr/>
-                </a:tc>
-                <a:extLst>
-                  <a:ext uri="{0D108BD9-81ED-4DB2-BD59-A6C34878D82A}">
-                    <a16:rowId xmlns:a16="http://schemas.microsoft.com/office/drawing/2014/main" val="2212868115"/>
-                  </a:ext>
-                </a:extLst>
-              </a:tr>
-              <a:tr h="248645">
-                <a:tc>
-                  <a:txBody>
-                    <a:bodyPr/>
-                    <a:lstStyle/>
-                    <a:p>
-                      <a:pPr algn="ctr"/>
-                      <a:r>
-                        <a:rPr kumimoji="1" lang="en-US" altLang="ja-JP" sz="1050" dirty="0">
-                          <a:latin typeface="メイリオ" panose="020B0604030504040204" pitchFamily="50" charset="-128"/>
-                          <a:ea typeface="メイリオ" panose="020B0604030504040204" pitchFamily="50" charset="-128"/>
-                        </a:rPr>
-                        <a:t>10</a:t>
-                      </a:r>
-                      <a:endParaRPr kumimoji="1" lang="ja-JP" altLang="en-US" sz="1050" dirty="0">
-                        <a:latin typeface="メイリオ" panose="020B0604030504040204" pitchFamily="50" charset="-128"/>
-                        <a:ea typeface="メイリオ" panose="020B0604030504040204" pitchFamily="50" charset="-128"/>
-                      </a:endParaRPr>
-                    </a:p>
-                  </a:txBody>
-                  <a:tcPr/>
-                </a:tc>
-                <a:tc>
-                  <a:txBody>
-                    <a:bodyPr/>
-                    <a:lstStyle/>
-                    <a:p>
-                      <a:pPr algn="ctr"/>
-                      <a:r>
-                        <a:rPr kumimoji="1" lang="en-US" altLang="ja-JP" sz="1050" dirty="0">
-                          <a:latin typeface="メイリオ" panose="020B0604030504040204" pitchFamily="50" charset="-128"/>
-                          <a:ea typeface="メイリオ" panose="020B0604030504040204" pitchFamily="50" charset="-128"/>
-                        </a:rPr>
-                        <a:t>6.95</a:t>
-                      </a:r>
-                      <a:endParaRPr kumimoji="1" lang="ja-JP" altLang="en-US" sz="1050" dirty="0">
-                        <a:latin typeface="メイリオ" panose="020B0604030504040204" pitchFamily="50" charset="-128"/>
-                        <a:ea typeface="メイリオ" panose="020B0604030504040204" pitchFamily="50" charset="-128"/>
-                      </a:endParaRPr>
-                    </a:p>
-                  </a:txBody>
-                  <a:tcPr/>
-                </a:tc>
-                <a:tc>
-                  <a:txBody>
-                    <a:bodyPr/>
-                    <a:lstStyle/>
-                    <a:p>
-                      <a:pPr algn="ctr"/>
-                      <a:r>
-                        <a:rPr kumimoji="1" lang="en-US" altLang="ja-JP" sz="1050" dirty="0">
-                          <a:latin typeface="メイリオ" panose="020B0604030504040204" pitchFamily="50" charset="-128"/>
-                          <a:ea typeface="メイリオ" panose="020B0604030504040204" pitchFamily="50" charset="-128"/>
-                        </a:rPr>
-                        <a:t>90</a:t>
-                      </a:r>
-                      <a:endParaRPr kumimoji="1" lang="ja-JP" altLang="en-US" sz="1050" dirty="0">
-                        <a:latin typeface="メイリオ" panose="020B0604030504040204" pitchFamily="50" charset="-128"/>
-                        <a:ea typeface="メイリオ" panose="020B0604030504040204" pitchFamily="50" charset="-128"/>
-                      </a:endParaRPr>
-                    </a:p>
-                  </a:txBody>
-                  <a:tcPr/>
-                </a:tc>
-                <a:tc>
-                  <a:txBody>
-                    <a:bodyPr/>
-                    <a:lstStyle/>
-                    <a:p>
-                      <a:pPr algn="ctr"/>
-                      <a:r>
-                        <a:rPr kumimoji="1" lang="en-US" altLang="ja-JP" sz="1050" b="1" dirty="0">
-                          <a:latin typeface="メイリオ" panose="020B0604030504040204" pitchFamily="50" charset="-128"/>
-                          <a:ea typeface="メイリオ" panose="020B0604030504040204" pitchFamily="50" charset="-128"/>
-                        </a:rPr>
-                        <a:t>1</a:t>
-                      </a:r>
-                      <a:endParaRPr kumimoji="1" lang="ja-JP" altLang="en-US" sz="1050" b="1" dirty="0">
-                        <a:latin typeface="メイリオ" panose="020B0604030504040204" pitchFamily="50" charset="-128"/>
-                        <a:ea typeface="メイリオ" panose="020B0604030504040204" pitchFamily="50" charset="-128"/>
-                      </a:endParaRPr>
-                    </a:p>
-                  </a:txBody>
-                  <a:tcPr/>
-                </a:tc>
-                <a:extLst>
-                  <a:ext uri="{0D108BD9-81ED-4DB2-BD59-A6C34878D82A}">
-                    <a16:rowId xmlns:a16="http://schemas.microsoft.com/office/drawing/2014/main" val="1610729204"/>
-                  </a:ext>
-                </a:extLst>
-              </a:tr>
-              <a:tr h="248645">
-                <a:tc>
-                  <a:txBody>
-                    <a:bodyPr/>
-                    <a:lstStyle/>
-                    <a:p>
-                      <a:pPr algn="ctr"/>
-                      <a:r>
-                        <a:rPr kumimoji="1" lang="en-US" altLang="ja-JP" sz="1050" dirty="0">
-                          <a:latin typeface="メイリオ" panose="020B0604030504040204" pitchFamily="50" charset="-128"/>
-                          <a:ea typeface="メイリオ" panose="020B0604030504040204" pitchFamily="50" charset="-128"/>
-                        </a:rPr>
-                        <a:t>11</a:t>
-                      </a:r>
-                      <a:endParaRPr kumimoji="1" lang="ja-JP" altLang="en-US" sz="1050" dirty="0">
-                        <a:latin typeface="メイリオ" panose="020B0604030504040204" pitchFamily="50" charset="-128"/>
-                        <a:ea typeface="メイリオ" panose="020B0604030504040204" pitchFamily="50" charset="-128"/>
-                      </a:endParaRPr>
-                    </a:p>
-                  </a:txBody>
-                  <a:tcPr/>
-                </a:tc>
-                <a:tc>
-                  <a:txBody>
-                    <a:bodyPr/>
-                    <a:lstStyle/>
-                    <a:p>
-                      <a:pPr algn="ctr"/>
-                      <a:r>
-                        <a:rPr kumimoji="1" lang="en-US" altLang="ja-JP" sz="1050" dirty="0">
-                          <a:latin typeface="メイリオ" panose="020B0604030504040204" pitchFamily="50" charset="-128"/>
-                          <a:ea typeface="メイリオ" panose="020B0604030504040204" pitchFamily="50" charset="-128"/>
-                        </a:rPr>
-                        <a:t>7.15</a:t>
-                      </a:r>
-                      <a:endParaRPr kumimoji="1" lang="ja-JP" altLang="en-US" sz="1050" dirty="0">
-                        <a:latin typeface="メイリオ" panose="020B0604030504040204" pitchFamily="50" charset="-128"/>
-                        <a:ea typeface="メイリオ" panose="020B0604030504040204" pitchFamily="50" charset="-128"/>
-                      </a:endParaRPr>
-                    </a:p>
-                  </a:txBody>
-                  <a:tcPr/>
-                </a:tc>
-                <a:tc>
-                  <a:txBody>
-                    <a:bodyPr/>
-                    <a:lstStyle/>
-                    <a:p>
-                      <a:pPr algn="ctr"/>
-                      <a:r>
-                        <a:rPr kumimoji="1" lang="en-US" altLang="ja-JP" sz="1050" dirty="0">
-                          <a:latin typeface="メイリオ" panose="020B0604030504040204" pitchFamily="50" charset="-128"/>
-                          <a:ea typeface="メイリオ" panose="020B0604030504040204" pitchFamily="50" charset="-128"/>
-                        </a:rPr>
-                        <a:t>85</a:t>
-                      </a:r>
-                      <a:endParaRPr kumimoji="1" lang="ja-JP" altLang="en-US" sz="1050" dirty="0">
-                        <a:latin typeface="メイリオ" panose="020B0604030504040204" pitchFamily="50" charset="-128"/>
-                        <a:ea typeface="メイリオ" panose="020B0604030504040204" pitchFamily="50" charset="-128"/>
-                      </a:endParaRPr>
-                    </a:p>
-                  </a:txBody>
-                  <a:tcPr/>
-                </a:tc>
-                <a:tc>
-                  <a:txBody>
-                    <a:bodyPr/>
-                    <a:lstStyle/>
-                    <a:p>
-                      <a:pPr algn="ctr"/>
-                      <a:r>
-                        <a:rPr kumimoji="1" lang="en-US" altLang="ja-JP" sz="1050" b="1" dirty="0">
-                          <a:latin typeface="メイリオ" panose="020B0604030504040204" pitchFamily="50" charset="-128"/>
-                          <a:ea typeface="メイリオ" panose="020B0604030504040204" pitchFamily="50" charset="-128"/>
-                        </a:rPr>
-                        <a:t>0</a:t>
-                      </a:r>
-                      <a:endParaRPr kumimoji="1" lang="ja-JP" altLang="en-US" sz="1050" b="1" dirty="0">
-                        <a:latin typeface="メイリオ" panose="020B0604030504040204" pitchFamily="50" charset="-128"/>
-                        <a:ea typeface="メイリオ" panose="020B0604030504040204" pitchFamily="50" charset="-128"/>
-                      </a:endParaRPr>
-                    </a:p>
-                  </a:txBody>
-                  <a:tcPr/>
-                </a:tc>
-                <a:extLst>
-                  <a:ext uri="{0D108BD9-81ED-4DB2-BD59-A6C34878D82A}">
-                    <a16:rowId xmlns:a16="http://schemas.microsoft.com/office/drawing/2014/main" val="1921047279"/>
-                  </a:ext>
-                </a:extLst>
-              </a:tr>
-              <a:tr h="248645">
-                <a:tc>
-                  <a:txBody>
-                    <a:bodyPr/>
-                    <a:lstStyle/>
-                    <a:p>
-                      <a:pPr algn="ctr"/>
-                      <a:r>
-                        <a:rPr kumimoji="1" lang="en-US" altLang="ja-JP" sz="1050" dirty="0">
-                          <a:latin typeface="メイリオ" panose="020B0604030504040204" pitchFamily="50" charset="-128"/>
-                          <a:ea typeface="メイリオ" panose="020B0604030504040204" pitchFamily="50" charset="-128"/>
-                        </a:rPr>
-                        <a:t>12</a:t>
-                      </a:r>
-                      <a:endParaRPr kumimoji="1" lang="ja-JP" altLang="en-US" sz="1050" dirty="0">
-                        <a:latin typeface="メイリオ" panose="020B0604030504040204" pitchFamily="50" charset="-128"/>
-                        <a:ea typeface="メイリオ" panose="020B0604030504040204" pitchFamily="50" charset="-128"/>
-                      </a:endParaRPr>
-                    </a:p>
-                  </a:txBody>
-                  <a:tcPr/>
-                </a:tc>
-                <a:tc>
-                  <a:txBody>
-                    <a:bodyPr/>
-                    <a:lstStyle/>
-                    <a:p>
-                      <a:pPr algn="ctr"/>
-                      <a:r>
-                        <a:rPr kumimoji="1" lang="en-US" altLang="ja-JP" sz="1050" dirty="0">
-                          <a:latin typeface="メイリオ" panose="020B0604030504040204" pitchFamily="50" charset="-128"/>
-                          <a:ea typeface="メイリオ" panose="020B0604030504040204" pitchFamily="50" charset="-128"/>
-                        </a:rPr>
-                        <a:t>7.45</a:t>
-                      </a:r>
-                      <a:endParaRPr kumimoji="1" lang="ja-JP" altLang="en-US" sz="1050" dirty="0">
-                        <a:latin typeface="メイリオ" panose="020B0604030504040204" pitchFamily="50" charset="-128"/>
-                        <a:ea typeface="メイリオ" panose="020B0604030504040204" pitchFamily="50" charset="-128"/>
-                      </a:endParaRPr>
-                    </a:p>
-                  </a:txBody>
-                  <a:tcPr/>
-                </a:tc>
-                <a:tc>
-                  <a:txBody>
-                    <a:bodyPr/>
-                    <a:lstStyle/>
-                    <a:p>
-                      <a:pPr algn="ctr"/>
-                      <a:r>
-                        <a:rPr kumimoji="1" lang="en-US" altLang="ja-JP" sz="1050" dirty="0">
-                          <a:latin typeface="メイリオ" panose="020B0604030504040204" pitchFamily="50" charset="-128"/>
-                          <a:ea typeface="メイリオ" panose="020B0604030504040204" pitchFamily="50" charset="-128"/>
-                        </a:rPr>
-                        <a:t>75</a:t>
-                      </a:r>
-                      <a:endParaRPr kumimoji="1" lang="ja-JP" altLang="en-US" sz="1050" dirty="0">
-                        <a:latin typeface="メイリオ" panose="020B0604030504040204" pitchFamily="50" charset="-128"/>
-                        <a:ea typeface="メイリオ" panose="020B0604030504040204" pitchFamily="50" charset="-128"/>
-                      </a:endParaRPr>
-                    </a:p>
-                  </a:txBody>
-                  <a:tcPr/>
-                </a:tc>
-                <a:tc>
-                  <a:txBody>
-                    <a:bodyPr/>
-                    <a:lstStyle/>
-                    <a:p>
-                      <a:pPr algn="ctr"/>
-                      <a:r>
-                        <a:rPr kumimoji="1" lang="en-US" altLang="ja-JP" sz="1050" b="1" dirty="0">
-                          <a:latin typeface="メイリオ" panose="020B0604030504040204" pitchFamily="50" charset="-128"/>
-                          <a:ea typeface="メイリオ" panose="020B0604030504040204" pitchFamily="50" charset="-128"/>
-                        </a:rPr>
-                        <a:t>2</a:t>
-                      </a:r>
-                      <a:endParaRPr kumimoji="1" lang="ja-JP" altLang="en-US" sz="1050" b="1" dirty="0">
-                        <a:latin typeface="メイリオ" panose="020B0604030504040204" pitchFamily="50" charset="-128"/>
-                        <a:ea typeface="メイリオ" panose="020B0604030504040204" pitchFamily="50" charset="-128"/>
-                      </a:endParaRPr>
-                    </a:p>
-                  </a:txBody>
-                  <a:tcPr/>
-                </a:tc>
-                <a:extLst>
-                  <a:ext uri="{0D108BD9-81ED-4DB2-BD59-A6C34878D82A}">
-                    <a16:rowId xmlns:a16="http://schemas.microsoft.com/office/drawing/2014/main" val="2184997223"/>
-                  </a:ext>
-                </a:extLst>
-              </a:tr>
-              <a:tr h="248645">
-                <a:tc>
-                  <a:txBody>
-                    <a:bodyPr/>
-                    <a:lstStyle/>
-                    <a:p>
-                      <a:pPr algn="ctr"/>
-                      <a:r>
-                        <a:rPr kumimoji="1" lang="en-US" altLang="ja-JP" sz="1050" dirty="0">
-                          <a:latin typeface="メイリオ" panose="020B0604030504040204" pitchFamily="50" charset="-128"/>
-                          <a:ea typeface="メイリオ" panose="020B0604030504040204" pitchFamily="50" charset="-128"/>
-                        </a:rPr>
-                        <a:t>13</a:t>
-                      </a:r>
-                      <a:endParaRPr kumimoji="1" lang="ja-JP" altLang="en-US" sz="1050" dirty="0">
-                        <a:latin typeface="メイリオ" panose="020B0604030504040204" pitchFamily="50" charset="-128"/>
-                        <a:ea typeface="メイリオ" panose="020B0604030504040204" pitchFamily="50" charset="-128"/>
-                      </a:endParaRPr>
-                    </a:p>
-                  </a:txBody>
-                  <a:tcPr/>
-                </a:tc>
-                <a:tc>
-                  <a:txBody>
-                    <a:bodyPr/>
-                    <a:lstStyle/>
-                    <a:p>
-                      <a:pPr algn="ctr"/>
-                      <a:r>
-                        <a:rPr kumimoji="1" lang="en-US" altLang="ja-JP" sz="1050" dirty="0">
-                          <a:latin typeface="メイリオ" panose="020B0604030504040204" pitchFamily="50" charset="-128"/>
-                          <a:ea typeface="メイリオ" panose="020B0604030504040204" pitchFamily="50" charset="-128"/>
-                        </a:rPr>
-                        <a:t>8.80</a:t>
-                      </a:r>
-                      <a:endParaRPr kumimoji="1" lang="ja-JP" altLang="en-US" sz="1050" dirty="0">
-                        <a:latin typeface="メイリオ" panose="020B0604030504040204" pitchFamily="50" charset="-128"/>
-                        <a:ea typeface="メイリオ" panose="020B0604030504040204" pitchFamily="50" charset="-128"/>
-                      </a:endParaRPr>
-                    </a:p>
-                  </a:txBody>
-                  <a:tcPr/>
-                </a:tc>
-                <a:tc>
-                  <a:txBody>
-                    <a:bodyPr/>
-                    <a:lstStyle/>
-                    <a:p>
-                      <a:pPr algn="ctr"/>
-                      <a:r>
-                        <a:rPr kumimoji="1" lang="en-US" altLang="ja-JP" sz="1050" dirty="0">
-                          <a:latin typeface="メイリオ" panose="020B0604030504040204" pitchFamily="50" charset="-128"/>
-                          <a:ea typeface="メイリオ" panose="020B0604030504040204" pitchFamily="50" charset="-128"/>
-                        </a:rPr>
-                        <a:t>70</a:t>
-                      </a:r>
-                      <a:endParaRPr kumimoji="1" lang="ja-JP" altLang="en-US" sz="1050" dirty="0">
-                        <a:latin typeface="メイリオ" panose="020B0604030504040204" pitchFamily="50" charset="-128"/>
-                        <a:ea typeface="メイリオ" panose="020B0604030504040204" pitchFamily="50" charset="-128"/>
-                      </a:endParaRPr>
-                    </a:p>
-                  </a:txBody>
-                  <a:tcPr/>
-                </a:tc>
-                <a:tc>
-                  <a:txBody>
-                    <a:bodyPr/>
-                    <a:lstStyle/>
-                    <a:p>
-                      <a:pPr algn="ctr"/>
-                      <a:r>
-                        <a:rPr kumimoji="1" lang="en-US" altLang="ja-JP" sz="1050" b="1" dirty="0">
-                          <a:latin typeface="メイリオ" panose="020B0604030504040204" pitchFamily="50" charset="-128"/>
-                          <a:ea typeface="メイリオ" panose="020B0604030504040204" pitchFamily="50" charset="-128"/>
-                        </a:rPr>
-                        <a:t>3</a:t>
-                      </a:r>
-                      <a:endParaRPr kumimoji="1" lang="ja-JP" altLang="en-US" sz="1050" b="1" dirty="0">
-                        <a:latin typeface="メイリオ" panose="020B0604030504040204" pitchFamily="50" charset="-128"/>
-                        <a:ea typeface="メイリオ" panose="020B0604030504040204" pitchFamily="50" charset="-128"/>
-                      </a:endParaRPr>
-                    </a:p>
-                  </a:txBody>
-                  <a:tcPr/>
-                </a:tc>
-                <a:extLst>
-                  <a:ext uri="{0D108BD9-81ED-4DB2-BD59-A6C34878D82A}">
-                    <a16:rowId xmlns:a16="http://schemas.microsoft.com/office/drawing/2014/main" val="640395947"/>
-                  </a:ext>
-                </a:extLst>
-              </a:tr>
-              <a:tr h="248645">
-                <a:tc>
-                  <a:txBody>
-                    <a:bodyPr/>
-                    <a:lstStyle/>
-                    <a:p>
-                      <a:pPr algn="ctr"/>
-                      <a:r>
-                        <a:rPr kumimoji="1" lang="en-US" altLang="ja-JP" sz="1050" dirty="0">
-                          <a:latin typeface="メイリオ" panose="020B0604030504040204" pitchFamily="50" charset="-128"/>
-                          <a:ea typeface="メイリオ" panose="020B0604030504040204" pitchFamily="50" charset="-128"/>
-                        </a:rPr>
-                        <a:t>14</a:t>
-                      </a:r>
-                      <a:endParaRPr kumimoji="1" lang="ja-JP" altLang="en-US" sz="1050" dirty="0">
-                        <a:latin typeface="メイリオ" panose="020B0604030504040204" pitchFamily="50" charset="-128"/>
-                        <a:ea typeface="メイリオ" panose="020B0604030504040204" pitchFamily="50" charset="-128"/>
-                      </a:endParaRPr>
-                    </a:p>
-                  </a:txBody>
-                  <a:tcPr/>
-                </a:tc>
-                <a:tc>
-                  <a:txBody>
-                    <a:bodyPr/>
-                    <a:lstStyle/>
-                    <a:p>
-                      <a:pPr algn="ctr"/>
-                      <a:r>
-                        <a:rPr kumimoji="1" lang="en-US" altLang="ja-JP" sz="1050" dirty="0">
-                          <a:latin typeface="メイリオ" panose="020B0604030504040204" pitchFamily="50" charset="-128"/>
-                          <a:ea typeface="メイリオ" panose="020B0604030504040204" pitchFamily="50" charset="-128"/>
-                        </a:rPr>
-                        <a:t>9.20</a:t>
-                      </a:r>
-                      <a:endParaRPr kumimoji="1" lang="ja-JP" altLang="en-US" sz="1050" dirty="0">
-                        <a:latin typeface="メイリオ" panose="020B0604030504040204" pitchFamily="50" charset="-128"/>
-                        <a:ea typeface="メイリオ" panose="020B0604030504040204" pitchFamily="50" charset="-128"/>
-                      </a:endParaRPr>
-                    </a:p>
-                  </a:txBody>
-                  <a:tcPr/>
-                </a:tc>
-                <a:tc>
-                  <a:txBody>
-                    <a:bodyPr/>
-                    <a:lstStyle/>
-                    <a:p>
-                      <a:pPr algn="ctr"/>
-                      <a:r>
-                        <a:rPr kumimoji="1" lang="en-US" altLang="ja-JP" sz="1050" dirty="0">
-                          <a:latin typeface="メイリオ" panose="020B0604030504040204" pitchFamily="50" charset="-128"/>
-                          <a:ea typeface="メイリオ" panose="020B0604030504040204" pitchFamily="50" charset="-128"/>
-                        </a:rPr>
-                        <a:t>100</a:t>
-                      </a:r>
-                      <a:endParaRPr kumimoji="1" lang="ja-JP" altLang="en-US" sz="1050" dirty="0">
-                        <a:latin typeface="メイリオ" panose="020B0604030504040204" pitchFamily="50" charset="-128"/>
-                        <a:ea typeface="メイリオ" panose="020B0604030504040204" pitchFamily="50" charset="-128"/>
-                      </a:endParaRPr>
-                    </a:p>
-                  </a:txBody>
-                  <a:tcPr/>
-                </a:tc>
-                <a:tc>
-                  <a:txBody>
-                    <a:bodyPr/>
-                    <a:lstStyle/>
-                    <a:p>
-                      <a:pPr algn="ctr"/>
-                      <a:r>
-                        <a:rPr kumimoji="1" lang="en-US" altLang="ja-JP" sz="1050" b="1" dirty="0">
-                          <a:latin typeface="メイリオ" panose="020B0604030504040204" pitchFamily="50" charset="-128"/>
-                          <a:ea typeface="メイリオ" panose="020B0604030504040204" pitchFamily="50" charset="-128"/>
-                        </a:rPr>
-                        <a:t>0</a:t>
-                      </a:r>
-                      <a:endParaRPr kumimoji="1" lang="ja-JP" altLang="en-US" sz="1050" b="1" dirty="0">
-                        <a:latin typeface="メイリオ" panose="020B0604030504040204" pitchFamily="50" charset="-128"/>
-                        <a:ea typeface="メイリオ" panose="020B0604030504040204" pitchFamily="50" charset="-128"/>
-                      </a:endParaRPr>
-                    </a:p>
-                  </a:txBody>
-                  <a:tcPr/>
-                </a:tc>
-                <a:extLst>
-                  <a:ext uri="{0D108BD9-81ED-4DB2-BD59-A6C34878D82A}">
-                    <a16:rowId xmlns:a16="http://schemas.microsoft.com/office/drawing/2014/main" val="1758271375"/>
-                  </a:ext>
-                </a:extLst>
-              </a:tr>
-            </a:tbl>
-          </a:graphicData>
-        </a:graphic>
-      </p:graphicFrame>
-      <p:graphicFrame>
-        <p:nvGraphicFramePr>
-          <p:cNvPr id="22" name="表 21">
-            <a:extLst>
-              <a:ext uri="{FF2B5EF4-FFF2-40B4-BE49-F238E27FC236}">
-                <a16:creationId xmlns:a16="http://schemas.microsoft.com/office/drawing/2014/main" id="{6B37A961-2EE8-42B9-964E-2C7406A83BD5}"/>
-              </a:ext>
-            </a:extLst>
-          </p:cNvPr>
-          <p:cNvGraphicFramePr>
-            <a:graphicFrameLocks noGrp="1"/>
-          </p:cNvGraphicFramePr>
-          <p:nvPr>
-            <p:extLst>
-              <p:ext uri="{D42A27DB-BD31-4B8C-83A1-F6EECF244321}">
-                <p14:modId xmlns:p14="http://schemas.microsoft.com/office/powerpoint/2010/main" val="3523189396"/>
-              </p:ext>
-            </p:extLst>
-          </p:nvPr>
-        </p:nvGraphicFramePr>
-        <p:xfrm>
-          <a:off x="3736504" y="7703760"/>
-          <a:ext cx="3196258" cy="1417320"/>
-        </p:xfrm>
-        <a:graphic>
-          <a:graphicData uri="http://schemas.openxmlformats.org/drawingml/2006/table">
-            <a:tbl>
-              <a:tblPr firstRow="1" firstCol="1" bandRow="1">
-                <a:tableStyleId>{93296810-A885-4BE3-A3E7-6D5BEEA58F35}</a:tableStyleId>
-              </a:tblPr>
-              <a:tblGrid>
-                <a:gridCol w="804793">
-                  <a:extLst>
-                    <a:ext uri="{9D8B030D-6E8A-4147-A177-3AD203B41FA5}">
-                      <a16:colId xmlns:a16="http://schemas.microsoft.com/office/drawing/2014/main" val="2494303227"/>
-                    </a:ext>
-                  </a:extLst>
-                </a:gridCol>
-                <a:gridCol w="605155">
-                  <a:extLst>
-                    <a:ext uri="{9D8B030D-6E8A-4147-A177-3AD203B41FA5}">
-                      <a16:colId xmlns:a16="http://schemas.microsoft.com/office/drawing/2014/main" val="1403888561"/>
-                    </a:ext>
-                  </a:extLst>
-                </a:gridCol>
-                <a:gridCol w="605155">
-                  <a:extLst>
-                    <a:ext uri="{9D8B030D-6E8A-4147-A177-3AD203B41FA5}">
-                      <a16:colId xmlns:a16="http://schemas.microsoft.com/office/drawing/2014/main" val="1885886303"/>
-                    </a:ext>
-                  </a:extLst>
-                </a:gridCol>
-                <a:gridCol w="605155">
-                  <a:extLst>
-                    <a:ext uri="{9D8B030D-6E8A-4147-A177-3AD203B41FA5}">
-                      <a16:colId xmlns:a16="http://schemas.microsoft.com/office/drawing/2014/main" val="245119094"/>
-                    </a:ext>
-                  </a:extLst>
-                </a:gridCol>
-                <a:gridCol w="576000">
-                  <a:extLst>
-                    <a:ext uri="{9D8B030D-6E8A-4147-A177-3AD203B41FA5}">
-                      <a16:colId xmlns:a16="http://schemas.microsoft.com/office/drawing/2014/main" val="982122723"/>
-                    </a:ext>
-                  </a:extLst>
-                </a:gridCol>
-              </a:tblGrid>
-              <a:tr h="0">
-                <a:tc>
-                  <a:txBody>
-                    <a:bodyPr/>
-                    <a:lstStyle/>
-                    <a:p>
-                      <a:pPr algn="ctr"/>
-                      <a:r>
-                        <a:rPr kumimoji="1" lang="ja-JP" altLang="en-US" sz="1050" dirty="0"/>
-                        <a:t>曲率分類</a:t>
-                      </a:r>
-                    </a:p>
-                  </a:txBody>
-                  <a:tcPr anchor="ctr"/>
-                </a:tc>
-                <a:tc>
-                  <a:txBody>
-                    <a:bodyPr/>
-                    <a:lstStyle/>
-                    <a:p>
-                      <a:pPr algn="ctr"/>
-                      <a:r>
-                        <a:rPr kumimoji="1" lang="en-US" altLang="ja-JP" sz="1050" dirty="0"/>
-                        <a:t>0</a:t>
-                      </a:r>
-                      <a:endParaRPr kumimoji="1" lang="ja-JP" altLang="en-US" sz="1050" dirty="0"/>
-                    </a:p>
-                  </a:txBody>
-                  <a:tcPr anchor="ctr"/>
-                </a:tc>
-                <a:tc>
-                  <a:txBody>
-                    <a:bodyPr/>
-                    <a:lstStyle/>
-                    <a:p>
-                      <a:pPr algn="ctr"/>
-                      <a:r>
-                        <a:rPr kumimoji="1" lang="en-US" altLang="ja-JP" sz="1050" dirty="0"/>
-                        <a:t>1</a:t>
-                      </a:r>
-                      <a:endParaRPr kumimoji="1" lang="ja-JP" altLang="en-US" sz="1050" dirty="0"/>
-                    </a:p>
-                  </a:txBody>
-                  <a:tcPr anchor="ctr"/>
-                </a:tc>
-                <a:tc>
-                  <a:txBody>
-                    <a:bodyPr/>
-                    <a:lstStyle/>
-                    <a:p>
-                      <a:pPr algn="ctr"/>
-                      <a:r>
-                        <a:rPr kumimoji="1" lang="en-US" altLang="ja-JP" sz="1050" dirty="0"/>
-                        <a:t>2</a:t>
-                      </a:r>
-                      <a:endParaRPr kumimoji="1" lang="ja-JP" altLang="en-US" sz="1050" dirty="0"/>
-                    </a:p>
-                  </a:txBody>
-                  <a:tcPr anchor="ctr"/>
-                </a:tc>
-                <a:tc>
-                  <a:txBody>
-                    <a:bodyPr/>
-                    <a:lstStyle/>
-                    <a:p>
-                      <a:pPr algn="ctr"/>
-                      <a:r>
-                        <a:rPr kumimoji="1" lang="en-US" altLang="ja-JP" sz="1050" dirty="0"/>
-                        <a:t>3</a:t>
-                      </a:r>
-                      <a:endParaRPr kumimoji="1" lang="ja-JP" altLang="en-US" sz="1050" dirty="0"/>
-                    </a:p>
-                  </a:txBody>
-                  <a:tcPr anchor="ctr"/>
-                </a:tc>
-                <a:extLst>
-                  <a:ext uri="{0D108BD9-81ED-4DB2-BD59-A6C34878D82A}">
-                    <a16:rowId xmlns:a16="http://schemas.microsoft.com/office/drawing/2014/main" val="641713983"/>
-                  </a:ext>
-                </a:extLst>
-              </a:tr>
-              <a:tr h="0">
-                <a:tc>
-                  <a:txBody>
-                    <a:bodyPr/>
-                    <a:lstStyle/>
-                    <a:p>
-                      <a:pPr algn="ctr"/>
-                      <a:r>
-                        <a:rPr kumimoji="1" lang="ja-JP" altLang="en-US" sz="1050" b="1" dirty="0">
-                          <a:latin typeface="+mn-ea"/>
-                          <a:ea typeface="+mn-ea"/>
-                        </a:rPr>
-                        <a:t>曲率</a:t>
-                      </a:r>
-                      <a:endParaRPr kumimoji="1" lang="en-US" altLang="ja-JP" sz="1050" b="1" dirty="0">
-                        <a:latin typeface="+mn-ea"/>
-                        <a:ea typeface="+mn-ea"/>
-                      </a:endParaRPr>
-                    </a:p>
-                    <a:p>
-                      <a:pPr algn="ctr"/>
-                      <a:r>
-                        <a:rPr kumimoji="1" lang="ja-JP" altLang="en-US" sz="1050" b="1" dirty="0">
-                          <a:latin typeface="+mn-ea"/>
-                          <a:ea typeface="+mn-ea"/>
-                        </a:rPr>
-                        <a:t>旋回量</a:t>
-                      </a:r>
-                    </a:p>
-                  </a:txBody>
-                  <a:tcPr anchor="ctr"/>
-                </a:tc>
-                <a:tc>
-                  <a:txBody>
-                    <a:bodyPr/>
-                    <a:lstStyle/>
-                    <a:p>
-                      <a:pPr algn="ctr"/>
-                      <a:r>
-                        <a:rPr kumimoji="1" lang="en-US" altLang="ja-JP" sz="1050" dirty="0">
-                          <a:latin typeface="メイリオ" panose="020B0604030504040204" pitchFamily="50" charset="-128"/>
-                          <a:ea typeface="メイリオ" panose="020B0604030504040204" pitchFamily="50" charset="-128"/>
-                        </a:rPr>
-                        <a:t>0</a:t>
-                      </a:r>
-                      <a:endParaRPr kumimoji="1" lang="ja-JP" altLang="en-US" sz="1050" dirty="0">
-                        <a:latin typeface="メイリオ" panose="020B0604030504040204" pitchFamily="50" charset="-128"/>
-                        <a:ea typeface="メイリオ" panose="020B0604030504040204" pitchFamily="50" charset="-128"/>
-                      </a:endParaRPr>
-                    </a:p>
-                  </a:txBody>
-                  <a:tcPr anchor="ctr"/>
-                </a:tc>
-                <a:tc>
-                  <a:txBody>
-                    <a:bodyPr/>
-                    <a:lstStyle/>
-                    <a:p>
-                      <a:pPr algn="ctr"/>
-                      <a:r>
-                        <a:rPr kumimoji="1" lang="en-US" altLang="ja-JP" sz="1050" dirty="0">
-                          <a:latin typeface="メイリオ" panose="020B0604030504040204" pitchFamily="50" charset="-128"/>
-                          <a:ea typeface="メイリオ" panose="020B0604030504040204" pitchFamily="50" charset="-128"/>
-                        </a:rPr>
-                        <a:t>10</a:t>
-                      </a:r>
-                      <a:endParaRPr kumimoji="1" lang="ja-JP" altLang="en-US" sz="1050" dirty="0">
-                        <a:latin typeface="メイリオ" panose="020B0604030504040204" pitchFamily="50" charset="-128"/>
-                        <a:ea typeface="メイリオ" panose="020B0604030504040204" pitchFamily="50" charset="-128"/>
-                      </a:endParaRPr>
-                    </a:p>
-                  </a:txBody>
-                  <a:tcPr anchor="ctr"/>
-                </a:tc>
-                <a:tc>
-                  <a:txBody>
-                    <a:bodyPr/>
-                    <a:lstStyle/>
-                    <a:p>
-                      <a:pPr algn="ctr"/>
-                      <a:r>
-                        <a:rPr kumimoji="1" lang="en-US" altLang="ja-JP" sz="1050" dirty="0">
-                          <a:latin typeface="メイリオ" panose="020B0604030504040204" pitchFamily="50" charset="-128"/>
-                          <a:ea typeface="メイリオ" panose="020B0604030504040204" pitchFamily="50" charset="-128"/>
-                        </a:rPr>
-                        <a:t>11</a:t>
-                      </a:r>
-                      <a:endParaRPr kumimoji="1" lang="ja-JP" altLang="en-US" sz="1050" dirty="0">
-                        <a:latin typeface="メイリオ" panose="020B0604030504040204" pitchFamily="50" charset="-128"/>
-                        <a:ea typeface="メイリオ" panose="020B0604030504040204" pitchFamily="50" charset="-128"/>
-                      </a:endParaRPr>
-                    </a:p>
-                  </a:txBody>
-                  <a:tcPr anchor="ctr"/>
-                </a:tc>
-                <a:tc>
-                  <a:txBody>
-                    <a:bodyPr/>
-                    <a:lstStyle/>
-                    <a:p>
-                      <a:pPr algn="ctr"/>
-                      <a:r>
-                        <a:rPr kumimoji="1" lang="en-US" altLang="ja-JP" sz="1050" dirty="0">
-                          <a:latin typeface="メイリオ" panose="020B0604030504040204" pitchFamily="50" charset="-128"/>
-                          <a:ea typeface="メイリオ" panose="020B0604030504040204" pitchFamily="50" charset="-128"/>
-                        </a:rPr>
-                        <a:t>15</a:t>
-                      </a:r>
-                      <a:endParaRPr kumimoji="1" lang="ja-JP" altLang="en-US" sz="1050" dirty="0">
-                        <a:latin typeface="メイリオ" panose="020B0604030504040204" pitchFamily="50" charset="-128"/>
-                        <a:ea typeface="メイリオ" panose="020B0604030504040204" pitchFamily="50" charset="-128"/>
-                      </a:endParaRPr>
-                    </a:p>
-                  </a:txBody>
-                  <a:tcPr anchor="ctr"/>
-                </a:tc>
-                <a:extLst>
-                  <a:ext uri="{0D108BD9-81ED-4DB2-BD59-A6C34878D82A}">
-                    <a16:rowId xmlns:a16="http://schemas.microsoft.com/office/drawing/2014/main" val="3494346181"/>
-                  </a:ext>
-                </a:extLst>
-              </a:tr>
-              <a:tr h="0">
-                <a:tc>
-                  <a:txBody>
-                    <a:bodyPr/>
-                    <a:lstStyle/>
-                    <a:p>
-                      <a:pPr algn="ctr"/>
-                      <a:r>
-                        <a:rPr kumimoji="1" lang="en-US" altLang="ja-JP" sz="1050" b="1" dirty="0" err="1">
-                          <a:latin typeface="+mn-ea"/>
-                          <a:ea typeface="+mn-ea"/>
-                        </a:rPr>
-                        <a:t>Kp</a:t>
-                      </a:r>
-                      <a:endParaRPr kumimoji="1" lang="ja-JP" altLang="en-US" sz="1050" b="1" dirty="0">
-                        <a:latin typeface="+mn-ea"/>
-                        <a:ea typeface="+mn-ea"/>
-                      </a:endParaRPr>
-                    </a:p>
-                  </a:txBody>
-                  <a:tcPr anchor="ctr"/>
-                </a:tc>
-                <a:tc>
-                  <a:txBody>
-                    <a:bodyPr/>
-                    <a:lstStyle/>
-                    <a:p>
-                      <a:pPr algn="ctr"/>
-                      <a:r>
-                        <a:rPr kumimoji="1" lang="en-US" altLang="ja-JP" sz="1050" dirty="0">
-                          <a:latin typeface="メイリオ" panose="020B0604030504040204" pitchFamily="50" charset="-128"/>
-                          <a:ea typeface="メイリオ" panose="020B0604030504040204" pitchFamily="50" charset="-128"/>
-                        </a:rPr>
-                        <a:t>0.400</a:t>
-                      </a:r>
-                      <a:endParaRPr kumimoji="1" lang="ja-JP" altLang="en-US" sz="1050" dirty="0">
-                        <a:latin typeface="メイリオ" panose="020B0604030504040204" pitchFamily="50" charset="-128"/>
-                        <a:ea typeface="メイリオ" panose="020B0604030504040204" pitchFamily="50" charset="-128"/>
-                      </a:endParaRPr>
-                    </a:p>
-                  </a:txBody>
-                  <a:tcPr anchor="ctr"/>
-                </a:tc>
-                <a:tc>
-                  <a:txBody>
-                    <a:bodyPr/>
-                    <a:lstStyle/>
-                    <a:p>
-                      <a:pPr algn="ctr"/>
-                      <a:r>
-                        <a:rPr kumimoji="1" lang="en-US" altLang="ja-JP" sz="1050" dirty="0">
-                          <a:latin typeface="メイリオ" panose="020B0604030504040204" pitchFamily="50" charset="-128"/>
-                          <a:ea typeface="メイリオ" panose="020B0604030504040204" pitchFamily="50" charset="-128"/>
-                        </a:rPr>
-                        <a:t>0.492</a:t>
-                      </a:r>
-                      <a:endParaRPr kumimoji="1" lang="ja-JP" altLang="en-US" sz="1050" dirty="0">
-                        <a:latin typeface="メイリオ" panose="020B0604030504040204" pitchFamily="50" charset="-128"/>
-                        <a:ea typeface="メイリオ" panose="020B0604030504040204" pitchFamily="50" charset="-128"/>
-                      </a:endParaRPr>
-                    </a:p>
-                  </a:txBody>
-                  <a:tcPr anchor="ctr"/>
-                </a:tc>
-                <a:tc>
-                  <a:txBody>
-                    <a:bodyPr/>
-                    <a:lstStyle/>
-                    <a:p>
-                      <a:pPr algn="ctr"/>
-                      <a:r>
-                        <a:rPr kumimoji="1" lang="en-US" altLang="ja-JP" sz="1050" dirty="0">
-                          <a:latin typeface="メイリオ" panose="020B0604030504040204" pitchFamily="50" charset="-128"/>
-                          <a:ea typeface="メイリオ" panose="020B0604030504040204" pitchFamily="50" charset="-128"/>
-                        </a:rPr>
-                        <a:t>0.500</a:t>
-                      </a:r>
-                      <a:endParaRPr kumimoji="1" lang="ja-JP" altLang="en-US" sz="1050" dirty="0">
-                        <a:latin typeface="メイリオ" panose="020B0604030504040204" pitchFamily="50" charset="-128"/>
-                        <a:ea typeface="メイリオ" panose="020B0604030504040204" pitchFamily="50" charset="-128"/>
-                      </a:endParaRPr>
-                    </a:p>
-                  </a:txBody>
-                  <a:tcPr anchor="ctr"/>
-                </a:tc>
-                <a:tc>
-                  <a:txBody>
-                    <a:bodyPr/>
-                    <a:lstStyle/>
-                    <a:p>
-                      <a:pPr algn="ctr"/>
-                      <a:r>
-                        <a:rPr kumimoji="1" lang="en-US" altLang="ja-JP" sz="1050" dirty="0">
-                          <a:latin typeface="メイリオ" panose="020B0604030504040204" pitchFamily="50" charset="-128"/>
-                          <a:ea typeface="メイリオ" panose="020B0604030504040204" pitchFamily="50" charset="-128"/>
-                        </a:rPr>
-                        <a:t>0.950</a:t>
-                      </a:r>
-                      <a:endParaRPr kumimoji="1" lang="ja-JP" altLang="en-US" sz="1050" dirty="0">
-                        <a:latin typeface="メイリオ" panose="020B0604030504040204" pitchFamily="50" charset="-128"/>
-                        <a:ea typeface="メイリオ" panose="020B0604030504040204" pitchFamily="50" charset="-128"/>
-                      </a:endParaRPr>
-                    </a:p>
-                  </a:txBody>
-                  <a:tcPr anchor="ctr"/>
-                </a:tc>
-                <a:extLst>
-                  <a:ext uri="{0D108BD9-81ED-4DB2-BD59-A6C34878D82A}">
-                    <a16:rowId xmlns:a16="http://schemas.microsoft.com/office/drawing/2014/main" val="3375009664"/>
-                  </a:ext>
-                </a:extLst>
-              </a:tr>
-              <a:tr h="0">
-                <a:tc>
-                  <a:txBody>
-                    <a:bodyPr/>
-                    <a:lstStyle/>
-                    <a:p>
-                      <a:pPr algn="ctr"/>
-                      <a:r>
-                        <a:rPr kumimoji="1" lang="en-US" altLang="ja-JP" sz="1050" b="1" dirty="0">
-                          <a:latin typeface="+mn-ea"/>
-                          <a:ea typeface="+mn-ea"/>
-                        </a:rPr>
-                        <a:t>Ki</a:t>
-                      </a:r>
-                      <a:endParaRPr kumimoji="1" lang="ja-JP" altLang="en-US" sz="1050" b="1" dirty="0">
-                        <a:latin typeface="+mn-ea"/>
-                        <a:ea typeface="+mn-ea"/>
-                      </a:endParaRPr>
-                    </a:p>
-                  </a:txBody>
-                  <a:tcPr anchor="ctr"/>
-                </a:tc>
-                <a:tc>
-                  <a:txBody>
-                    <a:bodyPr/>
-                    <a:lstStyle/>
-                    <a:p>
-                      <a:pPr algn="ctr"/>
-                      <a:r>
-                        <a:rPr kumimoji="1" lang="en-US" altLang="ja-JP" sz="1050" dirty="0">
-                          <a:latin typeface="メイリオ" panose="020B0604030504040204" pitchFamily="50" charset="-128"/>
-                          <a:ea typeface="メイリオ" panose="020B0604030504040204" pitchFamily="50" charset="-128"/>
-                        </a:rPr>
-                        <a:t>0.002</a:t>
-                      </a:r>
-                      <a:endParaRPr kumimoji="1" lang="ja-JP" altLang="en-US" sz="1050" dirty="0">
-                        <a:latin typeface="メイリオ" panose="020B0604030504040204" pitchFamily="50" charset="-128"/>
-                        <a:ea typeface="メイリオ" panose="020B0604030504040204" pitchFamily="50" charset="-128"/>
-                      </a:endParaRPr>
-                    </a:p>
-                  </a:txBody>
-                  <a:tcPr anchor="ctr"/>
-                </a:tc>
-                <a:tc>
-                  <a:txBody>
-                    <a:bodyPr/>
-                    <a:lstStyle/>
-                    <a:p>
-                      <a:pPr algn="ctr"/>
-                      <a:r>
-                        <a:rPr kumimoji="1" lang="en-US" altLang="ja-JP" sz="1050" dirty="0">
-                          <a:latin typeface="メイリオ" panose="020B0604030504040204" pitchFamily="50" charset="-128"/>
-                          <a:ea typeface="メイリオ" panose="020B0604030504040204" pitchFamily="50" charset="-128"/>
-                        </a:rPr>
-                        <a:t>0.002</a:t>
-                      </a:r>
-                      <a:endParaRPr kumimoji="1" lang="ja-JP" altLang="en-US" sz="1050" dirty="0">
-                        <a:latin typeface="メイリオ" panose="020B0604030504040204" pitchFamily="50" charset="-128"/>
-                        <a:ea typeface="メイリオ" panose="020B0604030504040204" pitchFamily="50" charset="-128"/>
-                      </a:endParaRPr>
-                    </a:p>
-                  </a:txBody>
-                  <a:tcPr anchor="ctr"/>
-                </a:tc>
-                <a:tc>
-                  <a:txBody>
-                    <a:bodyPr/>
-                    <a:lstStyle/>
-                    <a:p>
-                      <a:pPr algn="ctr"/>
-                      <a:r>
-                        <a:rPr kumimoji="1" lang="en-US" altLang="ja-JP" sz="1050" dirty="0">
-                          <a:latin typeface="メイリオ" panose="020B0604030504040204" pitchFamily="50" charset="-128"/>
-                          <a:ea typeface="メイリオ" panose="020B0604030504040204" pitchFamily="50" charset="-128"/>
-                        </a:rPr>
-                        <a:t>0.002</a:t>
-                      </a:r>
-                      <a:endParaRPr kumimoji="1" lang="ja-JP" altLang="en-US" sz="1050" dirty="0">
-                        <a:latin typeface="メイリオ" panose="020B0604030504040204" pitchFamily="50" charset="-128"/>
-                        <a:ea typeface="メイリオ" panose="020B0604030504040204" pitchFamily="50" charset="-128"/>
-                      </a:endParaRPr>
-                    </a:p>
-                  </a:txBody>
-                  <a:tcPr anchor="ctr"/>
-                </a:tc>
-                <a:tc>
-                  <a:txBody>
-                    <a:bodyPr/>
-                    <a:lstStyle/>
-                    <a:p>
-                      <a:pPr algn="ctr"/>
-                      <a:r>
-                        <a:rPr kumimoji="1" lang="en-US" altLang="ja-JP" sz="1050" dirty="0">
-                          <a:latin typeface="メイリオ" panose="020B0604030504040204" pitchFamily="50" charset="-128"/>
-                          <a:ea typeface="メイリオ" panose="020B0604030504040204" pitchFamily="50" charset="-128"/>
-                        </a:rPr>
-                        <a:t>0.002</a:t>
-                      </a:r>
-                      <a:endParaRPr kumimoji="1" lang="ja-JP" altLang="en-US" sz="1050" dirty="0">
-                        <a:latin typeface="メイリオ" panose="020B0604030504040204" pitchFamily="50" charset="-128"/>
-                        <a:ea typeface="メイリオ" panose="020B0604030504040204" pitchFamily="50" charset="-128"/>
-                      </a:endParaRPr>
-                    </a:p>
-                  </a:txBody>
-                  <a:tcPr anchor="ctr"/>
-                </a:tc>
-                <a:extLst>
-                  <a:ext uri="{0D108BD9-81ED-4DB2-BD59-A6C34878D82A}">
-                    <a16:rowId xmlns:a16="http://schemas.microsoft.com/office/drawing/2014/main" val="1304779332"/>
-                  </a:ext>
-                </a:extLst>
-              </a:tr>
-              <a:tr h="0">
-                <a:tc>
-                  <a:txBody>
-                    <a:bodyPr/>
-                    <a:lstStyle/>
-                    <a:p>
-                      <a:pPr algn="ctr"/>
-                      <a:r>
-                        <a:rPr kumimoji="1" lang="en-US" altLang="ja-JP" sz="1050" b="1" dirty="0" err="1">
-                          <a:latin typeface="+mn-ea"/>
-                          <a:ea typeface="+mn-ea"/>
-                        </a:rPr>
-                        <a:t>Kd</a:t>
-                      </a:r>
-                      <a:endParaRPr kumimoji="1" lang="ja-JP" altLang="en-US" sz="1050" b="1" dirty="0">
-                        <a:latin typeface="+mn-ea"/>
-                        <a:ea typeface="+mn-ea"/>
-                      </a:endParaRPr>
-                    </a:p>
-                  </a:txBody>
-                  <a:tcPr anchor="ctr"/>
-                </a:tc>
-                <a:tc>
-                  <a:txBody>
-                    <a:bodyPr/>
-                    <a:lstStyle/>
-                    <a:p>
-                      <a:pPr algn="ctr"/>
-                      <a:r>
-                        <a:rPr kumimoji="1" lang="en-US" altLang="ja-JP" sz="1050" dirty="0">
-                          <a:latin typeface="メイリオ" panose="020B0604030504040204" pitchFamily="50" charset="-128"/>
-                          <a:ea typeface="メイリオ" panose="020B0604030504040204" pitchFamily="50" charset="-128"/>
-                        </a:rPr>
-                        <a:t>0.031</a:t>
-                      </a:r>
-                      <a:endParaRPr kumimoji="1" lang="ja-JP" altLang="en-US" sz="1050" dirty="0">
-                        <a:latin typeface="メイリオ" panose="020B0604030504040204" pitchFamily="50" charset="-128"/>
-                        <a:ea typeface="メイリオ" panose="020B0604030504040204" pitchFamily="50" charset="-128"/>
-                      </a:endParaRPr>
-                    </a:p>
-                  </a:txBody>
-                  <a:tcPr anchor="ctr"/>
-                </a:tc>
-                <a:tc>
-                  <a:txBody>
-                    <a:bodyPr/>
-                    <a:lstStyle/>
-                    <a:p>
-                      <a:pPr algn="ctr"/>
-                      <a:r>
-                        <a:rPr kumimoji="1" lang="en-US" altLang="ja-JP" sz="1050" dirty="0">
-                          <a:latin typeface="メイリオ" panose="020B0604030504040204" pitchFamily="50" charset="-128"/>
-                          <a:ea typeface="メイリオ" panose="020B0604030504040204" pitchFamily="50" charset="-128"/>
-                        </a:rPr>
-                        <a:t>0.038</a:t>
-                      </a:r>
-                      <a:endParaRPr kumimoji="1" lang="ja-JP" altLang="en-US" sz="1050" dirty="0">
-                        <a:latin typeface="メイリオ" panose="020B0604030504040204" pitchFamily="50" charset="-128"/>
-                        <a:ea typeface="メイリオ" panose="020B0604030504040204" pitchFamily="50" charset="-128"/>
-                      </a:endParaRPr>
-                    </a:p>
-                  </a:txBody>
-                  <a:tcPr anchor="ctr"/>
-                </a:tc>
-                <a:tc>
-                  <a:txBody>
-                    <a:bodyPr/>
-                    <a:lstStyle/>
-                    <a:p>
-                      <a:pPr algn="ctr"/>
-                      <a:r>
-                        <a:rPr kumimoji="1" lang="en-US" altLang="ja-JP" sz="1050" dirty="0">
-                          <a:latin typeface="メイリオ" panose="020B0604030504040204" pitchFamily="50" charset="-128"/>
-                          <a:ea typeface="メイリオ" panose="020B0604030504040204" pitchFamily="50" charset="-128"/>
-                        </a:rPr>
-                        <a:t>0.039</a:t>
-                      </a:r>
-                      <a:endParaRPr kumimoji="1" lang="ja-JP" altLang="en-US" sz="1050" dirty="0">
-                        <a:latin typeface="メイリオ" panose="020B0604030504040204" pitchFamily="50" charset="-128"/>
-                        <a:ea typeface="メイリオ" panose="020B0604030504040204" pitchFamily="50" charset="-128"/>
-                      </a:endParaRPr>
-                    </a:p>
-                  </a:txBody>
-                  <a:tcPr anchor="ctr"/>
-                </a:tc>
-                <a:tc>
-                  <a:txBody>
-                    <a:bodyPr/>
-                    <a:lstStyle/>
-                    <a:p>
-                      <a:pPr algn="ctr"/>
-                      <a:r>
-                        <a:rPr kumimoji="1" lang="en-US" altLang="ja-JP" sz="1050" dirty="0">
-                          <a:latin typeface="メイリオ" panose="020B0604030504040204" pitchFamily="50" charset="-128"/>
-                          <a:ea typeface="メイリオ" panose="020B0604030504040204" pitchFamily="50" charset="-128"/>
-                        </a:rPr>
-                        <a:t>0.054</a:t>
-                      </a:r>
-                      <a:endParaRPr kumimoji="1" lang="ja-JP" altLang="en-US" sz="1050" dirty="0">
-                        <a:latin typeface="メイリオ" panose="020B0604030504040204" pitchFamily="50" charset="-128"/>
-                        <a:ea typeface="メイリオ" panose="020B0604030504040204" pitchFamily="50" charset="-128"/>
-                      </a:endParaRPr>
-                    </a:p>
-                  </a:txBody>
-                  <a:tcPr anchor="ctr"/>
-                </a:tc>
-                <a:extLst>
-                  <a:ext uri="{0D108BD9-81ED-4DB2-BD59-A6C34878D82A}">
-                    <a16:rowId xmlns:a16="http://schemas.microsoft.com/office/drawing/2014/main" val="3015067310"/>
-                  </a:ext>
-                </a:extLst>
-              </a:tr>
-            </a:tbl>
-          </a:graphicData>
-        </a:graphic>
-      </p:graphicFrame>
-      <p:sp>
-        <p:nvSpPr>
-          <p:cNvPr id="47" name="テキスト ボックス 46">
-            <a:extLst>
-              <a:ext uri="{FF2B5EF4-FFF2-40B4-BE49-F238E27FC236}">
-                <a16:creationId xmlns:a16="http://schemas.microsoft.com/office/drawing/2014/main" id="{ADB9593F-AF7A-4E76-9434-CD6DF4697538}"/>
-              </a:ext>
-            </a:extLst>
-          </p:cNvPr>
-          <p:cNvSpPr txBox="1"/>
-          <p:nvPr/>
-        </p:nvSpPr>
-        <p:spPr>
-          <a:xfrm>
-            <a:off x="2211174" y="1776264"/>
-            <a:ext cx="1525330" cy="1246495"/>
-          </a:xfrm>
-          <a:prstGeom prst="rect">
-            <a:avLst/>
-          </a:prstGeom>
-          <a:ln w="28575"/>
-        </p:spPr>
-        <p:style>
-          <a:lnRef idx="2">
-            <a:schemeClr val="accent6"/>
-          </a:lnRef>
-          <a:fillRef idx="1">
-            <a:schemeClr val="lt1"/>
-          </a:fillRef>
-          <a:effectRef idx="0">
-            <a:schemeClr val="accent6"/>
-          </a:effectRef>
-          <a:fontRef idx="minor">
-            <a:schemeClr val="dk1"/>
-          </a:fontRef>
-        </p:style>
-        <p:txBody>
-          <a:bodyPr wrap="square" rtlCol="0">
-            <a:spAutoFit/>
-          </a:bodyPr>
-          <a:lstStyle/>
-          <a:p>
-            <a:r>
-              <a:rPr lang="ja-JP" altLang="en-US" sz="1200" b="1" dirty="0">
-                <a:latin typeface="+mn-lt"/>
-              </a:rPr>
-              <a:t>走行準備の定義</a:t>
-            </a:r>
-            <a:endParaRPr lang="en-US" altLang="ja-JP" sz="1200" b="1" dirty="0">
-              <a:latin typeface="+mn-lt"/>
-            </a:endParaRPr>
-          </a:p>
-          <a:p>
-            <a:r>
-              <a:rPr kumimoji="1" lang="ja-JP" altLang="en-US" sz="1050" dirty="0">
-                <a:latin typeface="メイリオ" panose="020B0604030504040204" pitchFamily="50" charset="-128"/>
-                <a:ea typeface="メイリオ" panose="020B0604030504040204" pitchFamily="50" charset="-128"/>
-              </a:rPr>
-              <a:t>・タスクの起動</a:t>
-            </a:r>
-            <a:endParaRPr kumimoji="1" lang="en-US" altLang="ja-JP" sz="1050" dirty="0">
-              <a:latin typeface="メイリオ" panose="020B0604030504040204" pitchFamily="50" charset="-128"/>
-              <a:ea typeface="メイリオ" panose="020B0604030504040204" pitchFamily="50" charset="-128"/>
-            </a:endParaRPr>
-          </a:p>
-          <a:p>
-            <a:r>
-              <a:rPr lang="ja-JP" altLang="en-US" sz="1050" dirty="0">
-                <a:latin typeface="メイリオ" panose="020B0604030504040204" pitchFamily="50" charset="-128"/>
-                <a:ea typeface="メイリオ" panose="020B0604030504040204" pitchFamily="50" charset="-128"/>
-              </a:rPr>
-              <a:t>・デバイスの</a:t>
-            </a:r>
-            <a:endParaRPr lang="en-US" altLang="ja-JP" sz="1050" dirty="0">
-              <a:latin typeface="メイリオ" panose="020B0604030504040204" pitchFamily="50" charset="-128"/>
-              <a:ea typeface="メイリオ" panose="020B0604030504040204" pitchFamily="50" charset="-128"/>
-            </a:endParaRPr>
-          </a:p>
-          <a:p>
-            <a:r>
-              <a:rPr kumimoji="1" lang="ja-JP" altLang="en-US" sz="1050" dirty="0">
-                <a:latin typeface="メイリオ" panose="020B0604030504040204" pitchFamily="50" charset="-128"/>
-                <a:ea typeface="メイリオ" panose="020B0604030504040204" pitchFamily="50" charset="-128"/>
-              </a:rPr>
-              <a:t>　キャリブレーション</a:t>
-            </a:r>
-            <a:endParaRPr kumimoji="1" lang="en-US" altLang="ja-JP" sz="1050" dirty="0">
-              <a:latin typeface="メイリオ" panose="020B0604030504040204" pitchFamily="50" charset="-128"/>
-              <a:ea typeface="メイリオ" panose="020B0604030504040204" pitchFamily="50" charset="-128"/>
-            </a:endParaRPr>
-          </a:p>
-          <a:p>
-            <a:r>
-              <a:rPr lang="ja-JP" altLang="en-US" sz="1050" dirty="0">
-                <a:latin typeface="メイリオ" panose="020B0604030504040204" pitchFamily="50" charset="-128"/>
-                <a:ea typeface="メイリオ" panose="020B0604030504040204" pitchFamily="50" charset="-128"/>
-              </a:rPr>
-              <a:t>・クラスの初期化</a:t>
-            </a:r>
-            <a:endParaRPr lang="en-US" altLang="ja-JP" sz="1050" dirty="0">
-              <a:latin typeface="メイリオ" panose="020B0604030504040204" pitchFamily="50" charset="-128"/>
-              <a:ea typeface="メイリオ" panose="020B0604030504040204" pitchFamily="50" charset="-128"/>
-            </a:endParaRPr>
-          </a:p>
-          <a:p>
-            <a:r>
-              <a:rPr lang="ja-JP" altLang="en-US" sz="1050" dirty="0">
-                <a:latin typeface="メイリオ" panose="020B0604030504040204" pitchFamily="50" charset="-128"/>
-                <a:ea typeface="メイリオ" panose="020B0604030504040204" pitchFamily="50" charset="-128"/>
-              </a:rPr>
-              <a:t>・尻尾の角度を一定値</a:t>
-            </a:r>
-            <a:endParaRPr lang="en-US" altLang="ja-JP" sz="1050" dirty="0">
-              <a:latin typeface="メイリオ" panose="020B0604030504040204" pitchFamily="50" charset="-128"/>
-              <a:ea typeface="メイリオ" panose="020B0604030504040204" pitchFamily="50" charset="-128"/>
-            </a:endParaRPr>
-          </a:p>
-          <a:p>
-            <a:r>
-              <a:rPr lang="ja-JP" altLang="en-US" sz="1050" dirty="0">
-                <a:latin typeface="メイリオ" panose="020B0604030504040204" pitchFamily="50" charset="-128"/>
-                <a:ea typeface="メイリオ" panose="020B0604030504040204" pitchFamily="50" charset="-128"/>
-              </a:rPr>
-              <a:t>　に設定する</a:t>
-            </a:r>
-            <a:endParaRPr lang="en-US" altLang="ja-JP" sz="1050" dirty="0">
-              <a:latin typeface="メイリオ" panose="020B0604030504040204" pitchFamily="50" charset="-128"/>
-              <a:ea typeface="メイリオ" panose="020B0604030504040204" pitchFamily="50" charset="-128"/>
-            </a:endParaRPr>
-          </a:p>
-        </p:txBody>
-      </p:sp>
-      <p:grpSp>
-        <p:nvGrpSpPr>
-          <p:cNvPr id="68" name="グループ化 67">
-            <a:extLst>
-              <a:ext uri="{FF2B5EF4-FFF2-40B4-BE49-F238E27FC236}">
-                <a16:creationId xmlns:a16="http://schemas.microsoft.com/office/drawing/2014/main" id="{33C8C714-EE3A-474D-9A74-3FFEB884F8DB}"/>
-              </a:ext>
-            </a:extLst>
-          </p:cNvPr>
-          <p:cNvGrpSpPr/>
-          <p:nvPr/>
-        </p:nvGrpSpPr>
-        <p:grpSpPr>
-          <a:xfrm>
-            <a:off x="1036918" y="1857146"/>
-            <a:ext cx="1043402" cy="1007558"/>
-            <a:chOff x="676878" y="1857146"/>
-            <a:chExt cx="1043402" cy="1007558"/>
-          </a:xfrm>
-        </p:grpSpPr>
-        <p:sp>
-          <p:nvSpPr>
-            <p:cNvPr id="61" name="楕円 60">
-              <a:extLst>
-                <a:ext uri="{FF2B5EF4-FFF2-40B4-BE49-F238E27FC236}">
-                  <a16:creationId xmlns:a16="http://schemas.microsoft.com/office/drawing/2014/main" id="{889BFC95-EAD4-4B8C-919A-96E2BBFFC1E8}"/>
-                </a:ext>
-              </a:extLst>
-            </p:cNvPr>
-            <p:cNvSpPr/>
-            <p:nvPr/>
-          </p:nvSpPr>
-          <p:spPr>
-            <a:xfrm>
-              <a:off x="721359" y="2085468"/>
-              <a:ext cx="928271" cy="315106"/>
-            </a:xfrm>
-            <a:prstGeom prst="ellipse">
-              <a:avLst/>
-            </a:prstGeom>
-            <a:ln w="12700">
-              <a:solidFill>
-                <a:schemeClr val="tx1"/>
-              </a:solidFill>
-            </a:ln>
-          </p:spPr>
-          <p:style>
-            <a:lnRef idx="1">
-              <a:schemeClr val="accent3"/>
-            </a:lnRef>
-            <a:fillRef idx="2">
-              <a:schemeClr val="accent3"/>
-            </a:fillRef>
-            <a:effectRef idx="1">
-              <a:schemeClr val="accent3"/>
-            </a:effectRef>
-            <a:fontRef idx="minor">
-              <a:schemeClr val="dk1"/>
-            </a:fontRef>
-          </p:style>
-          <p:txBody>
-            <a:bodyPr rtlCol="0" anchor="ctr"/>
-            <a:lstStyle/>
-            <a:p>
-              <a:pPr algn="ctr"/>
-              <a:r>
-                <a:rPr kumimoji="1" lang="ja-JP" altLang="en-US" sz="900" b="1" dirty="0">
-                  <a:latin typeface="ＭＳ ゴシック" panose="020B0609070205080204" pitchFamily="49" charset="-128"/>
-                  <a:ea typeface="ＭＳ ゴシック" panose="020B0609070205080204" pitchFamily="49" charset="-128"/>
-                </a:rPr>
-                <a:t>走行準備</a:t>
-              </a:r>
-              <a:endParaRPr kumimoji="1" lang="en-US" altLang="ja-JP" sz="900" b="1" dirty="0">
-                <a:latin typeface="ＭＳ ゴシック" panose="020B0609070205080204" pitchFamily="49" charset="-128"/>
-                <a:ea typeface="ＭＳ ゴシック" panose="020B0609070205080204" pitchFamily="49" charset="-128"/>
-              </a:endParaRPr>
-            </a:p>
-            <a:p>
-              <a:pPr algn="ctr"/>
-              <a:r>
-                <a:rPr kumimoji="1" lang="ja-JP" altLang="en-US" sz="900" b="1" dirty="0">
-                  <a:latin typeface="ＭＳ ゴシック" panose="020B0609070205080204" pitchFamily="49" charset="-128"/>
-                  <a:ea typeface="ＭＳ ゴシック" panose="020B0609070205080204" pitchFamily="49" charset="-128"/>
-                </a:rPr>
-                <a:t>をする</a:t>
-              </a:r>
-            </a:p>
-          </p:txBody>
-        </p:sp>
-        <p:sp>
-          <p:nvSpPr>
-            <p:cNvPr id="67" name="楕円 66">
-              <a:extLst>
-                <a:ext uri="{FF2B5EF4-FFF2-40B4-BE49-F238E27FC236}">
-                  <a16:creationId xmlns:a16="http://schemas.microsoft.com/office/drawing/2014/main" id="{7DC1A450-2911-4E73-A79B-11915430D426}"/>
-                </a:ext>
-              </a:extLst>
-            </p:cNvPr>
-            <p:cNvSpPr/>
-            <p:nvPr/>
-          </p:nvSpPr>
-          <p:spPr>
-            <a:xfrm>
-              <a:off x="726404" y="2500924"/>
-              <a:ext cx="928271" cy="315106"/>
-            </a:xfrm>
-            <a:prstGeom prst="ellipse">
-              <a:avLst/>
-            </a:prstGeom>
-            <a:solidFill>
-              <a:schemeClr val="accent6">
-                <a:lumMod val="20000"/>
-                <a:lumOff val="80000"/>
-              </a:schemeClr>
-            </a:solidFill>
-            <a:ln/>
-          </p:spPr>
-          <p:style>
-            <a:lnRef idx="2">
-              <a:schemeClr val="dk1"/>
-            </a:lnRef>
-            <a:fillRef idx="1">
-              <a:schemeClr val="lt1"/>
-            </a:fillRef>
-            <a:effectRef idx="0">
-              <a:schemeClr val="dk1"/>
-            </a:effectRef>
-            <a:fontRef idx="minor">
-              <a:schemeClr val="dk1"/>
-            </a:fontRef>
-          </p:style>
-          <p:txBody>
-            <a:bodyPr rtlCol="0" anchor="ctr"/>
-            <a:lstStyle/>
-            <a:p>
-              <a:pPr algn="ctr"/>
-              <a:r>
-                <a:rPr lang="ja-JP" altLang="en-US" sz="900" b="1" dirty="0">
-                  <a:latin typeface="ＭＳ ゴシック" panose="020B0609070205080204" pitchFamily="49" charset="-128"/>
-                  <a:ea typeface="ＭＳ ゴシック" panose="020B0609070205080204" pitchFamily="49" charset="-128"/>
-                </a:rPr>
-                <a:t>コースを完走</a:t>
-              </a:r>
-              <a:r>
-                <a:rPr kumimoji="1" lang="ja-JP" altLang="en-US" sz="900" b="1" dirty="0">
-                  <a:latin typeface="ＭＳ ゴシック" panose="020B0609070205080204" pitchFamily="49" charset="-128"/>
-                  <a:ea typeface="ＭＳ ゴシック" panose="020B0609070205080204" pitchFamily="49" charset="-128"/>
-                </a:rPr>
-                <a:t>する</a:t>
-              </a:r>
-            </a:p>
-          </p:txBody>
-        </p:sp>
-        <p:sp>
-          <p:nvSpPr>
-            <p:cNvPr id="64" name="正方形/長方形 63">
-              <a:extLst>
-                <a:ext uri="{FF2B5EF4-FFF2-40B4-BE49-F238E27FC236}">
-                  <a16:creationId xmlns:a16="http://schemas.microsoft.com/office/drawing/2014/main" id="{E51BF641-8BB7-4037-A2D8-DA5328B2C5A2}"/>
-                </a:ext>
-              </a:extLst>
-            </p:cNvPr>
-            <p:cNvSpPr/>
-            <p:nvPr/>
-          </p:nvSpPr>
-          <p:spPr>
-            <a:xfrm>
-              <a:off x="676878" y="1888626"/>
-              <a:ext cx="1043402" cy="976078"/>
-            </a:xfrm>
-            <a:prstGeom prst="rect">
-              <a:avLst/>
-            </a:prstGeom>
-            <a:noFill/>
-            <a:ln w="9525" cap="flat" cmpd="sng" algn="ctr">
-              <a:solidFill>
-                <a:schemeClr val="dk1"/>
-              </a:solidFill>
-              <a:prstDash val="solid"/>
-              <a:round/>
-              <a:headEnd type="none" w="med" len="med"/>
-              <a:tailEnd type="none" w="med" len="med"/>
-            </a:ln>
-          </p:spPr>
-          <p:style>
-            <a:lnRef idx="0">
-              <a:scrgbClr r="0" g="0" b="0"/>
-            </a:lnRef>
-            <a:fillRef idx="0">
-              <a:scrgbClr r="0" g="0" b="0"/>
-            </a:fillRef>
-            <a:effectRef idx="0">
-              <a:scrgbClr r="0" g="0" b="0"/>
-            </a:effectRef>
-            <a:fontRef idx="minor">
-              <a:schemeClr val="dk1"/>
-            </a:fontRef>
-          </p:style>
-          <p:txBody>
-            <a:bodyPr rtlCol="0" anchor="ctr"/>
-            <a:lstStyle/>
-            <a:p>
-              <a:pPr algn="ctr"/>
-              <a:endParaRPr kumimoji="1" lang="ja-JP" altLang="en-US"/>
-            </a:p>
-          </p:txBody>
-        </p:sp>
-        <p:sp>
-          <p:nvSpPr>
-            <p:cNvPr id="65" name="テキスト ボックス 64">
-              <a:extLst>
-                <a:ext uri="{FF2B5EF4-FFF2-40B4-BE49-F238E27FC236}">
-                  <a16:creationId xmlns:a16="http://schemas.microsoft.com/office/drawing/2014/main" id="{287591D1-77D5-42C4-9860-68AA55834D9D}"/>
-                </a:ext>
-              </a:extLst>
-            </p:cNvPr>
-            <p:cNvSpPr txBox="1"/>
-            <p:nvPr/>
-          </p:nvSpPr>
-          <p:spPr>
-            <a:xfrm>
-              <a:off x="927909" y="1857146"/>
-              <a:ext cx="580092" cy="230832"/>
-            </a:xfrm>
-            <a:prstGeom prst="rect">
-              <a:avLst/>
-            </a:prstGeom>
-            <a:noFill/>
-          </p:spPr>
-          <p:txBody>
-            <a:bodyPr wrap="square" rtlCol="0">
-              <a:spAutoFit/>
-            </a:bodyPr>
-            <a:lstStyle/>
-            <a:p>
-              <a:r>
-                <a:rPr kumimoji="1" lang="ja-JP" altLang="en-US" sz="900" b="1" dirty="0">
-                  <a:latin typeface="ＭＳ ゴシック" panose="020B0609070205080204" pitchFamily="49" charset="-128"/>
-                  <a:ea typeface="ＭＳ ゴシック" panose="020B0609070205080204" pitchFamily="49" charset="-128"/>
-                </a:rPr>
-                <a:t>走行体</a:t>
-              </a:r>
-            </a:p>
-          </p:txBody>
-        </p:sp>
-      </p:grpSp>
-      <p:grpSp>
-        <p:nvGrpSpPr>
-          <p:cNvPr id="86" name="グループ化 85">
-            <a:extLst>
-              <a:ext uri="{FF2B5EF4-FFF2-40B4-BE49-F238E27FC236}">
-                <a16:creationId xmlns:a16="http://schemas.microsoft.com/office/drawing/2014/main" id="{51CBA54F-9354-470A-BEEC-B87F0D117D99}"/>
-              </a:ext>
-            </a:extLst>
-          </p:cNvPr>
-          <p:cNvGrpSpPr/>
-          <p:nvPr/>
-        </p:nvGrpSpPr>
-        <p:grpSpPr>
-          <a:xfrm>
-            <a:off x="136104" y="2077069"/>
-            <a:ext cx="578591" cy="783364"/>
-            <a:chOff x="211698" y="2010032"/>
-            <a:chExt cx="597996" cy="796465"/>
-          </a:xfrm>
-        </p:grpSpPr>
-        <p:sp>
-          <p:nvSpPr>
-            <p:cNvPr id="69" name="フローチャート: 結合子 68">
-              <a:extLst>
-                <a:ext uri="{FF2B5EF4-FFF2-40B4-BE49-F238E27FC236}">
-                  <a16:creationId xmlns:a16="http://schemas.microsoft.com/office/drawing/2014/main" id="{FB4E80B8-9B6D-44C0-8009-87A18881A8D9}"/>
-                </a:ext>
-              </a:extLst>
-            </p:cNvPr>
-            <p:cNvSpPr/>
-            <p:nvPr/>
-          </p:nvSpPr>
-          <p:spPr>
-            <a:xfrm>
-              <a:off x="393885" y="2010032"/>
-              <a:ext cx="205929" cy="196118"/>
-            </a:xfrm>
-            <a:prstGeom prst="flowChartConnector">
-              <a:avLst/>
-            </a:prstGeom>
-            <a:solidFill>
-              <a:schemeClr val="accent6">
-                <a:lumMod val="20000"/>
-                <a:lumOff val="80000"/>
-              </a:schemeClr>
-            </a:solidFill>
-            <a:ln w="19050"/>
-          </p:spPr>
-          <p:style>
-            <a:lnRef idx="2">
-              <a:schemeClr val="dk1"/>
-            </a:lnRef>
-            <a:fillRef idx="1">
-              <a:schemeClr val="lt1"/>
-            </a:fillRef>
-            <a:effectRef idx="0">
-              <a:schemeClr val="dk1"/>
-            </a:effectRef>
-            <a:fontRef idx="minor">
-              <a:schemeClr val="dk1"/>
-            </a:fontRef>
-          </p:style>
-          <p:txBody>
-            <a:bodyPr rtlCol="0" anchor="ctr"/>
-            <a:lstStyle/>
-            <a:p>
-              <a:pPr algn="ctr"/>
-              <a:endParaRPr kumimoji="1" lang="ja-JP" altLang="en-US"/>
-            </a:p>
-          </p:txBody>
-        </p:sp>
-        <p:cxnSp>
-          <p:nvCxnSpPr>
-            <p:cNvPr id="71" name="直線コネクタ 70">
-              <a:extLst>
-                <a:ext uri="{FF2B5EF4-FFF2-40B4-BE49-F238E27FC236}">
-                  <a16:creationId xmlns:a16="http://schemas.microsoft.com/office/drawing/2014/main" id="{8AC6526F-35B4-47F3-A819-319E72C7BCD6}"/>
-                </a:ext>
-              </a:extLst>
-            </p:cNvPr>
-            <p:cNvCxnSpPr>
-              <a:cxnSpLocks/>
-            </p:cNvCxnSpPr>
-            <p:nvPr/>
-          </p:nvCxnSpPr>
-          <p:spPr>
-            <a:xfrm>
-              <a:off x="496852" y="2208312"/>
-              <a:ext cx="0" cy="217135"/>
-            </a:xfrm>
-            <a:prstGeom prst="line">
-              <a:avLst/>
-            </a:prstGeom>
-          </p:spPr>
-          <p:style>
-            <a:lnRef idx="3">
-              <a:schemeClr val="dk1"/>
-            </a:lnRef>
-            <a:fillRef idx="0">
-              <a:schemeClr val="dk1"/>
-            </a:fillRef>
-            <a:effectRef idx="2">
-              <a:schemeClr val="dk1"/>
-            </a:effectRef>
-            <a:fontRef idx="minor">
-              <a:schemeClr val="tx1"/>
-            </a:fontRef>
-          </p:style>
-        </p:cxnSp>
-        <p:cxnSp>
-          <p:nvCxnSpPr>
-            <p:cNvPr id="73" name="直線コネクタ 72">
-              <a:extLst>
-                <a:ext uri="{FF2B5EF4-FFF2-40B4-BE49-F238E27FC236}">
-                  <a16:creationId xmlns:a16="http://schemas.microsoft.com/office/drawing/2014/main" id="{55418612-6EC9-471B-BDD9-030CD17935CD}"/>
-                </a:ext>
-              </a:extLst>
-            </p:cNvPr>
-            <p:cNvCxnSpPr>
-              <a:cxnSpLocks/>
-            </p:cNvCxnSpPr>
-            <p:nvPr/>
-          </p:nvCxnSpPr>
-          <p:spPr>
-            <a:xfrm flipV="1">
-              <a:off x="315125" y="2302501"/>
-              <a:ext cx="363451" cy="243"/>
-            </a:xfrm>
-            <a:prstGeom prst="line">
-              <a:avLst/>
-            </a:prstGeom>
-          </p:spPr>
-          <p:style>
-            <a:lnRef idx="3">
-              <a:schemeClr val="dk1"/>
-            </a:lnRef>
-            <a:fillRef idx="0">
-              <a:schemeClr val="dk1"/>
-            </a:fillRef>
-            <a:effectRef idx="2">
-              <a:schemeClr val="dk1"/>
-            </a:effectRef>
-            <a:fontRef idx="minor">
-              <a:schemeClr val="tx1"/>
-            </a:fontRef>
-          </p:style>
-        </p:cxnSp>
-        <p:cxnSp>
-          <p:nvCxnSpPr>
-            <p:cNvPr id="77" name="直線コネクタ 76">
-              <a:extLst>
-                <a:ext uri="{FF2B5EF4-FFF2-40B4-BE49-F238E27FC236}">
-                  <a16:creationId xmlns:a16="http://schemas.microsoft.com/office/drawing/2014/main" id="{344117C9-D10E-44E6-800B-5E7E173B12A6}"/>
-                </a:ext>
-              </a:extLst>
-            </p:cNvPr>
-            <p:cNvCxnSpPr>
-              <a:cxnSpLocks/>
-            </p:cNvCxnSpPr>
-            <p:nvPr/>
-          </p:nvCxnSpPr>
-          <p:spPr>
-            <a:xfrm flipH="1">
-              <a:off x="367241" y="2415403"/>
-              <a:ext cx="125536" cy="187567"/>
-            </a:xfrm>
-            <a:prstGeom prst="line">
-              <a:avLst/>
-            </a:prstGeom>
-          </p:spPr>
-          <p:style>
-            <a:lnRef idx="3">
-              <a:schemeClr val="dk1"/>
-            </a:lnRef>
-            <a:fillRef idx="0">
-              <a:schemeClr val="dk1"/>
-            </a:fillRef>
-            <a:effectRef idx="2">
-              <a:schemeClr val="dk1"/>
-            </a:effectRef>
-            <a:fontRef idx="minor">
-              <a:schemeClr val="tx1"/>
-            </a:fontRef>
-          </p:style>
-        </p:cxnSp>
-        <p:cxnSp>
-          <p:nvCxnSpPr>
-            <p:cNvPr id="79" name="直線コネクタ 78">
-              <a:extLst>
-                <a:ext uri="{FF2B5EF4-FFF2-40B4-BE49-F238E27FC236}">
-                  <a16:creationId xmlns:a16="http://schemas.microsoft.com/office/drawing/2014/main" id="{EE3AB05F-704D-46AE-944B-AB9FF96164DE}"/>
-                </a:ext>
-              </a:extLst>
-            </p:cNvPr>
-            <p:cNvCxnSpPr>
-              <a:cxnSpLocks/>
-            </p:cNvCxnSpPr>
-            <p:nvPr/>
-          </p:nvCxnSpPr>
-          <p:spPr>
-            <a:xfrm>
-              <a:off x="498719" y="2416253"/>
-              <a:ext cx="123325" cy="183157"/>
-            </a:xfrm>
-            <a:prstGeom prst="line">
-              <a:avLst/>
-            </a:prstGeom>
-          </p:spPr>
-          <p:style>
-            <a:lnRef idx="3">
-              <a:schemeClr val="dk1"/>
-            </a:lnRef>
-            <a:fillRef idx="0">
-              <a:schemeClr val="dk1"/>
-            </a:fillRef>
-            <a:effectRef idx="2">
-              <a:schemeClr val="dk1"/>
-            </a:effectRef>
-            <a:fontRef idx="minor">
-              <a:schemeClr val="tx1"/>
-            </a:fontRef>
-          </p:style>
-        </p:cxnSp>
-        <p:sp>
-          <p:nvSpPr>
-            <p:cNvPr id="85" name="テキスト ボックス 84">
-              <a:extLst>
-                <a:ext uri="{FF2B5EF4-FFF2-40B4-BE49-F238E27FC236}">
-                  <a16:creationId xmlns:a16="http://schemas.microsoft.com/office/drawing/2014/main" id="{7FE50A5A-325A-437B-AB26-DFD1CB5E4F75}"/>
-                </a:ext>
-              </a:extLst>
-            </p:cNvPr>
-            <p:cNvSpPr txBox="1"/>
-            <p:nvPr/>
-          </p:nvSpPr>
-          <p:spPr>
-            <a:xfrm>
-              <a:off x="211698" y="2556158"/>
-              <a:ext cx="597996" cy="250339"/>
-            </a:xfrm>
-            <a:prstGeom prst="rect">
-              <a:avLst/>
-            </a:prstGeom>
-            <a:noFill/>
-          </p:spPr>
-          <p:txBody>
-            <a:bodyPr wrap="square" rtlCol="0">
-              <a:spAutoFit/>
-            </a:bodyPr>
-            <a:lstStyle/>
-            <a:p>
-              <a:r>
-                <a:rPr kumimoji="1" lang="ja-JP" altLang="en-US" sz="1000" b="1" dirty="0">
-                  <a:latin typeface="ＭＳ ゴシック" panose="020B0609070205080204" pitchFamily="49" charset="-128"/>
-                  <a:ea typeface="ＭＳ ゴシック" panose="020B0609070205080204" pitchFamily="49" charset="-128"/>
-                </a:rPr>
-                <a:t>競技者</a:t>
-              </a:r>
-            </a:p>
-          </p:txBody>
-        </p:sp>
-      </p:grpSp>
-      <p:cxnSp>
-        <p:nvCxnSpPr>
-          <p:cNvPr id="90" name="直線コネクタ 89">
-            <a:extLst>
-              <a:ext uri="{FF2B5EF4-FFF2-40B4-BE49-F238E27FC236}">
-                <a16:creationId xmlns:a16="http://schemas.microsoft.com/office/drawing/2014/main" id="{04AC3EFC-4FE7-42C3-8CC6-A716C5C275B9}"/>
-              </a:ext>
-            </a:extLst>
-          </p:cNvPr>
-          <p:cNvCxnSpPr>
-            <a:cxnSpLocks/>
-          </p:cNvCxnSpPr>
-          <p:nvPr/>
-        </p:nvCxnSpPr>
-        <p:spPr>
-          <a:xfrm flipV="1">
-            <a:off x="621438" y="2348818"/>
-            <a:ext cx="485522" cy="74468"/>
-          </a:xfrm>
-          <a:prstGeom prst="line">
-            <a:avLst/>
-          </a:prstGeom>
-        </p:spPr>
-        <p:style>
-          <a:lnRef idx="2">
-            <a:schemeClr val="dk1"/>
-          </a:lnRef>
-          <a:fillRef idx="0">
-            <a:schemeClr val="dk1"/>
-          </a:fillRef>
-          <a:effectRef idx="1">
-            <a:schemeClr val="dk1"/>
-          </a:effectRef>
-          <a:fontRef idx="minor">
-            <a:schemeClr val="tx1"/>
-          </a:fontRef>
-        </p:style>
-      </p:cxnSp>
-      <p:cxnSp>
-        <p:nvCxnSpPr>
-          <p:cNvPr id="93" name="直線コネクタ 92">
-            <a:extLst>
-              <a:ext uri="{FF2B5EF4-FFF2-40B4-BE49-F238E27FC236}">
-                <a16:creationId xmlns:a16="http://schemas.microsoft.com/office/drawing/2014/main" id="{5B3EF515-341E-4FFE-81D4-6F6345010D18}"/>
-              </a:ext>
-            </a:extLst>
-          </p:cNvPr>
-          <p:cNvCxnSpPr>
-            <a:cxnSpLocks/>
-          </p:cNvCxnSpPr>
-          <p:nvPr/>
-        </p:nvCxnSpPr>
-        <p:spPr>
-          <a:xfrm>
-            <a:off x="624018" y="2458098"/>
-            <a:ext cx="478530" cy="76836"/>
-          </a:xfrm>
-          <a:prstGeom prst="line">
-            <a:avLst/>
-          </a:prstGeom>
-        </p:spPr>
-        <p:style>
-          <a:lnRef idx="2">
-            <a:schemeClr val="dk1"/>
-          </a:lnRef>
-          <a:fillRef idx="0">
-            <a:schemeClr val="dk1"/>
-          </a:fillRef>
-          <a:effectRef idx="1">
-            <a:schemeClr val="dk1"/>
-          </a:effectRef>
-          <a:fontRef idx="minor">
-            <a:schemeClr val="tx1"/>
-          </a:fontRef>
-        </p:style>
-      </p:cxnSp>
-      <p:sp>
-        <p:nvSpPr>
-          <p:cNvPr id="106" name="テキスト ボックス 105">
-            <a:extLst>
-              <a:ext uri="{FF2B5EF4-FFF2-40B4-BE49-F238E27FC236}">
-                <a16:creationId xmlns:a16="http://schemas.microsoft.com/office/drawing/2014/main" id="{982D6E39-9B81-42B1-BF55-90096880B166}"/>
-              </a:ext>
-            </a:extLst>
-          </p:cNvPr>
-          <p:cNvSpPr txBox="1"/>
-          <p:nvPr/>
-        </p:nvSpPr>
-        <p:spPr>
-          <a:xfrm>
-            <a:off x="3590980" y="7337430"/>
-            <a:ext cx="3548524" cy="415498"/>
-          </a:xfrm>
-          <a:prstGeom prst="rect">
-            <a:avLst/>
-          </a:prstGeom>
-          <a:noFill/>
-        </p:spPr>
-        <p:txBody>
-          <a:bodyPr wrap="square" rtlCol="0">
-            <a:spAutoFit/>
-          </a:bodyPr>
-          <a:lstStyle/>
-          <a:p>
-            <a:r>
-              <a:rPr lang="ja-JP" altLang="en-US" sz="1050" dirty="0">
-                <a:latin typeface="メイリオ" panose="020B0604030504040204" pitchFamily="50" charset="-128"/>
-                <a:ea typeface="メイリオ" panose="020B0604030504040204" pitchFamily="50" charset="-128"/>
-              </a:rPr>
-              <a:t>各曲率分類における制御で用いる旋回量、ライントレースの</a:t>
-            </a:r>
-            <a:r>
-              <a:rPr lang="en-US" altLang="ja-JP" sz="1050" dirty="0">
-                <a:latin typeface="メイリオ" panose="020B0604030504040204" pitchFamily="50" charset="-128"/>
-                <a:ea typeface="メイリオ" panose="020B0604030504040204" pitchFamily="50" charset="-128"/>
-              </a:rPr>
-              <a:t>PID</a:t>
-            </a:r>
-            <a:r>
-              <a:rPr lang="ja-JP" altLang="en-US" sz="1050" dirty="0">
-                <a:latin typeface="メイリオ" panose="020B0604030504040204" pitchFamily="50" charset="-128"/>
-                <a:ea typeface="メイリオ" panose="020B0604030504040204" pitchFamily="50" charset="-128"/>
-              </a:rPr>
-              <a:t>係数を以下の表に示す。</a:t>
-            </a:r>
-            <a:endParaRPr kumimoji="1" lang="ja-JP" altLang="en-US" sz="1050" dirty="0">
-              <a:latin typeface="メイリオ" panose="020B0604030504040204" pitchFamily="50" charset="-128"/>
-              <a:ea typeface="メイリオ" panose="020B0604030504040204" pitchFamily="50" charset="-128"/>
-            </a:endParaRPr>
-          </a:p>
-        </p:txBody>
-      </p:sp>
-      <p:sp>
-        <p:nvSpPr>
-          <p:cNvPr id="110" name="矢印: 山形 109">
-            <a:extLst>
-              <a:ext uri="{FF2B5EF4-FFF2-40B4-BE49-F238E27FC236}">
-                <a16:creationId xmlns:a16="http://schemas.microsoft.com/office/drawing/2014/main" id="{869F2EAD-F265-48BE-8ED6-57D20D13A8CF}"/>
-              </a:ext>
-            </a:extLst>
-          </p:cNvPr>
-          <p:cNvSpPr/>
-          <p:nvPr/>
-        </p:nvSpPr>
-        <p:spPr>
-          <a:xfrm>
-            <a:off x="3914483" y="9221120"/>
-            <a:ext cx="8667117" cy="260000"/>
-          </a:xfrm>
-          <a:prstGeom prst="chevron">
-            <a:avLst/>
-          </a:prstGeom>
-          <a:ln w="19050"/>
-        </p:spPr>
-        <p:style>
-          <a:lnRef idx="2">
-            <a:schemeClr val="accent6"/>
-          </a:lnRef>
-          <a:fillRef idx="1">
-            <a:schemeClr val="lt1"/>
-          </a:fillRef>
-          <a:effectRef idx="0">
-            <a:schemeClr val="accent6"/>
-          </a:effectRef>
-          <a:fontRef idx="minor">
-            <a:schemeClr val="dk1"/>
-          </a:fontRef>
-        </p:style>
-        <p:txBody>
-          <a:bodyPr rtlCol="0" anchor="ctr"/>
-          <a:lstStyle/>
-          <a:p>
-            <a:pPr algn="ctr"/>
-            <a:r>
-              <a:rPr kumimoji="1" lang="ja-JP" altLang="en-US" sz="1400" b="1" dirty="0">
-                <a:solidFill>
-                  <a:schemeClr val="tx1"/>
-                </a:solidFill>
-              </a:rPr>
-              <a:t>これらの値を設定した根拠を工夫点のページで解説する。</a:t>
-            </a:r>
-          </a:p>
-        </p:txBody>
-      </p:sp>
-      <p:sp>
-        <p:nvSpPr>
-          <p:cNvPr id="114" name="テキスト ボックス 113">
-            <a:extLst>
-              <a:ext uri="{FF2B5EF4-FFF2-40B4-BE49-F238E27FC236}">
-                <a16:creationId xmlns:a16="http://schemas.microsoft.com/office/drawing/2014/main" id="{409ED78E-271A-48CD-8696-D402EDAEEC9F}"/>
-              </a:ext>
-            </a:extLst>
-          </p:cNvPr>
-          <p:cNvSpPr txBox="1"/>
-          <p:nvPr/>
-        </p:nvSpPr>
-        <p:spPr>
-          <a:xfrm>
-            <a:off x="6151764" y="265968"/>
-            <a:ext cx="2160240" cy="446276"/>
-          </a:xfrm>
-          <a:prstGeom prst="rect">
-            <a:avLst/>
-          </a:prstGeom>
-          <a:noFill/>
-          <a:ln>
-            <a:noFill/>
-          </a:ln>
-        </p:spPr>
-        <p:style>
-          <a:lnRef idx="0">
-            <a:scrgbClr r="0" g="0" b="0"/>
-          </a:lnRef>
-          <a:fillRef idx="0">
-            <a:scrgbClr r="0" g="0" b="0"/>
-          </a:fillRef>
-          <a:effectRef idx="0">
-            <a:scrgbClr r="0" g="0" b="0"/>
-          </a:effectRef>
-          <a:fontRef idx="minor">
-            <a:schemeClr val="dk1"/>
-          </a:fontRef>
-        </p:style>
-        <p:txBody>
-          <a:bodyPr wrap="square" rtlCol="0">
-            <a:spAutoFit/>
-          </a:bodyPr>
-          <a:lstStyle/>
-          <a:p>
-            <a:pPr marL="0" marR="0" lvl="0" indent="0" algn="l" defTabSz="914400" rtl="0" eaLnBrk="1" fontAlgn="base" latinLnBrk="0" hangingPunct="1">
-              <a:lnSpc>
-                <a:spcPct val="100000"/>
-              </a:lnSpc>
-              <a:spcBef>
-                <a:spcPct val="0"/>
-              </a:spcBef>
-              <a:spcAft>
-                <a:spcPct val="0"/>
-              </a:spcAft>
-              <a:buClrTx/>
-              <a:buSzTx/>
-              <a:buFontTx/>
-              <a:buNone/>
-              <a:tabLst/>
-              <a:defRPr/>
-            </a:pPr>
-            <a:r>
-              <a:rPr kumimoji="1" lang="ja-JP" altLang="en-US" sz="2200" b="0" i="0" u="none" strike="noStrike" kern="1200" cap="none" spc="0" normalizeH="0" baseline="0" noProof="0" dirty="0">
-                <a:ln>
-                  <a:noFill/>
-                </a:ln>
-                <a:solidFill>
-                  <a:srgbClr val="70AD47">
-                    <a:lumMod val="60000"/>
-                    <a:lumOff val="40000"/>
-                  </a:srgbClr>
-                </a:solidFill>
-                <a:effectLst/>
-                <a:uLnTx/>
-                <a:uFillTx/>
-                <a:latin typeface="HG創英角ｺﾞｼｯｸUB" panose="020B0909000000000000" pitchFamily="49" charset="-128"/>
-                <a:ea typeface="HG創英角ｺﾞｼｯｸUB" panose="020B0909000000000000" pitchFamily="49" charset="-128"/>
-                <a:cs typeface="+mn-cs"/>
-              </a:rPr>
-              <a:t>３</a:t>
-            </a:r>
-            <a:r>
-              <a:rPr kumimoji="1" lang="en-US" altLang="ja-JP" sz="2200" b="1" i="0" u="none" strike="noStrike" kern="1200" cap="none" spc="0" normalizeH="0" baseline="0" noProof="0" dirty="0">
-                <a:ln>
-                  <a:noFill/>
-                </a:ln>
-                <a:solidFill>
-                  <a:srgbClr val="70AD47">
-                    <a:lumMod val="60000"/>
-                    <a:lumOff val="40000"/>
-                  </a:srgbClr>
-                </a:solidFill>
-                <a:effectLst/>
-                <a:uLnTx/>
-                <a:uFillTx/>
-                <a:latin typeface="HG創英角ｺﾞｼｯｸUB" panose="020B0909000000000000" pitchFamily="49" charset="-128"/>
-                <a:ea typeface="HG創英角ｺﾞｼｯｸUB" panose="020B0909000000000000" pitchFamily="49" charset="-128"/>
-                <a:cs typeface="+mn-cs"/>
-              </a:rPr>
-              <a:t>.</a:t>
-            </a:r>
-            <a:r>
-              <a:rPr kumimoji="1" lang="ja-JP" altLang="en-US" sz="2200" b="0" i="0" u="none" strike="noStrike" kern="1200" cap="none" spc="0" normalizeH="0" baseline="0" noProof="0" dirty="0">
-                <a:ln>
-                  <a:noFill/>
-                </a:ln>
-                <a:solidFill>
-                  <a:srgbClr val="70AD47">
-                    <a:lumMod val="60000"/>
-                    <a:lumOff val="40000"/>
-                  </a:srgbClr>
-                </a:solidFill>
-                <a:effectLst/>
-                <a:uLnTx/>
-                <a:uFillTx/>
-                <a:latin typeface="HG創英角ｺﾞｼｯｸUB" panose="020B0909000000000000" pitchFamily="49" charset="-128"/>
-                <a:ea typeface="HG創英角ｺﾞｼｯｸUB" panose="020B0909000000000000" pitchFamily="49" charset="-128"/>
-                <a:cs typeface="+mn-cs"/>
-              </a:rPr>
-              <a:t>振る舞い②</a:t>
-            </a:r>
-            <a:endParaRPr kumimoji="1" lang="en-US" altLang="ja-JP" sz="2200" b="0" i="0" u="none" strike="noStrike" kern="1200" cap="none" spc="0" normalizeH="0" baseline="0" noProof="0" dirty="0">
-              <a:ln>
-                <a:noFill/>
-              </a:ln>
-              <a:solidFill>
-                <a:srgbClr val="70AD47">
-                  <a:lumMod val="60000"/>
-                  <a:lumOff val="40000"/>
-                </a:srgbClr>
-              </a:solidFill>
-              <a:effectLst/>
-              <a:uLnTx/>
-              <a:uFillTx/>
-              <a:latin typeface="HG創英角ｺﾞｼｯｸUB" panose="020B0909000000000000" pitchFamily="49" charset="-128"/>
-              <a:ea typeface="HG創英角ｺﾞｼｯｸUB" panose="020B0909000000000000" pitchFamily="49" charset="-128"/>
-              <a:cs typeface="+mn-cs"/>
-            </a:endParaRPr>
-          </a:p>
-        </p:txBody>
-      </p:sp>
-      <p:pic>
-        <p:nvPicPr>
-          <p:cNvPr id="112" name="図 111">
-            <a:extLst>
-              <a:ext uri="{FF2B5EF4-FFF2-40B4-BE49-F238E27FC236}">
-                <a16:creationId xmlns:a16="http://schemas.microsoft.com/office/drawing/2014/main" id="{A11C227B-D1C5-46D6-AB65-F9D95A79FC41}"/>
-              </a:ext>
-            </a:extLst>
-          </p:cNvPr>
-          <p:cNvPicPr>
-            <a:picLocks noChangeAspect="1"/>
-          </p:cNvPicPr>
-          <p:nvPr/>
-        </p:nvPicPr>
-        <p:blipFill>
-          <a:blip r:embed="rId2">
-            <a:extLst>
-              <a:ext uri="{28A0092B-C50C-407E-A947-70E740481C1C}">
-                <a14:useLocalDpi xmlns:a14="http://schemas.microsoft.com/office/drawing/2010/main" val="0"/>
-              </a:ext>
-            </a:extLst>
-          </a:blip>
-          <a:stretch>
-            <a:fillRect/>
-          </a:stretch>
-        </p:blipFill>
-        <p:spPr>
-          <a:xfrm>
-            <a:off x="197010" y="7281394"/>
-            <a:ext cx="3299056" cy="2213770"/>
-          </a:xfrm>
-          <a:prstGeom prst="rect">
-            <a:avLst/>
-          </a:prstGeom>
-        </p:spPr>
-      </p:pic>
-      <p:pic>
-        <p:nvPicPr>
-          <p:cNvPr id="8" name="図 7">
-            <a:extLst>
-              <a:ext uri="{FF2B5EF4-FFF2-40B4-BE49-F238E27FC236}">
-                <a16:creationId xmlns:a16="http://schemas.microsoft.com/office/drawing/2014/main" id="{108A4A51-6224-4479-81C1-D5436D9FCF13}"/>
-              </a:ext>
-            </a:extLst>
-          </p:cNvPr>
-          <p:cNvPicPr>
-            <a:picLocks noChangeAspect="1"/>
-          </p:cNvPicPr>
-          <p:nvPr/>
-        </p:nvPicPr>
-        <p:blipFill>
-          <a:blip r:embed="rId3">
-            <a:extLst>
-              <a:ext uri="{28A0092B-C50C-407E-A947-70E740481C1C}">
-                <a14:useLocalDpi xmlns:a14="http://schemas.microsoft.com/office/drawing/2010/main" val="0"/>
-              </a:ext>
-            </a:extLst>
-          </a:blip>
-          <a:stretch>
-            <a:fillRect/>
-          </a:stretch>
-        </p:blipFill>
-        <p:spPr>
-          <a:xfrm>
-            <a:off x="3941889" y="727749"/>
-            <a:ext cx="2679017" cy="5735788"/>
-          </a:xfrm>
-          <a:prstGeom prst="rect">
-            <a:avLst/>
-          </a:prstGeom>
-        </p:spPr>
-      </p:pic>
-      <p:cxnSp>
-        <p:nvCxnSpPr>
-          <p:cNvPr id="33" name="直線コネクタ 32">
-            <a:extLst>
-              <a:ext uri="{FF2B5EF4-FFF2-40B4-BE49-F238E27FC236}">
-                <a16:creationId xmlns:a16="http://schemas.microsoft.com/office/drawing/2014/main" id="{9F36BD71-9415-4E84-A1F4-7A3920C1A4F1}"/>
-              </a:ext>
-            </a:extLst>
-          </p:cNvPr>
-          <p:cNvCxnSpPr/>
-          <p:nvPr/>
-        </p:nvCxnSpPr>
-        <p:spPr>
-          <a:xfrm>
-            <a:off x="6889587" y="1603158"/>
-            <a:ext cx="441395" cy="0"/>
-          </a:xfrm>
-          <a:prstGeom prst="line">
-            <a:avLst/>
-          </a:prstGeom>
-          <a:ln>
-            <a:solidFill>
-              <a:schemeClr val="bg1"/>
-            </a:solidFill>
-          </a:ln>
-        </p:spPr>
-        <p:style>
-          <a:lnRef idx="3">
-            <a:schemeClr val="dk1"/>
-          </a:lnRef>
-          <a:fillRef idx="0">
-            <a:schemeClr val="dk1"/>
-          </a:fillRef>
-          <a:effectRef idx="2">
-            <a:schemeClr val="dk1"/>
-          </a:effectRef>
-          <a:fontRef idx="minor">
-            <a:schemeClr val="tx1"/>
-          </a:fontRef>
-        </p:style>
-      </p:cxnSp>
-    </p:spTree>
-    <p:extLst>
-      <p:ext uri="{BB962C8B-B14F-4D97-AF65-F5344CB8AC3E}">
-        <p14:creationId xmlns:p14="http://schemas.microsoft.com/office/powerpoint/2010/main" val="1666720446"/>
-      </p:ext>
-    </p:extLst>
-  </p:cSld>
-  <p:clrMapOvr>
-    <a:masterClrMapping/>
-  </p:clrMapOvr>
-</p:sld>
-</file>
-
-<file path=ppt/slides/slide3.xml><?xml version="1.0" encoding="utf-8"?>
-<p:sld xmlns:a="http://schemas.openxmlformats.org/drawingml/2006/main" xmlns:r="http://schemas.openxmlformats.org/officeDocument/2006/relationships" xmlns:p="http://schemas.openxmlformats.org/presentationml/2006/main">
-  <p:cSld>
-    <p:spTree>
-      <p:nvGrpSpPr>
-        <p:cNvPr id="1" name=""/>
-        <p:cNvGrpSpPr/>
-        <p:nvPr/>
-      </p:nvGrpSpPr>
-      <p:grpSpPr>
-        <a:xfrm>
-          <a:off x="0" y="0"/>
-          <a:ext cx="0" cy="0"/>
-          <a:chOff x="0" y="0"/>
-          <a:chExt cx="0" cy="0"/>
-        </a:xfrm>
-      </p:grpSpPr>
       <p:sp>
         <p:nvSpPr>
           <p:cNvPr id="27" name="四角形: 角を丸くする 26">
@@ -12513,7 +4710,7 @@
         </p:nvSpPr>
         <p:spPr>
           <a:xfrm>
-            <a:off x="100800" y="683591"/>
+            <a:off x="96930" y="696144"/>
             <a:ext cx="12600000" cy="8856984"/>
           </a:xfrm>
           <a:prstGeom prst="rect">
@@ -13159,7 +5356,7 @@
         </p:nvSpPr>
         <p:spPr>
           <a:xfrm>
-            <a:off x="126583" y="983736"/>
+            <a:off x="126583" y="696144"/>
             <a:ext cx="1881729" cy="338554"/>
           </a:xfrm>
           <a:prstGeom prst="rect">
@@ -13191,7 +5388,7 @@
               <a:defRPr/>
             </a:pPr>
             <a:r>
-              <a:rPr kumimoji="1" lang="ja-JP" altLang="en-US" sz="1600" b="1" i="0" u="none" strike="noStrike" kern="1200" cap="none" spc="0" normalizeH="0" baseline="0" noProof="0" dirty="0">
+              <a:rPr kumimoji="1" lang="ja-JP" altLang="en-US" sz="1200" b="1" i="0" u="none" strike="noStrike" kern="1200" cap="none" spc="0" normalizeH="0" baseline="0" noProof="0" dirty="0">
                 <a:ln>
                   <a:noFill/>
                 </a:ln>
@@ -13201,8 +5398,8 @@
                 <a:effectLst/>
                 <a:uLnTx/>
                 <a:uFillTx/>
-                <a:latin typeface="HG丸ｺﾞｼｯｸM-PRO" panose="020F0600000000000000" pitchFamily="50" charset="-128"/>
-                <a:ea typeface="HG丸ｺﾞｼｯｸM-PRO" panose="020F0600000000000000" pitchFamily="50" charset="-128"/>
+                <a:latin typeface="+mn-ea"/>
+                <a:ea typeface="+mn-ea"/>
                 <a:cs typeface="+mn-cs"/>
               </a:rPr>
               <a:t>１．</a:t>
@@ -13212,12 +5409,12 @@
                 <a:solidFill>
                   <a:prstClr val="black"/>
                 </a:solidFill>
-                <a:latin typeface="HG丸ｺﾞｼｯｸM-PRO" panose="020F0600000000000000" pitchFamily="50" charset="-128"/>
-                <a:ea typeface="HG丸ｺﾞｼｯｸM-PRO" panose="020F0600000000000000" pitchFamily="50" charset="-128"/>
+                <a:latin typeface="+mn-ea"/>
+                <a:ea typeface="+mn-ea"/>
               </a:rPr>
               <a:t>パッケージ化</a:t>
             </a:r>
-            <a:endParaRPr kumimoji="1" lang="ja-JP" altLang="en-US" sz="1600" b="0" i="0" u="none" strike="noStrike" kern="1200" cap="none" spc="0" normalizeH="0" baseline="0" noProof="0" dirty="0">
+            <a:endParaRPr kumimoji="1" lang="ja-JP" altLang="en-US" b="0" i="0" u="none" strike="noStrike" kern="1200" cap="none" spc="0" normalizeH="0" baseline="0" noProof="0" dirty="0">
               <a:ln>
                 <a:noFill/>
               </a:ln>
@@ -13227,8 +5424,8 @@
               <a:effectLst/>
               <a:uLnTx/>
               <a:uFillTx/>
-              <a:latin typeface="Times New Roman" panose="02020603050405020304" pitchFamily="18" charset="0"/>
-              <a:ea typeface="ＭＳ Ｐゴシック" panose="020B0600070205080204" pitchFamily="34" charset="-128"/>
+              <a:latin typeface="+mn-ea"/>
+              <a:ea typeface="+mn-ea"/>
               <a:cs typeface="+mn-cs"/>
             </a:endParaRPr>
           </a:p>
@@ -13248,7 +5445,7 @@
         </p:nvSpPr>
         <p:spPr>
           <a:xfrm>
-            <a:off x="171011" y="1357283"/>
+            <a:off x="171011" y="1056184"/>
             <a:ext cx="7329343" cy="523220"/>
           </a:xfrm>
           <a:prstGeom prst="rect">
@@ -13328,14 +5525,14 @@
           <p:nvPr>
             <p:extLst>
               <p:ext uri="{D42A27DB-BD31-4B8C-83A1-F6EECF244321}">
-                <p14:modId xmlns:p14="http://schemas.microsoft.com/office/powerpoint/2010/main" val="1893222655"/>
+                <p14:modId xmlns:p14="http://schemas.microsoft.com/office/powerpoint/2010/main" val="592845010"/>
               </p:ext>
             </p:extLst>
           </p:nvPr>
         </p:nvGraphicFramePr>
         <p:xfrm>
-          <a:off x="3181357" y="1934756"/>
-          <a:ext cx="4278225" cy="1510576"/>
+          <a:off x="3202199" y="1639866"/>
+          <a:ext cx="4278225" cy="1592452"/>
         </p:xfrm>
         <a:graphic>
           <a:graphicData uri="http://schemas.openxmlformats.org/drawingml/2006/table">
@@ -13367,7 +5564,7 @@
                     <a:p>
                       <a:pPr algn="ctr"/>
                       <a:r>
-                        <a:rPr kumimoji="1" lang="ja-JP" altLang="en-US" sz="1100" dirty="0"/>
+                        <a:rPr kumimoji="1" lang="ja-JP" altLang="en-US" sz="1050" dirty="0"/>
                         <a:t>名称</a:t>
                       </a:r>
                     </a:p>
@@ -13381,7 +5578,7 @@
                     <a:p>
                       <a:pPr algn="ctr"/>
                       <a:r>
-                        <a:rPr kumimoji="1" lang="ja-JP" altLang="en-US" sz="1100" dirty="0"/>
+                        <a:rPr kumimoji="1" lang="ja-JP" altLang="en-US" sz="1050" dirty="0"/>
                         <a:t>役割</a:t>
                       </a:r>
                     </a:p>
@@ -13402,7 +5599,10 @@
                     <a:p>
                       <a:pPr algn="ctr"/>
                       <a:r>
-                        <a:rPr kumimoji="1" lang="ja-JP" altLang="en-US" sz="900" dirty="0"/>
+                        <a:rPr kumimoji="1" lang="ja-JP" altLang="en-US" sz="1050" dirty="0">
+                          <a:latin typeface="メイリオ" panose="020B0604030504040204" pitchFamily="50" charset="-128"/>
+                          <a:ea typeface="メイリオ" panose="020B0604030504040204" pitchFamily="50" charset="-128"/>
+                        </a:rPr>
                         <a:t>走行管理</a:t>
                       </a:r>
                     </a:p>
@@ -13420,10 +5620,16 @@
                     <a:p>
                       <a:pPr algn="l"/>
                       <a:r>
-                        <a:rPr kumimoji="1" lang="ja-JP" altLang="en-US" sz="900" dirty="0"/>
+                        <a:rPr kumimoji="1" lang="ja-JP" altLang="en-US" sz="1050" dirty="0">
+                          <a:latin typeface="メイリオ" panose="020B0604030504040204" pitchFamily="50" charset="-128"/>
+                          <a:ea typeface="メイリオ" panose="020B0604030504040204" pitchFamily="50" charset="-128"/>
+                        </a:rPr>
                         <a:t>スタート、キャリブレーションの実行、走行に関する指示をする。</a:t>
                       </a:r>
-                      <a:endParaRPr kumimoji="1" lang="en-US" altLang="ja-JP" sz="900" dirty="0"/>
+                      <a:endParaRPr kumimoji="1" lang="en-US" altLang="ja-JP" sz="1050" dirty="0">
+                        <a:latin typeface="メイリオ" panose="020B0604030504040204" pitchFamily="50" charset="-128"/>
+                        <a:ea typeface="メイリオ" panose="020B0604030504040204" pitchFamily="50" charset="-128"/>
+                      </a:endParaRPr>
                     </a:p>
                   </a:txBody>
                   <a:tcPr anchor="ctr">
@@ -13446,10 +5652,16 @@
                     <a:p>
                       <a:pPr algn="ctr"/>
                       <a:r>
-                        <a:rPr kumimoji="1" lang="ja-JP" altLang="en-US" sz="900" dirty="0"/>
+                        <a:rPr kumimoji="1" lang="ja-JP" altLang="en-US" sz="1050" dirty="0">
+                          <a:latin typeface="メイリオ" panose="020B0604030504040204" pitchFamily="50" charset="-128"/>
+                          <a:ea typeface="メイリオ" panose="020B0604030504040204" pitchFamily="50" charset="-128"/>
+                        </a:rPr>
                         <a:t>制御</a:t>
                       </a:r>
-                      <a:endParaRPr kumimoji="1" lang="en-US" altLang="ja-JP" sz="900" dirty="0"/>
+                      <a:endParaRPr kumimoji="1" lang="en-US" altLang="ja-JP" sz="1050" dirty="0">
+                        <a:latin typeface="メイリオ" panose="020B0604030504040204" pitchFamily="50" charset="-128"/>
+                        <a:ea typeface="メイリオ" panose="020B0604030504040204" pitchFamily="50" charset="-128"/>
+                      </a:endParaRPr>
                     </a:p>
                   </a:txBody>
                   <a:tcPr anchor="ctr">
@@ -13465,7 +5677,10 @@
                     <a:p>
                       <a:pPr algn="l"/>
                       <a:r>
-                        <a:rPr kumimoji="1" lang="ja-JP" altLang="en-US" sz="900" dirty="0"/>
+                        <a:rPr kumimoji="1" lang="ja-JP" altLang="en-US" sz="1050" dirty="0">
+                          <a:latin typeface="メイリオ" panose="020B0604030504040204" pitchFamily="50" charset="-128"/>
+                          <a:ea typeface="メイリオ" panose="020B0604030504040204" pitchFamily="50" charset="-128"/>
+                        </a:rPr>
                         <a:t>走行区間に応じて、走行制御、処理を行う。</a:t>
                       </a:r>
                     </a:p>
@@ -13490,7 +5705,10 @@
                     <a:p>
                       <a:pPr algn="ctr"/>
                       <a:r>
-                        <a:rPr kumimoji="1" lang="ja-JP" altLang="en-US" sz="900" dirty="0"/>
+                        <a:rPr kumimoji="1" lang="ja-JP" altLang="en-US" sz="1050" dirty="0">
+                          <a:latin typeface="メイリオ" panose="020B0604030504040204" pitchFamily="50" charset="-128"/>
+                          <a:ea typeface="メイリオ" panose="020B0604030504040204" pitchFamily="50" charset="-128"/>
+                        </a:rPr>
                         <a:t>走行体情報</a:t>
                       </a:r>
                     </a:p>
@@ -13508,7 +5726,10 @@
                     <a:p>
                       <a:pPr algn="l"/>
                       <a:r>
-                        <a:rPr kumimoji="1" lang="ja-JP" altLang="en-US" sz="900" dirty="0"/>
+                        <a:rPr kumimoji="1" lang="ja-JP" altLang="en-US" sz="1050" dirty="0">
+                          <a:latin typeface="メイリオ" panose="020B0604030504040204" pitchFamily="50" charset="-128"/>
+                          <a:ea typeface="メイリオ" panose="020B0604030504040204" pitchFamily="50" charset="-128"/>
+                        </a:rPr>
                         <a:t>デバイスを参照してデータを管理、ほかのパッケージに受け渡す。</a:t>
                       </a:r>
                     </a:p>
@@ -13533,7 +5754,10 @@
                     <a:p>
                       <a:pPr algn="ctr"/>
                       <a:r>
-                        <a:rPr kumimoji="1" lang="ja-JP" altLang="en-US" sz="900" dirty="0"/>
+                        <a:rPr kumimoji="1" lang="ja-JP" altLang="en-US" sz="1050" dirty="0">
+                          <a:latin typeface="メイリオ" panose="020B0604030504040204" pitchFamily="50" charset="-128"/>
+                          <a:ea typeface="メイリオ" panose="020B0604030504040204" pitchFamily="50" charset="-128"/>
+                        </a:rPr>
                         <a:t>デバイス</a:t>
                       </a:r>
                     </a:p>
@@ -13551,7 +5775,10 @@
                     <a:p>
                       <a:pPr algn="l"/>
                       <a:r>
-                        <a:rPr kumimoji="1" lang="ja-JP" altLang="en-US" sz="900" dirty="0"/>
+                        <a:rPr kumimoji="1" lang="ja-JP" altLang="en-US" sz="1050" dirty="0">
+                          <a:latin typeface="メイリオ" panose="020B0604030504040204" pitchFamily="50" charset="-128"/>
+                          <a:ea typeface="メイリオ" panose="020B0604030504040204" pitchFamily="50" charset="-128"/>
+                        </a:rPr>
                         <a:t>センサの値の取得、モータ制御を行う。</a:t>
                       </a:r>
                     </a:p>
@@ -13586,7 +5813,7 @@
         </p:nvSpPr>
         <p:spPr>
           <a:xfrm>
-            <a:off x="7694485" y="979502"/>
+            <a:off x="7624936" y="696144"/>
             <a:ext cx="2234302" cy="338554"/>
           </a:xfrm>
           <a:prstGeom prst="rect">
@@ -13667,7 +5894,7 @@
         </p:nvCxnSpPr>
         <p:spPr>
           <a:xfrm>
-            <a:off x="7625433" y="1328774"/>
+            <a:off x="7625433" y="1056184"/>
             <a:ext cx="4884700" cy="7120"/>
           </a:xfrm>
           <a:prstGeom prst="line">
@@ -13708,7 +5935,7 @@
         </p:nvSpPr>
         <p:spPr>
           <a:xfrm>
-            <a:off x="7564031" y="1313700"/>
+            <a:off x="7564031" y="1056184"/>
             <a:ext cx="5033233" cy="738664"/>
           </a:xfrm>
           <a:prstGeom prst="rect">
@@ -13809,7 +6036,7 @@
         </p:nvCxnSpPr>
         <p:spPr>
           <a:xfrm flipV="1">
-            <a:off x="181861" y="1329982"/>
+            <a:off x="181861" y="1056183"/>
             <a:ext cx="7277721" cy="1"/>
           </a:xfrm>
           <a:prstGeom prst="line">
@@ -13852,8 +6079,8 @@
         </p:nvCxnSpPr>
         <p:spPr>
           <a:xfrm>
-            <a:off x="7552928" y="1010485"/>
-            <a:ext cx="0" cy="2508905"/>
+            <a:off x="7552928" y="768152"/>
+            <a:ext cx="0" cy="2751238"/>
           </a:xfrm>
           <a:prstGeom prst="line">
             <a:avLst/>
@@ -14057,35 +6284,6 @@
       </p:sp>
       <p:pic>
         <p:nvPicPr>
-          <p:cNvPr id="2" name="図 1">
-            <a:extLst>
-              <a:ext uri="{FF2B5EF4-FFF2-40B4-BE49-F238E27FC236}">
-                <a16:creationId xmlns:a16="http://schemas.microsoft.com/office/drawing/2014/main" id="{B3149541-99FA-480A-9572-19BBE9323F79}"/>
-              </a:ext>
-            </a:extLst>
-          </p:cNvPr>
-          <p:cNvPicPr>
-            <a:picLocks noChangeAspect="1"/>
-          </p:cNvPicPr>
-          <p:nvPr/>
-        </p:nvPicPr>
-        <p:blipFill rotWithShape="1">
-          <a:blip r:embed="rId2"/>
-          <a:srcRect l="24688" t="38616" r="39312" b="23001"/>
-          <a:stretch/>
-        </p:blipFill>
-        <p:spPr>
-          <a:xfrm>
-            <a:off x="306148" y="1878209"/>
-            <a:ext cx="2740072" cy="1582493"/>
-          </a:xfrm>
-          <a:prstGeom prst="rect">
-            <a:avLst/>
-          </a:prstGeom>
-        </p:spPr>
-      </p:pic>
-      <p:pic>
-        <p:nvPicPr>
           <p:cNvPr id="6" name="図 5">
             <a:extLst>
               <a:ext uri="{FF2B5EF4-FFF2-40B4-BE49-F238E27FC236}">
@@ -14099,7 +6297,7 @@
           <p:nvPr/>
         </p:nvPicPr>
         <p:blipFill rotWithShape="1">
-          <a:blip r:embed="rId3"/>
+          <a:blip r:embed="rId2"/>
           <a:srcRect l="2391" t="19346" r="4885" b="4308"/>
           <a:stretch/>
         </p:blipFill>
@@ -14113,6 +6311,1152 @@
           </a:prstGeom>
         </p:spPr>
       </p:pic>
+      <p:graphicFrame>
+        <p:nvGraphicFramePr>
+          <p:cNvPr id="7" name="表 6">
+            <a:extLst>
+              <a:ext uri="{FF2B5EF4-FFF2-40B4-BE49-F238E27FC236}">
+                <a16:creationId xmlns:a16="http://schemas.microsoft.com/office/drawing/2014/main" id="{20329B83-AB87-4441-B692-EC27D3A0A4FA}"/>
+              </a:ext>
+            </a:extLst>
+          </p:cNvPr>
+          <p:cNvGraphicFramePr>
+            <a:graphicFrameLocks noGrp="1"/>
+          </p:cNvGraphicFramePr>
+          <p:nvPr>
+            <p:extLst>
+              <p:ext uri="{D42A27DB-BD31-4B8C-83A1-F6EECF244321}">
+                <p14:modId xmlns:p14="http://schemas.microsoft.com/office/powerpoint/2010/main" val="2513791791"/>
+              </p:ext>
+            </p:extLst>
+          </p:nvPr>
+        </p:nvGraphicFramePr>
+        <p:xfrm>
+          <a:off x="7632197" y="1839345"/>
+          <a:ext cx="4889283" cy="4641120"/>
+        </p:xfrm>
+        <a:graphic>
+          <a:graphicData uri="http://schemas.openxmlformats.org/drawingml/2006/table">
+            <a:tbl>
+              <a:tblPr firstRow="1" bandRow="1">
+                <a:tableStyleId>{93296810-A885-4BE3-A3E7-6D5BEEA58F35}</a:tableStyleId>
+              </a:tblPr>
+              <a:tblGrid>
+                <a:gridCol w="1707275">
+                  <a:extLst>
+                    <a:ext uri="{9D8B030D-6E8A-4147-A177-3AD203B41FA5}">
+                      <a16:colId xmlns:a16="http://schemas.microsoft.com/office/drawing/2014/main" val="965776415"/>
+                    </a:ext>
+                  </a:extLst>
+                </a:gridCol>
+                <a:gridCol w="3182008">
+                  <a:extLst>
+                    <a:ext uri="{9D8B030D-6E8A-4147-A177-3AD203B41FA5}">
+                      <a16:colId xmlns:a16="http://schemas.microsoft.com/office/drawing/2014/main" val="4018518874"/>
+                    </a:ext>
+                  </a:extLst>
+                </a:gridCol>
+              </a:tblGrid>
+              <a:tr h="252000">
+                <a:tc>
+                  <a:txBody>
+                    <a:bodyPr/>
+                    <a:lstStyle/>
+                    <a:p>
+                      <a:pPr algn="ctr"/>
+                      <a:r>
+                        <a:rPr kumimoji="1" lang="ja-JP" altLang="en-US" sz="1050" dirty="0"/>
+                        <a:t>名称</a:t>
+                      </a:r>
+                    </a:p>
+                  </a:txBody>
+                  <a:tcPr anchor="ctr"/>
+                </a:tc>
+                <a:tc>
+                  <a:txBody>
+                    <a:bodyPr/>
+                    <a:lstStyle/>
+                    <a:p>
+                      <a:pPr algn="ctr"/>
+                      <a:r>
+                        <a:rPr kumimoji="1" lang="ja-JP" altLang="en-US" sz="1050" dirty="0"/>
+                        <a:t>役割</a:t>
+                      </a:r>
+                    </a:p>
+                  </a:txBody>
+                  <a:tcPr anchor="ctr"/>
+                </a:tc>
+                <a:extLst>
+                  <a:ext uri="{0D108BD9-81ED-4DB2-BD59-A6C34878D82A}">
+                    <a16:rowId xmlns:a16="http://schemas.microsoft.com/office/drawing/2014/main" val="2908967075"/>
+                  </a:ext>
+                </a:extLst>
+              </a:tr>
+              <a:tr h="252000">
+                <a:tc>
+                  <a:txBody>
+                    <a:bodyPr/>
+                    <a:lstStyle/>
+                    <a:p>
+                      <a:r>
+                        <a:rPr kumimoji="1" lang="ja-JP" altLang="en-US" sz="1050" dirty="0">
+                          <a:latin typeface="メイリオ" panose="020B0604030504040204" pitchFamily="50" charset="-128"/>
+                          <a:ea typeface="メイリオ" panose="020B0604030504040204" pitchFamily="50" charset="-128"/>
+                        </a:rPr>
+                        <a:t>中枢</a:t>
+                      </a:r>
+                    </a:p>
+                  </a:txBody>
+                  <a:tcPr anchor="ctr"/>
+                </a:tc>
+                <a:tc>
+                  <a:txBody>
+                    <a:bodyPr/>
+                    <a:lstStyle/>
+                    <a:p>
+                      <a:endParaRPr kumimoji="1" lang="ja-JP" altLang="en-US" dirty="0"/>
+                    </a:p>
+                  </a:txBody>
+                  <a:tcPr/>
+                </a:tc>
+                <a:extLst>
+                  <a:ext uri="{0D108BD9-81ED-4DB2-BD59-A6C34878D82A}">
+                    <a16:rowId xmlns:a16="http://schemas.microsoft.com/office/drawing/2014/main" val="3493002574"/>
+                  </a:ext>
+                </a:extLst>
+              </a:tr>
+              <a:tr h="252000">
+                <a:tc>
+                  <a:txBody>
+                    <a:bodyPr/>
+                    <a:lstStyle/>
+                    <a:p>
+                      <a:r>
+                        <a:rPr kumimoji="1" lang="ja-JP" altLang="en-US" sz="1050" dirty="0">
+                          <a:latin typeface="メイリオ" panose="020B0604030504040204" pitchFamily="50" charset="-128"/>
+                          <a:ea typeface="メイリオ" panose="020B0604030504040204" pitchFamily="50" charset="-128"/>
+                        </a:rPr>
+                        <a:t>区間トレーサ</a:t>
+                      </a:r>
+                    </a:p>
+                  </a:txBody>
+                  <a:tcPr anchor="ctr"/>
+                </a:tc>
+                <a:tc>
+                  <a:txBody>
+                    <a:bodyPr/>
+                    <a:lstStyle/>
+                    <a:p>
+                      <a:endParaRPr kumimoji="1" lang="ja-JP" altLang="en-US" dirty="0"/>
+                    </a:p>
+                  </a:txBody>
+                  <a:tcPr/>
+                </a:tc>
+                <a:extLst>
+                  <a:ext uri="{0D108BD9-81ED-4DB2-BD59-A6C34878D82A}">
+                    <a16:rowId xmlns:a16="http://schemas.microsoft.com/office/drawing/2014/main" val="837863001"/>
+                  </a:ext>
+                </a:extLst>
+              </a:tr>
+              <a:tr h="252000">
+                <a:tc>
+                  <a:txBody>
+                    <a:bodyPr/>
+                    <a:lstStyle/>
+                    <a:p>
+                      <a:r>
+                        <a:rPr kumimoji="1" lang="ja-JP" altLang="en-US" sz="1050" dirty="0">
+                          <a:latin typeface="メイリオ" panose="020B0604030504040204" pitchFamily="50" charset="-128"/>
+                          <a:ea typeface="メイリオ" panose="020B0604030504040204" pitchFamily="50" charset="-128"/>
+                        </a:rPr>
+                        <a:t>区間パラメータリスト</a:t>
+                      </a:r>
+                    </a:p>
+                  </a:txBody>
+                  <a:tcPr anchor="ctr"/>
+                </a:tc>
+                <a:tc>
+                  <a:txBody>
+                    <a:bodyPr/>
+                    <a:lstStyle/>
+                    <a:p>
+                      <a:endParaRPr kumimoji="1" lang="ja-JP" altLang="en-US" dirty="0"/>
+                    </a:p>
+                  </a:txBody>
+                  <a:tcPr/>
+                </a:tc>
+                <a:extLst>
+                  <a:ext uri="{0D108BD9-81ED-4DB2-BD59-A6C34878D82A}">
+                    <a16:rowId xmlns:a16="http://schemas.microsoft.com/office/drawing/2014/main" val="745398546"/>
+                  </a:ext>
+                </a:extLst>
+              </a:tr>
+              <a:tr h="118426">
+                <a:tc>
+                  <a:txBody>
+                    <a:bodyPr/>
+                    <a:lstStyle/>
+                    <a:p>
+                      <a:r>
+                        <a:rPr kumimoji="1" lang="ja-JP" altLang="en-US" sz="1050" dirty="0">
+                          <a:latin typeface="メイリオ" panose="020B0604030504040204" pitchFamily="50" charset="-128"/>
+                          <a:ea typeface="メイリオ" panose="020B0604030504040204" pitchFamily="50" charset="-128"/>
+                        </a:rPr>
+                        <a:t>ライントレーサ</a:t>
+                      </a:r>
+                    </a:p>
+                  </a:txBody>
+                  <a:tcPr anchor="ctr"/>
+                </a:tc>
+                <a:tc>
+                  <a:txBody>
+                    <a:bodyPr/>
+                    <a:lstStyle/>
+                    <a:p>
+                      <a:endParaRPr kumimoji="1" lang="ja-JP" altLang="en-US" dirty="0"/>
+                    </a:p>
+                  </a:txBody>
+                  <a:tcPr/>
+                </a:tc>
+                <a:extLst>
+                  <a:ext uri="{0D108BD9-81ED-4DB2-BD59-A6C34878D82A}">
+                    <a16:rowId xmlns:a16="http://schemas.microsoft.com/office/drawing/2014/main" val="1493086583"/>
+                  </a:ext>
+                </a:extLst>
+              </a:tr>
+              <a:tr h="252000">
+                <a:tc>
+                  <a:txBody>
+                    <a:bodyPr/>
+                    <a:lstStyle/>
+                    <a:p>
+                      <a:r>
+                        <a:rPr kumimoji="1" lang="en-US" altLang="ja-JP" sz="1050" dirty="0">
+                          <a:latin typeface="メイリオ" panose="020B0604030504040204" pitchFamily="50" charset="-128"/>
+                          <a:ea typeface="メイリオ" panose="020B0604030504040204" pitchFamily="50" charset="-128"/>
+                        </a:rPr>
+                        <a:t>PID</a:t>
+                      </a:r>
+                      <a:r>
+                        <a:rPr kumimoji="1" lang="ja-JP" altLang="en-US" sz="1050" dirty="0">
+                          <a:latin typeface="メイリオ" panose="020B0604030504040204" pitchFamily="50" charset="-128"/>
+                          <a:ea typeface="メイリオ" panose="020B0604030504040204" pitchFamily="50" charset="-128"/>
+                        </a:rPr>
+                        <a:t>計算</a:t>
+                      </a:r>
+                    </a:p>
+                  </a:txBody>
+                  <a:tcPr anchor="ctr"/>
+                </a:tc>
+                <a:tc>
+                  <a:txBody>
+                    <a:bodyPr/>
+                    <a:lstStyle/>
+                    <a:p>
+                      <a:endParaRPr kumimoji="1" lang="ja-JP" altLang="en-US" dirty="0"/>
+                    </a:p>
+                  </a:txBody>
+                  <a:tcPr/>
+                </a:tc>
+                <a:extLst>
+                  <a:ext uri="{0D108BD9-81ED-4DB2-BD59-A6C34878D82A}">
+                    <a16:rowId xmlns:a16="http://schemas.microsoft.com/office/drawing/2014/main" val="1642344585"/>
+                  </a:ext>
+                </a:extLst>
+              </a:tr>
+              <a:tr h="252000">
+                <a:tc>
+                  <a:txBody>
+                    <a:bodyPr/>
+                    <a:lstStyle/>
+                    <a:p>
+                      <a:r>
+                        <a:rPr kumimoji="1" lang="ja-JP" altLang="en-US" sz="1050" dirty="0">
+                          <a:latin typeface="メイリオ" panose="020B0604030504040204" pitchFamily="50" charset="-128"/>
+                          <a:ea typeface="メイリオ" panose="020B0604030504040204" pitchFamily="50" charset="-128"/>
+                        </a:rPr>
+                        <a:t>倒立走行</a:t>
+                      </a:r>
+                    </a:p>
+                  </a:txBody>
+                  <a:tcPr anchor="ctr"/>
+                </a:tc>
+                <a:tc>
+                  <a:txBody>
+                    <a:bodyPr/>
+                    <a:lstStyle/>
+                    <a:p>
+                      <a:endParaRPr kumimoji="1" lang="ja-JP" altLang="en-US" dirty="0"/>
+                    </a:p>
+                  </a:txBody>
+                  <a:tcPr/>
+                </a:tc>
+                <a:extLst>
+                  <a:ext uri="{0D108BD9-81ED-4DB2-BD59-A6C34878D82A}">
+                    <a16:rowId xmlns:a16="http://schemas.microsoft.com/office/drawing/2014/main" val="3295400842"/>
+                  </a:ext>
+                </a:extLst>
+              </a:tr>
+              <a:tr h="252000">
+                <a:tc>
+                  <a:txBody>
+                    <a:bodyPr/>
+                    <a:lstStyle/>
+                    <a:p>
+                      <a:r>
+                        <a:rPr kumimoji="1" lang="ja-JP" altLang="en-US" sz="1050" dirty="0">
+                          <a:latin typeface="メイリオ" panose="020B0604030504040204" pitchFamily="50" charset="-128"/>
+                          <a:ea typeface="メイリオ" panose="020B0604030504040204" pitchFamily="50" charset="-128"/>
+                        </a:rPr>
+                        <a:t>倒立振子制御ライブラリ</a:t>
+                      </a:r>
+                    </a:p>
+                  </a:txBody>
+                  <a:tcPr anchor="ctr"/>
+                </a:tc>
+                <a:tc>
+                  <a:txBody>
+                    <a:bodyPr/>
+                    <a:lstStyle/>
+                    <a:p>
+                      <a:endParaRPr kumimoji="1" lang="ja-JP" altLang="en-US" dirty="0"/>
+                    </a:p>
+                  </a:txBody>
+                  <a:tcPr/>
+                </a:tc>
+                <a:extLst>
+                  <a:ext uri="{0D108BD9-81ED-4DB2-BD59-A6C34878D82A}">
+                    <a16:rowId xmlns:a16="http://schemas.microsoft.com/office/drawing/2014/main" val="2921535515"/>
+                  </a:ext>
+                </a:extLst>
+              </a:tr>
+              <a:tr h="0">
+                <a:tc>
+                  <a:txBody>
+                    <a:bodyPr/>
+                    <a:lstStyle/>
+                    <a:p>
+                      <a:r>
+                        <a:rPr kumimoji="1" lang="ja-JP" altLang="en-US" sz="1050" dirty="0">
+                          <a:latin typeface="メイリオ" panose="020B0604030504040204" pitchFamily="50" charset="-128"/>
+                          <a:ea typeface="メイリオ" panose="020B0604030504040204" pitchFamily="50" charset="-128"/>
+                        </a:rPr>
+                        <a:t>計器管理</a:t>
+                      </a:r>
+                    </a:p>
+                  </a:txBody>
+                  <a:tcPr anchor="ctr"/>
+                </a:tc>
+                <a:tc>
+                  <a:txBody>
+                    <a:bodyPr/>
+                    <a:lstStyle/>
+                    <a:p>
+                      <a:endParaRPr kumimoji="1" lang="ja-JP" altLang="en-US" dirty="0"/>
+                    </a:p>
+                  </a:txBody>
+                  <a:tcPr/>
+                </a:tc>
+                <a:extLst>
+                  <a:ext uri="{0D108BD9-81ED-4DB2-BD59-A6C34878D82A}">
+                    <a16:rowId xmlns:a16="http://schemas.microsoft.com/office/drawing/2014/main" val="3693912237"/>
+                  </a:ext>
+                </a:extLst>
+              </a:tr>
+              <a:tr h="252000">
+                <a:tc>
+                  <a:txBody>
+                    <a:bodyPr/>
+                    <a:lstStyle/>
+                    <a:p>
+                      <a:r>
+                        <a:rPr kumimoji="1" lang="ja-JP" altLang="en-US" sz="1050" dirty="0">
+                          <a:latin typeface="メイリオ" panose="020B0604030504040204" pitchFamily="50" charset="-128"/>
+                          <a:ea typeface="メイリオ" panose="020B0604030504040204" pitchFamily="50" charset="-128"/>
+                        </a:rPr>
+                        <a:t>走行距離計</a:t>
+                      </a:r>
+                    </a:p>
+                  </a:txBody>
+                  <a:tcPr anchor="ctr"/>
+                </a:tc>
+                <a:tc>
+                  <a:txBody>
+                    <a:bodyPr/>
+                    <a:lstStyle/>
+                    <a:p>
+                      <a:endParaRPr kumimoji="1" lang="ja-JP" altLang="en-US" dirty="0"/>
+                    </a:p>
+                  </a:txBody>
+                  <a:tcPr/>
+                </a:tc>
+                <a:extLst>
+                  <a:ext uri="{0D108BD9-81ED-4DB2-BD59-A6C34878D82A}">
+                    <a16:rowId xmlns:a16="http://schemas.microsoft.com/office/drawing/2014/main" val="3958245410"/>
+                  </a:ext>
+                </a:extLst>
+              </a:tr>
+              <a:tr h="252000">
+                <a:tc>
+                  <a:txBody>
+                    <a:bodyPr/>
+                    <a:lstStyle/>
+                    <a:p>
+                      <a:r>
+                        <a:rPr kumimoji="1" lang="ja-JP" altLang="en-US" sz="1050" dirty="0">
+                          <a:latin typeface="メイリオ" panose="020B0604030504040204" pitchFamily="50" charset="-128"/>
+                          <a:ea typeface="メイリオ" panose="020B0604030504040204" pitchFamily="50" charset="-128"/>
+                        </a:rPr>
+                        <a:t>輝度偏差計測計</a:t>
+                      </a:r>
+                    </a:p>
+                  </a:txBody>
+                  <a:tcPr anchor="ctr"/>
+                </a:tc>
+                <a:tc>
+                  <a:txBody>
+                    <a:bodyPr/>
+                    <a:lstStyle/>
+                    <a:p>
+                      <a:endParaRPr kumimoji="1" lang="ja-JP" altLang="en-US"/>
+                    </a:p>
+                  </a:txBody>
+                  <a:tcPr/>
+                </a:tc>
+                <a:extLst>
+                  <a:ext uri="{0D108BD9-81ED-4DB2-BD59-A6C34878D82A}">
+                    <a16:rowId xmlns:a16="http://schemas.microsoft.com/office/drawing/2014/main" val="2235091016"/>
+                  </a:ext>
+                </a:extLst>
+              </a:tr>
+              <a:tr h="252000">
+                <a:tc>
+                  <a:txBody>
+                    <a:bodyPr/>
+                    <a:lstStyle/>
+                    <a:p>
+                      <a:r>
+                        <a:rPr kumimoji="1" lang="ja-JP" altLang="en-US" sz="1050" dirty="0">
+                          <a:latin typeface="メイリオ" panose="020B0604030504040204" pitchFamily="50" charset="-128"/>
+                          <a:ea typeface="メイリオ" panose="020B0604030504040204" pitchFamily="50" charset="-128"/>
+                        </a:rPr>
+                        <a:t>角速度計</a:t>
+                      </a:r>
+                    </a:p>
+                  </a:txBody>
+                  <a:tcPr anchor="ctr"/>
+                </a:tc>
+                <a:tc>
+                  <a:txBody>
+                    <a:bodyPr/>
+                    <a:lstStyle/>
+                    <a:p>
+                      <a:endParaRPr kumimoji="1" lang="ja-JP" altLang="en-US"/>
+                    </a:p>
+                  </a:txBody>
+                  <a:tcPr/>
+                </a:tc>
+                <a:extLst>
+                  <a:ext uri="{0D108BD9-81ED-4DB2-BD59-A6C34878D82A}">
+                    <a16:rowId xmlns:a16="http://schemas.microsoft.com/office/drawing/2014/main" val="387551601"/>
+                  </a:ext>
+                </a:extLst>
+              </a:tr>
+              <a:tr h="324000">
+                <a:tc>
+                  <a:txBody>
+                    <a:bodyPr/>
+                    <a:lstStyle/>
+                    <a:p>
+                      <a:r>
+                        <a:rPr kumimoji="1" lang="ja-JP" altLang="en-US" sz="1050" dirty="0">
+                          <a:latin typeface="メイリオ" panose="020B0604030504040204" pitchFamily="50" charset="-128"/>
+                          <a:ea typeface="メイリオ" panose="020B0604030504040204" pitchFamily="50" charset="-128"/>
+                        </a:rPr>
+                        <a:t>電圧計</a:t>
+                      </a:r>
+                    </a:p>
+                  </a:txBody>
+                  <a:tcPr anchor="ctr"/>
+                </a:tc>
+                <a:tc>
+                  <a:txBody>
+                    <a:bodyPr/>
+                    <a:lstStyle/>
+                    <a:p>
+                      <a:endParaRPr kumimoji="1" lang="ja-JP" altLang="en-US" dirty="0"/>
+                    </a:p>
+                  </a:txBody>
+                  <a:tcPr/>
+                </a:tc>
+                <a:extLst>
+                  <a:ext uri="{0D108BD9-81ED-4DB2-BD59-A6C34878D82A}">
+                    <a16:rowId xmlns:a16="http://schemas.microsoft.com/office/drawing/2014/main" val="2981303003"/>
+                  </a:ext>
+                </a:extLst>
+              </a:tr>
+            </a:tbl>
+          </a:graphicData>
+        </a:graphic>
+      </p:graphicFrame>
+      <p:grpSp>
+        <p:nvGrpSpPr>
+          <p:cNvPr id="62" name="グループ化 61">
+            <a:extLst>
+              <a:ext uri="{FF2B5EF4-FFF2-40B4-BE49-F238E27FC236}">
+                <a16:creationId xmlns:a16="http://schemas.microsoft.com/office/drawing/2014/main" id="{FF54D35E-3A66-427D-AA62-2BB98D37B539}"/>
+              </a:ext>
+            </a:extLst>
+          </p:cNvPr>
+          <p:cNvGrpSpPr/>
+          <p:nvPr/>
+        </p:nvGrpSpPr>
+        <p:grpSpPr>
+          <a:xfrm>
+            <a:off x="208783" y="1562378"/>
+            <a:ext cx="2824120" cy="1461428"/>
+            <a:chOff x="172903" y="1939444"/>
+            <a:chExt cx="2824120" cy="1461428"/>
+          </a:xfrm>
+        </p:grpSpPr>
+        <p:sp>
+          <p:nvSpPr>
+            <p:cNvPr id="4" name="正方形/長方形 3">
+              <a:extLst>
+                <a:ext uri="{FF2B5EF4-FFF2-40B4-BE49-F238E27FC236}">
+                  <a16:creationId xmlns:a16="http://schemas.microsoft.com/office/drawing/2014/main" id="{1A246C85-88A8-450B-9219-E39E4518F1DE}"/>
+                </a:ext>
+              </a:extLst>
+            </p:cNvPr>
+            <p:cNvSpPr/>
+            <p:nvPr/>
+          </p:nvSpPr>
+          <p:spPr>
+            <a:xfrm>
+              <a:off x="172903" y="1939444"/>
+              <a:ext cx="576064" cy="1461428"/>
+            </a:xfrm>
+            <a:prstGeom prst="rect">
+              <a:avLst/>
+            </a:prstGeom>
+            <a:solidFill>
+              <a:srgbClr val="FFCCCC"/>
+            </a:solidFill>
+            <a:ln>
+              <a:noFill/>
+            </a:ln>
+          </p:spPr>
+          <p:style>
+            <a:lnRef idx="2">
+              <a:schemeClr val="accent1">
+                <a:shade val="50000"/>
+              </a:schemeClr>
+            </a:lnRef>
+            <a:fillRef idx="1">
+              <a:schemeClr val="accent1"/>
+            </a:fillRef>
+            <a:effectRef idx="0">
+              <a:schemeClr val="accent1"/>
+            </a:effectRef>
+            <a:fontRef idx="minor">
+              <a:schemeClr val="lt1"/>
+            </a:fontRef>
+          </p:style>
+          <p:txBody>
+            <a:bodyPr vert="eaVert" rtlCol="0" anchor="ctr"/>
+            <a:lstStyle/>
+            <a:p>
+              <a:pPr algn="ctr"/>
+              <a:r>
+                <a:rPr kumimoji="1" lang="ja-JP" altLang="en-US" sz="1050" b="1" dirty="0">
+                  <a:solidFill>
+                    <a:schemeClr val="tx1"/>
+                  </a:solidFill>
+                </a:rPr>
+                <a:t>管理</a:t>
+              </a:r>
+            </a:p>
+          </p:txBody>
+        </p:sp>
+        <p:sp>
+          <p:nvSpPr>
+            <p:cNvPr id="26" name="正方形/長方形 25">
+              <a:extLst>
+                <a:ext uri="{FF2B5EF4-FFF2-40B4-BE49-F238E27FC236}">
+                  <a16:creationId xmlns:a16="http://schemas.microsoft.com/office/drawing/2014/main" id="{D44A8CD1-8E5F-421D-8385-B9A955647EC7}"/>
+                </a:ext>
+              </a:extLst>
+            </p:cNvPr>
+            <p:cNvSpPr/>
+            <p:nvPr/>
+          </p:nvSpPr>
+          <p:spPr>
+            <a:xfrm>
+              <a:off x="2420959" y="1939444"/>
+              <a:ext cx="576064" cy="1461428"/>
+            </a:xfrm>
+            <a:prstGeom prst="rect">
+              <a:avLst/>
+            </a:prstGeom>
+            <a:solidFill>
+              <a:srgbClr val="E6E6E6"/>
+            </a:solidFill>
+            <a:ln>
+              <a:noFill/>
+            </a:ln>
+          </p:spPr>
+          <p:style>
+            <a:lnRef idx="2">
+              <a:schemeClr val="accent1">
+                <a:shade val="50000"/>
+              </a:schemeClr>
+            </a:lnRef>
+            <a:fillRef idx="1">
+              <a:schemeClr val="accent1"/>
+            </a:fillRef>
+            <a:effectRef idx="0">
+              <a:schemeClr val="accent1"/>
+            </a:effectRef>
+            <a:fontRef idx="minor">
+              <a:schemeClr val="lt1"/>
+            </a:fontRef>
+          </p:style>
+          <p:txBody>
+            <a:bodyPr vert="eaVert" rtlCol="0" anchor="ctr"/>
+            <a:lstStyle/>
+            <a:p>
+              <a:pPr algn="ctr"/>
+              <a:r>
+                <a:rPr kumimoji="1" lang="ja-JP" altLang="en-US" sz="1050" b="1" dirty="0">
+                  <a:solidFill>
+                    <a:schemeClr val="tx1"/>
+                  </a:solidFill>
+                </a:rPr>
+                <a:t>デバイス</a:t>
+              </a:r>
+            </a:p>
+          </p:txBody>
+        </p:sp>
+        <p:sp>
+          <p:nvSpPr>
+            <p:cNvPr id="8" name="正方形/長方形 7">
+              <a:extLst>
+                <a:ext uri="{FF2B5EF4-FFF2-40B4-BE49-F238E27FC236}">
+                  <a16:creationId xmlns:a16="http://schemas.microsoft.com/office/drawing/2014/main" id="{482B7BA8-B171-448C-83A9-F9C7E8CE5C5B}"/>
+                </a:ext>
+              </a:extLst>
+            </p:cNvPr>
+            <p:cNvSpPr/>
+            <p:nvPr/>
+          </p:nvSpPr>
+          <p:spPr>
+            <a:xfrm>
+              <a:off x="1139486" y="2854741"/>
+              <a:ext cx="890954" cy="543238"/>
+            </a:xfrm>
+            <a:prstGeom prst="rect">
+              <a:avLst/>
+            </a:prstGeom>
+            <a:solidFill>
+              <a:srgbClr val="CCFFCC"/>
+            </a:solidFill>
+            <a:ln>
+              <a:noFill/>
+            </a:ln>
+          </p:spPr>
+          <p:style>
+            <a:lnRef idx="2">
+              <a:schemeClr val="accent1">
+                <a:shade val="50000"/>
+              </a:schemeClr>
+            </a:lnRef>
+            <a:fillRef idx="1">
+              <a:schemeClr val="accent1"/>
+            </a:fillRef>
+            <a:effectRef idx="0">
+              <a:schemeClr val="accent1"/>
+            </a:effectRef>
+            <a:fontRef idx="minor">
+              <a:schemeClr val="lt1"/>
+            </a:fontRef>
+          </p:style>
+          <p:txBody>
+            <a:bodyPr rtlCol="0" anchor="ctr"/>
+            <a:lstStyle/>
+            <a:p>
+              <a:pPr algn="ctr"/>
+              <a:r>
+                <a:rPr kumimoji="1" lang="ja-JP" altLang="en-US" sz="1050" b="1" dirty="0">
+                  <a:solidFill>
+                    <a:schemeClr val="tx1"/>
+                  </a:solidFill>
+                </a:rPr>
+                <a:t>走行体情報</a:t>
+              </a:r>
+            </a:p>
+          </p:txBody>
+        </p:sp>
+        <p:sp>
+          <p:nvSpPr>
+            <p:cNvPr id="36" name="正方形/長方形 35">
+              <a:extLst>
+                <a:ext uri="{FF2B5EF4-FFF2-40B4-BE49-F238E27FC236}">
+                  <a16:creationId xmlns:a16="http://schemas.microsoft.com/office/drawing/2014/main" id="{BABBFD05-2DE7-436C-A27E-164958A3C254}"/>
+                </a:ext>
+              </a:extLst>
+            </p:cNvPr>
+            <p:cNvSpPr/>
+            <p:nvPr/>
+          </p:nvSpPr>
+          <p:spPr>
+            <a:xfrm>
+              <a:off x="1139486" y="1941448"/>
+              <a:ext cx="890954" cy="543238"/>
+            </a:xfrm>
+            <a:prstGeom prst="rect">
+              <a:avLst/>
+            </a:prstGeom>
+            <a:solidFill>
+              <a:srgbClr val="FFFFCC"/>
+            </a:solidFill>
+            <a:ln>
+              <a:noFill/>
+            </a:ln>
+          </p:spPr>
+          <p:style>
+            <a:lnRef idx="2">
+              <a:schemeClr val="accent1">
+                <a:shade val="50000"/>
+              </a:schemeClr>
+            </a:lnRef>
+            <a:fillRef idx="1">
+              <a:schemeClr val="accent1"/>
+            </a:fillRef>
+            <a:effectRef idx="0">
+              <a:schemeClr val="accent1"/>
+            </a:effectRef>
+            <a:fontRef idx="minor">
+              <a:schemeClr val="lt1"/>
+            </a:fontRef>
+          </p:style>
+          <p:txBody>
+            <a:bodyPr rtlCol="0" anchor="ctr"/>
+            <a:lstStyle/>
+            <a:p>
+              <a:pPr algn="ctr"/>
+              <a:r>
+                <a:rPr lang="ja-JP" altLang="en-US" sz="1050" b="1" dirty="0">
+                  <a:solidFill>
+                    <a:schemeClr val="tx1"/>
+                  </a:solidFill>
+                </a:rPr>
+                <a:t>制御</a:t>
+              </a:r>
+              <a:endParaRPr kumimoji="1" lang="ja-JP" altLang="en-US" sz="1050" b="1" dirty="0">
+                <a:solidFill>
+                  <a:schemeClr val="tx1"/>
+                </a:solidFill>
+              </a:endParaRPr>
+            </a:p>
+          </p:txBody>
+        </p:sp>
+        <p:cxnSp>
+          <p:nvCxnSpPr>
+            <p:cNvPr id="12" name="直線矢印コネクタ 11">
+              <a:extLst>
+                <a:ext uri="{FF2B5EF4-FFF2-40B4-BE49-F238E27FC236}">
+                  <a16:creationId xmlns:a16="http://schemas.microsoft.com/office/drawing/2014/main" id="{7A2E6D9C-D61C-4408-AA7A-0A67F4978E8D}"/>
+                </a:ext>
+              </a:extLst>
+            </p:cNvPr>
+            <p:cNvCxnSpPr>
+              <a:cxnSpLocks/>
+              <a:endCxn id="8" idx="0"/>
+            </p:cNvCxnSpPr>
+            <p:nvPr/>
+          </p:nvCxnSpPr>
+          <p:spPr>
+            <a:xfrm>
+              <a:off x="1584963" y="2484686"/>
+              <a:ext cx="0" cy="370055"/>
+            </a:xfrm>
+            <a:prstGeom prst="straightConnector1">
+              <a:avLst/>
+            </a:prstGeom>
+            <a:ln>
+              <a:tailEnd type="triangle"/>
+            </a:ln>
+          </p:spPr>
+          <p:style>
+            <a:lnRef idx="1">
+              <a:schemeClr val="dk1"/>
+            </a:lnRef>
+            <a:fillRef idx="0">
+              <a:schemeClr val="dk1"/>
+            </a:fillRef>
+            <a:effectRef idx="0">
+              <a:schemeClr val="dk1"/>
+            </a:effectRef>
+            <a:fontRef idx="minor">
+              <a:schemeClr val="tx1"/>
+            </a:fontRef>
+          </p:style>
+        </p:cxnSp>
+        <p:cxnSp>
+          <p:nvCxnSpPr>
+            <p:cNvPr id="14" name="直線矢印コネクタ 13">
+              <a:extLst>
+                <a:ext uri="{FF2B5EF4-FFF2-40B4-BE49-F238E27FC236}">
+                  <a16:creationId xmlns:a16="http://schemas.microsoft.com/office/drawing/2014/main" id="{66FC26C4-920F-48E6-9277-639D4E124088}"/>
+                </a:ext>
+              </a:extLst>
+            </p:cNvPr>
+            <p:cNvCxnSpPr>
+              <a:cxnSpLocks/>
+              <a:endCxn id="36" idx="1"/>
+            </p:cNvCxnSpPr>
+            <p:nvPr/>
+          </p:nvCxnSpPr>
+          <p:spPr>
+            <a:xfrm flipV="1">
+              <a:off x="748967" y="2213067"/>
+              <a:ext cx="390519" cy="4566"/>
+            </a:xfrm>
+            <a:prstGeom prst="straightConnector1">
+              <a:avLst/>
+            </a:prstGeom>
+            <a:ln>
+              <a:tailEnd type="triangle"/>
+            </a:ln>
+          </p:spPr>
+          <p:style>
+            <a:lnRef idx="1">
+              <a:schemeClr val="dk1"/>
+            </a:lnRef>
+            <a:fillRef idx="0">
+              <a:schemeClr val="dk1"/>
+            </a:fillRef>
+            <a:effectRef idx="0">
+              <a:schemeClr val="dk1"/>
+            </a:effectRef>
+            <a:fontRef idx="minor">
+              <a:schemeClr val="tx1"/>
+            </a:fontRef>
+          </p:style>
+        </p:cxnSp>
+        <p:cxnSp>
+          <p:nvCxnSpPr>
+            <p:cNvPr id="37" name="直線矢印コネクタ 36">
+              <a:extLst>
+                <a:ext uri="{FF2B5EF4-FFF2-40B4-BE49-F238E27FC236}">
+                  <a16:creationId xmlns:a16="http://schemas.microsoft.com/office/drawing/2014/main" id="{E414C62A-516A-4026-B472-9E2F7120F134}"/>
+                </a:ext>
+              </a:extLst>
+            </p:cNvPr>
+            <p:cNvCxnSpPr>
+              <a:cxnSpLocks/>
+              <a:endCxn id="8" idx="1"/>
+            </p:cNvCxnSpPr>
+            <p:nvPr/>
+          </p:nvCxnSpPr>
+          <p:spPr>
+            <a:xfrm>
+              <a:off x="746592" y="3126360"/>
+              <a:ext cx="392894" cy="0"/>
+            </a:xfrm>
+            <a:prstGeom prst="straightConnector1">
+              <a:avLst/>
+            </a:prstGeom>
+            <a:ln>
+              <a:tailEnd type="triangle"/>
+            </a:ln>
+          </p:spPr>
+          <p:style>
+            <a:lnRef idx="1">
+              <a:schemeClr val="dk1"/>
+            </a:lnRef>
+            <a:fillRef idx="0">
+              <a:schemeClr val="dk1"/>
+            </a:fillRef>
+            <a:effectRef idx="0">
+              <a:schemeClr val="dk1"/>
+            </a:effectRef>
+            <a:fontRef idx="minor">
+              <a:schemeClr val="tx1"/>
+            </a:fontRef>
+          </p:style>
+        </p:cxnSp>
+        <p:cxnSp>
+          <p:nvCxnSpPr>
+            <p:cNvPr id="38" name="直線矢印コネクタ 37">
+              <a:extLst>
+                <a:ext uri="{FF2B5EF4-FFF2-40B4-BE49-F238E27FC236}">
+                  <a16:creationId xmlns:a16="http://schemas.microsoft.com/office/drawing/2014/main" id="{2EFAF47A-C14D-4580-B77C-8304FE796A2A}"/>
+                </a:ext>
+              </a:extLst>
+            </p:cNvPr>
+            <p:cNvCxnSpPr>
+              <a:cxnSpLocks/>
+            </p:cNvCxnSpPr>
+            <p:nvPr/>
+          </p:nvCxnSpPr>
+          <p:spPr>
+            <a:xfrm>
+              <a:off x="2030440" y="2208312"/>
+              <a:ext cx="390519" cy="0"/>
+            </a:xfrm>
+            <a:prstGeom prst="straightConnector1">
+              <a:avLst/>
+            </a:prstGeom>
+            <a:ln>
+              <a:tailEnd type="triangle"/>
+            </a:ln>
+          </p:spPr>
+          <p:style>
+            <a:lnRef idx="1">
+              <a:schemeClr val="dk1"/>
+            </a:lnRef>
+            <a:fillRef idx="0">
+              <a:schemeClr val="dk1"/>
+            </a:fillRef>
+            <a:effectRef idx="0">
+              <a:schemeClr val="dk1"/>
+            </a:effectRef>
+            <a:fontRef idx="minor">
+              <a:schemeClr val="tx1"/>
+            </a:fontRef>
+          </p:style>
+        </p:cxnSp>
+        <p:cxnSp>
+          <p:nvCxnSpPr>
+            <p:cNvPr id="47" name="直線矢印コネクタ 46">
+              <a:extLst>
+                <a:ext uri="{FF2B5EF4-FFF2-40B4-BE49-F238E27FC236}">
+                  <a16:creationId xmlns:a16="http://schemas.microsoft.com/office/drawing/2014/main" id="{7073DAB6-0EF0-42BE-A740-2F4235535E82}"/>
+                </a:ext>
+              </a:extLst>
+            </p:cNvPr>
+            <p:cNvCxnSpPr>
+              <a:cxnSpLocks/>
+            </p:cNvCxnSpPr>
+            <p:nvPr/>
+          </p:nvCxnSpPr>
+          <p:spPr>
+            <a:xfrm>
+              <a:off x="2030440" y="3144416"/>
+              <a:ext cx="390519" cy="0"/>
+            </a:xfrm>
+            <a:prstGeom prst="straightConnector1">
+              <a:avLst/>
+            </a:prstGeom>
+            <a:ln>
+              <a:tailEnd type="triangle"/>
+            </a:ln>
+          </p:spPr>
+          <p:style>
+            <a:lnRef idx="1">
+              <a:schemeClr val="dk1"/>
+            </a:lnRef>
+            <a:fillRef idx="0">
+              <a:schemeClr val="dk1"/>
+            </a:fillRef>
+            <a:effectRef idx="0">
+              <a:schemeClr val="dk1"/>
+            </a:effectRef>
+            <a:fontRef idx="minor">
+              <a:schemeClr val="tx1"/>
+            </a:fontRef>
+          </p:style>
+        </p:cxnSp>
+        <p:sp>
+          <p:nvSpPr>
+            <p:cNvPr id="57" name="テキスト ボックス 56">
+              <a:extLst>
+                <a:ext uri="{FF2B5EF4-FFF2-40B4-BE49-F238E27FC236}">
+                  <a16:creationId xmlns:a16="http://schemas.microsoft.com/office/drawing/2014/main" id="{22BB6C74-1F16-42AD-8DB5-92623CCE8620}"/>
+                </a:ext>
+              </a:extLst>
+            </p:cNvPr>
+            <p:cNvSpPr txBox="1"/>
+            <p:nvPr/>
+          </p:nvSpPr>
+          <p:spPr>
+            <a:xfrm>
+              <a:off x="724749" y="1971608"/>
+              <a:ext cx="504051" cy="246221"/>
+            </a:xfrm>
+            <a:prstGeom prst="rect">
+              <a:avLst/>
+            </a:prstGeom>
+            <a:noFill/>
+          </p:spPr>
+          <p:txBody>
+            <a:bodyPr wrap="square" rtlCol="0">
+              <a:spAutoFit/>
+            </a:bodyPr>
+            <a:lstStyle/>
+            <a:p>
+              <a:r>
+                <a:rPr lang="ja-JP" altLang="en-US" sz="1000" dirty="0">
+                  <a:latin typeface="+mn-lt"/>
+                </a:rPr>
+                <a:t>管理</a:t>
+              </a:r>
+              <a:endParaRPr kumimoji="1" lang="ja-JP" altLang="en-US" sz="1000" dirty="0">
+                <a:latin typeface="+mn-lt"/>
+              </a:endParaRPr>
+            </a:p>
+          </p:txBody>
+        </p:sp>
+        <p:sp>
+          <p:nvSpPr>
+            <p:cNvPr id="58" name="テキスト ボックス 57">
+              <a:extLst>
+                <a:ext uri="{FF2B5EF4-FFF2-40B4-BE49-F238E27FC236}">
+                  <a16:creationId xmlns:a16="http://schemas.microsoft.com/office/drawing/2014/main" id="{334254D6-E7BB-4936-84AC-77DBB8983BCE}"/>
+                </a:ext>
+              </a:extLst>
+            </p:cNvPr>
+            <p:cNvSpPr txBox="1"/>
+            <p:nvPr/>
+          </p:nvSpPr>
+          <p:spPr>
+            <a:xfrm>
+              <a:off x="712392" y="2881838"/>
+              <a:ext cx="504051" cy="246221"/>
+            </a:xfrm>
+            <a:prstGeom prst="rect">
+              <a:avLst/>
+            </a:prstGeom>
+            <a:noFill/>
+          </p:spPr>
+          <p:txBody>
+            <a:bodyPr wrap="square" rtlCol="0">
+              <a:spAutoFit/>
+            </a:bodyPr>
+            <a:lstStyle/>
+            <a:p>
+              <a:r>
+                <a:rPr kumimoji="1" lang="ja-JP" altLang="en-US" sz="1000" dirty="0">
+                  <a:latin typeface="+mn-lt"/>
+                </a:rPr>
+                <a:t>参照</a:t>
+              </a:r>
+            </a:p>
+          </p:txBody>
+        </p:sp>
+        <p:sp>
+          <p:nvSpPr>
+            <p:cNvPr id="59" name="テキスト ボックス 58">
+              <a:extLst>
+                <a:ext uri="{FF2B5EF4-FFF2-40B4-BE49-F238E27FC236}">
+                  <a16:creationId xmlns:a16="http://schemas.microsoft.com/office/drawing/2014/main" id="{BA693B65-D72C-42F5-85AD-4E819A14991E}"/>
+                </a:ext>
+              </a:extLst>
+            </p:cNvPr>
+            <p:cNvSpPr txBox="1"/>
+            <p:nvPr/>
+          </p:nvSpPr>
+          <p:spPr>
+            <a:xfrm>
+              <a:off x="1562295" y="2543831"/>
+              <a:ext cx="504051" cy="246221"/>
+            </a:xfrm>
+            <a:prstGeom prst="rect">
+              <a:avLst/>
+            </a:prstGeom>
+            <a:noFill/>
+          </p:spPr>
+          <p:txBody>
+            <a:bodyPr wrap="square" rtlCol="0">
+              <a:spAutoFit/>
+            </a:bodyPr>
+            <a:lstStyle/>
+            <a:p>
+              <a:r>
+                <a:rPr kumimoji="1" lang="ja-JP" altLang="en-US" sz="1000" dirty="0">
+                  <a:latin typeface="+mn-lt"/>
+                </a:rPr>
+                <a:t>参照</a:t>
+              </a:r>
+            </a:p>
+          </p:txBody>
+        </p:sp>
+        <p:sp>
+          <p:nvSpPr>
+            <p:cNvPr id="60" name="テキスト ボックス 59">
+              <a:extLst>
+                <a:ext uri="{FF2B5EF4-FFF2-40B4-BE49-F238E27FC236}">
+                  <a16:creationId xmlns:a16="http://schemas.microsoft.com/office/drawing/2014/main" id="{2964873E-C7C2-4AA2-8363-6F0E78407FD0}"/>
+                </a:ext>
+              </a:extLst>
+            </p:cNvPr>
+            <p:cNvSpPr txBox="1"/>
+            <p:nvPr/>
+          </p:nvSpPr>
+          <p:spPr>
+            <a:xfrm>
+              <a:off x="2000063" y="2898916"/>
+              <a:ext cx="504051" cy="246221"/>
+            </a:xfrm>
+            <a:prstGeom prst="rect">
+              <a:avLst/>
+            </a:prstGeom>
+            <a:noFill/>
+          </p:spPr>
+          <p:txBody>
+            <a:bodyPr wrap="square" rtlCol="0">
+              <a:spAutoFit/>
+            </a:bodyPr>
+            <a:lstStyle/>
+            <a:p>
+              <a:r>
+                <a:rPr kumimoji="1" lang="ja-JP" altLang="en-US" sz="1000" dirty="0">
+                  <a:latin typeface="+mn-lt"/>
+                </a:rPr>
+                <a:t>参照</a:t>
+              </a:r>
+            </a:p>
+          </p:txBody>
+        </p:sp>
+        <p:sp>
+          <p:nvSpPr>
+            <p:cNvPr id="61" name="テキスト ボックス 60">
+              <a:extLst>
+                <a:ext uri="{FF2B5EF4-FFF2-40B4-BE49-F238E27FC236}">
+                  <a16:creationId xmlns:a16="http://schemas.microsoft.com/office/drawing/2014/main" id="{8B9D1EB4-B29E-4BB1-9D08-8E7A5209E181}"/>
+                </a:ext>
+              </a:extLst>
+            </p:cNvPr>
+            <p:cNvSpPr txBox="1"/>
+            <p:nvPr/>
+          </p:nvSpPr>
+          <p:spPr>
+            <a:xfrm>
+              <a:off x="2003950" y="1971899"/>
+              <a:ext cx="504051" cy="246221"/>
+            </a:xfrm>
+            <a:prstGeom prst="rect">
+              <a:avLst/>
+            </a:prstGeom>
+            <a:noFill/>
+          </p:spPr>
+          <p:txBody>
+            <a:bodyPr wrap="square" rtlCol="0">
+              <a:spAutoFit/>
+            </a:bodyPr>
+            <a:lstStyle/>
+            <a:p>
+              <a:r>
+                <a:rPr kumimoji="1" lang="ja-JP" altLang="en-US" sz="1000" dirty="0">
+                  <a:latin typeface="+mn-lt"/>
+                </a:rPr>
+                <a:t>制御</a:t>
+              </a:r>
+            </a:p>
+          </p:txBody>
+        </p:sp>
+      </p:grpSp>
     </p:spTree>
     <p:extLst>
       <p:ext uri="{BB962C8B-B14F-4D97-AF65-F5344CB8AC3E}">
@@ -14126,7 +7470,7 @@
 </p:sld>
 </file>
 
-<file path=ppt/slides/slide4.xml><?xml version="1.0" encoding="utf-8"?>
+<file path=ppt/slides/slide3.xml><?xml version="1.0" encoding="utf-8"?>
 <p:sld xmlns:a="http://schemas.openxmlformats.org/drawingml/2006/main" xmlns:r="http://schemas.openxmlformats.org/officeDocument/2006/relationships" xmlns:p="http://schemas.openxmlformats.org/presentationml/2006/main">
   <p:cSld>
     <p:spTree>
@@ -16477,7 +9821,7 @@
 </p:sld>
 </file>
 
-<file path=ppt/slides/slide5.xml><?xml version="1.0" encoding="utf-8"?>
+<file path=ppt/slides/slide4.xml><?xml version="1.0" encoding="utf-8"?>
 <p:sld xmlns:a="http://schemas.openxmlformats.org/drawingml/2006/main" xmlns:r="http://schemas.openxmlformats.org/officeDocument/2006/relationships" xmlns:p="http://schemas.openxmlformats.org/presentationml/2006/main">
   <p:cSld>
     <p:spTree>
@@ -17898,7 +11242,7 @@
 </p:sld>
 </file>
 
-<file path=ppt/slides/slide6.xml><?xml version="1.0" encoding="utf-8"?>
+<file path=ppt/slides/slide5.xml><?xml version="1.0" encoding="utf-8"?>
 <p:sld xmlns:a="http://schemas.openxmlformats.org/drawingml/2006/main" xmlns:r="http://schemas.openxmlformats.org/officeDocument/2006/relationships" xmlns:p="http://schemas.openxmlformats.org/presentationml/2006/main">
   <p:cSld>
     <p:spTree>
